--- a/thesis_presentation/How to Make the Internet Faster.pptx
+++ b/thesis_presentation/How to Make the Internet Faster.pptx
@@ -5,11 +5,16 @@
     <p:sldMasterId id="2147483648" r:id="rId1"/>
   </p:sldMasterIdLst>
   <p:notesMasterIdLst>
-    <p:notesMasterId r:id="rId4"/>
+    <p:notesMasterId r:id="rId9"/>
   </p:notesMasterIdLst>
   <p:sldIdLst>
     <p:sldId id="256" r:id="rId2"/>
     <p:sldId id="257" r:id="rId3"/>
+    <p:sldId id="258" r:id="rId4"/>
+    <p:sldId id="259" r:id="rId5"/>
+    <p:sldId id="260" r:id="rId6"/>
+    <p:sldId id="261" r:id="rId7"/>
+    <p:sldId id="262" r:id="rId8"/>
   </p:sldIdLst>
   <p:sldSz cx="9144000" cy="6858000" type="screen4x3"/>
   <p:notesSz cx="6858000" cy="9144000"/>
@@ -193,7 +198,8 @@
           <a:p>
             <a:fld id="{9826D637-6924-4A4F-8550-0E64EF887888}" type="datetimeFigureOut">
               <a:rPr lang="en-US" smtClean="0"/>
-              <a:t>3/26/2010</a:t>
+              <a:pPr/>
+              <a:t>4/1/2010</a:t>
             </a:fld>
             <a:endParaRPr lang="en-US"/>
           </a:p>
@@ -354,6 +360,7 @@
           <a:p>
             <a:fld id="{CFD85767-B34F-4122-8642-982296400DCD}" type="slidenum">
               <a:rPr lang="en-US" smtClean="0"/>
+              <a:pPr/>
               <a:t>‹#›</a:t>
             </a:fld>
             <a:endParaRPr lang="en-US"/>
@@ -506,7 +513,93 @@
           <a:p>
             <a:r>
               <a:rPr lang="en-US" dirty="0" smtClean="0"/>
-              <a:t>Disk: not enough of it.</a:t>
+              <a:t>When the server can’t</a:t>
+            </a:r>
+            <a:endParaRPr lang="en-US" dirty="0"/>
+          </a:p>
+        </p:txBody>
+      </p:sp>
+      <p:sp>
+        <p:nvSpPr>
+          <p:cNvPr id="4" name="Slide Number Placeholder 3"/>
+          <p:cNvSpPr>
+            <a:spLocks noGrp="1"/>
+          </p:cNvSpPr>
+          <p:nvPr>
+            <p:ph type="sldNum" sz="quarter" idx="10"/>
+          </p:nvPr>
+        </p:nvSpPr>
+        <p:spPr/>
+        <p:txBody>
+          <a:bodyPr/>
+          <a:lstStyle/>
+          <a:p>
+            <a:fld id="{CFD85767-B34F-4122-8642-982296400DCD}" type="slidenum">
+              <a:rPr lang="en-US" smtClean="0"/>
+              <a:pPr/>
+              <a:t>1</a:t>
+            </a:fld>
+            <a:endParaRPr lang="en-US"/>
+          </a:p>
+        </p:txBody>
+      </p:sp>
+    </p:spTree>
+  </p:cSld>
+  <p:clrMapOvr>
+    <a:masterClrMapping/>
+  </p:clrMapOvr>
+</p:notes>
+</file>
+
+<file path=ppt/notesSlides/notesSlide2.xml><?xml version="1.0" encoding="utf-8"?>
+<p:notes xmlns:a="http://schemas.openxmlformats.org/drawingml/2006/main" xmlns:r="http://schemas.openxmlformats.org/officeDocument/2006/relationships" xmlns:p="http://schemas.openxmlformats.org/presentationml/2006/main">
+  <p:cSld>
+    <p:spTree>
+      <p:nvGrpSpPr>
+        <p:cNvPr id="1" name=""/>
+        <p:cNvGrpSpPr/>
+        <p:nvPr/>
+      </p:nvGrpSpPr>
+      <p:grpSpPr>
+        <a:xfrm>
+          <a:off x="0" y="0"/>
+          <a:ext cx="0" cy="0"/>
+          <a:chOff x="0" y="0"/>
+          <a:chExt cx="0" cy="0"/>
+        </a:xfrm>
+      </p:grpSpPr>
+      <p:sp>
+        <p:nvSpPr>
+          <p:cNvPr id="2" name="Slide Image Placeholder 1"/>
+          <p:cNvSpPr>
+            <a:spLocks noGrp="1" noRot="1" noChangeAspect="1"/>
+          </p:cNvSpPr>
+          <p:nvPr>
+            <p:ph type="sldImg"/>
+          </p:nvPr>
+        </p:nvSpPr>
+        <p:spPr/>
+      </p:sp>
+      <p:sp>
+        <p:nvSpPr>
+          <p:cNvPr id="3" name="Notes Placeholder 2"/>
+          <p:cNvSpPr>
+            <a:spLocks noGrp="1"/>
+          </p:cNvSpPr>
+          <p:nvPr>
+            <p:ph type="body" idx="1"/>
+          </p:nvPr>
+        </p:nvSpPr>
+        <p:spPr/>
+        <p:txBody>
+          <a:bodyPr>
+            <a:normAutofit/>
+          </a:bodyPr>
+          <a:lstStyle/>
+          <a:p>
+            <a:r>
+              <a:rPr lang="en-US" dirty="0" smtClean="0"/>
+              <a:t>What options do you have?</a:t>
             </a:r>
           </a:p>
           <a:p>
@@ -515,24 +608,22 @@
           <a:p>
             <a:r>
               <a:rPr lang="en-US" dirty="0" smtClean="0"/>
-              <a:t>Server bottleneck *can* become bandwidth, </a:t>
-            </a:r>
-            <a:r>
-              <a:rPr lang="en-US" smtClean="0"/>
-              <a:t>[when?] which </a:t>
-            </a:r>
-            <a:r>
-              <a:rPr lang="en-US" dirty="0" err="1" smtClean="0"/>
-              <a:t>ain’t</a:t>
-            </a:r>
+              <a:t>Go and do something else.</a:t>
+            </a:r>
+          </a:p>
+          <a:p>
+            <a:endParaRPr lang="en-US" dirty="0" smtClean="0"/>
+          </a:p>
+          <a:p>
             <a:r>
               <a:rPr lang="en-US" dirty="0" smtClean="0"/>
-              <a:t> yours. (new slide).</a:t>
+              <a:t>Add</a:t>
             </a:r>
             <a:r>
               <a:rPr lang="en-US" baseline="0" dirty="0" smtClean="0"/>
-              <a:t>  Servers can also get slammed</a:t>
-            </a:r>
+              <a:t> a graph of network speed increasing so slowly compared to processors [?]</a:t>
+            </a:r>
+            <a:endParaRPr lang="en-US" dirty="0" smtClean="0"/>
           </a:p>
         </p:txBody>
       </p:sp>
@@ -553,7 +644,397 @@
           <a:p>
             <a:fld id="{CFD85767-B34F-4122-8642-982296400DCD}" type="slidenum">
               <a:rPr lang="en-US" smtClean="0"/>
-              <a:t>2</a:t>
+              <a:pPr/>
+              <a:t>3</a:t>
+            </a:fld>
+            <a:endParaRPr lang="en-US"/>
+          </a:p>
+        </p:txBody>
+      </p:sp>
+    </p:spTree>
+  </p:cSld>
+  <p:clrMapOvr>
+    <a:masterClrMapping/>
+  </p:clrMapOvr>
+</p:notes>
+</file>
+
+<file path=ppt/notesSlides/notesSlide3.xml><?xml version="1.0" encoding="utf-8"?>
+<p:notes xmlns:a="http://schemas.openxmlformats.org/drawingml/2006/main" xmlns:r="http://schemas.openxmlformats.org/officeDocument/2006/relationships" xmlns:p="http://schemas.openxmlformats.org/presentationml/2006/main">
+  <p:cSld>
+    <p:spTree>
+      <p:nvGrpSpPr>
+        <p:cNvPr id="1" name=""/>
+        <p:cNvGrpSpPr/>
+        <p:nvPr/>
+      </p:nvGrpSpPr>
+      <p:grpSpPr>
+        <a:xfrm>
+          <a:off x="0" y="0"/>
+          <a:ext cx="0" cy="0"/>
+          <a:chOff x="0" y="0"/>
+          <a:chExt cx="0" cy="0"/>
+        </a:xfrm>
+      </p:grpSpPr>
+      <p:sp>
+        <p:nvSpPr>
+          <p:cNvPr id="2" name="Slide Image Placeholder 1"/>
+          <p:cNvSpPr>
+            <a:spLocks noGrp="1" noRot="1" noChangeAspect="1"/>
+          </p:cNvSpPr>
+          <p:nvPr>
+            <p:ph type="sldImg"/>
+          </p:nvPr>
+        </p:nvSpPr>
+        <p:spPr/>
+      </p:sp>
+      <p:sp>
+        <p:nvSpPr>
+          <p:cNvPr id="3" name="Notes Placeholder 2"/>
+          <p:cNvSpPr>
+            <a:spLocks noGrp="1"/>
+          </p:cNvSpPr>
+          <p:nvPr>
+            <p:ph type="body" idx="1"/>
+          </p:nvPr>
+        </p:nvSpPr>
+        <p:spPr/>
+        <p:txBody>
+          <a:bodyPr>
+            <a:normAutofit/>
+          </a:bodyPr>
+          <a:lstStyle/>
+          <a:p>
+            <a:r>
+              <a:rPr lang="en-US" dirty="0" smtClean="0"/>
+              <a:t>Download manager—for me speeds things up, but</a:t>
+            </a:r>
+            <a:r>
+              <a:rPr lang="en-US" baseline="0" dirty="0" smtClean="0"/>
+              <a:t> hard to use because not integrated, also the server might run out </a:t>
+            </a:r>
+            <a:r>
+              <a:rPr lang="en-US" baseline="0" smtClean="0"/>
+              <a:t>of bandwidth.</a:t>
+            </a:r>
+            <a:endParaRPr lang="en-US" dirty="0"/>
+          </a:p>
+        </p:txBody>
+      </p:sp>
+      <p:sp>
+        <p:nvSpPr>
+          <p:cNvPr id="4" name="Slide Number Placeholder 3"/>
+          <p:cNvSpPr>
+            <a:spLocks noGrp="1"/>
+          </p:cNvSpPr>
+          <p:nvPr>
+            <p:ph type="sldNum" sz="quarter" idx="10"/>
+          </p:nvPr>
+        </p:nvSpPr>
+        <p:spPr/>
+        <p:txBody>
+          <a:bodyPr/>
+          <a:lstStyle/>
+          <a:p>
+            <a:fld id="{CFD85767-B34F-4122-8642-982296400DCD}" type="slidenum">
+              <a:rPr lang="en-US" smtClean="0"/>
+              <a:pPr/>
+              <a:t>4</a:t>
+            </a:fld>
+            <a:endParaRPr lang="en-US"/>
+          </a:p>
+        </p:txBody>
+      </p:sp>
+    </p:spTree>
+  </p:cSld>
+  <p:clrMapOvr>
+    <a:masterClrMapping/>
+  </p:clrMapOvr>
+</p:notes>
+</file>
+
+<file path=ppt/notesSlides/notesSlide4.xml><?xml version="1.0" encoding="utf-8"?>
+<p:notes xmlns:a="http://schemas.openxmlformats.org/drawingml/2006/main" xmlns:r="http://schemas.openxmlformats.org/officeDocument/2006/relationships" xmlns:p="http://schemas.openxmlformats.org/presentationml/2006/main">
+  <p:cSld>
+    <p:spTree>
+      <p:nvGrpSpPr>
+        <p:cNvPr id="1" name=""/>
+        <p:cNvGrpSpPr/>
+        <p:nvPr/>
+      </p:nvGrpSpPr>
+      <p:grpSpPr>
+        <a:xfrm>
+          <a:off x="0" y="0"/>
+          <a:ext cx="0" cy="0"/>
+          <a:chOff x="0" y="0"/>
+          <a:chExt cx="0" cy="0"/>
+        </a:xfrm>
+      </p:grpSpPr>
+      <p:sp>
+        <p:nvSpPr>
+          <p:cNvPr id="2" name="Slide Image Placeholder 1"/>
+          <p:cNvSpPr>
+            <a:spLocks noGrp="1" noRot="1" noChangeAspect="1"/>
+          </p:cNvSpPr>
+          <p:nvPr>
+            <p:ph type="sldImg"/>
+          </p:nvPr>
+        </p:nvSpPr>
+        <p:spPr/>
+      </p:sp>
+      <p:sp>
+        <p:nvSpPr>
+          <p:cNvPr id="3" name="Notes Placeholder 2"/>
+          <p:cNvSpPr>
+            <a:spLocks noGrp="1"/>
+          </p:cNvSpPr>
+          <p:nvPr>
+            <p:ph type="body" idx="1"/>
+          </p:nvPr>
+        </p:nvSpPr>
+        <p:spPr/>
+        <p:txBody>
+          <a:bodyPr>
+            <a:normAutofit/>
+          </a:bodyPr>
+          <a:lstStyle/>
+          <a:p>
+            <a:r>
+              <a:rPr lang="en-US" dirty="0" smtClean="0"/>
+              <a:t>More servers closer to you.</a:t>
+            </a:r>
+            <a:endParaRPr lang="en-US" dirty="0"/>
+          </a:p>
+        </p:txBody>
+      </p:sp>
+      <p:sp>
+        <p:nvSpPr>
+          <p:cNvPr id="4" name="Slide Number Placeholder 3"/>
+          <p:cNvSpPr>
+            <a:spLocks noGrp="1"/>
+          </p:cNvSpPr>
+          <p:nvPr>
+            <p:ph type="sldNum" sz="quarter" idx="10"/>
+          </p:nvPr>
+        </p:nvSpPr>
+        <p:spPr/>
+        <p:txBody>
+          <a:bodyPr/>
+          <a:lstStyle/>
+          <a:p>
+            <a:fld id="{CFD85767-B34F-4122-8642-982296400DCD}" type="slidenum">
+              <a:rPr lang="en-US" smtClean="0"/>
+              <a:pPr/>
+              <a:t>5</a:t>
+            </a:fld>
+            <a:endParaRPr lang="en-US"/>
+          </a:p>
+        </p:txBody>
+      </p:sp>
+    </p:spTree>
+  </p:cSld>
+  <p:clrMapOvr>
+    <a:masterClrMapping/>
+  </p:clrMapOvr>
+</p:notes>
+</file>
+
+<file path=ppt/notesSlides/notesSlide5.xml><?xml version="1.0" encoding="utf-8"?>
+<p:notes xmlns:a="http://schemas.openxmlformats.org/drawingml/2006/main" xmlns:r="http://schemas.openxmlformats.org/officeDocument/2006/relationships" xmlns:p="http://schemas.openxmlformats.org/presentationml/2006/main">
+  <p:cSld>
+    <p:spTree>
+      <p:nvGrpSpPr>
+        <p:cNvPr id="1" name=""/>
+        <p:cNvGrpSpPr/>
+        <p:nvPr/>
+      </p:nvGrpSpPr>
+      <p:grpSpPr>
+        <a:xfrm>
+          <a:off x="0" y="0"/>
+          <a:ext cx="0" cy="0"/>
+          <a:chOff x="0" y="0"/>
+          <a:chExt cx="0" cy="0"/>
+        </a:xfrm>
+      </p:grpSpPr>
+      <p:sp>
+        <p:nvSpPr>
+          <p:cNvPr id="2" name="Slide Image Placeholder 1"/>
+          <p:cNvSpPr>
+            <a:spLocks noGrp="1" noRot="1" noChangeAspect="1"/>
+          </p:cNvSpPr>
+          <p:nvPr>
+            <p:ph type="sldImg"/>
+          </p:nvPr>
+        </p:nvSpPr>
+        <p:spPr/>
+      </p:sp>
+      <p:sp>
+        <p:nvSpPr>
+          <p:cNvPr id="3" name="Notes Placeholder 2"/>
+          <p:cNvSpPr>
+            <a:spLocks noGrp="1"/>
+          </p:cNvSpPr>
+          <p:nvPr>
+            <p:ph type="body" idx="1"/>
+          </p:nvPr>
+        </p:nvSpPr>
+        <p:spPr/>
+        <p:txBody>
+          <a:bodyPr>
+            <a:normAutofit/>
+          </a:bodyPr>
+          <a:lstStyle/>
+          <a:p>
+            <a:r>
+              <a:rPr lang="en-US" dirty="0" smtClean="0"/>
+              <a:t>TODO: pictures</a:t>
+            </a:r>
+          </a:p>
+          <a:p>
+            <a:endParaRPr lang="en-US" dirty="0" smtClean="0"/>
+          </a:p>
+          <a:p>
+            <a:r>
+              <a:rPr lang="en-US" dirty="0" smtClean="0"/>
+              <a:t>Barrier: not just the client, but you don’t know if using the client will actually be faster.  Many times it isn’t.</a:t>
+            </a:r>
+          </a:p>
+          <a:p>
+            <a:r>
+              <a:rPr lang="en-US" dirty="0" smtClean="0"/>
+              <a:t>And some</a:t>
+            </a:r>
+            <a:r>
+              <a:rPr lang="en-US" baseline="0" dirty="0" smtClean="0"/>
+              <a:t> sites don’t offer P2P.</a:t>
+            </a:r>
+          </a:p>
+          <a:p>
+            <a:endParaRPr lang="en-US" baseline="0" dirty="0" smtClean="0"/>
+          </a:p>
+          <a:p>
+            <a:r>
+              <a:rPr lang="en-US" baseline="0" dirty="0" smtClean="0"/>
+              <a:t>Technology is there but not easily accessible.</a:t>
+            </a:r>
+          </a:p>
+          <a:p>
+            <a:endParaRPr lang="en-US" baseline="0" dirty="0" smtClean="0"/>
+          </a:p>
+          <a:p>
+            <a:r>
+              <a:rPr lang="en-US" baseline="0" dirty="0" smtClean="0"/>
+              <a:t>How many sites actually offer you that stuff?</a:t>
+            </a:r>
+            <a:endParaRPr lang="en-US" dirty="0"/>
+          </a:p>
+        </p:txBody>
+      </p:sp>
+      <p:sp>
+        <p:nvSpPr>
+          <p:cNvPr id="4" name="Slide Number Placeholder 3"/>
+          <p:cNvSpPr>
+            <a:spLocks noGrp="1"/>
+          </p:cNvSpPr>
+          <p:nvPr>
+            <p:ph type="sldNum" sz="quarter" idx="10"/>
+          </p:nvPr>
+        </p:nvSpPr>
+        <p:spPr/>
+        <p:txBody>
+          <a:bodyPr/>
+          <a:lstStyle/>
+          <a:p>
+            <a:fld id="{CFD85767-B34F-4122-8642-982296400DCD}" type="slidenum">
+              <a:rPr lang="en-US" smtClean="0"/>
+              <a:pPr/>
+              <a:t>6</a:t>
+            </a:fld>
+            <a:endParaRPr lang="en-US"/>
+          </a:p>
+        </p:txBody>
+      </p:sp>
+    </p:spTree>
+  </p:cSld>
+  <p:clrMapOvr>
+    <a:masterClrMapping/>
+  </p:clrMapOvr>
+</p:notes>
+</file>
+
+<file path=ppt/notesSlides/notesSlide6.xml><?xml version="1.0" encoding="utf-8"?>
+<p:notes xmlns:a="http://schemas.openxmlformats.org/drawingml/2006/main" xmlns:r="http://schemas.openxmlformats.org/officeDocument/2006/relationships" xmlns:p="http://schemas.openxmlformats.org/presentationml/2006/main">
+  <p:cSld>
+    <p:spTree>
+      <p:nvGrpSpPr>
+        <p:cNvPr id="1" name=""/>
+        <p:cNvGrpSpPr/>
+        <p:nvPr/>
+      </p:nvGrpSpPr>
+      <p:grpSpPr>
+        <a:xfrm>
+          <a:off x="0" y="0"/>
+          <a:ext cx="0" cy="0"/>
+          <a:chOff x="0" y="0"/>
+          <a:chExt cx="0" cy="0"/>
+        </a:xfrm>
+      </p:grpSpPr>
+      <p:sp>
+        <p:nvSpPr>
+          <p:cNvPr id="2" name="Slide Image Placeholder 1"/>
+          <p:cNvSpPr>
+            <a:spLocks noGrp="1" noRot="1" noChangeAspect="1"/>
+          </p:cNvSpPr>
+          <p:nvPr>
+            <p:ph type="sldImg"/>
+          </p:nvPr>
+        </p:nvSpPr>
+        <p:spPr/>
+      </p:sp>
+      <p:sp>
+        <p:nvSpPr>
+          <p:cNvPr id="3" name="Notes Placeholder 2"/>
+          <p:cNvSpPr>
+            <a:spLocks noGrp="1"/>
+          </p:cNvSpPr>
+          <p:nvPr>
+            <p:ph type="body" idx="1"/>
+          </p:nvPr>
+        </p:nvSpPr>
+        <p:spPr/>
+        <p:txBody>
+          <a:bodyPr>
+            <a:normAutofit/>
+          </a:bodyPr>
+          <a:lstStyle/>
+          <a:p>
+            <a:r>
+              <a:rPr lang="en-US" dirty="0" smtClean="0"/>
+              <a:t>Barrier to entry: know how to use it, choose it, and it has to be fast.  Many people ignore it.</a:t>
+            </a:r>
+            <a:endParaRPr lang="en-US" dirty="0"/>
+          </a:p>
+        </p:txBody>
+      </p:sp>
+      <p:sp>
+        <p:nvSpPr>
+          <p:cNvPr id="4" name="Slide Number Placeholder 3"/>
+          <p:cNvSpPr>
+            <a:spLocks noGrp="1"/>
+          </p:cNvSpPr>
+          <p:nvPr>
+            <p:ph type="sldNum" sz="quarter" idx="10"/>
+          </p:nvPr>
+        </p:nvSpPr>
+        <p:spPr/>
+        <p:txBody>
+          <a:bodyPr/>
+          <a:lstStyle/>
+          <a:p>
+            <a:fld id="{CFD85767-B34F-4122-8642-982296400DCD}" type="slidenum">
+              <a:rPr lang="en-US" smtClean="0"/>
+              <a:pPr/>
+              <a:t>7</a:t>
             </a:fld>
             <a:endParaRPr lang="en-US"/>
           </a:p>
@@ -748,7 +1229,8 @@
           <a:p>
             <a:fld id="{B41A135E-287C-4591-8C88-153CD277EA84}" type="datetimeFigureOut">
               <a:rPr lang="en-US" smtClean="0"/>
-              <a:t>3/26/2010</a:t>
+              <a:pPr/>
+              <a:t>4/1/2010</a:t>
             </a:fld>
             <a:endParaRPr lang="en-US"/>
           </a:p>
@@ -790,6 +1272,7 @@
           <a:p>
             <a:fld id="{F55DB321-3E07-42A7-B023-42BE62E90D4F}" type="slidenum">
               <a:rPr lang="en-US" smtClean="0"/>
+              <a:pPr/>
               <a:t>‹#›</a:t>
             </a:fld>
             <a:endParaRPr lang="en-US"/>
@@ -913,7 +1396,8 @@
           <a:p>
             <a:fld id="{B41A135E-287C-4591-8C88-153CD277EA84}" type="datetimeFigureOut">
               <a:rPr lang="en-US" smtClean="0"/>
-              <a:t>3/26/2010</a:t>
+              <a:pPr/>
+              <a:t>4/1/2010</a:t>
             </a:fld>
             <a:endParaRPr lang="en-US"/>
           </a:p>
@@ -955,6 +1439,7 @@
           <a:p>
             <a:fld id="{F55DB321-3E07-42A7-B023-42BE62E90D4F}" type="slidenum">
               <a:rPr lang="en-US" smtClean="0"/>
+              <a:pPr/>
               <a:t>‹#›</a:t>
             </a:fld>
             <a:endParaRPr lang="en-US"/>
@@ -1088,7 +1573,8 @@
           <a:p>
             <a:fld id="{B41A135E-287C-4591-8C88-153CD277EA84}" type="datetimeFigureOut">
               <a:rPr lang="en-US" smtClean="0"/>
-              <a:t>3/26/2010</a:t>
+              <a:pPr/>
+              <a:t>4/1/2010</a:t>
             </a:fld>
             <a:endParaRPr lang="en-US"/>
           </a:p>
@@ -1130,6 +1616,7 @@
           <a:p>
             <a:fld id="{F55DB321-3E07-42A7-B023-42BE62E90D4F}" type="slidenum">
               <a:rPr lang="en-US" smtClean="0"/>
+              <a:pPr/>
               <a:t>‹#›</a:t>
             </a:fld>
             <a:endParaRPr lang="en-US"/>
@@ -1253,7 +1740,8 @@
           <a:p>
             <a:fld id="{B41A135E-287C-4591-8C88-153CD277EA84}" type="datetimeFigureOut">
               <a:rPr lang="en-US" smtClean="0"/>
-              <a:t>3/26/2010</a:t>
+              <a:pPr/>
+              <a:t>4/1/2010</a:t>
             </a:fld>
             <a:endParaRPr lang="en-US"/>
           </a:p>
@@ -1295,6 +1783,7 @@
           <a:p>
             <a:fld id="{F55DB321-3E07-42A7-B023-42BE62E90D4F}" type="slidenum">
               <a:rPr lang="en-US" smtClean="0"/>
+              <a:pPr/>
               <a:t>‹#›</a:t>
             </a:fld>
             <a:endParaRPr lang="en-US"/>
@@ -1494,7 +1983,8 @@
           <a:p>
             <a:fld id="{B41A135E-287C-4591-8C88-153CD277EA84}" type="datetimeFigureOut">
               <a:rPr lang="en-US" smtClean="0"/>
-              <a:t>3/26/2010</a:t>
+              <a:pPr/>
+              <a:t>4/1/2010</a:t>
             </a:fld>
             <a:endParaRPr lang="en-US"/>
           </a:p>
@@ -1536,6 +2026,7 @@
           <a:p>
             <a:fld id="{F55DB321-3E07-42A7-B023-42BE62E90D4F}" type="slidenum">
               <a:rPr lang="en-US" smtClean="0"/>
+              <a:pPr/>
               <a:t>‹#›</a:t>
             </a:fld>
             <a:endParaRPr lang="en-US"/>
@@ -1777,7 +2268,8 @@
           <a:p>
             <a:fld id="{B41A135E-287C-4591-8C88-153CD277EA84}" type="datetimeFigureOut">
               <a:rPr lang="en-US" smtClean="0"/>
-              <a:t>3/26/2010</a:t>
+              <a:pPr/>
+              <a:t>4/1/2010</a:t>
             </a:fld>
             <a:endParaRPr lang="en-US"/>
           </a:p>
@@ -1819,6 +2311,7 @@
           <a:p>
             <a:fld id="{F55DB321-3E07-42A7-B023-42BE62E90D4F}" type="slidenum">
               <a:rPr lang="en-US" smtClean="0"/>
+              <a:pPr/>
               <a:t>‹#›</a:t>
             </a:fld>
             <a:endParaRPr lang="en-US"/>
@@ -2194,7 +2687,8 @@
           <a:p>
             <a:fld id="{B41A135E-287C-4591-8C88-153CD277EA84}" type="datetimeFigureOut">
               <a:rPr lang="en-US" smtClean="0"/>
-              <a:t>3/26/2010</a:t>
+              <a:pPr/>
+              <a:t>4/1/2010</a:t>
             </a:fld>
             <a:endParaRPr lang="en-US"/>
           </a:p>
@@ -2236,6 +2730,7 @@
           <a:p>
             <a:fld id="{F55DB321-3E07-42A7-B023-42BE62E90D4F}" type="slidenum">
               <a:rPr lang="en-US" smtClean="0"/>
+              <a:pPr/>
               <a:t>‹#›</a:t>
             </a:fld>
             <a:endParaRPr lang="en-US"/>
@@ -2307,7 +2802,8 @@
           <a:p>
             <a:fld id="{B41A135E-287C-4591-8C88-153CD277EA84}" type="datetimeFigureOut">
               <a:rPr lang="en-US" smtClean="0"/>
-              <a:t>3/26/2010</a:t>
+              <a:pPr/>
+              <a:t>4/1/2010</a:t>
             </a:fld>
             <a:endParaRPr lang="en-US"/>
           </a:p>
@@ -2349,6 +2845,7 @@
           <a:p>
             <a:fld id="{F55DB321-3E07-42A7-B023-42BE62E90D4F}" type="slidenum">
               <a:rPr lang="en-US" smtClean="0"/>
+              <a:pPr/>
               <a:t>‹#›</a:t>
             </a:fld>
             <a:endParaRPr lang="en-US"/>
@@ -2397,7 +2894,8 @@
           <a:p>
             <a:fld id="{B41A135E-287C-4591-8C88-153CD277EA84}" type="datetimeFigureOut">
               <a:rPr lang="en-US" smtClean="0"/>
-              <a:t>3/26/2010</a:t>
+              <a:pPr/>
+              <a:t>4/1/2010</a:t>
             </a:fld>
             <a:endParaRPr lang="en-US"/>
           </a:p>
@@ -2439,6 +2937,7 @@
           <a:p>
             <a:fld id="{F55DB321-3E07-42A7-B023-42BE62E90D4F}" type="slidenum">
               <a:rPr lang="en-US" smtClean="0"/>
+              <a:pPr/>
               <a:t>‹#›</a:t>
             </a:fld>
             <a:endParaRPr lang="en-US"/>
@@ -2669,7 +3168,8 @@
           <a:p>
             <a:fld id="{B41A135E-287C-4591-8C88-153CD277EA84}" type="datetimeFigureOut">
               <a:rPr lang="en-US" smtClean="0"/>
-              <a:t>3/26/2010</a:t>
+              <a:pPr/>
+              <a:t>4/1/2010</a:t>
             </a:fld>
             <a:endParaRPr lang="en-US"/>
           </a:p>
@@ -2711,6 +3211,7 @@
           <a:p>
             <a:fld id="{F55DB321-3E07-42A7-B023-42BE62E90D4F}" type="slidenum">
               <a:rPr lang="en-US" smtClean="0"/>
+              <a:pPr/>
               <a:t>‹#›</a:t>
             </a:fld>
             <a:endParaRPr lang="en-US"/>
@@ -2917,7 +3418,8 @@
           <a:p>
             <a:fld id="{B41A135E-287C-4591-8C88-153CD277EA84}" type="datetimeFigureOut">
               <a:rPr lang="en-US" smtClean="0"/>
-              <a:t>3/26/2010</a:t>
+              <a:pPr/>
+              <a:t>4/1/2010</a:t>
             </a:fld>
             <a:endParaRPr lang="en-US"/>
           </a:p>
@@ -2959,6 +3461,7 @@
           <a:p>
             <a:fld id="{F55DB321-3E07-42A7-B023-42BE62E90D4F}" type="slidenum">
               <a:rPr lang="en-US" smtClean="0"/>
+              <a:pPr/>
               <a:t>‹#›</a:t>
             </a:fld>
             <a:endParaRPr lang="en-US"/>
@@ -3125,7 +3628,8 @@
           <a:p>
             <a:fld id="{B41A135E-287C-4591-8C88-153CD277EA84}" type="datetimeFigureOut">
               <a:rPr lang="en-US" smtClean="0"/>
-              <a:t>3/26/2010</a:t>
+              <a:pPr/>
+              <a:t>4/1/2010</a:t>
             </a:fld>
             <a:endParaRPr lang="en-US"/>
           </a:p>
@@ -3203,6 +3707,7 @@
           <a:p>
             <a:fld id="{F55DB321-3E07-42A7-B023-42BE62E90D4F}" type="slidenum">
               <a:rPr lang="en-US" smtClean="0"/>
+              <a:pPr/>
               <a:t>‹#›</a:t>
             </a:fld>
             <a:endParaRPr lang="en-US"/>
@@ -3512,7 +4017,7 @@
           <a:p>
             <a:r>
               <a:rPr lang="en-US" dirty="0" smtClean="0"/>
-              <a:t>How to Make the Internet Faster</a:t>
+              <a:t>How to Make Downloading Faster</a:t>
             </a:r>
             <a:endParaRPr lang="en-US" dirty="0"/>
           </a:p>
@@ -3596,7 +4101,7 @@
           <a:p>
             <a:r>
               <a:rPr lang="en-US" dirty="0" smtClean="0"/>
-              <a:t>Today’s Bottleneck</a:t>
+              <a:t>Fast download</a:t>
             </a:r>
             <a:endParaRPr lang="en-US" dirty="0"/>
           </a:p>
@@ -3617,26 +4122,585 @@
           <a:bodyPr/>
           <a:lstStyle/>
           <a:p>
+            <a:endParaRPr lang="en-US"/>
+          </a:p>
+        </p:txBody>
+      </p:sp>
+      <p:pic>
+        <p:nvPicPr>
+          <p:cNvPr id="1027" name="Picture 3" descr="C:\Users\packrd\Desktop\more_speed_smaller.jpg"/>
+          <p:cNvPicPr>
+            <a:picLocks noChangeAspect="1" noChangeArrowheads="1"/>
+          </p:cNvPicPr>
+          <p:nvPr/>
+        </p:nvPicPr>
+        <p:blipFill>
+          <a:blip r:embed="rId2" cstate="print"/>
+          <a:srcRect/>
+          <a:stretch>
+            <a:fillRect/>
+          </a:stretch>
+        </p:blipFill>
+        <p:spPr bwMode="auto">
+          <a:xfrm>
+            <a:off x="304800" y="1600200"/>
+            <a:ext cx="8555567" cy="4476750"/>
+          </a:xfrm>
+          <a:prstGeom prst="rect">
+            <a:avLst/>
+          </a:prstGeom>
+          <a:noFill/>
+        </p:spPr>
+      </p:pic>
+      <p:pic>
+        <p:nvPicPr>
+          <p:cNvPr id="1028" name="Picture 4" descr="C:\Users\packrd\AppData\Local\Microsoft\Windows\Temporary Internet Files\Content.IE5\I9QEYR76\MCj04406450000[1].wmf"/>
+          <p:cNvPicPr>
+            <a:picLocks noChangeAspect="1" noChangeArrowheads="1"/>
+          </p:cNvPicPr>
+          <p:nvPr/>
+        </p:nvPicPr>
+        <p:blipFill>
+          <a:blip r:embed="rId3" cstate="print"/>
+          <a:srcRect/>
+          <a:stretch>
+            <a:fillRect/>
+          </a:stretch>
+        </p:blipFill>
+        <p:spPr bwMode="auto">
+          <a:xfrm>
+            <a:off x="6858000" y="0"/>
+            <a:ext cx="1828800" cy="1828800"/>
+          </a:xfrm>
+          <a:prstGeom prst="rect">
+            <a:avLst/>
+          </a:prstGeom>
+          <a:noFill/>
+        </p:spPr>
+      </p:pic>
+    </p:spTree>
+  </p:cSld>
+  <p:clrMapOvr>
+    <a:masterClrMapping/>
+  </p:clrMapOvr>
+</p:sld>
+</file>
+
+<file path=ppt/slides/slide3.xml><?xml version="1.0" encoding="utf-8"?>
+<p:sld xmlns:a="http://schemas.openxmlformats.org/drawingml/2006/main" xmlns:r="http://schemas.openxmlformats.org/officeDocument/2006/relationships" xmlns:p="http://schemas.openxmlformats.org/presentationml/2006/main">
+  <p:cSld>
+    <p:spTree>
+      <p:nvGrpSpPr>
+        <p:cNvPr id="1" name=""/>
+        <p:cNvGrpSpPr/>
+        <p:nvPr/>
+      </p:nvGrpSpPr>
+      <p:grpSpPr>
+        <a:xfrm>
+          <a:off x="0" y="0"/>
+          <a:ext cx="0" cy="0"/>
+          <a:chOff x="0" y="0"/>
+          <a:chExt cx="0" cy="0"/>
+        </a:xfrm>
+      </p:grpSpPr>
+      <p:sp>
+        <p:nvSpPr>
+          <p:cNvPr id="2" name="Title 1"/>
+          <p:cNvSpPr>
+            <a:spLocks noGrp="1"/>
+          </p:cNvSpPr>
+          <p:nvPr>
+            <p:ph type="title"/>
+          </p:nvPr>
+        </p:nvSpPr>
+        <p:spPr/>
+        <p:txBody>
+          <a:bodyPr>
+            <a:normAutofit/>
+          </a:bodyPr>
+          <a:lstStyle/>
+          <a:p>
             <a:r>
               <a:rPr lang="en-US" dirty="0" smtClean="0"/>
-              <a:t>CPU?</a:t>
-            </a:r>
-          </a:p>
+              <a:t>Slow downloads</a:t>
+            </a:r>
+            <a:endParaRPr lang="en-US" dirty="0"/>
+          </a:p>
+        </p:txBody>
+      </p:sp>
+      <p:sp>
+        <p:nvSpPr>
+          <p:cNvPr id="3" name="Content Placeholder 2"/>
+          <p:cNvSpPr>
+            <a:spLocks noGrp="1"/>
+          </p:cNvSpPr>
+          <p:nvPr>
+            <p:ph idx="1"/>
+          </p:nvPr>
+        </p:nvSpPr>
+        <p:spPr/>
+        <p:txBody>
+          <a:bodyPr/>
+          <a:lstStyle/>
+          <a:p>
+            <a:endParaRPr lang="en-US"/>
+          </a:p>
+        </p:txBody>
+      </p:sp>
+      <p:pic>
+        <p:nvPicPr>
+          <p:cNvPr id="2050" name="Picture 2"/>
+          <p:cNvPicPr>
+            <a:picLocks noChangeAspect="1" noChangeArrowheads="1"/>
+          </p:cNvPicPr>
+          <p:nvPr/>
+        </p:nvPicPr>
+        <p:blipFill>
+          <a:blip r:embed="rId3" cstate="print"/>
+          <a:srcRect/>
+          <a:stretch>
+            <a:fillRect/>
+          </a:stretch>
+        </p:blipFill>
+        <p:spPr bwMode="auto">
+          <a:xfrm>
+            <a:off x="381000" y="1600200"/>
+            <a:ext cx="8442145" cy="2233613"/>
+          </a:xfrm>
+          <a:prstGeom prst="rect">
+            <a:avLst/>
+          </a:prstGeom>
+          <a:noFill/>
+          <a:ln w="9525">
+            <a:noFill/>
+            <a:miter lim="800000"/>
+            <a:headEnd/>
+            <a:tailEnd/>
+          </a:ln>
+          <a:effectLst/>
+        </p:spPr>
+      </p:pic>
+      <p:pic>
+        <p:nvPicPr>
+          <p:cNvPr id="2051" name="Picture 3" descr="C:\Program Files\Microsoft Office\MEDIA\CAGCAT10\j0286034.wmf"/>
+          <p:cNvPicPr>
+            <a:picLocks noChangeAspect="1" noChangeArrowheads="1"/>
+          </p:cNvPicPr>
+          <p:nvPr/>
+        </p:nvPicPr>
+        <p:blipFill>
+          <a:blip r:embed="rId4" cstate="print"/>
+          <a:srcRect/>
+          <a:stretch>
+            <a:fillRect/>
+          </a:stretch>
+        </p:blipFill>
+        <p:spPr bwMode="auto">
+          <a:xfrm>
+            <a:off x="7497763" y="471488"/>
+            <a:ext cx="919162" cy="885825"/>
+          </a:xfrm>
+          <a:prstGeom prst="rect">
+            <a:avLst/>
+          </a:prstGeom>
+          <a:noFill/>
+        </p:spPr>
+      </p:pic>
+    </p:spTree>
+  </p:cSld>
+  <p:clrMapOvr>
+    <a:masterClrMapping/>
+  </p:clrMapOvr>
+</p:sld>
+</file>
+
+<file path=ppt/slides/slide4.xml><?xml version="1.0" encoding="utf-8"?>
+<p:sld xmlns:a="http://schemas.openxmlformats.org/drawingml/2006/main" xmlns:r="http://schemas.openxmlformats.org/officeDocument/2006/relationships" xmlns:p="http://schemas.openxmlformats.org/presentationml/2006/main">
+  <p:cSld>
+    <p:spTree>
+      <p:nvGrpSpPr>
+        <p:cNvPr id="1" name=""/>
+        <p:cNvGrpSpPr/>
+        <p:nvPr/>
+      </p:nvGrpSpPr>
+      <p:grpSpPr>
+        <a:xfrm>
+          <a:off x="0" y="0"/>
+          <a:ext cx="0" cy="0"/>
+          <a:chOff x="0" y="0"/>
+          <a:chExt cx="0" cy="0"/>
+        </a:xfrm>
+      </p:grpSpPr>
+      <p:sp>
+        <p:nvSpPr>
+          <p:cNvPr id="2" name="Title 1"/>
+          <p:cNvSpPr>
+            <a:spLocks noGrp="1"/>
+          </p:cNvSpPr>
+          <p:nvPr>
+            <p:ph type="title"/>
+          </p:nvPr>
+        </p:nvSpPr>
+        <p:spPr/>
+        <p:txBody>
+          <a:bodyPr/>
+          <a:lstStyle/>
           <a:p>
             <a:r>
               <a:rPr lang="en-US" dirty="0" smtClean="0"/>
-              <a:t>Disk?</a:t>
-            </a:r>
-          </a:p>
+              <a:t>Options</a:t>
+            </a:r>
+            <a:endParaRPr lang="en-US" dirty="0"/>
+          </a:p>
+        </p:txBody>
+      </p:sp>
+      <p:sp>
+        <p:nvSpPr>
+          <p:cNvPr id="3" name="Content Placeholder 2"/>
+          <p:cNvSpPr>
+            <a:spLocks noGrp="1"/>
+          </p:cNvSpPr>
+          <p:nvPr>
+            <p:ph idx="1"/>
+          </p:nvPr>
+        </p:nvSpPr>
+        <p:spPr/>
+        <p:txBody>
+          <a:bodyPr>
+            <a:normAutofit lnSpcReduction="10000"/>
+          </a:bodyPr>
+          <a:lstStyle/>
           <a:p>
             <a:r>
               <a:rPr lang="en-US" dirty="0" smtClean="0"/>
-              <a:t>Internet.</a:t>
+              <a:t>Hit reload.</a:t>
+            </a:r>
+          </a:p>
+          <a:p>
+            <a:r>
+              <a:rPr lang="en-US" dirty="0" smtClean="0"/>
+              <a:t>Go somewhere else.</a:t>
+            </a:r>
+          </a:p>
+          <a:p>
+            <a:r>
+              <a:rPr lang="en-US" dirty="0" smtClean="0"/>
+              <a:t>Download Manager.</a:t>
+            </a:r>
+          </a:p>
+          <a:p>
+            <a:r>
+              <a:rPr lang="en-US" dirty="0" smtClean="0"/>
+              <a:t>Add a local proxy.</a:t>
+            </a:r>
+          </a:p>
+          <a:p>
+            <a:r>
+              <a:rPr lang="en-US" dirty="0" smtClean="0"/>
+              <a:t>New internet connection.</a:t>
+            </a:r>
+          </a:p>
+          <a:p>
+            <a:r>
+              <a:rPr lang="en-US" dirty="0" smtClean="0"/>
+              <a:t>Beg the server to change how they serve the file</a:t>
+            </a:r>
+            <a:r>
+              <a:rPr lang="en-US" dirty="0" smtClean="0"/>
+              <a:t>.</a:t>
+            </a:r>
+          </a:p>
+          <a:p>
+            <a:r>
+              <a:rPr lang="en-US" dirty="0" smtClean="0"/>
+              <a:t>I now give </a:t>
+            </a:r>
+            <a:r>
+              <a:rPr lang="en-US" smtClean="0"/>
+              <a:t>you another option.</a:t>
             </a:r>
             <a:endParaRPr lang="en-US" dirty="0"/>
           </a:p>
         </p:txBody>
       </p:sp>
+    </p:spTree>
+  </p:cSld>
+  <p:clrMapOvr>
+    <a:masterClrMapping/>
+  </p:clrMapOvr>
+</p:sld>
+</file>
+
+<file path=ppt/slides/slide5.xml><?xml version="1.0" encoding="utf-8"?>
+<p:sld xmlns:a="http://schemas.openxmlformats.org/drawingml/2006/main" xmlns:r="http://schemas.openxmlformats.org/officeDocument/2006/relationships" xmlns:p="http://schemas.openxmlformats.org/presentationml/2006/main">
+  <p:cSld>
+    <p:spTree>
+      <p:nvGrpSpPr>
+        <p:cNvPr id="1" name=""/>
+        <p:cNvGrpSpPr/>
+        <p:nvPr/>
+      </p:nvGrpSpPr>
+      <p:grpSpPr>
+        <a:xfrm>
+          <a:off x="0" y="0"/>
+          <a:ext cx="0" cy="0"/>
+          <a:chOff x="0" y="0"/>
+          <a:chExt cx="0" cy="0"/>
+        </a:xfrm>
+      </p:grpSpPr>
+      <p:sp>
+        <p:nvSpPr>
+          <p:cNvPr id="2" name="Title 1"/>
+          <p:cNvSpPr>
+            <a:spLocks noGrp="1"/>
+          </p:cNvSpPr>
+          <p:nvPr>
+            <p:ph type="title"/>
+          </p:nvPr>
+        </p:nvSpPr>
+        <p:spPr/>
+        <p:txBody>
+          <a:bodyPr/>
+          <a:lstStyle/>
+          <a:p>
+            <a:r>
+              <a:rPr lang="en-US" dirty="0" smtClean="0"/>
+              <a:t>Server options</a:t>
+            </a:r>
+            <a:endParaRPr lang="en-US" dirty="0"/>
+          </a:p>
+        </p:txBody>
+      </p:sp>
+      <p:sp>
+        <p:nvSpPr>
+          <p:cNvPr id="3" name="Content Placeholder 2"/>
+          <p:cNvSpPr>
+            <a:spLocks noGrp="1"/>
+          </p:cNvSpPr>
+          <p:nvPr>
+            <p:ph idx="1"/>
+          </p:nvPr>
+        </p:nvSpPr>
+        <p:spPr/>
+        <p:txBody>
+          <a:bodyPr/>
+          <a:lstStyle/>
+          <a:p>
+            <a:r>
+              <a:rPr lang="en-US" dirty="0" smtClean="0"/>
+              <a:t>Buy more servers/move</a:t>
+            </a:r>
+          </a:p>
+          <a:p>
+            <a:r>
+              <a:rPr lang="en-US" dirty="0" smtClean="0"/>
+              <a:t>CDN</a:t>
+            </a:r>
+          </a:p>
+          <a:p>
+            <a:r>
+              <a:rPr lang="en-US" dirty="0" smtClean="0"/>
+              <a:t>Buy more bandwidth.</a:t>
+            </a:r>
+          </a:p>
+          <a:p>
+            <a:r>
+              <a:rPr lang="en-US" dirty="0" smtClean="0"/>
+              <a:t>Turn to P2P.</a:t>
+            </a:r>
+          </a:p>
+        </p:txBody>
+      </p:sp>
+    </p:spTree>
+  </p:cSld>
+  <p:clrMapOvr>
+    <a:masterClrMapping/>
+  </p:clrMapOvr>
+</p:sld>
+</file>
+
+<file path=ppt/slides/slide6.xml><?xml version="1.0" encoding="utf-8"?>
+<p:sld xmlns:a="http://schemas.openxmlformats.org/drawingml/2006/main" xmlns:r="http://schemas.openxmlformats.org/officeDocument/2006/relationships" xmlns:p="http://schemas.openxmlformats.org/presentationml/2006/main">
+  <p:cSld>
+    <p:spTree>
+      <p:nvGrpSpPr>
+        <p:cNvPr id="1" name=""/>
+        <p:cNvGrpSpPr/>
+        <p:nvPr/>
+      </p:nvGrpSpPr>
+      <p:grpSpPr>
+        <a:xfrm>
+          <a:off x="0" y="0"/>
+          <a:ext cx="0" cy="0"/>
+          <a:chOff x="0" y="0"/>
+          <a:chExt cx="0" cy="0"/>
+        </a:xfrm>
+      </p:grpSpPr>
+      <p:sp>
+        <p:nvSpPr>
+          <p:cNvPr id="2" name="Title 1"/>
+          <p:cNvSpPr>
+            <a:spLocks noGrp="1"/>
+          </p:cNvSpPr>
+          <p:nvPr>
+            <p:ph type="title"/>
+          </p:nvPr>
+        </p:nvSpPr>
+        <p:spPr/>
+        <p:txBody>
+          <a:bodyPr/>
+          <a:lstStyle/>
+          <a:p>
+            <a:r>
+              <a:rPr lang="en-US" dirty="0" smtClean="0"/>
+              <a:t>P2P</a:t>
+            </a:r>
+            <a:endParaRPr lang="en-US" dirty="0"/>
+          </a:p>
+        </p:txBody>
+      </p:sp>
+      <p:sp>
+        <p:nvSpPr>
+          <p:cNvPr id="3" name="Content Placeholder 2"/>
+          <p:cNvSpPr>
+            <a:spLocks noGrp="1"/>
+          </p:cNvSpPr>
+          <p:nvPr>
+            <p:ph idx="1"/>
+          </p:nvPr>
+        </p:nvSpPr>
+        <p:spPr/>
+        <p:txBody>
+          <a:bodyPr/>
+          <a:lstStyle/>
+          <a:p>
+            <a:r>
+              <a:rPr lang="en-US" dirty="0" smtClean="0"/>
+              <a:t>Create </a:t>
+            </a:r>
+            <a:r>
+              <a:rPr lang="en-US" dirty="0" err="1" smtClean="0"/>
+              <a:t>BitTorrent</a:t>
+            </a:r>
+            <a:r>
+              <a:rPr lang="en-US" dirty="0" smtClean="0"/>
+              <a:t> File.</a:t>
+            </a:r>
+          </a:p>
+          <a:p>
+            <a:r>
+              <a:rPr lang="en-US" dirty="0" smtClean="0"/>
+              <a:t>Host it, with tracker.</a:t>
+            </a:r>
+          </a:p>
+          <a:p>
+            <a:r>
+              <a:rPr lang="en-US" dirty="0" smtClean="0"/>
+              <a:t>Peers share.</a:t>
+            </a:r>
+          </a:p>
+          <a:p>
+            <a:r>
+              <a:rPr lang="en-US" dirty="0" smtClean="0"/>
+              <a:t>Barrier to use.</a:t>
+            </a:r>
+            <a:endParaRPr lang="en-US" dirty="0"/>
+          </a:p>
+        </p:txBody>
+      </p:sp>
+    </p:spTree>
+  </p:cSld>
+  <p:clrMapOvr>
+    <a:masterClrMapping/>
+  </p:clrMapOvr>
+</p:sld>
+</file>
+
+<file path=ppt/slides/slide7.xml><?xml version="1.0" encoding="utf-8"?>
+<p:sld xmlns:a="http://schemas.openxmlformats.org/drawingml/2006/main" xmlns:r="http://schemas.openxmlformats.org/officeDocument/2006/relationships" xmlns:p="http://schemas.openxmlformats.org/presentationml/2006/main">
+  <p:cSld>
+    <p:spTree>
+      <p:nvGrpSpPr>
+        <p:cNvPr id="1" name=""/>
+        <p:cNvGrpSpPr/>
+        <p:nvPr/>
+      </p:nvGrpSpPr>
+      <p:grpSpPr>
+        <a:xfrm>
+          <a:off x="0" y="0"/>
+          <a:ext cx="0" cy="0"/>
+          <a:chOff x="0" y="0"/>
+          <a:chExt cx="0" cy="0"/>
+        </a:xfrm>
+      </p:grpSpPr>
+      <p:sp>
+        <p:nvSpPr>
+          <p:cNvPr id="2" name="Title 1"/>
+          <p:cNvSpPr>
+            <a:spLocks noGrp="1"/>
+          </p:cNvSpPr>
+          <p:nvPr>
+            <p:ph type="title"/>
+          </p:nvPr>
+        </p:nvSpPr>
+        <p:spPr/>
+        <p:txBody>
+          <a:bodyPr/>
+          <a:lstStyle/>
+          <a:p>
+            <a:r>
+              <a:rPr lang="en-US" dirty="0" smtClean="0"/>
+              <a:t>Hard</a:t>
+            </a:r>
+            <a:endParaRPr lang="en-US" dirty="0"/>
+          </a:p>
+        </p:txBody>
+      </p:sp>
+      <p:sp>
+        <p:nvSpPr>
+          <p:cNvPr id="3" name="Content Placeholder 2"/>
+          <p:cNvSpPr>
+            <a:spLocks noGrp="1"/>
+          </p:cNvSpPr>
+          <p:nvPr>
+            <p:ph idx="1"/>
+          </p:nvPr>
+        </p:nvSpPr>
+        <p:spPr/>
+        <p:txBody>
+          <a:bodyPr/>
+          <a:lstStyle/>
+          <a:p>
+            <a:endParaRPr lang="en-US"/>
+          </a:p>
+        </p:txBody>
+      </p:sp>
+      <p:pic>
+        <p:nvPicPr>
+          <p:cNvPr id="1026" name="Picture 2" descr="C:\Users\packrd\Desktop\fail for OO BT.jpg"/>
+          <p:cNvPicPr>
+            <a:picLocks noChangeAspect="1" noChangeArrowheads="1"/>
+          </p:cNvPicPr>
+          <p:nvPr/>
+        </p:nvPicPr>
+        <p:blipFill>
+          <a:blip r:embed="rId3" cstate="print"/>
+          <a:srcRect/>
+          <a:stretch>
+            <a:fillRect/>
+          </a:stretch>
+        </p:blipFill>
+        <p:spPr bwMode="auto">
+          <a:xfrm>
+            <a:off x="10159" y="1149350"/>
+            <a:ext cx="9133841" cy="5708650"/>
+          </a:xfrm>
+          <a:prstGeom prst="rect">
+            <a:avLst/>
+          </a:prstGeom>
+          <a:noFill/>
+        </p:spPr>
+      </p:pic>
     </p:spTree>
   </p:cSld>
   <p:clrMapOvr>

--- a/thesis_presentation/How to Make the Internet Faster.pptx
+++ b/thesis_presentation/How to Make the Internet Faster.pptx
@@ -5,16 +5,17 @@
     <p:sldMasterId id="2147483648" r:id="rId1"/>
   </p:sldMasterIdLst>
   <p:notesMasterIdLst>
-    <p:notesMasterId r:id="rId9"/>
+    <p:notesMasterId r:id="rId10"/>
   </p:notesMasterIdLst>
   <p:sldIdLst>
     <p:sldId id="256" r:id="rId2"/>
-    <p:sldId id="257" r:id="rId3"/>
-    <p:sldId id="258" r:id="rId4"/>
-    <p:sldId id="259" r:id="rId5"/>
-    <p:sldId id="260" r:id="rId6"/>
-    <p:sldId id="261" r:id="rId7"/>
-    <p:sldId id="262" r:id="rId8"/>
+    <p:sldId id="263" r:id="rId3"/>
+    <p:sldId id="257" r:id="rId4"/>
+    <p:sldId id="258" r:id="rId5"/>
+    <p:sldId id="259" r:id="rId6"/>
+    <p:sldId id="260" r:id="rId7"/>
+    <p:sldId id="261" r:id="rId8"/>
+    <p:sldId id="262" r:id="rId9"/>
   </p:sldIdLst>
   <p:sldSz cx="9144000" cy="6858000" type="screen4x3"/>
   <p:notesSz cx="6858000" cy="9144000"/>
@@ -199,7 +200,7 @@
             <a:fld id="{9826D637-6924-4A4F-8550-0E64EF887888}" type="datetimeFigureOut">
               <a:rPr lang="en-US" smtClean="0"/>
               <a:pPr/>
-              <a:t>4/1/2010</a:t>
+              <a:t>4/8/2010</a:t>
             </a:fld>
             <a:endParaRPr lang="en-US"/>
           </a:p>
@@ -599,31 +600,9 @@
           <a:p>
             <a:r>
               <a:rPr lang="en-US" dirty="0" smtClean="0"/>
-              <a:t>What options do you have?</a:t>
-            </a:r>
-          </a:p>
-          <a:p>
-            <a:endParaRPr lang="en-US" dirty="0" smtClean="0"/>
-          </a:p>
-          <a:p>
-            <a:r>
-              <a:rPr lang="en-US" dirty="0" smtClean="0"/>
-              <a:t>Go and do something else.</a:t>
-            </a:r>
-          </a:p>
-          <a:p>
-            <a:endParaRPr lang="en-US" dirty="0" smtClean="0"/>
-          </a:p>
-          <a:p>
-            <a:r>
-              <a:rPr lang="en-US" dirty="0" smtClean="0"/>
-              <a:t>Add</a:t>
-            </a:r>
-            <a:r>
-              <a:rPr lang="en-US" baseline="0" dirty="0" smtClean="0"/>
-              <a:t> a graph of network speed increasing so slowly compared to processors [?]</a:t>
-            </a:r>
-            <a:endParaRPr lang="en-US" dirty="0" smtClean="0"/>
+              <a:t>It isn’t just me!  This is not me!</a:t>
+            </a:r>
+            <a:endParaRPr lang="en-US" dirty="0"/>
           </a:p>
         </p:txBody>
       </p:sp>
@@ -645,7 +624,7 @@
             <a:fld id="{CFD85767-B34F-4122-8642-982296400DCD}" type="slidenum">
               <a:rPr lang="en-US" smtClean="0"/>
               <a:pPr/>
-              <a:t>3</a:t>
+              <a:t>2</a:t>
             </a:fld>
             <a:endParaRPr lang="en-US"/>
           </a:p>
@@ -705,19 +684,7 @@
           </a:bodyPr>
           <a:lstStyle/>
           <a:p>
-            <a:r>
-              <a:rPr lang="en-US" dirty="0" smtClean="0"/>
-              <a:t>Download manager—for me speeds things up, but</a:t>
-            </a:r>
-            <a:r>
-              <a:rPr lang="en-US" baseline="0" dirty="0" smtClean="0"/>
-              <a:t> hard to use because not integrated, also the server might run out </a:t>
-            </a:r>
-            <a:r>
-              <a:rPr lang="en-US" baseline="0" smtClean="0"/>
-              <a:t>of bandwidth.</a:t>
-            </a:r>
-            <a:endParaRPr lang="en-US" dirty="0"/>
+            <a:endParaRPr lang="en-US"/>
           </a:p>
         </p:txBody>
       </p:sp>
@@ -739,7 +706,7 @@
             <a:fld id="{CFD85767-B34F-4122-8642-982296400DCD}" type="slidenum">
               <a:rPr lang="en-US" smtClean="0"/>
               <a:pPr/>
-              <a:t>4</a:t>
+              <a:t>3</a:t>
             </a:fld>
             <a:endParaRPr lang="en-US"/>
           </a:p>
@@ -801,9 +768,48 @@
           <a:p>
             <a:r>
               <a:rPr lang="en-US" dirty="0" smtClean="0"/>
-              <a:t>More servers closer to you.</a:t>
-            </a:r>
-            <a:endParaRPr lang="en-US" dirty="0"/>
+              <a:t>Today's Internet is slow.  It is.</a:t>
+            </a:r>
+          </a:p>
+          <a:p>
+            <a:r>
+              <a:rPr lang="en-US" dirty="0" smtClean="0"/>
+              <a:t>This is very frustrating to today's work flow, and annoying.</a:t>
+            </a:r>
+          </a:p>
+          <a:p>
+            <a:r>
+              <a:rPr lang="en-US" dirty="0" smtClean="0"/>
+              <a:t>"today's bottleneck is no longer the disk or </a:t>
+            </a:r>
+            <a:r>
+              <a:rPr lang="en-US" dirty="0" err="1" smtClean="0"/>
+              <a:t>cpu</a:t>
+            </a:r>
+            <a:r>
+              <a:rPr lang="en-US" dirty="0" smtClean="0"/>
+              <a:t>--it's the network!"</a:t>
+            </a:r>
+          </a:p>
+          <a:p>
+            <a:r>
+              <a:rPr lang="en-US" dirty="0" smtClean="0"/>
+              <a:t>"all this wasted bandwidth“</a:t>
+            </a:r>
+          </a:p>
+          <a:p>
+            <a:endParaRPr lang="en-US" dirty="0" smtClean="0"/>
+          </a:p>
+          <a:p>
+            <a:r>
+              <a:rPr lang="en-US" dirty="0" smtClean="0"/>
+              <a:t>Add</a:t>
+            </a:r>
+            <a:r>
+              <a:rPr lang="en-US" baseline="0" dirty="0" smtClean="0"/>
+              <a:t> a graph of network speed increasing so slowly compared to processors [?]</a:t>
+            </a:r>
+            <a:endParaRPr lang="en-US" dirty="0" smtClean="0"/>
           </a:p>
         </p:txBody>
       </p:sp>
@@ -825,7 +831,7 @@
             <a:fld id="{CFD85767-B34F-4122-8642-982296400DCD}" type="slidenum">
               <a:rPr lang="en-US" smtClean="0"/>
               <a:pPr/>
-              <a:t>5</a:t>
+              <a:t>4</a:t>
             </a:fld>
             <a:endParaRPr lang="en-US"/>
           </a:p>
@@ -887,26 +893,15 @@
           <a:p>
             <a:r>
               <a:rPr lang="en-US" dirty="0" smtClean="0"/>
-              <a:t>TODO: pictures</a:t>
-            </a:r>
-          </a:p>
-          <a:p>
-            <a:endParaRPr lang="en-US" dirty="0" smtClean="0"/>
-          </a:p>
-          <a:p>
-            <a:r>
-              <a:rPr lang="en-US" dirty="0" smtClean="0"/>
-              <a:t>Barrier: not just the client, but you don’t know if using the client will actually be faster.  Many times it isn’t.</a:t>
-            </a:r>
-          </a:p>
-          <a:p>
-            <a:r>
-              <a:rPr lang="en-US" dirty="0" smtClean="0"/>
-              <a:t>And some</a:t>
+              <a:t>Download manager—for me speeds things up, but</a:t>
             </a:r>
             <a:r>
               <a:rPr lang="en-US" baseline="0" dirty="0" smtClean="0"/>
-              <a:t> sites don’t offer P2P.</a:t>
+              <a:t> hard to use because not integrated, also the server might run out of bandwidth</a:t>
+            </a:r>
+            <a:r>
+              <a:rPr lang="en-US" baseline="0" dirty="0" smtClean="0"/>
+              <a:t>.</a:t>
             </a:r>
           </a:p>
           <a:p>
@@ -915,16 +910,7 @@
           <a:p>
             <a:r>
               <a:rPr lang="en-US" baseline="0" dirty="0" smtClean="0"/>
-              <a:t>Technology is there but not easily accessible.</a:t>
-            </a:r>
-          </a:p>
-          <a:p>
-            <a:endParaRPr lang="en-US" baseline="0" dirty="0" smtClean="0"/>
-          </a:p>
-          <a:p>
-            <a:r>
-              <a:rPr lang="en-US" baseline="0" dirty="0" smtClean="0"/>
-              <a:t>How many sites actually offer you that stuff?</a:t>
+              <a:t>Adding a local proxy doesn’t help if the file hasn’t been downloaded locally already—same exact problem in many cases.</a:t>
             </a:r>
             <a:endParaRPr lang="en-US" dirty="0"/>
           </a:p>
@@ -948,7 +934,7 @@
             <a:fld id="{CFD85767-B34F-4122-8642-982296400DCD}" type="slidenum">
               <a:rPr lang="en-US" smtClean="0"/>
               <a:pPr/>
-              <a:t>6</a:t>
+              <a:t>5</a:t>
             </a:fld>
             <a:endParaRPr lang="en-US"/>
           </a:p>
@@ -1010,7 +996,130 @@
           <a:p>
             <a:r>
               <a:rPr lang="en-US" dirty="0" smtClean="0"/>
-              <a:t>Barrier to entry: know how to use it, choose it, and it has to be fast.  Many people ignore it.</a:t>
+              <a:t>More servers closer to you.</a:t>
+            </a:r>
+            <a:endParaRPr lang="en-US" dirty="0"/>
+          </a:p>
+        </p:txBody>
+      </p:sp>
+      <p:sp>
+        <p:nvSpPr>
+          <p:cNvPr id="4" name="Slide Number Placeholder 3"/>
+          <p:cNvSpPr>
+            <a:spLocks noGrp="1"/>
+          </p:cNvSpPr>
+          <p:nvPr>
+            <p:ph type="sldNum" sz="quarter" idx="10"/>
+          </p:nvPr>
+        </p:nvSpPr>
+        <p:spPr/>
+        <p:txBody>
+          <a:bodyPr/>
+          <a:lstStyle/>
+          <a:p>
+            <a:fld id="{CFD85767-B34F-4122-8642-982296400DCD}" type="slidenum">
+              <a:rPr lang="en-US" smtClean="0"/>
+              <a:pPr/>
+              <a:t>6</a:t>
+            </a:fld>
+            <a:endParaRPr lang="en-US"/>
+          </a:p>
+        </p:txBody>
+      </p:sp>
+    </p:spTree>
+  </p:cSld>
+  <p:clrMapOvr>
+    <a:masterClrMapping/>
+  </p:clrMapOvr>
+</p:notes>
+</file>
+
+<file path=ppt/notesSlides/notesSlide7.xml><?xml version="1.0" encoding="utf-8"?>
+<p:notes xmlns:a="http://schemas.openxmlformats.org/drawingml/2006/main" xmlns:r="http://schemas.openxmlformats.org/officeDocument/2006/relationships" xmlns:p="http://schemas.openxmlformats.org/presentationml/2006/main">
+  <p:cSld>
+    <p:spTree>
+      <p:nvGrpSpPr>
+        <p:cNvPr id="1" name=""/>
+        <p:cNvGrpSpPr/>
+        <p:nvPr/>
+      </p:nvGrpSpPr>
+      <p:grpSpPr>
+        <a:xfrm>
+          <a:off x="0" y="0"/>
+          <a:ext cx="0" cy="0"/>
+          <a:chOff x="0" y="0"/>
+          <a:chExt cx="0" cy="0"/>
+        </a:xfrm>
+      </p:grpSpPr>
+      <p:sp>
+        <p:nvSpPr>
+          <p:cNvPr id="2" name="Slide Image Placeholder 1"/>
+          <p:cNvSpPr>
+            <a:spLocks noGrp="1" noRot="1" noChangeAspect="1"/>
+          </p:cNvSpPr>
+          <p:nvPr>
+            <p:ph type="sldImg"/>
+          </p:nvPr>
+        </p:nvSpPr>
+        <p:spPr/>
+      </p:sp>
+      <p:sp>
+        <p:nvSpPr>
+          <p:cNvPr id="3" name="Notes Placeholder 2"/>
+          <p:cNvSpPr>
+            <a:spLocks noGrp="1"/>
+          </p:cNvSpPr>
+          <p:nvPr>
+            <p:ph type="body" idx="1"/>
+          </p:nvPr>
+        </p:nvSpPr>
+        <p:spPr/>
+        <p:txBody>
+          <a:bodyPr>
+            <a:normAutofit/>
+          </a:bodyPr>
+          <a:lstStyle/>
+          <a:p>
+            <a:r>
+              <a:rPr lang="en-US" dirty="0" smtClean="0"/>
+              <a:t>TODO: pictures</a:t>
+            </a:r>
+          </a:p>
+          <a:p>
+            <a:endParaRPr lang="en-US" dirty="0" smtClean="0"/>
+          </a:p>
+          <a:p>
+            <a:r>
+              <a:rPr lang="en-US" dirty="0" smtClean="0"/>
+              <a:t>Barrier: not just the client, but you don’t know if using the client will actually be faster.  Many times it isn’t.</a:t>
+            </a:r>
+          </a:p>
+          <a:p>
+            <a:r>
+              <a:rPr lang="en-US" dirty="0" smtClean="0"/>
+              <a:t>And some</a:t>
+            </a:r>
+            <a:r>
+              <a:rPr lang="en-US" baseline="0" dirty="0" smtClean="0"/>
+              <a:t> sites don’t offer P2P.</a:t>
+            </a:r>
+          </a:p>
+          <a:p>
+            <a:endParaRPr lang="en-US" baseline="0" dirty="0" smtClean="0"/>
+          </a:p>
+          <a:p>
+            <a:r>
+              <a:rPr lang="en-US" baseline="0" dirty="0" smtClean="0"/>
+              <a:t>Technology is there but not easily accessible.</a:t>
+            </a:r>
+          </a:p>
+          <a:p>
+            <a:endParaRPr lang="en-US" baseline="0" dirty="0" smtClean="0"/>
+          </a:p>
+          <a:p>
+            <a:r>
+              <a:rPr lang="en-US" baseline="0" dirty="0" smtClean="0"/>
+              <a:t>How many sites actually offer you that stuff?</a:t>
             </a:r>
             <a:endParaRPr lang="en-US" dirty="0"/>
           </a:p>
@@ -1035,6 +1144,113 @@
               <a:rPr lang="en-US" smtClean="0"/>
               <a:pPr/>
               <a:t>7</a:t>
+            </a:fld>
+            <a:endParaRPr lang="en-US"/>
+          </a:p>
+        </p:txBody>
+      </p:sp>
+    </p:spTree>
+  </p:cSld>
+  <p:clrMapOvr>
+    <a:masterClrMapping/>
+  </p:clrMapOvr>
+</p:notes>
+</file>
+
+<file path=ppt/notesSlides/notesSlide8.xml><?xml version="1.0" encoding="utf-8"?>
+<p:notes xmlns:a="http://schemas.openxmlformats.org/drawingml/2006/main" xmlns:r="http://schemas.openxmlformats.org/officeDocument/2006/relationships" xmlns:p="http://schemas.openxmlformats.org/presentationml/2006/main">
+  <p:cSld>
+    <p:spTree>
+      <p:nvGrpSpPr>
+        <p:cNvPr id="1" name=""/>
+        <p:cNvGrpSpPr/>
+        <p:nvPr/>
+      </p:nvGrpSpPr>
+      <p:grpSpPr>
+        <a:xfrm>
+          <a:off x="0" y="0"/>
+          <a:ext cx="0" cy="0"/>
+          <a:chOff x="0" y="0"/>
+          <a:chExt cx="0" cy="0"/>
+        </a:xfrm>
+      </p:grpSpPr>
+      <p:sp>
+        <p:nvSpPr>
+          <p:cNvPr id="2" name="Slide Image Placeholder 1"/>
+          <p:cNvSpPr>
+            <a:spLocks noGrp="1" noRot="1" noChangeAspect="1"/>
+          </p:cNvSpPr>
+          <p:nvPr>
+            <p:ph type="sldImg"/>
+          </p:nvPr>
+        </p:nvSpPr>
+        <p:spPr/>
+      </p:sp>
+      <p:sp>
+        <p:nvSpPr>
+          <p:cNvPr id="3" name="Notes Placeholder 2"/>
+          <p:cNvSpPr>
+            <a:spLocks noGrp="1"/>
+          </p:cNvSpPr>
+          <p:nvPr>
+            <p:ph type="body" idx="1"/>
+          </p:nvPr>
+        </p:nvSpPr>
+        <p:spPr/>
+        <p:txBody>
+          <a:bodyPr>
+            <a:normAutofit/>
+          </a:bodyPr>
+          <a:lstStyle/>
+          <a:p>
+            <a:r>
+              <a:rPr lang="en-US" dirty="0" smtClean="0"/>
+              <a:t>Barrier to entry: know how to use it, choose it, and it has to be fast.  Many people ignore it</a:t>
+            </a:r>
+            <a:r>
+              <a:rPr lang="en-US" dirty="0" smtClean="0"/>
+              <a:t>.</a:t>
+            </a:r>
+          </a:p>
+          <a:p>
+            <a:endParaRPr lang="en-US" dirty="0" smtClean="0"/>
+          </a:p>
+          <a:p>
+            <a:r>
+              <a:rPr lang="en-US" dirty="0" smtClean="0"/>
+              <a:t>Barrier for the</a:t>
+            </a:r>
+            <a:r>
+              <a:rPr lang="en-US" baseline="0" dirty="0" smtClean="0"/>
+              <a:t> server too: setting it up.  Barrier to client: extra cost of time </a:t>
+            </a:r>
+            <a:r>
+              <a:rPr lang="en-US" baseline="0" smtClean="0"/>
+              <a:t>to download/unreliable can cause it to cost you extra time.</a:t>
+            </a:r>
+            <a:endParaRPr lang="en-US" dirty="0"/>
+          </a:p>
+        </p:txBody>
+      </p:sp>
+      <p:sp>
+        <p:nvSpPr>
+          <p:cNvPr id="4" name="Slide Number Placeholder 3"/>
+          <p:cNvSpPr>
+            <a:spLocks noGrp="1"/>
+          </p:cNvSpPr>
+          <p:nvPr>
+            <p:ph type="sldNum" sz="quarter" idx="10"/>
+          </p:nvPr>
+        </p:nvSpPr>
+        <p:spPr/>
+        <p:txBody>
+          <a:bodyPr/>
+          <a:lstStyle/>
+          <a:p>
+            <a:fld id="{CFD85767-B34F-4122-8642-982296400DCD}" type="slidenum">
+              <a:rPr lang="en-US" smtClean="0"/>
+              <a:pPr/>
+              <a:t>8</a:t>
             </a:fld>
             <a:endParaRPr lang="en-US"/>
           </a:p>
@@ -1230,7 +1446,7 @@
             <a:fld id="{B41A135E-287C-4591-8C88-153CD277EA84}" type="datetimeFigureOut">
               <a:rPr lang="en-US" smtClean="0"/>
               <a:pPr/>
-              <a:t>4/1/2010</a:t>
+              <a:t>4/8/2010</a:t>
             </a:fld>
             <a:endParaRPr lang="en-US"/>
           </a:p>
@@ -1397,7 +1613,7 @@
             <a:fld id="{B41A135E-287C-4591-8C88-153CD277EA84}" type="datetimeFigureOut">
               <a:rPr lang="en-US" smtClean="0"/>
               <a:pPr/>
-              <a:t>4/1/2010</a:t>
+              <a:t>4/8/2010</a:t>
             </a:fld>
             <a:endParaRPr lang="en-US"/>
           </a:p>
@@ -1574,7 +1790,7 @@
             <a:fld id="{B41A135E-287C-4591-8C88-153CD277EA84}" type="datetimeFigureOut">
               <a:rPr lang="en-US" smtClean="0"/>
               <a:pPr/>
-              <a:t>4/1/2010</a:t>
+              <a:t>4/8/2010</a:t>
             </a:fld>
             <a:endParaRPr lang="en-US"/>
           </a:p>
@@ -1741,7 +1957,7 @@
             <a:fld id="{B41A135E-287C-4591-8C88-153CD277EA84}" type="datetimeFigureOut">
               <a:rPr lang="en-US" smtClean="0"/>
               <a:pPr/>
-              <a:t>4/1/2010</a:t>
+              <a:t>4/8/2010</a:t>
             </a:fld>
             <a:endParaRPr lang="en-US"/>
           </a:p>
@@ -1984,7 +2200,7 @@
             <a:fld id="{B41A135E-287C-4591-8C88-153CD277EA84}" type="datetimeFigureOut">
               <a:rPr lang="en-US" smtClean="0"/>
               <a:pPr/>
-              <a:t>4/1/2010</a:t>
+              <a:t>4/8/2010</a:t>
             </a:fld>
             <a:endParaRPr lang="en-US"/>
           </a:p>
@@ -2269,7 +2485,7 @@
             <a:fld id="{B41A135E-287C-4591-8C88-153CD277EA84}" type="datetimeFigureOut">
               <a:rPr lang="en-US" smtClean="0"/>
               <a:pPr/>
-              <a:t>4/1/2010</a:t>
+              <a:t>4/8/2010</a:t>
             </a:fld>
             <a:endParaRPr lang="en-US"/>
           </a:p>
@@ -2688,7 +2904,7 @@
             <a:fld id="{B41A135E-287C-4591-8C88-153CD277EA84}" type="datetimeFigureOut">
               <a:rPr lang="en-US" smtClean="0"/>
               <a:pPr/>
-              <a:t>4/1/2010</a:t>
+              <a:t>4/8/2010</a:t>
             </a:fld>
             <a:endParaRPr lang="en-US"/>
           </a:p>
@@ -2803,7 +3019,7 @@
             <a:fld id="{B41A135E-287C-4591-8C88-153CD277EA84}" type="datetimeFigureOut">
               <a:rPr lang="en-US" smtClean="0"/>
               <a:pPr/>
-              <a:t>4/1/2010</a:t>
+              <a:t>4/8/2010</a:t>
             </a:fld>
             <a:endParaRPr lang="en-US"/>
           </a:p>
@@ -2895,7 +3111,7 @@
             <a:fld id="{B41A135E-287C-4591-8C88-153CD277EA84}" type="datetimeFigureOut">
               <a:rPr lang="en-US" smtClean="0"/>
               <a:pPr/>
-              <a:t>4/1/2010</a:t>
+              <a:t>4/8/2010</a:t>
             </a:fld>
             <a:endParaRPr lang="en-US"/>
           </a:p>
@@ -3169,7 +3385,7 @@
             <a:fld id="{B41A135E-287C-4591-8C88-153CD277EA84}" type="datetimeFigureOut">
               <a:rPr lang="en-US" smtClean="0"/>
               <a:pPr/>
-              <a:t>4/1/2010</a:t>
+              <a:t>4/8/2010</a:t>
             </a:fld>
             <a:endParaRPr lang="en-US"/>
           </a:p>
@@ -3419,7 +3635,7 @@
             <a:fld id="{B41A135E-287C-4591-8C88-153CD277EA84}" type="datetimeFigureOut">
               <a:rPr lang="en-US" smtClean="0"/>
               <a:pPr/>
-              <a:t>4/1/2010</a:t>
+              <a:t>4/8/2010</a:t>
             </a:fld>
             <a:endParaRPr lang="en-US"/>
           </a:p>
@@ -3629,7 +3845,7 @@
             <a:fld id="{B41A135E-287C-4591-8C88-153CD277EA84}" type="datetimeFigureOut">
               <a:rPr lang="en-US" smtClean="0"/>
               <a:pPr/>
-              <a:t>4/1/2010</a:t>
+              <a:t>4/8/2010</a:t>
             </a:fld>
             <a:endParaRPr lang="en-US"/>
           </a:p>
@@ -4017,7 +4233,11 @@
           <a:p>
             <a:r>
               <a:rPr lang="en-US" dirty="0" smtClean="0"/>
-              <a:t>How to Make Downloading Faster</a:t>
+              <a:t>How to Make </a:t>
+            </a:r>
+            <a:r>
+              <a:rPr lang="en-US" dirty="0" smtClean="0"/>
+              <a:t>The Internet Faster</a:t>
             </a:r>
             <a:endParaRPr lang="en-US" dirty="0"/>
           </a:p>
@@ -4101,6 +4321,129 @@
           <a:p>
             <a:r>
               <a:rPr lang="en-US" dirty="0" smtClean="0"/>
+              <a:t>Thanks!</a:t>
+            </a:r>
+            <a:endParaRPr lang="en-US" dirty="0"/>
+          </a:p>
+        </p:txBody>
+      </p:sp>
+      <p:sp>
+        <p:nvSpPr>
+          <p:cNvPr id="3" name="Content Placeholder 2"/>
+          <p:cNvSpPr>
+            <a:spLocks noGrp="1"/>
+          </p:cNvSpPr>
+          <p:nvPr>
+            <p:ph idx="1"/>
+          </p:nvPr>
+        </p:nvSpPr>
+        <p:spPr/>
+        <p:txBody>
+          <a:bodyPr>
+            <a:normAutofit/>
+          </a:bodyPr>
+          <a:lstStyle/>
+          <a:p>
+            <a:r>
+              <a:rPr lang="en-US" sz="1800" dirty="0" smtClean="0"/>
+              <a:t>Family</a:t>
+            </a:r>
+          </a:p>
+          <a:p>
+            <a:r>
+              <a:rPr lang="en-US" sz="1800" dirty="0" smtClean="0"/>
+              <a:t>Advisors</a:t>
+            </a:r>
+          </a:p>
+          <a:p>
+            <a:r>
+              <a:rPr lang="en-US" sz="1800" dirty="0" err="1" smtClean="0"/>
+              <a:t>wE</a:t>
+            </a:r>
+            <a:r>
+              <a:rPr lang="en-US" sz="1800" dirty="0" smtClean="0"/>
+              <a:t>\=</a:t>
+            </a:r>
+            <a:r>
+              <a:rPr lang="en-US" sz="1800" dirty="0" smtClean="0"/>
+              <a:t>f P'P= \</a:t>
+            </a:r>
+            <a:r>
+              <a:rPr lang="en-US" sz="1800" dirty="0" smtClean="0"/>
+              <a:t>ROVIDE A U966554F545DS6TFDV87654536:01 PM 4/5/20102 098YH6Ya	1W N.I </a:t>
+            </a:r>
+            <a:endParaRPr lang="en-US" sz="1800" dirty="0"/>
+          </a:p>
+        </p:txBody>
+      </p:sp>
+      <p:pic>
+        <p:nvPicPr>
+          <p:cNvPr id="4" name="Picture 4" descr="C:\Users\packrd\AppData\Local\Microsoft\Windows\Temporary Internet Files\Content.IE5\I9QEYR76\MCj04406450000[1].wmf"/>
+          <p:cNvPicPr>
+            <a:picLocks noChangeAspect="1" noChangeArrowheads="1"/>
+          </p:cNvPicPr>
+          <p:nvPr/>
+        </p:nvPicPr>
+        <p:blipFill>
+          <a:blip r:embed="rId3" cstate="print"/>
+          <a:srcRect/>
+          <a:stretch>
+            <a:fillRect/>
+          </a:stretch>
+        </p:blipFill>
+        <p:spPr bwMode="auto">
+          <a:xfrm>
+            <a:off x="6934200" y="228600"/>
+            <a:ext cx="1295400" cy="1295400"/>
+          </a:xfrm>
+          <a:prstGeom prst="rect">
+            <a:avLst/>
+          </a:prstGeom>
+          <a:noFill/>
+        </p:spPr>
+      </p:pic>
+    </p:spTree>
+  </p:cSld>
+  <p:clrMapOvr>
+    <a:masterClrMapping/>
+  </p:clrMapOvr>
+</p:sld>
+</file>
+
+<file path=ppt/slides/slide3.xml><?xml version="1.0" encoding="utf-8"?>
+<p:sld xmlns:a="http://schemas.openxmlformats.org/drawingml/2006/main" xmlns:r="http://schemas.openxmlformats.org/officeDocument/2006/relationships" xmlns:p="http://schemas.openxmlformats.org/presentationml/2006/main">
+  <p:cSld>
+    <p:spTree>
+      <p:nvGrpSpPr>
+        <p:cNvPr id="1" name=""/>
+        <p:cNvGrpSpPr/>
+        <p:nvPr/>
+      </p:nvGrpSpPr>
+      <p:grpSpPr>
+        <a:xfrm>
+          <a:off x="0" y="0"/>
+          <a:ext cx="0" cy="0"/>
+          <a:chOff x="0" y="0"/>
+          <a:chExt cx="0" cy="0"/>
+        </a:xfrm>
+      </p:grpSpPr>
+      <p:sp>
+        <p:nvSpPr>
+          <p:cNvPr id="2" name="Title 1"/>
+          <p:cNvSpPr>
+            <a:spLocks noGrp="1"/>
+          </p:cNvSpPr>
+          <p:nvPr>
+            <p:ph type="title"/>
+          </p:nvPr>
+        </p:nvSpPr>
+        <p:spPr/>
+        <p:txBody>
+          <a:bodyPr/>
+          <a:lstStyle/>
+          <a:p>
+            <a:r>
+              <a:rPr lang="en-US" dirty="0" smtClean="0"/>
               <a:t>Fast download</a:t>
             </a:r>
             <a:endParaRPr lang="en-US" dirty="0"/>
@@ -4135,7 +4478,7 @@
           <p:nvPr/>
         </p:nvPicPr>
         <p:blipFill>
-          <a:blip r:embed="rId2" cstate="print"/>
+          <a:blip r:embed="rId3" cstate="print"/>
           <a:srcRect/>
           <a:stretch>
             <a:fillRect/>
@@ -4161,7 +4504,7 @@
           <p:nvPr/>
         </p:nvPicPr>
         <p:blipFill>
-          <a:blip r:embed="rId3" cstate="print"/>
+          <a:blip r:embed="rId4" cstate="print"/>
           <a:srcRect/>
           <a:stretch>
             <a:fillRect/>
@@ -4169,8 +4512,8 @@
         </p:blipFill>
         <p:spPr bwMode="auto">
           <a:xfrm>
-            <a:off x="6858000" y="0"/>
-            <a:ext cx="1828800" cy="1828800"/>
+            <a:off x="6934200" y="228600"/>
+            <a:ext cx="1295400" cy="1295400"/>
           </a:xfrm>
           <a:prstGeom prst="rect">
             <a:avLst/>
@@ -4186,7 +4529,7 @@
 </p:sld>
 </file>
 
-<file path=ppt/slides/slide3.xml><?xml version="1.0" encoding="utf-8"?>
+<file path=ppt/slides/slide4.xml><?xml version="1.0" encoding="utf-8"?>
 <p:sld xmlns:a="http://schemas.openxmlformats.org/drawingml/2006/main" xmlns:r="http://schemas.openxmlformats.org/officeDocument/2006/relationships" xmlns:p="http://schemas.openxmlformats.org/presentationml/2006/main">
   <p:cSld>
     <p:spTree>
@@ -4314,123 +4657,6 @@
 </p:sld>
 </file>
 
-<file path=ppt/slides/slide4.xml><?xml version="1.0" encoding="utf-8"?>
-<p:sld xmlns:a="http://schemas.openxmlformats.org/drawingml/2006/main" xmlns:r="http://schemas.openxmlformats.org/officeDocument/2006/relationships" xmlns:p="http://schemas.openxmlformats.org/presentationml/2006/main">
-  <p:cSld>
-    <p:spTree>
-      <p:nvGrpSpPr>
-        <p:cNvPr id="1" name=""/>
-        <p:cNvGrpSpPr/>
-        <p:nvPr/>
-      </p:nvGrpSpPr>
-      <p:grpSpPr>
-        <a:xfrm>
-          <a:off x="0" y="0"/>
-          <a:ext cx="0" cy="0"/>
-          <a:chOff x="0" y="0"/>
-          <a:chExt cx="0" cy="0"/>
-        </a:xfrm>
-      </p:grpSpPr>
-      <p:sp>
-        <p:nvSpPr>
-          <p:cNvPr id="2" name="Title 1"/>
-          <p:cNvSpPr>
-            <a:spLocks noGrp="1"/>
-          </p:cNvSpPr>
-          <p:nvPr>
-            <p:ph type="title"/>
-          </p:nvPr>
-        </p:nvSpPr>
-        <p:spPr/>
-        <p:txBody>
-          <a:bodyPr/>
-          <a:lstStyle/>
-          <a:p>
-            <a:r>
-              <a:rPr lang="en-US" dirty="0" smtClean="0"/>
-              <a:t>Options</a:t>
-            </a:r>
-            <a:endParaRPr lang="en-US" dirty="0"/>
-          </a:p>
-        </p:txBody>
-      </p:sp>
-      <p:sp>
-        <p:nvSpPr>
-          <p:cNvPr id="3" name="Content Placeholder 2"/>
-          <p:cNvSpPr>
-            <a:spLocks noGrp="1"/>
-          </p:cNvSpPr>
-          <p:nvPr>
-            <p:ph idx="1"/>
-          </p:nvPr>
-        </p:nvSpPr>
-        <p:spPr/>
-        <p:txBody>
-          <a:bodyPr>
-            <a:normAutofit lnSpcReduction="10000"/>
-          </a:bodyPr>
-          <a:lstStyle/>
-          <a:p>
-            <a:r>
-              <a:rPr lang="en-US" dirty="0" smtClean="0"/>
-              <a:t>Hit reload.</a:t>
-            </a:r>
-          </a:p>
-          <a:p>
-            <a:r>
-              <a:rPr lang="en-US" dirty="0" smtClean="0"/>
-              <a:t>Go somewhere else.</a:t>
-            </a:r>
-          </a:p>
-          <a:p>
-            <a:r>
-              <a:rPr lang="en-US" dirty="0" smtClean="0"/>
-              <a:t>Download Manager.</a:t>
-            </a:r>
-          </a:p>
-          <a:p>
-            <a:r>
-              <a:rPr lang="en-US" dirty="0" smtClean="0"/>
-              <a:t>Add a local proxy.</a:t>
-            </a:r>
-          </a:p>
-          <a:p>
-            <a:r>
-              <a:rPr lang="en-US" dirty="0" smtClean="0"/>
-              <a:t>New internet connection.</a:t>
-            </a:r>
-          </a:p>
-          <a:p>
-            <a:r>
-              <a:rPr lang="en-US" dirty="0" smtClean="0"/>
-              <a:t>Beg the server to change how they serve the file</a:t>
-            </a:r>
-            <a:r>
-              <a:rPr lang="en-US" dirty="0" smtClean="0"/>
-              <a:t>.</a:t>
-            </a:r>
-          </a:p>
-          <a:p>
-            <a:r>
-              <a:rPr lang="en-US" dirty="0" smtClean="0"/>
-              <a:t>I now give </a:t>
-            </a:r>
-            <a:r>
-              <a:rPr lang="en-US" smtClean="0"/>
-              <a:t>you another option.</a:t>
-            </a:r>
-            <a:endParaRPr lang="en-US" dirty="0"/>
-          </a:p>
-        </p:txBody>
-      </p:sp>
-    </p:spTree>
-  </p:cSld>
-  <p:clrMapOvr>
-    <a:masterClrMapping/>
-  </p:clrMapOvr>
-</p:sld>
-</file>
-
 <file path=ppt/slides/slide5.xml><?xml version="1.0" encoding="utf-8"?>
 <p:sld xmlns:a="http://schemas.openxmlformats.org/drawingml/2006/main" xmlns:r="http://schemas.openxmlformats.org/officeDocument/2006/relationships" xmlns:p="http://schemas.openxmlformats.org/presentationml/2006/main">
   <p:cSld>
@@ -4465,7 +4691,7 @@
           <a:p>
             <a:r>
               <a:rPr lang="en-US" dirty="0" smtClean="0"/>
-              <a:t>Server options</a:t>
+              <a:t>Options</a:t>
             </a:r>
             <a:endParaRPr lang="en-US" dirty="0"/>
           </a:p>
@@ -4483,31 +4709,50 @@
         </p:nvSpPr>
         <p:spPr/>
         <p:txBody>
-          <a:bodyPr/>
+          <a:bodyPr>
+            <a:normAutofit/>
+          </a:bodyPr>
           <a:lstStyle/>
           <a:p>
             <a:r>
               <a:rPr lang="en-US" dirty="0" smtClean="0"/>
-              <a:t>Buy more servers/move</a:t>
+              <a:t>Hit reload.</a:t>
             </a:r>
           </a:p>
           <a:p>
             <a:r>
               <a:rPr lang="en-US" dirty="0" smtClean="0"/>
-              <a:t>CDN</a:t>
+              <a:t>Go somewhere else.</a:t>
             </a:r>
           </a:p>
           <a:p>
             <a:r>
               <a:rPr lang="en-US" dirty="0" smtClean="0"/>
-              <a:t>Buy more bandwidth.</a:t>
+              <a:t>Download Manager.</a:t>
             </a:r>
           </a:p>
           <a:p>
             <a:r>
               <a:rPr lang="en-US" dirty="0" smtClean="0"/>
-              <a:t>Turn to P2P.</a:t>
-            </a:r>
+              <a:t>Add a local proxy.</a:t>
+            </a:r>
+          </a:p>
+          <a:p>
+            <a:r>
+              <a:rPr lang="en-US" dirty="0" smtClean="0"/>
+              <a:t>New internet connection.</a:t>
+            </a:r>
+          </a:p>
+          <a:p>
+            <a:r>
+              <a:rPr lang="en-US" dirty="0" smtClean="0"/>
+              <a:t>Beg the server to change how they serve the file</a:t>
+            </a:r>
+            <a:r>
+              <a:rPr lang="en-US" dirty="0" smtClean="0"/>
+              <a:t>.</a:t>
+            </a:r>
+            <a:endParaRPr lang="en-US" dirty="0" smtClean="0"/>
           </a:p>
         </p:txBody>
       </p:sp>
@@ -4553,7 +4798,7 @@
           <a:p>
             <a:r>
               <a:rPr lang="en-US" dirty="0" smtClean="0"/>
-              <a:t>P2P</a:t>
+              <a:t>Server options</a:t>
             </a:r>
             <a:endParaRPr lang="en-US" dirty="0"/>
           </a:p>
@@ -4576,35 +4821,45 @@
           <a:p>
             <a:r>
               <a:rPr lang="en-US" dirty="0" smtClean="0"/>
-              <a:t>Create </a:t>
-            </a:r>
-            <a:r>
-              <a:rPr lang="en-US" dirty="0" err="1" smtClean="0"/>
-              <a:t>BitTorrent</a:t>
-            </a:r>
+              <a:t>Buy more bandwidth.</a:t>
+            </a:r>
+          </a:p>
+          <a:p>
             <a:r>
               <a:rPr lang="en-US" dirty="0" smtClean="0"/>
-              <a:t> File.</a:t>
+              <a:t>Move.</a:t>
             </a:r>
           </a:p>
           <a:p>
             <a:r>
               <a:rPr lang="en-US" dirty="0" smtClean="0"/>
-              <a:t>Host it, with tracker.</a:t>
-            </a:r>
-          </a:p>
-          <a:p>
+              <a:t>Buy </a:t>
+            </a:r>
             <a:r>
               <a:rPr lang="en-US" dirty="0" smtClean="0"/>
-              <a:t>Peers share.</a:t>
-            </a:r>
-          </a:p>
-          <a:p>
+              <a:t>more </a:t>
+            </a:r>
             <a:r>
               <a:rPr lang="en-US" dirty="0" smtClean="0"/>
-              <a:t>Barrier to use.</a:t>
-            </a:r>
-            <a:endParaRPr lang="en-US" dirty="0"/>
+              <a:t>servers.</a:t>
+            </a:r>
+            <a:endParaRPr lang="en-US" dirty="0" smtClean="0"/>
+          </a:p>
+          <a:p>
+            <a:r>
+              <a:rPr lang="en-US" dirty="0" smtClean="0"/>
+              <a:t>CDN</a:t>
+            </a:r>
+          </a:p>
+          <a:p>
+            <a:r>
+              <a:rPr lang="en-US" dirty="0" smtClean="0"/>
+              <a:t>Turn </a:t>
+            </a:r>
+            <a:r>
+              <a:rPr lang="en-US" dirty="0" smtClean="0"/>
+              <a:t>to P2P.</a:t>
+            </a:r>
           </a:p>
         </p:txBody>
       </p:sp>
@@ -4650,7 +4905,108 @@
           <a:p>
             <a:r>
               <a:rPr lang="en-US" dirty="0" smtClean="0"/>
-              <a:t>Hard</a:t>
+              <a:t>P2P</a:t>
+            </a:r>
+            <a:endParaRPr lang="en-US" dirty="0"/>
+          </a:p>
+        </p:txBody>
+      </p:sp>
+      <p:sp>
+        <p:nvSpPr>
+          <p:cNvPr id="3" name="Content Placeholder 2"/>
+          <p:cNvSpPr>
+            <a:spLocks noGrp="1"/>
+          </p:cNvSpPr>
+          <p:nvPr>
+            <p:ph idx="1"/>
+          </p:nvPr>
+        </p:nvSpPr>
+        <p:spPr/>
+        <p:txBody>
+          <a:bodyPr/>
+          <a:lstStyle/>
+          <a:p>
+            <a:r>
+              <a:rPr lang="en-US" dirty="0" smtClean="0"/>
+              <a:t>Peers share.</a:t>
+            </a:r>
+          </a:p>
+          <a:p>
+            <a:r>
+              <a:rPr lang="en-US" dirty="0" smtClean="0"/>
+              <a:t>Create </a:t>
+            </a:r>
+            <a:r>
+              <a:rPr lang="en-US" dirty="0" err="1" smtClean="0"/>
+              <a:t>BitTorrent</a:t>
+            </a:r>
+            <a:r>
+              <a:rPr lang="en-US" dirty="0" smtClean="0"/>
+              <a:t> File.</a:t>
+            </a:r>
+          </a:p>
+          <a:p>
+            <a:r>
+              <a:rPr lang="en-US" dirty="0" smtClean="0"/>
+              <a:t>Host it, with tracker</a:t>
+            </a:r>
+            <a:r>
+              <a:rPr lang="en-US" dirty="0" smtClean="0"/>
+              <a:t>.</a:t>
+            </a:r>
+            <a:endParaRPr lang="en-US" dirty="0" smtClean="0"/>
+          </a:p>
+        </p:txBody>
+      </p:sp>
+    </p:spTree>
+  </p:cSld>
+  <p:clrMapOvr>
+    <a:masterClrMapping/>
+  </p:clrMapOvr>
+</p:sld>
+</file>
+
+<file path=ppt/slides/slide8.xml><?xml version="1.0" encoding="utf-8"?>
+<p:sld xmlns:a="http://schemas.openxmlformats.org/drawingml/2006/main" xmlns:r="http://schemas.openxmlformats.org/officeDocument/2006/relationships" xmlns:p="http://schemas.openxmlformats.org/presentationml/2006/main">
+  <p:cSld>
+    <p:spTree>
+      <p:nvGrpSpPr>
+        <p:cNvPr id="1" name=""/>
+        <p:cNvGrpSpPr/>
+        <p:nvPr/>
+      </p:nvGrpSpPr>
+      <p:grpSpPr>
+        <a:xfrm>
+          <a:off x="0" y="0"/>
+          <a:ext cx="0" cy="0"/>
+          <a:chOff x="0" y="0"/>
+          <a:chExt cx="0" cy="0"/>
+        </a:xfrm>
+      </p:grpSpPr>
+      <p:sp>
+        <p:nvSpPr>
+          <p:cNvPr id="2" name="Title 1"/>
+          <p:cNvSpPr>
+            <a:spLocks noGrp="1"/>
+          </p:cNvSpPr>
+          <p:nvPr>
+            <p:ph type="title"/>
+          </p:nvPr>
+        </p:nvSpPr>
+        <p:spPr/>
+        <p:txBody>
+          <a:bodyPr>
+            <a:normAutofit/>
+          </a:bodyPr>
+          <a:lstStyle/>
+          <a:p>
+            <a:r>
+              <a:rPr lang="en-US" dirty="0" smtClean="0"/>
+              <a:t>Barrier to use</a:t>
+            </a:r>
+            <a:r>
+              <a:rPr lang="en-US" dirty="0" smtClean="0"/>
+              <a:t>.</a:t>
             </a:r>
             <a:endParaRPr lang="en-US" dirty="0"/>
           </a:p>
@@ -4706,6 +5062,13 @@
   <p:clrMapOvr>
     <a:masterClrMapping/>
   </p:clrMapOvr>
+  <p:timing>
+    <p:tnLst>
+      <p:par>
+        <p:cTn id="1" dur="indefinite" restart="never" nodeType="tmRoot"/>
+      </p:par>
+    </p:tnLst>
+  </p:timing>
 </p:sld>
 </file>
 

--- a/thesis_presentation/How to Make the Internet Faster.pptx
+++ b/thesis_presentation/How to Make the Internet Faster.pptx
@@ -5,7 +5,7 @@
     <p:sldMasterId id="2147483648" r:id="rId1"/>
   </p:sldMasterIdLst>
   <p:notesMasterIdLst>
-    <p:notesMasterId r:id="rId10"/>
+    <p:notesMasterId r:id="rId28"/>
   </p:notesMasterIdLst>
   <p:sldIdLst>
     <p:sldId id="256" r:id="rId2"/>
@@ -16,6 +16,24 @@
     <p:sldId id="260" r:id="rId7"/>
     <p:sldId id="261" r:id="rId8"/>
     <p:sldId id="262" r:id="rId9"/>
+    <p:sldId id="265" r:id="rId10"/>
+    <p:sldId id="264" r:id="rId11"/>
+    <p:sldId id="266" r:id="rId12"/>
+    <p:sldId id="267" r:id="rId13"/>
+    <p:sldId id="268" r:id="rId14"/>
+    <p:sldId id="269" r:id="rId15"/>
+    <p:sldId id="281" r:id="rId16"/>
+    <p:sldId id="270" r:id="rId17"/>
+    <p:sldId id="271" r:id="rId18"/>
+    <p:sldId id="272" r:id="rId19"/>
+    <p:sldId id="273" r:id="rId20"/>
+    <p:sldId id="274" r:id="rId21"/>
+    <p:sldId id="275" r:id="rId22"/>
+    <p:sldId id="276" r:id="rId23"/>
+    <p:sldId id="277" r:id="rId24"/>
+    <p:sldId id="278" r:id="rId25"/>
+    <p:sldId id="279" r:id="rId26"/>
+    <p:sldId id="280" r:id="rId27"/>
   </p:sldIdLst>
   <p:sldSz cx="9144000" cy="6858000" type="screen4x3"/>
   <p:notesSz cx="6858000" cy="9144000"/>
@@ -552,6 +570,877 @@
 </p:notes>
 </file>
 
+<file path=ppt/notesSlides/notesSlide10.xml><?xml version="1.0" encoding="utf-8"?>
+<p:notes xmlns:a="http://schemas.openxmlformats.org/drawingml/2006/main" xmlns:r="http://schemas.openxmlformats.org/officeDocument/2006/relationships" xmlns:p="http://schemas.openxmlformats.org/presentationml/2006/main">
+  <p:cSld>
+    <p:spTree>
+      <p:nvGrpSpPr>
+        <p:cNvPr id="1" name=""/>
+        <p:cNvGrpSpPr/>
+        <p:nvPr/>
+      </p:nvGrpSpPr>
+      <p:grpSpPr>
+        <a:xfrm>
+          <a:off x="0" y="0"/>
+          <a:ext cx="0" cy="0"/>
+          <a:chOff x="0" y="0"/>
+          <a:chExt cx="0" cy="0"/>
+        </a:xfrm>
+      </p:grpSpPr>
+      <p:sp>
+        <p:nvSpPr>
+          <p:cNvPr id="2" name="Slide Image Placeholder 1"/>
+          <p:cNvSpPr>
+            <a:spLocks noGrp="1" noRot="1" noChangeAspect="1"/>
+          </p:cNvSpPr>
+          <p:nvPr>
+            <p:ph type="sldImg"/>
+          </p:nvPr>
+        </p:nvSpPr>
+        <p:spPr/>
+      </p:sp>
+      <p:sp>
+        <p:nvSpPr>
+          <p:cNvPr id="3" name="Notes Placeholder 2"/>
+          <p:cNvSpPr>
+            <a:spLocks noGrp="1"/>
+          </p:cNvSpPr>
+          <p:nvPr>
+            <p:ph type="body" idx="1"/>
+          </p:nvPr>
+        </p:nvSpPr>
+        <p:spPr/>
+        <p:txBody>
+          <a:bodyPr>
+            <a:normAutofit/>
+          </a:bodyPr>
+          <a:lstStyle/>
+          <a:p>
+            <a:endParaRPr lang="en-US" baseline="0" dirty="0" smtClean="0"/>
+          </a:p>
+          <a:p>
+            <a:r>
+              <a:rPr lang="en-US" dirty="0" smtClean="0"/>
+              <a:t>" [cross each one out in turn] -- ours is a purely client-side modification, so servers don’t have to be</a:t>
+            </a:r>
+            <a:r>
+              <a:rPr lang="en-US" baseline="0" dirty="0" smtClean="0"/>
+              <a:t> set up with extra configuration</a:t>
+            </a:r>
+            <a:endParaRPr lang="en-US" dirty="0" smtClean="0"/>
+          </a:p>
+          <a:p>
+            <a:r>
+              <a:rPr lang="en-US" dirty="0" smtClean="0"/>
+              <a:t>To participate, nor even opt-in ... [3]</a:t>
+            </a:r>
+          </a:p>
+          <a:p>
+            <a:endParaRPr lang="en-US" dirty="0" smtClean="0"/>
+          </a:p>
+          <a:p>
+            <a:r>
+              <a:rPr lang="en-US" dirty="0" smtClean="0"/>
+              <a:t>Ours provides an automatic transition to P2P, so even with small files it can switch automatically, which makes it  more user-friendly [no manual intervention required] [2].</a:t>
+            </a:r>
+          </a:p>
+          <a:p>
+            <a:endParaRPr lang="en-US" dirty="0" smtClean="0"/>
+          </a:p>
+          <a:p>
+            <a:r>
+              <a:rPr lang="en-US" dirty="0" smtClean="0"/>
+              <a:t>Ours uses standard client-server until this is deemed slow, so it "knows" when P2P will be faster, thus alleviating the user from having to choose whether to ignore it or not [1].</a:t>
+            </a:r>
+          </a:p>
+        </p:txBody>
+      </p:sp>
+      <p:sp>
+        <p:nvSpPr>
+          <p:cNvPr id="4" name="Slide Number Placeholder 3"/>
+          <p:cNvSpPr>
+            <a:spLocks noGrp="1"/>
+          </p:cNvSpPr>
+          <p:nvPr>
+            <p:ph type="sldNum" sz="quarter" idx="10"/>
+          </p:nvPr>
+        </p:nvSpPr>
+        <p:spPr/>
+        <p:txBody>
+          <a:bodyPr/>
+          <a:lstStyle/>
+          <a:p>
+            <a:fld id="{CFD85767-B34F-4122-8642-982296400DCD}" type="slidenum">
+              <a:rPr lang="en-US" smtClean="0"/>
+              <a:pPr/>
+              <a:t>10</a:t>
+            </a:fld>
+            <a:endParaRPr lang="en-US"/>
+          </a:p>
+        </p:txBody>
+      </p:sp>
+    </p:spTree>
+  </p:cSld>
+  <p:clrMapOvr>
+    <a:masterClrMapping/>
+  </p:clrMapOvr>
+</p:notes>
+</file>
+
+<file path=ppt/notesSlides/notesSlide11.xml><?xml version="1.0" encoding="utf-8"?>
+<p:notes xmlns:a="http://schemas.openxmlformats.org/drawingml/2006/main" xmlns:r="http://schemas.openxmlformats.org/officeDocument/2006/relationships" xmlns:p="http://schemas.openxmlformats.org/presentationml/2006/main">
+  <p:cSld>
+    <p:spTree>
+      <p:nvGrpSpPr>
+        <p:cNvPr id="1" name=""/>
+        <p:cNvGrpSpPr/>
+        <p:nvPr/>
+      </p:nvGrpSpPr>
+      <p:grpSpPr>
+        <a:xfrm>
+          <a:off x="0" y="0"/>
+          <a:ext cx="0" cy="0"/>
+          <a:chOff x="0" y="0"/>
+          <a:chExt cx="0" cy="0"/>
+        </a:xfrm>
+      </p:grpSpPr>
+      <p:sp>
+        <p:nvSpPr>
+          <p:cNvPr id="2" name="Slide Image Placeholder 1"/>
+          <p:cNvSpPr>
+            <a:spLocks noGrp="1" noRot="1" noChangeAspect="1"/>
+          </p:cNvSpPr>
+          <p:nvPr>
+            <p:ph type="sldImg"/>
+          </p:nvPr>
+        </p:nvSpPr>
+        <p:spPr/>
+      </p:sp>
+      <p:sp>
+        <p:nvSpPr>
+          <p:cNvPr id="3" name="Notes Placeholder 2"/>
+          <p:cNvSpPr>
+            <a:spLocks noGrp="1"/>
+          </p:cNvSpPr>
+          <p:nvPr>
+            <p:ph type="body" idx="1"/>
+          </p:nvPr>
+        </p:nvSpPr>
+        <p:spPr/>
+        <p:txBody>
+          <a:bodyPr>
+            <a:normAutofit/>
+          </a:bodyPr>
+          <a:lstStyle/>
+          <a:p>
+            <a:r>
+              <a:rPr lang="en-US" dirty="0" smtClean="0"/>
+              <a:t>TODO ADD W TO THIS</a:t>
+            </a:r>
+            <a:endParaRPr lang="en-US" dirty="0"/>
+          </a:p>
+        </p:txBody>
+      </p:sp>
+      <p:sp>
+        <p:nvSpPr>
+          <p:cNvPr id="4" name="Slide Number Placeholder 3"/>
+          <p:cNvSpPr>
+            <a:spLocks noGrp="1"/>
+          </p:cNvSpPr>
+          <p:nvPr>
+            <p:ph type="sldNum" sz="quarter" idx="10"/>
+          </p:nvPr>
+        </p:nvSpPr>
+        <p:spPr/>
+        <p:txBody>
+          <a:bodyPr/>
+          <a:lstStyle/>
+          <a:p>
+            <a:fld id="{CFD85767-B34F-4122-8642-982296400DCD}" type="slidenum">
+              <a:rPr lang="en-US" smtClean="0"/>
+              <a:pPr/>
+              <a:t>11</a:t>
+            </a:fld>
+            <a:endParaRPr lang="en-US"/>
+          </a:p>
+        </p:txBody>
+      </p:sp>
+    </p:spTree>
+  </p:cSld>
+  <p:clrMapOvr>
+    <a:masterClrMapping/>
+  </p:clrMapOvr>
+</p:notes>
+</file>
+
+<file path=ppt/notesSlides/notesSlide12.xml><?xml version="1.0" encoding="utf-8"?>
+<p:notes xmlns:a="http://schemas.openxmlformats.org/drawingml/2006/main" xmlns:r="http://schemas.openxmlformats.org/officeDocument/2006/relationships" xmlns:p="http://schemas.openxmlformats.org/presentationml/2006/main">
+  <p:cSld>
+    <p:spTree>
+      <p:nvGrpSpPr>
+        <p:cNvPr id="1" name=""/>
+        <p:cNvGrpSpPr/>
+        <p:nvPr/>
+      </p:nvGrpSpPr>
+      <p:grpSpPr>
+        <a:xfrm>
+          <a:off x="0" y="0"/>
+          <a:ext cx="0" cy="0"/>
+          <a:chOff x="0" y="0"/>
+          <a:chExt cx="0" cy="0"/>
+        </a:xfrm>
+      </p:grpSpPr>
+      <p:sp>
+        <p:nvSpPr>
+          <p:cNvPr id="2" name="Slide Image Placeholder 1"/>
+          <p:cNvSpPr>
+            <a:spLocks noGrp="1" noRot="1" noChangeAspect="1"/>
+          </p:cNvSpPr>
+          <p:nvPr>
+            <p:ph type="sldImg"/>
+          </p:nvPr>
+        </p:nvSpPr>
+        <p:spPr/>
+      </p:sp>
+      <p:sp>
+        <p:nvSpPr>
+          <p:cNvPr id="3" name="Notes Placeholder 2"/>
+          <p:cNvSpPr>
+            <a:spLocks noGrp="1"/>
+          </p:cNvSpPr>
+          <p:nvPr>
+            <p:ph type="body" idx="1"/>
+          </p:nvPr>
+        </p:nvSpPr>
+        <p:spPr/>
+        <p:txBody>
+          <a:bodyPr>
+            <a:normAutofit/>
+          </a:bodyPr>
+          <a:lstStyle/>
+          <a:p>
+            <a:r>
+              <a:rPr lang="en-US" dirty="0" smtClean="0"/>
+              <a:t>No more depth needed, uh guess.</a:t>
+            </a:r>
+            <a:endParaRPr lang="en-US" dirty="0"/>
+          </a:p>
+        </p:txBody>
+      </p:sp>
+      <p:sp>
+        <p:nvSpPr>
+          <p:cNvPr id="4" name="Slide Number Placeholder 3"/>
+          <p:cNvSpPr>
+            <a:spLocks noGrp="1"/>
+          </p:cNvSpPr>
+          <p:nvPr>
+            <p:ph type="sldNum" sz="quarter" idx="10"/>
+          </p:nvPr>
+        </p:nvSpPr>
+        <p:spPr/>
+        <p:txBody>
+          <a:bodyPr/>
+          <a:lstStyle/>
+          <a:p>
+            <a:fld id="{CFD85767-B34F-4122-8642-982296400DCD}" type="slidenum">
+              <a:rPr lang="en-US" smtClean="0"/>
+              <a:pPr/>
+              <a:t>12</a:t>
+            </a:fld>
+            <a:endParaRPr lang="en-US"/>
+          </a:p>
+        </p:txBody>
+      </p:sp>
+    </p:spTree>
+  </p:cSld>
+  <p:clrMapOvr>
+    <a:masterClrMapping/>
+  </p:clrMapOvr>
+</p:notes>
+</file>
+
+<file path=ppt/notesSlides/notesSlide13.xml><?xml version="1.0" encoding="utf-8"?>
+<p:notes xmlns:a="http://schemas.openxmlformats.org/drawingml/2006/main" xmlns:r="http://schemas.openxmlformats.org/officeDocument/2006/relationships" xmlns:p="http://schemas.openxmlformats.org/presentationml/2006/main">
+  <p:cSld>
+    <p:spTree>
+      <p:nvGrpSpPr>
+        <p:cNvPr id="1" name=""/>
+        <p:cNvGrpSpPr/>
+        <p:nvPr/>
+      </p:nvGrpSpPr>
+      <p:grpSpPr>
+        <a:xfrm>
+          <a:off x="0" y="0"/>
+          <a:ext cx="0" cy="0"/>
+          <a:chOff x="0" y="0"/>
+          <a:chExt cx="0" cy="0"/>
+        </a:xfrm>
+      </p:grpSpPr>
+      <p:sp>
+        <p:nvSpPr>
+          <p:cNvPr id="2" name="Slide Image Placeholder 1"/>
+          <p:cNvSpPr>
+            <a:spLocks noGrp="1" noRot="1" noChangeAspect="1"/>
+          </p:cNvSpPr>
+          <p:nvPr>
+            <p:ph type="sldImg"/>
+          </p:nvPr>
+        </p:nvSpPr>
+        <p:spPr/>
+      </p:sp>
+      <p:sp>
+        <p:nvSpPr>
+          <p:cNvPr id="3" name="Notes Placeholder 2"/>
+          <p:cNvSpPr>
+            <a:spLocks noGrp="1"/>
+          </p:cNvSpPr>
+          <p:nvPr>
+            <p:ph type="body" idx="1"/>
+          </p:nvPr>
+        </p:nvSpPr>
+        <p:spPr/>
+        <p:txBody>
+          <a:bodyPr>
+            <a:normAutofit/>
+          </a:bodyPr>
+          <a:lstStyle/>
+          <a:p>
+            <a:endParaRPr lang="en-US"/>
+          </a:p>
+        </p:txBody>
+      </p:sp>
+      <p:sp>
+        <p:nvSpPr>
+          <p:cNvPr id="4" name="Slide Number Placeholder 3"/>
+          <p:cNvSpPr>
+            <a:spLocks noGrp="1"/>
+          </p:cNvSpPr>
+          <p:nvPr>
+            <p:ph type="sldNum" sz="quarter" idx="10"/>
+          </p:nvPr>
+        </p:nvSpPr>
+        <p:spPr/>
+        <p:txBody>
+          <a:bodyPr/>
+          <a:lstStyle/>
+          <a:p>
+            <a:fld id="{CFD85767-B34F-4122-8642-982296400DCD}" type="slidenum">
+              <a:rPr lang="en-US" smtClean="0"/>
+              <a:pPr/>
+              <a:t>13</a:t>
+            </a:fld>
+            <a:endParaRPr lang="en-US"/>
+          </a:p>
+        </p:txBody>
+      </p:sp>
+    </p:spTree>
+  </p:cSld>
+  <p:clrMapOvr>
+    <a:masterClrMapping/>
+  </p:clrMapOvr>
+</p:notes>
+</file>
+
+<file path=ppt/notesSlides/notesSlide14.xml><?xml version="1.0" encoding="utf-8"?>
+<p:notes xmlns:a="http://schemas.openxmlformats.org/drawingml/2006/main" xmlns:r="http://schemas.openxmlformats.org/officeDocument/2006/relationships" xmlns:p="http://schemas.openxmlformats.org/presentationml/2006/main">
+  <p:cSld>
+    <p:spTree>
+      <p:nvGrpSpPr>
+        <p:cNvPr id="1" name=""/>
+        <p:cNvGrpSpPr/>
+        <p:nvPr/>
+      </p:nvGrpSpPr>
+      <p:grpSpPr>
+        <a:xfrm>
+          <a:off x="0" y="0"/>
+          <a:ext cx="0" cy="0"/>
+          <a:chOff x="0" y="0"/>
+          <a:chExt cx="0" cy="0"/>
+        </a:xfrm>
+      </p:grpSpPr>
+      <p:sp>
+        <p:nvSpPr>
+          <p:cNvPr id="2" name="Slide Image Placeholder 1"/>
+          <p:cNvSpPr>
+            <a:spLocks noGrp="1" noRot="1" noChangeAspect="1"/>
+          </p:cNvSpPr>
+          <p:nvPr>
+            <p:ph type="sldImg"/>
+          </p:nvPr>
+        </p:nvSpPr>
+        <p:spPr/>
+      </p:sp>
+      <p:sp>
+        <p:nvSpPr>
+          <p:cNvPr id="3" name="Notes Placeholder 2"/>
+          <p:cNvSpPr>
+            <a:spLocks noGrp="1"/>
+          </p:cNvSpPr>
+          <p:nvPr>
+            <p:ph type="body" idx="1"/>
+          </p:nvPr>
+        </p:nvSpPr>
+        <p:spPr/>
+        <p:txBody>
+          <a:bodyPr>
+            <a:normAutofit/>
+          </a:bodyPr>
+          <a:lstStyle/>
+          <a:p>
+            <a:endParaRPr lang="en-US"/>
+          </a:p>
+        </p:txBody>
+      </p:sp>
+      <p:sp>
+        <p:nvSpPr>
+          <p:cNvPr id="4" name="Slide Number Placeholder 3"/>
+          <p:cNvSpPr>
+            <a:spLocks noGrp="1"/>
+          </p:cNvSpPr>
+          <p:nvPr>
+            <p:ph type="sldNum" sz="quarter" idx="10"/>
+          </p:nvPr>
+        </p:nvSpPr>
+        <p:spPr/>
+        <p:txBody>
+          <a:bodyPr/>
+          <a:lstStyle/>
+          <a:p>
+            <a:fld id="{CFD85767-B34F-4122-8642-982296400DCD}" type="slidenum">
+              <a:rPr lang="en-US" smtClean="0"/>
+              <a:pPr/>
+              <a:t>14</a:t>
+            </a:fld>
+            <a:endParaRPr lang="en-US"/>
+          </a:p>
+        </p:txBody>
+      </p:sp>
+    </p:spTree>
+  </p:cSld>
+  <p:clrMapOvr>
+    <a:masterClrMapping/>
+  </p:clrMapOvr>
+</p:notes>
+</file>
+
+<file path=ppt/notesSlides/notesSlide15.xml><?xml version="1.0" encoding="utf-8"?>
+<p:notes xmlns:a="http://schemas.openxmlformats.org/drawingml/2006/main" xmlns:r="http://schemas.openxmlformats.org/officeDocument/2006/relationships" xmlns:p="http://schemas.openxmlformats.org/presentationml/2006/main">
+  <p:cSld>
+    <p:spTree>
+      <p:nvGrpSpPr>
+        <p:cNvPr id="1" name=""/>
+        <p:cNvGrpSpPr/>
+        <p:nvPr/>
+      </p:nvGrpSpPr>
+      <p:grpSpPr>
+        <a:xfrm>
+          <a:off x="0" y="0"/>
+          <a:ext cx="0" cy="0"/>
+          <a:chOff x="0" y="0"/>
+          <a:chExt cx="0" cy="0"/>
+        </a:xfrm>
+      </p:grpSpPr>
+      <p:sp>
+        <p:nvSpPr>
+          <p:cNvPr id="2" name="Slide Image Placeholder 1"/>
+          <p:cNvSpPr>
+            <a:spLocks noGrp="1" noRot="1" noChangeAspect="1"/>
+          </p:cNvSpPr>
+          <p:nvPr>
+            <p:ph type="sldImg"/>
+          </p:nvPr>
+        </p:nvSpPr>
+        <p:spPr/>
+      </p:sp>
+      <p:sp>
+        <p:nvSpPr>
+          <p:cNvPr id="3" name="Notes Placeholder 2"/>
+          <p:cNvSpPr>
+            <a:spLocks noGrp="1"/>
+          </p:cNvSpPr>
+          <p:nvPr>
+            <p:ph type="body" idx="1"/>
+          </p:nvPr>
+        </p:nvSpPr>
+        <p:spPr/>
+        <p:txBody>
+          <a:bodyPr>
+            <a:normAutofit/>
+          </a:bodyPr>
+          <a:lstStyle/>
+          <a:p>
+            <a:endParaRPr lang="en-US" dirty="0"/>
+          </a:p>
+        </p:txBody>
+      </p:sp>
+      <p:sp>
+        <p:nvSpPr>
+          <p:cNvPr id="4" name="Slide Number Placeholder 3"/>
+          <p:cNvSpPr>
+            <a:spLocks noGrp="1"/>
+          </p:cNvSpPr>
+          <p:nvPr>
+            <p:ph type="sldNum" sz="quarter" idx="10"/>
+          </p:nvPr>
+        </p:nvSpPr>
+        <p:spPr/>
+        <p:txBody>
+          <a:bodyPr/>
+          <a:lstStyle/>
+          <a:p>
+            <a:fld id="{CFD85767-B34F-4122-8642-982296400DCD}" type="slidenum">
+              <a:rPr lang="en-US" smtClean="0"/>
+              <a:pPr/>
+              <a:t>15</a:t>
+            </a:fld>
+            <a:endParaRPr lang="en-US"/>
+          </a:p>
+        </p:txBody>
+      </p:sp>
+    </p:spTree>
+  </p:cSld>
+  <p:clrMapOvr>
+    <a:masterClrMapping/>
+  </p:clrMapOvr>
+</p:notes>
+</file>
+
+<file path=ppt/notesSlides/notesSlide16.xml><?xml version="1.0" encoding="utf-8"?>
+<p:notes xmlns:a="http://schemas.openxmlformats.org/drawingml/2006/main" xmlns:r="http://schemas.openxmlformats.org/officeDocument/2006/relationships" xmlns:p="http://schemas.openxmlformats.org/presentationml/2006/main">
+  <p:cSld>
+    <p:spTree>
+      <p:nvGrpSpPr>
+        <p:cNvPr id="1" name=""/>
+        <p:cNvGrpSpPr/>
+        <p:nvPr/>
+      </p:nvGrpSpPr>
+      <p:grpSpPr>
+        <a:xfrm>
+          <a:off x="0" y="0"/>
+          <a:ext cx="0" cy="0"/>
+          <a:chOff x="0" y="0"/>
+          <a:chExt cx="0" cy="0"/>
+        </a:xfrm>
+      </p:grpSpPr>
+      <p:sp>
+        <p:nvSpPr>
+          <p:cNvPr id="2" name="Slide Image Placeholder 1"/>
+          <p:cNvSpPr>
+            <a:spLocks noGrp="1" noRot="1" noChangeAspect="1"/>
+          </p:cNvSpPr>
+          <p:nvPr>
+            <p:ph type="sldImg"/>
+          </p:nvPr>
+        </p:nvSpPr>
+        <p:spPr/>
+      </p:sp>
+      <p:sp>
+        <p:nvSpPr>
+          <p:cNvPr id="3" name="Notes Placeholder 2"/>
+          <p:cNvSpPr>
+            <a:spLocks noGrp="1"/>
+          </p:cNvSpPr>
+          <p:nvPr>
+            <p:ph type="body" idx="1"/>
+          </p:nvPr>
+        </p:nvSpPr>
+        <p:spPr/>
+        <p:txBody>
+          <a:bodyPr>
+            <a:normAutofit/>
+          </a:bodyPr>
+          <a:lstStyle/>
+          <a:p>
+            <a:endParaRPr lang="en-US"/>
+          </a:p>
+        </p:txBody>
+      </p:sp>
+      <p:sp>
+        <p:nvSpPr>
+          <p:cNvPr id="4" name="Slide Number Placeholder 3"/>
+          <p:cNvSpPr>
+            <a:spLocks noGrp="1"/>
+          </p:cNvSpPr>
+          <p:nvPr>
+            <p:ph type="sldNum" sz="quarter" idx="10"/>
+          </p:nvPr>
+        </p:nvSpPr>
+        <p:spPr/>
+        <p:txBody>
+          <a:bodyPr/>
+          <a:lstStyle/>
+          <a:p>
+            <a:fld id="{CFD85767-B34F-4122-8642-982296400DCD}" type="slidenum">
+              <a:rPr lang="en-US" smtClean="0"/>
+              <a:pPr/>
+              <a:t>16</a:t>
+            </a:fld>
+            <a:endParaRPr lang="en-US"/>
+          </a:p>
+        </p:txBody>
+      </p:sp>
+    </p:spTree>
+  </p:cSld>
+  <p:clrMapOvr>
+    <a:masterClrMapping/>
+  </p:clrMapOvr>
+</p:notes>
+</file>
+
+<file path=ppt/notesSlides/notesSlide17.xml><?xml version="1.0" encoding="utf-8"?>
+<p:notes xmlns:a="http://schemas.openxmlformats.org/drawingml/2006/main" xmlns:r="http://schemas.openxmlformats.org/officeDocument/2006/relationships" xmlns:p="http://schemas.openxmlformats.org/presentationml/2006/main">
+  <p:cSld>
+    <p:spTree>
+      <p:nvGrpSpPr>
+        <p:cNvPr id="1" name=""/>
+        <p:cNvGrpSpPr/>
+        <p:nvPr/>
+      </p:nvGrpSpPr>
+      <p:grpSpPr>
+        <a:xfrm>
+          <a:off x="0" y="0"/>
+          <a:ext cx="0" cy="0"/>
+          <a:chOff x="0" y="0"/>
+          <a:chExt cx="0" cy="0"/>
+        </a:xfrm>
+      </p:grpSpPr>
+      <p:sp>
+        <p:nvSpPr>
+          <p:cNvPr id="2" name="Slide Image Placeholder 1"/>
+          <p:cNvSpPr>
+            <a:spLocks noGrp="1" noRot="1" noChangeAspect="1"/>
+          </p:cNvSpPr>
+          <p:nvPr>
+            <p:ph type="sldImg"/>
+          </p:nvPr>
+        </p:nvSpPr>
+        <p:spPr/>
+      </p:sp>
+      <p:sp>
+        <p:nvSpPr>
+          <p:cNvPr id="3" name="Notes Placeholder 2"/>
+          <p:cNvSpPr>
+            <a:spLocks noGrp="1"/>
+          </p:cNvSpPr>
+          <p:nvPr>
+            <p:ph type="body" idx="1"/>
+          </p:nvPr>
+        </p:nvSpPr>
+        <p:spPr/>
+        <p:txBody>
+          <a:bodyPr>
+            <a:normAutofit/>
+          </a:bodyPr>
+          <a:lstStyle/>
+          <a:p>
+            <a:endParaRPr lang="en-US"/>
+          </a:p>
+        </p:txBody>
+      </p:sp>
+      <p:sp>
+        <p:nvSpPr>
+          <p:cNvPr id="4" name="Slide Number Placeholder 3"/>
+          <p:cNvSpPr>
+            <a:spLocks noGrp="1"/>
+          </p:cNvSpPr>
+          <p:nvPr>
+            <p:ph type="sldNum" sz="quarter" idx="10"/>
+          </p:nvPr>
+        </p:nvSpPr>
+        <p:spPr/>
+        <p:txBody>
+          <a:bodyPr/>
+          <a:lstStyle/>
+          <a:p>
+            <a:fld id="{CFD85767-B34F-4122-8642-982296400DCD}" type="slidenum">
+              <a:rPr lang="en-US" smtClean="0"/>
+              <a:pPr/>
+              <a:t>17</a:t>
+            </a:fld>
+            <a:endParaRPr lang="en-US"/>
+          </a:p>
+        </p:txBody>
+      </p:sp>
+    </p:spTree>
+  </p:cSld>
+  <p:clrMapOvr>
+    <a:masterClrMapping/>
+  </p:clrMapOvr>
+</p:notes>
+</file>
+
+<file path=ppt/notesSlides/notesSlide18.xml><?xml version="1.0" encoding="utf-8"?>
+<p:notes xmlns:a="http://schemas.openxmlformats.org/drawingml/2006/main" xmlns:r="http://schemas.openxmlformats.org/officeDocument/2006/relationships" xmlns:p="http://schemas.openxmlformats.org/presentationml/2006/main">
+  <p:cSld>
+    <p:spTree>
+      <p:nvGrpSpPr>
+        <p:cNvPr id="1" name=""/>
+        <p:cNvGrpSpPr/>
+        <p:nvPr/>
+      </p:nvGrpSpPr>
+      <p:grpSpPr>
+        <a:xfrm>
+          <a:off x="0" y="0"/>
+          <a:ext cx="0" cy="0"/>
+          <a:chOff x="0" y="0"/>
+          <a:chExt cx="0" cy="0"/>
+        </a:xfrm>
+      </p:grpSpPr>
+      <p:sp>
+        <p:nvSpPr>
+          <p:cNvPr id="2" name="Slide Image Placeholder 1"/>
+          <p:cNvSpPr>
+            <a:spLocks noGrp="1" noRot="1" noChangeAspect="1"/>
+          </p:cNvSpPr>
+          <p:nvPr>
+            <p:ph type="sldImg"/>
+          </p:nvPr>
+        </p:nvSpPr>
+        <p:spPr/>
+      </p:sp>
+      <p:sp>
+        <p:nvSpPr>
+          <p:cNvPr id="3" name="Notes Placeholder 2"/>
+          <p:cNvSpPr>
+            <a:spLocks noGrp="1"/>
+          </p:cNvSpPr>
+          <p:nvPr>
+            <p:ph type="body" idx="1"/>
+          </p:nvPr>
+        </p:nvSpPr>
+        <p:spPr/>
+        <p:txBody>
+          <a:bodyPr>
+            <a:normAutofit/>
+          </a:bodyPr>
+          <a:lstStyle/>
+          <a:p>
+            <a:endParaRPr lang="en-US"/>
+          </a:p>
+        </p:txBody>
+      </p:sp>
+      <p:sp>
+        <p:nvSpPr>
+          <p:cNvPr id="4" name="Slide Number Placeholder 3"/>
+          <p:cNvSpPr>
+            <a:spLocks noGrp="1"/>
+          </p:cNvSpPr>
+          <p:nvPr>
+            <p:ph type="sldNum" sz="quarter" idx="10"/>
+          </p:nvPr>
+        </p:nvSpPr>
+        <p:spPr/>
+        <p:txBody>
+          <a:bodyPr/>
+          <a:lstStyle/>
+          <a:p>
+            <a:fld id="{CFD85767-B34F-4122-8642-982296400DCD}" type="slidenum">
+              <a:rPr lang="en-US" smtClean="0"/>
+              <a:pPr/>
+              <a:t>18</a:t>
+            </a:fld>
+            <a:endParaRPr lang="en-US"/>
+          </a:p>
+        </p:txBody>
+      </p:sp>
+    </p:spTree>
+  </p:cSld>
+  <p:clrMapOvr>
+    <a:masterClrMapping/>
+  </p:clrMapOvr>
+</p:notes>
+</file>
+
+<file path=ppt/notesSlides/notesSlide19.xml><?xml version="1.0" encoding="utf-8"?>
+<p:notes xmlns:a="http://schemas.openxmlformats.org/drawingml/2006/main" xmlns:r="http://schemas.openxmlformats.org/officeDocument/2006/relationships" xmlns:p="http://schemas.openxmlformats.org/presentationml/2006/main">
+  <p:cSld>
+    <p:spTree>
+      <p:nvGrpSpPr>
+        <p:cNvPr id="1" name=""/>
+        <p:cNvGrpSpPr/>
+        <p:nvPr/>
+      </p:nvGrpSpPr>
+      <p:grpSpPr>
+        <a:xfrm>
+          <a:off x="0" y="0"/>
+          <a:ext cx="0" cy="0"/>
+          <a:chOff x="0" y="0"/>
+          <a:chExt cx="0" cy="0"/>
+        </a:xfrm>
+      </p:grpSpPr>
+      <p:sp>
+        <p:nvSpPr>
+          <p:cNvPr id="2" name="Slide Image Placeholder 1"/>
+          <p:cNvSpPr>
+            <a:spLocks noGrp="1" noRot="1" noChangeAspect="1"/>
+          </p:cNvSpPr>
+          <p:nvPr>
+            <p:ph type="sldImg"/>
+          </p:nvPr>
+        </p:nvSpPr>
+        <p:spPr/>
+      </p:sp>
+      <p:sp>
+        <p:nvSpPr>
+          <p:cNvPr id="3" name="Notes Placeholder 2"/>
+          <p:cNvSpPr>
+            <a:spLocks noGrp="1"/>
+          </p:cNvSpPr>
+          <p:nvPr>
+            <p:ph type="body" idx="1"/>
+          </p:nvPr>
+        </p:nvSpPr>
+        <p:spPr/>
+        <p:txBody>
+          <a:bodyPr>
+            <a:normAutofit/>
+          </a:bodyPr>
+          <a:lstStyle/>
+          <a:p>
+            <a:r>
+              <a:rPr lang="en-US" dirty="0" smtClean="0"/>
+              <a:t>Not much change, really.  Because it</a:t>
+            </a:r>
+            <a:r>
+              <a:rPr lang="en-US" baseline="0" dirty="0" smtClean="0"/>
+              <a:t> only affected at most the first few,  because after that the server became saturated and T would always fire first.</a:t>
+            </a:r>
+            <a:endParaRPr lang="en-US" dirty="0"/>
+          </a:p>
+        </p:txBody>
+      </p:sp>
+      <p:sp>
+        <p:nvSpPr>
+          <p:cNvPr id="4" name="Slide Number Placeholder 3"/>
+          <p:cNvSpPr>
+            <a:spLocks noGrp="1"/>
+          </p:cNvSpPr>
+          <p:nvPr>
+            <p:ph type="sldNum" sz="quarter" idx="10"/>
+          </p:nvPr>
+        </p:nvSpPr>
+        <p:spPr/>
+        <p:txBody>
+          <a:bodyPr/>
+          <a:lstStyle/>
+          <a:p>
+            <a:fld id="{CFD85767-B34F-4122-8642-982296400DCD}" type="slidenum">
+              <a:rPr lang="en-US" smtClean="0"/>
+              <a:pPr/>
+              <a:t>19</a:t>
+            </a:fld>
+            <a:endParaRPr lang="en-US"/>
+          </a:p>
+        </p:txBody>
+      </p:sp>
+    </p:spTree>
+  </p:cSld>
+  <p:clrMapOvr>
+    <a:masterClrMapping/>
+  </p:clrMapOvr>
+</p:notes>
+</file>
+
 <file path=ppt/notesSlides/notesSlide2.xml><?xml version="1.0" encoding="utf-8"?>
 <p:notes xmlns:a="http://schemas.openxmlformats.org/drawingml/2006/main" xmlns:r="http://schemas.openxmlformats.org/officeDocument/2006/relationships" xmlns:p="http://schemas.openxmlformats.org/presentationml/2006/main">
   <p:cSld>
@@ -602,7 +1491,6 @@
               <a:rPr lang="en-US" dirty="0" smtClean="0"/>
               <a:t>It isn’t just me!  This is not me!</a:t>
             </a:r>
-            <a:endParaRPr lang="en-US" dirty="0"/>
           </a:p>
         </p:txBody>
       </p:sp>
@@ -625,6 +1513,662 @@
               <a:rPr lang="en-US" smtClean="0"/>
               <a:pPr/>
               <a:t>2</a:t>
+            </a:fld>
+            <a:endParaRPr lang="en-US"/>
+          </a:p>
+        </p:txBody>
+      </p:sp>
+    </p:spTree>
+  </p:cSld>
+  <p:clrMapOvr>
+    <a:masterClrMapping/>
+  </p:clrMapOvr>
+</p:notes>
+</file>
+
+<file path=ppt/notesSlides/notesSlide20.xml><?xml version="1.0" encoding="utf-8"?>
+<p:notes xmlns:a="http://schemas.openxmlformats.org/drawingml/2006/main" xmlns:r="http://schemas.openxmlformats.org/officeDocument/2006/relationships" xmlns:p="http://schemas.openxmlformats.org/presentationml/2006/main">
+  <p:cSld>
+    <p:spTree>
+      <p:nvGrpSpPr>
+        <p:cNvPr id="1" name=""/>
+        <p:cNvGrpSpPr/>
+        <p:nvPr/>
+      </p:nvGrpSpPr>
+      <p:grpSpPr>
+        <a:xfrm>
+          <a:off x="0" y="0"/>
+          <a:ext cx="0" cy="0"/>
+          <a:chOff x="0" y="0"/>
+          <a:chExt cx="0" cy="0"/>
+        </a:xfrm>
+      </p:grpSpPr>
+      <p:sp>
+        <p:nvSpPr>
+          <p:cNvPr id="2" name="Slide Image Placeholder 1"/>
+          <p:cNvSpPr>
+            <a:spLocks noGrp="1" noRot="1" noChangeAspect="1"/>
+          </p:cNvSpPr>
+          <p:nvPr>
+            <p:ph type="sldImg"/>
+          </p:nvPr>
+        </p:nvSpPr>
+        <p:spPr/>
+      </p:sp>
+      <p:sp>
+        <p:nvSpPr>
+          <p:cNvPr id="3" name="Notes Placeholder 2"/>
+          <p:cNvSpPr>
+            <a:spLocks noGrp="1"/>
+          </p:cNvSpPr>
+          <p:nvPr>
+            <p:ph type="body" idx="1"/>
+          </p:nvPr>
+        </p:nvSpPr>
+        <p:spPr/>
+        <p:txBody>
+          <a:bodyPr>
+            <a:normAutofit/>
+          </a:bodyPr>
+          <a:lstStyle/>
+          <a:p>
+            <a:r>
+              <a:rPr lang="en-US" dirty="0" smtClean="0"/>
+              <a:t>Note that our linger time was 20</a:t>
+            </a:r>
+            <a:r>
+              <a:rPr lang="en-US" baseline="0" dirty="0" smtClean="0"/>
+              <a:t> seconds, so the DHT was becoming less effective under higher load.</a:t>
+            </a:r>
+            <a:endParaRPr lang="en-US" dirty="0"/>
+          </a:p>
+        </p:txBody>
+      </p:sp>
+      <p:sp>
+        <p:nvSpPr>
+          <p:cNvPr id="4" name="Slide Number Placeholder 3"/>
+          <p:cNvSpPr>
+            <a:spLocks noGrp="1"/>
+          </p:cNvSpPr>
+          <p:nvPr>
+            <p:ph type="sldNum" sz="quarter" idx="10"/>
+          </p:nvPr>
+        </p:nvSpPr>
+        <p:spPr/>
+        <p:txBody>
+          <a:bodyPr/>
+          <a:lstStyle/>
+          <a:p>
+            <a:fld id="{CFD85767-B34F-4122-8642-982296400DCD}" type="slidenum">
+              <a:rPr lang="en-US" smtClean="0"/>
+              <a:pPr/>
+              <a:t>20</a:t>
+            </a:fld>
+            <a:endParaRPr lang="en-US"/>
+          </a:p>
+        </p:txBody>
+      </p:sp>
+    </p:spTree>
+  </p:cSld>
+  <p:clrMapOvr>
+    <a:masterClrMapping/>
+  </p:clrMapOvr>
+</p:notes>
+</file>
+
+<file path=ppt/notesSlides/notesSlide21.xml><?xml version="1.0" encoding="utf-8"?>
+<p:notes xmlns:a="http://schemas.openxmlformats.org/drawingml/2006/main" xmlns:r="http://schemas.openxmlformats.org/officeDocument/2006/relationships" xmlns:p="http://schemas.openxmlformats.org/presentationml/2006/main">
+  <p:cSld>
+    <p:spTree>
+      <p:nvGrpSpPr>
+        <p:cNvPr id="1" name=""/>
+        <p:cNvGrpSpPr/>
+        <p:nvPr/>
+      </p:nvGrpSpPr>
+      <p:grpSpPr>
+        <a:xfrm>
+          <a:off x="0" y="0"/>
+          <a:ext cx="0" cy="0"/>
+          <a:chOff x="0" y="0"/>
+          <a:chExt cx="0" cy="0"/>
+        </a:xfrm>
+      </p:grpSpPr>
+      <p:sp>
+        <p:nvSpPr>
+          <p:cNvPr id="2" name="Slide Image Placeholder 1"/>
+          <p:cNvSpPr>
+            <a:spLocks noGrp="1" noRot="1" noChangeAspect="1"/>
+          </p:cNvSpPr>
+          <p:nvPr>
+            <p:ph type="sldImg"/>
+          </p:nvPr>
+        </p:nvSpPr>
+        <p:spPr/>
+      </p:sp>
+      <p:sp>
+        <p:nvSpPr>
+          <p:cNvPr id="3" name="Notes Placeholder 2"/>
+          <p:cNvSpPr>
+            <a:spLocks noGrp="1"/>
+          </p:cNvSpPr>
+          <p:nvPr>
+            <p:ph type="body" idx="1"/>
+          </p:nvPr>
+        </p:nvSpPr>
+        <p:spPr/>
+        <p:txBody>
+          <a:bodyPr>
+            <a:normAutofit/>
+          </a:bodyPr>
+          <a:lstStyle/>
+          <a:p>
+            <a:endParaRPr lang="en-US"/>
+          </a:p>
+        </p:txBody>
+      </p:sp>
+      <p:sp>
+        <p:nvSpPr>
+          <p:cNvPr id="4" name="Slide Number Placeholder 3"/>
+          <p:cNvSpPr>
+            <a:spLocks noGrp="1"/>
+          </p:cNvSpPr>
+          <p:nvPr>
+            <p:ph type="sldNum" sz="quarter" idx="10"/>
+          </p:nvPr>
+        </p:nvSpPr>
+        <p:spPr/>
+        <p:txBody>
+          <a:bodyPr/>
+          <a:lstStyle/>
+          <a:p>
+            <a:fld id="{CFD85767-B34F-4122-8642-982296400DCD}" type="slidenum">
+              <a:rPr lang="en-US" smtClean="0"/>
+              <a:pPr/>
+              <a:t>21</a:t>
+            </a:fld>
+            <a:endParaRPr lang="en-US"/>
+          </a:p>
+        </p:txBody>
+      </p:sp>
+    </p:spTree>
+  </p:cSld>
+  <p:clrMapOvr>
+    <a:masterClrMapping/>
+  </p:clrMapOvr>
+</p:notes>
+</file>
+
+<file path=ppt/notesSlides/notesSlide22.xml><?xml version="1.0" encoding="utf-8"?>
+<p:notes xmlns:a="http://schemas.openxmlformats.org/drawingml/2006/main" xmlns:r="http://schemas.openxmlformats.org/officeDocument/2006/relationships" xmlns:p="http://schemas.openxmlformats.org/presentationml/2006/main">
+  <p:cSld>
+    <p:spTree>
+      <p:nvGrpSpPr>
+        <p:cNvPr id="1" name=""/>
+        <p:cNvGrpSpPr/>
+        <p:nvPr/>
+      </p:nvGrpSpPr>
+      <p:grpSpPr>
+        <a:xfrm>
+          <a:off x="0" y="0"/>
+          <a:ext cx="0" cy="0"/>
+          <a:chOff x="0" y="0"/>
+          <a:chExt cx="0" cy="0"/>
+        </a:xfrm>
+      </p:grpSpPr>
+      <p:sp>
+        <p:nvSpPr>
+          <p:cNvPr id="2" name="Slide Image Placeholder 1"/>
+          <p:cNvSpPr>
+            <a:spLocks noGrp="1" noRot="1" noChangeAspect="1"/>
+          </p:cNvSpPr>
+          <p:nvPr>
+            <p:ph type="sldImg"/>
+          </p:nvPr>
+        </p:nvSpPr>
+        <p:spPr/>
+      </p:sp>
+      <p:sp>
+        <p:nvSpPr>
+          <p:cNvPr id="3" name="Notes Placeholder 2"/>
+          <p:cNvSpPr>
+            <a:spLocks noGrp="1"/>
+          </p:cNvSpPr>
+          <p:nvPr>
+            <p:ph type="body" idx="1"/>
+          </p:nvPr>
+        </p:nvSpPr>
+        <p:spPr/>
+        <p:txBody>
+          <a:bodyPr>
+            <a:normAutofit/>
+          </a:bodyPr>
+          <a:lstStyle/>
+          <a:p>
+            <a:r>
+              <a:rPr lang="en-US" dirty="0" smtClean="0"/>
+              <a:t>Fastest</a:t>
+            </a:r>
+            <a:r>
+              <a:rPr lang="en-US" baseline="0" dirty="0" smtClean="0"/>
+              <a:t> was 32 KB, presumably because I download from the last few peers in parallel, so this fits best.</a:t>
+            </a:r>
+            <a:endParaRPr lang="en-US" dirty="0"/>
+          </a:p>
+        </p:txBody>
+      </p:sp>
+      <p:sp>
+        <p:nvSpPr>
+          <p:cNvPr id="4" name="Slide Number Placeholder 3"/>
+          <p:cNvSpPr>
+            <a:spLocks noGrp="1"/>
+          </p:cNvSpPr>
+          <p:nvPr>
+            <p:ph type="sldNum" sz="quarter" idx="10"/>
+          </p:nvPr>
+        </p:nvSpPr>
+        <p:spPr/>
+        <p:txBody>
+          <a:bodyPr/>
+          <a:lstStyle/>
+          <a:p>
+            <a:fld id="{CFD85767-B34F-4122-8642-982296400DCD}" type="slidenum">
+              <a:rPr lang="en-US" smtClean="0"/>
+              <a:pPr/>
+              <a:t>22</a:t>
+            </a:fld>
+            <a:endParaRPr lang="en-US"/>
+          </a:p>
+        </p:txBody>
+      </p:sp>
+    </p:spTree>
+  </p:cSld>
+  <p:clrMapOvr>
+    <a:masterClrMapping/>
+  </p:clrMapOvr>
+</p:notes>
+</file>
+
+<file path=ppt/notesSlides/notesSlide23.xml><?xml version="1.0" encoding="utf-8"?>
+<p:notes xmlns:a="http://schemas.openxmlformats.org/drawingml/2006/main" xmlns:r="http://schemas.openxmlformats.org/officeDocument/2006/relationships" xmlns:p="http://schemas.openxmlformats.org/presentationml/2006/main">
+  <p:cSld>
+    <p:spTree>
+      <p:nvGrpSpPr>
+        <p:cNvPr id="1" name=""/>
+        <p:cNvGrpSpPr/>
+        <p:nvPr/>
+      </p:nvGrpSpPr>
+      <p:grpSpPr>
+        <a:xfrm>
+          <a:off x="0" y="0"/>
+          <a:ext cx="0" cy="0"/>
+          <a:chOff x="0" y="0"/>
+          <a:chExt cx="0" cy="0"/>
+        </a:xfrm>
+      </p:grpSpPr>
+      <p:sp>
+        <p:nvSpPr>
+          <p:cNvPr id="2" name="Slide Image Placeholder 1"/>
+          <p:cNvSpPr>
+            <a:spLocks noGrp="1" noRot="1" noChangeAspect="1"/>
+          </p:cNvSpPr>
+          <p:nvPr>
+            <p:ph type="sldImg"/>
+          </p:nvPr>
+        </p:nvSpPr>
+        <p:spPr/>
+      </p:sp>
+      <p:sp>
+        <p:nvSpPr>
+          <p:cNvPr id="3" name="Notes Placeholder 2"/>
+          <p:cNvSpPr>
+            <a:spLocks noGrp="1"/>
+          </p:cNvSpPr>
+          <p:nvPr>
+            <p:ph type="body" idx="1"/>
+          </p:nvPr>
+        </p:nvSpPr>
+        <p:spPr/>
+        <p:txBody>
+          <a:bodyPr>
+            <a:normAutofit/>
+          </a:bodyPr>
+          <a:lstStyle/>
+          <a:p>
+            <a:endParaRPr lang="en-US"/>
+          </a:p>
+        </p:txBody>
+      </p:sp>
+      <p:sp>
+        <p:nvSpPr>
+          <p:cNvPr id="4" name="Slide Number Placeholder 3"/>
+          <p:cNvSpPr>
+            <a:spLocks noGrp="1"/>
+          </p:cNvSpPr>
+          <p:nvPr>
+            <p:ph type="sldNum" sz="quarter" idx="10"/>
+          </p:nvPr>
+        </p:nvSpPr>
+        <p:spPr/>
+        <p:txBody>
+          <a:bodyPr/>
+          <a:lstStyle/>
+          <a:p>
+            <a:fld id="{CFD85767-B34F-4122-8642-982296400DCD}" type="slidenum">
+              <a:rPr lang="en-US" smtClean="0"/>
+              <a:pPr/>
+              <a:t>23</a:t>
+            </a:fld>
+            <a:endParaRPr lang="en-US"/>
+          </a:p>
+        </p:txBody>
+      </p:sp>
+    </p:spTree>
+  </p:cSld>
+  <p:clrMapOvr>
+    <a:masterClrMapping/>
+  </p:clrMapOvr>
+</p:notes>
+</file>
+
+<file path=ppt/notesSlides/notesSlide24.xml><?xml version="1.0" encoding="utf-8"?>
+<p:notes xmlns:a="http://schemas.openxmlformats.org/drawingml/2006/main" xmlns:r="http://schemas.openxmlformats.org/officeDocument/2006/relationships" xmlns:p="http://schemas.openxmlformats.org/presentationml/2006/main">
+  <p:cSld>
+    <p:spTree>
+      <p:nvGrpSpPr>
+        <p:cNvPr id="1" name=""/>
+        <p:cNvGrpSpPr/>
+        <p:nvPr/>
+      </p:nvGrpSpPr>
+      <p:grpSpPr>
+        <a:xfrm>
+          <a:off x="0" y="0"/>
+          <a:ext cx="0" cy="0"/>
+          <a:chOff x="0" y="0"/>
+          <a:chExt cx="0" cy="0"/>
+        </a:xfrm>
+      </p:grpSpPr>
+      <p:sp>
+        <p:nvSpPr>
+          <p:cNvPr id="2" name="Slide Image Placeholder 1"/>
+          <p:cNvSpPr>
+            <a:spLocks noGrp="1" noRot="1" noChangeAspect="1"/>
+          </p:cNvSpPr>
+          <p:nvPr>
+            <p:ph type="sldImg"/>
+          </p:nvPr>
+        </p:nvSpPr>
+        <p:spPr/>
+      </p:sp>
+      <p:sp>
+        <p:nvSpPr>
+          <p:cNvPr id="3" name="Notes Placeholder 2"/>
+          <p:cNvSpPr>
+            <a:spLocks noGrp="1"/>
+          </p:cNvSpPr>
+          <p:nvPr>
+            <p:ph type="body" idx="1"/>
+          </p:nvPr>
+        </p:nvSpPr>
+        <p:spPr/>
+        <p:txBody>
+          <a:bodyPr>
+            <a:normAutofit/>
+          </a:bodyPr>
+          <a:lstStyle/>
+          <a:p>
+            <a:r>
+              <a:rPr lang="en-US" dirty="0" smtClean="0"/>
+              <a:t>“Ours doesn’t perform</a:t>
+            </a:r>
+            <a:r>
+              <a:rPr lang="en-US" baseline="0" dirty="0" smtClean="0"/>
+              <a:t> as </a:t>
+            </a:r>
+            <a:r>
+              <a:rPr lang="en-US" dirty="0" smtClean="0"/>
+              <a:t>well as BT for</a:t>
+            </a:r>
+            <a:r>
+              <a:rPr lang="en-US" baseline="0" dirty="0" smtClean="0"/>
+              <a:t> large files.”</a:t>
+            </a:r>
+          </a:p>
+          <a:p>
+            <a:endParaRPr lang="en-US" baseline="0" dirty="0" smtClean="0"/>
+          </a:p>
+          <a:p>
+            <a:r>
+              <a:rPr lang="en-US" baseline="0" dirty="0" smtClean="0"/>
+              <a:t>You can see that at about 730 to 882 seconds most of our peers finish the file, and most of the peers download it from peers, so once we get the file out there we work all right, but we could do some work still to increase our speed of propagating the blocks.”</a:t>
+            </a:r>
+            <a:endParaRPr lang="en-US" dirty="0"/>
+          </a:p>
+        </p:txBody>
+      </p:sp>
+      <p:sp>
+        <p:nvSpPr>
+          <p:cNvPr id="4" name="Slide Number Placeholder 3"/>
+          <p:cNvSpPr>
+            <a:spLocks noGrp="1"/>
+          </p:cNvSpPr>
+          <p:nvPr>
+            <p:ph type="sldNum" sz="quarter" idx="10"/>
+          </p:nvPr>
+        </p:nvSpPr>
+        <p:spPr/>
+        <p:txBody>
+          <a:bodyPr/>
+          <a:lstStyle/>
+          <a:p>
+            <a:fld id="{CFD85767-B34F-4122-8642-982296400DCD}" type="slidenum">
+              <a:rPr lang="en-US" smtClean="0"/>
+              <a:pPr/>
+              <a:t>24</a:t>
+            </a:fld>
+            <a:endParaRPr lang="en-US"/>
+          </a:p>
+        </p:txBody>
+      </p:sp>
+    </p:spTree>
+  </p:cSld>
+  <p:clrMapOvr>
+    <a:masterClrMapping/>
+  </p:clrMapOvr>
+</p:notes>
+</file>
+
+<file path=ppt/notesSlides/notesSlide25.xml><?xml version="1.0" encoding="utf-8"?>
+<p:notes xmlns:a="http://schemas.openxmlformats.org/drawingml/2006/main" xmlns:r="http://schemas.openxmlformats.org/officeDocument/2006/relationships" xmlns:p="http://schemas.openxmlformats.org/presentationml/2006/main">
+  <p:cSld>
+    <p:spTree>
+      <p:nvGrpSpPr>
+        <p:cNvPr id="1" name=""/>
+        <p:cNvGrpSpPr/>
+        <p:nvPr/>
+      </p:nvGrpSpPr>
+      <p:grpSpPr>
+        <a:xfrm>
+          <a:off x="0" y="0"/>
+          <a:ext cx="0" cy="0"/>
+          <a:chOff x="0" y="0"/>
+          <a:chExt cx="0" cy="0"/>
+        </a:xfrm>
+      </p:grpSpPr>
+      <p:sp>
+        <p:nvSpPr>
+          <p:cNvPr id="2" name="Slide Image Placeholder 1"/>
+          <p:cNvSpPr>
+            <a:spLocks noGrp="1" noRot="1" noChangeAspect="1"/>
+          </p:cNvSpPr>
+          <p:nvPr>
+            <p:ph type="sldImg"/>
+          </p:nvPr>
+        </p:nvSpPr>
+        <p:spPr/>
+      </p:sp>
+      <p:sp>
+        <p:nvSpPr>
+          <p:cNvPr id="3" name="Notes Placeholder 2"/>
+          <p:cNvSpPr>
+            <a:spLocks noGrp="1"/>
+          </p:cNvSpPr>
+          <p:nvPr>
+            <p:ph type="body" idx="1"/>
+          </p:nvPr>
+        </p:nvSpPr>
+        <p:spPr/>
+        <p:txBody>
+          <a:bodyPr>
+            <a:normAutofit/>
+          </a:bodyPr>
+          <a:lstStyle/>
+          <a:p>
+            <a:r>
+              <a:rPr lang="en-US" dirty="0" smtClean="0"/>
+              <a:t>"real" use is probably currently [who knows for sure] "most useful in the wild" for larger static files, still.  </a:t>
+            </a:r>
+          </a:p>
+          <a:p>
+            <a:endParaRPr lang="en-US" dirty="0" smtClean="0"/>
+          </a:p>
+          <a:p>
+            <a:r>
+              <a:rPr lang="en-US" dirty="0" smtClean="0"/>
+              <a:t>Kind of an auto-</a:t>
+            </a:r>
+            <a:r>
+              <a:rPr lang="en-US" dirty="0" err="1" smtClean="0"/>
+              <a:t>BitTorrent</a:t>
+            </a:r>
+            <a:r>
+              <a:rPr lang="en-US" dirty="0" smtClean="0"/>
+              <a:t> for all files on the Internet, though we have shown it can work well for small files, too,</a:t>
+            </a:r>
+            <a:r>
+              <a:rPr lang="en-US" baseline="0" dirty="0" smtClean="0"/>
+              <a:t> so something like this could become</a:t>
+            </a:r>
+          </a:p>
+          <a:p>
+            <a:r>
+              <a:rPr lang="en-US" baseline="0" dirty="0" smtClean="0"/>
+              <a:t>A real contribution to browsing the Internet.</a:t>
+            </a:r>
+            <a:endParaRPr lang="en-US" dirty="0" smtClean="0"/>
+          </a:p>
+          <a:p>
+            <a:endParaRPr lang="en-US" dirty="0" smtClean="0"/>
+          </a:p>
+          <a:p>
+            <a:r>
+              <a:rPr lang="en-US" dirty="0" smtClean="0"/>
+              <a:t>Demo?</a:t>
+            </a:r>
+            <a:endParaRPr lang="en-US" dirty="0"/>
+          </a:p>
+        </p:txBody>
+      </p:sp>
+      <p:sp>
+        <p:nvSpPr>
+          <p:cNvPr id="4" name="Slide Number Placeholder 3"/>
+          <p:cNvSpPr>
+            <a:spLocks noGrp="1"/>
+          </p:cNvSpPr>
+          <p:nvPr>
+            <p:ph type="sldNum" sz="quarter" idx="10"/>
+          </p:nvPr>
+        </p:nvSpPr>
+        <p:spPr/>
+        <p:txBody>
+          <a:bodyPr/>
+          <a:lstStyle/>
+          <a:p>
+            <a:fld id="{CFD85767-B34F-4122-8642-982296400DCD}" type="slidenum">
+              <a:rPr lang="en-US" smtClean="0"/>
+              <a:pPr/>
+              <a:t>25</a:t>
+            </a:fld>
+            <a:endParaRPr lang="en-US"/>
+          </a:p>
+        </p:txBody>
+      </p:sp>
+    </p:spTree>
+  </p:cSld>
+  <p:clrMapOvr>
+    <a:masterClrMapping/>
+  </p:clrMapOvr>
+</p:notes>
+</file>
+
+<file path=ppt/notesSlides/notesSlide26.xml><?xml version="1.0" encoding="utf-8"?>
+<p:notes xmlns:a="http://schemas.openxmlformats.org/drawingml/2006/main" xmlns:r="http://schemas.openxmlformats.org/officeDocument/2006/relationships" xmlns:p="http://schemas.openxmlformats.org/presentationml/2006/main">
+  <p:cSld>
+    <p:spTree>
+      <p:nvGrpSpPr>
+        <p:cNvPr id="1" name=""/>
+        <p:cNvGrpSpPr/>
+        <p:nvPr/>
+      </p:nvGrpSpPr>
+      <p:grpSpPr>
+        <a:xfrm>
+          <a:off x="0" y="0"/>
+          <a:ext cx="0" cy="0"/>
+          <a:chOff x="0" y="0"/>
+          <a:chExt cx="0" cy="0"/>
+        </a:xfrm>
+      </p:grpSpPr>
+      <p:sp>
+        <p:nvSpPr>
+          <p:cNvPr id="2" name="Slide Image Placeholder 1"/>
+          <p:cNvSpPr>
+            <a:spLocks noGrp="1" noRot="1" noChangeAspect="1"/>
+          </p:cNvSpPr>
+          <p:nvPr>
+            <p:ph type="sldImg"/>
+          </p:nvPr>
+        </p:nvSpPr>
+        <p:spPr/>
+      </p:sp>
+      <p:sp>
+        <p:nvSpPr>
+          <p:cNvPr id="3" name="Notes Placeholder 2"/>
+          <p:cNvSpPr>
+            <a:spLocks noGrp="1"/>
+          </p:cNvSpPr>
+          <p:nvPr>
+            <p:ph type="body" idx="1"/>
+          </p:nvPr>
+        </p:nvSpPr>
+        <p:spPr/>
+        <p:txBody>
+          <a:bodyPr>
+            <a:normAutofit/>
+          </a:bodyPr>
+          <a:lstStyle/>
+          <a:p>
+            <a:endParaRPr lang="en-US" dirty="0"/>
+          </a:p>
+        </p:txBody>
+      </p:sp>
+      <p:sp>
+        <p:nvSpPr>
+          <p:cNvPr id="4" name="Slide Number Placeholder 3"/>
+          <p:cNvSpPr>
+            <a:spLocks noGrp="1"/>
+          </p:cNvSpPr>
+          <p:nvPr>
+            <p:ph type="sldNum" sz="quarter" idx="10"/>
+          </p:nvPr>
+        </p:nvSpPr>
+        <p:spPr/>
+        <p:txBody>
+          <a:bodyPr/>
+          <a:lstStyle/>
+          <a:p>
+            <a:fld id="{CFD85767-B34F-4122-8642-982296400DCD}" type="slidenum">
+              <a:rPr lang="en-US" smtClean="0"/>
+              <a:pPr/>
+              <a:t>26</a:t>
             </a:fld>
             <a:endParaRPr lang="en-US"/>
           </a:p>
@@ -807,7 +2351,28 @@
             </a:r>
             <a:r>
               <a:rPr lang="en-US" baseline="0" dirty="0" smtClean="0"/>
-              <a:t> a graph of network speed increasing so slowly compared to processors [?]</a:t>
+              <a:t> a graph of </a:t>
+            </a:r>
+            <a:r>
+              <a:rPr lang="en-US" baseline="0" dirty="0" smtClean="0"/>
+              <a:t>network </a:t>
+            </a:r>
+            <a:r>
+              <a:rPr lang="en-US" baseline="0" dirty="0" smtClean="0"/>
+              <a:t>speed increasing so slowly compared to processors </a:t>
+            </a:r>
+            <a:r>
+              <a:rPr lang="en-US" baseline="0" dirty="0" smtClean="0"/>
+              <a:t>[?]</a:t>
+            </a:r>
+          </a:p>
+          <a:p>
+            <a:endParaRPr lang="en-US" baseline="0" dirty="0" smtClean="0"/>
+          </a:p>
+          <a:p>
+            <a:r>
+              <a:rPr lang="en-US" baseline="0" dirty="0" smtClean="0"/>
+              <a:t>“exacerbated by the fact that it’s quite possible that one of my co-workers just downloaded this, and if we collaborated, I could have downloaded it much faster.”</a:t>
             </a:r>
             <a:endParaRPr lang="en-US" dirty="0" smtClean="0"/>
           </a:p>
@@ -996,7 +2561,15 @@
           <a:p>
             <a:r>
               <a:rPr lang="en-US" dirty="0" smtClean="0"/>
-              <a:t>More servers closer to you.</a:t>
+              <a:t>This is the popular industry standard.  </a:t>
+            </a:r>
+            <a:r>
+              <a:rPr lang="en-US" dirty="0" err="1" smtClean="0"/>
+              <a:t>Akamai</a:t>
+            </a:r>
+            <a:r>
+              <a:rPr lang="en-US" dirty="0" smtClean="0"/>
+              <a:t> hosts iTunes.</a:t>
             </a:r>
             <a:endParaRPr lang="en-US" dirty="0"/>
           </a:p>
@@ -1082,26 +2655,11 @@
           <a:p>
             <a:r>
               <a:rPr lang="en-US" dirty="0" smtClean="0"/>
-              <a:t>TODO: pictures</a:t>
-            </a:r>
-          </a:p>
-          <a:p>
-            <a:endParaRPr lang="en-US" dirty="0" smtClean="0"/>
-          </a:p>
-          <a:p>
-            <a:r>
-              <a:rPr lang="en-US" dirty="0" smtClean="0"/>
-              <a:t>Barrier: not just the client, but you don’t know if using the client will actually be faster.  Many times it isn’t.</a:t>
-            </a:r>
-          </a:p>
-          <a:p>
-            <a:r>
-              <a:rPr lang="en-US" dirty="0" smtClean="0"/>
-              <a:t>And some</a:t>
+              <a:t>You don’t need any extra servers, peers do most of the extra</a:t>
             </a:r>
             <a:r>
               <a:rPr lang="en-US" baseline="0" dirty="0" smtClean="0"/>
-              <a:t> sites don’t offer P2P.</a:t>
+              <a:t> hosting.</a:t>
             </a:r>
           </a:p>
           <a:p>
@@ -1110,16 +2668,7 @@
           <a:p>
             <a:r>
               <a:rPr lang="en-US" baseline="0" dirty="0" smtClean="0"/>
-              <a:t>Technology is there but not easily accessible.</a:t>
-            </a:r>
-          </a:p>
-          <a:p>
-            <a:endParaRPr lang="en-US" baseline="0" dirty="0" smtClean="0"/>
-          </a:p>
-          <a:p>
-            <a:r>
-              <a:rPr lang="en-US" baseline="0" dirty="0" smtClean="0"/>
-              <a:t>How many sites actually offer you that stuff?</a:t>
+              <a:t>“Melissa style” explanation.</a:t>
             </a:r>
             <a:endParaRPr lang="en-US" dirty="0"/>
           </a:p>
@@ -1205,7 +2754,201 @@
           <a:p>
             <a:r>
               <a:rPr lang="en-US" dirty="0" smtClean="0"/>
-              <a:t>Barrier to entry: know how to use it, choose it, and it has to be fast.  Many people ignore it</a:t>
+              <a:t>Hard to setup, Hard to use.</a:t>
+            </a:r>
+          </a:p>
+          <a:p>
+            <a:endParaRPr lang="en-US" dirty="0" smtClean="0"/>
+          </a:p>
+          <a:p>
+            <a:r>
+              <a:rPr lang="en-US" dirty="0" smtClean="0"/>
+              <a:t>There are all sorts of barriers that keep this from actually working.</a:t>
+            </a:r>
+          </a:p>
+          <a:p>
+            <a:endParaRPr lang="en-US" dirty="0" smtClean="0"/>
+          </a:p>
+          <a:p>
+            <a:r>
+              <a:rPr lang="en-US" dirty="0" smtClean="0"/>
+              <a:t>TODO new slide</a:t>
+            </a:r>
+          </a:p>
+          <a:p>
+            <a:endParaRPr lang="en-US" dirty="0" smtClean="0"/>
+          </a:p>
+          <a:p>
+            <a:r>
+              <a:rPr lang="en-US" dirty="0" smtClean="0"/>
+              <a:t>1) The server has to set it up per file.</a:t>
+            </a:r>
+          </a:p>
+          <a:p>
+            <a:endParaRPr lang="en-US" dirty="0" smtClean="0"/>
+          </a:p>
+          <a:p>
+            <a:r>
+              <a:rPr lang="en-US" dirty="0" smtClean="0"/>
+              <a:t>2) When a user runs into this, it typically takes extra time in order to download this way, because you have to go</a:t>
+            </a:r>
+            <a:r>
+              <a:rPr lang="en-US" baseline="0" dirty="0" smtClean="0"/>
+              <a:t> through some extra steps, like</a:t>
+            </a:r>
+          </a:p>
+          <a:p>
+            <a:r>
+              <a:rPr lang="en-US" baseline="0" dirty="0" smtClean="0"/>
+              <a:t>Downloading the .torrent file, then waiting some time for your client to contact the tracker, get peer lists, find peers that are willing to share with you, etc.</a:t>
+            </a:r>
+            <a:endParaRPr lang="en-US" dirty="0" smtClean="0"/>
+          </a:p>
+          <a:p>
+            <a:endParaRPr lang="en-US" dirty="0" smtClean="0"/>
+          </a:p>
+          <a:p>
+            <a:r>
+              <a:rPr lang="en-US" dirty="0" smtClean="0"/>
+              <a:t>3) It should be ignored. Typically (at least for me), it’s slower than just downloading it with the link they provide.</a:t>
+            </a:r>
+          </a:p>
+          <a:p>
+            <a:endParaRPr lang="en-US" dirty="0" smtClean="0"/>
+          </a:p>
+          <a:p>
+            <a:endParaRPr lang="en-US" baseline="0" dirty="0" smtClean="0"/>
+          </a:p>
+          <a:p>
+            <a:r>
+              <a:rPr lang="en-US" dirty="0" smtClean="0"/>
+              <a:t>2) small files</a:t>
+            </a:r>
+          </a:p>
+          <a:p>
+            <a:endParaRPr lang="en-US" dirty="0" smtClean="0"/>
+          </a:p>
+          <a:p>
+            <a:r>
+              <a:rPr lang="en-US" dirty="0" smtClean="0"/>
+              <a:t>It would be painful to have to do this for many small files, like browsing a web page.  Up to 10 files for </a:t>
+            </a:r>
+            <a:r>
+              <a:rPr lang="en-US" dirty="0" err="1" smtClean="0"/>
+              <a:t>byu's</a:t>
+            </a:r>
+            <a:r>
+              <a:rPr lang="en-US" dirty="0" smtClean="0"/>
+              <a:t> web site.  Even if they *did* a </a:t>
+            </a:r>
+            <a:r>
+              <a:rPr lang="en-US" dirty="0" err="1" smtClean="0"/>
+              <a:t>BitTorrent</a:t>
+            </a:r>
+            <a:r>
+              <a:rPr lang="en-US" dirty="0" smtClean="0"/>
+              <a:t> file for each of these small files, today’s systems include a manual step in order to download each file.  Modern browsers don’t handle inline p2p.  So P2P basically</a:t>
+            </a:r>
+            <a:r>
+              <a:rPr lang="en-US" baseline="0" dirty="0" smtClean="0"/>
+              <a:t> can’t be used for a typical web page.</a:t>
+            </a:r>
+            <a:endParaRPr lang="en-US" dirty="0" smtClean="0"/>
+          </a:p>
+          <a:p>
+            <a:endParaRPr lang="en-US" dirty="0" smtClean="0"/>
+          </a:p>
+          <a:p>
+            <a:pPr marL="0" marR="0" indent="0" algn="l" defTabSz="914400" rtl="0" eaLnBrk="1" fontAlgn="auto" latinLnBrk="0" hangingPunct="1">
+              <a:lnSpc>
+                <a:spcPct val="100000"/>
+              </a:lnSpc>
+              <a:spcBef>
+                <a:spcPts val="0"/>
+              </a:spcBef>
+              <a:spcAft>
+                <a:spcPts val="0"/>
+              </a:spcAft>
+              <a:buClrTx/>
+              <a:buSzTx/>
+              <a:buFontTx/>
+              <a:buNone/>
+              <a:tabLst/>
+              <a:defRPr/>
+            </a:pPr>
+            <a:r>
+              <a:rPr lang="en-US" baseline="0" dirty="0" smtClean="0"/>
+              <a:t>Technology is there but not easily accessible.</a:t>
+            </a:r>
+          </a:p>
+          <a:p>
+            <a:endParaRPr lang="en-US" baseline="0" dirty="0" smtClean="0"/>
+          </a:p>
+          <a:p>
+            <a:pPr marL="0" marR="0" indent="0" algn="l" defTabSz="914400" rtl="0" eaLnBrk="1" fontAlgn="auto" latinLnBrk="0" hangingPunct="1">
+              <a:lnSpc>
+                <a:spcPct val="100000"/>
+              </a:lnSpc>
+              <a:spcBef>
+                <a:spcPts val="0"/>
+              </a:spcBef>
+              <a:spcAft>
+                <a:spcPts val="0"/>
+              </a:spcAft>
+              <a:buClrTx/>
+              <a:buSzTx/>
+              <a:buFontTx/>
+              <a:buNone/>
+              <a:tabLst/>
+              <a:defRPr/>
+            </a:pPr>
+            <a:r>
+              <a:rPr lang="en-US" dirty="0" smtClean="0"/>
+              <a:t>Because of these barriers,</a:t>
+            </a:r>
+            <a:r>
+              <a:rPr lang="en-US" baseline="0" dirty="0" smtClean="0"/>
+              <a:t> few servers are setup to use </a:t>
+            </a:r>
+            <a:r>
+              <a:rPr lang="en-US" baseline="0" dirty="0" err="1" smtClean="0"/>
+              <a:t>BitTorrent</a:t>
+            </a:r>
+            <a:r>
+              <a:rPr lang="en-US" baseline="0" dirty="0" smtClean="0"/>
+              <a:t>, and many users ignore them even when they are, because of unreliable results.</a:t>
+            </a:r>
+          </a:p>
+          <a:p>
+            <a:endParaRPr lang="en-US" dirty="0" smtClean="0"/>
+          </a:p>
+          <a:p>
+            <a:r>
+              <a:rPr lang="en-US" baseline="0" dirty="0" smtClean="0"/>
+              <a:t>----Some of the same:</a:t>
+            </a:r>
+            <a:endParaRPr lang="en-US" dirty="0" smtClean="0"/>
+          </a:p>
+          <a:p>
+            <a:endParaRPr lang="en-US" dirty="0" smtClean="0"/>
+          </a:p>
+          <a:p>
+            <a:r>
+              <a:rPr lang="en-US" dirty="0" smtClean="0"/>
+              <a:t>It would annoy the user to death with today's system to have to go and get them all manually.  Not as user-friendly</a:t>
+            </a:r>
+          </a:p>
+          <a:p>
+            <a:endParaRPr lang="en-US" dirty="0" smtClean="0"/>
+          </a:p>
+          <a:p>
+            <a:r>
+              <a:rPr lang="en-US" dirty="0" smtClean="0"/>
+              <a:t>Barrier </a:t>
+            </a:r>
+            <a:r>
+              <a:rPr lang="en-US" dirty="0" smtClean="0"/>
+              <a:t>to entry: know how to use it, choose it, and it has to be fast.  Many people ignore it</a:t>
             </a:r>
             <a:r>
               <a:rPr lang="en-US" dirty="0" smtClean="0"/>
@@ -1222,12 +2965,71 @@
             </a:r>
             <a:r>
               <a:rPr lang="en-US" baseline="0" dirty="0" smtClean="0"/>
-              <a:t> server too: setting it up.  Barrier to client: extra cost of time </a:t>
-            </a:r>
-            <a:r>
-              <a:rPr lang="en-US" baseline="0" smtClean="0"/>
-              <a:t>to download/unreliable can cause it to cost you extra time.</a:t>
-            </a:r>
+              <a:t> server too: setting it up.  Barrier to client: extra cost of time to download/unreliable can cause it to cost you extra time.</a:t>
+            </a:r>
+          </a:p>
+          <a:p>
+            <a:endParaRPr lang="en-US" baseline="0" dirty="0" smtClean="0"/>
+          </a:p>
+          <a:p>
+            <a:r>
+              <a:rPr lang="en-US" dirty="0" smtClean="0"/>
+              <a:t>Barrier: not just the client, but you don’t know if using the client will actually be faster.  Many times it isn’t.</a:t>
+            </a:r>
+          </a:p>
+          <a:p>
+            <a:r>
+              <a:rPr lang="en-US" dirty="0" smtClean="0"/>
+              <a:t>And some</a:t>
+            </a:r>
+            <a:r>
+              <a:rPr lang="en-US" baseline="0" dirty="0" smtClean="0"/>
+              <a:t> sites don’t offer P2P.</a:t>
+            </a:r>
+          </a:p>
+          <a:p>
+            <a:endParaRPr lang="en-US" baseline="0" dirty="0" smtClean="0"/>
+          </a:p>
+          <a:p>
+            <a:r>
+              <a:rPr lang="en-US" baseline="0" dirty="0" smtClean="0"/>
+              <a:t>How many sites actually offer you that stuff?</a:t>
+            </a:r>
+          </a:p>
+          <a:p>
+            <a:endParaRPr lang="en-US" baseline="0" dirty="0" smtClean="0"/>
+          </a:p>
+          <a:p>
+            <a:endParaRPr lang="en-US" baseline="0" dirty="0" smtClean="0"/>
+          </a:p>
+          <a:p>
+            <a:r>
+              <a:rPr lang="en-US" dirty="0" smtClean="0"/>
+              <a:t>1) should be ignored typically [it's slower (but you're never sure when), non standard, typically not integrated with normal HTTP sites--except in a few rare cases].</a:t>
+            </a:r>
+          </a:p>
+          <a:p>
+            <a:endParaRPr lang="en-US" dirty="0" smtClean="0"/>
+          </a:p>
+          <a:p>
+            <a:r>
+              <a:rPr lang="en-US" dirty="0" smtClean="0"/>
+              <a:t>3) Though awesome, most servers don't allow you this option [unless they offer large popular files], as it's extra hassle, non-conventional.</a:t>
+            </a:r>
+          </a:p>
+          <a:p>
+            <a:endParaRPr lang="en-US" dirty="0" smtClean="0"/>
+          </a:p>
+          <a:p>
+            <a:r>
+              <a:rPr lang="en-US" dirty="0" smtClean="0"/>
+              <a:t>[plus any other goals that are actually worth mentioning]</a:t>
+            </a:r>
+          </a:p>
+          <a:p>
+            <a:endParaRPr lang="en-US" dirty="0" smtClean="0"/>
+          </a:p>
+          <a:p>
             <a:endParaRPr lang="en-US" dirty="0"/>
           </a:p>
         </p:txBody>
@@ -1251,6 +3053,123 @@
               <a:rPr lang="en-US" smtClean="0"/>
               <a:pPr/>
               <a:t>8</a:t>
+            </a:fld>
+            <a:endParaRPr lang="en-US"/>
+          </a:p>
+        </p:txBody>
+      </p:sp>
+    </p:spTree>
+  </p:cSld>
+  <p:clrMapOvr>
+    <a:masterClrMapping/>
+  </p:clrMapOvr>
+</p:notes>
+</file>
+
+<file path=ppt/notesSlides/notesSlide9.xml><?xml version="1.0" encoding="utf-8"?>
+<p:notes xmlns:a="http://schemas.openxmlformats.org/drawingml/2006/main" xmlns:r="http://schemas.openxmlformats.org/officeDocument/2006/relationships" xmlns:p="http://schemas.openxmlformats.org/presentationml/2006/main">
+  <p:cSld>
+    <p:spTree>
+      <p:nvGrpSpPr>
+        <p:cNvPr id="1" name=""/>
+        <p:cNvGrpSpPr/>
+        <p:nvPr/>
+      </p:nvGrpSpPr>
+      <p:grpSpPr>
+        <a:xfrm>
+          <a:off x="0" y="0"/>
+          <a:ext cx="0" cy="0"/>
+          <a:chOff x="0" y="0"/>
+          <a:chExt cx="0" cy="0"/>
+        </a:xfrm>
+      </p:grpSpPr>
+      <p:sp>
+        <p:nvSpPr>
+          <p:cNvPr id="2" name="Slide Image Placeholder 1"/>
+          <p:cNvSpPr>
+            <a:spLocks noGrp="1" noRot="1" noChangeAspect="1"/>
+          </p:cNvSpPr>
+          <p:nvPr>
+            <p:ph type="sldImg"/>
+          </p:nvPr>
+        </p:nvSpPr>
+        <p:spPr/>
+      </p:sp>
+      <p:sp>
+        <p:nvSpPr>
+          <p:cNvPr id="3" name="Notes Placeholder 2"/>
+          <p:cNvSpPr>
+            <a:spLocks noGrp="1"/>
+          </p:cNvSpPr>
+          <p:nvPr>
+            <p:ph type="body" idx="1"/>
+          </p:nvPr>
+        </p:nvSpPr>
+        <p:spPr/>
+        <p:txBody>
+          <a:bodyPr>
+            <a:normAutofit/>
+          </a:bodyPr>
+          <a:lstStyle/>
+          <a:p>
+            <a:pPr marL="0" marR="0" indent="0" algn="l" defTabSz="914400" rtl="0" eaLnBrk="1" fontAlgn="auto" latinLnBrk="0" hangingPunct="1">
+              <a:lnSpc>
+                <a:spcPct val="100000"/>
+              </a:lnSpc>
+              <a:spcBef>
+                <a:spcPts val="0"/>
+              </a:spcBef>
+              <a:spcAft>
+                <a:spcPts val="0"/>
+              </a:spcAft>
+              <a:buClrTx/>
+              <a:buSzTx/>
+              <a:buFontTx/>
+              <a:buNone/>
+              <a:tabLst/>
+              <a:defRPr/>
+            </a:pPr>
+            <a:r>
+              <a:rPr lang="en-US" dirty="0" smtClean="0"/>
+              <a:t>We provide</a:t>
+            </a:r>
+            <a:r>
+              <a:rPr lang="en-US" baseline="0" dirty="0" smtClean="0"/>
+              <a:t> </a:t>
+            </a:r>
+            <a:r>
+              <a:rPr lang="en-US" dirty="0" smtClean="0"/>
+              <a:t>a</a:t>
+            </a:r>
+            <a:r>
+              <a:rPr lang="en-US" baseline="0" dirty="0" smtClean="0"/>
+              <a:t> new option for Internet users—Automatic Swarming, which aims to alleviate these problems.</a:t>
+            </a:r>
+          </a:p>
+          <a:p>
+            <a:endParaRPr lang="en-US" dirty="0" smtClean="0"/>
+          </a:p>
+        </p:txBody>
+      </p:sp>
+      <p:sp>
+        <p:nvSpPr>
+          <p:cNvPr id="4" name="Slide Number Placeholder 3"/>
+          <p:cNvSpPr>
+            <a:spLocks noGrp="1"/>
+          </p:cNvSpPr>
+          <p:nvPr>
+            <p:ph type="sldNum" sz="quarter" idx="10"/>
+          </p:nvPr>
+        </p:nvSpPr>
+        <p:spPr/>
+        <p:txBody>
+          <a:bodyPr/>
+          <a:lstStyle/>
+          <a:p>
+            <a:fld id="{CFD85767-B34F-4122-8642-982296400DCD}" type="slidenum">
+              <a:rPr lang="en-US" smtClean="0"/>
+              <a:pPr/>
+              <a:t>9</a:t>
             </a:fld>
             <a:endParaRPr lang="en-US"/>
           </a:p>
@@ -4233,11 +6152,7 @@
           <a:p>
             <a:r>
               <a:rPr lang="en-US" dirty="0" smtClean="0"/>
-              <a:t>How to Make </a:t>
-            </a:r>
-            <a:r>
-              <a:rPr lang="en-US" dirty="0" smtClean="0"/>
-              <a:t>The Internet Faster</a:t>
+              <a:t>Making The Internet Faster</a:t>
             </a:r>
             <a:endParaRPr lang="en-US" dirty="0"/>
           </a:p>
@@ -4279,6 +6194,953 @@
           </a:p>
         </p:txBody>
       </p:sp>
+    </p:spTree>
+  </p:cSld>
+  <p:clrMapOvr>
+    <a:masterClrMapping/>
+  </p:clrMapOvr>
+</p:sld>
+</file>
+
+<file path=ppt/slides/slide10.xml><?xml version="1.0" encoding="utf-8"?>
+<p:sld xmlns:a="http://schemas.openxmlformats.org/drawingml/2006/main" xmlns:r="http://schemas.openxmlformats.org/officeDocument/2006/relationships" xmlns:p="http://schemas.openxmlformats.org/presentationml/2006/main">
+  <p:cSld>
+    <p:spTree>
+      <p:nvGrpSpPr>
+        <p:cNvPr id="1" name=""/>
+        <p:cNvGrpSpPr/>
+        <p:nvPr/>
+      </p:nvGrpSpPr>
+      <p:grpSpPr>
+        <a:xfrm>
+          <a:off x="0" y="0"/>
+          <a:ext cx="0" cy="0"/>
+          <a:chOff x="0" y="0"/>
+          <a:chExt cx="0" cy="0"/>
+        </a:xfrm>
+      </p:grpSpPr>
+      <p:sp>
+        <p:nvSpPr>
+          <p:cNvPr id="2" name="Title 1"/>
+          <p:cNvSpPr>
+            <a:spLocks noGrp="1"/>
+          </p:cNvSpPr>
+          <p:nvPr>
+            <p:ph type="title"/>
+          </p:nvPr>
+        </p:nvSpPr>
+        <p:spPr/>
+        <p:txBody>
+          <a:bodyPr/>
+          <a:lstStyle/>
+          <a:p>
+            <a:r>
+              <a:rPr lang="en-US" dirty="0" smtClean="0"/>
+              <a:t>Automatic Swarming Benefits</a:t>
+            </a:r>
+            <a:endParaRPr lang="en-US" dirty="0"/>
+          </a:p>
+        </p:txBody>
+      </p:sp>
+      <p:sp>
+        <p:nvSpPr>
+          <p:cNvPr id="3" name="Content Placeholder 2"/>
+          <p:cNvSpPr>
+            <a:spLocks noGrp="1"/>
+          </p:cNvSpPr>
+          <p:nvPr>
+            <p:ph idx="1"/>
+          </p:nvPr>
+        </p:nvSpPr>
+        <p:spPr/>
+        <p:txBody>
+          <a:bodyPr/>
+          <a:lstStyle/>
+          <a:p>
+            <a:r>
+              <a:rPr lang="en-US" dirty="0" smtClean="0"/>
+              <a:t>Automatic transition</a:t>
+            </a:r>
+          </a:p>
+          <a:p>
+            <a:pPr lvl="1"/>
+            <a:r>
+              <a:rPr lang="en-US" dirty="0" smtClean="0"/>
+              <a:t>Small files</a:t>
+            </a:r>
+          </a:p>
+          <a:p>
+            <a:pPr lvl="1"/>
+            <a:r>
+              <a:rPr lang="en-US" dirty="0" smtClean="0"/>
+              <a:t>Client-server plus P2P</a:t>
+            </a:r>
+          </a:p>
+          <a:p>
+            <a:r>
+              <a:rPr lang="en-US" dirty="0" smtClean="0"/>
+              <a:t>Client-side </a:t>
+            </a:r>
+            <a:r>
+              <a:rPr lang="en-US" dirty="0" smtClean="0"/>
+              <a:t>protocol</a:t>
+            </a:r>
+            <a:endParaRPr lang="en-US" dirty="0" smtClean="0"/>
+          </a:p>
+        </p:txBody>
+      </p:sp>
+    </p:spTree>
+  </p:cSld>
+  <p:clrMapOvr>
+    <a:masterClrMapping/>
+  </p:clrMapOvr>
+</p:sld>
+</file>
+
+<file path=ppt/slides/slide11.xml><?xml version="1.0" encoding="utf-8"?>
+<p:sld xmlns:a="http://schemas.openxmlformats.org/drawingml/2006/main" xmlns:r="http://schemas.openxmlformats.org/officeDocument/2006/relationships" xmlns:p="http://schemas.openxmlformats.org/presentationml/2006/main">
+  <p:cSld>
+    <p:spTree>
+      <p:nvGrpSpPr>
+        <p:cNvPr id="1" name=""/>
+        <p:cNvGrpSpPr/>
+        <p:nvPr/>
+      </p:nvGrpSpPr>
+      <p:grpSpPr>
+        <a:xfrm>
+          <a:off x="0" y="0"/>
+          <a:ext cx="0" cy="0"/>
+          <a:chOff x="0" y="0"/>
+          <a:chExt cx="0" cy="0"/>
+        </a:xfrm>
+      </p:grpSpPr>
+      <p:sp>
+        <p:nvSpPr>
+          <p:cNvPr id="2" name="Title 1"/>
+          <p:cNvSpPr>
+            <a:spLocks noGrp="1"/>
+          </p:cNvSpPr>
+          <p:nvPr>
+            <p:ph type="title"/>
+          </p:nvPr>
+        </p:nvSpPr>
+        <p:spPr/>
+        <p:txBody>
+          <a:bodyPr>
+            <a:normAutofit/>
+          </a:bodyPr>
+          <a:lstStyle/>
+          <a:p>
+            <a:r>
+              <a:rPr lang="en-US" dirty="0" smtClean="0"/>
+              <a:t>Monitor Download</a:t>
+            </a:r>
+            <a:endParaRPr lang="en-US" dirty="0"/>
+          </a:p>
+        </p:txBody>
+      </p:sp>
+      <p:pic>
+        <p:nvPicPr>
+          <p:cNvPr id="4099" name="Picture 3" descr="C:\dev\ruby\p2pwebclient\thesis_presentation\algorithm explanation.png"/>
+          <p:cNvPicPr>
+            <a:picLocks noChangeAspect="1" noChangeArrowheads="1"/>
+          </p:cNvPicPr>
+          <p:nvPr/>
+        </p:nvPicPr>
+        <p:blipFill>
+          <a:blip r:embed="rId3" cstate="print"/>
+          <a:srcRect/>
+          <a:stretch>
+            <a:fillRect/>
+          </a:stretch>
+        </p:blipFill>
+        <p:spPr bwMode="auto">
+          <a:xfrm>
+            <a:off x="533400" y="1905000"/>
+            <a:ext cx="6953934" cy="4327525"/>
+          </a:xfrm>
+          <a:prstGeom prst="rect">
+            <a:avLst/>
+          </a:prstGeom>
+          <a:noFill/>
+        </p:spPr>
+      </p:pic>
+    </p:spTree>
+  </p:cSld>
+  <p:clrMapOvr>
+    <a:masterClrMapping/>
+  </p:clrMapOvr>
+</p:sld>
+</file>
+
+<file path=ppt/slides/slide12.xml><?xml version="1.0" encoding="utf-8"?>
+<p:sld xmlns:a="http://schemas.openxmlformats.org/drawingml/2006/main" xmlns:r="http://schemas.openxmlformats.org/officeDocument/2006/relationships" xmlns:p="http://schemas.openxmlformats.org/presentationml/2006/main">
+  <p:cSld>
+    <p:spTree>
+      <p:nvGrpSpPr>
+        <p:cNvPr id="1" name=""/>
+        <p:cNvGrpSpPr/>
+        <p:nvPr/>
+      </p:nvGrpSpPr>
+      <p:grpSpPr>
+        <a:xfrm>
+          <a:off x="0" y="0"/>
+          <a:ext cx="0" cy="0"/>
+          <a:chOff x="0" y="0"/>
+          <a:chExt cx="0" cy="0"/>
+        </a:xfrm>
+      </p:grpSpPr>
+      <p:sp>
+        <p:nvSpPr>
+          <p:cNvPr id="2" name="Title 1"/>
+          <p:cNvSpPr>
+            <a:spLocks noGrp="1"/>
+          </p:cNvSpPr>
+          <p:nvPr>
+            <p:ph type="title"/>
+          </p:nvPr>
+        </p:nvSpPr>
+        <p:spPr/>
+        <p:txBody>
+          <a:bodyPr/>
+          <a:lstStyle/>
+          <a:p>
+            <a:r>
+              <a:rPr lang="en-US" dirty="0" smtClean="0"/>
+              <a:t>Find Peers, share</a:t>
+            </a:r>
+            <a:endParaRPr lang="en-US" dirty="0"/>
+          </a:p>
+        </p:txBody>
+      </p:sp>
+      <p:sp>
+        <p:nvSpPr>
+          <p:cNvPr id="3" name="Content Placeholder 2"/>
+          <p:cNvSpPr>
+            <a:spLocks noGrp="1"/>
+          </p:cNvSpPr>
+          <p:nvPr>
+            <p:ph idx="1"/>
+          </p:nvPr>
+        </p:nvSpPr>
+        <p:spPr/>
+        <p:txBody>
+          <a:bodyPr/>
+          <a:lstStyle/>
+          <a:p>
+            <a:endParaRPr lang="en-US"/>
+          </a:p>
+        </p:txBody>
+      </p:sp>
+      <p:pic>
+        <p:nvPicPr>
+          <p:cNvPr id="4" name="Picture 3"/>
+          <p:cNvPicPr>
+            <a:picLocks noChangeAspect="1" noChangeArrowheads="1"/>
+          </p:cNvPicPr>
+          <p:nvPr/>
+        </p:nvPicPr>
+        <p:blipFill>
+          <a:blip r:embed="rId3" cstate="print"/>
+          <a:srcRect/>
+          <a:stretch>
+            <a:fillRect/>
+          </a:stretch>
+        </p:blipFill>
+        <p:spPr bwMode="auto">
+          <a:xfrm>
+            <a:off x="0" y="2209800"/>
+            <a:ext cx="9601200" cy="2209800"/>
+          </a:xfrm>
+          <a:prstGeom prst="rect">
+            <a:avLst/>
+          </a:prstGeom>
+          <a:noFill/>
+          <a:ln w="9525">
+            <a:noFill/>
+            <a:miter lim="800000"/>
+            <a:headEnd/>
+            <a:tailEnd/>
+          </a:ln>
+        </p:spPr>
+      </p:pic>
+    </p:spTree>
+  </p:cSld>
+  <p:clrMapOvr>
+    <a:masterClrMapping/>
+  </p:clrMapOvr>
+</p:sld>
+</file>
+
+<file path=ppt/slides/slide13.xml><?xml version="1.0" encoding="utf-8"?>
+<p:sld xmlns:a="http://schemas.openxmlformats.org/drawingml/2006/main" xmlns:r="http://schemas.openxmlformats.org/officeDocument/2006/relationships" xmlns:p="http://schemas.openxmlformats.org/presentationml/2006/main">
+  <p:cSld>
+    <p:spTree>
+      <p:nvGrpSpPr>
+        <p:cNvPr id="1" name=""/>
+        <p:cNvGrpSpPr/>
+        <p:nvPr/>
+      </p:nvGrpSpPr>
+      <p:grpSpPr>
+        <a:xfrm>
+          <a:off x="0" y="0"/>
+          <a:ext cx="0" cy="0"/>
+          <a:chOff x="0" y="0"/>
+          <a:chExt cx="0" cy="0"/>
+        </a:xfrm>
+      </p:grpSpPr>
+      <p:sp>
+        <p:nvSpPr>
+          <p:cNvPr id="2" name="Title 1"/>
+          <p:cNvSpPr>
+            <a:spLocks noGrp="1"/>
+          </p:cNvSpPr>
+          <p:nvPr>
+            <p:ph type="title"/>
+          </p:nvPr>
+        </p:nvSpPr>
+        <p:spPr/>
+        <p:txBody>
+          <a:bodyPr/>
+          <a:lstStyle/>
+          <a:p>
+            <a:r>
+              <a:rPr lang="en-US" dirty="0" smtClean="0"/>
+              <a:t>Performance Client-Server</a:t>
+            </a:r>
+            <a:endParaRPr lang="en-US" dirty="0"/>
+          </a:p>
+        </p:txBody>
+      </p:sp>
+      <p:pic>
+        <p:nvPicPr>
+          <p:cNvPr id="5122" name="Picture 2"/>
+          <p:cNvPicPr>
+            <a:picLocks noChangeAspect="1" noChangeArrowheads="1"/>
+          </p:cNvPicPr>
+          <p:nvPr/>
+        </p:nvPicPr>
+        <p:blipFill>
+          <a:blip r:embed="rId3" cstate="print"/>
+          <a:srcRect/>
+          <a:stretch>
+            <a:fillRect/>
+          </a:stretch>
+        </p:blipFill>
+        <p:spPr bwMode="auto">
+          <a:xfrm>
+            <a:off x="0" y="2133600"/>
+            <a:ext cx="9353550" cy="3781425"/>
+          </a:xfrm>
+          <a:prstGeom prst="rect">
+            <a:avLst/>
+          </a:prstGeom>
+          <a:noFill/>
+          <a:ln w="9525">
+            <a:noFill/>
+            <a:miter lim="800000"/>
+            <a:headEnd/>
+            <a:tailEnd/>
+          </a:ln>
+        </p:spPr>
+      </p:pic>
+    </p:spTree>
+  </p:cSld>
+  <p:clrMapOvr>
+    <a:masterClrMapping/>
+  </p:clrMapOvr>
+</p:sld>
+</file>
+
+<file path=ppt/slides/slide14.xml><?xml version="1.0" encoding="utf-8"?>
+<p:sld xmlns:a="http://schemas.openxmlformats.org/drawingml/2006/main" xmlns:r="http://schemas.openxmlformats.org/officeDocument/2006/relationships" xmlns:p="http://schemas.openxmlformats.org/presentationml/2006/main">
+  <p:cSld>
+    <p:spTree>
+      <p:nvGrpSpPr>
+        <p:cNvPr id="1" name=""/>
+        <p:cNvGrpSpPr/>
+        <p:nvPr/>
+      </p:nvGrpSpPr>
+      <p:grpSpPr>
+        <a:xfrm>
+          <a:off x="0" y="0"/>
+          <a:ext cx="0" cy="0"/>
+          <a:chOff x="0" y="0"/>
+          <a:chExt cx="0" cy="0"/>
+        </a:xfrm>
+      </p:grpSpPr>
+      <p:sp>
+        <p:nvSpPr>
+          <p:cNvPr id="2" name="Title 1"/>
+          <p:cNvSpPr>
+            <a:spLocks noGrp="1"/>
+          </p:cNvSpPr>
+          <p:nvPr>
+            <p:ph type="title"/>
+          </p:nvPr>
+        </p:nvSpPr>
+        <p:spPr/>
+        <p:txBody>
+          <a:bodyPr>
+            <a:normAutofit fontScale="90000"/>
+          </a:bodyPr>
+          <a:lstStyle/>
+          <a:p>
+            <a:r>
+              <a:rPr lang="en-US" dirty="0" smtClean="0"/>
+              <a:t>Performance – Automatic Swarming</a:t>
+            </a:r>
+            <a:endParaRPr lang="en-US" dirty="0"/>
+          </a:p>
+        </p:txBody>
+      </p:sp>
+      <p:pic>
+        <p:nvPicPr>
+          <p:cNvPr id="6147" name="Picture 3"/>
+          <p:cNvPicPr>
+            <a:picLocks noChangeAspect="1" noChangeArrowheads="1"/>
+          </p:cNvPicPr>
+          <p:nvPr/>
+        </p:nvPicPr>
+        <p:blipFill>
+          <a:blip r:embed="rId3" cstate="print"/>
+          <a:srcRect/>
+          <a:stretch>
+            <a:fillRect/>
+          </a:stretch>
+        </p:blipFill>
+        <p:spPr bwMode="auto">
+          <a:xfrm>
+            <a:off x="0" y="1905000"/>
+            <a:ext cx="4467225" cy="3124200"/>
+          </a:xfrm>
+          <a:prstGeom prst="rect">
+            <a:avLst/>
+          </a:prstGeom>
+          <a:noFill/>
+          <a:ln w="9525">
+            <a:noFill/>
+            <a:miter lim="800000"/>
+            <a:headEnd/>
+            <a:tailEnd/>
+          </a:ln>
+        </p:spPr>
+      </p:pic>
+      <p:pic>
+        <p:nvPicPr>
+          <p:cNvPr id="6148" name="Picture 4"/>
+          <p:cNvPicPr>
+            <a:picLocks noChangeAspect="1" noChangeArrowheads="1"/>
+          </p:cNvPicPr>
+          <p:nvPr/>
+        </p:nvPicPr>
+        <p:blipFill>
+          <a:blip r:embed="rId4" cstate="print"/>
+          <a:srcRect/>
+          <a:stretch>
+            <a:fillRect/>
+          </a:stretch>
+        </p:blipFill>
+        <p:spPr bwMode="auto">
+          <a:xfrm>
+            <a:off x="4343400" y="2286000"/>
+            <a:ext cx="5191125" cy="2762250"/>
+          </a:xfrm>
+          <a:prstGeom prst="rect">
+            <a:avLst/>
+          </a:prstGeom>
+          <a:noFill/>
+          <a:ln w="9525">
+            <a:noFill/>
+            <a:miter lim="800000"/>
+            <a:headEnd/>
+            <a:tailEnd/>
+          </a:ln>
+        </p:spPr>
+      </p:pic>
+    </p:spTree>
+  </p:cSld>
+  <p:clrMapOvr>
+    <a:masterClrMapping/>
+  </p:clrMapOvr>
+</p:sld>
+</file>
+
+<file path=ppt/slides/slide15.xml><?xml version="1.0" encoding="utf-8"?>
+<p:sld xmlns:a="http://schemas.openxmlformats.org/drawingml/2006/main" xmlns:r="http://schemas.openxmlformats.org/officeDocument/2006/relationships" xmlns:p="http://schemas.openxmlformats.org/presentationml/2006/main">
+  <p:cSld>
+    <p:spTree>
+      <p:nvGrpSpPr>
+        <p:cNvPr id="1" name=""/>
+        <p:cNvGrpSpPr/>
+        <p:nvPr/>
+      </p:nvGrpSpPr>
+      <p:grpSpPr>
+        <a:xfrm>
+          <a:off x="0" y="0"/>
+          <a:ext cx="0" cy="0"/>
+          <a:chOff x="0" y="0"/>
+          <a:chExt cx="0" cy="0"/>
+        </a:xfrm>
+      </p:grpSpPr>
+      <p:sp>
+        <p:nvSpPr>
+          <p:cNvPr id="2" name="Title 1"/>
+          <p:cNvSpPr>
+            <a:spLocks noGrp="1"/>
+          </p:cNvSpPr>
+          <p:nvPr>
+            <p:ph type="title"/>
+          </p:nvPr>
+        </p:nvSpPr>
+        <p:spPr/>
+        <p:txBody>
+          <a:bodyPr/>
+          <a:lstStyle/>
+          <a:p>
+            <a:r>
+              <a:rPr lang="en-US" dirty="0" smtClean="0"/>
+              <a:t>Comparison</a:t>
+            </a:r>
+            <a:endParaRPr lang="en-US" dirty="0"/>
+          </a:p>
+        </p:txBody>
+      </p:sp>
+      <p:pic>
+        <p:nvPicPr>
+          <p:cNvPr id="4" name="Picture 3"/>
+          <p:cNvPicPr>
+            <a:picLocks noChangeAspect="1" noChangeArrowheads="1"/>
+          </p:cNvPicPr>
+          <p:nvPr/>
+        </p:nvPicPr>
+        <p:blipFill>
+          <a:blip r:embed="rId3" cstate="print"/>
+          <a:srcRect/>
+          <a:stretch>
+            <a:fillRect/>
+          </a:stretch>
+        </p:blipFill>
+        <p:spPr bwMode="auto">
+          <a:xfrm>
+            <a:off x="-228600" y="2362200"/>
+            <a:ext cx="4467225" cy="3124200"/>
+          </a:xfrm>
+          <a:prstGeom prst="rect">
+            <a:avLst/>
+          </a:prstGeom>
+          <a:noFill/>
+          <a:ln w="9525">
+            <a:noFill/>
+            <a:miter lim="800000"/>
+            <a:headEnd/>
+            <a:tailEnd/>
+          </a:ln>
+        </p:spPr>
+      </p:pic>
+      <p:pic>
+        <p:nvPicPr>
+          <p:cNvPr id="15362" name="Picture 2"/>
+          <p:cNvPicPr>
+            <a:picLocks noChangeAspect="1" noChangeArrowheads="1"/>
+          </p:cNvPicPr>
+          <p:nvPr/>
+        </p:nvPicPr>
+        <p:blipFill>
+          <a:blip r:embed="rId4" cstate="print"/>
+          <a:srcRect/>
+          <a:stretch>
+            <a:fillRect/>
+          </a:stretch>
+        </p:blipFill>
+        <p:spPr bwMode="auto">
+          <a:xfrm>
+            <a:off x="4343400" y="2286000"/>
+            <a:ext cx="4600575" cy="3343275"/>
+          </a:xfrm>
+          <a:prstGeom prst="rect">
+            <a:avLst/>
+          </a:prstGeom>
+          <a:noFill/>
+          <a:ln w="9525">
+            <a:noFill/>
+            <a:miter lim="800000"/>
+            <a:headEnd/>
+            <a:tailEnd/>
+          </a:ln>
+        </p:spPr>
+      </p:pic>
+    </p:spTree>
+  </p:cSld>
+  <p:clrMapOvr>
+    <a:masterClrMapping/>
+  </p:clrMapOvr>
+</p:sld>
+</file>
+
+<file path=ppt/slides/slide16.xml><?xml version="1.0" encoding="utf-8"?>
+<p:sld xmlns:a="http://schemas.openxmlformats.org/drawingml/2006/main" xmlns:r="http://schemas.openxmlformats.org/officeDocument/2006/relationships" xmlns:p="http://schemas.openxmlformats.org/presentationml/2006/main">
+  <p:cSld>
+    <p:spTree>
+      <p:nvGrpSpPr>
+        <p:cNvPr id="1" name=""/>
+        <p:cNvGrpSpPr/>
+        <p:nvPr/>
+      </p:nvGrpSpPr>
+      <p:grpSpPr>
+        <a:xfrm>
+          <a:off x="0" y="0"/>
+          <a:ext cx="0" cy="0"/>
+          <a:chOff x="0" y="0"/>
+          <a:chExt cx="0" cy="0"/>
+        </a:xfrm>
+      </p:grpSpPr>
+      <p:sp>
+        <p:nvSpPr>
+          <p:cNvPr id="2" name="Title 1"/>
+          <p:cNvSpPr>
+            <a:spLocks noGrp="1"/>
+          </p:cNvSpPr>
+          <p:nvPr>
+            <p:ph type="title"/>
+          </p:nvPr>
+        </p:nvSpPr>
+        <p:spPr/>
+        <p:txBody>
+          <a:bodyPr/>
+          <a:lstStyle/>
+          <a:p>
+            <a:r>
+              <a:rPr lang="en-US" dirty="0" smtClean="0"/>
+              <a:t>Effect of Varying Parameters</a:t>
+            </a:r>
+            <a:endParaRPr lang="en-US" dirty="0"/>
+          </a:p>
+        </p:txBody>
+      </p:sp>
+      <p:sp>
+        <p:nvSpPr>
+          <p:cNvPr id="3" name="Content Placeholder 2"/>
+          <p:cNvSpPr>
+            <a:spLocks noGrp="1"/>
+          </p:cNvSpPr>
+          <p:nvPr>
+            <p:ph idx="1"/>
+          </p:nvPr>
+        </p:nvSpPr>
+        <p:spPr/>
+        <p:txBody>
+          <a:bodyPr>
+            <a:normAutofit/>
+          </a:bodyPr>
+          <a:lstStyle/>
+          <a:p>
+            <a:r>
+              <a:rPr lang="en-US" dirty="0" smtClean="0"/>
+              <a:t>T, R, W</a:t>
+            </a:r>
+          </a:p>
+          <a:p>
+            <a:r>
+              <a:rPr lang="en-US" dirty="0" smtClean="0"/>
+              <a:t>Multiple Files</a:t>
+            </a:r>
+          </a:p>
+          <a:p>
+            <a:r>
+              <a:rPr lang="en-US" dirty="0" smtClean="0"/>
+              <a:t>Large Files</a:t>
+            </a:r>
+          </a:p>
+          <a:p>
+            <a:r>
+              <a:rPr lang="en-US" dirty="0" smtClean="0"/>
+              <a:t>Block Size</a:t>
+            </a:r>
+          </a:p>
+          <a:p>
+            <a:r>
+              <a:rPr lang="en-US" dirty="0" smtClean="0"/>
+              <a:t>Linger Time</a:t>
+            </a:r>
+          </a:p>
+          <a:p>
+            <a:r>
+              <a:rPr lang="en-US" dirty="0" smtClean="0"/>
+              <a:t>Peer count</a:t>
+            </a:r>
+          </a:p>
+          <a:p>
+            <a:endParaRPr lang="en-US" dirty="0"/>
+          </a:p>
+        </p:txBody>
+      </p:sp>
+      <p:pic>
+        <p:nvPicPr>
+          <p:cNvPr id="4" name="Picture 3" descr="C:\dev\ruby\p2pwebclient\thesis_presentation\algorithm explanation.png"/>
+          <p:cNvPicPr>
+            <a:picLocks noChangeAspect="1" noChangeArrowheads="1"/>
+          </p:cNvPicPr>
+          <p:nvPr/>
+        </p:nvPicPr>
+        <p:blipFill>
+          <a:blip r:embed="rId3" cstate="print"/>
+          <a:srcRect/>
+          <a:stretch>
+            <a:fillRect/>
+          </a:stretch>
+        </p:blipFill>
+        <p:spPr bwMode="auto">
+          <a:xfrm>
+            <a:off x="3733800" y="1600200"/>
+            <a:ext cx="4740191" cy="2949884"/>
+          </a:xfrm>
+          <a:prstGeom prst="rect">
+            <a:avLst/>
+          </a:prstGeom>
+          <a:noFill/>
+        </p:spPr>
+      </p:pic>
+    </p:spTree>
+  </p:cSld>
+  <p:clrMapOvr>
+    <a:masterClrMapping/>
+  </p:clrMapOvr>
+</p:sld>
+</file>
+
+<file path=ppt/slides/slide17.xml><?xml version="1.0" encoding="utf-8"?>
+<p:sld xmlns:a="http://schemas.openxmlformats.org/drawingml/2006/main" xmlns:r="http://schemas.openxmlformats.org/officeDocument/2006/relationships" xmlns:p="http://schemas.openxmlformats.org/presentationml/2006/main">
+  <p:cSld>
+    <p:spTree>
+      <p:nvGrpSpPr>
+        <p:cNvPr id="1" name=""/>
+        <p:cNvGrpSpPr/>
+        <p:nvPr/>
+      </p:nvGrpSpPr>
+      <p:grpSpPr>
+        <a:xfrm>
+          <a:off x="0" y="0"/>
+          <a:ext cx="0" cy="0"/>
+          <a:chOff x="0" y="0"/>
+          <a:chExt cx="0" cy="0"/>
+        </a:xfrm>
+      </p:grpSpPr>
+      <p:sp>
+        <p:nvSpPr>
+          <p:cNvPr id="2" name="Title 1"/>
+          <p:cNvSpPr>
+            <a:spLocks noGrp="1"/>
+          </p:cNvSpPr>
+          <p:nvPr>
+            <p:ph type="title"/>
+          </p:nvPr>
+        </p:nvSpPr>
+        <p:spPr/>
+        <p:txBody>
+          <a:bodyPr/>
+          <a:lstStyle/>
+          <a:p>
+            <a:r>
+              <a:rPr lang="en-US" dirty="0" smtClean="0"/>
+              <a:t>Varying T</a:t>
+            </a:r>
+            <a:endParaRPr lang="en-US" dirty="0"/>
+          </a:p>
+        </p:txBody>
+      </p:sp>
+      <p:pic>
+        <p:nvPicPr>
+          <p:cNvPr id="7170" name="Picture 2"/>
+          <p:cNvPicPr>
+            <a:picLocks noChangeAspect="1" noChangeArrowheads="1"/>
+          </p:cNvPicPr>
+          <p:nvPr/>
+        </p:nvPicPr>
+        <p:blipFill>
+          <a:blip r:embed="rId3" cstate="print"/>
+          <a:srcRect/>
+          <a:stretch>
+            <a:fillRect/>
+          </a:stretch>
+        </p:blipFill>
+        <p:spPr bwMode="auto">
+          <a:xfrm>
+            <a:off x="57150" y="2057400"/>
+            <a:ext cx="9086850" cy="3019425"/>
+          </a:xfrm>
+          <a:prstGeom prst="rect">
+            <a:avLst/>
+          </a:prstGeom>
+          <a:noFill/>
+          <a:ln w="9525">
+            <a:noFill/>
+            <a:miter lim="800000"/>
+            <a:headEnd/>
+            <a:tailEnd/>
+          </a:ln>
+        </p:spPr>
+      </p:pic>
+    </p:spTree>
+  </p:cSld>
+  <p:clrMapOvr>
+    <a:masterClrMapping/>
+  </p:clrMapOvr>
+</p:sld>
+</file>
+
+<file path=ppt/slides/slide18.xml><?xml version="1.0" encoding="utf-8"?>
+<p:sld xmlns:a="http://schemas.openxmlformats.org/drawingml/2006/main" xmlns:r="http://schemas.openxmlformats.org/officeDocument/2006/relationships" xmlns:p="http://schemas.openxmlformats.org/presentationml/2006/main">
+  <p:cSld>
+    <p:spTree>
+      <p:nvGrpSpPr>
+        <p:cNvPr id="1" name=""/>
+        <p:cNvGrpSpPr/>
+        <p:nvPr/>
+      </p:nvGrpSpPr>
+      <p:grpSpPr>
+        <a:xfrm>
+          <a:off x="0" y="0"/>
+          <a:ext cx="0" cy="0"/>
+          <a:chOff x="0" y="0"/>
+          <a:chExt cx="0" cy="0"/>
+        </a:xfrm>
+      </p:grpSpPr>
+      <p:sp>
+        <p:nvSpPr>
+          <p:cNvPr id="2" name="Title 1"/>
+          <p:cNvSpPr>
+            <a:spLocks noGrp="1"/>
+          </p:cNvSpPr>
+          <p:nvPr>
+            <p:ph type="title"/>
+          </p:nvPr>
+        </p:nvSpPr>
+        <p:spPr/>
+        <p:txBody>
+          <a:bodyPr/>
+          <a:lstStyle/>
+          <a:p>
+            <a:r>
+              <a:rPr lang="en-US" dirty="0" smtClean="0"/>
+              <a:t>Varying R</a:t>
+            </a:r>
+            <a:endParaRPr lang="en-US" dirty="0"/>
+          </a:p>
+        </p:txBody>
+      </p:sp>
+      <p:pic>
+        <p:nvPicPr>
+          <p:cNvPr id="8194" name="Picture 2"/>
+          <p:cNvPicPr>
+            <a:picLocks noChangeAspect="1" noChangeArrowheads="1"/>
+          </p:cNvPicPr>
+          <p:nvPr/>
+        </p:nvPicPr>
+        <p:blipFill>
+          <a:blip r:embed="rId3" cstate="print"/>
+          <a:srcRect/>
+          <a:stretch>
+            <a:fillRect/>
+          </a:stretch>
+        </p:blipFill>
+        <p:spPr bwMode="auto">
+          <a:xfrm>
+            <a:off x="457200" y="1600200"/>
+            <a:ext cx="7479155" cy="4410075"/>
+          </a:xfrm>
+          <a:prstGeom prst="rect">
+            <a:avLst/>
+          </a:prstGeom>
+          <a:noFill/>
+          <a:ln w="9525">
+            <a:noFill/>
+            <a:miter lim="800000"/>
+            <a:headEnd/>
+            <a:tailEnd/>
+          </a:ln>
+        </p:spPr>
+      </p:pic>
+    </p:spTree>
+  </p:cSld>
+  <p:clrMapOvr>
+    <a:masterClrMapping/>
+  </p:clrMapOvr>
+</p:sld>
+</file>
+
+<file path=ppt/slides/slide19.xml><?xml version="1.0" encoding="utf-8"?>
+<p:sld xmlns:a="http://schemas.openxmlformats.org/drawingml/2006/main" xmlns:r="http://schemas.openxmlformats.org/officeDocument/2006/relationships" xmlns:p="http://schemas.openxmlformats.org/presentationml/2006/main">
+  <p:cSld>
+    <p:spTree>
+      <p:nvGrpSpPr>
+        <p:cNvPr id="1" name=""/>
+        <p:cNvGrpSpPr/>
+        <p:nvPr/>
+      </p:nvGrpSpPr>
+      <p:grpSpPr>
+        <a:xfrm>
+          <a:off x="0" y="0"/>
+          <a:ext cx="0" cy="0"/>
+          <a:chOff x="0" y="0"/>
+          <a:chExt cx="0" cy="0"/>
+        </a:xfrm>
+      </p:grpSpPr>
+      <p:sp>
+        <p:nvSpPr>
+          <p:cNvPr id="2" name="Title 1"/>
+          <p:cNvSpPr>
+            <a:spLocks noGrp="1"/>
+          </p:cNvSpPr>
+          <p:nvPr>
+            <p:ph type="title"/>
+          </p:nvPr>
+        </p:nvSpPr>
+        <p:spPr/>
+        <p:txBody>
+          <a:bodyPr/>
+          <a:lstStyle/>
+          <a:p>
+            <a:r>
+              <a:rPr lang="en-US" dirty="0" smtClean="0"/>
+              <a:t>Varying W</a:t>
+            </a:r>
+            <a:endParaRPr lang="en-US" dirty="0"/>
+          </a:p>
+        </p:txBody>
+      </p:sp>
+      <p:pic>
+        <p:nvPicPr>
+          <p:cNvPr id="9218" name="Picture 2"/>
+          <p:cNvPicPr>
+            <a:picLocks noChangeAspect="1" noChangeArrowheads="1"/>
+          </p:cNvPicPr>
+          <p:nvPr/>
+        </p:nvPicPr>
+        <p:blipFill>
+          <a:blip r:embed="rId3" cstate="print"/>
+          <a:srcRect/>
+          <a:stretch>
+            <a:fillRect/>
+          </a:stretch>
+        </p:blipFill>
+        <p:spPr bwMode="auto">
+          <a:xfrm>
+            <a:off x="1752600" y="2590800"/>
+            <a:ext cx="5143500" cy="2933700"/>
+          </a:xfrm>
+          <a:prstGeom prst="rect">
+            <a:avLst/>
+          </a:prstGeom>
+          <a:noFill/>
+          <a:ln w="9525">
+            <a:noFill/>
+            <a:miter lim="800000"/>
+            <a:headEnd/>
+            <a:tailEnd/>
+          </a:ln>
+        </p:spPr>
+      </p:pic>
     </p:spTree>
   </p:cSld>
   <p:clrMapOvr>
@@ -4345,6 +7207,25 @@
           <a:lstStyle/>
           <a:p>
             <a:r>
+              <a:rPr lang="en-US" sz="1800" dirty="0" err="1" smtClean="0"/>
+              <a:t>wE</a:t>
+            </a:r>
+            <a:r>
+              <a:rPr lang="en-US" sz="1800" dirty="0" smtClean="0"/>
+              <a:t>\=</a:t>
+            </a:r>
+            <a:r>
+              <a:rPr lang="en-US" sz="1800" dirty="0" smtClean="0"/>
+              <a:t>f P'P= \</a:t>
+            </a:r>
+            <a:r>
+              <a:rPr lang="en-US" sz="1800" dirty="0" smtClean="0"/>
+              <a:t>ROVIDE A U966554F545DS6TFDV87654536:01 PM 4/5/20102 098YH6Ya	1W N.I </a:t>
+            </a:r>
+            <a:endParaRPr lang="en-US" sz="1800" dirty="0" smtClean="0"/>
+          </a:p>
+          <a:p>
+            <a:r>
               <a:rPr lang="en-US" sz="1800" dirty="0" smtClean="0"/>
               <a:t>Family</a:t>
             </a:r>
@@ -4352,33 +7233,15 @@
           <a:p>
             <a:r>
               <a:rPr lang="en-US" sz="1800" dirty="0" smtClean="0"/>
-              <a:t>Advisors</a:t>
-            </a:r>
-          </a:p>
-          <a:p>
-            <a:r>
-              <a:rPr lang="en-US" sz="1800" dirty="0" err="1" smtClean="0"/>
-              <a:t>wE</a:t>
-            </a:r>
-            <a:r>
-              <a:rPr lang="en-US" sz="1800" dirty="0" smtClean="0"/>
-              <a:t>\=</a:t>
-            </a:r>
-            <a:r>
-              <a:rPr lang="en-US" sz="1800" dirty="0" smtClean="0"/>
-              <a:t>f P'P= \</a:t>
-            </a:r>
-            <a:r>
-              <a:rPr lang="en-US" sz="1800" dirty="0" smtClean="0"/>
-              <a:t>ROVIDE A U966554F545DS6TFDV87654536:01 PM 4/5/20102 098YH6Ya	1W N.I </a:t>
-            </a:r>
-            <a:endParaRPr lang="en-US" sz="1800" dirty="0"/>
+              <a:t>Teachers</a:t>
+            </a:r>
+            <a:endParaRPr lang="en-US" sz="1800" dirty="0" smtClean="0"/>
           </a:p>
         </p:txBody>
       </p:sp>
       <p:pic>
         <p:nvPicPr>
-          <p:cNvPr id="4" name="Picture 4" descr="C:\Users\packrd\AppData\Local\Microsoft\Windows\Temporary Internet Files\Content.IE5\I9QEYR76\MCj04406450000[1].wmf"/>
+          <p:cNvPr id="16387" name="Picture 3" descr="C:\Documents and Settings\Default\Local Settings\Temporary Internet Files\Content.IE5\SP0CBOYO\MCj04406570000[1].png"/>
           <p:cNvPicPr>
             <a:picLocks noChangeAspect="1" noChangeArrowheads="1"/>
           </p:cNvPicPr>
@@ -4393,8 +7256,8 @@
         </p:blipFill>
         <p:spPr bwMode="auto">
           <a:xfrm>
-            <a:off x="6934200" y="228600"/>
-            <a:ext cx="1295400" cy="1295400"/>
+            <a:off x="7010400" y="228600"/>
+            <a:ext cx="1156947" cy="1201445"/>
           </a:xfrm>
           <a:prstGeom prst="rect">
             <a:avLst/>
@@ -4402,6 +7265,647 @@
           <a:noFill/>
         </p:spPr>
       </p:pic>
+    </p:spTree>
+  </p:cSld>
+  <p:clrMapOvr>
+    <a:masterClrMapping/>
+  </p:clrMapOvr>
+</p:sld>
+</file>
+
+<file path=ppt/slides/slide20.xml><?xml version="1.0" encoding="utf-8"?>
+<p:sld xmlns:a="http://schemas.openxmlformats.org/drawingml/2006/main" xmlns:r="http://schemas.openxmlformats.org/officeDocument/2006/relationships" xmlns:p="http://schemas.openxmlformats.org/presentationml/2006/main">
+  <p:cSld>
+    <p:spTree>
+      <p:nvGrpSpPr>
+        <p:cNvPr id="1" name=""/>
+        <p:cNvGrpSpPr/>
+        <p:nvPr/>
+      </p:nvGrpSpPr>
+      <p:grpSpPr>
+        <a:xfrm>
+          <a:off x="0" y="0"/>
+          <a:ext cx="0" cy="0"/>
+          <a:chOff x="0" y="0"/>
+          <a:chExt cx="0" cy="0"/>
+        </a:xfrm>
+      </p:grpSpPr>
+      <p:sp>
+        <p:nvSpPr>
+          <p:cNvPr id="2" name="Title 1"/>
+          <p:cNvSpPr>
+            <a:spLocks noGrp="1"/>
+          </p:cNvSpPr>
+          <p:nvPr>
+            <p:ph type="title"/>
+          </p:nvPr>
+        </p:nvSpPr>
+        <p:spPr/>
+        <p:txBody>
+          <a:bodyPr/>
+          <a:lstStyle/>
+          <a:p>
+            <a:r>
+              <a:rPr lang="en-US" dirty="0" smtClean="0"/>
+              <a:t>Full web Page</a:t>
+            </a:r>
+            <a:endParaRPr lang="en-US" dirty="0"/>
+          </a:p>
+        </p:txBody>
+      </p:sp>
+      <p:pic>
+        <p:nvPicPr>
+          <p:cNvPr id="10242" name="Picture 2"/>
+          <p:cNvPicPr>
+            <a:picLocks noChangeAspect="1" noChangeArrowheads="1"/>
+          </p:cNvPicPr>
+          <p:nvPr/>
+        </p:nvPicPr>
+        <p:blipFill>
+          <a:blip r:embed="rId3" cstate="print"/>
+          <a:srcRect/>
+          <a:stretch>
+            <a:fillRect/>
+          </a:stretch>
+        </p:blipFill>
+        <p:spPr bwMode="auto">
+          <a:xfrm>
+            <a:off x="0" y="2286000"/>
+            <a:ext cx="9229725" cy="3200400"/>
+          </a:xfrm>
+          <a:prstGeom prst="rect">
+            <a:avLst/>
+          </a:prstGeom>
+          <a:noFill/>
+          <a:ln w="9525">
+            <a:noFill/>
+            <a:miter lim="800000"/>
+            <a:headEnd/>
+            <a:tailEnd/>
+          </a:ln>
+        </p:spPr>
+      </p:pic>
+    </p:spTree>
+  </p:cSld>
+  <p:clrMapOvr>
+    <a:masterClrMapping/>
+  </p:clrMapOvr>
+</p:sld>
+</file>
+
+<file path=ppt/slides/slide21.xml><?xml version="1.0" encoding="utf-8"?>
+<p:sld xmlns:a="http://schemas.openxmlformats.org/drawingml/2006/main" xmlns:r="http://schemas.openxmlformats.org/officeDocument/2006/relationships" xmlns:p="http://schemas.openxmlformats.org/presentationml/2006/main">
+  <p:cSld>
+    <p:spTree>
+      <p:nvGrpSpPr>
+        <p:cNvPr id="1" name=""/>
+        <p:cNvGrpSpPr/>
+        <p:nvPr/>
+      </p:nvGrpSpPr>
+      <p:grpSpPr>
+        <a:xfrm>
+          <a:off x="0" y="0"/>
+          <a:ext cx="0" cy="0"/>
+          <a:chOff x="0" y="0"/>
+          <a:chExt cx="0" cy="0"/>
+        </a:xfrm>
+      </p:grpSpPr>
+      <p:sp>
+        <p:nvSpPr>
+          <p:cNvPr id="2" name="Title 1"/>
+          <p:cNvSpPr>
+            <a:spLocks noGrp="1"/>
+          </p:cNvSpPr>
+          <p:nvPr>
+            <p:ph type="title"/>
+          </p:nvPr>
+        </p:nvSpPr>
+        <p:spPr/>
+        <p:txBody>
+          <a:bodyPr/>
+          <a:lstStyle/>
+          <a:p>
+            <a:r>
+              <a:rPr lang="en-US" dirty="0" smtClean="0"/>
+              <a:t>Versus Client-Server</a:t>
+            </a:r>
+            <a:endParaRPr lang="en-US" dirty="0"/>
+          </a:p>
+        </p:txBody>
+      </p:sp>
+      <p:pic>
+        <p:nvPicPr>
+          <p:cNvPr id="11266" name="Picture 2"/>
+          <p:cNvPicPr>
+            <a:picLocks noGrp="1" noChangeAspect="1" noChangeArrowheads="1"/>
+          </p:cNvPicPr>
+          <p:nvPr>
+            <p:ph idx="1"/>
+          </p:nvPr>
+        </p:nvPicPr>
+        <p:blipFill>
+          <a:blip r:embed="rId3" cstate="print"/>
+          <a:srcRect/>
+          <a:stretch>
+            <a:fillRect/>
+          </a:stretch>
+        </p:blipFill>
+        <p:spPr bwMode="auto">
+          <a:xfrm>
+            <a:off x="2109787" y="2463006"/>
+            <a:ext cx="4924425" cy="2800350"/>
+          </a:xfrm>
+          <a:prstGeom prst="rect">
+            <a:avLst/>
+          </a:prstGeom>
+          <a:noFill/>
+          <a:ln w="9525">
+            <a:noFill/>
+            <a:miter lim="800000"/>
+            <a:headEnd/>
+            <a:tailEnd/>
+          </a:ln>
+        </p:spPr>
+      </p:pic>
+    </p:spTree>
+  </p:cSld>
+  <p:clrMapOvr>
+    <a:masterClrMapping/>
+  </p:clrMapOvr>
+</p:sld>
+</file>
+
+<file path=ppt/slides/slide22.xml><?xml version="1.0" encoding="utf-8"?>
+<p:sld xmlns:a="http://schemas.openxmlformats.org/drawingml/2006/main" xmlns:r="http://schemas.openxmlformats.org/officeDocument/2006/relationships" xmlns:p="http://schemas.openxmlformats.org/presentationml/2006/main">
+  <p:cSld>
+    <p:spTree>
+      <p:nvGrpSpPr>
+        <p:cNvPr id="1" name=""/>
+        <p:cNvGrpSpPr/>
+        <p:nvPr/>
+      </p:nvGrpSpPr>
+      <p:grpSpPr>
+        <a:xfrm>
+          <a:off x="0" y="0"/>
+          <a:ext cx="0" cy="0"/>
+          <a:chOff x="0" y="0"/>
+          <a:chExt cx="0" cy="0"/>
+        </a:xfrm>
+      </p:grpSpPr>
+      <p:sp>
+        <p:nvSpPr>
+          <p:cNvPr id="2" name="Title 1"/>
+          <p:cNvSpPr>
+            <a:spLocks noGrp="1"/>
+          </p:cNvSpPr>
+          <p:nvPr>
+            <p:ph type="title"/>
+          </p:nvPr>
+        </p:nvSpPr>
+        <p:spPr/>
+        <p:txBody>
+          <a:bodyPr/>
+          <a:lstStyle/>
+          <a:p>
+            <a:r>
+              <a:rPr lang="en-US" dirty="0" smtClean="0"/>
+              <a:t>Block Size</a:t>
+            </a:r>
+            <a:endParaRPr lang="en-US" dirty="0"/>
+          </a:p>
+        </p:txBody>
+      </p:sp>
+      <p:pic>
+        <p:nvPicPr>
+          <p:cNvPr id="12290" name="Picture 2"/>
+          <p:cNvPicPr>
+            <a:picLocks noChangeAspect="1" noChangeArrowheads="1"/>
+          </p:cNvPicPr>
+          <p:nvPr/>
+        </p:nvPicPr>
+        <p:blipFill>
+          <a:blip r:embed="rId3" cstate="print"/>
+          <a:srcRect/>
+          <a:stretch>
+            <a:fillRect/>
+          </a:stretch>
+        </p:blipFill>
+        <p:spPr bwMode="auto">
+          <a:xfrm>
+            <a:off x="1981200" y="2438400"/>
+            <a:ext cx="5267325" cy="2800350"/>
+          </a:xfrm>
+          <a:prstGeom prst="rect">
+            <a:avLst/>
+          </a:prstGeom>
+          <a:noFill/>
+          <a:ln w="9525">
+            <a:noFill/>
+            <a:miter lim="800000"/>
+            <a:headEnd/>
+            <a:tailEnd/>
+          </a:ln>
+        </p:spPr>
+      </p:pic>
+    </p:spTree>
+  </p:cSld>
+  <p:clrMapOvr>
+    <a:masterClrMapping/>
+  </p:clrMapOvr>
+</p:sld>
+</file>
+
+<file path=ppt/slides/slide23.xml><?xml version="1.0" encoding="utf-8"?>
+<p:sld xmlns:a="http://schemas.openxmlformats.org/drawingml/2006/main" xmlns:r="http://schemas.openxmlformats.org/officeDocument/2006/relationships" xmlns:p="http://schemas.openxmlformats.org/presentationml/2006/main">
+  <p:cSld>
+    <p:spTree>
+      <p:nvGrpSpPr>
+        <p:cNvPr id="1" name=""/>
+        <p:cNvGrpSpPr/>
+        <p:nvPr/>
+      </p:nvGrpSpPr>
+      <p:grpSpPr>
+        <a:xfrm>
+          <a:off x="0" y="0"/>
+          <a:ext cx="0" cy="0"/>
+          <a:chOff x="0" y="0"/>
+          <a:chExt cx="0" cy="0"/>
+        </a:xfrm>
+      </p:grpSpPr>
+      <p:sp>
+        <p:nvSpPr>
+          <p:cNvPr id="2" name="Title 1"/>
+          <p:cNvSpPr>
+            <a:spLocks noGrp="1"/>
+          </p:cNvSpPr>
+          <p:nvPr>
+            <p:ph type="title"/>
+          </p:nvPr>
+        </p:nvSpPr>
+        <p:spPr/>
+        <p:txBody>
+          <a:bodyPr>
+            <a:normAutofit/>
+          </a:bodyPr>
+          <a:lstStyle/>
+          <a:p>
+            <a:r>
+              <a:rPr lang="en-US" dirty="0" smtClean="0"/>
+              <a:t>Linger Time</a:t>
+            </a:r>
+            <a:endParaRPr lang="en-US" dirty="0"/>
+          </a:p>
+        </p:txBody>
+      </p:sp>
+      <p:pic>
+        <p:nvPicPr>
+          <p:cNvPr id="13314" name="Picture 2"/>
+          <p:cNvPicPr>
+            <a:picLocks noChangeAspect="1" noChangeArrowheads="1"/>
+          </p:cNvPicPr>
+          <p:nvPr/>
+        </p:nvPicPr>
+        <p:blipFill>
+          <a:blip r:embed="rId3" cstate="print"/>
+          <a:srcRect/>
+          <a:stretch>
+            <a:fillRect/>
+          </a:stretch>
+        </p:blipFill>
+        <p:spPr bwMode="auto">
+          <a:xfrm>
+            <a:off x="2157413" y="2057400"/>
+            <a:ext cx="4829175" cy="2743200"/>
+          </a:xfrm>
+          <a:prstGeom prst="rect">
+            <a:avLst/>
+          </a:prstGeom>
+          <a:noFill/>
+          <a:ln w="9525">
+            <a:noFill/>
+            <a:miter lim="800000"/>
+            <a:headEnd/>
+            <a:tailEnd/>
+          </a:ln>
+        </p:spPr>
+      </p:pic>
+    </p:spTree>
+  </p:cSld>
+  <p:clrMapOvr>
+    <a:masterClrMapping/>
+  </p:clrMapOvr>
+</p:sld>
+</file>
+
+<file path=ppt/slides/slide24.xml><?xml version="1.0" encoding="utf-8"?>
+<p:sld xmlns:a="http://schemas.openxmlformats.org/drawingml/2006/main" xmlns:r="http://schemas.openxmlformats.org/officeDocument/2006/relationships" xmlns:p="http://schemas.openxmlformats.org/presentationml/2006/main">
+  <p:cSld>
+    <p:spTree>
+      <p:nvGrpSpPr>
+        <p:cNvPr id="1" name=""/>
+        <p:cNvGrpSpPr/>
+        <p:nvPr/>
+      </p:nvGrpSpPr>
+      <p:grpSpPr>
+        <a:xfrm>
+          <a:off x="0" y="0"/>
+          <a:ext cx="0" cy="0"/>
+          <a:chOff x="0" y="0"/>
+          <a:chExt cx="0" cy="0"/>
+        </a:xfrm>
+      </p:grpSpPr>
+      <p:sp>
+        <p:nvSpPr>
+          <p:cNvPr id="2" name="Title 1"/>
+          <p:cNvSpPr>
+            <a:spLocks noGrp="1"/>
+          </p:cNvSpPr>
+          <p:nvPr>
+            <p:ph type="title"/>
+          </p:nvPr>
+        </p:nvSpPr>
+        <p:spPr/>
+        <p:txBody>
+          <a:bodyPr/>
+          <a:lstStyle/>
+          <a:p>
+            <a:r>
+              <a:rPr lang="en-US" dirty="0" smtClean="0"/>
+              <a:t>With Large Files</a:t>
+            </a:r>
+            <a:endParaRPr lang="en-US" dirty="0"/>
+          </a:p>
+        </p:txBody>
+      </p:sp>
+      <p:pic>
+        <p:nvPicPr>
+          <p:cNvPr id="14338" name="Picture 2"/>
+          <p:cNvPicPr>
+            <a:picLocks noGrp="1" noChangeAspect="1" noChangeArrowheads="1"/>
+          </p:cNvPicPr>
+          <p:nvPr>
+            <p:ph idx="1"/>
+          </p:nvPr>
+        </p:nvPicPr>
+        <p:blipFill>
+          <a:blip r:embed="rId3" cstate="print"/>
+          <a:srcRect/>
+          <a:stretch>
+            <a:fillRect/>
+          </a:stretch>
+        </p:blipFill>
+        <p:spPr bwMode="auto">
+          <a:xfrm>
+            <a:off x="1676400" y="1295400"/>
+            <a:ext cx="5734050" cy="2495550"/>
+          </a:xfrm>
+          <a:prstGeom prst="rect">
+            <a:avLst/>
+          </a:prstGeom>
+          <a:noFill/>
+          <a:ln w="9525">
+            <a:noFill/>
+            <a:miter lim="800000"/>
+            <a:headEnd/>
+            <a:tailEnd/>
+          </a:ln>
+        </p:spPr>
+      </p:pic>
+      <p:pic>
+        <p:nvPicPr>
+          <p:cNvPr id="14339" name="Picture 3"/>
+          <p:cNvPicPr>
+            <a:picLocks noChangeAspect="1" noChangeArrowheads="1"/>
+          </p:cNvPicPr>
+          <p:nvPr/>
+        </p:nvPicPr>
+        <p:blipFill>
+          <a:blip r:embed="rId4" cstate="print"/>
+          <a:srcRect/>
+          <a:stretch>
+            <a:fillRect/>
+          </a:stretch>
+        </p:blipFill>
+        <p:spPr bwMode="auto">
+          <a:xfrm>
+            <a:off x="2057400" y="3810000"/>
+            <a:ext cx="4876800" cy="2543175"/>
+          </a:xfrm>
+          <a:prstGeom prst="rect">
+            <a:avLst/>
+          </a:prstGeom>
+          <a:noFill/>
+          <a:ln w="9525">
+            <a:noFill/>
+            <a:miter lim="800000"/>
+            <a:headEnd/>
+            <a:tailEnd/>
+          </a:ln>
+        </p:spPr>
+      </p:pic>
+    </p:spTree>
+  </p:cSld>
+  <p:clrMapOvr>
+    <a:masterClrMapping/>
+  </p:clrMapOvr>
+</p:sld>
+</file>
+
+<file path=ppt/slides/slide25.xml><?xml version="1.0" encoding="utf-8"?>
+<p:sld xmlns:a="http://schemas.openxmlformats.org/drawingml/2006/main" xmlns:r="http://schemas.openxmlformats.org/officeDocument/2006/relationships" xmlns:p="http://schemas.openxmlformats.org/presentationml/2006/main">
+  <p:cSld>
+    <p:spTree>
+      <p:nvGrpSpPr>
+        <p:cNvPr id="1" name=""/>
+        <p:cNvGrpSpPr/>
+        <p:nvPr/>
+      </p:nvGrpSpPr>
+      <p:grpSpPr>
+        <a:xfrm>
+          <a:off x="0" y="0"/>
+          <a:ext cx="0" cy="0"/>
+          <a:chOff x="0" y="0"/>
+          <a:chExt cx="0" cy="0"/>
+        </a:xfrm>
+      </p:grpSpPr>
+      <p:sp>
+        <p:nvSpPr>
+          <p:cNvPr id="2" name="Title 1"/>
+          <p:cNvSpPr>
+            <a:spLocks noGrp="1"/>
+          </p:cNvSpPr>
+          <p:nvPr>
+            <p:ph type="title"/>
+          </p:nvPr>
+        </p:nvSpPr>
+        <p:spPr/>
+        <p:txBody>
+          <a:bodyPr/>
+          <a:lstStyle/>
+          <a:p>
+            <a:r>
+              <a:rPr lang="en-US" dirty="0" smtClean="0"/>
+              <a:t>Conclusion</a:t>
+            </a:r>
+            <a:endParaRPr lang="en-US" dirty="0"/>
+          </a:p>
+        </p:txBody>
+      </p:sp>
+      <p:sp>
+        <p:nvSpPr>
+          <p:cNvPr id="3" name="Content Placeholder 2"/>
+          <p:cNvSpPr>
+            <a:spLocks noGrp="1"/>
+          </p:cNvSpPr>
+          <p:nvPr>
+            <p:ph idx="1"/>
+          </p:nvPr>
+        </p:nvSpPr>
+        <p:spPr/>
+        <p:txBody>
+          <a:bodyPr/>
+          <a:lstStyle/>
+          <a:p>
+            <a:r>
+              <a:rPr lang="en-US" dirty="0" smtClean="0"/>
+              <a:t>Viable.</a:t>
+            </a:r>
+          </a:p>
+          <a:p>
+            <a:pPr lvl="1"/>
+            <a:r>
+              <a:rPr lang="en-US" dirty="0" smtClean="0"/>
+              <a:t>30 x as fast for small files</a:t>
+            </a:r>
+            <a:endParaRPr lang="en-US" dirty="0" smtClean="0"/>
+          </a:p>
+          <a:p>
+            <a:pPr lvl="1"/>
+            <a:r>
+              <a:rPr lang="en-US" dirty="0" smtClean="0"/>
+              <a:t>Transparent to servers</a:t>
+            </a:r>
+          </a:p>
+          <a:p>
+            <a:pPr lvl="1"/>
+            <a:r>
+              <a:rPr lang="en-US" dirty="0" smtClean="0"/>
+              <a:t>Automatic for end users</a:t>
+            </a:r>
+          </a:p>
+          <a:p>
+            <a:pPr lvl="1"/>
+            <a:endParaRPr lang="en-US" dirty="0" smtClean="0"/>
+          </a:p>
+        </p:txBody>
+      </p:sp>
+    </p:spTree>
+  </p:cSld>
+  <p:clrMapOvr>
+    <a:masterClrMapping/>
+  </p:clrMapOvr>
+</p:sld>
+</file>
+
+<file path=ppt/slides/slide26.xml><?xml version="1.0" encoding="utf-8"?>
+<p:sld xmlns:a="http://schemas.openxmlformats.org/drawingml/2006/main" xmlns:r="http://schemas.openxmlformats.org/officeDocument/2006/relationships" xmlns:p="http://schemas.openxmlformats.org/presentationml/2006/main">
+  <p:cSld>
+    <p:spTree>
+      <p:nvGrpSpPr>
+        <p:cNvPr id="1" name=""/>
+        <p:cNvGrpSpPr/>
+        <p:nvPr/>
+      </p:nvGrpSpPr>
+      <p:grpSpPr>
+        <a:xfrm>
+          <a:off x="0" y="0"/>
+          <a:ext cx="0" cy="0"/>
+          <a:chOff x="0" y="0"/>
+          <a:chExt cx="0" cy="0"/>
+        </a:xfrm>
+      </p:grpSpPr>
+      <p:sp>
+        <p:nvSpPr>
+          <p:cNvPr id="2" name="Title 1"/>
+          <p:cNvSpPr>
+            <a:spLocks noGrp="1"/>
+          </p:cNvSpPr>
+          <p:nvPr>
+            <p:ph type="title"/>
+          </p:nvPr>
+        </p:nvSpPr>
+        <p:spPr/>
+        <p:txBody>
+          <a:bodyPr/>
+          <a:lstStyle/>
+          <a:p>
+            <a:r>
+              <a:rPr lang="en-US" dirty="0" smtClean="0"/>
+              <a:t>Future Work</a:t>
+            </a:r>
+            <a:endParaRPr lang="en-US" dirty="0"/>
+          </a:p>
+        </p:txBody>
+      </p:sp>
+      <p:sp>
+        <p:nvSpPr>
+          <p:cNvPr id="3" name="Content Placeholder 2"/>
+          <p:cNvSpPr>
+            <a:spLocks noGrp="1"/>
+          </p:cNvSpPr>
+          <p:nvPr>
+            <p:ph idx="1"/>
+          </p:nvPr>
+        </p:nvSpPr>
+        <p:spPr/>
+        <p:txBody>
+          <a:bodyPr/>
+          <a:lstStyle/>
+          <a:p>
+            <a:r>
+              <a:rPr lang="en-US" dirty="0" smtClean="0"/>
+              <a:t>Back off the origin.</a:t>
+            </a:r>
+          </a:p>
+          <a:p>
+            <a:r>
+              <a:rPr lang="en-US" dirty="0" smtClean="0"/>
+              <a:t>Validate Integrity.</a:t>
+            </a:r>
+          </a:p>
+          <a:p>
+            <a:r>
+              <a:rPr lang="en-US" dirty="0" smtClean="0"/>
+              <a:t>Differentiate better for static/non-static.</a:t>
+            </a:r>
+          </a:p>
+          <a:p>
+            <a:r>
+              <a:rPr lang="en-US" dirty="0" smtClean="0"/>
+              <a:t>Better use of the DHT (fairness, speed).</a:t>
+            </a:r>
+          </a:p>
+          <a:p>
+            <a:r>
+              <a:rPr lang="en-US" dirty="0" smtClean="0"/>
+              <a:t>Dynamic parameters.</a:t>
+            </a:r>
+          </a:p>
+          <a:p>
+            <a:r>
+              <a:rPr lang="en-US" dirty="0" smtClean="0"/>
+              <a:t>Incentives.</a:t>
+            </a:r>
+          </a:p>
+          <a:p>
+            <a:r>
+              <a:rPr lang="en-US" dirty="0" smtClean="0"/>
+              <a:t>Privacy.</a:t>
+            </a:r>
+            <a:endParaRPr lang="en-US" dirty="0"/>
+          </a:p>
+        </p:txBody>
+      </p:sp>
     </p:spTree>
   </p:cSld>
   <p:clrMapOvr>
@@ -4722,7 +8226,11 @@
           <a:p>
             <a:r>
               <a:rPr lang="en-US" dirty="0" smtClean="0"/>
-              <a:t>Go somewhere else.</a:t>
+              <a:t>Try somewhere </a:t>
+            </a:r>
+            <a:r>
+              <a:rPr lang="en-US" dirty="0" smtClean="0"/>
+              <a:t>else.</a:t>
             </a:r>
           </a:p>
           <a:p>
@@ -4740,13 +8248,11 @@
           <a:p>
             <a:r>
               <a:rPr lang="en-US" dirty="0" smtClean="0"/>
-              <a:t>New internet connection.</a:t>
-            </a:r>
-          </a:p>
-          <a:p>
-            <a:r>
-              <a:rPr lang="en-US" dirty="0" smtClean="0"/>
-              <a:t>Beg the server to change how they serve the file</a:t>
+              <a:t>Beg </a:t>
+            </a:r>
+            <a:r>
+              <a:rPr lang="en-US" dirty="0" smtClean="0"/>
+              <a:t>the server to change how they serve the file</a:t>
             </a:r>
             <a:r>
               <a:rPr lang="en-US" dirty="0" smtClean="0"/>
@@ -4841,19 +8347,13 @@
             </a:r>
             <a:r>
               <a:rPr lang="en-US" dirty="0" smtClean="0"/>
-              <a:t>servers.</a:t>
+              <a:t>servers/rent a CDN</a:t>
             </a:r>
             <a:endParaRPr lang="en-US" dirty="0" smtClean="0"/>
           </a:p>
           <a:p>
             <a:r>
               <a:rPr lang="en-US" dirty="0" smtClean="0"/>
-              <a:t>CDN</a:t>
-            </a:r>
-          </a:p>
-          <a:p>
-            <a:r>
-              <a:rPr lang="en-US" dirty="0" smtClean="0"/>
               <a:t>Turn </a:t>
             </a:r>
             <a:r>
@@ -4863,6 +8363,32 @@
           </a:p>
         </p:txBody>
       </p:sp>
+      <p:pic>
+        <p:nvPicPr>
+          <p:cNvPr id="1026" name="Picture 2" descr="C:\Documents and Settings\Default\Desktop\itunes-logo.png"/>
+          <p:cNvPicPr>
+            <a:picLocks noChangeAspect="1" noChangeArrowheads="1"/>
+          </p:cNvPicPr>
+          <p:nvPr/>
+        </p:nvPicPr>
+        <p:blipFill>
+          <a:blip r:embed="rId3" cstate="print"/>
+          <a:srcRect/>
+          <a:stretch>
+            <a:fillRect/>
+          </a:stretch>
+        </p:blipFill>
+        <p:spPr bwMode="auto">
+          <a:xfrm>
+            <a:off x="7264400" y="304800"/>
+            <a:ext cx="1524000" cy="1524000"/>
+          </a:xfrm>
+          <a:prstGeom prst="rect">
+            <a:avLst/>
+          </a:prstGeom>
+          <a:noFill/>
+        </p:spPr>
+      </p:pic>
     </p:spTree>
   </p:cSld>
   <p:clrMapOvr>
@@ -4928,12 +8454,6 @@
           <a:p>
             <a:r>
               <a:rPr lang="en-US" dirty="0" smtClean="0"/>
-              <a:t>Peers share.</a:t>
-            </a:r>
-          </a:p>
-          <a:p>
-            <a:r>
-              <a:rPr lang="en-US" dirty="0" smtClean="0"/>
               <a:t>Create </a:t>
             </a:r>
             <a:r>
@@ -4948,7 +8468,17 @@
           <a:p>
             <a:r>
               <a:rPr lang="en-US" dirty="0" smtClean="0"/>
-              <a:t>Host it, with tracker</a:t>
+              <a:t>Host it, </a:t>
+            </a:r>
+            <a:r>
+              <a:rPr lang="en-US" dirty="0" smtClean="0"/>
+              <a:t>create tracker.</a:t>
+            </a:r>
+          </a:p>
+          <a:p>
+            <a:r>
+              <a:rPr lang="en-US" dirty="0" smtClean="0"/>
+              <a:t>Peers download and share</a:t>
             </a:r>
             <a:r>
               <a:rPr lang="en-US" dirty="0" smtClean="0"/>
@@ -4958,6 +8488,32 @@
           </a:p>
         </p:txBody>
       </p:sp>
+      <p:pic>
+        <p:nvPicPr>
+          <p:cNvPr id="2050" name="Picture 2" descr="C:\Documents and Settings\Default\Desktop\bannerlogo.png"/>
+          <p:cNvPicPr>
+            <a:picLocks noChangeAspect="1" noChangeArrowheads="1"/>
+          </p:cNvPicPr>
+          <p:nvPr/>
+        </p:nvPicPr>
+        <p:blipFill>
+          <a:blip r:embed="rId3" cstate="print"/>
+          <a:srcRect/>
+          <a:stretch>
+            <a:fillRect/>
+          </a:stretch>
+        </p:blipFill>
+        <p:spPr bwMode="auto">
+          <a:xfrm>
+            <a:off x="6553200" y="609600"/>
+            <a:ext cx="1524000" cy="619125"/>
+          </a:xfrm>
+          <a:prstGeom prst="rect">
+            <a:avLst/>
+          </a:prstGeom>
+          <a:noFill/>
+        </p:spPr>
+      </p:pic>
     </p:spTree>
   </p:cSld>
   <p:clrMapOvr>
@@ -5002,11 +8558,7 @@
           <a:p>
             <a:r>
               <a:rPr lang="en-US" dirty="0" smtClean="0"/>
-              <a:t>Barrier to use</a:t>
-            </a:r>
-            <a:r>
-              <a:rPr lang="en-US" dirty="0" smtClean="0"/>
-              <a:t>.</a:t>
+              <a:t>Hard to get right</a:t>
             </a:r>
             <a:endParaRPr lang="en-US" dirty="0"/>
           </a:p>
@@ -5069,6 +8621,93 @@
       </p:par>
     </p:tnLst>
   </p:timing>
+</p:sld>
+</file>
+
+<file path=ppt/slides/slide9.xml><?xml version="1.0" encoding="utf-8"?>
+<p:sld xmlns:a="http://schemas.openxmlformats.org/drawingml/2006/main" xmlns:r="http://schemas.openxmlformats.org/officeDocument/2006/relationships" xmlns:p="http://schemas.openxmlformats.org/presentationml/2006/main">
+  <p:cSld>
+    <p:spTree>
+      <p:nvGrpSpPr>
+        <p:cNvPr id="1" name=""/>
+        <p:cNvGrpSpPr/>
+        <p:nvPr/>
+      </p:nvGrpSpPr>
+      <p:grpSpPr>
+        <a:xfrm>
+          <a:off x="0" y="0"/>
+          <a:ext cx="0" cy="0"/>
+          <a:chOff x="0" y="0"/>
+          <a:chExt cx="0" cy="0"/>
+        </a:xfrm>
+      </p:grpSpPr>
+      <p:sp>
+        <p:nvSpPr>
+          <p:cNvPr id="2" name="Title 1"/>
+          <p:cNvSpPr>
+            <a:spLocks noGrp="1"/>
+          </p:cNvSpPr>
+          <p:nvPr>
+            <p:ph type="title"/>
+          </p:nvPr>
+        </p:nvSpPr>
+        <p:spPr/>
+        <p:txBody>
+          <a:bodyPr>
+            <a:normAutofit/>
+          </a:bodyPr>
+          <a:lstStyle/>
+          <a:p>
+            <a:r>
+              <a:rPr lang="en-US" dirty="0" smtClean="0"/>
+              <a:t>Automatic Swarming</a:t>
+            </a:r>
+            <a:endParaRPr lang="en-US" dirty="0"/>
+          </a:p>
+        </p:txBody>
+      </p:sp>
+      <p:sp>
+        <p:nvSpPr>
+          <p:cNvPr id="5" name="Content Placeholder 4"/>
+          <p:cNvSpPr>
+            <a:spLocks noGrp="1"/>
+          </p:cNvSpPr>
+          <p:nvPr>
+            <p:ph idx="1"/>
+          </p:nvPr>
+        </p:nvSpPr>
+        <p:spPr/>
+        <p:txBody>
+          <a:bodyPr/>
+          <a:lstStyle/>
+          <a:p>
+            <a:r>
+              <a:rPr lang="en-US" dirty="0" smtClean="0"/>
+              <a:t>Basic Algorithm:</a:t>
+            </a:r>
+          </a:p>
+          <a:p>
+            <a:pPr lvl="1"/>
+            <a:r>
+              <a:rPr lang="en-US" dirty="0" smtClean="0"/>
+              <a:t>Monitor download</a:t>
+            </a:r>
+          </a:p>
+          <a:p>
+            <a:pPr lvl="1"/>
+            <a:r>
+              <a:rPr lang="en-US" dirty="0" smtClean="0"/>
+              <a:t>Download blocks from Peers when becomes slow.</a:t>
+            </a:r>
+            <a:endParaRPr lang="en-US" dirty="0"/>
+          </a:p>
+        </p:txBody>
+      </p:sp>
+    </p:spTree>
+  </p:cSld>
+  <p:clrMapOvr>
+    <a:masterClrMapping/>
+  </p:clrMapOvr>
 </p:sld>
 </file>
 

--- a/thesis_presentation/How to Make the Internet Faster.pptx
+++ b/thesis_presentation/How to Make the Internet Faster.pptx
@@ -218,7 +218,7 @@
             <a:fld id="{9826D637-6924-4A4F-8550-0E64EF887888}" type="datetimeFigureOut">
               <a:rPr lang="en-US" smtClean="0"/>
               <a:pPr/>
-              <a:t>4/8/2010</a:t>
+              <a:t>4/12/2010</a:t>
             </a:fld>
             <a:endParaRPr lang="en-US"/>
           </a:p>
@@ -530,10 +530,6 @@
           </a:bodyPr>
           <a:lstStyle/>
           <a:p>
-            <a:r>
-              <a:rPr lang="en-US" dirty="0" smtClean="0"/>
-              <a:t>When the server can’t</a:t>
-            </a:r>
             <a:endParaRPr lang="en-US" dirty="0"/>
           </a:p>
         </p:txBody>
@@ -1489,8 +1485,22 @@
           <a:p>
             <a:r>
               <a:rPr lang="en-US" dirty="0" smtClean="0"/>
-              <a:t>It isn’t just me!  This is not me!</a:t>
-            </a:r>
+              <a:t>This is you</a:t>
+            </a:r>
+          </a:p>
+          <a:p>
+            <a:endParaRPr lang="en-US" dirty="0" smtClean="0"/>
+          </a:p>
+          <a:p>
+            <a:r>
+              <a:rPr lang="en-US" dirty="0" smtClean="0"/>
+              <a:t>TODO: new </a:t>
+            </a:r>
+            <a:r>
+              <a:rPr lang="en-US" dirty="0" err="1" smtClean="0"/>
+              <a:t>pic</a:t>
+            </a:r>
+            <a:endParaRPr lang="en-US" dirty="0" smtClean="0"/>
           </a:p>
         </p:txBody>
       </p:sp>
@@ -2351,19 +2361,7 @@
             </a:r>
             <a:r>
               <a:rPr lang="en-US" baseline="0" dirty="0" smtClean="0"/>
-              <a:t> a graph of </a:t>
-            </a:r>
-            <a:r>
-              <a:rPr lang="en-US" baseline="0" dirty="0" smtClean="0"/>
-              <a:t>network </a:t>
-            </a:r>
-            <a:r>
-              <a:rPr lang="en-US" baseline="0" dirty="0" smtClean="0"/>
-              <a:t>speed increasing so slowly compared to processors </a:t>
-            </a:r>
-            <a:r>
-              <a:rPr lang="en-US" baseline="0" dirty="0" smtClean="0"/>
-              <a:t>[?]</a:t>
+              <a:t> a graph of network speed increasing so slowly compared to processors [?]</a:t>
             </a:r>
           </a:p>
           <a:p>
@@ -2462,12 +2460,13 @@
             </a:r>
             <a:r>
               <a:rPr lang="en-US" baseline="0" dirty="0" smtClean="0"/>
-              <a:t> hard to use because not integrated, also the server might run out of bandwidth</a:t>
+              <a:t> hard to use because not integrated, also the server might run out of </a:t>
             </a:r>
             <a:r>
               <a:rPr lang="en-US" baseline="0" dirty="0" smtClean="0"/>
-              <a:t>.</a:t>
-            </a:r>
+              <a:t>bandwidth.</a:t>
+            </a:r>
+            <a:endParaRPr lang="en-US" baseline="0" dirty="0" smtClean="0"/>
           </a:p>
           <a:p>
             <a:endParaRPr lang="en-US" baseline="0" dirty="0" smtClean="0"/>
@@ -2559,18 +2558,6 @@
           </a:bodyPr>
           <a:lstStyle/>
           <a:p>
-            <a:r>
-              <a:rPr lang="en-US" dirty="0" smtClean="0"/>
-              <a:t>This is the popular industry standard.  </a:t>
-            </a:r>
-            <a:r>
-              <a:rPr lang="en-US" dirty="0" err="1" smtClean="0"/>
-              <a:t>Akamai</a:t>
-            </a:r>
-            <a:r>
-              <a:rPr lang="en-US" dirty="0" smtClean="0"/>
-              <a:t> hosts iTunes.</a:t>
-            </a:r>
             <a:endParaRPr lang="en-US" dirty="0"/>
           </a:p>
         </p:txBody>
@@ -2668,7 +2655,19 @@
           <a:p>
             <a:r>
               <a:rPr lang="en-US" baseline="0" dirty="0" smtClean="0"/>
-              <a:t>“Melissa style” explanation.</a:t>
+              <a:t>“Melissa style” </a:t>
+            </a:r>
+            <a:r>
+              <a:rPr lang="en-US" baseline="0" dirty="0" smtClean="0"/>
+              <a:t>explanation (you download half, your friend downloads half, you share </a:t>
+            </a:r>
+            <a:r>
+              <a:rPr lang="en-US" baseline="0" dirty="0" err="1" smtClean="0"/>
+              <a:t>halfs</a:t>
+            </a:r>
+            <a:r>
+              <a:rPr lang="en-US" baseline="0" smtClean="0"/>
+              <a:t>).</a:t>
             </a:r>
             <a:endParaRPr lang="en-US" dirty="0"/>
           </a:p>
@@ -2944,15 +2943,7 @@
           <a:p>
             <a:r>
               <a:rPr lang="en-US" dirty="0" smtClean="0"/>
-              <a:t>Barrier </a:t>
-            </a:r>
-            <a:r>
-              <a:rPr lang="en-US" dirty="0" smtClean="0"/>
-              <a:t>to entry: know how to use it, choose it, and it has to be fast.  Many people ignore it</a:t>
-            </a:r>
-            <a:r>
-              <a:rPr lang="en-US" dirty="0" smtClean="0"/>
-              <a:t>.</a:t>
+              <a:t>Barrier to entry: know how to use it, choose it, and it has to be fast.  Many people ignore it.</a:t>
             </a:r>
           </a:p>
           <a:p>
@@ -3365,7 +3356,7 @@
             <a:fld id="{B41A135E-287C-4591-8C88-153CD277EA84}" type="datetimeFigureOut">
               <a:rPr lang="en-US" smtClean="0"/>
               <a:pPr/>
-              <a:t>4/8/2010</a:t>
+              <a:t>4/12/2010</a:t>
             </a:fld>
             <a:endParaRPr lang="en-US"/>
           </a:p>
@@ -3532,7 +3523,7 @@
             <a:fld id="{B41A135E-287C-4591-8C88-153CD277EA84}" type="datetimeFigureOut">
               <a:rPr lang="en-US" smtClean="0"/>
               <a:pPr/>
-              <a:t>4/8/2010</a:t>
+              <a:t>4/12/2010</a:t>
             </a:fld>
             <a:endParaRPr lang="en-US"/>
           </a:p>
@@ -3709,7 +3700,7 @@
             <a:fld id="{B41A135E-287C-4591-8C88-153CD277EA84}" type="datetimeFigureOut">
               <a:rPr lang="en-US" smtClean="0"/>
               <a:pPr/>
-              <a:t>4/8/2010</a:t>
+              <a:t>4/12/2010</a:t>
             </a:fld>
             <a:endParaRPr lang="en-US"/>
           </a:p>
@@ -3876,7 +3867,7 @@
             <a:fld id="{B41A135E-287C-4591-8C88-153CD277EA84}" type="datetimeFigureOut">
               <a:rPr lang="en-US" smtClean="0"/>
               <a:pPr/>
-              <a:t>4/8/2010</a:t>
+              <a:t>4/12/2010</a:t>
             </a:fld>
             <a:endParaRPr lang="en-US"/>
           </a:p>
@@ -4119,7 +4110,7 @@
             <a:fld id="{B41A135E-287C-4591-8C88-153CD277EA84}" type="datetimeFigureOut">
               <a:rPr lang="en-US" smtClean="0"/>
               <a:pPr/>
-              <a:t>4/8/2010</a:t>
+              <a:t>4/12/2010</a:t>
             </a:fld>
             <a:endParaRPr lang="en-US"/>
           </a:p>
@@ -4404,7 +4395,7 @@
             <a:fld id="{B41A135E-287C-4591-8C88-153CD277EA84}" type="datetimeFigureOut">
               <a:rPr lang="en-US" smtClean="0"/>
               <a:pPr/>
-              <a:t>4/8/2010</a:t>
+              <a:t>4/12/2010</a:t>
             </a:fld>
             <a:endParaRPr lang="en-US"/>
           </a:p>
@@ -4823,7 +4814,7 @@
             <a:fld id="{B41A135E-287C-4591-8C88-153CD277EA84}" type="datetimeFigureOut">
               <a:rPr lang="en-US" smtClean="0"/>
               <a:pPr/>
-              <a:t>4/8/2010</a:t>
+              <a:t>4/12/2010</a:t>
             </a:fld>
             <a:endParaRPr lang="en-US"/>
           </a:p>
@@ -4938,7 +4929,7 @@
             <a:fld id="{B41A135E-287C-4591-8C88-153CD277EA84}" type="datetimeFigureOut">
               <a:rPr lang="en-US" smtClean="0"/>
               <a:pPr/>
-              <a:t>4/8/2010</a:t>
+              <a:t>4/12/2010</a:t>
             </a:fld>
             <a:endParaRPr lang="en-US"/>
           </a:p>
@@ -5030,7 +5021,7 @@
             <a:fld id="{B41A135E-287C-4591-8C88-153CD277EA84}" type="datetimeFigureOut">
               <a:rPr lang="en-US" smtClean="0"/>
               <a:pPr/>
-              <a:t>4/8/2010</a:t>
+              <a:t>4/12/2010</a:t>
             </a:fld>
             <a:endParaRPr lang="en-US"/>
           </a:p>
@@ -5304,7 +5295,7 @@
             <a:fld id="{B41A135E-287C-4591-8C88-153CD277EA84}" type="datetimeFigureOut">
               <a:rPr lang="en-US" smtClean="0"/>
               <a:pPr/>
-              <a:t>4/8/2010</a:t>
+              <a:t>4/12/2010</a:t>
             </a:fld>
             <a:endParaRPr lang="en-US"/>
           </a:p>
@@ -5554,7 +5545,7 @@
             <a:fld id="{B41A135E-287C-4591-8C88-153CD277EA84}" type="datetimeFigureOut">
               <a:rPr lang="en-US" smtClean="0"/>
               <a:pPr/>
-              <a:t>4/8/2010</a:t>
+              <a:t>4/12/2010</a:t>
             </a:fld>
             <a:endParaRPr lang="en-US"/>
           </a:p>
@@ -5764,7 +5755,7 @@
             <a:fld id="{B41A135E-287C-4591-8C88-153CD277EA84}" type="datetimeFigureOut">
               <a:rPr lang="en-US" smtClean="0"/>
               <a:pPr/>
-              <a:t>4/8/2010</a:t>
+              <a:t>4/12/2010</a:t>
             </a:fld>
             <a:endParaRPr lang="en-US"/>
           </a:p>
@@ -6152,7 +6143,15 @@
           <a:p>
             <a:r>
               <a:rPr lang="en-US" dirty="0" smtClean="0"/>
-              <a:t>Making The Internet Faster</a:t>
+              <a:t>Making </a:t>
+            </a:r>
+            <a:r>
+              <a:rPr lang="en-US" dirty="0" smtClean="0"/>
+              <a:t>Today’s Internet </a:t>
+            </a:r>
+            <a:r>
+              <a:rPr lang="en-US" dirty="0" smtClean="0"/>
+              <a:t>Faster</a:t>
             </a:r>
             <a:endParaRPr lang="en-US" dirty="0"/>
           </a:p>
@@ -6279,13 +6278,8 @@
           <a:p>
             <a:r>
               <a:rPr lang="en-US" dirty="0" smtClean="0"/>
-              <a:t>Client-side </a:t>
-            </a:r>
-            <a:r>
-              <a:rPr lang="en-US" dirty="0" smtClean="0"/>
-              <a:t>protocol</a:t>
-            </a:r>
-            <a:endParaRPr lang="en-US" dirty="0" smtClean="0"/>
+              <a:t>Client-side protocol</a:t>
+            </a:r>
           </a:p>
         </p:txBody>
       </p:sp>
@@ -7212,17 +7206,8 @@
             </a:r>
             <a:r>
               <a:rPr lang="en-US" sz="1800" dirty="0" smtClean="0"/>
-              <a:t>\=</a:t>
-            </a:r>
-            <a:r>
-              <a:rPr lang="en-US" sz="1800" dirty="0" smtClean="0"/>
-              <a:t>f P'P= \</a:t>
-            </a:r>
-            <a:r>
-              <a:rPr lang="en-US" sz="1800" dirty="0" smtClean="0"/>
-              <a:t>ROVIDE A U966554F545DS6TFDV87654536:01 PM 4/5/20102 098YH6Ya	1W N.I </a:t>
-            </a:r>
-            <a:endParaRPr lang="en-US" sz="1800" dirty="0" smtClean="0"/>
+              <a:t>\=f P'P= \ROVIDE A U966554F545DS6TFDV87654536:01 PM 4/5/20102 098YH6Ya	1W N.I </a:t>
+            </a:r>
           </a:p>
           <a:p>
             <a:r>
@@ -7235,36 +7220,9 @@
               <a:rPr lang="en-US" sz="1800" dirty="0" smtClean="0"/>
               <a:t>Teachers</a:t>
             </a:r>
-            <a:endParaRPr lang="en-US" sz="1800" dirty="0" smtClean="0"/>
-          </a:p>
-        </p:txBody>
-      </p:sp>
-      <p:pic>
-        <p:nvPicPr>
-          <p:cNvPr id="16387" name="Picture 3" descr="C:\Documents and Settings\Default\Local Settings\Temporary Internet Files\Content.IE5\SP0CBOYO\MCj04406570000[1].png"/>
-          <p:cNvPicPr>
-            <a:picLocks noChangeAspect="1" noChangeArrowheads="1"/>
-          </p:cNvPicPr>
-          <p:nvPr/>
-        </p:nvPicPr>
-        <p:blipFill>
-          <a:blip r:embed="rId3" cstate="print"/>
-          <a:srcRect/>
-          <a:stretch>
-            <a:fillRect/>
-          </a:stretch>
-        </p:blipFill>
-        <p:spPr bwMode="auto">
-          <a:xfrm>
-            <a:off x="7010400" y="228600"/>
-            <a:ext cx="1156947" cy="1201445"/>
-          </a:xfrm>
-          <a:prstGeom prst="rect">
-            <a:avLst/>
-          </a:prstGeom>
-          <a:noFill/>
-        </p:spPr>
-      </p:pic>
+          </a:p>
+        </p:txBody>
+      </p:sp>
     </p:spTree>
   </p:cSld>
   <p:clrMapOvr>
@@ -7777,7 +7735,6 @@
               <a:rPr lang="en-US" dirty="0" smtClean="0"/>
               <a:t>30 x as fast for small files</a:t>
             </a:r>
-            <a:endParaRPr lang="en-US" dirty="0" smtClean="0"/>
           </a:p>
           <a:p>
             <a:pPr lvl="1"/>
@@ -7975,7 +7932,7 @@
       </p:sp>
       <p:pic>
         <p:nvPicPr>
-          <p:cNvPr id="1027" name="Picture 3" descr="C:\Users\packrd\Desktop\more_speed_smaller.jpg"/>
+          <p:cNvPr id="1028" name="Picture 4" descr="C:\Users\packrd\AppData\Local\Microsoft\Windows\Temporary Internet Files\Content.IE5\I9QEYR76\MCj04406450000[1].wmf"/>
           <p:cNvPicPr>
             <a:picLocks noChangeAspect="1" noChangeArrowheads="1"/>
           </p:cNvPicPr>
@@ -7990,8 +7947,8 @@
         </p:blipFill>
         <p:spPr bwMode="auto">
           <a:xfrm>
-            <a:off x="304800" y="1600200"/>
-            <a:ext cx="8555567" cy="4476750"/>
+            <a:off x="6934200" y="228600"/>
+            <a:ext cx="1295400" cy="1295400"/>
           </a:xfrm>
           <a:prstGeom prst="rect">
             <a:avLst/>
@@ -8001,7 +7958,7 @@
       </p:pic>
       <p:pic>
         <p:nvPicPr>
-          <p:cNvPr id="1028" name="Picture 4" descr="C:\Users\packrd\AppData\Local\Microsoft\Windows\Temporary Internet Files\Content.IE5\I9QEYR76\MCj04406450000[1].wmf"/>
+          <p:cNvPr id="4" name="Picture 3"/>
           <p:cNvPicPr>
             <a:picLocks noChangeAspect="1" noChangeArrowheads="1"/>
           </p:cNvPicPr>
@@ -8016,13 +7973,19 @@
         </p:blipFill>
         <p:spPr bwMode="auto">
           <a:xfrm>
-            <a:off x="6934200" y="228600"/>
-            <a:ext cx="1295400" cy="1295400"/>
+            <a:off x="381000" y="1524000"/>
+            <a:ext cx="8572500" cy="5715000"/>
           </a:xfrm>
           <a:prstGeom prst="rect">
             <a:avLst/>
           </a:prstGeom>
           <a:noFill/>
+          <a:ln w="9525">
+            <a:noFill/>
+            <a:miter lim="800000"/>
+            <a:headEnd/>
+            <a:tailEnd/>
+          </a:ln>
         </p:spPr>
       </p:pic>
     </p:spTree>
@@ -8195,7 +8158,11 @@
           <a:p>
             <a:r>
               <a:rPr lang="en-US" dirty="0" smtClean="0"/>
-              <a:t>Options</a:t>
+              <a:t>My o</a:t>
+            </a:r>
+            <a:r>
+              <a:rPr lang="en-US" dirty="0" smtClean="0"/>
+              <a:t>ptions</a:t>
             </a:r>
             <a:endParaRPr lang="en-US" dirty="0"/>
           </a:p>
@@ -8226,11 +8193,7 @@
           <a:p>
             <a:r>
               <a:rPr lang="en-US" dirty="0" smtClean="0"/>
-              <a:t>Try somewhere </a:t>
-            </a:r>
-            <a:r>
-              <a:rPr lang="en-US" dirty="0" smtClean="0"/>
-              <a:t>else.</a:t>
+              <a:t>Try somewhere else.</a:t>
             </a:r>
           </a:p>
           <a:p>
@@ -8248,17 +8211,12 @@
           <a:p>
             <a:r>
               <a:rPr lang="en-US" dirty="0" smtClean="0"/>
-              <a:t>Beg </a:t>
-            </a:r>
-            <a:r>
-              <a:rPr lang="en-US" dirty="0" smtClean="0"/>
-              <a:t>the server to change how they serve the file</a:t>
+              <a:t>Beg the server to change how they serve the file</a:t>
             </a:r>
             <a:r>
               <a:rPr lang="en-US" dirty="0" smtClean="0"/>
               <a:t>.</a:t>
             </a:r>
-            <a:endParaRPr lang="en-US" dirty="0" smtClean="0"/>
           </a:p>
         </p:txBody>
       </p:sp>
@@ -8339,26 +8297,34 @@
           <a:p>
             <a:r>
               <a:rPr lang="en-US" dirty="0" smtClean="0"/>
-              <a:t>Buy </a:t>
-            </a:r>
-            <a:r>
-              <a:rPr lang="en-US" dirty="0" smtClean="0"/>
-              <a:t>more </a:t>
-            </a:r>
-            <a:r>
-              <a:rPr lang="en-US" dirty="0" smtClean="0"/>
-              <a:t>servers/rent a CDN</a:t>
+              <a:t>Buy more servers/rent a </a:t>
+            </a:r>
+            <a:r>
+              <a:rPr lang="en-US" dirty="0" smtClean="0"/>
+              <a:t>CDN</a:t>
+            </a:r>
+          </a:p>
+          <a:p>
+            <a:r>
+              <a:rPr lang="en-US" dirty="0" smtClean="0"/>
+              <a:t>Popular</a:t>
+            </a:r>
+          </a:p>
+          <a:p>
+            <a:r>
+              <a:rPr lang="en-US" dirty="0" smtClean="0"/>
+              <a:t>Flash flood</a:t>
+            </a:r>
+            <a:r>
+              <a:rPr lang="en-US" dirty="0" smtClean="0"/>
+              <a:t>.</a:t>
             </a:r>
             <a:endParaRPr lang="en-US" dirty="0" smtClean="0"/>
           </a:p>
           <a:p>
             <a:r>
               <a:rPr lang="en-US" dirty="0" smtClean="0"/>
-              <a:t>Turn </a:t>
-            </a:r>
-            <a:r>
-              <a:rPr lang="en-US" dirty="0" smtClean="0"/>
-              <a:t>to P2P.</a:t>
+              <a:t>Turn to P2P.</a:t>
             </a:r>
           </a:p>
         </p:txBody>
@@ -8468,11 +8434,7 @@
           <a:p>
             <a:r>
               <a:rPr lang="en-US" dirty="0" smtClean="0"/>
-              <a:t>Host it, </a:t>
-            </a:r>
-            <a:r>
-              <a:rPr lang="en-US" dirty="0" smtClean="0"/>
-              <a:t>create tracker.</a:t>
+              <a:t>Host it, create tracker.</a:t>
             </a:r>
           </a:p>
           <a:p>
@@ -8483,6 +8445,16 @@
             <a:r>
               <a:rPr lang="en-US" dirty="0" smtClean="0"/>
               <a:t>.</a:t>
+            </a:r>
+          </a:p>
+          <a:p>
+            <a:r>
+              <a:rPr lang="en-US" dirty="0" smtClean="0"/>
+              <a:t>Works </a:t>
+            </a:r>
+            <a:r>
+              <a:rPr lang="en-US" smtClean="0"/>
+              <a:t>well sometimes.</a:t>
             </a:r>
             <a:endParaRPr lang="en-US" dirty="0" smtClean="0"/>
           </a:p>

--- a/thesis_presentation/How to Make the Internet Faster.pptx
+++ b/thesis_presentation/How to Make the Internet Faster.pptx
@@ -1065,6 +1065,14 @@
           </a:bodyPr>
           <a:lstStyle/>
           <a:p>
+            <a:r>
+              <a:rPr lang="en-US" dirty="0" smtClean="0"/>
+              <a:t>This is no comparison.  Show once I have a</a:t>
+            </a:r>
+            <a:r>
+              <a:rPr lang="en-US" baseline="0" dirty="0" smtClean="0"/>
+              <a:t> real graph.</a:t>
+            </a:r>
             <a:endParaRPr lang="en-US" dirty="0"/>
           </a:p>
         </p:txBody>
@@ -1147,7 +1155,15 @@
           </a:bodyPr>
           <a:lstStyle/>
           <a:p>
-            <a:endParaRPr lang="en-US"/>
+            <a:r>
+              <a:rPr lang="en-US" dirty="0" smtClean="0"/>
+              <a:t>Say</a:t>
+            </a:r>
+            <a:r>
+              <a:rPr lang="en-US" baseline="0" dirty="0" smtClean="0"/>
+              <a:t> what type of loads we’re going to use (et al).</a:t>
+            </a:r>
+            <a:endParaRPr lang="en-US" dirty="0"/>
           </a:p>
         </p:txBody>
       </p:sp>
@@ -1311,7 +1327,15 @@
           </a:bodyPr>
           <a:lstStyle/>
           <a:p>
-            <a:endParaRPr lang="en-US"/>
+            <a:r>
+              <a:rPr lang="en-US" dirty="0" smtClean="0"/>
+              <a:t>Please another graph here. </a:t>
+            </a:r>
+            <a:r>
+              <a:rPr lang="en-US" smtClean="0"/>
+              <a:t>Please?</a:t>
+            </a:r>
+            <a:endParaRPr lang="en-US" dirty="0"/>
           </a:p>
         </p:txBody>
       </p:sp>
@@ -2322,7 +2346,7 @@
           <a:p>
             <a:r>
               <a:rPr lang="en-US" dirty="0" smtClean="0"/>
-              <a:t>Today's Internet is slow.  It is.</a:t>
+              <a:t>Today's Internet is sometimes slow.  It is.</a:t>
             </a:r>
           </a:p>
           <a:p>
@@ -2355,6 +2379,19 @@
             <a:endParaRPr lang="en-US" dirty="0" smtClean="0"/>
           </a:p>
           <a:p>
+            <a:endParaRPr lang="en-US" dirty="0" smtClean="0"/>
+          </a:p>
+          <a:p>
+            <a:r>
+              <a:rPr lang="en-US" dirty="0" err="1" smtClean="0"/>
+              <a:t>Lodo</a:t>
+            </a:r>
+            <a:r>
+              <a:rPr lang="en-US" dirty="0" smtClean="0"/>
+              <a:t>:</a:t>
+            </a:r>
+          </a:p>
+          <a:p>
             <a:r>
               <a:rPr lang="en-US" dirty="0" smtClean="0"/>
               <a:t>Add</a:t>
@@ -2363,16 +2400,7 @@
               <a:rPr lang="en-US" baseline="0" dirty="0" smtClean="0"/>
               <a:t> a graph of network speed increasing so slowly compared to processors [?]</a:t>
             </a:r>
-          </a:p>
-          <a:p>
             <a:endParaRPr lang="en-US" baseline="0" dirty="0" smtClean="0"/>
-          </a:p>
-          <a:p>
-            <a:r>
-              <a:rPr lang="en-US" baseline="0" dirty="0" smtClean="0"/>
-              <a:t>“exacerbated by the fact that it’s quite possible that one of my co-workers just downloaded this, and if we collaborated, I could have downloaded it much faster.”</a:t>
-            </a:r>
-            <a:endParaRPr lang="en-US" dirty="0" smtClean="0"/>
           </a:p>
         </p:txBody>
       </p:sp>
@@ -2460,13 +2488,8 @@
             </a:r>
             <a:r>
               <a:rPr lang="en-US" baseline="0" dirty="0" smtClean="0"/>
-              <a:t> hard to use because not integrated, also the server might run out of </a:t>
-            </a:r>
-            <a:r>
-              <a:rPr lang="en-US" baseline="0" dirty="0" smtClean="0"/>
-              <a:t>bandwidth.</a:t>
-            </a:r>
-            <a:endParaRPr lang="en-US" baseline="0" dirty="0" smtClean="0"/>
+              <a:t> hard to use because not integrated, also the server might run out of bandwidth.</a:t>
+            </a:r>
           </a:p>
           <a:p>
             <a:endParaRPr lang="en-US" baseline="0" dirty="0" smtClean="0"/>
@@ -2558,6 +2581,34 @@
           </a:bodyPr>
           <a:lstStyle/>
           <a:p>
+            <a:pPr marL="0" marR="0" indent="0" algn="l" defTabSz="914400" rtl="0" eaLnBrk="1" fontAlgn="auto" latinLnBrk="0" hangingPunct="1">
+              <a:lnSpc>
+                <a:spcPct val="100000"/>
+              </a:lnSpc>
+              <a:spcBef>
+                <a:spcPts val="0"/>
+              </a:spcBef>
+              <a:spcAft>
+                <a:spcPts val="0"/>
+              </a:spcAft>
+              <a:buClrTx/>
+              <a:buSzTx/>
+              <a:buFontTx/>
+              <a:buNone/>
+              <a:tabLst/>
+              <a:defRPr/>
+            </a:pPr>
+            <a:r>
+              <a:rPr lang="en-US" baseline="0" dirty="0" smtClean="0"/>
+              <a:t>TODO add CDN </a:t>
+            </a:r>
+            <a:r>
+              <a:rPr lang="en-US" baseline="0" dirty="0" err="1" smtClean="0"/>
+              <a:t>pic</a:t>
+            </a:r>
+            <a:endParaRPr lang="en-US" dirty="0" smtClean="0"/>
+          </a:p>
+          <a:p>
             <a:endParaRPr lang="en-US" dirty="0"/>
           </a:p>
         </p:txBody>
@@ -2655,11 +2706,7 @@
           <a:p>
             <a:r>
               <a:rPr lang="en-US" baseline="0" dirty="0" smtClean="0"/>
-              <a:t>“Melissa style” </a:t>
-            </a:r>
-            <a:r>
-              <a:rPr lang="en-US" baseline="0" dirty="0" smtClean="0"/>
-              <a:t>explanation (you download half, your friend downloads half, you share </a:t>
+              <a:t>“Melissa style” explanation (you download half, your friend downloads half, you share </a:t>
             </a:r>
             <a:r>
               <a:rPr lang="en-US" baseline="0" dirty="0" err="1" smtClean="0"/>
@@ -6143,15 +6190,7 @@
           <a:p>
             <a:r>
               <a:rPr lang="en-US" dirty="0" smtClean="0"/>
-              <a:t>Making </a:t>
-            </a:r>
-            <a:r>
-              <a:rPr lang="en-US" dirty="0" smtClean="0"/>
-              <a:t>Today’s Internet </a:t>
-            </a:r>
-            <a:r>
-              <a:rPr lang="en-US" dirty="0" smtClean="0"/>
-              <a:t>Faster</a:t>
+              <a:t>Making Today’s Internet Faster</a:t>
             </a:r>
             <a:endParaRPr lang="en-US" dirty="0"/>
           </a:p>
@@ -6661,7 +6700,7 @@
 </file>
 
 <file path=ppt/slides/slide15.xml><?xml version="1.0" encoding="utf-8"?>
-<p:sld xmlns:a="http://schemas.openxmlformats.org/drawingml/2006/main" xmlns:r="http://schemas.openxmlformats.org/officeDocument/2006/relationships" xmlns:p="http://schemas.openxmlformats.org/presentationml/2006/main">
+<p:sld xmlns:a="http://schemas.openxmlformats.org/drawingml/2006/main" xmlns:r="http://schemas.openxmlformats.org/officeDocument/2006/relationships" xmlns:p="http://schemas.openxmlformats.org/presentationml/2006/main" show="0">
   <p:cSld>
     <p:spTree>
       <p:nvGrpSpPr>
@@ -6769,6 +6808,7 @@
   <p:clrMapOvr>
     <a:masterClrMapping/>
   </p:clrMapOvr>
+  <p:transition/>
 </p:sld>
 </file>
 
@@ -7025,7 +7065,7 @@
       </p:sp>
       <p:pic>
         <p:nvPicPr>
-          <p:cNvPr id="8194" name="Picture 2"/>
+          <p:cNvPr id="4" name="Picture 3"/>
           <p:cNvPicPr>
             <a:picLocks noChangeAspect="1" noChangeArrowheads="1"/>
           </p:cNvPicPr>
@@ -7040,8 +7080,8 @@
         </p:blipFill>
         <p:spPr bwMode="auto">
           <a:xfrm>
-            <a:off x="457200" y="1600200"/>
-            <a:ext cx="7479155" cy="4410075"/>
+            <a:off x="-9525" y="1852613"/>
+            <a:ext cx="9163050" cy="3152775"/>
           </a:xfrm>
           <a:prstGeom prst="rect">
             <a:avLst/>
@@ -8048,12 +8088,27 @@
             <p:ph idx="1"/>
           </p:nvPr>
         </p:nvSpPr>
-        <p:spPr/>
-        <p:txBody>
-          <a:bodyPr/>
-          <a:lstStyle/>
-          <a:p>
-            <a:endParaRPr lang="en-US"/>
+        <p:spPr>
+          <a:xfrm>
+            <a:off x="457200" y="4038600"/>
+            <a:ext cx="8229600" cy="2087563"/>
+          </a:xfrm>
+        </p:spPr>
+        <p:txBody>
+          <a:bodyPr/>
+          <a:lstStyle/>
+          <a:p>
+            <a:r>
+              <a:rPr lang="en-US" dirty="0" smtClean="0"/>
+              <a:t>Frustration</a:t>
+            </a:r>
+          </a:p>
+          <a:p>
+            <a:r>
+              <a:rPr lang="en-US" dirty="0" smtClean="0"/>
+              <a:t>Wasted bandwidth</a:t>
+            </a:r>
+            <a:endParaRPr lang="en-US" dirty="0"/>
           </a:p>
         </p:txBody>
       </p:sp>
@@ -8158,11 +8213,7 @@
           <a:p>
             <a:r>
               <a:rPr lang="en-US" dirty="0" smtClean="0"/>
-              <a:t>My o</a:t>
-            </a:r>
-            <a:r>
-              <a:rPr lang="en-US" dirty="0" smtClean="0"/>
-              <a:t>ptions</a:t>
+              <a:t>My options</a:t>
             </a:r>
             <a:endParaRPr lang="en-US" dirty="0"/>
           </a:p>
@@ -8211,11 +8262,7 @@
           <a:p>
             <a:r>
               <a:rPr lang="en-US" dirty="0" smtClean="0"/>
-              <a:t>Beg the server to change how they serve the file</a:t>
-            </a:r>
-            <a:r>
-              <a:rPr lang="en-US" dirty="0" smtClean="0"/>
-              <a:t>.</a:t>
+              <a:t>Beg the server to change how they serve the file.</a:t>
             </a:r>
           </a:p>
         </p:txBody>
@@ -8297,11 +8344,7 @@
           <a:p>
             <a:r>
               <a:rPr lang="en-US" dirty="0" smtClean="0"/>
-              <a:t>Buy more servers/rent a </a:t>
-            </a:r>
-            <a:r>
-              <a:rPr lang="en-US" dirty="0" smtClean="0"/>
-              <a:t>CDN</a:t>
+              <a:t>Buy more servers/rent a CDN</a:t>
             </a:r>
           </a:p>
           <a:p>
@@ -8313,13 +8356,8 @@
           <a:p>
             <a:r>
               <a:rPr lang="en-US" dirty="0" smtClean="0"/>
-              <a:t>Flash flood</a:t>
-            </a:r>
-            <a:r>
-              <a:rPr lang="en-US" dirty="0" smtClean="0"/>
-              <a:t>.</a:t>
-            </a:r>
-            <a:endParaRPr lang="en-US" dirty="0" smtClean="0"/>
+              <a:t>Flash flood.</a:t>
+            </a:r>
           </a:p>
           <a:p>
             <a:r>
@@ -8440,11 +8478,7 @@
           <a:p>
             <a:r>
               <a:rPr lang="en-US" dirty="0" smtClean="0"/>
-              <a:t>Peers download and share</a:t>
-            </a:r>
-            <a:r>
-              <a:rPr lang="en-US" dirty="0" smtClean="0"/>
-              <a:t>.</a:t>
+              <a:t>Peers download and share.</a:t>
             </a:r>
           </a:p>
           <a:p>

--- a/thesis_presentation/How to Make the Internet Faster.pptx
+++ b/thesis_presentation/How to Make the Internet Faster.pptx
@@ -5,35 +5,42 @@
     <p:sldMasterId id="2147483648" r:id="rId1"/>
   </p:sldMasterIdLst>
   <p:notesMasterIdLst>
-    <p:notesMasterId r:id="rId28"/>
+    <p:notesMasterId r:id="rId35"/>
   </p:notesMasterIdLst>
   <p:sldIdLst>
     <p:sldId id="256" r:id="rId2"/>
     <p:sldId id="263" r:id="rId3"/>
-    <p:sldId id="257" r:id="rId4"/>
-    <p:sldId id="258" r:id="rId5"/>
-    <p:sldId id="259" r:id="rId6"/>
-    <p:sldId id="260" r:id="rId7"/>
-    <p:sldId id="261" r:id="rId8"/>
-    <p:sldId id="262" r:id="rId9"/>
-    <p:sldId id="265" r:id="rId10"/>
-    <p:sldId id="264" r:id="rId11"/>
-    <p:sldId id="266" r:id="rId12"/>
-    <p:sldId id="267" r:id="rId13"/>
-    <p:sldId id="268" r:id="rId14"/>
-    <p:sldId id="269" r:id="rId15"/>
-    <p:sldId id="281" r:id="rId16"/>
-    <p:sldId id="270" r:id="rId17"/>
-    <p:sldId id="271" r:id="rId18"/>
-    <p:sldId id="272" r:id="rId19"/>
-    <p:sldId id="273" r:id="rId20"/>
-    <p:sldId id="274" r:id="rId21"/>
-    <p:sldId id="275" r:id="rId22"/>
-    <p:sldId id="276" r:id="rId23"/>
-    <p:sldId id="277" r:id="rId24"/>
-    <p:sldId id="278" r:id="rId25"/>
-    <p:sldId id="279" r:id="rId26"/>
-    <p:sldId id="280" r:id="rId27"/>
+    <p:sldId id="284" r:id="rId4"/>
+    <p:sldId id="257" r:id="rId5"/>
+    <p:sldId id="258" r:id="rId6"/>
+    <p:sldId id="259" r:id="rId7"/>
+    <p:sldId id="260" r:id="rId8"/>
+    <p:sldId id="282" r:id="rId9"/>
+    <p:sldId id="261" r:id="rId10"/>
+    <p:sldId id="283" r:id="rId11"/>
+    <p:sldId id="287" r:id="rId12"/>
+    <p:sldId id="262" r:id="rId13"/>
+    <p:sldId id="288" r:id="rId14"/>
+    <p:sldId id="265" r:id="rId15"/>
+    <p:sldId id="266" r:id="rId16"/>
+    <p:sldId id="267" r:id="rId17"/>
+    <p:sldId id="286" r:id="rId18"/>
+    <p:sldId id="285" r:id="rId19"/>
+    <p:sldId id="268" r:id="rId20"/>
+    <p:sldId id="269" r:id="rId21"/>
+    <p:sldId id="281" r:id="rId22"/>
+    <p:sldId id="270" r:id="rId23"/>
+    <p:sldId id="271" r:id="rId24"/>
+    <p:sldId id="272" r:id="rId25"/>
+    <p:sldId id="273" r:id="rId26"/>
+    <p:sldId id="274" r:id="rId27"/>
+    <p:sldId id="275" r:id="rId28"/>
+    <p:sldId id="276" r:id="rId29"/>
+    <p:sldId id="277" r:id="rId30"/>
+    <p:sldId id="278" r:id="rId31"/>
+    <p:sldId id="279" r:id="rId32"/>
+    <p:sldId id="289" r:id="rId33"/>
+    <p:sldId id="280" r:id="rId34"/>
   </p:sldIdLst>
   <p:sldSz cx="9144000" cy="6858000" type="screen4x3"/>
   <p:notesSz cx="6858000" cy="9144000"/>
@@ -530,6 +537,22 @@
           </a:bodyPr>
           <a:lstStyle/>
           <a:p>
+            <a:r>
+              <a:rPr lang="en-US" dirty="0" smtClean="0"/>
+              <a:t>Making P2P more adoptable.</a:t>
+            </a:r>
+          </a:p>
+          <a:p>
+            <a:r>
+              <a:rPr lang="en-US" dirty="0" smtClean="0"/>
+              <a:t>More usable.</a:t>
+            </a:r>
+          </a:p>
+          <a:p>
+            <a:r>
+              <a:rPr lang="en-US" dirty="0" smtClean="0"/>
+              <a:t>Useful in more situations.</a:t>
+            </a:r>
             <a:endParaRPr lang="en-US" dirty="0"/>
           </a:p>
         </p:txBody>
@@ -612,42 +635,10 @@
           </a:bodyPr>
           <a:lstStyle/>
           <a:p>
-            <a:endParaRPr lang="en-US" baseline="0" dirty="0" smtClean="0"/>
-          </a:p>
-          <a:p>
-            <a:r>
-              <a:rPr lang="en-US" dirty="0" smtClean="0"/>
-              <a:t>" [cross each one out in turn] -- ours is a purely client-side modification, so servers don’t have to be</a:t>
-            </a:r>
-            <a:r>
-              <a:rPr lang="en-US" baseline="0" dirty="0" smtClean="0"/>
-              <a:t> set up with extra configuration</a:t>
-            </a:r>
             <a:endParaRPr lang="en-US" dirty="0" smtClean="0"/>
           </a:p>
           <a:p>
-            <a:r>
-              <a:rPr lang="en-US" dirty="0" smtClean="0"/>
-              <a:t>To participate, nor even opt-in ... [3]</a:t>
-            </a:r>
-          </a:p>
-          <a:p>
-            <a:endParaRPr lang="en-US" dirty="0" smtClean="0"/>
-          </a:p>
-          <a:p>
-            <a:r>
-              <a:rPr lang="en-US" dirty="0" smtClean="0"/>
-              <a:t>Ours provides an automatic transition to P2P, so even with small files it can switch automatically, which makes it  more user-friendly [no manual intervention required] [2].</a:t>
-            </a:r>
-          </a:p>
-          <a:p>
-            <a:endParaRPr lang="en-US" dirty="0" smtClean="0"/>
-          </a:p>
-          <a:p>
-            <a:r>
-              <a:rPr lang="en-US" dirty="0" smtClean="0"/>
-              <a:t>Ours uses standard client-server until this is deemed slow, so it "knows" when P2P will be faster, thus alleviating the user from having to choose whether to ignore it or not [1].</a:t>
-            </a:r>
+            <a:endParaRPr lang="en-US" dirty="0"/>
           </a:p>
         </p:txBody>
       </p:sp>
@@ -669,7 +660,7 @@
             <a:fld id="{CFD85767-B34F-4122-8642-982296400DCD}" type="slidenum">
               <a:rPr lang="en-US" smtClean="0"/>
               <a:pPr/>
-              <a:t>10</a:t>
+              <a:t>12</a:t>
             </a:fld>
             <a:endParaRPr lang="en-US"/>
           </a:p>
@@ -729,9 +720,48 @@
           </a:bodyPr>
           <a:lstStyle/>
           <a:p>
-            <a:r>
-              <a:rPr lang="en-US" dirty="0" smtClean="0"/>
-              <a:t>TODO ADD W TO THIS</a:t>
+            <a:pPr marL="0" marR="0" indent="0" algn="l" defTabSz="914400" rtl="0" eaLnBrk="1" fontAlgn="auto" latinLnBrk="0" hangingPunct="1">
+              <a:lnSpc>
+                <a:spcPct val="100000"/>
+              </a:lnSpc>
+              <a:spcBef>
+                <a:spcPts val="0"/>
+              </a:spcBef>
+              <a:spcAft>
+                <a:spcPts val="0"/>
+              </a:spcAft>
+              <a:buClrTx/>
+              <a:buSzTx/>
+              <a:buFontTx/>
+              <a:buNone/>
+              <a:tabLst/>
+              <a:defRPr/>
+            </a:pPr>
+            <a:r>
+              <a:rPr lang="en-US" baseline="0" dirty="0" smtClean="0"/>
+              <a:t>Automatic Swarming, which aims to alleviate these problems.</a:t>
+            </a:r>
+          </a:p>
+          <a:p>
+            <a:endParaRPr lang="en-US" dirty="0" smtClean="0"/>
+          </a:p>
+          <a:p>
+            <a:r>
+              <a:rPr lang="en-US" dirty="0" smtClean="0"/>
+              <a:t>All areas where BT falls short.</a:t>
+            </a:r>
+          </a:p>
+          <a:p>
+            <a:endParaRPr lang="en-US" dirty="0" smtClean="0"/>
+          </a:p>
+          <a:p>
+            <a:r>
+              <a:rPr lang="en-US" dirty="0" smtClean="0"/>
+              <a:t>Also: only go to P2P when necessary</a:t>
+            </a:r>
+            <a:r>
+              <a:rPr lang="en-US" baseline="0" dirty="0" smtClean="0"/>
+              <a:t> (try to be as fast as normal download).</a:t>
             </a:r>
             <a:endParaRPr lang="en-US" dirty="0"/>
           </a:p>
@@ -755,7 +785,7 @@
             <a:fld id="{CFD85767-B34F-4122-8642-982296400DCD}" type="slidenum">
               <a:rPr lang="en-US" smtClean="0"/>
               <a:pPr/>
-              <a:t>11</a:t>
+              <a:t>13</a:t>
             </a:fld>
             <a:endParaRPr lang="en-US"/>
           </a:p>
@@ -815,11 +845,7 @@
           </a:bodyPr>
           <a:lstStyle/>
           <a:p>
-            <a:r>
-              <a:rPr lang="en-US" dirty="0" smtClean="0"/>
-              <a:t>No more depth needed, uh guess.</a:t>
-            </a:r>
-            <a:endParaRPr lang="en-US" dirty="0"/>
+            <a:endParaRPr lang="en-US" dirty="0" smtClean="0"/>
           </a:p>
         </p:txBody>
       </p:sp>
@@ -841,7 +867,7 @@
             <a:fld id="{CFD85767-B34F-4122-8642-982296400DCD}" type="slidenum">
               <a:rPr lang="en-US" smtClean="0"/>
               <a:pPr/>
-              <a:t>12</a:t>
+              <a:t>14</a:t>
             </a:fld>
             <a:endParaRPr lang="en-US"/>
           </a:p>
@@ -901,7 +927,7 @@
           </a:bodyPr>
           <a:lstStyle/>
           <a:p>
-            <a:endParaRPr lang="en-US"/>
+            <a:endParaRPr lang="en-US" dirty="0"/>
           </a:p>
         </p:txBody>
       </p:sp>
@@ -923,7 +949,7 @@
             <a:fld id="{CFD85767-B34F-4122-8642-982296400DCD}" type="slidenum">
               <a:rPr lang="en-US" smtClean="0"/>
               <a:pPr/>
-              <a:t>13</a:t>
+              <a:t>15</a:t>
             </a:fld>
             <a:endParaRPr lang="en-US"/>
           </a:p>
@@ -983,7 +1009,11 @@
           </a:bodyPr>
           <a:lstStyle/>
           <a:p>
-            <a:endParaRPr lang="en-US"/>
+            <a:r>
+              <a:rPr lang="en-US" dirty="0" smtClean="0"/>
+              <a:t>No more depth needed, uh guess.</a:t>
+            </a:r>
+            <a:endParaRPr lang="en-US" dirty="0"/>
           </a:p>
         </p:txBody>
       </p:sp>
@@ -1005,7 +1035,7 @@
             <a:fld id="{CFD85767-B34F-4122-8642-982296400DCD}" type="slidenum">
               <a:rPr lang="en-US" smtClean="0"/>
               <a:pPr/>
-              <a:t>14</a:t>
+              <a:t>16</a:t>
             </a:fld>
             <a:endParaRPr lang="en-US"/>
           </a:p>
@@ -1067,11 +1097,15 @@
           <a:p>
             <a:r>
               <a:rPr lang="en-US" dirty="0" smtClean="0"/>
-              <a:t>This is no comparison.  Show once I have a</a:t>
-            </a:r>
-            <a:r>
-              <a:rPr lang="en-US" baseline="0" dirty="0" smtClean="0"/>
-              <a:t> real graph.</a:t>
+              <a:t>Add </a:t>
+            </a:r>
+            <a:r>
+              <a:rPr lang="en-US" dirty="0" err="1" smtClean="0"/>
+              <a:t>descr</a:t>
+            </a:r>
+            <a:r>
+              <a:rPr lang="en-US" dirty="0" smtClean="0"/>
+              <a:t>. picture here?</a:t>
             </a:r>
             <a:endParaRPr lang="en-US" dirty="0"/>
           </a:p>
@@ -1095,7 +1129,7 @@
             <a:fld id="{CFD85767-B34F-4122-8642-982296400DCD}" type="slidenum">
               <a:rPr lang="en-US" smtClean="0"/>
               <a:pPr/>
-              <a:t>15</a:t>
+              <a:t>17</a:t>
             </a:fld>
             <a:endParaRPr lang="en-US"/>
           </a:p>
@@ -1155,15 +1189,7 @@
           </a:bodyPr>
           <a:lstStyle/>
           <a:p>
-            <a:r>
-              <a:rPr lang="en-US" dirty="0" smtClean="0"/>
-              <a:t>Say</a:t>
-            </a:r>
-            <a:r>
-              <a:rPr lang="en-US" baseline="0" dirty="0" smtClean="0"/>
-              <a:t> what type of loads we’re going to use (et al).</a:t>
-            </a:r>
-            <a:endParaRPr lang="en-US" dirty="0"/>
+            <a:endParaRPr lang="en-US"/>
           </a:p>
         </p:txBody>
       </p:sp>
@@ -1185,7 +1211,7 @@
             <a:fld id="{CFD85767-B34F-4122-8642-982296400DCD}" type="slidenum">
               <a:rPr lang="en-US" smtClean="0"/>
               <a:pPr/>
-              <a:t>16</a:t>
+              <a:t>19</a:t>
             </a:fld>
             <a:endParaRPr lang="en-US"/>
           </a:p>
@@ -1267,7 +1293,7 @@
             <a:fld id="{CFD85767-B34F-4122-8642-982296400DCD}" type="slidenum">
               <a:rPr lang="en-US" smtClean="0"/>
               <a:pPr/>
-              <a:t>17</a:t>
+              <a:t>20</a:t>
             </a:fld>
             <a:endParaRPr lang="en-US"/>
           </a:p>
@@ -1329,11 +1355,11 @@
           <a:p>
             <a:r>
               <a:rPr lang="en-US" dirty="0" smtClean="0"/>
-              <a:t>Please another graph here. </a:t>
-            </a:r>
-            <a:r>
-              <a:rPr lang="en-US" smtClean="0"/>
-              <a:t>Please?</a:t>
+              <a:t>This is no comparison.  Show once I have a</a:t>
+            </a:r>
+            <a:r>
+              <a:rPr lang="en-US" baseline="0" dirty="0" smtClean="0"/>
+              <a:t> real graph.</a:t>
             </a:r>
             <a:endParaRPr lang="en-US" dirty="0"/>
           </a:p>
@@ -1357,7 +1383,7 @@
             <a:fld id="{CFD85767-B34F-4122-8642-982296400DCD}" type="slidenum">
               <a:rPr lang="en-US" smtClean="0"/>
               <a:pPr/>
-              <a:t>18</a:t>
+              <a:t>21</a:t>
             </a:fld>
             <a:endParaRPr lang="en-US"/>
           </a:p>
@@ -1419,11 +1445,11 @@
           <a:p>
             <a:r>
               <a:rPr lang="en-US" dirty="0" smtClean="0"/>
-              <a:t>Not much change, really.  Because it</a:t>
+              <a:t>Say</a:t>
             </a:r>
             <a:r>
               <a:rPr lang="en-US" baseline="0" dirty="0" smtClean="0"/>
-              <a:t> only affected at most the first few,  because after that the server became saturated and T would always fire first.</a:t>
+              <a:t> what type of loads we’re going to use (et al).</a:t>
             </a:r>
             <a:endParaRPr lang="en-US" dirty="0"/>
           </a:p>
@@ -1447,7 +1473,7 @@
             <a:fld id="{CFD85767-B34F-4122-8642-982296400DCD}" type="slidenum">
               <a:rPr lang="en-US" smtClean="0"/>
               <a:pPr/>
-              <a:t>19</a:t>
+              <a:t>22</a:t>
             </a:fld>
             <a:endParaRPr lang="en-US"/>
           </a:p>
@@ -1606,15 +1632,7 @@
           </a:bodyPr>
           <a:lstStyle/>
           <a:p>
-            <a:r>
-              <a:rPr lang="en-US" dirty="0" smtClean="0"/>
-              <a:t>Note that our linger time was 20</a:t>
-            </a:r>
-            <a:r>
-              <a:rPr lang="en-US" baseline="0" dirty="0" smtClean="0"/>
-              <a:t> seconds, so the DHT was becoming less effective under higher load.</a:t>
-            </a:r>
-            <a:endParaRPr lang="en-US" dirty="0"/>
+            <a:endParaRPr lang="en-US"/>
           </a:p>
         </p:txBody>
       </p:sp>
@@ -1636,7 +1654,7 @@
             <a:fld id="{CFD85767-B34F-4122-8642-982296400DCD}" type="slidenum">
               <a:rPr lang="en-US" smtClean="0"/>
               <a:pPr/>
-              <a:t>20</a:t>
+              <a:t>23</a:t>
             </a:fld>
             <a:endParaRPr lang="en-US"/>
           </a:p>
@@ -1696,7 +1714,15 @@
           </a:bodyPr>
           <a:lstStyle/>
           <a:p>
-            <a:endParaRPr lang="en-US"/>
+            <a:r>
+              <a:rPr lang="en-US" dirty="0" smtClean="0"/>
+              <a:t>Please another graph here. </a:t>
+            </a:r>
+            <a:r>
+              <a:rPr lang="en-US" smtClean="0"/>
+              <a:t>Please?</a:t>
+            </a:r>
+            <a:endParaRPr lang="en-US" dirty="0"/>
           </a:p>
         </p:txBody>
       </p:sp>
@@ -1718,7 +1744,7 @@
             <a:fld id="{CFD85767-B34F-4122-8642-982296400DCD}" type="slidenum">
               <a:rPr lang="en-US" smtClean="0"/>
               <a:pPr/>
-              <a:t>21</a:t>
+              <a:t>24</a:t>
             </a:fld>
             <a:endParaRPr lang="en-US"/>
           </a:p>
@@ -1780,11 +1806,11 @@
           <a:p>
             <a:r>
               <a:rPr lang="en-US" dirty="0" smtClean="0"/>
-              <a:t>Fastest</a:t>
+              <a:t>Not much change, really.  Because it</a:t>
             </a:r>
             <a:r>
               <a:rPr lang="en-US" baseline="0" dirty="0" smtClean="0"/>
-              <a:t> was 32 KB, presumably because I download from the last few peers in parallel, so this fits best.</a:t>
+              <a:t> only affected at most the first few,  because after that the server became saturated and T would always fire first.</a:t>
             </a:r>
             <a:endParaRPr lang="en-US" dirty="0"/>
           </a:p>
@@ -1808,7 +1834,7 @@
             <a:fld id="{CFD85767-B34F-4122-8642-982296400DCD}" type="slidenum">
               <a:rPr lang="en-US" smtClean="0"/>
               <a:pPr/>
-              <a:t>22</a:t>
+              <a:t>25</a:t>
             </a:fld>
             <a:endParaRPr lang="en-US"/>
           </a:p>
@@ -1868,7 +1894,15 @@
           </a:bodyPr>
           <a:lstStyle/>
           <a:p>
-            <a:endParaRPr lang="en-US"/>
+            <a:r>
+              <a:rPr lang="en-US" dirty="0" smtClean="0"/>
+              <a:t>Note that our linger time was 20</a:t>
+            </a:r>
+            <a:r>
+              <a:rPr lang="en-US" baseline="0" dirty="0" smtClean="0"/>
+              <a:t> seconds, so the DHT was becoming less effective under higher load.</a:t>
+            </a:r>
+            <a:endParaRPr lang="en-US" dirty="0"/>
           </a:p>
         </p:txBody>
       </p:sp>
@@ -1890,7 +1924,7 @@
             <a:fld id="{CFD85767-B34F-4122-8642-982296400DCD}" type="slidenum">
               <a:rPr lang="en-US" smtClean="0"/>
               <a:pPr/>
-              <a:t>23</a:t>
+              <a:t>26</a:t>
             </a:fld>
             <a:endParaRPr lang="en-US"/>
           </a:p>
@@ -1950,32 +1984,7 @@
           </a:bodyPr>
           <a:lstStyle/>
           <a:p>
-            <a:r>
-              <a:rPr lang="en-US" dirty="0" smtClean="0"/>
-              <a:t>“Ours doesn’t perform</a:t>
-            </a:r>
-            <a:r>
-              <a:rPr lang="en-US" baseline="0" dirty="0" smtClean="0"/>
-              <a:t> as </a:t>
-            </a:r>
-            <a:r>
-              <a:rPr lang="en-US" dirty="0" smtClean="0"/>
-              <a:t>well as BT for</a:t>
-            </a:r>
-            <a:r>
-              <a:rPr lang="en-US" baseline="0" dirty="0" smtClean="0"/>
-              <a:t> large files.”</a:t>
-            </a:r>
-          </a:p>
-          <a:p>
-            <a:endParaRPr lang="en-US" baseline="0" dirty="0" smtClean="0"/>
-          </a:p>
-          <a:p>
-            <a:r>
-              <a:rPr lang="en-US" baseline="0" dirty="0" smtClean="0"/>
-              <a:t>You can see that at about 730 to 882 seconds most of our peers finish the file, and most of the peers download it from peers, so once we get the file out there we work all right, but we could do some work still to increase our speed of propagating the blocks.”</a:t>
-            </a:r>
-            <a:endParaRPr lang="en-US" dirty="0"/>
+            <a:endParaRPr lang="en-US"/>
           </a:p>
         </p:txBody>
       </p:sp>
@@ -1997,7 +2006,7 @@
             <a:fld id="{CFD85767-B34F-4122-8642-982296400DCD}" type="slidenum">
               <a:rPr lang="en-US" smtClean="0"/>
               <a:pPr/>
-              <a:t>24</a:t>
+              <a:t>27</a:t>
             </a:fld>
             <a:endParaRPr lang="en-US"/>
           </a:p>
@@ -2059,44 +2068,11 @@
           <a:p>
             <a:r>
               <a:rPr lang="en-US" dirty="0" smtClean="0"/>
-              <a:t>"real" use is probably currently [who knows for sure] "most useful in the wild" for larger static files, still.  </a:t>
-            </a:r>
-          </a:p>
-          <a:p>
-            <a:endParaRPr lang="en-US" dirty="0" smtClean="0"/>
-          </a:p>
-          <a:p>
-            <a:r>
-              <a:rPr lang="en-US" dirty="0" smtClean="0"/>
-              <a:t>Kind of an auto-</a:t>
-            </a:r>
-            <a:r>
-              <a:rPr lang="en-US" dirty="0" err="1" smtClean="0"/>
-              <a:t>BitTorrent</a:t>
-            </a:r>
-            <a:r>
-              <a:rPr lang="en-US" dirty="0" smtClean="0"/>
-              <a:t> for all files on the Internet, though we have shown it can work well for small files, too,</a:t>
+              <a:t>Fastest</a:t>
             </a:r>
             <a:r>
               <a:rPr lang="en-US" baseline="0" dirty="0" smtClean="0"/>
-              <a:t> so something like this could become</a:t>
-            </a:r>
-          </a:p>
-          <a:p>
-            <a:r>
-              <a:rPr lang="en-US" baseline="0" dirty="0" smtClean="0"/>
-              <a:t>A real contribution to browsing the Internet.</a:t>
-            </a:r>
-            <a:endParaRPr lang="en-US" dirty="0" smtClean="0"/>
-          </a:p>
-          <a:p>
-            <a:endParaRPr lang="en-US" dirty="0" smtClean="0"/>
-          </a:p>
-          <a:p>
-            <a:r>
-              <a:rPr lang="en-US" dirty="0" smtClean="0"/>
-              <a:t>Demo?</a:t>
+              <a:t> was 32 KB, presumably because I download from the last few peers in parallel, so this fits best.</a:t>
             </a:r>
             <a:endParaRPr lang="en-US" dirty="0"/>
           </a:p>
@@ -2120,7 +2096,7 @@
             <a:fld id="{CFD85767-B34F-4122-8642-982296400DCD}" type="slidenum">
               <a:rPr lang="en-US" smtClean="0"/>
               <a:pPr/>
-              <a:t>25</a:t>
+              <a:t>28</a:t>
             </a:fld>
             <a:endParaRPr lang="en-US"/>
           </a:p>
@@ -2180,6 +2156,113 @@
           </a:bodyPr>
           <a:lstStyle/>
           <a:p>
+            <a:endParaRPr lang="en-US"/>
+          </a:p>
+        </p:txBody>
+      </p:sp>
+      <p:sp>
+        <p:nvSpPr>
+          <p:cNvPr id="4" name="Slide Number Placeholder 3"/>
+          <p:cNvSpPr>
+            <a:spLocks noGrp="1"/>
+          </p:cNvSpPr>
+          <p:nvPr>
+            <p:ph type="sldNum" sz="quarter" idx="10"/>
+          </p:nvPr>
+        </p:nvSpPr>
+        <p:spPr/>
+        <p:txBody>
+          <a:bodyPr/>
+          <a:lstStyle/>
+          <a:p>
+            <a:fld id="{CFD85767-B34F-4122-8642-982296400DCD}" type="slidenum">
+              <a:rPr lang="en-US" smtClean="0"/>
+              <a:pPr/>
+              <a:t>29</a:t>
+            </a:fld>
+            <a:endParaRPr lang="en-US"/>
+          </a:p>
+        </p:txBody>
+      </p:sp>
+    </p:spTree>
+  </p:cSld>
+  <p:clrMapOvr>
+    <a:masterClrMapping/>
+  </p:clrMapOvr>
+</p:notes>
+</file>
+
+<file path=ppt/notesSlides/notesSlide27.xml><?xml version="1.0" encoding="utf-8"?>
+<p:notes xmlns:a="http://schemas.openxmlformats.org/drawingml/2006/main" xmlns:r="http://schemas.openxmlformats.org/officeDocument/2006/relationships" xmlns:p="http://schemas.openxmlformats.org/presentationml/2006/main">
+  <p:cSld>
+    <p:spTree>
+      <p:nvGrpSpPr>
+        <p:cNvPr id="1" name=""/>
+        <p:cNvGrpSpPr/>
+        <p:nvPr/>
+      </p:nvGrpSpPr>
+      <p:grpSpPr>
+        <a:xfrm>
+          <a:off x="0" y="0"/>
+          <a:ext cx="0" cy="0"/>
+          <a:chOff x="0" y="0"/>
+          <a:chExt cx="0" cy="0"/>
+        </a:xfrm>
+      </p:grpSpPr>
+      <p:sp>
+        <p:nvSpPr>
+          <p:cNvPr id="2" name="Slide Image Placeholder 1"/>
+          <p:cNvSpPr>
+            <a:spLocks noGrp="1" noRot="1" noChangeAspect="1"/>
+          </p:cNvSpPr>
+          <p:nvPr>
+            <p:ph type="sldImg"/>
+          </p:nvPr>
+        </p:nvSpPr>
+        <p:spPr/>
+      </p:sp>
+      <p:sp>
+        <p:nvSpPr>
+          <p:cNvPr id="3" name="Notes Placeholder 2"/>
+          <p:cNvSpPr>
+            <a:spLocks noGrp="1"/>
+          </p:cNvSpPr>
+          <p:nvPr>
+            <p:ph type="body" idx="1"/>
+          </p:nvPr>
+        </p:nvSpPr>
+        <p:spPr/>
+        <p:txBody>
+          <a:bodyPr>
+            <a:normAutofit/>
+          </a:bodyPr>
+          <a:lstStyle/>
+          <a:p>
+            <a:r>
+              <a:rPr lang="en-US" dirty="0" smtClean="0"/>
+              <a:t>“Ours doesn’t perform</a:t>
+            </a:r>
+            <a:r>
+              <a:rPr lang="en-US" baseline="0" dirty="0" smtClean="0"/>
+              <a:t> as </a:t>
+            </a:r>
+            <a:r>
+              <a:rPr lang="en-US" dirty="0" smtClean="0"/>
+              <a:t>well as BT for</a:t>
+            </a:r>
+            <a:r>
+              <a:rPr lang="en-US" baseline="0" dirty="0" smtClean="0"/>
+              <a:t> large files.”</a:t>
+            </a:r>
+          </a:p>
+          <a:p>
+            <a:endParaRPr lang="en-US" baseline="0" dirty="0" smtClean="0"/>
+          </a:p>
+          <a:p>
+            <a:r>
+              <a:rPr lang="en-US" baseline="0" dirty="0" smtClean="0"/>
+              <a:t>You can see that at about 730 to 882 seconds most of our peers finish the file, and most of the peers download it from peers, so once we get the file out there we work all right, but we could do some work still to increase our speed of propagating the blocks.”</a:t>
+            </a:r>
             <a:endParaRPr lang="en-US" dirty="0"/>
           </a:p>
         </p:txBody>
@@ -2202,7 +2285,247 @@
             <a:fld id="{CFD85767-B34F-4122-8642-982296400DCD}" type="slidenum">
               <a:rPr lang="en-US" smtClean="0"/>
               <a:pPr/>
-              <a:t>26</a:t>
+              <a:t>30</a:t>
+            </a:fld>
+            <a:endParaRPr lang="en-US"/>
+          </a:p>
+        </p:txBody>
+      </p:sp>
+    </p:spTree>
+  </p:cSld>
+  <p:clrMapOvr>
+    <a:masterClrMapping/>
+  </p:clrMapOvr>
+</p:notes>
+</file>
+
+<file path=ppt/notesSlides/notesSlide28.xml><?xml version="1.0" encoding="utf-8"?>
+<p:notes xmlns:a="http://schemas.openxmlformats.org/drawingml/2006/main" xmlns:r="http://schemas.openxmlformats.org/officeDocument/2006/relationships" xmlns:p="http://schemas.openxmlformats.org/presentationml/2006/main">
+  <p:cSld>
+    <p:spTree>
+      <p:nvGrpSpPr>
+        <p:cNvPr id="1" name=""/>
+        <p:cNvGrpSpPr/>
+        <p:nvPr/>
+      </p:nvGrpSpPr>
+      <p:grpSpPr>
+        <a:xfrm>
+          <a:off x="0" y="0"/>
+          <a:ext cx="0" cy="0"/>
+          <a:chOff x="0" y="0"/>
+          <a:chExt cx="0" cy="0"/>
+        </a:xfrm>
+      </p:grpSpPr>
+      <p:sp>
+        <p:nvSpPr>
+          <p:cNvPr id="2" name="Slide Image Placeholder 1"/>
+          <p:cNvSpPr>
+            <a:spLocks noGrp="1" noRot="1" noChangeAspect="1"/>
+          </p:cNvSpPr>
+          <p:nvPr>
+            <p:ph type="sldImg"/>
+          </p:nvPr>
+        </p:nvSpPr>
+        <p:spPr/>
+      </p:sp>
+      <p:sp>
+        <p:nvSpPr>
+          <p:cNvPr id="3" name="Notes Placeholder 2"/>
+          <p:cNvSpPr>
+            <a:spLocks noGrp="1"/>
+          </p:cNvSpPr>
+          <p:nvPr>
+            <p:ph type="body" idx="1"/>
+          </p:nvPr>
+        </p:nvSpPr>
+        <p:spPr/>
+        <p:txBody>
+          <a:bodyPr>
+            <a:normAutofit/>
+          </a:bodyPr>
+          <a:lstStyle/>
+          <a:p>
+            <a:r>
+              <a:rPr lang="en-US" dirty="0" smtClean="0"/>
+              <a:t>"real" use is probably currently [who knows for sure] "most useful in the wild" for larger static files, still.  </a:t>
+            </a:r>
+          </a:p>
+          <a:p>
+            <a:endParaRPr lang="en-US" dirty="0" smtClean="0"/>
+          </a:p>
+          <a:p>
+            <a:r>
+              <a:rPr lang="en-US" dirty="0" smtClean="0"/>
+              <a:t>Kind of an auto-</a:t>
+            </a:r>
+            <a:r>
+              <a:rPr lang="en-US" dirty="0" err="1" smtClean="0"/>
+              <a:t>BitTorrent</a:t>
+            </a:r>
+            <a:r>
+              <a:rPr lang="en-US" dirty="0" smtClean="0"/>
+              <a:t> for all files on the Internet, though we have shown it can work well for small files, too,</a:t>
+            </a:r>
+            <a:r>
+              <a:rPr lang="en-US" baseline="0" dirty="0" smtClean="0"/>
+              <a:t> so something like this could become</a:t>
+            </a:r>
+          </a:p>
+          <a:p>
+            <a:r>
+              <a:rPr lang="en-US" baseline="0" dirty="0" smtClean="0"/>
+              <a:t>A real contribution to browsing the Internet.</a:t>
+            </a:r>
+            <a:endParaRPr lang="en-US" dirty="0" smtClean="0"/>
+          </a:p>
+          <a:p>
+            <a:endParaRPr lang="en-US" dirty="0" smtClean="0"/>
+          </a:p>
+          <a:p>
+            <a:r>
+              <a:rPr lang="en-US" dirty="0" smtClean="0"/>
+              <a:t>Demo?</a:t>
+            </a:r>
+            <a:endParaRPr lang="en-US" dirty="0"/>
+          </a:p>
+        </p:txBody>
+      </p:sp>
+      <p:sp>
+        <p:nvSpPr>
+          <p:cNvPr id="4" name="Slide Number Placeholder 3"/>
+          <p:cNvSpPr>
+            <a:spLocks noGrp="1"/>
+          </p:cNvSpPr>
+          <p:nvPr>
+            <p:ph type="sldNum" sz="quarter" idx="10"/>
+          </p:nvPr>
+        </p:nvSpPr>
+        <p:spPr/>
+        <p:txBody>
+          <a:bodyPr/>
+          <a:lstStyle/>
+          <a:p>
+            <a:fld id="{CFD85767-B34F-4122-8642-982296400DCD}" type="slidenum">
+              <a:rPr lang="en-US" smtClean="0"/>
+              <a:pPr/>
+              <a:t>31</a:t>
+            </a:fld>
+            <a:endParaRPr lang="en-US"/>
+          </a:p>
+        </p:txBody>
+      </p:sp>
+    </p:spTree>
+  </p:cSld>
+  <p:clrMapOvr>
+    <a:masterClrMapping/>
+  </p:clrMapOvr>
+</p:notes>
+</file>
+
+<file path=ppt/notesSlides/notesSlide29.xml><?xml version="1.0" encoding="utf-8"?>
+<p:notes xmlns:a="http://schemas.openxmlformats.org/drawingml/2006/main" xmlns:r="http://schemas.openxmlformats.org/officeDocument/2006/relationships" xmlns:p="http://schemas.openxmlformats.org/presentationml/2006/main">
+  <p:cSld>
+    <p:spTree>
+      <p:nvGrpSpPr>
+        <p:cNvPr id="1" name=""/>
+        <p:cNvGrpSpPr/>
+        <p:nvPr/>
+      </p:nvGrpSpPr>
+      <p:grpSpPr>
+        <a:xfrm>
+          <a:off x="0" y="0"/>
+          <a:ext cx="0" cy="0"/>
+          <a:chOff x="0" y="0"/>
+          <a:chExt cx="0" cy="0"/>
+        </a:xfrm>
+      </p:grpSpPr>
+      <p:sp>
+        <p:nvSpPr>
+          <p:cNvPr id="2" name="Slide Image Placeholder 1"/>
+          <p:cNvSpPr>
+            <a:spLocks noGrp="1" noRot="1" noChangeAspect="1"/>
+          </p:cNvSpPr>
+          <p:nvPr>
+            <p:ph type="sldImg"/>
+          </p:nvPr>
+        </p:nvSpPr>
+        <p:spPr/>
+      </p:sp>
+      <p:sp>
+        <p:nvSpPr>
+          <p:cNvPr id="3" name="Notes Placeholder 2"/>
+          <p:cNvSpPr>
+            <a:spLocks noGrp="1"/>
+          </p:cNvSpPr>
+          <p:nvPr>
+            <p:ph type="body" idx="1"/>
+          </p:nvPr>
+        </p:nvSpPr>
+        <p:spPr/>
+        <p:txBody>
+          <a:bodyPr>
+            <a:normAutofit/>
+          </a:bodyPr>
+          <a:lstStyle/>
+          <a:p>
+            <a:endParaRPr lang="en-US" baseline="0" dirty="0" smtClean="0"/>
+          </a:p>
+          <a:p>
+            <a:r>
+              <a:rPr lang="en-US" dirty="0" smtClean="0"/>
+              <a:t>" [cross each one out in turn] -- ours is a purely client-side modification, so servers don’t have to be</a:t>
+            </a:r>
+            <a:r>
+              <a:rPr lang="en-US" baseline="0" dirty="0" smtClean="0"/>
+              <a:t> set up with extra configuration</a:t>
+            </a:r>
+            <a:endParaRPr lang="en-US" dirty="0" smtClean="0"/>
+          </a:p>
+          <a:p>
+            <a:r>
+              <a:rPr lang="en-US" dirty="0" smtClean="0"/>
+              <a:t>To participate, nor even opt-in ... [3]</a:t>
+            </a:r>
+          </a:p>
+          <a:p>
+            <a:endParaRPr lang="en-US" dirty="0" smtClean="0"/>
+          </a:p>
+          <a:p>
+            <a:r>
+              <a:rPr lang="en-US" dirty="0" smtClean="0"/>
+              <a:t>Ours provides an automatic transition to P2P, so even with small files it can switch automatically, which makes it  more user-friendly [no manual intervention required] [2].</a:t>
+            </a:r>
+          </a:p>
+          <a:p>
+            <a:endParaRPr lang="en-US" dirty="0" smtClean="0"/>
+          </a:p>
+          <a:p>
+            <a:r>
+              <a:rPr lang="en-US" dirty="0" smtClean="0"/>
+              <a:t>Ours uses standard client-server until this is deemed slow, so it "knows" when P2P will be faster, thus alleviating the user from having to choose whether to ignore it or not [1].</a:t>
+            </a:r>
+          </a:p>
+        </p:txBody>
+      </p:sp>
+      <p:sp>
+        <p:nvSpPr>
+          <p:cNvPr id="4" name="Slide Number Placeholder 3"/>
+          <p:cNvSpPr>
+            <a:spLocks noGrp="1"/>
+          </p:cNvSpPr>
+          <p:nvPr>
+            <p:ph type="sldNum" sz="quarter" idx="10"/>
+          </p:nvPr>
+        </p:nvSpPr>
+        <p:spPr/>
+        <p:txBody>
+          <a:bodyPr/>
+          <a:lstStyle/>
+          <a:p>
+            <a:fld id="{CFD85767-B34F-4122-8642-982296400DCD}" type="slidenum">
+              <a:rPr lang="en-US" smtClean="0"/>
+              <a:pPr/>
+              <a:t>32</a:t>
             </a:fld>
             <a:endParaRPr lang="en-US"/>
           </a:p>
@@ -2284,7 +2607,89 @@
             <a:fld id="{CFD85767-B34F-4122-8642-982296400DCD}" type="slidenum">
               <a:rPr lang="en-US" smtClean="0"/>
               <a:pPr/>
-              <a:t>3</a:t>
+              <a:t>4</a:t>
+            </a:fld>
+            <a:endParaRPr lang="en-US"/>
+          </a:p>
+        </p:txBody>
+      </p:sp>
+    </p:spTree>
+  </p:cSld>
+  <p:clrMapOvr>
+    <a:masterClrMapping/>
+  </p:clrMapOvr>
+</p:notes>
+</file>
+
+<file path=ppt/notesSlides/notesSlide30.xml><?xml version="1.0" encoding="utf-8"?>
+<p:notes xmlns:a="http://schemas.openxmlformats.org/drawingml/2006/main" xmlns:r="http://schemas.openxmlformats.org/officeDocument/2006/relationships" xmlns:p="http://schemas.openxmlformats.org/presentationml/2006/main">
+  <p:cSld>
+    <p:spTree>
+      <p:nvGrpSpPr>
+        <p:cNvPr id="1" name=""/>
+        <p:cNvGrpSpPr/>
+        <p:nvPr/>
+      </p:nvGrpSpPr>
+      <p:grpSpPr>
+        <a:xfrm>
+          <a:off x="0" y="0"/>
+          <a:ext cx="0" cy="0"/>
+          <a:chOff x="0" y="0"/>
+          <a:chExt cx="0" cy="0"/>
+        </a:xfrm>
+      </p:grpSpPr>
+      <p:sp>
+        <p:nvSpPr>
+          <p:cNvPr id="2" name="Slide Image Placeholder 1"/>
+          <p:cNvSpPr>
+            <a:spLocks noGrp="1" noRot="1" noChangeAspect="1"/>
+          </p:cNvSpPr>
+          <p:nvPr>
+            <p:ph type="sldImg"/>
+          </p:nvPr>
+        </p:nvSpPr>
+        <p:spPr/>
+      </p:sp>
+      <p:sp>
+        <p:nvSpPr>
+          <p:cNvPr id="3" name="Notes Placeholder 2"/>
+          <p:cNvSpPr>
+            <a:spLocks noGrp="1"/>
+          </p:cNvSpPr>
+          <p:nvPr>
+            <p:ph type="body" idx="1"/>
+          </p:nvPr>
+        </p:nvSpPr>
+        <p:spPr/>
+        <p:txBody>
+          <a:bodyPr>
+            <a:normAutofit/>
+          </a:bodyPr>
+          <a:lstStyle/>
+          <a:p>
+            <a:endParaRPr lang="en-US" dirty="0"/>
+          </a:p>
+        </p:txBody>
+      </p:sp>
+      <p:sp>
+        <p:nvSpPr>
+          <p:cNvPr id="4" name="Slide Number Placeholder 3"/>
+          <p:cNvSpPr>
+            <a:spLocks noGrp="1"/>
+          </p:cNvSpPr>
+          <p:nvPr>
+            <p:ph type="sldNum" sz="quarter" idx="10"/>
+          </p:nvPr>
+        </p:nvSpPr>
+        <p:spPr/>
+        <p:txBody>
+          <a:bodyPr/>
+          <a:lstStyle/>
+          <a:p>
+            <a:fld id="{CFD85767-B34F-4122-8642-982296400DCD}" type="slidenum">
+              <a:rPr lang="en-US" smtClean="0"/>
+              <a:pPr/>
+              <a:t>33</a:t>
             </a:fld>
             <a:endParaRPr lang="en-US"/>
           </a:p>
@@ -2398,9 +2803,16 @@
             </a:r>
             <a:r>
               <a:rPr lang="en-US" baseline="0" dirty="0" smtClean="0"/>
-              <a:t> a graph of network speed increasing so slowly compared to processors [?]</a:t>
-            </a:r>
-            <a:endParaRPr lang="en-US" baseline="0" dirty="0" smtClean="0"/>
+              <a:t> a graph of </a:t>
+            </a:r>
+            <a:r>
+              <a:rPr lang="en-US" baseline="0" dirty="0" smtClean="0"/>
+              <a:t>network </a:t>
+            </a:r>
+            <a:r>
+              <a:rPr lang="en-US" baseline="0" dirty="0" smtClean="0"/>
+              <a:t>speed increasing so slowly compared to processors [?]</a:t>
+            </a:r>
           </a:p>
         </p:txBody>
       </p:sp>
@@ -2422,7 +2834,7 @@
             <a:fld id="{CFD85767-B34F-4122-8642-982296400DCD}" type="slidenum">
               <a:rPr lang="en-US" smtClean="0"/>
               <a:pPr/>
-              <a:t>4</a:t>
+              <a:t>5</a:t>
             </a:fld>
             <a:endParaRPr lang="en-US"/>
           </a:p>
@@ -2497,7 +2909,26 @@
           <a:p>
             <a:r>
               <a:rPr lang="en-US" baseline="0" dirty="0" smtClean="0"/>
-              <a:t>Adding a local proxy doesn’t help if the file hasn’t been downloaded locally already—same exact problem in many cases.</a:t>
+              <a:t>Adding a local proxy doesn’t help if the file hasn’t been downloaded locally already—same exact problem in many cases</a:t>
+            </a:r>
+            <a:r>
+              <a:rPr lang="en-US" baseline="0" dirty="0" smtClean="0"/>
+              <a:t>.</a:t>
+            </a:r>
+          </a:p>
+          <a:p>
+            <a:endParaRPr lang="en-US" baseline="0" dirty="0" smtClean="0"/>
+          </a:p>
+          <a:p>
+            <a:r>
+              <a:rPr lang="en-US" baseline="0" dirty="0" smtClean="0"/>
+              <a:t>“Go and do something else”</a:t>
+            </a:r>
+          </a:p>
+          <a:p>
+            <a:r>
+              <a:rPr lang="en-US" baseline="0" dirty="0" smtClean="0"/>
+              <a:t>“Go and read your email”</a:t>
             </a:r>
             <a:endParaRPr lang="en-US" dirty="0"/>
           </a:p>
@@ -2521,7 +2952,7 @@
             <a:fld id="{CFD85767-B34F-4122-8642-982296400DCD}" type="slidenum">
               <a:rPr lang="en-US" smtClean="0"/>
               <a:pPr/>
-              <a:t>5</a:t>
+              <a:t>6</a:t>
             </a:fld>
             <a:endParaRPr lang="en-US"/>
           </a:p>
@@ -2631,7 +3062,7 @@
             <a:fld id="{CFD85767-B34F-4122-8642-982296400DCD}" type="slidenum">
               <a:rPr lang="en-US" smtClean="0"/>
               <a:pPr/>
-              <a:t>6</a:t>
+              <a:t>7</a:t>
             </a:fld>
             <a:endParaRPr lang="en-US"/>
           </a:p>
@@ -2691,9 +3122,47 @@
           </a:bodyPr>
           <a:lstStyle/>
           <a:p>
-            <a:r>
-              <a:rPr lang="en-US" dirty="0" smtClean="0"/>
-              <a:t>You don’t need any extra servers, peers do most of the extra</a:t>
+            <a:pPr marL="0" marR="0" indent="0" algn="l" defTabSz="914400" rtl="0" eaLnBrk="1" fontAlgn="auto" latinLnBrk="0" hangingPunct="1">
+              <a:lnSpc>
+                <a:spcPct val="100000"/>
+              </a:lnSpc>
+              <a:spcBef>
+                <a:spcPts val="0"/>
+              </a:spcBef>
+              <a:spcAft>
+                <a:spcPts val="0"/>
+              </a:spcAft>
+              <a:buClrTx/>
+              <a:buSzTx/>
+              <a:buFontTx/>
+              <a:buNone/>
+              <a:tabLst/>
+              <a:defRPr/>
+            </a:pPr>
+            <a:r>
+              <a:rPr lang="en-US" baseline="0" dirty="0" smtClean="0"/>
+              <a:t>“Melissa style” explanation (you download half, your friend downloads half, you share </a:t>
+            </a:r>
+            <a:r>
+              <a:rPr lang="en-US" baseline="0" dirty="0" err="1" smtClean="0"/>
+              <a:t>halfs</a:t>
+            </a:r>
+            <a:r>
+              <a:rPr lang="en-US" baseline="0" dirty="0" smtClean="0"/>
+              <a:t>).</a:t>
+            </a:r>
+          </a:p>
+          <a:p>
+            <a:endParaRPr lang="en-US" dirty="0" smtClean="0"/>
+          </a:p>
+          <a:p>
+            <a:r>
+              <a:rPr lang="en-US" dirty="0" smtClean="0"/>
+              <a:t>You </a:t>
+            </a:r>
+            <a:r>
+              <a:rPr lang="en-US" dirty="0" smtClean="0"/>
+              <a:t>don’t need any extra servers, peers do most of the extra</a:t>
             </a:r>
             <a:r>
               <a:rPr lang="en-US" baseline="0" dirty="0" smtClean="0"/>
@@ -2704,19 +3173,59 @@
             <a:endParaRPr lang="en-US" baseline="0" dirty="0" smtClean="0"/>
           </a:p>
           <a:p>
-            <a:r>
-              <a:rPr lang="en-US" baseline="0" dirty="0" smtClean="0"/>
-              <a:t>“Melissa style” explanation (you download half, your friend downloads half, you share </a:t>
-            </a:r>
-            <a:r>
-              <a:rPr lang="en-US" baseline="0" dirty="0" err="1" smtClean="0"/>
-              <a:t>halfs</a:t>
-            </a:r>
-            <a:r>
-              <a:rPr lang="en-US" baseline="0" smtClean="0"/>
-              <a:t>).</a:t>
-            </a:r>
-            <a:endParaRPr lang="en-US" dirty="0"/>
+            <a:pPr marL="0" marR="0" indent="0" algn="l" defTabSz="914400" rtl="0" eaLnBrk="1" fontAlgn="auto" latinLnBrk="0" hangingPunct="1">
+              <a:lnSpc>
+                <a:spcPct val="100000"/>
+              </a:lnSpc>
+              <a:spcBef>
+                <a:spcPts val="0"/>
+              </a:spcBef>
+              <a:spcAft>
+                <a:spcPts val="0"/>
+              </a:spcAft>
+              <a:buClrTx/>
+              <a:buSzTx/>
+              <a:buFontTx/>
+              <a:buNone/>
+              <a:tabLst/>
+              <a:defRPr/>
+            </a:pPr>
+            <a:r>
+              <a:rPr lang="en-US" sz="1200" b="1" i="0" kern="1200" dirty="0" smtClean="0">
+                <a:solidFill>
+                  <a:schemeClr val="tx1"/>
+                </a:solidFill>
+                <a:latin typeface="+mn-lt"/>
+                <a:ea typeface="+mn-ea"/>
+                <a:cs typeface="+mn-cs"/>
+              </a:rPr>
+              <a:t>Bram: “When I created </a:t>
+            </a:r>
+            <a:r>
+              <a:rPr lang="en-US" sz="1200" b="1" i="0" kern="1200" dirty="0" err="1" smtClean="0">
+                <a:solidFill>
+                  <a:schemeClr val="tx1"/>
+                </a:solidFill>
+                <a:latin typeface="+mn-lt"/>
+                <a:ea typeface="+mn-ea"/>
+                <a:cs typeface="+mn-cs"/>
+              </a:rPr>
+              <a:t>BitTorrent</a:t>
+            </a:r>
+            <a:r>
+              <a:rPr lang="en-US" sz="1200" b="1" i="0" kern="1200" dirty="0" smtClean="0">
+                <a:solidFill>
+                  <a:schemeClr val="tx1"/>
+                </a:solidFill>
+                <a:latin typeface="+mn-lt"/>
+                <a:ea typeface="+mn-ea"/>
+                <a:cs typeface="+mn-cs"/>
+              </a:rPr>
+              <a:t> in 2001, my mission was to solve the problem every website has when distributing large, popular files”</a:t>
+            </a:r>
+          </a:p>
+          <a:p>
+            <a:endParaRPr lang="en-US" baseline="0" dirty="0" smtClean="0"/>
           </a:p>
         </p:txBody>
       </p:sp>
@@ -2738,7 +3247,7 @@
             <a:fld id="{CFD85767-B34F-4122-8642-982296400DCD}" type="slidenum">
               <a:rPr lang="en-US" smtClean="0"/>
               <a:pPr/>
-              <a:t>7</a:t>
+              <a:t>9</a:t>
             </a:fld>
             <a:endParaRPr lang="en-US"/>
           </a:p>
@@ -2794,116 +3303,9 @@
         <p:spPr/>
         <p:txBody>
           <a:bodyPr>
-            <a:normAutofit/>
+            <a:normAutofit lnSpcReduction="10000"/>
           </a:bodyPr>
           <a:lstStyle/>
-          <a:p>
-            <a:r>
-              <a:rPr lang="en-US" dirty="0" smtClean="0"/>
-              <a:t>Hard to setup, Hard to use.</a:t>
-            </a:r>
-          </a:p>
-          <a:p>
-            <a:endParaRPr lang="en-US" dirty="0" smtClean="0"/>
-          </a:p>
-          <a:p>
-            <a:r>
-              <a:rPr lang="en-US" dirty="0" smtClean="0"/>
-              <a:t>There are all sorts of barriers that keep this from actually working.</a:t>
-            </a:r>
-          </a:p>
-          <a:p>
-            <a:endParaRPr lang="en-US" dirty="0" smtClean="0"/>
-          </a:p>
-          <a:p>
-            <a:r>
-              <a:rPr lang="en-US" dirty="0" smtClean="0"/>
-              <a:t>TODO new slide</a:t>
-            </a:r>
-          </a:p>
-          <a:p>
-            <a:endParaRPr lang="en-US" dirty="0" smtClean="0"/>
-          </a:p>
-          <a:p>
-            <a:r>
-              <a:rPr lang="en-US" dirty="0" smtClean="0"/>
-              <a:t>1) The server has to set it up per file.</a:t>
-            </a:r>
-          </a:p>
-          <a:p>
-            <a:endParaRPr lang="en-US" dirty="0" smtClean="0"/>
-          </a:p>
-          <a:p>
-            <a:r>
-              <a:rPr lang="en-US" dirty="0" smtClean="0"/>
-              <a:t>2) When a user runs into this, it typically takes extra time in order to download this way, because you have to go</a:t>
-            </a:r>
-            <a:r>
-              <a:rPr lang="en-US" baseline="0" dirty="0" smtClean="0"/>
-              <a:t> through some extra steps, like</a:t>
-            </a:r>
-          </a:p>
-          <a:p>
-            <a:r>
-              <a:rPr lang="en-US" baseline="0" dirty="0" smtClean="0"/>
-              <a:t>Downloading the .torrent file, then waiting some time for your client to contact the tracker, get peer lists, find peers that are willing to share with you, etc.</a:t>
-            </a:r>
-            <a:endParaRPr lang="en-US" dirty="0" smtClean="0"/>
-          </a:p>
-          <a:p>
-            <a:endParaRPr lang="en-US" dirty="0" smtClean="0"/>
-          </a:p>
-          <a:p>
-            <a:r>
-              <a:rPr lang="en-US" dirty="0" smtClean="0"/>
-              <a:t>3) It should be ignored. Typically (at least for me), it’s slower than just downloading it with the link they provide.</a:t>
-            </a:r>
-          </a:p>
-          <a:p>
-            <a:endParaRPr lang="en-US" dirty="0" smtClean="0"/>
-          </a:p>
-          <a:p>
-            <a:endParaRPr lang="en-US" baseline="0" dirty="0" smtClean="0"/>
-          </a:p>
-          <a:p>
-            <a:r>
-              <a:rPr lang="en-US" dirty="0" smtClean="0"/>
-              <a:t>2) small files</a:t>
-            </a:r>
-          </a:p>
-          <a:p>
-            <a:endParaRPr lang="en-US" dirty="0" smtClean="0"/>
-          </a:p>
-          <a:p>
-            <a:r>
-              <a:rPr lang="en-US" dirty="0" smtClean="0"/>
-              <a:t>It would be painful to have to do this for many small files, like browsing a web page.  Up to 10 files for </a:t>
-            </a:r>
-            <a:r>
-              <a:rPr lang="en-US" dirty="0" err="1" smtClean="0"/>
-              <a:t>byu's</a:t>
-            </a:r>
-            <a:r>
-              <a:rPr lang="en-US" dirty="0" smtClean="0"/>
-              <a:t> web site.  Even if they *did* a </a:t>
-            </a:r>
-            <a:r>
-              <a:rPr lang="en-US" dirty="0" err="1" smtClean="0"/>
-              <a:t>BitTorrent</a:t>
-            </a:r>
-            <a:r>
-              <a:rPr lang="en-US" dirty="0" smtClean="0"/>
-              <a:t> file for each of these small files, today’s systems include a manual step in order to download each file.  Modern browsers don’t handle inline p2p.  So P2P basically</a:t>
-            </a:r>
-            <a:r>
-              <a:rPr lang="en-US" baseline="0" dirty="0" smtClean="0"/>
-              <a:t> can’t be used for a typical web page.</a:t>
-            </a:r>
-            <a:endParaRPr lang="en-US" dirty="0" smtClean="0"/>
-          </a:p>
-          <a:p>
-            <a:endParaRPr lang="en-US" dirty="0" smtClean="0"/>
-          </a:p>
           <a:p>
             <a:pPr marL="0" marR="0" indent="0" algn="l" defTabSz="914400" rtl="0" eaLnBrk="1" fontAlgn="auto" latinLnBrk="0" hangingPunct="1">
               <a:lnSpc>
@@ -2923,12 +3325,14 @@
               <a:defRPr/>
             </a:pPr>
             <a:r>
+              <a:rPr lang="en-US" dirty="0" smtClean="0"/>
+              <a:t>Unknown value to the administrator—its typical value is for large popular files, so if you don’t have</a:t>
+            </a:r>
+            <a:r>
               <a:rPr lang="en-US" baseline="0" dirty="0" smtClean="0"/>
-              <a:t>Technology is there but not easily accessible.</a:t>
-            </a:r>
-          </a:p>
-          <a:p>
-            <a:endParaRPr lang="en-US" baseline="0" dirty="0" smtClean="0"/>
+              <a:t> any of those, it’s not worth it.</a:t>
+            </a:r>
+            <a:endParaRPr lang="en-US" dirty="0" smtClean="0"/>
           </a:p>
           <a:p>
             <a:pPr marL="0" marR="0" indent="0" algn="l" defTabSz="914400" rtl="0" eaLnBrk="1" fontAlgn="auto" latinLnBrk="0" hangingPunct="1">
@@ -2948,6 +3352,26 @@
               <a:tabLst/>
               <a:defRPr/>
             </a:pPr>
+            <a:endParaRPr lang="en-US" dirty="0" smtClean="0"/>
+          </a:p>
+          <a:p>
+            <a:pPr marL="0" marR="0" indent="0" algn="l" defTabSz="914400" rtl="0" eaLnBrk="1" fontAlgn="auto" latinLnBrk="0" hangingPunct="1">
+              <a:lnSpc>
+                <a:spcPct val="100000"/>
+              </a:lnSpc>
+              <a:spcBef>
+                <a:spcPts val="0"/>
+              </a:spcBef>
+              <a:spcAft>
+                <a:spcPts val="0"/>
+              </a:spcAft>
+              <a:buClrTx/>
+              <a:buSzTx/>
+              <a:buFontTx/>
+              <a:buNone/>
+              <a:tabLst/>
+              <a:defRPr/>
+            </a:pPr>
             <a:r>
               <a:rPr lang="en-US" dirty="0" smtClean="0"/>
               <a:t>Because of these barriers,</a:t>
@@ -2965,111 +3389,6 @@
               <a:t>, and many users ignore them even when they are, because of unreliable results.</a:t>
             </a:r>
           </a:p>
-          <a:p>
-            <a:endParaRPr lang="en-US" dirty="0" smtClean="0"/>
-          </a:p>
-          <a:p>
-            <a:r>
-              <a:rPr lang="en-US" baseline="0" dirty="0" smtClean="0"/>
-              <a:t>----Some of the same:</a:t>
-            </a:r>
-            <a:endParaRPr lang="en-US" dirty="0" smtClean="0"/>
-          </a:p>
-          <a:p>
-            <a:endParaRPr lang="en-US" dirty="0" smtClean="0"/>
-          </a:p>
-          <a:p>
-            <a:r>
-              <a:rPr lang="en-US" dirty="0" smtClean="0"/>
-              <a:t>It would annoy the user to death with today's system to have to go and get them all manually.  Not as user-friendly</a:t>
-            </a:r>
-          </a:p>
-          <a:p>
-            <a:endParaRPr lang="en-US" dirty="0" smtClean="0"/>
-          </a:p>
-          <a:p>
-            <a:r>
-              <a:rPr lang="en-US" dirty="0" smtClean="0"/>
-              <a:t>Barrier to entry: know how to use it, choose it, and it has to be fast.  Many people ignore it.</a:t>
-            </a:r>
-          </a:p>
-          <a:p>
-            <a:endParaRPr lang="en-US" dirty="0" smtClean="0"/>
-          </a:p>
-          <a:p>
-            <a:r>
-              <a:rPr lang="en-US" dirty="0" smtClean="0"/>
-              <a:t>Barrier for the</a:t>
-            </a:r>
-            <a:r>
-              <a:rPr lang="en-US" baseline="0" dirty="0" smtClean="0"/>
-              <a:t> server too: setting it up.  Barrier to client: extra cost of time to download/unreliable can cause it to cost you extra time.</a:t>
-            </a:r>
-          </a:p>
-          <a:p>
-            <a:endParaRPr lang="en-US" baseline="0" dirty="0" smtClean="0"/>
-          </a:p>
-          <a:p>
-            <a:r>
-              <a:rPr lang="en-US" dirty="0" smtClean="0"/>
-              <a:t>Barrier: not just the client, but you don’t know if using the client will actually be faster.  Many times it isn’t.</a:t>
-            </a:r>
-          </a:p>
-          <a:p>
-            <a:r>
-              <a:rPr lang="en-US" dirty="0" smtClean="0"/>
-              <a:t>And some</a:t>
-            </a:r>
-            <a:r>
-              <a:rPr lang="en-US" baseline="0" dirty="0" smtClean="0"/>
-              <a:t> sites don’t offer P2P.</a:t>
-            </a:r>
-          </a:p>
-          <a:p>
-            <a:endParaRPr lang="en-US" baseline="0" dirty="0" smtClean="0"/>
-          </a:p>
-          <a:p>
-            <a:r>
-              <a:rPr lang="en-US" baseline="0" dirty="0" smtClean="0"/>
-              <a:t>How many sites actually offer you that stuff?</a:t>
-            </a:r>
-          </a:p>
-          <a:p>
-            <a:endParaRPr lang="en-US" baseline="0" dirty="0" smtClean="0"/>
-          </a:p>
-          <a:p>
-            <a:endParaRPr lang="en-US" baseline="0" dirty="0" smtClean="0"/>
-          </a:p>
-          <a:p>
-            <a:r>
-              <a:rPr lang="en-US" dirty="0" smtClean="0"/>
-              <a:t>1) should be ignored typically [it's slower (but you're never sure when), non standard, typically not integrated with normal HTTP sites--except in a few rare cases].</a:t>
-            </a:r>
-          </a:p>
-          <a:p>
-            <a:endParaRPr lang="en-US" dirty="0" smtClean="0"/>
-          </a:p>
-          <a:p>
-            <a:r>
-              <a:rPr lang="en-US" dirty="0" smtClean="0"/>
-              <a:t>3) Though awesome, most servers don't allow you this option [unless they offer large popular files], as it's extra hassle, non-conventional.</a:t>
-            </a:r>
-          </a:p>
-          <a:p>
-            <a:endParaRPr lang="en-US" dirty="0" smtClean="0"/>
-          </a:p>
-          <a:p>
-            <a:r>
-              <a:rPr lang="en-US" dirty="0" smtClean="0"/>
-              <a:t>[plus any other goals that are actually worth mentioning]</a:t>
-            </a:r>
-          </a:p>
-          <a:p>
-            <a:endParaRPr lang="en-US" dirty="0" smtClean="0"/>
-          </a:p>
-          <a:p>
-            <a:endParaRPr lang="en-US" dirty="0"/>
-          </a:p>
         </p:txBody>
       </p:sp>
       <p:sp>
@@ -3090,7 +3409,7 @@
             <a:fld id="{CFD85767-B34F-4122-8642-982296400DCD}" type="slidenum">
               <a:rPr lang="en-US" smtClean="0"/>
               <a:pPr/>
-              <a:t>8</a:t>
+              <a:t>10</a:t>
             </a:fld>
             <a:endParaRPr lang="en-US"/>
           </a:p>
@@ -3150,6 +3469,29 @@
           </a:bodyPr>
           <a:lstStyle/>
           <a:p>
+            <a:r>
+              <a:rPr lang="en-US" dirty="0" smtClean="0"/>
+              <a:t>It would be annoying for small files because it is so manual.</a:t>
+            </a:r>
+          </a:p>
+          <a:p>
+            <a:endParaRPr lang="en-US" dirty="0" smtClean="0"/>
+          </a:p>
+          <a:p>
+            <a:r>
+              <a:rPr lang="en-US" dirty="0" smtClean="0"/>
+              <a:t>2) When a user runs into this, it typically takes extra time in order to download this way, because you have to go</a:t>
+            </a:r>
+            <a:r>
+              <a:rPr lang="en-US" baseline="0" dirty="0" smtClean="0"/>
+              <a:t> through some extra steps, like downloading the .torrent file, then waiting some time for your client to contact the tracker, get peer lists, find peers that are willing to share with you, etc.</a:t>
+            </a:r>
+            <a:endParaRPr lang="en-US" dirty="0" smtClean="0"/>
+          </a:p>
+          <a:p>
+            <a:endParaRPr lang="en-US" dirty="0" smtClean="0"/>
+          </a:p>
+          <a:p>
             <a:pPr marL="0" marR="0" indent="0" algn="l" defTabSz="914400" rtl="0" eaLnBrk="1" fontAlgn="auto" latinLnBrk="0" hangingPunct="1">
               <a:lnSpc>
                 <a:spcPct val="100000"/>
@@ -3169,24 +3511,81 @@
             </a:pPr>
             <a:r>
               <a:rPr lang="en-US" dirty="0" smtClean="0"/>
-              <a:t>We provide</a:t>
+              <a:t>It would be painful to have to do this for many small files, like browsing a web page.  Up to 10 files for </a:t>
+            </a:r>
+            <a:r>
+              <a:rPr lang="en-US" dirty="0" err="1" smtClean="0"/>
+              <a:t>byu's</a:t>
+            </a:r>
+            <a:r>
+              <a:rPr lang="en-US" dirty="0" smtClean="0"/>
+              <a:t> web site.  Even if they *did* a </a:t>
+            </a:r>
+            <a:r>
+              <a:rPr lang="en-US" dirty="0" err="1" smtClean="0"/>
+              <a:t>BitTorrent</a:t>
+            </a:r>
+            <a:r>
+              <a:rPr lang="en-US" dirty="0" smtClean="0"/>
+              <a:t> file for each of these small files, today’s systems include a manual step in order to download each file.  Modern browsers don’t handle inline p2p.  So P2P basically</a:t>
             </a:r>
             <a:r>
               <a:rPr lang="en-US" baseline="0" dirty="0" smtClean="0"/>
-              <a:t> </a:t>
-            </a:r>
-            <a:r>
-              <a:rPr lang="en-US" dirty="0" smtClean="0"/>
-              <a:t>a</a:t>
-            </a:r>
+              <a:t> can’t be used for a typical web page.</a:t>
+            </a:r>
+            <a:endParaRPr lang="en-US" dirty="0" smtClean="0"/>
+          </a:p>
+          <a:p>
+            <a:endParaRPr lang="en-US" dirty="0" smtClean="0"/>
+          </a:p>
+          <a:p>
+            <a:endParaRPr lang="en-US" dirty="0" smtClean="0"/>
+          </a:p>
+          <a:p>
+            <a:pPr marL="0" marR="0" indent="0" algn="l" defTabSz="914400" rtl="0" eaLnBrk="1" fontAlgn="auto" latinLnBrk="0" hangingPunct="1">
+              <a:lnSpc>
+                <a:spcPct val="100000"/>
+              </a:lnSpc>
+              <a:spcBef>
+                <a:spcPts val="0"/>
+              </a:spcBef>
+              <a:spcAft>
+                <a:spcPts val="0"/>
+              </a:spcAft>
+              <a:buClrTx/>
+              <a:buSzTx/>
+              <a:buFontTx/>
+              <a:buNone/>
+              <a:tabLst/>
+              <a:defRPr/>
+            </a:pPr>
             <a:r>
               <a:rPr lang="en-US" baseline="0" dirty="0" smtClean="0"/>
-              <a:t> new option for Internet users—Automatic Swarming, which aims to alleviate these problems.</a:t>
+              <a:t>How many sites actually offer you that stuff?</a:t>
             </a:r>
           </a:p>
           <a:p>
             <a:endParaRPr lang="en-US" dirty="0" smtClean="0"/>
           </a:p>
+          <a:p>
+            <a:r>
+              <a:rPr lang="en-US" dirty="0" smtClean="0"/>
+              <a:t>Normal people do not use </a:t>
+            </a:r>
+            <a:r>
+              <a:rPr lang="en-US" dirty="0" err="1" smtClean="0"/>
+              <a:t>BitTorrent</a:t>
+            </a:r>
+            <a:r>
+              <a:rPr lang="en-US" dirty="0" smtClean="0"/>
+              <a:t>.  Not useful</a:t>
+            </a:r>
+            <a:r>
+              <a:rPr lang="en-US" baseline="0" dirty="0" smtClean="0"/>
+              <a:t> to them.</a:t>
+            </a:r>
+            <a:endParaRPr lang="en-US" dirty="0"/>
+          </a:p>
         </p:txBody>
       </p:sp>
       <p:sp>
@@ -3207,7 +3606,7 @@
             <a:fld id="{CFD85767-B34F-4122-8642-982296400DCD}" type="slidenum">
               <a:rPr lang="en-US" smtClean="0"/>
               <a:pPr/>
-              <a:t>9</a:t>
+              <a:t>11</a:t>
             </a:fld>
             <a:endParaRPr lang="en-US"/>
           </a:p>
@@ -6273,8 +6672,12 @@
           <a:lstStyle/>
           <a:p>
             <a:r>
-              <a:rPr lang="en-US" dirty="0" smtClean="0"/>
-              <a:t>Automatic Swarming Benefits</a:t>
+              <a:rPr lang="en-US" dirty="0" err="1" smtClean="0"/>
+              <a:t>BitTorrent</a:t>
+            </a:r>
+            <a:r>
+              <a:rPr lang="en-US" dirty="0" smtClean="0"/>
+              <a:t> fails</a:t>
             </a:r>
             <a:endParaRPr lang="en-US" dirty="0"/>
           </a:p>
@@ -6292,32 +6695,56 @@
         </p:nvSpPr>
         <p:spPr/>
         <p:txBody>
-          <a:bodyPr/>
-          <a:lstStyle/>
-          <a:p>
-            <a:r>
-              <a:rPr lang="en-US" dirty="0" smtClean="0"/>
-              <a:t>Automatic transition</a:t>
+          <a:bodyPr>
+            <a:normAutofit/>
+          </a:bodyPr>
+          <a:lstStyle/>
+          <a:p>
+            <a:r>
+              <a:rPr lang="en-US" dirty="0" smtClean="0"/>
+              <a:t>Server side.</a:t>
             </a:r>
           </a:p>
           <a:p>
             <a:pPr lvl="1"/>
             <a:r>
               <a:rPr lang="en-US" dirty="0" smtClean="0"/>
-              <a:t>Small files</a:t>
+              <a:t>Per File</a:t>
             </a:r>
           </a:p>
           <a:p>
             <a:pPr lvl="1"/>
             <a:r>
               <a:rPr lang="en-US" dirty="0" smtClean="0"/>
-              <a:t>Client-server plus P2P</a:t>
-            </a:r>
-          </a:p>
-          <a:p>
-            <a:r>
-              <a:rPr lang="en-US" dirty="0" smtClean="0"/>
-              <a:t>Client-side protocol</a:t>
+              <a:t>Have to provide traditional anyway.</a:t>
+            </a:r>
+          </a:p>
+          <a:p>
+            <a:pPr lvl="2"/>
+            <a:r>
+              <a:rPr lang="en-US" dirty="0" smtClean="0"/>
+              <a:t>Lack of clients.</a:t>
+            </a:r>
+          </a:p>
+          <a:p>
+            <a:pPr lvl="1"/>
+            <a:r>
+              <a:rPr lang="en-US" dirty="0" smtClean="0"/>
+              <a:t>Stigma.</a:t>
+            </a:r>
+          </a:p>
+          <a:p>
+            <a:pPr lvl="1"/>
+            <a:r>
+              <a:rPr lang="en-US" dirty="0" smtClean="0"/>
+              <a:t>Extra maintenance.</a:t>
+            </a:r>
+          </a:p>
+          <a:p>
+            <a:pPr lvl="1"/>
+            <a:r>
+              <a:rPr lang="en-US" dirty="0" smtClean="0"/>
+              <a:t>Fast enough</a:t>
             </a:r>
           </a:p>
         </p:txBody>
@@ -6359,22 +6786,258 @@
         </p:nvSpPr>
         <p:spPr/>
         <p:txBody>
+          <a:bodyPr/>
+          <a:lstStyle/>
+          <a:p>
+            <a:r>
+              <a:rPr lang="en-US" dirty="0" err="1" smtClean="0"/>
+              <a:t>BitTorrent</a:t>
+            </a:r>
+            <a:r>
+              <a:rPr lang="en-US" dirty="0" smtClean="0"/>
+              <a:t> fails</a:t>
+            </a:r>
+            <a:endParaRPr lang="en-US" dirty="0"/>
+          </a:p>
+        </p:txBody>
+      </p:sp>
+      <p:sp>
+        <p:nvSpPr>
+          <p:cNvPr id="3" name="Content Placeholder 2"/>
+          <p:cNvSpPr>
+            <a:spLocks noGrp="1"/>
+          </p:cNvSpPr>
+          <p:nvPr>
+            <p:ph idx="1"/>
+          </p:nvPr>
+        </p:nvSpPr>
+        <p:spPr/>
+        <p:txBody>
+          <a:bodyPr>
+            <a:normAutofit fontScale="92500" lnSpcReduction="20000"/>
+          </a:bodyPr>
+          <a:lstStyle/>
+          <a:p>
+            <a:r>
+              <a:rPr lang="en-US" dirty="0" smtClean="0"/>
+              <a:t>Clients</a:t>
+            </a:r>
+          </a:p>
+          <a:p>
+            <a:pPr lvl="1"/>
+            <a:r>
+              <a:rPr lang="en-US" dirty="0" smtClean="0"/>
+              <a:t>Extra </a:t>
+            </a:r>
+            <a:r>
+              <a:rPr lang="en-US" dirty="0" smtClean="0"/>
+              <a:t>setup/time per file.</a:t>
+            </a:r>
+          </a:p>
+          <a:p>
+            <a:pPr lvl="2"/>
+            <a:r>
+              <a:rPr lang="en-US" dirty="0" smtClean="0"/>
+              <a:t>Small files</a:t>
+            </a:r>
+            <a:endParaRPr lang="en-US" dirty="0" smtClean="0"/>
+          </a:p>
+          <a:p>
+            <a:pPr lvl="1"/>
+            <a:r>
+              <a:rPr lang="en-US" dirty="0" smtClean="0"/>
+              <a:t>Techno </a:t>
+            </a:r>
+            <a:r>
+              <a:rPr lang="en-US" dirty="0" err="1" smtClean="0"/>
+              <a:t>intelligencia</a:t>
+            </a:r>
+            <a:endParaRPr lang="en-US" dirty="0" smtClean="0"/>
+          </a:p>
+          <a:p>
+            <a:pPr lvl="1"/>
+            <a:r>
+              <a:rPr lang="en-US" dirty="0" smtClean="0"/>
+              <a:t>Non integrated.</a:t>
+            </a:r>
+          </a:p>
+          <a:p>
+            <a:pPr lvl="2"/>
+            <a:r>
+              <a:rPr lang="en-US" dirty="0" smtClean="0"/>
+              <a:t>Manual.</a:t>
+            </a:r>
+          </a:p>
+          <a:p>
+            <a:pPr lvl="2"/>
+            <a:r>
+              <a:rPr lang="en-US" dirty="0" smtClean="0"/>
+              <a:t>Not HTTP optimized.</a:t>
+            </a:r>
+          </a:p>
+          <a:p>
+            <a:pPr lvl="1"/>
+            <a:r>
+              <a:rPr lang="en-US" dirty="0" smtClean="0"/>
+              <a:t>It should be ignored speed-wise</a:t>
+            </a:r>
+          </a:p>
+          <a:p>
+            <a:pPr lvl="2"/>
+            <a:r>
+              <a:rPr lang="en-US" dirty="0" smtClean="0"/>
+              <a:t>Duplicate</a:t>
+            </a:r>
+            <a:endParaRPr lang="en-US" dirty="0" smtClean="0"/>
+          </a:p>
+          <a:p>
+            <a:pPr lvl="2"/>
+            <a:r>
+              <a:rPr lang="en-US" dirty="0" smtClean="0"/>
+              <a:t>Costs </a:t>
+            </a:r>
+            <a:r>
+              <a:rPr lang="en-US" dirty="0" smtClean="0"/>
+              <a:t>time</a:t>
+            </a:r>
+          </a:p>
+          <a:p>
+            <a:pPr lvl="1"/>
+            <a:r>
+              <a:rPr lang="en-US" dirty="0" smtClean="0"/>
+              <a:t>Not </a:t>
+            </a:r>
+            <a:r>
+              <a:rPr lang="en-US" dirty="0" smtClean="0"/>
+              <a:t>available</a:t>
+            </a:r>
+            <a:r>
+              <a:rPr lang="en-US" dirty="0" smtClean="0"/>
+              <a:t>.</a:t>
+            </a:r>
+            <a:endParaRPr lang="en-US" dirty="0" smtClean="0"/>
+          </a:p>
+        </p:txBody>
+      </p:sp>
+    </p:spTree>
+  </p:cSld>
+  <p:clrMapOvr>
+    <a:masterClrMapping/>
+  </p:clrMapOvr>
+</p:sld>
+</file>
+
+<file path=ppt/slides/slide12.xml><?xml version="1.0" encoding="utf-8"?>
+<p:sld xmlns:a="http://schemas.openxmlformats.org/drawingml/2006/main" xmlns:r="http://schemas.openxmlformats.org/officeDocument/2006/relationships" xmlns:p="http://schemas.openxmlformats.org/presentationml/2006/main">
+  <p:cSld>
+    <p:spTree>
+      <p:nvGrpSpPr>
+        <p:cNvPr id="1" name=""/>
+        <p:cNvGrpSpPr/>
+        <p:nvPr/>
+      </p:nvGrpSpPr>
+      <p:grpSpPr>
+        <a:xfrm>
+          <a:off x="0" y="0"/>
+          <a:ext cx="0" cy="0"/>
+          <a:chOff x="0" y="0"/>
+          <a:chExt cx="0" cy="0"/>
+        </a:xfrm>
+      </p:grpSpPr>
+      <p:sp>
+        <p:nvSpPr>
+          <p:cNvPr id="2" name="Title 1"/>
+          <p:cNvSpPr>
+            <a:spLocks noGrp="1"/>
+          </p:cNvSpPr>
+          <p:nvPr>
+            <p:ph type="title"/>
+          </p:nvPr>
+        </p:nvSpPr>
+        <p:spPr>
+          <a:xfrm>
+            <a:off x="-1143000" y="304800"/>
+            <a:ext cx="8229600" cy="1143000"/>
+          </a:xfrm>
+        </p:spPr>
+        <p:txBody>
           <a:bodyPr>
             <a:normAutofit/>
           </a:bodyPr>
           <a:lstStyle/>
           <a:p>
             <a:r>
-              <a:rPr lang="en-US" dirty="0" smtClean="0"/>
-              <a:t>Monitor Download</a:t>
+              <a:rPr lang="en-US" dirty="0" err="1" smtClean="0"/>
+              <a:t>BitTorrent</a:t>
+            </a:r>
+            <a:r>
+              <a:rPr lang="en-US" dirty="0" smtClean="0"/>
+              <a:t> </a:t>
+            </a:r>
+            <a:r>
+              <a:rPr lang="en-US" dirty="0" smtClean="0"/>
+              <a:t>can Fail</a:t>
             </a:r>
             <a:endParaRPr lang="en-US" dirty="0"/>
+          </a:p>
+        </p:txBody>
+      </p:sp>
+      <p:sp>
+        <p:nvSpPr>
+          <p:cNvPr id="3" name="Content Placeholder 2"/>
+          <p:cNvSpPr>
+            <a:spLocks noGrp="1"/>
+          </p:cNvSpPr>
+          <p:nvPr>
+            <p:ph idx="1"/>
+          </p:nvPr>
+        </p:nvSpPr>
+        <p:spPr/>
+        <p:txBody>
+          <a:bodyPr/>
+          <a:lstStyle/>
+          <a:p>
+            <a:r>
+              <a:rPr lang="en-US" dirty="0" smtClean="0"/>
+              <a:t>Not enough seeds.</a:t>
+            </a:r>
+          </a:p>
+          <a:p>
+            <a:r>
+              <a:rPr lang="en-US" dirty="0" smtClean="0"/>
+              <a:t>Closed ports.</a:t>
+            </a:r>
+          </a:p>
+          <a:p>
+            <a:r>
+              <a:rPr lang="en-US" dirty="0" smtClean="0"/>
+              <a:t>Tracker</a:t>
+            </a:r>
+          </a:p>
+          <a:p>
+            <a:r>
+              <a:rPr lang="en-US" dirty="0" smtClean="0"/>
+              <a:t>Extra files.</a:t>
+            </a:r>
+          </a:p>
+          <a:p>
+            <a:r>
+              <a:rPr lang="en-US" dirty="0" smtClean="0"/>
+              <a:t>Users don’t have client installed.</a:t>
+            </a:r>
+          </a:p>
+          <a:p>
+            <a:r>
+              <a:rPr lang="en-US" dirty="0" smtClean="0"/>
+              <a:t>Clients aren’t configured to use HTTP.</a:t>
+            </a:r>
+            <a:endParaRPr lang="en-US" dirty="0" smtClean="0"/>
           </a:p>
         </p:txBody>
       </p:sp>
       <p:pic>
         <p:nvPicPr>
-          <p:cNvPr id="4099" name="Picture 3" descr="C:\dev\ruby\p2pwebclient\thesis_presentation\algorithm explanation.png"/>
+          <p:cNvPr id="5122" name="Picture 2"/>
           <p:cNvPicPr>
             <a:picLocks noChangeAspect="1" noChangeArrowheads="1"/>
           </p:cNvPicPr>
@@ -6389,8 +7052,282 @@
         </p:blipFill>
         <p:spPr bwMode="auto">
           <a:xfrm>
-            <a:off x="533400" y="1905000"/>
-            <a:ext cx="6953934" cy="4327525"/>
+            <a:off x="6019800" y="304800"/>
+            <a:ext cx="3124200" cy="3238500"/>
+          </a:xfrm>
+          <a:prstGeom prst="rect">
+            <a:avLst/>
+          </a:prstGeom>
+          <a:noFill/>
+          <a:ln w="9525">
+            <a:noFill/>
+            <a:miter lim="800000"/>
+            <a:headEnd/>
+            <a:tailEnd/>
+          </a:ln>
+        </p:spPr>
+      </p:pic>
+    </p:spTree>
+  </p:cSld>
+  <p:clrMapOvr>
+    <a:masterClrMapping/>
+  </p:clrMapOvr>
+  <p:timing>
+    <p:tnLst>
+      <p:par>
+        <p:cTn id="1" dur="indefinite" restart="never" nodeType="tmRoot"/>
+      </p:par>
+    </p:tnLst>
+  </p:timing>
+</p:sld>
+</file>
+
+<file path=ppt/slides/slide13.xml><?xml version="1.0" encoding="utf-8"?>
+<p:sld xmlns:a="http://schemas.openxmlformats.org/drawingml/2006/main" xmlns:r="http://schemas.openxmlformats.org/officeDocument/2006/relationships" xmlns:p="http://schemas.openxmlformats.org/presentationml/2006/main">
+  <p:cSld>
+    <p:spTree>
+      <p:nvGrpSpPr>
+        <p:cNvPr id="1" name=""/>
+        <p:cNvGrpSpPr/>
+        <p:nvPr/>
+      </p:nvGrpSpPr>
+      <p:grpSpPr>
+        <a:xfrm>
+          <a:off x="0" y="0"/>
+          <a:ext cx="0" cy="0"/>
+          <a:chOff x="0" y="0"/>
+          <a:chExt cx="0" cy="0"/>
+        </a:xfrm>
+      </p:grpSpPr>
+      <p:sp>
+        <p:nvSpPr>
+          <p:cNvPr id="2" name="Title 1"/>
+          <p:cNvSpPr>
+            <a:spLocks noGrp="1"/>
+          </p:cNvSpPr>
+          <p:nvPr>
+            <p:ph type="title"/>
+          </p:nvPr>
+        </p:nvSpPr>
+        <p:spPr/>
+        <p:txBody>
+          <a:bodyPr/>
+          <a:lstStyle/>
+          <a:p>
+            <a:r>
+              <a:rPr lang="en-US" dirty="0" smtClean="0"/>
+              <a:t>Automatic Swarming -- Goals</a:t>
+            </a:r>
+            <a:endParaRPr lang="en-US" dirty="0"/>
+          </a:p>
+        </p:txBody>
+      </p:sp>
+      <p:sp>
+        <p:nvSpPr>
+          <p:cNvPr id="3" name="Content Placeholder 2"/>
+          <p:cNvSpPr>
+            <a:spLocks noGrp="1"/>
+          </p:cNvSpPr>
+          <p:nvPr>
+            <p:ph idx="1"/>
+          </p:nvPr>
+        </p:nvSpPr>
+        <p:spPr/>
+        <p:txBody>
+          <a:bodyPr/>
+          <a:lstStyle/>
+          <a:p>
+            <a:r>
+              <a:rPr lang="en-US" dirty="0" smtClean="0"/>
+              <a:t>Work for any file on any server.</a:t>
+            </a:r>
+          </a:p>
+          <a:p>
+            <a:r>
+              <a:rPr lang="en-US" dirty="0" smtClean="0"/>
+              <a:t>Easy on the clients.</a:t>
+            </a:r>
+          </a:p>
+          <a:p>
+            <a:r>
+              <a:rPr lang="en-US" dirty="0" smtClean="0"/>
+              <a:t>No extra dedicated hardware.</a:t>
+            </a:r>
+          </a:p>
+          <a:p>
+            <a:r>
+              <a:rPr lang="en-US" dirty="0" smtClean="0"/>
+              <a:t>Work for small files.</a:t>
+            </a:r>
+          </a:p>
+          <a:p>
+            <a:r>
+              <a:rPr lang="en-US" dirty="0" smtClean="0"/>
+              <a:t>Non intrusive.</a:t>
+            </a:r>
+          </a:p>
+        </p:txBody>
+      </p:sp>
+    </p:spTree>
+  </p:cSld>
+  <p:clrMapOvr>
+    <a:masterClrMapping/>
+  </p:clrMapOvr>
+</p:sld>
+</file>
+
+<file path=ppt/slides/slide14.xml><?xml version="1.0" encoding="utf-8"?>
+<p:sld xmlns:a="http://schemas.openxmlformats.org/drawingml/2006/main" xmlns:r="http://schemas.openxmlformats.org/officeDocument/2006/relationships" xmlns:p="http://schemas.openxmlformats.org/presentationml/2006/main">
+  <p:cSld>
+    <p:spTree>
+      <p:nvGrpSpPr>
+        <p:cNvPr id="1" name=""/>
+        <p:cNvGrpSpPr/>
+        <p:nvPr/>
+      </p:nvGrpSpPr>
+      <p:grpSpPr>
+        <a:xfrm>
+          <a:off x="0" y="0"/>
+          <a:ext cx="0" cy="0"/>
+          <a:chOff x="0" y="0"/>
+          <a:chExt cx="0" cy="0"/>
+        </a:xfrm>
+      </p:grpSpPr>
+      <p:sp>
+        <p:nvSpPr>
+          <p:cNvPr id="2" name="Title 1"/>
+          <p:cNvSpPr>
+            <a:spLocks noGrp="1"/>
+          </p:cNvSpPr>
+          <p:nvPr>
+            <p:ph type="title"/>
+          </p:nvPr>
+        </p:nvSpPr>
+        <p:spPr/>
+        <p:txBody>
+          <a:bodyPr>
+            <a:normAutofit/>
+          </a:bodyPr>
+          <a:lstStyle/>
+          <a:p>
+            <a:r>
+              <a:rPr lang="en-US" dirty="0" smtClean="0"/>
+              <a:t>Automatic Swarming</a:t>
+            </a:r>
+            <a:endParaRPr lang="en-US" dirty="0"/>
+          </a:p>
+        </p:txBody>
+      </p:sp>
+      <p:sp>
+        <p:nvSpPr>
+          <p:cNvPr id="5" name="Content Placeholder 4"/>
+          <p:cNvSpPr>
+            <a:spLocks noGrp="1"/>
+          </p:cNvSpPr>
+          <p:nvPr>
+            <p:ph idx="1"/>
+          </p:nvPr>
+        </p:nvSpPr>
+        <p:spPr/>
+        <p:txBody>
+          <a:bodyPr/>
+          <a:lstStyle/>
+          <a:p>
+            <a:r>
+              <a:rPr lang="en-US" dirty="0" smtClean="0"/>
+              <a:t>Basic Algorithm:</a:t>
+            </a:r>
+          </a:p>
+          <a:p>
+            <a:pPr lvl="1"/>
+            <a:r>
+              <a:rPr lang="en-US" dirty="0" smtClean="0"/>
+              <a:t>Monitor download</a:t>
+            </a:r>
+          </a:p>
+          <a:p>
+            <a:pPr lvl="1"/>
+            <a:r>
+              <a:rPr lang="en-US" dirty="0" smtClean="0"/>
+              <a:t>Automatically switch to a Peer-</a:t>
+            </a:r>
+            <a:r>
+              <a:rPr lang="en-US" dirty="0" smtClean="0"/>
+              <a:t>to-Peer download if it becomes slow.</a:t>
+            </a:r>
+            <a:endParaRPr lang="en-US" dirty="0"/>
+          </a:p>
+        </p:txBody>
+      </p:sp>
+    </p:spTree>
+  </p:cSld>
+  <p:clrMapOvr>
+    <a:masterClrMapping/>
+  </p:clrMapOvr>
+</p:sld>
+</file>
+
+<file path=ppt/slides/slide15.xml><?xml version="1.0" encoding="utf-8"?>
+<p:sld xmlns:a="http://schemas.openxmlformats.org/drawingml/2006/main" xmlns:r="http://schemas.openxmlformats.org/officeDocument/2006/relationships" xmlns:p="http://schemas.openxmlformats.org/presentationml/2006/main">
+  <p:cSld>
+    <p:spTree>
+      <p:nvGrpSpPr>
+        <p:cNvPr id="1" name=""/>
+        <p:cNvGrpSpPr/>
+        <p:nvPr/>
+      </p:nvGrpSpPr>
+      <p:grpSpPr>
+        <a:xfrm>
+          <a:off x="0" y="0"/>
+          <a:ext cx="0" cy="0"/>
+          <a:chOff x="0" y="0"/>
+          <a:chExt cx="0" cy="0"/>
+        </a:xfrm>
+      </p:grpSpPr>
+      <p:sp>
+        <p:nvSpPr>
+          <p:cNvPr id="2" name="Title 1"/>
+          <p:cNvSpPr>
+            <a:spLocks noGrp="1"/>
+          </p:cNvSpPr>
+          <p:nvPr>
+            <p:ph type="title"/>
+          </p:nvPr>
+        </p:nvSpPr>
+        <p:spPr/>
+        <p:txBody>
+          <a:bodyPr>
+            <a:normAutofit/>
+          </a:bodyPr>
+          <a:lstStyle/>
+          <a:p>
+            <a:r>
+              <a:rPr lang="en-US" dirty="0" smtClean="0"/>
+              <a:t>Monitor Download</a:t>
+            </a:r>
+            <a:endParaRPr lang="en-US" dirty="0"/>
+          </a:p>
+        </p:txBody>
+      </p:sp>
+      <p:pic>
+        <p:nvPicPr>
+          <p:cNvPr id="7172" name="Picture 4" descr="C:\rdp\dev\p2pwebclient\thesis_presentation\algorithm explanation.png"/>
+          <p:cNvPicPr>
+            <a:picLocks noChangeAspect="1" noChangeArrowheads="1"/>
+          </p:cNvPicPr>
+          <p:nvPr/>
+        </p:nvPicPr>
+        <p:blipFill>
+          <a:blip r:embed="rId3" cstate="print"/>
+          <a:srcRect/>
+          <a:stretch>
+            <a:fillRect/>
+          </a:stretch>
+        </p:blipFill>
+        <p:spPr bwMode="auto">
+          <a:xfrm>
+            <a:off x="609600" y="1600200"/>
+            <a:ext cx="7543800" cy="4820488"/>
           </a:xfrm>
           <a:prstGeom prst="rect">
             <a:avLst/>
@@ -6403,10 +7340,17 @@
   <p:clrMapOvr>
     <a:masterClrMapping/>
   </p:clrMapOvr>
+  <p:timing>
+    <p:tnLst>
+      <p:par>
+        <p:cTn id="1" dur="indefinite" restart="never" nodeType="tmRoot"/>
+      </p:par>
+    </p:tnLst>
+  </p:timing>
 </p:sld>
 </file>
 
-<file path=ppt/slides/slide12.xml><?xml version="1.0" encoding="utf-8"?>
+<file path=ppt/slides/slide16.xml><?xml version="1.0" encoding="utf-8"?>
 <p:sld xmlns:a="http://schemas.openxmlformats.org/drawingml/2006/main" xmlns:r="http://schemas.openxmlformats.org/officeDocument/2006/relationships" xmlns:p="http://schemas.openxmlformats.org/presentationml/2006/main">
   <p:cSld>
     <p:spTree>
@@ -6502,10 +7446,276 @@
   <p:clrMapOvr>
     <a:masterClrMapping/>
   </p:clrMapOvr>
+  <p:timing>
+    <p:tnLst>
+      <p:par>
+        <p:cTn id="1" dur="indefinite" restart="never" nodeType="tmRoot"/>
+      </p:par>
+    </p:tnLst>
+  </p:timing>
 </p:sld>
 </file>
 
-<file path=ppt/slides/slide13.xml><?xml version="1.0" encoding="utf-8"?>
+<file path=ppt/slides/slide17.xml><?xml version="1.0" encoding="utf-8"?>
+<p:sld xmlns:a="http://schemas.openxmlformats.org/drawingml/2006/main" xmlns:r="http://schemas.openxmlformats.org/officeDocument/2006/relationships" xmlns:p="http://schemas.openxmlformats.org/presentationml/2006/main">
+  <p:cSld>
+    <p:spTree>
+      <p:nvGrpSpPr>
+        <p:cNvPr id="1" name=""/>
+        <p:cNvGrpSpPr/>
+        <p:nvPr/>
+      </p:nvGrpSpPr>
+      <p:grpSpPr>
+        <a:xfrm>
+          <a:off x="0" y="0"/>
+          <a:ext cx="0" cy="0"/>
+          <a:chOff x="0" y="0"/>
+          <a:chExt cx="0" cy="0"/>
+        </a:xfrm>
+      </p:grpSpPr>
+      <p:sp>
+        <p:nvSpPr>
+          <p:cNvPr id="2" name="Title 1"/>
+          <p:cNvSpPr>
+            <a:spLocks noGrp="1"/>
+          </p:cNvSpPr>
+          <p:nvPr>
+            <p:ph type="title"/>
+          </p:nvPr>
+        </p:nvSpPr>
+        <p:spPr/>
+        <p:txBody>
+          <a:bodyPr/>
+          <a:lstStyle/>
+          <a:p>
+            <a:r>
+              <a:rPr lang="en-US" dirty="0" smtClean="0"/>
+              <a:t>Details</a:t>
+            </a:r>
+            <a:endParaRPr lang="en-US" dirty="0"/>
+          </a:p>
+        </p:txBody>
+      </p:sp>
+      <p:sp>
+        <p:nvSpPr>
+          <p:cNvPr id="3" name="Content Placeholder 2"/>
+          <p:cNvSpPr>
+            <a:spLocks noGrp="1"/>
+          </p:cNvSpPr>
+          <p:nvPr>
+            <p:ph idx="1"/>
+          </p:nvPr>
+        </p:nvSpPr>
+        <p:spPr/>
+        <p:txBody>
+          <a:bodyPr/>
+          <a:lstStyle/>
+          <a:p>
+            <a:r>
+              <a:rPr lang="en-US" dirty="0" smtClean="0"/>
+              <a:t>T starts immediately.</a:t>
+            </a:r>
+          </a:p>
+          <a:p>
+            <a:r>
+              <a:rPr lang="en-US" dirty="0" smtClean="0"/>
+              <a:t>R is calculated W seconds after T</a:t>
+            </a:r>
+          </a:p>
+          <a:p>
+            <a:r>
+              <a:rPr lang="en-US" dirty="0" smtClean="0"/>
+              <a:t>Redundant DHT keys.</a:t>
+            </a:r>
+          </a:p>
+          <a:p>
+            <a:r>
+              <a:rPr lang="en-US" dirty="0" smtClean="0"/>
+              <a:t>Polls on lack of peers (1s)</a:t>
+            </a:r>
+          </a:p>
+          <a:p>
+            <a:pPr lvl="1"/>
+            <a:r>
+              <a:rPr lang="en-US" dirty="0" smtClean="0"/>
+              <a:t>Downloads block from origin</a:t>
+            </a:r>
+          </a:p>
+          <a:p>
+            <a:r>
+              <a:rPr lang="en-US" dirty="0" smtClean="0"/>
+              <a:t>Last </a:t>
+            </a:r>
+            <a:r>
+              <a:rPr lang="en-US" dirty="0" smtClean="0"/>
+              <a:t>block problem</a:t>
+            </a:r>
+          </a:p>
+          <a:p>
+            <a:endParaRPr lang="en-US" dirty="0" smtClean="0"/>
+          </a:p>
+        </p:txBody>
+      </p:sp>
+      <p:pic>
+        <p:nvPicPr>
+          <p:cNvPr id="4" name="Picture 3" descr="C:\dev\ruby\p2pwebclient\thesis_presentation\algorithm explanation.png"/>
+          <p:cNvPicPr>
+            <a:picLocks noChangeAspect="1" noChangeArrowheads="1"/>
+          </p:cNvPicPr>
+          <p:nvPr/>
+        </p:nvPicPr>
+        <p:blipFill>
+          <a:blip r:embed="rId3" cstate="print"/>
+          <a:srcRect/>
+          <a:stretch>
+            <a:fillRect/>
+          </a:stretch>
+        </p:blipFill>
+        <p:spPr bwMode="auto">
+          <a:xfrm>
+            <a:off x="4953000" y="4191000"/>
+            <a:ext cx="3982134" cy="2478135"/>
+          </a:xfrm>
+          <a:prstGeom prst="rect">
+            <a:avLst/>
+          </a:prstGeom>
+          <a:noFill/>
+        </p:spPr>
+      </p:pic>
+    </p:spTree>
+  </p:cSld>
+  <p:clrMapOvr>
+    <a:masterClrMapping/>
+  </p:clrMapOvr>
+</p:sld>
+</file>
+
+<file path=ppt/slides/slide18.xml><?xml version="1.0" encoding="utf-8"?>
+<p:sld xmlns:a="http://schemas.openxmlformats.org/drawingml/2006/main" xmlns:r="http://schemas.openxmlformats.org/officeDocument/2006/relationships" xmlns:p="http://schemas.openxmlformats.org/presentationml/2006/main">
+  <p:cSld>
+    <p:spTree>
+      <p:nvGrpSpPr>
+        <p:cNvPr id="1" name=""/>
+        <p:cNvGrpSpPr/>
+        <p:nvPr/>
+      </p:nvGrpSpPr>
+      <p:grpSpPr>
+        <a:xfrm>
+          <a:off x="0" y="0"/>
+          <a:ext cx="0" cy="0"/>
+          <a:chOff x="0" y="0"/>
+          <a:chExt cx="0" cy="0"/>
+        </a:xfrm>
+      </p:grpSpPr>
+      <p:sp>
+        <p:nvSpPr>
+          <p:cNvPr id="2" name="Title 1"/>
+          <p:cNvSpPr>
+            <a:spLocks noGrp="1"/>
+          </p:cNvSpPr>
+          <p:nvPr>
+            <p:ph type="title"/>
+          </p:nvPr>
+        </p:nvSpPr>
+        <p:spPr/>
+        <p:txBody>
+          <a:bodyPr/>
+          <a:lstStyle/>
+          <a:p>
+            <a:r>
+              <a:rPr lang="en-US" dirty="0" smtClean="0"/>
+              <a:t>Methodology.</a:t>
+            </a:r>
+            <a:endParaRPr lang="en-US" dirty="0"/>
+          </a:p>
+        </p:txBody>
+      </p:sp>
+      <p:sp>
+        <p:nvSpPr>
+          <p:cNvPr id="3" name="Content Placeholder 2"/>
+          <p:cNvSpPr>
+            <a:spLocks noGrp="1"/>
+          </p:cNvSpPr>
+          <p:nvPr>
+            <p:ph idx="1"/>
+          </p:nvPr>
+        </p:nvSpPr>
+        <p:spPr/>
+        <p:txBody>
+          <a:bodyPr/>
+          <a:lstStyle/>
+          <a:p>
+            <a:r>
+              <a:rPr lang="en-US" dirty="0" err="1" smtClean="0"/>
+              <a:t>PlanetLab</a:t>
+            </a:r>
+            <a:endParaRPr lang="en-US" dirty="0" smtClean="0"/>
+          </a:p>
+          <a:p>
+            <a:r>
+              <a:rPr lang="en-US" dirty="0" smtClean="0"/>
+              <a:t>Private </a:t>
+            </a:r>
+            <a:r>
+              <a:rPr lang="en-US" dirty="0" err="1" smtClean="0"/>
+              <a:t>OpenDHT</a:t>
+            </a:r>
+            <a:endParaRPr lang="en-US" dirty="0" smtClean="0"/>
+          </a:p>
+          <a:p>
+            <a:r>
+              <a:rPr lang="en-US" dirty="0" smtClean="0"/>
+              <a:t>BYU server </a:t>
+            </a:r>
+          </a:p>
+          <a:p>
+            <a:pPr lvl="1"/>
+            <a:r>
+              <a:rPr lang="en-US" dirty="0" smtClean="0"/>
+              <a:t>256 KB/s</a:t>
+            </a:r>
+          </a:p>
+          <a:p>
+            <a:pPr lvl="1"/>
+            <a:endParaRPr lang="en-US" dirty="0" smtClean="0"/>
+          </a:p>
+        </p:txBody>
+      </p:sp>
+      <p:pic>
+        <p:nvPicPr>
+          <p:cNvPr id="4098" name="Picture 2" descr="C:\Documents and Settings\rdp\Desktop\World50.png"/>
+          <p:cNvPicPr>
+            <a:picLocks noChangeAspect="1" noChangeArrowheads="1"/>
+          </p:cNvPicPr>
+          <p:nvPr/>
+        </p:nvPicPr>
+        <p:blipFill>
+          <a:blip r:embed="rId2" cstate="print"/>
+          <a:srcRect/>
+          <a:stretch>
+            <a:fillRect/>
+          </a:stretch>
+        </p:blipFill>
+        <p:spPr bwMode="auto">
+          <a:xfrm>
+            <a:off x="4000500" y="1447800"/>
+            <a:ext cx="5143500" cy="2571750"/>
+          </a:xfrm>
+          <a:prstGeom prst="rect">
+            <a:avLst/>
+          </a:prstGeom>
+          <a:noFill/>
+        </p:spPr>
+      </p:pic>
+    </p:spTree>
+  </p:cSld>
+  <p:clrMapOvr>
+    <a:masterClrMapping/>
+  </p:clrMapOvr>
+</p:sld>
+</file>
+
+<file path=ppt/slides/slide19.xml><?xml version="1.0" encoding="utf-8"?>
 <p:sld xmlns:a="http://schemas.openxmlformats.org/drawingml/2006/main" xmlns:r="http://schemas.openxmlformats.org/officeDocument/2006/relationships" xmlns:p="http://schemas.openxmlformats.org/presentationml/2006/main">
   <p:cSld>
     <p:spTree>
@@ -6585,7 +7795,95 @@
 </p:sld>
 </file>
 
-<file path=ppt/slides/slide14.xml><?xml version="1.0" encoding="utf-8"?>
+<file path=ppt/slides/slide2.xml><?xml version="1.0" encoding="utf-8"?>
+<p:sld xmlns:a="http://schemas.openxmlformats.org/drawingml/2006/main" xmlns:r="http://schemas.openxmlformats.org/officeDocument/2006/relationships" xmlns:p="http://schemas.openxmlformats.org/presentationml/2006/main">
+  <p:cSld>
+    <p:spTree>
+      <p:nvGrpSpPr>
+        <p:cNvPr id="1" name=""/>
+        <p:cNvGrpSpPr/>
+        <p:nvPr/>
+      </p:nvGrpSpPr>
+      <p:grpSpPr>
+        <a:xfrm>
+          <a:off x="0" y="0"/>
+          <a:ext cx="0" cy="0"/>
+          <a:chOff x="0" y="0"/>
+          <a:chExt cx="0" cy="0"/>
+        </a:xfrm>
+      </p:grpSpPr>
+      <p:sp>
+        <p:nvSpPr>
+          <p:cNvPr id="2" name="Title 1"/>
+          <p:cNvSpPr>
+            <a:spLocks noGrp="1"/>
+          </p:cNvSpPr>
+          <p:nvPr>
+            <p:ph type="title"/>
+          </p:nvPr>
+        </p:nvSpPr>
+        <p:spPr/>
+        <p:txBody>
+          <a:bodyPr/>
+          <a:lstStyle/>
+          <a:p>
+            <a:r>
+              <a:rPr lang="en-US" dirty="0" smtClean="0"/>
+              <a:t>Thanks!</a:t>
+            </a:r>
+            <a:endParaRPr lang="en-US" dirty="0"/>
+          </a:p>
+        </p:txBody>
+      </p:sp>
+      <p:sp>
+        <p:nvSpPr>
+          <p:cNvPr id="3" name="Content Placeholder 2"/>
+          <p:cNvSpPr>
+            <a:spLocks noGrp="1"/>
+          </p:cNvSpPr>
+          <p:nvPr>
+            <p:ph idx="1"/>
+          </p:nvPr>
+        </p:nvSpPr>
+        <p:spPr/>
+        <p:txBody>
+          <a:bodyPr>
+            <a:normAutofit/>
+          </a:bodyPr>
+          <a:lstStyle/>
+          <a:p>
+            <a:r>
+              <a:rPr lang="en-US" sz="1800" dirty="0" smtClean="0"/>
+              <a:t>Family</a:t>
+            </a:r>
+          </a:p>
+          <a:p>
+            <a:r>
+              <a:rPr lang="en-US" sz="1800" dirty="0" smtClean="0"/>
+              <a:t>Teachers</a:t>
+            </a:r>
+          </a:p>
+          <a:p>
+            <a:r>
+              <a:rPr lang="en-US" sz="1800" dirty="0" err="1" smtClean="0"/>
+              <a:t>wE</a:t>
+            </a:r>
+            <a:r>
+              <a:rPr lang="en-US" sz="1800" dirty="0" smtClean="0"/>
+              <a:t>\=f P'P= \ROVIDE A U966554F545DS6TFDV87654536:01 PM 4/5/20102 098YH6Ya	1W N.I </a:t>
+            </a:r>
+          </a:p>
+        </p:txBody>
+      </p:sp>
+    </p:spTree>
+  </p:cSld>
+  <p:clrMapOvr>
+    <a:masterClrMapping/>
+  </p:clrMapOvr>
+</p:sld>
+</file>
+
+<file path=ppt/slides/slide20.xml><?xml version="1.0" encoding="utf-8"?>
 <p:sld xmlns:a="http://schemas.openxmlformats.org/drawingml/2006/main" xmlns:r="http://schemas.openxmlformats.org/officeDocument/2006/relationships" xmlns:p="http://schemas.openxmlformats.org/presentationml/2006/main">
   <p:cSld>
     <p:spTree>
@@ -6699,7 +7997,7 @@
 </p:sld>
 </file>
 
-<file path=ppt/slides/slide15.xml><?xml version="1.0" encoding="utf-8"?>
+<file path=ppt/slides/slide21.xml><?xml version="1.0" encoding="utf-8"?>
 <p:sld xmlns:a="http://schemas.openxmlformats.org/drawingml/2006/main" xmlns:r="http://schemas.openxmlformats.org/officeDocument/2006/relationships" xmlns:p="http://schemas.openxmlformats.org/presentationml/2006/main" show="0">
   <p:cSld>
     <p:spTree>
@@ -6812,7 +8110,7 @@
 </p:sld>
 </file>
 
-<file path=ppt/slides/slide16.xml><?xml version="1.0" encoding="utf-8"?>
+<file path=ppt/slides/slide22.xml><?xml version="1.0" encoding="utf-8"?>
 <p:sld xmlns:a="http://schemas.openxmlformats.org/drawingml/2006/main" xmlns:r="http://schemas.openxmlformats.org/officeDocument/2006/relationships" xmlns:p="http://schemas.openxmlformats.org/presentationml/2006/main">
   <p:cSld>
     <p:spTree>
@@ -6943,7 +8241,7 @@
 </p:sld>
 </file>
 
-<file path=ppt/slides/slide17.xml><?xml version="1.0" encoding="utf-8"?>
+<file path=ppt/slides/slide23.xml><?xml version="1.0" encoding="utf-8"?>
 <p:sld xmlns:a="http://schemas.openxmlformats.org/drawingml/2006/main" xmlns:r="http://schemas.openxmlformats.org/officeDocument/2006/relationships" xmlns:p="http://schemas.openxmlformats.org/presentationml/2006/main">
   <p:cSld>
     <p:spTree>
@@ -7023,7 +8321,7 @@
 </p:sld>
 </file>
 
-<file path=ppt/slides/slide18.xml><?xml version="1.0" encoding="utf-8"?>
+<file path=ppt/slides/slide24.xml><?xml version="1.0" encoding="utf-8"?>
 <p:sld xmlns:a="http://schemas.openxmlformats.org/drawingml/2006/main" xmlns:r="http://schemas.openxmlformats.org/officeDocument/2006/relationships" xmlns:p="http://schemas.openxmlformats.org/presentationml/2006/main">
   <p:cSld>
     <p:spTree>
@@ -7103,7 +8401,7 @@
 </p:sld>
 </file>
 
-<file path=ppt/slides/slide19.xml><?xml version="1.0" encoding="utf-8"?>
+<file path=ppt/slides/slide25.xml><?xml version="1.0" encoding="utf-8"?>
 <p:sld xmlns:a="http://schemas.openxmlformats.org/drawingml/2006/main" xmlns:r="http://schemas.openxmlformats.org/officeDocument/2006/relationships" xmlns:p="http://schemas.openxmlformats.org/presentationml/2006/main">
   <p:cSld>
     <p:spTree>
@@ -7183,95 +8481,7 @@
 </p:sld>
 </file>
 
-<file path=ppt/slides/slide2.xml><?xml version="1.0" encoding="utf-8"?>
-<p:sld xmlns:a="http://schemas.openxmlformats.org/drawingml/2006/main" xmlns:r="http://schemas.openxmlformats.org/officeDocument/2006/relationships" xmlns:p="http://schemas.openxmlformats.org/presentationml/2006/main">
-  <p:cSld>
-    <p:spTree>
-      <p:nvGrpSpPr>
-        <p:cNvPr id="1" name=""/>
-        <p:cNvGrpSpPr/>
-        <p:nvPr/>
-      </p:nvGrpSpPr>
-      <p:grpSpPr>
-        <a:xfrm>
-          <a:off x="0" y="0"/>
-          <a:ext cx="0" cy="0"/>
-          <a:chOff x="0" y="0"/>
-          <a:chExt cx="0" cy="0"/>
-        </a:xfrm>
-      </p:grpSpPr>
-      <p:sp>
-        <p:nvSpPr>
-          <p:cNvPr id="2" name="Title 1"/>
-          <p:cNvSpPr>
-            <a:spLocks noGrp="1"/>
-          </p:cNvSpPr>
-          <p:nvPr>
-            <p:ph type="title"/>
-          </p:nvPr>
-        </p:nvSpPr>
-        <p:spPr/>
-        <p:txBody>
-          <a:bodyPr/>
-          <a:lstStyle/>
-          <a:p>
-            <a:r>
-              <a:rPr lang="en-US" dirty="0" smtClean="0"/>
-              <a:t>Thanks!</a:t>
-            </a:r>
-            <a:endParaRPr lang="en-US" dirty="0"/>
-          </a:p>
-        </p:txBody>
-      </p:sp>
-      <p:sp>
-        <p:nvSpPr>
-          <p:cNvPr id="3" name="Content Placeholder 2"/>
-          <p:cNvSpPr>
-            <a:spLocks noGrp="1"/>
-          </p:cNvSpPr>
-          <p:nvPr>
-            <p:ph idx="1"/>
-          </p:nvPr>
-        </p:nvSpPr>
-        <p:spPr/>
-        <p:txBody>
-          <a:bodyPr>
-            <a:normAutofit/>
-          </a:bodyPr>
-          <a:lstStyle/>
-          <a:p>
-            <a:r>
-              <a:rPr lang="en-US" sz="1800" dirty="0" err="1" smtClean="0"/>
-              <a:t>wE</a:t>
-            </a:r>
-            <a:r>
-              <a:rPr lang="en-US" sz="1800" dirty="0" smtClean="0"/>
-              <a:t>\=f P'P= \ROVIDE A U966554F545DS6TFDV87654536:01 PM 4/5/20102 098YH6Ya	1W N.I </a:t>
-            </a:r>
-          </a:p>
-          <a:p>
-            <a:r>
-              <a:rPr lang="en-US" sz="1800" dirty="0" smtClean="0"/>
-              <a:t>Family</a:t>
-            </a:r>
-          </a:p>
-          <a:p>
-            <a:r>
-              <a:rPr lang="en-US" sz="1800" dirty="0" smtClean="0"/>
-              <a:t>Teachers</a:t>
-            </a:r>
-          </a:p>
-        </p:txBody>
-      </p:sp>
-    </p:spTree>
-  </p:cSld>
-  <p:clrMapOvr>
-    <a:masterClrMapping/>
-  </p:clrMapOvr>
-</p:sld>
-</file>
-
-<file path=ppt/slides/slide20.xml><?xml version="1.0" encoding="utf-8"?>
+<file path=ppt/slides/slide26.xml><?xml version="1.0" encoding="utf-8"?>
 <p:sld xmlns:a="http://schemas.openxmlformats.org/drawingml/2006/main" xmlns:r="http://schemas.openxmlformats.org/officeDocument/2006/relationships" xmlns:p="http://schemas.openxmlformats.org/presentationml/2006/main">
   <p:cSld>
     <p:spTree>
@@ -7351,7 +8561,7 @@
 </p:sld>
 </file>
 
-<file path=ppt/slides/slide21.xml><?xml version="1.0" encoding="utf-8"?>
+<file path=ppt/slides/slide27.xml><?xml version="1.0" encoding="utf-8"?>
 <p:sld xmlns:a="http://schemas.openxmlformats.org/drawingml/2006/main" xmlns:r="http://schemas.openxmlformats.org/officeDocument/2006/relationships" xmlns:p="http://schemas.openxmlformats.org/presentationml/2006/main">
   <p:cSld>
     <p:spTree>
@@ -7433,7 +8643,7 @@
 </p:sld>
 </file>
 
-<file path=ppt/slides/slide22.xml><?xml version="1.0" encoding="utf-8"?>
+<file path=ppt/slides/slide28.xml><?xml version="1.0" encoding="utf-8"?>
 <p:sld xmlns:a="http://schemas.openxmlformats.org/drawingml/2006/main" xmlns:r="http://schemas.openxmlformats.org/officeDocument/2006/relationships" xmlns:p="http://schemas.openxmlformats.org/presentationml/2006/main">
   <p:cSld>
     <p:spTree>
@@ -7513,7 +8723,7 @@
 </p:sld>
 </file>
 
-<file path=ppt/slides/slide23.xml><?xml version="1.0" encoding="utf-8"?>
+<file path=ppt/slides/slide29.xml><?xml version="1.0" encoding="utf-8"?>
 <p:sld xmlns:a="http://schemas.openxmlformats.org/drawingml/2006/main" xmlns:r="http://schemas.openxmlformats.org/officeDocument/2006/relationships" xmlns:p="http://schemas.openxmlformats.org/presentationml/2006/main">
   <p:cSld>
     <p:spTree>
@@ -7595,7 +8805,106 @@
 </p:sld>
 </file>
 
-<file path=ppt/slides/slide24.xml><?xml version="1.0" encoding="utf-8"?>
+<file path=ppt/slides/slide3.xml><?xml version="1.0" encoding="utf-8"?>
+<p:sld xmlns:a="http://schemas.openxmlformats.org/drawingml/2006/main" xmlns:r="http://schemas.openxmlformats.org/officeDocument/2006/relationships" xmlns:p="http://schemas.openxmlformats.org/presentationml/2006/main">
+  <p:cSld>
+    <p:spTree>
+      <p:nvGrpSpPr>
+        <p:cNvPr id="1" name=""/>
+        <p:cNvGrpSpPr/>
+        <p:nvPr/>
+      </p:nvGrpSpPr>
+      <p:grpSpPr>
+        <a:xfrm>
+          <a:off x="0" y="0"/>
+          <a:ext cx="0" cy="0"/>
+          <a:chOff x="0" y="0"/>
+          <a:chExt cx="0" cy="0"/>
+        </a:xfrm>
+      </p:grpSpPr>
+      <p:sp>
+        <p:nvSpPr>
+          <p:cNvPr id="2" name="Title 1"/>
+          <p:cNvSpPr>
+            <a:spLocks noGrp="1"/>
+          </p:cNvSpPr>
+          <p:nvPr>
+            <p:ph type="title"/>
+          </p:nvPr>
+        </p:nvSpPr>
+        <p:spPr/>
+        <p:txBody>
+          <a:bodyPr/>
+          <a:lstStyle/>
+          <a:p>
+            <a:r>
+              <a:rPr lang="en-US" dirty="0" smtClean="0"/>
+              <a:t>Thesis</a:t>
+            </a:r>
+            <a:endParaRPr lang="en-US" dirty="0"/>
+          </a:p>
+        </p:txBody>
+      </p:sp>
+      <p:sp>
+        <p:nvSpPr>
+          <p:cNvPr id="3" name="Content Placeholder 2"/>
+          <p:cNvSpPr>
+            <a:spLocks noGrp="1"/>
+          </p:cNvSpPr>
+          <p:nvPr>
+            <p:ph idx="1"/>
+          </p:nvPr>
+        </p:nvSpPr>
+        <p:spPr/>
+        <p:txBody>
+          <a:bodyPr/>
+          <a:lstStyle/>
+          <a:p>
+            <a:endParaRPr lang="en-US" dirty="0"/>
+          </a:p>
+        </p:txBody>
+      </p:sp>
+      <p:pic>
+        <p:nvPicPr>
+          <p:cNvPr id="3074" name="Picture 2"/>
+          <p:cNvPicPr>
+            <a:picLocks noChangeAspect="1" noChangeArrowheads="1"/>
+          </p:cNvPicPr>
+          <p:nvPr/>
+        </p:nvPicPr>
+        <p:blipFill>
+          <a:blip r:embed="rId2" cstate="print"/>
+          <a:srcRect/>
+          <a:stretch>
+            <a:fillRect/>
+          </a:stretch>
+        </p:blipFill>
+        <p:spPr bwMode="auto">
+          <a:xfrm>
+            <a:off x="1371600" y="1143000"/>
+            <a:ext cx="6419850" cy="5715000"/>
+          </a:xfrm>
+          <a:prstGeom prst="rect">
+            <a:avLst/>
+          </a:prstGeom>
+          <a:noFill/>
+          <a:ln w="9525">
+            <a:noFill/>
+            <a:miter lim="800000"/>
+            <a:headEnd/>
+            <a:tailEnd/>
+          </a:ln>
+        </p:spPr>
+      </p:pic>
+    </p:spTree>
+  </p:cSld>
+  <p:clrMapOvr>
+    <a:masterClrMapping/>
+  </p:clrMapOvr>
+</p:sld>
+</file>
+
+<file path=ppt/slides/slide30.xml><?xml version="1.0" encoding="utf-8"?>
 <p:sld xmlns:a="http://schemas.openxmlformats.org/drawingml/2006/main" xmlns:r="http://schemas.openxmlformats.org/officeDocument/2006/relationships" xmlns:p="http://schemas.openxmlformats.org/presentationml/2006/main">
   <p:cSld>
     <p:spTree>
@@ -7709,7 +9018,7 @@
 </p:sld>
 </file>
 
-<file path=ppt/slides/slide25.xml><?xml version="1.0" encoding="utf-8"?>
+<file path=ppt/slides/slide31.xml><?xml version="1.0" encoding="utf-8"?>
 <p:sld xmlns:a="http://schemas.openxmlformats.org/drawingml/2006/main" xmlns:r="http://schemas.openxmlformats.org/officeDocument/2006/relationships" xmlns:p="http://schemas.openxmlformats.org/presentationml/2006/main">
   <p:cSld>
     <p:spTree>
@@ -7773,25 +9082,12 @@
             <a:pPr lvl="1"/>
             <a:r>
               <a:rPr lang="en-US" dirty="0" smtClean="0"/>
-              <a:t>30 x as fast for small files</a:t>
-            </a:r>
-          </a:p>
-          <a:p>
-            <a:pPr lvl="1"/>
-            <a:r>
-              <a:rPr lang="en-US" dirty="0" smtClean="0"/>
-              <a:t>Transparent to servers</a:t>
-            </a:r>
-          </a:p>
-          <a:p>
-            <a:pPr lvl="1"/>
-            <a:r>
-              <a:rPr lang="en-US" dirty="0" smtClean="0"/>
-              <a:t>Automatic for end users</a:t>
-            </a:r>
-          </a:p>
-          <a:p>
-            <a:pPr lvl="1"/>
+              <a:t>30 x as fast for small </a:t>
+            </a:r>
+            <a:r>
+              <a:rPr lang="en-US" dirty="0" smtClean="0"/>
+              <a:t>files</a:t>
+            </a:r>
             <a:endParaRPr lang="en-US" dirty="0" smtClean="0"/>
           </a:p>
         </p:txBody>
@@ -7804,7 +9100,7 @@
 </p:sld>
 </file>
 
-<file path=ppt/slides/slide26.xml><?xml version="1.0" encoding="utf-8"?>
+<file path=ppt/slides/slide32.xml><?xml version="1.0" encoding="utf-8"?>
 <p:sld xmlns:a="http://schemas.openxmlformats.org/drawingml/2006/main" xmlns:r="http://schemas.openxmlformats.org/officeDocument/2006/relationships" xmlns:p="http://schemas.openxmlformats.org/presentationml/2006/main">
   <p:cSld>
     <p:spTree>
@@ -7838,7 +9134,7 @@
           <a:p>
             <a:r>
               <a:rPr lang="en-US" dirty="0" smtClean="0"/>
-              <a:t>Future Work</a:t>
+              <a:t>Automatic Swarming Benefits</a:t>
             </a:r>
             <a:endParaRPr lang="en-US" dirty="0"/>
           </a:p>
@@ -7861,45 +9157,28 @@
           <a:p>
             <a:r>
               <a:rPr lang="en-US" dirty="0" smtClean="0"/>
-              <a:t>Back off the origin.</a:t>
-            </a:r>
-          </a:p>
-          <a:p>
-            <a:r>
-              <a:rPr lang="en-US" dirty="0" smtClean="0"/>
-              <a:t>Validate Integrity.</a:t>
-            </a:r>
-          </a:p>
-          <a:p>
-            <a:r>
-              <a:rPr lang="en-US" dirty="0" smtClean="0"/>
-              <a:t>Differentiate better for static/non-static.</a:t>
-            </a:r>
-          </a:p>
-          <a:p>
-            <a:r>
-              <a:rPr lang="en-US" dirty="0" smtClean="0"/>
-              <a:t>Better use of the DHT (fairness, speed).</a:t>
-            </a:r>
-          </a:p>
-          <a:p>
-            <a:r>
-              <a:rPr lang="en-US" dirty="0" smtClean="0"/>
-              <a:t>Dynamic parameters.</a:t>
-            </a:r>
-          </a:p>
-          <a:p>
-            <a:r>
-              <a:rPr lang="en-US" dirty="0" smtClean="0"/>
-              <a:t>Incentives.</a:t>
-            </a:r>
-          </a:p>
-          <a:p>
-            <a:r>
-              <a:rPr lang="en-US" dirty="0" smtClean="0"/>
-              <a:t>Privacy.</a:t>
-            </a:r>
-            <a:endParaRPr lang="en-US" dirty="0"/>
+              <a:t>Automatic transition</a:t>
+            </a:r>
+          </a:p>
+          <a:p>
+            <a:pPr lvl="1"/>
+            <a:r>
+              <a:rPr lang="en-US" dirty="0" smtClean="0"/>
+              <a:t>Small files</a:t>
+            </a:r>
+          </a:p>
+          <a:p>
+            <a:pPr lvl="1"/>
+            <a:r>
+              <a:rPr lang="en-US" dirty="0" smtClean="0"/>
+              <a:t>Client-server plus P2P</a:t>
+            </a:r>
+          </a:p>
+          <a:p>
+            <a:r>
+              <a:rPr lang="en-US" dirty="0" smtClean="0"/>
+              <a:t>Client-side protocol</a:t>
+            </a:r>
           </a:p>
         </p:txBody>
       </p:sp>
@@ -7911,7 +9190,114 @@
 </p:sld>
 </file>
 
-<file path=ppt/slides/slide3.xml><?xml version="1.0" encoding="utf-8"?>
+<file path=ppt/slides/slide33.xml><?xml version="1.0" encoding="utf-8"?>
+<p:sld xmlns:a="http://schemas.openxmlformats.org/drawingml/2006/main" xmlns:r="http://schemas.openxmlformats.org/officeDocument/2006/relationships" xmlns:p="http://schemas.openxmlformats.org/presentationml/2006/main">
+  <p:cSld>
+    <p:spTree>
+      <p:nvGrpSpPr>
+        <p:cNvPr id="1" name=""/>
+        <p:cNvGrpSpPr/>
+        <p:nvPr/>
+      </p:nvGrpSpPr>
+      <p:grpSpPr>
+        <a:xfrm>
+          <a:off x="0" y="0"/>
+          <a:ext cx="0" cy="0"/>
+          <a:chOff x="0" y="0"/>
+          <a:chExt cx="0" cy="0"/>
+        </a:xfrm>
+      </p:grpSpPr>
+      <p:sp>
+        <p:nvSpPr>
+          <p:cNvPr id="2" name="Title 1"/>
+          <p:cNvSpPr>
+            <a:spLocks noGrp="1"/>
+          </p:cNvSpPr>
+          <p:nvPr>
+            <p:ph type="title"/>
+          </p:nvPr>
+        </p:nvSpPr>
+        <p:spPr/>
+        <p:txBody>
+          <a:bodyPr/>
+          <a:lstStyle/>
+          <a:p>
+            <a:r>
+              <a:rPr lang="en-US" dirty="0" smtClean="0"/>
+              <a:t>Future Work</a:t>
+            </a:r>
+            <a:endParaRPr lang="en-US" dirty="0"/>
+          </a:p>
+        </p:txBody>
+      </p:sp>
+      <p:sp>
+        <p:nvSpPr>
+          <p:cNvPr id="3" name="Content Placeholder 2"/>
+          <p:cNvSpPr>
+            <a:spLocks noGrp="1"/>
+          </p:cNvSpPr>
+          <p:nvPr>
+            <p:ph idx="1"/>
+          </p:nvPr>
+        </p:nvSpPr>
+        <p:spPr/>
+        <p:txBody>
+          <a:bodyPr/>
+          <a:lstStyle/>
+          <a:p>
+            <a:r>
+              <a:rPr lang="en-US" dirty="0" smtClean="0"/>
+              <a:t>Back off the origin.</a:t>
+            </a:r>
+          </a:p>
+          <a:p>
+            <a:r>
+              <a:rPr lang="en-US" dirty="0" smtClean="0"/>
+              <a:t>Validate Integrity.</a:t>
+            </a:r>
+          </a:p>
+          <a:p>
+            <a:r>
+              <a:rPr lang="en-US" dirty="0" smtClean="0"/>
+              <a:t>Differentiate better for static/non-static.</a:t>
+            </a:r>
+          </a:p>
+          <a:p>
+            <a:r>
+              <a:rPr lang="en-US" dirty="0" smtClean="0"/>
+              <a:t>Better use of the DHT (fairness, speed).</a:t>
+            </a:r>
+          </a:p>
+          <a:p>
+            <a:r>
+              <a:rPr lang="en-US" dirty="0" smtClean="0"/>
+              <a:t>Dynamic parameters.</a:t>
+            </a:r>
+          </a:p>
+          <a:p>
+            <a:r>
+              <a:rPr lang="en-US" dirty="0" smtClean="0"/>
+              <a:t>Incentives.</a:t>
+            </a:r>
+          </a:p>
+          <a:p>
+            <a:r>
+              <a:rPr lang="en-US" dirty="0" smtClean="0"/>
+              <a:t>Privacy.</a:t>
+            </a:r>
+            <a:endParaRPr lang="en-US" dirty="0"/>
+          </a:p>
+        </p:txBody>
+      </p:sp>
+    </p:spTree>
+  </p:cSld>
+  <p:clrMapOvr>
+    <a:masterClrMapping/>
+  </p:clrMapOvr>
+</p:sld>
+</file>
+
+<file path=ppt/slides/slide4.xml><?xml version="1.0" encoding="utf-8"?>
 <p:sld xmlns:a="http://schemas.openxmlformats.org/drawingml/2006/main" xmlns:r="http://schemas.openxmlformats.org/officeDocument/2006/relationships" xmlns:p="http://schemas.openxmlformats.org/presentationml/2006/main">
   <p:cSld>
     <p:spTree>
@@ -8036,7 +9422,7 @@
 </p:sld>
 </file>
 
-<file path=ppt/slides/slide4.xml><?xml version="1.0" encoding="utf-8"?>
+<file path=ppt/slides/slide5.xml><?xml version="1.0" encoding="utf-8"?>
 <p:sld xmlns:a="http://schemas.openxmlformats.org/drawingml/2006/main" xmlns:r="http://schemas.openxmlformats.org/officeDocument/2006/relationships" xmlns:p="http://schemas.openxmlformats.org/presentationml/2006/main">
   <p:cSld>
     <p:spTree>
@@ -8179,102 +9565,6 @@
 </p:sld>
 </file>
 
-<file path=ppt/slides/slide5.xml><?xml version="1.0" encoding="utf-8"?>
-<p:sld xmlns:a="http://schemas.openxmlformats.org/drawingml/2006/main" xmlns:r="http://schemas.openxmlformats.org/officeDocument/2006/relationships" xmlns:p="http://schemas.openxmlformats.org/presentationml/2006/main">
-  <p:cSld>
-    <p:spTree>
-      <p:nvGrpSpPr>
-        <p:cNvPr id="1" name=""/>
-        <p:cNvGrpSpPr/>
-        <p:nvPr/>
-      </p:nvGrpSpPr>
-      <p:grpSpPr>
-        <a:xfrm>
-          <a:off x="0" y="0"/>
-          <a:ext cx="0" cy="0"/>
-          <a:chOff x="0" y="0"/>
-          <a:chExt cx="0" cy="0"/>
-        </a:xfrm>
-      </p:grpSpPr>
-      <p:sp>
-        <p:nvSpPr>
-          <p:cNvPr id="2" name="Title 1"/>
-          <p:cNvSpPr>
-            <a:spLocks noGrp="1"/>
-          </p:cNvSpPr>
-          <p:nvPr>
-            <p:ph type="title"/>
-          </p:nvPr>
-        </p:nvSpPr>
-        <p:spPr/>
-        <p:txBody>
-          <a:bodyPr/>
-          <a:lstStyle/>
-          <a:p>
-            <a:r>
-              <a:rPr lang="en-US" dirty="0" smtClean="0"/>
-              <a:t>My options</a:t>
-            </a:r>
-            <a:endParaRPr lang="en-US" dirty="0"/>
-          </a:p>
-        </p:txBody>
-      </p:sp>
-      <p:sp>
-        <p:nvSpPr>
-          <p:cNvPr id="3" name="Content Placeholder 2"/>
-          <p:cNvSpPr>
-            <a:spLocks noGrp="1"/>
-          </p:cNvSpPr>
-          <p:nvPr>
-            <p:ph idx="1"/>
-          </p:nvPr>
-        </p:nvSpPr>
-        <p:spPr/>
-        <p:txBody>
-          <a:bodyPr>
-            <a:normAutofit/>
-          </a:bodyPr>
-          <a:lstStyle/>
-          <a:p>
-            <a:r>
-              <a:rPr lang="en-US" dirty="0" smtClean="0"/>
-              <a:t>Hit reload.</a:t>
-            </a:r>
-          </a:p>
-          <a:p>
-            <a:r>
-              <a:rPr lang="en-US" dirty="0" smtClean="0"/>
-              <a:t>Try somewhere else.</a:t>
-            </a:r>
-          </a:p>
-          <a:p>
-            <a:r>
-              <a:rPr lang="en-US" dirty="0" smtClean="0"/>
-              <a:t>Download Manager.</a:t>
-            </a:r>
-          </a:p>
-          <a:p>
-            <a:r>
-              <a:rPr lang="en-US" dirty="0" smtClean="0"/>
-              <a:t>Add a local proxy.</a:t>
-            </a:r>
-          </a:p>
-          <a:p>
-            <a:r>
-              <a:rPr lang="en-US" dirty="0" smtClean="0"/>
-              <a:t>Beg the server to change how they serve the file.</a:t>
-            </a:r>
-          </a:p>
-        </p:txBody>
-      </p:sp>
-    </p:spTree>
-  </p:cSld>
-  <p:clrMapOvr>
-    <a:masterClrMapping/>
-  </p:clrMapOvr>
-</p:sld>
-</file>
-
 <file path=ppt/slides/slide6.xml><?xml version="1.0" encoding="utf-8"?>
 <p:sld xmlns:a="http://schemas.openxmlformats.org/drawingml/2006/main" xmlns:r="http://schemas.openxmlformats.org/officeDocument/2006/relationships" xmlns:p="http://schemas.openxmlformats.org/presentationml/2006/main">
   <p:cSld>
@@ -8309,6 +9599,102 @@
           <a:p>
             <a:r>
               <a:rPr lang="en-US" dirty="0" smtClean="0"/>
+              <a:t>User options</a:t>
+            </a:r>
+            <a:endParaRPr lang="en-US" dirty="0"/>
+          </a:p>
+        </p:txBody>
+      </p:sp>
+      <p:sp>
+        <p:nvSpPr>
+          <p:cNvPr id="3" name="Content Placeholder 2"/>
+          <p:cNvSpPr>
+            <a:spLocks noGrp="1"/>
+          </p:cNvSpPr>
+          <p:nvPr>
+            <p:ph idx="1"/>
+          </p:nvPr>
+        </p:nvSpPr>
+        <p:spPr/>
+        <p:txBody>
+          <a:bodyPr>
+            <a:normAutofit/>
+          </a:bodyPr>
+          <a:lstStyle/>
+          <a:p>
+            <a:r>
+              <a:rPr lang="en-US" dirty="0" smtClean="0"/>
+              <a:t>Hit reload.</a:t>
+            </a:r>
+          </a:p>
+          <a:p>
+            <a:r>
+              <a:rPr lang="en-US" dirty="0" smtClean="0"/>
+              <a:t>Try somewhere else.</a:t>
+            </a:r>
+          </a:p>
+          <a:p>
+            <a:r>
+              <a:rPr lang="en-US" dirty="0" smtClean="0"/>
+              <a:t>Download Manager.</a:t>
+            </a:r>
+          </a:p>
+          <a:p>
+            <a:r>
+              <a:rPr lang="en-US" dirty="0" smtClean="0"/>
+              <a:t>Add a local proxy.</a:t>
+            </a:r>
+          </a:p>
+          <a:p>
+            <a:r>
+              <a:rPr lang="en-US" dirty="0" smtClean="0"/>
+              <a:t>Beg the server to change how they serve the file.</a:t>
+            </a:r>
+          </a:p>
+        </p:txBody>
+      </p:sp>
+    </p:spTree>
+  </p:cSld>
+  <p:clrMapOvr>
+    <a:masterClrMapping/>
+  </p:clrMapOvr>
+</p:sld>
+</file>
+
+<file path=ppt/slides/slide7.xml><?xml version="1.0" encoding="utf-8"?>
+<p:sld xmlns:a="http://schemas.openxmlformats.org/drawingml/2006/main" xmlns:r="http://schemas.openxmlformats.org/officeDocument/2006/relationships" xmlns:p="http://schemas.openxmlformats.org/presentationml/2006/main">
+  <p:cSld>
+    <p:spTree>
+      <p:nvGrpSpPr>
+        <p:cNvPr id="1" name=""/>
+        <p:cNvGrpSpPr/>
+        <p:nvPr/>
+      </p:nvGrpSpPr>
+      <p:grpSpPr>
+        <a:xfrm>
+          <a:off x="0" y="0"/>
+          <a:ext cx="0" cy="0"/>
+          <a:chOff x="0" y="0"/>
+          <a:chExt cx="0" cy="0"/>
+        </a:xfrm>
+      </p:grpSpPr>
+      <p:sp>
+        <p:nvSpPr>
+          <p:cNvPr id="2" name="Title 1"/>
+          <p:cNvSpPr>
+            <a:spLocks noGrp="1"/>
+          </p:cNvSpPr>
+          <p:nvPr>
+            <p:ph type="title"/>
+          </p:nvPr>
+        </p:nvSpPr>
+        <p:spPr/>
+        <p:txBody>
+          <a:bodyPr/>
+          <a:lstStyle/>
+          <a:p>
+            <a:r>
+              <a:rPr lang="en-US" dirty="0" smtClean="0"/>
               <a:t>Server options</a:t>
             </a:r>
             <a:endParaRPr lang="en-US" dirty="0"/>
@@ -8356,14 +9742,13 @@
           <a:p>
             <a:r>
               <a:rPr lang="en-US" dirty="0" smtClean="0"/>
-              <a:t>Flash flood.</a:t>
-            </a:r>
-          </a:p>
-          <a:p>
-            <a:r>
-              <a:rPr lang="en-US" dirty="0" smtClean="0"/>
-              <a:t>Turn to P2P.</a:t>
-            </a:r>
+              <a:t>Flash flood</a:t>
+            </a:r>
+            <a:r>
+              <a:rPr lang="en-US" dirty="0" smtClean="0"/>
+              <a:t>.</a:t>
+            </a:r>
+            <a:endParaRPr lang="en-US" dirty="0" smtClean="0"/>
           </a:p>
         </p:txBody>
       </p:sp>
@@ -8401,7 +9786,7 @@
 </p:sld>
 </file>
 
-<file path=ppt/slides/slide7.xml><?xml version="1.0" encoding="utf-8"?>
+<file path=ppt/slides/slide8.xml><?xml version="1.0" encoding="utf-8"?>
 <p:sld xmlns:a="http://schemas.openxmlformats.org/drawingml/2006/main" xmlns:r="http://schemas.openxmlformats.org/officeDocument/2006/relationships" xmlns:p="http://schemas.openxmlformats.org/presentationml/2006/main">
   <p:cSld>
     <p:spTree>
@@ -8435,7 +9820,89 @@
           <a:p>
             <a:r>
               <a:rPr lang="en-US" dirty="0" smtClean="0"/>
-              <a:t>P2P</a:t>
+              <a:t>CDN fails</a:t>
+            </a:r>
+            <a:endParaRPr lang="en-US" dirty="0"/>
+          </a:p>
+        </p:txBody>
+      </p:sp>
+      <p:pic>
+        <p:nvPicPr>
+          <p:cNvPr id="2050" name="Picture 2"/>
+          <p:cNvPicPr>
+            <a:picLocks noGrp="1" noChangeAspect="1" noChangeArrowheads="1"/>
+          </p:cNvPicPr>
+          <p:nvPr>
+            <p:ph idx="1"/>
+          </p:nvPr>
+        </p:nvPicPr>
+        <p:blipFill>
+          <a:blip r:embed="rId2" cstate="print"/>
+          <a:srcRect/>
+          <a:stretch>
+            <a:fillRect/>
+          </a:stretch>
+        </p:blipFill>
+        <p:spPr bwMode="auto">
+          <a:xfrm>
+            <a:off x="457200" y="1600200"/>
+            <a:ext cx="8229600" cy="2188167"/>
+          </a:xfrm>
+          <a:prstGeom prst="rect">
+            <a:avLst/>
+          </a:prstGeom>
+          <a:noFill/>
+          <a:ln w="9525">
+            <a:noFill/>
+            <a:miter lim="800000"/>
+            <a:headEnd/>
+            <a:tailEnd/>
+          </a:ln>
+        </p:spPr>
+      </p:pic>
+    </p:spTree>
+  </p:cSld>
+  <p:clrMapOvr>
+    <a:masterClrMapping/>
+  </p:clrMapOvr>
+</p:sld>
+</file>
+
+<file path=ppt/slides/slide9.xml><?xml version="1.0" encoding="utf-8"?>
+<p:sld xmlns:a="http://schemas.openxmlformats.org/drawingml/2006/main" xmlns:r="http://schemas.openxmlformats.org/officeDocument/2006/relationships" xmlns:p="http://schemas.openxmlformats.org/presentationml/2006/main">
+  <p:cSld>
+    <p:spTree>
+      <p:nvGrpSpPr>
+        <p:cNvPr id="1" name=""/>
+        <p:cNvGrpSpPr/>
+        <p:nvPr/>
+      </p:nvGrpSpPr>
+      <p:grpSpPr>
+        <a:xfrm>
+          <a:off x="0" y="0"/>
+          <a:ext cx="0" cy="0"/>
+          <a:chOff x="0" y="0"/>
+          <a:chExt cx="0" cy="0"/>
+        </a:xfrm>
+      </p:grpSpPr>
+      <p:sp>
+        <p:nvSpPr>
+          <p:cNvPr id="2" name="Title 1"/>
+          <p:cNvSpPr>
+            <a:spLocks noGrp="1"/>
+          </p:cNvSpPr>
+          <p:nvPr>
+            <p:ph type="title"/>
+          </p:nvPr>
+        </p:nvSpPr>
+        <p:spPr/>
+        <p:txBody>
+          <a:bodyPr/>
+          <a:lstStyle/>
+          <a:p>
+            <a:r>
+              <a:rPr lang="en-US" dirty="0" smtClean="0"/>
+              <a:t>Turn to P2P</a:t>
             </a:r>
             <a:endParaRPr lang="en-US" dirty="0"/>
           </a:p>
@@ -8478,17 +9945,22 @@
           <a:p>
             <a:r>
               <a:rPr lang="en-US" dirty="0" smtClean="0"/>
-              <a:t>Peers download and share.</a:t>
-            </a:r>
-          </a:p>
-          <a:p>
-            <a:r>
-              <a:rPr lang="en-US" dirty="0" smtClean="0"/>
-              <a:t>Works </a:t>
-            </a:r>
-            <a:r>
-              <a:rPr lang="en-US" smtClean="0"/>
-              <a:t>well sometimes.</a:t>
+              <a:t>Peers download and </a:t>
+            </a:r>
+            <a:r>
+              <a:rPr lang="en-US" dirty="0" smtClean="0"/>
+              <a:t>share blocks.</a:t>
+            </a:r>
+            <a:endParaRPr lang="en-US" dirty="0" smtClean="0"/>
+          </a:p>
+          <a:p>
+            <a:r>
+              <a:rPr lang="en-US" dirty="0" smtClean="0"/>
+              <a:t>Works well </a:t>
+            </a:r>
+            <a:r>
+              <a:rPr lang="en-US" dirty="0" smtClean="0"/>
+              <a:t>for large popular files.</a:t>
             </a:r>
             <a:endParaRPr lang="en-US" dirty="0" smtClean="0"/>
           </a:p>
@@ -8520,195 +9992,6 @@
           <a:noFill/>
         </p:spPr>
       </p:pic>
-    </p:spTree>
-  </p:cSld>
-  <p:clrMapOvr>
-    <a:masterClrMapping/>
-  </p:clrMapOvr>
-</p:sld>
-</file>
-
-<file path=ppt/slides/slide8.xml><?xml version="1.0" encoding="utf-8"?>
-<p:sld xmlns:a="http://schemas.openxmlformats.org/drawingml/2006/main" xmlns:r="http://schemas.openxmlformats.org/officeDocument/2006/relationships" xmlns:p="http://schemas.openxmlformats.org/presentationml/2006/main">
-  <p:cSld>
-    <p:spTree>
-      <p:nvGrpSpPr>
-        <p:cNvPr id="1" name=""/>
-        <p:cNvGrpSpPr/>
-        <p:nvPr/>
-      </p:nvGrpSpPr>
-      <p:grpSpPr>
-        <a:xfrm>
-          <a:off x="0" y="0"/>
-          <a:ext cx="0" cy="0"/>
-          <a:chOff x="0" y="0"/>
-          <a:chExt cx="0" cy="0"/>
-        </a:xfrm>
-      </p:grpSpPr>
-      <p:sp>
-        <p:nvSpPr>
-          <p:cNvPr id="2" name="Title 1"/>
-          <p:cNvSpPr>
-            <a:spLocks noGrp="1"/>
-          </p:cNvSpPr>
-          <p:nvPr>
-            <p:ph type="title"/>
-          </p:nvPr>
-        </p:nvSpPr>
-        <p:spPr/>
-        <p:txBody>
-          <a:bodyPr>
-            <a:normAutofit/>
-          </a:bodyPr>
-          <a:lstStyle/>
-          <a:p>
-            <a:r>
-              <a:rPr lang="en-US" dirty="0" smtClean="0"/>
-              <a:t>Hard to get right</a:t>
-            </a:r>
-            <a:endParaRPr lang="en-US" dirty="0"/>
-          </a:p>
-        </p:txBody>
-      </p:sp>
-      <p:sp>
-        <p:nvSpPr>
-          <p:cNvPr id="3" name="Content Placeholder 2"/>
-          <p:cNvSpPr>
-            <a:spLocks noGrp="1"/>
-          </p:cNvSpPr>
-          <p:nvPr>
-            <p:ph idx="1"/>
-          </p:nvPr>
-        </p:nvSpPr>
-        <p:spPr/>
-        <p:txBody>
-          <a:bodyPr/>
-          <a:lstStyle/>
-          <a:p>
-            <a:endParaRPr lang="en-US"/>
-          </a:p>
-        </p:txBody>
-      </p:sp>
-      <p:pic>
-        <p:nvPicPr>
-          <p:cNvPr id="1026" name="Picture 2" descr="C:\Users\packrd\Desktop\fail for OO BT.jpg"/>
-          <p:cNvPicPr>
-            <a:picLocks noChangeAspect="1" noChangeArrowheads="1"/>
-          </p:cNvPicPr>
-          <p:nvPr/>
-        </p:nvPicPr>
-        <p:blipFill>
-          <a:blip r:embed="rId3" cstate="print"/>
-          <a:srcRect/>
-          <a:stretch>
-            <a:fillRect/>
-          </a:stretch>
-        </p:blipFill>
-        <p:spPr bwMode="auto">
-          <a:xfrm>
-            <a:off x="10159" y="1149350"/>
-            <a:ext cx="9133841" cy="5708650"/>
-          </a:xfrm>
-          <a:prstGeom prst="rect">
-            <a:avLst/>
-          </a:prstGeom>
-          <a:noFill/>
-        </p:spPr>
-      </p:pic>
-    </p:spTree>
-  </p:cSld>
-  <p:clrMapOvr>
-    <a:masterClrMapping/>
-  </p:clrMapOvr>
-  <p:timing>
-    <p:tnLst>
-      <p:par>
-        <p:cTn id="1" dur="indefinite" restart="never" nodeType="tmRoot"/>
-      </p:par>
-    </p:tnLst>
-  </p:timing>
-</p:sld>
-</file>
-
-<file path=ppt/slides/slide9.xml><?xml version="1.0" encoding="utf-8"?>
-<p:sld xmlns:a="http://schemas.openxmlformats.org/drawingml/2006/main" xmlns:r="http://schemas.openxmlformats.org/officeDocument/2006/relationships" xmlns:p="http://schemas.openxmlformats.org/presentationml/2006/main">
-  <p:cSld>
-    <p:spTree>
-      <p:nvGrpSpPr>
-        <p:cNvPr id="1" name=""/>
-        <p:cNvGrpSpPr/>
-        <p:nvPr/>
-      </p:nvGrpSpPr>
-      <p:grpSpPr>
-        <a:xfrm>
-          <a:off x="0" y="0"/>
-          <a:ext cx="0" cy="0"/>
-          <a:chOff x="0" y="0"/>
-          <a:chExt cx="0" cy="0"/>
-        </a:xfrm>
-      </p:grpSpPr>
-      <p:sp>
-        <p:nvSpPr>
-          <p:cNvPr id="2" name="Title 1"/>
-          <p:cNvSpPr>
-            <a:spLocks noGrp="1"/>
-          </p:cNvSpPr>
-          <p:nvPr>
-            <p:ph type="title"/>
-          </p:nvPr>
-        </p:nvSpPr>
-        <p:spPr/>
-        <p:txBody>
-          <a:bodyPr>
-            <a:normAutofit/>
-          </a:bodyPr>
-          <a:lstStyle/>
-          <a:p>
-            <a:r>
-              <a:rPr lang="en-US" dirty="0" smtClean="0"/>
-              <a:t>Automatic Swarming</a:t>
-            </a:r>
-            <a:endParaRPr lang="en-US" dirty="0"/>
-          </a:p>
-        </p:txBody>
-      </p:sp>
-      <p:sp>
-        <p:nvSpPr>
-          <p:cNvPr id="5" name="Content Placeholder 4"/>
-          <p:cNvSpPr>
-            <a:spLocks noGrp="1"/>
-          </p:cNvSpPr>
-          <p:nvPr>
-            <p:ph idx="1"/>
-          </p:nvPr>
-        </p:nvSpPr>
-        <p:spPr/>
-        <p:txBody>
-          <a:bodyPr/>
-          <a:lstStyle/>
-          <a:p>
-            <a:r>
-              <a:rPr lang="en-US" dirty="0" smtClean="0"/>
-              <a:t>Basic Algorithm:</a:t>
-            </a:r>
-          </a:p>
-          <a:p>
-            <a:pPr lvl="1"/>
-            <a:r>
-              <a:rPr lang="en-US" dirty="0" smtClean="0"/>
-              <a:t>Monitor download</a:t>
-            </a:r>
-          </a:p>
-          <a:p>
-            <a:pPr lvl="1"/>
-            <a:r>
-              <a:rPr lang="en-US" dirty="0" smtClean="0"/>
-              <a:t>Download blocks from Peers when becomes slow.</a:t>
-            </a:r>
-            <a:endParaRPr lang="en-US" dirty="0"/>
-          </a:p>
-        </p:txBody>
-      </p:sp>
     </p:spTree>
   </p:cSld>
   <p:clrMapOvr>

--- a/thesis_presentation/How to Make the Internet Faster.pptx
+++ b/thesis_presentation/How to Make the Internet Faster.pptx
@@ -1009,10 +1009,6 @@
           </a:bodyPr>
           <a:lstStyle/>
           <a:p>
-            <a:r>
-              <a:rPr lang="en-US" dirty="0" smtClean="0"/>
-              <a:t>No more depth needed, uh guess.</a:t>
-            </a:r>
             <a:endParaRPr lang="en-US" dirty="0"/>
           </a:p>
         </p:txBody>
@@ -1715,12 +1711,16 @@
           <a:lstStyle/>
           <a:p>
             <a:r>
-              <a:rPr lang="en-US" dirty="0" smtClean="0"/>
-              <a:t>Please another graph here. </a:t>
-            </a:r>
-            <a:r>
-              <a:rPr lang="en-US" smtClean="0"/>
-              <a:t>Please?</a:t>
+              <a:rPr lang="en-US" smtClean="0"/>
+              <a:t>Please </a:t>
+            </a:r>
+            <a:r>
+              <a:rPr lang="en-US" smtClean="0"/>
+              <a:t>redo graph </a:t>
+            </a:r>
+            <a:r>
+              <a:rPr lang="en-US" dirty="0" smtClean="0"/>
+              <a:t>here. Please?</a:t>
             </a:r>
             <a:endParaRPr lang="en-US" dirty="0"/>
           </a:p>
@@ -7384,7 +7384,11 @@
           <a:p>
             <a:r>
               <a:rPr lang="en-US" dirty="0" smtClean="0"/>
-              <a:t>Find Peers, share</a:t>
+              <a:t>P2P: Find </a:t>
+            </a:r>
+            <a:r>
+              <a:rPr lang="en-US" dirty="0" smtClean="0"/>
+              <a:t>Peers, share</a:t>
             </a:r>
             <a:endParaRPr lang="en-US" dirty="0"/>
           </a:p>

--- a/thesis_presentation/How to Make the Internet Faster.pptx
+++ b/thesis_presentation/How to Make the Internet Faster.pptx
@@ -1711,11 +1711,11 @@
           <a:lstStyle/>
           <a:p>
             <a:r>
-              <a:rPr lang="en-US" smtClean="0"/>
+              <a:rPr lang="en-US" dirty="0" smtClean="0"/>
               <a:t>Please </a:t>
             </a:r>
             <a:r>
-              <a:rPr lang="en-US" smtClean="0"/>
+              <a:rPr lang="en-US" dirty="0" smtClean="0"/>
               <a:t>redo graph </a:t>
             </a:r>
             <a:r>
@@ -2347,8 +2347,23 @@
           <a:p>
             <a:r>
               <a:rPr lang="en-US" dirty="0" smtClean="0"/>
-              <a:t>"real" use is probably currently [who knows for sure] "most useful in the wild" for larger static files, still.  </a:t>
-            </a:r>
+              <a:t>"real" use is probably currently [who knows for sure] "most useful in the wild" for larger static files, still. </a:t>
+            </a:r>
+            <a:endParaRPr lang="en-US" dirty="0" smtClean="0"/>
+          </a:p>
+          <a:p>
+            <a:endParaRPr lang="en-US" dirty="0" smtClean="0"/>
+          </a:p>
+          <a:p>
+            <a:r>
+              <a:rPr lang="en-US" dirty="0" smtClean="0"/>
+              <a:t>Or</a:t>
+            </a:r>
+            <a:r>
+              <a:rPr lang="en-US" baseline="0" dirty="0" smtClean="0"/>
+              <a:t> somebody serving from a limited connection.</a:t>
+            </a:r>
+            <a:endParaRPr lang="en-US" dirty="0" smtClean="0"/>
           </a:p>
           <a:p>
             <a:endParaRPr lang="en-US" dirty="0" smtClean="0"/>
@@ -2368,13 +2383,15 @@
             </a:r>
             <a:r>
               <a:rPr lang="en-US" baseline="0" dirty="0" smtClean="0"/>
-              <a:t> so something like this could become</a:t>
-            </a:r>
-          </a:p>
-          <a:p>
+              <a:t> so something like this could </a:t>
+            </a:r>
             <a:r>
               <a:rPr lang="en-US" baseline="0" dirty="0" smtClean="0"/>
-              <a:t>A real contribution to browsing the Internet.</a:t>
+              <a:t>become a </a:t>
+            </a:r>
+            <a:r>
+              <a:rPr lang="en-US" baseline="0" dirty="0" smtClean="0"/>
+              <a:t>real contribution to browsing the Internet.</a:t>
             </a:r>
             <a:endParaRPr lang="en-US" dirty="0" smtClean="0"/>
           </a:p>
@@ -2468,12 +2485,13 @@
           </a:bodyPr>
           <a:lstStyle/>
           <a:p>
-            <a:endParaRPr lang="en-US" baseline="0" dirty="0" smtClean="0"/>
-          </a:p>
-          <a:p>
-            <a:r>
-              <a:rPr lang="en-US" dirty="0" smtClean="0"/>
-              <a:t>" [cross each one out in turn] -- ours is a purely client-side modification, so servers don’t have to be</a:t>
+            <a:r>
+              <a:rPr lang="en-US" smtClean="0"/>
+              <a:t>" </a:t>
+            </a:r>
+            <a:r>
+              <a:rPr lang="en-US" dirty="0" smtClean="0"/>
+              <a:t>[cross each one out in turn] -- ours is a purely client-side modification, so servers don’t have to be</a:t>
             </a:r>
             <a:r>
               <a:rPr lang="en-US" baseline="0" dirty="0" smtClean="0"/>
@@ -9246,7 +9264,9 @@
         </p:nvSpPr>
         <p:spPr/>
         <p:txBody>
-          <a:bodyPr/>
+          <a:bodyPr>
+            <a:normAutofit lnSpcReduction="10000"/>
+          </a:bodyPr>
           <a:lstStyle/>
           <a:p>
             <a:r>
@@ -9287,7 +9307,17 @@
           <a:p>
             <a:r>
               <a:rPr lang="en-US" dirty="0" smtClean="0"/>
-              <a:t>Privacy.</a:t>
+              <a:t>Privacy</a:t>
+            </a:r>
+            <a:r>
+              <a:rPr lang="en-US" dirty="0" smtClean="0"/>
+              <a:t>.</a:t>
+            </a:r>
+          </a:p>
+          <a:p>
+            <a:r>
+              <a:rPr lang="en-US" dirty="0" smtClean="0"/>
+              <a:t>Mirrors.</a:t>
             </a:r>
             <a:endParaRPr lang="en-US" dirty="0"/>
           </a:p>

--- a/thesis_presentation/How to Make the Internet Faster.pptx
+++ b/thesis_presentation/How to Make the Internet Faster.pptx
@@ -5,7 +5,7 @@
     <p:sldMasterId id="2147483648" r:id="rId1"/>
   </p:sldMasterIdLst>
   <p:notesMasterIdLst>
-    <p:notesMasterId r:id="rId35"/>
+    <p:notesMasterId r:id="rId43"/>
   </p:notesMasterIdLst>
   <p:sldIdLst>
     <p:sldId id="256" r:id="rId2"/>
@@ -20,27 +20,35 @@
     <p:sldId id="283" r:id="rId11"/>
     <p:sldId id="287" r:id="rId12"/>
     <p:sldId id="262" r:id="rId13"/>
-    <p:sldId id="288" r:id="rId14"/>
-    <p:sldId id="265" r:id="rId15"/>
-    <p:sldId id="266" r:id="rId16"/>
-    <p:sldId id="267" r:id="rId17"/>
-    <p:sldId id="286" r:id="rId18"/>
-    <p:sldId id="285" r:id="rId19"/>
-    <p:sldId id="268" r:id="rId20"/>
-    <p:sldId id="269" r:id="rId21"/>
-    <p:sldId id="281" r:id="rId22"/>
-    <p:sldId id="270" r:id="rId23"/>
-    <p:sldId id="271" r:id="rId24"/>
-    <p:sldId id="272" r:id="rId25"/>
-    <p:sldId id="273" r:id="rId26"/>
-    <p:sldId id="274" r:id="rId27"/>
-    <p:sldId id="275" r:id="rId28"/>
-    <p:sldId id="276" r:id="rId29"/>
-    <p:sldId id="277" r:id="rId30"/>
-    <p:sldId id="278" r:id="rId31"/>
-    <p:sldId id="279" r:id="rId32"/>
-    <p:sldId id="289" r:id="rId33"/>
-    <p:sldId id="280" r:id="rId34"/>
+    <p:sldId id="293" r:id="rId14"/>
+    <p:sldId id="288" r:id="rId15"/>
+    <p:sldId id="265" r:id="rId16"/>
+    <p:sldId id="266" r:id="rId17"/>
+    <p:sldId id="267" r:id="rId18"/>
+    <p:sldId id="286" r:id="rId19"/>
+    <p:sldId id="285" r:id="rId20"/>
+    <p:sldId id="268" r:id="rId21"/>
+    <p:sldId id="269" r:id="rId22"/>
+    <p:sldId id="281" r:id="rId23"/>
+    <p:sldId id="270" r:id="rId24"/>
+    <p:sldId id="271" r:id="rId25"/>
+    <p:sldId id="272" r:id="rId26"/>
+    <p:sldId id="273" r:id="rId27"/>
+    <p:sldId id="274" r:id="rId28"/>
+    <p:sldId id="275" r:id="rId29"/>
+    <p:sldId id="276" r:id="rId30"/>
+    <p:sldId id="277" r:id="rId31"/>
+    <p:sldId id="290" r:id="rId32"/>
+    <p:sldId id="278" r:id="rId33"/>
+    <p:sldId id="294" r:id="rId34"/>
+    <p:sldId id="279" r:id="rId35"/>
+    <p:sldId id="295" r:id="rId36"/>
+    <p:sldId id="296" r:id="rId37"/>
+    <p:sldId id="297" r:id="rId38"/>
+    <p:sldId id="298" r:id="rId39"/>
+    <p:sldId id="299" r:id="rId40"/>
+    <p:sldId id="280" r:id="rId41"/>
+    <p:sldId id="292" r:id="rId42"/>
   </p:sldIdLst>
   <p:sldSz cx="9144000" cy="6858000" type="screen4x3"/>
   <p:notesSz cx="6858000" cy="9144000"/>
@@ -635,9 +643,118 @@
           </a:bodyPr>
           <a:lstStyle/>
           <a:p>
+            <a:r>
+              <a:rPr lang="en-US" dirty="0" smtClean="0"/>
+              <a:t>It would be annoying for small files because it is so manual.</a:t>
+            </a:r>
+          </a:p>
+          <a:p>
             <a:endParaRPr lang="en-US" dirty="0" smtClean="0"/>
           </a:p>
           <a:p>
+            <a:r>
+              <a:rPr lang="en-US" dirty="0" smtClean="0"/>
+              <a:t>2) When a user runs into this, it typically takes extra time in order to download this way, because you have to go</a:t>
+            </a:r>
+            <a:r>
+              <a:rPr lang="en-US" baseline="0" dirty="0" smtClean="0"/>
+              <a:t> through some extra steps, like downloading the .torrent file, then waiting some time for your client to contact the tracker, get peer lists, find peers that are willing to share with you, etc.</a:t>
+            </a:r>
+            <a:endParaRPr lang="en-US" dirty="0" smtClean="0"/>
+          </a:p>
+          <a:p>
+            <a:endParaRPr lang="en-US" dirty="0" smtClean="0"/>
+          </a:p>
+          <a:p>
+            <a:pPr marL="0" marR="0" indent="0" algn="l" defTabSz="914400" rtl="0" eaLnBrk="1" fontAlgn="auto" latinLnBrk="0" hangingPunct="1">
+              <a:lnSpc>
+                <a:spcPct val="100000"/>
+              </a:lnSpc>
+              <a:spcBef>
+                <a:spcPts val="0"/>
+              </a:spcBef>
+              <a:spcAft>
+                <a:spcPts val="0"/>
+              </a:spcAft>
+              <a:buClrTx/>
+              <a:buSzTx/>
+              <a:buFontTx/>
+              <a:buNone/>
+              <a:tabLst/>
+              <a:defRPr/>
+            </a:pPr>
+            <a:r>
+              <a:rPr lang="en-US" dirty="0" smtClean="0"/>
+              <a:t>It would be painful to have to do this for many small files, like browsing a web page.  Up to 10 files for </a:t>
+            </a:r>
+            <a:r>
+              <a:rPr lang="en-US" dirty="0" err="1" smtClean="0"/>
+              <a:t>byu's</a:t>
+            </a:r>
+            <a:r>
+              <a:rPr lang="en-US" dirty="0" smtClean="0"/>
+              <a:t> web site.  Even if they *did* a </a:t>
+            </a:r>
+            <a:r>
+              <a:rPr lang="en-US" dirty="0" err="1" smtClean="0"/>
+              <a:t>BitTorrent</a:t>
+            </a:r>
+            <a:r>
+              <a:rPr lang="en-US" dirty="0" smtClean="0"/>
+              <a:t> file for each of these small files, today’s systems include a manual step in order to download each file.  Modern browsers don’t handle inline p2p.  So P2P basically</a:t>
+            </a:r>
+            <a:r>
+              <a:rPr lang="en-US" baseline="0" dirty="0" smtClean="0"/>
+              <a:t> can’t be used for a typical web page.</a:t>
+            </a:r>
+            <a:endParaRPr lang="en-US" dirty="0" smtClean="0"/>
+          </a:p>
+          <a:p>
+            <a:endParaRPr lang="en-US" dirty="0" smtClean="0"/>
+          </a:p>
+          <a:p>
+            <a:pPr marL="0" marR="0" indent="0" algn="l" defTabSz="914400" rtl="0" eaLnBrk="1" fontAlgn="auto" latinLnBrk="0" hangingPunct="1">
+              <a:lnSpc>
+                <a:spcPct val="100000"/>
+              </a:lnSpc>
+              <a:spcBef>
+                <a:spcPts val="0"/>
+              </a:spcBef>
+              <a:spcAft>
+                <a:spcPts val="0"/>
+              </a:spcAft>
+              <a:buClrTx/>
+              <a:buSzTx/>
+              <a:buFontTx/>
+              <a:buNone/>
+              <a:tabLst/>
+              <a:defRPr/>
+            </a:pPr>
+            <a:r>
+              <a:rPr lang="en-US" baseline="0" dirty="0" smtClean="0"/>
+              <a:t>How many sites actually offer you that stuff?</a:t>
+            </a:r>
+          </a:p>
+          <a:p>
+            <a:endParaRPr lang="en-US" dirty="0" smtClean="0"/>
+          </a:p>
+          <a:p>
+            <a:r>
+              <a:rPr lang="en-US" dirty="0" smtClean="0"/>
+              <a:t>Normal people do not use </a:t>
+            </a:r>
+            <a:r>
+              <a:rPr lang="en-US" dirty="0" err="1" smtClean="0"/>
+              <a:t>BitTorrent</a:t>
+            </a:r>
+            <a:r>
+              <a:rPr lang="en-US" dirty="0" smtClean="0"/>
+              <a:t>.  Not useful</a:t>
+            </a:r>
+            <a:r>
+              <a:rPr lang="en-US" baseline="0" dirty="0" smtClean="0"/>
+              <a:t> to them.</a:t>
+            </a:r>
             <a:endParaRPr lang="en-US" dirty="0"/>
           </a:p>
         </p:txBody>
@@ -660,7 +777,7 @@
             <a:fld id="{CFD85767-B34F-4122-8642-982296400DCD}" type="slidenum">
               <a:rPr lang="en-US" smtClean="0"/>
               <a:pPr/>
-              <a:t>12</a:t>
+              <a:t>11</a:t>
             </a:fld>
             <a:endParaRPr lang="en-US"/>
           </a:p>
@@ -720,48 +837,12 @@
           </a:bodyPr>
           <a:lstStyle/>
           <a:p>
-            <a:pPr marL="0" marR="0" indent="0" algn="l" defTabSz="914400" rtl="0" eaLnBrk="1" fontAlgn="auto" latinLnBrk="0" hangingPunct="1">
-              <a:lnSpc>
-                <a:spcPct val="100000"/>
-              </a:lnSpc>
-              <a:spcBef>
-                <a:spcPts val="0"/>
-              </a:spcBef>
-              <a:spcAft>
-                <a:spcPts val="0"/>
-              </a:spcAft>
-              <a:buClrTx/>
-              <a:buSzTx/>
-              <a:buFontTx/>
-              <a:buNone/>
-              <a:tabLst/>
-              <a:defRPr/>
-            </a:pPr>
-            <a:r>
-              <a:rPr lang="en-US" baseline="0" dirty="0" smtClean="0"/>
-              <a:t>Automatic Swarming, which aims to alleviate these problems.</a:t>
-            </a:r>
-          </a:p>
-          <a:p>
             <a:endParaRPr lang="en-US" dirty="0" smtClean="0"/>
           </a:p>
           <a:p>
             <a:r>
               <a:rPr lang="en-US" dirty="0" smtClean="0"/>
-              <a:t>All areas where BT falls short.</a:t>
-            </a:r>
-          </a:p>
-          <a:p>
-            <a:endParaRPr lang="en-US" dirty="0" smtClean="0"/>
-          </a:p>
-          <a:p>
-            <a:r>
-              <a:rPr lang="en-US" dirty="0" smtClean="0"/>
-              <a:t>Also: only go to P2P when necessary</a:t>
-            </a:r>
-            <a:r>
-              <a:rPr lang="en-US" baseline="0" dirty="0" smtClean="0"/>
-              <a:t> (try to be as fast as normal download).</a:t>
+              <a:t>Hard to configure—hard to get to work right except for very popular files.</a:t>
             </a:r>
             <a:endParaRPr lang="en-US" dirty="0"/>
           </a:p>
@@ -785,7 +866,7 @@
             <a:fld id="{CFD85767-B34F-4122-8642-982296400DCD}" type="slidenum">
               <a:rPr lang="en-US" smtClean="0"/>
               <a:pPr/>
-              <a:t>13</a:t>
+              <a:t>12</a:t>
             </a:fld>
             <a:endParaRPr lang="en-US"/>
           </a:p>
@@ -845,6 +926,47 @@
           </a:bodyPr>
           <a:lstStyle/>
           <a:p>
+            <a:r>
+              <a:rPr lang="en-US" dirty="0" smtClean="0"/>
+              <a:t>Designed to keep the,</a:t>
+            </a:r>
+            <a:r>
+              <a:rPr lang="en-US" baseline="0" dirty="0" smtClean="0"/>
+              <a:t> scalability </a:t>
+            </a:r>
+            <a:r>
+              <a:rPr lang="en-US" dirty="0" smtClean="0"/>
+              <a:t>and cost effectiveness of </a:t>
+            </a:r>
+            <a:r>
+              <a:rPr lang="en-US" dirty="0" err="1" smtClean="0"/>
+              <a:t>BitTorrent</a:t>
+            </a:r>
+            <a:r>
+              <a:rPr lang="en-US" dirty="0" smtClean="0"/>
+              <a:t>, while making it useful</a:t>
+            </a:r>
+            <a:r>
+              <a:rPr lang="en-US" baseline="0" dirty="0" smtClean="0"/>
+              <a:t> in more situations than </a:t>
+            </a:r>
+            <a:r>
+              <a:rPr lang="en-US" baseline="0" dirty="0" err="1" smtClean="0"/>
+              <a:t>BitTorrent</a:t>
+            </a:r>
+            <a:r>
+              <a:rPr lang="en-US" baseline="0" dirty="0" smtClean="0"/>
+              <a:t> currently is.</a:t>
+            </a:r>
+          </a:p>
+          <a:p>
+            <a:endParaRPr lang="en-US" baseline="0" dirty="0" smtClean="0"/>
+          </a:p>
+          <a:p>
+            <a:r>
+              <a:rPr lang="en-US" baseline="0" dirty="0" smtClean="0"/>
+              <a:t>Alleviate these problems.</a:t>
+            </a:r>
             <a:endParaRPr lang="en-US" dirty="0" smtClean="0"/>
           </a:p>
         </p:txBody>
@@ -867,7 +989,7 @@
             <a:fld id="{CFD85767-B34F-4122-8642-982296400DCD}" type="slidenum">
               <a:rPr lang="en-US" smtClean="0"/>
               <a:pPr/>
-              <a:t>14</a:t>
+              <a:t>13</a:t>
             </a:fld>
             <a:endParaRPr lang="en-US"/>
           </a:p>
@@ -927,6 +1049,32 @@
           </a:bodyPr>
           <a:lstStyle/>
           <a:p>
+            <a:r>
+              <a:rPr lang="en-US" dirty="0" smtClean="0"/>
+              <a:t>All areas where BT falls short.</a:t>
+            </a:r>
+          </a:p>
+          <a:p>
+            <a:endParaRPr lang="en-US" dirty="0" smtClean="0"/>
+          </a:p>
+          <a:p>
+            <a:r>
+              <a:rPr lang="en-US" dirty="0" smtClean="0"/>
+              <a:t>Also: only go to P2P when necessary</a:t>
+            </a:r>
+            <a:r>
+              <a:rPr lang="en-US" baseline="0" dirty="0" smtClean="0"/>
+              <a:t> (try to be as fast as normal download).</a:t>
+            </a:r>
+          </a:p>
+          <a:p>
+            <a:endParaRPr lang="en-US" baseline="0" dirty="0" smtClean="0"/>
+          </a:p>
+          <a:p>
+            <a:r>
+              <a:rPr lang="en-US" baseline="0" dirty="0" smtClean="0"/>
+              <a:t>Non intrusive: has a timeout, only serves out files that you download so you never get tainted by questionable content.</a:t>
+            </a:r>
             <a:endParaRPr lang="en-US" dirty="0"/>
           </a:p>
         </p:txBody>
@@ -949,7 +1097,7 @@
             <a:fld id="{CFD85767-B34F-4122-8642-982296400DCD}" type="slidenum">
               <a:rPr lang="en-US" smtClean="0"/>
               <a:pPr/>
-              <a:t>15</a:t>
+              <a:t>14</a:t>
             </a:fld>
             <a:endParaRPr lang="en-US"/>
           </a:p>
@@ -1009,7 +1157,7 @@
           </a:bodyPr>
           <a:lstStyle/>
           <a:p>
-            <a:endParaRPr lang="en-US" dirty="0"/>
+            <a:endParaRPr lang="en-US" dirty="0" smtClean="0"/>
           </a:p>
         </p:txBody>
       </p:sp>
@@ -1031,7 +1179,7 @@
             <a:fld id="{CFD85767-B34F-4122-8642-982296400DCD}" type="slidenum">
               <a:rPr lang="en-US" smtClean="0"/>
               <a:pPr/>
-              <a:t>16</a:t>
+              <a:t>15</a:t>
             </a:fld>
             <a:endParaRPr lang="en-US"/>
           </a:p>
@@ -1091,18 +1239,6 @@
           </a:bodyPr>
           <a:lstStyle/>
           <a:p>
-            <a:r>
-              <a:rPr lang="en-US" dirty="0" smtClean="0"/>
-              <a:t>Add </a:t>
-            </a:r>
-            <a:r>
-              <a:rPr lang="en-US" dirty="0" err="1" smtClean="0"/>
-              <a:t>descr</a:t>
-            </a:r>
-            <a:r>
-              <a:rPr lang="en-US" dirty="0" smtClean="0"/>
-              <a:t>. picture here?</a:t>
-            </a:r>
             <a:endParaRPr lang="en-US" dirty="0"/>
           </a:p>
         </p:txBody>
@@ -1125,7 +1261,7 @@
             <a:fld id="{CFD85767-B34F-4122-8642-982296400DCD}" type="slidenum">
               <a:rPr lang="en-US" smtClean="0"/>
               <a:pPr/>
-              <a:t>17</a:t>
+              <a:t>16</a:t>
             </a:fld>
             <a:endParaRPr lang="en-US"/>
           </a:p>
@@ -1185,7 +1321,11 @@
           </a:bodyPr>
           <a:lstStyle/>
           <a:p>
-            <a:endParaRPr lang="en-US"/>
+            <a:r>
+              <a:rPr lang="en-US" dirty="0" smtClean="0"/>
+              <a:t>Note the </a:t>
+            </a:r>
+            <a:endParaRPr lang="en-US" dirty="0"/>
           </a:p>
         </p:txBody>
       </p:sp>
@@ -1207,7 +1347,7 @@
             <a:fld id="{CFD85767-B34F-4122-8642-982296400DCD}" type="slidenum">
               <a:rPr lang="en-US" smtClean="0"/>
               <a:pPr/>
-              <a:t>19</a:t>
+              <a:t>17</a:t>
             </a:fld>
             <a:endParaRPr lang="en-US"/>
           </a:p>
@@ -1267,7 +1407,19 @@
           </a:bodyPr>
           <a:lstStyle/>
           <a:p>
-            <a:endParaRPr lang="en-US"/>
+            <a:r>
+              <a:rPr lang="en-US" dirty="0" smtClean="0"/>
+              <a:t>Add </a:t>
+            </a:r>
+            <a:r>
+              <a:rPr lang="en-US" dirty="0" err="1" smtClean="0"/>
+              <a:t>descr</a:t>
+            </a:r>
+            <a:r>
+              <a:rPr lang="en-US" dirty="0" smtClean="0"/>
+              <a:t>. picture here?</a:t>
+            </a:r>
+            <a:endParaRPr lang="en-US" dirty="0"/>
           </a:p>
         </p:txBody>
       </p:sp>
@@ -1289,7 +1441,7 @@
             <a:fld id="{CFD85767-B34F-4122-8642-982296400DCD}" type="slidenum">
               <a:rPr lang="en-US" smtClean="0"/>
               <a:pPr/>
-              <a:t>20</a:t>
+              <a:t>18</a:t>
             </a:fld>
             <a:endParaRPr lang="en-US"/>
           </a:p>
@@ -1350,14 +1502,52 @@
           <a:lstStyle/>
           <a:p>
             <a:r>
-              <a:rPr lang="en-US" dirty="0" smtClean="0"/>
-              <a:t>This is no comparison.  Show once I have a</a:t>
-            </a:r>
-            <a:r>
-              <a:rPr lang="en-US" baseline="0" dirty="0" smtClean="0"/>
-              <a:t> real graph.</a:t>
-            </a:r>
-            <a:endParaRPr lang="en-US" dirty="0"/>
+              <a:rPr lang="en-US" sz="1200" kern="1200" baseline="0" dirty="0" smtClean="0">
+                <a:solidFill>
+                  <a:schemeClr val="tx1"/>
+                </a:solidFill>
+                <a:latin typeface="+mn-lt"/>
+                <a:ea typeface="+mn-ea"/>
+                <a:cs typeface="+mn-cs"/>
+              </a:rPr>
+              <a:t>Note that a semi-popular website might serve half a</a:t>
+            </a:r>
+          </a:p>
+          <a:p>
+            <a:r>
+              <a:rPr lang="en-US" sz="1200" kern="1200" baseline="0" dirty="0" smtClean="0">
+                <a:solidFill>
+                  <a:schemeClr val="tx1"/>
+                </a:solidFill>
+                <a:latin typeface="+mn-lt"/>
+                <a:ea typeface="+mn-ea"/>
+                <a:cs typeface="+mn-cs"/>
+              </a:rPr>
+              <a:t>million hits a day, which averages to 6 per second, so our limit of 20 per second is similar, if</a:t>
+            </a:r>
+          </a:p>
+          <a:p>
+            <a:r>
+              <a:rPr lang="en-US" sz="1200" kern="1200" baseline="0" dirty="0" smtClean="0">
+                <a:solidFill>
+                  <a:schemeClr val="tx1"/>
+                </a:solidFill>
+                <a:latin typeface="+mn-lt"/>
+                <a:ea typeface="+mn-ea"/>
+                <a:cs typeface="+mn-cs"/>
+              </a:rPr>
+              <a:t>you take into consideration spikes in load.</a:t>
+            </a:r>
+          </a:p>
+          <a:p>
+            <a:endParaRPr lang="en-US" sz="1200" kern="1200" baseline="0" dirty="0" smtClean="0">
+              <a:solidFill>
+                <a:schemeClr val="tx1"/>
+              </a:solidFill>
+              <a:latin typeface="+mn-lt"/>
+              <a:ea typeface="+mn-ea"/>
+              <a:cs typeface="+mn-cs"/>
+            </a:endParaRPr>
           </a:p>
         </p:txBody>
       </p:sp>
@@ -1379,7 +1569,7 @@
             <a:fld id="{CFD85767-B34F-4122-8642-982296400DCD}" type="slidenum">
               <a:rPr lang="en-US" smtClean="0"/>
               <a:pPr/>
-              <a:t>21</a:t>
+              <a:t>20</a:t>
             </a:fld>
             <a:endParaRPr lang="en-US"/>
           </a:p>
@@ -1440,12 +1630,41 @@
           <a:lstStyle/>
           <a:p>
             <a:r>
-              <a:rPr lang="en-US" dirty="0" smtClean="0"/>
-              <a:t>Say</a:t>
-            </a:r>
-            <a:r>
-              <a:rPr lang="en-US" baseline="0" dirty="0" smtClean="0"/>
-              <a:t> what type of loads we’re going to use (et al).</a:t>
+              <a:rPr lang="en-US" sz="1200" kern="1200" baseline="0" dirty="0" smtClean="0">
+                <a:solidFill>
+                  <a:schemeClr val="tx1"/>
+                </a:solidFill>
+                <a:latin typeface="+mn-lt"/>
+                <a:ea typeface="+mn-ea"/>
+                <a:cs typeface="+mn-cs"/>
+              </a:rPr>
+              <a:t>At a load of 20 peers/second, 99.5% of peers give up on</a:t>
+            </a:r>
+          </a:p>
+          <a:p>
+            <a:r>
+              <a:rPr lang="en-US" sz="1200" kern="1200" baseline="0" dirty="0" smtClean="0">
+                <a:solidFill>
+                  <a:schemeClr val="tx1"/>
+                </a:solidFill>
+                <a:latin typeface="+mn-lt"/>
+                <a:ea typeface="+mn-ea"/>
+                <a:cs typeface="+mn-cs"/>
+              </a:rPr>
+              <a:t>the origin server because of a slow first byte after one second (T). They then query the DHT</a:t>
+            </a:r>
+          </a:p>
+          <a:p>
+            <a:r>
+              <a:rPr lang="en-US" sz="1200" kern="1200" baseline="0" dirty="0" smtClean="0">
+                <a:solidFill>
+                  <a:schemeClr val="tx1"/>
+                </a:solidFill>
+                <a:latin typeface="+mn-lt"/>
+                <a:ea typeface="+mn-ea"/>
+                <a:cs typeface="+mn-cs"/>
+              </a:rPr>
+              <a:t>for a peer list, and receive a response with a median latency of 5.2 seconds.</a:t>
             </a:r>
             <a:endParaRPr lang="en-US" dirty="0"/>
           </a:p>
@@ -1469,7 +1688,7 @@
             <a:fld id="{CFD85767-B34F-4122-8642-982296400DCD}" type="slidenum">
               <a:rPr lang="en-US" smtClean="0"/>
               <a:pPr/>
-              <a:t>22</a:t>
+              <a:t>21</a:t>
             </a:fld>
             <a:endParaRPr lang="en-US"/>
           </a:p>
@@ -1531,20 +1750,15 @@
           <a:p>
             <a:r>
               <a:rPr lang="en-US" dirty="0" smtClean="0"/>
-              <a:t>This is you</a:t>
-            </a:r>
-          </a:p>
-          <a:p>
-            <a:endParaRPr lang="en-US" dirty="0" smtClean="0"/>
-          </a:p>
-          <a:p>
-            <a:r>
-              <a:rPr lang="en-US" dirty="0" smtClean="0"/>
-              <a:t>TODO: new </a:t>
-            </a:r>
-            <a:r>
-              <a:rPr lang="en-US" dirty="0" err="1" smtClean="0"/>
-              <a:t>pic</a:t>
+              <a:t>This is </a:t>
+            </a:r>
+            <a:r>
+              <a:rPr lang="en-US" dirty="0" smtClean="0"/>
+              <a:t>your</a:t>
+            </a:r>
+            <a:r>
+              <a:rPr lang="en-US" baseline="0" dirty="0" smtClean="0"/>
+              <a:t> fault.</a:t>
             </a:r>
             <a:endParaRPr lang="en-US" dirty="0" smtClean="0"/>
           </a:p>
@@ -1628,7 +1842,11 @@
           </a:bodyPr>
           <a:lstStyle/>
           <a:p>
-            <a:endParaRPr lang="en-US"/>
+            <a:r>
+              <a:rPr lang="en-US" baseline="0" dirty="0" smtClean="0"/>
+              <a:t>TODO real graph here.</a:t>
+            </a:r>
+            <a:endParaRPr lang="en-US" dirty="0"/>
           </a:p>
         </p:txBody>
       </p:sp>
@@ -1650,7 +1868,7 @@
             <a:fld id="{CFD85767-B34F-4122-8642-982296400DCD}" type="slidenum">
               <a:rPr lang="en-US" smtClean="0"/>
               <a:pPr/>
-              <a:t>23</a:t>
+              <a:t>22</a:t>
             </a:fld>
             <a:endParaRPr lang="en-US"/>
           </a:p>
@@ -1710,18 +1928,6 @@
           </a:bodyPr>
           <a:lstStyle/>
           <a:p>
-            <a:r>
-              <a:rPr lang="en-US" dirty="0" smtClean="0"/>
-              <a:t>Please </a:t>
-            </a:r>
-            <a:r>
-              <a:rPr lang="en-US" dirty="0" smtClean="0"/>
-              <a:t>redo graph </a:t>
-            </a:r>
-            <a:r>
-              <a:rPr lang="en-US" dirty="0" smtClean="0"/>
-              <a:t>here. Please?</a:t>
-            </a:r>
             <a:endParaRPr lang="en-US" dirty="0"/>
           </a:p>
         </p:txBody>
@@ -1744,7 +1950,7 @@
             <a:fld id="{CFD85767-B34F-4122-8642-982296400DCD}" type="slidenum">
               <a:rPr lang="en-US" smtClean="0"/>
               <a:pPr/>
-              <a:t>24</a:t>
+              <a:t>23</a:t>
             </a:fld>
             <a:endParaRPr lang="en-US"/>
           </a:p>
@@ -1804,15 +2010,7 @@
           </a:bodyPr>
           <a:lstStyle/>
           <a:p>
-            <a:r>
-              <a:rPr lang="en-US" dirty="0" smtClean="0"/>
-              <a:t>Not much change, really.  Because it</a:t>
-            </a:r>
-            <a:r>
-              <a:rPr lang="en-US" baseline="0" dirty="0" smtClean="0"/>
-              <a:t> only affected at most the first few,  because after that the server became saturated and T would always fire first.</a:t>
-            </a:r>
-            <a:endParaRPr lang="en-US" dirty="0"/>
+            <a:endParaRPr lang="en-US"/>
           </a:p>
         </p:txBody>
       </p:sp>
@@ -1834,7 +2032,7 @@
             <a:fld id="{CFD85767-B34F-4122-8642-982296400DCD}" type="slidenum">
               <a:rPr lang="en-US" smtClean="0"/>
               <a:pPr/>
-              <a:t>25</a:t>
+              <a:t>24</a:t>
             </a:fld>
             <a:endParaRPr lang="en-US"/>
           </a:p>
@@ -1896,11 +2094,37 @@
           <a:p>
             <a:r>
               <a:rPr lang="en-US" dirty="0" smtClean="0"/>
-              <a:t>Note that our linger time was 20</a:t>
-            </a:r>
-            <a:r>
-              <a:rPr lang="en-US" baseline="0" dirty="0" smtClean="0"/>
-              <a:t> seconds, so the DHT was becoming less effective under higher load.</a:t>
+              <a:t>Please </a:t>
+            </a:r>
+            <a:r>
+              <a:rPr lang="en-US" dirty="0" smtClean="0"/>
+              <a:t>redo one graph </a:t>
+            </a:r>
+            <a:r>
+              <a:rPr lang="en-US" dirty="0" smtClean="0"/>
+              <a:t>here. Please</a:t>
+            </a:r>
+            <a:r>
+              <a:rPr lang="en-US" dirty="0" smtClean="0"/>
+              <a:t>?</a:t>
+            </a:r>
+          </a:p>
+          <a:p>
+            <a:endParaRPr lang="en-US" dirty="0" smtClean="0"/>
+          </a:p>
+          <a:p>
+            <a:r>
+              <a:rPr lang="en-US" dirty="0" smtClean="0"/>
+              <a:t>TODO that is not peers per second and it lops off the one graph.</a:t>
+            </a:r>
+          </a:p>
+          <a:p>
+            <a:endParaRPr lang="en-US" dirty="0" smtClean="0"/>
+          </a:p>
+          <a:p>
+            <a:r>
+              <a:rPr lang="en-US" dirty="0" smtClean="0"/>
+              <a:t>This shows you that “once you have one that’s high enough, you’re good to go”</a:t>
             </a:r>
             <a:endParaRPr lang="en-US" dirty="0"/>
           </a:p>
@@ -1924,7 +2148,7 @@
             <a:fld id="{CFD85767-B34F-4122-8642-982296400DCD}" type="slidenum">
               <a:rPr lang="en-US" smtClean="0"/>
               <a:pPr/>
-              <a:t>26</a:t>
+              <a:t>25</a:t>
             </a:fld>
             <a:endParaRPr lang="en-US"/>
           </a:p>
@@ -1984,7 +2208,70 @@
           </a:bodyPr>
           <a:lstStyle/>
           <a:p>
-            <a:endParaRPr lang="en-US"/>
+            <a:r>
+              <a:rPr lang="en-US" dirty="0" smtClean="0"/>
+              <a:t>Similar</a:t>
+            </a:r>
+            <a:r>
+              <a:rPr lang="en-US" baseline="0" dirty="0" smtClean="0"/>
+              <a:t> change to R</a:t>
+            </a:r>
+            <a:r>
+              <a:rPr lang="en-US" dirty="0" smtClean="0"/>
+              <a:t>.  </a:t>
+            </a:r>
+            <a:r>
+              <a:rPr lang="en-US" dirty="0" smtClean="0"/>
+              <a:t>Because it</a:t>
+            </a:r>
+            <a:r>
+              <a:rPr lang="en-US" baseline="0" dirty="0" smtClean="0"/>
+              <a:t> only affected at most the first few,  because after that the server became saturated and T would always fire first</a:t>
+            </a:r>
+            <a:r>
+              <a:rPr lang="en-US" baseline="0" dirty="0" smtClean="0"/>
+              <a:t>.</a:t>
+            </a:r>
+          </a:p>
+          <a:p>
+            <a:endParaRPr lang="en-US" baseline="0" dirty="0" smtClean="0"/>
+          </a:p>
+          <a:p>
+            <a:r>
+              <a:rPr lang="en-US" sz="1200" kern="1200" baseline="0" dirty="0" smtClean="0">
+                <a:solidFill>
+                  <a:schemeClr val="tx1"/>
+                </a:solidFill>
+                <a:latin typeface="+mn-lt"/>
+                <a:ea typeface="+mn-ea"/>
+                <a:cs typeface="+mn-cs"/>
+              </a:rPr>
+              <a:t>Median download times are 17 seconds with W set to 0.25 seconds. For W &gt; 0.25 seconds median download</a:t>
+            </a:r>
+          </a:p>
+          <a:p>
+            <a:r>
+              <a:rPr lang="en-US" sz="1200" kern="1200" baseline="0" dirty="0" smtClean="0">
+                <a:solidFill>
+                  <a:schemeClr val="tx1"/>
+                </a:solidFill>
+                <a:latin typeface="+mn-lt"/>
+                <a:ea typeface="+mn-ea"/>
+                <a:cs typeface="+mn-cs"/>
+              </a:rPr>
+              <a:t>times stay at approximately 25 seconds.</a:t>
+            </a:r>
+            <a:endParaRPr lang="en-US" baseline="0" dirty="0" smtClean="0"/>
+          </a:p>
+          <a:p>
+            <a:endParaRPr lang="en-US" baseline="0" dirty="0" smtClean="0"/>
+          </a:p>
+          <a:p>
+            <a:r>
+              <a:rPr lang="en-US" baseline="0" dirty="0" smtClean="0"/>
+              <a:t>Probably want that “other” graph in here, too, then, to show “oh it’s all T”? TODO</a:t>
+            </a:r>
+            <a:endParaRPr lang="en-US" dirty="0"/>
           </a:p>
         </p:txBody>
       </p:sp>
@@ -2006,7 +2293,7 @@
             <a:fld id="{CFD85767-B34F-4122-8642-982296400DCD}" type="slidenum">
               <a:rPr lang="en-US" smtClean="0"/>
               <a:pPr/>
-              <a:t>27</a:t>
+              <a:t>26</a:t>
             </a:fld>
             <a:endParaRPr lang="en-US"/>
           </a:p>
@@ -2067,12 +2354,40 @@
           <a:lstStyle/>
           <a:p>
             <a:r>
-              <a:rPr lang="en-US" dirty="0" smtClean="0"/>
-              <a:t>Fastest</a:t>
+              <a:rPr lang="en-US" sz="1200" kern="1200" baseline="0" dirty="0" smtClean="0">
+                <a:solidFill>
+                  <a:schemeClr val="tx1"/>
+                </a:solidFill>
+                <a:latin typeface="+mn-lt"/>
+                <a:ea typeface="+mn-ea"/>
+                <a:cs typeface="+mn-cs"/>
+              </a:rPr>
+              <a:t>.</a:t>
+            </a:r>
+            <a:endParaRPr lang="en-US" dirty="0" smtClean="0"/>
+          </a:p>
+          <a:p>
+            <a:r>
+              <a:rPr lang="en-US" dirty="0" smtClean="0"/>
+              <a:t>Note </a:t>
+            </a:r>
+            <a:r>
+              <a:rPr lang="en-US" dirty="0" smtClean="0"/>
+              <a:t>that our linger time was 20</a:t>
             </a:r>
             <a:r>
               <a:rPr lang="en-US" baseline="0" dirty="0" smtClean="0"/>
-              <a:t> was 32 KB, presumably because I download from the last few peers in parallel, so this fits best.</a:t>
+              <a:t> seconds, so the DHT was becoming less effective under higher load</a:t>
+            </a:r>
+            <a:r>
+              <a:rPr lang="en-US" baseline="0" dirty="0" smtClean="0"/>
+              <a:t>.</a:t>
+            </a:r>
+          </a:p>
+          <a:p>
+            <a:r>
+              <a:rPr lang="en-US" baseline="0" dirty="0" smtClean="0"/>
+              <a:t>This is essentially like 10 times as much load as we were putting on the system before.</a:t>
             </a:r>
             <a:endParaRPr lang="en-US" dirty="0"/>
           </a:p>
@@ -2096,7 +2411,7 @@
             <a:fld id="{CFD85767-B34F-4122-8642-982296400DCD}" type="slidenum">
               <a:rPr lang="en-US" smtClean="0"/>
               <a:pPr/>
-              <a:t>28</a:t>
+              <a:t>27</a:t>
             </a:fld>
             <a:endParaRPr lang="en-US"/>
           </a:p>
@@ -2178,7 +2493,7 @@
             <a:fld id="{CFD85767-B34F-4122-8642-982296400DCD}" type="slidenum">
               <a:rPr lang="en-US" smtClean="0"/>
               <a:pPr/>
-              <a:t>29</a:t>
+              <a:t>28</a:t>
             </a:fld>
             <a:endParaRPr lang="en-US"/>
           </a:p>
@@ -2240,28 +2555,11 @@
           <a:p>
             <a:r>
               <a:rPr lang="en-US" dirty="0" smtClean="0"/>
-              <a:t>“Ours doesn’t perform</a:t>
+              <a:t>Fastest</a:t>
             </a:r>
             <a:r>
               <a:rPr lang="en-US" baseline="0" dirty="0" smtClean="0"/>
-              <a:t> as </a:t>
-            </a:r>
-            <a:r>
-              <a:rPr lang="en-US" dirty="0" smtClean="0"/>
-              <a:t>well as BT for</a:t>
-            </a:r>
-            <a:r>
-              <a:rPr lang="en-US" baseline="0" dirty="0" smtClean="0"/>
-              <a:t> large files.”</a:t>
-            </a:r>
-          </a:p>
-          <a:p>
-            <a:endParaRPr lang="en-US" baseline="0" dirty="0" smtClean="0"/>
-          </a:p>
-          <a:p>
-            <a:r>
-              <a:rPr lang="en-US" baseline="0" dirty="0" smtClean="0"/>
-              <a:t>You can see that at about 730 to 882 seconds most of our peers finish the file, and most of the peers download it from peers, so once we get the file out there we work all right, but we could do some work still to increase our speed of propagating the blocks.”</a:t>
+              <a:t> was 32 KB, presumably because I download from the last few peers in parallel, so this fits best.</a:t>
             </a:r>
             <a:endParaRPr lang="en-US" dirty="0"/>
           </a:p>
@@ -2285,7 +2583,7 @@
             <a:fld id="{CFD85767-B34F-4122-8642-982296400DCD}" type="slidenum">
               <a:rPr lang="en-US" smtClean="0"/>
               <a:pPr/>
-              <a:t>30</a:t>
+              <a:t>29</a:t>
             </a:fld>
             <a:endParaRPr lang="en-US"/>
           </a:p>
@@ -2345,65 +2643,7 @@
           </a:bodyPr>
           <a:lstStyle/>
           <a:p>
-            <a:r>
-              <a:rPr lang="en-US" dirty="0" smtClean="0"/>
-              <a:t>"real" use is probably currently [who knows for sure] "most useful in the wild" for larger static files, still. </a:t>
-            </a:r>
-            <a:endParaRPr lang="en-US" dirty="0" smtClean="0"/>
-          </a:p>
-          <a:p>
-            <a:endParaRPr lang="en-US" dirty="0" smtClean="0"/>
-          </a:p>
-          <a:p>
-            <a:r>
-              <a:rPr lang="en-US" dirty="0" smtClean="0"/>
-              <a:t>Or</a:t>
-            </a:r>
-            <a:r>
-              <a:rPr lang="en-US" baseline="0" dirty="0" smtClean="0"/>
-              <a:t> somebody serving from a limited connection.</a:t>
-            </a:r>
-            <a:endParaRPr lang="en-US" dirty="0" smtClean="0"/>
-          </a:p>
-          <a:p>
-            <a:endParaRPr lang="en-US" dirty="0" smtClean="0"/>
-          </a:p>
-          <a:p>
-            <a:r>
-              <a:rPr lang="en-US" dirty="0" smtClean="0"/>
-              <a:t>Kind of an auto-</a:t>
-            </a:r>
-            <a:r>
-              <a:rPr lang="en-US" dirty="0" err="1" smtClean="0"/>
-              <a:t>BitTorrent</a:t>
-            </a:r>
-            <a:r>
-              <a:rPr lang="en-US" dirty="0" smtClean="0"/>
-              <a:t> for all files on the Internet, though we have shown it can work well for small files, too,</a:t>
-            </a:r>
-            <a:r>
-              <a:rPr lang="en-US" baseline="0" dirty="0" smtClean="0"/>
-              <a:t> so something like this could </a:t>
-            </a:r>
-            <a:r>
-              <a:rPr lang="en-US" baseline="0" dirty="0" smtClean="0"/>
-              <a:t>become a </a:t>
-            </a:r>
-            <a:r>
-              <a:rPr lang="en-US" baseline="0" dirty="0" smtClean="0"/>
-              <a:t>real contribution to browsing the Internet.</a:t>
-            </a:r>
-            <a:endParaRPr lang="en-US" dirty="0" smtClean="0"/>
-          </a:p>
-          <a:p>
-            <a:endParaRPr lang="en-US" dirty="0" smtClean="0"/>
-          </a:p>
-          <a:p>
-            <a:r>
-              <a:rPr lang="en-US" dirty="0" smtClean="0"/>
-              <a:t>Demo?</a:t>
-            </a:r>
-            <a:endParaRPr lang="en-US" dirty="0"/>
+            <a:endParaRPr lang="en-US"/>
           </a:p>
         </p:txBody>
       </p:sp>
@@ -2425,7 +2665,7 @@
             <a:fld id="{CFD85767-B34F-4122-8642-982296400DCD}" type="slidenum">
               <a:rPr lang="en-US" smtClean="0"/>
               <a:pPr/>
-              <a:t>31</a:t>
+              <a:t>30</a:t>
             </a:fld>
             <a:endParaRPr lang="en-US"/>
           </a:p>
@@ -2486,42 +2726,305 @@
           <a:lstStyle/>
           <a:p>
             <a:r>
-              <a:rPr lang="en-US" smtClean="0"/>
-              <a:t>" </a:t>
-            </a:r>
-            <a:r>
-              <a:rPr lang="en-US" dirty="0" smtClean="0"/>
-              <a:t>[cross each one out in turn] -- ours is a purely client-side modification, so servers don’t have to be</a:t>
+              <a:rPr lang="en-US" dirty="0" smtClean="0"/>
+              <a:t>“Ours doesn’t perform</a:t>
             </a:r>
             <a:r>
               <a:rPr lang="en-US" baseline="0" dirty="0" smtClean="0"/>
-              <a:t> set up with extra configuration</a:t>
-            </a:r>
-            <a:endParaRPr lang="en-US" dirty="0" smtClean="0"/>
-          </a:p>
-          <a:p>
-            <a:r>
-              <a:rPr lang="en-US" dirty="0" smtClean="0"/>
-              <a:t>To participate, nor even opt-in ... [3]</a:t>
-            </a:r>
-          </a:p>
-          <a:p>
-            <a:endParaRPr lang="en-US" dirty="0" smtClean="0"/>
-          </a:p>
-          <a:p>
-            <a:r>
-              <a:rPr lang="en-US" dirty="0" smtClean="0"/>
-              <a:t>Ours provides an automatic transition to P2P, so even with small files it can switch automatically, which makes it  more user-friendly [no manual intervention required] [2].</a:t>
-            </a:r>
-          </a:p>
-          <a:p>
-            <a:endParaRPr lang="en-US" dirty="0" smtClean="0"/>
-          </a:p>
-          <a:p>
-            <a:r>
-              <a:rPr lang="en-US" dirty="0" smtClean="0"/>
-              <a:t>Ours uses standard client-server until this is deemed slow, so it "knows" when P2P will be faster, thus alleviating the user from having to choose whether to ignore it or not [1].</a:t>
-            </a:r>
+              <a:t> as </a:t>
+            </a:r>
+            <a:r>
+              <a:rPr lang="en-US" dirty="0" smtClean="0"/>
+              <a:t>well as BT for</a:t>
+            </a:r>
+            <a:r>
+              <a:rPr lang="en-US" baseline="0" dirty="0" smtClean="0"/>
+              <a:t> large files.”</a:t>
+            </a:r>
+          </a:p>
+          <a:p>
+            <a:endParaRPr lang="en-US" baseline="0" dirty="0" smtClean="0"/>
+          </a:p>
+          <a:p>
+            <a:r>
+              <a:rPr lang="en-US" baseline="0" dirty="0" smtClean="0"/>
+              <a:t>You can see that at about 730 to 882 seconds most of our peers finish the file, and most of the peers download it from peers, so once we get the file out there we work all right, but we could do some work still to increase our speed of propagating the blocks</a:t>
+            </a:r>
+            <a:r>
+              <a:rPr lang="en-US" baseline="0" dirty="0" smtClean="0"/>
+              <a:t>.”</a:t>
+            </a:r>
+          </a:p>
+          <a:p>
+            <a:endParaRPr lang="en-US" baseline="0" dirty="0" smtClean="0"/>
+          </a:p>
+          <a:p>
+            <a:r>
+              <a:rPr lang="en-US" sz="1200" kern="1200" baseline="0" dirty="0" smtClean="0">
+                <a:solidFill>
+                  <a:schemeClr val="tx1"/>
+                </a:solidFill>
+                <a:latin typeface="+mn-lt"/>
+                <a:ea typeface="+mn-ea"/>
+                <a:cs typeface="+mn-cs"/>
+              </a:rPr>
+              <a:t>We're not entirely sure why </a:t>
+            </a:r>
+            <a:r>
+              <a:rPr lang="en-US" sz="1200" kern="1200" baseline="0" dirty="0" err="1" smtClean="0">
+                <a:solidFill>
+                  <a:schemeClr val="tx1"/>
+                </a:solidFill>
+                <a:latin typeface="+mn-lt"/>
+                <a:ea typeface="+mn-ea"/>
+                <a:cs typeface="+mn-cs"/>
+              </a:rPr>
+              <a:t>BitTorrent</a:t>
+            </a:r>
+            <a:r>
+              <a:rPr lang="en-US" sz="1200" kern="1200" baseline="0" dirty="0" smtClean="0">
+                <a:solidFill>
+                  <a:schemeClr val="tx1"/>
+                </a:solidFill>
+                <a:latin typeface="+mn-lt"/>
+                <a:ea typeface="+mn-ea"/>
+                <a:cs typeface="+mn-cs"/>
+              </a:rPr>
+              <a:t> is faster.</a:t>
+            </a:r>
+          </a:p>
+          <a:p>
+            <a:r>
+              <a:rPr lang="en-US" sz="1200" kern="1200" baseline="0" dirty="0" smtClean="0">
+                <a:solidFill>
+                  <a:schemeClr val="tx1"/>
+                </a:solidFill>
+                <a:latin typeface="+mn-lt"/>
+                <a:ea typeface="+mn-ea"/>
+                <a:cs typeface="+mn-cs"/>
+              </a:rPr>
+              <a:t>One factor </a:t>
+            </a:r>
+            <a:r>
+              <a:rPr lang="en-US" sz="1200" kern="1200" baseline="0" dirty="0" err="1" smtClean="0">
+                <a:solidFill>
+                  <a:schemeClr val="tx1"/>
+                </a:solidFill>
+                <a:latin typeface="+mn-lt"/>
+                <a:ea typeface="+mn-ea"/>
+                <a:cs typeface="+mn-cs"/>
+              </a:rPr>
+              <a:t>aecting</a:t>
+            </a:r>
+            <a:r>
+              <a:rPr lang="en-US" sz="1200" kern="1200" baseline="0" dirty="0" smtClean="0">
+                <a:solidFill>
+                  <a:schemeClr val="tx1"/>
+                </a:solidFill>
+                <a:latin typeface="+mn-lt"/>
+                <a:ea typeface="+mn-ea"/>
+                <a:cs typeface="+mn-cs"/>
+              </a:rPr>
+              <a:t> performance is that </a:t>
+            </a:r>
+            <a:r>
+              <a:rPr lang="en-US" sz="1200" kern="1200" baseline="0" dirty="0" err="1" smtClean="0">
+                <a:solidFill>
+                  <a:schemeClr val="tx1"/>
+                </a:solidFill>
+                <a:latin typeface="+mn-lt"/>
+                <a:ea typeface="+mn-ea"/>
+                <a:cs typeface="+mn-cs"/>
+              </a:rPr>
+              <a:t>BitTorrent's</a:t>
+            </a:r>
+            <a:r>
+              <a:rPr lang="en-US" sz="1200" kern="1200" baseline="0" dirty="0" smtClean="0">
+                <a:solidFill>
+                  <a:schemeClr val="tx1"/>
+                </a:solidFill>
+                <a:latin typeface="+mn-lt"/>
+                <a:ea typeface="+mn-ea"/>
+                <a:cs typeface="+mn-cs"/>
+              </a:rPr>
+              <a:t> seed limits outgoing connections to</a:t>
+            </a:r>
+          </a:p>
+          <a:p>
+            <a:r>
+              <a:rPr lang="en-US" sz="1200" kern="1200" baseline="0" dirty="0" smtClean="0">
+                <a:solidFill>
+                  <a:schemeClr val="tx1"/>
+                </a:solidFill>
+                <a:latin typeface="+mn-lt"/>
+                <a:ea typeface="+mn-ea"/>
+                <a:cs typeface="+mn-cs"/>
+              </a:rPr>
+              <a:t>7, whereas Apache's connection limit is 256. This may allow </a:t>
+            </a:r>
+            <a:r>
+              <a:rPr lang="en-US" sz="1200" kern="1200" baseline="0" dirty="0" err="1" smtClean="0">
+                <a:solidFill>
+                  <a:schemeClr val="tx1"/>
+                </a:solidFill>
+                <a:latin typeface="+mn-lt"/>
+                <a:ea typeface="+mn-ea"/>
+                <a:cs typeface="+mn-cs"/>
+              </a:rPr>
+              <a:t>BitTorrent</a:t>
+            </a:r>
+            <a:r>
+              <a:rPr lang="en-US" sz="1200" kern="1200" baseline="0" dirty="0" smtClean="0">
+                <a:solidFill>
+                  <a:schemeClr val="tx1"/>
+                </a:solidFill>
+                <a:latin typeface="+mn-lt"/>
+                <a:ea typeface="+mn-ea"/>
+                <a:cs typeface="+mn-cs"/>
+              </a:rPr>
+              <a:t> to propagate full</a:t>
+            </a:r>
+          </a:p>
+          <a:p>
+            <a:r>
+              <a:rPr lang="en-US" sz="1200" kern="1200" baseline="0" dirty="0" smtClean="0">
+                <a:solidFill>
+                  <a:schemeClr val="tx1"/>
+                </a:solidFill>
+                <a:latin typeface="+mn-lt"/>
+                <a:ea typeface="+mn-ea"/>
+                <a:cs typeface="+mn-cs"/>
+              </a:rPr>
+              <a:t>blocks more quickly to peers. </a:t>
+            </a:r>
+            <a:r>
+              <a:rPr lang="en-US" sz="1200" kern="1200" baseline="0" dirty="0" err="1" smtClean="0">
+                <a:solidFill>
+                  <a:schemeClr val="tx1"/>
+                </a:solidFill>
+                <a:latin typeface="+mn-lt"/>
+                <a:ea typeface="+mn-ea"/>
+                <a:cs typeface="+mn-cs"/>
+              </a:rPr>
+              <a:t>BitTorrent's</a:t>
+            </a:r>
+            <a:r>
+              <a:rPr lang="en-US" sz="1200" kern="1200" baseline="0" dirty="0" smtClean="0">
+                <a:solidFill>
+                  <a:schemeClr val="tx1"/>
+                </a:solidFill>
+                <a:latin typeface="+mn-lt"/>
+                <a:ea typeface="+mn-ea"/>
+                <a:cs typeface="+mn-cs"/>
+              </a:rPr>
+              <a:t> seed also favors peers with higher download</a:t>
+            </a:r>
+          </a:p>
+          <a:p>
+            <a:r>
+              <a:rPr lang="en-US" sz="1200" kern="1200" baseline="0" dirty="0" smtClean="0">
+                <a:solidFill>
+                  <a:schemeClr val="tx1"/>
+                </a:solidFill>
+                <a:latin typeface="+mn-lt"/>
+                <a:ea typeface="+mn-ea"/>
+                <a:cs typeface="+mn-cs"/>
+              </a:rPr>
+              <a:t>speeds, which may help propagate blocks. In this test, it uses a dedicated tracker, which</a:t>
+            </a:r>
+          </a:p>
+          <a:p>
+            <a:r>
+              <a:rPr lang="en-US" sz="1200" kern="1200" baseline="0" dirty="0" smtClean="0">
+                <a:solidFill>
+                  <a:schemeClr val="tx1"/>
+                </a:solidFill>
+                <a:latin typeface="+mn-lt"/>
+                <a:ea typeface="+mn-ea"/>
+                <a:cs typeface="+mn-cs"/>
+              </a:rPr>
+              <a:t>makes peer rendezvous quicker than using a DHT. </a:t>
+            </a:r>
+            <a:r>
+              <a:rPr lang="en-US" sz="1200" kern="1200" baseline="0" dirty="0" err="1" smtClean="0">
+                <a:solidFill>
+                  <a:schemeClr val="tx1"/>
+                </a:solidFill>
+                <a:latin typeface="+mn-lt"/>
+                <a:ea typeface="+mn-ea"/>
+                <a:cs typeface="+mn-cs"/>
+              </a:rPr>
+              <a:t>BitTorrent</a:t>
+            </a:r>
+            <a:r>
+              <a:rPr lang="en-US" sz="1200" kern="1200" baseline="0" dirty="0" smtClean="0">
+                <a:solidFill>
+                  <a:schemeClr val="tx1"/>
+                </a:solidFill>
+                <a:latin typeface="+mn-lt"/>
+                <a:ea typeface="+mn-ea"/>
+                <a:cs typeface="+mn-cs"/>
+              </a:rPr>
+              <a:t> uses a \rarest block </a:t>
+            </a:r>
+            <a:r>
+              <a:rPr lang="en-US" sz="1200" kern="1200" baseline="0" dirty="0" err="1" smtClean="0">
+                <a:solidFill>
+                  <a:schemeClr val="tx1"/>
+                </a:solidFill>
+                <a:latin typeface="+mn-lt"/>
+                <a:ea typeface="+mn-ea"/>
+                <a:cs typeface="+mn-cs"/>
+              </a:rPr>
+              <a:t>rst</a:t>
+            </a:r>
+            <a:r>
+              <a:rPr lang="en-US" sz="1200" kern="1200" baseline="0" dirty="0" smtClean="0">
+                <a:solidFill>
+                  <a:schemeClr val="tx1"/>
+                </a:solidFill>
+                <a:latin typeface="+mn-lt"/>
+                <a:ea typeface="+mn-ea"/>
+                <a:cs typeface="+mn-cs"/>
+              </a:rPr>
+              <a:t>"</a:t>
+            </a:r>
+          </a:p>
+          <a:p>
+            <a:r>
+              <a:rPr lang="en-US" sz="1200" kern="1200" baseline="0" dirty="0" smtClean="0">
+                <a:solidFill>
+                  <a:schemeClr val="tx1"/>
+                </a:solidFill>
+                <a:latin typeface="+mn-lt"/>
+                <a:ea typeface="+mn-ea"/>
+                <a:cs typeface="+mn-cs"/>
+              </a:rPr>
+              <a:t>selection policy, enabling it to choose blocks more </a:t>
+            </a:r>
+            <a:r>
+              <a:rPr lang="en-US" sz="1200" kern="1200" baseline="0" dirty="0" err="1" smtClean="0">
+                <a:solidFill>
+                  <a:schemeClr val="tx1"/>
+                </a:solidFill>
+                <a:latin typeface="+mn-lt"/>
+                <a:ea typeface="+mn-ea"/>
+                <a:cs typeface="+mn-cs"/>
+              </a:rPr>
+              <a:t>eciently</a:t>
+            </a:r>
+            <a:r>
+              <a:rPr lang="en-US" sz="1200" kern="1200" baseline="0" dirty="0" smtClean="0">
+                <a:solidFill>
+                  <a:schemeClr val="tx1"/>
+                </a:solidFill>
+                <a:latin typeface="+mn-lt"/>
+                <a:ea typeface="+mn-ea"/>
+                <a:cs typeface="+mn-cs"/>
+              </a:rPr>
+              <a:t>.</a:t>
+            </a:r>
+            <a:endParaRPr lang="en-US" dirty="0"/>
           </a:p>
         </p:txBody>
       </p:sp>
@@ -2685,6 +3188,271 @@
           </a:bodyPr>
           <a:lstStyle/>
           <a:p>
+            <a:r>
+              <a:rPr lang="en-US" sz="1200" kern="1200" baseline="0" dirty="0" smtClean="0">
+                <a:solidFill>
+                  <a:schemeClr val="tx1"/>
+                </a:solidFill>
+                <a:latin typeface="+mn-lt"/>
+                <a:ea typeface="+mn-ea"/>
+                <a:cs typeface="+mn-cs"/>
+              </a:rPr>
+              <a:t>We're not entirely sure why </a:t>
+            </a:r>
+            <a:r>
+              <a:rPr lang="en-US" sz="1200" kern="1200" baseline="0" dirty="0" err="1" smtClean="0">
+                <a:solidFill>
+                  <a:schemeClr val="tx1"/>
+                </a:solidFill>
+                <a:latin typeface="+mn-lt"/>
+                <a:ea typeface="+mn-ea"/>
+                <a:cs typeface="+mn-cs"/>
+              </a:rPr>
+              <a:t>BitTorrent</a:t>
+            </a:r>
+            <a:r>
+              <a:rPr lang="en-US" sz="1200" kern="1200" baseline="0" dirty="0" smtClean="0">
+                <a:solidFill>
+                  <a:schemeClr val="tx1"/>
+                </a:solidFill>
+                <a:latin typeface="+mn-lt"/>
+                <a:ea typeface="+mn-ea"/>
+                <a:cs typeface="+mn-cs"/>
+              </a:rPr>
+              <a:t> is faster.</a:t>
+            </a:r>
+          </a:p>
+          <a:p>
+            <a:r>
+              <a:rPr lang="en-US" sz="1200" kern="1200" baseline="0" dirty="0" smtClean="0">
+                <a:solidFill>
+                  <a:schemeClr val="tx1"/>
+                </a:solidFill>
+                <a:latin typeface="+mn-lt"/>
+                <a:ea typeface="+mn-ea"/>
+                <a:cs typeface="+mn-cs"/>
+              </a:rPr>
+              <a:t>One factor </a:t>
+            </a:r>
+            <a:r>
+              <a:rPr lang="en-US" sz="1200" kern="1200" baseline="0" dirty="0" err="1" smtClean="0">
+                <a:solidFill>
+                  <a:schemeClr val="tx1"/>
+                </a:solidFill>
+                <a:latin typeface="+mn-lt"/>
+                <a:ea typeface="+mn-ea"/>
+                <a:cs typeface="+mn-cs"/>
+              </a:rPr>
+              <a:t>aecting</a:t>
+            </a:r>
+            <a:r>
+              <a:rPr lang="en-US" sz="1200" kern="1200" baseline="0" dirty="0" smtClean="0">
+                <a:solidFill>
+                  <a:schemeClr val="tx1"/>
+                </a:solidFill>
+                <a:latin typeface="+mn-lt"/>
+                <a:ea typeface="+mn-ea"/>
+                <a:cs typeface="+mn-cs"/>
+              </a:rPr>
+              <a:t> performance is that </a:t>
+            </a:r>
+            <a:r>
+              <a:rPr lang="en-US" sz="1200" kern="1200" baseline="0" dirty="0" err="1" smtClean="0">
+                <a:solidFill>
+                  <a:schemeClr val="tx1"/>
+                </a:solidFill>
+                <a:latin typeface="+mn-lt"/>
+                <a:ea typeface="+mn-ea"/>
+                <a:cs typeface="+mn-cs"/>
+              </a:rPr>
+              <a:t>BitTorrent's</a:t>
+            </a:r>
+            <a:r>
+              <a:rPr lang="en-US" sz="1200" kern="1200" baseline="0" dirty="0" smtClean="0">
+                <a:solidFill>
+                  <a:schemeClr val="tx1"/>
+                </a:solidFill>
+                <a:latin typeface="+mn-lt"/>
+                <a:ea typeface="+mn-ea"/>
+                <a:cs typeface="+mn-cs"/>
+              </a:rPr>
+              <a:t> seed limits outgoing connections to</a:t>
+            </a:r>
+          </a:p>
+          <a:p>
+            <a:r>
+              <a:rPr lang="en-US" sz="1200" kern="1200" baseline="0" dirty="0" smtClean="0">
+                <a:solidFill>
+                  <a:schemeClr val="tx1"/>
+                </a:solidFill>
+                <a:latin typeface="+mn-lt"/>
+                <a:ea typeface="+mn-ea"/>
+                <a:cs typeface="+mn-cs"/>
+              </a:rPr>
+              <a:t>7, whereas Apache's connection limit is 256. This may allow </a:t>
+            </a:r>
+            <a:r>
+              <a:rPr lang="en-US" sz="1200" kern="1200" baseline="0" dirty="0" err="1" smtClean="0">
+                <a:solidFill>
+                  <a:schemeClr val="tx1"/>
+                </a:solidFill>
+                <a:latin typeface="+mn-lt"/>
+                <a:ea typeface="+mn-ea"/>
+                <a:cs typeface="+mn-cs"/>
+              </a:rPr>
+              <a:t>BitTorrent</a:t>
+            </a:r>
+            <a:r>
+              <a:rPr lang="en-US" sz="1200" kern="1200" baseline="0" dirty="0" smtClean="0">
+                <a:solidFill>
+                  <a:schemeClr val="tx1"/>
+                </a:solidFill>
+                <a:latin typeface="+mn-lt"/>
+                <a:ea typeface="+mn-ea"/>
+                <a:cs typeface="+mn-cs"/>
+              </a:rPr>
+              <a:t> to propagate full</a:t>
+            </a:r>
+          </a:p>
+          <a:p>
+            <a:r>
+              <a:rPr lang="en-US" sz="1200" kern="1200" baseline="0" dirty="0" smtClean="0">
+                <a:solidFill>
+                  <a:schemeClr val="tx1"/>
+                </a:solidFill>
+                <a:latin typeface="+mn-lt"/>
+                <a:ea typeface="+mn-ea"/>
+                <a:cs typeface="+mn-cs"/>
+              </a:rPr>
+              <a:t>blocks more quickly to peers. </a:t>
+            </a:r>
+            <a:r>
+              <a:rPr lang="en-US" sz="1200" kern="1200" baseline="0" dirty="0" err="1" smtClean="0">
+                <a:solidFill>
+                  <a:schemeClr val="tx1"/>
+                </a:solidFill>
+                <a:latin typeface="+mn-lt"/>
+                <a:ea typeface="+mn-ea"/>
+                <a:cs typeface="+mn-cs"/>
+              </a:rPr>
+              <a:t>BitTorrent's</a:t>
+            </a:r>
+            <a:r>
+              <a:rPr lang="en-US" sz="1200" kern="1200" baseline="0" dirty="0" smtClean="0">
+                <a:solidFill>
+                  <a:schemeClr val="tx1"/>
+                </a:solidFill>
+                <a:latin typeface="+mn-lt"/>
+                <a:ea typeface="+mn-ea"/>
+                <a:cs typeface="+mn-cs"/>
+              </a:rPr>
+              <a:t> seed also favors peers with higher download</a:t>
+            </a:r>
+          </a:p>
+          <a:p>
+            <a:r>
+              <a:rPr lang="en-US" sz="1200" kern="1200" baseline="0" dirty="0" smtClean="0">
+                <a:solidFill>
+                  <a:schemeClr val="tx1"/>
+                </a:solidFill>
+                <a:latin typeface="+mn-lt"/>
+                <a:ea typeface="+mn-ea"/>
+                <a:cs typeface="+mn-cs"/>
+              </a:rPr>
+              <a:t>speeds, which may help propagate blocks. In this test, it uses a dedicated tracker, which</a:t>
+            </a:r>
+          </a:p>
+          <a:p>
+            <a:r>
+              <a:rPr lang="en-US" sz="1200" kern="1200" baseline="0" dirty="0" smtClean="0">
+                <a:solidFill>
+                  <a:schemeClr val="tx1"/>
+                </a:solidFill>
+                <a:latin typeface="+mn-lt"/>
+                <a:ea typeface="+mn-ea"/>
+                <a:cs typeface="+mn-cs"/>
+              </a:rPr>
+              <a:t>makes peer rendezvous quicker than using a DHT. </a:t>
+            </a:r>
+            <a:r>
+              <a:rPr lang="en-US" sz="1200" kern="1200" baseline="0" dirty="0" err="1" smtClean="0">
+                <a:solidFill>
+                  <a:schemeClr val="tx1"/>
+                </a:solidFill>
+                <a:latin typeface="+mn-lt"/>
+                <a:ea typeface="+mn-ea"/>
+                <a:cs typeface="+mn-cs"/>
+              </a:rPr>
+              <a:t>BitTorrent</a:t>
+            </a:r>
+            <a:r>
+              <a:rPr lang="en-US" sz="1200" kern="1200" baseline="0" dirty="0" smtClean="0">
+                <a:solidFill>
+                  <a:schemeClr val="tx1"/>
+                </a:solidFill>
+                <a:latin typeface="+mn-lt"/>
+                <a:ea typeface="+mn-ea"/>
+                <a:cs typeface="+mn-cs"/>
+              </a:rPr>
+              <a:t> uses a \rarest block </a:t>
+            </a:r>
+            <a:r>
+              <a:rPr lang="en-US" sz="1200" kern="1200" baseline="0" dirty="0" err="1" smtClean="0">
+                <a:solidFill>
+                  <a:schemeClr val="tx1"/>
+                </a:solidFill>
+                <a:latin typeface="+mn-lt"/>
+                <a:ea typeface="+mn-ea"/>
+                <a:cs typeface="+mn-cs"/>
+              </a:rPr>
+              <a:t>rst</a:t>
+            </a:r>
+            <a:r>
+              <a:rPr lang="en-US" sz="1200" kern="1200" baseline="0" dirty="0" smtClean="0">
+                <a:solidFill>
+                  <a:schemeClr val="tx1"/>
+                </a:solidFill>
+                <a:latin typeface="+mn-lt"/>
+                <a:ea typeface="+mn-ea"/>
+                <a:cs typeface="+mn-cs"/>
+              </a:rPr>
+              <a:t>"</a:t>
+            </a:r>
+          </a:p>
+          <a:p>
+            <a:r>
+              <a:rPr lang="en-US" sz="1200" kern="1200" baseline="0" dirty="0" smtClean="0">
+                <a:solidFill>
+                  <a:schemeClr val="tx1"/>
+                </a:solidFill>
+                <a:latin typeface="+mn-lt"/>
+                <a:ea typeface="+mn-ea"/>
+                <a:cs typeface="+mn-cs"/>
+              </a:rPr>
+              <a:t>selection policy, enabling it to choose blocks more </a:t>
+            </a:r>
+            <a:r>
+              <a:rPr lang="en-US" sz="1200" kern="1200" baseline="0" dirty="0" err="1" smtClean="0">
+                <a:solidFill>
+                  <a:schemeClr val="tx1"/>
+                </a:solidFill>
+                <a:latin typeface="+mn-lt"/>
+                <a:ea typeface="+mn-ea"/>
+                <a:cs typeface="+mn-cs"/>
+              </a:rPr>
+              <a:t>eciently</a:t>
+            </a:r>
+            <a:r>
+              <a:rPr lang="en-US" sz="1200" kern="1200" baseline="0" dirty="0" smtClean="0">
+                <a:solidFill>
+                  <a:schemeClr val="tx1"/>
+                </a:solidFill>
+                <a:latin typeface="+mn-lt"/>
+                <a:ea typeface="+mn-ea"/>
+                <a:cs typeface="+mn-cs"/>
+              </a:rPr>
+              <a:t>.</a:t>
+            </a:r>
             <a:endParaRPr lang="en-US" dirty="0"/>
           </a:p>
         </p:txBody>
@@ -2708,6 +3476,819 @@
               <a:rPr lang="en-US" smtClean="0"/>
               <a:pPr/>
               <a:t>33</a:t>
+            </a:fld>
+            <a:endParaRPr lang="en-US"/>
+          </a:p>
+        </p:txBody>
+      </p:sp>
+    </p:spTree>
+  </p:cSld>
+  <p:clrMapOvr>
+    <a:masterClrMapping/>
+  </p:clrMapOvr>
+</p:notes>
+</file>
+
+<file path=ppt/notesSlides/notesSlide31.xml><?xml version="1.0" encoding="utf-8"?>
+<p:notes xmlns:a="http://schemas.openxmlformats.org/drawingml/2006/main" xmlns:r="http://schemas.openxmlformats.org/officeDocument/2006/relationships" xmlns:p="http://schemas.openxmlformats.org/presentationml/2006/main">
+  <p:cSld>
+    <p:spTree>
+      <p:nvGrpSpPr>
+        <p:cNvPr id="1" name=""/>
+        <p:cNvGrpSpPr/>
+        <p:nvPr/>
+      </p:nvGrpSpPr>
+      <p:grpSpPr>
+        <a:xfrm>
+          <a:off x="0" y="0"/>
+          <a:ext cx="0" cy="0"/>
+          <a:chOff x="0" y="0"/>
+          <a:chExt cx="0" cy="0"/>
+        </a:xfrm>
+      </p:grpSpPr>
+      <p:sp>
+        <p:nvSpPr>
+          <p:cNvPr id="2" name="Slide Image Placeholder 1"/>
+          <p:cNvSpPr>
+            <a:spLocks noGrp="1" noRot="1" noChangeAspect="1"/>
+          </p:cNvSpPr>
+          <p:nvPr>
+            <p:ph type="sldImg"/>
+          </p:nvPr>
+        </p:nvSpPr>
+        <p:spPr/>
+      </p:sp>
+      <p:sp>
+        <p:nvSpPr>
+          <p:cNvPr id="3" name="Notes Placeholder 2"/>
+          <p:cNvSpPr>
+            <a:spLocks noGrp="1"/>
+          </p:cNvSpPr>
+          <p:nvPr>
+            <p:ph type="body" idx="1"/>
+          </p:nvPr>
+        </p:nvSpPr>
+        <p:spPr/>
+        <p:txBody>
+          <a:bodyPr>
+            <a:normAutofit/>
+          </a:bodyPr>
+          <a:lstStyle/>
+          <a:p>
+            <a:r>
+              <a:rPr lang="en-US" dirty="0" smtClean="0"/>
+              <a:t>"real" use is probably currently [who knows for sure] "most useful in the wild" for larger static files, still. </a:t>
+            </a:r>
+            <a:endParaRPr lang="en-US" dirty="0" smtClean="0"/>
+          </a:p>
+          <a:p>
+            <a:endParaRPr lang="en-US" dirty="0" smtClean="0"/>
+          </a:p>
+          <a:p>
+            <a:r>
+              <a:rPr lang="en-US" dirty="0" smtClean="0"/>
+              <a:t>Or</a:t>
+            </a:r>
+            <a:r>
+              <a:rPr lang="en-US" baseline="0" dirty="0" smtClean="0"/>
+              <a:t> somebody serving from a limited connection.</a:t>
+            </a:r>
+            <a:endParaRPr lang="en-US" dirty="0" smtClean="0"/>
+          </a:p>
+          <a:p>
+            <a:endParaRPr lang="en-US" dirty="0" smtClean="0"/>
+          </a:p>
+          <a:p>
+            <a:r>
+              <a:rPr lang="en-US" dirty="0" smtClean="0"/>
+              <a:t>Kind of an auto-</a:t>
+            </a:r>
+            <a:r>
+              <a:rPr lang="en-US" dirty="0" err="1" smtClean="0"/>
+              <a:t>BitTorrent</a:t>
+            </a:r>
+            <a:r>
+              <a:rPr lang="en-US" dirty="0" smtClean="0"/>
+              <a:t> for all files on the Internet, though we have shown it can work well for small files, too,</a:t>
+            </a:r>
+            <a:r>
+              <a:rPr lang="en-US" baseline="0" dirty="0" smtClean="0"/>
+              <a:t> so something like this could </a:t>
+            </a:r>
+            <a:r>
+              <a:rPr lang="en-US" baseline="0" dirty="0" smtClean="0"/>
+              <a:t>become a </a:t>
+            </a:r>
+            <a:r>
+              <a:rPr lang="en-US" baseline="0" dirty="0" smtClean="0"/>
+              <a:t>real contribution to browsing the Internet.</a:t>
+            </a:r>
+            <a:endParaRPr lang="en-US" dirty="0" smtClean="0"/>
+          </a:p>
+          <a:p>
+            <a:endParaRPr lang="en-US" dirty="0" smtClean="0"/>
+          </a:p>
+          <a:p>
+            <a:r>
+              <a:rPr lang="en-US" dirty="0" smtClean="0"/>
+              <a:t>Which is good.  We have made P2P more useful, researched</a:t>
+            </a:r>
+            <a:r>
+              <a:rPr lang="en-US" baseline="0" dirty="0" smtClean="0"/>
+              <a:t> a bit into how to make it more adoptable, more useful in more spheres.</a:t>
+            </a:r>
+          </a:p>
+          <a:p>
+            <a:endParaRPr lang="en-US" dirty="0" smtClean="0"/>
+          </a:p>
+          <a:p>
+            <a:endParaRPr lang="en-US" dirty="0" smtClean="0"/>
+          </a:p>
+          <a:p>
+            <a:r>
+              <a:rPr lang="en-US" dirty="0" smtClean="0"/>
+              <a:t>Demo?</a:t>
+            </a:r>
+            <a:endParaRPr lang="en-US" dirty="0"/>
+          </a:p>
+        </p:txBody>
+      </p:sp>
+      <p:sp>
+        <p:nvSpPr>
+          <p:cNvPr id="4" name="Slide Number Placeholder 3"/>
+          <p:cNvSpPr>
+            <a:spLocks noGrp="1"/>
+          </p:cNvSpPr>
+          <p:nvPr>
+            <p:ph type="sldNum" sz="quarter" idx="10"/>
+          </p:nvPr>
+        </p:nvSpPr>
+        <p:spPr/>
+        <p:txBody>
+          <a:bodyPr/>
+          <a:lstStyle/>
+          <a:p>
+            <a:fld id="{CFD85767-B34F-4122-8642-982296400DCD}" type="slidenum">
+              <a:rPr lang="en-US" smtClean="0"/>
+              <a:pPr/>
+              <a:t>34</a:t>
+            </a:fld>
+            <a:endParaRPr lang="en-US"/>
+          </a:p>
+        </p:txBody>
+      </p:sp>
+    </p:spTree>
+  </p:cSld>
+  <p:clrMapOvr>
+    <a:masterClrMapping/>
+  </p:clrMapOvr>
+</p:notes>
+</file>
+
+<file path=ppt/notesSlides/notesSlide32.xml><?xml version="1.0" encoding="utf-8"?>
+<p:notes xmlns:a="http://schemas.openxmlformats.org/drawingml/2006/main" xmlns:r="http://schemas.openxmlformats.org/officeDocument/2006/relationships" xmlns:p="http://schemas.openxmlformats.org/presentationml/2006/main">
+  <p:cSld>
+    <p:spTree>
+      <p:nvGrpSpPr>
+        <p:cNvPr id="1" name=""/>
+        <p:cNvGrpSpPr/>
+        <p:nvPr/>
+      </p:nvGrpSpPr>
+      <p:grpSpPr>
+        <a:xfrm>
+          <a:off x="0" y="0"/>
+          <a:ext cx="0" cy="0"/>
+          <a:chOff x="0" y="0"/>
+          <a:chExt cx="0" cy="0"/>
+        </a:xfrm>
+      </p:grpSpPr>
+      <p:sp>
+        <p:nvSpPr>
+          <p:cNvPr id="2" name="Slide Image Placeholder 1"/>
+          <p:cNvSpPr>
+            <a:spLocks noGrp="1" noRot="1" noChangeAspect="1"/>
+          </p:cNvSpPr>
+          <p:nvPr>
+            <p:ph type="sldImg"/>
+          </p:nvPr>
+        </p:nvSpPr>
+        <p:spPr/>
+      </p:sp>
+      <p:sp>
+        <p:nvSpPr>
+          <p:cNvPr id="3" name="Notes Placeholder 2"/>
+          <p:cNvSpPr>
+            <a:spLocks noGrp="1"/>
+          </p:cNvSpPr>
+          <p:nvPr>
+            <p:ph type="body" idx="1"/>
+          </p:nvPr>
+        </p:nvSpPr>
+        <p:spPr/>
+        <p:txBody>
+          <a:bodyPr>
+            <a:normAutofit lnSpcReduction="10000"/>
+          </a:bodyPr>
+          <a:lstStyle/>
+          <a:p>
+            <a:pPr marL="0" marR="0" indent="0" algn="l" defTabSz="914400" rtl="0" eaLnBrk="1" fontAlgn="auto" latinLnBrk="0" hangingPunct="1">
+              <a:lnSpc>
+                <a:spcPct val="100000"/>
+              </a:lnSpc>
+              <a:spcBef>
+                <a:spcPts val="0"/>
+              </a:spcBef>
+              <a:spcAft>
+                <a:spcPts val="0"/>
+              </a:spcAft>
+              <a:buClrTx/>
+              <a:buSzTx/>
+              <a:buFontTx/>
+              <a:buNone/>
+              <a:tabLst/>
+              <a:defRPr/>
+            </a:pPr>
+            <a:endParaRPr lang="en-US" dirty="0" smtClean="0"/>
+          </a:p>
+        </p:txBody>
+      </p:sp>
+      <p:sp>
+        <p:nvSpPr>
+          <p:cNvPr id="4" name="Slide Number Placeholder 3"/>
+          <p:cNvSpPr>
+            <a:spLocks noGrp="1"/>
+          </p:cNvSpPr>
+          <p:nvPr>
+            <p:ph type="sldNum" sz="quarter" idx="10"/>
+          </p:nvPr>
+        </p:nvSpPr>
+        <p:spPr/>
+        <p:txBody>
+          <a:bodyPr/>
+          <a:lstStyle/>
+          <a:p>
+            <a:fld id="{CFD85767-B34F-4122-8642-982296400DCD}" type="slidenum">
+              <a:rPr lang="en-US" smtClean="0"/>
+              <a:pPr/>
+              <a:t>35</a:t>
+            </a:fld>
+            <a:endParaRPr lang="en-US"/>
+          </a:p>
+        </p:txBody>
+      </p:sp>
+    </p:spTree>
+  </p:cSld>
+  <p:clrMapOvr>
+    <a:masterClrMapping/>
+  </p:clrMapOvr>
+</p:notes>
+</file>
+
+<file path=ppt/notesSlides/notesSlide33.xml><?xml version="1.0" encoding="utf-8"?>
+<p:notes xmlns:a="http://schemas.openxmlformats.org/drawingml/2006/main" xmlns:r="http://schemas.openxmlformats.org/officeDocument/2006/relationships" xmlns:p="http://schemas.openxmlformats.org/presentationml/2006/main">
+  <p:cSld>
+    <p:spTree>
+      <p:nvGrpSpPr>
+        <p:cNvPr id="1" name=""/>
+        <p:cNvGrpSpPr/>
+        <p:nvPr/>
+      </p:nvGrpSpPr>
+      <p:grpSpPr>
+        <a:xfrm>
+          <a:off x="0" y="0"/>
+          <a:ext cx="0" cy="0"/>
+          <a:chOff x="0" y="0"/>
+          <a:chExt cx="0" cy="0"/>
+        </a:xfrm>
+      </p:grpSpPr>
+      <p:sp>
+        <p:nvSpPr>
+          <p:cNvPr id="2" name="Slide Image Placeholder 1"/>
+          <p:cNvSpPr>
+            <a:spLocks noGrp="1" noRot="1" noChangeAspect="1"/>
+          </p:cNvSpPr>
+          <p:nvPr>
+            <p:ph type="sldImg"/>
+          </p:nvPr>
+        </p:nvSpPr>
+        <p:spPr/>
+      </p:sp>
+      <p:sp>
+        <p:nvSpPr>
+          <p:cNvPr id="3" name="Notes Placeholder 2"/>
+          <p:cNvSpPr>
+            <a:spLocks noGrp="1"/>
+          </p:cNvSpPr>
+          <p:nvPr>
+            <p:ph type="body" idx="1"/>
+          </p:nvPr>
+        </p:nvSpPr>
+        <p:spPr/>
+        <p:txBody>
+          <a:bodyPr>
+            <a:normAutofit/>
+          </a:bodyPr>
+          <a:lstStyle/>
+          <a:p>
+            <a:r>
+              <a:rPr lang="en-US" dirty="0" smtClean="0"/>
+              <a:t>It would be annoying for small files because it is so manual.</a:t>
+            </a:r>
+          </a:p>
+          <a:p>
+            <a:endParaRPr lang="en-US" dirty="0" smtClean="0"/>
+          </a:p>
+          <a:p>
+            <a:r>
+              <a:rPr lang="en-US" dirty="0" smtClean="0"/>
+              <a:t>2) When a user runs into this, it typically takes extra time in order to download this way, because you have to go</a:t>
+            </a:r>
+            <a:r>
+              <a:rPr lang="en-US" baseline="0" dirty="0" smtClean="0"/>
+              <a:t> through some extra steps, like downloading the .torrent file, then waiting some time for your client to contact the tracker, get peer lists, find peers that are willing to share with you, etc.</a:t>
+            </a:r>
+            <a:endParaRPr lang="en-US" dirty="0" smtClean="0"/>
+          </a:p>
+          <a:p>
+            <a:endParaRPr lang="en-US" dirty="0" smtClean="0"/>
+          </a:p>
+          <a:p>
+            <a:pPr marL="0" marR="0" indent="0" algn="l" defTabSz="914400" rtl="0" eaLnBrk="1" fontAlgn="auto" latinLnBrk="0" hangingPunct="1">
+              <a:lnSpc>
+                <a:spcPct val="100000"/>
+              </a:lnSpc>
+              <a:spcBef>
+                <a:spcPts val="0"/>
+              </a:spcBef>
+              <a:spcAft>
+                <a:spcPts val="0"/>
+              </a:spcAft>
+              <a:buClrTx/>
+              <a:buSzTx/>
+              <a:buFontTx/>
+              <a:buNone/>
+              <a:tabLst/>
+              <a:defRPr/>
+            </a:pPr>
+            <a:r>
+              <a:rPr lang="en-US" dirty="0" smtClean="0"/>
+              <a:t>It would be painful to have to do this for many small files, like browsing a web page.  Up to 10 files for </a:t>
+            </a:r>
+            <a:r>
+              <a:rPr lang="en-US" dirty="0" err="1" smtClean="0"/>
+              <a:t>byu's</a:t>
+            </a:r>
+            <a:r>
+              <a:rPr lang="en-US" dirty="0" smtClean="0"/>
+              <a:t> web site.  Even if they *did* a </a:t>
+            </a:r>
+            <a:r>
+              <a:rPr lang="en-US" dirty="0" err="1" smtClean="0"/>
+              <a:t>BitTorrent</a:t>
+            </a:r>
+            <a:r>
+              <a:rPr lang="en-US" dirty="0" smtClean="0"/>
+              <a:t> file for each of these small files, today’s systems include a manual step in order to download each file.  Modern browsers don’t handle inline p2p.  So P2P basically</a:t>
+            </a:r>
+            <a:r>
+              <a:rPr lang="en-US" baseline="0" dirty="0" smtClean="0"/>
+              <a:t> can’t be used for a typical web page.</a:t>
+            </a:r>
+            <a:endParaRPr lang="en-US" dirty="0" smtClean="0"/>
+          </a:p>
+          <a:p>
+            <a:endParaRPr lang="en-US" dirty="0" smtClean="0"/>
+          </a:p>
+          <a:p>
+            <a:pPr marL="0" marR="0" indent="0" algn="l" defTabSz="914400" rtl="0" eaLnBrk="1" fontAlgn="auto" latinLnBrk="0" hangingPunct="1">
+              <a:lnSpc>
+                <a:spcPct val="100000"/>
+              </a:lnSpc>
+              <a:spcBef>
+                <a:spcPts val="0"/>
+              </a:spcBef>
+              <a:spcAft>
+                <a:spcPts val="0"/>
+              </a:spcAft>
+              <a:buClrTx/>
+              <a:buSzTx/>
+              <a:buFontTx/>
+              <a:buNone/>
+              <a:tabLst/>
+              <a:defRPr/>
+            </a:pPr>
+            <a:r>
+              <a:rPr lang="en-US" baseline="0" dirty="0" smtClean="0"/>
+              <a:t>How many sites actually offer you that stuff?</a:t>
+            </a:r>
+          </a:p>
+          <a:p>
+            <a:endParaRPr lang="en-US" dirty="0" smtClean="0"/>
+          </a:p>
+          <a:p>
+            <a:r>
+              <a:rPr lang="en-US" dirty="0" smtClean="0"/>
+              <a:t>Normal people do not use </a:t>
+            </a:r>
+            <a:r>
+              <a:rPr lang="en-US" dirty="0" err="1" smtClean="0"/>
+              <a:t>BitTorrent</a:t>
+            </a:r>
+            <a:r>
+              <a:rPr lang="en-US" dirty="0" smtClean="0"/>
+              <a:t>.  Not useful</a:t>
+            </a:r>
+            <a:r>
+              <a:rPr lang="en-US" baseline="0" dirty="0" smtClean="0"/>
+              <a:t> to them.</a:t>
+            </a:r>
+            <a:endParaRPr lang="en-US" dirty="0"/>
+          </a:p>
+        </p:txBody>
+      </p:sp>
+      <p:sp>
+        <p:nvSpPr>
+          <p:cNvPr id="4" name="Slide Number Placeholder 3"/>
+          <p:cNvSpPr>
+            <a:spLocks noGrp="1"/>
+          </p:cNvSpPr>
+          <p:nvPr>
+            <p:ph type="sldNum" sz="quarter" idx="10"/>
+          </p:nvPr>
+        </p:nvSpPr>
+        <p:spPr/>
+        <p:txBody>
+          <a:bodyPr/>
+          <a:lstStyle/>
+          <a:p>
+            <a:fld id="{CFD85767-B34F-4122-8642-982296400DCD}" type="slidenum">
+              <a:rPr lang="en-US" smtClean="0"/>
+              <a:pPr/>
+              <a:t>36</a:t>
+            </a:fld>
+            <a:endParaRPr lang="en-US"/>
+          </a:p>
+        </p:txBody>
+      </p:sp>
+    </p:spTree>
+  </p:cSld>
+  <p:clrMapOvr>
+    <a:masterClrMapping/>
+  </p:clrMapOvr>
+</p:notes>
+</file>
+
+<file path=ppt/notesSlides/notesSlide34.xml><?xml version="1.0" encoding="utf-8"?>
+<p:notes xmlns:a="http://schemas.openxmlformats.org/drawingml/2006/main" xmlns:r="http://schemas.openxmlformats.org/officeDocument/2006/relationships" xmlns:p="http://schemas.openxmlformats.org/presentationml/2006/main">
+  <p:cSld>
+    <p:spTree>
+      <p:nvGrpSpPr>
+        <p:cNvPr id="1" name=""/>
+        <p:cNvGrpSpPr/>
+        <p:nvPr/>
+      </p:nvGrpSpPr>
+      <p:grpSpPr>
+        <a:xfrm>
+          <a:off x="0" y="0"/>
+          <a:ext cx="0" cy="0"/>
+          <a:chOff x="0" y="0"/>
+          <a:chExt cx="0" cy="0"/>
+        </a:xfrm>
+      </p:grpSpPr>
+      <p:sp>
+        <p:nvSpPr>
+          <p:cNvPr id="2" name="Slide Image Placeholder 1"/>
+          <p:cNvSpPr>
+            <a:spLocks noGrp="1" noRot="1" noChangeAspect="1"/>
+          </p:cNvSpPr>
+          <p:nvPr>
+            <p:ph type="sldImg"/>
+          </p:nvPr>
+        </p:nvSpPr>
+        <p:spPr/>
+      </p:sp>
+      <p:sp>
+        <p:nvSpPr>
+          <p:cNvPr id="3" name="Notes Placeholder 2"/>
+          <p:cNvSpPr>
+            <a:spLocks noGrp="1"/>
+          </p:cNvSpPr>
+          <p:nvPr>
+            <p:ph type="body" idx="1"/>
+          </p:nvPr>
+        </p:nvSpPr>
+        <p:spPr/>
+        <p:txBody>
+          <a:bodyPr>
+            <a:normAutofit/>
+          </a:bodyPr>
+          <a:lstStyle/>
+          <a:p>
+            <a:endParaRPr lang="en-US" dirty="0" smtClean="0"/>
+          </a:p>
+          <a:p>
+            <a:r>
+              <a:rPr lang="en-US" dirty="0" smtClean="0"/>
+              <a:t>Hard to configure—hard to get to work right except for very popular files.</a:t>
+            </a:r>
+            <a:endParaRPr lang="en-US" dirty="0"/>
+          </a:p>
+        </p:txBody>
+      </p:sp>
+      <p:sp>
+        <p:nvSpPr>
+          <p:cNvPr id="4" name="Slide Number Placeholder 3"/>
+          <p:cNvSpPr>
+            <a:spLocks noGrp="1"/>
+          </p:cNvSpPr>
+          <p:nvPr>
+            <p:ph type="sldNum" sz="quarter" idx="10"/>
+          </p:nvPr>
+        </p:nvSpPr>
+        <p:spPr/>
+        <p:txBody>
+          <a:bodyPr/>
+          <a:lstStyle/>
+          <a:p>
+            <a:fld id="{CFD85767-B34F-4122-8642-982296400DCD}" type="slidenum">
+              <a:rPr lang="en-US" smtClean="0"/>
+              <a:pPr/>
+              <a:t>37</a:t>
+            </a:fld>
+            <a:endParaRPr lang="en-US"/>
+          </a:p>
+        </p:txBody>
+      </p:sp>
+    </p:spTree>
+  </p:cSld>
+  <p:clrMapOvr>
+    <a:masterClrMapping/>
+  </p:clrMapOvr>
+</p:notes>
+</file>
+
+<file path=ppt/notesSlides/notesSlide35.xml><?xml version="1.0" encoding="utf-8"?>
+<p:notes xmlns:a="http://schemas.openxmlformats.org/drawingml/2006/main" xmlns:r="http://schemas.openxmlformats.org/officeDocument/2006/relationships" xmlns:p="http://schemas.openxmlformats.org/presentationml/2006/main">
+  <p:cSld>
+    <p:spTree>
+      <p:nvGrpSpPr>
+        <p:cNvPr id="1" name=""/>
+        <p:cNvGrpSpPr/>
+        <p:nvPr/>
+      </p:nvGrpSpPr>
+      <p:grpSpPr>
+        <a:xfrm>
+          <a:off x="0" y="0"/>
+          <a:ext cx="0" cy="0"/>
+          <a:chOff x="0" y="0"/>
+          <a:chExt cx="0" cy="0"/>
+        </a:xfrm>
+      </p:grpSpPr>
+      <p:sp>
+        <p:nvSpPr>
+          <p:cNvPr id="2" name="Slide Image Placeholder 1"/>
+          <p:cNvSpPr>
+            <a:spLocks noGrp="1" noRot="1" noChangeAspect="1"/>
+          </p:cNvSpPr>
+          <p:nvPr>
+            <p:ph type="sldImg"/>
+          </p:nvPr>
+        </p:nvSpPr>
+        <p:spPr/>
+      </p:sp>
+      <p:sp>
+        <p:nvSpPr>
+          <p:cNvPr id="3" name="Notes Placeholder 2"/>
+          <p:cNvSpPr>
+            <a:spLocks noGrp="1"/>
+          </p:cNvSpPr>
+          <p:nvPr>
+            <p:ph type="body" idx="1"/>
+          </p:nvPr>
+        </p:nvSpPr>
+        <p:spPr/>
+        <p:txBody>
+          <a:bodyPr>
+            <a:normAutofit/>
+          </a:bodyPr>
+          <a:lstStyle/>
+          <a:p>
+            <a:r>
+              <a:rPr lang="en-US" dirty="0" smtClean="0"/>
+              <a:t>All areas where BT falls short.</a:t>
+            </a:r>
+          </a:p>
+          <a:p>
+            <a:endParaRPr lang="en-US" dirty="0" smtClean="0"/>
+          </a:p>
+          <a:p>
+            <a:r>
+              <a:rPr lang="en-US" dirty="0" smtClean="0"/>
+              <a:t>Also: only go to P2P when necessary</a:t>
+            </a:r>
+            <a:r>
+              <a:rPr lang="en-US" baseline="0" dirty="0" smtClean="0"/>
+              <a:t> (try to be as fast as normal download).</a:t>
+            </a:r>
+            <a:endParaRPr lang="en-US" dirty="0"/>
+          </a:p>
+        </p:txBody>
+      </p:sp>
+      <p:sp>
+        <p:nvSpPr>
+          <p:cNvPr id="4" name="Slide Number Placeholder 3"/>
+          <p:cNvSpPr>
+            <a:spLocks noGrp="1"/>
+          </p:cNvSpPr>
+          <p:nvPr>
+            <p:ph type="sldNum" sz="quarter" idx="10"/>
+          </p:nvPr>
+        </p:nvSpPr>
+        <p:spPr/>
+        <p:txBody>
+          <a:bodyPr/>
+          <a:lstStyle/>
+          <a:p>
+            <a:fld id="{CFD85767-B34F-4122-8642-982296400DCD}" type="slidenum">
+              <a:rPr lang="en-US" smtClean="0"/>
+              <a:pPr/>
+              <a:t>38</a:t>
+            </a:fld>
+            <a:endParaRPr lang="en-US"/>
+          </a:p>
+        </p:txBody>
+      </p:sp>
+    </p:spTree>
+  </p:cSld>
+  <p:clrMapOvr>
+    <a:masterClrMapping/>
+  </p:clrMapOvr>
+</p:notes>
+</file>
+
+<file path=ppt/notesSlides/notesSlide36.xml><?xml version="1.0" encoding="utf-8"?>
+<p:notes xmlns:a="http://schemas.openxmlformats.org/drawingml/2006/main" xmlns:r="http://schemas.openxmlformats.org/officeDocument/2006/relationships" xmlns:p="http://schemas.openxmlformats.org/presentationml/2006/main">
+  <p:cSld>
+    <p:spTree>
+      <p:nvGrpSpPr>
+        <p:cNvPr id="1" name=""/>
+        <p:cNvGrpSpPr/>
+        <p:nvPr/>
+      </p:nvGrpSpPr>
+      <p:grpSpPr>
+        <a:xfrm>
+          <a:off x="0" y="0"/>
+          <a:ext cx="0" cy="0"/>
+          <a:chOff x="0" y="0"/>
+          <a:chExt cx="0" cy="0"/>
+        </a:xfrm>
+      </p:grpSpPr>
+      <p:sp>
+        <p:nvSpPr>
+          <p:cNvPr id="2" name="Slide Image Placeholder 1"/>
+          <p:cNvSpPr>
+            <a:spLocks noGrp="1" noRot="1" noChangeAspect="1"/>
+          </p:cNvSpPr>
+          <p:nvPr>
+            <p:ph type="sldImg"/>
+          </p:nvPr>
+        </p:nvSpPr>
+        <p:spPr/>
+      </p:sp>
+      <p:sp>
+        <p:nvSpPr>
+          <p:cNvPr id="3" name="Notes Placeholder 2"/>
+          <p:cNvSpPr>
+            <a:spLocks noGrp="1"/>
+          </p:cNvSpPr>
+          <p:nvPr>
+            <p:ph type="body" idx="1"/>
+          </p:nvPr>
+        </p:nvSpPr>
+        <p:spPr/>
+        <p:txBody>
+          <a:bodyPr>
+            <a:normAutofit/>
+          </a:bodyPr>
+          <a:lstStyle/>
+          <a:p>
+            <a:r>
+              <a:rPr lang="en-US" dirty="0" smtClean="0"/>
+              <a:t>We’ve made a step in that direction.  It </a:t>
+            </a:r>
+            <a:r>
+              <a:rPr lang="en-US" smtClean="0"/>
+              <a:t>has potential</a:t>
+            </a:r>
+            <a:r>
+              <a:rPr lang="en-US" baseline="0" smtClean="0"/>
+              <a:t>.</a:t>
+            </a:r>
+            <a:endParaRPr lang="en-US" dirty="0" smtClean="0"/>
+          </a:p>
+        </p:txBody>
+      </p:sp>
+      <p:sp>
+        <p:nvSpPr>
+          <p:cNvPr id="4" name="Slide Number Placeholder 3"/>
+          <p:cNvSpPr>
+            <a:spLocks noGrp="1"/>
+          </p:cNvSpPr>
+          <p:nvPr>
+            <p:ph type="sldNum" sz="quarter" idx="10"/>
+          </p:nvPr>
+        </p:nvSpPr>
+        <p:spPr/>
+        <p:txBody>
+          <a:bodyPr/>
+          <a:lstStyle/>
+          <a:p>
+            <a:fld id="{CFD85767-B34F-4122-8642-982296400DCD}" type="slidenum">
+              <a:rPr lang="en-US" smtClean="0"/>
+              <a:pPr/>
+              <a:t>39</a:t>
+            </a:fld>
+            <a:endParaRPr lang="en-US"/>
+          </a:p>
+        </p:txBody>
+      </p:sp>
+    </p:spTree>
+  </p:cSld>
+  <p:clrMapOvr>
+    <a:masterClrMapping/>
+  </p:clrMapOvr>
+</p:notes>
+</file>
+
+<file path=ppt/notesSlides/notesSlide37.xml><?xml version="1.0" encoding="utf-8"?>
+<p:notes xmlns:a="http://schemas.openxmlformats.org/drawingml/2006/main" xmlns:r="http://schemas.openxmlformats.org/officeDocument/2006/relationships" xmlns:p="http://schemas.openxmlformats.org/presentationml/2006/main">
+  <p:cSld>
+    <p:spTree>
+      <p:nvGrpSpPr>
+        <p:cNvPr id="1" name=""/>
+        <p:cNvGrpSpPr/>
+        <p:nvPr/>
+      </p:nvGrpSpPr>
+      <p:grpSpPr>
+        <a:xfrm>
+          <a:off x="0" y="0"/>
+          <a:ext cx="0" cy="0"/>
+          <a:chOff x="0" y="0"/>
+          <a:chExt cx="0" cy="0"/>
+        </a:xfrm>
+      </p:grpSpPr>
+      <p:sp>
+        <p:nvSpPr>
+          <p:cNvPr id="2" name="Slide Image Placeholder 1"/>
+          <p:cNvSpPr>
+            <a:spLocks noGrp="1" noRot="1" noChangeAspect="1"/>
+          </p:cNvSpPr>
+          <p:nvPr>
+            <p:ph type="sldImg"/>
+          </p:nvPr>
+        </p:nvSpPr>
+        <p:spPr/>
+      </p:sp>
+      <p:sp>
+        <p:nvSpPr>
+          <p:cNvPr id="3" name="Notes Placeholder 2"/>
+          <p:cNvSpPr>
+            <a:spLocks noGrp="1"/>
+          </p:cNvSpPr>
+          <p:nvPr>
+            <p:ph type="body" idx="1"/>
+          </p:nvPr>
+        </p:nvSpPr>
+        <p:spPr/>
+        <p:txBody>
+          <a:bodyPr>
+            <a:normAutofit/>
+          </a:bodyPr>
+          <a:lstStyle/>
+          <a:p>
+            <a:endParaRPr lang="en-US" dirty="0"/>
+          </a:p>
+        </p:txBody>
+      </p:sp>
+      <p:sp>
+        <p:nvSpPr>
+          <p:cNvPr id="4" name="Slide Number Placeholder 3"/>
+          <p:cNvSpPr>
+            <a:spLocks noGrp="1"/>
+          </p:cNvSpPr>
+          <p:nvPr>
+            <p:ph type="sldNum" sz="quarter" idx="10"/>
+          </p:nvPr>
+        </p:nvSpPr>
+        <p:spPr/>
+        <p:txBody>
+          <a:bodyPr/>
+          <a:lstStyle/>
+          <a:p>
+            <a:fld id="{CFD85767-B34F-4122-8642-982296400DCD}" type="slidenum">
+              <a:rPr lang="en-US" smtClean="0"/>
+              <a:pPr/>
+              <a:t>40</a:t>
             </a:fld>
             <a:endParaRPr lang="en-US"/>
           </a:p>
@@ -2769,37 +4350,12 @@
           <a:p>
             <a:r>
               <a:rPr lang="en-US" dirty="0" smtClean="0"/>
-              <a:t>Today's Internet is sometimes slow.  It is.</a:t>
-            </a:r>
-          </a:p>
-          <a:p>
-            <a:r>
-              <a:rPr lang="en-US" dirty="0" smtClean="0"/>
-              <a:t>This is very frustrating to today's work flow, and annoying.</a:t>
-            </a:r>
-          </a:p>
-          <a:p>
-            <a:r>
-              <a:rPr lang="en-US" dirty="0" smtClean="0"/>
-              <a:t>"today's bottleneck is no longer the disk or </a:t>
-            </a:r>
-            <a:r>
-              <a:rPr lang="en-US" dirty="0" err="1" smtClean="0"/>
-              <a:t>cpu</a:t>
-            </a:r>
-            <a:r>
-              <a:rPr lang="en-US" dirty="0" smtClean="0"/>
-              <a:t>--it's the network!"</a:t>
-            </a:r>
-          </a:p>
-          <a:p>
-            <a:r>
-              <a:rPr lang="en-US" dirty="0" smtClean="0"/>
-              <a:t>"all this wasted bandwidth“</a:t>
-            </a:r>
-          </a:p>
-          <a:p>
-            <a:endParaRPr lang="en-US" dirty="0" smtClean="0"/>
+              <a:t>Today's Internet </a:t>
+            </a:r>
+            <a:r>
+              <a:rPr lang="en-US" dirty="0" smtClean="0"/>
+              <a:t>can be slow at times.</a:t>
+            </a:r>
           </a:p>
           <a:p>
             <a:endParaRPr lang="en-US" dirty="0" smtClean="0"/>
@@ -2829,8 +4385,13 @@
             </a:r>
             <a:r>
               <a:rPr lang="en-US" baseline="0" dirty="0" smtClean="0"/>
-              <a:t>speed increasing so slowly compared to processors [?]</a:t>
-            </a:r>
+              <a:t>speed increasing so slowly compared to processors </a:t>
+            </a:r>
+            <a:r>
+              <a:rPr lang="en-US" baseline="0" dirty="0" smtClean="0"/>
+              <a:t>and disks (?) (?)</a:t>
+            </a:r>
+            <a:endParaRPr lang="en-US" baseline="0" dirty="0" smtClean="0"/>
           </a:p>
         </p:txBody>
       </p:sp>
@@ -2913,32 +4474,6 @@
           <a:lstStyle/>
           <a:p>
             <a:r>
-              <a:rPr lang="en-US" dirty="0" smtClean="0"/>
-              <a:t>Download manager—for me speeds things up, but</a:t>
-            </a:r>
-            <a:r>
-              <a:rPr lang="en-US" baseline="0" dirty="0" smtClean="0"/>
-              <a:t> hard to use because not integrated, also the server might run out of bandwidth.</a:t>
-            </a:r>
-          </a:p>
-          <a:p>
-            <a:endParaRPr lang="en-US" baseline="0" dirty="0" smtClean="0"/>
-          </a:p>
-          <a:p>
-            <a:r>
-              <a:rPr lang="en-US" baseline="0" dirty="0" smtClean="0"/>
-              <a:t>Adding a local proxy doesn’t help if the file hasn’t been downloaded locally already—same exact problem in many cases</a:t>
-            </a:r>
-            <a:r>
-              <a:rPr lang="en-US" baseline="0" dirty="0" smtClean="0"/>
-              <a:t>.</a:t>
-            </a:r>
-          </a:p>
-          <a:p>
-            <a:endParaRPr lang="en-US" baseline="0" dirty="0" smtClean="0"/>
-          </a:p>
-          <a:p>
-            <a:r>
               <a:rPr lang="en-US" baseline="0" dirty="0" smtClean="0"/>
               <a:t>“Go and do something else”</a:t>
             </a:r>
@@ -2946,7 +4481,21 @@
           <a:p>
             <a:r>
               <a:rPr lang="en-US" baseline="0" dirty="0" smtClean="0"/>
-              <a:t>“Go and read your email”</a:t>
+              <a:t>“Go and watch something on </a:t>
+            </a:r>
+            <a:r>
+              <a:rPr lang="en-US" baseline="0" dirty="0" err="1" smtClean="0"/>
+              <a:t>youtube</a:t>
+            </a:r>
+            <a:r>
+              <a:rPr lang="en-US" baseline="0" dirty="0" smtClean="0"/>
+              <a:t>”</a:t>
+            </a:r>
+          </a:p>
+          <a:p>
+            <a:r>
+              <a:rPr lang="en-US" baseline="0" dirty="0" smtClean="0"/>
+              <a:t>“Feel frustrated”</a:t>
             </a:r>
             <a:endParaRPr lang="en-US" dirty="0"/>
           </a:p>
@@ -3030,34 +4579,6 @@
           </a:bodyPr>
           <a:lstStyle/>
           <a:p>
-            <a:pPr marL="0" marR="0" indent="0" algn="l" defTabSz="914400" rtl="0" eaLnBrk="1" fontAlgn="auto" latinLnBrk="0" hangingPunct="1">
-              <a:lnSpc>
-                <a:spcPct val="100000"/>
-              </a:lnSpc>
-              <a:spcBef>
-                <a:spcPts val="0"/>
-              </a:spcBef>
-              <a:spcAft>
-                <a:spcPts val="0"/>
-              </a:spcAft>
-              <a:buClrTx/>
-              <a:buSzTx/>
-              <a:buFontTx/>
-              <a:buNone/>
-              <a:tabLst/>
-              <a:defRPr/>
-            </a:pPr>
-            <a:r>
-              <a:rPr lang="en-US" baseline="0" dirty="0" smtClean="0"/>
-              <a:t>TODO add CDN </a:t>
-            </a:r>
-            <a:r>
-              <a:rPr lang="en-US" baseline="0" dirty="0" err="1" smtClean="0"/>
-              <a:t>pic</a:t>
-            </a:r>
-            <a:endParaRPr lang="en-US" dirty="0" smtClean="0"/>
-          </a:p>
-          <a:p>
             <a:endParaRPr lang="en-US" dirty="0"/>
           </a:p>
         </p:txBody>
@@ -3140,110 +4661,17 @@
           </a:bodyPr>
           <a:lstStyle/>
           <a:p>
-            <a:pPr marL="0" marR="0" indent="0" algn="l" defTabSz="914400" rtl="0" eaLnBrk="1" fontAlgn="auto" latinLnBrk="0" hangingPunct="1">
-              <a:lnSpc>
-                <a:spcPct val="100000"/>
-              </a:lnSpc>
-              <a:spcBef>
-                <a:spcPts val="0"/>
-              </a:spcBef>
-              <a:spcAft>
-                <a:spcPts val="0"/>
-              </a:spcAft>
-              <a:buClrTx/>
-              <a:buSzTx/>
-              <a:buFontTx/>
-              <a:buNone/>
-              <a:tabLst/>
-              <a:defRPr/>
-            </a:pPr>
-            <a:r>
-              <a:rPr lang="en-US" baseline="0" dirty="0" smtClean="0"/>
-              <a:t>“Melissa style” explanation (you download half, your friend downloads half, you share </a:t>
-            </a:r>
-            <a:r>
-              <a:rPr lang="en-US" baseline="0" dirty="0" err="1" smtClean="0"/>
-              <a:t>halfs</a:t>
-            </a:r>
-            <a:r>
-              <a:rPr lang="en-US" baseline="0" dirty="0" smtClean="0"/>
-              <a:t>).</a:t>
-            </a:r>
-          </a:p>
-          <a:p>
-            <a:endParaRPr lang="en-US" dirty="0" smtClean="0"/>
-          </a:p>
-          <a:p>
-            <a:r>
-              <a:rPr lang="en-US" dirty="0" smtClean="0"/>
-              <a:t>You </a:t>
-            </a:r>
-            <a:r>
-              <a:rPr lang="en-US" dirty="0" smtClean="0"/>
-              <a:t>don’t need any extra servers, peers do most of the extra</a:t>
-            </a:r>
-            <a:r>
-              <a:rPr lang="en-US" baseline="0" dirty="0" smtClean="0"/>
-              <a:t> hosting.</a:t>
-            </a:r>
-          </a:p>
-          <a:p>
-            <a:endParaRPr lang="en-US" baseline="0" dirty="0" smtClean="0"/>
-          </a:p>
-          <a:p>
-            <a:pPr marL="0" marR="0" indent="0" algn="l" defTabSz="914400" rtl="0" eaLnBrk="1" fontAlgn="auto" latinLnBrk="0" hangingPunct="1">
-              <a:lnSpc>
-                <a:spcPct val="100000"/>
-              </a:lnSpc>
-              <a:spcBef>
-                <a:spcPts val="0"/>
-              </a:spcBef>
-              <a:spcAft>
-                <a:spcPts val="0"/>
-              </a:spcAft>
-              <a:buClrTx/>
-              <a:buSzTx/>
-              <a:buFontTx/>
-              <a:buNone/>
-              <a:tabLst/>
-              <a:defRPr/>
-            </a:pPr>
-            <a:r>
-              <a:rPr lang="en-US" sz="1200" b="1" i="0" kern="1200" dirty="0" smtClean="0">
-                <a:solidFill>
-                  <a:schemeClr val="tx1"/>
-                </a:solidFill>
-                <a:latin typeface="+mn-lt"/>
-                <a:ea typeface="+mn-ea"/>
-                <a:cs typeface="+mn-cs"/>
-              </a:rPr>
-              <a:t>Bram: “When I created </a:t>
-            </a:r>
-            <a:r>
-              <a:rPr lang="en-US" sz="1200" b="1" i="0" kern="1200" dirty="0" err="1" smtClean="0">
-                <a:solidFill>
-                  <a:schemeClr val="tx1"/>
-                </a:solidFill>
-                <a:latin typeface="+mn-lt"/>
-                <a:ea typeface="+mn-ea"/>
-                <a:cs typeface="+mn-cs"/>
-              </a:rPr>
-              <a:t>BitTorrent</a:t>
-            </a:r>
-            <a:r>
-              <a:rPr lang="en-US" sz="1200" b="1" i="0" kern="1200" dirty="0" smtClean="0">
-                <a:solidFill>
-                  <a:schemeClr val="tx1"/>
-                </a:solidFill>
-                <a:latin typeface="+mn-lt"/>
-                <a:ea typeface="+mn-ea"/>
-                <a:cs typeface="+mn-cs"/>
-              </a:rPr>
-              <a:t> in 2001, my mission was to solve the problem every website has when distributing large, popular files”</a:t>
-            </a:r>
-          </a:p>
-          <a:p>
-            <a:endParaRPr lang="en-US" baseline="0" dirty="0" smtClean="0"/>
+            <a:r>
+              <a:rPr lang="en-US" dirty="0" smtClean="0"/>
+              <a:t>Can become overloaded.</a:t>
+            </a:r>
+          </a:p>
+          <a:p>
+            <a:r>
+              <a:rPr lang="en-US" dirty="0" smtClean="0"/>
+              <a:t>You need to employ an expensive CDN.</a:t>
+            </a:r>
+            <a:endParaRPr lang="en-US" dirty="0"/>
           </a:p>
         </p:txBody>
       </p:sp>
@@ -3265,7 +4693,7 @@
             <a:fld id="{CFD85767-B34F-4122-8642-982296400DCD}" type="slidenum">
               <a:rPr lang="en-US" smtClean="0"/>
               <a:pPr/>
-              <a:t>9</a:t>
+              <a:t>8</a:t>
             </a:fld>
             <a:endParaRPr lang="en-US"/>
           </a:p>
@@ -3321,7 +4749,7 @@
         <p:spPr/>
         <p:txBody>
           <a:bodyPr>
-            <a:normAutofit lnSpcReduction="10000"/>
+            <a:normAutofit/>
           </a:bodyPr>
           <a:lstStyle/>
           <a:p>
@@ -3343,69 +4771,40 @@
               <a:defRPr/>
             </a:pPr>
             <a:r>
-              <a:rPr lang="en-US" dirty="0" smtClean="0"/>
-              <a:t>Unknown value to the administrator—its typical value is for large popular files, so if you don’t have</a:t>
-            </a:r>
-            <a:r>
               <a:rPr lang="en-US" baseline="0" dirty="0" smtClean="0"/>
-              <a:t> any of those, it’s not worth it.</a:t>
-            </a:r>
+              <a:t>“Melissa style” explanation (you download half, your friend downloads half, you share </a:t>
+            </a:r>
+            <a:r>
+              <a:rPr lang="en-US" baseline="0" dirty="0" err="1" smtClean="0"/>
+              <a:t>halfs</a:t>
+            </a:r>
+            <a:r>
+              <a:rPr lang="en-US" baseline="0" dirty="0" smtClean="0"/>
+              <a:t>).</a:t>
+            </a:r>
+          </a:p>
+          <a:p>
             <a:endParaRPr lang="en-US" dirty="0" smtClean="0"/>
           </a:p>
           <a:p>
-            <a:pPr marL="0" marR="0" indent="0" algn="l" defTabSz="914400" rtl="0" eaLnBrk="1" fontAlgn="auto" latinLnBrk="0" hangingPunct="1">
-              <a:lnSpc>
-                <a:spcPct val="100000"/>
-              </a:lnSpc>
-              <a:spcBef>
-                <a:spcPts val="0"/>
-              </a:spcBef>
-              <a:spcAft>
-                <a:spcPts val="0"/>
-              </a:spcAft>
-              <a:buClrTx/>
-              <a:buSzTx/>
-              <a:buFontTx/>
-              <a:buNone/>
-              <a:tabLst/>
-              <a:defRPr/>
-            </a:pPr>
-            <a:endParaRPr lang="en-US" dirty="0" smtClean="0"/>
-          </a:p>
-          <a:p>
-            <a:pPr marL="0" marR="0" indent="0" algn="l" defTabSz="914400" rtl="0" eaLnBrk="1" fontAlgn="auto" latinLnBrk="0" hangingPunct="1">
-              <a:lnSpc>
-                <a:spcPct val="100000"/>
-              </a:lnSpc>
-              <a:spcBef>
-                <a:spcPts val="0"/>
-              </a:spcBef>
-              <a:spcAft>
-                <a:spcPts val="0"/>
-              </a:spcAft>
-              <a:buClrTx/>
-              <a:buSzTx/>
-              <a:buFontTx/>
-              <a:buNone/>
-              <a:tabLst/>
-              <a:defRPr/>
-            </a:pPr>
-            <a:r>
-              <a:rPr lang="en-US" dirty="0" smtClean="0"/>
-              <a:t>Because of these barriers,</a:t>
+            <a:r>
+              <a:rPr lang="en-US" dirty="0" smtClean="0"/>
+              <a:t>You </a:t>
+            </a:r>
+            <a:r>
+              <a:rPr lang="en-US" dirty="0" smtClean="0"/>
+              <a:t>don’t need any extra servers, peers do most of the extra</a:t>
             </a:r>
             <a:r>
               <a:rPr lang="en-US" baseline="0" dirty="0" smtClean="0"/>
-              <a:t> few servers are setup to use </a:t>
-            </a:r>
-            <a:r>
-              <a:rPr lang="en-US" baseline="0" dirty="0" err="1" smtClean="0"/>
-              <a:t>BitTorrent</a:t>
-            </a:r>
-            <a:r>
-              <a:rPr lang="en-US" baseline="0" dirty="0" smtClean="0"/>
-              <a:t>, and many users ignore them even when they are, because of unreliable results.</a:t>
-            </a:r>
+              <a:t> hosting.</a:t>
+            </a:r>
+          </a:p>
+          <a:p>
+            <a:endParaRPr lang="en-US" baseline="0" dirty="0" smtClean="0"/>
+          </a:p>
+          <a:p>
+            <a:endParaRPr lang="en-US" baseline="0" dirty="0" smtClean="0"/>
           </a:p>
         </p:txBody>
       </p:sp>
@@ -3427,7 +4826,7 @@
             <a:fld id="{CFD85767-B34F-4122-8642-982296400DCD}" type="slidenum">
               <a:rPr lang="en-US" smtClean="0"/>
               <a:pPr/>
-              <a:t>10</a:t>
+              <a:t>9</a:t>
             </a:fld>
             <a:endParaRPr lang="en-US"/>
           </a:p>
@@ -3483,32 +4882,9 @@
         <p:spPr/>
         <p:txBody>
           <a:bodyPr>
-            <a:normAutofit/>
+            <a:normAutofit lnSpcReduction="10000"/>
           </a:bodyPr>
           <a:lstStyle/>
-          <a:p>
-            <a:r>
-              <a:rPr lang="en-US" dirty="0" smtClean="0"/>
-              <a:t>It would be annoying for small files because it is so manual.</a:t>
-            </a:r>
-          </a:p>
-          <a:p>
-            <a:endParaRPr lang="en-US" dirty="0" smtClean="0"/>
-          </a:p>
-          <a:p>
-            <a:r>
-              <a:rPr lang="en-US" dirty="0" smtClean="0"/>
-              <a:t>2) When a user runs into this, it typically takes extra time in order to download this way, because you have to go</a:t>
-            </a:r>
-            <a:r>
-              <a:rPr lang="en-US" baseline="0" dirty="0" smtClean="0"/>
-              <a:t> through some extra steps, like downloading the .torrent file, then waiting some time for your client to contact the tracker, get peer lists, find peers that are willing to share with you, etc.</a:t>
-            </a:r>
-            <a:endParaRPr lang="en-US" dirty="0" smtClean="0"/>
-          </a:p>
-          <a:p>
-            <a:endParaRPr lang="en-US" dirty="0" smtClean="0"/>
-          </a:p>
           <a:p>
             <a:pPr marL="0" marR="0" indent="0" algn="l" defTabSz="914400" rtl="0" eaLnBrk="1" fontAlgn="auto" latinLnBrk="0" hangingPunct="1">
               <a:lnSpc>
@@ -3527,82 +4903,7 @@
               <a:tabLst/>
               <a:defRPr/>
             </a:pPr>
-            <a:r>
-              <a:rPr lang="en-US" dirty="0" smtClean="0"/>
-              <a:t>It would be painful to have to do this for many small files, like browsing a web page.  Up to 10 files for </a:t>
-            </a:r>
-            <a:r>
-              <a:rPr lang="en-US" dirty="0" err="1" smtClean="0"/>
-              <a:t>byu's</a:t>
-            </a:r>
-            <a:r>
-              <a:rPr lang="en-US" dirty="0" smtClean="0"/>
-              <a:t> web site.  Even if they *did* a </a:t>
-            </a:r>
-            <a:r>
-              <a:rPr lang="en-US" dirty="0" err="1" smtClean="0"/>
-              <a:t>BitTorrent</a:t>
-            </a:r>
-            <a:r>
-              <a:rPr lang="en-US" dirty="0" smtClean="0"/>
-              <a:t> file for each of these small files, today’s systems include a manual step in order to download each file.  Modern browsers don’t handle inline p2p.  So P2P basically</a:t>
-            </a:r>
-            <a:r>
-              <a:rPr lang="en-US" baseline="0" dirty="0" smtClean="0"/>
-              <a:t> can’t be used for a typical web page.</a:t>
-            </a:r>
             <a:endParaRPr lang="en-US" dirty="0" smtClean="0"/>
-          </a:p>
-          <a:p>
-            <a:endParaRPr lang="en-US" dirty="0" smtClean="0"/>
-          </a:p>
-          <a:p>
-            <a:endParaRPr lang="en-US" dirty="0" smtClean="0"/>
-          </a:p>
-          <a:p>
-            <a:pPr marL="0" marR="0" indent="0" algn="l" defTabSz="914400" rtl="0" eaLnBrk="1" fontAlgn="auto" latinLnBrk="0" hangingPunct="1">
-              <a:lnSpc>
-                <a:spcPct val="100000"/>
-              </a:lnSpc>
-              <a:spcBef>
-                <a:spcPts val="0"/>
-              </a:spcBef>
-              <a:spcAft>
-                <a:spcPts val="0"/>
-              </a:spcAft>
-              <a:buClrTx/>
-              <a:buSzTx/>
-              <a:buFontTx/>
-              <a:buNone/>
-              <a:tabLst/>
-              <a:defRPr/>
-            </a:pPr>
-            <a:r>
-              <a:rPr lang="en-US" baseline="0" dirty="0" smtClean="0"/>
-              <a:t>How many sites actually offer you that stuff?</a:t>
-            </a:r>
-          </a:p>
-          <a:p>
-            <a:endParaRPr lang="en-US" dirty="0" smtClean="0"/>
-          </a:p>
-          <a:p>
-            <a:r>
-              <a:rPr lang="en-US" dirty="0" smtClean="0"/>
-              <a:t>Normal people do not use </a:t>
-            </a:r>
-            <a:r>
-              <a:rPr lang="en-US" dirty="0" err="1" smtClean="0"/>
-              <a:t>BitTorrent</a:t>
-            </a:r>
-            <a:r>
-              <a:rPr lang="en-US" dirty="0" smtClean="0"/>
-              <a:t>.  Not useful</a:t>
-            </a:r>
-            <a:r>
-              <a:rPr lang="en-US" baseline="0" dirty="0" smtClean="0"/>
-              <a:t> to them.</a:t>
-            </a:r>
-            <a:endParaRPr lang="en-US" dirty="0"/>
           </a:p>
         </p:txBody>
       </p:sp>
@@ -3624,7 +4925,7 @@
             <a:fld id="{CFD85767-B34F-4122-8642-982296400DCD}" type="slidenum">
               <a:rPr lang="en-US" smtClean="0"/>
               <a:pPr/>
-              <a:t>11</a:t>
+              <a:t>10</a:t>
             </a:fld>
             <a:endParaRPr lang="en-US"/>
           </a:p>
@@ -6762,7 +8063,14 @@
             <a:pPr lvl="1"/>
             <a:r>
               <a:rPr lang="en-US" dirty="0" smtClean="0"/>
-              <a:t>Fast enough</a:t>
+              <a:t>Large Files.</a:t>
+            </a:r>
+          </a:p>
+          <a:p>
+            <a:pPr lvl="1"/>
+            <a:r>
+              <a:rPr lang="en-US" dirty="0" smtClean="0"/>
+              <a:t>Unknown demand.</a:t>
             </a:r>
           </a:p>
         </p:txBody>
@@ -7041,13 +8349,13 @@
           <a:p>
             <a:r>
               <a:rPr lang="en-US" dirty="0" smtClean="0"/>
-              <a:t>Users don’t have client installed.</a:t>
-            </a:r>
-          </a:p>
-          <a:p>
-            <a:r>
-              <a:rPr lang="en-US" dirty="0" smtClean="0"/>
-              <a:t>Clients aren’t configured to use HTTP.</a:t>
+              <a:t>Users don’t have client installed (chicken/egg).</a:t>
+            </a:r>
+          </a:p>
+          <a:p>
+            <a:r>
+              <a:rPr lang="en-US" dirty="0" smtClean="0"/>
+              <a:t>Clients aren’t configured to use HTTP well.</a:t>
             </a:r>
             <a:endParaRPr lang="en-US" dirty="0" smtClean="0"/>
           </a:p>
@@ -7129,12 +8437,14 @@
         </p:nvSpPr>
         <p:spPr/>
         <p:txBody>
-          <a:bodyPr/>
-          <a:lstStyle/>
-          <a:p>
-            <a:r>
-              <a:rPr lang="en-US" dirty="0" smtClean="0"/>
-              <a:t>Automatic Swarming -- Goals</a:t>
+          <a:bodyPr>
+            <a:normAutofit/>
+          </a:bodyPr>
+          <a:lstStyle/>
+          <a:p>
+            <a:r>
+              <a:rPr lang="en-US" dirty="0" smtClean="0"/>
+              <a:t>Automatic Swarming</a:t>
             </a:r>
             <a:endParaRPr lang="en-US" dirty="0"/>
           </a:p>
@@ -7142,7 +8452,7 @@
       </p:sp>
       <p:sp>
         <p:nvSpPr>
-          <p:cNvPr id="3" name="Content Placeholder 2"/>
+          <p:cNvPr id="5" name="Content Placeholder 4"/>
           <p:cNvSpPr>
             <a:spLocks noGrp="1"/>
           </p:cNvSpPr>
@@ -7157,31 +8467,19 @@
           <a:p>
             <a:r>
               <a:rPr lang="en-US" dirty="0" smtClean="0"/>
-              <a:t>Work for any file on any server.</a:t>
-            </a:r>
-          </a:p>
-          <a:p>
-            <a:r>
-              <a:rPr lang="en-US" dirty="0" smtClean="0"/>
-              <a:t>Easy on the clients.</a:t>
-            </a:r>
-          </a:p>
-          <a:p>
-            <a:r>
-              <a:rPr lang="en-US" dirty="0" smtClean="0"/>
-              <a:t>No extra dedicated hardware.</a:t>
-            </a:r>
-          </a:p>
-          <a:p>
-            <a:r>
-              <a:rPr lang="en-US" dirty="0" smtClean="0"/>
-              <a:t>Work for small files.</a:t>
-            </a:r>
-          </a:p>
-          <a:p>
-            <a:r>
-              <a:rPr lang="en-US" dirty="0" smtClean="0"/>
-              <a:t>Non intrusive.</a:t>
+              <a:t>Make </a:t>
+            </a:r>
+            <a:r>
+              <a:rPr lang="en-US" dirty="0" smtClean="0"/>
+              <a:t>s</a:t>
+            </a:r>
+            <a:r>
+              <a:rPr lang="en-US" dirty="0" smtClean="0"/>
+              <a:t>warming </a:t>
+            </a:r>
+            <a:r>
+              <a:rPr lang="en-US" dirty="0" smtClean="0"/>
+              <a:t>more usable/adoptable.</a:t>
             </a:r>
           </a:p>
         </p:txBody>
@@ -7223,14 +8521,12 @@
         </p:nvSpPr>
         <p:spPr/>
         <p:txBody>
-          <a:bodyPr>
-            <a:normAutofit/>
-          </a:bodyPr>
-          <a:lstStyle/>
-          <a:p>
-            <a:r>
-              <a:rPr lang="en-US" dirty="0" smtClean="0"/>
-              <a:t>Automatic Swarming</a:t>
+          <a:bodyPr/>
+          <a:lstStyle/>
+          <a:p>
+            <a:r>
+              <a:rPr lang="en-US" dirty="0" smtClean="0"/>
+              <a:t>Automatic Swarming -- Goals</a:t>
             </a:r>
             <a:endParaRPr lang="en-US" dirty="0"/>
           </a:p>
@@ -7238,7 +8534,7 @@
       </p:sp>
       <p:sp>
         <p:nvSpPr>
-          <p:cNvPr id="5" name="Content Placeholder 4"/>
+          <p:cNvPr id="3" name="Content Placeholder 2"/>
           <p:cNvSpPr>
             <a:spLocks noGrp="1"/>
           </p:cNvSpPr>
@@ -7253,27 +8549,32 @@
           <a:p>
             <a:r>
               <a:rPr lang="en-US" dirty="0" smtClean="0"/>
-              <a:t>Basic Algorithm:</a:t>
-            </a:r>
-          </a:p>
-          <a:p>
-            <a:pPr lvl="1"/>
-            <a:r>
-              <a:rPr lang="en-US" dirty="0" smtClean="0"/>
-              <a:t>Monitor download</a:t>
-            </a:r>
-          </a:p>
-          <a:p>
-            <a:pPr lvl="1"/>
-            <a:r>
-              <a:rPr lang="en-US" dirty="0" smtClean="0"/>
-              <a:t>Automatically switch to a Peer-</a:t>
-            </a:r>
-            <a:r>
-              <a:rPr lang="en-US" dirty="0" smtClean="0"/>
-              <a:t>to-Peer download if it becomes slow.</a:t>
-            </a:r>
-            <a:endParaRPr lang="en-US" dirty="0"/>
+              <a:t>Work for any file on any server.</a:t>
+            </a:r>
+          </a:p>
+          <a:p>
+            <a:r>
+              <a:rPr lang="en-US" dirty="0" smtClean="0"/>
+              <a:t>Easy for clients.</a:t>
+            </a:r>
+          </a:p>
+          <a:p>
+            <a:r>
+              <a:rPr lang="en-US" dirty="0" smtClean="0"/>
+              <a:t>No extra dedicated hardware.</a:t>
+            </a:r>
+          </a:p>
+          <a:p>
+            <a:r>
+              <a:rPr lang="en-US" dirty="0" smtClean="0"/>
+              <a:t>Work for small files.</a:t>
+            </a:r>
+          </a:p>
+          <a:p>
+            <a:r>
+              <a:rPr lang="en-US" dirty="0" smtClean="0"/>
+              <a:t>Non intrusive.</a:t>
+            </a:r>
           </a:p>
         </p:txBody>
       </p:sp>
@@ -7286,6 +8587,97 @@
 </file>
 
 <file path=ppt/slides/slide15.xml><?xml version="1.0" encoding="utf-8"?>
+<p:sld xmlns:a="http://schemas.openxmlformats.org/drawingml/2006/main" xmlns:r="http://schemas.openxmlformats.org/officeDocument/2006/relationships" xmlns:p="http://schemas.openxmlformats.org/presentationml/2006/main">
+  <p:cSld>
+    <p:spTree>
+      <p:nvGrpSpPr>
+        <p:cNvPr id="1" name=""/>
+        <p:cNvGrpSpPr/>
+        <p:nvPr/>
+      </p:nvGrpSpPr>
+      <p:grpSpPr>
+        <a:xfrm>
+          <a:off x="0" y="0"/>
+          <a:ext cx="0" cy="0"/>
+          <a:chOff x="0" y="0"/>
+          <a:chExt cx="0" cy="0"/>
+        </a:xfrm>
+      </p:grpSpPr>
+      <p:sp>
+        <p:nvSpPr>
+          <p:cNvPr id="2" name="Title 1"/>
+          <p:cNvSpPr>
+            <a:spLocks noGrp="1"/>
+          </p:cNvSpPr>
+          <p:nvPr>
+            <p:ph type="title"/>
+          </p:nvPr>
+        </p:nvSpPr>
+        <p:spPr/>
+        <p:txBody>
+          <a:bodyPr>
+            <a:normAutofit/>
+          </a:bodyPr>
+          <a:lstStyle/>
+          <a:p>
+            <a:r>
+              <a:rPr lang="en-US" dirty="0" smtClean="0"/>
+              <a:t>Automatic Swarming</a:t>
+            </a:r>
+            <a:endParaRPr lang="en-US" dirty="0"/>
+          </a:p>
+        </p:txBody>
+      </p:sp>
+      <p:sp>
+        <p:nvSpPr>
+          <p:cNvPr id="5" name="Content Placeholder 4"/>
+          <p:cNvSpPr>
+            <a:spLocks noGrp="1"/>
+          </p:cNvSpPr>
+          <p:nvPr>
+            <p:ph idx="1"/>
+          </p:nvPr>
+        </p:nvSpPr>
+        <p:spPr/>
+        <p:txBody>
+          <a:bodyPr/>
+          <a:lstStyle/>
+          <a:p>
+            <a:r>
+              <a:rPr lang="en-US" dirty="0" smtClean="0"/>
+              <a:t>Basic Algorithm:</a:t>
+            </a:r>
+          </a:p>
+          <a:p>
+            <a:pPr lvl="1"/>
+            <a:r>
+              <a:rPr lang="en-US" dirty="0" smtClean="0"/>
+              <a:t>Monitor download</a:t>
+            </a:r>
+          </a:p>
+          <a:p>
+            <a:pPr lvl="1"/>
+            <a:r>
+              <a:rPr lang="en-US" dirty="0" smtClean="0"/>
+              <a:t>Automatically switch to a Peer-</a:t>
+            </a:r>
+            <a:r>
+              <a:rPr lang="en-US" dirty="0" smtClean="0"/>
+              <a:t>to-Peer download if it becomes slow.</a:t>
+            </a:r>
+            <a:endParaRPr lang="en-US" dirty="0"/>
+          </a:p>
+        </p:txBody>
+      </p:sp>
+    </p:spTree>
+  </p:cSld>
+  <p:clrMapOvr>
+    <a:masterClrMapping/>
+  </p:clrMapOvr>
+</p:sld>
+</file>
+
+<file path=ppt/slides/slide16.xml><?xml version="1.0" encoding="utf-8"?>
 <p:sld xmlns:a="http://schemas.openxmlformats.org/drawingml/2006/main" xmlns:r="http://schemas.openxmlformats.org/officeDocument/2006/relationships" xmlns:p="http://schemas.openxmlformats.org/presentationml/2006/main">
   <p:cSld>
     <p:spTree>
@@ -7368,7 +8760,7 @@
 </p:sld>
 </file>
 
-<file path=ppt/slides/slide16.xml><?xml version="1.0" encoding="utf-8"?>
+<file path=ppt/slides/slide17.xml><?xml version="1.0" encoding="utf-8"?>
 <p:sld xmlns:a="http://schemas.openxmlformats.org/drawingml/2006/main" xmlns:r="http://schemas.openxmlformats.org/officeDocument/2006/relationships" xmlns:p="http://schemas.openxmlformats.org/presentationml/2006/main">
   <p:cSld>
     <p:spTree>
@@ -7402,11 +8794,7 @@
           <a:p>
             <a:r>
               <a:rPr lang="en-US" dirty="0" smtClean="0"/>
-              <a:t>P2P: Find </a:t>
-            </a:r>
-            <a:r>
-              <a:rPr lang="en-US" dirty="0" smtClean="0"/>
-              <a:t>Peers, share</a:t>
+              <a:t>P2P: Transition</a:t>
             </a:r>
             <a:endParaRPr lang="en-US" dirty="0"/>
           </a:p>
@@ -7478,7 +8866,7 @@
 </p:sld>
 </file>
 
-<file path=ppt/slides/slide17.xml><?xml version="1.0" encoding="utf-8"?>
+<file path=ppt/slides/slide18.xml><?xml version="1.0" encoding="utf-8"?>
 <p:sld xmlns:a="http://schemas.openxmlformats.org/drawingml/2006/main" xmlns:r="http://schemas.openxmlformats.org/officeDocument/2006/relationships" xmlns:p="http://schemas.openxmlformats.org/presentationml/2006/main">
   <p:cSld>
     <p:spTree>
@@ -7530,7 +8918,9 @@
         </p:nvSpPr>
         <p:spPr/>
         <p:txBody>
-          <a:bodyPr/>
+          <a:bodyPr>
+            <a:normAutofit lnSpcReduction="10000"/>
+          </a:bodyPr>
           <a:lstStyle/>
           <a:p>
             <a:r>
@@ -7547,7 +8937,21 @@
           <a:p>
             <a:r>
               <a:rPr lang="en-US" dirty="0" smtClean="0"/>
-              <a:t>Redundant DHT keys.</a:t>
+              <a:t>Private </a:t>
+            </a:r>
+            <a:r>
+              <a:rPr lang="en-US" dirty="0" err="1" smtClean="0"/>
+              <a:t>OpenDHT</a:t>
+            </a:r>
+            <a:r>
+              <a:rPr lang="en-US" dirty="0" smtClean="0"/>
+              <a:t> instance.</a:t>
+            </a:r>
+          </a:p>
+          <a:p>
+            <a:r>
+              <a:rPr lang="en-US" dirty="0" smtClean="0"/>
+              <a:t>Redundant DHT keys/gateways.</a:t>
             </a:r>
           </a:p>
           <a:p>
@@ -7566,11 +8970,25 @@
           <a:p>
             <a:r>
               <a:rPr lang="en-US" dirty="0" smtClean="0"/>
+              <a:t>Per block lists</a:t>
+            </a:r>
+            <a:r>
+              <a:rPr lang="en-US" dirty="0" smtClean="0"/>
+              <a:t>.</a:t>
+            </a:r>
+          </a:p>
+          <a:p>
+            <a:r>
+              <a:rPr lang="en-US" dirty="0" smtClean="0"/>
               <a:t>Last </a:t>
             </a:r>
             <a:r>
               <a:rPr lang="en-US" dirty="0" smtClean="0"/>
-              <a:t>block problem</a:t>
+              <a:t>block </a:t>
+            </a:r>
+            <a:r>
+              <a:rPr lang="en-US" dirty="0" smtClean="0"/>
+              <a:t>problem</a:t>
             </a:r>
           </a:p>
           <a:p>
@@ -7609,131 +9027,13 @@
   <p:clrMapOvr>
     <a:masterClrMapping/>
   </p:clrMapOvr>
-</p:sld>
-</file>
-
-<file path=ppt/slides/slide18.xml><?xml version="1.0" encoding="utf-8"?>
-<p:sld xmlns:a="http://schemas.openxmlformats.org/drawingml/2006/main" xmlns:r="http://schemas.openxmlformats.org/officeDocument/2006/relationships" xmlns:p="http://schemas.openxmlformats.org/presentationml/2006/main">
-  <p:cSld>
-    <p:spTree>
-      <p:nvGrpSpPr>
-        <p:cNvPr id="1" name=""/>
-        <p:cNvGrpSpPr/>
-        <p:nvPr/>
-      </p:nvGrpSpPr>
-      <p:grpSpPr>
-        <a:xfrm>
-          <a:off x="0" y="0"/>
-          <a:ext cx="0" cy="0"/>
-          <a:chOff x="0" y="0"/>
-          <a:chExt cx="0" cy="0"/>
-        </a:xfrm>
-      </p:grpSpPr>
-      <p:sp>
-        <p:nvSpPr>
-          <p:cNvPr id="2" name="Title 1"/>
-          <p:cNvSpPr>
-            <a:spLocks noGrp="1"/>
-          </p:cNvSpPr>
-          <p:nvPr>
-            <p:ph type="title"/>
-          </p:nvPr>
-        </p:nvSpPr>
-        <p:spPr/>
-        <p:txBody>
-          <a:bodyPr/>
-          <a:lstStyle/>
-          <a:p>
-            <a:r>
-              <a:rPr lang="en-US" dirty="0" smtClean="0"/>
-              <a:t>Methodology.</a:t>
-            </a:r>
-            <a:endParaRPr lang="en-US" dirty="0"/>
-          </a:p>
-        </p:txBody>
-      </p:sp>
-      <p:sp>
-        <p:nvSpPr>
-          <p:cNvPr id="3" name="Content Placeholder 2"/>
-          <p:cNvSpPr>
-            <a:spLocks noGrp="1"/>
-          </p:cNvSpPr>
-          <p:nvPr>
-            <p:ph idx="1"/>
-          </p:nvPr>
-        </p:nvSpPr>
-        <p:spPr/>
-        <p:txBody>
-          <a:bodyPr/>
-          <a:lstStyle/>
-          <a:p>
-            <a:r>
-              <a:rPr lang="en-US" dirty="0" err="1" smtClean="0"/>
-              <a:t>PlanetLab</a:t>
-            </a:r>
-            <a:endParaRPr lang="en-US" dirty="0" smtClean="0"/>
-          </a:p>
-          <a:p>
-            <a:r>
-              <a:rPr lang="en-US" dirty="0" smtClean="0"/>
-              <a:t>Private </a:t>
-            </a:r>
-            <a:r>
-              <a:rPr lang="en-US" dirty="0" err="1" smtClean="0"/>
-              <a:t>OpenDHT</a:t>
-            </a:r>
-            <a:endParaRPr lang="en-US" dirty="0" smtClean="0"/>
-          </a:p>
-          <a:p>
-            <a:r>
-              <a:rPr lang="en-US" dirty="0" smtClean="0"/>
-              <a:t>BYU server </a:t>
-            </a:r>
-          </a:p>
-          <a:p>
-            <a:pPr lvl="1"/>
-            <a:r>
-              <a:rPr lang="en-US" dirty="0" smtClean="0"/>
-              <a:t>256 KB/s</a:t>
-            </a:r>
-          </a:p>
-          <a:p>
-            <a:pPr lvl="1"/>
-            <a:endParaRPr lang="en-US" dirty="0" smtClean="0"/>
-          </a:p>
-        </p:txBody>
-      </p:sp>
-      <p:pic>
-        <p:nvPicPr>
-          <p:cNvPr id="4098" name="Picture 2" descr="C:\Documents and Settings\rdp\Desktop\World50.png"/>
-          <p:cNvPicPr>
-            <a:picLocks noChangeAspect="1" noChangeArrowheads="1"/>
-          </p:cNvPicPr>
-          <p:nvPr/>
-        </p:nvPicPr>
-        <p:blipFill>
-          <a:blip r:embed="rId2" cstate="print"/>
-          <a:srcRect/>
-          <a:stretch>
-            <a:fillRect/>
-          </a:stretch>
-        </p:blipFill>
-        <p:spPr bwMode="auto">
-          <a:xfrm>
-            <a:off x="4000500" y="1447800"/>
-            <a:ext cx="5143500" cy="2571750"/>
-          </a:xfrm>
-          <a:prstGeom prst="rect">
-            <a:avLst/>
-          </a:prstGeom>
-          <a:noFill/>
-        </p:spPr>
-      </p:pic>
-    </p:spTree>
-  </p:cSld>
-  <p:clrMapOvr>
-    <a:masterClrMapping/>
-  </p:clrMapOvr>
+  <p:timing>
+    <p:tnLst>
+      <p:par>
+        <p:cTn id="1" dur="indefinite" restart="never" nodeType="tmRoot"/>
+      </p:par>
+    </p:tnLst>
+  </p:timing>
 </p:sld>
 </file>
 
@@ -7771,15 +9071,120 @@
           <a:p>
             <a:r>
               <a:rPr lang="en-US" dirty="0" smtClean="0"/>
-              <a:t>Performance Client-Server</a:t>
+              <a:t>Methodology.</a:t>
             </a:r>
             <a:endParaRPr lang="en-US" dirty="0"/>
+          </a:p>
+        </p:txBody>
+      </p:sp>
+      <p:sp>
+        <p:nvSpPr>
+          <p:cNvPr id="3" name="Content Placeholder 2"/>
+          <p:cNvSpPr>
+            <a:spLocks noGrp="1"/>
+          </p:cNvSpPr>
+          <p:nvPr>
+            <p:ph idx="1"/>
+          </p:nvPr>
+        </p:nvSpPr>
+        <p:spPr/>
+        <p:txBody>
+          <a:bodyPr>
+            <a:normAutofit fontScale="92500"/>
+          </a:bodyPr>
+          <a:lstStyle/>
+          <a:p>
+            <a:r>
+              <a:rPr lang="en-US" dirty="0" err="1" smtClean="0"/>
+              <a:t>PlanetLab</a:t>
+            </a:r>
+            <a:endParaRPr lang="en-US" dirty="0" smtClean="0"/>
+          </a:p>
+          <a:p>
+            <a:r>
+              <a:rPr lang="en-US" dirty="0" smtClean="0"/>
+              <a:t>Private </a:t>
+            </a:r>
+            <a:r>
+              <a:rPr lang="en-US" dirty="0" err="1" smtClean="0"/>
+              <a:t>OpenDHT</a:t>
+            </a:r>
+            <a:endParaRPr lang="en-US" dirty="0" smtClean="0"/>
+          </a:p>
+          <a:p>
+            <a:r>
+              <a:rPr lang="en-US" dirty="0" smtClean="0"/>
+              <a:t>Run until finish</a:t>
+            </a:r>
+            <a:r>
+              <a:rPr lang="en-US" dirty="0" smtClean="0"/>
+              <a:t>.</a:t>
+            </a:r>
+          </a:p>
+          <a:p>
+            <a:r>
+              <a:rPr lang="en-US" dirty="0" smtClean="0"/>
+              <a:t>Repeat 3x.</a:t>
+            </a:r>
+          </a:p>
+          <a:p>
+            <a:r>
+              <a:rPr lang="en-US" dirty="0" smtClean="0"/>
+              <a:t>Graph percentiles: download times, DHT response times, causes for transitioning to P2P.</a:t>
+            </a:r>
+          </a:p>
+          <a:p>
+            <a:r>
+              <a:rPr lang="en-US" dirty="0" smtClean="0"/>
+              <a:t>BYU server </a:t>
+            </a:r>
+          </a:p>
+          <a:p>
+            <a:pPr lvl="1"/>
+            <a:r>
+              <a:rPr lang="en-US" dirty="0" smtClean="0"/>
+              <a:t>256 KB/s</a:t>
+            </a:r>
+          </a:p>
+          <a:p>
+            <a:pPr lvl="1"/>
+            <a:endParaRPr lang="en-US" dirty="0" smtClean="0"/>
+          </a:p>
+          <a:p>
+            <a:pPr lvl="1"/>
+            <a:endParaRPr lang="en-US" dirty="0" smtClean="0"/>
           </a:p>
         </p:txBody>
       </p:sp>
       <p:pic>
         <p:nvPicPr>
-          <p:cNvPr id="5122" name="Picture 2"/>
+          <p:cNvPr id="4098" name="Picture 2" descr="C:\Documents and Settings\rdp\Desktop\World50.png"/>
+          <p:cNvPicPr>
+            <a:picLocks noChangeAspect="1" noChangeArrowheads="1"/>
+          </p:cNvPicPr>
+          <p:nvPr/>
+        </p:nvPicPr>
+        <p:blipFill>
+          <a:blip r:embed="rId2" cstate="print"/>
+          <a:srcRect/>
+          <a:stretch>
+            <a:fillRect/>
+          </a:stretch>
+        </p:blipFill>
+        <p:spPr bwMode="auto">
+          <a:xfrm>
+            <a:off x="4114800" y="1447800"/>
+            <a:ext cx="4762500" cy="2381250"/>
+          </a:xfrm>
+          <a:prstGeom prst="rect">
+            <a:avLst/>
+          </a:prstGeom>
+          <a:noFill/>
+        </p:spPr>
+      </p:pic>
+      <p:pic>
+        <p:nvPicPr>
+          <p:cNvPr id="4099" name="Picture 3"/>
           <p:cNvPicPr>
             <a:picLocks noChangeAspect="1" noChangeArrowheads="1"/>
           </p:cNvPicPr>
@@ -7794,8 +9199,8 @@
         </p:blipFill>
         <p:spPr bwMode="auto">
           <a:xfrm>
-            <a:off x="0" y="2133600"/>
-            <a:ext cx="9353550" cy="3781425"/>
+            <a:off x="8077200" y="4178030"/>
+            <a:ext cx="828675" cy="2679970"/>
           </a:xfrm>
           <a:prstGeom prst="rect">
             <a:avLst/>
@@ -7814,6 +9219,13 @@
   <p:clrMapOvr>
     <a:masterClrMapping/>
   </p:clrMapOvr>
+  <p:timing>
+    <p:tnLst>
+      <p:par>
+        <p:cTn id="1" dur="indefinite" restart="never" nodeType="tmRoot"/>
+      </p:par>
+    </p:tnLst>
+  </p:timing>
 </p:sld>
 </file>
 
@@ -7906,6 +9318,120 @@
 </file>
 
 <file path=ppt/slides/slide20.xml><?xml version="1.0" encoding="utf-8"?>
+<p:sld xmlns:a="http://schemas.openxmlformats.org/drawingml/2006/main" xmlns:r="http://schemas.openxmlformats.org/officeDocument/2006/relationships" xmlns:p="http://schemas.openxmlformats.org/presentationml/2006/main">
+  <p:cSld>
+    <p:spTree>
+      <p:nvGrpSpPr>
+        <p:cNvPr id="1" name=""/>
+        <p:cNvGrpSpPr/>
+        <p:nvPr/>
+      </p:nvGrpSpPr>
+      <p:grpSpPr>
+        <a:xfrm>
+          <a:off x="0" y="0"/>
+          <a:ext cx="0" cy="0"/>
+          <a:chOff x="0" y="0"/>
+          <a:chExt cx="0" cy="0"/>
+        </a:xfrm>
+      </p:grpSpPr>
+      <p:sp>
+        <p:nvSpPr>
+          <p:cNvPr id="2" name="Title 1"/>
+          <p:cNvSpPr>
+            <a:spLocks noGrp="1"/>
+          </p:cNvSpPr>
+          <p:nvPr>
+            <p:ph type="title"/>
+          </p:nvPr>
+        </p:nvSpPr>
+        <p:spPr/>
+        <p:txBody>
+          <a:bodyPr/>
+          <a:lstStyle/>
+          <a:p>
+            <a:r>
+              <a:rPr lang="en-US" dirty="0" smtClean="0"/>
+              <a:t>Performance Client-Server</a:t>
+            </a:r>
+            <a:endParaRPr lang="en-US" dirty="0"/>
+          </a:p>
+        </p:txBody>
+      </p:sp>
+      <p:pic>
+        <p:nvPicPr>
+          <p:cNvPr id="5122" name="Picture 2"/>
+          <p:cNvPicPr>
+            <a:picLocks noChangeAspect="1" noChangeArrowheads="1"/>
+          </p:cNvPicPr>
+          <p:nvPr/>
+        </p:nvPicPr>
+        <p:blipFill>
+          <a:blip r:embed="rId3" cstate="print"/>
+          <a:srcRect/>
+          <a:stretch>
+            <a:fillRect/>
+          </a:stretch>
+        </p:blipFill>
+        <p:spPr bwMode="auto">
+          <a:xfrm>
+            <a:off x="-209550" y="2667000"/>
+            <a:ext cx="9353550" cy="3781425"/>
+          </a:xfrm>
+          <a:prstGeom prst="rect">
+            <a:avLst/>
+          </a:prstGeom>
+          <a:noFill/>
+          <a:ln w="9525">
+            <a:noFill/>
+            <a:miter lim="800000"/>
+            <a:headEnd/>
+            <a:tailEnd/>
+          </a:ln>
+        </p:spPr>
+      </p:pic>
+      <p:sp>
+        <p:nvSpPr>
+          <p:cNvPr id="4" name="Content Placeholder 2"/>
+          <p:cNvSpPr>
+            <a:spLocks noGrp="1"/>
+          </p:cNvSpPr>
+          <p:nvPr>
+            <p:ph idx="1"/>
+          </p:nvPr>
+        </p:nvSpPr>
+        <p:spPr>
+          <a:xfrm>
+            <a:off x="457200" y="1600200"/>
+            <a:ext cx="8229600" cy="4525963"/>
+          </a:xfrm>
+        </p:spPr>
+        <p:txBody>
+          <a:bodyPr/>
+          <a:lstStyle/>
+          <a:p>
+            <a:r>
+              <a:rPr lang="en-US" dirty="0" smtClean="0"/>
+              <a:t>File size: 100 KB, R 128 KB/s, W 2s, T 1s, Linger 60s.  Increasing number of startup peers.</a:t>
+            </a:r>
+          </a:p>
+        </p:txBody>
+      </p:sp>
+    </p:spTree>
+  </p:cSld>
+  <p:clrMapOvr>
+    <a:masterClrMapping/>
+  </p:clrMapOvr>
+  <p:timing>
+    <p:tnLst>
+      <p:par>
+        <p:cTn id="1" dur="indefinite" restart="never" nodeType="tmRoot"/>
+      </p:par>
+    </p:tnLst>
+  </p:timing>
+</p:sld>
+</file>
+
+<file path=ppt/slides/slide21.xml><?xml version="1.0" encoding="utf-8"?>
 <p:sld xmlns:a="http://schemas.openxmlformats.org/drawingml/2006/main" xmlns:r="http://schemas.openxmlformats.org/officeDocument/2006/relationships" xmlns:p="http://schemas.openxmlformats.org/presentationml/2006/main">
   <p:cSld>
     <p:spTree>
@@ -7996,7 +9522,7 @@
         </p:blipFill>
         <p:spPr bwMode="auto">
           <a:xfrm>
-            <a:off x="4343400" y="2286000"/>
+            <a:off x="4191000" y="2209800"/>
             <a:ext cx="5191125" cy="2762250"/>
           </a:xfrm>
           <a:prstGeom prst="rect">
@@ -8016,11 +9542,18 @@
   <p:clrMapOvr>
     <a:masterClrMapping/>
   </p:clrMapOvr>
+  <p:timing>
+    <p:tnLst>
+      <p:par>
+        <p:cTn id="1" dur="indefinite" restart="never" nodeType="tmRoot"/>
+      </p:par>
+    </p:tnLst>
+  </p:timing>
 </p:sld>
 </file>
 
-<file path=ppt/slides/slide21.xml><?xml version="1.0" encoding="utf-8"?>
-<p:sld xmlns:a="http://schemas.openxmlformats.org/drawingml/2006/main" xmlns:r="http://schemas.openxmlformats.org/officeDocument/2006/relationships" xmlns:p="http://schemas.openxmlformats.org/presentationml/2006/main" show="0">
+<file path=ppt/slides/slide22.xml><?xml version="1.0" encoding="utf-8"?>
+<p:sld xmlns:a="http://schemas.openxmlformats.org/drawingml/2006/main" xmlns:r="http://schemas.openxmlformats.org/officeDocument/2006/relationships" xmlns:p="http://schemas.openxmlformats.org/presentationml/2006/main">
   <p:cSld>
     <p:spTree>
       <p:nvGrpSpPr>
@@ -8132,7 +9665,7 @@
 </p:sld>
 </file>
 
-<file path=ppt/slides/slide22.xml><?xml version="1.0" encoding="utf-8"?>
+<file path=ppt/slides/slide23.xml><?xml version="1.0" encoding="utf-8"?>
 <p:sld xmlns:a="http://schemas.openxmlformats.org/drawingml/2006/main" xmlns:r="http://schemas.openxmlformats.org/officeDocument/2006/relationships" xmlns:p="http://schemas.openxmlformats.org/presentationml/2006/main">
   <p:cSld>
     <p:spTree>
@@ -8185,7 +9718,7 @@
         <p:spPr/>
         <p:txBody>
           <a:bodyPr>
-            <a:normAutofit/>
+            <a:normAutofit fontScale="92500" lnSpcReduction="10000"/>
           </a:bodyPr>
           <a:lstStyle/>
           <a:p>
@@ -8221,8 +9754,33 @@
           <a:p>
             <a:r>
               <a:rPr lang="en-US" dirty="0" smtClean="0"/>
-              <a:t>Peer count</a:t>
-            </a:r>
+              <a:t>Peer </a:t>
+            </a:r>
+            <a:r>
+              <a:rPr lang="en-US" dirty="0" smtClean="0"/>
+              <a:t>count</a:t>
+            </a:r>
+          </a:p>
+          <a:p>
+            <a:r>
+              <a:rPr lang="en-US" dirty="0" smtClean="0"/>
+              <a:t>1000 peers at 15/second (66 seconds).</a:t>
+            </a:r>
+          </a:p>
+          <a:p>
+            <a:r>
+              <a:rPr lang="en-US" dirty="0" smtClean="0"/>
+              <a:t>100 KB file, 100 KB block size, </a:t>
+            </a:r>
+            <a:r>
+              <a:rPr lang="en-US" dirty="0" err="1" smtClean="0"/>
+              <a:t>conn</a:t>
+            </a:r>
+            <a:r>
+              <a:rPr lang="en-US" dirty="0" smtClean="0"/>
+              <a:t>. Limit 5, R 128 KB/s, T 1s, W 2s, Linger 20 s.</a:t>
+            </a:r>
+            <a:endParaRPr lang="en-US" dirty="0" smtClean="0"/>
           </a:p>
           <a:p>
             <a:endParaRPr lang="en-US" dirty="0"/>
@@ -8263,7 +9821,7 @@
 </p:sld>
 </file>
 
-<file path=ppt/slides/slide23.xml><?xml version="1.0" encoding="utf-8"?>
+<file path=ppt/slides/slide24.xml><?xml version="1.0" encoding="utf-8"?>
 <p:sld xmlns:a="http://schemas.openxmlformats.org/drawingml/2006/main" xmlns:r="http://schemas.openxmlformats.org/officeDocument/2006/relationships" xmlns:p="http://schemas.openxmlformats.org/presentationml/2006/main">
   <p:cSld>
     <p:spTree>
@@ -8343,7 +9901,7 @@
 </p:sld>
 </file>
 
-<file path=ppt/slides/slide24.xml><?xml version="1.0" encoding="utf-8"?>
+<file path=ppt/slides/slide25.xml><?xml version="1.0" encoding="utf-8"?>
 <p:sld xmlns:a="http://schemas.openxmlformats.org/drawingml/2006/main" xmlns:r="http://schemas.openxmlformats.org/officeDocument/2006/relationships" xmlns:p="http://schemas.openxmlformats.org/presentationml/2006/main">
   <p:cSld>
     <p:spTree>
@@ -8423,7 +9981,7 @@
 </p:sld>
 </file>
 
-<file path=ppt/slides/slide25.xml><?xml version="1.0" encoding="utf-8"?>
+<file path=ppt/slides/slide26.xml><?xml version="1.0" encoding="utf-8"?>
 <p:sld xmlns:a="http://schemas.openxmlformats.org/drawingml/2006/main" xmlns:r="http://schemas.openxmlformats.org/officeDocument/2006/relationships" xmlns:p="http://schemas.openxmlformats.org/presentationml/2006/main">
   <p:cSld>
     <p:spTree>
@@ -8480,8 +10038,8 @@
         </p:blipFill>
         <p:spPr bwMode="auto">
           <a:xfrm>
-            <a:off x="1752600" y="2590800"/>
-            <a:ext cx="5143500" cy="2933700"/>
+            <a:off x="1142999" y="2133600"/>
+            <a:ext cx="7030687" cy="4010096"/>
           </a:xfrm>
           <a:prstGeom prst="rect">
             <a:avLst/>
@@ -8500,10 +10058,17 @@
   <p:clrMapOvr>
     <a:masterClrMapping/>
   </p:clrMapOvr>
+  <p:timing>
+    <p:tnLst>
+      <p:par>
+        <p:cTn id="1" dur="indefinite" restart="never" nodeType="tmRoot"/>
+      </p:par>
+    </p:tnLst>
+  </p:timing>
 </p:sld>
 </file>
 
-<file path=ppt/slides/slide26.xml><?xml version="1.0" encoding="utf-8"?>
+<file path=ppt/slides/slide27.xml><?xml version="1.0" encoding="utf-8"?>
 <p:sld xmlns:a="http://schemas.openxmlformats.org/drawingml/2006/main" xmlns:r="http://schemas.openxmlformats.org/officeDocument/2006/relationships" xmlns:p="http://schemas.openxmlformats.org/presentationml/2006/main">
   <p:cSld>
     <p:spTree>
@@ -8560,7 +10125,7 @@
         </p:blipFill>
         <p:spPr bwMode="auto">
           <a:xfrm>
-            <a:off x="0" y="2286000"/>
+            <a:off x="0" y="2590800"/>
             <a:ext cx="9229725" cy="3200400"/>
           </a:xfrm>
           <a:prstGeom prst="rect">
@@ -8575,15 +10140,52 @@
           </a:ln>
         </p:spPr>
       </p:pic>
+      <p:sp>
+        <p:nvSpPr>
+          <p:cNvPr id="5" name="Content Placeholder 2"/>
+          <p:cNvSpPr>
+            <a:spLocks noGrp="1"/>
+          </p:cNvSpPr>
+          <p:nvPr>
+            <p:ph idx="1"/>
+          </p:nvPr>
+        </p:nvSpPr>
+        <p:spPr>
+          <a:xfrm>
+            <a:off x="457200" y="1600200"/>
+            <a:ext cx="8229600" cy="4525963"/>
+          </a:xfrm>
+        </p:spPr>
+        <p:txBody>
+          <a:bodyPr>
+            <a:normAutofit/>
+          </a:bodyPr>
+          <a:lstStyle/>
+          <a:p>
+            <a:r>
+              <a:rPr lang="en-US" dirty="0" smtClean="0"/>
+              <a:t>100 KB file, 10 15K files.</a:t>
+            </a:r>
+            <a:endParaRPr lang="en-US" dirty="0"/>
+          </a:p>
+        </p:txBody>
+      </p:sp>
     </p:spTree>
   </p:cSld>
   <p:clrMapOvr>
     <a:masterClrMapping/>
   </p:clrMapOvr>
+  <p:timing>
+    <p:tnLst>
+      <p:par>
+        <p:cTn id="1" dur="indefinite" restart="never" nodeType="tmRoot"/>
+      </p:par>
+    </p:tnLst>
+  </p:timing>
 </p:sld>
 </file>
 
-<file path=ppt/slides/slide27.xml><?xml version="1.0" encoding="utf-8"?>
+<file path=ppt/slides/slide28.xml><?xml version="1.0" encoding="utf-8"?>
 <p:sld xmlns:a="http://schemas.openxmlformats.org/drawingml/2006/main" xmlns:r="http://schemas.openxmlformats.org/officeDocument/2006/relationships" xmlns:p="http://schemas.openxmlformats.org/presentationml/2006/main">
   <p:cSld>
     <p:spTree>
@@ -8662,10 +10264,17 @@
   <p:clrMapOvr>
     <a:masterClrMapping/>
   </p:clrMapOvr>
+  <p:timing>
+    <p:tnLst>
+      <p:par>
+        <p:cTn id="1" dur="indefinite" restart="never" nodeType="tmRoot"/>
+      </p:par>
+    </p:tnLst>
+  </p:timing>
 </p:sld>
 </file>
 
-<file path=ppt/slides/slide28.xml><?xml version="1.0" encoding="utf-8"?>
+<file path=ppt/slides/slide29.xml><?xml version="1.0" encoding="utf-8"?>
 <p:sld xmlns:a="http://schemas.openxmlformats.org/drawingml/2006/main" xmlns:r="http://schemas.openxmlformats.org/officeDocument/2006/relationships" xmlns:p="http://schemas.openxmlformats.org/presentationml/2006/main">
   <p:cSld>
     <p:spTree>
@@ -8742,88 +10351,13 @@
   <p:clrMapOvr>
     <a:masterClrMapping/>
   </p:clrMapOvr>
-</p:sld>
-</file>
-
-<file path=ppt/slides/slide29.xml><?xml version="1.0" encoding="utf-8"?>
-<p:sld xmlns:a="http://schemas.openxmlformats.org/drawingml/2006/main" xmlns:r="http://schemas.openxmlformats.org/officeDocument/2006/relationships" xmlns:p="http://schemas.openxmlformats.org/presentationml/2006/main">
-  <p:cSld>
-    <p:spTree>
-      <p:nvGrpSpPr>
-        <p:cNvPr id="1" name=""/>
-        <p:cNvGrpSpPr/>
-        <p:nvPr/>
-      </p:nvGrpSpPr>
-      <p:grpSpPr>
-        <a:xfrm>
-          <a:off x="0" y="0"/>
-          <a:ext cx="0" cy="0"/>
-          <a:chOff x="0" y="0"/>
-          <a:chExt cx="0" cy="0"/>
-        </a:xfrm>
-      </p:grpSpPr>
-      <p:sp>
-        <p:nvSpPr>
-          <p:cNvPr id="2" name="Title 1"/>
-          <p:cNvSpPr>
-            <a:spLocks noGrp="1"/>
-          </p:cNvSpPr>
-          <p:nvPr>
-            <p:ph type="title"/>
-          </p:nvPr>
-        </p:nvSpPr>
-        <p:spPr/>
-        <p:txBody>
-          <a:bodyPr>
-            <a:normAutofit/>
-          </a:bodyPr>
-          <a:lstStyle/>
-          <a:p>
-            <a:r>
-              <a:rPr lang="en-US" dirty="0" smtClean="0"/>
-              <a:t>Linger Time</a:t>
-            </a:r>
-            <a:endParaRPr lang="en-US" dirty="0"/>
-          </a:p>
-        </p:txBody>
-      </p:sp>
-      <p:pic>
-        <p:nvPicPr>
-          <p:cNvPr id="13314" name="Picture 2"/>
-          <p:cNvPicPr>
-            <a:picLocks noChangeAspect="1" noChangeArrowheads="1"/>
-          </p:cNvPicPr>
-          <p:nvPr/>
-        </p:nvPicPr>
-        <p:blipFill>
-          <a:blip r:embed="rId3" cstate="print"/>
-          <a:srcRect/>
-          <a:stretch>
-            <a:fillRect/>
-          </a:stretch>
-        </p:blipFill>
-        <p:spPr bwMode="auto">
-          <a:xfrm>
-            <a:off x="2157413" y="2057400"/>
-            <a:ext cx="4829175" cy="2743200"/>
-          </a:xfrm>
-          <a:prstGeom prst="rect">
-            <a:avLst/>
-          </a:prstGeom>
-          <a:noFill/>
-          <a:ln w="9525">
-            <a:noFill/>
-            <a:miter lim="800000"/>
-            <a:headEnd/>
-            <a:tailEnd/>
-          </a:ln>
-        </p:spPr>
-      </p:pic>
-    </p:spTree>
-  </p:cSld>
-  <p:clrMapOvr>
-    <a:masterClrMapping/>
-  </p:clrMapOvr>
+  <p:timing>
+    <p:tnLst>
+      <p:par>
+        <p:cTn id="1" dur="indefinite" restart="never" nodeType="tmRoot"/>
+      </p:par>
+    </p:tnLst>
+  </p:timing>
 </p:sld>
 </file>
 
@@ -8927,6 +10461,187 @@
 </file>
 
 <file path=ppt/slides/slide30.xml><?xml version="1.0" encoding="utf-8"?>
+<p:sld xmlns:a="http://schemas.openxmlformats.org/drawingml/2006/main" xmlns:r="http://schemas.openxmlformats.org/officeDocument/2006/relationships" xmlns:p="http://schemas.openxmlformats.org/presentationml/2006/main">
+  <p:cSld>
+    <p:spTree>
+      <p:nvGrpSpPr>
+        <p:cNvPr id="1" name=""/>
+        <p:cNvGrpSpPr/>
+        <p:nvPr/>
+      </p:nvGrpSpPr>
+      <p:grpSpPr>
+        <a:xfrm>
+          <a:off x="0" y="0"/>
+          <a:ext cx="0" cy="0"/>
+          <a:chOff x="0" y="0"/>
+          <a:chExt cx="0" cy="0"/>
+        </a:xfrm>
+      </p:grpSpPr>
+      <p:sp>
+        <p:nvSpPr>
+          <p:cNvPr id="2" name="Title 1"/>
+          <p:cNvSpPr>
+            <a:spLocks noGrp="1"/>
+          </p:cNvSpPr>
+          <p:nvPr>
+            <p:ph type="title"/>
+          </p:nvPr>
+        </p:nvSpPr>
+        <p:spPr/>
+        <p:txBody>
+          <a:bodyPr>
+            <a:normAutofit/>
+          </a:bodyPr>
+          <a:lstStyle/>
+          <a:p>
+            <a:r>
+              <a:rPr lang="en-US" dirty="0" smtClean="0"/>
+              <a:t>Linger Time</a:t>
+            </a:r>
+            <a:endParaRPr lang="en-US" dirty="0"/>
+          </a:p>
+        </p:txBody>
+      </p:sp>
+      <p:pic>
+        <p:nvPicPr>
+          <p:cNvPr id="13314" name="Picture 2"/>
+          <p:cNvPicPr>
+            <a:picLocks noChangeAspect="1" noChangeArrowheads="1"/>
+          </p:cNvPicPr>
+          <p:nvPr/>
+        </p:nvPicPr>
+        <p:blipFill>
+          <a:blip r:embed="rId3" cstate="print"/>
+          <a:srcRect/>
+          <a:stretch>
+            <a:fillRect/>
+          </a:stretch>
+        </p:blipFill>
+        <p:spPr bwMode="auto">
+          <a:xfrm>
+            <a:off x="2157413" y="2057400"/>
+            <a:ext cx="4829175" cy="2743200"/>
+          </a:xfrm>
+          <a:prstGeom prst="rect">
+            <a:avLst/>
+          </a:prstGeom>
+          <a:noFill/>
+          <a:ln w="9525">
+            <a:noFill/>
+            <a:miter lim="800000"/>
+            <a:headEnd/>
+            <a:tailEnd/>
+          </a:ln>
+        </p:spPr>
+      </p:pic>
+    </p:spTree>
+  </p:cSld>
+  <p:clrMapOvr>
+    <a:masterClrMapping/>
+  </p:clrMapOvr>
+</p:sld>
+</file>
+
+<file path=ppt/slides/slide31.xml><?xml version="1.0" encoding="utf-8"?>
+<p:sld xmlns:a="http://schemas.openxmlformats.org/drawingml/2006/main" xmlns:r="http://schemas.openxmlformats.org/officeDocument/2006/relationships" xmlns:p="http://schemas.openxmlformats.org/presentationml/2006/main">
+  <p:cSld>
+    <p:spTree>
+      <p:nvGrpSpPr>
+        <p:cNvPr id="1" name=""/>
+        <p:cNvGrpSpPr/>
+        <p:nvPr/>
+      </p:nvGrpSpPr>
+      <p:grpSpPr>
+        <a:xfrm>
+          <a:off x="0" y="0"/>
+          <a:ext cx="0" cy="0"/>
+          <a:chOff x="0" y="0"/>
+          <a:chExt cx="0" cy="0"/>
+        </a:xfrm>
+      </p:grpSpPr>
+      <p:sp>
+        <p:nvSpPr>
+          <p:cNvPr id="2" name="Title 1"/>
+          <p:cNvSpPr>
+            <a:spLocks noGrp="1"/>
+          </p:cNvSpPr>
+          <p:nvPr>
+            <p:ph type="title"/>
+          </p:nvPr>
+        </p:nvSpPr>
+        <p:spPr/>
+        <p:txBody>
+          <a:bodyPr/>
+          <a:lstStyle/>
+          <a:p>
+            <a:r>
+              <a:rPr lang="en-US" dirty="0" smtClean="0"/>
+              <a:t>Peer connection</a:t>
+            </a:r>
+            <a:endParaRPr lang="en-US" dirty="0"/>
+          </a:p>
+        </p:txBody>
+      </p:sp>
+      <p:sp>
+        <p:nvSpPr>
+          <p:cNvPr id="3" name="Content Placeholder 2"/>
+          <p:cNvSpPr>
+            <a:spLocks noGrp="1"/>
+          </p:cNvSpPr>
+          <p:nvPr>
+            <p:ph idx="1"/>
+          </p:nvPr>
+        </p:nvSpPr>
+        <p:spPr/>
+        <p:txBody>
+          <a:bodyPr/>
+          <a:lstStyle/>
+          <a:p>
+            <a:endParaRPr lang="en-US" dirty="0"/>
+          </a:p>
+        </p:txBody>
+      </p:sp>
+      <p:pic>
+        <p:nvPicPr>
+          <p:cNvPr id="8194" name="Picture 2"/>
+          <p:cNvPicPr>
+            <a:picLocks noChangeAspect="1" noChangeArrowheads="1"/>
+          </p:cNvPicPr>
+          <p:nvPr/>
+        </p:nvPicPr>
+        <p:blipFill>
+          <a:blip r:embed="rId2" cstate="print"/>
+          <a:srcRect/>
+          <a:stretch>
+            <a:fillRect/>
+          </a:stretch>
+        </p:blipFill>
+        <p:spPr bwMode="auto">
+          <a:xfrm>
+            <a:off x="2209800" y="2590800"/>
+            <a:ext cx="4467225" cy="2952750"/>
+          </a:xfrm>
+          <a:prstGeom prst="rect">
+            <a:avLst/>
+          </a:prstGeom>
+          <a:noFill/>
+          <a:ln w="9525">
+            <a:noFill/>
+            <a:miter lim="800000"/>
+            <a:headEnd/>
+            <a:tailEnd/>
+          </a:ln>
+        </p:spPr>
+      </p:pic>
+    </p:spTree>
+  </p:cSld>
+  <p:clrMapOvr>
+    <a:masterClrMapping/>
+  </p:clrMapOvr>
+</p:sld>
+</file>
+
+<file path=ppt/slides/slide32.xml><?xml version="1.0" encoding="utf-8"?>
 <p:sld xmlns:a="http://schemas.openxmlformats.org/drawingml/2006/main" xmlns:r="http://schemas.openxmlformats.org/officeDocument/2006/relationships" xmlns:p="http://schemas.openxmlformats.org/presentationml/2006/main">
   <p:cSld>
     <p:spTree>
@@ -9040,178 +10755,6 @@
 </p:sld>
 </file>
 
-<file path=ppt/slides/slide31.xml><?xml version="1.0" encoding="utf-8"?>
-<p:sld xmlns:a="http://schemas.openxmlformats.org/drawingml/2006/main" xmlns:r="http://schemas.openxmlformats.org/officeDocument/2006/relationships" xmlns:p="http://schemas.openxmlformats.org/presentationml/2006/main">
-  <p:cSld>
-    <p:spTree>
-      <p:nvGrpSpPr>
-        <p:cNvPr id="1" name=""/>
-        <p:cNvGrpSpPr/>
-        <p:nvPr/>
-      </p:nvGrpSpPr>
-      <p:grpSpPr>
-        <a:xfrm>
-          <a:off x="0" y="0"/>
-          <a:ext cx="0" cy="0"/>
-          <a:chOff x="0" y="0"/>
-          <a:chExt cx="0" cy="0"/>
-        </a:xfrm>
-      </p:grpSpPr>
-      <p:sp>
-        <p:nvSpPr>
-          <p:cNvPr id="2" name="Title 1"/>
-          <p:cNvSpPr>
-            <a:spLocks noGrp="1"/>
-          </p:cNvSpPr>
-          <p:nvPr>
-            <p:ph type="title"/>
-          </p:nvPr>
-        </p:nvSpPr>
-        <p:spPr/>
-        <p:txBody>
-          <a:bodyPr/>
-          <a:lstStyle/>
-          <a:p>
-            <a:r>
-              <a:rPr lang="en-US" dirty="0" smtClean="0"/>
-              <a:t>Conclusion</a:t>
-            </a:r>
-            <a:endParaRPr lang="en-US" dirty="0"/>
-          </a:p>
-        </p:txBody>
-      </p:sp>
-      <p:sp>
-        <p:nvSpPr>
-          <p:cNvPr id="3" name="Content Placeholder 2"/>
-          <p:cNvSpPr>
-            <a:spLocks noGrp="1"/>
-          </p:cNvSpPr>
-          <p:nvPr>
-            <p:ph idx="1"/>
-          </p:nvPr>
-        </p:nvSpPr>
-        <p:spPr/>
-        <p:txBody>
-          <a:bodyPr/>
-          <a:lstStyle/>
-          <a:p>
-            <a:r>
-              <a:rPr lang="en-US" dirty="0" smtClean="0"/>
-              <a:t>Viable.</a:t>
-            </a:r>
-          </a:p>
-          <a:p>
-            <a:pPr lvl="1"/>
-            <a:r>
-              <a:rPr lang="en-US" dirty="0" smtClean="0"/>
-              <a:t>30 x as fast for small </a:t>
-            </a:r>
-            <a:r>
-              <a:rPr lang="en-US" dirty="0" smtClean="0"/>
-              <a:t>files</a:t>
-            </a:r>
-            <a:endParaRPr lang="en-US" dirty="0" smtClean="0"/>
-          </a:p>
-        </p:txBody>
-      </p:sp>
-    </p:spTree>
-  </p:cSld>
-  <p:clrMapOvr>
-    <a:masterClrMapping/>
-  </p:clrMapOvr>
-</p:sld>
-</file>
-
-<file path=ppt/slides/slide32.xml><?xml version="1.0" encoding="utf-8"?>
-<p:sld xmlns:a="http://schemas.openxmlformats.org/drawingml/2006/main" xmlns:r="http://schemas.openxmlformats.org/officeDocument/2006/relationships" xmlns:p="http://schemas.openxmlformats.org/presentationml/2006/main">
-  <p:cSld>
-    <p:spTree>
-      <p:nvGrpSpPr>
-        <p:cNvPr id="1" name=""/>
-        <p:cNvGrpSpPr/>
-        <p:nvPr/>
-      </p:nvGrpSpPr>
-      <p:grpSpPr>
-        <a:xfrm>
-          <a:off x="0" y="0"/>
-          <a:ext cx="0" cy="0"/>
-          <a:chOff x="0" y="0"/>
-          <a:chExt cx="0" cy="0"/>
-        </a:xfrm>
-      </p:grpSpPr>
-      <p:sp>
-        <p:nvSpPr>
-          <p:cNvPr id="2" name="Title 1"/>
-          <p:cNvSpPr>
-            <a:spLocks noGrp="1"/>
-          </p:cNvSpPr>
-          <p:nvPr>
-            <p:ph type="title"/>
-          </p:nvPr>
-        </p:nvSpPr>
-        <p:spPr/>
-        <p:txBody>
-          <a:bodyPr/>
-          <a:lstStyle/>
-          <a:p>
-            <a:r>
-              <a:rPr lang="en-US" dirty="0" smtClean="0"/>
-              <a:t>Automatic Swarming Benefits</a:t>
-            </a:r>
-            <a:endParaRPr lang="en-US" dirty="0"/>
-          </a:p>
-        </p:txBody>
-      </p:sp>
-      <p:sp>
-        <p:nvSpPr>
-          <p:cNvPr id="3" name="Content Placeholder 2"/>
-          <p:cNvSpPr>
-            <a:spLocks noGrp="1"/>
-          </p:cNvSpPr>
-          <p:nvPr>
-            <p:ph idx="1"/>
-          </p:nvPr>
-        </p:nvSpPr>
-        <p:spPr/>
-        <p:txBody>
-          <a:bodyPr/>
-          <a:lstStyle/>
-          <a:p>
-            <a:r>
-              <a:rPr lang="en-US" dirty="0" smtClean="0"/>
-              <a:t>Automatic transition</a:t>
-            </a:r>
-          </a:p>
-          <a:p>
-            <a:pPr lvl="1"/>
-            <a:r>
-              <a:rPr lang="en-US" dirty="0" smtClean="0"/>
-              <a:t>Small files</a:t>
-            </a:r>
-          </a:p>
-          <a:p>
-            <a:pPr lvl="1"/>
-            <a:r>
-              <a:rPr lang="en-US" dirty="0" smtClean="0"/>
-              <a:t>Client-server plus P2P</a:t>
-            </a:r>
-          </a:p>
-          <a:p>
-            <a:r>
-              <a:rPr lang="en-US" dirty="0" smtClean="0"/>
-              <a:t>Client-side protocol</a:t>
-            </a:r>
-          </a:p>
-        </p:txBody>
-      </p:sp>
-    </p:spTree>
-  </p:cSld>
-  <p:clrMapOvr>
-    <a:masterClrMapping/>
-  </p:clrMapOvr>
-</p:sld>
-</file>
-
 <file path=ppt/slides/slide33.xml><?xml version="1.0" encoding="utf-8"?>
 <p:sld xmlns:a="http://schemas.openxmlformats.org/drawingml/2006/main" xmlns:r="http://schemas.openxmlformats.org/officeDocument/2006/relationships" xmlns:p="http://schemas.openxmlformats.org/presentationml/2006/main">
   <p:cSld>
@@ -9245,8 +10788,101 @@
           <a:lstStyle/>
           <a:p>
             <a:r>
-              <a:rPr lang="en-US" dirty="0" smtClean="0"/>
-              <a:t>Future Work</a:t>
+              <a:rPr lang="en-US" dirty="0" err="1" smtClean="0"/>
+              <a:t>BitTorrent</a:t>
+            </a:r>
+            <a:r>
+              <a:rPr lang="en-US" dirty="0" smtClean="0"/>
+              <a:t> Large File optimizations</a:t>
+            </a:r>
+            <a:endParaRPr lang="en-US" dirty="0"/>
+          </a:p>
+        </p:txBody>
+      </p:sp>
+      <p:sp>
+        <p:nvSpPr>
+          <p:cNvPr id="3" name="Content Placeholder 2"/>
+          <p:cNvSpPr>
+            <a:spLocks noGrp="1"/>
+          </p:cNvSpPr>
+          <p:nvPr>
+            <p:ph idx="1"/>
+          </p:nvPr>
+        </p:nvSpPr>
+        <p:spPr/>
+        <p:txBody>
+          <a:bodyPr/>
+          <a:lstStyle/>
+          <a:p>
+            <a:r>
+              <a:rPr lang="en-US" dirty="0" smtClean="0"/>
+              <a:t>Seeds limit outgoing connections.</a:t>
+            </a:r>
+          </a:p>
+          <a:p>
+            <a:r>
+              <a:rPr lang="en-US" dirty="0" smtClean="0"/>
+              <a:t>Favor stronger connections.</a:t>
+            </a:r>
+          </a:p>
+          <a:p>
+            <a:r>
+              <a:rPr lang="en-US" dirty="0" smtClean="0"/>
+              <a:t>Dedicated tracker.</a:t>
+            </a:r>
+          </a:p>
+          <a:p>
+            <a:r>
+              <a:rPr lang="en-US" dirty="0" smtClean="0"/>
+              <a:t>Rarest Block First.</a:t>
+            </a:r>
+            <a:endParaRPr lang="en-US" dirty="0"/>
+          </a:p>
+        </p:txBody>
+      </p:sp>
+    </p:spTree>
+  </p:cSld>
+  <p:clrMapOvr>
+    <a:masterClrMapping/>
+  </p:clrMapOvr>
+</p:sld>
+</file>
+
+<file path=ppt/slides/slide34.xml><?xml version="1.0" encoding="utf-8"?>
+<p:sld xmlns:a="http://schemas.openxmlformats.org/drawingml/2006/main" xmlns:r="http://schemas.openxmlformats.org/officeDocument/2006/relationships" xmlns:p="http://schemas.openxmlformats.org/presentationml/2006/main">
+  <p:cSld>
+    <p:spTree>
+      <p:nvGrpSpPr>
+        <p:cNvPr id="1" name=""/>
+        <p:cNvGrpSpPr/>
+        <p:nvPr/>
+      </p:nvGrpSpPr>
+      <p:grpSpPr>
+        <a:xfrm>
+          <a:off x="0" y="0"/>
+          <a:ext cx="0" cy="0"/>
+          <a:chOff x="0" y="0"/>
+          <a:chExt cx="0" cy="0"/>
+        </a:xfrm>
+      </p:grpSpPr>
+      <p:sp>
+        <p:nvSpPr>
+          <p:cNvPr id="2" name="Title 1"/>
+          <p:cNvSpPr>
+            <a:spLocks noGrp="1"/>
+          </p:cNvSpPr>
+          <p:nvPr>
+            <p:ph type="title"/>
+          </p:nvPr>
+        </p:nvSpPr>
+        <p:spPr/>
+        <p:txBody>
+          <a:bodyPr/>
+          <a:lstStyle/>
+          <a:p>
+            <a:r>
+              <a:rPr lang="en-US" dirty="0" smtClean="0"/>
+              <a:t>Conclusion</a:t>
             </a:r>
             <a:endParaRPr lang="en-US" dirty="0"/>
           </a:p>
@@ -9271,43 +10907,11 @@
           <a:p>
             <a:r>
               <a:rPr lang="en-US" dirty="0" smtClean="0"/>
-              <a:t>Back off the origin.</a:t>
-            </a:r>
-          </a:p>
-          <a:p>
-            <a:r>
-              <a:rPr lang="en-US" dirty="0" smtClean="0"/>
-              <a:t>Validate Integrity.</a:t>
-            </a:r>
-          </a:p>
-          <a:p>
-            <a:r>
-              <a:rPr lang="en-US" dirty="0" smtClean="0"/>
-              <a:t>Differentiate better for static/non-static.</a:t>
-            </a:r>
-          </a:p>
-          <a:p>
-            <a:r>
-              <a:rPr lang="en-US" dirty="0" smtClean="0"/>
-              <a:t>Better use of the DHT (fairness, speed).</a:t>
-            </a:r>
-          </a:p>
-          <a:p>
-            <a:r>
-              <a:rPr lang="en-US" dirty="0" smtClean="0"/>
-              <a:t>Dynamic parameters.</a:t>
-            </a:r>
-          </a:p>
-          <a:p>
-            <a:r>
-              <a:rPr lang="en-US" dirty="0" smtClean="0"/>
-              <a:t>Incentives.</a:t>
-            </a:r>
-          </a:p>
-          <a:p>
-            <a:r>
-              <a:rPr lang="en-US" dirty="0" smtClean="0"/>
-              <a:t>Privacy</a:t>
+              <a:t>Best </a:t>
+            </a:r>
+            <a:r>
+              <a:rPr lang="en-US" dirty="0" smtClean="0"/>
+              <a:t>settings</a:t>
             </a:r>
             <a:r>
               <a:rPr lang="en-US" dirty="0" smtClean="0"/>
@@ -9315,11 +10919,694 @@
             </a:r>
           </a:p>
           <a:p>
-            <a:r>
-              <a:rPr lang="en-US" dirty="0" smtClean="0"/>
-              <a:t>Mirrors.</a:t>
+            <a:pPr lvl="1"/>
+            <a:r>
+              <a:rPr lang="en-US" dirty="0" smtClean="0"/>
+              <a:t>T: 0.75 s</a:t>
+            </a:r>
+          </a:p>
+          <a:p>
+            <a:pPr lvl="1"/>
+            <a:r>
+              <a:rPr lang="en-US" dirty="0" smtClean="0"/>
+              <a:t>R: 160 KB/s</a:t>
+            </a:r>
+          </a:p>
+          <a:p>
+            <a:pPr lvl="1"/>
+            <a:r>
+              <a:rPr lang="en-US" dirty="0" smtClean="0"/>
+              <a:t>32 KB blocks</a:t>
+            </a:r>
+          </a:p>
+          <a:p>
+            <a:pPr lvl="1"/>
+            <a:r>
+              <a:rPr lang="en-US" dirty="0" smtClean="0"/>
+              <a:t>Peer limit: 16</a:t>
+            </a:r>
+          </a:p>
+          <a:p>
+            <a:pPr lvl="1"/>
+            <a:r>
+              <a:rPr lang="en-US" dirty="0" smtClean="0"/>
+              <a:t>Linger: 16 s</a:t>
+            </a:r>
+            <a:endParaRPr lang="en-US" dirty="0" smtClean="0"/>
+          </a:p>
+          <a:p>
+            <a:r>
+              <a:rPr lang="en-US" dirty="0" smtClean="0"/>
+              <a:t>Viable.</a:t>
+            </a:r>
+          </a:p>
+          <a:p>
+            <a:pPr lvl="1"/>
+            <a:r>
+              <a:rPr lang="en-US" dirty="0" smtClean="0"/>
+              <a:t>30 x as fast for small files</a:t>
+            </a:r>
+          </a:p>
+          <a:p>
+            <a:pPr lvl="1"/>
+            <a:r>
+              <a:rPr lang="en-US" dirty="0" smtClean="0"/>
+              <a:t>Backs off server.</a:t>
+            </a:r>
+          </a:p>
+          <a:p>
+            <a:pPr lvl="1">
+              <a:buNone/>
+            </a:pPr>
+            <a:endParaRPr lang="en-US" dirty="0" smtClean="0"/>
+          </a:p>
+        </p:txBody>
+      </p:sp>
+    </p:spTree>
+  </p:cSld>
+  <p:clrMapOvr>
+    <a:masterClrMapping/>
+  </p:clrMapOvr>
+</p:sld>
+</file>
+
+<file path=ppt/slides/slide35.xml><?xml version="1.0" encoding="utf-8"?>
+<p:sld xmlns:a="http://schemas.openxmlformats.org/drawingml/2006/main" xmlns:r="http://schemas.openxmlformats.org/officeDocument/2006/relationships" xmlns:p="http://schemas.openxmlformats.org/presentationml/2006/main">
+  <p:cSld>
+    <p:spTree>
+      <p:nvGrpSpPr>
+        <p:cNvPr id="1" name=""/>
+        <p:cNvGrpSpPr/>
+        <p:nvPr/>
+      </p:nvGrpSpPr>
+      <p:grpSpPr>
+        <a:xfrm>
+          <a:off x="0" y="0"/>
+          <a:ext cx="0" cy="0"/>
+          <a:chOff x="0" y="0"/>
+          <a:chExt cx="0" cy="0"/>
+        </a:xfrm>
+      </p:grpSpPr>
+      <p:sp>
+        <p:nvSpPr>
+          <p:cNvPr id="2" name="Title 1"/>
+          <p:cNvSpPr>
+            <a:spLocks noGrp="1"/>
+          </p:cNvSpPr>
+          <p:nvPr>
+            <p:ph type="title"/>
+          </p:nvPr>
+        </p:nvSpPr>
+        <p:spPr/>
+        <p:txBody>
+          <a:bodyPr/>
+          <a:lstStyle/>
+          <a:p>
+            <a:r>
+              <a:rPr lang="en-US" dirty="0" err="1" smtClean="0"/>
+              <a:t>BitTorrent</a:t>
+            </a:r>
+            <a:r>
+              <a:rPr lang="en-US" dirty="0" smtClean="0"/>
+              <a:t> fails</a:t>
             </a:r>
             <a:endParaRPr lang="en-US" dirty="0"/>
+          </a:p>
+        </p:txBody>
+      </p:sp>
+      <p:sp>
+        <p:nvSpPr>
+          <p:cNvPr id="3" name="Content Placeholder 2"/>
+          <p:cNvSpPr>
+            <a:spLocks noGrp="1"/>
+          </p:cNvSpPr>
+          <p:nvPr>
+            <p:ph idx="1"/>
+          </p:nvPr>
+        </p:nvSpPr>
+        <p:spPr/>
+        <p:txBody>
+          <a:bodyPr>
+            <a:normAutofit/>
+          </a:bodyPr>
+          <a:lstStyle/>
+          <a:p>
+            <a:r>
+              <a:rPr lang="en-US" dirty="0" smtClean="0"/>
+              <a:t>Server side.</a:t>
+            </a:r>
+          </a:p>
+          <a:p>
+            <a:pPr lvl="1"/>
+            <a:r>
+              <a:rPr lang="en-US" strike="sngStrike" dirty="0" smtClean="0"/>
+              <a:t>Per File</a:t>
+            </a:r>
+          </a:p>
+          <a:p>
+            <a:pPr lvl="1"/>
+            <a:r>
+              <a:rPr lang="en-US" strike="sngStrike" dirty="0" smtClean="0"/>
+              <a:t>Have to provide traditional anyway.</a:t>
+            </a:r>
+          </a:p>
+          <a:p>
+            <a:pPr lvl="2"/>
+            <a:r>
+              <a:rPr lang="en-US" strike="sngStrike" dirty="0" smtClean="0"/>
+              <a:t>Lack of clients.</a:t>
+            </a:r>
+          </a:p>
+          <a:p>
+            <a:pPr lvl="1"/>
+            <a:r>
+              <a:rPr lang="en-US" strike="sngStrike" dirty="0" smtClean="0"/>
+              <a:t>Stigma.</a:t>
+            </a:r>
+          </a:p>
+          <a:p>
+            <a:pPr lvl="1"/>
+            <a:r>
+              <a:rPr lang="en-US" strike="sngStrike" dirty="0" smtClean="0"/>
+              <a:t>Extra maintenance.</a:t>
+            </a:r>
+          </a:p>
+          <a:p>
+            <a:pPr lvl="1"/>
+            <a:r>
+              <a:rPr lang="en-US" strike="sngStrike" dirty="0" smtClean="0"/>
+              <a:t>Large Files.</a:t>
+            </a:r>
+          </a:p>
+          <a:p>
+            <a:pPr lvl="1"/>
+            <a:r>
+              <a:rPr lang="en-US" strike="sngStrike" dirty="0" smtClean="0"/>
+              <a:t>Unknown demand.</a:t>
+            </a:r>
+          </a:p>
+        </p:txBody>
+      </p:sp>
+    </p:spTree>
+  </p:cSld>
+  <p:clrMapOvr>
+    <a:masterClrMapping/>
+  </p:clrMapOvr>
+</p:sld>
+</file>
+
+<file path=ppt/slides/slide36.xml><?xml version="1.0" encoding="utf-8"?>
+<p:sld xmlns:a="http://schemas.openxmlformats.org/drawingml/2006/main" xmlns:r="http://schemas.openxmlformats.org/officeDocument/2006/relationships" xmlns:p="http://schemas.openxmlformats.org/presentationml/2006/main">
+  <p:cSld>
+    <p:spTree>
+      <p:nvGrpSpPr>
+        <p:cNvPr id="1" name=""/>
+        <p:cNvGrpSpPr/>
+        <p:nvPr/>
+      </p:nvGrpSpPr>
+      <p:grpSpPr>
+        <a:xfrm>
+          <a:off x="0" y="0"/>
+          <a:ext cx="0" cy="0"/>
+          <a:chOff x="0" y="0"/>
+          <a:chExt cx="0" cy="0"/>
+        </a:xfrm>
+      </p:grpSpPr>
+      <p:sp>
+        <p:nvSpPr>
+          <p:cNvPr id="2" name="Title 1"/>
+          <p:cNvSpPr>
+            <a:spLocks noGrp="1"/>
+          </p:cNvSpPr>
+          <p:nvPr>
+            <p:ph type="title"/>
+          </p:nvPr>
+        </p:nvSpPr>
+        <p:spPr/>
+        <p:txBody>
+          <a:bodyPr/>
+          <a:lstStyle/>
+          <a:p>
+            <a:r>
+              <a:rPr lang="en-US" dirty="0" err="1" smtClean="0"/>
+              <a:t>BitTorrent</a:t>
+            </a:r>
+            <a:r>
+              <a:rPr lang="en-US" dirty="0" smtClean="0"/>
+              <a:t> fails</a:t>
+            </a:r>
+            <a:endParaRPr lang="en-US" dirty="0"/>
+          </a:p>
+        </p:txBody>
+      </p:sp>
+      <p:sp>
+        <p:nvSpPr>
+          <p:cNvPr id="3" name="Content Placeholder 2"/>
+          <p:cNvSpPr>
+            <a:spLocks noGrp="1"/>
+          </p:cNvSpPr>
+          <p:nvPr>
+            <p:ph idx="1"/>
+          </p:nvPr>
+        </p:nvSpPr>
+        <p:spPr/>
+        <p:txBody>
+          <a:bodyPr>
+            <a:normAutofit fontScale="92500" lnSpcReduction="20000"/>
+          </a:bodyPr>
+          <a:lstStyle/>
+          <a:p>
+            <a:r>
+              <a:rPr lang="en-US" dirty="0" smtClean="0"/>
+              <a:t>Clients</a:t>
+            </a:r>
+          </a:p>
+          <a:p>
+            <a:pPr lvl="1"/>
+            <a:r>
+              <a:rPr lang="en-US" strike="sngStrike" dirty="0" smtClean="0"/>
+              <a:t>Extra </a:t>
+            </a:r>
+            <a:r>
+              <a:rPr lang="en-US" strike="sngStrike" dirty="0" smtClean="0"/>
+              <a:t>setup/time per file.</a:t>
+            </a:r>
+          </a:p>
+          <a:p>
+            <a:pPr lvl="2"/>
+            <a:r>
+              <a:rPr lang="en-US" strike="sngStrike" dirty="0" smtClean="0"/>
+              <a:t>Small files</a:t>
+            </a:r>
+            <a:endParaRPr lang="en-US" strike="sngStrike" dirty="0" smtClean="0"/>
+          </a:p>
+          <a:p>
+            <a:pPr lvl="1"/>
+            <a:r>
+              <a:rPr lang="en-US" dirty="0" smtClean="0"/>
+              <a:t>Techno </a:t>
+            </a:r>
+            <a:r>
+              <a:rPr lang="en-US" dirty="0" err="1" smtClean="0"/>
+              <a:t>intelligencia</a:t>
+            </a:r>
+            <a:endParaRPr lang="en-US" dirty="0" smtClean="0"/>
+          </a:p>
+          <a:p>
+            <a:pPr lvl="1"/>
+            <a:r>
+              <a:rPr lang="en-US" strike="sngStrike" dirty="0" smtClean="0"/>
+              <a:t>Non integrated.</a:t>
+            </a:r>
+          </a:p>
+          <a:p>
+            <a:pPr lvl="2"/>
+            <a:r>
+              <a:rPr lang="en-US" strike="sngStrike" dirty="0" smtClean="0"/>
+              <a:t>Manual.</a:t>
+            </a:r>
+          </a:p>
+          <a:p>
+            <a:pPr lvl="2"/>
+            <a:r>
+              <a:rPr lang="en-US" strike="sngStrike" dirty="0" smtClean="0"/>
+              <a:t>Not HTTP optimized.</a:t>
+            </a:r>
+          </a:p>
+          <a:p>
+            <a:pPr lvl="1"/>
+            <a:r>
+              <a:rPr lang="en-US" strike="sngStrike" dirty="0" smtClean="0"/>
+              <a:t>It should be ignored speed-wise</a:t>
+            </a:r>
+          </a:p>
+          <a:p>
+            <a:pPr lvl="2"/>
+            <a:r>
+              <a:rPr lang="en-US" strike="sngStrike" dirty="0" smtClean="0"/>
+              <a:t>Duplicate</a:t>
+            </a:r>
+            <a:endParaRPr lang="en-US" strike="sngStrike" dirty="0" smtClean="0"/>
+          </a:p>
+          <a:p>
+            <a:pPr lvl="2"/>
+            <a:r>
+              <a:rPr lang="en-US" strike="sngStrike" dirty="0" smtClean="0"/>
+              <a:t>Costs </a:t>
+            </a:r>
+            <a:r>
+              <a:rPr lang="en-US" strike="sngStrike" dirty="0" smtClean="0"/>
+              <a:t>time</a:t>
+            </a:r>
+          </a:p>
+          <a:p>
+            <a:pPr lvl="1"/>
+            <a:r>
+              <a:rPr lang="en-US" strike="sngStrike" dirty="0" smtClean="0"/>
+              <a:t>Not </a:t>
+            </a:r>
+            <a:r>
+              <a:rPr lang="en-US" strike="sngStrike" dirty="0" smtClean="0"/>
+              <a:t>available</a:t>
+            </a:r>
+            <a:r>
+              <a:rPr lang="en-US" strike="sngStrike" dirty="0" smtClean="0"/>
+              <a:t>.</a:t>
+            </a:r>
+            <a:endParaRPr lang="en-US" strike="sngStrike" dirty="0" smtClean="0"/>
+          </a:p>
+        </p:txBody>
+      </p:sp>
+    </p:spTree>
+  </p:cSld>
+  <p:clrMapOvr>
+    <a:masterClrMapping/>
+  </p:clrMapOvr>
+</p:sld>
+</file>
+
+<file path=ppt/slides/slide37.xml><?xml version="1.0" encoding="utf-8"?>
+<p:sld xmlns:a="http://schemas.openxmlformats.org/drawingml/2006/main" xmlns:r="http://schemas.openxmlformats.org/officeDocument/2006/relationships" xmlns:p="http://schemas.openxmlformats.org/presentationml/2006/main">
+  <p:cSld>
+    <p:spTree>
+      <p:nvGrpSpPr>
+        <p:cNvPr id="1" name=""/>
+        <p:cNvGrpSpPr/>
+        <p:nvPr/>
+      </p:nvGrpSpPr>
+      <p:grpSpPr>
+        <a:xfrm>
+          <a:off x="0" y="0"/>
+          <a:ext cx="0" cy="0"/>
+          <a:chOff x="0" y="0"/>
+          <a:chExt cx="0" cy="0"/>
+        </a:xfrm>
+      </p:grpSpPr>
+      <p:sp>
+        <p:nvSpPr>
+          <p:cNvPr id="2" name="Title 1"/>
+          <p:cNvSpPr>
+            <a:spLocks noGrp="1"/>
+          </p:cNvSpPr>
+          <p:nvPr>
+            <p:ph type="title"/>
+          </p:nvPr>
+        </p:nvSpPr>
+        <p:spPr>
+          <a:xfrm>
+            <a:off x="-1143000" y="304800"/>
+            <a:ext cx="8229600" cy="1143000"/>
+          </a:xfrm>
+        </p:spPr>
+        <p:txBody>
+          <a:bodyPr>
+            <a:normAutofit/>
+          </a:bodyPr>
+          <a:lstStyle/>
+          <a:p>
+            <a:r>
+              <a:rPr lang="en-US" dirty="0" err="1" smtClean="0"/>
+              <a:t>BitTorrent</a:t>
+            </a:r>
+            <a:r>
+              <a:rPr lang="en-US" dirty="0" smtClean="0"/>
+              <a:t> </a:t>
+            </a:r>
+            <a:r>
+              <a:rPr lang="en-US" dirty="0" smtClean="0"/>
+              <a:t>can Fail</a:t>
+            </a:r>
+            <a:endParaRPr lang="en-US" dirty="0"/>
+          </a:p>
+        </p:txBody>
+      </p:sp>
+      <p:sp>
+        <p:nvSpPr>
+          <p:cNvPr id="3" name="Content Placeholder 2"/>
+          <p:cNvSpPr>
+            <a:spLocks noGrp="1"/>
+          </p:cNvSpPr>
+          <p:nvPr>
+            <p:ph idx="1"/>
+          </p:nvPr>
+        </p:nvSpPr>
+        <p:spPr/>
+        <p:txBody>
+          <a:bodyPr/>
+          <a:lstStyle/>
+          <a:p>
+            <a:r>
+              <a:rPr lang="en-US" strike="sngStrike" dirty="0" smtClean="0"/>
+              <a:t>Not enough seeds.</a:t>
+            </a:r>
+          </a:p>
+          <a:p>
+            <a:r>
+              <a:rPr lang="en-US" dirty="0" smtClean="0"/>
+              <a:t>Closed ports.</a:t>
+            </a:r>
+          </a:p>
+          <a:p>
+            <a:r>
+              <a:rPr lang="en-US" strike="sngStrike" dirty="0" smtClean="0"/>
+              <a:t>Tracker</a:t>
+            </a:r>
+          </a:p>
+          <a:p>
+            <a:r>
+              <a:rPr lang="en-US" strike="sngStrike" dirty="0" smtClean="0"/>
+              <a:t>Extra files.</a:t>
+            </a:r>
+          </a:p>
+          <a:p>
+            <a:r>
+              <a:rPr lang="en-US" strike="sngStrike" dirty="0" smtClean="0"/>
+              <a:t>Users don’t have client installed (chicken/egg).</a:t>
+            </a:r>
+          </a:p>
+          <a:p>
+            <a:r>
+              <a:rPr lang="en-US" strike="sngStrike" dirty="0" smtClean="0"/>
+              <a:t>Clients aren’t configured to use HTTP.</a:t>
+            </a:r>
+            <a:endParaRPr lang="en-US" strike="sngStrike" dirty="0" smtClean="0"/>
+          </a:p>
+        </p:txBody>
+      </p:sp>
+      <p:pic>
+        <p:nvPicPr>
+          <p:cNvPr id="5122" name="Picture 2"/>
+          <p:cNvPicPr>
+            <a:picLocks noChangeAspect="1" noChangeArrowheads="1"/>
+          </p:cNvPicPr>
+          <p:nvPr/>
+        </p:nvPicPr>
+        <p:blipFill>
+          <a:blip r:embed="rId3" cstate="print"/>
+          <a:srcRect/>
+          <a:stretch>
+            <a:fillRect/>
+          </a:stretch>
+        </p:blipFill>
+        <p:spPr bwMode="auto">
+          <a:xfrm>
+            <a:off x="6019800" y="304800"/>
+            <a:ext cx="3124200" cy="3238500"/>
+          </a:xfrm>
+          <a:prstGeom prst="rect">
+            <a:avLst/>
+          </a:prstGeom>
+          <a:noFill/>
+          <a:ln w="9525">
+            <a:noFill/>
+            <a:miter lim="800000"/>
+            <a:headEnd/>
+            <a:tailEnd/>
+          </a:ln>
+        </p:spPr>
+      </p:pic>
+    </p:spTree>
+  </p:cSld>
+  <p:clrMapOvr>
+    <a:masterClrMapping/>
+  </p:clrMapOvr>
+  <p:timing>
+    <p:tnLst>
+      <p:par>
+        <p:cTn id="1" dur="indefinite" restart="never" nodeType="tmRoot"/>
+      </p:par>
+    </p:tnLst>
+  </p:timing>
+</p:sld>
+</file>
+
+<file path=ppt/slides/slide38.xml><?xml version="1.0" encoding="utf-8"?>
+<p:sld xmlns:a="http://schemas.openxmlformats.org/drawingml/2006/main" xmlns:r="http://schemas.openxmlformats.org/officeDocument/2006/relationships" xmlns:p="http://schemas.openxmlformats.org/presentationml/2006/main">
+  <p:cSld>
+    <p:spTree>
+      <p:nvGrpSpPr>
+        <p:cNvPr id="1" name=""/>
+        <p:cNvGrpSpPr/>
+        <p:nvPr/>
+      </p:nvGrpSpPr>
+      <p:grpSpPr>
+        <a:xfrm>
+          <a:off x="0" y="0"/>
+          <a:ext cx="0" cy="0"/>
+          <a:chOff x="0" y="0"/>
+          <a:chExt cx="0" cy="0"/>
+        </a:xfrm>
+      </p:grpSpPr>
+      <p:sp>
+        <p:nvSpPr>
+          <p:cNvPr id="2" name="Title 1"/>
+          <p:cNvSpPr>
+            <a:spLocks noGrp="1"/>
+          </p:cNvSpPr>
+          <p:nvPr>
+            <p:ph type="title"/>
+          </p:nvPr>
+        </p:nvSpPr>
+        <p:spPr/>
+        <p:txBody>
+          <a:bodyPr/>
+          <a:lstStyle/>
+          <a:p>
+            <a:r>
+              <a:rPr lang="en-US" dirty="0" smtClean="0"/>
+              <a:t>Automatic Swarming -- Goals</a:t>
+            </a:r>
+            <a:endParaRPr lang="en-US" dirty="0"/>
+          </a:p>
+        </p:txBody>
+      </p:sp>
+      <p:sp>
+        <p:nvSpPr>
+          <p:cNvPr id="3" name="Content Placeholder 2"/>
+          <p:cNvSpPr>
+            <a:spLocks noGrp="1"/>
+          </p:cNvSpPr>
+          <p:nvPr>
+            <p:ph idx="1"/>
+          </p:nvPr>
+        </p:nvSpPr>
+        <p:spPr/>
+        <p:txBody>
+          <a:bodyPr/>
+          <a:lstStyle/>
+          <a:p>
+            <a:r>
+              <a:rPr lang="en-US" dirty="0" smtClean="0"/>
+              <a:t>Work for any file on any server.</a:t>
+            </a:r>
+          </a:p>
+          <a:p>
+            <a:r>
+              <a:rPr lang="en-US" dirty="0" smtClean="0"/>
+              <a:t>Easy for clients.</a:t>
+            </a:r>
+          </a:p>
+          <a:p>
+            <a:r>
+              <a:rPr lang="en-US" dirty="0" smtClean="0"/>
+              <a:t>No extra dedicated hardware.</a:t>
+            </a:r>
+          </a:p>
+          <a:p>
+            <a:r>
+              <a:rPr lang="en-US" dirty="0" smtClean="0"/>
+              <a:t>Work for small files.</a:t>
+            </a:r>
+          </a:p>
+          <a:p>
+            <a:r>
+              <a:rPr lang="en-US" dirty="0" smtClean="0"/>
+              <a:t>Non intrusive.</a:t>
+            </a:r>
+          </a:p>
+        </p:txBody>
+      </p:sp>
+    </p:spTree>
+  </p:cSld>
+  <p:clrMapOvr>
+    <a:masterClrMapping/>
+  </p:clrMapOvr>
+</p:sld>
+</file>
+
+<file path=ppt/slides/slide39.xml><?xml version="1.0" encoding="utf-8"?>
+<p:sld xmlns:a="http://schemas.openxmlformats.org/drawingml/2006/main" xmlns:r="http://schemas.openxmlformats.org/officeDocument/2006/relationships" xmlns:p="http://schemas.openxmlformats.org/presentationml/2006/main">
+  <p:cSld>
+    <p:spTree>
+      <p:nvGrpSpPr>
+        <p:cNvPr id="1" name=""/>
+        <p:cNvGrpSpPr/>
+        <p:nvPr/>
+      </p:nvGrpSpPr>
+      <p:grpSpPr>
+        <a:xfrm>
+          <a:off x="0" y="0"/>
+          <a:ext cx="0" cy="0"/>
+          <a:chOff x="0" y="0"/>
+          <a:chExt cx="0" cy="0"/>
+        </a:xfrm>
+      </p:grpSpPr>
+      <p:sp>
+        <p:nvSpPr>
+          <p:cNvPr id="2" name="Title 1"/>
+          <p:cNvSpPr>
+            <a:spLocks noGrp="1"/>
+          </p:cNvSpPr>
+          <p:nvPr>
+            <p:ph type="title"/>
+          </p:nvPr>
+        </p:nvSpPr>
+        <p:spPr/>
+        <p:txBody>
+          <a:bodyPr>
+            <a:normAutofit/>
+          </a:bodyPr>
+          <a:lstStyle/>
+          <a:p>
+            <a:r>
+              <a:rPr lang="en-US" dirty="0" smtClean="0"/>
+              <a:t>Automatic Swarming</a:t>
+            </a:r>
+            <a:endParaRPr lang="en-US" dirty="0"/>
+          </a:p>
+        </p:txBody>
+      </p:sp>
+      <p:sp>
+        <p:nvSpPr>
+          <p:cNvPr id="5" name="Content Placeholder 4"/>
+          <p:cNvSpPr>
+            <a:spLocks noGrp="1"/>
+          </p:cNvSpPr>
+          <p:nvPr>
+            <p:ph idx="1"/>
+          </p:nvPr>
+        </p:nvSpPr>
+        <p:spPr/>
+        <p:txBody>
+          <a:bodyPr/>
+          <a:lstStyle/>
+          <a:p>
+            <a:r>
+              <a:rPr lang="en-US" dirty="0" smtClean="0"/>
+              <a:t>Make </a:t>
+            </a:r>
+            <a:r>
+              <a:rPr lang="en-US" dirty="0" smtClean="0"/>
+              <a:t>s</a:t>
+            </a:r>
+            <a:r>
+              <a:rPr lang="en-US" dirty="0" smtClean="0"/>
+              <a:t>warming </a:t>
+            </a:r>
+            <a:r>
+              <a:rPr lang="en-US" dirty="0" smtClean="0"/>
+              <a:t>more usable/adoptable.</a:t>
+            </a:r>
           </a:p>
         </p:txBody>
       </p:sp>
@@ -9456,6 +11743,196 @@
 </p:sld>
 </file>
 
+<file path=ppt/slides/slide40.xml><?xml version="1.0" encoding="utf-8"?>
+<p:sld xmlns:a="http://schemas.openxmlformats.org/drawingml/2006/main" xmlns:r="http://schemas.openxmlformats.org/officeDocument/2006/relationships" xmlns:p="http://schemas.openxmlformats.org/presentationml/2006/main">
+  <p:cSld>
+    <p:spTree>
+      <p:nvGrpSpPr>
+        <p:cNvPr id="1" name=""/>
+        <p:cNvGrpSpPr/>
+        <p:nvPr/>
+      </p:nvGrpSpPr>
+      <p:grpSpPr>
+        <a:xfrm>
+          <a:off x="0" y="0"/>
+          <a:ext cx="0" cy="0"/>
+          <a:chOff x="0" y="0"/>
+          <a:chExt cx="0" cy="0"/>
+        </a:xfrm>
+      </p:grpSpPr>
+      <p:sp>
+        <p:nvSpPr>
+          <p:cNvPr id="2" name="Title 1"/>
+          <p:cNvSpPr>
+            <a:spLocks noGrp="1"/>
+          </p:cNvSpPr>
+          <p:nvPr>
+            <p:ph type="title"/>
+          </p:nvPr>
+        </p:nvSpPr>
+        <p:spPr/>
+        <p:txBody>
+          <a:bodyPr/>
+          <a:lstStyle/>
+          <a:p>
+            <a:r>
+              <a:rPr lang="en-US" dirty="0" smtClean="0"/>
+              <a:t>Future Work</a:t>
+            </a:r>
+            <a:endParaRPr lang="en-US" dirty="0"/>
+          </a:p>
+        </p:txBody>
+      </p:sp>
+      <p:sp>
+        <p:nvSpPr>
+          <p:cNvPr id="3" name="Content Placeholder 2"/>
+          <p:cNvSpPr>
+            <a:spLocks noGrp="1"/>
+          </p:cNvSpPr>
+          <p:nvPr>
+            <p:ph idx="1"/>
+          </p:nvPr>
+        </p:nvSpPr>
+        <p:spPr/>
+        <p:txBody>
+          <a:bodyPr>
+            <a:normAutofit lnSpcReduction="10000"/>
+          </a:bodyPr>
+          <a:lstStyle/>
+          <a:p>
+            <a:r>
+              <a:rPr lang="en-US" dirty="0" smtClean="0"/>
+              <a:t>Back off the origin.</a:t>
+            </a:r>
+          </a:p>
+          <a:p>
+            <a:r>
+              <a:rPr lang="en-US" dirty="0" smtClean="0"/>
+              <a:t>Validate Integrity.</a:t>
+            </a:r>
+          </a:p>
+          <a:p>
+            <a:r>
+              <a:rPr lang="en-US" dirty="0" smtClean="0"/>
+              <a:t>Differentiate better for static/non-static.</a:t>
+            </a:r>
+          </a:p>
+          <a:p>
+            <a:r>
+              <a:rPr lang="en-US" dirty="0" smtClean="0"/>
+              <a:t>Better use of the DHT (fairness, speed).</a:t>
+            </a:r>
+          </a:p>
+          <a:p>
+            <a:r>
+              <a:rPr lang="en-US" dirty="0" smtClean="0"/>
+              <a:t>Dynamic parameters.</a:t>
+            </a:r>
+          </a:p>
+          <a:p>
+            <a:r>
+              <a:rPr lang="en-US" dirty="0" smtClean="0"/>
+              <a:t>Incentives.</a:t>
+            </a:r>
+          </a:p>
+          <a:p>
+            <a:r>
+              <a:rPr lang="en-US" dirty="0" smtClean="0"/>
+              <a:t>Privacy</a:t>
+            </a:r>
+            <a:r>
+              <a:rPr lang="en-US" dirty="0" smtClean="0"/>
+              <a:t>.</a:t>
+            </a:r>
+          </a:p>
+          <a:p>
+            <a:r>
+              <a:rPr lang="en-US" dirty="0" smtClean="0"/>
+              <a:t>Mirrors.</a:t>
+            </a:r>
+            <a:endParaRPr lang="en-US" dirty="0"/>
+          </a:p>
+        </p:txBody>
+      </p:sp>
+    </p:spTree>
+  </p:cSld>
+  <p:clrMapOvr>
+    <a:masterClrMapping/>
+  </p:clrMapOvr>
+</p:sld>
+</file>
+
+<file path=ppt/slides/slide41.xml><?xml version="1.0" encoding="utf-8"?>
+<p:sld xmlns:a="http://schemas.openxmlformats.org/drawingml/2006/main" xmlns:r="http://schemas.openxmlformats.org/officeDocument/2006/relationships" xmlns:p="http://schemas.openxmlformats.org/presentationml/2006/main">
+  <p:cSld>
+    <p:spTree>
+      <p:nvGrpSpPr>
+        <p:cNvPr id="1" name=""/>
+        <p:cNvGrpSpPr/>
+        <p:nvPr/>
+      </p:nvGrpSpPr>
+      <p:grpSpPr>
+        <a:xfrm>
+          <a:off x="0" y="0"/>
+          <a:ext cx="0" cy="0"/>
+          <a:chOff x="0" y="0"/>
+          <a:chExt cx="0" cy="0"/>
+        </a:xfrm>
+      </p:grpSpPr>
+      <p:sp>
+        <p:nvSpPr>
+          <p:cNvPr id="2" name="Title 1"/>
+          <p:cNvSpPr>
+            <a:spLocks noGrp="1"/>
+          </p:cNvSpPr>
+          <p:nvPr>
+            <p:ph type="title"/>
+          </p:nvPr>
+        </p:nvSpPr>
+        <p:spPr/>
+        <p:txBody>
+          <a:bodyPr/>
+          <a:lstStyle/>
+          <a:p>
+            <a:r>
+              <a:rPr lang="en-US" dirty="0" smtClean="0"/>
+              <a:t>Questions</a:t>
+            </a:r>
+            <a:endParaRPr lang="en-US" dirty="0"/>
+          </a:p>
+        </p:txBody>
+      </p:sp>
+      <p:sp>
+        <p:nvSpPr>
+          <p:cNvPr id="3" name="Content Placeholder 2"/>
+          <p:cNvSpPr>
+            <a:spLocks noGrp="1"/>
+          </p:cNvSpPr>
+          <p:nvPr>
+            <p:ph idx="1"/>
+          </p:nvPr>
+        </p:nvSpPr>
+        <p:spPr/>
+        <p:txBody>
+          <a:bodyPr/>
+          <a:lstStyle/>
+          <a:p>
+            <a:r>
+              <a:rPr lang="en-US" dirty="0" smtClean="0"/>
+              <a:t>?</a:t>
+            </a:r>
+            <a:endParaRPr lang="en-US" dirty="0"/>
+          </a:p>
+        </p:txBody>
+      </p:sp>
+    </p:spTree>
+  </p:cSld>
+  <p:clrMapOvr>
+    <a:masterClrMapping/>
+  </p:clrMapOvr>
+</p:sld>
+</file>
+
 <file path=ppt/slides/slide5.xml><?xml version="1.0" encoding="utf-8"?>
 <p:sld xmlns:a="http://schemas.openxmlformats.org/drawingml/2006/main" xmlns:r="http://schemas.openxmlformats.org/officeDocument/2006/relationships" xmlns:p="http://schemas.openxmlformats.org/presentationml/2006/main">
   <p:cSld>
@@ -9493,40 +11970,6 @@
             <a:r>
               <a:rPr lang="en-US" dirty="0" smtClean="0"/>
               <a:t>Slow downloads</a:t>
-            </a:r>
-            <a:endParaRPr lang="en-US" dirty="0"/>
-          </a:p>
-        </p:txBody>
-      </p:sp>
-      <p:sp>
-        <p:nvSpPr>
-          <p:cNvPr id="3" name="Content Placeholder 2"/>
-          <p:cNvSpPr>
-            <a:spLocks noGrp="1"/>
-          </p:cNvSpPr>
-          <p:nvPr>
-            <p:ph idx="1"/>
-          </p:nvPr>
-        </p:nvSpPr>
-        <p:spPr>
-          <a:xfrm>
-            <a:off x="457200" y="4038600"/>
-            <a:ext cx="8229600" cy="2087563"/>
-          </a:xfrm>
-        </p:spPr>
-        <p:txBody>
-          <a:bodyPr/>
-          <a:lstStyle/>
-          <a:p>
-            <a:r>
-              <a:rPr lang="en-US" dirty="0" smtClean="0"/>
-              <a:t>Frustration</a:t>
-            </a:r>
-          </a:p>
-          <a:p>
-            <a:r>
-              <a:rPr lang="en-US" dirty="0" smtClean="0"/>
-              <a:t>Wasted bandwidth</a:t>
             </a:r>
             <a:endParaRPr lang="en-US" dirty="0"/>
           </a:p>
@@ -9591,6 +12034,117 @@
           <a:noFill/>
         </p:spPr>
       </p:pic>
+      <p:pic>
+        <p:nvPicPr>
+          <p:cNvPr id="1027" name="Picture 3"/>
+          <p:cNvPicPr>
+            <a:picLocks noChangeAspect="1" noChangeArrowheads="1"/>
+          </p:cNvPicPr>
+          <p:nvPr/>
+        </p:nvPicPr>
+        <p:blipFill>
+          <a:blip r:embed="rId5" cstate="print"/>
+          <a:srcRect/>
+          <a:stretch>
+            <a:fillRect/>
+          </a:stretch>
+        </p:blipFill>
+        <p:spPr bwMode="auto">
+          <a:xfrm>
+            <a:off x="3971925" y="3505200"/>
+            <a:ext cx="5172075" cy="3352800"/>
+          </a:xfrm>
+          <a:prstGeom prst="rect">
+            <a:avLst/>
+          </a:prstGeom>
+          <a:noFill/>
+          <a:ln w="9525">
+            <a:noFill/>
+            <a:miter lim="800000"/>
+            <a:headEnd/>
+            <a:tailEnd/>
+          </a:ln>
+        </p:spPr>
+      </p:pic>
+      <p:sp>
+        <p:nvSpPr>
+          <p:cNvPr id="3" name="Content Placeholder 2"/>
+          <p:cNvSpPr>
+            <a:spLocks noGrp="1"/>
+          </p:cNvSpPr>
+          <p:nvPr>
+            <p:ph idx="1"/>
+          </p:nvPr>
+        </p:nvSpPr>
+        <p:spPr>
+          <a:xfrm>
+            <a:off x="457200" y="4038600"/>
+            <a:ext cx="8229600" cy="2087563"/>
+          </a:xfrm>
+        </p:spPr>
+        <p:txBody>
+          <a:bodyPr>
+            <a:normAutofit fontScale="77500" lnSpcReduction="20000"/>
+          </a:bodyPr>
+          <a:lstStyle/>
+          <a:p>
+            <a:pPr lvl="1"/>
+            <a:r>
+              <a:rPr lang="en-US" dirty="0" smtClean="0"/>
+              <a:t>Frustration</a:t>
+            </a:r>
+          </a:p>
+          <a:p>
+            <a:pPr lvl="1"/>
+            <a:r>
+              <a:rPr lang="en-US" dirty="0" smtClean="0"/>
+              <a:t>Wasted </a:t>
+            </a:r>
+            <a:r>
+              <a:rPr lang="en-US" dirty="0" smtClean="0"/>
+              <a:t>bandwidth</a:t>
+            </a:r>
+          </a:p>
+          <a:p>
+            <a:pPr lvl="1">
+              <a:buNone/>
+            </a:pPr>
+            <a:r>
+              <a:rPr lang="en-US" dirty="0" smtClean="0"/>
+              <a:t>	</a:t>
+            </a:r>
+            <a:endParaRPr lang="en-US" dirty="0" smtClean="0"/>
+          </a:p>
+          <a:p>
+            <a:pPr lvl="1">
+              <a:buNone/>
+            </a:pPr>
+            <a:r>
+              <a:rPr lang="en-US" dirty="0" smtClean="0"/>
+              <a:t>Under provisioned.</a:t>
+            </a:r>
+          </a:p>
+          <a:p>
+            <a:pPr lvl="1">
+              <a:buNone/>
+            </a:pPr>
+            <a:r>
+              <a:rPr lang="en-US" dirty="0" smtClean="0"/>
+              <a:t>Too far.</a:t>
+            </a:r>
+          </a:p>
+          <a:p>
+            <a:pPr lvl="1">
+              <a:buNone/>
+            </a:pPr>
+            <a:r>
+              <a:rPr lang="en-US" dirty="0" smtClean="0"/>
+              <a:t>Flash flood.</a:t>
+            </a:r>
+            <a:endParaRPr lang="en-US" dirty="0"/>
+          </a:p>
+        </p:txBody>
+      </p:sp>
     </p:spTree>
   </p:cSld>
   <p:clrMapOvr>
@@ -9633,7 +12187,7 @@
           <a:p>
             <a:r>
               <a:rPr lang="en-US" dirty="0" smtClean="0"/>
-              <a:t>User options</a:t>
+              <a:t>Your options</a:t>
             </a:r>
             <a:endParaRPr lang="en-US" dirty="0"/>
           </a:p>
@@ -9652,14 +12206,25 @@
         <p:spPr/>
         <p:txBody>
           <a:bodyPr>
-            <a:normAutofit/>
+            <a:normAutofit lnSpcReduction="10000"/>
           </a:bodyPr>
           <a:lstStyle/>
           <a:p>
             <a:r>
               <a:rPr lang="en-US" dirty="0" smtClean="0"/>
-              <a:t>Hit reload.</a:t>
-            </a:r>
+              <a:t>Hit reload</a:t>
+            </a:r>
+            <a:r>
+              <a:rPr lang="en-US" dirty="0" smtClean="0"/>
+              <a:t>.</a:t>
+            </a:r>
+          </a:p>
+          <a:p>
+            <a:r>
+              <a:rPr lang="en-US" dirty="0" smtClean="0"/>
+              <a:t>Wait.</a:t>
+            </a:r>
+            <a:endParaRPr lang="en-US" dirty="0" smtClean="0"/>
           </a:p>
           <a:p>
             <a:r>
@@ -9676,14 +12241,40 @@
           <a:p>
             <a:r>
               <a:rPr lang="en-US" dirty="0" smtClean="0"/>
-              <a:t>Add a local proxy.</a:t>
-            </a:r>
-          </a:p>
-          <a:p>
-            <a:r>
-              <a:rPr lang="en-US" dirty="0" smtClean="0"/>
-              <a:t>Beg the server to change how they serve the file.</a:t>
-            </a:r>
+              <a:t>Add a local </a:t>
+            </a:r>
+            <a:r>
+              <a:rPr lang="en-US" dirty="0" smtClean="0"/>
+              <a:t>caching proxy.</a:t>
+            </a:r>
+          </a:p>
+          <a:p>
+            <a:r>
+              <a:rPr lang="en-US" dirty="0" smtClean="0"/>
+              <a:t>Add local bandwidth.</a:t>
+            </a:r>
+            <a:endParaRPr lang="en-US" dirty="0" smtClean="0"/>
+          </a:p>
+          <a:p>
+            <a:r>
+              <a:rPr lang="en-US" dirty="0" smtClean="0"/>
+              <a:t>Beg </a:t>
+            </a:r>
+            <a:r>
+              <a:rPr lang="en-US" dirty="0" smtClean="0"/>
+              <a:t>the </a:t>
+            </a:r>
+            <a:r>
+              <a:rPr lang="en-US" dirty="0" smtClean="0"/>
+              <a:t>server to change how they serve the file</a:t>
+            </a:r>
+            <a:r>
+              <a:rPr lang="en-US" dirty="0" smtClean="0"/>
+              <a:t>.</a:t>
+            </a:r>
+          </a:p>
+          <a:p>
+            <a:endParaRPr lang="en-US" dirty="0" smtClean="0"/>
           </a:p>
         </p:txBody>
       </p:sp>
@@ -9732,57 +12323,6 @@
               <a:t>Server options</a:t>
             </a:r>
             <a:endParaRPr lang="en-US" dirty="0"/>
-          </a:p>
-        </p:txBody>
-      </p:sp>
-      <p:sp>
-        <p:nvSpPr>
-          <p:cNvPr id="3" name="Content Placeholder 2"/>
-          <p:cNvSpPr>
-            <a:spLocks noGrp="1"/>
-          </p:cNvSpPr>
-          <p:nvPr>
-            <p:ph idx="1"/>
-          </p:nvPr>
-        </p:nvSpPr>
-        <p:spPr/>
-        <p:txBody>
-          <a:bodyPr/>
-          <a:lstStyle/>
-          <a:p>
-            <a:r>
-              <a:rPr lang="en-US" dirty="0" smtClean="0"/>
-              <a:t>Buy more bandwidth.</a:t>
-            </a:r>
-          </a:p>
-          <a:p>
-            <a:r>
-              <a:rPr lang="en-US" dirty="0" smtClean="0"/>
-              <a:t>Move.</a:t>
-            </a:r>
-          </a:p>
-          <a:p>
-            <a:r>
-              <a:rPr lang="en-US" dirty="0" smtClean="0"/>
-              <a:t>Buy more servers/rent a CDN</a:t>
-            </a:r>
-          </a:p>
-          <a:p>
-            <a:r>
-              <a:rPr lang="en-US" dirty="0" smtClean="0"/>
-              <a:t>Popular</a:t>
-            </a:r>
-          </a:p>
-          <a:p>
-            <a:r>
-              <a:rPr lang="en-US" dirty="0" smtClean="0"/>
-              <a:t>Flash flood</a:t>
-            </a:r>
-            <a:r>
-              <a:rPr lang="en-US" dirty="0" smtClean="0"/>
-              <a:t>.</a:t>
-            </a:r>
-            <a:endParaRPr lang="en-US" dirty="0" smtClean="0"/>
           </a:p>
         </p:txBody>
       </p:sp>
@@ -9812,6 +12352,90 @@
           <a:noFill/>
         </p:spPr>
       </p:pic>
+      <p:pic>
+        <p:nvPicPr>
+          <p:cNvPr id="9218" name="Picture 2"/>
+          <p:cNvPicPr>
+            <a:picLocks noChangeAspect="1" noChangeArrowheads="1"/>
+          </p:cNvPicPr>
+          <p:nvPr/>
+        </p:nvPicPr>
+        <p:blipFill>
+          <a:blip r:embed="rId4" cstate="print"/>
+          <a:srcRect/>
+          <a:stretch>
+            <a:fillRect/>
+          </a:stretch>
+        </p:blipFill>
+        <p:spPr bwMode="auto">
+          <a:xfrm>
+            <a:off x="4381500" y="2762250"/>
+            <a:ext cx="4762500" cy="4095750"/>
+          </a:xfrm>
+          <a:prstGeom prst="rect">
+            <a:avLst/>
+          </a:prstGeom>
+          <a:noFill/>
+          <a:ln w="9525">
+            <a:noFill/>
+            <a:miter lim="800000"/>
+            <a:headEnd/>
+            <a:tailEnd/>
+          </a:ln>
+        </p:spPr>
+      </p:pic>
+      <p:sp>
+        <p:nvSpPr>
+          <p:cNvPr id="3" name="Content Placeholder 2"/>
+          <p:cNvSpPr>
+            <a:spLocks noGrp="1"/>
+          </p:cNvSpPr>
+          <p:nvPr>
+            <p:ph idx="1"/>
+          </p:nvPr>
+        </p:nvSpPr>
+        <p:spPr/>
+        <p:txBody>
+          <a:bodyPr/>
+          <a:lstStyle/>
+          <a:p>
+            <a:r>
+              <a:rPr lang="en-US" dirty="0" smtClean="0"/>
+              <a:t>Buy more bandwidth.</a:t>
+            </a:r>
+          </a:p>
+          <a:p>
+            <a:r>
+              <a:rPr lang="en-US" dirty="0" smtClean="0"/>
+              <a:t>Move</a:t>
+            </a:r>
+            <a:r>
+              <a:rPr lang="en-US" dirty="0" smtClean="0"/>
+              <a:t>.</a:t>
+            </a:r>
+          </a:p>
+          <a:p>
+            <a:r>
+              <a:rPr lang="en-US" dirty="0" smtClean="0"/>
+              <a:t>Buy more servers/rent a CDN</a:t>
+            </a:r>
+          </a:p>
+          <a:p>
+            <a:pPr lvl="1"/>
+            <a:r>
+              <a:rPr lang="en-US" dirty="0" smtClean="0"/>
+              <a:t>Popular</a:t>
+            </a:r>
+            <a:endParaRPr lang="en-US" dirty="0" smtClean="0"/>
+          </a:p>
+          <a:p>
+            <a:r>
+              <a:rPr lang="en-US" dirty="0" smtClean="0"/>
+              <a:t>Turn to P2P</a:t>
+            </a:r>
+          </a:p>
+        </p:txBody>
+      </p:sp>
     </p:spTree>
   </p:cSld>
   <p:clrMapOvr>
@@ -9854,7 +12478,7 @@
           <a:p>
             <a:r>
               <a:rPr lang="en-US" dirty="0" smtClean="0"/>
-              <a:t>CDN fails</a:t>
+              <a:t>CDN can fail</a:t>
             </a:r>
             <a:endParaRPr lang="en-US" dirty="0"/>
           </a:p>
@@ -9871,7 +12495,7 @@
           </p:nvPr>
         </p:nvPicPr>
         <p:blipFill>
-          <a:blip r:embed="rId2" cstate="print"/>
+          <a:blip r:embed="rId3" cstate="print"/>
           <a:srcRect/>
           <a:stretch>
             <a:fillRect/>
@@ -9899,6 +12523,13 @@
   <p:clrMapOvr>
     <a:masterClrMapping/>
   </p:clrMapOvr>
+  <p:timing>
+    <p:tnLst>
+      <p:par>
+        <p:cTn id="1" dur="indefinite" restart="never" nodeType="tmRoot"/>
+      </p:par>
+    </p:tnLst>
+  </p:timing>
 </p:sld>
 </file>
 
@@ -9958,36 +12589,51 @@
           <a:lstStyle/>
           <a:p>
             <a:r>
-              <a:rPr lang="en-US" dirty="0" smtClean="0"/>
-              <a:t>Create </a:t>
-            </a:r>
-            <a:r>
               <a:rPr lang="en-US" dirty="0" err="1" smtClean="0"/>
               <a:t>BitTorrent</a:t>
             </a:r>
+            <a:endParaRPr lang="en-US" dirty="0" smtClean="0"/>
+          </a:p>
+          <a:p>
+            <a:pPr lvl="1"/>
+            <a:r>
+              <a:rPr lang="en-US" dirty="0" smtClean="0"/>
+              <a:t>Create + host </a:t>
+            </a:r>
+            <a:r>
+              <a:rPr lang="en-US" dirty="0" err="1" smtClean="0"/>
+              <a:t>BitTorrent</a:t>
+            </a:r>
             <a:r>
               <a:rPr lang="en-US" dirty="0" smtClean="0"/>
               <a:t> File.</a:t>
             </a:r>
           </a:p>
           <a:p>
-            <a:r>
-              <a:rPr lang="en-US" dirty="0" smtClean="0"/>
-              <a:t>Host it, create tracker.</a:t>
-            </a:r>
-          </a:p>
-          <a:p>
+            <a:pPr lvl="1"/>
+            <a:r>
+              <a:rPr lang="en-US" dirty="0" smtClean="0"/>
+              <a:t>Create </a:t>
+            </a:r>
+            <a:r>
+              <a:rPr lang="en-US" dirty="0" smtClean="0"/>
+              <a:t>tracker.</a:t>
+            </a:r>
+          </a:p>
+          <a:p>
+            <a:pPr lvl="1"/>
             <a:r>
               <a:rPr lang="en-US" dirty="0" smtClean="0"/>
               <a:t>Peers download and </a:t>
             </a:r>
             <a:r>
               <a:rPr lang="en-US" dirty="0" smtClean="0"/>
-              <a:t>share blocks.</a:t>
+              <a:t>share blocks (efficient).</a:t>
             </a:r>
             <a:endParaRPr lang="en-US" dirty="0" smtClean="0"/>
           </a:p>
           <a:p>
+            <a:pPr lvl="1"/>
             <a:r>
               <a:rPr lang="en-US" dirty="0" smtClean="0"/>
               <a:t>Works well </a:t>
@@ -10026,11 +12672,60 @@
           <a:noFill/>
         </p:spPr>
       </p:pic>
+      <p:sp>
+        <p:nvSpPr>
+          <p:cNvPr id="5" name="Content Placeholder 2"/>
+          <p:cNvSpPr txBox="1">
+            <a:spLocks/>
+          </p:cNvSpPr>
+          <p:nvPr/>
+        </p:nvSpPr>
+        <p:spPr>
+          <a:xfrm>
+            <a:off x="304800" y="5638800"/>
+            <a:ext cx="8229600" cy="1524000"/>
+          </a:xfrm>
+          <a:prstGeom prst="rect">
+            <a:avLst/>
+          </a:prstGeom>
+        </p:spPr>
+        <p:txBody>
+          <a:bodyPr vert="horz" lIns="91440" tIns="45720" rIns="91440" bIns="45720" rtlCol="0">
+            <a:normAutofit/>
+          </a:bodyPr>
+          <a:lstStyle/>
+          <a:p>
+            <a:pPr>
+              <a:defRPr/>
+            </a:pPr>
+            <a:r>
+              <a:rPr lang="en-US" sz="2000" b="1" dirty="0" smtClean="0"/>
+              <a:t>“When I created </a:t>
+            </a:r>
+            <a:r>
+              <a:rPr lang="en-US" sz="2000" b="1" dirty="0" err="1" smtClean="0"/>
+              <a:t>BitTorrent</a:t>
+            </a:r>
+            <a:r>
+              <a:rPr lang="en-US" sz="2000" b="1" dirty="0" smtClean="0"/>
+              <a:t> in 2001, my mission was to solve the problem every website has when distributing large, popular files” – Bram Cohen</a:t>
+            </a:r>
+            <a:endParaRPr lang="en-US" sz="2000" b="1" dirty="0" smtClean="0"/>
+          </a:p>
+        </p:txBody>
+      </p:sp>
     </p:spTree>
   </p:cSld>
   <p:clrMapOvr>
     <a:masterClrMapping/>
   </p:clrMapOvr>
+  <p:timing>
+    <p:tnLst>
+      <p:par>
+        <p:cTn id="1" dur="indefinite" restart="never" nodeType="tmRoot"/>
+      </p:par>
+    </p:tnLst>
+  </p:timing>
 </p:sld>
 </file>
 

--- a/thesis_presentation/How to Make the Internet Faster.pptx
+++ b/thesis_presentation/How to Make the Internet Faster.pptx
@@ -645,103 +645,11 @@
           <a:p>
             <a:r>
               <a:rPr lang="en-US" dirty="0" smtClean="0"/>
-              <a:t>It would be annoying for small files because it is so manual.</a:t>
-            </a:r>
-          </a:p>
-          <a:p>
-            <a:endParaRPr lang="en-US" dirty="0" smtClean="0"/>
-          </a:p>
-          <a:p>
-            <a:r>
-              <a:rPr lang="en-US" dirty="0" smtClean="0"/>
-              <a:t>2) When a user runs into this, it typically takes extra time in order to download this way, because you have to go</a:t>
-            </a:r>
-            <a:r>
-              <a:rPr lang="en-US" baseline="0" dirty="0" smtClean="0"/>
-              <a:t> through some extra steps, like downloading the .torrent file, then waiting some time for your client to contact the tracker, get peer lists, find peers that are willing to share with you, etc.</a:t>
-            </a:r>
-            <a:endParaRPr lang="en-US" dirty="0" smtClean="0"/>
-          </a:p>
-          <a:p>
-            <a:endParaRPr lang="en-US" dirty="0" smtClean="0"/>
-          </a:p>
-          <a:p>
-            <a:pPr marL="0" marR="0" indent="0" algn="l" defTabSz="914400" rtl="0" eaLnBrk="1" fontAlgn="auto" latinLnBrk="0" hangingPunct="1">
-              <a:lnSpc>
-                <a:spcPct val="100000"/>
-              </a:lnSpc>
-              <a:spcBef>
-                <a:spcPts val="0"/>
-              </a:spcBef>
-              <a:spcAft>
-                <a:spcPts val="0"/>
-              </a:spcAft>
-              <a:buClrTx/>
-              <a:buSzTx/>
-              <a:buFontTx/>
-              <a:buNone/>
-              <a:tabLst/>
-              <a:defRPr/>
-            </a:pPr>
-            <a:r>
-              <a:rPr lang="en-US" dirty="0" smtClean="0"/>
-              <a:t>It would be painful to have to do this for many small files, like browsing a web page.  Up to 10 files for </a:t>
-            </a:r>
-            <a:r>
-              <a:rPr lang="en-US" dirty="0" err="1" smtClean="0"/>
-              <a:t>byu's</a:t>
-            </a:r>
-            <a:r>
-              <a:rPr lang="en-US" dirty="0" smtClean="0"/>
-              <a:t> web site.  Even if they *did* a </a:t>
-            </a:r>
-            <a:r>
-              <a:rPr lang="en-US" dirty="0" err="1" smtClean="0"/>
-              <a:t>BitTorrent</a:t>
-            </a:r>
-            <a:r>
-              <a:rPr lang="en-US" dirty="0" smtClean="0"/>
-              <a:t> file for each of these small files, today’s systems include a manual step in order to download each file.  Modern browsers don’t handle inline p2p.  So P2P basically</a:t>
-            </a:r>
-            <a:r>
-              <a:rPr lang="en-US" baseline="0" dirty="0" smtClean="0"/>
-              <a:t> can’t be used for a typical web page.</a:t>
-            </a:r>
-            <a:endParaRPr lang="en-US" dirty="0" smtClean="0"/>
-          </a:p>
-          <a:p>
-            <a:endParaRPr lang="en-US" dirty="0" smtClean="0"/>
-          </a:p>
-          <a:p>
-            <a:pPr marL="0" marR="0" indent="0" algn="l" defTabSz="914400" rtl="0" eaLnBrk="1" fontAlgn="auto" latinLnBrk="0" hangingPunct="1">
-              <a:lnSpc>
-                <a:spcPct val="100000"/>
-              </a:lnSpc>
-              <a:spcBef>
-                <a:spcPts val="0"/>
-              </a:spcBef>
-              <a:spcAft>
-                <a:spcPts val="0"/>
-              </a:spcAft>
-              <a:buClrTx/>
-              <a:buSzTx/>
-              <a:buFontTx/>
-              <a:buNone/>
-              <a:tabLst/>
-              <a:defRPr/>
-            </a:pPr>
-            <a:r>
-              <a:rPr lang="en-US" baseline="0" dirty="0" smtClean="0"/>
-              <a:t>How many sites actually offer you that stuff?</a:t>
-            </a:r>
-          </a:p>
-          <a:p>
-            <a:endParaRPr lang="en-US" dirty="0" smtClean="0"/>
-          </a:p>
-          <a:p>
-            <a:r>
-              <a:rPr lang="en-US" dirty="0" smtClean="0"/>
-              <a:t>Normal people do not use </a:t>
+              <a:t>Normal </a:t>
+            </a:r>
+            <a:r>
+              <a:rPr lang="en-US" dirty="0" smtClean="0"/>
+              <a:t>people do not use </a:t>
             </a:r>
             <a:r>
               <a:rPr lang="en-US" dirty="0" err="1" smtClean="0"/>
@@ -837,13 +745,6 @@
           </a:bodyPr>
           <a:lstStyle/>
           <a:p>
-            <a:endParaRPr lang="en-US" dirty="0" smtClean="0"/>
-          </a:p>
-          <a:p>
-            <a:r>
-              <a:rPr lang="en-US" dirty="0" smtClean="0"/>
-              <a:t>Hard to configure—hard to get to work right except for very popular files.</a:t>
-            </a:r>
             <a:endParaRPr lang="en-US" dirty="0"/>
           </a:p>
         </p:txBody>
@@ -928,44 +829,7 @@
           <a:p>
             <a:r>
               <a:rPr lang="en-US" dirty="0" smtClean="0"/>
-              <a:t>Designed to keep the,</a:t>
-            </a:r>
-            <a:r>
-              <a:rPr lang="en-US" baseline="0" dirty="0" smtClean="0"/>
-              <a:t> scalability </a:t>
-            </a:r>
-            <a:r>
-              <a:rPr lang="en-US" dirty="0" smtClean="0"/>
-              <a:t>and cost effectiveness of </a:t>
-            </a:r>
-            <a:r>
-              <a:rPr lang="en-US" dirty="0" err="1" smtClean="0"/>
-              <a:t>BitTorrent</a:t>
-            </a:r>
-            <a:r>
-              <a:rPr lang="en-US" dirty="0" smtClean="0"/>
-              <a:t>, while making it useful</a:t>
-            </a:r>
-            <a:r>
-              <a:rPr lang="en-US" baseline="0" dirty="0" smtClean="0"/>
-              <a:t> in more situations than </a:t>
-            </a:r>
-            <a:r>
-              <a:rPr lang="en-US" baseline="0" dirty="0" err="1" smtClean="0"/>
-              <a:t>BitTorrent</a:t>
-            </a:r>
-            <a:r>
-              <a:rPr lang="en-US" baseline="0" dirty="0" smtClean="0"/>
-              <a:t> currently is.</a:t>
-            </a:r>
-          </a:p>
-          <a:p>
-            <a:endParaRPr lang="en-US" baseline="0" dirty="0" smtClean="0"/>
-          </a:p>
-          <a:p>
-            <a:r>
-              <a:rPr lang="en-US" baseline="0" dirty="0" smtClean="0"/>
-              <a:t>Alleviate these problems.</a:t>
+              <a:t>Able to use BT in more situations.</a:t>
             </a:r>
             <a:endParaRPr lang="en-US" dirty="0" smtClean="0"/>
           </a:p>
@@ -1051,31 +915,29 @@
           <a:p>
             <a:r>
               <a:rPr lang="en-US" dirty="0" smtClean="0"/>
-              <a:t>All areas where BT falls short.</a:t>
-            </a:r>
-          </a:p>
-          <a:p>
-            <a:endParaRPr lang="en-US" dirty="0" smtClean="0"/>
-          </a:p>
-          <a:p>
-            <a:r>
-              <a:rPr lang="en-US" dirty="0" smtClean="0"/>
-              <a:t>Also: only go to P2P when necessary</a:t>
+              <a:t>Also</a:t>
+            </a:r>
+            <a:r>
+              <a:rPr lang="en-US" dirty="0" smtClean="0"/>
+              <a:t>: only go to P2P when necessary</a:t>
             </a:r>
             <a:r>
               <a:rPr lang="en-US" baseline="0" dirty="0" smtClean="0"/>
-              <a:t> (try to be as fast as normal download).</a:t>
-            </a:r>
-          </a:p>
-          <a:p>
+              <a:t> (try to </a:t>
+            </a:r>
+            <a:r>
+              <a:rPr lang="en-US" baseline="0" dirty="0" smtClean="0"/>
+              <a:t>always be </a:t>
+            </a:r>
+            <a:r>
+              <a:rPr lang="en-US" baseline="0" dirty="0" smtClean="0"/>
+              <a:t>as fast as normal download</a:t>
+            </a:r>
+            <a:r>
+              <a:rPr lang="en-US" baseline="0" dirty="0" smtClean="0"/>
+              <a:t>).</a:t>
+            </a:r>
             <a:endParaRPr lang="en-US" baseline="0" dirty="0" smtClean="0"/>
-          </a:p>
-          <a:p>
-            <a:r>
-              <a:rPr lang="en-US" baseline="0" dirty="0" smtClean="0"/>
-              <a:t>Non intrusive: has a timeout, only serves out files that you download so you never get tainted by questionable content.</a:t>
-            </a:r>
-            <a:endParaRPr lang="en-US" dirty="0"/>
           </a:p>
         </p:txBody>
       </p:sp>
@@ -1321,10 +1183,6 @@
           </a:bodyPr>
           <a:lstStyle/>
           <a:p>
-            <a:r>
-              <a:rPr lang="en-US" dirty="0" smtClean="0"/>
-              <a:t>Note the </a:t>
-            </a:r>
             <a:endParaRPr lang="en-US" dirty="0"/>
           </a:p>
         </p:txBody>
@@ -1407,18 +1265,6 @@
           </a:bodyPr>
           <a:lstStyle/>
           <a:p>
-            <a:r>
-              <a:rPr lang="en-US" dirty="0" smtClean="0"/>
-              <a:t>Add </a:t>
-            </a:r>
-            <a:r>
-              <a:rPr lang="en-US" dirty="0" err="1" smtClean="0"/>
-              <a:t>descr</a:t>
-            </a:r>
-            <a:r>
-              <a:rPr lang="en-US" dirty="0" smtClean="0"/>
-              <a:t>. picture here?</a:t>
-            </a:r>
             <a:endParaRPr lang="en-US" dirty="0"/>
           </a:p>
         </p:txBody>
@@ -1629,43 +1475,6 @@
           </a:bodyPr>
           <a:lstStyle/>
           <a:p>
-            <a:r>
-              <a:rPr lang="en-US" sz="1200" kern="1200" baseline="0" dirty="0" smtClean="0">
-                <a:solidFill>
-                  <a:schemeClr val="tx1"/>
-                </a:solidFill>
-                <a:latin typeface="+mn-lt"/>
-                <a:ea typeface="+mn-ea"/>
-                <a:cs typeface="+mn-cs"/>
-              </a:rPr>
-              <a:t>At a load of 20 peers/second, 99.5% of peers give up on</a:t>
-            </a:r>
-          </a:p>
-          <a:p>
-            <a:r>
-              <a:rPr lang="en-US" sz="1200" kern="1200" baseline="0" dirty="0" smtClean="0">
-                <a:solidFill>
-                  <a:schemeClr val="tx1"/>
-                </a:solidFill>
-                <a:latin typeface="+mn-lt"/>
-                <a:ea typeface="+mn-ea"/>
-                <a:cs typeface="+mn-cs"/>
-              </a:rPr>
-              <a:t>the origin server because of a slow first byte after one second (T). They then query the DHT</a:t>
-            </a:r>
-          </a:p>
-          <a:p>
-            <a:r>
-              <a:rPr lang="en-US" sz="1200" kern="1200" baseline="0" dirty="0" smtClean="0">
-                <a:solidFill>
-                  <a:schemeClr val="tx1"/>
-                </a:solidFill>
-                <a:latin typeface="+mn-lt"/>
-                <a:ea typeface="+mn-ea"/>
-                <a:cs typeface="+mn-cs"/>
-              </a:rPr>
-              <a:t>for a peer list, and receive a response with a median latency of 5.2 seconds.</a:t>
-            </a:r>
             <a:endParaRPr lang="en-US" dirty="0"/>
           </a:p>
         </p:txBody>
@@ -1750,11 +1559,7 @@
           <a:p>
             <a:r>
               <a:rPr lang="en-US" dirty="0" smtClean="0"/>
-              <a:t>This is </a:t>
-            </a:r>
-            <a:r>
-              <a:rPr lang="en-US" dirty="0" smtClean="0"/>
-              <a:t>your</a:t>
+              <a:t>This is your</a:t>
             </a:r>
             <a:r>
               <a:rPr lang="en-US" baseline="0" dirty="0" smtClean="0"/>
@@ -2094,19 +1899,7 @@
           <a:p>
             <a:r>
               <a:rPr lang="en-US" dirty="0" smtClean="0"/>
-              <a:t>Please </a:t>
-            </a:r>
-            <a:r>
-              <a:rPr lang="en-US" dirty="0" smtClean="0"/>
-              <a:t>redo one graph </a:t>
-            </a:r>
-            <a:r>
-              <a:rPr lang="en-US" dirty="0" smtClean="0"/>
-              <a:t>here. Please</a:t>
-            </a:r>
-            <a:r>
-              <a:rPr lang="en-US" dirty="0" smtClean="0"/>
-              <a:t>?</a:t>
+              <a:t>Please redo one graph here. Please?</a:t>
             </a:r>
           </a:p>
           <a:p>
@@ -2115,18 +1908,13 @@
           <a:p>
             <a:r>
               <a:rPr lang="en-US" dirty="0" smtClean="0"/>
-              <a:t>TODO that is not peers per second and it lops off the one graph.</a:t>
-            </a:r>
-          </a:p>
-          <a:p>
+              <a:t>TODO that is not peers per second and it lops off the one graph</a:t>
+            </a:r>
+            <a:r>
+              <a:rPr lang="en-US" dirty="0" smtClean="0"/>
+              <a:t>.</a:t>
+            </a:r>
             <a:endParaRPr lang="en-US" dirty="0" smtClean="0"/>
-          </a:p>
-          <a:p>
-            <a:r>
-              <a:rPr lang="en-US" dirty="0" smtClean="0"/>
-              <a:t>This shows you that “once you have one that’s high enough, you’re good to go”</a:t>
-            </a:r>
-            <a:endParaRPr lang="en-US" dirty="0"/>
           </a:p>
         </p:txBody>
       </p:sp>
@@ -2218,58 +2006,28 @@
             </a:r>
             <a:r>
               <a:rPr lang="en-US" dirty="0" smtClean="0"/>
-              <a:t>.  </a:t>
-            </a:r>
-            <a:r>
-              <a:rPr lang="en-US" dirty="0" smtClean="0"/>
-              <a:t>Because it</a:t>
+              <a:t>.  Because it</a:t>
             </a:r>
             <a:r>
               <a:rPr lang="en-US" baseline="0" dirty="0" smtClean="0"/>
-              <a:t> only affected at most the first few,  because after that the server became saturated and T would always fire first</a:t>
-            </a:r>
+              <a:t> only affected at most the first few,  because after that the server became saturated and T would always fire first.</a:t>
+            </a:r>
+          </a:p>
+          <a:p>
+            <a:endParaRPr lang="en-US" baseline="0" dirty="0" smtClean="0"/>
+          </a:p>
+          <a:p>
             <a:r>
               <a:rPr lang="en-US" baseline="0" dirty="0" smtClean="0"/>
-              <a:t>.</a:t>
-            </a:r>
-          </a:p>
-          <a:p>
-            <a:endParaRPr lang="en-US" baseline="0" dirty="0" smtClean="0"/>
-          </a:p>
-          <a:p>
-            <a:r>
-              <a:rPr lang="en-US" sz="1200" kern="1200" baseline="0" dirty="0" smtClean="0">
-                <a:solidFill>
-                  <a:schemeClr val="tx1"/>
-                </a:solidFill>
-                <a:latin typeface="+mn-lt"/>
-                <a:ea typeface="+mn-ea"/>
-                <a:cs typeface="+mn-cs"/>
-              </a:rPr>
-              <a:t>Median download times are 17 seconds with W set to 0.25 seconds. For W &gt; 0.25 seconds median download</a:t>
-            </a:r>
-          </a:p>
-          <a:p>
-            <a:r>
-              <a:rPr lang="en-US" sz="1200" kern="1200" baseline="0" dirty="0" smtClean="0">
-                <a:solidFill>
-                  <a:schemeClr val="tx1"/>
-                </a:solidFill>
-                <a:latin typeface="+mn-lt"/>
-                <a:ea typeface="+mn-ea"/>
-                <a:cs typeface="+mn-cs"/>
-              </a:rPr>
-              <a:t>times stay at approximately 25 seconds.</a:t>
-            </a:r>
-            <a:endParaRPr lang="en-US" baseline="0" dirty="0" smtClean="0"/>
-          </a:p>
-          <a:p>
-            <a:endParaRPr lang="en-US" baseline="0" dirty="0" smtClean="0"/>
-          </a:p>
-          <a:p>
+              <a:t>Probably </a:t>
+            </a:r>
             <a:r>
               <a:rPr lang="en-US" baseline="0" dirty="0" smtClean="0"/>
-              <a:t>Probably want that “other” graph in here, too, then, to show “oh it’s all T”? TODO</a:t>
+              <a:t>want that “other” graph in here, too, then, to show “oh it’s all T</a:t>
+            </a:r>
+            <a:r>
+              <a:rPr lang="en-US" baseline="0" dirty="0" smtClean="0"/>
+              <a:t>”?</a:t>
             </a:r>
             <a:endParaRPr lang="en-US" dirty="0"/>
           </a:p>
@@ -2354,34 +2112,12 @@
           <a:lstStyle/>
           <a:p>
             <a:r>
-              <a:rPr lang="en-US" sz="1200" kern="1200" baseline="0" dirty="0" smtClean="0">
-                <a:solidFill>
-                  <a:schemeClr val="tx1"/>
-                </a:solidFill>
-                <a:latin typeface="+mn-lt"/>
-                <a:ea typeface="+mn-ea"/>
-                <a:cs typeface="+mn-cs"/>
-              </a:rPr>
-              <a:t>.</a:t>
-            </a:r>
-            <a:endParaRPr lang="en-US" dirty="0" smtClean="0"/>
-          </a:p>
-          <a:p>
-            <a:r>
-              <a:rPr lang="en-US" dirty="0" smtClean="0"/>
-              <a:t>Note </a:t>
-            </a:r>
-            <a:r>
-              <a:rPr lang="en-US" dirty="0" smtClean="0"/>
-              <a:t>that our linger time was 20</a:t>
+              <a:rPr lang="en-US" dirty="0" smtClean="0"/>
+              <a:t>Note that our linger time was 20</a:t>
             </a:r>
             <a:r>
               <a:rPr lang="en-US" baseline="0" dirty="0" smtClean="0"/>
-              <a:t> seconds, so the DHT was becoming less effective under higher load</a:t>
-            </a:r>
-            <a:r>
-              <a:rPr lang="en-US" baseline="0" dirty="0" smtClean="0"/>
-              <a:t>.</a:t>
+              <a:t> seconds, so the DHT was becoming less effective under higher load.</a:t>
             </a:r>
           </a:p>
           <a:p>
@@ -2754,277 +2490,7 @@
               <a:rPr lang="en-US" baseline="0" dirty="0" smtClean="0"/>
               <a:t>.”</a:t>
             </a:r>
-          </a:p>
-          <a:p>
             <a:endParaRPr lang="en-US" baseline="0" dirty="0" smtClean="0"/>
-          </a:p>
-          <a:p>
-            <a:r>
-              <a:rPr lang="en-US" sz="1200" kern="1200" baseline="0" dirty="0" smtClean="0">
-                <a:solidFill>
-                  <a:schemeClr val="tx1"/>
-                </a:solidFill>
-                <a:latin typeface="+mn-lt"/>
-                <a:ea typeface="+mn-ea"/>
-                <a:cs typeface="+mn-cs"/>
-              </a:rPr>
-              <a:t>We're not entirely sure why </a:t>
-            </a:r>
-            <a:r>
-              <a:rPr lang="en-US" sz="1200" kern="1200" baseline="0" dirty="0" err="1" smtClean="0">
-                <a:solidFill>
-                  <a:schemeClr val="tx1"/>
-                </a:solidFill>
-                <a:latin typeface="+mn-lt"/>
-                <a:ea typeface="+mn-ea"/>
-                <a:cs typeface="+mn-cs"/>
-              </a:rPr>
-              <a:t>BitTorrent</a:t>
-            </a:r>
-            <a:r>
-              <a:rPr lang="en-US" sz="1200" kern="1200" baseline="0" dirty="0" smtClean="0">
-                <a:solidFill>
-                  <a:schemeClr val="tx1"/>
-                </a:solidFill>
-                <a:latin typeface="+mn-lt"/>
-                <a:ea typeface="+mn-ea"/>
-                <a:cs typeface="+mn-cs"/>
-              </a:rPr>
-              <a:t> is faster.</a:t>
-            </a:r>
-          </a:p>
-          <a:p>
-            <a:r>
-              <a:rPr lang="en-US" sz="1200" kern="1200" baseline="0" dirty="0" smtClean="0">
-                <a:solidFill>
-                  <a:schemeClr val="tx1"/>
-                </a:solidFill>
-                <a:latin typeface="+mn-lt"/>
-                <a:ea typeface="+mn-ea"/>
-                <a:cs typeface="+mn-cs"/>
-              </a:rPr>
-              <a:t>One factor </a:t>
-            </a:r>
-            <a:r>
-              <a:rPr lang="en-US" sz="1200" kern="1200" baseline="0" dirty="0" err="1" smtClean="0">
-                <a:solidFill>
-                  <a:schemeClr val="tx1"/>
-                </a:solidFill>
-                <a:latin typeface="+mn-lt"/>
-                <a:ea typeface="+mn-ea"/>
-                <a:cs typeface="+mn-cs"/>
-              </a:rPr>
-              <a:t>aecting</a:t>
-            </a:r>
-            <a:r>
-              <a:rPr lang="en-US" sz="1200" kern="1200" baseline="0" dirty="0" smtClean="0">
-                <a:solidFill>
-                  <a:schemeClr val="tx1"/>
-                </a:solidFill>
-                <a:latin typeface="+mn-lt"/>
-                <a:ea typeface="+mn-ea"/>
-                <a:cs typeface="+mn-cs"/>
-              </a:rPr>
-              <a:t> performance is that </a:t>
-            </a:r>
-            <a:r>
-              <a:rPr lang="en-US" sz="1200" kern="1200" baseline="0" dirty="0" err="1" smtClean="0">
-                <a:solidFill>
-                  <a:schemeClr val="tx1"/>
-                </a:solidFill>
-                <a:latin typeface="+mn-lt"/>
-                <a:ea typeface="+mn-ea"/>
-                <a:cs typeface="+mn-cs"/>
-              </a:rPr>
-              <a:t>BitTorrent's</a:t>
-            </a:r>
-            <a:r>
-              <a:rPr lang="en-US" sz="1200" kern="1200" baseline="0" dirty="0" smtClean="0">
-                <a:solidFill>
-                  <a:schemeClr val="tx1"/>
-                </a:solidFill>
-                <a:latin typeface="+mn-lt"/>
-                <a:ea typeface="+mn-ea"/>
-                <a:cs typeface="+mn-cs"/>
-              </a:rPr>
-              <a:t> seed limits outgoing connections to</a:t>
-            </a:r>
-          </a:p>
-          <a:p>
-            <a:r>
-              <a:rPr lang="en-US" sz="1200" kern="1200" baseline="0" dirty="0" smtClean="0">
-                <a:solidFill>
-                  <a:schemeClr val="tx1"/>
-                </a:solidFill>
-                <a:latin typeface="+mn-lt"/>
-                <a:ea typeface="+mn-ea"/>
-                <a:cs typeface="+mn-cs"/>
-              </a:rPr>
-              <a:t>7, whereas Apache's connection limit is 256. This may allow </a:t>
-            </a:r>
-            <a:r>
-              <a:rPr lang="en-US" sz="1200" kern="1200" baseline="0" dirty="0" err="1" smtClean="0">
-                <a:solidFill>
-                  <a:schemeClr val="tx1"/>
-                </a:solidFill>
-                <a:latin typeface="+mn-lt"/>
-                <a:ea typeface="+mn-ea"/>
-                <a:cs typeface="+mn-cs"/>
-              </a:rPr>
-              <a:t>BitTorrent</a:t>
-            </a:r>
-            <a:r>
-              <a:rPr lang="en-US" sz="1200" kern="1200" baseline="0" dirty="0" smtClean="0">
-                <a:solidFill>
-                  <a:schemeClr val="tx1"/>
-                </a:solidFill>
-                <a:latin typeface="+mn-lt"/>
-                <a:ea typeface="+mn-ea"/>
-                <a:cs typeface="+mn-cs"/>
-              </a:rPr>
-              <a:t> to propagate full</a:t>
-            </a:r>
-          </a:p>
-          <a:p>
-            <a:r>
-              <a:rPr lang="en-US" sz="1200" kern="1200" baseline="0" dirty="0" smtClean="0">
-                <a:solidFill>
-                  <a:schemeClr val="tx1"/>
-                </a:solidFill>
-                <a:latin typeface="+mn-lt"/>
-                <a:ea typeface="+mn-ea"/>
-                <a:cs typeface="+mn-cs"/>
-              </a:rPr>
-              <a:t>blocks more quickly to peers. </a:t>
-            </a:r>
-            <a:r>
-              <a:rPr lang="en-US" sz="1200" kern="1200" baseline="0" dirty="0" err="1" smtClean="0">
-                <a:solidFill>
-                  <a:schemeClr val="tx1"/>
-                </a:solidFill>
-                <a:latin typeface="+mn-lt"/>
-                <a:ea typeface="+mn-ea"/>
-                <a:cs typeface="+mn-cs"/>
-              </a:rPr>
-              <a:t>BitTorrent's</a:t>
-            </a:r>
-            <a:r>
-              <a:rPr lang="en-US" sz="1200" kern="1200" baseline="0" dirty="0" smtClean="0">
-                <a:solidFill>
-                  <a:schemeClr val="tx1"/>
-                </a:solidFill>
-                <a:latin typeface="+mn-lt"/>
-                <a:ea typeface="+mn-ea"/>
-                <a:cs typeface="+mn-cs"/>
-              </a:rPr>
-              <a:t> seed also favors peers with higher download</a:t>
-            </a:r>
-          </a:p>
-          <a:p>
-            <a:r>
-              <a:rPr lang="en-US" sz="1200" kern="1200" baseline="0" dirty="0" smtClean="0">
-                <a:solidFill>
-                  <a:schemeClr val="tx1"/>
-                </a:solidFill>
-                <a:latin typeface="+mn-lt"/>
-                <a:ea typeface="+mn-ea"/>
-                <a:cs typeface="+mn-cs"/>
-              </a:rPr>
-              <a:t>speeds, which may help propagate blocks. In this test, it uses a dedicated tracker, which</a:t>
-            </a:r>
-          </a:p>
-          <a:p>
-            <a:r>
-              <a:rPr lang="en-US" sz="1200" kern="1200" baseline="0" dirty="0" smtClean="0">
-                <a:solidFill>
-                  <a:schemeClr val="tx1"/>
-                </a:solidFill>
-                <a:latin typeface="+mn-lt"/>
-                <a:ea typeface="+mn-ea"/>
-                <a:cs typeface="+mn-cs"/>
-              </a:rPr>
-              <a:t>makes peer rendezvous quicker than using a DHT. </a:t>
-            </a:r>
-            <a:r>
-              <a:rPr lang="en-US" sz="1200" kern="1200" baseline="0" dirty="0" err="1" smtClean="0">
-                <a:solidFill>
-                  <a:schemeClr val="tx1"/>
-                </a:solidFill>
-                <a:latin typeface="+mn-lt"/>
-                <a:ea typeface="+mn-ea"/>
-                <a:cs typeface="+mn-cs"/>
-              </a:rPr>
-              <a:t>BitTorrent</a:t>
-            </a:r>
-            <a:r>
-              <a:rPr lang="en-US" sz="1200" kern="1200" baseline="0" dirty="0" smtClean="0">
-                <a:solidFill>
-                  <a:schemeClr val="tx1"/>
-                </a:solidFill>
-                <a:latin typeface="+mn-lt"/>
-                <a:ea typeface="+mn-ea"/>
-                <a:cs typeface="+mn-cs"/>
-              </a:rPr>
-              <a:t> uses a \rarest block </a:t>
-            </a:r>
-            <a:r>
-              <a:rPr lang="en-US" sz="1200" kern="1200" baseline="0" dirty="0" err="1" smtClean="0">
-                <a:solidFill>
-                  <a:schemeClr val="tx1"/>
-                </a:solidFill>
-                <a:latin typeface="+mn-lt"/>
-                <a:ea typeface="+mn-ea"/>
-                <a:cs typeface="+mn-cs"/>
-              </a:rPr>
-              <a:t>rst</a:t>
-            </a:r>
-            <a:r>
-              <a:rPr lang="en-US" sz="1200" kern="1200" baseline="0" dirty="0" smtClean="0">
-                <a:solidFill>
-                  <a:schemeClr val="tx1"/>
-                </a:solidFill>
-                <a:latin typeface="+mn-lt"/>
-                <a:ea typeface="+mn-ea"/>
-                <a:cs typeface="+mn-cs"/>
-              </a:rPr>
-              <a:t>"</a:t>
-            </a:r>
-          </a:p>
-          <a:p>
-            <a:r>
-              <a:rPr lang="en-US" sz="1200" kern="1200" baseline="0" dirty="0" smtClean="0">
-                <a:solidFill>
-                  <a:schemeClr val="tx1"/>
-                </a:solidFill>
-                <a:latin typeface="+mn-lt"/>
-                <a:ea typeface="+mn-ea"/>
-                <a:cs typeface="+mn-cs"/>
-              </a:rPr>
-              <a:t>selection policy, enabling it to choose blocks more </a:t>
-            </a:r>
-            <a:r>
-              <a:rPr lang="en-US" sz="1200" kern="1200" baseline="0" dirty="0" err="1" smtClean="0">
-                <a:solidFill>
-                  <a:schemeClr val="tx1"/>
-                </a:solidFill>
-                <a:latin typeface="+mn-lt"/>
-                <a:ea typeface="+mn-ea"/>
-                <a:cs typeface="+mn-cs"/>
-              </a:rPr>
-              <a:t>eciently</a:t>
-            </a:r>
-            <a:r>
-              <a:rPr lang="en-US" sz="1200" kern="1200" baseline="0" dirty="0" smtClean="0">
-                <a:solidFill>
-                  <a:schemeClr val="tx1"/>
-                </a:solidFill>
-                <a:latin typeface="+mn-lt"/>
-                <a:ea typeface="+mn-ea"/>
-                <a:cs typeface="+mn-cs"/>
-              </a:rPr>
-              <a:t>.</a:t>
-            </a:r>
-            <a:endParaRPr lang="en-US" dirty="0"/>
           </a:p>
         </p:txBody>
       </p:sp>
@@ -3535,80 +3001,6 @@
           </a:bodyPr>
           <a:lstStyle/>
           <a:p>
-            <a:r>
-              <a:rPr lang="en-US" dirty="0" smtClean="0"/>
-              <a:t>"real" use is probably currently [who knows for sure] "most useful in the wild" for larger static files, still. </a:t>
-            </a:r>
-            <a:endParaRPr lang="en-US" dirty="0" smtClean="0"/>
-          </a:p>
-          <a:p>
-            <a:endParaRPr lang="en-US" dirty="0" smtClean="0"/>
-          </a:p>
-          <a:p>
-            <a:r>
-              <a:rPr lang="en-US" dirty="0" smtClean="0"/>
-              <a:t>Or</a:t>
-            </a:r>
-            <a:r>
-              <a:rPr lang="en-US" baseline="0" dirty="0" smtClean="0"/>
-              <a:t> somebody serving from a limited connection.</a:t>
-            </a:r>
-            <a:endParaRPr lang="en-US" dirty="0" smtClean="0"/>
-          </a:p>
-          <a:p>
-            <a:endParaRPr lang="en-US" dirty="0" smtClean="0"/>
-          </a:p>
-          <a:p>
-            <a:r>
-              <a:rPr lang="en-US" dirty="0" smtClean="0"/>
-              <a:t>Kind of an auto-</a:t>
-            </a:r>
-            <a:r>
-              <a:rPr lang="en-US" dirty="0" err="1" smtClean="0"/>
-              <a:t>BitTorrent</a:t>
-            </a:r>
-            <a:r>
-              <a:rPr lang="en-US" dirty="0" smtClean="0"/>
-              <a:t> for all files on the Internet, though we have shown it can work well for small files, too,</a:t>
-            </a:r>
-            <a:r>
-              <a:rPr lang="en-US" baseline="0" dirty="0" smtClean="0"/>
-              <a:t> so something like this could </a:t>
-            </a:r>
-            <a:r>
-              <a:rPr lang="en-US" baseline="0" dirty="0" smtClean="0"/>
-              <a:t>become a </a:t>
-            </a:r>
-            <a:r>
-              <a:rPr lang="en-US" baseline="0" dirty="0" smtClean="0"/>
-              <a:t>real contribution to browsing the Internet.</a:t>
-            </a:r>
-            <a:endParaRPr lang="en-US" dirty="0" smtClean="0"/>
-          </a:p>
-          <a:p>
-            <a:endParaRPr lang="en-US" dirty="0" smtClean="0"/>
-          </a:p>
-          <a:p>
-            <a:r>
-              <a:rPr lang="en-US" dirty="0" smtClean="0"/>
-              <a:t>Which is good.  We have made P2P more useful, researched</a:t>
-            </a:r>
-            <a:r>
-              <a:rPr lang="en-US" baseline="0" dirty="0" smtClean="0"/>
-              <a:t> a bit into how to make it more adoptable, more useful in more spheres.</a:t>
-            </a:r>
-          </a:p>
-          <a:p>
-            <a:endParaRPr lang="en-US" dirty="0" smtClean="0"/>
-          </a:p>
-          <a:p>
-            <a:endParaRPr lang="en-US" dirty="0" smtClean="0"/>
-          </a:p>
-          <a:p>
-            <a:r>
-              <a:rPr lang="en-US" dirty="0" smtClean="0"/>
-              <a:t>Demo?</a:t>
-            </a:r>
             <a:endParaRPr lang="en-US" dirty="0"/>
           </a:p>
         </p:txBody>
@@ -3790,118 +3182,6 @@
           </a:bodyPr>
           <a:lstStyle/>
           <a:p>
-            <a:r>
-              <a:rPr lang="en-US" dirty="0" smtClean="0"/>
-              <a:t>It would be annoying for small files because it is so manual.</a:t>
-            </a:r>
-          </a:p>
-          <a:p>
-            <a:endParaRPr lang="en-US" dirty="0" smtClean="0"/>
-          </a:p>
-          <a:p>
-            <a:r>
-              <a:rPr lang="en-US" dirty="0" smtClean="0"/>
-              <a:t>2) When a user runs into this, it typically takes extra time in order to download this way, because you have to go</a:t>
-            </a:r>
-            <a:r>
-              <a:rPr lang="en-US" baseline="0" dirty="0" smtClean="0"/>
-              <a:t> through some extra steps, like downloading the .torrent file, then waiting some time for your client to contact the tracker, get peer lists, find peers that are willing to share with you, etc.</a:t>
-            </a:r>
-            <a:endParaRPr lang="en-US" dirty="0" smtClean="0"/>
-          </a:p>
-          <a:p>
-            <a:endParaRPr lang="en-US" dirty="0" smtClean="0"/>
-          </a:p>
-          <a:p>
-            <a:pPr marL="0" marR="0" indent="0" algn="l" defTabSz="914400" rtl="0" eaLnBrk="1" fontAlgn="auto" latinLnBrk="0" hangingPunct="1">
-              <a:lnSpc>
-                <a:spcPct val="100000"/>
-              </a:lnSpc>
-              <a:spcBef>
-                <a:spcPts val="0"/>
-              </a:spcBef>
-              <a:spcAft>
-                <a:spcPts val="0"/>
-              </a:spcAft>
-              <a:buClrTx/>
-              <a:buSzTx/>
-              <a:buFontTx/>
-              <a:buNone/>
-              <a:tabLst/>
-              <a:defRPr/>
-            </a:pPr>
-            <a:r>
-              <a:rPr lang="en-US" dirty="0" smtClean="0"/>
-              <a:t>It would be painful to have to do this for many small files, like browsing a web page.  Up to 10 files for </a:t>
-            </a:r>
-            <a:r>
-              <a:rPr lang="en-US" dirty="0" err="1" smtClean="0"/>
-              <a:t>byu's</a:t>
-            </a:r>
-            <a:r>
-              <a:rPr lang="en-US" dirty="0" smtClean="0"/>
-              <a:t> web site.  Even if they *did* a </a:t>
-            </a:r>
-            <a:r>
-              <a:rPr lang="en-US" dirty="0" err="1" smtClean="0"/>
-              <a:t>BitTorrent</a:t>
-            </a:r>
-            <a:r>
-              <a:rPr lang="en-US" dirty="0" smtClean="0"/>
-              <a:t> file for each of these small files, today’s systems include a manual step in order to download each file.  Modern browsers don’t handle inline p2p.  So P2P basically</a:t>
-            </a:r>
-            <a:r>
-              <a:rPr lang="en-US" baseline="0" dirty="0" smtClean="0"/>
-              <a:t> can’t be used for a typical web page.</a:t>
-            </a:r>
-            <a:endParaRPr lang="en-US" dirty="0" smtClean="0"/>
-          </a:p>
-          <a:p>
-            <a:endParaRPr lang="en-US" dirty="0" smtClean="0"/>
-          </a:p>
-          <a:p>
-            <a:pPr marL="0" marR="0" indent="0" algn="l" defTabSz="914400" rtl="0" eaLnBrk="1" fontAlgn="auto" latinLnBrk="0" hangingPunct="1">
-              <a:lnSpc>
-                <a:spcPct val="100000"/>
-              </a:lnSpc>
-              <a:spcBef>
-                <a:spcPts val="0"/>
-              </a:spcBef>
-              <a:spcAft>
-                <a:spcPts val="0"/>
-              </a:spcAft>
-              <a:buClrTx/>
-              <a:buSzTx/>
-              <a:buFontTx/>
-              <a:buNone/>
-              <a:tabLst/>
-              <a:defRPr/>
-            </a:pPr>
-            <a:r>
-              <a:rPr lang="en-US" baseline="0" dirty="0" smtClean="0"/>
-              <a:t>How many sites actually offer you that stuff?</a:t>
-            </a:r>
-          </a:p>
-          <a:p>
-            <a:endParaRPr lang="en-US" dirty="0" smtClean="0"/>
-          </a:p>
-          <a:p>
-            <a:r>
-              <a:rPr lang="en-US" dirty="0" smtClean="0"/>
-              <a:t>Normal people do not use </a:t>
-            </a:r>
-            <a:r>
-              <a:rPr lang="en-US" dirty="0" err="1" smtClean="0"/>
-              <a:t>BitTorrent</a:t>
-            </a:r>
-            <a:r>
-              <a:rPr lang="en-US" dirty="0" smtClean="0"/>
-              <a:t>.  Not useful</a:t>
-            </a:r>
-            <a:r>
-              <a:rPr lang="en-US" baseline="0" dirty="0" smtClean="0"/>
-              <a:t> to them.</a:t>
-            </a:r>
             <a:endParaRPr lang="en-US" dirty="0"/>
           </a:p>
         </p:txBody>
@@ -3984,13 +3264,6 @@
           </a:bodyPr>
           <a:lstStyle/>
           <a:p>
-            <a:endParaRPr lang="en-US" dirty="0" smtClean="0"/>
-          </a:p>
-          <a:p>
-            <a:r>
-              <a:rPr lang="en-US" dirty="0" smtClean="0"/>
-              <a:t>Hard to configure—hard to get to work right except for very popular files.</a:t>
-            </a:r>
             <a:endParaRPr lang="en-US" dirty="0"/>
           </a:p>
         </p:txBody>
@@ -4073,23 +3346,6 @@
           </a:bodyPr>
           <a:lstStyle/>
           <a:p>
-            <a:r>
-              <a:rPr lang="en-US" dirty="0" smtClean="0"/>
-              <a:t>All areas where BT falls short.</a:t>
-            </a:r>
-          </a:p>
-          <a:p>
-            <a:endParaRPr lang="en-US" dirty="0" smtClean="0"/>
-          </a:p>
-          <a:p>
-            <a:r>
-              <a:rPr lang="en-US" dirty="0" smtClean="0"/>
-              <a:t>Also: only go to P2P when necessary</a:t>
-            </a:r>
-            <a:r>
-              <a:rPr lang="en-US" baseline="0" dirty="0" smtClean="0"/>
-              <a:t> (try to be as fast as normal download).</a:t>
-            </a:r>
             <a:endParaRPr lang="en-US" dirty="0"/>
           </a:p>
         </p:txBody>
@@ -4172,18 +3428,6 @@
           </a:bodyPr>
           <a:lstStyle/>
           <a:p>
-            <a:r>
-              <a:rPr lang="en-US" dirty="0" smtClean="0"/>
-              <a:t>We’ve made a step in that direction.  It </a:t>
-            </a:r>
-            <a:r>
-              <a:rPr lang="en-US" smtClean="0"/>
-              <a:t>has potential</a:t>
-            </a:r>
-            <a:r>
-              <a:rPr lang="en-US" baseline="0" smtClean="0"/>
-              <a:t>.</a:t>
-            </a:r>
             <a:endParaRPr lang="en-US" dirty="0" smtClean="0"/>
           </a:p>
         </p:txBody>
@@ -4348,16 +3592,6 @@
           </a:bodyPr>
           <a:lstStyle/>
           <a:p>
-            <a:r>
-              <a:rPr lang="en-US" dirty="0" smtClean="0"/>
-              <a:t>Today's Internet </a:t>
-            </a:r>
-            <a:r>
-              <a:rPr lang="en-US" dirty="0" smtClean="0"/>
-              <a:t>can be slow at times.</a:t>
-            </a:r>
-          </a:p>
-          <a:p>
             <a:endParaRPr lang="en-US" dirty="0" smtClean="0"/>
           </a:p>
           <a:p>
@@ -4377,21 +3611,8 @@
             </a:r>
             <a:r>
               <a:rPr lang="en-US" baseline="0" dirty="0" smtClean="0"/>
-              <a:t> a graph of </a:t>
-            </a:r>
-            <a:r>
-              <a:rPr lang="en-US" baseline="0" dirty="0" smtClean="0"/>
-              <a:t>network </a:t>
-            </a:r>
-            <a:r>
-              <a:rPr lang="en-US" baseline="0" dirty="0" smtClean="0"/>
-              <a:t>speed increasing so slowly compared to processors </a:t>
-            </a:r>
-            <a:r>
-              <a:rPr lang="en-US" baseline="0" dirty="0" smtClean="0"/>
-              <a:t>and disks (?) (?)</a:t>
-            </a:r>
-            <a:endParaRPr lang="en-US" baseline="0" dirty="0" smtClean="0"/>
+              <a:t> a graph of network speed increasing so slowly compared to processors and disks (?) (?)</a:t>
+            </a:r>
           </a:p>
         </p:txBody>
       </p:sp>
@@ -4473,30 +3694,6 @@
           </a:bodyPr>
           <a:lstStyle/>
           <a:p>
-            <a:r>
-              <a:rPr lang="en-US" baseline="0" dirty="0" smtClean="0"/>
-              <a:t>“Go and do something else”</a:t>
-            </a:r>
-          </a:p>
-          <a:p>
-            <a:r>
-              <a:rPr lang="en-US" baseline="0" dirty="0" smtClean="0"/>
-              <a:t>“Go and watch something on </a:t>
-            </a:r>
-            <a:r>
-              <a:rPr lang="en-US" baseline="0" dirty="0" err="1" smtClean="0"/>
-              <a:t>youtube</a:t>
-            </a:r>
-            <a:r>
-              <a:rPr lang="en-US" baseline="0" dirty="0" smtClean="0"/>
-              <a:t>”</a:t>
-            </a:r>
-          </a:p>
-          <a:p>
-            <a:r>
-              <a:rPr lang="en-US" baseline="0" dirty="0" smtClean="0"/>
-              <a:t>“Feel frustrated”</a:t>
-            </a:r>
             <a:endParaRPr lang="en-US" dirty="0"/>
           </a:p>
         </p:txBody>
@@ -4661,16 +3858,6 @@
           </a:bodyPr>
           <a:lstStyle/>
           <a:p>
-            <a:r>
-              <a:rPr lang="en-US" dirty="0" smtClean="0"/>
-              <a:t>Can become overloaded.</a:t>
-            </a:r>
-          </a:p>
-          <a:p>
-            <a:r>
-              <a:rPr lang="en-US" dirty="0" smtClean="0"/>
-              <a:t>You need to employ an expensive CDN.</a:t>
-            </a:r>
             <a:endParaRPr lang="en-US" dirty="0"/>
           </a:p>
         </p:txBody>
@@ -4752,54 +3939,6 @@
             <a:normAutofit/>
           </a:bodyPr>
           <a:lstStyle/>
-          <a:p>
-            <a:pPr marL="0" marR="0" indent="0" algn="l" defTabSz="914400" rtl="0" eaLnBrk="1" fontAlgn="auto" latinLnBrk="0" hangingPunct="1">
-              <a:lnSpc>
-                <a:spcPct val="100000"/>
-              </a:lnSpc>
-              <a:spcBef>
-                <a:spcPts val="0"/>
-              </a:spcBef>
-              <a:spcAft>
-                <a:spcPts val="0"/>
-              </a:spcAft>
-              <a:buClrTx/>
-              <a:buSzTx/>
-              <a:buFontTx/>
-              <a:buNone/>
-              <a:tabLst/>
-              <a:defRPr/>
-            </a:pPr>
-            <a:r>
-              <a:rPr lang="en-US" baseline="0" dirty="0" smtClean="0"/>
-              <a:t>“Melissa style” explanation (you download half, your friend downloads half, you share </a:t>
-            </a:r>
-            <a:r>
-              <a:rPr lang="en-US" baseline="0" dirty="0" err="1" smtClean="0"/>
-              <a:t>halfs</a:t>
-            </a:r>
-            <a:r>
-              <a:rPr lang="en-US" baseline="0" dirty="0" smtClean="0"/>
-              <a:t>).</a:t>
-            </a:r>
-          </a:p>
-          <a:p>
-            <a:endParaRPr lang="en-US" dirty="0" smtClean="0"/>
-          </a:p>
-          <a:p>
-            <a:r>
-              <a:rPr lang="en-US" dirty="0" smtClean="0"/>
-              <a:t>You </a:t>
-            </a:r>
-            <a:r>
-              <a:rPr lang="en-US" dirty="0" smtClean="0"/>
-              <a:t>don’t need any extra servers, peers do most of the extra</a:t>
-            </a:r>
-            <a:r>
-              <a:rPr lang="en-US" baseline="0" dirty="0" smtClean="0"/>
-              <a:t> hosting.</a:t>
-            </a:r>
-          </a:p>
           <a:p>
             <a:endParaRPr lang="en-US" baseline="0" dirty="0" smtClean="0"/>
           </a:p>
@@ -8153,11 +7292,7 @@
             <a:pPr lvl="1"/>
             <a:r>
               <a:rPr lang="en-US" dirty="0" smtClean="0"/>
-              <a:t>Extra </a:t>
-            </a:r>
-            <a:r>
-              <a:rPr lang="en-US" dirty="0" smtClean="0"/>
-              <a:t>setup/time per file.</a:t>
+              <a:t>Extra setup/time per file.</a:t>
             </a:r>
           </a:p>
           <a:p>
@@ -8166,7 +7301,6 @@
               <a:rPr lang="en-US" dirty="0" smtClean="0"/>
               <a:t>Small files</a:t>
             </a:r>
-            <a:endParaRPr lang="en-US" dirty="0" smtClean="0"/>
           </a:p>
           <a:p>
             <a:pPr lvl="1"/>
@@ -8214,34 +7348,24 @@
               <a:rPr lang="en-US" dirty="0" smtClean="0"/>
               <a:t>Duplicate</a:t>
             </a:r>
-            <a:endParaRPr lang="en-US" dirty="0" smtClean="0"/>
           </a:p>
           <a:p>
             <a:pPr lvl="2"/>
             <a:r>
               <a:rPr lang="en-US" dirty="0" smtClean="0"/>
-              <a:t>Costs </a:t>
-            </a:r>
-            <a:r>
-              <a:rPr lang="en-US" dirty="0" smtClean="0"/>
-              <a:t>time</a:t>
+              <a:t>Costs time</a:t>
             </a:r>
           </a:p>
           <a:p>
             <a:pPr lvl="1"/>
             <a:r>
               <a:rPr lang="en-US" dirty="0" smtClean="0"/>
-              <a:t>Not </a:t>
-            </a:r>
-            <a:r>
-              <a:rPr lang="en-US" dirty="0" smtClean="0"/>
-              <a:t>available</a:t>
+              <a:t>Not available</a:t>
             </a:r>
             <a:r>
               <a:rPr lang="en-US" dirty="0" smtClean="0"/>
               <a:t>.</a:t>
             </a:r>
-            <a:endParaRPr lang="en-US" dirty="0" smtClean="0"/>
           </a:p>
         </p:txBody>
       </p:sp>
@@ -8298,11 +7422,7 @@
             </a:r>
             <a:r>
               <a:rPr lang="en-US" dirty="0" smtClean="0"/>
-              <a:t> </a:t>
-            </a:r>
-            <a:r>
-              <a:rPr lang="en-US" dirty="0" smtClean="0"/>
-              <a:t>can Fail</a:t>
+              <a:t> can Fail</a:t>
             </a:r>
             <a:endParaRPr lang="en-US" dirty="0"/>
           </a:p>
@@ -8357,7 +7477,6 @@
               <a:rPr lang="en-US" dirty="0" smtClean="0"/>
               <a:t>Clients aren’t configured to use HTTP well.</a:t>
             </a:r>
-            <a:endParaRPr lang="en-US" dirty="0" smtClean="0"/>
           </a:p>
         </p:txBody>
       </p:sp>
@@ -8467,20 +7586,39 @@
           <a:p>
             <a:r>
               <a:rPr lang="en-US" dirty="0" smtClean="0"/>
-              <a:t>Make </a:t>
-            </a:r>
-            <a:r>
-              <a:rPr lang="en-US" dirty="0" smtClean="0"/>
-              <a:t>s</a:t>
-            </a:r>
-            <a:r>
-              <a:rPr lang="en-US" dirty="0" smtClean="0"/>
-              <a:t>warming </a:t>
-            </a:r>
-            <a:r>
-              <a:rPr lang="en-US" dirty="0" smtClean="0"/>
-              <a:t>more usable/adoptable.</a:t>
-            </a:r>
+              <a:t>Make swarming more usable/adoptable</a:t>
+            </a:r>
+            <a:r>
+              <a:rPr lang="en-US" dirty="0" smtClean="0"/>
+              <a:t>.</a:t>
+            </a:r>
+          </a:p>
+          <a:p>
+            <a:r>
+              <a:rPr lang="en-US" dirty="0" smtClean="0"/>
+              <a:t>Scalability/cost effectiveness of </a:t>
+            </a:r>
+            <a:r>
+              <a:rPr lang="en-US" dirty="0" err="1" smtClean="0"/>
+              <a:t>BitTorrent</a:t>
+            </a:r>
+            <a:r>
+              <a:rPr lang="en-US" dirty="0" smtClean="0"/>
+              <a:t>.</a:t>
+            </a:r>
+          </a:p>
+          <a:p>
+            <a:r>
+              <a:rPr lang="en-US" dirty="0" smtClean="0"/>
+              <a:t>Overcome deficiencies.</a:t>
+            </a:r>
+          </a:p>
+          <a:p>
+            <a:r>
+              <a:rPr lang="en-US" dirty="0" smtClean="0"/>
+              <a:t>More situations.</a:t>
+            </a:r>
+            <a:endParaRPr lang="en-US" dirty="0" smtClean="0"/>
           </a:p>
         </p:txBody>
       </p:sp>
@@ -8549,19 +7687,37 @@
           <a:p>
             <a:r>
               <a:rPr lang="en-US" dirty="0" smtClean="0"/>
-              <a:t>Work for any file on any server.</a:t>
-            </a:r>
-          </a:p>
-          <a:p>
-            <a:r>
-              <a:rPr lang="en-US" dirty="0" smtClean="0"/>
-              <a:t>Easy for clients.</a:t>
-            </a:r>
-          </a:p>
-          <a:p>
-            <a:r>
-              <a:rPr lang="en-US" dirty="0" smtClean="0"/>
-              <a:t>No extra dedicated hardware.</a:t>
+              <a:t>Work for any file on any </a:t>
+            </a:r>
+            <a:r>
+              <a:rPr lang="en-US" dirty="0" smtClean="0"/>
+              <a:t>server without configuration.</a:t>
+            </a:r>
+            <a:endParaRPr lang="en-US" dirty="0" smtClean="0"/>
+          </a:p>
+          <a:p>
+            <a:r>
+              <a:rPr lang="en-US" dirty="0" smtClean="0"/>
+              <a:t>Easy for </a:t>
+            </a:r>
+            <a:r>
+              <a:rPr lang="en-US" dirty="0" smtClean="0"/>
+              <a:t>client use.</a:t>
+            </a:r>
+            <a:endParaRPr lang="en-US" dirty="0" smtClean="0"/>
+          </a:p>
+          <a:p>
+            <a:r>
+              <a:rPr lang="en-US" dirty="0" smtClean="0"/>
+              <a:t>No extra </a:t>
+            </a:r>
+            <a:r>
+              <a:rPr lang="en-US" dirty="0" smtClean="0"/>
+              <a:t>hardware</a:t>
+            </a:r>
+            <a:r>
+              <a:rPr lang="en-US" dirty="0" smtClean="0"/>
+              <a:t>.</a:t>
             </a:r>
           </a:p>
           <a:p>
@@ -8573,8 +7729,27 @@
           <a:p>
             <a:r>
               <a:rPr lang="en-US" dirty="0" smtClean="0"/>
-              <a:t>Non intrusive.</a:t>
-            </a:r>
+              <a:t>Non </a:t>
+            </a:r>
+            <a:r>
+              <a:rPr lang="en-US" dirty="0" smtClean="0"/>
+              <a:t>intrusive</a:t>
+            </a:r>
+          </a:p>
+          <a:p>
+            <a:pPr lvl="1"/>
+            <a:r>
+              <a:rPr lang="en-US" dirty="0" smtClean="0"/>
+              <a:t>Don’t cache other people’s files.</a:t>
+            </a:r>
+          </a:p>
+          <a:p>
+            <a:pPr lvl="1"/>
+            <a:r>
+              <a:rPr lang="en-US" dirty="0" smtClean="0"/>
+              <a:t>Legal.</a:t>
+            </a:r>
+            <a:endParaRPr lang="en-US" dirty="0" smtClean="0"/>
           </a:p>
         </p:txBody>
       </p:sp>
@@ -8659,11 +7834,7 @@
             <a:pPr lvl="1"/>
             <a:r>
               <a:rPr lang="en-US" dirty="0" smtClean="0"/>
-              <a:t>Automatically switch to a Peer-</a:t>
-            </a:r>
-            <a:r>
-              <a:rPr lang="en-US" dirty="0" smtClean="0"/>
-              <a:t>to-Peer download if it becomes slow.</a:t>
+              <a:t>Automatically switch to a Peer-to-Peer download if it becomes slow.</a:t>
             </a:r>
             <a:endParaRPr lang="en-US" dirty="0"/>
           </a:p>
@@ -8970,25 +8141,13 @@
           <a:p>
             <a:r>
               <a:rPr lang="en-US" dirty="0" smtClean="0"/>
-              <a:t>Per block lists</a:t>
-            </a:r>
-            <a:r>
-              <a:rPr lang="en-US" dirty="0" smtClean="0"/>
-              <a:t>.</a:t>
-            </a:r>
-          </a:p>
-          <a:p>
-            <a:r>
-              <a:rPr lang="en-US" dirty="0" smtClean="0"/>
-              <a:t>Last </a:t>
-            </a:r>
-            <a:r>
-              <a:rPr lang="en-US" dirty="0" smtClean="0"/>
-              <a:t>block </a:t>
-            </a:r>
-            <a:r>
-              <a:rPr lang="en-US" dirty="0" smtClean="0"/>
-              <a:t>problem</a:t>
+              <a:t>Per block lists.</a:t>
+            </a:r>
+          </a:p>
+          <a:p>
+            <a:r>
+              <a:rPr lang="en-US" dirty="0" smtClean="0"/>
+              <a:t>Last block problem</a:t>
             </a:r>
           </a:p>
           <a:p>
@@ -8998,7 +8157,7 @@
       </p:sp>
       <p:pic>
         <p:nvPicPr>
-          <p:cNvPr id="4" name="Picture 3" descr="C:\dev\ruby\p2pwebclient\thesis_presentation\algorithm explanation.png"/>
+          <p:cNvPr id="5" name="Picture 4" descr="C:\rdp\dev\p2pwebclient\thesis_presentation\algorithm explanation.png"/>
           <p:cNvPicPr>
             <a:picLocks noChangeAspect="1" noChangeArrowheads="1"/>
           </p:cNvPicPr>
@@ -9013,8 +8172,8 @@
         </p:blipFill>
         <p:spPr bwMode="auto">
           <a:xfrm>
-            <a:off x="4953000" y="4191000"/>
-            <a:ext cx="3982134" cy="2478135"/>
+            <a:off x="4419600" y="4191000"/>
+            <a:ext cx="5127700" cy="2667000"/>
           </a:xfrm>
           <a:prstGeom prst="rect">
             <a:avLst/>
@@ -9114,11 +8273,7 @@
           <a:p>
             <a:r>
               <a:rPr lang="en-US" dirty="0" smtClean="0"/>
-              <a:t>Run until finish</a:t>
-            </a:r>
-            <a:r>
-              <a:rPr lang="en-US" dirty="0" smtClean="0"/>
-              <a:t>.</a:t>
+              <a:t>Run until finish.</a:t>
             </a:r>
           </a:p>
           <a:p>
@@ -9537,6 +8692,40 @@
           </a:ln>
         </p:spPr>
       </p:pic>
+      <p:sp>
+        <p:nvSpPr>
+          <p:cNvPr id="5" name="Content Placeholder 2"/>
+          <p:cNvSpPr>
+            <a:spLocks noGrp="1"/>
+          </p:cNvSpPr>
+          <p:nvPr>
+            <p:ph idx="1"/>
+          </p:nvPr>
+        </p:nvSpPr>
+        <p:spPr>
+          <a:xfrm>
+            <a:off x="457200" y="5181600"/>
+            <a:ext cx="8229600" cy="1249363"/>
+          </a:xfrm>
+        </p:spPr>
+        <p:txBody>
+          <a:bodyPr/>
+          <a:lstStyle/>
+          <a:p>
+            <a:r>
+              <a:rPr lang="en-US" dirty="0" smtClean="0"/>
+              <a:t>99.5% transition because of T.</a:t>
+            </a:r>
+          </a:p>
+          <a:p>
+            <a:r>
+              <a:rPr lang="en-US" dirty="0" smtClean="0"/>
+              <a:t>DHT latency of 5.2 seconds.</a:t>
+            </a:r>
+            <a:endParaRPr lang="en-US" dirty="0" smtClean="0"/>
+          </a:p>
+        </p:txBody>
+      </p:sp>
     </p:spTree>
   </p:cSld>
   <p:clrMapOvr>
@@ -9754,11 +8943,7 @@
           <a:p>
             <a:r>
               <a:rPr lang="en-US" dirty="0" smtClean="0"/>
-              <a:t>Peer </a:t>
-            </a:r>
-            <a:r>
-              <a:rPr lang="en-US" dirty="0" smtClean="0"/>
-              <a:t>count</a:t>
+              <a:t>Peer count</a:t>
             </a:r>
           </a:p>
           <a:p>
@@ -9780,7 +8965,6 @@
               <a:rPr lang="en-US" dirty="0" smtClean="0"/>
               <a:t>. Limit 5, R 128 KB/s, T 1s, W 2s, Linger 20 s.</a:t>
             </a:r>
-            <a:endParaRPr lang="en-US" dirty="0" smtClean="0"/>
           </a:p>
           <a:p>
             <a:endParaRPr lang="en-US" dirty="0"/>
@@ -9973,6 +9157,34 @@
           </a:ln>
         </p:spPr>
       </p:pic>
+      <p:sp>
+        <p:nvSpPr>
+          <p:cNvPr id="5" name="Content Placeholder 2"/>
+          <p:cNvSpPr>
+            <a:spLocks noGrp="1"/>
+          </p:cNvSpPr>
+          <p:nvPr>
+            <p:ph idx="1"/>
+          </p:nvPr>
+        </p:nvSpPr>
+        <p:spPr>
+          <a:xfrm>
+            <a:off x="457200" y="5334000"/>
+            <a:ext cx="8229600" cy="1249363"/>
+          </a:xfrm>
+        </p:spPr>
+        <p:txBody>
+          <a:bodyPr/>
+          <a:lstStyle/>
+          <a:p>
+            <a:r>
+              <a:rPr lang="en-US" dirty="0" smtClean="0"/>
+              <a:t>Lower is more optimal.</a:t>
+            </a:r>
+            <a:endParaRPr lang="en-US" dirty="0" smtClean="0"/>
+          </a:p>
+        </p:txBody>
+      </p:sp>
     </p:spTree>
   </p:cSld>
   <p:clrMapOvr>
@@ -10038,7 +9250,7 @@
         </p:blipFill>
         <p:spPr bwMode="auto">
           <a:xfrm>
-            <a:off x="1142999" y="2133600"/>
+            <a:off x="914400" y="1219200"/>
             <a:ext cx="7030687" cy="4010096"/>
           </a:xfrm>
           <a:prstGeom prst="rect">
@@ -10053,6 +9265,48 @@
           </a:ln>
         </p:spPr>
       </p:pic>
+      <p:sp>
+        <p:nvSpPr>
+          <p:cNvPr id="4" name="Content Placeholder 2"/>
+          <p:cNvSpPr>
+            <a:spLocks noGrp="1"/>
+          </p:cNvSpPr>
+          <p:nvPr>
+            <p:ph idx="1"/>
+          </p:nvPr>
+        </p:nvSpPr>
+        <p:spPr>
+          <a:xfrm>
+            <a:off x="457200" y="5334000"/>
+            <a:ext cx="8229600" cy="1249363"/>
+          </a:xfrm>
+        </p:spPr>
+        <p:txBody>
+          <a:bodyPr>
+            <a:normAutofit fontScale="70000" lnSpcReduction="20000"/>
+          </a:bodyPr>
+          <a:lstStyle/>
+          <a:p>
+            <a:r>
+              <a:rPr lang="en-US" dirty="0" smtClean="0"/>
+              <a:t>Best time was 17 seconds with W at 0.25 seconds.</a:t>
+            </a:r>
+          </a:p>
+          <a:p>
+            <a:r>
+              <a:rPr lang="en-US" dirty="0" smtClean="0"/>
+              <a:t>Rest about 25 seconds.</a:t>
+            </a:r>
+          </a:p>
+          <a:p>
+            <a:r>
+              <a:rPr lang="en-US" dirty="0" smtClean="0"/>
+              <a:t>Lower is better, causes quicker transition, but not much difference.</a:t>
+            </a:r>
+            <a:endParaRPr lang="en-US" dirty="0" smtClean="0"/>
+          </a:p>
+        </p:txBody>
+      </p:sp>
     </p:spTree>
   </p:cSld>
   <p:clrMapOvr>
@@ -10125,7 +9379,7 @@
         </p:blipFill>
         <p:spPr bwMode="auto">
           <a:xfrm>
-            <a:off x="0" y="2590800"/>
+            <a:off x="-85725" y="2438400"/>
             <a:ext cx="9229725" cy="3200400"/>
           </a:xfrm>
           <a:prstGeom prst="rect">
@@ -10167,6 +9421,90 @@
               <a:t>100 KB file, 10 15K files.</a:t>
             </a:r>
             <a:endParaRPr lang="en-US" dirty="0"/>
+          </a:p>
+        </p:txBody>
+      </p:sp>
+      <p:sp>
+        <p:nvSpPr>
+          <p:cNvPr id="6" name="Content Placeholder 2"/>
+          <p:cNvSpPr txBox="1">
+            <a:spLocks/>
+          </p:cNvSpPr>
+          <p:nvPr/>
+        </p:nvSpPr>
+        <p:spPr>
+          <a:xfrm>
+            <a:off x="533400" y="5608637"/>
+            <a:ext cx="8229600" cy="1249363"/>
+          </a:xfrm>
+          <a:prstGeom prst="rect">
+            <a:avLst/>
+          </a:prstGeom>
+        </p:spPr>
+        <p:txBody>
+          <a:bodyPr vert="horz" lIns="91440" tIns="45720" rIns="91440" bIns="45720" rtlCol="0">
+            <a:normAutofit/>
+          </a:bodyPr>
+          <a:lstStyle/>
+          <a:p>
+            <a:pPr marL="342900" marR="0" lvl="0" indent="-342900" algn="l" defTabSz="914400" rtl="0" eaLnBrk="1" fontAlgn="auto" latinLnBrk="0" hangingPunct="1">
+              <a:lnSpc>
+                <a:spcPct val="100000"/>
+              </a:lnSpc>
+              <a:spcBef>
+                <a:spcPct val="20000"/>
+              </a:spcBef>
+              <a:spcAft>
+                <a:spcPts val="0"/>
+              </a:spcAft>
+              <a:buClrTx/>
+              <a:buSzTx/>
+              <a:buFont typeface="Arial" pitchFamily="34" charset="0"/>
+              <a:buChar char="•"/>
+              <a:tabLst/>
+              <a:defRPr/>
+            </a:pPr>
+            <a:r>
+              <a:rPr lang="en-US" sz="3200" dirty="0" smtClean="0"/>
+              <a:t>10 x as much load on the DHT.</a:t>
+            </a:r>
+          </a:p>
+          <a:p>
+            <a:pPr marL="342900" marR="0" lvl="0" indent="-342900" algn="l" defTabSz="914400" rtl="0" eaLnBrk="1" fontAlgn="auto" latinLnBrk="0" hangingPunct="1">
+              <a:lnSpc>
+                <a:spcPct val="100000"/>
+              </a:lnSpc>
+              <a:spcBef>
+                <a:spcPct val="20000"/>
+              </a:spcBef>
+              <a:spcAft>
+                <a:spcPts val="0"/>
+              </a:spcAft>
+              <a:buClrTx/>
+              <a:buSzTx/>
+              <a:buFont typeface="Arial" pitchFamily="34" charset="0"/>
+              <a:buChar char="•"/>
+              <a:tabLst/>
+              <a:defRPr/>
+            </a:pPr>
+            <a:r>
+              <a:rPr lang="en-US" sz="3200" dirty="0" smtClean="0"/>
+              <a:t>Linger time was set to 20 seconds.</a:t>
+            </a:r>
+            <a:endParaRPr kumimoji="0" lang="en-US" sz="3200" b="0" i="0" u="none" strike="noStrike" kern="1200" cap="none" spc="0" normalizeH="0" baseline="0" noProof="0" dirty="0" smtClean="0">
+              <a:ln>
+                <a:noFill/>
+              </a:ln>
+              <a:solidFill>
+                <a:schemeClr val="tx1"/>
+              </a:solidFill>
+              <a:effectLst/>
+              <a:uLnTx/>
+              <a:uFillTx/>
+              <a:latin typeface="+mn-lt"/>
+              <a:ea typeface="+mn-ea"/>
+              <a:cs typeface="+mn-cs"/>
+            </a:endParaRPr>
           </a:p>
         </p:txBody>
       </p:sp>
@@ -10219,7 +9557,11 @@
           <a:p>
             <a:r>
               <a:rPr lang="en-US" dirty="0" smtClean="0"/>
-              <a:t>Versus Client-Server</a:t>
+              <a:t>Multiple Files Versus </a:t>
+            </a:r>
+            <a:r>
+              <a:rPr lang="en-US" dirty="0" smtClean="0"/>
+              <a:t>Client-Server</a:t>
             </a:r>
             <a:endParaRPr lang="en-US" dirty="0"/>
           </a:p>
@@ -10244,7 +9586,7 @@
         </p:blipFill>
         <p:spPr bwMode="auto">
           <a:xfrm>
-            <a:off x="2109787" y="2463006"/>
+            <a:off x="1905000" y="2514600"/>
             <a:ext cx="4924425" cy="2800350"/>
           </a:xfrm>
           <a:prstGeom prst="rect">
@@ -10346,6 +9688,120 @@
           </a:ln>
         </p:spPr>
       </p:pic>
+      <p:sp>
+        <p:nvSpPr>
+          <p:cNvPr id="4" name="Content Placeholder 2"/>
+          <p:cNvSpPr txBox="1">
+            <a:spLocks/>
+          </p:cNvSpPr>
+          <p:nvPr/>
+        </p:nvSpPr>
+        <p:spPr>
+          <a:xfrm>
+            <a:off x="533400" y="5608637"/>
+            <a:ext cx="8229600" cy="1249363"/>
+          </a:xfrm>
+          <a:prstGeom prst="rect">
+            <a:avLst/>
+          </a:prstGeom>
+        </p:spPr>
+        <p:txBody>
+          <a:bodyPr vert="horz" lIns="91440" tIns="45720" rIns="91440" bIns="45720" rtlCol="0">
+            <a:normAutofit fontScale="92500"/>
+          </a:bodyPr>
+          <a:lstStyle/>
+          <a:p>
+            <a:pPr marL="342900" marR="0" lvl="0" indent="-342900" algn="l" defTabSz="914400" rtl="0" eaLnBrk="1" fontAlgn="auto" latinLnBrk="0" hangingPunct="1">
+              <a:lnSpc>
+                <a:spcPct val="100000"/>
+              </a:lnSpc>
+              <a:spcBef>
+                <a:spcPct val="20000"/>
+              </a:spcBef>
+              <a:spcAft>
+                <a:spcPts val="0"/>
+              </a:spcAft>
+              <a:buClrTx/>
+              <a:buSzTx/>
+              <a:buFont typeface="Arial" pitchFamily="34" charset="0"/>
+              <a:buChar char="•"/>
+              <a:tabLst/>
+              <a:defRPr/>
+            </a:pPr>
+            <a:r>
+              <a:rPr lang="en-US" sz="3200" dirty="0" smtClean="0"/>
+              <a:t>10.6 seconds for 32 KB blocks.</a:t>
+            </a:r>
+          </a:p>
+          <a:p>
+            <a:pPr marL="342900" marR="0" lvl="0" indent="-342900" algn="l" defTabSz="914400" rtl="0" eaLnBrk="1" fontAlgn="auto" latinLnBrk="0" hangingPunct="1">
+              <a:lnSpc>
+                <a:spcPct val="100000"/>
+              </a:lnSpc>
+              <a:spcBef>
+                <a:spcPct val="20000"/>
+              </a:spcBef>
+              <a:spcAft>
+                <a:spcPts val="0"/>
+              </a:spcAft>
+              <a:buClrTx/>
+              <a:buSzTx/>
+              <a:buFont typeface="Arial" pitchFamily="34" charset="0"/>
+              <a:buChar char="•"/>
+              <a:tabLst/>
+              <a:defRPr/>
+            </a:pPr>
+            <a:r>
+              <a:rPr kumimoji="0" lang="en-US" sz="3200" b="0" i="0" u="none" strike="noStrike" kern="1200" cap="none" spc="0" normalizeH="0" baseline="0" noProof="0" dirty="0" smtClean="0">
+                <a:ln>
+                  <a:noFill/>
+                </a:ln>
+                <a:solidFill>
+                  <a:schemeClr val="tx1"/>
+                </a:solidFill>
+                <a:effectLst/>
+                <a:uLnTx/>
+                <a:uFillTx/>
+                <a:latin typeface="+mn-lt"/>
+                <a:ea typeface="+mn-ea"/>
+                <a:cs typeface="+mn-cs"/>
+              </a:rPr>
+              <a:t>Connection limit was 5,</a:t>
+            </a:r>
+            <a:r>
+              <a:rPr kumimoji="0" lang="en-US" sz="3200" b="0" i="0" u="none" strike="noStrike" kern="1200" cap="none" spc="0" normalizeH="0" noProof="0" dirty="0" smtClean="0">
+                <a:ln>
+                  <a:noFill/>
+                </a:ln>
+                <a:solidFill>
+                  <a:schemeClr val="tx1"/>
+                </a:solidFill>
+                <a:effectLst/>
+                <a:uLnTx/>
+                <a:uFillTx/>
+                <a:latin typeface="+mn-lt"/>
+                <a:ea typeface="+mn-ea"/>
+                <a:cs typeface="+mn-cs"/>
+              </a:rPr>
+              <a:t> so all blocks in parallel.</a:t>
+            </a:r>
+            <a:endParaRPr kumimoji="0" lang="en-US" sz="3200" b="0" i="0" u="none" strike="noStrike" kern="1200" cap="none" spc="0" normalizeH="0" baseline="0" noProof="0" dirty="0" smtClean="0">
+              <a:ln>
+                <a:noFill/>
+              </a:ln>
+              <a:solidFill>
+                <a:schemeClr val="tx1"/>
+              </a:solidFill>
+              <a:effectLst/>
+              <a:uLnTx/>
+              <a:uFillTx/>
+              <a:latin typeface="+mn-lt"/>
+              <a:ea typeface="+mn-ea"/>
+              <a:cs typeface="+mn-cs"/>
+            </a:endParaRPr>
+          </a:p>
+        </p:txBody>
+      </p:sp>
     </p:spTree>
   </p:cSld>
   <p:clrMapOvr>
@@ -10592,12 +10048,20 @@
             <p:ph idx="1"/>
           </p:nvPr>
         </p:nvSpPr>
-        <p:spPr/>
-        <p:txBody>
-          <a:bodyPr/>
-          <a:lstStyle/>
-          <a:p>
-            <a:endParaRPr lang="en-US" dirty="0"/>
+        <p:spPr>
+          <a:xfrm>
+            <a:off x="457200" y="4724400"/>
+            <a:ext cx="8229600" cy="1401763"/>
+          </a:xfrm>
+        </p:spPr>
+        <p:txBody>
+          <a:bodyPr/>
+          <a:lstStyle/>
+          <a:p>
+            <a:r>
+              <a:rPr lang="en-US" dirty="0" smtClean="0"/>
+              <a:t>30 MB file.</a:t>
+            </a:r>
           </a:p>
         </p:txBody>
       </p:sp>
@@ -10618,7 +10082,7 @@
         </p:blipFill>
         <p:spPr bwMode="auto">
           <a:xfrm>
-            <a:off x="2209800" y="2590800"/>
+            <a:off x="2286000" y="1600200"/>
             <a:ext cx="4467225" cy="2952750"/>
           </a:xfrm>
           <a:prstGeom prst="rect">
@@ -10700,7 +10164,7 @@
         </p:blipFill>
         <p:spPr bwMode="auto">
           <a:xfrm>
-            <a:off x="1676400" y="1295400"/>
+            <a:off x="1676400" y="1066800"/>
             <a:ext cx="5734050" cy="2495550"/>
           </a:xfrm>
           <a:prstGeom prst="rect">
@@ -10715,9 +10179,100 @@
           </a:ln>
         </p:spPr>
       </p:pic>
+      <p:sp>
+        <p:nvSpPr>
+          <p:cNvPr id="5" name="Content Placeholder 2"/>
+          <p:cNvSpPr txBox="1">
+            <a:spLocks/>
+          </p:cNvSpPr>
+          <p:nvPr/>
+        </p:nvSpPr>
+        <p:spPr>
+          <a:xfrm>
+            <a:off x="457200" y="6157118"/>
+            <a:ext cx="8229600" cy="1401763"/>
+          </a:xfrm>
+          <a:prstGeom prst="rect">
+            <a:avLst/>
+          </a:prstGeom>
+        </p:spPr>
+        <p:txBody>
+          <a:bodyPr vert="horz" lIns="91440" tIns="45720" rIns="91440" bIns="45720" rtlCol="0">
+            <a:normAutofit/>
+          </a:bodyPr>
+          <a:lstStyle/>
+          <a:p>
+            <a:pPr marL="342900" marR="0" lvl="0" indent="-342900" algn="l" defTabSz="914400" rtl="0" eaLnBrk="1" fontAlgn="auto" latinLnBrk="0" hangingPunct="1">
+              <a:lnSpc>
+                <a:spcPct val="100000"/>
+              </a:lnSpc>
+              <a:spcBef>
+                <a:spcPct val="20000"/>
+              </a:spcBef>
+              <a:spcAft>
+                <a:spcPts val="0"/>
+              </a:spcAft>
+              <a:buClrTx/>
+              <a:buSzTx/>
+              <a:buFont typeface="Arial" pitchFamily="34" charset="0"/>
+              <a:buChar char="•"/>
+              <a:tabLst/>
+              <a:defRPr/>
+            </a:pPr>
+            <a:r>
+              <a:rPr kumimoji="0" lang="en-US" sz="3200" b="0" i="0" u="none" strike="noStrike" kern="1200" cap="none" spc="0" normalizeH="0" baseline="0" noProof="0" dirty="0" smtClean="0">
+                <a:ln>
+                  <a:noFill/>
+                </a:ln>
+                <a:solidFill>
+                  <a:schemeClr val="tx1"/>
+                </a:solidFill>
+                <a:effectLst/>
+                <a:uLnTx/>
+                <a:uFillTx/>
+                <a:latin typeface="+mn-lt"/>
+                <a:ea typeface="+mn-ea"/>
+                <a:cs typeface="+mn-cs"/>
+              </a:rPr>
+              <a:t>Fast once it gets started</a:t>
+            </a:r>
+            <a:r>
+              <a:rPr kumimoji="0" lang="en-US" sz="3200" b="0" i="0" u="none" strike="noStrike" kern="1200" cap="none" spc="0" normalizeH="0" noProof="0" dirty="0" smtClean="0">
+                <a:ln>
+                  <a:noFill/>
+                </a:ln>
+                <a:solidFill>
+                  <a:schemeClr val="tx1"/>
+                </a:solidFill>
+                <a:effectLst/>
+                <a:uLnTx/>
+                <a:uFillTx/>
+                <a:latin typeface="+mn-lt"/>
+                <a:ea typeface="+mn-ea"/>
+                <a:cs typeface="+mn-cs"/>
+              </a:rPr>
+              <a:t> for both.</a:t>
+            </a:r>
+            <a:endParaRPr kumimoji="0" lang="en-US" sz="3200" b="0" i="0" u="none" strike="noStrike" kern="1200" cap="none" spc="0" normalizeH="0" baseline="0" noProof="0" dirty="0" smtClean="0">
+              <a:ln>
+                <a:noFill/>
+              </a:ln>
+              <a:solidFill>
+                <a:schemeClr val="tx1"/>
+              </a:solidFill>
+              <a:effectLst/>
+              <a:uLnTx/>
+              <a:uFillTx/>
+              <a:latin typeface="+mn-lt"/>
+              <a:ea typeface="+mn-ea"/>
+              <a:cs typeface="+mn-cs"/>
+            </a:endParaRPr>
+          </a:p>
+        </p:txBody>
+      </p:sp>
       <p:pic>
         <p:nvPicPr>
-          <p:cNvPr id="14339" name="Picture 3"/>
+          <p:cNvPr id="6" name="Content Placeholder 3"/>
           <p:cNvPicPr>
             <a:picLocks noChangeAspect="1" noChangeArrowheads="1"/>
           </p:cNvPicPr>
@@ -10732,7 +10287,7 @@
         </p:blipFill>
         <p:spPr bwMode="auto">
           <a:xfrm>
-            <a:off x="2057400" y="3810000"/>
+            <a:off x="2133600" y="3429000"/>
             <a:ext cx="4876800" cy="2543175"/>
           </a:xfrm>
           <a:prstGeom prst="rect">
@@ -10784,16 +10339,26 @@
         </p:nvSpPr>
         <p:spPr/>
         <p:txBody>
-          <a:bodyPr/>
+          <a:bodyPr>
+            <a:normAutofit fontScale="90000"/>
+          </a:bodyPr>
           <a:lstStyle/>
           <a:p>
             <a:r>
               <a:rPr lang="en-US" dirty="0" err="1" smtClean="0"/>
-              <a:t>BitTorrent</a:t>
-            </a:r>
-            <a:r>
-              <a:rPr lang="en-US" dirty="0" smtClean="0"/>
-              <a:t> Large File optimizations</a:t>
+              <a:t>BitTorrent’s</a:t>
+            </a:r>
+            <a:r>
+              <a:rPr lang="en-US" dirty="0" smtClean="0"/>
+              <a:t> </a:t>
+            </a:r>
+            <a:r>
+              <a:rPr lang="en-US" dirty="0" smtClean="0"/>
+              <a:t>Large File </a:t>
+            </a:r>
+            <a:r>
+              <a:rPr lang="en-US" dirty="0" smtClean="0"/>
+              <a:t>Optimizations</a:t>
             </a:r>
             <a:endParaRPr lang="en-US" dirty="0"/>
           </a:p>
@@ -10822,7 +10387,11 @@
           <a:p>
             <a:r>
               <a:rPr lang="en-US" dirty="0" smtClean="0"/>
-              <a:t>Favor stronger connections.</a:t>
+              <a:t>Favors </a:t>
+            </a:r>
+            <a:r>
+              <a:rPr lang="en-US" dirty="0" smtClean="0"/>
+              <a:t>stronger connections.</a:t>
             </a:r>
           </a:p>
           <a:p>
@@ -10907,15 +10476,7 @@
           <a:p>
             <a:r>
               <a:rPr lang="en-US" dirty="0" smtClean="0"/>
-              <a:t>Best </a:t>
-            </a:r>
-            <a:r>
-              <a:rPr lang="en-US" dirty="0" smtClean="0"/>
-              <a:t>settings</a:t>
-            </a:r>
-            <a:r>
-              <a:rPr lang="en-US" dirty="0" smtClean="0"/>
-              <a:t>.</a:t>
+              <a:t>Best settings.</a:t>
             </a:r>
           </a:p>
           <a:p>
@@ -10952,7 +10513,6 @@
               <a:rPr lang="en-US" dirty="0" smtClean="0"/>
               <a:t>Linger: 16 s</a:t>
             </a:r>
-            <a:endParaRPr lang="en-US" dirty="0" smtClean="0"/>
           </a:p>
           <a:p>
             <a:r>
@@ -11185,11 +10745,7 @@
             <a:pPr lvl="1"/>
             <a:r>
               <a:rPr lang="en-US" strike="sngStrike" dirty="0" smtClean="0"/>
-              <a:t>Extra </a:t>
-            </a:r>
-            <a:r>
-              <a:rPr lang="en-US" strike="sngStrike" dirty="0" smtClean="0"/>
-              <a:t>setup/time per file.</a:t>
+              <a:t>Extra setup/time per file.</a:t>
             </a:r>
           </a:p>
           <a:p>
@@ -11198,7 +10754,6 @@
               <a:rPr lang="en-US" strike="sngStrike" dirty="0" smtClean="0"/>
               <a:t>Small files</a:t>
             </a:r>
-            <a:endParaRPr lang="en-US" strike="sngStrike" dirty="0" smtClean="0"/>
           </a:p>
           <a:p>
             <a:pPr lvl="1"/>
@@ -11225,12 +10780,17 @@
               <a:rPr lang="en-US" strike="sngStrike" dirty="0" smtClean="0"/>
               <a:t>Manual.</a:t>
             </a:r>
+            <a:endParaRPr lang="en-US" strike="sngStrike" dirty="0" smtClean="0"/>
           </a:p>
           <a:p>
             <a:pPr lvl="2"/>
             <a:r>
               <a:rPr lang="en-US" strike="sngStrike" dirty="0" smtClean="0"/>
-              <a:t>Not HTTP optimized.</a:t>
+              <a:t>Not </a:t>
+            </a:r>
+            <a:r>
+              <a:rPr lang="en-US" strike="sngStrike" dirty="0" smtClean="0"/>
+              <a:t>HTTP optimized.</a:t>
             </a:r>
           </a:p>
           <a:p>
@@ -11246,34 +10806,20 @@
               <a:rPr lang="en-US" strike="sngStrike" dirty="0" smtClean="0"/>
               <a:t>Duplicate</a:t>
             </a:r>
-            <a:endParaRPr lang="en-US" strike="sngStrike" dirty="0" smtClean="0"/>
           </a:p>
           <a:p>
             <a:pPr lvl="2"/>
             <a:r>
               <a:rPr lang="en-US" strike="sngStrike" dirty="0" smtClean="0"/>
-              <a:t>Costs </a:t>
-            </a:r>
+              <a:t>Costs time</a:t>
+            </a:r>
+          </a:p>
+          <a:p>
+            <a:pPr lvl="1"/>
             <a:r>
               <a:rPr lang="en-US" strike="sngStrike" dirty="0" smtClean="0"/>
-              <a:t>time</a:t>
-            </a:r>
-          </a:p>
-          <a:p>
-            <a:pPr lvl="1"/>
-            <a:r>
-              <a:rPr lang="en-US" strike="sngStrike" dirty="0" smtClean="0"/>
-              <a:t>Not </a:t>
-            </a:r>
-            <a:r>
-              <a:rPr lang="en-US" strike="sngStrike" dirty="0" smtClean="0"/>
-              <a:t>available</a:t>
-            </a:r>
-            <a:r>
-              <a:rPr lang="en-US" strike="sngStrike" dirty="0" smtClean="0"/>
-              <a:t>.</a:t>
-            </a:r>
-            <a:endParaRPr lang="en-US" strike="sngStrike" dirty="0" smtClean="0"/>
+              <a:t>Not available.</a:t>
+            </a:r>
           </a:p>
         </p:txBody>
       </p:sp>
@@ -11330,11 +10876,7 @@
             </a:r>
             <a:r>
               <a:rPr lang="en-US" dirty="0" smtClean="0"/>
-              <a:t> </a:t>
-            </a:r>
-            <a:r>
-              <a:rPr lang="en-US" dirty="0" smtClean="0"/>
-              <a:t>can Fail</a:t>
+              <a:t> can Fail</a:t>
             </a:r>
             <a:endParaRPr lang="en-US" dirty="0"/>
           </a:p>
@@ -11389,7 +10931,6 @@
               <a:rPr lang="en-US" strike="sngStrike" dirty="0" smtClean="0"/>
               <a:t>Clients aren’t configured to use HTTP.</a:t>
             </a:r>
-            <a:endParaRPr lang="en-US" strike="sngStrike" dirty="0" smtClean="0"/>
           </a:p>
         </p:txBody>
       </p:sp>
@@ -11497,14 +11038,24 @@
           <a:p>
             <a:r>
               <a:rPr lang="en-US" dirty="0" smtClean="0"/>
-              <a:t>Work for any file on any server.</a:t>
-            </a:r>
-          </a:p>
-          <a:p>
-            <a:r>
-              <a:rPr lang="en-US" dirty="0" smtClean="0"/>
-              <a:t>Easy for clients.</a:t>
-            </a:r>
+              <a:t>Work for any file on any </a:t>
+            </a:r>
+            <a:r>
+              <a:rPr lang="en-US" dirty="0" smtClean="0"/>
+              <a:t>server without configuration.</a:t>
+            </a:r>
+            <a:endParaRPr lang="en-US" dirty="0" smtClean="0"/>
+          </a:p>
+          <a:p>
+            <a:r>
+              <a:rPr lang="en-US" dirty="0" smtClean="0"/>
+              <a:t>Easy for </a:t>
+            </a:r>
+            <a:r>
+              <a:rPr lang="en-US" dirty="0" smtClean="0"/>
+              <a:t>client use.</a:t>
+            </a:r>
+            <a:endParaRPr lang="en-US" dirty="0" smtClean="0"/>
           </a:p>
           <a:p>
             <a:r>
@@ -11597,16 +11148,52 @@
             </a:r>
             <a:r>
               <a:rPr lang="en-US" dirty="0" smtClean="0"/>
-              <a:t>s</a:t>
-            </a:r>
-            <a:r>
-              <a:rPr lang="en-US" dirty="0" smtClean="0"/>
-              <a:t>warming </a:t>
-            </a:r>
-            <a:r>
-              <a:rPr lang="en-US" dirty="0" smtClean="0"/>
-              <a:t>more usable/adoptable.</a:t>
-            </a:r>
+              <a:t>swarming more usable/adoptable</a:t>
+            </a:r>
+            <a:r>
+              <a:rPr lang="en-US" dirty="0" smtClean="0"/>
+              <a:t>.</a:t>
+            </a:r>
+          </a:p>
+          <a:p>
+            <a:pPr lvl="1"/>
+            <a:r>
+              <a:rPr lang="en-US" dirty="0" smtClean="0"/>
+              <a:t>Shown it is possible.</a:t>
+            </a:r>
+          </a:p>
+          <a:p>
+            <a:r>
+              <a:rPr lang="en-US" dirty="0" smtClean="0"/>
+              <a:t>Where immediately effective:</a:t>
+            </a:r>
+          </a:p>
+          <a:p>
+            <a:pPr lvl="1"/>
+            <a:r>
+              <a:rPr lang="en-US" dirty="0" smtClean="0"/>
+              <a:t>Low bandwidth server.</a:t>
+            </a:r>
+          </a:p>
+          <a:p>
+            <a:pPr lvl="1"/>
+            <a:r>
+              <a:rPr lang="en-US" dirty="0" smtClean="0"/>
+              <a:t>Larger files.</a:t>
+            </a:r>
+          </a:p>
+          <a:p>
+            <a:pPr lvl="1"/>
+            <a:r>
+              <a:rPr lang="en-US" dirty="0" smtClean="0"/>
+              <a:t>Small files on a server that is hit with a flash crowd.</a:t>
+            </a:r>
+          </a:p>
+          <a:p>
+            <a:pPr lvl="1">
+              <a:buNone/>
+            </a:pPr>
+            <a:endParaRPr lang="en-US" dirty="0" smtClean="0"/>
           </a:p>
         </p:txBody>
       </p:sp>
@@ -11802,8 +11389,13 @@
           <a:p>
             <a:r>
               <a:rPr lang="en-US" dirty="0" smtClean="0"/>
-              <a:t>Back off the origin.</a:t>
-            </a:r>
+              <a:t>Back off the </a:t>
+            </a:r>
+            <a:r>
+              <a:rPr lang="en-US" dirty="0" smtClean="0"/>
+              <a:t>origin (optimize for large files).</a:t>
+            </a:r>
+            <a:endParaRPr lang="en-US" dirty="0" smtClean="0"/>
           </a:p>
           <a:p>
             <a:r>
@@ -11814,7 +11406,11 @@
           <a:p>
             <a:r>
               <a:rPr lang="en-US" dirty="0" smtClean="0"/>
-              <a:t>Differentiate better for static/non-static.</a:t>
+              <a:t>Differentiate better for static/non-static</a:t>
+            </a:r>
+            <a:r>
+              <a:rPr lang="en-US" dirty="0" smtClean="0"/>
+              <a:t>.</a:t>
             </a:r>
           </a:p>
           <a:p>
@@ -11826,7 +11422,15 @@
           <a:p>
             <a:r>
               <a:rPr lang="en-US" dirty="0" smtClean="0"/>
-              <a:t>Dynamic parameters.</a:t>
+              <a:t>Dynamic </a:t>
+            </a:r>
+            <a:r>
+              <a:rPr lang="en-US" dirty="0" smtClean="0"/>
+              <a:t>selection of parameters</a:t>
+            </a:r>
+            <a:r>
+              <a:rPr lang="en-US" dirty="0" smtClean="0"/>
+              <a:t>.</a:t>
             </a:r>
           </a:p>
           <a:p>
@@ -11834,15 +11438,12 @@
               <a:rPr lang="en-US" dirty="0" smtClean="0"/>
               <a:t>Incentives.</a:t>
             </a:r>
-          </a:p>
-          <a:p>
-            <a:r>
-              <a:rPr lang="en-US" dirty="0" smtClean="0"/>
-              <a:t>Privacy</a:t>
-            </a:r>
-            <a:r>
-              <a:rPr lang="en-US" dirty="0" smtClean="0"/>
-              <a:t>.</a:t>
+            <a:endParaRPr lang="en-US" dirty="0" smtClean="0"/>
+          </a:p>
+          <a:p>
+            <a:r>
+              <a:rPr lang="en-US" dirty="0" smtClean="0"/>
+              <a:t>Privacy.</a:t>
             </a:r>
           </a:p>
           <a:p>
@@ -12098,11 +11699,7 @@
             <a:pPr lvl="1"/>
             <a:r>
               <a:rPr lang="en-US" dirty="0" smtClean="0"/>
-              <a:t>Wasted </a:t>
-            </a:r>
-            <a:r>
-              <a:rPr lang="en-US" dirty="0" smtClean="0"/>
-              <a:t>bandwidth</a:t>
+              <a:t>Wasted bandwidth</a:t>
             </a:r>
           </a:p>
           <a:p>
@@ -12113,7 +11710,6 @@
               <a:rPr lang="en-US" dirty="0" smtClean="0"/>
               <a:t>	</a:t>
             </a:r>
-            <a:endParaRPr lang="en-US" dirty="0" smtClean="0"/>
           </a:p>
           <a:p>
             <a:pPr lvl="1">
@@ -12212,17 +11808,13 @@
           <a:p>
             <a:r>
               <a:rPr lang="en-US" dirty="0" smtClean="0"/>
-              <a:t>Hit reload</a:t>
-            </a:r>
-            <a:r>
-              <a:rPr lang="en-US" dirty="0" smtClean="0"/>
-              <a:t>.</a:t>
-            </a:r>
-          </a:p>
-          <a:p>
-            <a:r>
-              <a:rPr lang="en-US" dirty="0" smtClean="0"/>
-              <a:t>Wait.</a:t>
+              <a:t>Hit reload.</a:t>
+            </a:r>
+          </a:p>
+          <a:p>
+            <a:r>
+              <a:rPr lang="en-US" dirty="0" smtClean="0"/>
+              <a:t>Wait around.</a:t>
             </a:r>
             <a:endParaRPr lang="en-US" dirty="0" smtClean="0"/>
           </a:p>
@@ -12241,11 +11833,7 @@
           <a:p>
             <a:r>
               <a:rPr lang="en-US" dirty="0" smtClean="0"/>
-              <a:t>Add a local </a:t>
-            </a:r>
-            <a:r>
-              <a:rPr lang="en-US" dirty="0" smtClean="0"/>
-              <a:t>caching proxy.</a:t>
+              <a:t>Add a local caching proxy.</a:t>
             </a:r>
           </a:p>
           <a:p>
@@ -12253,24 +11841,11 @@
               <a:rPr lang="en-US" dirty="0" smtClean="0"/>
               <a:t>Add local bandwidth.</a:t>
             </a:r>
-            <a:endParaRPr lang="en-US" dirty="0" smtClean="0"/>
-          </a:p>
-          <a:p>
-            <a:r>
-              <a:rPr lang="en-US" dirty="0" smtClean="0"/>
-              <a:t>Beg </a:t>
-            </a:r>
-            <a:r>
-              <a:rPr lang="en-US" dirty="0" smtClean="0"/>
-              <a:t>the </a:t>
-            </a:r>
-            <a:r>
-              <a:rPr lang="en-US" dirty="0" smtClean="0"/>
-              <a:t>server to change how they serve the file</a:t>
-            </a:r>
-            <a:r>
-              <a:rPr lang="en-US" dirty="0" smtClean="0"/>
-              <a:t>.</a:t>
+          </a:p>
+          <a:p>
+            <a:r>
+              <a:rPr lang="en-US" dirty="0" smtClean="0"/>
+              <a:t>Beg the server to change how they serve the file.</a:t>
             </a:r>
           </a:p>
           <a:p>
@@ -12407,11 +11982,7 @@
           <a:p>
             <a:r>
               <a:rPr lang="en-US" dirty="0" smtClean="0"/>
-              <a:t>Move</a:t>
-            </a:r>
-            <a:r>
-              <a:rPr lang="en-US" dirty="0" smtClean="0"/>
-              <a:t>.</a:t>
+              <a:t>Move.</a:t>
             </a:r>
           </a:p>
           <a:p>
@@ -12426,7 +11997,6 @@
               <a:rPr lang="en-US" dirty="0" smtClean="0"/>
               <a:t>Popular</a:t>
             </a:r>
-            <a:endParaRPr lang="en-US" dirty="0" smtClean="0"/>
           </a:p>
           <a:p>
             <a:r>
@@ -12518,6 +12088,125 @@
           </a:ln>
         </p:spPr>
       </p:pic>
+      <p:sp>
+        <p:nvSpPr>
+          <p:cNvPr id="6" name="Content Placeholder 2"/>
+          <p:cNvSpPr txBox="1">
+            <a:spLocks/>
+          </p:cNvSpPr>
+          <p:nvPr/>
+        </p:nvSpPr>
+        <p:spPr>
+          <a:xfrm>
+            <a:off x="457200" y="4495800"/>
+            <a:ext cx="8229600" cy="1630363"/>
+          </a:xfrm>
+          <a:prstGeom prst="rect">
+            <a:avLst/>
+          </a:prstGeom>
+        </p:spPr>
+        <p:txBody>
+          <a:bodyPr vert="horz" lIns="91440" tIns="45720" rIns="91440" bIns="45720" rtlCol="0">
+            <a:normAutofit lnSpcReduction="10000"/>
+          </a:bodyPr>
+          <a:lstStyle/>
+          <a:p>
+            <a:pPr marL="342900" marR="0" lvl="0" indent="-342900" algn="l" defTabSz="914400" rtl="0" eaLnBrk="1" fontAlgn="auto" latinLnBrk="0" hangingPunct="1">
+              <a:lnSpc>
+                <a:spcPct val="100000"/>
+              </a:lnSpc>
+              <a:spcBef>
+                <a:spcPct val="20000"/>
+              </a:spcBef>
+              <a:spcAft>
+                <a:spcPts val="0"/>
+              </a:spcAft>
+              <a:buClrTx/>
+              <a:buSzTx/>
+              <a:buFont typeface="Arial" pitchFamily="34" charset="0"/>
+              <a:buChar char="•"/>
+              <a:tabLst/>
+              <a:defRPr/>
+            </a:pPr>
+            <a:r>
+              <a:rPr kumimoji="0" lang="en-US" sz="3200" b="0" i="0" u="none" strike="noStrike" kern="1200" cap="none" spc="0" normalizeH="0" baseline="0" noProof="0" dirty="0" smtClean="0">
+                <a:ln>
+                  <a:noFill/>
+                </a:ln>
+                <a:solidFill>
+                  <a:schemeClr val="tx1"/>
+                </a:solidFill>
+                <a:effectLst/>
+                <a:uLnTx/>
+                <a:uFillTx/>
+                <a:latin typeface="+mn-lt"/>
+                <a:ea typeface="+mn-ea"/>
+                <a:cs typeface="+mn-cs"/>
+              </a:rPr>
+              <a:t>Overloaded.</a:t>
+            </a:r>
+          </a:p>
+          <a:p>
+            <a:pPr marL="342900" marR="0" lvl="0" indent="-342900" algn="l" defTabSz="914400" rtl="0" eaLnBrk="1" fontAlgn="auto" latinLnBrk="0" hangingPunct="1">
+              <a:lnSpc>
+                <a:spcPct val="100000"/>
+              </a:lnSpc>
+              <a:spcBef>
+                <a:spcPct val="20000"/>
+              </a:spcBef>
+              <a:spcAft>
+                <a:spcPts val="0"/>
+              </a:spcAft>
+              <a:buClrTx/>
+              <a:buSzTx/>
+              <a:buFont typeface="Arial" pitchFamily="34" charset="0"/>
+              <a:buChar char="•"/>
+              <a:tabLst/>
+              <a:defRPr/>
+            </a:pPr>
+            <a:r>
+              <a:rPr lang="en-US" sz="3200" dirty="0" smtClean="0"/>
+              <a:t>Not close enough.</a:t>
+            </a:r>
+          </a:p>
+          <a:p>
+            <a:pPr marL="342900" marR="0" lvl="0" indent="-342900" algn="l" defTabSz="914400" rtl="0" eaLnBrk="1" fontAlgn="auto" latinLnBrk="0" hangingPunct="1">
+              <a:lnSpc>
+                <a:spcPct val="100000"/>
+              </a:lnSpc>
+              <a:spcBef>
+                <a:spcPct val="20000"/>
+              </a:spcBef>
+              <a:spcAft>
+                <a:spcPts val="0"/>
+              </a:spcAft>
+              <a:buClrTx/>
+              <a:buSzTx/>
+              <a:buFont typeface="Arial" pitchFamily="34" charset="0"/>
+              <a:buChar char="•"/>
+              <a:tabLst/>
+              <a:defRPr/>
+            </a:pPr>
+            <a:r>
+              <a:rPr kumimoji="0" lang="en-US" sz="3200" b="0" i="0" u="none" strike="noStrike" kern="1200" cap="none" spc="0" normalizeH="0" baseline="0" noProof="0" dirty="0" smtClean="0">
+                <a:ln>
+                  <a:noFill/>
+                </a:ln>
+                <a:solidFill>
+                  <a:schemeClr val="tx1"/>
+                </a:solidFill>
+                <a:effectLst/>
+                <a:uLnTx/>
+                <a:uFillTx/>
+                <a:latin typeface="+mn-lt"/>
+                <a:ea typeface="+mn-ea"/>
+                <a:cs typeface="+mn-cs"/>
+              </a:rPr>
+              <a:t>Expensive.</a:t>
+            </a:r>
+          </a:p>
+        </p:txBody>
+      </p:sp>
     </p:spTree>
   </p:cSld>
   <p:clrMapOvr>
@@ -12613,22 +12302,22 @@
             <a:pPr lvl="1"/>
             <a:r>
               <a:rPr lang="en-US" dirty="0" smtClean="0"/>
-              <a:t>Create </a:t>
-            </a:r>
-            <a:r>
-              <a:rPr lang="en-US" dirty="0" smtClean="0"/>
-              <a:t>tracker.</a:t>
+              <a:t>Run a tracker</a:t>
+            </a:r>
+            <a:r>
+              <a:rPr lang="en-US" dirty="0" smtClean="0"/>
+              <a:t>.</a:t>
             </a:r>
           </a:p>
           <a:p>
             <a:pPr lvl="1"/>
             <a:r>
               <a:rPr lang="en-US" dirty="0" smtClean="0"/>
-              <a:t>Peers download and </a:t>
-            </a:r>
-            <a:r>
-              <a:rPr lang="en-US" dirty="0" smtClean="0"/>
-              <a:t>share blocks (efficient).</a:t>
+              <a:t>Peers download and share blocks (</a:t>
+            </a:r>
+            <a:r>
+              <a:rPr lang="en-US" dirty="0" smtClean="0"/>
+              <a:t>efficiently).</a:t>
             </a:r>
             <a:endParaRPr lang="en-US" dirty="0" smtClean="0"/>
           </a:p>
@@ -12636,13 +12325,8 @@
             <a:pPr lvl="1"/>
             <a:r>
               <a:rPr lang="en-US" dirty="0" smtClean="0"/>
-              <a:t>Works well </a:t>
-            </a:r>
-            <a:r>
-              <a:rPr lang="en-US" dirty="0" smtClean="0"/>
-              <a:t>for large popular files.</a:t>
-            </a:r>
-            <a:endParaRPr lang="en-US" dirty="0" smtClean="0"/>
+              <a:t>Works well for large popular files.</a:t>
+            </a:r>
           </a:p>
         </p:txBody>
       </p:sp>
@@ -12710,7 +12394,6 @@
               <a:rPr lang="en-US" sz="2000" b="1" dirty="0" smtClean="0"/>
               <a:t> in 2001, my mission was to solve the problem every website has when distributing large, popular files” – Bram Cohen</a:t>
             </a:r>
-            <a:endParaRPr lang="en-US" sz="2000" b="1" dirty="0" smtClean="0"/>
           </a:p>
         </p:txBody>
       </p:sp>

--- a/thesis_presentation/How to Make the Internet Faster.pptx
+++ b/thesis_presentation/How to Make the Internet Faster.pptx
@@ -5,7 +5,7 @@
     <p:sldMasterId id="2147483648" r:id="rId1"/>
   </p:sldMasterIdLst>
   <p:notesMasterIdLst>
-    <p:notesMasterId r:id="rId43"/>
+    <p:notesMasterId r:id="rId46"/>
   </p:notesMasterIdLst>
   <p:sldIdLst>
     <p:sldId id="256" r:id="rId2"/>
@@ -27,28 +27,31 @@
     <p:sldId id="267" r:id="rId18"/>
     <p:sldId id="286" r:id="rId19"/>
     <p:sldId id="285" r:id="rId20"/>
-    <p:sldId id="268" r:id="rId21"/>
-    <p:sldId id="269" r:id="rId22"/>
-    <p:sldId id="281" r:id="rId23"/>
-    <p:sldId id="270" r:id="rId24"/>
-    <p:sldId id="271" r:id="rId25"/>
-    <p:sldId id="272" r:id="rId26"/>
-    <p:sldId id="273" r:id="rId27"/>
-    <p:sldId id="274" r:id="rId28"/>
-    <p:sldId id="275" r:id="rId29"/>
-    <p:sldId id="276" r:id="rId30"/>
-    <p:sldId id="277" r:id="rId31"/>
-    <p:sldId id="290" r:id="rId32"/>
-    <p:sldId id="278" r:id="rId33"/>
-    <p:sldId id="294" r:id="rId34"/>
-    <p:sldId id="279" r:id="rId35"/>
-    <p:sldId id="295" r:id="rId36"/>
-    <p:sldId id="296" r:id="rId37"/>
-    <p:sldId id="297" r:id="rId38"/>
-    <p:sldId id="298" r:id="rId39"/>
-    <p:sldId id="299" r:id="rId40"/>
-    <p:sldId id="280" r:id="rId41"/>
-    <p:sldId id="292" r:id="rId42"/>
+    <p:sldId id="302" r:id="rId21"/>
+    <p:sldId id="268" r:id="rId22"/>
+    <p:sldId id="269" r:id="rId23"/>
+    <p:sldId id="281" r:id="rId24"/>
+    <p:sldId id="270" r:id="rId25"/>
+    <p:sldId id="271" r:id="rId26"/>
+    <p:sldId id="272" r:id="rId27"/>
+    <p:sldId id="273" r:id="rId28"/>
+    <p:sldId id="274" r:id="rId29"/>
+    <p:sldId id="275" r:id="rId30"/>
+    <p:sldId id="276" r:id="rId31"/>
+    <p:sldId id="277" r:id="rId32"/>
+    <p:sldId id="290" r:id="rId33"/>
+    <p:sldId id="278" r:id="rId34"/>
+    <p:sldId id="294" r:id="rId35"/>
+    <p:sldId id="279" r:id="rId36"/>
+    <p:sldId id="295" r:id="rId37"/>
+    <p:sldId id="296" r:id="rId38"/>
+    <p:sldId id="297" r:id="rId39"/>
+    <p:sldId id="298" r:id="rId40"/>
+    <p:sldId id="299" r:id="rId41"/>
+    <p:sldId id="301" r:id="rId42"/>
+    <p:sldId id="280" r:id="rId43"/>
+    <p:sldId id="300" r:id="rId44"/>
+    <p:sldId id="292" r:id="rId45"/>
   </p:sldIdLst>
   <p:sldSz cx="9144000" cy="6858000" type="screen4x3"/>
   <p:notesSz cx="6858000" cy="9144000"/>
@@ -233,7 +236,7 @@
             <a:fld id="{9826D637-6924-4A4F-8550-0E64EF887888}" type="datetimeFigureOut">
               <a:rPr lang="en-US" smtClean="0"/>
               <a:pPr/>
-              <a:t>4/12/2010</a:t>
+              <a:t>4/13/2010</a:t>
             </a:fld>
             <a:endParaRPr lang="en-US"/>
           </a:p>
@@ -545,22 +548,6 @@
           </a:bodyPr>
           <a:lstStyle/>
           <a:p>
-            <a:r>
-              <a:rPr lang="en-US" dirty="0" smtClean="0"/>
-              <a:t>Making P2P more adoptable.</a:t>
-            </a:r>
-          </a:p>
-          <a:p>
-            <a:r>
-              <a:rPr lang="en-US" dirty="0" smtClean="0"/>
-              <a:t>More usable.</a:t>
-            </a:r>
-          </a:p>
-          <a:p>
-            <a:r>
-              <a:rPr lang="en-US" dirty="0" smtClean="0"/>
-              <a:t>Useful in more situations.</a:t>
-            </a:r>
             <a:endParaRPr lang="en-US" dirty="0"/>
           </a:p>
         </p:txBody>
@@ -645,11 +632,7 @@
           <a:p>
             <a:r>
               <a:rPr lang="en-US" dirty="0" smtClean="0"/>
-              <a:t>Normal </a:t>
-            </a:r>
-            <a:r>
-              <a:rPr lang="en-US" dirty="0" smtClean="0"/>
-              <a:t>people do not use </a:t>
+              <a:t>Normal people do not use </a:t>
             </a:r>
             <a:r>
               <a:rPr lang="en-US" dirty="0" err="1" smtClean="0"/>
@@ -745,6 +728,22 @@
           </a:bodyPr>
           <a:lstStyle/>
           <a:p>
+            <a:r>
+              <a:rPr lang="en-US" dirty="0" smtClean="0"/>
+              <a:t>The more general problem is that when downloading typical files from the</a:t>
+            </a:r>
+            <a:r>
+              <a:rPr lang="en-US" baseline="0" dirty="0" smtClean="0"/>
+              <a:t> Internet, </a:t>
+            </a:r>
+            <a:r>
+              <a:rPr lang="en-US" baseline="0" dirty="0" err="1" smtClean="0"/>
+              <a:t>Bittorrent</a:t>
+            </a:r>
+            <a:r>
+              <a:rPr lang="en-US" baseline="0" dirty="0" smtClean="0"/>
+              <a:t> cannot come to your aid.</a:t>
+            </a:r>
             <a:endParaRPr lang="en-US" dirty="0"/>
           </a:p>
         </p:txBody>
@@ -827,10 +826,6 @@
           </a:bodyPr>
           <a:lstStyle/>
           <a:p>
-            <a:r>
-              <a:rPr lang="en-US" dirty="0" smtClean="0"/>
-              <a:t>Able to use BT in more situations.</a:t>
-            </a:r>
             <a:endParaRPr lang="en-US" dirty="0" smtClean="0"/>
           </a:p>
         </p:txBody>
@@ -915,29 +910,12 @@
           <a:p>
             <a:r>
               <a:rPr lang="en-US" dirty="0" smtClean="0"/>
-              <a:t>Also</a:t>
-            </a:r>
-            <a:r>
-              <a:rPr lang="en-US" dirty="0" smtClean="0"/>
-              <a:t>: only go to P2P when necessary</a:t>
+              <a:t>Also: only go to P2P when necessary</a:t>
             </a:r>
             <a:r>
               <a:rPr lang="en-US" baseline="0" dirty="0" smtClean="0"/>
-              <a:t> (try to </a:t>
-            </a:r>
-            <a:r>
-              <a:rPr lang="en-US" baseline="0" dirty="0" smtClean="0"/>
-              <a:t>always be </a:t>
-            </a:r>
-            <a:r>
-              <a:rPr lang="en-US" baseline="0" dirty="0" smtClean="0"/>
-              <a:t>as fast as normal download</a:t>
-            </a:r>
-            <a:r>
-              <a:rPr lang="en-US" baseline="0" dirty="0" smtClean="0"/>
-              <a:t>).</a:t>
-            </a:r>
-            <a:endParaRPr lang="en-US" baseline="0" dirty="0" smtClean="0"/>
+              <a:t> (try to always be as fast as normal download).</a:t>
+            </a:r>
           </a:p>
         </p:txBody>
       </p:sp>
@@ -1415,7 +1393,7 @@
             <a:fld id="{CFD85767-B34F-4122-8642-982296400DCD}" type="slidenum">
               <a:rPr lang="en-US" smtClean="0"/>
               <a:pPr/>
-              <a:t>20</a:t>
+              <a:t>21</a:t>
             </a:fld>
             <a:endParaRPr lang="en-US"/>
           </a:p>
@@ -1497,7 +1475,7 @@
             <a:fld id="{CFD85767-B34F-4122-8642-982296400DCD}" type="slidenum">
               <a:rPr lang="en-US" smtClean="0"/>
               <a:pPr/>
-              <a:t>21</a:t>
+              <a:t>22</a:t>
             </a:fld>
             <a:endParaRPr lang="en-US"/>
           </a:p>
@@ -1673,7 +1651,7 @@
             <a:fld id="{CFD85767-B34F-4122-8642-982296400DCD}" type="slidenum">
               <a:rPr lang="en-US" smtClean="0"/>
               <a:pPr/>
-              <a:t>22</a:t>
+              <a:t>23</a:t>
             </a:fld>
             <a:endParaRPr lang="en-US"/>
           </a:p>
@@ -1755,7 +1733,7 @@
             <a:fld id="{CFD85767-B34F-4122-8642-982296400DCD}" type="slidenum">
               <a:rPr lang="en-US" smtClean="0"/>
               <a:pPr/>
-              <a:t>23</a:t>
+              <a:t>24</a:t>
             </a:fld>
             <a:endParaRPr lang="en-US"/>
           </a:p>
@@ -1837,7 +1815,7 @@
             <a:fld id="{CFD85767-B34F-4122-8642-982296400DCD}" type="slidenum">
               <a:rPr lang="en-US" smtClean="0"/>
               <a:pPr/>
-              <a:t>24</a:t>
+              <a:t>25</a:t>
             </a:fld>
             <a:endParaRPr lang="en-US"/>
           </a:p>
@@ -1908,13 +1886,8 @@
           <a:p>
             <a:r>
               <a:rPr lang="en-US" dirty="0" smtClean="0"/>
-              <a:t>TODO that is not peers per second and it lops off the one graph</a:t>
-            </a:r>
-            <a:r>
-              <a:rPr lang="en-US" dirty="0" smtClean="0"/>
-              <a:t>.</a:t>
-            </a:r>
-            <a:endParaRPr lang="en-US" dirty="0" smtClean="0"/>
+              <a:t>TODO that is not peers per second and it lops off the one graph.</a:t>
+            </a:r>
           </a:p>
         </p:txBody>
       </p:sp>
@@ -1936,7 +1909,7 @@
             <a:fld id="{CFD85767-B34F-4122-8642-982296400DCD}" type="slidenum">
               <a:rPr lang="en-US" smtClean="0"/>
               <a:pPr/>
-              <a:t>25</a:t>
+              <a:t>26</a:t>
             </a:fld>
             <a:endParaRPr lang="en-US"/>
           </a:p>
@@ -2019,15 +1992,7 @@
           <a:p>
             <a:r>
               <a:rPr lang="en-US" baseline="0" dirty="0" smtClean="0"/>
-              <a:t>Probably </a:t>
-            </a:r>
-            <a:r>
-              <a:rPr lang="en-US" baseline="0" dirty="0" smtClean="0"/>
-              <a:t>want that “other” graph in here, too, then, to show “oh it’s all T</a:t>
-            </a:r>
-            <a:r>
-              <a:rPr lang="en-US" baseline="0" dirty="0" smtClean="0"/>
-              <a:t>”?</a:t>
+              <a:t>Probably want that “other” graph in here, too, then, to show “oh it’s all T”?</a:t>
             </a:r>
             <a:endParaRPr lang="en-US" dirty="0"/>
           </a:p>
@@ -2051,7 +2016,7 @@
             <a:fld id="{CFD85767-B34F-4122-8642-982296400DCD}" type="slidenum">
               <a:rPr lang="en-US" smtClean="0"/>
               <a:pPr/>
-              <a:t>26</a:t>
+              <a:t>27</a:t>
             </a:fld>
             <a:endParaRPr lang="en-US"/>
           </a:p>
@@ -2147,7 +2112,7 @@
             <a:fld id="{CFD85767-B34F-4122-8642-982296400DCD}" type="slidenum">
               <a:rPr lang="en-US" smtClean="0"/>
               <a:pPr/>
-              <a:t>27</a:t>
+              <a:t>28</a:t>
             </a:fld>
             <a:endParaRPr lang="en-US"/>
           </a:p>
@@ -2229,7 +2194,7 @@
             <a:fld id="{CFD85767-B34F-4122-8642-982296400DCD}" type="slidenum">
               <a:rPr lang="en-US" smtClean="0"/>
               <a:pPr/>
-              <a:t>28</a:t>
+              <a:t>29</a:t>
             </a:fld>
             <a:endParaRPr lang="en-US"/>
           </a:p>
@@ -2319,7 +2284,7 @@
             <a:fld id="{CFD85767-B34F-4122-8642-982296400DCD}" type="slidenum">
               <a:rPr lang="en-US" smtClean="0"/>
               <a:pPr/>
-              <a:t>29</a:t>
+              <a:t>30</a:t>
             </a:fld>
             <a:endParaRPr lang="en-US"/>
           </a:p>
@@ -2401,7 +2366,7 @@
             <a:fld id="{CFD85767-B34F-4122-8642-982296400DCD}" type="slidenum">
               <a:rPr lang="en-US" smtClean="0"/>
               <a:pPr/>
-              <a:t>30</a:t>
+              <a:t>31</a:t>
             </a:fld>
             <a:endParaRPr lang="en-US"/>
           </a:p>
@@ -2484,13 +2449,8 @@
           <a:p>
             <a:r>
               <a:rPr lang="en-US" baseline="0" dirty="0" smtClean="0"/>
-              <a:t>You can see that at about 730 to 882 seconds most of our peers finish the file, and most of the peers download it from peers, so once we get the file out there we work all right, but we could do some work still to increase our speed of propagating the blocks</a:t>
-            </a:r>
-            <a:r>
-              <a:rPr lang="en-US" baseline="0" dirty="0" smtClean="0"/>
-              <a:t>.”</a:t>
-            </a:r>
-            <a:endParaRPr lang="en-US" baseline="0" dirty="0" smtClean="0"/>
+              <a:t>You can see that at about 730 to 882 seconds most of our peers finish the file, and most of the peers download it from peers, so once we get the file out there we work all right, but we could do some work still to increase our speed of propagating the blocks.”</a:t>
+            </a:r>
           </a:p>
         </p:txBody>
       </p:sp>
@@ -2512,7 +2472,7 @@
             <a:fld id="{CFD85767-B34F-4122-8642-982296400DCD}" type="slidenum">
               <a:rPr lang="en-US" smtClean="0"/>
               <a:pPr/>
-              <a:t>32</a:t>
+              <a:t>33</a:t>
             </a:fld>
             <a:endParaRPr lang="en-US"/>
           </a:p>
@@ -2941,7 +2901,7 @@
             <a:fld id="{CFD85767-B34F-4122-8642-982296400DCD}" type="slidenum">
               <a:rPr lang="en-US" smtClean="0"/>
               <a:pPr/>
-              <a:t>33</a:t>
+              <a:t>34</a:t>
             </a:fld>
             <a:endParaRPr lang="en-US"/>
           </a:p>
@@ -3001,6 +2961,14 @@
           </a:bodyPr>
           <a:lstStyle/>
           <a:p>
+            <a:r>
+              <a:rPr lang="en-US" dirty="0" smtClean="0"/>
+              <a:t>This was a feasibility</a:t>
+            </a:r>
+            <a:r>
+              <a:rPr lang="en-US" baseline="0" dirty="0" smtClean="0"/>
+              <a:t> test to see if it’s possible to combine normal download with swarming in a sane manner.</a:t>
+            </a:r>
             <a:endParaRPr lang="en-US" dirty="0"/>
           </a:p>
         </p:txBody>
@@ -3023,7 +2991,7 @@
             <a:fld id="{CFD85767-B34F-4122-8642-982296400DCD}" type="slidenum">
               <a:rPr lang="en-US" smtClean="0"/>
               <a:pPr/>
-              <a:t>34</a:t>
+              <a:t>35</a:t>
             </a:fld>
             <a:endParaRPr lang="en-US"/>
           </a:p>
@@ -3122,7 +3090,7 @@
             <a:fld id="{CFD85767-B34F-4122-8642-982296400DCD}" type="slidenum">
               <a:rPr lang="en-US" smtClean="0"/>
               <a:pPr/>
-              <a:t>35</a:t>
+              <a:t>36</a:t>
             </a:fld>
             <a:endParaRPr lang="en-US"/>
           </a:p>
@@ -3204,7 +3172,7 @@
             <a:fld id="{CFD85767-B34F-4122-8642-982296400DCD}" type="slidenum">
               <a:rPr lang="en-US" smtClean="0"/>
               <a:pPr/>
-              <a:t>36</a:t>
+              <a:t>37</a:t>
             </a:fld>
             <a:endParaRPr lang="en-US"/>
           </a:p>
@@ -3286,7 +3254,7 @@
             <a:fld id="{CFD85767-B34F-4122-8642-982296400DCD}" type="slidenum">
               <a:rPr lang="en-US" smtClean="0"/>
               <a:pPr/>
-              <a:t>37</a:t>
+              <a:t>38</a:t>
             </a:fld>
             <a:endParaRPr lang="en-US"/>
           </a:p>
@@ -3368,7 +3336,7 @@
             <a:fld id="{CFD85767-B34F-4122-8642-982296400DCD}" type="slidenum">
               <a:rPr lang="en-US" smtClean="0"/>
               <a:pPr/>
-              <a:t>38</a:t>
+              <a:t>39</a:t>
             </a:fld>
             <a:endParaRPr lang="en-US"/>
           </a:p>
@@ -3450,7 +3418,7 @@
             <a:fld id="{CFD85767-B34F-4122-8642-982296400DCD}" type="slidenum">
               <a:rPr lang="en-US" smtClean="0"/>
               <a:pPr/>
-              <a:t>39</a:t>
+              <a:t>40</a:t>
             </a:fld>
             <a:endParaRPr lang="en-US"/>
           </a:p>
@@ -3510,6 +3478,61 @@
           </a:bodyPr>
           <a:lstStyle/>
           <a:p>
+            <a:r>
+              <a:rPr lang="en-US" dirty="0" smtClean="0"/>
+              <a:t>Some </a:t>
+            </a:r>
+            <a:r>
+              <a:rPr lang="en-US" dirty="0" err="1" smtClean="0"/>
+              <a:t>sourceforge</a:t>
+            </a:r>
+            <a:r>
+              <a:rPr lang="en-US" dirty="0" smtClean="0"/>
+              <a:t> download</a:t>
+            </a:r>
+          </a:p>
+          <a:p>
+            <a:r>
+              <a:rPr lang="en-US" dirty="0" smtClean="0"/>
+              <a:t>Two proxy instances</a:t>
+            </a:r>
+          </a:p>
+          <a:p>
+            <a:r>
+              <a:rPr lang="en-US" dirty="0" smtClean="0"/>
+              <a:t>One has it</a:t>
+            </a:r>
+          </a:p>
+          <a:p>
+            <a:r>
+              <a:rPr lang="en-US" dirty="0" smtClean="0"/>
+              <a:t>One fresh one that can get it from the other</a:t>
+            </a:r>
+          </a:p>
+          <a:p>
+            <a:r>
+              <a:rPr lang="en-US" dirty="0" smtClean="0"/>
+              <a:t>Download it from the fresh one straight.</a:t>
+            </a:r>
+          </a:p>
+          <a:p>
+            <a:endParaRPr lang="en-US" dirty="0" smtClean="0"/>
+          </a:p>
+          <a:p>
+            <a:r>
+              <a:rPr lang="en-US" dirty="0" smtClean="0"/>
+              <a:t>Compare speeds.</a:t>
+            </a:r>
+          </a:p>
+          <a:p>
+            <a:r>
+              <a:rPr lang="en-US" dirty="0" smtClean="0"/>
+              <a:t>Better be something big,</a:t>
+            </a:r>
+            <a:r>
+              <a:rPr lang="en-US" baseline="0" dirty="0" smtClean="0"/>
+              <a:t> I suppose.</a:t>
+            </a:r>
             <a:endParaRPr lang="en-US" dirty="0"/>
           </a:p>
         </p:txBody>
@@ -3532,7 +3555,179 @@
             <a:fld id="{CFD85767-B34F-4122-8642-982296400DCD}" type="slidenum">
               <a:rPr lang="en-US" smtClean="0"/>
               <a:pPr/>
-              <a:t>40</a:t>
+              <a:t>41</a:t>
+            </a:fld>
+            <a:endParaRPr lang="en-US"/>
+          </a:p>
+        </p:txBody>
+      </p:sp>
+    </p:spTree>
+  </p:cSld>
+  <p:clrMapOvr>
+    <a:masterClrMapping/>
+  </p:clrMapOvr>
+</p:notes>
+</file>
+
+<file path=ppt/notesSlides/notesSlide38.xml><?xml version="1.0" encoding="utf-8"?>
+<p:notes xmlns:a="http://schemas.openxmlformats.org/drawingml/2006/main" xmlns:r="http://schemas.openxmlformats.org/officeDocument/2006/relationships" xmlns:p="http://schemas.openxmlformats.org/presentationml/2006/main">
+  <p:cSld>
+    <p:spTree>
+      <p:nvGrpSpPr>
+        <p:cNvPr id="1" name=""/>
+        <p:cNvGrpSpPr/>
+        <p:nvPr/>
+      </p:nvGrpSpPr>
+      <p:grpSpPr>
+        <a:xfrm>
+          <a:off x="0" y="0"/>
+          <a:ext cx="0" cy="0"/>
+          <a:chOff x="0" y="0"/>
+          <a:chExt cx="0" cy="0"/>
+        </a:xfrm>
+      </p:grpSpPr>
+      <p:sp>
+        <p:nvSpPr>
+          <p:cNvPr id="2" name="Slide Image Placeholder 1"/>
+          <p:cNvSpPr>
+            <a:spLocks noGrp="1" noRot="1" noChangeAspect="1"/>
+          </p:cNvSpPr>
+          <p:nvPr>
+            <p:ph type="sldImg"/>
+          </p:nvPr>
+        </p:nvSpPr>
+        <p:spPr/>
+      </p:sp>
+      <p:sp>
+        <p:nvSpPr>
+          <p:cNvPr id="3" name="Notes Placeholder 2"/>
+          <p:cNvSpPr>
+            <a:spLocks noGrp="1"/>
+          </p:cNvSpPr>
+          <p:nvPr>
+            <p:ph type="body" idx="1"/>
+          </p:nvPr>
+        </p:nvSpPr>
+        <p:spPr/>
+        <p:txBody>
+          <a:bodyPr>
+            <a:normAutofit/>
+          </a:bodyPr>
+          <a:lstStyle/>
+          <a:p>
+            <a:endParaRPr lang="en-US" dirty="0"/>
+          </a:p>
+        </p:txBody>
+      </p:sp>
+      <p:sp>
+        <p:nvSpPr>
+          <p:cNvPr id="4" name="Slide Number Placeholder 3"/>
+          <p:cNvSpPr>
+            <a:spLocks noGrp="1"/>
+          </p:cNvSpPr>
+          <p:nvPr>
+            <p:ph type="sldNum" sz="quarter" idx="10"/>
+          </p:nvPr>
+        </p:nvSpPr>
+        <p:spPr/>
+        <p:txBody>
+          <a:bodyPr/>
+          <a:lstStyle/>
+          <a:p>
+            <a:fld id="{CFD85767-B34F-4122-8642-982296400DCD}" type="slidenum">
+              <a:rPr lang="en-US" smtClean="0"/>
+              <a:pPr/>
+              <a:t>42</a:t>
+            </a:fld>
+            <a:endParaRPr lang="en-US"/>
+          </a:p>
+        </p:txBody>
+      </p:sp>
+    </p:spTree>
+  </p:cSld>
+  <p:clrMapOvr>
+    <a:masterClrMapping/>
+  </p:clrMapOvr>
+</p:notes>
+</file>
+
+<file path=ppt/notesSlides/notesSlide39.xml><?xml version="1.0" encoding="utf-8"?>
+<p:notes xmlns:a="http://schemas.openxmlformats.org/drawingml/2006/main" xmlns:r="http://schemas.openxmlformats.org/officeDocument/2006/relationships" xmlns:p="http://schemas.openxmlformats.org/presentationml/2006/main">
+  <p:cSld>
+    <p:spTree>
+      <p:nvGrpSpPr>
+        <p:cNvPr id="1" name=""/>
+        <p:cNvGrpSpPr/>
+        <p:nvPr/>
+      </p:nvGrpSpPr>
+      <p:grpSpPr>
+        <a:xfrm>
+          <a:off x="0" y="0"/>
+          <a:ext cx="0" cy="0"/>
+          <a:chOff x="0" y="0"/>
+          <a:chExt cx="0" cy="0"/>
+        </a:xfrm>
+      </p:grpSpPr>
+      <p:sp>
+        <p:nvSpPr>
+          <p:cNvPr id="2" name="Slide Image Placeholder 1"/>
+          <p:cNvSpPr>
+            <a:spLocks noGrp="1" noRot="1" noChangeAspect="1"/>
+          </p:cNvSpPr>
+          <p:nvPr>
+            <p:ph type="sldImg"/>
+          </p:nvPr>
+        </p:nvSpPr>
+        <p:spPr/>
+      </p:sp>
+      <p:sp>
+        <p:nvSpPr>
+          <p:cNvPr id="3" name="Notes Placeholder 2"/>
+          <p:cNvSpPr>
+            <a:spLocks noGrp="1"/>
+          </p:cNvSpPr>
+          <p:nvPr>
+            <p:ph type="body" idx="1"/>
+          </p:nvPr>
+        </p:nvSpPr>
+        <p:spPr/>
+        <p:txBody>
+          <a:bodyPr>
+            <a:normAutofit/>
+          </a:bodyPr>
+          <a:lstStyle/>
+          <a:p>
+            <a:r>
+              <a:rPr lang="en-US" dirty="0" smtClean="0"/>
+              <a:t>We’re still slow enough for small files that it’s worth it to just</a:t>
+            </a:r>
+            <a:r>
+              <a:rPr lang="en-US" baseline="0" dirty="0" smtClean="0"/>
+              <a:t> wait typically.  We could do some more work there.</a:t>
+            </a:r>
+            <a:endParaRPr lang="en-US" dirty="0"/>
+          </a:p>
+        </p:txBody>
+      </p:sp>
+      <p:sp>
+        <p:nvSpPr>
+          <p:cNvPr id="4" name="Slide Number Placeholder 3"/>
+          <p:cNvSpPr>
+            <a:spLocks noGrp="1"/>
+          </p:cNvSpPr>
+          <p:nvPr>
+            <p:ph type="sldNum" sz="quarter" idx="10"/>
+          </p:nvPr>
+        </p:nvSpPr>
+        <p:spPr/>
+        <p:txBody>
+          <a:bodyPr/>
+          <a:lstStyle/>
+          <a:p>
+            <a:fld id="{CFD85767-B34F-4122-8642-982296400DCD}" type="slidenum">
+              <a:rPr lang="en-US" smtClean="0"/>
+              <a:pPr/>
+              <a:t>43</a:t>
             </a:fld>
             <a:endParaRPr lang="en-US"/>
           </a:p>
@@ -4260,7 +4455,7 @@
             <a:fld id="{B41A135E-287C-4591-8C88-153CD277EA84}" type="datetimeFigureOut">
               <a:rPr lang="en-US" smtClean="0"/>
               <a:pPr/>
-              <a:t>4/12/2010</a:t>
+              <a:t>4/13/2010</a:t>
             </a:fld>
             <a:endParaRPr lang="en-US"/>
           </a:p>
@@ -4427,7 +4622,7 @@
             <a:fld id="{B41A135E-287C-4591-8C88-153CD277EA84}" type="datetimeFigureOut">
               <a:rPr lang="en-US" smtClean="0"/>
               <a:pPr/>
-              <a:t>4/12/2010</a:t>
+              <a:t>4/13/2010</a:t>
             </a:fld>
             <a:endParaRPr lang="en-US"/>
           </a:p>
@@ -4604,7 +4799,7 @@
             <a:fld id="{B41A135E-287C-4591-8C88-153CD277EA84}" type="datetimeFigureOut">
               <a:rPr lang="en-US" smtClean="0"/>
               <a:pPr/>
-              <a:t>4/12/2010</a:t>
+              <a:t>4/13/2010</a:t>
             </a:fld>
             <a:endParaRPr lang="en-US"/>
           </a:p>
@@ -4771,7 +4966,7 @@
             <a:fld id="{B41A135E-287C-4591-8C88-153CD277EA84}" type="datetimeFigureOut">
               <a:rPr lang="en-US" smtClean="0"/>
               <a:pPr/>
-              <a:t>4/12/2010</a:t>
+              <a:t>4/13/2010</a:t>
             </a:fld>
             <a:endParaRPr lang="en-US"/>
           </a:p>
@@ -5014,7 +5209,7 @@
             <a:fld id="{B41A135E-287C-4591-8C88-153CD277EA84}" type="datetimeFigureOut">
               <a:rPr lang="en-US" smtClean="0"/>
               <a:pPr/>
-              <a:t>4/12/2010</a:t>
+              <a:t>4/13/2010</a:t>
             </a:fld>
             <a:endParaRPr lang="en-US"/>
           </a:p>
@@ -5299,7 +5494,7 @@
             <a:fld id="{B41A135E-287C-4591-8C88-153CD277EA84}" type="datetimeFigureOut">
               <a:rPr lang="en-US" smtClean="0"/>
               <a:pPr/>
-              <a:t>4/12/2010</a:t>
+              <a:t>4/13/2010</a:t>
             </a:fld>
             <a:endParaRPr lang="en-US"/>
           </a:p>
@@ -5718,7 +5913,7 @@
             <a:fld id="{B41A135E-287C-4591-8C88-153CD277EA84}" type="datetimeFigureOut">
               <a:rPr lang="en-US" smtClean="0"/>
               <a:pPr/>
-              <a:t>4/12/2010</a:t>
+              <a:t>4/13/2010</a:t>
             </a:fld>
             <a:endParaRPr lang="en-US"/>
           </a:p>
@@ -5833,7 +6028,7 @@
             <a:fld id="{B41A135E-287C-4591-8C88-153CD277EA84}" type="datetimeFigureOut">
               <a:rPr lang="en-US" smtClean="0"/>
               <a:pPr/>
-              <a:t>4/12/2010</a:t>
+              <a:t>4/13/2010</a:t>
             </a:fld>
             <a:endParaRPr lang="en-US"/>
           </a:p>
@@ -5925,7 +6120,7 @@
             <a:fld id="{B41A135E-287C-4591-8C88-153CD277EA84}" type="datetimeFigureOut">
               <a:rPr lang="en-US" smtClean="0"/>
               <a:pPr/>
-              <a:t>4/12/2010</a:t>
+              <a:t>4/13/2010</a:t>
             </a:fld>
             <a:endParaRPr lang="en-US"/>
           </a:p>
@@ -6199,7 +6394,7 @@
             <a:fld id="{B41A135E-287C-4591-8C88-153CD277EA84}" type="datetimeFigureOut">
               <a:rPr lang="en-US" smtClean="0"/>
               <a:pPr/>
-              <a:t>4/12/2010</a:t>
+              <a:t>4/13/2010</a:t>
             </a:fld>
             <a:endParaRPr lang="en-US"/>
           </a:p>
@@ -6449,7 +6644,7 @@
             <a:fld id="{B41A135E-287C-4591-8C88-153CD277EA84}" type="datetimeFigureOut">
               <a:rPr lang="en-US" smtClean="0"/>
               <a:pPr/>
-              <a:t>4/12/2010</a:t>
+              <a:t>4/13/2010</a:t>
             </a:fld>
             <a:endParaRPr lang="en-US"/>
           </a:p>
@@ -6659,7 +6854,7 @@
             <a:fld id="{B41A135E-287C-4591-8C88-153CD277EA84}" type="datetimeFigureOut">
               <a:rPr lang="en-US" smtClean="0"/>
               <a:pPr/>
-              <a:t>4/12/2010</a:t>
+              <a:t>4/13/2010</a:t>
             </a:fld>
             <a:endParaRPr lang="en-US"/>
           </a:p>
@@ -7360,11 +7555,7 @@
             <a:pPr lvl="1"/>
             <a:r>
               <a:rPr lang="en-US" dirty="0" smtClean="0"/>
-              <a:t>Not available</a:t>
-            </a:r>
-            <a:r>
-              <a:rPr lang="en-US" dirty="0" smtClean="0"/>
-              <a:t>.</a:t>
+              <a:t>Not available.</a:t>
             </a:r>
           </a:p>
         </p:txBody>
@@ -7406,7 +7597,7 @@
         </p:nvSpPr>
         <p:spPr>
           <a:xfrm>
-            <a:off x="-1143000" y="304800"/>
+            <a:off x="-1600200" y="304800"/>
             <a:ext cx="8229600" cy="1143000"/>
           </a:xfrm>
         </p:spPr>
@@ -7482,7 +7673,7 @@
       </p:sp>
       <p:pic>
         <p:nvPicPr>
-          <p:cNvPr id="5122" name="Picture 2"/>
+          <p:cNvPr id="1026" name="Picture 2"/>
           <p:cNvPicPr>
             <a:picLocks noChangeAspect="1" noChangeArrowheads="1"/>
           </p:cNvPicPr>
@@ -7497,8 +7688,8 @@
         </p:blipFill>
         <p:spPr bwMode="auto">
           <a:xfrm>
-            <a:off x="6019800" y="304800"/>
-            <a:ext cx="3124200" cy="3238500"/>
+            <a:off x="4572000" y="228600"/>
+            <a:ext cx="4611897" cy="2971800"/>
           </a:xfrm>
           <a:prstGeom prst="rect">
             <a:avLst/>
@@ -7586,7 +7777,11 @@
           <a:p>
             <a:r>
               <a:rPr lang="en-US" dirty="0" smtClean="0"/>
-              <a:t>Make swarming more usable/adoptable</a:t>
+              <a:t>Make swarming </a:t>
+            </a:r>
+            <a:r>
+              <a:rPr lang="en-US" dirty="0" smtClean="0"/>
+              <a:t>more adoptable</a:t>
             </a:r>
             <a:r>
               <a:rPr lang="en-US" dirty="0" smtClean="0"/>
@@ -7618,7 +7813,6 @@
               <a:rPr lang="en-US" dirty="0" smtClean="0"/>
               <a:t>More situations.</a:t>
             </a:r>
-            <a:endParaRPr lang="en-US" dirty="0" smtClean="0"/>
           </a:p>
         </p:txBody>
       </p:sp>
@@ -7687,37 +7881,19 @@
           <a:p>
             <a:r>
               <a:rPr lang="en-US" dirty="0" smtClean="0"/>
-              <a:t>Work for any file on any </a:t>
-            </a:r>
-            <a:r>
-              <a:rPr lang="en-US" dirty="0" smtClean="0"/>
-              <a:t>server without configuration.</a:t>
-            </a:r>
-            <a:endParaRPr lang="en-US" dirty="0" smtClean="0"/>
-          </a:p>
-          <a:p>
-            <a:r>
-              <a:rPr lang="en-US" dirty="0" smtClean="0"/>
-              <a:t>Easy for </a:t>
-            </a:r>
-            <a:r>
-              <a:rPr lang="en-US" dirty="0" smtClean="0"/>
-              <a:t>client use.</a:t>
-            </a:r>
-            <a:endParaRPr lang="en-US" dirty="0" smtClean="0"/>
-          </a:p>
-          <a:p>
-            <a:r>
-              <a:rPr lang="en-US" dirty="0" smtClean="0"/>
-              <a:t>No extra </a:t>
-            </a:r>
-            <a:r>
-              <a:rPr lang="en-US" dirty="0" smtClean="0"/>
-              <a:t>hardware</a:t>
-            </a:r>
-            <a:r>
-              <a:rPr lang="en-US" dirty="0" smtClean="0"/>
-              <a:t>.</a:t>
+              <a:t>Work for any file on any server without configuration.</a:t>
+            </a:r>
+          </a:p>
+          <a:p>
+            <a:r>
+              <a:rPr lang="en-US" dirty="0" smtClean="0"/>
+              <a:t>Easy for client use.</a:t>
+            </a:r>
+          </a:p>
+          <a:p>
+            <a:r>
+              <a:rPr lang="en-US" dirty="0" smtClean="0"/>
+              <a:t>No extra hardware.</a:t>
             </a:r>
           </a:p>
           <a:p>
@@ -7729,11 +7905,7 @@
           <a:p>
             <a:r>
               <a:rPr lang="en-US" dirty="0" smtClean="0"/>
-              <a:t>Non </a:t>
-            </a:r>
-            <a:r>
-              <a:rPr lang="en-US" dirty="0" smtClean="0"/>
-              <a:t>intrusive</a:t>
+              <a:t>Non intrusive</a:t>
             </a:r>
           </a:p>
           <a:p>
@@ -7749,7 +7921,6 @@
               <a:rPr lang="en-US" dirty="0" smtClean="0"/>
               <a:t>Legal.</a:t>
             </a:r>
-            <a:endParaRPr lang="en-US" dirty="0" smtClean="0"/>
           </a:p>
         </p:txBody>
       </p:sp>
@@ -8230,7 +8401,7 @@
           <a:p>
             <a:r>
               <a:rPr lang="en-US" dirty="0" smtClean="0"/>
-              <a:t>Methodology.</a:t>
+              <a:t>Methodology</a:t>
             </a:r>
             <a:endParaRPr lang="en-US" dirty="0"/>
           </a:p>
@@ -8249,7 +8420,7 @@
         <p:spPr/>
         <p:txBody>
           <a:bodyPr>
-            <a:normAutofit fontScale="92500"/>
+            <a:normAutofit/>
           </a:bodyPr>
           <a:lstStyle/>
           <a:p>
@@ -8269,37 +8440,6 @@
               <a:t>OpenDHT</a:t>
             </a:r>
             <a:endParaRPr lang="en-US" dirty="0" smtClean="0"/>
-          </a:p>
-          <a:p>
-            <a:r>
-              <a:rPr lang="en-US" dirty="0" smtClean="0"/>
-              <a:t>Run until finish.</a:t>
-            </a:r>
-          </a:p>
-          <a:p>
-            <a:r>
-              <a:rPr lang="en-US" dirty="0" smtClean="0"/>
-              <a:t>Repeat 3x.</a:t>
-            </a:r>
-          </a:p>
-          <a:p>
-            <a:r>
-              <a:rPr lang="en-US" dirty="0" smtClean="0"/>
-              <a:t>Graph percentiles: download times, DHT response times, causes for transitioning to P2P.</a:t>
-            </a:r>
-          </a:p>
-          <a:p>
-            <a:r>
-              <a:rPr lang="en-US" dirty="0" smtClean="0"/>
-              <a:t>BYU server </a:t>
-            </a:r>
-          </a:p>
-          <a:p>
-            <a:pPr lvl="1"/>
-            <a:r>
-              <a:rPr lang="en-US" dirty="0" smtClean="0"/>
-              <a:t>256 KB/s</a:t>
-            </a:r>
           </a:p>
           <a:p>
             <a:pPr lvl="1"/>
@@ -8354,8 +8494,40 @@
         </p:blipFill>
         <p:spPr bwMode="auto">
           <a:xfrm>
-            <a:off x="8077200" y="4178030"/>
+            <a:off x="8315325" y="4178030"/>
             <a:ext cx="828675" cy="2679970"/>
+          </a:xfrm>
+          <a:prstGeom prst="rect">
+            <a:avLst/>
+          </a:prstGeom>
+          <a:noFill/>
+          <a:ln w="9525">
+            <a:noFill/>
+            <a:miter lim="800000"/>
+            <a:headEnd/>
+            <a:tailEnd/>
+          </a:ln>
+        </p:spPr>
+      </p:pic>
+      <p:pic>
+        <p:nvPicPr>
+          <p:cNvPr id="2050" name="Picture 2"/>
+          <p:cNvPicPr>
+            <a:picLocks noChangeAspect="1" noChangeArrowheads="1"/>
+          </p:cNvPicPr>
+          <p:nvPr/>
+        </p:nvPicPr>
+        <p:blipFill>
+          <a:blip r:embed="rId4" cstate="print"/>
+          <a:srcRect/>
+          <a:stretch>
+            <a:fillRect/>
+          </a:stretch>
+        </p:blipFill>
+        <p:spPr bwMode="auto">
+          <a:xfrm>
+            <a:off x="3733800" y="3886200"/>
+            <a:ext cx="3962399" cy="2412391"/>
           </a:xfrm>
           <a:prstGeom prst="rect">
             <a:avLst/>
@@ -8506,6 +8678,175 @@
           <a:p>
             <a:r>
               <a:rPr lang="en-US" dirty="0" smtClean="0"/>
+              <a:t>Methodology</a:t>
+            </a:r>
+            <a:endParaRPr lang="en-US" dirty="0"/>
+          </a:p>
+        </p:txBody>
+      </p:sp>
+      <p:sp>
+        <p:nvSpPr>
+          <p:cNvPr id="3" name="Content Placeholder 2"/>
+          <p:cNvSpPr>
+            <a:spLocks noGrp="1"/>
+          </p:cNvSpPr>
+          <p:nvPr>
+            <p:ph idx="1"/>
+          </p:nvPr>
+        </p:nvSpPr>
+        <p:spPr/>
+        <p:txBody>
+          <a:bodyPr/>
+          <a:lstStyle/>
+          <a:p>
+            <a:r>
+              <a:rPr lang="en-US" dirty="0" smtClean="0"/>
+              <a:t>Run until finish.</a:t>
+            </a:r>
+          </a:p>
+          <a:p>
+            <a:r>
+              <a:rPr lang="en-US" dirty="0" smtClean="0"/>
+              <a:t>Repeat 3x.</a:t>
+            </a:r>
+          </a:p>
+          <a:p>
+            <a:r>
+              <a:rPr lang="en-US" dirty="0" smtClean="0"/>
+              <a:t>Graph percentiles: </a:t>
+            </a:r>
+            <a:endParaRPr lang="en-US" dirty="0" smtClean="0"/>
+          </a:p>
+          <a:p>
+            <a:pPr lvl="1"/>
+            <a:r>
+              <a:rPr lang="en-US" dirty="0" smtClean="0"/>
+              <a:t>download times</a:t>
+            </a:r>
+          </a:p>
+          <a:p>
+            <a:pPr lvl="1"/>
+            <a:r>
+              <a:rPr lang="en-US" dirty="0" smtClean="0"/>
+              <a:t>DHT </a:t>
+            </a:r>
+            <a:r>
+              <a:rPr lang="en-US" dirty="0" smtClean="0"/>
+              <a:t>response </a:t>
+            </a:r>
+            <a:r>
+              <a:rPr lang="en-US" dirty="0" smtClean="0"/>
+              <a:t>times</a:t>
+            </a:r>
+          </a:p>
+          <a:p>
+            <a:pPr lvl="1"/>
+            <a:r>
+              <a:rPr lang="en-US" dirty="0" smtClean="0"/>
+              <a:t>causes </a:t>
+            </a:r>
+            <a:r>
+              <a:rPr lang="en-US" dirty="0" smtClean="0"/>
+              <a:t>for transitioning to </a:t>
+            </a:r>
+            <a:r>
+              <a:rPr lang="en-US" dirty="0" smtClean="0"/>
+              <a:t>P2P</a:t>
+            </a:r>
+            <a:endParaRPr lang="en-US" dirty="0" smtClean="0"/>
+          </a:p>
+          <a:p>
+            <a:r>
+              <a:rPr lang="en-US" dirty="0" smtClean="0"/>
+              <a:t>BYU server </a:t>
+            </a:r>
+          </a:p>
+          <a:p>
+            <a:pPr lvl="1"/>
+            <a:r>
+              <a:rPr lang="en-US" dirty="0" smtClean="0"/>
+              <a:t>256 KB/s</a:t>
+            </a:r>
+          </a:p>
+          <a:p>
+            <a:endParaRPr lang="en-US" dirty="0"/>
+          </a:p>
+        </p:txBody>
+      </p:sp>
+      <p:pic>
+        <p:nvPicPr>
+          <p:cNvPr id="4" name="Picture 3"/>
+          <p:cNvPicPr>
+            <a:picLocks noChangeAspect="1" noChangeArrowheads="1"/>
+          </p:cNvPicPr>
+          <p:nvPr/>
+        </p:nvPicPr>
+        <p:blipFill>
+          <a:blip r:embed="rId2" cstate="print"/>
+          <a:srcRect/>
+          <a:stretch>
+            <a:fillRect/>
+          </a:stretch>
+        </p:blipFill>
+        <p:spPr bwMode="auto">
+          <a:xfrm>
+            <a:off x="7924800" y="3505200"/>
+            <a:ext cx="828675" cy="2679970"/>
+          </a:xfrm>
+          <a:prstGeom prst="rect">
+            <a:avLst/>
+          </a:prstGeom>
+          <a:noFill/>
+          <a:ln w="9525">
+            <a:noFill/>
+            <a:miter lim="800000"/>
+            <a:headEnd/>
+            <a:tailEnd/>
+          </a:ln>
+        </p:spPr>
+      </p:pic>
+    </p:spTree>
+  </p:cSld>
+  <p:clrMapOvr>
+    <a:masterClrMapping/>
+  </p:clrMapOvr>
+</p:sld>
+</file>
+
+<file path=ppt/slides/slide21.xml><?xml version="1.0" encoding="utf-8"?>
+<p:sld xmlns:a="http://schemas.openxmlformats.org/drawingml/2006/main" xmlns:r="http://schemas.openxmlformats.org/officeDocument/2006/relationships" xmlns:p="http://schemas.openxmlformats.org/presentationml/2006/main">
+  <p:cSld>
+    <p:spTree>
+      <p:nvGrpSpPr>
+        <p:cNvPr id="1" name=""/>
+        <p:cNvGrpSpPr/>
+        <p:nvPr/>
+      </p:nvGrpSpPr>
+      <p:grpSpPr>
+        <a:xfrm>
+          <a:off x="0" y="0"/>
+          <a:ext cx="0" cy="0"/>
+          <a:chOff x="0" y="0"/>
+          <a:chExt cx="0" cy="0"/>
+        </a:xfrm>
+      </p:grpSpPr>
+      <p:sp>
+        <p:nvSpPr>
+          <p:cNvPr id="2" name="Title 1"/>
+          <p:cNvSpPr>
+            <a:spLocks noGrp="1"/>
+          </p:cNvSpPr>
+          <p:nvPr>
+            <p:ph type="title"/>
+          </p:nvPr>
+        </p:nvSpPr>
+        <p:spPr/>
+        <p:txBody>
+          <a:bodyPr/>
+          <a:lstStyle/>
+          <a:p>
+            <a:r>
+              <a:rPr lang="en-US" dirty="0" smtClean="0"/>
               <a:t>Performance Client-Server</a:t>
             </a:r>
             <a:endParaRPr lang="en-US" dirty="0"/>
@@ -8586,7 +8927,7 @@
 </p:sld>
 </file>
 
-<file path=ppt/slides/slide21.xml><?xml version="1.0" encoding="utf-8"?>
+<file path=ppt/slides/slide22.xml><?xml version="1.0" encoding="utf-8"?>
 <p:sld xmlns:a="http://schemas.openxmlformats.org/drawingml/2006/main" xmlns:r="http://schemas.openxmlformats.org/officeDocument/2006/relationships" xmlns:p="http://schemas.openxmlformats.org/presentationml/2006/main">
   <p:cSld>
     <p:spTree>
@@ -8722,7 +9063,6 @@
               <a:rPr lang="en-US" dirty="0" smtClean="0"/>
               <a:t>DHT latency of 5.2 seconds.</a:t>
             </a:r>
-            <a:endParaRPr lang="en-US" dirty="0" smtClean="0"/>
           </a:p>
         </p:txBody>
       </p:sp>
@@ -8741,7 +9081,7 @@
 </p:sld>
 </file>
 
-<file path=ppt/slides/slide22.xml><?xml version="1.0" encoding="utf-8"?>
+<file path=ppt/slides/slide23.xml><?xml version="1.0" encoding="utf-8"?>
 <p:sld xmlns:a="http://schemas.openxmlformats.org/drawingml/2006/main" xmlns:r="http://schemas.openxmlformats.org/officeDocument/2006/relationships" xmlns:p="http://schemas.openxmlformats.org/presentationml/2006/main">
   <p:cSld>
     <p:spTree>
@@ -8854,7 +9194,7 @@
 </p:sld>
 </file>
 
-<file path=ppt/slides/slide23.xml><?xml version="1.0" encoding="utf-8"?>
+<file path=ppt/slides/slide24.xml><?xml version="1.0" encoding="utf-8"?>
 <p:sld xmlns:a="http://schemas.openxmlformats.org/drawingml/2006/main" xmlns:r="http://schemas.openxmlformats.org/officeDocument/2006/relationships" xmlns:p="http://schemas.openxmlformats.org/presentationml/2006/main">
   <p:cSld>
     <p:spTree>
@@ -9005,7 +9345,7 @@
 </p:sld>
 </file>
 
-<file path=ppt/slides/slide24.xml><?xml version="1.0" encoding="utf-8"?>
+<file path=ppt/slides/slide25.xml><?xml version="1.0" encoding="utf-8"?>
 <p:sld xmlns:a="http://schemas.openxmlformats.org/drawingml/2006/main" xmlns:r="http://schemas.openxmlformats.org/officeDocument/2006/relationships" xmlns:p="http://schemas.openxmlformats.org/presentationml/2006/main">
   <p:cSld>
     <p:spTree>
@@ -9085,7 +9425,7 @@
 </p:sld>
 </file>
 
-<file path=ppt/slides/slide25.xml><?xml version="1.0" encoding="utf-8"?>
+<file path=ppt/slides/slide26.xml><?xml version="1.0" encoding="utf-8"?>
 <p:sld xmlns:a="http://schemas.openxmlformats.org/drawingml/2006/main" xmlns:r="http://schemas.openxmlformats.org/officeDocument/2006/relationships" xmlns:p="http://schemas.openxmlformats.org/presentationml/2006/main">
   <p:cSld>
     <p:spTree>
@@ -9181,7 +9521,6 @@
               <a:rPr lang="en-US" dirty="0" smtClean="0"/>
               <a:t>Lower is more optimal.</a:t>
             </a:r>
-            <a:endParaRPr lang="en-US" dirty="0" smtClean="0"/>
           </a:p>
         </p:txBody>
       </p:sp>
@@ -9193,7 +9532,7 @@
 </p:sld>
 </file>
 
-<file path=ppt/slides/slide26.xml><?xml version="1.0" encoding="utf-8"?>
+<file path=ppt/slides/slide27.xml><?xml version="1.0" encoding="utf-8"?>
 <p:sld xmlns:a="http://schemas.openxmlformats.org/drawingml/2006/main" xmlns:r="http://schemas.openxmlformats.org/officeDocument/2006/relationships" xmlns:p="http://schemas.openxmlformats.org/presentationml/2006/main">
   <p:cSld>
     <p:spTree>
@@ -9303,7 +9642,6 @@
               <a:rPr lang="en-US" dirty="0" smtClean="0"/>
               <a:t>Lower is better, causes quicker transition, but not much difference.</a:t>
             </a:r>
-            <a:endParaRPr lang="en-US" dirty="0" smtClean="0"/>
           </a:p>
         </p:txBody>
       </p:sp>
@@ -9322,7 +9660,7 @@
 </p:sld>
 </file>
 
-<file path=ppt/slides/slide27.xml><?xml version="1.0" encoding="utf-8"?>
+<file path=ppt/slides/slide28.xml><?xml version="1.0" encoding="utf-8"?>
 <p:sld xmlns:a="http://schemas.openxmlformats.org/drawingml/2006/main" xmlns:r="http://schemas.openxmlformats.org/officeDocument/2006/relationships" xmlns:p="http://schemas.openxmlformats.org/presentationml/2006/main">
   <p:cSld>
     <p:spTree>
@@ -9523,7 +9861,7 @@
 </p:sld>
 </file>
 
-<file path=ppt/slides/slide28.xml><?xml version="1.0" encoding="utf-8"?>
+<file path=ppt/slides/slide29.xml><?xml version="1.0" encoding="utf-8"?>
 <p:sld xmlns:a="http://schemas.openxmlformats.org/drawingml/2006/main" xmlns:r="http://schemas.openxmlformats.org/officeDocument/2006/relationships" xmlns:p="http://schemas.openxmlformats.org/presentationml/2006/main">
   <p:cSld>
     <p:spTree>
@@ -9557,11 +9895,7 @@
           <a:p>
             <a:r>
               <a:rPr lang="en-US" dirty="0" smtClean="0"/>
-              <a:t>Multiple Files Versus </a:t>
-            </a:r>
-            <a:r>
-              <a:rPr lang="en-US" dirty="0" smtClean="0"/>
-              <a:t>Client-Server</a:t>
+              <a:t>Multiple Files Versus Client-Server</a:t>
             </a:r>
             <a:endParaRPr lang="en-US" dirty="0"/>
           </a:p>
@@ -9601,207 +9935,6 @@
           </a:ln>
         </p:spPr>
       </p:pic>
-    </p:spTree>
-  </p:cSld>
-  <p:clrMapOvr>
-    <a:masterClrMapping/>
-  </p:clrMapOvr>
-  <p:timing>
-    <p:tnLst>
-      <p:par>
-        <p:cTn id="1" dur="indefinite" restart="never" nodeType="tmRoot"/>
-      </p:par>
-    </p:tnLst>
-  </p:timing>
-</p:sld>
-</file>
-
-<file path=ppt/slides/slide29.xml><?xml version="1.0" encoding="utf-8"?>
-<p:sld xmlns:a="http://schemas.openxmlformats.org/drawingml/2006/main" xmlns:r="http://schemas.openxmlformats.org/officeDocument/2006/relationships" xmlns:p="http://schemas.openxmlformats.org/presentationml/2006/main">
-  <p:cSld>
-    <p:spTree>
-      <p:nvGrpSpPr>
-        <p:cNvPr id="1" name=""/>
-        <p:cNvGrpSpPr/>
-        <p:nvPr/>
-      </p:nvGrpSpPr>
-      <p:grpSpPr>
-        <a:xfrm>
-          <a:off x="0" y="0"/>
-          <a:ext cx="0" cy="0"/>
-          <a:chOff x="0" y="0"/>
-          <a:chExt cx="0" cy="0"/>
-        </a:xfrm>
-      </p:grpSpPr>
-      <p:sp>
-        <p:nvSpPr>
-          <p:cNvPr id="2" name="Title 1"/>
-          <p:cNvSpPr>
-            <a:spLocks noGrp="1"/>
-          </p:cNvSpPr>
-          <p:nvPr>
-            <p:ph type="title"/>
-          </p:nvPr>
-        </p:nvSpPr>
-        <p:spPr/>
-        <p:txBody>
-          <a:bodyPr/>
-          <a:lstStyle/>
-          <a:p>
-            <a:r>
-              <a:rPr lang="en-US" dirty="0" smtClean="0"/>
-              <a:t>Block Size</a:t>
-            </a:r>
-            <a:endParaRPr lang="en-US" dirty="0"/>
-          </a:p>
-        </p:txBody>
-      </p:sp>
-      <p:pic>
-        <p:nvPicPr>
-          <p:cNvPr id="12290" name="Picture 2"/>
-          <p:cNvPicPr>
-            <a:picLocks noChangeAspect="1" noChangeArrowheads="1"/>
-          </p:cNvPicPr>
-          <p:nvPr/>
-        </p:nvPicPr>
-        <p:blipFill>
-          <a:blip r:embed="rId3" cstate="print"/>
-          <a:srcRect/>
-          <a:stretch>
-            <a:fillRect/>
-          </a:stretch>
-        </p:blipFill>
-        <p:spPr bwMode="auto">
-          <a:xfrm>
-            <a:off x="1981200" y="2438400"/>
-            <a:ext cx="5267325" cy="2800350"/>
-          </a:xfrm>
-          <a:prstGeom prst="rect">
-            <a:avLst/>
-          </a:prstGeom>
-          <a:noFill/>
-          <a:ln w="9525">
-            <a:noFill/>
-            <a:miter lim="800000"/>
-            <a:headEnd/>
-            <a:tailEnd/>
-          </a:ln>
-        </p:spPr>
-      </p:pic>
-      <p:sp>
-        <p:nvSpPr>
-          <p:cNvPr id="4" name="Content Placeholder 2"/>
-          <p:cNvSpPr txBox="1">
-            <a:spLocks/>
-          </p:cNvSpPr>
-          <p:nvPr/>
-        </p:nvSpPr>
-        <p:spPr>
-          <a:xfrm>
-            <a:off x="533400" y="5608637"/>
-            <a:ext cx="8229600" cy="1249363"/>
-          </a:xfrm>
-          <a:prstGeom prst="rect">
-            <a:avLst/>
-          </a:prstGeom>
-        </p:spPr>
-        <p:txBody>
-          <a:bodyPr vert="horz" lIns="91440" tIns="45720" rIns="91440" bIns="45720" rtlCol="0">
-            <a:normAutofit fontScale="92500"/>
-          </a:bodyPr>
-          <a:lstStyle/>
-          <a:p>
-            <a:pPr marL="342900" marR="0" lvl="0" indent="-342900" algn="l" defTabSz="914400" rtl="0" eaLnBrk="1" fontAlgn="auto" latinLnBrk="0" hangingPunct="1">
-              <a:lnSpc>
-                <a:spcPct val="100000"/>
-              </a:lnSpc>
-              <a:spcBef>
-                <a:spcPct val="20000"/>
-              </a:spcBef>
-              <a:spcAft>
-                <a:spcPts val="0"/>
-              </a:spcAft>
-              <a:buClrTx/>
-              <a:buSzTx/>
-              <a:buFont typeface="Arial" pitchFamily="34" charset="0"/>
-              <a:buChar char="•"/>
-              <a:tabLst/>
-              <a:defRPr/>
-            </a:pPr>
-            <a:r>
-              <a:rPr lang="en-US" sz="3200" dirty="0" smtClean="0"/>
-              <a:t>10.6 seconds for 32 KB blocks.</a:t>
-            </a:r>
-          </a:p>
-          <a:p>
-            <a:pPr marL="342900" marR="0" lvl="0" indent="-342900" algn="l" defTabSz="914400" rtl="0" eaLnBrk="1" fontAlgn="auto" latinLnBrk="0" hangingPunct="1">
-              <a:lnSpc>
-                <a:spcPct val="100000"/>
-              </a:lnSpc>
-              <a:spcBef>
-                <a:spcPct val="20000"/>
-              </a:spcBef>
-              <a:spcAft>
-                <a:spcPts val="0"/>
-              </a:spcAft>
-              <a:buClrTx/>
-              <a:buSzTx/>
-              <a:buFont typeface="Arial" pitchFamily="34" charset="0"/>
-              <a:buChar char="•"/>
-              <a:tabLst/>
-              <a:defRPr/>
-            </a:pPr>
-            <a:r>
-              <a:rPr kumimoji="0" lang="en-US" sz="3200" b="0" i="0" u="none" strike="noStrike" kern="1200" cap="none" spc="0" normalizeH="0" baseline="0" noProof="0" dirty="0" smtClean="0">
-                <a:ln>
-                  <a:noFill/>
-                </a:ln>
-                <a:solidFill>
-                  <a:schemeClr val="tx1"/>
-                </a:solidFill>
-                <a:effectLst/>
-                <a:uLnTx/>
-                <a:uFillTx/>
-                <a:latin typeface="+mn-lt"/>
-                <a:ea typeface="+mn-ea"/>
-                <a:cs typeface="+mn-cs"/>
-              </a:rPr>
-              <a:t>Connection limit was 5,</a:t>
-            </a:r>
-            <a:r>
-              <a:rPr kumimoji="0" lang="en-US" sz="3200" b="0" i="0" u="none" strike="noStrike" kern="1200" cap="none" spc="0" normalizeH="0" noProof="0" dirty="0" smtClean="0">
-                <a:ln>
-                  <a:noFill/>
-                </a:ln>
-                <a:solidFill>
-                  <a:schemeClr val="tx1"/>
-                </a:solidFill>
-                <a:effectLst/>
-                <a:uLnTx/>
-                <a:uFillTx/>
-                <a:latin typeface="+mn-lt"/>
-                <a:ea typeface="+mn-ea"/>
-                <a:cs typeface="+mn-cs"/>
-              </a:rPr>
-              <a:t> so all blocks in parallel.</a:t>
-            </a:r>
-            <a:endParaRPr kumimoji="0" lang="en-US" sz="3200" b="0" i="0" u="none" strike="noStrike" kern="1200" cap="none" spc="0" normalizeH="0" baseline="0" noProof="0" dirty="0" smtClean="0">
-              <a:ln>
-                <a:noFill/>
-              </a:ln>
-              <a:solidFill>
-                <a:schemeClr val="tx1"/>
-              </a:solidFill>
-              <a:effectLst/>
-              <a:uLnTx/>
-              <a:uFillTx/>
-              <a:latin typeface="+mn-lt"/>
-              <a:ea typeface="+mn-ea"/>
-              <a:cs typeface="+mn-cs"/>
-            </a:endParaRPr>
-          </a:p>
-        </p:txBody>
-      </p:sp>
     </p:spTree>
   </p:cSld>
   <p:clrMapOvr>
@@ -9945,6 +10078,207 @@
         </p:nvSpPr>
         <p:spPr/>
         <p:txBody>
+          <a:bodyPr/>
+          <a:lstStyle/>
+          <a:p>
+            <a:r>
+              <a:rPr lang="en-US" dirty="0" smtClean="0"/>
+              <a:t>Block Size</a:t>
+            </a:r>
+            <a:endParaRPr lang="en-US" dirty="0"/>
+          </a:p>
+        </p:txBody>
+      </p:sp>
+      <p:pic>
+        <p:nvPicPr>
+          <p:cNvPr id="12290" name="Picture 2"/>
+          <p:cNvPicPr>
+            <a:picLocks noChangeAspect="1" noChangeArrowheads="1"/>
+          </p:cNvPicPr>
+          <p:nvPr/>
+        </p:nvPicPr>
+        <p:blipFill>
+          <a:blip r:embed="rId3" cstate="print"/>
+          <a:srcRect/>
+          <a:stretch>
+            <a:fillRect/>
+          </a:stretch>
+        </p:blipFill>
+        <p:spPr bwMode="auto">
+          <a:xfrm>
+            <a:off x="1981200" y="2438400"/>
+            <a:ext cx="5267325" cy="2800350"/>
+          </a:xfrm>
+          <a:prstGeom prst="rect">
+            <a:avLst/>
+          </a:prstGeom>
+          <a:noFill/>
+          <a:ln w="9525">
+            <a:noFill/>
+            <a:miter lim="800000"/>
+            <a:headEnd/>
+            <a:tailEnd/>
+          </a:ln>
+        </p:spPr>
+      </p:pic>
+      <p:sp>
+        <p:nvSpPr>
+          <p:cNvPr id="4" name="Content Placeholder 2"/>
+          <p:cNvSpPr txBox="1">
+            <a:spLocks/>
+          </p:cNvSpPr>
+          <p:nvPr/>
+        </p:nvSpPr>
+        <p:spPr>
+          <a:xfrm>
+            <a:off x="533400" y="5608637"/>
+            <a:ext cx="8229600" cy="1249363"/>
+          </a:xfrm>
+          <a:prstGeom prst="rect">
+            <a:avLst/>
+          </a:prstGeom>
+        </p:spPr>
+        <p:txBody>
+          <a:bodyPr vert="horz" lIns="91440" tIns="45720" rIns="91440" bIns="45720" rtlCol="0">
+            <a:normAutofit fontScale="92500"/>
+          </a:bodyPr>
+          <a:lstStyle/>
+          <a:p>
+            <a:pPr marL="342900" marR="0" lvl="0" indent="-342900" algn="l" defTabSz="914400" rtl="0" eaLnBrk="1" fontAlgn="auto" latinLnBrk="0" hangingPunct="1">
+              <a:lnSpc>
+                <a:spcPct val="100000"/>
+              </a:lnSpc>
+              <a:spcBef>
+                <a:spcPct val="20000"/>
+              </a:spcBef>
+              <a:spcAft>
+                <a:spcPts val="0"/>
+              </a:spcAft>
+              <a:buClrTx/>
+              <a:buSzTx/>
+              <a:buFont typeface="Arial" pitchFamily="34" charset="0"/>
+              <a:buChar char="•"/>
+              <a:tabLst/>
+              <a:defRPr/>
+            </a:pPr>
+            <a:r>
+              <a:rPr lang="en-US" sz="3200" dirty="0" smtClean="0"/>
+              <a:t>10.6 seconds for 32 KB blocks.</a:t>
+            </a:r>
+          </a:p>
+          <a:p>
+            <a:pPr marL="342900" marR="0" lvl="0" indent="-342900" algn="l" defTabSz="914400" rtl="0" eaLnBrk="1" fontAlgn="auto" latinLnBrk="0" hangingPunct="1">
+              <a:lnSpc>
+                <a:spcPct val="100000"/>
+              </a:lnSpc>
+              <a:spcBef>
+                <a:spcPct val="20000"/>
+              </a:spcBef>
+              <a:spcAft>
+                <a:spcPts val="0"/>
+              </a:spcAft>
+              <a:buClrTx/>
+              <a:buSzTx/>
+              <a:buFont typeface="Arial" pitchFamily="34" charset="0"/>
+              <a:buChar char="•"/>
+              <a:tabLst/>
+              <a:defRPr/>
+            </a:pPr>
+            <a:r>
+              <a:rPr kumimoji="0" lang="en-US" sz="3200" b="0" i="0" u="none" strike="noStrike" kern="1200" cap="none" spc="0" normalizeH="0" baseline="0" noProof="0" dirty="0" smtClean="0">
+                <a:ln>
+                  <a:noFill/>
+                </a:ln>
+                <a:solidFill>
+                  <a:schemeClr val="tx1"/>
+                </a:solidFill>
+                <a:effectLst/>
+                <a:uLnTx/>
+                <a:uFillTx/>
+                <a:latin typeface="+mn-lt"/>
+                <a:ea typeface="+mn-ea"/>
+                <a:cs typeface="+mn-cs"/>
+              </a:rPr>
+              <a:t>Connection limit was 5,</a:t>
+            </a:r>
+            <a:r>
+              <a:rPr kumimoji="0" lang="en-US" sz="3200" b="0" i="0" u="none" strike="noStrike" kern="1200" cap="none" spc="0" normalizeH="0" noProof="0" dirty="0" smtClean="0">
+                <a:ln>
+                  <a:noFill/>
+                </a:ln>
+                <a:solidFill>
+                  <a:schemeClr val="tx1"/>
+                </a:solidFill>
+                <a:effectLst/>
+                <a:uLnTx/>
+                <a:uFillTx/>
+                <a:latin typeface="+mn-lt"/>
+                <a:ea typeface="+mn-ea"/>
+                <a:cs typeface="+mn-cs"/>
+              </a:rPr>
+              <a:t> so all blocks in parallel.</a:t>
+            </a:r>
+            <a:endParaRPr kumimoji="0" lang="en-US" sz="3200" b="0" i="0" u="none" strike="noStrike" kern="1200" cap="none" spc="0" normalizeH="0" baseline="0" noProof="0" dirty="0" smtClean="0">
+              <a:ln>
+                <a:noFill/>
+              </a:ln>
+              <a:solidFill>
+                <a:schemeClr val="tx1"/>
+              </a:solidFill>
+              <a:effectLst/>
+              <a:uLnTx/>
+              <a:uFillTx/>
+              <a:latin typeface="+mn-lt"/>
+              <a:ea typeface="+mn-ea"/>
+              <a:cs typeface="+mn-cs"/>
+            </a:endParaRPr>
+          </a:p>
+        </p:txBody>
+      </p:sp>
+    </p:spTree>
+  </p:cSld>
+  <p:clrMapOvr>
+    <a:masterClrMapping/>
+  </p:clrMapOvr>
+  <p:timing>
+    <p:tnLst>
+      <p:par>
+        <p:cTn id="1" dur="indefinite" restart="never" nodeType="tmRoot"/>
+      </p:par>
+    </p:tnLst>
+  </p:timing>
+</p:sld>
+</file>
+
+<file path=ppt/slides/slide31.xml><?xml version="1.0" encoding="utf-8"?>
+<p:sld xmlns:a="http://schemas.openxmlformats.org/drawingml/2006/main" xmlns:r="http://schemas.openxmlformats.org/officeDocument/2006/relationships" xmlns:p="http://schemas.openxmlformats.org/presentationml/2006/main">
+  <p:cSld>
+    <p:spTree>
+      <p:nvGrpSpPr>
+        <p:cNvPr id="1" name=""/>
+        <p:cNvGrpSpPr/>
+        <p:nvPr/>
+      </p:nvGrpSpPr>
+      <p:grpSpPr>
+        <a:xfrm>
+          <a:off x="0" y="0"/>
+          <a:ext cx="0" cy="0"/>
+          <a:chOff x="0" y="0"/>
+          <a:chExt cx="0" cy="0"/>
+        </a:xfrm>
+      </p:grpSpPr>
+      <p:sp>
+        <p:nvSpPr>
+          <p:cNvPr id="2" name="Title 1"/>
+          <p:cNvSpPr>
+            <a:spLocks noGrp="1"/>
+          </p:cNvSpPr>
+          <p:nvPr>
+            <p:ph type="title"/>
+          </p:nvPr>
+        </p:nvSpPr>
+        <p:spPr/>
+        <p:txBody>
           <a:bodyPr>
             <a:normAutofit/>
           </a:bodyPr>
@@ -9998,7 +10332,7 @@
 </p:sld>
 </file>
 
-<file path=ppt/slides/slide31.xml><?xml version="1.0" encoding="utf-8"?>
+<file path=ppt/slides/slide32.xml><?xml version="1.0" encoding="utf-8"?>
 <p:sld xmlns:a="http://schemas.openxmlformats.org/drawingml/2006/main" xmlns:r="http://schemas.openxmlformats.org/officeDocument/2006/relationships" xmlns:p="http://schemas.openxmlformats.org/presentationml/2006/main">
   <p:cSld>
     <p:spTree>
@@ -10105,7 +10439,7 @@
 </p:sld>
 </file>
 
-<file path=ppt/slides/slide32.xml><?xml version="1.0" encoding="utf-8"?>
+<file path=ppt/slides/slide33.xml><?xml version="1.0" encoding="utf-8"?>
 <p:sld xmlns:a="http://schemas.openxmlformats.org/drawingml/2006/main" xmlns:r="http://schemas.openxmlformats.org/officeDocument/2006/relationships" xmlns:p="http://schemas.openxmlformats.org/presentationml/2006/main">
   <p:cSld>
     <p:spTree>
@@ -10310,113 +10644,6 @@
 </p:sld>
 </file>
 
-<file path=ppt/slides/slide33.xml><?xml version="1.0" encoding="utf-8"?>
-<p:sld xmlns:a="http://schemas.openxmlformats.org/drawingml/2006/main" xmlns:r="http://schemas.openxmlformats.org/officeDocument/2006/relationships" xmlns:p="http://schemas.openxmlformats.org/presentationml/2006/main">
-  <p:cSld>
-    <p:spTree>
-      <p:nvGrpSpPr>
-        <p:cNvPr id="1" name=""/>
-        <p:cNvGrpSpPr/>
-        <p:nvPr/>
-      </p:nvGrpSpPr>
-      <p:grpSpPr>
-        <a:xfrm>
-          <a:off x="0" y="0"/>
-          <a:ext cx="0" cy="0"/>
-          <a:chOff x="0" y="0"/>
-          <a:chExt cx="0" cy="0"/>
-        </a:xfrm>
-      </p:grpSpPr>
-      <p:sp>
-        <p:nvSpPr>
-          <p:cNvPr id="2" name="Title 1"/>
-          <p:cNvSpPr>
-            <a:spLocks noGrp="1"/>
-          </p:cNvSpPr>
-          <p:nvPr>
-            <p:ph type="title"/>
-          </p:nvPr>
-        </p:nvSpPr>
-        <p:spPr/>
-        <p:txBody>
-          <a:bodyPr>
-            <a:normAutofit fontScale="90000"/>
-          </a:bodyPr>
-          <a:lstStyle/>
-          <a:p>
-            <a:r>
-              <a:rPr lang="en-US" dirty="0" err="1" smtClean="0"/>
-              <a:t>BitTorrent’s</a:t>
-            </a:r>
-            <a:r>
-              <a:rPr lang="en-US" dirty="0" smtClean="0"/>
-              <a:t> </a:t>
-            </a:r>
-            <a:r>
-              <a:rPr lang="en-US" dirty="0" smtClean="0"/>
-              <a:t>Large File </a:t>
-            </a:r>
-            <a:r>
-              <a:rPr lang="en-US" dirty="0" smtClean="0"/>
-              <a:t>Optimizations</a:t>
-            </a:r>
-            <a:endParaRPr lang="en-US" dirty="0"/>
-          </a:p>
-        </p:txBody>
-      </p:sp>
-      <p:sp>
-        <p:nvSpPr>
-          <p:cNvPr id="3" name="Content Placeholder 2"/>
-          <p:cNvSpPr>
-            <a:spLocks noGrp="1"/>
-          </p:cNvSpPr>
-          <p:nvPr>
-            <p:ph idx="1"/>
-          </p:nvPr>
-        </p:nvSpPr>
-        <p:spPr/>
-        <p:txBody>
-          <a:bodyPr/>
-          <a:lstStyle/>
-          <a:p>
-            <a:r>
-              <a:rPr lang="en-US" dirty="0" smtClean="0"/>
-              <a:t>Seeds limit outgoing connections.</a:t>
-            </a:r>
-          </a:p>
-          <a:p>
-            <a:r>
-              <a:rPr lang="en-US" dirty="0" smtClean="0"/>
-              <a:t>Favors </a:t>
-            </a:r>
-            <a:r>
-              <a:rPr lang="en-US" dirty="0" smtClean="0"/>
-              <a:t>stronger connections.</a:t>
-            </a:r>
-          </a:p>
-          <a:p>
-            <a:r>
-              <a:rPr lang="en-US" dirty="0" smtClean="0"/>
-              <a:t>Dedicated tracker.</a:t>
-            </a:r>
-          </a:p>
-          <a:p>
-            <a:r>
-              <a:rPr lang="en-US" dirty="0" smtClean="0"/>
-              <a:t>Rarest Block First.</a:t>
-            </a:r>
-            <a:endParaRPr lang="en-US" dirty="0"/>
-          </a:p>
-        </p:txBody>
-      </p:sp>
-    </p:spTree>
-  </p:cSld>
-  <p:clrMapOvr>
-    <a:masterClrMapping/>
-  </p:clrMapOvr>
-</p:sld>
-</file>
-
 <file path=ppt/slides/slide34.xml><?xml version="1.0" encoding="utf-8"?>
 <p:sld xmlns:a="http://schemas.openxmlformats.org/drawingml/2006/main" xmlns:r="http://schemas.openxmlformats.org/officeDocument/2006/relationships" xmlns:p="http://schemas.openxmlformats.org/presentationml/2006/main">
   <p:cSld>
@@ -10446,12 +10673,18 @@
         </p:nvSpPr>
         <p:spPr/>
         <p:txBody>
-          <a:bodyPr/>
-          <a:lstStyle/>
-          <a:p>
-            <a:r>
-              <a:rPr lang="en-US" dirty="0" smtClean="0"/>
-              <a:t>Conclusion</a:t>
+          <a:bodyPr>
+            <a:normAutofit fontScale="90000"/>
+          </a:bodyPr>
+          <a:lstStyle/>
+          <a:p>
+            <a:r>
+              <a:rPr lang="en-US" dirty="0" err="1" smtClean="0"/>
+              <a:t>BitTorrent’s</a:t>
+            </a:r>
+            <a:r>
+              <a:rPr lang="en-US" dirty="0" smtClean="0"/>
+              <a:t> Large File Optimizations</a:t>
             </a:r>
             <a:endParaRPr lang="en-US" dirty="0"/>
           </a:p>
@@ -10469,76 +10702,32 @@
         </p:nvSpPr>
         <p:spPr/>
         <p:txBody>
-          <a:bodyPr>
-            <a:normAutofit lnSpcReduction="10000"/>
-          </a:bodyPr>
-          <a:lstStyle/>
-          <a:p>
-            <a:r>
-              <a:rPr lang="en-US" dirty="0" smtClean="0"/>
-              <a:t>Best settings.</a:t>
-            </a:r>
-          </a:p>
-          <a:p>
-            <a:pPr lvl="1"/>
-            <a:r>
-              <a:rPr lang="en-US" dirty="0" smtClean="0"/>
-              <a:t>T: 0.75 s</a:t>
-            </a:r>
-          </a:p>
-          <a:p>
-            <a:pPr lvl="1"/>
-            <a:r>
-              <a:rPr lang="en-US" dirty="0" smtClean="0"/>
-              <a:t>R: 160 KB/s</a:t>
-            </a:r>
-          </a:p>
-          <a:p>
-            <a:pPr lvl="1"/>
-            <a:r>
-              <a:rPr lang="en-US" dirty="0" smtClean="0"/>
-              <a:t>32 KB blocks</a:t>
-            </a:r>
-          </a:p>
-          <a:p>
-            <a:pPr lvl="1"/>
-            <a:r>
-              <a:rPr lang="en-US" dirty="0" smtClean="0"/>
-              <a:t>Peer limit: 16</a:t>
-            </a:r>
-          </a:p>
-          <a:p>
-            <a:pPr lvl="1"/>
-            <a:r>
-              <a:rPr lang="en-US" dirty="0" smtClean="0"/>
-              <a:t>Linger: 16 s</a:t>
-            </a:r>
-          </a:p>
-          <a:p>
-            <a:r>
-              <a:rPr lang="en-US" dirty="0" smtClean="0"/>
-              <a:t>Viable.</a:t>
-            </a:r>
-          </a:p>
-          <a:p>
-            <a:pPr lvl="1"/>
-            <a:r>
-              <a:rPr lang="en-US" dirty="0" smtClean="0"/>
-              <a:t>30 x as fast for small files</a:t>
-            </a:r>
-          </a:p>
-          <a:p>
-            <a:pPr lvl="1"/>
-            <a:r>
-              <a:rPr lang="en-US" dirty="0" smtClean="0"/>
-              <a:t>Backs off server.</a:t>
-            </a:r>
-          </a:p>
-          <a:p>
-            <a:pPr lvl="1">
-              <a:buNone/>
-            </a:pPr>
-            <a:endParaRPr lang="en-US" dirty="0" smtClean="0"/>
+          <a:bodyPr/>
+          <a:lstStyle/>
+          <a:p>
+            <a:r>
+              <a:rPr lang="en-US" dirty="0" smtClean="0"/>
+              <a:t>Seeds limit outgoing connections.</a:t>
+            </a:r>
+          </a:p>
+          <a:p>
+            <a:r>
+              <a:rPr lang="en-US" dirty="0" smtClean="0"/>
+              <a:t>Favors stronger connections.</a:t>
+            </a:r>
+          </a:p>
+          <a:p>
+            <a:r>
+              <a:rPr lang="en-US" dirty="0" smtClean="0"/>
+              <a:t>Dedicated tracker.</a:t>
+            </a:r>
+          </a:p>
+          <a:p>
+            <a:r>
+              <a:rPr lang="en-US" dirty="0" smtClean="0"/>
+              <a:t>Rarest Block First.</a:t>
+            </a:r>
+            <a:endParaRPr lang="en-US" dirty="0"/>
           </a:p>
         </p:txBody>
       </p:sp>
@@ -10583,12 +10772,8 @@
           <a:lstStyle/>
           <a:p>
             <a:r>
-              <a:rPr lang="en-US" dirty="0" err="1" smtClean="0"/>
-              <a:t>BitTorrent</a:t>
-            </a:r>
-            <a:r>
-              <a:rPr lang="en-US" dirty="0" smtClean="0"/>
-              <a:t> fails</a:t>
+              <a:rPr lang="en-US" dirty="0" smtClean="0"/>
+              <a:t>Conclusion</a:t>
             </a:r>
             <a:endParaRPr lang="en-US" dirty="0"/>
           </a:p>
@@ -10607,63 +10792,75 @@
         <p:spPr/>
         <p:txBody>
           <a:bodyPr>
-            <a:normAutofit/>
+            <a:normAutofit lnSpcReduction="10000"/>
           </a:bodyPr>
           <a:lstStyle/>
           <a:p>
             <a:r>
               <a:rPr lang="en-US" dirty="0" smtClean="0"/>
-              <a:t>Server side.</a:t>
+              <a:t>Best settings.</a:t>
             </a:r>
           </a:p>
           <a:p>
             <a:pPr lvl="1"/>
             <a:r>
-              <a:rPr lang="en-US" strike="sngStrike" dirty="0" smtClean="0"/>
-              <a:t>Per File</a:t>
+              <a:rPr lang="en-US" dirty="0" smtClean="0"/>
+              <a:t>T: 0.75 s</a:t>
             </a:r>
           </a:p>
           <a:p>
             <a:pPr lvl="1"/>
             <a:r>
-              <a:rPr lang="en-US" strike="sngStrike" dirty="0" smtClean="0"/>
-              <a:t>Have to provide traditional anyway.</a:t>
-            </a:r>
-          </a:p>
-          <a:p>
-            <a:pPr lvl="2"/>
-            <a:r>
-              <a:rPr lang="en-US" strike="sngStrike" dirty="0" smtClean="0"/>
-              <a:t>Lack of clients.</a:t>
+              <a:rPr lang="en-US" dirty="0" smtClean="0"/>
+              <a:t>R: 160 KB/s</a:t>
             </a:r>
           </a:p>
           <a:p>
             <a:pPr lvl="1"/>
             <a:r>
-              <a:rPr lang="en-US" strike="sngStrike" dirty="0" smtClean="0"/>
-              <a:t>Stigma.</a:t>
+              <a:rPr lang="en-US" dirty="0" smtClean="0"/>
+              <a:t>32 KB blocks</a:t>
             </a:r>
           </a:p>
           <a:p>
             <a:pPr lvl="1"/>
             <a:r>
-              <a:rPr lang="en-US" strike="sngStrike" dirty="0" smtClean="0"/>
-              <a:t>Extra maintenance.</a:t>
+              <a:rPr lang="en-US" dirty="0" smtClean="0"/>
+              <a:t>Peer limit: 16</a:t>
             </a:r>
           </a:p>
           <a:p>
             <a:pPr lvl="1"/>
             <a:r>
-              <a:rPr lang="en-US" strike="sngStrike" dirty="0" smtClean="0"/>
-              <a:t>Large Files.</a:t>
+              <a:rPr lang="en-US" dirty="0" smtClean="0"/>
+              <a:t>Linger: 16 s</a:t>
+            </a:r>
+          </a:p>
+          <a:p>
+            <a:r>
+              <a:rPr lang="en-US" dirty="0" smtClean="0"/>
+              <a:t>Viable.</a:t>
             </a:r>
           </a:p>
           <a:p>
             <a:pPr lvl="1"/>
             <a:r>
-              <a:rPr lang="en-US" strike="sngStrike" dirty="0" smtClean="0"/>
-              <a:t>Unknown demand.</a:t>
-            </a:r>
+              <a:rPr lang="en-US" dirty="0" smtClean="0"/>
+              <a:t>30 x as fast for small files</a:t>
+            </a:r>
+          </a:p>
+          <a:p>
+            <a:pPr lvl="1"/>
+            <a:r>
+              <a:rPr lang="en-US" dirty="0" smtClean="0"/>
+              <a:t>Backs off server.</a:t>
+            </a:r>
+          </a:p>
+          <a:p>
+            <a:pPr lvl="1">
+              <a:buNone/>
+            </a:pPr>
+            <a:endParaRPr lang="en-US" dirty="0" smtClean="0"/>
           </a:p>
         </p:txBody>
       </p:sp>
@@ -10732,93 +10929,62 @@
         <p:spPr/>
         <p:txBody>
           <a:bodyPr>
-            <a:normAutofit fontScale="92500" lnSpcReduction="20000"/>
+            <a:normAutofit/>
           </a:bodyPr>
           <a:lstStyle/>
           <a:p>
             <a:r>
               <a:rPr lang="en-US" dirty="0" smtClean="0"/>
-              <a:t>Clients</a:t>
+              <a:t>Server side.</a:t>
             </a:r>
           </a:p>
           <a:p>
             <a:pPr lvl="1"/>
             <a:r>
               <a:rPr lang="en-US" strike="sngStrike" dirty="0" smtClean="0"/>
-              <a:t>Extra setup/time per file.</a:t>
+              <a:t>Per File</a:t>
+            </a:r>
+          </a:p>
+          <a:p>
+            <a:pPr lvl="1"/>
+            <a:r>
+              <a:rPr lang="en-US" strike="sngStrike" dirty="0" smtClean="0"/>
+              <a:t>Have to provide traditional anyway.</a:t>
             </a:r>
           </a:p>
           <a:p>
             <a:pPr lvl="2"/>
             <a:r>
               <a:rPr lang="en-US" strike="sngStrike" dirty="0" smtClean="0"/>
-              <a:t>Small files</a:t>
+              <a:t>Lack of clients.</a:t>
             </a:r>
           </a:p>
           <a:p>
             <a:pPr lvl="1"/>
             <a:r>
-              <a:rPr lang="en-US" dirty="0" smtClean="0"/>
-              <a:t>Techno </a:t>
-            </a:r>
-            <a:r>
-              <a:rPr lang="en-US" dirty="0" err="1" smtClean="0"/>
-              <a:t>intelligencia</a:t>
-            </a:r>
-            <a:endParaRPr lang="en-US" dirty="0" smtClean="0"/>
+              <a:rPr lang="en-US" strike="sngStrike" dirty="0" smtClean="0"/>
+              <a:t>Stigma.</a:t>
+            </a:r>
           </a:p>
           <a:p>
             <a:pPr lvl="1"/>
             <a:r>
               <a:rPr lang="en-US" strike="sngStrike" dirty="0" smtClean="0"/>
-              <a:t>Non integrated.</a:t>
-            </a:r>
-          </a:p>
-          <a:p>
-            <a:pPr lvl="2"/>
+              <a:t>Extra maintenance.</a:t>
+            </a:r>
+          </a:p>
+          <a:p>
+            <a:pPr lvl="1"/>
             <a:r>
               <a:rPr lang="en-US" strike="sngStrike" dirty="0" smtClean="0"/>
-              <a:t>Manual.</a:t>
-            </a:r>
-            <a:endParaRPr lang="en-US" strike="sngStrike" dirty="0" smtClean="0"/>
-          </a:p>
-          <a:p>
-            <a:pPr lvl="2"/>
+              <a:t>Large Files.</a:t>
+            </a:r>
+          </a:p>
+          <a:p>
+            <a:pPr lvl="1"/>
             <a:r>
               <a:rPr lang="en-US" strike="sngStrike" dirty="0" smtClean="0"/>
-              <a:t>Not </a:t>
-            </a:r>
-            <a:r>
-              <a:rPr lang="en-US" strike="sngStrike" dirty="0" smtClean="0"/>
-              <a:t>HTTP optimized.</a:t>
-            </a:r>
-          </a:p>
-          <a:p>
-            <a:pPr lvl="1"/>
-            <a:r>
-              <a:rPr lang="en-US" strike="sngStrike" dirty="0" smtClean="0"/>
-              <a:t>It should be ignored speed-wise</a:t>
-            </a:r>
-          </a:p>
-          <a:p>
-            <a:pPr lvl="2"/>
-            <a:r>
-              <a:rPr lang="en-US" strike="sngStrike" dirty="0" smtClean="0"/>
-              <a:t>Duplicate</a:t>
-            </a:r>
-          </a:p>
-          <a:p>
-            <a:pPr lvl="2"/>
-            <a:r>
-              <a:rPr lang="en-US" strike="sngStrike" dirty="0" smtClean="0"/>
-              <a:t>Costs time</a:t>
-            </a:r>
-          </a:p>
-          <a:p>
-            <a:pPr lvl="1"/>
-            <a:r>
-              <a:rPr lang="en-US" strike="sngStrike" dirty="0" smtClean="0"/>
-              <a:t>Not available.</a:t>
+              <a:t>Unknown demand.</a:t>
             </a:r>
           </a:p>
         </p:txBody>
@@ -10832,6 +10998,157 @@
 </file>
 
 <file path=ppt/slides/slide37.xml><?xml version="1.0" encoding="utf-8"?>
+<p:sld xmlns:a="http://schemas.openxmlformats.org/drawingml/2006/main" xmlns:r="http://schemas.openxmlformats.org/officeDocument/2006/relationships" xmlns:p="http://schemas.openxmlformats.org/presentationml/2006/main">
+  <p:cSld>
+    <p:spTree>
+      <p:nvGrpSpPr>
+        <p:cNvPr id="1" name=""/>
+        <p:cNvGrpSpPr/>
+        <p:nvPr/>
+      </p:nvGrpSpPr>
+      <p:grpSpPr>
+        <a:xfrm>
+          <a:off x="0" y="0"/>
+          <a:ext cx="0" cy="0"/>
+          <a:chOff x="0" y="0"/>
+          <a:chExt cx="0" cy="0"/>
+        </a:xfrm>
+      </p:grpSpPr>
+      <p:sp>
+        <p:nvSpPr>
+          <p:cNvPr id="2" name="Title 1"/>
+          <p:cNvSpPr>
+            <a:spLocks noGrp="1"/>
+          </p:cNvSpPr>
+          <p:nvPr>
+            <p:ph type="title"/>
+          </p:nvPr>
+        </p:nvSpPr>
+        <p:spPr/>
+        <p:txBody>
+          <a:bodyPr/>
+          <a:lstStyle/>
+          <a:p>
+            <a:r>
+              <a:rPr lang="en-US" dirty="0" err="1" smtClean="0"/>
+              <a:t>BitTorrent</a:t>
+            </a:r>
+            <a:r>
+              <a:rPr lang="en-US" dirty="0" smtClean="0"/>
+              <a:t> fails</a:t>
+            </a:r>
+            <a:endParaRPr lang="en-US" dirty="0"/>
+          </a:p>
+        </p:txBody>
+      </p:sp>
+      <p:sp>
+        <p:nvSpPr>
+          <p:cNvPr id="3" name="Content Placeholder 2"/>
+          <p:cNvSpPr>
+            <a:spLocks noGrp="1"/>
+          </p:cNvSpPr>
+          <p:nvPr>
+            <p:ph idx="1"/>
+          </p:nvPr>
+        </p:nvSpPr>
+        <p:spPr/>
+        <p:txBody>
+          <a:bodyPr>
+            <a:normAutofit fontScale="92500" lnSpcReduction="20000"/>
+          </a:bodyPr>
+          <a:lstStyle/>
+          <a:p>
+            <a:r>
+              <a:rPr lang="en-US" dirty="0" smtClean="0"/>
+              <a:t>Clients</a:t>
+            </a:r>
+          </a:p>
+          <a:p>
+            <a:pPr lvl="1"/>
+            <a:r>
+              <a:rPr lang="en-US" strike="sngStrike" dirty="0" smtClean="0"/>
+              <a:t>Extra setup/time per file.</a:t>
+            </a:r>
+          </a:p>
+          <a:p>
+            <a:pPr lvl="2"/>
+            <a:r>
+              <a:rPr lang="en-US" strike="sngStrike" dirty="0" smtClean="0"/>
+              <a:t>Small files</a:t>
+            </a:r>
+          </a:p>
+          <a:p>
+            <a:pPr lvl="1"/>
+            <a:r>
+              <a:rPr lang="en-US" dirty="0" smtClean="0"/>
+              <a:t>Techno </a:t>
+            </a:r>
+            <a:r>
+              <a:rPr lang="en-US" dirty="0" err="1" smtClean="0"/>
+              <a:t>intelligencia</a:t>
+            </a:r>
+            <a:endParaRPr lang="en-US" dirty="0" smtClean="0"/>
+          </a:p>
+          <a:p>
+            <a:pPr lvl="1"/>
+            <a:r>
+              <a:rPr lang="en-US" strike="sngStrike" dirty="0" smtClean="0"/>
+              <a:t>Non integrated.</a:t>
+            </a:r>
+          </a:p>
+          <a:p>
+            <a:pPr lvl="2"/>
+            <a:r>
+              <a:rPr lang="en-US" strike="sngStrike" dirty="0" smtClean="0"/>
+              <a:t>Manual.</a:t>
+            </a:r>
+          </a:p>
+          <a:p>
+            <a:pPr lvl="2"/>
+            <a:r>
+              <a:rPr lang="en-US" strike="sngStrike" dirty="0" smtClean="0"/>
+              <a:t>Not HTTP optimized.</a:t>
+            </a:r>
+          </a:p>
+          <a:p>
+            <a:pPr lvl="1"/>
+            <a:r>
+              <a:rPr lang="en-US" strike="sngStrike" dirty="0" smtClean="0"/>
+              <a:t>It should be ignored speed-wise</a:t>
+            </a:r>
+          </a:p>
+          <a:p>
+            <a:pPr lvl="2"/>
+            <a:r>
+              <a:rPr lang="en-US" strike="sngStrike" dirty="0" smtClean="0"/>
+              <a:t>Duplicate</a:t>
+            </a:r>
+          </a:p>
+          <a:p>
+            <a:pPr lvl="2"/>
+            <a:r>
+              <a:rPr lang="en-US" strike="sngStrike" dirty="0" smtClean="0"/>
+              <a:t>Costs time</a:t>
+            </a:r>
+          </a:p>
+          <a:p>
+            <a:pPr lvl="1"/>
+            <a:r>
+              <a:rPr lang="en-US" strike="sngStrike" dirty="0" smtClean="0"/>
+              <a:t>Not available.</a:t>
+            </a:r>
+          </a:p>
+        </p:txBody>
+      </p:sp>
+    </p:spTree>
+  </p:cSld>
+  <p:clrMapOvr>
+    <a:masterClrMapping/>
+  </p:clrMapOvr>
+</p:sld>
+</file>
+
+<file path=ppt/slides/slide38.xml><?xml version="1.0" encoding="utf-8"?>
 <p:sld xmlns:a="http://schemas.openxmlformats.org/drawingml/2006/main" xmlns:r="http://schemas.openxmlformats.org/officeDocument/2006/relationships" xmlns:p="http://schemas.openxmlformats.org/presentationml/2006/main">
   <p:cSld>
     <p:spTree>
@@ -10981,110 +11298,6 @@
 </p:sld>
 </file>
 
-<file path=ppt/slides/slide38.xml><?xml version="1.0" encoding="utf-8"?>
-<p:sld xmlns:a="http://schemas.openxmlformats.org/drawingml/2006/main" xmlns:r="http://schemas.openxmlformats.org/officeDocument/2006/relationships" xmlns:p="http://schemas.openxmlformats.org/presentationml/2006/main">
-  <p:cSld>
-    <p:spTree>
-      <p:nvGrpSpPr>
-        <p:cNvPr id="1" name=""/>
-        <p:cNvGrpSpPr/>
-        <p:nvPr/>
-      </p:nvGrpSpPr>
-      <p:grpSpPr>
-        <a:xfrm>
-          <a:off x="0" y="0"/>
-          <a:ext cx="0" cy="0"/>
-          <a:chOff x="0" y="0"/>
-          <a:chExt cx="0" cy="0"/>
-        </a:xfrm>
-      </p:grpSpPr>
-      <p:sp>
-        <p:nvSpPr>
-          <p:cNvPr id="2" name="Title 1"/>
-          <p:cNvSpPr>
-            <a:spLocks noGrp="1"/>
-          </p:cNvSpPr>
-          <p:nvPr>
-            <p:ph type="title"/>
-          </p:nvPr>
-        </p:nvSpPr>
-        <p:spPr/>
-        <p:txBody>
-          <a:bodyPr/>
-          <a:lstStyle/>
-          <a:p>
-            <a:r>
-              <a:rPr lang="en-US" dirty="0" smtClean="0"/>
-              <a:t>Automatic Swarming -- Goals</a:t>
-            </a:r>
-            <a:endParaRPr lang="en-US" dirty="0"/>
-          </a:p>
-        </p:txBody>
-      </p:sp>
-      <p:sp>
-        <p:nvSpPr>
-          <p:cNvPr id="3" name="Content Placeholder 2"/>
-          <p:cNvSpPr>
-            <a:spLocks noGrp="1"/>
-          </p:cNvSpPr>
-          <p:nvPr>
-            <p:ph idx="1"/>
-          </p:nvPr>
-        </p:nvSpPr>
-        <p:spPr/>
-        <p:txBody>
-          <a:bodyPr/>
-          <a:lstStyle/>
-          <a:p>
-            <a:r>
-              <a:rPr lang="en-US" dirty="0" smtClean="0"/>
-              <a:t>Work for any file on any </a:t>
-            </a:r>
-            <a:r>
-              <a:rPr lang="en-US" dirty="0" smtClean="0"/>
-              <a:t>server without configuration.</a:t>
-            </a:r>
-            <a:endParaRPr lang="en-US" dirty="0" smtClean="0"/>
-          </a:p>
-          <a:p>
-            <a:r>
-              <a:rPr lang="en-US" dirty="0" smtClean="0"/>
-              <a:t>Easy for </a:t>
-            </a:r>
-            <a:r>
-              <a:rPr lang="en-US" dirty="0" smtClean="0"/>
-              <a:t>client use.</a:t>
-            </a:r>
-            <a:endParaRPr lang="en-US" dirty="0" smtClean="0"/>
-          </a:p>
-          <a:p>
-            <a:r>
-              <a:rPr lang="en-US" dirty="0" smtClean="0"/>
-              <a:t>No extra dedicated hardware.</a:t>
-            </a:r>
-          </a:p>
-          <a:p>
-            <a:r>
-              <a:rPr lang="en-US" dirty="0" smtClean="0"/>
-              <a:t>Work for small files.</a:t>
-            </a:r>
-          </a:p>
-          <a:p>
-            <a:r>
-              <a:rPr lang="en-US" dirty="0" smtClean="0"/>
-              <a:t>Non intrusive.</a:t>
-            </a:r>
-          </a:p>
-        </p:txBody>
-      </p:sp>
-    </p:spTree>
-  </p:cSld>
-  <p:clrMapOvr>
-    <a:masterClrMapping/>
-  </p:clrMapOvr>
-</p:sld>
-</file>
-
 <file path=ppt/slides/slide39.xml><?xml version="1.0" encoding="utf-8"?>
 <p:sld xmlns:a="http://schemas.openxmlformats.org/drawingml/2006/main" xmlns:r="http://schemas.openxmlformats.org/officeDocument/2006/relationships" xmlns:p="http://schemas.openxmlformats.org/presentationml/2006/main">
   <p:cSld>
@@ -11114,14 +11327,12 @@
         </p:nvSpPr>
         <p:spPr/>
         <p:txBody>
-          <a:bodyPr>
-            <a:normAutofit/>
-          </a:bodyPr>
-          <a:lstStyle/>
-          <a:p>
-            <a:r>
-              <a:rPr lang="en-US" dirty="0" smtClean="0"/>
-              <a:t>Automatic Swarming</a:t>
+          <a:bodyPr/>
+          <a:lstStyle/>
+          <a:p>
+            <a:r>
+              <a:rPr lang="en-US" dirty="0" smtClean="0"/>
+              <a:t>Automatic Swarming -- Goals</a:t>
             </a:r>
             <a:endParaRPr lang="en-US" dirty="0"/>
           </a:p>
@@ -11129,7 +11340,7 @@
       </p:sp>
       <p:sp>
         <p:nvSpPr>
-          <p:cNvPr id="5" name="Content Placeholder 4"/>
+          <p:cNvPr id="3" name="Content Placeholder 2"/>
           <p:cNvSpPr>
             <a:spLocks noGrp="1"/>
           </p:cNvSpPr>
@@ -11144,56 +11355,32 @@
           <a:p>
             <a:r>
               <a:rPr lang="en-US" dirty="0" smtClean="0"/>
-              <a:t>Make </a:t>
-            </a:r>
-            <a:r>
-              <a:rPr lang="en-US" dirty="0" smtClean="0"/>
-              <a:t>swarming more usable/adoptable</a:t>
-            </a:r>
-            <a:r>
-              <a:rPr lang="en-US" dirty="0" smtClean="0"/>
-              <a:t>.</a:t>
-            </a:r>
-          </a:p>
-          <a:p>
-            <a:pPr lvl="1"/>
-            <a:r>
-              <a:rPr lang="en-US" dirty="0" smtClean="0"/>
-              <a:t>Shown it is possible.</a:t>
-            </a:r>
-          </a:p>
-          <a:p>
-            <a:r>
-              <a:rPr lang="en-US" dirty="0" smtClean="0"/>
-              <a:t>Where immediately effective:</a:t>
-            </a:r>
-          </a:p>
-          <a:p>
-            <a:pPr lvl="1"/>
-            <a:r>
-              <a:rPr lang="en-US" dirty="0" smtClean="0"/>
-              <a:t>Low bandwidth server.</a:t>
-            </a:r>
-          </a:p>
-          <a:p>
-            <a:pPr lvl="1"/>
-            <a:r>
-              <a:rPr lang="en-US" dirty="0" smtClean="0"/>
-              <a:t>Larger files.</a:t>
-            </a:r>
-          </a:p>
-          <a:p>
-            <a:pPr lvl="1"/>
-            <a:r>
-              <a:rPr lang="en-US" dirty="0" smtClean="0"/>
-              <a:t>Small files on a server that is hit with a flash crowd.</a:t>
-            </a:r>
-          </a:p>
-          <a:p>
-            <a:pPr lvl="1">
-              <a:buNone/>
-            </a:pPr>
-            <a:endParaRPr lang="en-US" dirty="0" smtClean="0"/>
+              <a:t>Work for any file on any server without configuration.</a:t>
+            </a:r>
+          </a:p>
+          <a:p>
+            <a:r>
+              <a:rPr lang="en-US" dirty="0" smtClean="0"/>
+              <a:t>Easy for client use.</a:t>
+            </a:r>
+          </a:p>
+          <a:p>
+            <a:r>
+              <a:rPr lang="en-US" dirty="0" smtClean="0"/>
+              <a:t>No extra dedicated hardware.</a:t>
+            </a:r>
+          </a:p>
+          <a:p>
+            <a:r>
+              <a:rPr lang="en-US" dirty="0" smtClean="0"/>
+              <a:t>Work for small files.</a:t>
+            </a:r>
+          </a:p>
+          <a:p>
+            <a:r>
+              <a:rPr lang="en-US" dirty="0" smtClean="0"/>
+              <a:t>Non intrusive.</a:t>
+            </a:r>
           </a:p>
         </p:txBody>
       </p:sp>
@@ -11359,12 +11546,14 @@
         </p:nvSpPr>
         <p:spPr/>
         <p:txBody>
-          <a:bodyPr/>
-          <a:lstStyle/>
-          <a:p>
-            <a:r>
-              <a:rPr lang="en-US" dirty="0" smtClean="0"/>
-              <a:t>Future Work</a:t>
+          <a:bodyPr>
+            <a:normAutofit/>
+          </a:bodyPr>
+          <a:lstStyle/>
+          <a:p>
+            <a:r>
+              <a:rPr lang="en-US" dirty="0" smtClean="0"/>
+              <a:t>Automatic Swarming</a:t>
             </a:r>
             <a:endParaRPr lang="en-US" dirty="0"/>
           </a:p>
@@ -11372,7 +11561,7 @@
       </p:sp>
       <p:sp>
         <p:nvSpPr>
-          <p:cNvPr id="3" name="Content Placeholder 2"/>
+          <p:cNvPr id="5" name="Content Placeholder 4"/>
           <p:cNvSpPr>
             <a:spLocks noGrp="1"/>
           </p:cNvSpPr>
@@ -11382,76 +11571,53 @@
         </p:nvSpPr>
         <p:spPr/>
         <p:txBody>
-          <a:bodyPr>
-            <a:normAutofit lnSpcReduction="10000"/>
-          </a:bodyPr>
-          <a:lstStyle/>
-          <a:p>
-            <a:r>
-              <a:rPr lang="en-US" dirty="0" smtClean="0"/>
-              <a:t>Back off the </a:t>
-            </a:r>
-            <a:r>
-              <a:rPr lang="en-US" dirty="0" smtClean="0"/>
-              <a:t>origin (optimize for large files).</a:t>
-            </a:r>
+          <a:bodyPr/>
+          <a:lstStyle/>
+          <a:p>
+            <a:r>
+              <a:rPr lang="en-US" dirty="0" smtClean="0"/>
+              <a:t>Make swarming more usable/adoptable.</a:t>
+            </a:r>
+          </a:p>
+          <a:p>
+            <a:pPr lvl="1"/>
+            <a:r>
+              <a:rPr lang="en-US" dirty="0" smtClean="0"/>
+              <a:t>Shown it is possible.</a:t>
+            </a:r>
+          </a:p>
+          <a:p>
+            <a:r>
+              <a:rPr lang="en-US" dirty="0" smtClean="0"/>
+              <a:t>Where immediately effective:</a:t>
+            </a:r>
+          </a:p>
+          <a:p>
+            <a:pPr lvl="1"/>
+            <a:r>
+              <a:rPr lang="en-US" dirty="0" smtClean="0"/>
+              <a:t>Low bandwidth server.</a:t>
+            </a:r>
+          </a:p>
+          <a:p>
+            <a:pPr lvl="1"/>
+            <a:r>
+              <a:rPr lang="en-US" dirty="0" smtClean="0"/>
+              <a:t>Larger files.</a:t>
+            </a:r>
+          </a:p>
+          <a:p>
+            <a:pPr lvl="1"/>
+            <a:r>
+              <a:rPr lang="en-US" dirty="0" smtClean="0"/>
+              <a:t>Small files on a server that is hit with a flash crowd.</a:t>
+            </a:r>
+          </a:p>
+          <a:p>
+            <a:pPr lvl="1">
+              <a:buNone/>
+            </a:pPr>
             <a:endParaRPr lang="en-US" dirty="0" smtClean="0"/>
-          </a:p>
-          <a:p>
-            <a:r>
-              <a:rPr lang="en-US" dirty="0" smtClean="0"/>
-              <a:t>Validate Integrity.</a:t>
-            </a:r>
-          </a:p>
-          <a:p>
-            <a:r>
-              <a:rPr lang="en-US" dirty="0" smtClean="0"/>
-              <a:t>Differentiate better for static/non-static</a:t>
-            </a:r>
-            <a:r>
-              <a:rPr lang="en-US" dirty="0" smtClean="0"/>
-              <a:t>.</a:t>
-            </a:r>
-          </a:p>
-          <a:p>
-            <a:r>
-              <a:rPr lang="en-US" dirty="0" smtClean="0"/>
-              <a:t>Better use of the DHT (fairness, speed).</a:t>
-            </a:r>
-          </a:p>
-          <a:p>
-            <a:r>
-              <a:rPr lang="en-US" dirty="0" smtClean="0"/>
-              <a:t>Dynamic </a:t>
-            </a:r>
-            <a:r>
-              <a:rPr lang="en-US" dirty="0" smtClean="0"/>
-              <a:t>selection of parameters</a:t>
-            </a:r>
-            <a:r>
-              <a:rPr lang="en-US" dirty="0" smtClean="0"/>
-              <a:t>.</a:t>
-            </a:r>
-          </a:p>
-          <a:p>
-            <a:r>
-              <a:rPr lang="en-US" dirty="0" smtClean="0"/>
-              <a:t>Incentives.</a:t>
-            </a:r>
-            <a:endParaRPr lang="en-US" dirty="0" smtClean="0"/>
-          </a:p>
-          <a:p>
-            <a:r>
-              <a:rPr lang="en-US" dirty="0" smtClean="0"/>
-              <a:t>Privacy.</a:t>
-            </a:r>
-          </a:p>
-          <a:p>
-            <a:r>
-              <a:rPr lang="en-US" dirty="0" smtClean="0"/>
-              <a:t>Mirrors.</a:t>
-            </a:r>
-            <a:endParaRPr lang="en-US" dirty="0"/>
           </a:p>
         </p:txBody>
       </p:sp>
@@ -11464,6 +11630,379 @@
 </file>
 
 <file path=ppt/slides/slide41.xml><?xml version="1.0" encoding="utf-8"?>
+<p:sld xmlns:a="http://schemas.openxmlformats.org/drawingml/2006/main" xmlns:r="http://schemas.openxmlformats.org/officeDocument/2006/relationships" xmlns:p="http://schemas.openxmlformats.org/presentationml/2006/main">
+  <p:cSld>
+    <p:spTree>
+      <p:nvGrpSpPr>
+        <p:cNvPr id="1" name=""/>
+        <p:cNvGrpSpPr/>
+        <p:nvPr/>
+      </p:nvGrpSpPr>
+      <p:grpSpPr>
+        <a:xfrm>
+          <a:off x="0" y="0"/>
+          <a:ext cx="0" cy="0"/>
+          <a:chOff x="0" y="0"/>
+          <a:chExt cx="0" cy="0"/>
+        </a:xfrm>
+      </p:grpSpPr>
+      <p:sp>
+        <p:nvSpPr>
+          <p:cNvPr id="2" name="Title 1"/>
+          <p:cNvSpPr>
+            <a:spLocks noGrp="1"/>
+          </p:cNvSpPr>
+          <p:nvPr>
+            <p:ph type="title"/>
+          </p:nvPr>
+        </p:nvSpPr>
+        <p:spPr/>
+        <p:txBody>
+          <a:bodyPr/>
+          <a:lstStyle/>
+          <a:p>
+            <a:r>
+              <a:rPr lang="en-US" dirty="0" smtClean="0"/>
+              <a:t>Original slowdown</a:t>
+            </a:r>
+            <a:endParaRPr lang="en-US" dirty="0"/>
+          </a:p>
+        </p:txBody>
+      </p:sp>
+      <p:sp>
+        <p:nvSpPr>
+          <p:cNvPr id="3" name="Content Placeholder 2"/>
+          <p:cNvSpPr>
+            <a:spLocks noGrp="1"/>
+          </p:cNvSpPr>
+          <p:nvPr>
+            <p:ph idx="1"/>
+          </p:nvPr>
+        </p:nvSpPr>
+        <p:spPr>
+          <a:xfrm>
+            <a:off x="457200" y="4419600"/>
+            <a:ext cx="8229600" cy="1706563"/>
+          </a:xfrm>
+        </p:spPr>
+        <p:txBody>
+          <a:bodyPr/>
+          <a:lstStyle/>
+          <a:p>
+            <a:r>
+              <a:rPr lang="en-US" smtClean="0"/>
+              <a:t>(TODO)</a:t>
+            </a:r>
+            <a:endParaRPr lang="en-US" dirty="0"/>
+          </a:p>
+        </p:txBody>
+      </p:sp>
+      <p:pic>
+        <p:nvPicPr>
+          <p:cNvPr id="4" name="Picture 2"/>
+          <p:cNvPicPr>
+            <a:picLocks noChangeAspect="1" noChangeArrowheads="1"/>
+          </p:cNvPicPr>
+          <p:nvPr/>
+        </p:nvPicPr>
+        <p:blipFill>
+          <a:blip r:embed="rId3" cstate="print"/>
+          <a:srcRect/>
+          <a:stretch>
+            <a:fillRect/>
+          </a:stretch>
+        </p:blipFill>
+        <p:spPr bwMode="auto">
+          <a:xfrm>
+            <a:off x="381000" y="1600200"/>
+            <a:ext cx="8442145" cy="2233613"/>
+          </a:xfrm>
+          <a:prstGeom prst="rect">
+            <a:avLst/>
+          </a:prstGeom>
+          <a:noFill/>
+          <a:ln w="9525">
+            <a:noFill/>
+            <a:miter lim="800000"/>
+            <a:headEnd/>
+            <a:tailEnd/>
+          </a:ln>
+          <a:effectLst/>
+        </p:spPr>
+      </p:pic>
+    </p:spTree>
+  </p:cSld>
+  <p:clrMapOvr>
+    <a:masterClrMapping/>
+  </p:clrMapOvr>
+</p:sld>
+</file>
+
+<file path=ppt/slides/slide42.xml><?xml version="1.0" encoding="utf-8"?>
+<p:sld xmlns:a="http://schemas.openxmlformats.org/drawingml/2006/main" xmlns:r="http://schemas.openxmlformats.org/officeDocument/2006/relationships" xmlns:p="http://schemas.openxmlformats.org/presentationml/2006/main">
+  <p:cSld>
+    <p:spTree>
+      <p:nvGrpSpPr>
+        <p:cNvPr id="1" name=""/>
+        <p:cNvGrpSpPr/>
+        <p:nvPr/>
+      </p:nvGrpSpPr>
+      <p:grpSpPr>
+        <a:xfrm>
+          <a:off x="0" y="0"/>
+          <a:ext cx="0" cy="0"/>
+          <a:chOff x="0" y="0"/>
+          <a:chExt cx="0" cy="0"/>
+        </a:xfrm>
+      </p:grpSpPr>
+      <p:sp>
+        <p:nvSpPr>
+          <p:cNvPr id="2" name="Title 1"/>
+          <p:cNvSpPr>
+            <a:spLocks noGrp="1"/>
+          </p:cNvSpPr>
+          <p:nvPr>
+            <p:ph type="title"/>
+          </p:nvPr>
+        </p:nvSpPr>
+        <p:spPr/>
+        <p:txBody>
+          <a:bodyPr/>
+          <a:lstStyle/>
+          <a:p>
+            <a:r>
+              <a:rPr lang="en-US" dirty="0" smtClean="0"/>
+              <a:t>Future Work</a:t>
+            </a:r>
+            <a:endParaRPr lang="en-US" dirty="0"/>
+          </a:p>
+        </p:txBody>
+      </p:sp>
+      <p:sp>
+        <p:nvSpPr>
+          <p:cNvPr id="3" name="Content Placeholder 2"/>
+          <p:cNvSpPr>
+            <a:spLocks noGrp="1"/>
+          </p:cNvSpPr>
+          <p:nvPr>
+            <p:ph idx="1"/>
+          </p:nvPr>
+        </p:nvSpPr>
+        <p:spPr/>
+        <p:txBody>
+          <a:bodyPr>
+            <a:normAutofit fontScale="85000" lnSpcReduction="20000"/>
+          </a:bodyPr>
+          <a:lstStyle/>
+          <a:p>
+            <a:r>
+              <a:rPr lang="en-US" dirty="0" smtClean="0"/>
+              <a:t>Back off the origin (optimize for large files).</a:t>
+            </a:r>
+          </a:p>
+          <a:p>
+            <a:r>
+              <a:rPr lang="en-US" dirty="0" smtClean="0"/>
+              <a:t>Validate Integrity.</a:t>
+            </a:r>
+          </a:p>
+          <a:p>
+            <a:r>
+              <a:rPr lang="en-US" dirty="0" smtClean="0"/>
+              <a:t>Better </a:t>
+            </a:r>
+            <a:r>
+              <a:rPr lang="en-US" dirty="0" smtClean="0"/>
+              <a:t>use of the DHT (</a:t>
+            </a:r>
+            <a:r>
+              <a:rPr lang="en-US" dirty="0" smtClean="0"/>
+              <a:t>fairness).</a:t>
+            </a:r>
+          </a:p>
+          <a:p>
+            <a:pPr lvl="1"/>
+            <a:r>
+              <a:rPr lang="en-US" dirty="0" smtClean="0"/>
+              <a:t>Fairness</a:t>
+            </a:r>
+          </a:p>
+          <a:p>
+            <a:pPr lvl="1"/>
+            <a:r>
+              <a:rPr lang="en-US" dirty="0" smtClean="0"/>
+              <a:t>scalability</a:t>
+            </a:r>
+            <a:endParaRPr lang="en-US" dirty="0" smtClean="0"/>
+          </a:p>
+          <a:p>
+            <a:r>
+              <a:rPr lang="en-US" dirty="0" smtClean="0"/>
+              <a:t>Dynamic selection of parameters.</a:t>
+            </a:r>
+          </a:p>
+          <a:p>
+            <a:r>
+              <a:rPr lang="en-US" dirty="0" smtClean="0"/>
+              <a:t>Incentives</a:t>
+            </a:r>
+            <a:r>
+              <a:rPr lang="en-US" dirty="0" smtClean="0"/>
+              <a:t>.</a:t>
+            </a:r>
+          </a:p>
+          <a:p>
+            <a:pPr lvl="1"/>
+            <a:r>
+              <a:rPr lang="en-US" dirty="0" err="1" smtClean="0"/>
+              <a:t>Gameable</a:t>
+            </a:r>
+            <a:r>
+              <a:rPr lang="en-US" dirty="0" smtClean="0"/>
+              <a:t>.</a:t>
+            </a:r>
+            <a:endParaRPr lang="en-US" dirty="0" smtClean="0"/>
+          </a:p>
+          <a:p>
+            <a:r>
+              <a:rPr lang="en-US" dirty="0" smtClean="0"/>
+              <a:t>Privacy.</a:t>
+            </a:r>
+          </a:p>
+          <a:p>
+            <a:r>
+              <a:rPr lang="en-US" dirty="0" smtClean="0"/>
+              <a:t>Mirrors</a:t>
+            </a:r>
+            <a:r>
+              <a:rPr lang="en-US" dirty="0" smtClean="0"/>
+              <a:t>.</a:t>
+            </a:r>
+          </a:p>
+          <a:p>
+            <a:r>
+              <a:rPr lang="en-US" dirty="0" smtClean="0"/>
+              <a:t>At least as fast as normal.</a:t>
+            </a:r>
+            <a:endParaRPr lang="en-US" dirty="0"/>
+          </a:p>
+        </p:txBody>
+      </p:sp>
+    </p:spTree>
+  </p:cSld>
+  <p:clrMapOvr>
+    <a:masterClrMapping/>
+  </p:clrMapOvr>
+</p:sld>
+</file>
+
+<file path=ppt/slides/slide43.xml><?xml version="1.0" encoding="utf-8"?>
+<p:sld xmlns:a="http://schemas.openxmlformats.org/drawingml/2006/main" xmlns:r="http://schemas.openxmlformats.org/officeDocument/2006/relationships" xmlns:p="http://schemas.openxmlformats.org/presentationml/2006/main">
+  <p:cSld>
+    <p:spTree>
+      <p:nvGrpSpPr>
+        <p:cNvPr id="1" name=""/>
+        <p:cNvGrpSpPr/>
+        <p:nvPr/>
+      </p:nvGrpSpPr>
+      <p:grpSpPr>
+        <a:xfrm>
+          <a:off x="0" y="0"/>
+          <a:ext cx="0" cy="0"/>
+          <a:chOff x="0" y="0"/>
+          <a:chExt cx="0" cy="0"/>
+        </a:xfrm>
+      </p:grpSpPr>
+      <p:sp>
+        <p:nvSpPr>
+          <p:cNvPr id="2" name="Title 1"/>
+          <p:cNvSpPr>
+            <a:spLocks noGrp="1"/>
+          </p:cNvSpPr>
+          <p:nvPr>
+            <p:ph type="title"/>
+          </p:nvPr>
+        </p:nvSpPr>
+        <p:spPr/>
+        <p:txBody>
+          <a:bodyPr/>
+          <a:lstStyle/>
+          <a:p>
+            <a:r>
+              <a:rPr lang="en-US" dirty="0" smtClean="0"/>
+              <a:t>Current Problems</a:t>
+            </a:r>
+            <a:endParaRPr lang="en-US" dirty="0"/>
+          </a:p>
+        </p:txBody>
+      </p:sp>
+      <p:sp>
+        <p:nvSpPr>
+          <p:cNvPr id="3" name="Content Placeholder 2"/>
+          <p:cNvSpPr>
+            <a:spLocks noGrp="1"/>
+          </p:cNvSpPr>
+          <p:nvPr>
+            <p:ph idx="1"/>
+          </p:nvPr>
+        </p:nvSpPr>
+        <p:spPr/>
+        <p:txBody>
+          <a:bodyPr/>
+          <a:lstStyle/>
+          <a:p>
+            <a:r>
+              <a:rPr lang="en-US" dirty="0" smtClean="0"/>
+              <a:t>CPU bound (typical).</a:t>
+            </a:r>
+          </a:p>
+          <a:p>
+            <a:r>
+              <a:rPr lang="en-US" dirty="0" smtClean="0"/>
+              <a:t>Too slow.</a:t>
+            </a:r>
+          </a:p>
+          <a:p>
+            <a:r>
+              <a:rPr lang="en-US" dirty="0" smtClean="0"/>
+              <a:t>Differentiate between static/non-static.</a:t>
+            </a:r>
+          </a:p>
+          <a:p>
+            <a:r>
+              <a:rPr lang="en-US" dirty="0" smtClean="0"/>
+              <a:t>Greedy.</a:t>
+            </a:r>
+          </a:p>
+          <a:p>
+            <a:r>
+              <a:rPr lang="en-US" dirty="0" smtClean="0"/>
+              <a:t>Only useful in certain situations.</a:t>
+            </a:r>
+          </a:p>
+          <a:p>
+            <a:r>
+              <a:rPr lang="en-US" dirty="0" smtClean="0"/>
+              <a:t>Still has a chicken and egg problem (smaller).</a:t>
+            </a:r>
+          </a:p>
+          <a:p>
+            <a:r>
+              <a:rPr lang="en-US" dirty="0" smtClean="0"/>
+              <a:t>Prefers a slow peer to a medium fast origin.</a:t>
+            </a:r>
+          </a:p>
+        </p:txBody>
+      </p:sp>
+    </p:spTree>
+  </p:cSld>
+  <p:clrMapOvr>
+    <a:masterClrMapping/>
+  </p:clrMapOvr>
+</p:sld>
+</file>
+
+<file path=ppt/slides/slide44.xml><?xml version="1.0" encoding="utf-8"?>
 <p:sld xmlns:a="http://schemas.openxmlformats.org/drawingml/2006/main" xmlns:r="http://schemas.openxmlformats.org/officeDocument/2006/relationships" xmlns:p="http://schemas.openxmlformats.org/presentationml/2006/main">
   <p:cSld>
     <p:spTree>
@@ -11816,7 +12355,6 @@
               <a:rPr lang="en-US" dirty="0" smtClean="0"/>
               <a:t>Wait around.</a:t>
             </a:r>
-            <a:endParaRPr lang="en-US" dirty="0" smtClean="0"/>
           </a:p>
           <a:p>
             <a:r>
@@ -12302,24 +12840,15 @@
             <a:pPr lvl="1"/>
             <a:r>
               <a:rPr lang="en-US" dirty="0" smtClean="0"/>
-              <a:t>Run a tracker</a:t>
-            </a:r>
-            <a:r>
-              <a:rPr lang="en-US" dirty="0" smtClean="0"/>
-              <a:t>.</a:t>
+              <a:t>Run a tracker.</a:t>
             </a:r>
           </a:p>
           <a:p>
             <a:pPr lvl="1"/>
             <a:r>
               <a:rPr lang="en-US" dirty="0" smtClean="0"/>
-              <a:t>Peers download and share blocks (</a:t>
-            </a:r>
-            <a:r>
-              <a:rPr lang="en-US" dirty="0" smtClean="0"/>
-              <a:t>efficiently).</a:t>
-            </a:r>
-            <a:endParaRPr lang="en-US" dirty="0" smtClean="0"/>
+              <a:t>Peers download and share blocks (efficiently).</a:t>
+            </a:r>
           </a:p>
           <a:p>
             <a:pPr lvl="1"/>

--- a/thesis_presentation/How to Make the Internet Faster.pptx
+++ b/thesis_presentation/How to Make the Internet Faster.pptx
@@ -9,8 +9,8 @@
   </p:notesMasterIdLst>
   <p:sldIdLst>
     <p:sldId id="256" r:id="rId2"/>
-    <p:sldId id="263" r:id="rId3"/>
-    <p:sldId id="284" r:id="rId4"/>
+    <p:sldId id="284" r:id="rId3"/>
+    <p:sldId id="263" r:id="rId4"/>
     <p:sldId id="257" r:id="rId5"/>
     <p:sldId id="258" r:id="rId6"/>
     <p:sldId id="259" r:id="rId7"/>
@@ -30,24 +30,24 @@
     <p:sldId id="302" r:id="rId21"/>
     <p:sldId id="268" r:id="rId22"/>
     <p:sldId id="269" r:id="rId23"/>
-    <p:sldId id="281" r:id="rId24"/>
-    <p:sldId id="270" r:id="rId25"/>
-    <p:sldId id="271" r:id="rId26"/>
-    <p:sldId id="272" r:id="rId27"/>
-    <p:sldId id="273" r:id="rId28"/>
-    <p:sldId id="274" r:id="rId29"/>
-    <p:sldId id="275" r:id="rId30"/>
-    <p:sldId id="276" r:id="rId31"/>
-    <p:sldId id="277" r:id="rId32"/>
-    <p:sldId id="290" r:id="rId33"/>
-    <p:sldId id="278" r:id="rId34"/>
-    <p:sldId id="294" r:id="rId35"/>
-    <p:sldId id="279" r:id="rId36"/>
-    <p:sldId id="295" r:id="rId37"/>
-    <p:sldId id="296" r:id="rId38"/>
-    <p:sldId id="297" r:id="rId39"/>
-    <p:sldId id="298" r:id="rId40"/>
-    <p:sldId id="299" r:id="rId41"/>
+    <p:sldId id="303" r:id="rId24"/>
+    <p:sldId id="281" r:id="rId25"/>
+    <p:sldId id="270" r:id="rId26"/>
+    <p:sldId id="271" r:id="rId27"/>
+    <p:sldId id="272" r:id="rId28"/>
+    <p:sldId id="273" r:id="rId29"/>
+    <p:sldId id="274" r:id="rId30"/>
+    <p:sldId id="275" r:id="rId31"/>
+    <p:sldId id="276" r:id="rId32"/>
+    <p:sldId id="277" r:id="rId33"/>
+    <p:sldId id="290" r:id="rId34"/>
+    <p:sldId id="278" r:id="rId35"/>
+    <p:sldId id="294" r:id="rId36"/>
+    <p:sldId id="279" r:id="rId37"/>
+    <p:sldId id="298" r:id="rId38"/>
+    <p:sldId id="295" r:id="rId39"/>
+    <p:sldId id="296" r:id="rId40"/>
+    <p:sldId id="297" r:id="rId41"/>
     <p:sldId id="301" r:id="rId42"/>
     <p:sldId id="280" r:id="rId43"/>
     <p:sldId id="300" r:id="rId44"/>
@@ -1541,7 +1541,17 @@
             </a:r>
             <a:r>
               <a:rPr lang="en-US" baseline="0" dirty="0" smtClean="0"/>
-              <a:t> fault.</a:t>
+              <a:t> fault</a:t>
+            </a:r>
+            <a:r>
+              <a:rPr lang="en-US" baseline="0" dirty="0" smtClean="0"/>
+              <a:t>.</a:t>
+            </a:r>
+          </a:p>
+          <a:p>
+            <a:r>
+              <a:rPr lang="en-US" baseline="0" dirty="0" smtClean="0"/>
+              <a:t>Defense dream.</a:t>
             </a:r>
             <a:endParaRPr lang="en-US" dirty="0" smtClean="0"/>
           </a:p>
@@ -1565,7 +1575,7 @@
             <a:fld id="{CFD85767-B34F-4122-8642-982296400DCD}" type="slidenum">
               <a:rPr lang="en-US" smtClean="0"/>
               <a:pPr/>
-              <a:t>2</a:t>
+              <a:t>3</a:t>
             </a:fld>
             <a:endParaRPr lang="en-US"/>
           </a:p>
@@ -1625,10 +1635,6 @@
           </a:bodyPr>
           <a:lstStyle/>
           <a:p>
-            <a:r>
-              <a:rPr lang="en-US" baseline="0" dirty="0" smtClean="0"/>
-              <a:t>TODO real graph here.</a:t>
-            </a:r>
             <a:endParaRPr lang="en-US" dirty="0"/>
           </a:p>
         </p:txBody>
@@ -1651,7 +1657,7 @@
             <a:fld id="{CFD85767-B34F-4122-8642-982296400DCD}" type="slidenum">
               <a:rPr lang="en-US" smtClean="0"/>
               <a:pPr/>
-              <a:t>23</a:t>
+              <a:t>24</a:t>
             </a:fld>
             <a:endParaRPr lang="en-US"/>
           </a:p>
@@ -1733,7 +1739,7 @@
             <a:fld id="{CFD85767-B34F-4122-8642-982296400DCD}" type="slidenum">
               <a:rPr lang="en-US" smtClean="0"/>
               <a:pPr/>
-              <a:t>24</a:t>
+              <a:t>25</a:t>
             </a:fld>
             <a:endParaRPr lang="en-US"/>
           </a:p>
@@ -1815,7 +1821,7 @@
             <a:fld id="{CFD85767-B34F-4122-8642-982296400DCD}" type="slidenum">
               <a:rPr lang="en-US" smtClean="0"/>
               <a:pPr/>
-              <a:t>25</a:t>
+              <a:t>26</a:t>
             </a:fld>
             <a:endParaRPr lang="en-US"/>
           </a:p>
@@ -1875,19 +1881,7 @@
           </a:bodyPr>
           <a:lstStyle/>
           <a:p>
-            <a:r>
-              <a:rPr lang="en-US" dirty="0" smtClean="0"/>
-              <a:t>Please redo one graph here. Please?</a:t>
-            </a:r>
-          </a:p>
-          <a:p>
             <a:endParaRPr lang="en-US" dirty="0" smtClean="0"/>
-          </a:p>
-          <a:p>
-            <a:r>
-              <a:rPr lang="en-US" dirty="0" smtClean="0"/>
-              <a:t>TODO that is not peers per second and it lops off the one graph.</a:t>
-            </a:r>
           </a:p>
         </p:txBody>
       </p:sp>
@@ -1909,7 +1903,7 @@
             <a:fld id="{CFD85767-B34F-4122-8642-982296400DCD}" type="slidenum">
               <a:rPr lang="en-US" smtClean="0"/>
               <a:pPr/>
-              <a:t>26</a:t>
+              <a:t>27</a:t>
             </a:fld>
             <a:endParaRPr lang="en-US"/>
           </a:p>
@@ -2016,7 +2010,7 @@
             <a:fld id="{CFD85767-B34F-4122-8642-982296400DCD}" type="slidenum">
               <a:rPr lang="en-US" smtClean="0"/>
               <a:pPr/>
-              <a:t>27</a:t>
+              <a:t>28</a:t>
             </a:fld>
             <a:endParaRPr lang="en-US"/>
           </a:p>
@@ -2112,7 +2106,7 @@
             <a:fld id="{CFD85767-B34F-4122-8642-982296400DCD}" type="slidenum">
               <a:rPr lang="en-US" smtClean="0"/>
               <a:pPr/>
-              <a:t>28</a:t>
+              <a:t>29</a:t>
             </a:fld>
             <a:endParaRPr lang="en-US"/>
           </a:p>
@@ -2194,7 +2188,7 @@
             <a:fld id="{CFD85767-B34F-4122-8642-982296400DCD}" type="slidenum">
               <a:rPr lang="en-US" smtClean="0"/>
               <a:pPr/>
-              <a:t>29</a:t>
+              <a:t>30</a:t>
             </a:fld>
             <a:endParaRPr lang="en-US"/>
           </a:p>
@@ -2284,7 +2278,7 @@
             <a:fld id="{CFD85767-B34F-4122-8642-982296400DCD}" type="slidenum">
               <a:rPr lang="en-US" smtClean="0"/>
               <a:pPr/>
-              <a:t>30</a:t>
+              <a:t>31</a:t>
             </a:fld>
             <a:endParaRPr lang="en-US"/>
           </a:p>
@@ -2366,7 +2360,7 @@
             <a:fld id="{CFD85767-B34F-4122-8642-982296400DCD}" type="slidenum">
               <a:rPr lang="en-US" smtClean="0"/>
               <a:pPr/>
-              <a:t>31</a:t>
+              <a:t>32</a:t>
             </a:fld>
             <a:endParaRPr lang="en-US"/>
           </a:p>
@@ -2472,7 +2466,7 @@
             <a:fld id="{CFD85767-B34F-4122-8642-982296400DCD}" type="slidenum">
               <a:rPr lang="en-US" smtClean="0"/>
               <a:pPr/>
-              <a:t>33</a:t>
+              <a:t>34</a:t>
             </a:fld>
             <a:endParaRPr lang="en-US"/>
           </a:p>
@@ -2901,7 +2895,7 @@
             <a:fld id="{CFD85767-B34F-4122-8642-982296400DCD}" type="slidenum">
               <a:rPr lang="en-US" smtClean="0"/>
               <a:pPr/>
-              <a:t>34</a:t>
+              <a:t>35</a:t>
             </a:fld>
             <a:endParaRPr lang="en-US"/>
           </a:p>
@@ -2963,11 +2957,11 @@
           <a:p>
             <a:r>
               <a:rPr lang="en-US" dirty="0" smtClean="0"/>
-              <a:t>This was a feasibility</a:t>
-            </a:r>
-            <a:r>
-              <a:rPr lang="en-US" baseline="0" dirty="0" smtClean="0"/>
-              <a:t> test to see if it’s possible to combine normal download with swarming in a sane manner.</a:t>
+              <a:t>I *wish* I could conclude it worked well for larger files, too, but I guess I can’t say </a:t>
+            </a:r>
+            <a:r>
+              <a:rPr lang="en-US" smtClean="0"/>
+              <a:t>that.</a:t>
             </a:r>
             <a:endParaRPr lang="en-US" dirty="0"/>
           </a:p>
@@ -2991,7 +2985,7 @@
             <a:fld id="{CFD85767-B34F-4122-8642-982296400DCD}" type="slidenum">
               <a:rPr lang="en-US" smtClean="0"/>
               <a:pPr/>
-              <a:t>35</a:t>
+              <a:t>36</a:t>
             </a:fld>
             <a:endParaRPr lang="en-US"/>
           </a:p>
@@ -3047,28 +3041,11 @@
         <p:spPr/>
         <p:txBody>
           <a:bodyPr>
-            <a:normAutofit lnSpcReduction="10000"/>
+            <a:normAutofit/>
           </a:bodyPr>
           <a:lstStyle/>
           <a:p>
-            <a:pPr marL="0" marR="0" indent="0" algn="l" defTabSz="914400" rtl="0" eaLnBrk="1" fontAlgn="auto" latinLnBrk="0" hangingPunct="1">
-              <a:lnSpc>
-                <a:spcPct val="100000"/>
-              </a:lnSpc>
-              <a:spcBef>
-                <a:spcPts val="0"/>
-              </a:spcBef>
-              <a:spcAft>
-                <a:spcPts val="0"/>
-              </a:spcAft>
-              <a:buClrTx/>
-              <a:buSzTx/>
-              <a:buFontTx/>
-              <a:buNone/>
-              <a:tabLst/>
-              <a:defRPr/>
-            </a:pPr>
-            <a:endParaRPr lang="en-US" dirty="0" smtClean="0"/>
+            <a:endParaRPr lang="en-US" dirty="0"/>
           </a:p>
         </p:txBody>
       </p:sp>
@@ -3090,7 +3067,7 @@
             <a:fld id="{CFD85767-B34F-4122-8642-982296400DCD}" type="slidenum">
               <a:rPr lang="en-US" smtClean="0"/>
               <a:pPr/>
-              <a:t>36</a:t>
+              <a:t>37</a:t>
             </a:fld>
             <a:endParaRPr lang="en-US"/>
           </a:p>
@@ -3146,11 +3123,28 @@
         <p:spPr/>
         <p:txBody>
           <a:bodyPr>
-            <a:normAutofit/>
+            <a:normAutofit lnSpcReduction="10000"/>
           </a:bodyPr>
           <a:lstStyle/>
           <a:p>
-            <a:endParaRPr lang="en-US" dirty="0"/>
+            <a:pPr marL="0" marR="0" indent="0" algn="l" defTabSz="914400" rtl="0" eaLnBrk="1" fontAlgn="auto" latinLnBrk="0" hangingPunct="1">
+              <a:lnSpc>
+                <a:spcPct val="100000"/>
+              </a:lnSpc>
+              <a:spcBef>
+                <a:spcPts val="0"/>
+              </a:spcBef>
+              <a:spcAft>
+                <a:spcPts val="0"/>
+              </a:spcAft>
+              <a:buClrTx/>
+              <a:buSzTx/>
+              <a:buFontTx/>
+              <a:buNone/>
+              <a:tabLst/>
+              <a:defRPr/>
+            </a:pPr>
+            <a:endParaRPr lang="en-US" dirty="0" smtClean="0"/>
           </a:p>
         </p:txBody>
       </p:sp>
@@ -3172,7 +3166,7 @@
             <a:fld id="{CFD85767-B34F-4122-8642-982296400DCD}" type="slidenum">
               <a:rPr lang="en-US" smtClean="0"/>
               <a:pPr/>
-              <a:t>37</a:t>
+              <a:t>38</a:t>
             </a:fld>
             <a:endParaRPr lang="en-US"/>
           </a:p>
@@ -3254,7 +3248,7 @@
             <a:fld id="{CFD85767-B34F-4122-8642-982296400DCD}" type="slidenum">
               <a:rPr lang="en-US" smtClean="0"/>
               <a:pPr/>
-              <a:t>38</a:t>
+              <a:t>39</a:t>
             </a:fld>
             <a:endParaRPr lang="en-US"/>
           </a:p>
@@ -3336,7 +3330,7 @@
             <a:fld id="{CFD85767-B34F-4122-8642-982296400DCD}" type="slidenum">
               <a:rPr lang="en-US" smtClean="0"/>
               <a:pPr/>
-              <a:t>39</a:t>
+              <a:t>40</a:t>
             </a:fld>
             <a:endParaRPr lang="en-US"/>
           </a:p>
@@ -3396,7 +3390,62 @@
           </a:bodyPr>
           <a:lstStyle/>
           <a:p>
+            <a:r>
+              <a:rPr lang="en-US" dirty="0" smtClean="0"/>
+              <a:t>Some </a:t>
+            </a:r>
+            <a:r>
+              <a:rPr lang="en-US" dirty="0" err="1" smtClean="0"/>
+              <a:t>sourceforge</a:t>
+            </a:r>
+            <a:r>
+              <a:rPr lang="en-US" dirty="0" smtClean="0"/>
+              <a:t> download</a:t>
+            </a:r>
+          </a:p>
+          <a:p>
+            <a:r>
+              <a:rPr lang="en-US" dirty="0" smtClean="0"/>
+              <a:t>Two proxy instances</a:t>
+            </a:r>
+          </a:p>
+          <a:p>
+            <a:r>
+              <a:rPr lang="en-US" dirty="0" smtClean="0"/>
+              <a:t>One has it</a:t>
+            </a:r>
+          </a:p>
+          <a:p>
+            <a:r>
+              <a:rPr lang="en-US" dirty="0" smtClean="0"/>
+              <a:t>One fresh one that can get it from the other</a:t>
+            </a:r>
+          </a:p>
+          <a:p>
+            <a:r>
+              <a:rPr lang="en-US" dirty="0" smtClean="0"/>
+              <a:t>Download it from the fresh one straight.</a:t>
+            </a:r>
+          </a:p>
+          <a:p>
             <a:endParaRPr lang="en-US" dirty="0" smtClean="0"/>
+          </a:p>
+          <a:p>
+            <a:r>
+              <a:rPr lang="en-US" dirty="0" smtClean="0"/>
+              <a:t>Compare speeds.</a:t>
+            </a:r>
+          </a:p>
+          <a:p>
+            <a:r>
+              <a:rPr lang="en-US" dirty="0" smtClean="0"/>
+              <a:t>Better be something big,</a:t>
+            </a:r>
+            <a:r>
+              <a:rPr lang="en-US" baseline="0" dirty="0" smtClean="0"/>
+              <a:t> I suppose.</a:t>
+            </a:r>
+            <a:endParaRPr lang="en-US" dirty="0"/>
           </a:p>
         </p:txBody>
       </p:sp>
@@ -3418,7 +3467,7 @@
             <a:fld id="{CFD85767-B34F-4122-8642-982296400DCD}" type="slidenum">
               <a:rPr lang="en-US" smtClean="0"/>
               <a:pPr/>
-              <a:t>40</a:t>
+              <a:t>41</a:t>
             </a:fld>
             <a:endParaRPr lang="en-US"/>
           </a:p>
@@ -3480,59 +3529,17 @@
           <a:p>
             <a:r>
               <a:rPr lang="en-US" dirty="0" smtClean="0"/>
-              <a:t>Some </a:t>
-            </a:r>
-            <a:r>
-              <a:rPr lang="en-US" dirty="0" err="1" smtClean="0"/>
-              <a:t>sourceforge</a:t>
-            </a:r>
-            <a:r>
-              <a:rPr lang="en-US" dirty="0" smtClean="0"/>
-              <a:t> download</a:t>
-            </a:r>
-          </a:p>
-          <a:p>
-            <a:r>
-              <a:rPr lang="en-US" dirty="0" smtClean="0"/>
-              <a:t>Two proxy instances</a:t>
-            </a:r>
-          </a:p>
-          <a:p>
-            <a:r>
-              <a:rPr lang="en-US" dirty="0" smtClean="0"/>
-              <a:t>One has it</a:t>
-            </a:r>
-          </a:p>
-          <a:p>
-            <a:r>
-              <a:rPr lang="en-US" dirty="0" smtClean="0"/>
-              <a:t>One fresh one that can get it from the other</a:t>
-            </a:r>
-          </a:p>
-          <a:p>
-            <a:r>
-              <a:rPr lang="en-US" dirty="0" smtClean="0"/>
-              <a:t>Download it from the fresh one straight.</a:t>
-            </a:r>
-          </a:p>
-          <a:p>
-            <a:endParaRPr lang="en-US" dirty="0" smtClean="0"/>
-          </a:p>
-          <a:p>
-            <a:r>
-              <a:rPr lang="en-US" dirty="0" smtClean="0"/>
-              <a:t>Compare speeds.</a:t>
-            </a:r>
-          </a:p>
-          <a:p>
-            <a:r>
-              <a:rPr lang="en-US" dirty="0" smtClean="0"/>
-              <a:t>Better be something big,</a:t>
-            </a:r>
-            <a:r>
-              <a:rPr lang="en-US" baseline="0" dirty="0" smtClean="0"/>
-              <a:t> I suppose.</a:t>
-            </a:r>
+              <a:t>Where immediately effective:</a:t>
+            </a:r>
+          </a:p>
+          <a:p>
+            <a:pPr lvl="1"/>
+            <a:r>
+              <a:rPr lang="en-US" dirty="0" smtClean="0"/>
+              <a:t>Low bandwidth server.</a:t>
+            </a:r>
+          </a:p>
+          <a:p>
             <a:endParaRPr lang="en-US" dirty="0"/>
           </a:p>
         </p:txBody>
@@ -3555,7 +3562,7 @@
             <a:fld id="{CFD85767-B34F-4122-8642-982296400DCD}" type="slidenum">
               <a:rPr lang="en-US" smtClean="0"/>
               <a:pPr/>
-              <a:t>41</a:t>
+              <a:t>42</a:t>
             </a:fld>
             <a:endParaRPr lang="en-US"/>
           </a:p>
@@ -3570,88 +3577,6 @@
 </file>
 
 <file path=ppt/notesSlides/notesSlide38.xml><?xml version="1.0" encoding="utf-8"?>
-<p:notes xmlns:a="http://schemas.openxmlformats.org/drawingml/2006/main" xmlns:r="http://schemas.openxmlformats.org/officeDocument/2006/relationships" xmlns:p="http://schemas.openxmlformats.org/presentationml/2006/main">
-  <p:cSld>
-    <p:spTree>
-      <p:nvGrpSpPr>
-        <p:cNvPr id="1" name=""/>
-        <p:cNvGrpSpPr/>
-        <p:nvPr/>
-      </p:nvGrpSpPr>
-      <p:grpSpPr>
-        <a:xfrm>
-          <a:off x="0" y="0"/>
-          <a:ext cx="0" cy="0"/>
-          <a:chOff x="0" y="0"/>
-          <a:chExt cx="0" cy="0"/>
-        </a:xfrm>
-      </p:grpSpPr>
-      <p:sp>
-        <p:nvSpPr>
-          <p:cNvPr id="2" name="Slide Image Placeholder 1"/>
-          <p:cNvSpPr>
-            <a:spLocks noGrp="1" noRot="1" noChangeAspect="1"/>
-          </p:cNvSpPr>
-          <p:nvPr>
-            <p:ph type="sldImg"/>
-          </p:nvPr>
-        </p:nvSpPr>
-        <p:spPr/>
-      </p:sp>
-      <p:sp>
-        <p:nvSpPr>
-          <p:cNvPr id="3" name="Notes Placeholder 2"/>
-          <p:cNvSpPr>
-            <a:spLocks noGrp="1"/>
-          </p:cNvSpPr>
-          <p:nvPr>
-            <p:ph type="body" idx="1"/>
-          </p:nvPr>
-        </p:nvSpPr>
-        <p:spPr/>
-        <p:txBody>
-          <a:bodyPr>
-            <a:normAutofit/>
-          </a:bodyPr>
-          <a:lstStyle/>
-          <a:p>
-            <a:endParaRPr lang="en-US" dirty="0"/>
-          </a:p>
-        </p:txBody>
-      </p:sp>
-      <p:sp>
-        <p:nvSpPr>
-          <p:cNvPr id="4" name="Slide Number Placeholder 3"/>
-          <p:cNvSpPr>
-            <a:spLocks noGrp="1"/>
-          </p:cNvSpPr>
-          <p:nvPr>
-            <p:ph type="sldNum" sz="quarter" idx="10"/>
-          </p:nvPr>
-        </p:nvSpPr>
-        <p:spPr/>
-        <p:txBody>
-          <a:bodyPr/>
-          <a:lstStyle/>
-          <a:p>
-            <a:fld id="{CFD85767-B34F-4122-8642-982296400DCD}" type="slidenum">
-              <a:rPr lang="en-US" smtClean="0"/>
-              <a:pPr/>
-              <a:t>42</a:t>
-            </a:fld>
-            <a:endParaRPr lang="en-US"/>
-          </a:p>
-        </p:txBody>
-      </p:sp>
-    </p:spTree>
-  </p:cSld>
-  <p:clrMapOvr>
-    <a:masterClrMapping/>
-  </p:clrMapOvr>
-</p:notes>
-</file>
-
-<file path=ppt/notesSlides/notesSlide39.xml><?xml version="1.0" encoding="utf-8"?>
 <p:notes xmlns:a="http://schemas.openxmlformats.org/drawingml/2006/main" xmlns:r="http://schemas.openxmlformats.org/officeDocument/2006/relationships" xmlns:p="http://schemas.openxmlformats.org/presentationml/2006/main">
   <p:cSld>
     <p:spTree>
@@ -7289,6 +7214,13 @@
   <p:clrMapOvr>
     <a:masterClrMapping/>
   </p:clrMapOvr>
+  <p:timing>
+    <p:tnLst>
+      <p:par>
+        <p:cTn id="1" dur="indefinite" restart="never" nodeType="tmRoot"/>
+      </p:par>
+    </p:tnLst>
+  </p:timing>
 </p:sld>
 </file>
 
@@ -7414,6 +7346,13 @@
   <p:clrMapOvr>
     <a:masterClrMapping/>
   </p:clrMapOvr>
+  <p:timing>
+    <p:tnLst>
+      <p:par>
+        <p:cTn id="1" dur="indefinite" restart="never" nodeType="tmRoot"/>
+      </p:par>
+    </p:tnLst>
+  </p:timing>
 </p:sld>
 </file>
 
@@ -7474,7 +7413,7 @@
         <p:spPr/>
         <p:txBody>
           <a:bodyPr>
-            <a:normAutofit fontScale="92500" lnSpcReduction="20000"/>
+            <a:normAutofit fontScale="85000" lnSpcReduction="20000"/>
           </a:bodyPr>
           <a:lstStyle/>
           <a:p>
@@ -7548,8 +7487,31 @@
             <a:pPr lvl="2"/>
             <a:r>
               <a:rPr lang="en-US" dirty="0" smtClean="0"/>
-              <a:t>Costs time</a:t>
-            </a:r>
+              <a:t>Costs </a:t>
+            </a:r>
+            <a:r>
+              <a:rPr lang="en-US" dirty="0" smtClean="0"/>
+              <a:t>time</a:t>
+            </a:r>
+          </a:p>
+          <a:p>
+            <a:pPr lvl="3"/>
+            <a:r>
+              <a:rPr lang="en-US" dirty="0" err="1" smtClean="0"/>
+              <a:t>Warmup</a:t>
+            </a:r>
+            <a:r>
+              <a:rPr lang="en-US" dirty="0" smtClean="0"/>
+              <a:t> phase.</a:t>
+            </a:r>
+          </a:p>
+          <a:p>
+            <a:pPr lvl="3"/>
+            <a:r>
+              <a:rPr lang="en-US" dirty="0" smtClean="0"/>
+              <a:t>Transition.</a:t>
+            </a:r>
+            <a:endParaRPr lang="en-US" dirty="0" smtClean="0"/>
           </a:p>
           <a:p>
             <a:pPr lvl="1"/>
@@ -7565,6 +7527,13 @@
   <p:clrMapOvr>
     <a:masterClrMapping/>
   </p:clrMapOvr>
+  <p:timing>
+    <p:tnLst>
+      <p:par>
+        <p:cTn id="1" dur="indefinite" restart="never" nodeType="tmRoot"/>
+      </p:par>
+    </p:tnLst>
+  </p:timing>
 </p:sld>
 </file>
 
@@ -7821,6 +7790,13 @@
   <p:clrMapOvr>
     <a:masterClrMapping/>
   </p:clrMapOvr>
+  <p:timing>
+    <p:tnLst>
+      <p:par>
+        <p:cTn id="1" dur="indefinite" restart="never" nodeType="tmRoot"/>
+      </p:par>
+    </p:tnLst>
+  </p:timing>
 </p:sld>
 </file>
 
@@ -7929,6 +7905,13 @@
   <p:clrMapOvr>
     <a:masterClrMapping/>
   </p:clrMapOvr>
+  <p:timing>
+    <p:tnLst>
+      <p:par>
+        <p:cTn id="1" dur="indefinite" restart="never" nodeType="tmRoot"/>
+      </p:par>
+    </p:tnLst>
+  </p:timing>
 </p:sld>
 </file>
 
@@ -8016,6 +7999,13 @@
   <p:clrMapOvr>
     <a:masterClrMapping/>
   </p:clrMapOvr>
+  <p:timing>
+    <p:tnLst>
+      <p:par>
+        <p:cTn id="1" dur="indefinite" restart="never" nodeType="tmRoot"/>
+      </p:par>
+    </p:tnLst>
+  </p:timing>
 </p:sld>
 </file>
 
@@ -8163,7 +8153,7 @@
       </p:sp>
       <p:pic>
         <p:nvPicPr>
-          <p:cNvPr id="4" name="Picture 3"/>
+          <p:cNvPr id="5122" name="Picture 2"/>
           <p:cNvPicPr>
             <a:picLocks noChangeAspect="1" noChangeArrowheads="1"/>
           </p:cNvPicPr>
@@ -8178,8 +8168,72 @@
         </p:blipFill>
         <p:spPr bwMode="auto">
           <a:xfrm>
-            <a:off x="0" y="2209800"/>
-            <a:ext cx="9601200" cy="2209800"/>
+            <a:off x="381000" y="1600200"/>
+            <a:ext cx="3709988" cy="2215615"/>
+          </a:xfrm>
+          <a:prstGeom prst="rect">
+            <a:avLst/>
+          </a:prstGeom>
+          <a:noFill/>
+          <a:ln w="9525">
+            <a:noFill/>
+            <a:miter lim="800000"/>
+            <a:headEnd/>
+            <a:tailEnd/>
+          </a:ln>
+        </p:spPr>
+      </p:pic>
+      <p:pic>
+        <p:nvPicPr>
+          <p:cNvPr id="5123" name="Picture 3"/>
+          <p:cNvPicPr>
+            <a:picLocks noChangeAspect="1" noChangeArrowheads="1"/>
+          </p:cNvPicPr>
+          <p:nvPr/>
+        </p:nvPicPr>
+        <p:blipFill>
+          <a:blip r:embed="rId4" cstate="print"/>
+          <a:srcRect/>
+          <a:stretch>
+            <a:fillRect/>
+          </a:stretch>
+        </p:blipFill>
+        <p:spPr bwMode="auto">
+          <a:xfrm>
+            <a:off x="4495800" y="1828800"/>
+            <a:ext cx="3944678" cy="1871663"/>
+          </a:xfrm>
+          <a:prstGeom prst="rect">
+            <a:avLst/>
+          </a:prstGeom>
+          <a:noFill/>
+          <a:ln w="9525">
+            <a:noFill/>
+            <a:miter lim="800000"/>
+            <a:headEnd/>
+            <a:tailEnd/>
+          </a:ln>
+        </p:spPr>
+      </p:pic>
+      <p:pic>
+        <p:nvPicPr>
+          <p:cNvPr id="5124" name="Picture 4"/>
+          <p:cNvPicPr>
+            <a:picLocks noChangeAspect="1" noChangeArrowheads="1"/>
+          </p:cNvPicPr>
+          <p:nvPr/>
+        </p:nvPicPr>
+        <p:blipFill>
+          <a:blip r:embed="rId5" cstate="print"/>
+          <a:srcRect/>
+          <a:stretch>
+            <a:fillRect/>
+          </a:stretch>
+        </p:blipFill>
+        <p:spPr bwMode="auto">
+          <a:xfrm>
+            <a:off x="2590800" y="4191000"/>
+            <a:ext cx="3701710" cy="1933575"/>
           </a:xfrm>
           <a:prstGeom prst="rect">
             <a:avLst/>
@@ -8479,7 +8533,7 @@
       </p:pic>
       <p:pic>
         <p:nvPicPr>
-          <p:cNvPr id="4099" name="Picture 3"/>
+          <p:cNvPr id="2050" name="Picture 2"/>
           <p:cNvPicPr>
             <a:picLocks noChangeAspect="1" noChangeArrowheads="1"/>
           </p:cNvPicPr>
@@ -8487,38 +8541,6 @@
         </p:nvPicPr>
         <p:blipFill>
           <a:blip r:embed="rId3" cstate="print"/>
-          <a:srcRect/>
-          <a:stretch>
-            <a:fillRect/>
-          </a:stretch>
-        </p:blipFill>
-        <p:spPr bwMode="auto">
-          <a:xfrm>
-            <a:off x="8315325" y="4178030"/>
-            <a:ext cx="828675" cy="2679970"/>
-          </a:xfrm>
-          <a:prstGeom prst="rect">
-            <a:avLst/>
-          </a:prstGeom>
-          <a:noFill/>
-          <a:ln w="9525">
-            <a:noFill/>
-            <a:miter lim="800000"/>
-            <a:headEnd/>
-            <a:tailEnd/>
-          </a:ln>
-        </p:spPr>
-      </p:pic>
-      <p:pic>
-        <p:nvPicPr>
-          <p:cNvPr id="2050" name="Picture 2"/>
-          <p:cNvPicPr>
-            <a:picLocks noChangeAspect="1" noChangeArrowheads="1"/>
-          </p:cNvPicPr>
-          <p:nvPr/>
-        </p:nvPicPr>
-        <p:blipFill>
-          <a:blip r:embed="rId4" cstate="print"/>
           <a:srcRect/>
           <a:stretch>
             <a:fillRect/>
@@ -8590,7 +8612,7 @@
           <a:p>
             <a:r>
               <a:rPr lang="en-US" dirty="0" smtClean="0"/>
-              <a:t>Thanks!</a:t>
+              <a:t>Thesis</a:t>
             </a:r>
             <a:endParaRPr lang="en-US" dirty="0"/>
           </a:p>
@@ -8608,39 +8630,57 @@
         </p:nvSpPr>
         <p:spPr/>
         <p:txBody>
-          <a:bodyPr>
-            <a:normAutofit/>
-          </a:bodyPr>
-          <a:lstStyle/>
-          <a:p>
-            <a:r>
-              <a:rPr lang="en-US" sz="1800" dirty="0" smtClean="0"/>
-              <a:t>Family</a:t>
-            </a:r>
-          </a:p>
-          <a:p>
-            <a:r>
-              <a:rPr lang="en-US" sz="1800" dirty="0" smtClean="0"/>
-              <a:t>Teachers</a:t>
-            </a:r>
-          </a:p>
-          <a:p>
-            <a:r>
-              <a:rPr lang="en-US" sz="1800" dirty="0" err="1" smtClean="0"/>
-              <a:t>wE</a:t>
-            </a:r>
-            <a:r>
-              <a:rPr lang="en-US" sz="1800" dirty="0" smtClean="0"/>
-              <a:t>\=f P'P= \ROVIDE A U966554F545DS6TFDV87654536:01 PM 4/5/20102 098YH6Ya	1W N.I </a:t>
-            </a:r>
-          </a:p>
-        </p:txBody>
-      </p:sp>
+          <a:bodyPr/>
+          <a:lstStyle/>
+          <a:p>
+            <a:endParaRPr lang="en-US" dirty="0"/>
+          </a:p>
+        </p:txBody>
+      </p:sp>
+      <p:pic>
+        <p:nvPicPr>
+          <p:cNvPr id="3074" name="Picture 2"/>
+          <p:cNvPicPr>
+            <a:picLocks noChangeAspect="1" noChangeArrowheads="1"/>
+          </p:cNvPicPr>
+          <p:nvPr/>
+        </p:nvPicPr>
+        <p:blipFill>
+          <a:blip r:embed="rId2" cstate="print"/>
+          <a:srcRect/>
+          <a:stretch>
+            <a:fillRect/>
+          </a:stretch>
+        </p:blipFill>
+        <p:spPr bwMode="auto">
+          <a:xfrm>
+            <a:off x="1371600" y="1143000"/>
+            <a:ext cx="6419850" cy="5715000"/>
+          </a:xfrm>
+          <a:prstGeom prst="rect">
+            <a:avLst/>
+          </a:prstGeom>
+          <a:noFill/>
+          <a:ln w="9525">
+            <a:noFill/>
+            <a:miter lim="800000"/>
+            <a:headEnd/>
+            <a:tailEnd/>
+          </a:ln>
+        </p:spPr>
+      </p:pic>
     </p:spTree>
   </p:cSld>
   <p:clrMapOvr>
     <a:masterClrMapping/>
   </p:clrMapOvr>
+  <p:timing>
+    <p:tnLst>
+      <p:par>
+        <p:cTn id="1" dur="indefinite" restart="never" nodeType="tmRoot"/>
+      </p:par>
+    </p:tnLst>
+  </p:timing>
 </p:sld>
 </file>
 
@@ -8713,9 +8753,12 @@
           <a:p>
             <a:r>
               <a:rPr lang="en-US" dirty="0" smtClean="0"/>
-              <a:t>Graph percentiles: </a:t>
-            </a:r>
-            <a:endParaRPr lang="en-US" dirty="0" smtClean="0"/>
+              <a:t>Graph </a:t>
+            </a:r>
+            <a:r>
+              <a:rPr lang="en-US" dirty="0" smtClean="0"/>
+              <a:t>percentiles of: </a:t>
+            </a:r>
           </a:p>
           <a:p>
             <a:pPr lvl="1"/>
@@ -8810,6 +8853,13 @@
   <p:clrMapOvr>
     <a:masterClrMapping/>
   </p:clrMapOvr>
+  <p:timing>
+    <p:tnLst>
+      <p:par>
+        <p:cTn id="1" dur="indefinite" restart="never" nodeType="tmRoot"/>
+      </p:par>
+    </p:tnLst>
+  </p:timing>
 </p:sld>
 </file>
 
@@ -8855,7 +8905,7 @@
       </p:sp>
       <p:pic>
         <p:nvPicPr>
-          <p:cNvPr id="5122" name="Picture 2"/>
+          <p:cNvPr id="6146" name="Picture 2"/>
           <p:cNvPicPr>
             <a:picLocks noChangeAspect="1" noChangeArrowheads="1"/>
           </p:cNvPicPr>
@@ -8870,8 +8920,8 @@
         </p:blipFill>
         <p:spPr bwMode="auto">
           <a:xfrm>
-            <a:off x="-209550" y="2667000"/>
-            <a:ext cx="9353550" cy="3781425"/>
+            <a:off x="123525" y="2438400"/>
+            <a:ext cx="9172875" cy="3500438"/>
           </a:xfrm>
           <a:prstGeom prst="rect">
             <a:avLst/>
@@ -8969,9 +9019,42 @@
           </a:p>
         </p:txBody>
       </p:sp>
+      <p:sp>
+        <p:nvSpPr>
+          <p:cNvPr id="5" name="Content Placeholder 2"/>
+          <p:cNvSpPr>
+            <a:spLocks noGrp="1"/>
+          </p:cNvSpPr>
+          <p:nvPr>
+            <p:ph idx="1"/>
+          </p:nvPr>
+        </p:nvSpPr>
+        <p:spPr>
+          <a:xfrm>
+            <a:off x="457200" y="5181600"/>
+            <a:ext cx="8229600" cy="1249363"/>
+          </a:xfrm>
+        </p:spPr>
+        <p:txBody>
+          <a:bodyPr/>
+          <a:lstStyle/>
+          <a:p>
+            <a:r>
+              <a:rPr lang="en-US" dirty="0" smtClean="0"/>
+              <a:t>99.5% transition because of T.</a:t>
+            </a:r>
+          </a:p>
+          <a:p>
+            <a:r>
+              <a:rPr lang="en-US" dirty="0" smtClean="0"/>
+              <a:t>DHT latency of 5.2 seconds.</a:t>
+            </a:r>
+          </a:p>
+        </p:txBody>
+      </p:sp>
       <p:pic>
         <p:nvPicPr>
-          <p:cNvPr id="6147" name="Picture 3"/>
+          <p:cNvPr id="7170" name="Picture 2"/>
           <p:cNvPicPr>
             <a:picLocks noChangeAspect="1" noChangeArrowheads="1"/>
           </p:cNvPicPr>
@@ -8986,8 +9069,8 @@
         </p:blipFill>
         <p:spPr bwMode="auto">
           <a:xfrm>
-            <a:off x="0" y="1905000"/>
-            <a:ext cx="4467225" cy="3124200"/>
+            <a:off x="457200" y="2209800"/>
+            <a:ext cx="3855460" cy="2476500"/>
           </a:xfrm>
           <a:prstGeom prst="rect">
             <a:avLst/>
@@ -9003,7 +9086,7 @@
       </p:pic>
       <p:pic>
         <p:nvPicPr>
-          <p:cNvPr id="6148" name="Picture 4"/>
+          <p:cNvPr id="7171" name="Picture 3"/>
           <p:cNvPicPr>
             <a:picLocks noChangeAspect="1" noChangeArrowheads="1"/>
           </p:cNvPicPr>
@@ -9018,8 +9101,8 @@
         </p:blipFill>
         <p:spPr bwMode="auto">
           <a:xfrm>
-            <a:off x="4191000" y="2209800"/>
-            <a:ext cx="5191125" cy="2762250"/>
+            <a:off x="4572000" y="2286000"/>
+            <a:ext cx="4267200" cy="2517950"/>
           </a:xfrm>
           <a:prstGeom prst="rect">
             <a:avLst/>
@@ -9033,39 +9116,6 @@
           </a:ln>
         </p:spPr>
       </p:pic>
-      <p:sp>
-        <p:nvSpPr>
-          <p:cNvPr id="5" name="Content Placeholder 2"/>
-          <p:cNvSpPr>
-            <a:spLocks noGrp="1"/>
-          </p:cNvSpPr>
-          <p:nvPr>
-            <p:ph idx="1"/>
-          </p:nvPr>
-        </p:nvSpPr>
-        <p:spPr>
-          <a:xfrm>
-            <a:off x="457200" y="5181600"/>
-            <a:ext cx="8229600" cy="1249363"/>
-          </a:xfrm>
-        </p:spPr>
-        <p:txBody>
-          <a:bodyPr/>
-          <a:lstStyle/>
-          <a:p>
-            <a:r>
-              <a:rPr lang="en-US" dirty="0" smtClean="0"/>
-              <a:t>99.5% transition because of T.</a:t>
-            </a:r>
-          </a:p>
-          <a:p>
-            <a:r>
-              <a:rPr lang="en-US" dirty="0" smtClean="0"/>
-              <a:t>DHT latency of 5.2 seconds.</a:t>
-            </a:r>
-          </a:p>
-        </p:txBody>
-      </p:sp>
     </p:spTree>
   </p:cSld>
   <p:clrMapOvr>
@@ -9110,27 +9160,55 @@
         </p:nvSpPr>
         <p:spPr/>
         <p:txBody>
-          <a:bodyPr/>
-          <a:lstStyle/>
-          <a:p>
-            <a:r>
-              <a:rPr lang="en-US" dirty="0" smtClean="0"/>
-              <a:t>Comparison</a:t>
+          <a:bodyPr>
+            <a:normAutofit fontScale="90000"/>
+          </a:bodyPr>
+          <a:lstStyle/>
+          <a:p>
+            <a:r>
+              <a:rPr lang="en-US" dirty="0" smtClean="0"/>
+              <a:t>Automatic Swarming </a:t>
+            </a:r>
+            <a:br>
+              <a:rPr lang="en-US" dirty="0" smtClean="0"/>
+            </a:br>
+            <a:r>
+              <a:rPr lang="en-US" dirty="0" smtClean="0"/>
+              <a:t>Transition Cause</a:t>
             </a:r>
             <a:endParaRPr lang="en-US" dirty="0"/>
+          </a:p>
+        </p:txBody>
+      </p:sp>
+      <p:sp>
+        <p:nvSpPr>
+          <p:cNvPr id="3" name="Content Placeholder 2"/>
+          <p:cNvSpPr>
+            <a:spLocks noGrp="1"/>
+          </p:cNvSpPr>
+          <p:nvPr>
+            <p:ph idx="1"/>
+          </p:nvPr>
+        </p:nvSpPr>
+        <p:spPr/>
+        <p:txBody>
+          <a:bodyPr/>
+          <a:lstStyle/>
+          <a:p>
+            <a:endParaRPr lang="en-US"/>
           </a:p>
         </p:txBody>
       </p:sp>
       <p:pic>
         <p:nvPicPr>
-          <p:cNvPr id="4" name="Picture 3"/>
+          <p:cNvPr id="8194" name="Picture 2"/>
           <p:cNvPicPr>
             <a:picLocks noChangeAspect="1" noChangeArrowheads="1"/>
           </p:cNvPicPr>
           <p:nvPr/>
         </p:nvPicPr>
         <p:blipFill>
-          <a:blip r:embed="rId3" cstate="print"/>
+          <a:blip r:embed="rId2" cstate="print"/>
           <a:srcRect/>
           <a:stretch>
             <a:fillRect/>
@@ -9138,40 +9216,8 @@
         </p:blipFill>
         <p:spPr bwMode="auto">
           <a:xfrm>
-            <a:off x="-228600" y="2362200"/>
-            <a:ext cx="4467225" cy="3124200"/>
-          </a:xfrm>
-          <a:prstGeom prst="rect">
-            <a:avLst/>
-          </a:prstGeom>
-          <a:noFill/>
-          <a:ln w="9525">
-            <a:noFill/>
-            <a:miter lim="800000"/>
-            <a:headEnd/>
-            <a:tailEnd/>
-          </a:ln>
-        </p:spPr>
-      </p:pic>
-      <p:pic>
-        <p:nvPicPr>
-          <p:cNvPr id="15362" name="Picture 2"/>
-          <p:cNvPicPr>
-            <a:picLocks noChangeAspect="1" noChangeArrowheads="1"/>
-          </p:cNvPicPr>
-          <p:nvPr/>
-        </p:nvPicPr>
-        <p:blipFill>
-          <a:blip r:embed="rId4" cstate="print"/>
-          <a:srcRect/>
-          <a:stretch>
-            <a:fillRect/>
-          </a:stretch>
-        </p:blipFill>
-        <p:spPr bwMode="auto">
-          <a:xfrm>
-            <a:off x="4343400" y="2286000"/>
-            <a:ext cx="4600575" cy="3343275"/>
+            <a:off x="1295400" y="2057400"/>
+            <a:ext cx="6600825" cy="3924300"/>
           </a:xfrm>
           <a:prstGeom prst="rect">
             <a:avLst/>
@@ -9190,7 +9236,13 @@
   <p:clrMapOvr>
     <a:masterClrMapping/>
   </p:clrMapOvr>
-  <p:transition/>
+  <p:timing>
+    <p:tnLst>
+      <p:par>
+        <p:cTn id="1" dur="indefinite" restart="never" nodeType="tmRoot"/>
+      </p:par>
+    </p:tnLst>
+  </p:timing>
 </p:sld>
 </file>
 
@@ -9228,92 +9280,15 @@
           <a:p>
             <a:r>
               <a:rPr lang="en-US" dirty="0" smtClean="0"/>
-              <a:t>Effect of Varying Parameters</a:t>
-            </a:r>
-            <a:endParaRPr lang="en-US" dirty="0"/>
-          </a:p>
-        </p:txBody>
-      </p:sp>
-      <p:sp>
-        <p:nvSpPr>
-          <p:cNvPr id="3" name="Content Placeholder 2"/>
-          <p:cNvSpPr>
-            <a:spLocks noGrp="1"/>
-          </p:cNvSpPr>
-          <p:nvPr>
-            <p:ph idx="1"/>
-          </p:nvPr>
-        </p:nvSpPr>
-        <p:spPr/>
-        <p:txBody>
-          <a:bodyPr>
-            <a:normAutofit fontScale="92500" lnSpcReduction="10000"/>
-          </a:bodyPr>
-          <a:lstStyle/>
-          <a:p>
-            <a:r>
-              <a:rPr lang="en-US" dirty="0" smtClean="0"/>
-              <a:t>T, R, W</a:t>
-            </a:r>
-          </a:p>
-          <a:p>
-            <a:r>
-              <a:rPr lang="en-US" dirty="0" smtClean="0"/>
-              <a:t>Multiple Files</a:t>
-            </a:r>
-          </a:p>
-          <a:p>
-            <a:r>
-              <a:rPr lang="en-US" dirty="0" smtClean="0"/>
-              <a:t>Large Files</a:t>
-            </a:r>
-          </a:p>
-          <a:p>
-            <a:r>
-              <a:rPr lang="en-US" dirty="0" smtClean="0"/>
-              <a:t>Block Size</a:t>
-            </a:r>
-          </a:p>
-          <a:p>
-            <a:r>
-              <a:rPr lang="en-US" dirty="0" smtClean="0"/>
-              <a:t>Linger Time</a:t>
-            </a:r>
-          </a:p>
-          <a:p>
-            <a:r>
-              <a:rPr lang="en-US" dirty="0" smtClean="0"/>
-              <a:t>Peer count</a:t>
-            </a:r>
-          </a:p>
-          <a:p>
-            <a:r>
-              <a:rPr lang="en-US" dirty="0" smtClean="0"/>
-              <a:t>1000 peers at 15/second (66 seconds).</a:t>
-            </a:r>
-          </a:p>
-          <a:p>
-            <a:r>
-              <a:rPr lang="en-US" dirty="0" smtClean="0"/>
-              <a:t>100 KB file, 100 KB block size, </a:t>
-            </a:r>
-            <a:r>
-              <a:rPr lang="en-US" dirty="0" err="1" smtClean="0"/>
-              <a:t>conn</a:t>
-            </a:r>
-            <a:r>
-              <a:rPr lang="en-US" dirty="0" smtClean="0"/>
-              <a:t>. Limit 5, R 128 KB/s, T 1s, W 2s, Linger 20 s.</a:t>
-            </a:r>
-          </a:p>
-          <a:p>
+              <a:t>Compared</a:t>
+            </a:r>
             <a:endParaRPr lang="en-US" dirty="0"/>
           </a:p>
         </p:txBody>
       </p:sp>
       <p:pic>
         <p:nvPicPr>
-          <p:cNvPr id="4" name="Picture 3" descr="C:\dev\ruby\p2pwebclient\thesis_presentation\algorithm explanation.png"/>
+          <p:cNvPr id="3074" name="Picture 2"/>
           <p:cNvPicPr>
             <a:picLocks noChangeAspect="1" noChangeArrowheads="1"/>
           </p:cNvPicPr>
@@ -9328,13 +9303,19 @@
         </p:blipFill>
         <p:spPr bwMode="auto">
           <a:xfrm>
-            <a:off x="3733800" y="1600200"/>
-            <a:ext cx="4740191" cy="2949884"/>
+            <a:off x="762000" y="1447800"/>
+            <a:ext cx="7620000" cy="4564063"/>
           </a:xfrm>
           <a:prstGeom prst="rect">
             <a:avLst/>
           </a:prstGeom>
           <a:noFill/>
+          <a:ln w="9525">
+            <a:noFill/>
+            <a:miter lim="800000"/>
+            <a:headEnd/>
+            <a:tailEnd/>
+          </a:ln>
         </p:spPr>
       </p:pic>
     </p:spTree>
@@ -9342,6 +9323,14 @@
   <p:clrMapOvr>
     <a:masterClrMapping/>
   </p:clrMapOvr>
+  <p:transition/>
+  <p:timing>
+    <p:tnLst>
+      <p:par>
+        <p:cTn id="1" dur="indefinite" restart="never" nodeType="tmRoot"/>
+      </p:par>
+    </p:tnLst>
+  </p:timing>
 </p:sld>
 </file>
 
@@ -9379,15 +9368,92 @@
           <a:p>
             <a:r>
               <a:rPr lang="en-US" dirty="0" smtClean="0"/>
-              <a:t>Varying T</a:t>
-            </a:r>
+              <a:t>Effect of Varying Parameters</a:t>
+            </a:r>
+            <a:endParaRPr lang="en-US" dirty="0"/>
+          </a:p>
+        </p:txBody>
+      </p:sp>
+      <p:sp>
+        <p:nvSpPr>
+          <p:cNvPr id="3" name="Content Placeholder 2"/>
+          <p:cNvSpPr>
+            <a:spLocks noGrp="1"/>
+          </p:cNvSpPr>
+          <p:nvPr>
+            <p:ph idx="1"/>
+          </p:nvPr>
+        </p:nvSpPr>
+        <p:spPr/>
+        <p:txBody>
+          <a:bodyPr>
+            <a:normAutofit fontScale="92500" lnSpcReduction="10000"/>
+          </a:bodyPr>
+          <a:lstStyle/>
+          <a:p>
+            <a:r>
+              <a:rPr lang="en-US" dirty="0" smtClean="0"/>
+              <a:t>T, R, W</a:t>
+            </a:r>
+          </a:p>
+          <a:p>
+            <a:r>
+              <a:rPr lang="en-US" dirty="0" smtClean="0"/>
+              <a:t>Multiple Files</a:t>
+            </a:r>
+          </a:p>
+          <a:p>
+            <a:r>
+              <a:rPr lang="en-US" dirty="0" smtClean="0"/>
+              <a:t>Large Files</a:t>
+            </a:r>
+          </a:p>
+          <a:p>
+            <a:r>
+              <a:rPr lang="en-US" dirty="0" smtClean="0"/>
+              <a:t>Block Size</a:t>
+            </a:r>
+          </a:p>
+          <a:p>
+            <a:r>
+              <a:rPr lang="en-US" dirty="0" smtClean="0"/>
+              <a:t>Linger Time</a:t>
+            </a:r>
+          </a:p>
+          <a:p>
+            <a:r>
+              <a:rPr lang="en-US" dirty="0" smtClean="0"/>
+              <a:t>Peer count</a:t>
+            </a:r>
+          </a:p>
+          <a:p>
+            <a:r>
+              <a:rPr lang="en-US" dirty="0" smtClean="0"/>
+              <a:t>1000 peers at 15/second (66 seconds).</a:t>
+            </a:r>
+          </a:p>
+          <a:p>
+            <a:r>
+              <a:rPr lang="en-US" dirty="0" smtClean="0"/>
+              <a:t>100 KB file, 100 KB block size, </a:t>
+            </a:r>
+            <a:r>
+              <a:rPr lang="en-US" dirty="0" err="1" smtClean="0"/>
+              <a:t>conn</a:t>
+            </a:r>
+            <a:r>
+              <a:rPr lang="en-US" dirty="0" smtClean="0"/>
+              <a:t>. Limit 5, R 128 KB/s, T 1s, W 2s, Linger 20 s.</a:t>
+            </a:r>
+          </a:p>
+          <a:p>
             <a:endParaRPr lang="en-US" dirty="0"/>
           </a:p>
         </p:txBody>
       </p:sp>
       <p:pic>
         <p:nvPicPr>
-          <p:cNvPr id="7170" name="Picture 2"/>
+          <p:cNvPr id="5" name="Picture 4" descr="C:\rdp\dev\p2pwebclient\thesis_presentation\algorithm explanation.png"/>
           <p:cNvPicPr>
             <a:picLocks noChangeAspect="1" noChangeArrowheads="1"/>
           </p:cNvPicPr>
@@ -9402,19 +9468,13 @@
         </p:blipFill>
         <p:spPr bwMode="auto">
           <a:xfrm>
-            <a:off x="57150" y="2057400"/>
-            <a:ext cx="9086850" cy="3019425"/>
+            <a:off x="3860442" y="1600200"/>
+            <a:ext cx="4292958" cy="2743200"/>
           </a:xfrm>
           <a:prstGeom prst="rect">
             <a:avLst/>
           </a:prstGeom>
           <a:noFill/>
-          <a:ln w="9525">
-            <a:noFill/>
-            <a:miter lim="800000"/>
-            <a:headEnd/>
-            <a:tailEnd/>
-          </a:ln>
         </p:spPr>
       </p:pic>
     </p:spTree>
@@ -9422,6 +9482,13 @@
   <p:clrMapOvr>
     <a:masterClrMapping/>
   </p:clrMapOvr>
+  <p:timing>
+    <p:tnLst>
+      <p:par>
+        <p:cTn id="1" dur="indefinite" restart="never" nodeType="tmRoot"/>
+      </p:par>
+    </p:tnLst>
+  </p:timing>
 </p:sld>
 </file>
 
@@ -9459,7 +9526,7 @@
           <a:p>
             <a:r>
               <a:rPr lang="en-US" dirty="0" smtClean="0"/>
-              <a:t>Varying R</a:t>
+              <a:t>Varying T</a:t>
             </a:r>
             <a:endParaRPr lang="en-US" dirty="0"/>
           </a:p>
@@ -9467,7 +9534,7 @@
       </p:sp>
       <p:pic>
         <p:nvPicPr>
-          <p:cNvPr id="4" name="Picture 3"/>
+          <p:cNvPr id="9218" name="Picture 2"/>
           <p:cNvPicPr>
             <a:picLocks noChangeAspect="1" noChangeArrowheads="1"/>
           </p:cNvPicPr>
@@ -9482,8 +9549,8 @@
         </p:blipFill>
         <p:spPr bwMode="auto">
           <a:xfrm>
-            <a:off x="-9525" y="1852613"/>
-            <a:ext cx="9163050" cy="3152775"/>
+            <a:off x="0" y="1905000"/>
+            <a:ext cx="9068851" cy="3605213"/>
           </a:xfrm>
           <a:prstGeom prst="rect">
             <a:avLst/>
@@ -9497,38 +9564,18 @@
           </a:ln>
         </p:spPr>
       </p:pic>
-      <p:sp>
-        <p:nvSpPr>
-          <p:cNvPr id="5" name="Content Placeholder 2"/>
-          <p:cNvSpPr>
-            <a:spLocks noGrp="1"/>
-          </p:cNvSpPr>
-          <p:nvPr>
-            <p:ph idx="1"/>
-          </p:nvPr>
-        </p:nvSpPr>
-        <p:spPr>
-          <a:xfrm>
-            <a:off x="457200" y="5334000"/>
-            <a:ext cx="8229600" cy="1249363"/>
-          </a:xfrm>
-        </p:spPr>
-        <p:txBody>
-          <a:bodyPr/>
-          <a:lstStyle/>
-          <a:p>
-            <a:r>
-              <a:rPr lang="en-US" dirty="0" smtClean="0"/>
-              <a:t>Lower is more optimal.</a:t>
-            </a:r>
-          </a:p>
-        </p:txBody>
-      </p:sp>
     </p:spTree>
   </p:cSld>
   <p:clrMapOvr>
     <a:masterClrMapping/>
   </p:clrMapOvr>
+  <p:timing>
+    <p:tnLst>
+      <p:par>
+        <p:cTn id="1" dur="indefinite" restart="never" nodeType="tmRoot"/>
+      </p:par>
+    </p:tnLst>
+  </p:timing>
 </p:sld>
 </file>
 
@@ -9566,15 +9613,47 @@
           <a:p>
             <a:r>
               <a:rPr lang="en-US" dirty="0" smtClean="0"/>
-              <a:t>Varying W</a:t>
+              <a:t>Varying R</a:t>
             </a:r>
             <a:endParaRPr lang="en-US" dirty="0"/>
+          </a:p>
+        </p:txBody>
+      </p:sp>
+      <p:sp>
+        <p:nvSpPr>
+          <p:cNvPr id="5" name="Content Placeholder 2"/>
+          <p:cNvSpPr>
+            <a:spLocks noGrp="1"/>
+          </p:cNvSpPr>
+          <p:nvPr>
+            <p:ph idx="1"/>
+          </p:nvPr>
+        </p:nvSpPr>
+        <p:spPr>
+          <a:xfrm>
+            <a:off x="457200" y="5334000"/>
+            <a:ext cx="8229600" cy="1249363"/>
+          </a:xfrm>
+        </p:spPr>
+        <p:txBody>
+          <a:bodyPr/>
+          <a:lstStyle/>
+          <a:p>
+            <a:r>
+              <a:rPr lang="en-US" dirty="0" smtClean="0"/>
+              <a:t>Lower is </a:t>
+            </a:r>
+            <a:r>
+              <a:rPr lang="en-US" dirty="0" smtClean="0"/>
+              <a:t>better</a:t>
+            </a:r>
+            <a:endParaRPr lang="en-US" dirty="0" smtClean="0"/>
           </a:p>
         </p:txBody>
       </p:sp>
       <p:pic>
         <p:nvPicPr>
-          <p:cNvPr id="9218" name="Picture 2"/>
+          <p:cNvPr id="4098" name="Picture 2"/>
           <p:cNvPicPr>
             <a:picLocks noChangeAspect="1" noChangeArrowheads="1"/>
           </p:cNvPicPr>
@@ -9589,8 +9668,8 @@
         </p:blipFill>
         <p:spPr bwMode="auto">
           <a:xfrm>
-            <a:off x="914400" y="1219200"/>
-            <a:ext cx="7030687" cy="4010096"/>
+            <a:off x="304800" y="2362200"/>
+            <a:ext cx="4200939" cy="2415540"/>
           </a:xfrm>
           <a:prstGeom prst="rect">
             <a:avLst/>
@@ -9604,47 +9683,38 @@
           </a:ln>
         </p:spPr>
       </p:pic>
-      <p:sp>
-        <p:nvSpPr>
-          <p:cNvPr id="4" name="Content Placeholder 2"/>
-          <p:cNvSpPr>
-            <a:spLocks noGrp="1"/>
-          </p:cNvSpPr>
-          <p:nvPr>
-            <p:ph idx="1"/>
-          </p:nvPr>
-        </p:nvSpPr>
-        <p:spPr>
+      <p:pic>
+        <p:nvPicPr>
+          <p:cNvPr id="4099" name="Picture 3"/>
+          <p:cNvPicPr>
+            <a:picLocks noChangeAspect="1" noChangeArrowheads="1"/>
+          </p:cNvPicPr>
+          <p:nvPr/>
+        </p:nvPicPr>
+        <p:blipFill>
+          <a:blip r:embed="rId4" cstate="print"/>
+          <a:srcRect/>
+          <a:stretch>
+            <a:fillRect/>
+          </a:stretch>
+        </p:blipFill>
+        <p:spPr bwMode="auto">
           <a:xfrm>
-            <a:off x="457200" y="5334000"/>
-            <a:ext cx="8229600" cy="1249363"/>
+            <a:off x="4648200" y="2286000"/>
+            <a:ext cx="4316475" cy="2438400"/>
           </a:xfrm>
+          <a:prstGeom prst="rect">
+            <a:avLst/>
+          </a:prstGeom>
+          <a:noFill/>
+          <a:ln w="9525">
+            <a:noFill/>
+            <a:miter lim="800000"/>
+            <a:headEnd/>
+            <a:tailEnd/>
+          </a:ln>
         </p:spPr>
-        <p:txBody>
-          <a:bodyPr>
-            <a:normAutofit fontScale="70000" lnSpcReduction="20000"/>
-          </a:bodyPr>
-          <a:lstStyle/>
-          <a:p>
-            <a:r>
-              <a:rPr lang="en-US" dirty="0" smtClean="0"/>
-              <a:t>Best time was 17 seconds with W at 0.25 seconds.</a:t>
-            </a:r>
-          </a:p>
-          <a:p>
-            <a:r>
-              <a:rPr lang="en-US" dirty="0" smtClean="0"/>
-              <a:t>Rest about 25 seconds.</a:t>
-            </a:r>
-          </a:p>
-          <a:p>
-            <a:r>
-              <a:rPr lang="en-US" dirty="0" smtClean="0"/>
-              <a:t>Lower is better, causes quicker transition, but not much difference.</a:t>
-            </a:r>
-          </a:p>
-        </p:txBody>
-      </p:sp>
+      </p:pic>
     </p:spTree>
   </p:cSld>
   <p:clrMapOvr>
@@ -9677,29 +9747,6 @@
           <a:chExt cx="0" cy="0"/>
         </a:xfrm>
       </p:grpSpPr>
-      <p:sp>
-        <p:nvSpPr>
-          <p:cNvPr id="2" name="Title 1"/>
-          <p:cNvSpPr>
-            <a:spLocks noGrp="1"/>
-          </p:cNvSpPr>
-          <p:nvPr>
-            <p:ph type="title"/>
-          </p:nvPr>
-        </p:nvSpPr>
-        <p:spPr/>
-        <p:txBody>
-          <a:bodyPr/>
-          <a:lstStyle/>
-          <a:p>
-            <a:r>
-              <a:rPr lang="en-US" dirty="0" smtClean="0"/>
-              <a:t>Full web Page</a:t>
-            </a:r>
-            <a:endParaRPr lang="en-US" dirty="0"/>
-          </a:p>
-        </p:txBody>
-      </p:sp>
       <p:pic>
         <p:nvPicPr>
           <p:cNvPr id="10242" name="Picture 2"/>
@@ -9717,8 +9764,8 @@
         </p:blipFill>
         <p:spPr bwMode="auto">
           <a:xfrm>
-            <a:off x="-85725" y="2438400"/>
-            <a:ext cx="9229725" cy="3200400"/>
+            <a:off x="990600" y="1143000"/>
+            <a:ext cx="6496050" cy="4327973"/>
           </a:xfrm>
           <a:prstGeom prst="rect">
             <a:avLst/>
@@ -9734,7 +9781,30 @@
       </p:pic>
       <p:sp>
         <p:nvSpPr>
-          <p:cNvPr id="5" name="Content Placeholder 2"/>
+          <p:cNvPr id="2" name="Title 1"/>
+          <p:cNvSpPr>
+            <a:spLocks noGrp="1"/>
+          </p:cNvSpPr>
+          <p:nvPr>
+            <p:ph type="title"/>
+          </p:nvPr>
+        </p:nvSpPr>
+        <p:spPr/>
+        <p:txBody>
+          <a:bodyPr/>
+          <a:lstStyle/>
+          <a:p>
+            <a:r>
+              <a:rPr lang="en-US" dirty="0" smtClean="0"/>
+              <a:t>Varying W</a:t>
+            </a:r>
+            <a:endParaRPr lang="en-US" dirty="0"/>
+          </a:p>
+        </p:txBody>
+      </p:sp>
+      <p:sp>
+        <p:nvSpPr>
+          <p:cNvPr id="4" name="Content Placeholder 2"/>
           <p:cNvSpPr>
             <a:spLocks noGrp="1"/>
           </p:cNvSpPr>
@@ -9744,105 +9814,32 @@
         </p:nvSpPr>
         <p:spPr>
           <a:xfrm>
-            <a:off x="457200" y="1600200"/>
-            <a:ext cx="8229600" cy="4525963"/>
+            <a:off x="457200" y="5334000"/>
+            <a:ext cx="8229600" cy="1249363"/>
           </a:xfrm>
         </p:spPr>
         <p:txBody>
           <a:bodyPr>
-            <a:normAutofit/>
+            <a:normAutofit fontScale="70000" lnSpcReduction="20000"/>
           </a:bodyPr>
           <a:lstStyle/>
           <a:p>
             <a:r>
               <a:rPr lang="en-US" dirty="0" smtClean="0"/>
-              <a:t>100 KB file, 10 15K files.</a:t>
-            </a:r>
-            <a:endParaRPr lang="en-US" dirty="0"/>
-          </a:p>
-        </p:txBody>
-      </p:sp>
-      <p:sp>
-        <p:nvSpPr>
-          <p:cNvPr id="6" name="Content Placeholder 2"/>
-          <p:cNvSpPr txBox="1">
-            <a:spLocks/>
-          </p:cNvSpPr>
-          <p:nvPr/>
-        </p:nvSpPr>
-        <p:spPr>
-          <a:xfrm>
-            <a:off x="533400" y="5608637"/>
-            <a:ext cx="8229600" cy="1249363"/>
-          </a:xfrm>
-          <a:prstGeom prst="rect">
-            <a:avLst/>
-          </a:prstGeom>
-        </p:spPr>
-        <p:txBody>
-          <a:bodyPr vert="horz" lIns="91440" tIns="45720" rIns="91440" bIns="45720" rtlCol="0">
-            <a:normAutofit/>
-          </a:bodyPr>
-          <a:lstStyle/>
-          <a:p>
-            <a:pPr marL="342900" marR="0" lvl="0" indent="-342900" algn="l" defTabSz="914400" rtl="0" eaLnBrk="1" fontAlgn="auto" latinLnBrk="0" hangingPunct="1">
-              <a:lnSpc>
-                <a:spcPct val="100000"/>
-              </a:lnSpc>
-              <a:spcBef>
-                <a:spcPct val="20000"/>
-              </a:spcBef>
-              <a:spcAft>
-                <a:spcPts val="0"/>
-              </a:spcAft>
-              <a:buClrTx/>
-              <a:buSzTx/>
-              <a:buFont typeface="Arial" pitchFamily="34" charset="0"/>
-              <a:buChar char="•"/>
-              <a:tabLst/>
-              <a:defRPr/>
-            </a:pPr>
-            <a:r>
-              <a:rPr lang="en-US" sz="3200" dirty="0" smtClean="0"/>
-              <a:t>10 x as much load on the DHT.</a:t>
-            </a:r>
-          </a:p>
-          <a:p>
-            <a:pPr marL="342900" marR="0" lvl="0" indent="-342900" algn="l" defTabSz="914400" rtl="0" eaLnBrk="1" fontAlgn="auto" latinLnBrk="0" hangingPunct="1">
-              <a:lnSpc>
-                <a:spcPct val="100000"/>
-              </a:lnSpc>
-              <a:spcBef>
-                <a:spcPct val="20000"/>
-              </a:spcBef>
-              <a:spcAft>
-                <a:spcPts val="0"/>
-              </a:spcAft>
-              <a:buClrTx/>
-              <a:buSzTx/>
-              <a:buFont typeface="Arial" pitchFamily="34" charset="0"/>
-              <a:buChar char="•"/>
-              <a:tabLst/>
-              <a:defRPr/>
-            </a:pPr>
-            <a:r>
-              <a:rPr lang="en-US" sz="3200" dirty="0" smtClean="0"/>
-              <a:t>Linger time was set to 20 seconds.</a:t>
-            </a:r>
-            <a:endParaRPr kumimoji="0" lang="en-US" sz="3200" b="0" i="0" u="none" strike="noStrike" kern="1200" cap="none" spc="0" normalizeH="0" baseline="0" noProof="0" dirty="0" smtClean="0">
-              <a:ln>
-                <a:noFill/>
-              </a:ln>
-              <a:solidFill>
-                <a:schemeClr val="tx1"/>
-              </a:solidFill>
-              <a:effectLst/>
-              <a:uLnTx/>
-              <a:uFillTx/>
-              <a:latin typeface="+mn-lt"/>
-              <a:ea typeface="+mn-ea"/>
-              <a:cs typeface="+mn-cs"/>
-            </a:endParaRPr>
+              <a:t>Best time was 17 seconds with W at 0.25 seconds.</a:t>
+            </a:r>
+          </a:p>
+          <a:p>
+            <a:r>
+              <a:rPr lang="en-US" dirty="0" smtClean="0"/>
+              <a:t>Rest about 25 seconds.</a:t>
+            </a:r>
+          </a:p>
+          <a:p>
+            <a:r>
+              <a:rPr lang="en-US" dirty="0" smtClean="0"/>
+              <a:t>Lower is better, causes quicker transition, but not much difference.</a:t>
+            </a:r>
           </a:p>
         </p:txBody>
       </p:sp>
@@ -9895,9 +9892,123 @@
           <a:p>
             <a:r>
               <a:rPr lang="en-US" dirty="0" smtClean="0"/>
-              <a:t>Multiple Files Versus Client-Server</a:t>
+              <a:t>Full web Page</a:t>
             </a:r>
             <a:endParaRPr lang="en-US" dirty="0"/>
+          </a:p>
+        </p:txBody>
+      </p:sp>
+      <p:sp>
+        <p:nvSpPr>
+          <p:cNvPr id="5" name="Content Placeholder 2"/>
+          <p:cNvSpPr>
+            <a:spLocks noGrp="1"/>
+          </p:cNvSpPr>
+          <p:nvPr>
+            <p:ph idx="1"/>
+          </p:nvPr>
+        </p:nvSpPr>
+        <p:spPr>
+          <a:xfrm>
+            <a:off x="457200" y="1600200"/>
+            <a:ext cx="8229600" cy="4525963"/>
+          </a:xfrm>
+        </p:spPr>
+        <p:txBody>
+          <a:bodyPr>
+            <a:normAutofit/>
+          </a:bodyPr>
+          <a:lstStyle/>
+          <a:p>
+            <a:r>
+              <a:rPr lang="en-US" dirty="0" smtClean="0"/>
+              <a:t>100 KB file, 10 15K files.</a:t>
+            </a:r>
+            <a:endParaRPr lang="en-US" dirty="0"/>
+          </a:p>
+        </p:txBody>
+      </p:sp>
+      <p:sp>
+        <p:nvSpPr>
+          <p:cNvPr id="6" name="Content Placeholder 2"/>
+          <p:cNvSpPr txBox="1">
+            <a:spLocks/>
+          </p:cNvSpPr>
+          <p:nvPr/>
+        </p:nvSpPr>
+        <p:spPr>
+          <a:xfrm>
+            <a:off x="533400" y="5608637"/>
+            <a:ext cx="8229600" cy="1249363"/>
+          </a:xfrm>
+          <a:prstGeom prst="rect">
+            <a:avLst/>
+          </a:prstGeom>
+        </p:spPr>
+        <p:txBody>
+          <a:bodyPr vert="horz" lIns="91440" tIns="45720" rIns="91440" bIns="45720" rtlCol="0">
+            <a:normAutofit/>
+          </a:bodyPr>
+          <a:lstStyle/>
+          <a:p>
+            <a:pPr marL="342900" marR="0" lvl="0" indent="-342900" algn="l" defTabSz="914400" rtl="0" eaLnBrk="1" fontAlgn="auto" latinLnBrk="0" hangingPunct="1">
+              <a:lnSpc>
+                <a:spcPct val="100000"/>
+              </a:lnSpc>
+              <a:spcBef>
+                <a:spcPct val="20000"/>
+              </a:spcBef>
+              <a:spcAft>
+                <a:spcPts val="0"/>
+              </a:spcAft>
+              <a:buClrTx/>
+              <a:buSzTx/>
+              <a:buFont typeface="Arial" pitchFamily="34" charset="0"/>
+              <a:buChar char="•"/>
+              <a:tabLst/>
+              <a:defRPr/>
+            </a:pPr>
+            <a:r>
+              <a:rPr lang="en-US" sz="3200" dirty="0" smtClean="0"/>
+              <a:t>10 x as much load on the DHT.</a:t>
+            </a:r>
+          </a:p>
+          <a:p>
+            <a:pPr marL="342900" marR="0" lvl="0" indent="-342900" algn="l" defTabSz="914400" rtl="0" eaLnBrk="1" fontAlgn="auto" latinLnBrk="0" hangingPunct="1">
+              <a:lnSpc>
+                <a:spcPct val="100000"/>
+              </a:lnSpc>
+              <a:spcBef>
+                <a:spcPct val="20000"/>
+              </a:spcBef>
+              <a:spcAft>
+                <a:spcPts val="0"/>
+              </a:spcAft>
+              <a:buClrTx/>
+              <a:buSzTx/>
+              <a:buFont typeface="Arial" pitchFamily="34" charset="0"/>
+              <a:buChar char="•"/>
+              <a:tabLst/>
+              <a:defRPr/>
+            </a:pPr>
+            <a:r>
+              <a:rPr lang="en-US" sz="3200" dirty="0" smtClean="0"/>
+              <a:t>Linger time was set to 20 seconds.</a:t>
+            </a:r>
+            <a:endParaRPr kumimoji="0" lang="en-US" sz="3200" b="0" i="0" u="none" strike="noStrike" kern="1200" cap="none" spc="0" normalizeH="0" baseline="0" noProof="0" dirty="0" smtClean="0">
+              <a:ln>
+                <a:noFill/>
+              </a:ln>
+              <a:solidFill>
+                <a:schemeClr val="tx1"/>
+              </a:solidFill>
+              <a:effectLst/>
+              <a:uLnTx/>
+              <a:uFillTx/>
+              <a:latin typeface="+mn-lt"/>
+              <a:ea typeface="+mn-ea"/>
+              <a:cs typeface="+mn-cs"/>
+            </a:endParaRPr>
           </a:p>
         </p:txBody>
       </p:sp>
@@ -9905,11 +10016,9 @@
         <p:nvPicPr>
           <p:cNvPr id="11266" name="Picture 2"/>
           <p:cNvPicPr>
-            <a:picLocks noGrp="1" noChangeAspect="1" noChangeArrowheads="1"/>
+            <a:picLocks noChangeAspect="1" noChangeArrowheads="1"/>
           </p:cNvPicPr>
-          <p:nvPr>
-            <p:ph idx="1"/>
-          </p:nvPr>
+          <p:nvPr/>
         </p:nvPicPr>
         <p:blipFill>
           <a:blip r:embed="rId3" cstate="print"/>
@@ -9920,8 +10029,8 @@
         </p:blipFill>
         <p:spPr bwMode="auto">
           <a:xfrm>
-            <a:off x="1905000" y="2514600"/>
-            <a:ext cx="4924425" cy="2800350"/>
+            <a:off x="0" y="2362200"/>
+            <a:ext cx="8839199" cy="3255868"/>
           </a:xfrm>
           <a:prstGeom prst="rect">
             <a:avLst/>
@@ -9984,7 +10093,7 @@
           <a:p>
             <a:r>
               <a:rPr lang="en-US" dirty="0" smtClean="0"/>
-              <a:t>Thesis</a:t>
+              <a:t>Thanks!</a:t>
             </a:r>
             <a:endParaRPr lang="en-US" dirty="0"/>
           </a:p>
@@ -10002,50 +10111,46 @@
         </p:nvSpPr>
         <p:spPr/>
         <p:txBody>
-          <a:bodyPr/>
-          <a:lstStyle/>
-          <a:p>
-            <a:endParaRPr lang="en-US" dirty="0"/>
-          </a:p>
-        </p:txBody>
-      </p:sp>
-      <p:pic>
-        <p:nvPicPr>
-          <p:cNvPr id="3074" name="Picture 2"/>
-          <p:cNvPicPr>
-            <a:picLocks noChangeAspect="1" noChangeArrowheads="1"/>
-          </p:cNvPicPr>
-          <p:nvPr/>
-        </p:nvPicPr>
-        <p:blipFill>
-          <a:blip r:embed="rId2" cstate="print"/>
-          <a:srcRect/>
-          <a:stretch>
-            <a:fillRect/>
-          </a:stretch>
-        </p:blipFill>
-        <p:spPr bwMode="auto">
-          <a:xfrm>
-            <a:off x="1371600" y="1143000"/>
-            <a:ext cx="6419850" cy="5715000"/>
-          </a:xfrm>
-          <a:prstGeom prst="rect">
-            <a:avLst/>
-          </a:prstGeom>
-          <a:noFill/>
-          <a:ln w="9525">
-            <a:noFill/>
-            <a:miter lim="800000"/>
-            <a:headEnd/>
-            <a:tailEnd/>
-          </a:ln>
-        </p:spPr>
-      </p:pic>
+          <a:bodyPr>
+            <a:normAutofit/>
+          </a:bodyPr>
+          <a:lstStyle/>
+          <a:p>
+            <a:r>
+              <a:rPr lang="en-US" sz="1800" dirty="0" smtClean="0"/>
+              <a:t>Family</a:t>
+            </a:r>
+          </a:p>
+          <a:p>
+            <a:r>
+              <a:rPr lang="en-US" sz="1800" dirty="0" smtClean="0"/>
+              <a:t>Teachers</a:t>
+            </a:r>
+          </a:p>
+          <a:p>
+            <a:r>
+              <a:rPr lang="en-US" sz="1800" dirty="0" err="1" smtClean="0"/>
+              <a:t>wE</a:t>
+            </a:r>
+            <a:r>
+              <a:rPr lang="en-US" sz="1800" dirty="0" smtClean="0"/>
+              <a:t>\=f P'P= \ROVIDE A U966554F545DS6TFDV87654536:01 PM 4/5/20102 098YH6Ya	1W N.I </a:t>
+            </a:r>
+          </a:p>
+        </p:txBody>
+      </p:sp>
     </p:spTree>
   </p:cSld>
   <p:clrMapOvr>
     <a:masterClrMapping/>
   </p:clrMapOvr>
+  <p:timing>
+    <p:tnLst>
+      <p:par>
+        <p:cTn id="1" dur="indefinite" restart="never" nodeType="tmRoot"/>
+      </p:par>
+    </p:tnLst>
+  </p:timing>
 </p:sld>
 </file>
 
@@ -10083,9 +10188,28 @@
           <a:p>
             <a:r>
               <a:rPr lang="en-US" dirty="0" smtClean="0"/>
-              <a:t>Block Size</a:t>
+              <a:t>Multiple Files Versus Client-Server</a:t>
             </a:r>
             <a:endParaRPr lang="en-US" dirty="0"/>
+          </a:p>
+        </p:txBody>
+      </p:sp>
+      <p:sp>
+        <p:nvSpPr>
+          <p:cNvPr id="4" name="Content Placeholder 3"/>
+          <p:cNvSpPr>
+            <a:spLocks noGrp="1"/>
+          </p:cNvSpPr>
+          <p:nvPr>
+            <p:ph idx="1"/>
+          </p:nvPr>
+        </p:nvSpPr>
+        <p:spPr/>
+        <p:txBody>
+          <a:bodyPr/>
+          <a:lstStyle/>
+          <a:p>
+            <a:endParaRPr lang="en-US"/>
           </a:p>
         </p:txBody>
       </p:sp>
@@ -10106,8 +10230,8 @@
         </p:blipFill>
         <p:spPr bwMode="auto">
           <a:xfrm>
-            <a:off x="1981200" y="2438400"/>
-            <a:ext cx="5267325" cy="2800350"/>
+            <a:off x="457200" y="1676400"/>
+            <a:ext cx="8001000" cy="4750823"/>
           </a:xfrm>
           <a:prstGeom prst="rect">
             <a:avLst/>
@@ -10121,120 +10245,6 @@
           </a:ln>
         </p:spPr>
       </p:pic>
-      <p:sp>
-        <p:nvSpPr>
-          <p:cNvPr id="4" name="Content Placeholder 2"/>
-          <p:cNvSpPr txBox="1">
-            <a:spLocks/>
-          </p:cNvSpPr>
-          <p:nvPr/>
-        </p:nvSpPr>
-        <p:spPr>
-          <a:xfrm>
-            <a:off x="533400" y="5608637"/>
-            <a:ext cx="8229600" cy="1249363"/>
-          </a:xfrm>
-          <a:prstGeom prst="rect">
-            <a:avLst/>
-          </a:prstGeom>
-        </p:spPr>
-        <p:txBody>
-          <a:bodyPr vert="horz" lIns="91440" tIns="45720" rIns="91440" bIns="45720" rtlCol="0">
-            <a:normAutofit fontScale="92500"/>
-          </a:bodyPr>
-          <a:lstStyle/>
-          <a:p>
-            <a:pPr marL="342900" marR="0" lvl="0" indent="-342900" algn="l" defTabSz="914400" rtl="0" eaLnBrk="1" fontAlgn="auto" latinLnBrk="0" hangingPunct="1">
-              <a:lnSpc>
-                <a:spcPct val="100000"/>
-              </a:lnSpc>
-              <a:spcBef>
-                <a:spcPct val="20000"/>
-              </a:spcBef>
-              <a:spcAft>
-                <a:spcPts val="0"/>
-              </a:spcAft>
-              <a:buClrTx/>
-              <a:buSzTx/>
-              <a:buFont typeface="Arial" pitchFamily="34" charset="0"/>
-              <a:buChar char="•"/>
-              <a:tabLst/>
-              <a:defRPr/>
-            </a:pPr>
-            <a:r>
-              <a:rPr lang="en-US" sz="3200" dirty="0" smtClean="0"/>
-              <a:t>10.6 seconds for 32 KB blocks.</a:t>
-            </a:r>
-          </a:p>
-          <a:p>
-            <a:pPr marL="342900" marR="0" lvl="0" indent="-342900" algn="l" defTabSz="914400" rtl="0" eaLnBrk="1" fontAlgn="auto" latinLnBrk="0" hangingPunct="1">
-              <a:lnSpc>
-                <a:spcPct val="100000"/>
-              </a:lnSpc>
-              <a:spcBef>
-                <a:spcPct val="20000"/>
-              </a:spcBef>
-              <a:spcAft>
-                <a:spcPts val="0"/>
-              </a:spcAft>
-              <a:buClrTx/>
-              <a:buSzTx/>
-              <a:buFont typeface="Arial" pitchFamily="34" charset="0"/>
-              <a:buChar char="•"/>
-              <a:tabLst/>
-              <a:defRPr/>
-            </a:pPr>
-            <a:r>
-              <a:rPr kumimoji="0" lang="en-US" sz="3200" b="0" i="0" u="none" strike="noStrike" kern="1200" cap="none" spc="0" normalizeH="0" baseline="0" noProof="0" dirty="0" smtClean="0">
-                <a:ln>
-                  <a:noFill/>
-                </a:ln>
-                <a:solidFill>
-                  <a:schemeClr val="tx1"/>
-                </a:solidFill>
-                <a:effectLst/>
-                <a:uLnTx/>
-                <a:uFillTx/>
-                <a:latin typeface="+mn-lt"/>
-                <a:ea typeface="+mn-ea"/>
-                <a:cs typeface="+mn-cs"/>
-              </a:rPr>
-              <a:t>Connection limit was 5,</a:t>
-            </a:r>
-            <a:r>
-              <a:rPr kumimoji="0" lang="en-US" sz="3200" b="0" i="0" u="none" strike="noStrike" kern="1200" cap="none" spc="0" normalizeH="0" noProof="0" dirty="0" smtClean="0">
-                <a:ln>
-                  <a:noFill/>
-                </a:ln>
-                <a:solidFill>
-                  <a:schemeClr val="tx1"/>
-                </a:solidFill>
-                <a:effectLst/>
-                <a:uLnTx/>
-                <a:uFillTx/>
-                <a:latin typeface="+mn-lt"/>
-                <a:ea typeface="+mn-ea"/>
-                <a:cs typeface="+mn-cs"/>
-              </a:rPr>
-              <a:t> so all blocks in parallel.</a:t>
-            </a:r>
-            <a:endParaRPr kumimoji="0" lang="en-US" sz="3200" b="0" i="0" u="none" strike="noStrike" kern="1200" cap="none" spc="0" normalizeH="0" baseline="0" noProof="0" dirty="0" smtClean="0">
-              <a:ln>
-                <a:noFill/>
-              </a:ln>
-              <a:solidFill>
-                <a:schemeClr val="tx1"/>
-              </a:solidFill>
-              <a:effectLst/>
-              <a:uLnTx/>
-              <a:uFillTx/>
-              <a:latin typeface="+mn-lt"/>
-              <a:ea typeface="+mn-ea"/>
-              <a:cs typeface="+mn-cs"/>
-            </a:endParaRPr>
-          </a:p>
-        </p:txBody>
-      </p:sp>
     </p:spTree>
   </p:cSld>
   <p:clrMapOvr>
@@ -10279,16 +10289,128 @@
         </p:nvSpPr>
         <p:spPr/>
         <p:txBody>
-          <a:bodyPr>
-            <a:normAutofit/>
+          <a:bodyPr/>
+          <a:lstStyle/>
+          <a:p>
+            <a:r>
+              <a:rPr lang="en-US" dirty="0" smtClean="0"/>
+              <a:t>Block Size</a:t>
+            </a:r>
+            <a:endParaRPr lang="en-US" dirty="0"/>
+          </a:p>
+        </p:txBody>
+      </p:sp>
+      <p:sp>
+        <p:nvSpPr>
+          <p:cNvPr id="4" name="Content Placeholder 2"/>
+          <p:cNvSpPr txBox="1">
+            <a:spLocks/>
+          </p:cNvSpPr>
+          <p:nvPr/>
+        </p:nvSpPr>
+        <p:spPr>
+          <a:xfrm>
+            <a:off x="533400" y="5608637"/>
+            <a:ext cx="8229600" cy="1249363"/>
+          </a:xfrm>
+          <a:prstGeom prst="rect">
+            <a:avLst/>
+          </a:prstGeom>
+        </p:spPr>
+        <p:txBody>
+          <a:bodyPr vert="horz" lIns="91440" tIns="45720" rIns="91440" bIns="45720" rtlCol="0">
+            <a:normAutofit fontScale="92500"/>
           </a:bodyPr>
           <a:lstStyle/>
           <a:p>
-            <a:r>
-              <a:rPr lang="en-US" dirty="0" smtClean="0"/>
-              <a:t>Linger Time</a:t>
-            </a:r>
-            <a:endParaRPr lang="en-US" dirty="0"/>
+            <a:pPr marL="342900" marR="0" lvl="0" indent="-342900" algn="l" defTabSz="914400" rtl="0" eaLnBrk="1" fontAlgn="auto" latinLnBrk="0" hangingPunct="1">
+              <a:lnSpc>
+                <a:spcPct val="100000"/>
+              </a:lnSpc>
+              <a:spcBef>
+                <a:spcPct val="20000"/>
+              </a:spcBef>
+              <a:spcAft>
+                <a:spcPts val="0"/>
+              </a:spcAft>
+              <a:buClrTx/>
+              <a:buSzTx/>
+              <a:buFont typeface="Arial" pitchFamily="34" charset="0"/>
+              <a:buChar char="•"/>
+              <a:tabLst/>
+              <a:defRPr/>
+            </a:pPr>
+            <a:r>
+              <a:rPr lang="en-US" sz="3200" dirty="0" smtClean="0"/>
+              <a:t>10.6 seconds for 32 KB blocks.</a:t>
+            </a:r>
+          </a:p>
+          <a:p>
+            <a:pPr marL="342900" marR="0" lvl="0" indent="-342900" algn="l" defTabSz="914400" rtl="0" eaLnBrk="1" fontAlgn="auto" latinLnBrk="0" hangingPunct="1">
+              <a:lnSpc>
+                <a:spcPct val="100000"/>
+              </a:lnSpc>
+              <a:spcBef>
+                <a:spcPct val="20000"/>
+              </a:spcBef>
+              <a:spcAft>
+                <a:spcPts val="0"/>
+              </a:spcAft>
+              <a:buClrTx/>
+              <a:buSzTx/>
+              <a:buFont typeface="Arial" pitchFamily="34" charset="0"/>
+              <a:buChar char="•"/>
+              <a:tabLst/>
+              <a:defRPr/>
+            </a:pPr>
+            <a:r>
+              <a:rPr kumimoji="0" lang="en-US" sz="3200" b="0" i="0" u="none" strike="noStrike" kern="1200" cap="none" spc="0" normalizeH="0" baseline="0" noProof="0" dirty="0" smtClean="0">
+                <a:ln>
+                  <a:noFill/>
+                </a:ln>
+                <a:solidFill>
+                  <a:schemeClr val="tx1"/>
+                </a:solidFill>
+                <a:effectLst/>
+                <a:uLnTx/>
+                <a:uFillTx/>
+                <a:latin typeface="+mn-lt"/>
+                <a:ea typeface="+mn-ea"/>
+                <a:cs typeface="+mn-cs"/>
+              </a:rPr>
+              <a:t>Connection limit was 5,</a:t>
+            </a:r>
+            <a:r>
+              <a:rPr kumimoji="0" lang="en-US" sz="3200" b="0" i="0" u="none" strike="noStrike" kern="1200" cap="none" spc="0" normalizeH="0" noProof="0" dirty="0" smtClean="0">
+                <a:ln>
+                  <a:noFill/>
+                </a:ln>
+                <a:solidFill>
+                  <a:schemeClr val="tx1"/>
+                </a:solidFill>
+                <a:effectLst/>
+                <a:uLnTx/>
+                <a:uFillTx/>
+                <a:latin typeface="+mn-lt"/>
+                <a:ea typeface="+mn-ea"/>
+                <a:cs typeface="+mn-cs"/>
+              </a:rPr>
+              <a:t> so all blocks in parallel.</a:t>
+            </a:r>
+            <a:endParaRPr kumimoji="0" lang="en-US" sz="3200" b="0" i="0" u="none" strike="noStrike" kern="1200" cap="none" spc="0" normalizeH="0" baseline="0" noProof="0" dirty="0" smtClean="0">
+              <a:ln>
+                <a:noFill/>
+              </a:ln>
+              <a:solidFill>
+                <a:schemeClr val="tx1"/>
+              </a:solidFill>
+              <a:effectLst/>
+              <a:uLnTx/>
+              <a:uFillTx/>
+              <a:latin typeface="+mn-lt"/>
+              <a:ea typeface="+mn-ea"/>
+              <a:cs typeface="+mn-cs"/>
+            </a:endParaRPr>
           </a:p>
         </p:txBody>
       </p:sp>
@@ -10309,8 +10431,8 @@
         </p:blipFill>
         <p:spPr bwMode="auto">
           <a:xfrm>
-            <a:off x="2157413" y="2057400"/>
-            <a:ext cx="4829175" cy="2743200"/>
+            <a:off x="1295400" y="1371600"/>
+            <a:ext cx="6214460" cy="3848100"/>
           </a:xfrm>
           <a:prstGeom prst="rect">
             <a:avLst/>
@@ -10329,6 +10451,13 @@
   <p:clrMapOvr>
     <a:masterClrMapping/>
   </p:clrMapOvr>
+  <p:timing>
+    <p:tnLst>
+      <p:par>
+        <p:cTn id="1" dur="indefinite" restart="never" nodeType="tmRoot"/>
+      </p:par>
+    </p:tnLst>
+  </p:timing>
 </p:sld>
 </file>
 
@@ -10361,54 +10490,29 @@
         </p:nvSpPr>
         <p:spPr/>
         <p:txBody>
-          <a:bodyPr/>
-          <a:lstStyle/>
-          <a:p>
-            <a:r>
-              <a:rPr lang="en-US" dirty="0" smtClean="0"/>
-              <a:t>Peer connection</a:t>
+          <a:bodyPr>
+            <a:normAutofit/>
+          </a:bodyPr>
+          <a:lstStyle/>
+          <a:p>
+            <a:r>
+              <a:rPr lang="en-US" dirty="0" smtClean="0"/>
+              <a:t>Linger Time</a:t>
             </a:r>
             <a:endParaRPr lang="en-US" dirty="0"/>
-          </a:p>
-        </p:txBody>
-      </p:sp>
-      <p:sp>
-        <p:nvSpPr>
-          <p:cNvPr id="3" name="Content Placeholder 2"/>
-          <p:cNvSpPr>
-            <a:spLocks noGrp="1"/>
-          </p:cNvSpPr>
-          <p:nvPr>
-            <p:ph idx="1"/>
-          </p:nvPr>
-        </p:nvSpPr>
-        <p:spPr>
-          <a:xfrm>
-            <a:off x="457200" y="4724400"/>
-            <a:ext cx="8229600" cy="1401763"/>
-          </a:xfrm>
-        </p:spPr>
-        <p:txBody>
-          <a:bodyPr/>
-          <a:lstStyle/>
-          <a:p>
-            <a:r>
-              <a:rPr lang="en-US" dirty="0" smtClean="0"/>
-              <a:t>30 MB file.</a:t>
-            </a:r>
           </a:p>
         </p:txBody>
       </p:sp>
       <p:pic>
         <p:nvPicPr>
-          <p:cNvPr id="8194" name="Picture 2"/>
+          <p:cNvPr id="14338" name="Picture 2"/>
           <p:cNvPicPr>
             <a:picLocks noChangeAspect="1" noChangeArrowheads="1"/>
           </p:cNvPicPr>
           <p:nvPr/>
         </p:nvPicPr>
         <p:blipFill>
-          <a:blip r:embed="rId2" cstate="print"/>
+          <a:blip r:embed="rId3" cstate="print"/>
           <a:srcRect/>
           <a:stretch>
             <a:fillRect/>
@@ -10416,8 +10520,8 @@
         </p:blipFill>
         <p:spPr bwMode="auto">
           <a:xfrm>
-            <a:off x="2286000" y="1600200"/>
-            <a:ext cx="4467225" cy="2952750"/>
+            <a:off x="1219200" y="1676400"/>
+            <a:ext cx="6096000" cy="3877808"/>
           </a:xfrm>
           <a:prstGeom prst="rect">
             <a:avLst/>
@@ -10436,10 +10540,131 @@
   <p:clrMapOvr>
     <a:masterClrMapping/>
   </p:clrMapOvr>
+  <p:timing>
+    <p:tnLst>
+      <p:par>
+        <p:cTn id="1" dur="indefinite" restart="never" nodeType="tmRoot"/>
+      </p:par>
+    </p:tnLst>
+  </p:timing>
 </p:sld>
 </file>
 
 <file path=ppt/slides/slide33.xml><?xml version="1.0" encoding="utf-8"?>
+<p:sld xmlns:a="http://schemas.openxmlformats.org/drawingml/2006/main" xmlns:r="http://schemas.openxmlformats.org/officeDocument/2006/relationships" xmlns:p="http://schemas.openxmlformats.org/presentationml/2006/main">
+  <p:cSld>
+    <p:spTree>
+      <p:nvGrpSpPr>
+        <p:cNvPr id="1" name=""/>
+        <p:cNvGrpSpPr/>
+        <p:nvPr/>
+      </p:nvGrpSpPr>
+      <p:grpSpPr>
+        <a:xfrm>
+          <a:off x="0" y="0"/>
+          <a:ext cx="0" cy="0"/>
+          <a:chOff x="0" y="0"/>
+          <a:chExt cx="0" cy="0"/>
+        </a:xfrm>
+      </p:grpSpPr>
+      <p:sp>
+        <p:nvSpPr>
+          <p:cNvPr id="2" name="Title 1"/>
+          <p:cNvSpPr>
+            <a:spLocks noGrp="1"/>
+          </p:cNvSpPr>
+          <p:nvPr>
+            <p:ph type="title"/>
+          </p:nvPr>
+        </p:nvSpPr>
+        <p:spPr/>
+        <p:txBody>
+          <a:bodyPr/>
+          <a:lstStyle/>
+          <a:p>
+            <a:r>
+              <a:rPr lang="en-US" dirty="0" smtClean="0"/>
+              <a:t>Peer connection</a:t>
+            </a:r>
+            <a:endParaRPr lang="en-US" dirty="0"/>
+          </a:p>
+        </p:txBody>
+      </p:sp>
+      <p:sp>
+        <p:nvSpPr>
+          <p:cNvPr id="3" name="Content Placeholder 2"/>
+          <p:cNvSpPr>
+            <a:spLocks noGrp="1"/>
+          </p:cNvSpPr>
+          <p:nvPr>
+            <p:ph idx="1"/>
+          </p:nvPr>
+        </p:nvSpPr>
+        <p:spPr>
+          <a:xfrm>
+            <a:off x="457200" y="5456237"/>
+            <a:ext cx="8229600" cy="1401763"/>
+          </a:xfrm>
+        </p:spPr>
+        <p:txBody>
+          <a:bodyPr/>
+          <a:lstStyle/>
+          <a:p>
+            <a:r>
+              <a:rPr lang="en-US" dirty="0" smtClean="0"/>
+              <a:t>30 MB file.</a:t>
+            </a:r>
+          </a:p>
+        </p:txBody>
+      </p:sp>
+      <p:pic>
+        <p:nvPicPr>
+          <p:cNvPr id="15362" name="Picture 2"/>
+          <p:cNvPicPr>
+            <a:picLocks noChangeAspect="1" noChangeArrowheads="1"/>
+          </p:cNvPicPr>
+          <p:nvPr/>
+        </p:nvPicPr>
+        <p:blipFill>
+          <a:blip r:embed="rId2" cstate="print"/>
+          <a:srcRect/>
+          <a:stretch>
+            <a:fillRect/>
+          </a:stretch>
+        </p:blipFill>
+        <p:spPr bwMode="auto">
+          <a:xfrm>
+            <a:off x="990600" y="1143000"/>
+            <a:ext cx="6629400" cy="4447012"/>
+          </a:xfrm>
+          <a:prstGeom prst="rect">
+            <a:avLst/>
+          </a:prstGeom>
+          <a:noFill/>
+          <a:ln w="9525">
+            <a:noFill/>
+            <a:miter lim="800000"/>
+            <a:headEnd/>
+            <a:tailEnd/>
+          </a:ln>
+        </p:spPr>
+      </p:pic>
+    </p:spTree>
+  </p:cSld>
+  <p:clrMapOvr>
+    <a:masterClrMapping/>
+  </p:clrMapOvr>
+  <p:timing>
+    <p:tnLst>
+      <p:par>
+        <p:cTn id="1" dur="indefinite" restart="never" nodeType="tmRoot"/>
+      </p:par>
+    </p:tnLst>
+  </p:timing>
+</p:sld>
+</file>
+
+<file path=ppt/slides/slide34.xml><?xml version="1.0" encoding="utf-8"?>
 <p:sld xmlns:a="http://schemas.openxmlformats.org/drawingml/2006/main" xmlns:r="http://schemas.openxmlformats.org/officeDocument/2006/relationships" xmlns:p="http://schemas.openxmlformats.org/presentationml/2006/main">
   <p:cSld>
     <p:spTree>
@@ -10606,7 +10831,7 @@
       </p:sp>
       <p:pic>
         <p:nvPicPr>
-          <p:cNvPr id="6" name="Content Placeholder 3"/>
+          <p:cNvPr id="16386" name="Picture 2"/>
           <p:cNvPicPr>
             <a:picLocks noChangeAspect="1" noChangeArrowheads="1"/>
           </p:cNvPicPr>
@@ -10621,8 +10846,8 @@
         </p:blipFill>
         <p:spPr bwMode="auto">
           <a:xfrm>
-            <a:off x="2133600" y="3429000"/>
-            <a:ext cx="4876800" cy="2543175"/>
+            <a:off x="2286000" y="3505200"/>
+            <a:ext cx="4572000" cy="2744064"/>
           </a:xfrm>
           <a:prstGeom prst="rect">
             <a:avLst/>
@@ -10641,101 +10866,13 @@
   <p:clrMapOvr>
     <a:masterClrMapping/>
   </p:clrMapOvr>
-</p:sld>
-</file>
-
-<file path=ppt/slides/slide34.xml><?xml version="1.0" encoding="utf-8"?>
-<p:sld xmlns:a="http://schemas.openxmlformats.org/drawingml/2006/main" xmlns:r="http://schemas.openxmlformats.org/officeDocument/2006/relationships" xmlns:p="http://schemas.openxmlformats.org/presentationml/2006/main">
-  <p:cSld>
-    <p:spTree>
-      <p:nvGrpSpPr>
-        <p:cNvPr id="1" name=""/>
-        <p:cNvGrpSpPr/>
-        <p:nvPr/>
-      </p:nvGrpSpPr>
-      <p:grpSpPr>
-        <a:xfrm>
-          <a:off x="0" y="0"/>
-          <a:ext cx="0" cy="0"/>
-          <a:chOff x="0" y="0"/>
-          <a:chExt cx="0" cy="0"/>
-        </a:xfrm>
-      </p:grpSpPr>
-      <p:sp>
-        <p:nvSpPr>
-          <p:cNvPr id="2" name="Title 1"/>
-          <p:cNvSpPr>
-            <a:spLocks noGrp="1"/>
-          </p:cNvSpPr>
-          <p:nvPr>
-            <p:ph type="title"/>
-          </p:nvPr>
-        </p:nvSpPr>
-        <p:spPr/>
-        <p:txBody>
-          <a:bodyPr>
-            <a:normAutofit fontScale="90000"/>
-          </a:bodyPr>
-          <a:lstStyle/>
-          <a:p>
-            <a:r>
-              <a:rPr lang="en-US" dirty="0" err="1" smtClean="0"/>
-              <a:t>BitTorrent’s</a:t>
-            </a:r>
-            <a:r>
-              <a:rPr lang="en-US" dirty="0" smtClean="0"/>
-              <a:t> Large File Optimizations</a:t>
-            </a:r>
-            <a:endParaRPr lang="en-US" dirty="0"/>
-          </a:p>
-        </p:txBody>
-      </p:sp>
-      <p:sp>
-        <p:nvSpPr>
-          <p:cNvPr id="3" name="Content Placeholder 2"/>
-          <p:cNvSpPr>
-            <a:spLocks noGrp="1"/>
-          </p:cNvSpPr>
-          <p:nvPr>
-            <p:ph idx="1"/>
-          </p:nvPr>
-        </p:nvSpPr>
-        <p:spPr/>
-        <p:txBody>
-          <a:bodyPr/>
-          <a:lstStyle/>
-          <a:p>
-            <a:r>
-              <a:rPr lang="en-US" dirty="0" smtClean="0"/>
-              <a:t>Seeds limit outgoing connections.</a:t>
-            </a:r>
-          </a:p>
-          <a:p>
-            <a:r>
-              <a:rPr lang="en-US" dirty="0" smtClean="0"/>
-              <a:t>Favors stronger connections.</a:t>
-            </a:r>
-          </a:p>
-          <a:p>
-            <a:r>
-              <a:rPr lang="en-US" dirty="0" smtClean="0"/>
-              <a:t>Dedicated tracker.</a:t>
-            </a:r>
-          </a:p>
-          <a:p>
-            <a:r>
-              <a:rPr lang="en-US" dirty="0" smtClean="0"/>
-              <a:t>Rarest Block First.</a:t>
-            </a:r>
-            <a:endParaRPr lang="en-US" dirty="0"/>
-          </a:p>
-        </p:txBody>
-      </p:sp>
-    </p:spTree>
-  </p:cSld>
-  <p:clrMapOvr>
-    <a:masterClrMapping/>
-  </p:clrMapOvr>
+  <p:timing>
+    <p:tnLst>
+      <p:par>
+        <p:cTn id="1" dur="indefinite" restart="never" nodeType="tmRoot"/>
+      </p:par>
+    </p:tnLst>
+  </p:timing>
 </p:sld>
 </file>
 
@@ -10768,12 +10905,18 @@
         </p:nvSpPr>
         <p:spPr/>
         <p:txBody>
-          <a:bodyPr/>
-          <a:lstStyle/>
-          <a:p>
-            <a:r>
-              <a:rPr lang="en-US" dirty="0" smtClean="0"/>
-              <a:t>Conclusion</a:t>
+          <a:bodyPr>
+            <a:normAutofit fontScale="90000"/>
+          </a:bodyPr>
+          <a:lstStyle/>
+          <a:p>
+            <a:r>
+              <a:rPr lang="en-US" dirty="0" err="1" smtClean="0"/>
+              <a:t>BitTorrent’s</a:t>
+            </a:r>
+            <a:r>
+              <a:rPr lang="en-US" dirty="0" smtClean="0"/>
+              <a:t> Large File Optimizations</a:t>
             </a:r>
             <a:endParaRPr lang="en-US" dirty="0"/>
           </a:p>
@@ -10791,76 +10934,32 @@
         </p:nvSpPr>
         <p:spPr/>
         <p:txBody>
-          <a:bodyPr>
-            <a:normAutofit lnSpcReduction="10000"/>
-          </a:bodyPr>
-          <a:lstStyle/>
-          <a:p>
-            <a:r>
-              <a:rPr lang="en-US" dirty="0" smtClean="0"/>
-              <a:t>Best settings.</a:t>
-            </a:r>
-          </a:p>
-          <a:p>
-            <a:pPr lvl="1"/>
-            <a:r>
-              <a:rPr lang="en-US" dirty="0" smtClean="0"/>
-              <a:t>T: 0.75 s</a:t>
-            </a:r>
-          </a:p>
-          <a:p>
-            <a:pPr lvl="1"/>
-            <a:r>
-              <a:rPr lang="en-US" dirty="0" smtClean="0"/>
-              <a:t>R: 160 KB/s</a:t>
-            </a:r>
-          </a:p>
-          <a:p>
-            <a:pPr lvl="1"/>
-            <a:r>
-              <a:rPr lang="en-US" dirty="0" smtClean="0"/>
-              <a:t>32 KB blocks</a:t>
-            </a:r>
-          </a:p>
-          <a:p>
-            <a:pPr lvl="1"/>
-            <a:r>
-              <a:rPr lang="en-US" dirty="0" smtClean="0"/>
-              <a:t>Peer limit: 16</a:t>
-            </a:r>
-          </a:p>
-          <a:p>
-            <a:pPr lvl="1"/>
-            <a:r>
-              <a:rPr lang="en-US" dirty="0" smtClean="0"/>
-              <a:t>Linger: 16 s</a:t>
-            </a:r>
-          </a:p>
-          <a:p>
-            <a:r>
-              <a:rPr lang="en-US" dirty="0" smtClean="0"/>
-              <a:t>Viable.</a:t>
-            </a:r>
-          </a:p>
-          <a:p>
-            <a:pPr lvl="1"/>
-            <a:r>
-              <a:rPr lang="en-US" dirty="0" smtClean="0"/>
-              <a:t>30 x as fast for small files</a:t>
-            </a:r>
-          </a:p>
-          <a:p>
-            <a:pPr lvl="1"/>
-            <a:r>
-              <a:rPr lang="en-US" dirty="0" smtClean="0"/>
-              <a:t>Backs off server.</a:t>
-            </a:r>
-          </a:p>
-          <a:p>
-            <a:pPr lvl="1">
-              <a:buNone/>
-            </a:pPr>
-            <a:endParaRPr lang="en-US" dirty="0" smtClean="0"/>
+          <a:bodyPr/>
+          <a:lstStyle/>
+          <a:p>
+            <a:r>
+              <a:rPr lang="en-US" dirty="0" smtClean="0"/>
+              <a:t>Seeds limit outgoing connections.</a:t>
+            </a:r>
+          </a:p>
+          <a:p>
+            <a:r>
+              <a:rPr lang="en-US" dirty="0" smtClean="0"/>
+              <a:t>Favors stronger connections.</a:t>
+            </a:r>
+          </a:p>
+          <a:p>
+            <a:r>
+              <a:rPr lang="en-US" dirty="0" smtClean="0"/>
+              <a:t>Dedicated tracker.</a:t>
+            </a:r>
+          </a:p>
+          <a:p>
+            <a:r>
+              <a:rPr lang="en-US" dirty="0" smtClean="0"/>
+              <a:t>Rarest Block First.</a:t>
+            </a:r>
+            <a:endParaRPr lang="en-US" dirty="0"/>
           </a:p>
         </p:txBody>
       </p:sp>
@@ -10869,6 +10968,13 @@
   <p:clrMapOvr>
     <a:masterClrMapping/>
   </p:clrMapOvr>
+  <p:timing>
+    <p:tnLst>
+      <p:par>
+        <p:cTn id="1" dur="indefinite" restart="never" nodeType="tmRoot"/>
+      </p:par>
+    </p:tnLst>
+  </p:timing>
 </p:sld>
 </file>
 
@@ -10905,12 +11011,8 @@
           <a:lstStyle/>
           <a:p>
             <a:r>
-              <a:rPr lang="en-US" dirty="0" err="1" smtClean="0"/>
-              <a:t>BitTorrent</a:t>
-            </a:r>
-            <a:r>
-              <a:rPr lang="en-US" dirty="0" smtClean="0"/>
-              <a:t> fails</a:t>
+              <a:rPr lang="en-US" dirty="0" smtClean="0"/>
+              <a:t>Conclusion</a:t>
             </a:r>
             <a:endParaRPr lang="en-US" dirty="0"/>
           </a:p>
@@ -10929,63 +11031,138 @@
         <p:spPr/>
         <p:txBody>
           <a:bodyPr>
-            <a:normAutofit/>
+            <a:normAutofit fontScale="70000" lnSpcReduction="20000"/>
           </a:bodyPr>
           <a:lstStyle/>
           <a:p>
             <a:r>
               <a:rPr lang="en-US" dirty="0" smtClean="0"/>
-              <a:t>Server side.</a:t>
+              <a:t>Feasible transition.</a:t>
+            </a:r>
+          </a:p>
+          <a:p>
+            <a:r>
+              <a:rPr lang="en-US" dirty="0" smtClean="0"/>
+              <a:t>Feasible swarming download.</a:t>
             </a:r>
           </a:p>
           <a:p>
             <a:pPr lvl="1"/>
             <a:r>
-              <a:rPr lang="en-US" strike="sngStrike" dirty="0" smtClean="0"/>
-              <a:t>Per File</a:t>
-            </a:r>
+              <a:rPr lang="en-US" dirty="0" smtClean="0"/>
+              <a:t>30 </a:t>
+            </a:r>
+            <a:r>
+              <a:rPr lang="en-US" dirty="0" smtClean="0"/>
+              <a:t>x as fast for small </a:t>
+            </a:r>
+            <a:r>
+              <a:rPr lang="en-US" dirty="0" smtClean="0"/>
+              <a:t>files (flash flood).</a:t>
+            </a:r>
+            <a:endParaRPr lang="en-US" dirty="0" smtClean="0"/>
           </a:p>
           <a:p>
             <a:pPr lvl="1"/>
             <a:r>
-              <a:rPr lang="en-US" strike="sngStrike" dirty="0" smtClean="0"/>
-              <a:t>Have to provide traditional anyway.</a:t>
-            </a:r>
-          </a:p>
-          <a:p>
-            <a:pPr lvl="2"/>
-            <a:r>
-              <a:rPr lang="en-US" strike="sngStrike" dirty="0" smtClean="0"/>
-              <a:t>Lack of clients.</a:t>
-            </a:r>
+              <a:rPr lang="en-US" dirty="0" smtClean="0"/>
+              <a:t>Backs off </a:t>
+            </a:r>
+            <a:r>
+              <a:rPr lang="en-US" dirty="0" smtClean="0"/>
+              <a:t>server</a:t>
+            </a:r>
+            <a:endParaRPr lang="en-US" dirty="0" smtClean="0"/>
+          </a:p>
+          <a:p>
+            <a:r>
+              <a:rPr lang="en-US" dirty="0" smtClean="0"/>
+              <a:t>Make </a:t>
+            </a:r>
+            <a:r>
+              <a:rPr lang="en-US" dirty="0" smtClean="0"/>
+              <a:t>swarming more </a:t>
+            </a:r>
+            <a:r>
+              <a:rPr lang="en-US" dirty="0" smtClean="0"/>
+              <a:t>usable/adoptable</a:t>
+            </a:r>
+            <a:endParaRPr lang="en-US" dirty="0" smtClean="0"/>
           </a:p>
           <a:p>
             <a:pPr lvl="1"/>
             <a:r>
-              <a:rPr lang="en-US" strike="sngStrike" dirty="0" smtClean="0"/>
-              <a:t>Stigma.</a:t>
+              <a:rPr lang="en-US" dirty="0" smtClean="0"/>
+              <a:t>S</a:t>
+            </a:r>
+            <a:r>
+              <a:rPr lang="en-US" dirty="0" smtClean="0"/>
+              <a:t>mall files</a:t>
             </a:r>
           </a:p>
           <a:p>
             <a:pPr lvl="1"/>
             <a:r>
-              <a:rPr lang="en-US" strike="sngStrike" dirty="0" smtClean="0"/>
-              <a:t>Extra maintenance.</a:t>
-            </a:r>
+              <a:rPr lang="en-US" dirty="0" smtClean="0"/>
+              <a:t>Non </a:t>
+            </a:r>
+            <a:r>
+              <a:rPr lang="en-US" dirty="0" smtClean="0"/>
+              <a:t>tracked </a:t>
+            </a:r>
+            <a:r>
+              <a:rPr lang="en-US" dirty="0" smtClean="0"/>
+              <a:t>files</a:t>
+            </a:r>
+            <a:endParaRPr lang="en-US" dirty="0" smtClean="0"/>
+          </a:p>
+          <a:p>
+            <a:r>
+              <a:rPr lang="en-US" dirty="0" smtClean="0"/>
+              <a:t>Best settings</a:t>
+            </a:r>
+            <a:endParaRPr lang="en-US" dirty="0" smtClean="0"/>
           </a:p>
           <a:p>
             <a:pPr lvl="1"/>
             <a:r>
-              <a:rPr lang="en-US" strike="sngStrike" dirty="0" smtClean="0"/>
-              <a:t>Large Files.</a:t>
+              <a:rPr lang="en-US" dirty="0" smtClean="0"/>
+              <a:t>T: 0.75 s</a:t>
             </a:r>
           </a:p>
           <a:p>
             <a:pPr lvl="1"/>
             <a:r>
-              <a:rPr lang="en-US" strike="sngStrike" dirty="0" smtClean="0"/>
-              <a:t>Unknown demand.</a:t>
-            </a:r>
+              <a:rPr lang="en-US" dirty="0" smtClean="0"/>
+              <a:t>R: 160 KB/s</a:t>
+            </a:r>
+          </a:p>
+          <a:p>
+            <a:pPr lvl="1"/>
+            <a:r>
+              <a:rPr lang="en-US" dirty="0" smtClean="0"/>
+              <a:t>32 KB blocks</a:t>
+            </a:r>
+          </a:p>
+          <a:p>
+            <a:pPr lvl="1"/>
+            <a:r>
+              <a:rPr lang="en-US" dirty="0" smtClean="0"/>
+              <a:t>Peer limit: 16</a:t>
+            </a:r>
+          </a:p>
+          <a:p>
+            <a:pPr lvl="1"/>
+            <a:r>
+              <a:rPr lang="en-US" dirty="0" smtClean="0"/>
+              <a:t>Linger: 16 s</a:t>
+            </a:r>
+          </a:p>
+          <a:p>
+            <a:pPr lvl="1">
+              <a:buNone/>
+            </a:pPr>
+            <a:endParaRPr lang="en-US" dirty="0" smtClean="0"/>
           </a:p>
         </p:txBody>
       </p:sp>
@@ -10994,6 +11171,13 @@
   <p:clrMapOvr>
     <a:masterClrMapping/>
   </p:clrMapOvr>
+  <p:timing>
+    <p:tnLst>
+      <p:par>
+        <p:cTn id="1" dur="indefinite" restart="never" nodeType="tmRoot"/>
+      </p:par>
+    </p:tnLst>
+  </p:timing>
 </p:sld>
 </file>
 
@@ -11030,12 +11214,8 @@
           <a:lstStyle/>
           <a:p>
             <a:r>
-              <a:rPr lang="en-US" dirty="0" err="1" smtClean="0"/>
-              <a:t>BitTorrent</a:t>
-            </a:r>
-            <a:r>
-              <a:rPr lang="en-US" dirty="0" smtClean="0"/>
-              <a:t> fails</a:t>
+              <a:rPr lang="en-US" dirty="0" smtClean="0"/>
+              <a:t>Automatic Swarming -- Goals</a:t>
             </a:r>
             <a:endParaRPr lang="en-US" dirty="0"/>
           </a:p>
@@ -11053,89 +11233,36 @@
         </p:nvSpPr>
         <p:spPr/>
         <p:txBody>
-          <a:bodyPr>
-            <a:normAutofit fontScale="92500" lnSpcReduction="20000"/>
-          </a:bodyPr>
-          <a:lstStyle/>
-          <a:p>
-            <a:r>
-              <a:rPr lang="en-US" dirty="0" smtClean="0"/>
-              <a:t>Clients</a:t>
-            </a:r>
-          </a:p>
-          <a:p>
-            <a:pPr lvl="1"/>
-            <a:r>
-              <a:rPr lang="en-US" strike="sngStrike" dirty="0" smtClean="0"/>
-              <a:t>Extra setup/time per file.</a:t>
-            </a:r>
-          </a:p>
-          <a:p>
-            <a:pPr lvl="2"/>
-            <a:r>
-              <a:rPr lang="en-US" strike="sngStrike" dirty="0" smtClean="0"/>
-              <a:t>Small files</a:t>
-            </a:r>
-          </a:p>
-          <a:p>
-            <a:pPr lvl="1"/>
-            <a:r>
-              <a:rPr lang="en-US" dirty="0" smtClean="0"/>
-              <a:t>Techno </a:t>
-            </a:r>
-            <a:r>
-              <a:rPr lang="en-US" dirty="0" err="1" smtClean="0"/>
-              <a:t>intelligencia</a:t>
-            </a:r>
-            <a:endParaRPr lang="en-US" dirty="0" smtClean="0"/>
-          </a:p>
-          <a:p>
-            <a:pPr lvl="1"/>
-            <a:r>
-              <a:rPr lang="en-US" strike="sngStrike" dirty="0" smtClean="0"/>
-              <a:t>Non integrated.</a:t>
-            </a:r>
-          </a:p>
-          <a:p>
-            <a:pPr lvl="2"/>
-            <a:r>
-              <a:rPr lang="en-US" strike="sngStrike" dirty="0" smtClean="0"/>
-              <a:t>Manual.</a:t>
-            </a:r>
-          </a:p>
-          <a:p>
-            <a:pPr lvl="2"/>
-            <a:r>
-              <a:rPr lang="en-US" strike="sngStrike" dirty="0" smtClean="0"/>
-              <a:t>Not HTTP optimized.</a:t>
-            </a:r>
-          </a:p>
-          <a:p>
-            <a:pPr lvl="1"/>
-            <a:r>
-              <a:rPr lang="en-US" strike="sngStrike" dirty="0" smtClean="0"/>
-              <a:t>It should be ignored speed-wise</a:t>
-            </a:r>
-          </a:p>
-          <a:p>
-            <a:pPr lvl="2"/>
-            <a:r>
-              <a:rPr lang="en-US" strike="sngStrike" dirty="0" smtClean="0"/>
-              <a:t>Duplicate</a:t>
-            </a:r>
-          </a:p>
-          <a:p>
-            <a:pPr lvl="2"/>
-            <a:r>
-              <a:rPr lang="en-US" strike="sngStrike" dirty="0" smtClean="0"/>
-              <a:t>Costs time</a:t>
-            </a:r>
-          </a:p>
-          <a:p>
-            <a:pPr lvl="1"/>
-            <a:r>
-              <a:rPr lang="en-US" strike="sngStrike" dirty="0" smtClean="0"/>
-              <a:t>Not available.</a:t>
+          <a:bodyPr/>
+          <a:lstStyle/>
+          <a:p>
+            <a:r>
+              <a:rPr lang="en-US" dirty="0" smtClean="0"/>
+              <a:t>Work for any file on any server without configuration.</a:t>
+            </a:r>
+          </a:p>
+          <a:p>
+            <a:r>
+              <a:rPr lang="en-US" dirty="0" smtClean="0"/>
+              <a:t>Easy for client use.</a:t>
+            </a:r>
+          </a:p>
+          <a:p>
+            <a:r>
+              <a:rPr lang="en-US" dirty="0" smtClean="0"/>
+              <a:t>No extra dedicated hardware.</a:t>
+            </a:r>
+          </a:p>
+          <a:p>
+            <a:r>
+              <a:rPr lang="en-US" dirty="0" smtClean="0"/>
+              <a:t>Work for small files.</a:t>
+            </a:r>
+          </a:p>
+          <a:p>
+            <a:r>
+              <a:rPr lang="en-US" dirty="0" smtClean="0"/>
+              <a:t>Non intrusive.</a:t>
             </a:r>
           </a:p>
         </p:txBody>
@@ -11145,6 +11272,13 @@
   <p:clrMapOvr>
     <a:masterClrMapping/>
   </p:clrMapOvr>
+  <p:timing>
+    <p:tnLst>
+      <p:par>
+        <p:cTn id="1" dur="indefinite" restart="never" nodeType="tmRoot"/>
+      </p:par>
+    </p:tnLst>
+  </p:timing>
 </p:sld>
 </file>
 
@@ -11175,12 +11309,34 @@
             <p:ph type="title"/>
           </p:nvPr>
         </p:nvSpPr>
-        <p:spPr>
-          <a:xfrm>
-            <a:off x="-1143000" y="304800"/>
-            <a:ext cx="8229600" cy="1143000"/>
-          </a:xfrm>
-        </p:spPr>
+        <p:spPr/>
+        <p:txBody>
+          <a:bodyPr/>
+          <a:lstStyle/>
+          <a:p>
+            <a:r>
+              <a:rPr lang="en-US" dirty="0" err="1" smtClean="0"/>
+              <a:t>BitTorrent’s</a:t>
+            </a:r>
+            <a:r>
+              <a:rPr lang="en-US" dirty="0" smtClean="0"/>
+              <a:t> failures</a:t>
+            </a:r>
+            <a:endParaRPr lang="en-US" dirty="0"/>
+          </a:p>
+        </p:txBody>
+      </p:sp>
+      <p:sp>
+        <p:nvSpPr>
+          <p:cNvPr id="3" name="Content Placeholder 2"/>
+          <p:cNvSpPr>
+            <a:spLocks noGrp="1"/>
+          </p:cNvSpPr>
+          <p:nvPr>
+            <p:ph idx="1"/>
+          </p:nvPr>
+        </p:nvSpPr>
+        <p:spPr/>
         <p:txBody>
           <a:bodyPr>
             <a:normAutofit/>
@@ -11188,101 +11344,61 @@
           <a:lstStyle/>
           <a:p>
             <a:r>
-              <a:rPr lang="en-US" dirty="0" err="1" smtClean="0"/>
-              <a:t>BitTorrent</a:t>
-            </a:r>
-            <a:r>
-              <a:rPr lang="en-US" dirty="0" smtClean="0"/>
-              <a:t> can Fail</a:t>
-            </a:r>
-            <a:endParaRPr lang="en-US" dirty="0"/>
-          </a:p>
-        </p:txBody>
-      </p:sp>
-      <p:sp>
-        <p:nvSpPr>
-          <p:cNvPr id="3" name="Content Placeholder 2"/>
-          <p:cNvSpPr>
-            <a:spLocks noGrp="1"/>
-          </p:cNvSpPr>
-          <p:nvPr>
-            <p:ph idx="1"/>
-          </p:nvPr>
-        </p:nvSpPr>
-        <p:spPr/>
-        <p:txBody>
-          <a:bodyPr/>
-          <a:lstStyle/>
-          <a:p>
-            <a:r>
-              <a:rPr lang="en-US" strike="sngStrike" dirty="0" smtClean="0"/>
-              <a:t>Not enough seeds.</a:t>
-            </a:r>
-          </a:p>
-          <a:p>
-            <a:r>
-              <a:rPr lang="en-US" dirty="0" smtClean="0"/>
-              <a:t>Closed ports.</a:t>
-            </a:r>
-          </a:p>
-          <a:p>
-            <a:r>
-              <a:rPr lang="en-US" strike="sngStrike" dirty="0" smtClean="0"/>
-              <a:t>Tracker</a:t>
-            </a:r>
-          </a:p>
-          <a:p>
-            <a:r>
-              <a:rPr lang="en-US" strike="sngStrike" dirty="0" smtClean="0"/>
-              <a:t>Extra files.</a:t>
-            </a:r>
-          </a:p>
-          <a:p>
-            <a:r>
-              <a:rPr lang="en-US" strike="sngStrike" dirty="0" smtClean="0"/>
-              <a:t>Users don’t have client installed (chicken/egg).</a:t>
-            </a:r>
-          </a:p>
-          <a:p>
-            <a:r>
-              <a:rPr lang="en-US" strike="sngStrike" dirty="0" smtClean="0"/>
-              <a:t>Clients aren’t configured to use HTTP.</a:t>
-            </a:r>
-          </a:p>
-        </p:txBody>
-      </p:sp>
-      <p:pic>
-        <p:nvPicPr>
-          <p:cNvPr id="5122" name="Picture 2"/>
-          <p:cNvPicPr>
-            <a:picLocks noChangeAspect="1" noChangeArrowheads="1"/>
-          </p:cNvPicPr>
-          <p:nvPr/>
-        </p:nvPicPr>
-        <p:blipFill>
-          <a:blip r:embed="rId3" cstate="print"/>
-          <a:srcRect/>
-          <a:stretch>
-            <a:fillRect/>
-          </a:stretch>
-        </p:blipFill>
-        <p:spPr bwMode="auto">
-          <a:xfrm>
-            <a:off x="6019800" y="304800"/>
-            <a:ext cx="3124200" cy="3238500"/>
-          </a:xfrm>
-          <a:prstGeom prst="rect">
-            <a:avLst/>
-          </a:prstGeom>
-          <a:noFill/>
-          <a:ln w="9525">
-            <a:noFill/>
-            <a:miter lim="800000"/>
-            <a:headEnd/>
-            <a:tailEnd/>
-          </a:ln>
-        </p:spPr>
-      </p:pic>
+              <a:rPr lang="en-US" dirty="0" smtClean="0"/>
+              <a:t>Server side.</a:t>
+            </a:r>
+          </a:p>
+          <a:p>
+            <a:pPr lvl="1"/>
+            <a:r>
+              <a:rPr lang="en-US" dirty="0" smtClean="0"/>
+              <a:t>Per File</a:t>
+            </a:r>
+          </a:p>
+          <a:p>
+            <a:pPr lvl="1"/>
+            <a:r>
+              <a:rPr lang="en-US" dirty="0" smtClean="0"/>
+              <a:t>Have to provide traditional anyway.</a:t>
+            </a:r>
+          </a:p>
+          <a:p>
+            <a:pPr lvl="2"/>
+            <a:r>
+              <a:rPr lang="en-US" dirty="0" smtClean="0"/>
+              <a:t>Lack of clients.</a:t>
+            </a:r>
+          </a:p>
+          <a:p>
+            <a:pPr lvl="1"/>
+            <a:r>
+              <a:rPr lang="en-US" dirty="0" smtClean="0"/>
+              <a:t>Stigma.</a:t>
+            </a:r>
+          </a:p>
+          <a:p>
+            <a:pPr lvl="1"/>
+            <a:r>
+              <a:rPr lang="en-US" dirty="0" smtClean="0"/>
+              <a:t>Extra maintenance.</a:t>
+            </a:r>
+          </a:p>
+          <a:p>
+            <a:pPr lvl="1"/>
+            <a:r>
+              <a:rPr lang="en-US" dirty="0" smtClean="0"/>
+              <a:t>Large Files.</a:t>
+            </a:r>
+          </a:p>
+          <a:p>
+            <a:pPr lvl="1"/>
+            <a:r>
+              <a:rPr lang="en-US" dirty="0" smtClean="0"/>
+              <a:t>Unknown demand.</a:t>
+            </a:r>
+          </a:p>
+        </p:txBody>
+      </p:sp>
     </p:spTree>
   </p:cSld>
   <p:clrMapOvr>
@@ -11331,8 +11447,12 @@
           <a:lstStyle/>
           <a:p>
             <a:r>
-              <a:rPr lang="en-US" dirty="0" smtClean="0"/>
-              <a:t>Automatic Swarming -- Goals</a:t>
+              <a:rPr lang="en-US" dirty="0" err="1" smtClean="0"/>
+              <a:t>BitTorrent</a:t>
+            </a:r>
+            <a:r>
+              <a:rPr lang="en-US" dirty="0" smtClean="0"/>
+              <a:t> fails</a:t>
             </a:r>
             <a:endParaRPr lang="en-US" dirty="0"/>
           </a:p>
@@ -11350,36 +11470,89 @@
         </p:nvSpPr>
         <p:spPr/>
         <p:txBody>
-          <a:bodyPr/>
-          <a:lstStyle/>
-          <a:p>
-            <a:r>
-              <a:rPr lang="en-US" dirty="0" smtClean="0"/>
-              <a:t>Work for any file on any server without configuration.</a:t>
-            </a:r>
-          </a:p>
-          <a:p>
-            <a:r>
-              <a:rPr lang="en-US" dirty="0" smtClean="0"/>
-              <a:t>Easy for client use.</a:t>
-            </a:r>
-          </a:p>
-          <a:p>
-            <a:r>
-              <a:rPr lang="en-US" dirty="0" smtClean="0"/>
-              <a:t>No extra dedicated hardware.</a:t>
-            </a:r>
-          </a:p>
-          <a:p>
-            <a:r>
-              <a:rPr lang="en-US" dirty="0" smtClean="0"/>
-              <a:t>Work for small files.</a:t>
-            </a:r>
-          </a:p>
-          <a:p>
-            <a:r>
-              <a:rPr lang="en-US" dirty="0" smtClean="0"/>
-              <a:t>Non intrusive.</a:t>
+          <a:bodyPr>
+            <a:normAutofit fontScale="92500" lnSpcReduction="20000"/>
+          </a:bodyPr>
+          <a:lstStyle/>
+          <a:p>
+            <a:r>
+              <a:rPr lang="en-US" dirty="0" smtClean="0"/>
+              <a:t>Clients</a:t>
+            </a:r>
+          </a:p>
+          <a:p>
+            <a:pPr lvl="1"/>
+            <a:r>
+              <a:rPr lang="en-US" dirty="0" smtClean="0"/>
+              <a:t>Extra setup/time per file.</a:t>
+            </a:r>
+          </a:p>
+          <a:p>
+            <a:pPr lvl="2"/>
+            <a:r>
+              <a:rPr lang="en-US" dirty="0" smtClean="0"/>
+              <a:t>Small files</a:t>
+            </a:r>
+          </a:p>
+          <a:p>
+            <a:pPr lvl="1"/>
+            <a:r>
+              <a:rPr lang="en-US" dirty="0" smtClean="0"/>
+              <a:t>Techno </a:t>
+            </a:r>
+            <a:r>
+              <a:rPr lang="en-US" dirty="0" err="1" smtClean="0"/>
+              <a:t>intelligencia</a:t>
+            </a:r>
+            <a:endParaRPr lang="en-US" dirty="0" smtClean="0"/>
+          </a:p>
+          <a:p>
+            <a:pPr lvl="1"/>
+            <a:r>
+              <a:rPr lang="en-US" dirty="0" smtClean="0"/>
+              <a:t>Non integrated.</a:t>
+            </a:r>
+          </a:p>
+          <a:p>
+            <a:pPr lvl="2"/>
+            <a:r>
+              <a:rPr lang="en-US" dirty="0" smtClean="0"/>
+              <a:t>Manual.</a:t>
+            </a:r>
+          </a:p>
+          <a:p>
+            <a:pPr lvl="2"/>
+            <a:r>
+              <a:rPr lang="en-US" dirty="0" smtClean="0"/>
+              <a:t>Not HTTP optimized.</a:t>
+            </a:r>
+          </a:p>
+          <a:p>
+            <a:pPr lvl="1"/>
+            <a:r>
+              <a:rPr lang="en-US" dirty="0" smtClean="0"/>
+              <a:t>It should be ignored speed-wise</a:t>
+            </a:r>
+          </a:p>
+          <a:p>
+            <a:pPr lvl="2"/>
+            <a:r>
+              <a:rPr lang="en-US" dirty="0" smtClean="0"/>
+              <a:t>Duplicate</a:t>
+            </a:r>
+          </a:p>
+          <a:p>
+            <a:pPr lvl="2"/>
+            <a:r>
+              <a:rPr lang="en-US" dirty="0" smtClean="0"/>
+              <a:t>Costs time</a:t>
+            </a:r>
+          </a:p>
+          <a:p>
+            <a:pPr lvl="1"/>
+            <a:r>
+              <a:rPr lang="en-US" dirty="0" smtClean="0"/>
+              <a:t>Not available.</a:t>
             </a:r>
           </a:p>
         </p:txBody>
@@ -11389,6 +11562,13 @@
   <p:clrMapOvr>
     <a:masterClrMapping/>
   </p:clrMapOvr>
+  <p:timing>
+    <p:tnLst>
+      <p:par>
+        <p:cTn id="1" dur="indefinite" restart="never" nodeType="tmRoot"/>
+      </p:par>
+    </p:tnLst>
+  </p:timing>
 </p:sld>
 </file>
 
@@ -11514,6 +11694,13 @@
   <p:clrMapOvr>
     <a:masterClrMapping/>
   </p:clrMapOvr>
+  <p:timing>
+    <p:tnLst>
+      <p:par>
+        <p:cTn id="1" dur="indefinite" restart="never" nodeType="tmRoot"/>
+      </p:par>
+    </p:tnLst>
+  </p:timing>
 </p:sld>
 </file>
 
@@ -11544,7 +11731,12 @@
             <p:ph type="title"/>
           </p:nvPr>
         </p:nvSpPr>
-        <p:spPr/>
+        <p:spPr>
+          <a:xfrm>
+            <a:off x="-1143000" y="304800"/>
+            <a:ext cx="8229600" cy="1143000"/>
+          </a:xfrm>
+        </p:spPr>
         <p:txBody>
           <a:bodyPr>
             <a:normAutofit/>
@@ -11552,8 +11744,12 @@
           <a:lstStyle/>
           <a:p>
             <a:r>
-              <a:rPr lang="en-US" dirty="0" smtClean="0"/>
-              <a:t>Automatic Swarming</a:t>
+              <a:rPr lang="en-US" dirty="0" err="1" smtClean="0"/>
+              <a:t>BitTorrent</a:t>
+            </a:r>
+            <a:r>
+              <a:rPr lang="en-US" dirty="0" smtClean="0"/>
+              <a:t> can Fail</a:t>
             </a:r>
             <a:endParaRPr lang="en-US" dirty="0"/>
           </a:p>
@@ -11561,7 +11757,7 @@
       </p:sp>
       <p:sp>
         <p:nvSpPr>
-          <p:cNvPr id="5" name="Content Placeholder 4"/>
+          <p:cNvPr id="3" name="Content Placeholder 2"/>
           <p:cNvSpPr>
             <a:spLocks noGrp="1"/>
           </p:cNvSpPr>
@@ -11576,48 +11772,38 @@
           <a:p>
             <a:r>
               <a:rPr lang="en-US" dirty="0" smtClean="0"/>
-              <a:t>Make swarming more usable/adoptable.</a:t>
-            </a:r>
-          </a:p>
-          <a:p>
-            <a:pPr lvl="1"/>
-            <a:r>
-              <a:rPr lang="en-US" dirty="0" smtClean="0"/>
-              <a:t>Shown it is possible.</a:t>
-            </a:r>
-          </a:p>
-          <a:p>
-            <a:r>
-              <a:rPr lang="en-US" dirty="0" smtClean="0"/>
-              <a:t>Where immediately effective:</a:t>
-            </a:r>
-          </a:p>
-          <a:p>
-            <a:pPr lvl="1"/>
-            <a:r>
-              <a:rPr lang="en-US" dirty="0" smtClean="0"/>
-              <a:t>Low bandwidth server.</a:t>
-            </a:r>
-          </a:p>
-          <a:p>
-            <a:pPr lvl="1"/>
-            <a:r>
-              <a:rPr lang="en-US" dirty="0" smtClean="0"/>
-              <a:t>Larger files.</a:t>
-            </a:r>
-          </a:p>
-          <a:p>
-            <a:pPr lvl="1"/>
-            <a:r>
-              <a:rPr lang="en-US" dirty="0" smtClean="0"/>
-              <a:t>Small files on a server that is hit with a flash crowd.</a:t>
-            </a:r>
-          </a:p>
-          <a:p>
-            <a:pPr lvl="1">
-              <a:buNone/>
-            </a:pPr>
-            <a:endParaRPr lang="en-US" dirty="0" smtClean="0"/>
+              <a:t>Not enough seeds.</a:t>
+            </a:r>
+          </a:p>
+          <a:p>
+            <a:r>
+              <a:rPr lang="en-US" dirty="0" smtClean="0"/>
+              <a:t>Closed ports.</a:t>
+            </a:r>
+          </a:p>
+          <a:p>
+            <a:r>
+              <a:rPr lang="en-US" dirty="0" smtClean="0"/>
+              <a:t>Tracker</a:t>
+            </a:r>
+          </a:p>
+          <a:p>
+            <a:r>
+              <a:rPr lang="en-US" dirty="0" smtClean="0"/>
+              <a:t>Extra files.</a:t>
+            </a:r>
+          </a:p>
+          <a:p>
+            <a:r>
+              <a:rPr lang="en-US" dirty="0" smtClean="0"/>
+              <a:t>Users don’t have client installed (chicken/egg).</a:t>
+            </a:r>
+          </a:p>
+          <a:p>
+            <a:r>
+              <a:rPr lang="en-US" dirty="0" smtClean="0"/>
+              <a:t>Clients aren’t configured to use HTTP.</a:t>
+            </a:r>
           </a:p>
         </p:txBody>
       </p:sp>
@@ -11626,6 +11812,13 @@
   <p:clrMapOvr>
     <a:masterClrMapping/>
   </p:clrMapOvr>
+  <p:timing>
+    <p:tnLst>
+      <p:par>
+        <p:cTn id="1" dur="indefinite" restart="never" nodeType="tmRoot"/>
+      </p:par>
+    </p:tnLst>
+  </p:timing>
 </p:sld>
 </file>
 
@@ -11690,7 +11883,7 @@
           <a:lstStyle/>
           <a:p>
             <a:r>
-              <a:rPr lang="en-US" smtClean="0"/>
+              <a:rPr lang="en-US" dirty="0" smtClean="0"/>
               <a:t>(TODO)</a:t>
             </a:r>
             <a:endParaRPr lang="en-US" dirty="0"/>
@@ -11735,6 +11928,13 @@
   <p:clrMapOvr>
     <a:masterClrMapping/>
   </p:clrMapOvr>
+  <p:timing>
+    <p:tnLst>
+      <p:par>
+        <p:cTn id="1" dur="indefinite" restart="never" nodeType="tmRoot"/>
+      </p:par>
+    </p:tnLst>
+  </p:timing>
 </p:sld>
 </file>
 
@@ -11893,6 +12093,13 @@
   <p:clrMapOvr>
     <a:masterClrMapping/>
   </p:clrMapOvr>
+  <p:timing>
+    <p:tnLst>
+      <p:par>
+        <p:cTn id="1" dur="indefinite" restart="never" nodeType="tmRoot"/>
+      </p:par>
+    </p:tnLst>
+  </p:timing>
 </p:sld>
 </file>
 
@@ -11930,7 +12137,7 @@
           <a:p>
             <a:r>
               <a:rPr lang="en-US" dirty="0" smtClean="0"/>
-              <a:t>Current Problems</a:t>
+              <a:t>Other Problems</a:t>
             </a:r>
             <a:endParaRPr lang="en-US" dirty="0"/>
           </a:p>
@@ -11999,6 +12206,13 @@
   <p:clrMapOvr>
     <a:masterClrMapping/>
   </p:clrMapOvr>
+  <p:timing>
+    <p:tnLst>
+      <p:par>
+        <p:cTn id="1" dur="indefinite" restart="never" nodeType="tmRoot"/>
+      </p:par>
+    </p:tnLst>
+  </p:timing>
 </p:sld>
 </file>
 
@@ -12044,7 +12258,7 @@
       </p:sp>
       <p:sp>
         <p:nvSpPr>
-          <p:cNvPr id="3" name="Content Placeholder 2"/>
+          <p:cNvPr id="4" name="Content Placeholder 3"/>
           <p:cNvSpPr>
             <a:spLocks noGrp="1"/>
           </p:cNvSpPr>
@@ -12057,11 +12271,7 @@
           <a:bodyPr/>
           <a:lstStyle/>
           <a:p>
-            <a:r>
-              <a:rPr lang="en-US" dirty="0" smtClean="0"/>
-              <a:t>?</a:t>
-            </a:r>
-            <a:endParaRPr lang="en-US" dirty="0"/>
+            <a:endParaRPr lang="en-US"/>
           </a:p>
         </p:txBody>
       </p:sp>
@@ -12070,6 +12280,13 @@
   <p:clrMapOvr>
     <a:masterClrMapping/>
   </p:clrMapOvr>
+  <p:timing>
+    <p:tnLst>
+      <p:par>
+        <p:cTn id="1" dur="indefinite" restart="never" nodeType="tmRoot"/>
+      </p:par>
+    </p:tnLst>
+  </p:timing>
 </p:sld>
 </file>
 
@@ -12285,6 +12502,13 @@
   <p:clrMapOvr>
     <a:masterClrMapping/>
   </p:clrMapOvr>
+  <p:timing>
+    <p:tnLst>
+      <p:par>
+        <p:cTn id="1" dur="indefinite" restart="never" nodeType="tmRoot"/>
+      </p:par>
+    </p:tnLst>
+  </p:timing>
 </p:sld>
 </file>
 
@@ -12396,6 +12620,13 @@
   <p:clrMapOvr>
     <a:masterClrMapping/>
   </p:clrMapOvr>
+  <p:timing>
+    <p:tnLst>
+      <p:par>
+        <p:cTn id="1" dur="indefinite" restart="never" nodeType="tmRoot"/>
+      </p:par>
+    </p:tnLst>
+  </p:timing>
 </p:sld>
 </file>
 
@@ -12549,6 +12780,13 @@
   <p:clrMapOvr>
     <a:masterClrMapping/>
   </p:clrMapOvr>
+  <p:timing>
+    <p:tnLst>
+      <p:par>
+        <p:cTn id="1" dur="indefinite" restart="never" nodeType="tmRoot"/>
+      </p:par>
+    </p:tnLst>
+  </p:timing>
 </p:sld>
 </file>
 

--- a/thesis_presentation/How to Make the Internet Faster.pptx
+++ b/thesis_presentation/How to Make the Internet Faster.pptx
@@ -1541,11 +1541,7 @@
             </a:r>
             <a:r>
               <a:rPr lang="en-US" baseline="0" dirty="0" smtClean="0"/>
-              <a:t> fault</a:t>
-            </a:r>
-            <a:r>
-              <a:rPr lang="en-US" baseline="0" dirty="0" smtClean="0"/>
-              <a:t>.</a:t>
+              <a:t> fault.</a:t>
             </a:r>
           </a:p>
           <a:p>
@@ -7487,11 +7483,7 @@
             <a:pPr lvl="2"/>
             <a:r>
               <a:rPr lang="en-US" dirty="0" smtClean="0"/>
-              <a:t>Costs </a:t>
-            </a:r>
-            <a:r>
-              <a:rPr lang="en-US" dirty="0" smtClean="0"/>
-              <a:t>time</a:t>
+              <a:t>Costs time</a:t>
             </a:r>
           </a:p>
           <a:p>
@@ -7511,7 +7503,6 @@
               <a:rPr lang="en-US" dirty="0" smtClean="0"/>
               <a:t>Transition.</a:t>
             </a:r>
-            <a:endParaRPr lang="en-US" dirty="0" smtClean="0"/>
           </a:p>
           <a:p>
             <a:pPr lvl="1"/>
@@ -7746,15 +7737,7 @@
           <a:p>
             <a:r>
               <a:rPr lang="en-US" dirty="0" smtClean="0"/>
-              <a:t>Make swarming </a:t>
-            </a:r>
-            <a:r>
-              <a:rPr lang="en-US" dirty="0" smtClean="0"/>
-              <a:t>more adoptable</a:t>
-            </a:r>
-            <a:r>
-              <a:rPr lang="en-US" dirty="0" smtClean="0"/>
-              <a:t>.</a:t>
+              <a:t>Make swarming more adoptable.</a:t>
             </a:r>
           </a:p>
           <a:p>
@@ -8753,11 +8736,7 @@
           <a:p>
             <a:r>
               <a:rPr lang="en-US" dirty="0" smtClean="0"/>
-              <a:t>Graph </a:t>
-            </a:r>
-            <a:r>
-              <a:rPr lang="en-US" dirty="0" smtClean="0"/>
-              <a:t>percentiles of: </a:t>
+              <a:t>Graph percentiles of: </a:t>
             </a:r>
           </a:p>
           <a:p>
@@ -8771,32 +8750,15 @@
             <a:pPr lvl="1"/>
             <a:r>
               <a:rPr lang="en-US" dirty="0" smtClean="0"/>
-              <a:t>DHT </a:t>
-            </a:r>
-            <a:r>
-              <a:rPr lang="en-US" dirty="0" smtClean="0"/>
-              <a:t>response </a:t>
-            </a:r>
-            <a:r>
-              <a:rPr lang="en-US" dirty="0" smtClean="0"/>
-              <a:t>times</a:t>
+              <a:t>DHT response times</a:t>
             </a:r>
           </a:p>
           <a:p>
             <a:pPr lvl="1"/>
             <a:r>
               <a:rPr lang="en-US" dirty="0" smtClean="0"/>
-              <a:t>causes </a:t>
-            </a:r>
-            <a:r>
-              <a:rPr lang="en-US" dirty="0" smtClean="0"/>
-              <a:t>for transitioning to </a:t>
-            </a:r>
-            <a:r>
-              <a:rPr lang="en-US" dirty="0" smtClean="0"/>
-              <a:t>P2P</a:t>
-            </a:r>
-            <a:endParaRPr lang="en-US" dirty="0" smtClean="0"/>
+              <a:t>causes for transitioning to P2P</a:t>
+            </a:r>
           </a:p>
           <a:p>
             <a:r>
@@ -9641,13 +9603,8 @@
           <a:p>
             <a:r>
               <a:rPr lang="en-US" dirty="0" smtClean="0"/>
-              <a:t>Lower is </a:t>
-            </a:r>
-            <a:r>
-              <a:rPr lang="en-US" dirty="0" smtClean="0"/>
-              <a:t>better</a:t>
-            </a:r>
-            <a:endParaRPr lang="en-US" dirty="0" smtClean="0"/>
+              <a:t>Lower is better</a:t>
+            </a:r>
           </a:p>
         </p:txBody>
       </p:sp>
@@ -11050,78 +11007,41 @@
             <a:pPr lvl="1"/>
             <a:r>
               <a:rPr lang="en-US" dirty="0" smtClean="0"/>
-              <a:t>30 </a:t>
-            </a:r>
-            <a:r>
-              <a:rPr lang="en-US" dirty="0" smtClean="0"/>
-              <a:t>x as fast for small </a:t>
-            </a:r>
-            <a:r>
-              <a:rPr lang="en-US" dirty="0" smtClean="0"/>
-              <a:t>files (flash flood).</a:t>
-            </a:r>
-            <a:endParaRPr lang="en-US" dirty="0" smtClean="0"/>
+              <a:t>30 x as fast for small files (flash flood).</a:t>
+            </a:r>
           </a:p>
           <a:p>
             <a:pPr lvl="1"/>
             <a:r>
               <a:rPr lang="en-US" dirty="0" smtClean="0"/>
-              <a:t>Backs off </a:t>
-            </a:r>
-            <a:r>
-              <a:rPr lang="en-US" dirty="0" smtClean="0"/>
-              <a:t>server</a:t>
-            </a:r>
-            <a:endParaRPr lang="en-US" dirty="0" smtClean="0"/>
-          </a:p>
-          <a:p>
-            <a:r>
-              <a:rPr lang="en-US" dirty="0" smtClean="0"/>
-              <a:t>Make </a:t>
-            </a:r>
-            <a:r>
-              <a:rPr lang="en-US" dirty="0" smtClean="0"/>
-              <a:t>swarming more </a:t>
-            </a:r>
-            <a:r>
-              <a:rPr lang="en-US" dirty="0" smtClean="0"/>
-              <a:t>usable/adoptable</a:t>
-            </a:r>
-            <a:endParaRPr lang="en-US" dirty="0" smtClean="0"/>
+              <a:t>Backs off server</a:t>
+            </a:r>
+          </a:p>
+          <a:p>
+            <a:r>
+              <a:rPr lang="en-US" dirty="0" smtClean="0"/>
+              <a:t>Make swarming more usable/adoptable</a:t>
+            </a:r>
           </a:p>
           <a:p>
             <a:pPr lvl="1"/>
             <a:r>
               <a:rPr lang="en-US" dirty="0" smtClean="0"/>
-              <a:t>S</a:t>
-            </a:r>
-            <a:r>
-              <a:rPr lang="en-US" dirty="0" smtClean="0"/>
-              <a:t>mall files</a:t>
+              <a:t>Small files</a:t>
             </a:r>
           </a:p>
           <a:p>
             <a:pPr lvl="1"/>
             <a:r>
               <a:rPr lang="en-US" dirty="0" smtClean="0"/>
-              <a:t>Non </a:t>
-            </a:r>
-            <a:r>
-              <a:rPr lang="en-US" dirty="0" smtClean="0"/>
-              <a:t>tracked </a:t>
-            </a:r>
-            <a:r>
-              <a:rPr lang="en-US" dirty="0" smtClean="0"/>
-              <a:t>files</a:t>
-            </a:r>
-            <a:endParaRPr lang="en-US" dirty="0" smtClean="0"/>
+              <a:t>Non tracked files</a:t>
+            </a:r>
           </a:p>
           <a:p>
             <a:r>
               <a:rPr lang="en-US" dirty="0" smtClean="0"/>
               <a:t>Best settings</a:t>
             </a:r>
-            <a:endParaRPr lang="en-US" dirty="0" smtClean="0"/>
           </a:p>
           <a:p>
             <a:pPr lvl="1"/>
@@ -11862,37 +11782,9 @@
           </a:p>
         </p:txBody>
       </p:sp>
-      <p:sp>
-        <p:nvSpPr>
-          <p:cNvPr id="3" name="Content Placeholder 2"/>
-          <p:cNvSpPr>
-            <a:spLocks noGrp="1"/>
-          </p:cNvSpPr>
-          <p:nvPr>
-            <p:ph idx="1"/>
-          </p:nvPr>
-        </p:nvSpPr>
-        <p:spPr>
-          <a:xfrm>
-            <a:off x="457200" y="4419600"/>
-            <a:ext cx="8229600" cy="1706563"/>
-          </a:xfrm>
-        </p:spPr>
-        <p:txBody>
-          <a:bodyPr/>
-          <a:lstStyle/>
-          <a:p>
-            <a:r>
-              <a:rPr lang="en-US" dirty="0" smtClean="0"/>
-              <a:t>(TODO)</a:t>
-            </a:r>
-            <a:endParaRPr lang="en-US" dirty="0"/>
-          </a:p>
-        </p:txBody>
-      </p:sp>
       <p:pic>
         <p:nvPicPr>
-          <p:cNvPr id="4" name="Picture 2"/>
+          <p:cNvPr id="1026" name="Picture 2"/>
           <p:cNvPicPr>
             <a:picLocks noChangeAspect="1" noChangeArrowheads="1"/>
           </p:cNvPicPr>
@@ -11907,8 +11799,8 @@
         </p:blipFill>
         <p:spPr bwMode="auto">
           <a:xfrm>
-            <a:off x="381000" y="1600200"/>
-            <a:ext cx="8442145" cy="2233613"/>
+            <a:off x="304800" y="4419600"/>
+            <a:ext cx="8505825" cy="1714500"/>
           </a:xfrm>
           <a:prstGeom prst="rect">
             <a:avLst/>
@@ -11920,7 +11812,38 @@
             <a:headEnd/>
             <a:tailEnd/>
           </a:ln>
-          <a:effectLst/>
+        </p:spPr>
+      </p:pic>
+      <p:pic>
+        <p:nvPicPr>
+          <p:cNvPr id="1027" name="Picture 3"/>
+          <p:cNvPicPr>
+            <a:picLocks noChangeAspect="1" noChangeArrowheads="1"/>
+          </p:cNvPicPr>
+          <p:nvPr/>
+        </p:nvPicPr>
+        <p:blipFill>
+          <a:blip r:embed="rId4" cstate="print"/>
+          <a:srcRect/>
+          <a:stretch>
+            <a:fillRect/>
+          </a:stretch>
+        </p:blipFill>
+        <p:spPr bwMode="auto">
+          <a:xfrm>
+            <a:off x="228600" y="1371600"/>
+            <a:ext cx="7953375" cy="2486025"/>
+          </a:xfrm>
+          <a:prstGeom prst="rect">
+            <a:avLst/>
+          </a:prstGeom>
+          <a:noFill/>
+          <a:ln w="9525">
+            <a:noFill/>
+            <a:miter lim="800000"/>
+            <a:headEnd/>
+            <a:tailEnd/>
+          </a:ln>
         </p:spPr>
       </p:pic>
     </p:spTree>
@@ -11991,13 +11914,21 @@
         <p:spPr/>
         <p:txBody>
           <a:bodyPr>
-            <a:normAutofit fontScale="85000" lnSpcReduction="20000"/>
+            <a:normAutofit fontScale="77500" lnSpcReduction="20000"/>
           </a:bodyPr>
           <a:lstStyle/>
           <a:p>
             <a:r>
               <a:rPr lang="en-US" dirty="0" smtClean="0"/>
-              <a:t>Back off the origin (optimize for large files).</a:t>
+              <a:t>Back off the origin </a:t>
+            </a:r>
+            <a:r>
+              <a:rPr lang="en-US" dirty="0" smtClean="0"/>
+              <a:t>(optimize for large </a:t>
+            </a:r>
+            <a:r>
+              <a:rPr lang="en-US" dirty="0" smtClean="0"/>
+              <a:t>files).</a:t>
             </a:r>
           </a:p>
           <a:p>
@@ -12009,16 +11940,13 @@
           <a:p>
             <a:r>
               <a:rPr lang="en-US" dirty="0" smtClean="0"/>
-              <a:t>Better </a:t>
-            </a:r>
-            <a:r>
-              <a:rPr lang="en-US" dirty="0" smtClean="0"/>
-              <a:t>use of the DHT (</a:t>
-            </a:r>
-            <a:r>
-              <a:rPr lang="en-US" dirty="0" smtClean="0"/>
-              <a:t>fairness).</a:t>
-            </a:r>
+              <a:t>Better use of the </a:t>
+            </a:r>
+            <a:r>
+              <a:rPr lang="en-US" dirty="0" smtClean="0"/>
+              <a:t>DHT.</a:t>
+            </a:r>
+            <a:endParaRPr lang="en-US" dirty="0" smtClean="0"/>
           </a:p>
           <a:p>
             <a:pPr lvl="1"/>
@@ -12031,7 +11959,14 @@
             <a:pPr lvl="1"/>
             <a:r>
               <a:rPr lang="en-US" dirty="0" smtClean="0"/>
-              <a:t>scalability</a:t>
+              <a:t>Scalability</a:t>
+            </a:r>
+          </a:p>
+          <a:p>
+            <a:pPr lvl="1"/>
+            <a:r>
+              <a:rPr lang="en-US" dirty="0" smtClean="0"/>
+              <a:t>Staleness</a:t>
             </a:r>
             <a:endParaRPr lang="en-US" dirty="0" smtClean="0"/>
           </a:p>
@@ -12044,11 +11979,7 @@
           <a:p>
             <a:r>
               <a:rPr lang="en-US" dirty="0" smtClean="0"/>
-              <a:t>Incentives</a:t>
-            </a:r>
-            <a:r>
-              <a:rPr lang="en-US" dirty="0" smtClean="0"/>
-              <a:t>.</a:t>
+              <a:t>Incentives.</a:t>
             </a:r>
           </a:p>
           <a:p>
@@ -12061,7 +11992,6 @@
               <a:rPr lang="en-US" dirty="0" smtClean="0"/>
               <a:t>.</a:t>
             </a:r>
-            <a:endParaRPr lang="en-US" dirty="0" smtClean="0"/>
           </a:p>
           <a:p>
             <a:r>
@@ -12072,11 +12002,7 @@
           <a:p>
             <a:r>
               <a:rPr lang="en-US" dirty="0" smtClean="0"/>
-              <a:t>Mirrors</a:t>
-            </a:r>
-            <a:r>
-              <a:rPr lang="en-US" dirty="0" smtClean="0"/>
-              <a:t>.</a:t>
+              <a:t>Mirrors.</a:t>
             </a:r>
           </a:p>
           <a:p>
@@ -12155,18 +12081,18 @@
         </p:nvSpPr>
         <p:spPr/>
         <p:txBody>
-          <a:bodyPr/>
-          <a:lstStyle/>
-          <a:p>
-            <a:r>
-              <a:rPr lang="en-US" dirty="0" smtClean="0"/>
-              <a:t>CPU bound (typical).</a:t>
-            </a:r>
-          </a:p>
-          <a:p>
-            <a:r>
-              <a:rPr lang="en-US" dirty="0" smtClean="0"/>
-              <a:t>Too slow.</a:t>
+          <a:bodyPr>
+            <a:normAutofit lnSpcReduction="10000"/>
+          </a:bodyPr>
+          <a:lstStyle/>
+          <a:p>
+            <a:r>
+              <a:rPr lang="en-US" smtClean="0"/>
+              <a:t>Still slow</a:t>
+            </a:r>
+            <a:r>
+              <a:rPr lang="en-US" dirty="0" smtClean="0"/>
+              <a:t>.</a:t>
             </a:r>
           </a:p>
           <a:p>
@@ -12178,18 +12104,18 @@
           <a:p>
             <a:r>
               <a:rPr lang="en-US" dirty="0" smtClean="0"/>
+              <a:t>Servers CPU bound.</a:t>
+            </a:r>
+          </a:p>
+          <a:p>
+            <a:r>
+              <a:rPr lang="en-US" dirty="0" smtClean="0"/>
               <a:t>Greedy.</a:t>
             </a:r>
           </a:p>
           <a:p>
             <a:r>
               <a:rPr lang="en-US" dirty="0" smtClean="0"/>
-              <a:t>Only useful in certain situations.</a:t>
-            </a:r>
-          </a:p>
-          <a:p>
-            <a:r>
-              <a:rPr lang="en-US" dirty="0" smtClean="0"/>
               <a:t>Still has a chicken and egg problem (smaller).</a:t>
             </a:r>
           </a:p>
@@ -12198,6 +12124,23 @@
               <a:rPr lang="en-US" dirty="0" smtClean="0"/>
               <a:t>Prefers a slow peer to a medium fast origin.</a:t>
             </a:r>
+          </a:p>
+          <a:p>
+            <a:r>
+              <a:rPr lang="en-US" dirty="0" smtClean="0"/>
+              <a:t>No intelligent peer selection</a:t>
+            </a:r>
+            <a:r>
+              <a:rPr lang="en-US" dirty="0" smtClean="0"/>
+              <a:t>.</a:t>
+            </a:r>
+          </a:p>
+          <a:p>
+            <a:r>
+              <a:rPr lang="en-US" dirty="0" smtClean="0"/>
+              <a:t>Poor last block.</a:t>
+            </a:r>
+            <a:endParaRPr lang="en-US" dirty="0" smtClean="0"/>
           </a:p>
         </p:txBody>
       </p:sp>

--- a/thesis_presentation/How to Make the Internet Faster.pptx
+++ b/thesis_presentation/How to Make the Internet Faster.pptx
@@ -5,53 +5,45 @@
     <p:sldMasterId id="2147483648" r:id="rId1"/>
   </p:sldMasterIdLst>
   <p:notesMasterIdLst>
-    <p:notesMasterId r:id="rId46"/>
+    <p:notesMasterId r:id="rId38"/>
   </p:notesMasterIdLst>
   <p:sldIdLst>
     <p:sldId id="256" r:id="rId2"/>
-    <p:sldId id="284" r:id="rId3"/>
-    <p:sldId id="263" r:id="rId4"/>
-    <p:sldId id="257" r:id="rId5"/>
-    <p:sldId id="258" r:id="rId6"/>
-    <p:sldId id="259" r:id="rId7"/>
-    <p:sldId id="260" r:id="rId8"/>
-    <p:sldId id="282" r:id="rId9"/>
-    <p:sldId id="261" r:id="rId10"/>
-    <p:sldId id="283" r:id="rId11"/>
-    <p:sldId id="287" r:id="rId12"/>
-    <p:sldId id="262" r:id="rId13"/>
-    <p:sldId id="293" r:id="rId14"/>
-    <p:sldId id="288" r:id="rId15"/>
-    <p:sldId id="265" r:id="rId16"/>
-    <p:sldId id="266" r:id="rId17"/>
-    <p:sldId id="267" r:id="rId18"/>
-    <p:sldId id="286" r:id="rId19"/>
-    <p:sldId id="285" r:id="rId20"/>
-    <p:sldId id="302" r:id="rId21"/>
-    <p:sldId id="268" r:id="rId22"/>
-    <p:sldId id="269" r:id="rId23"/>
-    <p:sldId id="303" r:id="rId24"/>
-    <p:sldId id="281" r:id="rId25"/>
-    <p:sldId id="270" r:id="rId26"/>
-    <p:sldId id="271" r:id="rId27"/>
-    <p:sldId id="272" r:id="rId28"/>
-    <p:sldId id="273" r:id="rId29"/>
-    <p:sldId id="274" r:id="rId30"/>
-    <p:sldId id="275" r:id="rId31"/>
-    <p:sldId id="276" r:id="rId32"/>
-    <p:sldId id="277" r:id="rId33"/>
-    <p:sldId id="290" r:id="rId34"/>
-    <p:sldId id="278" r:id="rId35"/>
-    <p:sldId id="294" r:id="rId36"/>
-    <p:sldId id="279" r:id="rId37"/>
-    <p:sldId id="298" r:id="rId38"/>
-    <p:sldId id="295" r:id="rId39"/>
-    <p:sldId id="296" r:id="rId40"/>
-    <p:sldId id="297" r:id="rId41"/>
-    <p:sldId id="301" r:id="rId42"/>
-    <p:sldId id="280" r:id="rId43"/>
-    <p:sldId id="300" r:id="rId44"/>
-    <p:sldId id="292" r:id="rId45"/>
+    <p:sldId id="257" r:id="rId3"/>
+    <p:sldId id="258" r:id="rId4"/>
+    <p:sldId id="259" r:id="rId5"/>
+    <p:sldId id="260" r:id="rId6"/>
+    <p:sldId id="282" r:id="rId7"/>
+    <p:sldId id="261" r:id="rId8"/>
+    <p:sldId id="283" r:id="rId9"/>
+    <p:sldId id="287" r:id="rId10"/>
+    <p:sldId id="262" r:id="rId11"/>
+    <p:sldId id="293" r:id="rId12"/>
+    <p:sldId id="288" r:id="rId13"/>
+    <p:sldId id="266" r:id="rId14"/>
+    <p:sldId id="267" r:id="rId15"/>
+    <p:sldId id="286" r:id="rId16"/>
+    <p:sldId id="285" r:id="rId17"/>
+    <p:sldId id="302" r:id="rId18"/>
+    <p:sldId id="268" r:id="rId19"/>
+    <p:sldId id="269" r:id="rId20"/>
+    <p:sldId id="303" r:id="rId21"/>
+    <p:sldId id="281" r:id="rId22"/>
+    <p:sldId id="270" r:id="rId23"/>
+    <p:sldId id="271" r:id="rId24"/>
+    <p:sldId id="272" r:id="rId25"/>
+    <p:sldId id="273" r:id="rId26"/>
+    <p:sldId id="274" r:id="rId27"/>
+    <p:sldId id="275" r:id="rId28"/>
+    <p:sldId id="276" r:id="rId29"/>
+    <p:sldId id="277" r:id="rId30"/>
+    <p:sldId id="290" r:id="rId31"/>
+    <p:sldId id="278" r:id="rId32"/>
+    <p:sldId id="294" r:id="rId33"/>
+    <p:sldId id="279" r:id="rId34"/>
+    <p:sldId id="298" r:id="rId35"/>
+    <p:sldId id="280" r:id="rId36"/>
+    <p:sldId id="292" r:id="rId37"/>
   </p:sldIdLst>
   <p:sldSz cx="9144000" cy="6858000" type="screen4x3"/>
   <p:notesSz cx="6858000" cy="9144000"/>
@@ -548,6 +540,20 @@
           </a:bodyPr>
           <a:lstStyle/>
           <a:p>
+            <a:r>
+              <a:rPr lang="en-US" dirty="0" smtClean="0"/>
+              <a:t>Formal, use third </a:t>
+            </a:r>
+            <a:r>
+              <a:rPr lang="en-US" dirty="0" smtClean="0"/>
+              <a:t>person or I</a:t>
+            </a:r>
+          </a:p>
+          <a:p>
+            <a:r>
+              <a:rPr lang="en-US" smtClean="0"/>
+              <a:t>take out all periods</a:t>
+            </a:r>
             <a:endParaRPr lang="en-US" dirty="0"/>
           </a:p>
         </p:txBody>
@@ -632,19 +638,19 @@
           <a:p>
             <a:r>
               <a:rPr lang="en-US" dirty="0" smtClean="0"/>
-              <a:t>Normal people do not use </a:t>
-            </a:r>
-            <a:r>
-              <a:rPr lang="en-US" dirty="0" err="1" smtClean="0"/>
-              <a:t>BitTorrent</a:t>
-            </a:r>
-            <a:r>
-              <a:rPr lang="en-US" dirty="0" smtClean="0"/>
-              <a:t>.  Not useful</a:t>
+              <a:t>The more general problem is that when downloading typical files from the</a:t>
             </a:r>
             <a:r>
               <a:rPr lang="en-US" baseline="0" dirty="0" smtClean="0"/>
-              <a:t> to them.</a:t>
+              <a:t> Internet, </a:t>
+            </a:r>
+            <a:r>
+              <a:rPr lang="en-US" baseline="0" dirty="0" err="1" smtClean="0"/>
+              <a:t>Bittorrent</a:t>
+            </a:r>
+            <a:r>
+              <a:rPr lang="en-US" baseline="0" dirty="0" smtClean="0"/>
+              <a:t> cannot come to your aid.</a:t>
             </a:r>
             <a:endParaRPr lang="en-US" dirty="0"/>
           </a:p>
@@ -668,7 +674,7 @@
             <a:fld id="{CFD85767-B34F-4122-8642-982296400DCD}" type="slidenum">
               <a:rPr lang="en-US" smtClean="0"/>
               <a:pPr/>
-              <a:t>11</a:t>
+              <a:t>10</a:t>
             </a:fld>
             <a:endParaRPr lang="en-US"/>
           </a:p>
@@ -728,23 +734,7 @@
           </a:bodyPr>
           <a:lstStyle/>
           <a:p>
-            <a:r>
-              <a:rPr lang="en-US" dirty="0" smtClean="0"/>
-              <a:t>The more general problem is that when downloading typical files from the</a:t>
-            </a:r>
-            <a:r>
-              <a:rPr lang="en-US" baseline="0" dirty="0" smtClean="0"/>
-              <a:t> Internet, </a:t>
-            </a:r>
-            <a:r>
-              <a:rPr lang="en-US" baseline="0" dirty="0" err="1" smtClean="0"/>
-              <a:t>Bittorrent</a:t>
-            </a:r>
-            <a:r>
-              <a:rPr lang="en-US" baseline="0" dirty="0" smtClean="0"/>
-              <a:t> cannot come to your aid.</a:t>
-            </a:r>
-            <a:endParaRPr lang="en-US" dirty="0"/>
+            <a:endParaRPr lang="en-US" dirty="0" smtClean="0"/>
           </a:p>
         </p:txBody>
       </p:sp>
@@ -766,7 +756,7 @@
             <a:fld id="{CFD85767-B34F-4122-8642-982296400DCD}" type="slidenum">
               <a:rPr lang="en-US" smtClean="0"/>
               <a:pPr/>
-              <a:t>12</a:t>
+              <a:t>11</a:t>
             </a:fld>
             <a:endParaRPr lang="en-US"/>
           </a:p>
@@ -826,7 +816,23 @@
           </a:bodyPr>
           <a:lstStyle/>
           <a:p>
-            <a:endParaRPr lang="en-US" dirty="0" smtClean="0"/>
+            <a:r>
+              <a:rPr lang="en-US" dirty="0" smtClean="0"/>
+              <a:t>Also: only go to P2P when necessary</a:t>
+            </a:r>
+            <a:r>
+              <a:rPr lang="en-US" baseline="0" dirty="0" smtClean="0"/>
+              <a:t> (try to always be as fast as normal download).</a:t>
+            </a:r>
+          </a:p>
+          <a:p>
+            <a:endParaRPr lang="en-US" baseline="0" dirty="0" smtClean="0"/>
+          </a:p>
+          <a:p>
+            <a:r>
+              <a:rPr lang="en-US" baseline="0" dirty="0" smtClean="0"/>
+              <a:t>These goals overcome those deficiencies.</a:t>
+            </a:r>
           </a:p>
         </p:txBody>
       </p:sp>
@@ -848,7 +854,7 @@
             <a:fld id="{CFD85767-B34F-4122-8642-982296400DCD}" type="slidenum">
               <a:rPr lang="en-US" smtClean="0"/>
               <a:pPr/>
-              <a:t>13</a:t>
+              <a:t>12</a:t>
             </a:fld>
             <a:endParaRPr lang="en-US"/>
           </a:p>
@@ -908,14 +914,7 @@
           </a:bodyPr>
           <a:lstStyle/>
           <a:p>
-            <a:r>
-              <a:rPr lang="en-US" dirty="0" smtClean="0"/>
-              <a:t>Also: only go to P2P when necessary</a:t>
-            </a:r>
-            <a:r>
-              <a:rPr lang="en-US" baseline="0" dirty="0" smtClean="0"/>
-              <a:t> (try to always be as fast as normal download).</a:t>
-            </a:r>
+            <a:endParaRPr lang="en-US" dirty="0"/>
           </a:p>
         </p:txBody>
       </p:sp>
@@ -937,7 +936,7 @@
             <a:fld id="{CFD85767-B34F-4122-8642-982296400DCD}" type="slidenum">
               <a:rPr lang="en-US" smtClean="0"/>
               <a:pPr/>
-              <a:t>14</a:t>
+              <a:t>13</a:t>
             </a:fld>
             <a:endParaRPr lang="en-US"/>
           </a:p>
@@ -997,7 +996,29 @@
           </a:bodyPr>
           <a:lstStyle/>
           <a:p>
-            <a:endParaRPr lang="en-US" dirty="0" smtClean="0"/>
+            <a:r>
+              <a:rPr lang="en-US" dirty="0" smtClean="0"/>
+              <a:t>Convert</a:t>
+            </a:r>
+            <a:r>
+              <a:rPr lang="en-US" baseline="0" dirty="0" smtClean="0"/>
+              <a:t> this and the next one to mimic the description in the Thesis.</a:t>
+            </a:r>
+          </a:p>
+          <a:p>
+            <a:r>
+              <a:rPr lang="en-US" baseline="0" dirty="0" smtClean="0"/>
+              <a:t>Make sure I define </a:t>
+            </a:r>
+            <a:r>
+              <a:rPr lang="en-US" baseline="0" dirty="0" err="1" smtClean="0"/>
+              <a:t>OpenDHT</a:t>
+            </a:r>
+            <a:r>
+              <a:rPr lang="en-US" baseline="0" dirty="0" smtClean="0"/>
+              <a:t> before using it.</a:t>
+            </a:r>
+            <a:endParaRPr lang="en-US" dirty="0"/>
           </a:p>
         </p:txBody>
       </p:sp>
@@ -1019,7 +1040,7 @@
             <a:fld id="{CFD85767-B34F-4122-8642-982296400DCD}" type="slidenum">
               <a:rPr lang="en-US" smtClean="0"/>
               <a:pPr/>
-              <a:t>15</a:t>
+              <a:t>14</a:t>
             </a:fld>
             <a:endParaRPr lang="en-US"/>
           </a:p>
@@ -1101,7 +1122,7 @@
             <a:fld id="{CFD85767-B34F-4122-8642-982296400DCD}" type="slidenum">
               <a:rPr lang="en-US" smtClean="0"/>
               <a:pPr/>
-              <a:t>16</a:t>
+              <a:t>15</a:t>
             </a:fld>
             <a:endParaRPr lang="en-US"/>
           </a:p>
@@ -1161,7 +1182,7 @@
           </a:bodyPr>
           <a:lstStyle/>
           <a:p>
-            <a:endParaRPr lang="en-US" dirty="0"/>
+            <a:endParaRPr lang="en-US"/>
           </a:p>
         </p:txBody>
       </p:sp>
@@ -1183,7 +1204,7 @@
             <a:fld id="{CFD85767-B34F-4122-8642-982296400DCD}" type="slidenum">
               <a:rPr lang="en-US" smtClean="0"/>
               <a:pPr/>
-              <a:t>17</a:t>
+              <a:t>16</a:t>
             </a:fld>
             <a:endParaRPr lang="en-US"/>
           </a:p>
@@ -1243,6 +1264,10 @@
           </a:bodyPr>
           <a:lstStyle/>
           <a:p>
+            <a:r>
+              <a:rPr lang="en-US" dirty="0" smtClean="0"/>
+              <a:t>How many peers. (load)</a:t>
+            </a:r>
             <a:endParaRPr lang="en-US" dirty="0"/>
           </a:p>
         </p:txBody>
@@ -1265,7 +1290,7 @@
             <a:fld id="{CFD85767-B34F-4122-8642-982296400DCD}" type="slidenum">
               <a:rPr lang="en-US" smtClean="0"/>
               <a:pPr/>
-              <a:t>18</a:t>
+              <a:t>17</a:t>
             </a:fld>
             <a:endParaRPr lang="en-US"/>
           </a:p>
@@ -1334,6 +1359,29 @@
                 <a:ea typeface="+mn-ea"/>
                 <a:cs typeface="+mn-cs"/>
               </a:rPr>
+              <a:t>Describe what did, then the results.</a:t>
+            </a:r>
+          </a:p>
+          <a:p>
+            <a:endParaRPr lang="en-US" sz="1200" kern="1200" baseline="0" dirty="0" smtClean="0">
+              <a:solidFill>
+                <a:schemeClr val="tx1"/>
+              </a:solidFill>
+              <a:latin typeface="+mn-lt"/>
+              <a:ea typeface="+mn-ea"/>
+              <a:cs typeface="+mn-cs"/>
+            </a:endParaRPr>
+          </a:p>
+          <a:p>
+            <a:r>
+              <a:rPr lang="en-US" sz="1200" kern="1200" baseline="0" dirty="0" smtClean="0">
+                <a:solidFill>
+                  <a:schemeClr val="tx1"/>
+                </a:solidFill>
+                <a:latin typeface="+mn-lt"/>
+                <a:ea typeface="+mn-ea"/>
+                <a:cs typeface="+mn-cs"/>
+              </a:rPr>
               <a:t>Note that a semi-popular website might serve half a</a:t>
             </a:r>
           </a:p>
@@ -1393,7 +1441,7 @@
             <a:fld id="{CFD85767-B34F-4122-8642-982296400DCD}" type="slidenum">
               <a:rPr lang="en-US" smtClean="0"/>
               <a:pPr/>
-              <a:t>21</a:t>
+              <a:t>18</a:t>
             </a:fld>
             <a:endParaRPr lang="en-US"/>
           </a:p>
@@ -1475,7 +1523,7 @@
             <a:fld id="{CFD85767-B34F-4122-8642-982296400DCD}" type="slidenum">
               <a:rPr lang="en-US" smtClean="0"/>
               <a:pPr/>
-              <a:t>22</a:t>
+              <a:t>19</a:t>
             </a:fld>
             <a:endParaRPr lang="en-US"/>
           </a:p>
@@ -1535,21 +1583,7 @@
           </a:bodyPr>
           <a:lstStyle/>
           <a:p>
-            <a:r>
-              <a:rPr lang="en-US" dirty="0" smtClean="0"/>
-              <a:t>This is your</a:t>
-            </a:r>
-            <a:r>
-              <a:rPr lang="en-US" baseline="0" dirty="0" smtClean="0"/>
-              <a:t> fault.</a:t>
-            </a:r>
-          </a:p>
-          <a:p>
-            <a:r>
-              <a:rPr lang="en-US" baseline="0" dirty="0" smtClean="0"/>
-              <a:t>Defense dream.</a:t>
-            </a:r>
-            <a:endParaRPr lang="en-US" dirty="0" smtClean="0"/>
+            <a:endParaRPr lang="en-US"/>
           </a:p>
         </p:txBody>
       </p:sp>
@@ -1571,7 +1605,7 @@
             <a:fld id="{CFD85767-B34F-4122-8642-982296400DCD}" type="slidenum">
               <a:rPr lang="en-US" smtClean="0"/>
               <a:pPr/>
-              <a:t>3</a:t>
+              <a:t>2</a:t>
             </a:fld>
             <a:endParaRPr lang="en-US"/>
           </a:p>
@@ -1631,7 +1665,26 @@
           </a:bodyPr>
           <a:lstStyle/>
           <a:p>
-            <a:endParaRPr lang="en-US" dirty="0"/>
+            <a:r>
+              <a:rPr lang="en-US" dirty="0" smtClean="0"/>
+              <a:t>TODO finish.</a:t>
+            </a:r>
+          </a:p>
+          <a:p>
+            <a:r>
+              <a:rPr lang="en-US" dirty="0" smtClean="0"/>
+              <a:t>R – x</a:t>
+            </a:r>
+          </a:p>
+          <a:p>
+            <a:r>
+              <a:rPr lang="en-US" dirty="0" smtClean="0"/>
+              <a:t>T –</a:t>
+            </a:r>
+            <a:r>
+              <a:rPr lang="en-US" baseline="0" dirty="0" smtClean="0"/>
+              <a:t> y (one line)</a:t>
+            </a:r>
           </a:p>
         </p:txBody>
       </p:sp>
@@ -1653,7 +1706,7 @@
             <a:fld id="{CFD85767-B34F-4122-8642-982296400DCD}" type="slidenum">
               <a:rPr lang="en-US" smtClean="0"/>
               <a:pPr/>
-              <a:t>24</a:t>
+              <a:t>20</a:t>
             </a:fld>
             <a:endParaRPr lang="en-US"/>
           </a:p>
@@ -1713,6 +1766,10 @@
           </a:bodyPr>
           <a:lstStyle/>
           <a:p>
+            <a:r>
+              <a:rPr lang="en-US" dirty="0" smtClean="0"/>
+              <a:t>Add 30x faster</a:t>
+            </a:r>
             <a:endParaRPr lang="en-US" dirty="0"/>
           </a:p>
         </p:txBody>
@@ -1735,7 +1792,7 @@
             <a:fld id="{CFD85767-B34F-4122-8642-982296400DCD}" type="slidenum">
               <a:rPr lang="en-US" smtClean="0"/>
               <a:pPr/>
-              <a:t>25</a:t>
+              <a:t>21</a:t>
             </a:fld>
             <a:endParaRPr lang="en-US"/>
           </a:p>
@@ -1795,7 +1852,23 @@
           </a:bodyPr>
           <a:lstStyle/>
           <a:p>
-            <a:endParaRPr lang="en-US"/>
+            <a:r>
+              <a:rPr lang="en-US" dirty="0" smtClean="0"/>
+              <a:t>Summarize in text (one slide), the optimal</a:t>
+            </a:r>
+            <a:r>
+              <a:rPr lang="en-US" baseline="0" dirty="0" smtClean="0"/>
+              <a:t> settings for </a:t>
+            </a:r>
+            <a:r>
+              <a:rPr lang="en-US" baseline="0" dirty="0" err="1" smtClean="0"/>
+              <a:t>t,r,w</a:t>
+            </a:r>
+            <a:r>
+              <a:rPr lang="en-US" baseline="0" dirty="0" smtClean="0"/>
+              <a:t>, block size. (for this server, this work load).</a:t>
+            </a:r>
+            <a:endParaRPr lang="en-US" dirty="0"/>
           </a:p>
         </p:txBody>
       </p:sp>
@@ -1817,7 +1890,7 @@
             <a:fld id="{CFD85767-B34F-4122-8642-982296400DCD}" type="slidenum">
               <a:rPr lang="en-US" smtClean="0"/>
               <a:pPr/>
-              <a:t>26</a:t>
+              <a:t>22</a:t>
             </a:fld>
             <a:endParaRPr lang="en-US"/>
           </a:p>
@@ -1877,7 +1950,7 @@
           </a:bodyPr>
           <a:lstStyle/>
           <a:p>
-            <a:endParaRPr lang="en-US" dirty="0" smtClean="0"/>
+            <a:endParaRPr lang="en-US"/>
           </a:p>
         </p:txBody>
       </p:sp>
@@ -1899,7 +1972,7 @@
             <a:fld id="{CFD85767-B34F-4122-8642-982296400DCD}" type="slidenum">
               <a:rPr lang="en-US" smtClean="0"/>
               <a:pPr/>
-              <a:t>27</a:t>
+              <a:t>23</a:t>
             </a:fld>
             <a:endParaRPr lang="en-US"/>
           </a:p>
@@ -1959,32 +2032,7 @@
           </a:bodyPr>
           <a:lstStyle/>
           <a:p>
-            <a:r>
-              <a:rPr lang="en-US" dirty="0" smtClean="0"/>
-              <a:t>Similar</a:t>
-            </a:r>
-            <a:r>
-              <a:rPr lang="en-US" baseline="0" dirty="0" smtClean="0"/>
-              <a:t> change to R</a:t>
-            </a:r>
-            <a:r>
-              <a:rPr lang="en-US" dirty="0" smtClean="0"/>
-              <a:t>.  Because it</a:t>
-            </a:r>
-            <a:r>
-              <a:rPr lang="en-US" baseline="0" dirty="0" smtClean="0"/>
-              <a:t> only affected at most the first few,  because after that the server became saturated and T would always fire first.</a:t>
-            </a:r>
-          </a:p>
-          <a:p>
-            <a:endParaRPr lang="en-US" baseline="0" dirty="0" smtClean="0"/>
-          </a:p>
-          <a:p>
-            <a:r>
-              <a:rPr lang="en-US" baseline="0" dirty="0" smtClean="0"/>
-              <a:t>Probably want that “other” graph in here, too, then, to show “oh it’s all T”?</a:t>
-            </a:r>
-            <a:endParaRPr lang="en-US" dirty="0"/>
+            <a:endParaRPr lang="en-US" dirty="0" smtClean="0"/>
           </a:p>
         </p:txBody>
       </p:sp>
@@ -2006,7 +2054,7 @@
             <a:fld id="{CFD85767-B34F-4122-8642-982296400DCD}" type="slidenum">
               <a:rPr lang="en-US" smtClean="0"/>
               <a:pPr/>
-              <a:t>28</a:t>
+              <a:t>24</a:t>
             </a:fld>
             <a:endParaRPr lang="en-US"/>
           </a:p>
@@ -2068,17 +2116,28 @@
           <a:p>
             <a:r>
               <a:rPr lang="en-US" dirty="0" smtClean="0"/>
-              <a:t>Note that our linger time was 20</a:t>
+              <a:t>Similar</a:t>
             </a:r>
             <a:r>
               <a:rPr lang="en-US" baseline="0" dirty="0" smtClean="0"/>
-              <a:t> seconds, so the DHT was becoming less effective under higher load.</a:t>
-            </a:r>
-          </a:p>
-          <a:p>
+              <a:t> change to R</a:t>
+            </a:r>
+            <a:r>
+              <a:rPr lang="en-US" dirty="0" smtClean="0"/>
+              <a:t>.  Because it</a:t>
+            </a:r>
             <a:r>
               <a:rPr lang="en-US" baseline="0" dirty="0" smtClean="0"/>
-              <a:t>This is essentially like 10 times as much load as we were putting on the system before.</a:t>
+              <a:t> only affected at most the first few,  because after that the server became saturated and T would always fire first.</a:t>
+            </a:r>
+          </a:p>
+          <a:p>
+            <a:endParaRPr lang="en-US" baseline="0" dirty="0" smtClean="0"/>
+          </a:p>
+          <a:p>
+            <a:r>
+              <a:rPr lang="en-US" baseline="0" dirty="0" smtClean="0"/>
+              <a:t>Probably want that “other” graph in here, too, then, to show “oh it’s all T”?</a:t>
             </a:r>
             <a:endParaRPr lang="en-US" dirty="0"/>
           </a:p>
@@ -2102,7 +2161,7 @@
             <a:fld id="{CFD85767-B34F-4122-8642-982296400DCD}" type="slidenum">
               <a:rPr lang="en-US" smtClean="0"/>
               <a:pPr/>
-              <a:t>29</a:t>
+              <a:t>25</a:t>
             </a:fld>
             <a:endParaRPr lang="en-US"/>
           </a:p>
@@ -2162,7 +2221,21 @@
           </a:bodyPr>
           <a:lstStyle/>
           <a:p>
-            <a:endParaRPr lang="en-US"/>
+            <a:r>
+              <a:rPr lang="en-US" dirty="0" smtClean="0"/>
+              <a:t>Note that our linger time was 20</a:t>
+            </a:r>
+            <a:r>
+              <a:rPr lang="en-US" baseline="0" dirty="0" smtClean="0"/>
+              <a:t> seconds, so the DHT was becoming less effective under higher load.</a:t>
+            </a:r>
+          </a:p>
+          <a:p>
+            <a:r>
+              <a:rPr lang="en-US" baseline="0" dirty="0" smtClean="0"/>
+              <a:t>This is essentially like 10 times as much load as we were putting on the system before.</a:t>
+            </a:r>
+            <a:endParaRPr lang="en-US" dirty="0"/>
           </a:p>
         </p:txBody>
       </p:sp>
@@ -2184,7 +2257,7 @@
             <a:fld id="{CFD85767-B34F-4122-8642-982296400DCD}" type="slidenum">
               <a:rPr lang="en-US" smtClean="0"/>
               <a:pPr/>
-              <a:t>30</a:t>
+              <a:t>26</a:t>
             </a:fld>
             <a:endParaRPr lang="en-US"/>
           </a:p>
@@ -2244,15 +2317,7 @@
           </a:bodyPr>
           <a:lstStyle/>
           <a:p>
-            <a:r>
-              <a:rPr lang="en-US" dirty="0" smtClean="0"/>
-              <a:t>Fastest</a:t>
-            </a:r>
-            <a:r>
-              <a:rPr lang="en-US" baseline="0" dirty="0" smtClean="0"/>
-              <a:t> was 32 KB, presumably because I download from the last few peers in parallel, so this fits best.</a:t>
-            </a:r>
-            <a:endParaRPr lang="en-US" dirty="0"/>
+            <a:endParaRPr lang="en-US"/>
           </a:p>
         </p:txBody>
       </p:sp>
@@ -2274,7 +2339,7 @@
             <a:fld id="{CFD85767-B34F-4122-8642-982296400DCD}" type="slidenum">
               <a:rPr lang="en-US" smtClean="0"/>
               <a:pPr/>
-              <a:t>31</a:t>
+              <a:t>27</a:t>
             </a:fld>
             <a:endParaRPr lang="en-US"/>
           </a:p>
@@ -2334,7 +2399,15 @@
           </a:bodyPr>
           <a:lstStyle/>
           <a:p>
-            <a:endParaRPr lang="en-US"/>
+            <a:r>
+              <a:rPr lang="en-US" dirty="0" smtClean="0"/>
+              <a:t>Fastest</a:t>
+            </a:r>
+            <a:r>
+              <a:rPr lang="en-US" baseline="0" dirty="0" smtClean="0"/>
+              <a:t> was 32 KB, presumably because I download from the last few peers in parallel, so this fits best.</a:t>
+            </a:r>
+            <a:endParaRPr lang="en-US" dirty="0"/>
           </a:p>
         </p:txBody>
       </p:sp>
@@ -2356,7 +2429,7 @@
             <a:fld id="{CFD85767-B34F-4122-8642-982296400DCD}" type="slidenum">
               <a:rPr lang="en-US" smtClean="0"/>
               <a:pPr/>
-              <a:t>32</a:t>
+              <a:t>28</a:t>
             </a:fld>
             <a:endParaRPr lang="en-US"/>
           </a:p>
@@ -2416,31 +2489,7 @@
           </a:bodyPr>
           <a:lstStyle/>
           <a:p>
-            <a:r>
-              <a:rPr lang="en-US" dirty="0" smtClean="0"/>
-              <a:t>“Ours doesn’t perform</a:t>
-            </a:r>
-            <a:r>
-              <a:rPr lang="en-US" baseline="0" dirty="0" smtClean="0"/>
-              <a:t> as </a:t>
-            </a:r>
-            <a:r>
-              <a:rPr lang="en-US" dirty="0" smtClean="0"/>
-              <a:t>well as BT for</a:t>
-            </a:r>
-            <a:r>
-              <a:rPr lang="en-US" baseline="0" dirty="0" smtClean="0"/>
-              <a:t> large files.”</a:t>
-            </a:r>
-          </a:p>
-          <a:p>
-            <a:endParaRPr lang="en-US" baseline="0" dirty="0" smtClean="0"/>
-          </a:p>
-          <a:p>
-            <a:r>
-              <a:rPr lang="en-US" baseline="0" dirty="0" smtClean="0"/>
-              <a:t>You can see that at about 730 to 882 seconds most of our peers finish the file, and most of the peers download it from peers, so once we get the file out there we work all right, but we could do some work still to increase our speed of propagating the blocks.”</a:t>
-            </a:r>
+            <a:endParaRPr lang="en-US"/>
           </a:p>
         </p:txBody>
       </p:sp>
@@ -2462,7 +2511,7 @@
             <a:fld id="{CFD85767-B34F-4122-8642-982296400DCD}" type="slidenum">
               <a:rPr lang="en-US" smtClean="0"/>
               <a:pPr/>
-              <a:t>34</a:t>
+              <a:t>29</a:t>
             </a:fld>
             <a:endParaRPr lang="en-US"/>
           </a:p>
@@ -2522,7 +2571,31 @@
           </a:bodyPr>
           <a:lstStyle/>
           <a:p>
-            <a:endParaRPr lang="en-US"/>
+            <a:r>
+              <a:rPr lang="en-US" dirty="0" err="1" smtClean="0"/>
+              <a:t>Serv</a:t>
+            </a:r>
+            <a:endParaRPr lang="en-US" dirty="0" smtClean="0"/>
+          </a:p>
+          <a:p>
+            <a:r>
+              <a:rPr lang="en-US" dirty="0" err="1" smtClean="0"/>
+              <a:t>Lodo</a:t>
+            </a:r>
+            <a:r>
+              <a:rPr lang="en-US" dirty="0" smtClean="0"/>
+              <a:t>:</a:t>
+            </a:r>
+          </a:p>
+          <a:p>
+            <a:r>
+              <a:rPr lang="en-US" dirty="0" smtClean="0"/>
+              <a:t>Add</a:t>
+            </a:r>
+            <a:r>
+              <a:rPr lang="en-US" baseline="0" dirty="0" smtClean="0"/>
+              <a:t> a graph of network speed increasing so slowly compared to processors and disks (?) (?)</a:t>
+            </a:r>
           </a:p>
         </p:txBody>
       </p:sp>
@@ -2544,7 +2617,7 @@
             <a:fld id="{CFD85767-B34F-4122-8642-982296400DCD}" type="slidenum">
               <a:rPr lang="en-US" smtClean="0"/>
               <a:pPr/>
-              <a:t>4</a:t>
+              <a:t>3</a:t>
             </a:fld>
             <a:endParaRPr lang="en-US"/>
           </a:p>
@@ -2605,269 +2678,8 @@
           <a:lstStyle/>
           <a:p>
             <a:r>
-              <a:rPr lang="en-US" sz="1200" kern="1200" baseline="0" dirty="0" smtClean="0">
-                <a:solidFill>
-                  <a:schemeClr val="tx1"/>
-                </a:solidFill>
-                <a:latin typeface="+mn-lt"/>
-                <a:ea typeface="+mn-ea"/>
-                <a:cs typeface="+mn-cs"/>
-              </a:rPr>
-              <a:t>We're not entirely sure why </a:t>
-            </a:r>
-            <a:r>
-              <a:rPr lang="en-US" sz="1200" kern="1200" baseline="0" dirty="0" err="1" smtClean="0">
-                <a:solidFill>
-                  <a:schemeClr val="tx1"/>
-                </a:solidFill>
-                <a:latin typeface="+mn-lt"/>
-                <a:ea typeface="+mn-ea"/>
-                <a:cs typeface="+mn-cs"/>
-              </a:rPr>
-              <a:t>BitTorrent</a:t>
-            </a:r>
-            <a:r>
-              <a:rPr lang="en-US" sz="1200" kern="1200" baseline="0" dirty="0" smtClean="0">
-                <a:solidFill>
-                  <a:schemeClr val="tx1"/>
-                </a:solidFill>
-                <a:latin typeface="+mn-lt"/>
-                <a:ea typeface="+mn-ea"/>
-                <a:cs typeface="+mn-cs"/>
-              </a:rPr>
-              <a:t> is faster.</a:t>
-            </a:r>
-          </a:p>
-          <a:p>
-            <a:r>
-              <a:rPr lang="en-US" sz="1200" kern="1200" baseline="0" dirty="0" smtClean="0">
-                <a:solidFill>
-                  <a:schemeClr val="tx1"/>
-                </a:solidFill>
-                <a:latin typeface="+mn-lt"/>
-                <a:ea typeface="+mn-ea"/>
-                <a:cs typeface="+mn-cs"/>
-              </a:rPr>
-              <a:t>One factor </a:t>
-            </a:r>
-            <a:r>
-              <a:rPr lang="en-US" sz="1200" kern="1200" baseline="0" dirty="0" err="1" smtClean="0">
-                <a:solidFill>
-                  <a:schemeClr val="tx1"/>
-                </a:solidFill>
-                <a:latin typeface="+mn-lt"/>
-                <a:ea typeface="+mn-ea"/>
-                <a:cs typeface="+mn-cs"/>
-              </a:rPr>
-              <a:t>aecting</a:t>
-            </a:r>
-            <a:r>
-              <a:rPr lang="en-US" sz="1200" kern="1200" baseline="0" dirty="0" smtClean="0">
-                <a:solidFill>
-                  <a:schemeClr val="tx1"/>
-                </a:solidFill>
-                <a:latin typeface="+mn-lt"/>
-                <a:ea typeface="+mn-ea"/>
-                <a:cs typeface="+mn-cs"/>
-              </a:rPr>
-              <a:t> performance is that </a:t>
-            </a:r>
-            <a:r>
-              <a:rPr lang="en-US" sz="1200" kern="1200" baseline="0" dirty="0" err="1" smtClean="0">
-                <a:solidFill>
-                  <a:schemeClr val="tx1"/>
-                </a:solidFill>
-                <a:latin typeface="+mn-lt"/>
-                <a:ea typeface="+mn-ea"/>
-                <a:cs typeface="+mn-cs"/>
-              </a:rPr>
-              <a:t>BitTorrent's</a:t>
-            </a:r>
-            <a:r>
-              <a:rPr lang="en-US" sz="1200" kern="1200" baseline="0" dirty="0" smtClean="0">
-                <a:solidFill>
-                  <a:schemeClr val="tx1"/>
-                </a:solidFill>
-                <a:latin typeface="+mn-lt"/>
-                <a:ea typeface="+mn-ea"/>
-                <a:cs typeface="+mn-cs"/>
-              </a:rPr>
-              <a:t> seed limits outgoing connections to</a:t>
-            </a:r>
-          </a:p>
-          <a:p>
-            <a:r>
-              <a:rPr lang="en-US" sz="1200" kern="1200" baseline="0" dirty="0" smtClean="0">
-                <a:solidFill>
-                  <a:schemeClr val="tx1"/>
-                </a:solidFill>
-                <a:latin typeface="+mn-lt"/>
-                <a:ea typeface="+mn-ea"/>
-                <a:cs typeface="+mn-cs"/>
-              </a:rPr>
-              <a:t>7, whereas Apache's connection limit is 256. This may allow </a:t>
-            </a:r>
-            <a:r>
-              <a:rPr lang="en-US" sz="1200" kern="1200" baseline="0" dirty="0" err="1" smtClean="0">
-                <a:solidFill>
-                  <a:schemeClr val="tx1"/>
-                </a:solidFill>
-                <a:latin typeface="+mn-lt"/>
-                <a:ea typeface="+mn-ea"/>
-                <a:cs typeface="+mn-cs"/>
-              </a:rPr>
-              <a:t>BitTorrent</a:t>
-            </a:r>
-            <a:r>
-              <a:rPr lang="en-US" sz="1200" kern="1200" baseline="0" dirty="0" smtClean="0">
-                <a:solidFill>
-                  <a:schemeClr val="tx1"/>
-                </a:solidFill>
-                <a:latin typeface="+mn-lt"/>
-                <a:ea typeface="+mn-ea"/>
-                <a:cs typeface="+mn-cs"/>
-              </a:rPr>
-              <a:t> to propagate full</a:t>
-            </a:r>
-          </a:p>
-          <a:p>
-            <a:r>
-              <a:rPr lang="en-US" sz="1200" kern="1200" baseline="0" dirty="0" smtClean="0">
-                <a:solidFill>
-                  <a:schemeClr val="tx1"/>
-                </a:solidFill>
-                <a:latin typeface="+mn-lt"/>
-                <a:ea typeface="+mn-ea"/>
-                <a:cs typeface="+mn-cs"/>
-              </a:rPr>
-              <a:t>blocks more quickly to peers. </a:t>
-            </a:r>
-            <a:r>
-              <a:rPr lang="en-US" sz="1200" kern="1200" baseline="0" dirty="0" err="1" smtClean="0">
-                <a:solidFill>
-                  <a:schemeClr val="tx1"/>
-                </a:solidFill>
-                <a:latin typeface="+mn-lt"/>
-                <a:ea typeface="+mn-ea"/>
-                <a:cs typeface="+mn-cs"/>
-              </a:rPr>
-              <a:t>BitTorrent's</a:t>
-            </a:r>
-            <a:r>
-              <a:rPr lang="en-US" sz="1200" kern="1200" baseline="0" dirty="0" smtClean="0">
-                <a:solidFill>
-                  <a:schemeClr val="tx1"/>
-                </a:solidFill>
-                <a:latin typeface="+mn-lt"/>
-                <a:ea typeface="+mn-ea"/>
-                <a:cs typeface="+mn-cs"/>
-              </a:rPr>
-              <a:t> seed also favors peers with higher download</a:t>
-            </a:r>
-          </a:p>
-          <a:p>
-            <a:r>
-              <a:rPr lang="en-US" sz="1200" kern="1200" baseline="0" dirty="0" smtClean="0">
-                <a:solidFill>
-                  <a:schemeClr val="tx1"/>
-                </a:solidFill>
-                <a:latin typeface="+mn-lt"/>
-                <a:ea typeface="+mn-ea"/>
-                <a:cs typeface="+mn-cs"/>
-              </a:rPr>
-              <a:t>speeds, which may help propagate blocks. In this test, it uses a dedicated tracker, which</a:t>
-            </a:r>
-          </a:p>
-          <a:p>
-            <a:r>
-              <a:rPr lang="en-US" sz="1200" kern="1200" baseline="0" dirty="0" smtClean="0">
-                <a:solidFill>
-                  <a:schemeClr val="tx1"/>
-                </a:solidFill>
-                <a:latin typeface="+mn-lt"/>
-                <a:ea typeface="+mn-ea"/>
-                <a:cs typeface="+mn-cs"/>
-              </a:rPr>
-              <a:t>makes peer rendezvous quicker than using a DHT. </a:t>
-            </a:r>
-            <a:r>
-              <a:rPr lang="en-US" sz="1200" kern="1200" baseline="0" dirty="0" err="1" smtClean="0">
-                <a:solidFill>
-                  <a:schemeClr val="tx1"/>
-                </a:solidFill>
-                <a:latin typeface="+mn-lt"/>
-                <a:ea typeface="+mn-ea"/>
-                <a:cs typeface="+mn-cs"/>
-              </a:rPr>
-              <a:t>BitTorrent</a:t>
-            </a:r>
-            <a:r>
-              <a:rPr lang="en-US" sz="1200" kern="1200" baseline="0" dirty="0" smtClean="0">
-                <a:solidFill>
-                  <a:schemeClr val="tx1"/>
-                </a:solidFill>
-                <a:latin typeface="+mn-lt"/>
-                <a:ea typeface="+mn-ea"/>
-                <a:cs typeface="+mn-cs"/>
-              </a:rPr>
-              <a:t> uses a \rarest block </a:t>
-            </a:r>
-            <a:r>
-              <a:rPr lang="en-US" sz="1200" kern="1200" baseline="0" dirty="0" err="1" smtClean="0">
-                <a:solidFill>
-                  <a:schemeClr val="tx1"/>
-                </a:solidFill>
-                <a:latin typeface="+mn-lt"/>
-                <a:ea typeface="+mn-ea"/>
-                <a:cs typeface="+mn-cs"/>
-              </a:rPr>
-              <a:t>rst</a:t>
-            </a:r>
-            <a:r>
-              <a:rPr lang="en-US" sz="1200" kern="1200" baseline="0" dirty="0" smtClean="0">
-                <a:solidFill>
-                  <a:schemeClr val="tx1"/>
-                </a:solidFill>
-                <a:latin typeface="+mn-lt"/>
-                <a:ea typeface="+mn-ea"/>
-                <a:cs typeface="+mn-cs"/>
-              </a:rPr>
-              <a:t>"</a:t>
-            </a:r>
-          </a:p>
-          <a:p>
-            <a:r>
-              <a:rPr lang="en-US" sz="1200" kern="1200" baseline="0" dirty="0" smtClean="0">
-                <a:solidFill>
-                  <a:schemeClr val="tx1"/>
-                </a:solidFill>
-                <a:latin typeface="+mn-lt"/>
-                <a:ea typeface="+mn-ea"/>
-                <a:cs typeface="+mn-cs"/>
-              </a:rPr>
-              <a:t>selection policy, enabling it to choose blocks more </a:t>
-            </a:r>
-            <a:r>
-              <a:rPr lang="en-US" sz="1200" kern="1200" baseline="0" dirty="0" err="1" smtClean="0">
-                <a:solidFill>
-                  <a:schemeClr val="tx1"/>
-                </a:solidFill>
-                <a:latin typeface="+mn-lt"/>
-                <a:ea typeface="+mn-ea"/>
-                <a:cs typeface="+mn-cs"/>
-              </a:rPr>
-              <a:t>eciently</a:t>
-            </a:r>
-            <a:r>
-              <a:rPr lang="en-US" sz="1200" kern="1200" baseline="0" dirty="0" smtClean="0">
-                <a:solidFill>
-                  <a:schemeClr val="tx1"/>
-                </a:solidFill>
-                <a:latin typeface="+mn-lt"/>
-                <a:ea typeface="+mn-ea"/>
-                <a:cs typeface="+mn-cs"/>
-              </a:rPr>
-              <a:t>.</a:t>
+              <a:rPr lang="en-US" dirty="0" smtClean="0"/>
+              <a:t>Take this one out!</a:t>
             </a:r>
             <a:endParaRPr lang="en-US" dirty="0"/>
           </a:p>
@@ -2891,7 +2703,7 @@
             <a:fld id="{CFD85767-B34F-4122-8642-982296400DCD}" type="slidenum">
               <a:rPr lang="en-US" smtClean="0"/>
               <a:pPr/>
-              <a:t>35</a:t>
+              <a:t>30</a:t>
             </a:fld>
             <a:endParaRPr lang="en-US"/>
           </a:p>
@@ -2953,13 +2765,29 @@
           <a:p>
             <a:r>
               <a:rPr lang="en-US" dirty="0" smtClean="0"/>
-              <a:t>I *wish* I could conclude it worked well for larger files, too, but I guess I can’t say </a:t>
-            </a:r>
-            <a:r>
-              <a:rPr lang="en-US" smtClean="0"/>
-              <a:t>that.</a:t>
-            </a:r>
-            <a:endParaRPr lang="en-US" dirty="0"/>
+              <a:t>“Ours doesn’t perform</a:t>
+            </a:r>
+            <a:r>
+              <a:rPr lang="en-US" baseline="0" dirty="0" smtClean="0"/>
+              <a:t> as </a:t>
+            </a:r>
+            <a:r>
+              <a:rPr lang="en-US" dirty="0" smtClean="0"/>
+              <a:t>well as BT for</a:t>
+            </a:r>
+            <a:r>
+              <a:rPr lang="en-US" baseline="0" dirty="0" smtClean="0"/>
+              <a:t> large files.”</a:t>
+            </a:r>
+          </a:p>
+          <a:p>
+            <a:endParaRPr lang="en-US" baseline="0" dirty="0" smtClean="0"/>
+          </a:p>
+          <a:p>
+            <a:r>
+              <a:rPr lang="en-US" baseline="0" dirty="0" smtClean="0"/>
+              <a:t>You can see that at about 730 to 882 seconds most of our peers finish the file, and most of the peers download it from peers, so once we get the file out there we work all right, but we could do some work still to increase our speed of propagating the blocks.”</a:t>
+            </a:r>
           </a:p>
         </p:txBody>
       </p:sp>
@@ -2981,7 +2809,7 @@
             <a:fld id="{CFD85767-B34F-4122-8642-982296400DCD}" type="slidenum">
               <a:rPr lang="en-US" smtClean="0"/>
               <a:pPr/>
-              <a:t>36</a:t>
+              <a:t>31</a:t>
             </a:fld>
             <a:endParaRPr lang="en-US"/>
           </a:p>
@@ -3041,6 +2869,205 @@
           </a:bodyPr>
           <a:lstStyle/>
           <a:p>
+            <a:r>
+              <a:rPr lang="en-US" sz="1200" kern="1200" baseline="0" dirty="0" smtClean="0">
+                <a:solidFill>
+                  <a:schemeClr val="tx1"/>
+                </a:solidFill>
+                <a:latin typeface="+mn-lt"/>
+                <a:ea typeface="+mn-ea"/>
+                <a:cs typeface="+mn-cs"/>
+              </a:rPr>
+              <a:t>We're not entirely sure why BitTorrent is faster.</a:t>
+            </a:r>
+          </a:p>
+          <a:p>
+            <a:r>
+              <a:rPr lang="en-US" sz="1200" kern="1200" baseline="0" dirty="0" smtClean="0">
+                <a:solidFill>
+                  <a:schemeClr val="tx1"/>
+                </a:solidFill>
+                <a:latin typeface="+mn-lt"/>
+                <a:ea typeface="+mn-ea"/>
+                <a:cs typeface="+mn-cs"/>
+              </a:rPr>
+              <a:t>One factor </a:t>
+            </a:r>
+            <a:r>
+              <a:rPr lang="en-US" sz="1200" kern="1200" baseline="0" dirty="0" err="1" smtClean="0">
+                <a:solidFill>
+                  <a:schemeClr val="tx1"/>
+                </a:solidFill>
+                <a:latin typeface="+mn-lt"/>
+                <a:ea typeface="+mn-ea"/>
+                <a:cs typeface="+mn-cs"/>
+              </a:rPr>
+              <a:t>aecting</a:t>
+            </a:r>
+            <a:r>
+              <a:rPr lang="en-US" sz="1200" kern="1200" baseline="0" dirty="0" smtClean="0">
+                <a:solidFill>
+                  <a:schemeClr val="tx1"/>
+                </a:solidFill>
+                <a:latin typeface="+mn-lt"/>
+                <a:ea typeface="+mn-ea"/>
+                <a:cs typeface="+mn-cs"/>
+              </a:rPr>
+              <a:t> performance is that </a:t>
+            </a:r>
+            <a:r>
+              <a:rPr lang="en-US" sz="1200" kern="1200" baseline="0" dirty="0" err="1" smtClean="0">
+                <a:solidFill>
+                  <a:schemeClr val="tx1"/>
+                </a:solidFill>
+                <a:latin typeface="+mn-lt"/>
+                <a:ea typeface="+mn-ea"/>
+                <a:cs typeface="+mn-cs"/>
+              </a:rPr>
+              <a:t>BitTorrent's</a:t>
+            </a:r>
+            <a:r>
+              <a:rPr lang="en-US" sz="1200" kern="1200" baseline="0" dirty="0" smtClean="0">
+                <a:solidFill>
+                  <a:schemeClr val="tx1"/>
+                </a:solidFill>
+                <a:latin typeface="+mn-lt"/>
+                <a:ea typeface="+mn-ea"/>
+                <a:cs typeface="+mn-cs"/>
+              </a:rPr>
+              <a:t> seed limits outgoing connections to</a:t>
+            </a:r>
+          </a:p>
+          <a:p>
+            <a:r>
+              <a:rPr lang="en-US" sz="1200" kern="1200" baseline="0" dirty="0" smtClean="0">
+                <a:solidFill>
+                  <a:schemeClr val="tx1"/>
+                </a:solidFill>
+                <a:latin typeface="+mn-lt"/>
+                <a:ea typeface="+mn-ea"/>
+                <a:cs typeface="+mn-cs"/>
+              </a:rPr>
+              <a:t>7, whereas Apache's connection limit is 256. This may allow BitTorrent to propagate full</a:t>
+            </a:r>
+          </a:p>
+          <a:p>
+            <a:r>
+              <a:rPr lang="en-US" sz="1200" kern="1200" baseline="0" dirty="0" smtClean="0">
+                <a:solidFill>
+                  <a:schemeClr val="tx1"/>
+                </a:solidFill>
+                <a:latin typeface="+mn-lt"/>
+                <a:ea typeface="+mn-ea"/>
+                <a:cs typeface="+mn-cs"/>
+              </a:rPr>
+              <a:t>blocks more quickly to peers. </a:t>
+            </a:r>
+            <a:r>
+              <a:rPr lang="en-US" sz="1200" kern="1200" baseline="0" dirty="0" err="1" smtClean="0">
+                <a:solidFill>
+                  <a:schemeClr val="tx1"/>
+                </a:solidFill>
+                <a:latin typeface="+mn-lt"/>
+                <a:ea typeface="+mn-ea"/>
+                <a:cs typeface="+mn-cs"/>
+              </a:rPr>
+              <a:t>BitTorrent's</a:t>
+            </a:r>
+            <a:r>
+              <a:rPr lang="en-US" sz="1200" kern="1200" baseline="0" dirty="0" smtClean="0">
+                <a:solidFill>
+                  <a:schemeClr val="tx1"/>
+                </a:solidFill>
+                <a:latin typeface="+mn-lt"/>
+                <a:ea typeface="+mn-ea"/>
+                <a:cs typeface="+mn-cs"/>
+              </a:rPr>
+              <a:t> seed also favors peers with higher download</a:t>
+            </a:r>
+          </a:p>
+          <a:p>
+            <a:r>
+              <a:rPr lang="en-US" sz="1200" kern="1200" baseline="0" dirty="0" smtClean="0">
+                <a:solidFill>
+                  <a:schemeClr val="tx1"/>
+                </a:solidFill>
+                <a:latin typeface="+mn-lt"/>
+                <a:ea typeface="+mn-ea"/>
+                <a:cs typeface="+mn-cs"/>
+              </a:rPr>
+              <a:t>speeds, which may help propagate blocks. In this test, it uses a dedicated tracker, which</a:t>
+            </a:r>
+          </a:p>
+          <a:p>
+            <a:r>
+              <a:rPr lang="en-US" sz="1200" kern="1200" baseline="0" dirty="0" smtClean="0">
+                <a:solidFill>
+                  <a:schemeClr val="tx1"/>
+                </a:solidFill>
+                <a:latin typeface="+mn-lt"/>
+                <a:ea typeface="+mn-ea"/>
+                <a:cs typeface="+mn-cs"/>
+              </a:rPr>
+              <a:t>makes peer rendezvous quicker than using a DHT. BitTorrent uses a \rarest block </a:t>
+            </a:r>
+            <a:r>
+              <a:rPr lang="en-US" sz="1200" kern="1200" baseline="0" dirty="0" err="1" smtClean="0">
+                <a:solidFill>
+                  <a:schemeClr val="tx1"/>
+                </a:solidFill>
+                <a:latin typeface="+mn-lt"/>
+                <a:ea typeface="+mn-ea"/>
+                <a:cs typeface="+mn-cs"/>
+              </a:rPr>
+              <a:t>rst</a:t>
+            </a:r>
+            <a:r>
+              <a:rPr lang="en-US" sz="1200" kern="1200" baseline="0" dirty="0" smtClean="0">
+                <a:solidFill>
+                  <a:schemeClr val="tx1"/>
+                </a:solidFill>
+                <a:latin typeface="+mn-lt"/>
+                <a:ea typeface="+mn-ea"/>
+                <a:cs typeface="+mn-cs"/>
+              </a:rPr>
+              <a:t>"</a:t>
+            </a:r>
+          </a:p>
+          <a:p>
+            <a:r>
+              <a:rPr lang="en-US" sz="1200" kern="1200" baseline="0" dirty="0" smtClean="0">
+                <a:solidFill>
+                  <a:schemeClr val="tx1"/>
+                </a:solidFill>
+                <a:latin typeface="+mn-lt"/>
+                <a:ea typeface="+mn-ea"/>
+                <a:cs typeface="+mn-cs"/>
+              </a:rPr>
+              <a:t>selection policy, enabling it to choose blocks more </a:t>
+            </a:r>
+            <a:r>
+              <a:rPr lang="en-US" sz="1200" kern="1200" baseline="0" dirty="0" err="1" smtClean="0">
+                <a:solidFill>
+                  <a:schemeClr val="tx1"/>
+                </a:solidFill>
+                <a:latin typeface="+mn-lt"/>
+                <a:ea typeface="+mn-ea"/>
+                <a:cs typeface="+mn-cs"/>
+              </a:rPr>
+              <a:t>eciently</a:t>
+            </a:r>
+            <a:r>
+              <a:rPr lang="en-US" sz="1200" kern="1200" baseline="0" dirty="0" smtClean="0">
+                <a:solidFill>
+                  <a:schemeClr val="tx1"/>
+                </a:solidFill>
+                <a:latin typeface="+mn-lt"/>
+                <a:ea typeface="+mn-ea"/>
+                <a:cs typeface="+mn-cs"/>
+              </a:rPr>
+              <a:t>.</a:t>
+            </a:r>
             <a:endParaRPr lang="en-US" dirty="0"/>
           </a:p>
         </p:txBody>
@@ -3063,7 +3090,7 @@
             <a:fld id="{CFD85767-B34F-4122-8642-982296400DCD}" type="slidenum">
               <a:rPr lang="en-US" smtClean="0"/>
               <a:pPr/>
-              <a:t>37</a:t>
+              <a:t>32</a:t>
             </a:fld>
             <a:endParaRPr lang="en-US"/>
           </a:p>
@@ -3119,28 +3146,66 @@
         <p:spPr/>
         <p:txBody>
           <a:bodyPr>
-            <a:normAutofit lnSpcReduction="10000"/>
+            <a:normAutofit/>
           </a:bodyPr>
           <a:lstStyle/>
           <a:p>
-            <a:pPr marL="0" marR="0" indent="0" algn="l" defTabSz="914400" rtl="0" eaLnBrk="1" fontAlgn="auto" latinLnBrk="0" hangingPunct="1">
-              <a:lnSpc>
-                <a:spcPct val="100000"/>
-              </a:lnSpc>
-              <a:spcBef>
-                <a:spcPts val="0"/>
-              </a:spcBef>
-              <a:spcAft>
-                <a:spcPts val="0"/>
-              </a:spcAft>
-              <a:buClrTx/>
-              <a:buSzTx/>
-              <a:buFontTx/>
-              <a:buNone/>
-              <a:tabLst/>
-              <a:defRPr/>
-            </a:pPr>
-            <a:endParaRPr lang="en-US" dirty="0" smtClean="0"/>
+            <a:r>
+              <a:rPr lang="en-US" dirty="0" smtClean="0"/>
+              <a:t>I *wish* I could c</a:t>
+            </a:r>
+          </a:p>
+          <a:p>
+            <a:r>
+              <a:rPr lang="en-US" dirty="0" smtClean="0"/>
+              <a:t>Best settings</a:t>
+            </a:r>
+          </a:p>
+          <a:p>
+            <a:pPr lvl="1"/>
+            <a:r>
+              <a:rPr lang="en-US" dirty="0" smtClean="0"/>
+              <a:t>T: 0.75 s</a:t>
+            </a:r>
+          </a:p>
+          <a:p>
+            <a:pPr lvl="1"/>
+            <a:r>
+              <a:rPr lang="en-US" dirty="0" smtClean="0"/>
+              <a:t>R: 160 KB/s</a:t>
+            </a:r>
+          </a:p>
+          <a:p>
+            <a:pPr lvl="1"/>
+            <a:r>
+              <a:rPr lang="en-US" dirty="0" smtClean="0"/>
+              <a:t>32 KB blocks</a:t>
+            </a:r>
+          </a:p>
+          <a:p>
+            <a:pPr lvl="1"/>
+            <a:r>
+              <a:rPr lang="en-US" dirty="0" smtClean="0"/>
+              <a:t>Peer limit: 16</a:t>
+            </a:r>
+          </a:p>
+          <a:p>
+            <a:pPr lvl="1"/>
+            <a:r>
+              <a:rPr lang="en-US" dirty="0" smtClean="0"/>
+              <a:t>Linger: 16 s</a:t>
+            </a:r>
+          </a:p>
+          <a:p>
+            <a:r>
+              <a:rPr lang="en-US" dirty="0" err="1" smtClean="0"/>
+              <a:t>onclude</a:t>
+            </a:r>
+            <a:r>
+              <a:rPr lang="en-US" dirty="0" smtClean="0"/>
+              <a:t> it worked well for larger files, too, but I guess I can’t say that.</a:t>
+            </a:r>
+            <a:endParaRPr lang="en-US" dirty="0"/>
           </a:p>
         </p:txBody>
       </p:sp>
@@ -3162,7 +3227,7 @@
             <a:fld id="{CFD85767-B34F-4122-8642-982296400DCD}" type="slidenum">
               <a:rPr lang="en-US" smtClean="0"/>
               <a:pPr/>
-              <a:t>38</a:t>
+              <a:t>33</a:t>
             </a:fld>
             <a:endParaRPr lang="en-US"/>
           </a:p>
@@ -3244,7 +3309,7 @@
             <a:fld id="{CFD85767-B34F-4122-8642-982296400DCD}" type="slidenum">
               <a:rPr lang="en-US" smtClean="0"/>
               <a:pPr/>
-              <a:t>39</a:t>
+              <a:t>34</a:t>
             </a:fld>
             <a:endParaRPr lang="en-US"/>
           </a:p>
@@ -3304,6 +3369,19 @@
           </a:bodyPr>
           <a:lstStyle/>
           <a:p>
+            <a:r>
+              <a:rPr lang="en-US" dirty="0" smtClean="0"/>
+              <a:t>Where immediately effective:</a:t>
+            </a:r>
+          </a:p>
+          <a:p>
+            <a:pPr lvl="1"/>
+            <a:r>
+              <a:rPr lang="en-US" dirty="0" smtClean="0"/>
+              <a:t>Low bandwidth server.</a:t>
+            </a:r>
+          </a:p>
+          <a:p>
             <a:endParaRPr lang="en-US" dirty="0"/>
           </a:p>
         </p:txBody>
@@ -3326,7 +3404,7 @@
             <a:fld id="{CFD85767-B34F-4122-8642-982296400DCD}" type="slidenum">
               <a:rPr lang="en-US" smtClean="0"/>
               <a:pPr/>
-              <a:t>40</a:t>
+              <a:t>35</a:t>
             </a:fld>
             <a:endParaRPr lang="en-US"/>
           </a:p>
@@ -3386,62 +3464,7 @@
           </a:bodyPr>
           <a:lstStyle/>
           <a:p>
-            <a:r>
-              <a:rPr lang="en-US" dirty="0" smtClean="0"/>
-              <a:t>Some </a:t>
-            </a:r>
-            <a:r>
-              <a:rPr lang="en-US" dirty="0" err="1" smtClean="0"/>
-              <a:t>sourceforge</a:t>
-            </a:r>
-            <a:r>
-              <a:rPr lang="en-US" dirty="0" smtClean="0"/>
-              <a:t> download</a:t>
-            </a:r>
-          </a:p>
-          <a:p>
-            <a:r>
-              <a:rPr lang="en-US" dirty="0" smtClean="0"/>
-              <a:t>Two proxy instances</a:t>
-            </a:r>
-          </a:p>
-          <a:p>
-            <a:r>
-              <a:rPr lang="en-US" dirty="0" smtClean="0"/>
-              <a:t>One has it</a:t>
-            </a:r>
-          </a:p>
-          <a:p>
-            <a:r>
-              <a:rPr lang="en-US" dirty="0" smtClean="0"/>
-              <a:t>One fresh one that can get it from the other</a:t>
-            </a:r>
-          </a:p>
-          <a:p>
-            <a:r>
-              <a:rPr lang="en-US" dirty="0" smtClean="0"/>
-              <a:t>Download it from the fresh one straight.</a:t>
-            </a:r>
-          </a:p>
-          <a:p>
-            <a:endParaRPr lang="en-US" dirty="0" smtClean="0"/>
-          </a:p>
-          <a:p>
-            <a:r>
-              <a:rPr lang="en-US" dirty="0" smtClean="0"/>
-              <a:t>Compare speeds.</a:t>
-            </a:r>
-          </a:p>
-          <a:p>
-            <a:r>
-              <a:rPr lang="en-US" dirty="0" smtClean="0"/>
-              <a:t>Better be something big,</a:t>
-            </a:r>
-            <a:r>
-              <a:rPr lang="en-US" baseline="0" dirty="0" smtClean="0"/>
-              <a:t> I suppose.</a:t>
-            </a:r>
-            <a:endParaRPr lang="en-US" dirty="0"/>
+            <a:endParaRPr lang="en-US"/>
           </a:p>
         </p:txBody>
       </p:sp>
@@ -3463,192 +3486,7 @@
             <a:fld id="{CFD85767-B34F-4122-8642-982296400DCD}" type="slidenum">
               <a:rPr lang="en-US" smtClean="0"/>
               <a:pPr/>
-              <a:t>41</a:t>
-            </a:fld>
-            <a:endParaRPr lang="en-US"/>
-          </a:p>
-        </p:txBody>
-      </p:sp>
-    </p:spTree>
-  </p:cSld>
-  <p:clrMapOvr>
-    <a:masterClrMapping/>
-  </p:clrMapOvr>
-</p:notes>
-</file>
-
-<file path=ppt/notesSlides/notesSlide37.xml><?xml version="1.0" encoding="utf-8"?>
-<p:notes xmlns:a="http://schemas.openxmlformats.org/drawingml/2006/main" xmlns:r="http://schemas.openxmlformats.org/officeDocument/2006/relationships" xmlns:p="http://schemas.openxmlformats.org/presentationml/2006/main">
-  <p:cSld>
-    <p:spTree>
-      <p:nvGrpSpPr>
-        <p:cNvPr id="1" name=""/>
-        <p:cNvGrpSpPr/>
-        <p:nvPr/>
-      </p:nvGrpSpPr>
-      <p:grpSpPr>
-        <a:xfrm>
-          <a:off x="0" y="0"/>
-          <a:ext cx="0" cy="0"/>
-          <a:chOff x="0" y="0"/>
-          <a:chExt cx="0" cy="0"/>
-        </a:xfrm>
-      </p:grpSpPr>
-      <p:sp>
-        <p:nvSpPr>
-          <p:cNvPr id="2" name="Slide Image Placeholder 1"/>
-          <p:cNvSpPr>
-            <a:spLocks noGrp="1" noRot="1" noChangeAspect="1"/>
-          </p:cNvSpPr>
-          <p:nvPr>
-            <p:ph type="sldImg"/>
-          </p:nvPr>
-        </p:nvSpPr>
-        <p:spPr/>
-      </p:sp>
-      <p:sp>
-        <p:nvSpPr>
-          <p:cNvPr id="3" name="Notes Placeholder 2"/>
-          <p:cNvSpPr>
-            <a:spLocks noGrp="1"/>
-          </p:cNvSpPr>
-          <p:nvPr>
-            <p:ph type="body" idx="1"/>
-          </p:nvPr>
-        </p:nvSpPr>
-        <p:spPr/>
-        <p:txBody>
-          <a:bodyPr>
-            <a:normAutofit/>
-          </a:bodyPr>
-          <a:lstStyle/>
-          <a:p>
-            <a:r>
-              <a:rPr lang="en-US" dirty="0" smtClean="0"/>
-              <a:t>Where immediately effective:</a:t>
-            </a:r>
-          </a:p>
-          <a:p>
-            <a:pPr lvl="1"/>
-            <a:r>
-              <a:rPr lang="en-US" dirty="0" smtClean="0"/>
-              <a:t>Low bandwidth server.</a:t>
-            </a:r>
-          </a:p>
-          <a:p>
-            <a:endParaRPr lang="en-US" dirty="0"/>
-          </a:p>
-        </p:txBody>
-      </p:sp>
-      <p:sp>
-        <p:nvSpPr>
-          <p:cNvPr id="4" name="Slide Number Placeholder 3"/>
-          <p:cNvSpPr>
-            <a:spLocks noGrp="1"/>
-          </p:cNvSpPr>
-          <p:nvPr>
-            <p:ph type="sldNum" sz="quarter" idx="10"/>
-          </p:nvPr>
-        </p:nvSpPr>
-        <p:spPr/>
-        <p:txBody>
-          <a:bodyPr/>
-          <a:lstStyle/>
-          <a:p>
-            <a:fld id="{CFD85767-B34F-4122-8642-982296400DCD}" type="slidenum">
-              <a:rPr lang="en-US" smtClean="0"/>
-              <a:pPr/>
-              <a:t>42</a:t>
-            </a:fld>
-            <a:endParaRPr lang="en-US"/>
-          </a:p>
-        </p:txBody>
-      </p:sp>
-    </p:spTree>
-  </p:cSld>
-  <p:clrMapOvr>
-    <a:masterClrMapping/>
-  </p:clrMapOvr>
-</p:notes>
-</file>
-
-<file path=ppt/notesSlides/notesSlide38.xml><?xml version="1.0" encoding="utf-8"?>
-<p:notes xmlns:a="http://schemas.openxmlformats.org/drawingml/2006/main" xmlns:r="http://schemas.openxmlformats.org/officeDocument/2006/relationships" xmlns:p="http://schemas.openxmlformats.org/presentationml/2006/main">
-  <p:cSld>
-    <p:spTree>
-      <p:nvGrpSpPr>
-        <p:cNvPr id="1" name=""/>
-        <p:cNvGrpSpPr/>
-        <p:nvPr/>
-      </p:nvGrpSpPr>
-      <p:grpSpPr>
-        <a:xfrm>
-          <a:off x="0" y="0"/>
-          <a:ext cx="0" cy="0"/>
-          <a:chOff x="0" y="0"/>
-          <a:chExt cx="0" cy="0"/>
-        </a:xfrm>
-      </p:grpSpPr>
-      <p:sp>
-        <p:nvSpPr>
-          <p:cNvPr id="2" name="Slide Image Placeholder 1"/>
-          <p:cNvSpPr>
-            <a:spLocks noGrp="1" noRot="1" noChangeAspect="1"/>
-          </p:cNvSpPr>
-          <p:nvPr>
-            <p:ph type="sldImg"/>
-          </p:nvPr>
-        </p:nvSpPr>
-        <p:spPr/>
-      </p:sp>
-      <p:sp>
-        <p:nvSpPr>
-          <p:cNvPr id="3" name="Notes Placeholder 2"/>
-          <p:cNvSpPr>
-            <a:spLocks noGrp="1"/>
-          </p:cNvSpPr>
-          <p:nvPr>
-            <p:ph type="body" idx="1"/>
-          </p:nvPr>
-        </p:nvSpPr>
-        <p:spPr/>
-        <p:txBody>
-          <a:bodyPr>
-            <a:normAutofit/>
-          </a:bodyPr>
-          <a:lstStyle/>
-          <a:p>
-            <a:r>
-              <a:rPr lang="en-US" dirty="0" smtClean="0"/>
-              <a:t>We’re still slow enough for small files that it’s worth it to just</a:t>
-            </a:r>
-            <a:r>
-              <a:rPr lang="en-US" baseline="0" dirty="0" smtClean="0"/>
-              <a:t> wait typically.  We could do some more work there.</a:t>
-            </a:r>
-            <a:endParaRPr lang="en-US" dirty="0"/>
-          </a:p>
-        </p:txBody>
-      </p:sp>
-      <p:sp>
-        <p:nvSpPr>
-          <p:cNvPr id="4" name="Slide Number Placeholder 3"/>
-          <p:cNvSpPr>
-            <a:spLocks noGrp="1"/>
-          </p:cNvSpPr>
-          <p:nvPr>
-            <p:ph type="sldNum" sz="quarter" idx="10"/>
-          </p:nvPr>
-        </p:nvSpPr>
-        <p:spPr/>
-        <p:txBody>
-          <a:bodyPr/>
-          <a:lstStyle/>
-          <a:p>
-            <a:fld id="{CFD85767-B34F-4122-8642-982296400DCD}" type="slidenum">
-              <a:rPr lang="en-US" smtClean="0"/>
-              <a:pPr/>
-              <a:t>43</a:t>
+              <a:t>36</a:t>
             </a:fld>
             <a:endParaRPr lang="en-US"/>
           </a:p>
@@ -3708,27 +3546,7 @@
           </a:bodyPr>
           <a:lstStyle/>
           <a:p>
-            <a:endParaRPr lang="en-US" dirty="0" smtClean="0"/>
-          </a:p>
-          <a:p>
-            <a:r>
-              <a:rPr lang="en-US" dirty="0" err="1" smtClean="0"/>
-              <a:t>Lodo</a:t>
-            </a:r>
-            <a:r>
-              <a:rPr lang="en-US" dirty="0" smtClean="0"/>
-              <a:t>:</a:t>
-            </a:r>
-          </a:p>
-          <a:p>
-            <a:r>
-              <a:rPr lang="en-US" dirty="0" smtClean="0"/>
-              <a:t>Add</a:t>
-            </a:r>
-            <a:r>
-              <a:rPr lang="en-US" baseline="0" dirty="0" smtClean="0"/>
-              <a:t> a graph of network speed increasing so slowly compared to processors and disks (?) (?)</a:t>
-            </a:r>
+            <a:endParaRPr lang="en-US" dirty="0"/>
           </a:p>
         </p:txBody>
       </p:sp>
@@ -3750,7 +3568,7 @@
             <a:fld id="{CFD85767-B34F-4122-8642-982296400DCD}" type="slidenum">
               <a:rPr lang="en-US" smtClean="0"/>
               <a:pPr/>
-              <a:t>5</a:t>
+              <a:t>4</a:t>
             </a:fld>
             <a:endParaRPr lang="en-US"/>
           </a:p>
@@ -3832,7 +3650,7 @@
             <a:fld id="{CFD85767-B34F-4122-8642-982296400DCD}" type="slidenum">
               <a:rPr lang="en-US" smtClean="0"/>
               <a:pPr/>
-              <a:t>6</a:t>
+              <a:t>5</a:t>
             </a:fld>
             <a:endParaRPr lang="en-US"/>
           </a:p>
@@ -3914,7 +3732,7 @@
             <a:fld id="{CFD85767-B34F-4122-8642-982296400DCD}" type="slidenum">
               <a:rPr lang="en-US" smtClean="0"/>
               <a:pPr/>
-              <a:t>7</a:t>
+              <a:t>6</a:t>
             </a:fld>
             <a:endParaRPr lang="en-US"/>
           </a:p>
@@ -3974,7 +3792,10 @@
           </a:bodyPr>
           <a:lstStyle/>
           <a:p>
-            <a:endParaRPr lang="en-US" dirty="0"/>
+            <a:endParaRPr lang="en-US" baseline="0" dirty="0" smtClean="0"/>
+          </a:p>
+          <a:p>
+            <a:endParaRPr lang="en-US" baseline="0" dirty="0" smtClean="0"/>
           </a:p>
         </p:txBody>
       </p:sp>
@@ -3996,7 +3817,7 @@
             <a:fld id="{CFD85767-B34F-4122-8642-982296400DCD}" type="slidenum">
               <a:rPr lang="en-US" smtClean="0"/>
               <a:pPr/>
-              <a:t>8</a:t>
+              <a:t>7</a:t>
             </a:fld>
             <a:endParaRPr lang="en-US"/>
           </a:p>
@@ -4052,14 +3873,28 @@
         <p:spPr/>
         <p:txBody>
           <a:bodyPr>
-            <a:normAutofit/>
+            <a:normAutofit lnSpcReduction="10000"/>
           </a:bodyPr>
           <a:lstStyle/>
           <a:p>
-            <a:endParaRPr lang="en-US" baseline="0" dirty="0" smtClean="0"/>
-          </a:p>
-          <a:p>
-            <a:endParaRPr lang="en-US" baseline="0" dirty="0" smtClean="0"/>
+            <a:pPr marL="0" marR="0" indent="0" algn="l" defTabSz="914400" rtl="0" eaLnBrk="1" fontAlgn="auto" latinLnBrk="0" hangingPunct="1">
+              <a:lnSpc>
+                <a:spcPct val="100000"/>
+              </a:lnSpc>
+              <a:spcBef>
+                <a:spcPts val="0"/>
+              </a:spcBef>
+              <a:spcAft>
+                <a:spcPts val="0"/>
+              </a:spcAft>
+              <a:buClrTx/>
+              <a:buSzTx/>
+              <a:buFontTx/>
+              <a:buNone/>
+              <a:tabLst/>
+              <a:defRPr/>
+            </a:pPr>
+            <a:endParaRPr lang="en-US" dirty="0" smtClean="0"/>
           </a:p>
         </p:txBody>
       </p:sp>
@@ -4081,7 +3916,7 @@
             <a:fld id="{CFD85767-B34F-4122-8642-982296400DCD}" type="slidenum">
               <a:rPr lang="en-US" smtClean="0"/>
               <a:pPr/>
-              <a:t>9</a:t>
+              <a:t>8</a:t>
             </a:fld>
             <a:endParaRPr lang="en-US"/>
           </a:p>
@@ -4137,28 +3972,19 @@
         <p:spPr/>
         <p:txBody>
           <a:bodyPr>
-            <a:normAutofit lnSpcReduction="10000"/>
+            <a:normAutofit/>
           </a:bodyPr>
           <a:lstStyle/>
           <a:p>
-            <a:pPr marL="0" marR="0" indent="0" algn="l" defTabSz="914400" rtl="0" eaLnBrk="1" fontAlgn="auto" latinLnBrk="0" hangingPunct="1">
-              <a:lnSpc>
-                <a:spcPct val="100000"/>
-              </a:lnSpc>
-              <a:spcBef>
-                <a:spcPts val="0"/>
-              </a:spcBef>
-              <a:spcAft>
-                <a:spcPts val="0"/>
-              </a:spcAft>
-              <a:buClrTx/>
-              <a:buSzTx/>
-              <a:buFontTx/>
-              <a:buNone/>
-              <a:tabLst/>
-              <a:defRPr/>
-            </a:pPr>
-            <a:endParaRPr lang="en-US" dirty="0" smtClean="0"/>
+            <a:r>
+              <a:rPr lang="en-US" dirty="0" smtClean="0"/>
+              <a:t>Normal people do not use BitTorrent.  Not useful</a:t>
+            </a:r>
+            <a:r>
+              <a:rPr lang="en-US" baseline="0" dirty="0" smtClean="0"/>
+              <a:t> to them.</a:t>
+            </a:r>
+            <a:endParaRPr lang="en-US" dirty="0"/>
           </a:p>
         </p:txBody>
       </p:sp>
@@ -4180,7 +4006,7 @@
             <a:fld id="{CFD85767-B34F-4122-8642-982296400DCD}" type="slidenum">
               <a:rPr lang="en-US" smtClean="0"/>
               <a:pPr/>
-              <a:t>10</a:t>
+              <a:t>9</a:t>
             </a:fld>
             <a:endParaRPr lang="en-US"/>
           </a:p>
@@ -7186,20 +7012,41 @@
           </a:xfrm>
         </p:spPr>
         <p:txBody>
-          <a:bodyPr/>
-          <a:lstStyle/>
-          <a:p>
-            <a:r>
-              <a:rPr lang="en-US" dirty="0" smtClean="0"/>
-              <a:t>(Automatic </a:t>
+          <a:bodyPr>
+            <a:normAutofit fontScale="85000" lnSpcReduction="20000"/>
+          </a:bodyPr>
+          <a:lstStyle/>
+          <a:p>
+            <a:r>
+              <a:rPr lang="en-US" dirty="0" smtClean="0"/>
+              <a:t>(Automatic Transition To </a:t>
             </a:r>
             <a:r>
               <a:rPr lang="en-US" dirty="0"/>
-              <a:t>Transition To Peer-to-Peer </a:t>
+              <a:t>Peer-to-Peer </a:t>
             </a:r>
             <a:r>
               <a:rPr lang="en-US" dirty="0" smtClean="0"/>
               <a:t>Download)</a:t>
+            </a:r>
+          </a:p>
+          <a:p>
+            <a:endParaRPr lang="en-US" dirty="0" smtClean="0"/>
+          </a:p>
+          <a:p>
+            <a:r>
+              <a:rPr lang="en-US" dirty="0" smtClean="0"/>
+              <a:t>Roger Pack</a:t>
+            </a:r>
+          </a:p>
+          <a:p>
+            <a:r>
+              <a:rPr lang="en-US" dirty="0" smtClean="0"/>
+              <a:t>MS </a:t>
+            </a:r>
+            <a:r>
+              <a:rPr lang="en-US" smtClean="0"/>
+              <a:t>Thesis Defense</a:t>
             </a:r>
             <a:endParaRPr lang="en-US" dirty="0"/>
           </a:p>
@@ -7247,34 +7094,12 @@
             <p:ph type="title"/>
           </p:nvPr>
         </p:nvSpPr>
-        <p:spPr/>
-        <p:txBody>
-          <a:bodyPr/>
-          <a:lstStyle/>
-          <a:p>
-            <a:r>
-              <a:rPr lang="en-US" dirty="0" err="1" smtClean="0"/>
-              <a:t>BitTorrent</a:t>
-            </a:r>
-            <a:r>
-              <a:rPr lang="en-US" dirty="0" smtClean="0"/>
-              <a:t> fails</a:t>
-            </a:r>
-            <a:endParaRPr lang="en-US" dirty="0"/>
-          </a:p>
-        </p:txBody>
-      </p:sp>
-      <p:sp>
-        <p:nvSpPr>
-          <p:cNvPr id="3" name="Content Placeholder 2"/>
-          <p:cNvSpPr>
-            <a:spLocks noGrp="1"/>
-          </p:cNvSpPr>
-          <p:nvPr>
-            <p:ph idx="1"/>
-          </p:nvPr>
-        </p:nvSpPr>
-        <p:spPr/>
+        <p:spPr>
+          <a:xfrm>
+            <a:off x="457200" y="304800"/>
+            <a:ext cx="8229600" cy="1143000"/>
+          </a:xfrm>
+        </p:spPr>
         <p:txBody>
           <a:bodyPr>
             <a:normAutofit/>
@@ -7283,56 +7108,30 @@
           <a:p>
             <a:r>
               <a:rPr lang="en-US" dirty="0" smtClean="0"/>
-              <a:t>Server side.</a:t>
-            </a:r>
-          </a:p>
-          <a:p>
-            <a:pPr lvl="1"/>
-            <a:r>
-              <a:rPr lang="en-US" dirty="0" smtClean="0"/>
-              <a:t>Per File</a:t>
-            </a:r>
-          </a:p>
-          <a:p>
-            <a:pPr lvl="1"/>
-            <a:r>
-              <a:rPr lang="en-US" dirty="0" smtClean="0"/>
-              <a:t>Have to provide traditional anyway.</a:t>
-            </a:r>
-          </a:p>
-          <a:p>
-            <a:pPr lvl="2"/>
-            <a:r>
-              <a:rPr lang="en-US" dirty="0" smtClean="0"/>
-              <a:t>Lack of clients.</a:t>
-            </a:r>
-          </a:p>
-          <a:p>
-            <a:pPr lvl="1"/>
-            <a:r>
-              <a:rPr lang="en-US" dirty="0" smtClean="0"/>
-              <a:t>Stigma.</a:t>
-            </a:r>
-          </a:p>
-          <a:p>
-            <a:pPr lvl="1"/>
-            <a:r>
-              <a:rPr lang="en-US" dirty="0" smtClean="0"/>
-              <a:t>Extra maintenance.</a:t>
-            </a:r>
-          </a:p>
-          <a:p>
-            <a:pPr lvl="1"/>
-            <a:r>
-              <a:rPr lang="en-US" dirty="0" smtClean="0"/>
-              <a:t>Large Files.</a:t>
-            </a:r>
-          </a:p>
-          <a:p>
-            <a:pPr lvl="1"/>
-            <a:r>
-              <a:rPr lang="en-US" dirty="0" smtClean="0"/>
-              <a:t>Unknown demand.</a:t>
+              <a:t>Related Work</a:t>
+            </a:r>
+            <a:endParaRPr lang="en-US" dirty="0"/>
+          </a:p>
+        </p:txBody>
+      </p:sp>
+      <p:sp>
+        <p:nvSpPr>
+          <p:cNvPr id="3" name="Content Placeholder 2"/>
+          <p:cNvSpPr>
+            <a:spLocks noGrp="1"/>
+          </p:cNvSpPr>
+          <p:nvPr>
+            <p:ph idx="1"/>
+          </p:nvPr>
+        </p:nvSpPr>
+        <p:spPr/>
+        <p:txBody>
+          <a:bodyPr/>
+          <a:lstStyle/>
+          <a:p>
+            <a:r>
+              <a:rPr lang="en-US" dirty="0" smtClean="0"/>
+              <a:t>Cs, etc. etc. one example of  each</a:t>
             </a:r>
           </a:p>
         </p:txBody>
@@ -7381,16 +7180,14 @@
         </p:nvSpPr>
         <p:spPr/>
         <p:txBody>
-          <a:bodyPr/>
-          <a:lstStyle/>
-          <a:p>
-            <a:r>
-              <a:rPr lang="en-US" dirty="0" err="1" smtClean="0"/>
-              <a:t>BitTorrent</a:t>
-            </a:r>
-            <a:r>
-              <a:rPr lang="en-US" dirty="0" smtClean="0"/>
-              <a:t> fails</a:t>
+          <a:bodyPr>
+            <a:normAutofit/>
+          </a:bodyPr>
+          <a:lstStyle/>
+          <a:p>
+            <a:r>
+              <a:rPr lang="en-US" dirty="0" smtClean="0"/>
+              <a:t>Automatic Swarming</a:t>
             </a:r>
             <a:endParaRPr lang="en-US" dirty="0"/>
           </a:p>
@@ -7398,7 +7195,7 @@
       </p:sp>
       <p:sp>
         <p:nvSpPr>
-          <p:cNvPr id="3" name="Content Placeholder 2"/>
+          <p:cNvPr id="5" name="Content Placeholder 4"/>
           <p:cNvSpPr>
             <a:spLocks noGrp="1"/>
           </p:cNvSpPr>
@@ -7409,106 +7206,53 @@
         <p:spPr/>
         <p:txBody>
           <a:bodyPr>
-            <a:normAutofit fontScale="85000" lnSpcReduction="20000"/>
+            <a:normAutofit lnSpcReduction="10000"/>
           </a:bodyPr>
           <a:lstStyle/>
           <a:p>
             <a:r>
               <a:rPr lang="en-US" dirty="0" smtClean="0"/>
-              <a:t>Clients</a:t>
+              <a:t>Automatic Transition to Peer-to-peer download</a:t>
             </a:r>
           </a:p>
           <a:p>
             <a:pPr lvl="1"/>
             <a:r>
               <a:rPr lang="en-US" dirty="0" smtClean="0"/>
-              <a:t>Extra setup/time per file.</a:t>
-            </a:r>
-          </a:p>
-          <a:p>
-            <a:pPr lvl="2"/>
-            <a:r>
-              <a:rPr lang="en-US" dirty="0" smtClean="0"/>
-              <a:t>Small files</a:t>
+              <a:t>Monitor download</a:t>
             </a:r>
           </a:p>
           <a:p>
             <a:pPr lvl="1"/>
             <a:r>
               <a:rPr lang="en-US" dirty="0" smtClean="0"/>
-              <a:t>Techno </a:t>
-            </a:r>
-            <a:r>
-              <a:rPr lang="en-US" dirty="0" err="1" smtClean="0"/>
-              <a:t>intelligencia</a:t>
-            </a:r>
-            <a:endParaRPr lang="en-US" dirty="0" smtClean="0"/>
+              <a:t>Automatically switch if it becomes slow</a:t>
+            </a:r>
+          </a:p>
+          <a:p>
+            <a:r>
+              <a:rPr lang="en-US" dirty="0" smtClean="0"/>
+              <a:t>Overcome deficiencies of BitTorrent</a:t>
+            </a:r>
+          </a:p>
+          <a:p>
+            <a:r>
+              <a:rPr lang="en-US" dirty="0" smtClean="0"/>
+              <a:t>Wouldn’t it be great if this was built into Internet Explorer and Firefox?</a:t>
+            </a:r>
           </a:p>
           <a:p>
             <a:pPr lvl="1"/>
             <a:r>
               <a:rPr lang="en-US" dirty="0" smtClean="0"/>
-              <a:t>Non integrated.</a:t>
-            </a:r>
-          </a:p>
-          <a:p>
-            <a:pPr lvl="2"/>
-            <a:r>
-              <a:rPr lang="en-US" dirty="0" smtClean="0"/>
-              <a:t>Manual.</a:t>
-            </a:r>
-          </a:p>
-          <a:p>
-            <a:pPr lvl="2"/>
-            <a:r>
-              <a:rPr lang="en-US" dirty="0" smtClean="0"/>
-              <a:t>Not HTTP optimized.</a:t>
+              <a:t>Make swarming more adoptable</a:t>
             </a:r>
           </a:p>
           <a:p>
             <a:pPr lvl="1"/>
             <a:r>
               <a:rPr lang="en-US" dirty="0" smtClean="0"/>
-              <a:t>It should be ignored speed-wise</a:t>
-            </a:r>
-          </a:p>
-          <a:p>
-            <a:pPr lvl="2"/>
-            <a:r>
-              <a:rPr lang="en-US" dirty="0" smtClean="0"/>
-              <a:t>Duplicate</a:t>
-            </a:r>
-          </a:p>
-          <a:p>
-            <a:pPr lvl="2"/>
-            <a:r>
-              <a:rPr lang="en-US" dirty="0" smtClean="0"/>
-              <a:t>Costs time</a:t>
-            </a:r>
-          </a:p>
-          <a:p>
-            <a:pPr lvl="3"/>
-            <a:r>
-              <a:rPr lang="en-US" dirty="0" err="1" smtClean="0"/>
-              <a:t>Warmup</a:t>
-            </a:r>
-            <a:r>
-              <a:rPr lang="en-US" dirty="0" smtClean="0"/>
-              <a:t> phase.</a:t>
-            </a:r>
-          </a:p>
-          <a:p>
-            <a:pPr lvl="3"/>
-            <a:r>
-              <a:rPr lang="en-US" dirty="0" smtClean="0"/>
-              <a:t>Transition.</a:t>
-            </a:r>
-          </a:p>
-          <a:p>
-            <a:pPr lvl="1"/>
-            <a:r>
-              <a:rPr lang="en-US" dirty="0" smtClean="0"/>
-              <a:t>Not available.</a:t>
+              <a:t>All downloads</a:t>
             </a:r>
           </a:p>
         </p:txBody>
@@ -7555,25 +7299,14 @@
             <p:ph type="title"/>
           </p:nvPr>
         </p:nvSpPr>
-        <p:spPr>
-          <a:xfrm>
-            <a:off x="-1600200" y="304800"/>
-            <a:ext cx="8229600" cy="1143000"/>
-          </a:xfrm>
-        </p:spPr>
-        <p:txBody>
-          <a:bodyPr>
-            <a:normAutofit/>
-          </a:bodyPr>
-          <a:lstStyle/>
-          <a:p>
-            <a:r>
-              <a:rPr lang="en-US" dirty="0" err="1" smtClean="0"/>
-              <a:t>BitTorrent</a:t>
-            </a:r>
-            <a:r>
-              <a:rPr lang="en-US" dirty="0" smtClean="0"/>
-              <a:t> can Fail</a:t>
+        <p:spPr/>
+        <p:txBody>
+          <a:bodyPr/>
+          <a:lstStyle/>
+          <a:p>
+            <a:r>
+              <a:rPr lang="en-US" dirty="0" smtClean="0"/>
+              <a:t>Automatic Swarming -- Goals</a:t>
             </a:r>
             <a:endParaRPr lang="en-US" dirty="0"/>
           </a:p>
@@ -7596,73 +7329,49 @@
           <a:p>
             <a:r>
               <a:rPr lang="en-US" dirty="0" smtClean="0"/>
-              <a:t>Not enough seeds.</a:t>
-            </a:r>
-          </a:p>
-          <a:p>
-            <a:r>
-              <a:rPr lang="en-US" dirty="0" smtClean="0"/>
-              <a:t>Closed ports.</a:t>
-            </a:r>
-          </a:p>
-          <a:p>
-            <a:r>
-              <a:rPr lang="en-US" dirty="0" smtClean="0"/>
-              <a:t>Tracker</a:t>
-            </a:r>
-          </a:p>
-          <a:p>
-            <a:r>
-              <a:rPr lang="en-US" dirty="0" smtClean="0"/>
-              <a:t>Extra files.</a:t>
-            </a:r>
-          </a:p>
-          <a:p>
-            <a:r>
-              <a:rPr lang="en-US" dirty="0" smtClean="0"/>
-              <a:t>Users don’t have client installed (chicken/egg).</a:t>
-            </a:r>
-          </a:p>
-          <a:p>
-            <a:r>
-              <a:rPr lang="en-US" dirty="0" smtClean="0"/>
-              <a:t>Clients aren’t configured to use HTTP well.</a:t>
-            </a:r>
-          </a:p>
-        </p:txBody>
-      </p:sp>
-      <p:pic>
-        <p:nvPicPr>
-          <p:cNvPr id="1026" name="Picture 2"/>
-          <p:cNvPicPr>
-            <a:picLocks noChangeAspect="1" noChangeArrowheads="1"/>
-          </p:cNvPicPr>
-          <p:nvPr/>
-        </p:nvPicPr>
-        <p:blipFill>
-          <a:blip r:embed="rId3" cstate="print"/>
-          <a:srcRect/>
-          <a:stretch>
-            <a:fillRect/>
-          </a:stretch>
-        </p:blipFill>
-        <p:spPr bwMode="auto">
-          <a:xfrm>
-            <a:off x="4572000" y="228600"/>
-            <a:ext cx="4611897" cy="2971800"/>
-          </a:xfrm>
-          <a:prstGeom prst="rect">
-            <a:avLst/>
-          </a:prstGeom>
-          <a:noFill/>
-          <a:ln w="9525">
-            <a:noFill/>
-            <a:miter lim="800000"/>
-            <a:headEnd/>
-            <a:tailEnd/>
-          </a:ln>
-        </p:spPr>
-      </p:pic>
+              <a:t>Work for any file on any server without configuration.</a:t>
+            </a:r>
+          </a:p>
+          <a:p>
+            <a:r>
+              <a:rPr lang="en-US" dirty="0" smtClean="0"/>
+              <a:t>Easy for client use.</a:t>
+            </a:r>
+          </a:p>
+          <a:p>
+            <a:r>
+              <a:rPr lang="en-US" dirty="0" smtClean="0"/>
+              <a:t>No extra hardware.</a:t>
+            </a:r>
+          </a:p>
+          <a:p>
+            <a:r>
+              <a:rPr lang="en-US" dirty="0" smtClean="0"/>
+              <a:t>Work for small files.</a:t>
+            </a:r>
+          </a:p>
+          <a:p>
+            <a:r>
+              <a:rPr lang="en-US" dirty="0" smtClean="0"/>
+              <a:t>Non intrusive</a:t>
+            </a:r>
+          </a:p>
+          <a:p>
+            <a:pPr lvl="1"/>
+            <a:r>
+              <a:rPr lang="en-US" dirty="0" smtClean="0"/>
+              <a:t>Don’t cache other people’s files.</a:t>
+            </a:r>
+          </a:p>
+          <a:p>
+            <a:pPr lvl="1"/>
+            <a:r>
+              <a:rPr lang="en-US" dirty="0" smtClean="0"/>
+              <a:t>Legal.</a:t>
+            </a:r>
+          </a:p>
+        </p:txBody>
+      </p:sp>
     </p:spTree>
   </p:cSld>
   <p:clrMapOvr>
@@ -7679,320 +7388,6 @@
 </file>
 
 <file path=ppt/slides/slide13.xml><?xml version="1.0" encoding="utf-8"?>
-<p:sld xmlns:a="http://schemas.openxmlformats.org/drawingml/2006/main" xmlns:r="http://schemas.openxmlformats.org/officeDocument/2006/relationships" xmlns:p="http://schemas.openxmlformats.org/presentationml/2006/main">
-  <p:cSld>
-    <p:spTree>
-      <p:nvGrpSpPr>
-        <p:cNvPr id="1" name=""/>
-        <p:cNvGrpSpPr/>
-        <p:nvPr/>
-      </p:nvGrpSpPr>
-      <p:grpSpPr>
-        <a:xfrm>
-          <a:off x="0" y="0"/>
-          <a:ext cx="0" cy="0"/>
-          <a:chOff x="0" y="0"/>
-          <a:chExt cx="0" cy="0"/>
-        </a:xfrm>
-      </p:grpSpPr>
-      <p:sp>
-        <p:nvSpPr>
-          <p:cNvPr id="2" name="Title 1"/>
-          <p:cNvSpPr>
-            <a:spLocks noGrp="1"/>
-          </p:cNvSpPr>
-          <p:nvPr>
-            <p:ph type="title"/>
-          </p:nvPr>
-        </p:nvSpPr>
-        <p:spPr/>
-        <p:txBody>
-          <a:bodyPr>
-            <a:normAutofit/>
-          </a:bodyPr>
-          <a:lstStyle/>
-          <a:p>
-            <a:r>
-              <a:rPr lang="en-US" dirty="0" smtClean="0"/>
-              <a:t>Automatic Swarming</a:t>
-            </a:r>
-            <a:endParaRPr lang="en-US" dirty="0"/>
-          </a:p>
-        </p:txBody>
-      </p:sp>
-      <p:sp>
-        <p:nvSpPr>
-          <p:cNvPr id="5" name="Content Placeholder 4"/>
-          <p:cNvSpPr>
-            <a:spLocks noGrp="1"/>
-          </p:cNvSpPr>
-          <p:nvPr>
-            <p:ph idx="1"/>
-          </p:nvPr>
-        </p:nvSpPr>
-        <p:spPr/>
-        <p:txBody>
-          <a:bodyPr/>
-          <a:lstStyle/>
-          <a:p>
-            <a:r>
-              <a:rPr lang="en-US" dirty="0" smtClean="0"/>
-              <a:t>Make swarming more adoptable.</a:t>
-            </a:r>
-          </a:p>
-          <a:p>
-            <a:r>
-              <a:rPr lang="en-US" dirty="0" smtClean="0"/>
-              <a:t>Scalability/cost effectiveness of </a:t>
-            </a:r>
-            <a:r>
-              <a:rPr lang="en-US" dirty="0" err="1" smtClean="0"/>
-              <a:t>BitTorrent</a:t>
-            </a:r>
-            <a:r>
-              <a:rPr lang="en-US" dirty="0" smtClean="0"/>
-              <a:t>.</a:t>
-            </a:r>
-          </a:p>
-          <a:p>
-            <a:r>
-              <a:rPr lang="en-US" dirty="0" smtClean="0"/>
-              <a:t>Overcome deficiencies.</a:t>
-            </a:r>
-          </a:p>
-          <a:p>
-            <a:r>
-              <a:rPr lang="en-US" dirty="0" smtClean="0"/>
-              <a:t>More situations.</a:t>
-            </a:r>
-          </a:p>
-        </p:txBody>
-      </p:sp>
-    </p:spTree>
-  </p:cSld>
-  <p:clrMapOvr>
-    <a:masterClrMapping/>
-  </p:clrMapOvr>
-  <p:timing>
-    <p:tnLst>
-      <p:par>
-        <p:cTn id="1" dur="indefinite" restart="never" nodeType="tmRoot"/>
-      </p:par>
-    </p:tnLst>
-  </p:timing>
-</p:sld>
-</file>
-
-<file path=ppt/slides/slide14.xml><?xml version="1.0" encoding="utf-8"?>
-<p:sld xmlns:a="http://schemas.openxmlformats.org/drawingml/2006/main" xmlns:r="http://schemas.openxmlformats.org/officeDocument/2006/relationships" xmlns:p="http://schemas.openxmlformats.org/presentationml/2006/main">
-  <p:cSld>
-    <p:spTree>
-      <p:nvGrpSpPr>
-        <p:cNvPr id="1" name=""/>
-        <p:cNvGrpSpPr/>
-        <p:nvPr/>
-      </p:nvGrpSpPr>
-      <p:grpSpPr>
-        <a:xfrm>
-          <a:off x="0" y="0"/>
-          <a:ext cx="0" cy="0"/>
-          <a:chOff x="0" y="0"/>
-          <a:chExt cx="0" cy="0"/>
-        </a:xfrm>
-      </p:grpSpPr>
-      <p:sp>
-        <p:nvSpPr>
-          <p:cNvPr id="2" name="Title 1"/>
-          <p:cNvSpPr>
-            <a:spLocks noGrp="1"/>
-          </p:cNvSpPr>
-          <p:nvPr>
-            <p:ph type="title"/>
-          </p:nvPr>
-        </p:nvSpPr>
-        <p:spPr/>
-        <p:txBody>
-          <a:bodyPr/>
-          <a:lstStyle/>
-          <a:p>
-            <a:r>
-              <a:rPr lang="en-US" dirty="0" smtClean="0"/>
-              <a:t>Automatic Swarming -- Goals</a:t>
-            </a:r>
-            <a:endParaRPr lang="en-US" dirty="0"/>
-          </a:p>
-        </p:txBody>
-      </p:sp>
-      <p:sp>
-        <p:nvSpPr>
-          <p:cNvPr id="3" name="Content Placeholder 2"/>
-          <p:cNvSpPr>
-            <a:spLocks noGrp="1"/>
-          </p:cNvSpPr>
-          <p:nvPr>
-            <p:ph idx="1"/>
-          </p:nvPr>
-        </p:nvSpPr>
-        <p:spPr/>
-        <p:txBody>
-          <a:bodyPr/>
-          <a:lstStyle/>
-          <a:p>
-            <a:r>
-              <a:rPr lang="en-US" dirty="0" smtClean="0"/>
-              <a:t>Work for any file on any server without configuration.</a:t>
-            </a:r>
-          </a:p>
-          <a:p>
-            <a:r>
-              <a:rPr lang="en-US" dirty="0" smtClean="0"/>
-              <a:t>Easy for client use.</a:t>
-            </a:r>
-          </a:p>
-          <a:p>
-            <a:r>
-              <a:rPr lang="en-US" dirty="0" smtClean="0"/>
-              <a:t>No extra hardware.</a:t>
-            </a:r>
-          </a:p>
-          <a:p>
-            <a:r>
-              <a:rPr lang="en-US" dirty="0" smtClean="0"/>
-              <a:t>Work for small files.</a:t>
-            </a:r>
-          </a:p>
-          <a:p>
-            <a:r>
-              <a:rPr lang="en-US" dirty="0" smtClean="0"/>
-              <a:t>Non intrusive</a:t>
-            </a:r>
-          </a:p>
-          <a:p>
-            <a:pPr lvl="1"/>
-            <a:r>
-              <a:rPr lang="en-US" dirty="0" smtClean="0"/>
-              <a:t>Don’t cache other people’s files.</a:t>
-            </a:r>
-          </a:p>
-          <a:p>
-            <a:pPr lvl="1"/>
-            <a:r>
-              <a:rPr lang="en-US" dirty="0" smtClean="0"/>
-              <a:t>Legal.</a:t>
-            </a:r>
-          </a:p>
-        </p:txBody>
-      </p:sp>
-    </p:spTree>
-  </p:cSld>
-  <p:clrMapOvr>
-    <a:masterClrMapping/>
-  </p:clrMapOvr>
-  <p:timing>
-    <p:tnLst>
-      <p:par>
-        <p:cTn id="1" dur="indefinite" restart="never" nodeType="tmRoot"/>
-      </p:par>
-    </p:tnLst>
-  </p:timing>
-</p:sld>
-</file>
-
-<file path=ppt/slides/slide15.xml><?xml version="1.0" encoding="utf-8"?>
-<p:sld xmlns:a="http://schemas.openxmlformats.org/drawingml/2006/main" xmlns:r="http://schemas.openxmlformats.org/officeDocument/2006/relationships" xmlns:p="http://schemas.openxmlformats.org/presentationml/2006/main">
-  <p:cSld>
-    <p:spTree>
-      <p:nvGrpSpPr>
-        <p:cNvPr id="1" name=""/>
-        <p:cNvGrpSpPr/>
-        <p:nvPr/>
-      </p:nvGrpSpPr>
-      <p:grpSpPr>
-        <a:xfrm>
-          <a:off x="0" y="0"/>
-          <a:ext cx="0" cy="0"/>
-          <a:chOff x="0" y="0"/>
-          <a:chExt cx="0" cy="0"/>
-        </a:xfrm>
-      </p:grpSpPr>
-      <p:sp>
-        <p:nvSpPr>
-          <p:cNvPr id="2" name="Title 1"/>
-          <p:cNvSpPr>
-            <a:spLocks noGrp="1"/>
-          </p:cNvSpPr>
-          <p:nvPr>
-            <p:ph type="title"/>
-          </p:nvPr>
-        </p:nvSpPr>
-        <p:spPr/>
-        <p:txBody>
-          <a:bodyPr>
-            <a:normAutofit/>
-          </a:bodyPr>
-          <a:lstStyle/>
-          <a:p>
-            <a:r>
-              <a:rPr lang="en-US" dirty="0" smtClean="0"/>
-              <a:t>Automatic Swarming</a:t>
-            </a:r>
-            <a:endParaRPr lang="en-US" dirty="0"/>
-          </a:p>
-        </p:txBody>
-      </p:sp>
-      <p:sp>
-        <p:nvSpPr>
-          <p:cNvPr id="5" name="Content Placeholder 4"/>
-          <p:cNvSpPr>
-            <a:spLocks noGrp="1"/>
-          </p:cNvSpPr>
-          <p:nvPr>
-            <p:ph idx="1"/>
-          </p:nvPr>
-        </p:nvSpPr>
-        <p:spPr/>
-        <p:txBody>
-          <a:bodyPr/>
-          <a:lstStyle/>
-          <a:p>
-            <a:r>
-              <a:rPr lang="en-US" dirty="0" smtClean="0"/>
-              <a:t>Basic Algorithm:</a:t>
-            </a:r>
-          </a:p>
-          <a:p>
-            <a:pPr lvl="1"/>
-            <a:r>
-              <a:rPr lang="en-US" dirty="0" smtClean="0"/>
-              <a:t>Monitor download</a:t>
-            </a:r>
-          </a:p>
-          <a:p>
-            <a:pPr lvl="1"/>
-            <a:r>
-              <a:rPr lang="en-US" dirty="0" smtClean="0"/>
-              <a:t>Automatically switch to a Peer-to-Peer download if it becomes slow.</a:t>
-            </a:r>
-            <a:endParaRPr lang="en-US" dirty="0"/>
-          </a:p>
-        </p:txBody>
-      </p:sp>
-    </p:spTree>
-  </p:cSld>
-  <p:clrMapOvr>
-    <a:masterClrMapping/>
-  </p:clrMapOvr>
-  <p:timing>
-    <p:tnLst>
-      <p:par>
-        <p:cTn id="1" dur="indefinite" restart="never" nodeType="tmRoot"/>
-      </p:par>
-    </p:tnLst>
-  </p:timing>
-</p:sld>
-</file>
-
-<file path=ppt/slides/slide16.xml><?xml version="1.0" encoding="utf-8"?>
 <p:sld xmlns:a="http://schemas.openxmlformats.org/drawingml/2006/main" xmlns:r="http://schemas.openxmlformats.org/officeDocument/2006/relationships" xmlns:p="http://schemas.openxmlformats.org/presentationml/2006/main">
   <p:cSld>
     <p:spTree>
@@ -8075,7 +7470,7 @@
 </p:sld>
 </file>
 
-<file path=ppt/slides/slide17.xml><?xml version="1.0" encoding="utf-8"?>
+<file path=ppt/slides/slide14.xml><?xml version="1.0" encoding="utf-8"?>
 <p:sld xmlns:a="http://schemas.openxmlformats.org/drawingml/2006/main" xmlns:r="http://schemas.openxmlformats.org/officeDocument/2006/relationships" xmlns:p="http://schemas.openxmlformats.org/presentationml/2006/main">
   <p:cSld>
     <p:spTree>
@@ -8112,25 +7507,6 @@
               <a:t>P2P: Transition</a:t>
             </a:r>
             <a:endParaRPr lang="en-US" dirty="0"/>
-          </a:p>
-        </p:txBody>
-      </p:sp>
-      <p:sp>
-        <p:nvSpPr>
-          <p:cNvPr id="3" name="Content Placeholder 2"/>
-          <p:cNvSpPr>
-            <a:spLocks noGrp="1"/>
-          </p:cNvSpPr>
-          <p:nvPr>
-            <p:ph idx="1"/>
-          </p:nvPr>
-        </p:nvSpPr>
-        <p:spPr/>
-        <p:txBody>
-          <a:bodyPr/>
-          <a:lstStyle/>
-          <a:p>
-            <a:endParaRPr lang="en-US"/>
           </a:p>
         </p:txBody>
       </p:sp>
@@ -8245,7 +7621,7 @@
 </p:sld>
 </file>
 
-<file path=ppt/slides/slide18.xml><?xml version="1.0" encoding="utf-8"?>
+<file path=ppt/slides/slide15.xml><?xml version="1.0" encoding="utf-8"?>
 <p:sld xmlns:a="http://schemas.openxmlformats.org/drawingml/2006/main" xmlns:r="http://schemas.openxmlformats.org/officeDocument/2006/relationships" xmlns:p="http://schemas.openxmlformats.org/presentationml/2006/main">
   <p:cSld>
     <p:spTree>
@@ -8404,7 +7780,7 @@
 </p:sld>
 </file>
 
-<file path=ppt/slides/slide19.xml><?xml version="1.0" encoding="utf-8"?>
+<file path=ppt/slides/slide16.xml><?xml version="1.0" encoding="utf-8"?>
 <p:sld xmlns:a="http://schemas.openxmlformats.org/drawingml/2006/main" xmlns:r="http://schemas.openxmlformats.org/officeDocument/2006/relationships" xmlns:p="http://schemas.openxmlformats.org/presentationml/2006/main">
   <p:cSld>
     <p:spTree>
@@ -8497,7 +7873,7 @@
           <p:nvPr/>
         </p:nvPicPr>
         <p:blipFill>
-          <a:blip r:embed="rId2" cstate="print"/>
+          <a:blip r:embed="rId3" cstate="print"/>
           <a:srcRect/>
           <a:stretch>
             <a:fillRect/>
@@ -8523,7 +7899,7 @@
           <p:nvPr/>
         </p:nvPicPr>
         <p:blipFill>
-          <a:blip r:embed="rId3" cstate="print"/>
+          <a:blip r:embed="rId4" cstate="print"/>
           <a:srcRect/>
           <a:stretch>
             <a:fillRect/>
@@ -8561,7 +7937,7 @@
 </p:sld>
 </file>
 
-<file path=ppt/slides/slide2.xml><?xml version="1.0" encoding="utf-8"?>
+<file path=ppt/slides/slide17.xml><?xml version="1.0" encoding="utf-8"?>
 <p:sld xmlns:a="http://schemas.openxmlformats.org/drawingml/2006/main" xmlns:r="http://schemas.openxmlformats.org/officeDocument/2006/relationships" xmlns:p="http://schemas.openxmlformats.org/presentationml/2006/main">
   <p:cSld>
     <p:spTree>
@@ -8595,112 +7971,6 @@
           <a:p>
             <a:r>
               <a:rPr lang="en-US" dirty="0" smtClean="0"/>
-              <a:t>Thesis</a:t>
-            </a:r>
-            <a:endParaRPr lang="en-US" dirty="0"/>
-          </a:p>
-        </p:txBody>
-      </p:sp>
-      <p:sp>
-        <p:nvSpPr>
-          <p:cNvPr id="3" name="Content Placeholder 2"/>
-          <p:cNvSpPr>
-            <a:spLocks noGrp="1"/>
-          </p:cNvSpPr>
-          <p:nvPr>
-            <p:ph idx="1"/>
-          </p:nvPr>
-        </p:nvSpPr>
-        <p:spPr/>
-        <p:txBody>
-          <a:bodyPr/>
-          <a:lstStyle/>
-          <a:p>
-            <a:endParaRPr lang="en-US" dirty="0"/>
-          </a:p>
-        </p:txBody>
-      </p:sp>
-      <p:pic>
-        <p:nvPicPr>
-          <p:cNvPr id="3074" name="Picture 2"/>
-          <p:cNvPicPr>
-            <a:picLocks noChangeAspect="1" noChangeArrowheads="1"/>
-          </p:cNvPicPr>
-          <p:nvPr/>
-        </p:nvPicPr>
-        <p:blipFill>
-          <a:blip r:embed="rId2" cstate="print"/>
-          <a:srcRect/>
-          <a:stretch>
-            <a:fillRect/>
-          </a:stretch>
-        </p:blipFill>
-        <p:spPr bwMode="auto">
-          <a:xfrm>
-            <a:off x="1371600" y="1143000"/>
-            <a:ext cx="6419850" cy="5715000"/>
-          </a:xfrm>
-          <a:prstGeom prst="rect">
-            <a:avLst/>
-          </a:prstGeom>
-          <a:noFill/>
-          <a:ln w="9525">
-            <a:noFill/>
-            <a:miter lim="800000"/>
-            <a:headEnd/>
-            <a:tailEnd/>
-          </a:ln>
-        </p:spPr>
-      </p:pic>
-    </p:spTree>
-  </p:cSld>
-  <p:clrMapOvr>
-    <a:masterClrMapping/>
-  </p:clrMapOvr>
-  <p:timing>
-    <p:tnLst>
-      <p:par>
-        <p:cTn id="1" dur="indefinite" restart="never" nodeType="tmRoot"/>
-      </p:par>
-    </p:tnLst>
-  </p:timing>
-</p:sld>
-</file>
-
-<file path=ppt/slides/slide20.xml><?xml version="1.0" encoding="utf-8"?>
-<p:sld xmlns:a="http://schemas.openxmlformats.org/drawingml/2006/main" xmlns:r="http://schemas.openxmlformats.org/officeDocument/2006/relationships" xmlns:p="http://schemas.openxmlformats.org/presentationml/2006/main">
-  <p:cSld>
-    <p:spTree>
-      <p:nvGrpSpPr>
-        <p:cNvPr id="1" name=""/>
-        <p:cNvGrpSpPr/>
-        <p:nvPr/>
-      </p:nvGrpSpPr>
-      <p:grpSpPr>
-        <a:xfrm>
-          <a:off x="0" y="0"/>
-          <a:ext cx="0" cy="0"/>
-          <a:chOff x="0" y="0"/>
-          <a:chExt cx="0" cy="0"/>
-        </a:xfrm>
-      </p:grpSpPr>
-      <p:sp>
-        <p:nvSpPr>
-          <p:cNvPr id="2" name="Title 1"/>
-          <p:cNvSpPr>
-            <a:spLocks noGrp="1"/>
-          </p:cNvSpPr>
-          <p:nvPr>
-            <p:ph type="title"/>
-          </p:nvPr>
-        </p:nvSpPr>
-        <p:spPr/>
-        <p:txBody>
-          <a:bodyPr/>
-          <a:lstStyle/>
-          <a:p>
-            <a:r>
-              <a:rPr lang="en-US" dirty="0" smtClean="0"/>
               <a:t>Methodology</a:t>
             </a:r>
             <a:endParaRPr lang="en-US" dirty="0"/>
@@ -8787,7 +8057,7 @@
           <p:nvPr/>
         </p:nvPicPr>
         <p:blipFill>
-          <a:blip r:embed="rId2" cstate="print"/>
+          <a:blip r:embed="rId3" cstate="print"/>
           <a:srcRect/>
           <a:stretch>
             <a:fillRect/>
@@ -8825,7 +8095,7 @@
 </p:sld>
 </file>
 
-<file path=ppt/slides/slide21.xml><?xml version="1.0" encoding="utf-8"?>
+<file path=ppt/slides/slide18.xml><?xml version="1.0" encoding="utf-8"?>
 <p:sld xmlns:a="http://schemas.openxmlformats.org/drawingml/2006/main" xmlns:r="http://schemas.openxmlformats.org/officeDocument/2006/relationships" xmlns:p="http://schemas.openxmlformats.org/presentationml/2006/main">
   <p:cSld>
     <p:spTree>
@@ -8939,7 +8209,7 @@
 </p:sld>
 </file>
 
-<file path=ppt/slides/slide22.xml><?xml version="1.0" encoding="utf-8"?>
+<file path=ppt/slides/slide19.xml><?xml version="1.0" encoding="utf-8"?>
 <p:sld xmlns:a="http://schemas.openxmlformats.org/drawingml/2006/main" xmlns:r="http://schemas.openxmlformats.org/officeDocument/2006/relationships" xmlns:p="http://schemas.openxmlformats.org/presentationml/2006/main">
   <p:cSld>
     <p:spTree>
@@ -9093,7 +8363,7 @@
 </p:sld>
 </file>
 
-<file path=ppt/slides/slide23.xml><?xml version="1.0" encoding="utf-8"?>
+<file path=ppt/slides/slide2.xml><?xml version="1.0" encoding="utf-8"?>
 <p:sld xmlns:a="http://schemas.openxmlformats.org/drawingml/2006/main" xmlns:r="http://schemas.openxmlformats.org/officeDocument/2006/relationships" xmlns:p="http://schemas.openxmlformats.org/presentationml/2006/main">
   <p:cSld>
     <p:spTree>
@@ -9122,6 +8392,138 @@
         </p:nvSpPr>
         <p:spPr/>
         <p:txBody>
+          <a:bodyPr/>
+          <a:lstStyle/>
+          <a:p>
+            <a:r>
+              <a:rPr lang="en-US" dirty="0" smtClean="0"/>
+              <a:t>Fast download</a:t>
+            </a:r>
+            <a:endParaRPr lang="en-US" dirty="0"/>
+          </a:p>
+        </p:txBody>
+      </p:sp>
+      <p:sp>
+        <p:nvSpPr>
+          <p:cNvPr id="3" name="Content Placeholder 2"/>
+          <p:cNvSpPr>
+            <a:spLocks noGrp="1"/>
+          </p:cNvSpPr>
+          <p:nvPr>
+            <p:ph idx="1"/>
+          </p:nvPr>
+        </p:nvSpPr>
+        <p:spPr/>
+        <p:txBody>
+          <a:bodyPr/>
+          <a:lstStyle/>
+          <a:p>
+            <a:endParaRPr lang="en-US"/>
+          </a:p>
+        </p:txBody>
+      </p:sp>
+      <p:pic>
+        <p:nvPicPr>
+          <p:cNvPr id="1028" name="Picture 4" descr="C:\Users\packrd\AppData\Local\Microsoft\Windows\Temporary Internet Files\Content.IE5\I9QEYR76\MCj04406450000[1].wmf"/>
+          <p:cNvPicPr>
+            <a:picLocks noChangeAspect="1" noChangeArrowheads="1"/>
+          </p:cNvPicPr>
+          <p:nvPr/>
+        </p:nvPicPr>
+        <p:blipFill>
+          <a:blip r:embed="rId3" cstate="print"/>
+          <a:srcRect/>
+          <a:stretch>
+            <a:fillRect/>
+          </a:stretch>
+        </p:blipFill>
+        <p:spPr bwMode="auto">
+          <a:xfrm>
+            <a:off x="6934200" y="228600"/>
+            <a:ext cx="1295400" cy="1295400"/>
+          </a:xfrm>
+          <a:prstGeom prst="rect">
+            <a:avLst/>
+          </a:prstGeom>
+          <a:noFill/>
+        </p:spPr>
+      </p:pic>
+      <p:pic>
+        <p:nvPicPr>
+          <p:cNvPr id="4" name="Picture 3"/>
+          <p:cNvPicPr>
+            <a:picLocks noChangeAspect="1" noChangeArrowheads="1"/>
+          </p:cNvPicPr>
+          <p:nvPr/>
+        </p:nvPicPr>
+        <p:blipFill>
+          <a:blip r:embed="rId4" cstate="print"/>
+          <a:srcRect/>
+          <a:stretch>
+            <a:fillRect/>
+          </a:stretch>
+        </p:blipFill>
+        <p:spPr bwMode="auto">
+          <a:xfrm>
+            <a:off x="381000" y="1524000"/>
+            <a:ext cx="8572500" cy="5715000"/>
+          </a:xfrm>
+          <a:prstGeom prst="rect">
+            <a:avLst/>
+          </a:prstGeom>
+          <a:noFill/>
+          <a:ln w="9525">
+            <a:noFill/>
+            <a:miter lim="800000"/>
+            <a:headEnd/>
+            <a:tailEnd/>
+          </a:ln>
+        </p:spPr>
+      </p:pic>
+    </p:spTree>
+  </p:cSld>
+  <p:clrMapOvr>
+    <a:masterClrMapping/>
+  </p:clrMapOvr>
+  <p:timing>
+    <p:tnLst>
+      <p:par>
+        <p:cTn id="1" dur="indefinite" restart="never" nodeType="tmRoot"/>
+      </p:par>
+    </p:tnLst>
+  </p:timing>
+</p:sld>
+</file>
+
+<file path=ppt/slides/slide20.xml><?xml version="1.0" encoding="utf-8"?>
+<p:sld xmlns:a="http://schemas.openxmlformats.org/drawingml/2006/main" xmlns:r="http://schemas.openxmlformats.org/officeDocument/2006/relationships" xmlns:p="http://schemas.openxmlformats.org/presentationml/2006/main">
+  <p:cSld>
+    <p:spTree>
+      <p:nvGrpSpPr>
+        <p:cNvPr id="1" name=""/>
+        <p:cNvGrpSpPr/>
+        <p:nvPr/>
+      </p:nvGrpSpPr>
+      <p:grpSpPr>
+        <a:xfrm>
+          <a:off x="0" y="0"/>
+          <a:ext cx="0" cy="0"/>
+          <a:chOff x="0" y="0"/>
+          <a:chExt cx="0" cy="0"/>
+        </a:xfrm>
+      </p:grpSpPr>
+      <p:sp>
+        <p:nvSpPr>
+          <p:cNvPr id="2" name="Title 1"/>
+          <p:cNvSpPr>
+            <a:spLocks noGrp="1"/>
+          </p:cNvSpPr>
+          <p:nvPr>
+            <p:ph type="title"/>
+          </p:nvPr>
+        </p:nvSpPr>
+        <p:spPr/>
+        <p:txBody>
           <a:bodyPr>
             <a:normAutofit fontScale="90000"/>
           </a:bodyPr>
@@ -9157,7 +8559,17 @@
           <a:bodyPr/>
           <a:lstStyle/>
           <a:p>
-            <a:endParaRPr lang="en-US"/>
+            <a:r>
+              <a:rPr lang="en-US" dirty="0" smtClean="0"/>
+              <a:t>R is server speed too slow.</a:t>
+            </a:r>
+          </a:p>
+          <a:p>
+            <a:r>
+              <a:rPr lang="en-US" dirty="0" smtClean="0"/>
+              <a:t>T is </a:t>
+            </a:r>
+            <a:endParaRPr lang="en-US" dirty="0"/>
           </a:p>
         </p:txBody>
       </p:sp>
@@ -9170,7 +8582,7 @@
           <p:nvPr/>
         </p:nvPicPr>
         <p:blipFill>
-          <a:blip r:embed="rId2" cstate="print"/>
+          <a:blip r:embed="rId3" cstate="print"/>
           <a:srcRect/>
           <a:stretch>
             <a:fillRect/>
@@ -9208,7 +8620,7 @@
 </p:sld>
 </file>
 
-<file path=ppt/slides/slide24.xml><?xml version="1.0" encoding="utf-8"?>
+<file path=ppt/slides/slide21.xml><?xml version="1.0" encoding="utf-8"?>
 <p:sld xmlns:a="http://schemas.openxmlformats.org/drawingml/2006/main" xmlns:r="http://schemas.openxmlformats.org/officeDocument/2006/relationships" xmlns:p="http://schemas.openxmlformats.org/presentationml/2006/main">
   <p:cSld>
     <p:spTree>
@@ -9296,7 +8708,7 @@
 </p:sld>
 </file>
 
-<file path=ppt/slides/slide25.xml><?xml version="1.0" encoding="utf-8"?>
+<file path=ppt/slides/slide22.xml><?xml version="1.0" encoding="utf-8"?>
 <p:sld xmlns:a="http://schemas.openxmlformats.org/drawingml/2006/main" xmlns:r="http://schemas.openxmlformats.org/officeDocument/2006/relationships" xmlns:p="http://schemas.openxmlformats.org/presentationml/2006/main">
   <p:cSld>
     <p:spTree>
@@ -9454,7 +8866,7 @@
 </p:sld>
 </file>
 
-<file path=ppt/slides/slide26.xml><?xml version="1.0" encoding="utf-8"?>
+<file path=ppt/slides/slide23.xml><?xml version="1.0" encoding="utf-8"?>
 <p:sld xmlns:a="http://schemas.openxmlformats.org/drawingml/2006/main" xmlns:r="http://schemas.openxmlformats.org/officeDocument/2006/relationships" xmlns:p="http://schemas.openxmlformats.org/presentationml/2006/main">
   <p:cSld>
     <p:spTree>
@@ -9541,7 +8953,7 @@
 </p:sld>
 </file>
 
-<file path=ppt/slides/slide27.xml><?xml version="1.0" encoding="utf-8"?>
+<file path=ppt/slides/slide24.xml><?xml version="1.0" encoding="utf-8"?>
 <p:sld xmlns:a="http://schemas.openxmlformats.org/drawingml/2006/main" xmlns:r="http://schemas.openxmlformats.org/officeDocument/2006/relationships" xmlns:p="http://schemas.openxmlformats.org/presentationml/2006/main">
   <p:cSld>
     <p:spTree>
@@ -9687,7 +9099,7 @@
 </p:sld>
 </file>
 
-<file path=ppt/slides/slide28.xml><?xml version="1.0" encoding="utf-8"?>
+<file path=ppt/slides/slide25.xml><?xml version="1.0" encoding="utf-8"?>
 <p:sld xmlns:a="http://schemas.openxmlformats.org/drawingml/2006/main" xmlns:r="http://schemas.openxmlformats.org/officeDocument/2006/relationships" xmlns:p="http://schemas.openxmlformats.org/presentationml/2006/main">
   <p:cSld>
     <p:spTree>
@@ -9815,7 +9227,7 @@
 </p:sld>
 </file>
 
-<file path=ppt/slides/slide29.xml><?xml version="1.0" encoding="utf-8"?>
+<file path=ppt/slides/slide26.xml><?xml version="1.0" encoding="utf-8"?>
 <p:sld xmlns:a="http://schemas.openxmlformats.org/drawingml/2006/main" xmlns:r="http://schemas.openxmlformats.org/officeDocument/2006/relationships" xmlns:p="http://schemas.openxmlformats.org/presentationml/2006/main">
   <p:cSld>
     <p:spTree>
@@ -10016,102 +9428,7 @@
 </p:sld>
 </file>
 
-<file path=ppt/slides/slide3.xml><?xml version="1.0" encoding="utf-8"?>
-<p:sld xmlns:a="http://schemas.openxmlformats.org/drawingml/2006/main" xmlns:r="http://schemas.openxmlformats.org/officeDocument/2006/relationships" xmlns:p="http://schemas.openxmlformats.org/presentationml/2006/main">
-  <p:cSld>
-    <p:spTree>
-      <p:nvGrpSpPr>
-        <p:cNvPr id="1" name=""/>
-        <p:cNvGrpSpPr/>
-        <p:nvPr/>
-      </p:nvGrpSpPr>
-      <p:grpSpPr>
-        <a:xfrm>
-          <a:off x="0" y="0"/>
-          <a:ext cx="0" cy="0"/>
-          <a:chOff x="0" y="0"/>
-          <a:chExt cx="0" cy="0"/>
-        </a:xfrm>
-      </p:grpSpPr>
-      <p:sp>
-        <p:nvSpPr>
-          <p:cNvPr id="2" name="Title 1"/>
-          <p:cNvSpPr>
-            <a:spLocks noGrp="1"/>
-          </p:cNvSpPr>
-          <p:nvPr>
-            <p:ph type="title"/>
-          </p:nvPr>
-        </p:nvSpPr>
-        <p:spPr/>
-        <p:txBody>
-          <a:bodyPr/>
-          <a:lstStyle/>
-          <a:p>
-            <a:r>
-              <a:rPr lang="en-US" dirty="0" smtClean="0"/>
-              <a:t>Thanks!</a:t>
-            </a:r>
-            <a:endParaRPr lang="en-US" dirty="0"/>
-          </a:p>
-        </p:txBody>
-      </p:sp>
-      <p:sp>
-        <p:nvSpPr>
-          <p:cNvPr id="3" name="Content Placeholder 2"/>
-          <p:cNvSpPr>
-            <a:spLocks noGrp="1"/>
-          </p:cNvSpPr>
-          <p:nvPr>
-            <p:ph idx="1"/>
-          </p:nvPr>
-        </p:nvSpPr>
-        <p:spPr/>
-        <p:txBody>
-          <a:bodyPr>
-            <a:normAutofit/>
-          </a:bodyPr>
-          <a:lstStyle/>
-          <a:p>
-            <a:r>
-              <a:rPr lang="en-US" sz="1800" dirty="0" smtClean="0"/>
-              <a:t>Family</a:t>
-            </a:r>
-          </a:p>
-          <a:p>
-            <a:r>
-              <a:rPr lang="en-US" sz="1800" dirty="0" smtClean="0"/>
-              <a:t>Teachers</a:t>
-            </a:r>
-          </a:p>
-          <a:p>
-            <a:r>
-              <a:rPr lang="en-US" sz="1800" dirty="0" err="1" smtClean="0"/>
-              <a:t>wE</a:t>
-            </a:r>
-            <a:r>
-              <a:rPr lang="en-US" sz="1800" dirty="0" smtClean="0"/>
-              <a:t>\=f P'P= \ROVIDE A U966554F545DS6TFDV87654536:01 PM 4/5/20102 098YH6Ya	1W N.I </a:t>
-            </a:r>
-          </a:p>
-        </p:txBody>
-      </p:sp>
-    </p:spTree>
-  </p:cSld>
-  <p:clrMapOvr>
-    <a:masterClrMapping/>
-  </p:clrMapOvr>
-  <p:timing>
-    <p:tnLst>
-      <p:par>
-        <p:cTn id="1" dur="indefinite" restart="never" nodeType="tmRoot"/>
-      </p:par>
-    </p:tnLst>
-  </p:timing>
-</p:sld>
-</file>
-
-<file path=ppt/slides/slide30.xml><?xml version="1.0" encoding="utf-8"?>
+<file path=ppt/slides/slide27.xml><?xml version="1.0" encoding="utf-8"?>
 <p:sld xmlns:a="http://schemas.openxmlformats.org/drawingml/2006/main" xmlns:r="http://schemas.openxmlformats.org/officeDocument/2006/relationships" xmlns:p="http://schemas.openxmlformats.org/presentationml/2006/main">
   <p:cSld>
     <p:spTree>
@@ -10217,7 +9534,7 @@
 </p:sld>
 </file>
 
-<file path=ppt/slides/slide31.xml><?xml version="1.0" encoding="utf-8"?>
+<file path=ppt/slides/slide28.xml><?xml version="1.0" encoding="utf-8"?>
 <p:sld xmlns:a="http://schemas.openxmlformats.org/drawingml/2006/main" xmlns:r="http://schemas.openxmlformats.org/officeDocument/2006/relationships" xmlns:p="http://schemas.openxmlformats.org/presentationml/2006/main">
   <p:cSld>
     <p:spTree>
@@ -10418,7 +9735,7 @@
 </p:sld>
 </file>
 
-<file path=ppt/slides/slide32.xml><?xml version="1.0" encoding="utf-8"?>
+<file path=ppt/slides/slide29.xml><?xml version="1.0" encoding="utf-8"?>
 <p:sld xmlns:a="http://schemas.openxmlformats.org/drawingml/2006/main" xmlns:r="http://schemas.openxmlformats.org/officeDocument/2006/relationships" xmlns:p="http://schemas.openxmlformats.org/presentationml/2006/main">
   <p:cSld>
     <p:spTree>
@@ -10507,1733 +9824,7 @@
 </p:sld>
 </file>
 
-<file path=ppt/slides/slide33.xml><?xml version="1.0" encoding="utf-8"?>
-<p:sld xmlns:a="http://schemas.openxmlformats.org/drawingml/2006/main" xmlns:r="http://schemas.openxmlformats.org/officeDocument/2006/relationships" xmlns:p="http://schemas.openxmlformats.org/presentationml/2006/main">
-  <p:cSld>
-    <p:spTree>
-      <p:nvGrpSpPr>
-        <p:cNvPr id="1" name=""/>
-        <p:cNvGrpSpPr/>
-        <p:nvPr/>
-      </p:nvGrpSpPr>
-      <p:grpSpPr>
-        <a:xfrm>
-          <a:off x="0" y="0"/>
-          <a:ext cx="0" cy="0"/>
-          <a:chOff x="0" y="0"/>
-          <a:chExt cx="0" cy="0"/>
-        </a:xfrm>
-      </p:grpSpPr>
-      <p:sp>
-        <p:nvSpPr>
-          <p:cNvPr id="2" name="Title 1"/>
-          <p:cNvSpPr>
-            <a:spLocks noGrp="1"/>
-          </p:cNvSpPr>
-          <p:nvPr>
-            <p:ph type="title"/>
-          </p:nvPr>
-        </p:nvSpPr>
-        <p:spPr/>
-        <p:txBody>
-          <a:bodyPr/>
-          <a:lstStyle/>
-          <a:p>
-            <a:r>
-              <a:rPr lang="en-US" dirty="0" smtClean="0"/>
-              <a:t>Peer connection</a:t>
-            </a:r>
-            <a:endParaRPr lang="en-US" dirty="0"/>
-          </a:p>
-        </p:txBody>
-      </p:sp>
-      <p:sp>
-        <p:nvSpPr>
-          <p:cNvPr id="3" name="Content Placeholder 2"/>
-          <p:cNvSpPr>
-            <a:spLocks noGrp="1"/>
-          </p:cNvSpPr>
-          <p:nvPr>
-            <p:ph idx="1"/>
-          </p:nvPr>
-        </p:nvSpPr>
-        <p:spPr>
-          <a:xfrm>
-            <a:off x="457200" y="5456237"/>
-            <a:ext cx="8229600" cy="1401763"/>
-          </a:xfrm>
-        </p:spPr>
-        <p:txBody>
-          <a:bodyPr/>
-          <a:lstStyle/>
-          <a:p>
-            <a:r>
-              <a:rPr lang="en-US" dirty="0" smtClean="0"/>
-              <a:t>30 MB file.</a:t>
-            </a:r>
-          </a:p>
-        </p:txBody>
-      </p:sp>
-      <p:pic>
-        <p:nvPicPr>
-          <p:cNvPr id="15362" name="Picture 2"/>
-          <p:cNvPicPr>
-            <a:picLocks noChangeAspect="1" noChangeArrowheads="1"/>
-          </p:cNvPicPr>
-          <p:nvPr/>
-        </p:nvPicPr>
-        <p:blipFill>
-          <a:blip r:embed="rId2" cstate="print"/>
-          <a:srcRect/>
-          <a:stretch>
-            <a:fillRect/>
-          </a:stretch>
-        </p:blipFill>
-        <p:spPr bwMode="auto">
-          <a:xfrm>
-            <a:off x="990600" y="1143000"/>
-            <a:ext cx="6629400" cy="4447012"/>
-          </a:xfrm>
-          <a:prstGeom prst="rect">
-            <a:avLst/>
-          </a:prstGeom>
-          <a:noFill/>
-          <a:ln w="9525">
-            <a:noFill/>
-            <a:miter lim="800000"/>
-            <a:headEnd/>
-            <a:tailEnd/>
-          </a:ln>
-        </p:spPr>
-      </p:pic>
-    </p:spTree>
-  </p:cSld>
-  <p:clrMapOvr>
-    <a:masterClrMapping/>
-  </p:clrMapOvr>
-  <p:timing>
-    <p:tnLst>
-      <p:par>
-        <p:cTn id="1" dur="indefinite" restart="never" nodeType="tmRoot"/>
-      </p:par>
-    </p:tnLst>
-  </p:timing>
-</p:sld>
-</file>
-
-<file path=ppt/slides/slide34.xml><?xml version="1.0" encoding="utf-8"?>
-<p:sld xmlns:a="http://schemas.openxmlformats.org/drawingml/2006/main" xmlns:r="http://schemas.openxmlformats.org/officeDocument/2006/relationships" xmlns:p="http://schemas.openxmlformats.org/presentationml/2006/main">
-  <p:cSld>
-    <p:spTree>
-      <p:nvGrpSpPr>
-        <p:cNvPr id="1" name=""/>
-        <p:cNvGrpSpPr/>
-        <p:nvPr/>
-      </p:nvGrpSpPr>
-      <p:grpSpPr>
-        <a:xfrm>
-          <a:off x="0" y="0"/>
-          <a:ext cx="0" cy="0"/>
-          <a:chOff x="0" y="0"/>
-          <a:chExt cx="0" cy="0"/>
-        </a:xfrm>
-      </p:grpSpPr>
-      <p:sp>
-        <p:nvSpPr>
-          <p:cNvPr id="2" name="Title 1"/>
-          <p:cNvSpPr>
-            <a:spLocks noGrp="1"/>
-          </p:cNvSpPr>
-          <p:nvPr>
-            <p:ph type="title"/>
-          </p:nvPr>
-        </p:nvSpPr>
-        <p:spPr/>
-        <p:txBody>
-          <a:bodyPr/>
-          <a:lstStyle/>
-          <a:p>
-            <a:r>
-              <a:rPr lang="en-US" dirty="0" smtClean="0"/>
-              <a:t>With Large Files</a:t>
-            </a:r>
-            <a:endParaRPr lang="en-US" dirty="0"/>
-          </a:p>
-        </p:txBody>
-      </p:sp>
-      <p:pic>
-        <p:nvPicPr>
-          <p:cNvPr id="14338" name="Picture 2"/>
-          <p:cNvPicPr>
-            <a:picLocks noGrp="1" noChangeAspect="1" noChangeArrowheads="1"/>
-          </p:cNvPicPr>
-          <p:nvPr>
-            <p:ph idx="1"/>
-          </p:nvPr>
-        </p:nvPicPr>
-        <p:blipFill>
-          <a:blip r:embed="rId3" cstate="print"/>
-          <a:srcRect/>
-          <a:stretch>
-            <a:fillRect/>
-          </a:stretch>
-        </p:blipFill>
-        <p:spPr bwMode="auto">
-          <a:xfrm>
-            <a:off x="1676400" y="1066800"/>
-            <a:ext cx="5734050" cy="2495550"/>
-          </a:xfrm>
-          <a:prstGeom prst="rect">
-            <a:avLst/>
-          </a:prstGeom>
-          <a:noFill/>
-          <a:ln w="9525">
-            <a:noFill/>
-            <a:miter lim="800000"/>
-            <a:headEnd/>
-            <a:tailEnd/>
-          </a:ln>
-        </p:spPr>
-      </p:pic>
-      <p:sp>
-        <p:nvSpPr>
-          <p:cNvPr id="5" name="Content Placeholder 2"/>
-          <p:cNvSpPr txBox="1">
-            <a:spLocks/>
-          </p:cNvSpPr>
-          <p:nvPr/>
-        </p:nvSpPr>
-        <p:spPr>
-          <a:xfrm>
-            <a:off x="457200" y="6157118"/>
-            <a:ext cx="8229600" cy="1401763"/>
-          </a:xfrm>
-          <a:prstGeom prst="rect">
-            <a:avLst/>
-          </a:prstGeom>
-        </p:spPr>
-        <p:txBody>
-          <a:bodyPr vert="horz" lIns="91440" tIns="45720" rIns="91440" bIns="45720" rtlCol="0">
-            <a:normAutofit/>
-          </a:bodyPr>
-          <a:lstStyle/>
-          <a:p>
-            <a:pPr marL="342900" marR="0" lvl="0" indent="-342900" algn="l" defTabSz="914400" rtl="0" eaLnBrk="1" fontAlgn="auto" latinLnBrk="0" hangingPunct="1">
-              <a:lnSpc>
-                <a:spcPct val="100000"/>
-              </a:lnSpc>
-              <a:spcBef>
-                <a:spcPct val="20000"/>
-              </a:spcBef>
-              <a:spcAft>
-                <a:spcPts val="0"/>
-              </a:spcAft>
-              <a:buClrTx/>
-              <a:buSzTx/>
-              <a:buFont typeface="Arial" pitchFamily="34" charset="0"/>
-              <a:buChar char="•"/>
-              <a:tabLst/>
-              <a:defRPr/>
-            </a:pPr>
-            <a:r>
-              <a:rPr kumimoji="0" lang="en-US" sz="3200" b="0" i="0" u="none" strike="noStrike" kern="1200" cap="none" spc="0" normalizeH="0" baseline="0" noProof="0" dirty="0" smtClean="0">
-                <a:ln>
-                  <a:noFill/>
-                </a:ln>
-                <a:solidFill>
-                  <a:schemeClr val="tx1"/>
-                </a:solidFill>
-                <a:effectLst/>
-                <a:uLnTx/>
-                <a:uFillTx/>
-                <a:latin typeface="+mn-lt"/>
-                <a:ea typeface="+mn-ea"/>
-                <a:cs typeface="+mn-cs"/>
-              </a:rPr>
-              <a:t>Fast once it gets started</a:t>
-            </a:r>
-            <a:r>
-              <a:rPr kumimoji="0" lang="en-US" sz="3200" b="0" i="0" u="none" strike="noStrike" kern="1200" cap="none" spc="0" normalizeH="0" noProof="0" dirty="0" smtClean="0">
-                <a:ln>
-                  <a:noFill/>
-                </a:ln>
-                <a:solidFill>
-                  <a:schemeClr val="tx1"/>
-                </a:solidFill>
-                <a:effectLst/>
-                <a:uLnTx/>
-                <a:uFillTx/>
-                <a:latin typeface="+mn-lt"/>
-                <a:ea typeface="+mn-ea"/>
-                <a:cs typeface="+mn-cs"/>
-              </a:rPr>
-              <a:t> for both.</a:t>
-            </a:r>
-            <a:endParaRPr kumimoji="0" lang="en-US" sz="3200" b="0" i="0" u="none" strike="noStrike" kern="1200" cap="none" spc="0" normalizeH="0" baseline="0" noProof="0" dirty="0" smtClean="0">
-              <a:ln>
-                <a:noFill/>
-              </a:ln>
-              <a:solidFill>
-                <a:schemeClr val="tx1"/>
-              </a:solidFill>
-              <a:effectLst/>
-              <a:uLnTx/>
-              <a:uFillTx/>
-              <a:latin typeface="+mn-lt"/>
-              <a:ea typeface="+mn-ea"/>
-              <a:cs typeface="+mn-cs"/>
-            </a:endParaRPr>
-          </a:p>
-        </p:txBody>
-      </p:sp>
-      <p:pic>
-        <p:nvPicPr>
-          <p:cNvPr id="16386" name="Picture 2"/>
-          <p:cNvPicPr>
-            <a:picLocks noChangeAspect="1" noChangeArrowheads="1"/>
-          </p:cNvPicPr>
-          <p:nvPr/>
-        </p:nvPicPr>
-        <p:blipFill>
-          <a:blip r:embed="rId4" cstate="print"/>
-          <a:srcRect/>
-          <a:stretch>
-            <a:fillRect/>
-          </a:stretch>
-        </p:blipFill>
-        <p:spPr bwMode="auto">
-          <a:xfrm>
-            <a:off x="2286000" y="3505200"/>
-            <a:ext cx="4572000" cy="2744064"/>
-          </a:xfrm>
-          <a:prstGeom prst="rect">
-            <a:avLst/>
-          </a:prstGeom>
-          <a:noFill/>
-          <a:ln w="9525">
-            <a:noFill/>
-            <a:miter lim="800000"/>
-            <a:headEnd/>
-            <a:tailEnd/>
-          </a:ln>
-        </p:spPr>
-      </p:pic>
-    </p:spTree>
-  </p:cSld>
-  <p:clrMapOvr>
-    <a:masterClrMapping/>
-  </p:clrMapOvr>
-  <p:timing>
-    <p:tnLst>
-      <p:par>
-        <p:cTn id="1" dur="indefinite" restart="never" nodeType="tmRoot"/>
-      </p:par>
-    </p:tnLst>
-  </p:timing>
-</p:sld>
-</file>
-
-<file path=ppt/slides/slide35.xml><?xml version="1.0" encoding="utf-8"?>
-<p:sld xmlns:a="http://schemas.openxmlformats.org/drawingml/2006/main" xmlns:r="http://schemas.openxmlformats.org/officeDocument/2006/relationships" xmlns:p="http://schemas.openxmlformats.org/presentationml/2006/main">
-  <p:cSld>
-    <p:spTree>
-      <p:nvGrpSpPr>
-        <p:cNvPr id="1" name=""/>
-        <p:cNvGrpSpPr/>
-        <p:nvPr/>
-      </p:nvGrpSpPr>
-      <p:grpSpPr>
-        <a:xfrm>
-          <a:off x="0" y="0"/>
-          <a:ext cx="0" cy="0"/>
-          <a:chOff x="0" y="0"/>
-          <a:chExt cx="0" cy="0"/>
-        </a:xfrm>
-      </p:grpSpPr>
-      <p:sp>
-        <p:nvSpPr>
-          <p:cNvPr id="2" name="Title 1"/>
-          <p:cNvSpPr>
-            <a:spLocks noGrp="1"/>
-          </p:cNvSpPr>
-          <p:nvPr>
-            <p:ph type="title"/>
-          </p:nvPr>
-        </p:nvSpPr>
-        <p:spPr/>
-        <p:txBody>
-          <a:bodyPr>
-            <a:normAutofit fontScale="90000"/>
-          </a:bodyPr>
-          <a:lstStyle/>
-          <a:p>
-            <a:r>
-              <a:rPr lang="en-US" dirty="0" err="1" smtClean="0"/>
-              <a:t>BitTorrent’s</a:t>
-            </a:r>
-            <a:r>
-              <a:rPr lang="en-US" dirty="0" smtClean="0"/>
-              <a:t> Large File Optimizations</a:t>
-            </a:r>
-            <a:endParaRPr lang="en-US" dirty="0"/>
-          </a:p>
-        </p:txBody>
-      </p:sp>
-      <p:sp>
-        <p:nvSpPr>
-          <p:cNvPr id="3" name="Content Placeholder 2"/>
-          <p:cNvSpPr>
-            <a:spLocks noGrp="1"/>
-          </p:cNvSpPr>
-          <p:nvPr>
-            <p:ph idx="1"/>
-          </p:nvPr>
-        </p:nvSpPr>
-        <p:spPr/>
-        <p:txBody>
-          <a:bodyPr/>
-          <a:lstStyle/>
-          <a:p>
-            <a:r>
-              <a:rPr lang="en-US" dirty="0" smtClean="0"/>
-              <a:t>Seeds limit outgoing connections.</a:t>
-            </a:r>
-          </a:p>
-          <a:p>
-            <a:r>
-              <a:rPr lang="en-US" dirty="0" smtClean="0"/>
-              <a:t>Favors stronger connections.</a:t>
-            </a:r>
-          </a:p>
-          <a:p>
-            <a:r>
-              <a:rPr lang="en-US" dirty="0" smtClean="0"/>
-              <a:t>Dedicated tracker.</a:t>
-            </a:r>
-          </a:p>
-          <a:p>
-            <a:r>
-              <a:rPr lang="en-US" dirty="0" smtClean="0"/>
-              <a:t>Rarest Block First.</a:t>
-            </a:r>
-            <a:endParaRPr lang="en-US" dirty="0"/>
-          </a:p>
-        </p:txBody>
-      </p:sp>
-    </p:spTree>
-  </p:cSld>
-  <p:clrMapOvr>
-    <a:masterClrMapping/>
-  </p:clrMapOvr>
-  <p:timing>
-    <p:tnLst>
-      <p:par>
-        <p:cTn id="1" dur="indefinite" restart="never" nodeType="tmRoot"/>
-      </p:par>
-    </p:tnLst>
-  </p:timing>
-</p:sld>
-</file>
-
-<file path=ppt/slides/slide36.xml><?xml version="1.0" encoding="utf-8"?>
-<p:sld xmlns:a="http://schemas.openxmlformats.org/drawingml/2006/main" xmlns:r="http://schemas.openxmlformats.org/officeDocument/2006/relationships" xmlns:p="http://schemas.openxmlformats.org/presentationml/2006/main">
-  <p:cSld>
-    <p:spTree>
-      <p:nvGrpSpPr>
-        <p:cNvPr id="1" name=""/>
-        <p:cNvGrpSpPr/>
-        <p:nvPr/>
-      </p:nvGrpSpPr>
-      <p:grpSpPr>
-        <a:xfrm>
-          <a:off x="0" y="0"/>
-          <a:ext cx="0" cy="0"/>
-          <a:chOff x="0" y="0"/>
-          <a:chExt cx="0" cy="0"/>
-        </a:xfrm>
-      </p:grpSpPr>
-      <p:sp>
-        <p:nvSpPr>
-          <p:cNvPr id="2" name="Title 1"/>
-          <p:cNvSpPr>
-            <a:spLocks noGrp="1"/>
-          </p:cNvSpPr>
-          <p:nvPr>
-            <p:ph type="title"/>
-          </p:nvPr>
-        </p:nvSpPr>
-        <p:spPr/>
-        <p:txBody>
-          <a:bodyPr/>
-          <a:lstStyle/>
-          <a:p>
-            <a:r>
-              <a:rPr lang="en-US" dirty="0" smtClean="0"/>
-              <a:t>Conclusion</a:t>
-            </a:r>
-            <a:endParaRPr lang="en-US" dirty="0"/>
-          </a:p>
-        </p:txBody>
-      </p:sp>
-      <p:sp>
-        <p:nvSpPr>
-          <p:cNvPr id="3" name="Content Placeholder 2"/>
-          <p:cNvSpPr>
-            <a:spLocks noGrp="1"/>
-          </p:cNvSpPr>
-          <p:nvPr>
-            <p:ph idx="1"/>
-          </p:nvPr>
-        </p:nvSpPr>
-        <p:spPr/>
-        <p:txBody>
-          <a:bodyPr>
-            <a:normAutofit fontScale="70000" lnSpcReduction="20000"/>
-          </a:bodyPr>
-          <a:lstStyle/>
-          <a:p>
-            <a:r>
-              <a:rPr lang="en-US" dirty="0" smtClean="0"/>
-              <a:t>Feasible transition.</a:t>
-            </a:r>
-          </a:p>
-          <a:p>
-            <a:r>
-              <a:rPr lang="en-US" dirty="0" smtClean="0"/>
-              <a:t>Feasible swarming download.</a:t>
-            </a:r>
-          </a:p>
-          <a:p>
-            <a:pPr lvl="1"/>
-            <a:r>
-              <a:rPr lang="en-US" dirty="0" smtClean="0"/>
-              <a:t>30 x as fast for small files (flash flood).</a:t>
-            </a:r>
-          </a:p>
-          <a:p>
-            <a:pPr lvl="1"/>
-            <a:r>
-              <a:rPr lang="en-US" dirty="0" smtClean="0"/>
-              <a:t>Backs off server</a:t>
-            </a:r>
-          </a:p>
-          <a:p>
-            <a:r>
-              <a:rPr lang="en-US" dirty="0" smtClean="0"/>
-              <a:t>Make swarming more usable/adoptable</a:t>
-            </a:r>
-          </a:p>
-          <a:p>
-            <a:pPr lvl="1"/>
-            <a:r>
-              <a:rPr lang="en-US" dirty="0" smtClean="0"/>
-              <a:t>Small files</a:t>
-            </a:r>
-          </a:p>
-          <a:p>
-            <a:pPr lvl="1"/>
-            <a:r>
-              <a:rPr lang="en-US" dirty="0" smtClean="0"/>
-              <a:t>Non tracked files</a:t>
-            </a:r>
-          </a:p>
-          <a:p>
-            <a:r>
-              <a:rPr lang="en-US" dirty="0" smtClean="0"/>
-              <a:t>Best settings</a:t>
-            </a:r>
-          </a:p>
-          <a:p>
-            <a:pPr lvl="1"/>
-            <a:r>
-              <a:rPr lang="en-US" dirty="0" smtClean="0"/>
-              <a:t>T: 0.75 s</a:t>
-            </a:r>
-          </a:p>
-          <a:p>
-            <a:pPr lvl="1"/>
-            <a:r>
-              <a:rPr lang="en-US" dirty="0" smtClean="0"/>
-              <a:t>R: 160 KB/s</a:t>
-            </a:r>
-          </a:p>
-          <a:p>
-            <a:pPr lvl="1"/>
-            <a:r>
-              <a:rPr lang="en-US" dirty="0" smtClean="0"/>
-              <a:t>32 KB blocks</a:t>
-            </a:r>
-          </a:p>
-          <a:p>
-            <a:pPr lvl="1"/>
-            <a:r>
-              <a:rPr lang="en-US" dirty="0" smtClean="0"/>
-              <a:t>Peer limit: 16</a:t>
-            </a:r>
-          </a:p>
-          <a:p>
-            <a:pPr lvl="1"/>
-            <a:r>
-              <a:rPr lang="en-US" dirty="0" smtClean="0"/>
-              <a:t>Linger: 16 s</a:t>
-            </a:r>
-          </a:p>
-          <a:p>
-            <a:pPr lvl="1">
-              <a:buNone/>
-            </a:pPr>
-            <a:endParaRPr lang="en-US" dirty="0" smtClean="0"/>
-          </a:p>
-        </p:txBody>
-      </p:sp>
-    </p:spTree>
-  </p:cSld>
-  <p:clrMapOvr>
-    <a:masterClrMapping/>
-  </p:clrMapOvr>
-  <p:timing>
-    <p:tnLst>
-      <p:par>
-        <p:cTn id="1" dur="indefinite" restart="never" nodeType="tmRoot"/>
-      </p:par>
-    </p:tnLst>
-  </p:timing>
-</p:sld>
-</file>
-
-<file path=ppt/slides/slide37.xml><?xml version="1.0" encoding="utf-8"?>
-<p:sld xmlns:a="http://schemas.openxmlformats.org/drawingml/2006/main" xmlns:r="http://schemas.openxmlformats.org/officeDocument/2006/relationships" xmlns:p="http://schemas.openxmlformats.org/presentationml/2006/main">
-  <p:cSld>
-    <p:spTree>
-      <p:nvGrpSpPr>
-        <p:cNvPr id="1" name=""/>
-        <p:cNvGrpSpPr/>
-        <p:nvPr/>
-      </p:nvGrpSpPr>
-      <p:grpSpPr>
-        <a:xfrm>
-          <a:off x="0" y="0"/>
-          <a:ext cx="0" cy="0"/>
-          <a:chOff x="0" y="0"/>
-          <a:chExt cx="0" cy="0"/>
-        </a:xfrm>
-      </p:grpSpPr>
-      <p:sp>
-        <p:nvSpPr>
-          <p:cNvPr id="2" name="Title 1"/>
-          <p:cNvSpPr>
-            <a:spLocks noGrp="1"/>
-          </p:cNvSpPr>
-          <p:nvPr>
-            <p:ph type="title"/>
-          </p:nvPr>
-        </p:nvSpPr>
-        <p:spPr/>
-        <p:txBody>
-          <a:bodyPr/>
-          <a:lstStyle/>
-          <a:p>
-            <a:r>
-              <a:rPr lang="en-US" dirty="0" smtClean="0"/>
-              <a:t>Automatic Swarming -- Goals</a:t>
-            </a:r>
-            <a:endParaRPr lang="en-US" dirty="0"/>
-          </a:p>
-        </p:txBody>
-      </p:sp>
-      <p:sp>
-        <p:nvSpPr>
-          <p:cNvPr id="3" name="Content Placeholder 2"/>
-          <p:cNvSpPr>
-            <a:spLocks noGrp="1"/>
-          </p:cNvSpPr>
-          <p:nvPr>
-            <p:ph idx="1"/>
-          </p:nvPr>
-        </p:nvSpPr>
-        <p:spPr/>
-        <p:txBody>
-          <a:bodyPr/>
-          <a:lstStyle/>
-          <a:p>
-            <a:r>
-              <a:rPr lang="en-US" dirty="0" smtClean="0"/>
-              <a:t>Work for any file on any server without configuration.</a:t>
-            </a:r>
-          </a:p>
-          <a:p>
-            <a:r>
-              <a:rPr lang="en-US" dirty="0" smtClean="0"/>
-              <a:t>Easy for client use.</a:t>
-            </a:r>
-          </a:p>
-          <a:p>
-            <a:r>
-              <a:rPr lang="en-US" dirty="0" smtClean="0"/>
-              <a:t>No extra dedicated hardware.</a:t>
-            </a:r>
-          </a:p>
-          <a:p>
-            <a:r>
-              <a:rPr lang="en-US" dirty="0" smtClean="0"/>
-              <a:t>Work for small files.</a:t>
-            </a:r>
-          </a:p>
-          <a:p>
-            <a:r>
-              <a:rPr lang="en-US" dirty="0" smtClean="0"/>
-              <a:t>Non intrusive.</a:t>
-            </a:r>
-          </a:p>
-        </p:txBody>
-      </p:sp>
-    </p:spTree>
-  </p:cSld>
-  <p:clrMapOvr>
-    <a:masterClrMapping/>
-  </p:clrMapOvr>
-  <p:timing>
-    <p:tnLst>
-      <p:par>
-        <p:cTn id="1" dur="indefinite" restart="never" nodeType="tmRoot"/>
-      </p:par>
-    </p:tnLst>
-  </p:timing>
-</p:sld>
-</file>
-
-<file path=ppt/slides/slide38.xml><?xml version="1.0" encoding="utf-8"?>
-<p:sld xmlns:a="http://schemas.openxmlformats.org/drawingml/2006/main" xmlns:r="http://schemas.openxmlformats.org/officeDocument/2006/relationships" xmlns:p="http://schemas.openxmlformats.org/presentationml/2006/main">
-  <p:cSld>
-    <p:spTree>
-      <p:nvGrpSpPr>
-        <p:cNvPr id="1" name=""/>
-        <p:cNvGrpSpPr/>
-        <p:nvPr/>
-      </p:nvGrpSpPr>
-      <p:grpSpPr>
-        <a:xfrm>
-          <a:off x="0" y="0"/>
-          <a:ext cx="0" cy="0"/>
-          <a:chOff x="0" y="0"/>
-          <a:chExt cx="0" cy="0"/>
-        </a:xfrm>
-      </p:grpSpPr>
-      <p:sp>
-        <p:nvSpPr>
-          <p:cNvPr id="2" name="Title 1"/>
-          <p:cNvSpPr>
-            <a:spLocks noGrp="1"/>
-          </p:cNvSpPr>
-          <p:nvPr>
-            <p:ph type="title"/>
-          </p:nvPr>
-        </p:nvSpPr>
-        <p:spPr/>
-        <p:txBody>
-          <a:bodyPr/>
-          <a:lstStyle/>
-          <a:p>
-            <a:r>
-              <a:rPr lang="en-US" dirty="0" err="1" smtClean="0"/>
-              <a:t>BitTorrent’s</a:t>
-            </a:r>
-            <a:r>
-              <a:rPr lang="en-US" dirty="0" smtClean="0"/>
-              <a:t> failures</a:t>
-            </a:r>
-            <a:endParaRPr lang="en-US" dirty="0"/>
-          </a:p>
-        </p:txBody>
-      </p:sp>
-      <p:sp>
-        <p:nvSpPr>
-          <p:cNvPr id="3" name="Content Placeholder 2"/>
-          <p:cNvSpPr>
-            <a:spLocks noGrp="1"/>
-          </p:cNvSpPr>
-          <p:nvPr>
-            <p:ph idx="1"/>
-          </p:nvPr>
-        </p:nvSpPr>
-        <p:spPr/>
-        <p:txBody>
-          <a:bodyPr>
-            <a:normAutofit/>
-          </a:bodyPr>
-          <a:lstStyle/>
-          <a:p>
-            <a:r>
-              <a:rPr lang="en-US" dirty="0" smtClean="0"/>
-              <a:t>Server side.</a:t>
-            </a:r>
-          </a:p>
-          <a:p>
-            <a:pPr lvl="1"/>
-            <a:r>
-              <a:rPr lang="en-US" dirty="0" smtClean="0"/>
-              <a:t>Per File</a:t>
-            </a:r>
-          </a:p>
-          <a:p>
-            <a:pPr lvl="1"/>
-            <a:r>
-              <a:rPr lang="en-US" dirty="0" smtClean="0"/>
-              <a:t>Have to provide traditional anyway.</a:t>
-            </a:r>
-          </a:p>
-          <a:p>
-            <a:pPr lvl="2"/>
-            <a:r>
-              <a:rPr lang="en-US" dirty="0" smtClean="0"/>
-              <a:t>Lack of clients.</a:t>
-            </a:r>
-          </a:p>
-          <a:p>
-            <a:pPr lvl="1"/>
-            <a:r>
-              <a:rPr lang="en-US" dirty="0" smtClean="0"/>
-              <a:t>Stigma.</a:t>
-            </a:r>
-          </a:p>
-          <a:p>
-            <a:pPr lvl="1"/>
-            <a:r>
-              <a:rPr lang="en-US" dirty="0" smtClean="0"/>
-              <a:t>Extra maintenance.</a:t>
-            </a:r>
-          </a:p>
-          <a:p>
-            <a:pPr lvl="1"/>
-            <a:r>
-              <a:rPr lang="en-US" dirty="0" smtClean="0"/>
-              <a:t>Large Files.</a:t>
-            </a:r>
-          </a:p>
-          <a:p>
-            <a:pPr lvl="1"/>
-            <a:r>
-              <a:rPr lang="en-US" dirty="0" smtClean="0"/>
-              <a:t>Unknown demand.</a:t>
-            </a:r>
-          </a:p>
-        </p:txBody>
-      </p:sp>
-    </p:spTree>
-  </p:cSld>
-  <p:clrMapOvr>
-    <a:masterClrMapping/>
-  </p:clrMapOvr>
-  <p:timing>
-    <p:tnLst>
-      <p:par>
-        <p:cTn id="1" dur="indefinite" restart="never" nodeType="tmRoot"/>
-      </p:par>
-    </p:tnLst>
-  </p:timing>
-</p:sld>
-</file>
-
-<file path=ppt/slides/slide39.xml><?xml version="1.0" encoding="utf-8"?>
-<p:sld xmlns:a="http://schemas.openxmlformats.org/drawingml/2006/main" xmlns:r="http://schemas.openxmlformats.org/officeDocument/2006/relationships" xmlns:p="http://schemas.openxmlformats.org/presentationml/2006/main">
-  <p:cSld>
-    <p:spTree>
-      <p:nvGrpSpPr>
-        <p:cNvPr id="1" name=""/>
-        <p:cNvGrpSpPr/>
-        <p:nvPr/>
-      </p:nvGrpSpPr>
-      <p:grpSpPr>
-        <a:xfrm>
-          <a:off x="0" y="0"/>
-          <a:ext cx="0" cy="0"/>
-          <a:chOff x="0" y="0"/>
-          <a:chExt cx="0" cy="0"/>
-        </a:xfrm>
-      </p:grpSpPr>
-      <p:sp>
-        <p:nvSpPr>
-          <p:cNvPr id="2" name="Title 1"/>
-          <p:cNvSpPr>
-            <a:spLocks noGrp="1"/>
-          </p:cNvSpPr>
-          <p:nvPr>
-            <p:ph type="title"/>
-          </p:nvPr>
-        </p:nvSpPr>
-        <p:spPr/>
-        <p:txBody>
-          <a:bodyPr/>
-          <a:lstStyle/>
-          <a:p>
-            <a:r>
-              <a:rPr lang="en-US" dirty="0" err="1" smtClean="0"/>
-              <a:t>BitTorrent</a:t>
-            </a:r>
-            <a:r>
-              <a:rPr lang="en-US" dirty="0" smtClean="0"/>
-              <a:t> fails</a:t>
-            </a:r>
-            <a:endParaRPr lang="en-US" dirty="0"/>
-          </a:p>
-        </p:txBody>
-      </p:sp>
-      <p:sp>
-        <p:nvSpPr>
-          <p:cNvPr id="3" name="Content Placeholder 2"/>
-          <p:cNvSpPr>
-            <a:spLocks noGrp="1"/>
-          </p:cNvSpPr>
-          <p:nvPr>
-            <p:ph idx="1"/>
-          </p:nvPr>
-        </p:nvSpPr>
-        <p:spPr/>
-        <p:txBody>
-          <a:bodyPr>
-            <a:normAutofit fontScale="92500" lnSpcReduction="20000"/>
-          </a:bodyPr>
-          <a:lstStyle/>
-          <a:p>
-            <a:r>
-              <a:rPr lang="en-US" dirty="0" smtClean="0"/>
-              <a:t>Clients</a:t>
-            </a:r>
-          </a:p>
-          <a:p>
-            <a:pPr lvl="1"/>
-            <a:r>
-              <a:rPr lang="en-US" dirty="0" smtClean="0"/>
-              <a:t>Extra setup/time per file.</a:t>
-            </a:r>
-          </a:p>
-          <a:p>
-            <a:pPr lvl="2"/>
-            <a:r>
-              <a:rPr lang="en-US" dirty="0" smtClean="0"/>
-              <a:t>Small files</a:t>
-            </a:r>
-          </a:p>
-          <a:p>
-            <a:pPr lvl="1"/>
-            <a:r>
-              <a:rPr lang="en-US" dirty="0" smtClean="0"/>
-              <a:t>Techno </a:t>
-            </a:r>
-            <a:r>
-              <a:rPr lang="en-US" dirty="0" err="1" smtClean="0"/>
-              <a:t>intelligencia</a:t>
-            </a:r>
-            <a:endParaRPr lang="en-US" dirty="0" smtClean="0"/>
-          </a:p>
-          <a:p>
-            <a:pPr lvl="1"/>
-            <a:r>
-              <a:rPr lang="en-US" dirty="0" smtClean="0"/>
-              <a:t>Non integrated.</a:t>
-            </a:r>
-          </a:p>
-          <a:p>
-            <a:pPr lvl="2"/>
-            <a:r>
-              <a:rPr lang="en-US" dirty="0" smtClean="0"/>
-              <a:t>Manual.</a:t>
-            </a:r>
-          </a:p>
-          <a:p>
-            <a:pPr lvl="2"/>
-            <a:r>
-              <a:rPr lang="en-US" dirty="0" smtClean="0"/>
-              <a:t>Not HTTP optimized.</a:t>
-            </a:r>
-          </a:p>
-          <a:p>
-            <a:pPr lvl="1"/>
-            <a:r>
-              <a:rPr lang="en-US" dirty="0" smtClean="0"/>
-              <a:t>It should be ignored speed-wise</a:t>
-            </a:r>
-          </a:p>
-          <a:p>
-            <a:pPr lvl="2"/>
-            <a:r>
-              <a:rPr lang="en-US" dirty="0" smtClean="0"/>
-              <a:t>Duplicate</a:t>
-            </a:r>
-          </a:p>
-          <a:p>
-            <a:pPr lvl="2"/>
-            <a:r>
-              <a:rPr lang="en-US" dirty="0" smtClean="0"/>
-              <a:t>Costs time</a:t>
-            </a:r>
-          </a:p>
-          <a:p>
-            <a:pPr lvl="1"/>
-            <a:r>
-              <a:rPr lang="en-US" dirty="0" smtClean="0"/>
-              <a:t>Not available.</a:t>
-            </a:r>
-          </a:p>
-        </p:txBody>
-      </p:sp>
-    </p:spTree>
-  </p:cSld>
-  <p:clrMapOvr>
-    <a:masterClrMapping/>
-  </p:clrMapOvr>
-  <p:timing>
-    <p:tnLst>
-      <p:par>
-        <p:cTn id="1" dur="indefinite" restart="never" nodeType="tmRoot"/>
-      </p:par>
-    </p:tnLst>
-  </p:timing>
-</p:sld>
-</file>
-
-<file path=ppt/slides/slide4.xml><?xml version="1.0" encoding="utf-8"?>
-<p:sld xmlns:a="http://schemas.openxmlformats.org/drawingml/2006/main" xmlns:r="http://schemas.openxmlformats.org/officeDocument/2006/relationships" xmlns:p="http://schemas.openxmlformats.org/presentationml/2006/main">
-  <p:cSld>
-    <p:spTree>
-      <p:nvGrpSpPr>
-        <p:cNvPr id="1" name=""/>
-        <p:cNvGrpSpPr/>
-        <p:nvPr/>
-      </p:nvGrpSpPr>
-      <p:grpSpPr>
-        <a:xfrm>
-          <a:off x="0" y="0"/>
-          <a:ext cx="0" cy="0"/>
-          <a:chOff x="0" y="0"/>
-          <a:chExt cx="0" cy="0"/>
-        </a:xfrm>
-      </p:grpSpPr>
-      <p:sp>
-        <p:nvSpPr>
-          <p:cNvPr id="2" name="Title 1"/>
-          <p:cNvSpPr>
-            <a:spLocks noGrp="1"/>
-          </p:cNvSpPr>
-          <p:nvPr>
-            <p:ph type="title"/>
-          </p:nvPr>
-        </p:nvSpPr>
-        <p:spPr/>
-        <p:txBody>
-          <a:bodyPr/>
-          <a:lstStyle/>
-          <a:p>
-            <a:r>
-              <a:rPr lang="en-US" dirty="0" smtClean="0"/>
-              <a:t>Fast download</a:t>
-            </a:r>
-            <a:endParaRPr lang="en-US" dirty="0"/>
-          </a:p>
-        </p:txBody>
-      </p:sp>
-      <p:sp>
-        <p:nvSpPr>
-          <p:cNvPr id="3" name="Content Placeholder 2"/>
-          <p:cNvSpPr>
-            <a:spLocks noGrp="1"/>
-          </p:cNvSpPr>
-          <p:nvPr>
-            <p:ph idx="1"/>
-          </p:nvPr>
-        </p:nvSpPr>
-        <p:spPr/>
-        <p:txBody>
-          <a:bodyPr/>
-          <a:lstStyle/>
-          <a:p>
-            <a:endParaRPr lang="en-US"/>
-          </a:p>
-        </p:txBody>
-      </p:sp>
-      <p:pic>
-        <p:nvPicPr>
-          <p:cNvPr id="1028" name="Picture 4" descr="C:\Users\packrd\AppData\Local\Microsoft\Windows\Temporary Internet Files\Content.IE5\I9QEYR76\MCj04406450000[1].wmf"/>
-          <p:cNvPicPr>
-            <a:picLocks noChangeAspect="1" noChangeArrowheads="1"/>
-          </p:cNvPicPr>
-          <p:nvPr/>
-        </p:nvPicPr>
-        <p:blipFill>
-          <a:blip r:embed="rId3" cstate="print"/>
-          <a:srcRect/>
-          <a:stretch>
-            <a:fillRect/>
-          </a:stretch>
-        </p:blipFill>
-        <p:spPr bwMode="auto">
-          <a:xfrm>
-            <a:off x="6934200" y="228600"/>
-            <a:ext cx="1295400" cy="1295400"/>
-          </a:xfrm>
-          <a:prstGeom prst="rect">
-            <a:avLst/>
-          </a:prstGeom>
-          <a:noFill/>
-        </p:spPr>
-      </p:pic>
-      <p:pic>
-        <p:nvPicPr>
-          <p:cNvPr id="4" name="Picture 3"/>
-          <p:cNvPicPr>
-            <a:picLocks noChangeAspect="1" noChangeArrowheads="1"/>
-          </p:cNvPicPr>
-          <p:nvPr/>
-        </p:nvPicPr>
-        <p:blipFill>
-          <a:blip r:embed="rId4" cstate="print"/>
-          <a:srcRect/>
-          <a:stretch>
-            <a:fillRect/>
-          </a:stretch>
-        </p:blipFill>
-        <p:spPr bwMode="auto">
-          <a:xfrm>
-            <a:off x="381000" y="1524000"/>
-            <a:ext cx="8572500" cy="5715000"/>
-          </a:xfrm>
-          <a:prstGeom prst="rect">
-            <a:avLst/>
-          </a:prstGeom>
-          <a:noFill/>
-          <a:ln w="9525">
-            <a:noFill/>
-            <a:miter lim="800000"/>
-            <a:headEnd/>
-            <a:tailEnd/>
-          </a:ln>
-        </p:spPr>
-      </p:pic>
-    </p:spTree>
-  </p:cSld>
-  <p:clrMapOvr>
-    <a:masterClrMapping/>
-  </p:clrMapOvr>
-  <p:timing>
-    <p:tnLst>
-      <p:par>
-        <p:cTn id="1" dur="indefinite" restart="never" nodeType="tmRoot"/>
-      </p:par>
-    </p:tnLst>
-  </p:timing>
-</p:sld>
-</file>
-
-<file path=ppt/slides/slide40.xml><?xml version="1.0" encoding="utf-8"?>
-<p:sld xmlns:a="http://schemas.openxmlformats.org/drawingml/2006/main" xmlns:r="http://schemas.openxmlformats.org/officeDocument/2006/relationships" xmlns:p="http://schemas.openxmlformats.org/presentationml/2006/main">
-  <p:cSld>
-    <p:spTree>
-      <p:nvGrpSpPr>
-        <p:cNvPr id="1" name=""/>
-        <p:cNvGrpSpPr/>
-        <p:nvPr/>
-      </p:nvGrpSpPr>
-      <p:grpSpPr>
-        <a:xfrm>
-          <a:off x="0" y="0"/>
-          <a:ext cx="0" cy="0"/>
-          <a:chOff x="0" y="0"/>
-          <a:chExt cx="0" cy="0"/>
-        </a:xfrm>
-      </p:grpSpPr>
-      <p:sp>
-        <p:nvSpPr>
-          <p:cNvPr id="2" name="Title 1"/>
-          <p:cNvSpPr>
-            <a:spLocks noGrp="1"/>
-          </p:cNvSpPr>
-          <p:nvPr>
-            <p:ph type="title"/>
-          </p:nvPr>
-        </p:nvSpPr>
-        <p:spPr>
-          <a:xfrm>
-            <a:off x="-1143000" y="304800"/>
-            <a:ext cx="8229600" cy="1143000"/>
-          </a:xfrm>
-        </p:spPr>
-        <p:txBody>
-          <a:bodyPr>
-            <a:normAutofit/>
-          </a:bodyPr>
-          <a:lstStyle/>
-          <a:p>
-            <a:r>
-              <a:rPr lang="en-US" dirty="0" err="1" smtClean="0"/>
-              <a:t>BitTorrent</a:t>
-            </a:r>
-            <a:r>
-              <a:rPr lang="en-US" dirty="0" smtClean="0"/>
-              <a:t> can Fail</a:t>
-            </a:r>
-            <a:endParaRPr lang="en-US" dirty="0"/>
-          </a:p>
-        </p:txBody>
-      </p:sp>
-      <p:sp>
-        <p:nvSpPr>
-          <p:cNvPr id="3" name="Content Placeholder 2"/>
-          <p:cNvSpPr>
-            <a:spLocks noGrp="1"/>
-          </p:cNvSpPr>
-          <p:nvPr>
-            <p:ph idx="1"/>
-          </p:nvPr>
-        </p:nvSpPr>
-        <p:spPr/>
-        <p:txBody>
-          <a:bodyPr/>
-          <a:lstStyle/>
-          <a:p>
-            <a:r>
-              <a:rPr lang="en-US" dirty="0" smtClean="0"/>
-              <a:t>Not enough seeds.</a:t>
-            </a:r>
-          </a:p>
-          <a:p>
-            <a:r>
-              <a:rPr lang="en-US" dirty="0" smtClean="0"/>
-              <a:t>Closed ports.</a:t>
-            </a:r>
-          </a:p>
-          <a:p>
-            <a:r>
-              <a:rPr lang="en-US" dirty="0" smtClean="0"/>
-              <a:t>Tracker</a:t>
-            </a:r>
-          </a:p>
-          <a:p>
-            <a:r>
-              <a:rPr lang="en-US" dirty="0" smtClean="0"/>
-              <a:t>Extra files.</a:t>
-            </a:r>
-          </a:p>
-          <a:p>
-            <a:r>
-              <a:rPr lang="en-US" dirty="0" smtClean="0"/>
-              <a:t>Users don’t have client installed (chicken/egg).</a:t>
-            </a:r>
-          </a:p>
-          <a:p>
-            <a:r>
-              <a:rPr lang="en-US" dirty="0" smtClean="0"/>
-              <a:t>Clients aren’t configured to use HTTP.</a:t>
-            </a:r>
-          </a:p>
-        </p:txBody>
-      </p:sp>
-    </p:spTree>
-  </p:cSld>
-  <p:clrMapOvr>
-    <a:masterClrMapping/>
-  </p:clrMapOvr>
-  <p:timing>
-    <p:tnLst>
-      <p:par>
-        <p:cTn id="1" dur="indefinite" restart="never" nodeType="tmRoot"/>
-      </p:par>
-    </p:tnLst>
-  </p:timing>
-</p:sld>
-</file>
-
-<file path=ppt/slides/slide41.xml><?xml version="1.0" encoding="utf-8"?>
-<p:sld xmlns:a="http://schemas.openxmlformats.org/drawingml/2006/main" xmlns:r="http://schemas.openxmlformats.org/officeDocument/2006/relationships" xmlns:p="http://schemas.openxmlformats.org/presentationml/2006/main">
-  <p:cSld>
-    <p:spTree>
-      <p:nvGrpSpPr>
-        <p:cNvPr id="1" name=""/>
-        <p:cNvGrpSpPr/>
-        <p:nvPr/>
-      </p:nvGrpSpPr>
-      <p:grpSpPr>
-        <a:xfrm>
-          <a:off x="0" y="0"/>
-          <a:ext cx="0" cy="0"/>
-          <a:chOff x="0" y="0"/>
-          <a:chExt cx="0" cy="0"/>
-        </a:xfrm>
-      </p:grpSpPr>
-      <p:sp>
-        <p:nvSpPr>
-          <p:cNvPr id="2" name="Title 1"/>
-          <p:cNvSpPr>
-            <a:spLocks noGrp="1"/>
-          </p:cNvSpPr>
-          <p:nvPr>
-            <p:ph type="title"/>
-          </p:nvPr>
-        </p:nvSpPr>
-        <p:spPr/>
-        <p:txBody>
-          <a:bodyPr/>
-          <a:lstStyle/>
-          <a:p>
-            <a:r>
-              <a:rPr lang="en-US" dirty="0" smtClean="0"/>
-              <a:t>Original slowdown</a:t>
-            </a:r>
-            <a:endParaRPr lang="en-US" dirty="0"/>
-          </a:p>
-        </p:txBody>
-      </p:sp>
-      <p:pic>
-        <p:nvPicPr>
-          <p:cNvPr id="1026" name="Picture 2"/>
-          <p:cNvPicPr>
-            <a:picLocks noChangeAspect="1" noChangeArrowheads="1"/>
-          </p:cNvPicPr>
-          <p:nvPr/>
-        </p:nvPicPr>
-        <p:blipFill>
-          <a:blip r:embed="rId3" cstate="print"/>
-          <a:srcRect/>
-          <a:stretch>
-            <a:fillRect/>
-          </a:stretch>
-        </p:blipFill>
-        <p:spPr bwMode="auto">
-          <a:xfrm>
-            <a:off x="304800" y="4419600"/>
-            <a:ext cx="8505825" cy="1714500"/>
-          </a:xfrm>
-          <a:prstGeom prst="rect">
-            <a:avLst/>
-          </a:prstGeom>
-          <a:noFill/>
-          <a:ln w="9525">
-            <a:noFill/>
-            <a:miter lim="800000"/>
-            <a:headEnd/>
-            <a:tailEnd/>
-          </a:ln>
-        </p:spPr>
-      </p:pic>
-      <p:pic>
-        <p:nvPicPr>
-          <p:cNvPr id="1027" name="Picture 3"/>
-          <p:cNvPicPr>
-            <a:picLocks noChangeAspect="1" noChangeArrowheads="1"/>
-          </p:cNvPicPr>
-          <p:nvPr/>
-        </p:nvPicPr>
-        <p:blipFill>
-          <a:blip r:embed="rId4" cstate="print"/>
-          <a:srcRect/>
-          <a:stretch>
-            <a:fillRect/>
-          </a:stretch>
-        </p:blipFill>
-        <p:spPr bwMode="auto">
-          <a:xfrm>
-            <a:off x="228600" y="1371600"/>
-            <a:ext cx="7953375" cy="2486025"/>
-          </a:xfrm>
-          <a:prstGeom prst="rect">
-            <a:avLst/>
-          </a:prstGeom>
-          <a:noFill/>
-          <a:ln w="9525">
-            <a:noFill/>
-            <a:miter lim="800000"/>
-            <a:headEnd/>
-            <a:tailEnd/>
-          </a:ln>
-        </p:spPr>
-      </p:pic>
-    </p:spTree>
-  </p:cSld>
-  <p:clrMapOvr>
-    <a:masterClrMapping/>
-  </p:clrMapOvr>
-  <p:timing>
-    <p:tnLst>
-      <p:par>
-        <p:cTn id="1" dur="indefinite" restart="never" nodeType="tmRoot"/>
-      </p:par>
-    </p:tnLst>
-  </p:timing>
-</p:sld>
-</file>
-
-<file path=ppt/slides/slide42.xml><?xml version="1.0" encoding="utf-8"?>
-<p:sld xmlns:a="http://schemas.openxmlformats.org/drawingml/2006/main" xmlns:r="http://schemas.openxmlformats.org/officeDocument/2006/relationships" xmlns:p="http://schemas.openxmlformats.org/presentationml/2006/main">
-  <p:cSld>
-    <p:spTree>
-      <p:nvGrpSpPr>
-        <p:cNvPr id="1" name=""/>
-        <p:cNvGrpSpPr/>
-        <p:nvPr/>
-      </p:nvGrpSpPr>
-      <p:grpSpPr>
-        <a:xfrm>
-          <a:off x="0" y="0"/>
-          <a:ext cx="0" cy="0"/>
-          <a:chOff x="0" y="0"/>
-          <a:chExt cx="0" cy="0"/>
-        </a:xfrm>
-      </p:grpSpPr>
-      <p:sp>
-        <p:nvSpPr>
-          <p:cNvPr id="2" name="Title 1"/>
-          <p:cNvSpPr>
-            <a:spLocks noGrp="1"/>
-          </p:cNvSpPr>
-          <p:nvPr>
-            <p:ph type="title"/>
-          </p:nvPr>
-        </p:nvSpPr>
-        <p:spPr/>
-        <p:txBody>
-          <a:bodyPr/>
-          <a:lstStyle/>
-          <a:p>
-            <a:r>
-              <a:rPr lang="en-US" dirty="0" smtClean="0"/>
-              <a:t>Future Work</a:t>
-            </a:r>
-            <a:endParaRPr lang="en-US" dirty="0"/>
-          </a:p>
-        </p:txBody>
-      </p:sp>
-      <p:sp>
-        <p:nvSpPr>
-          <p:cNvPr id="3" name="Content Placeholder 2"/>
-          <p:cNvSpPr>
-            <a:spLocks noGrp="1"/>
-          </p:cNvSpPr>
-          <p:nvPr>
-            <p:ph idx="1"/>
-          </p:nvPr>
-        </p:nvSpPr>
-        <p:spPr/>
-        <p:txBody>
-          <a:bodyPr>
-            <a:normAutofit fontScale="77500" lnSpcReduction="20000"/>
-          </a:bodyPr>
-          <a:lstStyle/>
-          <a:p>
-            <a:r>
-              <a:rPr lang="en-US" dirty="0" smtClean="0"/>
-              <a:t>Back off the origin </a:t>
-            </a:r>
-            <a:r>
-              <a:rPr lang="en-US" dirty="0" smtClean="0"/>
-              <a:t>(optimize for large </a:t>
-            </a:r>
-            <a:r>
-              <a:rPr lang="en-US" dirty="0" smtClean="0"/>
-              <a:t>files).</a:t>
-            </a:r>
-          </a:p>
-          <a:p>
-            <a:r>
-              <a:rPr lang="en-US" dirty="0" smtClean="0"/>
-              <a:t>Validate Integrity.</a:t>
-            </a:r>
-          </a:p>
-          <a:p>
-            <a:r>
-              <a:rPr lang="en-US" dirty="0" smtClean="0"/>
-              <a:t>Better use of the </a:t>
-            </a:r>
-            <a:r>
-              <a:rPr lang="en-US" dirty="0" smtClean="0"/>
-              <a:t>DHT.</a:t>
-            </a:r>
-            <a:endParaRPr lang="en-US" dirty="0" smtClean="0"/>
-          </a:p>
-          <a:p>
-            <a:pPr lvl="1"/>
-            <a:r>
-              <a:rPr lang="en-US" dirty="0" smtClean="0"/>
-              <a:t>Fairness</a:t>
-            </a:r>
-          </a:p>
-          <a:p>
-            <a:pPr lvl="1"/>
-            <a:r>
-              <a:rPr lang="en-US" dirty="0" smtClean="0"/>
-              <a:t>Scalability</a:t>
-            </a:r>
-          </a:p>
-          <a:p>
-            <a:pPr lvl="1"/>
-            <a:r>
-              <a:rPr lang="en-US" dirty="0" smtClean="0"/>
-              <a:t>Staleness</a:t>
-            </a:r>
-            <a:endParaRPr lang="en-US" dirty="0" smtClean="0"/>
-          </a:p>
-          <a:p>
-            <a:r>
-              <a:rPr lang="en-US" dirty="0" smtClean="0"/>
-              <a:t>Dynamic selection of parameters.</a:t>
-            </a:r>
-          </a:p>
-          <a:p>
-            <a:r>
-              <a:rPr lang="en-US" dirty="0" smtClean="0"/>
-              <a:t>Incentives.</a:t>
-            </a:r>
-          </a:p>
-          <a:p>
-            <a:pPr lvl="1"/>
-            <a:r>
-              <a:rPr lang="en-US" dirty="0" err="1" smtClean="0"/>
-              <a:t>Gameable</a:t>
-            </a:r>
-            <a:r>
-              <a:rPr lang="en-US" dirty="0" smtClean="0"/>
-              <a:t>.</a:t>
-            </a:r>
-          </a:p>
-          <a:p>
-            <a:r>
-              <a:rPr lang="en-US" dirty="0" smtClean="0"/>
-              <a:t>Privacy.</a:t>
-            </a:r>
-          </a:p>
-          <a:p>
-            <a:r>
-              <a:rPr lang="en-US" dirty="0" smtClean="0"/>
-              <a:t>Mirrors.</a:t>
-            </a:r>
-          </a:p>
-          <a:p>
-            <a:r>
-              <a:rPr lang="en-US" dirty="0" smtClean="0"/>
-              <a:t>At least as fast as normal.</a:t>
-            </a:r>
-            <a:endParaRPr lang="en-US" dirty="0"/>
-          </a:p>
-        </p:txBody>
-      </p:sp>
-    </p:spTree>
-  </p:cSld>
-  <p:clrMapOvr>
-    <a:masterClrMapping/>
-  </p:clrMapOvr>
-  <p:timing>
-    <p:tnLst>
-      <p:par>
-        <p:cTn id="1" dur="indefinite" restart="never" nodeType="tmRoot"/>
-      </p:par>
-    </p:tnLst>
-  </p:timing>
-</p:sld>
-</file>
-
-<file path=ppt/slides/slide43.xml><?xml version="1.0" encoding="utf-8"?>
-<p:sld xmlns:a="http://schemas.openxmlformats.org/drawingml/2006/main" xmlns:r="http://schemas.openxmlformats.org/officeDocument/2006/relationships" xmlns:p="http://schemas.openxmlformats.org/presentationml/2006/main">
-  <p:cSld>
-    <p:spTree>
-      <p:nvGrpSpPr>
-        <p:cNvPr id="1" name=""/>
-        <p:cNvGrpSpPr/>
-        <p:nvPr/>
-      </p:nvGrpSpPr>
-      <p:grpSpPr>
-        <a:xfrm>
-          <a:off x="0" y="0"/>
-          <a:ext cx="0" cy="0"/>
-          <a:chOff x="0" y="0"/>
-          <a:chExt cx="0" cy="0"/>
-        </a:xfrm>
-      </p:grpSpPr>
-      <p:sp>
-        <p:nvSpPr>
-          <p:cNvPr id="2" name="Title 1"/>
-          <p:cNvSpPr>
-            <a:spLocks noGrp="1"/>
-          </p:cNvSpPr>
-          <p:nvPr>
-            <p:ph type="title"/>
-          </p:nvPr>
-        </p:nvSpPr>
-        <p:spPr/>
-        <p:txBody>
-          <a:bodyPr/>
-          <a:lstStyle/>
-          <a:p>
-            <a:r>
-              <a:rPr lang="en-US" dirty="0" smtClean="0"/>
-              <a:t>Other Problems</a:t>
-            </a:r>
-            <a:endParaRPr lang="en-US" dirty="0"/>
-          </a:p>
-        </p:txBody>
-      </p:sp>
-      <p:sp>
-        <p:nvSpPr>
-          <p:cNvPr id="3" name="Content Placeholder 2"/>
-          <p:cNvSpPr>
-            <a:spLocks noGrp="1"/>
-          </p:cNvSpPr>
-          <p:nvPr>
-            <p:ph idx="1"/>
-          </p:nvPr>
-        </p:nvSpPr>
-        <p:spPr/>
-        <p:txBody>
-          <a:bodyPr>
-            <a:normAutofit lnSpcReduction="10000"/>
-          </a:bodyPr>
-          <a:lstStyle/>
-          <a:p>
-            <a:r>
-              <a:rPr lang="en-US" smtClean="0"/>
-              <a:t>Still slow</a:t>
-            </a:r>
-            <a:r>
-              <a:rPr lang="en-US" dirty="0" smtClean="0"/>
-              <a:t>.</a:t>
-            </a:r>
-          </a:p>
-          <a:p>
-            <a:r>
-              <a:rPr lang="en-US" dirty="0" smtClean="0"/>
-              <a:t>Differentiate between static/non-static.</a:t>
-            </a:r>
-          </a:p>
-          <a:p>
-            <a:r>
-              <a:rPr lang="en-US" dirty="0" smtClean="0"/>
-              <a:t>Servers CPU bound.</a:t>
-            </a:r>
-          </a:p>
-          <a:p>
-            <a:r>
-              <a:rPr lang="en-US" dirty="0" smtClean="0"/>
-              <a:t>Greedy.</a:t>
-            </a:r>
-          </a:p>
-          <a:p>
-            <a:r>
-              <a:rPr lang="en-US" dirty="0" smtClean="0"/>
-              <a:t>Still has a chicken and egg problem (smaller).</a:t>
-            </a:r>
-          </a:p>
-          <a:p>
-            <a:r>
-              <a:rPr lang="en-US" dirty="0" smtClean="0"/>
-              <a:t>Prefers a slow peer to a medium fast origin.</a:t>
-            </a:r>
-          </a:p>
-          <a:p>
-            <a:r>
-              <a:rPr lang="en-US" dirty="0" smtClean="0"/>
-              <a:t>No intelligent peer selection</a:t>
-            </a:r>
-            <a:r>
-              <a:rPr lang="en-US" dirty="0" smtClean="0"/>
-              <a:t>.</a:t>
-            </a:r>
-          </a:p>
-          <a:p>
-            <a:r>
-              <a:rPr lang="en-US" dirty="0" smtClean="0"/>
-              <a:t>Poor last block.</a:t>
-            </a:r>
-            <a:endParaRPr lang="en-US" dirty="0" smtClean="0"/>
-          </a:p>
-        </p:txBody>
-      </p:sp>
-    </p:spTree>
-  </p:cSld>
-  <p:clrMapOvr>
-    <a:masterClrMapping/>
-  </p:clrMapOvr>
-  <p:timing>
-    <p:tnLst>
-      <p:par>
-        <p:cTn id="1" dur="indefinite" restart="never" nodeType="tmRoot"/>
-      </p:par>
-    </p:tnLst>
-  </p:timing>
-</p:sld>
-</file>
-
-<file path=ppt/slides/slide44.xml><?xml version="1.0" encoding="utf-8"?>
-<p:sld xmlns:a="http://schemas.openxmlformats.org/drawingml/2006/main" xmlns:r="http://schemas.openxmlformats.org/officeDocument/2006/relationships" xmlns:p="http://schemas.openxmlformats.org/presentationml/2006/main">
-  <p:cSld>
-    <p:spTree>
-      <p:nvGrpSpPr>
-        <p:cNvPr id="1" name=""/>
-        <p:cNvGrpSpPr/>
-        <p:nvPr/>
-      </p:nvGrpSpPr>
-      <p:grpSpPr>
-        <a:xfrm>
-          <a:off x="0" y="0"/>
-          <a:ext cx="0" cy="0"/>
-          <a:chOff x="0" y="0"/>
-          <a:chExt cx="0" cy="0"/>
-        </a:xfrm>
-      </p:grpSpPr>
-      <p:sp>
-        <p:nvSpPr>
-          <p:cNvPr id="2" name="Title 1"/>
-          <p:cNvSpPr>
-            <a:spLocks noGrp="1"/>
-          </p:cNvSpPr>
-          <p:nvPr>
-            <p:ph type="title"/>
-          </p:nvPr>
-        </p:nvSpPr>
-        <p:spPr/>
-        <p:txBody>
-          <a:bodyPr/>
-          <a:lstStyle/>
-          <a:p>
-            <a:r>
-              <a:rPr lang="en-US" dirty="0" smtClean="0"/>
-              <a:t>Questions</a:t>
-            </a:r>
-            <a:endParaRPr lang="en-US" dirty="0"/>
-          </a:p>
-        </p:txBody>
-      </p:sp>
-      <p:sp>
-        <p:nvSpPr>
-          <p:cNvPr id="4" name="Content Placeholder 3"/>
-          <p:cNvSpPr>
-            <a:spLocks noGrp="1"/>
-          </p:cNvSpPr>
-          <p:nvPr>
-            <p:ph idx="1"/>
-          </p:nvPr>
-        </p:nvSpPr>
-        <p:spPr/>
-        <p:txBody>
-          <a:bodyPr/>
-          <a:lstStyle/>
-          <a:p>
-            <a:endParaRPr lang="en-US"/>
-          </a:p>
-        </p:txBody>
-      </p:sp>
-    </p:spTree>
-  </p:cSld>
-  <p:clrMapOvr>
-    <a:masterClrMapping/>
-  </p:clrMapOvr>
-  <p:timing>
-    <p:tnLst>
-      <p:par>
-        <p:cTn id="1" dur="indefinite" restart="never" nodeType="tmRoot"/>
-      </p:par>
-    </p:tnLst>
-  </p:timing>
-</p:sld>
-</file>
-
-<file path=ppt/slides/slide5.xml><?xml version="1.0" encoding="utf-8"?>
+<file path=ppt/slides/slide3.xml><?xml version="1.0" encoding="utf-8"?>
 <p:sld xmlns:a="http://schemas.openxmlformats.org/drawingml/2006/main" xmlns:r="http://schemas.openxmlformats.org/officeDocument/2006/relationships" xmlns:p="http://schemas.openxmlformats.org/presentationml/2006/main">
   <p:cSld>
     <p:spTree>
@@ -12391,7 +9982,7 @@
             <a:pPr lvl="1"/>
             <a:r>
               <a:rPr lang="en-US" dirty="0" smtClean="0"/>
-              <a:t>Frustration</a:t>
+              <a:t>Relative frustration</a:t>
             </a:r>
           </a:p>
           <a:p>
@@ -12416,7 +10007,7 @@
             </a:pPr>
             <a:r>
               <a:rPr lang="en-US" dirty="0" smtClean="0"/>
-              <a:t>Under provisioned.</a:t>
+              <a:t>Server under-provisioned</a:t>
             </a:r>
           </a:p>
           <a:p>
@@ -12425,7 +10016,7 @@
             </a:pPr>
             <a:r>
               <a:rPr lang="en-US" dirty="0" smtClean="0"/>
-              <a:t>Too far.</a:t>
+              <a:t>Internet congestion</a:t>
             </a:r>
           </a:p>
           <a:p>
@@ -12434,7 +10025,7 @@
             </a:pPr>
             <a:r>
               <a:rPr lang="en-US" dirty="0" smtClean="0"/>
-              <a:t>Flash flood.</a:t>
+              <a:t>Flash crowd</a:t>
             </a:r>
             <a:endParaRPr lang="en-US" dirty="0"/>
           </a:p>
@@ -12455,7 +10046,7 @@
 </p:sld>
 </file>
 
-<file path=ppt/slides/slide6.xml><?xml version="1.0" encoding="utf-8"?>
+<file path=ppt/slides/slide30.xml><?xml version="1.0" encoding="utf-8"?>
 <p:sld xmlns:a="http://schemas.openxmlformats.org/drawingml/2006/main" xmlns:r="http://schemas.openxmlformats.org/officeDocument/2006/relationships" xmlns:p="http://schemas.openxmlformats.org/presentationml/2006/main">
   <p:cSld>
     <p:spTree>
@@ -12489,7 +10080,7 @@
           <a:p>
             <a:r>
               <a:rPr lang="en-US" dirty="0" smtClean="0"/>
-              <a:t>Your options</a:t>
+              <a:t>Peer connection</a:t>
             </a:r>
             <a:endParaRPr lang="en-US" dirty="0"/>
           </a:p>
@@ -12505,59 +10096,55 @@
             <p:ph idx="1"/>
           </p:nvPr>
         </p:nvSpPr>
-        <p:spPr/>
-        <p:txBody>
-          <a:bodyPr>
-            <a:normAutofit lnSpcReduction="10000"/>
-          </a:bodyPr>
-          <a:lstStyle/>
-          <a:p>
-            <a:r>
-              <a:rPr lang="en-US" dirty="0" smtClean="0"/>
-              <a:t>Hit reload.</a:t>
-            </a:r>
-          </a:p>
-          <a:p>
-            <a:r>
-              <a:rPr lang="en-US" dirty="0" smtClean="0"/>
-              <a:t>Wait around.</a:t>
-            </a:r>
-          </a:p>
-          <a:p>
-            <a:r>
-              <a:rPr lang="en-US" dirty="0" smtClean="0"/>
-              <a:t>Try somewhere else.</a:t>
-            </a:r>
-          </a:p>
-          <a:p>
-            <a:r>
-              <a:rPr lang="en-US" dirty="0" smtClean="0"/>
-              <a:t>Download Manager.</a:t>
-            </a:r>
-          </a:p>
-          <a:p>
-            <a:r>
-              <a:rPr lang="en-US" dirty="0" smtClean="0"/>
-              <a:t>Add a local caching proxy.</a:t>
-            </a:r>
-          </a:p>
-          <a:p>
-            <a:r>
-              <a:rPr lang="en-US" dirty="0" smtClean="0"/>
-              <a:t>Add local bandwidth.</a:t>
-            </a:r>
-          </a:p>
-          <a:p>
-            <a:r>
-              <a:rPr lang="en-US" dirty="0" smtClean="0"/>
-              <a:t>Beg the server to change how they serve the file.</a:t>
-            </a:r>
-          </a:p>
-          <a:p>
-            <a:endParaRPr lang="en-US" dirty="0" smtClean="0"/>
-          </a:p>
-        </p:txBody>
-      </p:sp>
+        <p:spPr>
+          <a:xfrm>
+            <a:off x="457200" y="5456237"/>
+            <a:ext cx="8229600" cy="1401763"/>
+          </a:xfrm>
+        </p:spPr>
+        <p:txBody>
+          <a:bodyPr/>
+          <a:lstStyle/>
+          <a:p>
+            <a:r>
+              <a:rPr lang="en-US" dirty="0" smtClean="0"/>
+              <a:t>30 MB file.</a:t>
+            </a:r>
+          </a:p>
+        </p:txBody>
+      </p:sp>
+      <p:pic>
+        <p:nvPicPr>
+          <p:cNvPr id="15362" name="Picture 2"/>
+          <p:cNvPicPr>
+            <a:picLocks noChangeAspect="1" noChangeArrowheads="1"/>
+          </p:cNvPicPr>
+          <p:nvPr/>
+        </p:nvPicPr>
+        <p:blipFill>
+          <a:blip r:embed="rId3" cstate="print"/>
+          <a:srcRect/>
+          <a:stretch>
+            <a:fillRect/>
+          </a:stretch>
+        </p:blipFill>
+        <p:spPr bwMode="auto">
+          <a:xfrm>
+            <a:off x="990600" y="1143000"/>
+            <a:ext cx="6629400" cy="4447012"/>
+          </a:xfrm>
+          <a:prstGeom prst="rect">
+            <a:avLst/>
+          </a:prstGeom>
+          <a:noFill/>
+          <a:ln w="9525">
+            <a:noFill/>
+            <a:miter lim="800000"/>
+            <a:headEnd/>
+            <a:tailEnd/>
+          </a:ln>
+        </p:spPr>
+      </p:pic>
     </p:spTree>
   </p:cSld>
   <p:clrMapOvr>
@@ -12573,7 +10160,821 @@
 </p:sld>
 </file>
 
-<file path=ppt/slides/slide7.xml><?xml version="1.0" encoding="utf-8"?>
+<file path=ppt/slides/slide31.xml><?xml version="1.0" encoding="utf-8"?>
+<p:sld xmlns:a="http://schemas.openxmlformats.org/drawingml/2006/main" xmlns:r="http://schemas.openxmlformats.org/officeDocument/2006/relationships" xmlns:p="http://schemas.openxmlformats.org/presentationml/2006/main">
+  <p:cSld>
+    <p:spTree>
+      <p:nvGrpSpPr>
+        <p:cNvPr id="1" name=""/>
+        <p:cNvGrpSpPr/>
+        <p:nvPr/>
+      </p:nvGrpSpPr>
+      <p:grpSpPr>
+        <a:xfrm>
+          <a:off x="0" y="0"/>
+          <a:ext cx="0" cy="0"/>
+          <a:chOff x="0" y="0"/>
+          <a:chExt cx="0" cy="0"/>
+        </a:xfrm>
+      </p:grpSpPr>
+      <p:sp>
+        <p:nvSpPr>
+          <p:cNvPr id="2" name="Title 1"/>
+          <p:cNvSpPr>
+            <a:spLocks noGrp="1"/>
+          </p:cNvSpPr>
+          <p:nvPr>
+            <p:ph type="title"/>
+          </p:nvPr>
+        </p:nvSpPr>
+        <p:spPr/>
+        <p:txBody>
+          <a:bodyPr/>
+          <a:lstStyle/>
+          <a:p>
+            <a:r>
+              <a:rPr lang="en-US" dirty="0" smtClean="0"/>
+              <a:t>With Large Files</a:t>
+            </a:r>
+            <a:endParaRPr lang="en-US" dirty="0"/>
+          </a:p>
+        </p:txBody>
+      </p:sp>
+      <p:pic>
+        <p:nvPicPr>
+          <p:cNvPr id="14338" name="Picture 2"/>
+          <p:cNvPicPr>
+            <a:picLocks noGrp="1" noChangeAspect="1" noChangeArrowheads="1"/>
+          </p:cNvPicPr>
+          <p:nvPr>
+            <p:ph idx="1"/>
+          </p:nvPr>
+        </p:nvPicPr>
+        <p:blipFill>
+          <a:blip r:embed="rId3" cstate="print"/>
+          <a:srcRect/>
+          <a:stretch>
+            <a:fillRect/>
+          </a:stretch>
+        </p:blipFill>
+        <p:spPr bwMode="auto">
+          <a:xfrm>
+            <a:off x="1676400" y="1066800"/>
+            <a:ext cx="5734050" cy="2495550"/>
+          </a:xfrm>
+          <a:prstGeom prst="rect">
+            <a:avLst/>
+          </a:prstGeom>
+          <a:noFill/>
+          <a:ln w="9525">
+            <a:noFill/>
+            <a:miter lim="800000"/>
+            <a:headEnd/>
+            <a:tailEnd/>
+          </a:ln>
+        </p:spPr>
+      </p:pic>
+      <p:sp>
+        <p:nvSpPr>
+          <p:cNvPr id="5" name="Content Placeholder 2"/>
+          <p:cNvSpPr txBox="1">
+            <a:spLocks/>
+          </p:cNvSpPr>
+          <p:nvPr/>
+        </p:nvSpPr>
+        <p:spPr>
+          <a:xfrm>
+            <a:off x="457200" y="6157118"/>
+            <a:ext cx="8229600" cy="1401763"/>
+          </a:xfrm>
+          <a:prstGeom prst="rect">
+            <a:avLst/>
+          </a:prstGeom>
+        </p:spPr>
+        <p:txBody>
+          <a:bodyPr vert="horz" lIns="91440" tIns="45720" rIns="91440" bIns="45720" rtlCol="0">
+            <a:normAutofit/>
+          </a:bodyPr>
+          <a:lstStyle/>
+          <a:p>
+            <a:pPr marL="342900" marR="0" lvl="0" indent="-342900" algn="l" defTabSz="914400" rtl="0" eaLnBrk="1" fontAlgn="auto" latinLnBrk="0" hangingPunct="1">
+              <a:lnSpc>
+                <a:spcPct val="100000"/>
+              </a:lnSpc>
+              <a:spcBef>
+                <a:spcPct val="20000"/>
+              </a:spcBef>
+              <a:spcAft>
+                <a:spcPts val="0"/>
+              </a:spcAft>
+              <a:buClrTx/>
+              <a:buSzTx/>
+              <a:buFont typeface="Arial" pitchFamily="34" charset="0"/>
+              <a:buChar char="•"/>
+              <a:tabLst/>
+              <a:defRPr/>
+            </a:pPr>
+            <a:r>
+              <a:rPr kumimoji="0" lang="en-US" sz="3200" b="0" i="0" u="none" strike="noStrike" kern="1200" cap="none" spc="0" normalizeH="0" baseline="0" noProof="0" dirty="0" smtClean="0">
+                <a:ln>
+                  <a:noFill/>
+                </a:ln>
+                <a:solidFill>
+                  <a:schemeClr val="tx1"/>
+                </a:solidFill>
+                <a:effectLst/>
+                <a:uLnTx/>
+                <a:uFillTx/>
+                <a:latin typeface="+mn-lt"/>
+                <a:ea typeface="+mn-ea"/>
+                <a:cs typeface="+mn-cs"/>
+              </a:rPr>
+              <a:t>Fast once it gets started</a:t>
+            </a:r>
+            <a:r>
+              <a:rPr kumimoji="0" lang="en-US" sz="3200" b="0" i="0" u="none" strike="noStrike" kern="1200" cap="none" spc="0" normalizeH="0" noProof="0" dirty="0" smtClean="0">
+                <a:ln>
+                  <a:noFill/>
+                </a:ln>
+                <a:solidFill>
+                  <a:schemeClr val="tx1"/>
+                </a:solidFill>
+                <a:effectLst/>
+                <a:uLnTx/>
+                <a:uFillTx/>
+                <a:latin typeface="+mn-lt"/>
+                <a:ea typeface="+mn-ea"/>
+                <a:cs typeface="+mn-cs"/>
+              </a:rPr>
+              <a:t> for both.</a:t>
+            </a:r>
+            <a:endParaRPr kumimoji="0" lang="en-US" sz="3200" b="0" i="0" u="none" strike="noStrike" kern="1200" cap="none" spc="0" normalizeH="0" baseline="0" noProof="0" dirty="0" smtClean="0">
+              <a:ln>
+                <a:noFill/>
+              </a:ln>
+              <a:solidFill>
+                <a:schemeClr val="tx1"/>
+              </a:solidFill>
+              <a:effectLst/>
+              <a:uLnTx/>
+              <a:uFillTx/>
+              <a:latin typeface="+mn-lt"/>
+              <a:ea typeface="+mn-ea"/>
+              <a:cs typeface="+mn-cs"/>
+            </a:endParaRPr>
+          </a:p>
+        </p:txBody>
+      </p:sp>
+      <p:pic>
+        <p:nvPicPr>
+          <p:cNvPr id="16386" name="Picture 2"/>
+          <p:cNvPicPr>
+            <a:picLocks noChangeAspect="1" noChangeArrowheads="1"/>
+          </p:cNvPicPr>
+          <p:nvPr/>
+        </p:nvPicPr>
+        <p:blipFill>
+          <a:blip r:embed="rId4" cstate="print"/>
+          <a:srcRect/>
+          <a:stretch>
+            <a:fillRect/>
+          </a:stretch>
+        </p:blipFill>
+        <p:spPr bwMode="auto">
+          <a:xfrm>
+            <a:off x="2286000" y="3505200"/>
+            <a:ext cx="4572000" cy="2744064"/>
+          </a:xfrm>
+          <a:prstGeom prst="rect">
+            <a:avLst/>
+          </a:prstGeom>
+          <a:noFill/>
+          <a:ln w="9525">
+            <a:noFill/>
+            <a:miter lim="800000"/>
+            <a:headEnd/>
+            <a:tailEnd/>
+          </a:ln>
+        </p:spPr>
+      </p:pic>
+    </p:spTree>
+  </p:cSld>
+  <p:clrMapOvr>
+    <a:masterClrMapping/>
+  </p:clrMapOvr>
+  <p:timing>
+    <p:tnLst>
+      <p:par>
+        <p:cTn id="1" dur="indefinite" restart="never" nodeType="tmRoot"/>
+      </p:par>
+    </p:tnLst>
+  </p:timing>
+</p:sld>
+</file>
+
+<file path=ppt/slides/slide32.xml><?xml version="1.0" encoding="utf-8"?>
+<p:sld xmlns:a="http://schemas.openxmlformats.org/drawingml/2006/main" xmlns:r="http://schemas.openxmlformats.org/officeDocument/2006/relationships" xmlns:p="http://schemas.openxmlformats.org/presentationml/2006/main">
+  <p:cSld>
+    <p:spTree>
+      <p:nvGrpSpPr>
+        <p:cNvPr id="1" name=""/>
+        <p:cNvGrpSpPr/>
+        <p:nvPr/>
+      </p:nvGrpSpPr>
+      <p:grpSpPr>
+        <a:xfrm>
+          <a:off x="0" y="0"/>
+          <a:ext cx="0" cy="0"/>
+          <a:chOff x="0" y="0"/>
+          <a:chExt cx="0" cy="0"/>
+        </a:xfrm>
+      </p:grpSpPr>
+      <p:sp>
+        <p:nvSpPr>
+          <p:cNvPr id="2" name="Title 1"/>
+          <p:cNvSpPr>
+            <a:spLocks noGrp="1"/>
+          </p:cNvSpPr>
+          <p:nvPr>
+            <p:ph type="title"/>
+          </p:nvPr>
+        </p:nvSpPr>
+        <p:spPr/>
+        <p:txBody>
+          <a:bodyPr>
+            <a:normAutofit fontScale="90000"/>
+          </a:bodyPr>
+          <a:lstStyle/>
+          <a:p>
+            <a:r>
+              <a:rPr lang="en-US" dirty="0" err="1" smtClean="0"/>
+              <a:t>BitTorrent’s</a:t>
+            </a:r>
+            <a:r>
+              <a:rPr lang="en-US" dirty="0" smtClean="0"/>
+              <a:t> Large File Optimizations</a:t>
+            </a:r>
+            <a:endParaRPr lang="en-US" dirty="0"/>
+          </a:p>
+        </p:txBody>
+      </p:sp>
+      <p:sp>
+        <p:nvSpPr>
+          <p:cNvPr id="3" name="Content Placeholder 2"/>
+          <p:cNvSpPr>
+            <a:spLocks noGrp="1"/>
+          </p:cNvSpPr>
+          <p:nvPr>
+            <p:ph idx="1"/>
+          </p:nvPr>
+        </p:nvSpPr>
+        <p:spPr/>
+        <p:txBody>
+          <a:bodyPr/>
+          <a:lstStyle/>
+          <a:p>
+            <a:r>
+              <a:rPr lang="en-US" dirty="0" smtClean="0"/>
+              <a:t>Seeds limit outgoing connections.</a:t>
+            </a:r>
+          </a:p>
+          <a:p>
+            <a:r>
+              <a:rPr lang="en-US" dirty="0" smtClean="0"/>
+              <a:t>Favors stronger connections.</a:t>
+            </a:r>
+          </a:p>
+          <a:p>
+            <a:r>
+              <a:rPr lang="en-US" dirty="0" smtClean="0"/>
+              <a:t>Dedicated tracker.</a:t>
+            </a:r>
+          </a:p>
+          <a:p>
+            <a:r>
+              <a:rPr lang="en-US" dirty="0" smtClean="0"/>
+              <a:t>Rarest Block First.</a:t>
+            </a:r>
+            <a:endParaRPr lang="en-US" dirty="0"/>
+          </a:p>
+        </p:txBody>
+      </p:sp>
+    </p:spTree>
+  </p:cSld>
+  <p:clrMapOvr>
+    <a:masterClrMapping/>
+  </p:clrMapOvr>
+  <p:timing>
+    <p:tnLst>
+      <p:par>
+        <p:cTn id="1" dur="indefinite" restart="never" nodeType="tmRoot"/>
+      </p:par>
+    </p:tnLst>
+  </p:timing>
+</p:sld>
+</file>
+
+<file path=ppt/slides/slide33.xml><?xml version="1.0" encoding="utf-8"?>
+<p:sld xmlns:a="http://schemas.openxmlformats.org/drawingml/2006/main" xmlns:r="http://schemas.openxmlformats.org/officeDocument/2006/relationships" xmlns:p="http://schemas.openxmlformats.org/presentationml/2006/main">
+  <p:cSld>
+    <p:spTree>
+      <p:nvGrpSpPr>
+        <p:cNvPr id="1" name=""/>
+        <p:cNvGrpSpPr/>
+        <p:nvPr/>
+      </p:nvGrpSpPr>
+      <p:grpSpPr>
+        <a:xfrm>
+          <a:off x="0" y="0"/>
+          <a:ext cx="0" cy="0"/>
+          <a:chOff x="0" y="0"/>
+          <a:chExt cx="0" cy="0"/>
+        </a:xfrm>
+      </p:grpSpPr>
+      <p:sp>
+        <p:nvSpPr>
+          <p:cNvPr id="2" name="Title 1"/>
+          <p:cNvSpPr>
+            <a:spLocks noGrp="1"/>
+          </p:cNvSpPr>
+          <p:nvPr>
+            <p:ph type="title"/>
+          </p:nvPr>
+        </p:nvSpPr>
+        <p:spPr/>
+        <p:txBody>
+          <a:bodyPr/>
+          <a:lstStyle/>
+          <a:p>
+            <a:r>
+              <a:rPr lang="en-US" dirty="0" smtClean="0"/>
+              <a:t>Conclusion</a:t>
+            </a:r>
+            <a:endParaRPr lang="en-US" dirty="0"/>
+          </a:p>
+        </p:txBody>
+      </p:sp>
+      <p:sp>
+        <p:nvSpPr>
+          <p:cNvPr id="3" name="Content Placeholder 2"/>
+          <p:cNvSpPr>
+            <a:spLocks noGrp="1"/>
+          </p:cNvSpPr>
+          <p:nvPr>
+            <p:ph idx="1"/>
+          </p:nvPr>
+        </p:nvSpPr>
+        <p:spPr/>
+        <p:txBody>
+          <a:bodyPr>
+            <a:normAutofit/>
+          </a:bodyPr>
+          <a:lstStyle/>
+          <a:p>
+            <a:r>
+              <a:rPr lang="en-US" dirty="0" smtClean="0"/>
+              <a:t>Feasible transition to Peer-to-Peer download</a:t>
+            </a:r>
+          </a:p>
+          <a:p>
+            <a:r>
+              <a:rPr lang="en-US" dirty="0" smtClean="0"/>
+              <a:t>30 x as fast for small files (flash crowd)</a:t>
+            </a:r>
+          </a:p>
+          <a:p>
+            <a:r>
+              <a:rPr lang="en-US" dirty="0" smtClean="0"/>
+              <a:t>20x as fast for web pages</a:t>
+            </a:r>
+          </a:p>
+          <a:p>
+            <a:r>
+              <a:rPr lang="en-US" dirty="0" smtClean="0"/>
+              <a:t>Reduces load on the server</a:t>
+            </a:r>
+          </a:p>
+          <a:p>
+            <a:r>
+              <a:rPr lang="en-US" dirty="0" smtClean="0"/>
+              <a:t>Make swarming more usable/adoptable</a:t>
+            </a:r>
+          </a:p>
+          <a:p>
+            <a:pPr lvl="1">
+              <a:buNone/>
+            </a:pPr>
+            <a:endParaRPr lang="en-US" dirty="0" smtClean="0"/>
+          </a:p>
+        </p:txBody>
+      </p:sp>
+    </p:spTree>
+  </p:cSld>
+  <p:clrMapOvr>
+    <a:masterClrMapping/>
+  </p:clrMapOvr>
+  <p:timing>
+    <p:tnLst>
+      <p:par>
+        <p:cTn id="1" dur="indefinite" restart="never" nodeType="tmRoot"/>
+      </p:par>
+    </p:tnLst>
+  </p:timing>
+</p:sld>
+</file>
+
+<file path=ppt/slides/slide34.xml><?xml version="1.0" encoding="utf-8"?>
+<p:sld xmlns:a="http://schemas.openxmlformats.org/drawingml/2006/main" xmlns:r="http://schemas.openxmlformats.org/officeDocument/2006/relationships" xmlns:p="http://schemas.openxmlformats.org/presentationml/2006/main">
+  <p:cSld>
+    <p:spTree>
+      <p:nvGrpSpPr>
+        <p:cNvPr id="1" name=""/>
+        <p:cNvGrpSpPr/>
+        <p:nvPr/>
+      </p:nvGrpSpPr>
+      <p:grpSpPr>
+        <a:xfrm>
+          <a:off x="0" y="0"/>
+          <a:ext cx="0" cy="0"/>
+          <a:chOff x="0" y="0"/>
+          <a:chExt cx="0" cy="0"/>
+        </a:xfrm>
+      </p:grpSpPr>
+      <p:sp>
+        <p:nvSpPr>
+          <p:cNvPr id="2" name="Title 1"/>
+          <p:cNvSpPr>
+            <a:spLocks noGrp="1"/>
+          </p:cNvSpPr>
+          <p:nvPr>
+            <p:ph type="title"/>
+          </p:nvPr>
+        </p:nvSpPr>
+        <p:spPr/>
+        <p:txBody>
+          <a:bodyPr/>
+          <a:lstStyle/>
+          <a:p>
+            <a:r>
+              <a:rPr lang="en-US" dirty="0" smtClean="0"/>
+              <a:t>Automatic Swarming -- Goals</a:t>
+            </a:r>
+            <a:endParaRPr lang="en-US" dirty="0"/>
+          </a:p>
+        </p:txBody>
+      </p:sp>
+      <p:sp>
+        <p:nvSpPr>
+          <p:cNvPr id="3" name="Content Placeholder 2"/>
+          <p:cNvSpPr>
+            <a:spLocks noGrp="1"/>
+          </p:cNvSpPr>
+          <p:nvPr>
+            <p:ph idx="1"/>
+          </p:nvPr>
+        </p:nvSpPr>
+        <p:spPr/>
+        <p:txBody>
+          <a:bodyPr/>
+          <a:lstStyle/>
+          <a:p>
+            <a:r>
+              <a:rPr lang="en-US" dirty="0" smtClean="0"/>
+              <a:t>Work for any file on any server without configuration.</a:t>
+            </a:r>
+          </a:p>
+          <a:p>
+            <a:r>
+              <a:rPr lang="en-US" dirty="0" smtClean="0"/>
+              <a:t>Easy for client use.</a:t>
+            </a:r>
+          </a:p>
+          <a:p>
+            <a:r>
+              <a:rPr lang="en-US" dirty="0" smtClean="0"/>
+              <a:t>No extra dedicated hardware.</a:t>
+            </a:r>
+          </a:p>
+          <a:p>
+            <a:r>
+              <a:rPr lang="en-US" dirty="0" smtClean="0"/>
+              <a:t>Work for small files.</a:t>
+            </a:r>
+          </a:p>
+          <a:p>
+            <a:r>
+              <a:rPr lang="en-US" dirty="0" smtClean="0"/>
+              <a:t>Non intrusive.</a:t>
+            </a:r>
+          </a:p>
+        </p:txBody>
+      </p:sp>
+    </p:spTree>
+  </p:cSld>
+  <p:clrMapOvr>
+    <a:masterClrMapping/>
+  </p:clrMapOvr>
+  <p:timing>
+    <p:tnLst>
+      <p:par>
+        <p:cTn id="1" dur="indefinite" restart="never" nodeType="tmRoot"/>
+      </p:par>
+    </p:tnLst>
+  </p:timing>
+</p:sld>
+</file>
+
+<file path=ppt/slides/slide35.xml><?xml version="1.0" encoding="utf-8"?>
+<p:sld xmlns:a="http://schemas.openxmlformats.org/drawingml/2006/main" xmlns:r="http://schemas.openxmlformats.org/officeDocument/2006/relationships" xmlns:p="http://schemas.openxmlformats.org/presentationml/2006/main">
+  <p:cSld>
+    <p:spTree>
+      <p:nvGrpSpPr>
+        <p:cNvPr id="1" name=""/>
+        <p:cNvGrpSpPr/>
+        <p:nvPr/>
+      </p:nvGrpSpPr>
+      <p:grpSpPr>
+        <a:xfrm>
+          <a:off x="0" y="0"/>
+          <a:ext cx="0" cy="0"/>
+          <a:chOff x="0" y="0"/>
+          <a:chExt cx="0" cy="0"/>
+        </a:xfrm>
+      </p:grpSpPr>
+      <p:sp>
+        <p:nvSpPr>
+          <p:cNvPr id="2" name="Title 1"/>
+          <p:cNvSpPr>
+            <a:spLocks noGrp="1"/>
+          </p:cNvSpPr>
+          <p:nvPr>
+            <p:ph type="title"/>
+          </p:nvPr>
+        </p:nvSpPr>
+        <p:spPr/>
+        <p:txBody>
+          <a:bodyPr/>
+          <a:lstStyle/>
+          <a:p>
+            <a:r>
+              <a:rPr lang="en-US" dirty="0" smtClean="0"/>
+              <a:t>Future Work</a:t>
+            </a:r>
+            <a:endParaRPr lang="en-US" dirty="0"/>
+          </a:p>
+        </p:txBody>
+      </p:sp>
+      <p:sp>
+        <p:nvSpPr>
+          <p:cNvPr id="3" name="Content Placeholder 2"/>
+          <p:cNvSpPr>
+            <a:spLocks noGrp="1"/>
+          </p:cNvSpPr>
+          <p:nvPr>
+            <p:ph idx="1"/>
+          </p:nvPr>
+        </p:nvSpPr>
+        <p:spPr/>
+        <p:txBody>
+          <a:bodyPr>
+            <a:normAutofit fontScale="92500" lnSpcReduction="10000"/>
+          </a:bodyPr>
+          <a:lstStyle/>
+          <a:p>
+            <a:r>
+              <a:rPr lang="en-US" dirty="0" smtClean="0"/>
+              <a:t>Improve DHT performance</a:t>
+            </a:r>
+          </a:p>
+          <a:p>
+            <a:r>
+              <a:rPr lang="en-US" dirty="0" smtClean="0"/>
+              <a:t>Improve automatic swarming for large files</a:t>
+            </a:r>
+          </a:p>
+          <a:p>
+            <a:r>
+              <a:rPr lang="en-US" dirty="0" smtClean="0"/>
+              <a:t>General performance tuning and dynamic selection of parameters</a:t>
+            </a:r>
+          </a:p>
+          <a:p>
+            <a:pPr lvl="1"/>
+            <a:r>
+              <a:rPr lang="en-US" dirty="0" smtClean="0"/>
+              <a:t>Better use of the DHT</a:t>
+            </a:r>
+          </a:p>
+          <a:p>
+            <a:pPr lvl="1"/>
+            <a:r>
+              <a:rPr lang="en-US" dirty="0" smtClean="0"/>
+              <a:t>Staleness</a:t>
+            </a:r>
+          </a:p>
+          <a:p>
+            <a:r>
+              <a:rPr lang="en-US" dirty="0" smtClean="0"/>
+              <a:t>BitTorrent features</a:t>
+            </a:r>
+          </a:p>
+          <a:p>
+            <a:pPr lvl="1"/>
+            <a:r>
+              <a:rPr lang="en-US" dirty="0" smtClean="0"/>
+              <a:t>Validate Integrity</a:t>
+            </a:r>
+          </a:p>
+          <a:p>
+            <a:pPr lvl="1"/>
+            <a:r>
+              <a:rPr lang="en-US" dirty="0" smtClean="0"/>
+              <a:t>Incentives</a:t>
+            </a:r>
+          </a:p>
+        </p:txBody>
+      </p:sp>
+    </p:spTree>
+  </p:cSld>
+  <p:clrMapOvr>
+    <a:masterClrMapping/>
+  </p:clrMapOvr>
+  <p:timing>
+    <p:tnLst>
+      <p:par>
+        <p:cTn id="1" dur="indefinite" restart="never" nodeType="tmRoot"/>
+      </p:par>
+    </p:tnLst>
+  </p:timing>
+</p:sld>
+</file>
+
+<file path=ppt/slides/slide36.xml><?xml version="1.0" encoding="utf-8"?>
+<p:sld xmlns:a="http://schemas.openxmlformats.org/drawingml/2006/main" xmlns:r="http://schemas.openxmlformats.org/officeDocument/2006/relationships" xmlns:p="http://schemas.openxmlformats.org/presentationml/2006/main">
+  <p:cSld>
+    <p:spTree>
+      <p:nvGrpSpPr>
+        <p:cNvPr id="1" name=""/>
+        <p:cNvGrpSpPr/>
+        <p:nvPr/>
+      </p:nvGrpSpPr>
+      <p:grpSpPr>
+        <a:xfrm>
+          <a:off x="0" y="0"/>
+          <a:ext cx="0" cy="0"/>
+          <a:chOff x="0" y="0"/>
+          <a:chExt cx="0" cy="0"/>
+        </a:xfrm>
+      </p:grpSpPr>
+      <p:sp>
+        <p:nvSpPr>
+          <p:cNvPr id="2" name="Title 1"/>
+          <p:cNvSpPr>
+            <a:spLocks noGrp="1"/>
+          </p:cNvSpPr>
+          <p:nvPr>
+            <p:ph type="title"/>
+          </p:nvPr>
+        </p:nvSpPr>
+        <p:spPr/>
+        <p:txBody>
+          <a:bodyPr/>
+          <a:lstStyle/>
+          <a:p>
+            <a:r>
+              <a:rPr lang="en-US" dirty="0" smtClean="0"/>
+              <a:t>Questions</a:t>
+            </a:r>
+            <a:endParaRPr lang="en-US" dirty="0"/>
+          </a:p>
+        </p:txBody>
+      </p:sp>
+      <p:sp>
+        <p:nvSpPr>
+          <p:cNvPr id="4" name="Content Placeholder 3"/>
+          <p:cNvSpPr>
+            <a:spLocks noGrp="1"/>
+          </p:cNvSpPr>
+          <p:nvPr>
+            <p:ph idx="1"/>
+          </p:nvPr>
+        </p:nvSpPr>
+        <p:spPr/>
+        <p:txBody>
+          <a:bodyPr/>
+          <a:lstStyle/>
+          <a:p>
+            <a:endParaRPr lang="en-US"/>
+          </a:p>
+        </p:txBody>
+      </p:sp>
+    </p:spTree>
+  </p:cSld>
+  <p:clrMapOvr>
+    <a:masterClrMapping/>
+  </p:clrMapOvr>
+  <p:timing>
+    <p:tnLst>
+      <p:par>
+        <p:cTn id="1" dur="indefinite" restart="never" nodeType="tmRoot"/>
+      </p:par>
+    </p:tnLst>
+  </p:timing>
+</p:sld>
+</file>
+
+<file path=ppt/slides/slide4.xml><?xml version="1.0" encoding="utf-8"?>
+<p:sld xmlns:a="http://schemas.openxmlformats.org/drawingml/2006/main" xmlns:r="http://schemas.openxmlformats.org/officeDocument/2006/relationships" xmlns:p="http://schemas.openxmlformats.org/presentationml/2006/main">
+  <p:cSld>
+    <p:spTree>
+      <p:nvGrpSpPr>
+        <p:cNvPr id="1" name=""/>
+        <p:cNvGrpSpPr/>
+        <p:nvPr/>
+      </p:nvGrpSpPr>
+      <p:grpSpPr>
+        <a:xfrm>
+          <a:off x="0" y="0"/>
+          <a:ext cx="0" cy="0"/>
+          <a:chOff x="0" y="0"/>
+          <a:chExt cx="0" cy="0"/>
+        </a:xfrm>
+      </p:grpSpPr>
+      <p:sp>
+        <p:nvSpPr>
+          <p:cNvPr id="2" name="Title 1"/>
+          <p:cNvSpPr>
+            <a:spLocks noGrp="1"/>
+          </p:cNvSpPr>
+          <p:nvPr>
+            <p:ph type="title"/>
+          </p:nvPr>
+        </p:nvSpPr>
+        <p:spPr/>
+        <p:txBody>
+          <a:bodyPr/>
+          <a:lstStyle/>
+          <a:p>
+            <a:r>
+              <a:rPr lang="en-US" dirty="0" smtClean="0"/>
+              <a:t>Your options</a:t>
+            </a:r>
+            <a:endParaRPr lang="en-US" dirty="0"/>
+          </a:p>
+        </p:txBody>
+      </p:sp>
+      <p:sp>
+        <p:nvSpPr>
+          <p:cNvPr id="3" name="Content Placeholder 2"/>
+          <p:cNvSpPr>
+            <a:spLocks noGrp="1"/>
+          </p:cNvSpPr>
+          <p:nvPr>
+            <p:ph idx="1"/>
+          </p:nvPr>
+        </p:nvSpPr>
+        <p:spPr/>
+        <p:txBody>
+          <a:bodyPr>
+            <a:normAutofit/>
+          </a:bodyPr>
+          <a:lstStyle/>
+          <a:p>
+            <a:r>
+              <a:rPr lang="en-US" dirty="0" smtClean="0"/>
+              <a:t>Wait around.</a:t>
+            </a:r>
+          </a:p>
+          <a:p>
+            <a:r>
+              <a:rPr lang="en-US" dirty="0" smtClean="0"/>
+              <a:t>Parallel download manager.</a:t>
+            </a:r>
+          </a:p>
+          <a:p>
+            <a:r>
+              <a:rPr lang="en-US" dirty="0" smtClean="0"/>
+              <a:t>Add a local caching proxy.</a:t>
+            </a:r>
+          </a:p>
+        </p:txBody>
+      </p:sp>
+    </p:spTree>
+  </p:cSld>
+  <p:clrMapOvr>
+    <a:masterClrMapping/>
+  </p:clrMapOvr>
+  <p:timing>
+    <p:tnLst>
+      <p:par>
+        <p:cTn id="1" dur="indefinite" restart="never" nodeType="tmRoot"/>
+      </p:par>
+    </p:tnLst>
+  </p:timing>
+</p:sld>
+</file>
+
+<file path=ppt/slides/slide5.xml><?xml version="1.0" encoding="utf-8"?>
 <p:sld xmlns:a="http://schemas.openxmlformats.org/drawingml/2006/main" xmlns:r="http://schemas.openxmlformats.org/officeDocument/2006/relationships" xmlns:p="http://schemas.openxmlformats.org/presentationml/2006/main">
   <p:cSld>
     <p:spTree>
@@ -12656,7 +11057,7 @@
         </p:blipFill>
         <p:spPr bwMode="auto">
           <a:xfrm>
-            <a:off x="4381500" y="2762250"/>
+            <a:off x="3200400" y="2286000"/>
             <a:ext cx="4762500" cy="4095750"/>
           </a:xfrm>
           <a:prstGeom prst="rect">
@@ -12694,26 +11095,363 @@
           <a:p>
             <a:r>
               <a:rPr lang="en-US" dirty="0" smtClean="0"/>
-              <a:t>Move.</a:t>
-            </a:r>
-          </a:p>
-          <a:p>
-            <a:r>
-              <a:rPr lang="en-US" dirty="0" smtClean="0"/>
-              <a:t>Buy more servers/rent a CDN</a:t>
+              <a:t>Rent a CDN</a:t>
+            </a:r>
+          </a:p>
+          <a:p>
+            <a:r>
+              <a:rPr lang="en-US" dirty="0" smtClean="0"/>
+              <a:t>Turn to P2P</a:t>
+            </a:r>
+          </a:p>
+        </p:txBody>
+      </p:sp>
+    </p:spTree>
+  </p:cSld>
+  <p:clrMapOvr>
+    <a:masterClrMapping/>
+  </p:clrMapOvr>
+  <p:timing>
+    <p:tnLst>
+      <p:par>
+        <p:cTn id="1" dur="indefinite" restart="never" nodeType="tmRoot"/>
+      </p:par>
+    </p:tnLst>
+  </p:timing>
+</p:sld>
+</file>
+
+<file path=ppt/slides/slide6.xml><?xml version="1.0" encoding="utf-8"?>
+<p:sld xmlns:a="http://schemas.openxmlformats.org/drawingml/2006/main" xmlns:r="http://schemas.openxmlformats.org/officeDocument/2006/relationships" xmlns:p="http://schemas.openxmlformats.org/presentationml/2006/main">
+  <p:cSld>
+    <p:spTree>
+      <p:nvGrpSpPr>
+        <p:cNvPr id="1" name=""/>
+        <p:cNvGrpSpPr/>
+        <p:nvPr/>
+      </p:nvGrpSpPr>
+      <p:grpSpPr>
+        <a:xfrm>
+          <a:off x="0" y="0"/>
+          <a:ext cx="0" cy="0"/>
+          <a:chOff x="0" y="0"/>
+          <a:chExt cx="0" cy="0"/>
+        </a:xfrm>
+      </p:grpSpPr>
+      <p:sp>
+        <p:nvSpPr>
+          <p:cNvPr id="2" name="Title 1"/>
+          <p:cNvSpPr>
+            <a:spLocks noGrp="1"/>
+          </p:cNvSpPr>
+          <p:nvPr>
+            <p:ph type="title"/>
+          </p:nvPr>
+        </p:nvSpPr>
+        <p:spPr/>
+        <p:txBody>
+          <a:bodyPr/>
+          <a:lstStyle/>
+          <a:p>
+            <a:r>
+              <a:rPr lang="en-US" dirty="0" smtClean="0"/>
+              <a:t>CDN can fail</a:t>
+            </a:r>
+            <a:endParaRPr lang="en-US" dirty="0"/>
+          </a:p>
+        </p:txBody>
+      </p:sp>
+      <p:pic>
+        <p:nvPicPr>
+          <p:cNvPr id="2050" name="Picture 2"/>
+          <p:cNvPicPr>
+            <a:picLocks noGrp="1" noChangeAspect="1" noChangeArrowheads="1"/>
+          </p:cNvPicPr>
+          <p:nvPr>
+            <p:ph idx="1"/>
+          </p:nvPr>
+        </p:nvPicPr>
+        <p:blipFill>
+          <a:blip r:embed="rId3" cstate="print"/>
+          <a:srcRect/>
+          <a:stretch>
+            <a:fillRect/>
+          </a:stretch>
+        </p:blipFill>
+        <p:spPr bwMode="auto">
+          <a:xfrm>
+            <a:off x="457200" y="1600200"/>
+            <a:ext cx="8229600" cy="2188167"/>
+          </a:xfrm>
+          <a:prstGeom prst="rect">
+            <a:avLst/>
+          </a:prstGeom>
+          <a:noFill/>
+          <a:ln w="9525">
+            <a:noFill/>
+            <a:miter lim="800000"/>
+            <a:headEnd/>
+            <a:tailEnd/>
+          </a:ln>
+        </p:spPr>
+      </p:pic>
+      <p:sp>
+        <p:nvSpPr>
+          <p:cNvPr id="6" name="Content Placeholder 2"/>
+          <p:cNvSpPr txBox="1">
+            <a:spLocks/>
+          </p:cNvSpPr>
+          <p:nvPr/>
+        </p:nvSpPr>
+        <p:spPr>
+          <a:xfrm>
+            <a:off x="457200" y="4495800"/>
+            <a:ext cx="8229600" cy="1630363"/>
+          </a:xfrm>
+          <a:prstGeom prst="rect">
+            <a:avLst/>
+          </a:prstGeom>
+        </p:spPr>
+        <p:txBody>
+          <a:bodyPr vert="horz" lIns="91440" tIns="45720" rIns="91440" bIns="45720" rtlCol="0">
+            <a:normAutofit/>
+          </a:bodyPr>
+          <a:lstStyle/>
+          <a:p>
+            <a:pPr marL="342900" marR="0" lvl="0" indent="-342900" algn="l" defTabSz="914400" rtl="0" eaLnBrk="1" fontAlgn="auto" latinLnBrk="0" hangingPunct="1">
+              <a:lnSpc>
+                <a:spcPct val="100000"/>
+              </a:lnSpc>
+              <a:spcBef>
+                <a:spcPct val="20000"/>
+              </a:spcBef>
+              <a:spcAft>
+                <a:spcPts val="0"/>
+              </a:spcAft>
+              <a:buClrTx/>
+              <a:buSzTx/>
+              <a:buFont typeface="Arial" pitchFamily="34" charset="0"/>
+              <a:buChar char="•"/>
+              <a:tabLst/>
+              <a:defRPr/>
+            </a:pPr>
+            <a:r>
+              <a:rPr kumimoji="0" lang="en-US" sz="3200" b="0" i="0" u="none" strike="noStrike" kern="1200" cap="none" spc="0" normalizeH="0" baseline="0" noProof="0" dirty="0" smtClean="0">
+                <a:ln>
+                  <a:noFill/>
+                </a:ln>
+                <a:solidFill>
+                  <a:schemeClr val="tx1"/>
+                </a:solidFill>
+                <a:effectLst/>
+                <a:uLnTx/>
+                <a:uFillTx/>
+                <a:latin typeface="+mn-lt"/>
+                <a:ea typeface="+mn-ea"/>
+                <a:cs typeface="+mn-cs"/>
+              </a:rPr>
+              <a:t>Overloaded.</a:t>
+            </a:r>
+            <a:endParaRPr lang="en-US" sz="3200" dirty="0" smtClean="0"/>
+          </a:p>
+          <a:p>
+            <a:pPr marL="342900" marR="0" lvl="0" indent="-342900" algn="l" defTabSz="914400" rtl="0" eaLnBrk="1" fontAlgn="auto" latinLnBrk="0" hangingPunct="1">
+              <a:lnSpc>
+                <a:spcPct val="100000"/>
+              </a:lnSpc>
+              <a:spcBef>
+                <a:spcPct val="20000"/>
+              </a:spcBef>
+              <a:spcAft>
+                <a:spcPts val="0"/>
+              </a:spcAft>
+              <a:buClrTx/>
+              <a:buSzTx/>
+              <a:buFont typeface="Arial" pitchFamily="34" charset="0"/>
+              <a:buChar char="•"/>
+              <a:tabLst/>
+              <a:defRPr/>
+            </a:pPr>
+            <a:r>
+              <a:rPr kumimoji="0" lang="en-US" sz="3200" b="0" i="0" u="none" strike="noStrike" kern="1200" cap="none" spc="0" normalizeH="0" baseline="0" noProof="0" dirty="0" smtClean="0">
+                <a:ln>
+                  <a:noFill/>
+                </a:ln>
+                <a:solidFill>
+                  <a:schemeClr val="tx1"/>
+                </a:solidFill>
+                <a:effectLst/>
+                <a:uLnTx/>
+                <a:uFillTx/>
+                <a:latin typeface="+mn-lt"/>
+                <a:ea typeface="+mn-ea"/>
+                <a:cs typeface="+mn-cs"/>
+              </a:rPr>
+              <a:t>Expensive.</a:t>
+            </a:r>
+          </a:p>
+        </p:txBody>
+      </p:sp>
+    </p:spTree>
+  </p:cSld>
+  <p:clrMapOvr>
+    <a:masterClrMapping/>
+  </p:clrMapOvr>
+  <p:timing>
+    <p:tnLst>
+      <p:par>
+        <p:cTn id="1" dur="indefinite" restart="never" nodeType="tmRoot"/>
+      </p:par>
+    </p:tnLst>
+  </p:timing>
+</p:sld>
+</file>
+
+<file path=ppt/slides/slide7.xml><?xml version="1.0" encoding="utf-8"?>
+<p:sld xmlns:a="http://schemas.openxmlformats.org/drawingml/2006/main" xmlns:r="http://schemas.openxmlformats.org/officeDocument/2006/relationships" xmlns:p="http://schemas.openxmlformats.org/presentationml/2006/main">
+  <p:cSld>
+    <p:spTree>
+      <p:nvGrpSpPr>
+        <p:cNvPr id="1" name=""/>
+        <p:cNvGrpSpPr/>
+        <p:nvPr/>
+      </p:nvGrpSpPr>
+      <p:grpSpPr>
+        <a:xfrm>
+          <a:off x="0" y="0"/>
+          <a:ext cx="0" cy="0"/>
+          <a:chOff x="0" y="0"/>
+          <a:chExt cx="0" cy="0"/>
+        </a:xfrm>
+      </p:grpSpPr>
+      <p:sp>
+        <p:nvSpPr>
+          <p:cNvPr id="2" name="Title 1"/>
+          <p:cNvSpPr>
+            <a:spLocks noGrp="1"/>
+          </p:cNvSpPr>
+          <p:nvPr>
+            <p:ph type="title"/>
+          </p:nvPr>
+        </p:nvSpPr>
+        <p:spPr/>
+        <p:txBody>
+          <a:bodyPr/>
+          <a:lstStyle/>
+          <a:p>
+            <a:r>
+              <a:rPr lang="en-US" dirty="0" smtClean="0"/>
+              <a:t>Turn to P2P</a:t>
+            </a:r>
+            <a:endParaRPr lang="en-US" dirty="0"/>
+          </a:p>
+        </p:txBody>
+      </p:sp>
+      <p:sp>
+        <p:nvSpPr>
+          <p:cNvPr id="3" name="Content Placeholder 2"/>
+          <p:cNvSpPr>
+            <a:spLocks noGrp="1"/>
+          </p:cNvSpPr>
+          <p:nvPr>
+            <p:ph idx="1"/>
+          </p:nvPr>
+        </p:nvSpPr>
+        <p:spPr/>
+        <p:txBody>
+          <a:bodyPr/>
+          <a:lstStyle/>
+          <a:p>
+            <a:r>
+              <a:rPr lang="en-US" dirty="0" smtClean="0"/>
+              <a:t>BitTorrent</a:t>
             </a:r>
           </a:p>
           <a:p>
             <a:pPr lvl="1"/>
             <a:r>
               <a:rPr lang="en-US" dirty="0" smtClean="0"/>
-              <a:t>Popular</a:t>
-            </a:r>
-          </a:p>
-          <a:p>
-            <a:r>
-              <a:rPr lang="en-US" dirty="0" smtClean="0"/>
-              <a:t>Turn to P2P</a:t>
+              <a:t>Create + host BitTorrent File.</a:t>
+            </a:r>
+          </a:p>
+          <a:p>
+            <a:pPr lvl="1"/>
+            <a:r>
+              <a:rPr lang="en-US" dirty="0" smtClean="0"/>
+              <a:t>Run a tracker.</a:t>
+            </a:r>
+          </a:p>
+          <a:p>
+            <a:pPr lvl="1"/>
+            <a:r>
+              <a:rPr lang="en-US" dirty="0" smtClean="0"/>
+              <a:t>Peers download and share blocks (efficiently).</a:t>
+            </a:r>
+          </a:p>
+          <a:p>
+            <a:pPr lvl="1"/>
+            <a:r>
+              <a:rPr lang="en-US" dirty="0" smtClean="0"/>
+              <a:t>Works well for large popular files.</a:t>
+            </a:r>
+          </a:p>
+        </p:txBody>
+      </p:sp>
+      <p:pic>
+        <p:nvPicPr>
+          <p:cNvPr id="2050" name="Picture 2" descr="C:\Documents and Settings\Default\Desktop\bannerlogo.png"/>
+          <p:cNvPicPr>
+            <a:picLocks noChangeAspect="1" noChangeArrowheads="1"/>
+          </p:cNvPicPr>
+          <p:nvPr/>
+        </p:nvPicPr>
+        <p:blipFill>
+          <a:blip r:embed="rId3" cstate="print"/>
+          <a:srcRect/>
+          <a:stretch>
+            <a:fillRect/>
+          </a:stretch>
+        </p:blipFill>
+        <p:spPr bwMode="auto">
+          <a:xfrm>
+            <a:off x="6553200" y="609600"/>
+            <a:ext cx="1524000" cy="619125"/>
+          </a:xfrm>
+          <a:prstGeom prst="rect">
+            <a:avLst/>
+          </a:prstGeom>
+          <a:noFill/>
+        </p:spPr>
+      </p:pic>
+      <p:sp>
+        <p:nvSpPr>
+          <p:cNvPr id="5" name="Content Placeholder 2"/>
+          <p:cNvSpPr txBox="1">
+            <a:spLocks/>
+          </p:cNvSpPr>
+          <p:nvPr/>
+        </p:nvSpPr>
+        <p:spPr>
+          <a:xfrm>
+            <a:off x="304800" y="5638800"/>
+            <a:ext cx="8229600" cy="1524000"/>
+          </a:xfrm>
+          <a:prstGeom prst="rect">
+            <a:avLst/>
+          </a:prstGeom>
+        </p:spPr>
+        <p:txBody>
+          <a:bodyPr vert="horz" lIns="91440" tIns="45720" rIns="91440" bIns="45720" rtlCol="0">
+            <a:normAutofit/>
+          </a:bodyPr>
+          <a:lstStyle/>
+          <a:p>
+            <a:pPr>
+              <a:defRPr/>
+            </a:pPr>
+            <a:r>
+              <a:rPr lang="en-US" sz="2000" b="1" dirty="0" smtClean="0"/>
+              <a:t>“When I created BitTorrent in 2001, my mission was to solve the problem every website has when distributing large, popular files” – Bram Cohen</a:t>
             </a:r>
           </a:p>
         </p:txBody>
@@ -12767,161 +11505,81 @@
           <a:p>
             <a:r>
               <a:rPr lang="en-US" dirty="0" smtClean="0"/>
-              <a:t>CDN can fail</a:t>
+              <a:t>BitTorrent downsides</a:t>
             </a:r>
             <a:endParaRPr lang="en-US" dirty="0"/>
           </a:p>
         </p:txBody>
       </p:sp>
-      <p:pic>
-        <p:nvPicPr>
-          <p:cNvPr id="2050" name="Picture 2"/>
-          <p:cNvPicPr>
-            <a:picLocks noGrp="1" noChangeAspect="1" noChangeArrowheads="1"/>
-          </p:cNvPicPr>
+      <p:sp>
+        <p:nvSpPr>
+          <p:cNvPr id="3" name="Content Placeholder 2"/>
+          <p:cNvSpPr>
+            <a:spLocks noGrp="1"/>
+          </p:cNvSpPr>
           <p:nvPr>
             <p:ph idx="1"/>
           </p:nvPr>
-        </p:nvPicPr>
-        <p:blipFill>
-          <a:blip r:embed="rId3" cstate="print"/>
-          <a:srcRect/>
-          <a:stretch>
-            <a:fillRect/>
-          </a:stretch>
-        </p:blipFill>
-        <p:spPr bwMode="auto">
-          <a:xfrm>
-            <a:off x="457200" y="1600200"/>
-            <a:ext cx="8229600" cy="2188167"/>
-          </a:xfrm>
-          <a:prstGeom prst="rect">
-            <a:avLst/>
-          </a:prstGeom>
-          <a:noFill/>
-          <a:ln w="9525">
-            <a:noFill/>
-            <a:miter lim="800000"/>
-            <a:headEnd/>
-            <a:tailEnd/>
-          </a:ln>
-        </p:spPr>
-      </p:pic>
-      <p:sp>
-        <p:nvSpPr>
-          <p:cNvPr id="6" name="Content Placeholder 2"/>
-          <p:cNvSpPr txBox="1">
-            <a:spLocks/>
-          </p:cNvSpPr>
-          <p:nvPr/>
-        </p:nvSpPr>
-        <p:spPr>
-          <a:xfrm>
-            <a:off x="457200" y="4495800"/>
-            <a:ext cx="8229600" cy="1630363"/>
-          </a:xfrm>
-          <a:prstGeom prst="rect">
-            <a:avLst/>
-          </a:prstGeom>
-        </p:spPr>
-        <p:txBody>
-          <a:bodyPr vert="horz" lIns="91440" tIns="45720" rIns="91440" bIns="45720" rtlCol="0">
-            <a:normAutofit lnSpcReduction="10000"/>
+        </p:nvSpPr>
+        <p:spPr/>
+        <p:txBody>
+          <a:bodyPr>
+            <a:normAutofit/>
           </a:bodyPr>
           <a:lstStyle/>
           <a:p>
-            <a:pPr marL="342900" marR="0" lvl="0" indent="-342900" algn="l" defTabSz="914400" rtl="0" eaLnBrk="1" fontAlgn="auto" latinLnBrk="0" hangingPunct="1">
-              <a:lnSpc>
-                <a:spcPct val="100000"/>
-              </a:lnSpc>
-              <a:spcBef>
-                <a:spcPct val="20000"/>
-              </a:spcBef>
-              <a:spcAft>
-                <a:spcPts val="0"/>
-              </a:spcAft>
-              <a:buClrTx/>
-              <a:buSzTx/>
-              <a:buFont typeface="Arial" pitchFamily="34" charset="0"/>
-              <a:buChar char="•"/>
-              <a:tabLst/>
-              <a:defRPr/>
-            </a:pPr>
-            <a:r>
-              <a:rPr kumimoji="0" lang="en-US" sz="3200" b="0" i="0" u="none" strike="noStrike" kern="1200" cap="none" spc="0" normalizeH="0" baseline="0" noProof="0" dirty="0" smtClean="0">
-                <a:ln>
-                  <a:noFill/>
-                </a:ln>
-                <a:solidFill>
-                  <a:schemeClr val="tx1"/>
-                </a:solidFill>
-                <a:effectLst/>
-                <a:uLnTx/>
-                <a:uFillTx/>
-                <a:latin typeface="+mn-lt"/>
-                <a:ea typeface="+mn-ea"/>
-                <a:cs typeface="+mn-cs"/>
-              </a:rPr>
-              <a:t>Overloaded.</a:t>
-            </a:r>
-          </a:p>
-          <a:p>
-            <a:pPr marL="342900" marR="0" lvl="0" indent="-342900" algn="l" defTabSz="914400" rtl="0" eaLnBrk="1" fontAlgn="auto" latinLnBrk="0" hangingPunct="1">
-              <a:lnSpc>
-                <a:spcPct val="100000"/>
-              </a:lnSpc>
-              <a:spcBef>
-                <a:spcPct val="20000"/>
-              </a:spcBef>
-              <a:spcAft>
-                <a:spcPts val="0"/>
-              </a:spcAft>
-              <a:buClrTx/>
-              <a:buSzTx/>
-              <a:buFont typeface="Arial" pitchFamily="34" charset="0"/>
-              <a:buChar char="•"/>
-              <a:tabLst/>
-              <a:defRPr/>
-            </a:pPr>
-            <a:r>
-              <a:rPr lang="en-US" sz="3200" dirty="0" smtClean="0"/>
-              <a:t>Not close enough.</a:t>
-            </a:r>
-          </a:p>
-          <a:p>
-            <a:pPr marL="342900" marR="0" lvl="0" indent="-342900" algn="l" defTabSz="914400" rtl="0" eaLnBrk="1" fontAlgn="auto" latinLnBrk="0" hangingPunct="1">
-              <a:lnSpc>
-                <a:spcPct val="100000"/>
-              </a:lnSpc>
-              <a:spcBef>
-                <a:spcPct val="20000"/>
-              </a:spcBef>
-              <a:spcAft>
-                <a:spcPts val="0"/>
-              </a:spcAft>
-              <a:buClrTx/>
-              <a:buSzTx/>
-              <a:buFont typeface="Arial" pitchFamily="34" charset="0"/>
-              <a:buChar char="•"/>
-              <a:tabLst/>
-              <a:defRPr/>
-            </a:pPr>
-            <a:r>
-              <a:rPr kumimoji="0" lang="en-US" sz="3200" b="0" i="0" u="none" strike="noStrike" kern="1200" cap="none" spc="0" normalizeH="0" baseline="0" noProof="0" dirty="0" smtClean="0">
-                <a:ln>
-                  <a:noFill/>
-                </a:ln>
-                <a:solidFill>
-                  <a:schemeClr val="tx1"/>
-                </a:solidFill>
-                <a:effectLst/>
-                <a:uLnTx/>
-                <a:uFillTx/>
-                <a:latin typeface="+mn-lt"/>
-                <a:ea typeface="+mn-ea"/>
-                <a:cs typeface="+mn-cs"/>
-              </a:rPr>
-              <a:t>Expensive.</a:t>
+            <a:r>
+              <a:rPr lang="en-US" dirty="0" smtClean="0"/>
+              <a:t>Server side.</a:t>
+            </a:r>
+          </a:p>
+          <a:p>
+            <a:pPr lvl="1"/>
+            <a:r>
+              <a:rPr lang="en-US" dirty="0" smtClean="0"/>
+              <a:t>Per File</a:t>
+            </a:r>
+          </a:p>
+          <a:p>
+            <a:pPr lvl="1"/>
+            <a:r>
+              <a:rPr lang="en-US" dirty="0" smtClean="0"/>
+              <a:t>Have to provide traditional anyway.</a:t>
+            </a:r>
+          </a:p>
+          <a:p>
+            <a:pPr lvl="2"/>
+            <a:r>
+              <a:rPr lang="en-US" dirty="0" smtClean="0"/>
+              <a:t>Lack of clients.</a:t>
+            </a:r>
+          </a:p>
+          <a:p>
+            <a:pPr lvl="1"/>
+            <a:r>
+              <a:rPr lang="en-US" dirty="0" smtClean="0"/>
+              <a:t>Stigma.</a:t>
+            </a:r>
+          </a:p>
+          <a:p>
+            <a:pPr lvl="1"/>
+            <a:r>
+              <a:rPr lang="en-US" dirty="0" smtClean="0"/>
+              <a:t>Extra maintenance.</a:t>
+            </a:r>
+          </a:p>
+          <a:p>
+            <a:pPr lvl="1"/>
+            <a:r>
+              <a:rPr lang="en-US" dirty="0" smtClean="0"/>
+              <a:t>Large Files.</a:t>
+            </a:r>
+          </a:p>
+          <a:p>
+            <a:pPr lvl="1"/>
+            <a:r>
+              <a:rPr lang="en-US" dirty="0" smtClean="0"/>
+              <a:t>Unknown demand.</a:t>
             </a:r>
           </a:p>
         </p:txBody>
@@ -12975,7 +11633,7 @@
           <a:p>
             <a:r>
               <a:rPr lang="en-US" dirty="0" smtClean="0"/>
-              <a:t>Turn to P2P</a:t>
+              <a:t>BitTorrent downsides</a:t>
             </a:r>
             <a:endParaRPr lang="en-US" dirty="0"/>
           </a:p>
@@ -12993,56 +11651,102 @@
         </p:nvSpPr>
         <p:spPr/>
         <p:txBody>
-          <a:bodyPr/>
-          <a:lstStyle/>
-          <a:p>
+          <a:bodyPr>
+            <a:normAutofit fontScale="92500" lnSpcReduction="20000"/>
+          </a:bodyPr>
+          <a:lstStyle/>
+          <a:p>
+            <a:r>
+              <a:rPr lang="en-US" dirty="0" smtClean="0"/>
+              <a:t>Clients</a:t>
+            </a:r>
+          </a:p>
+          <a:p>
+            <a:pPr lvl="1"/>
+            <a:r>
+              <a:rPr lang="en-US" dirty="0" smtClean="0"/>
+              <a:t>Extra setup/time per file.</a:t>
+            </a:r>
+          </a:p>
+          <a:p>
+            <a:pPr lvl="2"/>
+            <a:r>
+              <a:rPr lang="en-US" dirty="0" smtClean="0"/>
+              <a:t>Small files</a:t>
+            </a:r>
+          </a:p>
+          <a:p>
+            <a:pPr lvl="1"/>
+            <a:r>
+              <a:rPr lang="en-US" dirty="0" smtClean="0"/>
+              <a:t>Technical expertise</a:t>
+            </a:r>
+          </a:p>
+          <a:p>
+            <a:pPr lvl="1"/>
+            <a:r>
+              <a:rPr lang="en-US" dirty="0" smtClean="0"/>
+              <a:t>Not integrated.</a:t>
+            </a:r>
+          </a:p>
+          <a:p>
+            <a:pPr lvl="2"/>
+            <a:r>
+              <a:rPr lang="en-US" dirty="0" smtClean="0"/>
+              <a:t>Manual.</a:t>
+            </a:r>
+          </a:p>
+          <a:p>
+            <a:pPr lvl="2"/>
+            <a:r>
+              <a:rPr lang="en-US" dirty="0" smtClean="0"/>
+              <a:t>Not HTTP optimized.</a:t>
+            </a:r>
+          </a:p>
+          <a:p>
+            <a:pPr lvl="1"/>
+            <a:r>
+              <a:rPr lang="en-US" dirty="0" smtClean="0"/>
+              <a:t>Often slower than client-server</a:t>
+            </a:r>
+          </a:p>
+          <a:p>
+            <a:pPr lvl="2"/>
+            <a:r>
+              <a:rPr lang="en-US" dirty="0" smtClean="0"/>
+              <a:t>Costs time</a:t>
+            </a:r>
+          </a:p>
+          <a:p>
+            <a:pPr lvl="3"/>
             <a:r>
               <a:rPr lang="en-US" dirty="0" err="1" smtClean="0"/>
-              <a:t>BitTorrent</a:t>
-            </a:r>
-            <a:endParaRPr lang="en-US" dirty="0" smtClean="0"/>
+              <a:t>Warmup</a:t>
+            </a:r>
+            <a:r>
+              <a:rPr lang="en-US" dirty="0" smtClean="0"/>
+              <a:t> phase</a:t>
+            </a:r>
+          </a:p>
+          <a:p>
+            <a:pPr lvl="3"/>
+            <a:r>
+              <a:rPr lang="en-US" dirty="0" smtClean="0"/>
+              <a:t>Transition ?</a:t>
+            </a:r>
           </a:p>
           <a:p>
             <a:pPr lvl="1"/>
             <a:r>
               <a:rPr lang="en-US" dirty="0" smtClean="0"/>
-              <a:t>Create + host </a:t>
-            </a:r>
-            <a:r>
-              <a:rPr lang="en-US" dirty="0" err="1" smtClean="0"/>
-              <a:t>BitTorrent</a:t>
-            </a:r>
-            <a:r>
-              <a:rPr lang="en-US" dirty="0" smtClean="0"/>
-              <a:t> File.</a:t>
-            </a:r>
-          </a:p>
-          <a:p>
-            <a:pPr lvl="1"/>
-            <a:r>
-              <a:rPr lang="en-US" dirty="0" smtClean="0"/>
-              <a:t>Run a tracker.</a:t>
-            </a:r>
-          </a:p>
-          <a:p>
-            <a:pPr lvl="1"/>
-            <a:r>
-              <a:rPr lang="en-US" dirty="0" smtClean="0"/>
-              <a:t>Peers download and share blocks (efficiently).</a:t>
-            </a:r>
-          </a:p>
-          <a:p>
-            <a:pPr lvl="1"/>
-            <a:r>
-              <a:rPr lang="en-US" dirty="0" smtClean="0"/>
-              <a:t>Works well for large popular files.</a:t>
+              <a:t>Not available.</a:t>
             </a:r>
           </a:p>
         </p:txBody>
       </p:sp>
       <p:pic>
         <p:nvPicPr>
-          <p:cNvPr id="2050" name="Picture 2" descr="C:\Documents and Settings\Default\Desktop\bannerlogo.png"/>
+          <p:cNvPr id="4" name="Picture 2"/>
           <p:cNvPicPr>
             <a:picLocks noChangeAspect="1" noChangeArrowheads="1"/>
           </p:cNvPicPr>
@@ -13057,56 +11761,21 @@
         </p:blipFill>
         <p:spPr bwMode="auto">
           <a:xfrm>
-            <a:off x="6553200" y="609600"/>
-            <a:ext cx="1524000" cy="619125"/>
+            <a:off x="4886864" y="1219200"/>
+            <a:ext cx="4257136" cy="2743200"/>
           </a:xfrm>
           <a:prstGeom prst="rect">
             <a:avLst/>
           </a:prstGeom>
           <a:noFill/>
+          <a:ln w="9525">
+            <a:noFill/>
+            <a:miter lim="800000"/>
+            <a:headEnd/>
+            <a:tailEnd/>
+          </a:ln>
         </p:spPr>
       </p:pic>
-      <p:sp>
-        <p:nvSpPr>
-          <p:cNvPr id="5" name="Content Placeholder 2"/>
-          <p:cNvSpPr txBox="1">
-            <a:spLocks/>
-          </p:cNvSpPr>
-          <p:nvPr/>
-        </p:nvSpPr>
-        <p:spPr>
-          <a:xfrm>
-            <a:off x="304800" y="5638800"/>
-            <a:ext cx="8229600" cy="1524000"/>
-          </a:xfrm>
-          <a:prstGeom prst="rect">
-            <a:avLst/>
-          </a:prstGeom>
-        </p:spPr>
-        <p:txBody>
-          <a:bodyPr vert="horz" lIns="91440" tIns="45720" rIns="91440" bIns="45720" rtlCol="0">
-            <a:normAutofit/>
-          </a:bodyPr>
-          <a:lstStyle/>
-          <a:p>
-            <a:pPr>
-              <a:defRPr/>
-            </a:pPr>
-            <a:r>
-              <a:rPr lang="en-US" sz="2000" b="1" dirty="0" smtClean="0"/>
-              <a:t>“When I created </a:t>
-            </a:r>
-            <a:r>
-              <a:rPr lang="en-US" sz="2000" b="1" dirty="0" err="1" smtClean="0"/>
-              <a:t>BitTorrent</a:t>
-            </a:r>
-            <a:r>
-              <a:rPr lang="en-US" sz="2000" b="1" dirty="0" smtClean="0"/>
-              <a:t> in 2001, my mission was to solve the problem every website has when distributing large, popular files” – Bram Cohen</a:t>
-            </a:r>
-          </a:p>
-        </p:txBody>
-      </p:sp>
     </p:spTree>
   </p:cSld>
   <p:clrMapOvr>

--- a/thesis_presentation/How to Make the Internet Faster.pptx
+++ b/thesis_presentation/How to Make the Internet Faster.pptx
@@ -551,8 +551,24 @@
           </a:p>
           <a:p>
             <a:r>
-              <a:rPr lang="en-US" smtClean="0"/>
+              <a:rPr lang="en-US" dirty="0" smtClean="0"/>
               <a:t>take out all periods</a:t>
+            </a:r>
+          </a:p>
+          <a:p>
+            <a:r>
+              <a:rPr lang="en-US" dirty="0" smtClean="0"/>
+              <a:t>Fix references…</a:t>
+            </a:r>
+          </a:p>
+          <a:p>
+            <a:r>
+              <a:rPr lang="en-US" dirty="0" smtClean="0"/>
+              <a:t>Fix that </a:t>
+            </a:r>
+            <a:r>
+              <a:rPr lang="en-US" smtClean="0"/>
+              <a:t>one graph</a:t>
             </a:r>
             <a:endParaRPr lang="en-US" dirty="0"/>
           </a:p>

--- a/thesis_presentation/How to Make the Internet Faster.pptx
+++ b/thesis_presentation/How to Make the Internet Faster.pptx
@@ -542,33 +542,44 @@
           <a:p>
             <a:r>
               <a:rPr lang="en-US" dirty="0" smtClean="0"/>
-              <a:t>Formal, use third </a:t>
-            </a:r>
-            <a:r>
-              <a:rPr lang="en-US" dirty="0" smtClean="0"/>
-              <a:t>person or I</a:t>
-            </a:r>
-          </a:p>
-          <a:p>
-            <a:r>
-              <a:rPr lang="en-US" dirty="0" smtClean="0"/>
-              <a:t>take out all periods</a:t>
-            </a:r>
-          </a:p>
-          <a:p>
-            <a:r>
-              <a:rPr lang="en-US" dirty="0" smtClean="0"/>
-              <a:t>Fix references…</a:t>
-            </a:r>
-          </a:p>
-          <a:p>
-            <a:r>
-              <a:rPr lang="en-US" dirty="0" smtClean="0"/>
-              <a:t>Fix that </a:t>
-            </a:r>
-            <a:r>
-              <a:rPr lang="en-US" smtClean="0"/>
-              <a:t>one graph</a:t>
+              <a:t>Formal, use </a:t>
+            </a:r>
+            <a:r>
+              <a:rPr lang="en-US" dirty="0" smtClean="0"/>
+              <a:t>“automatic swarming” or I</a:t>
+            </a:r>
+          </a:p>
+          <a:p>
+            <a:r>
+              <a:rPr lang="en-US" dirty="0" smtClean="0"/>
+              <a:t>25 minutes</a:t>
+            </a:r>
+            <a:endParaRPr lang="en-US" dirty="0" smtClean="0"/>
+          </a:p>
+          <a:p>
+            <a:r>
+              <a:rPr lang="en-US" dirty="0" smtClean="0"/>
+              <a:t>Fix </a:t>
+            </a:r>
+            <a:r>
+              <a:rPr lang="en-US" dirty="0" smtClean="0"/>
+              <a:t>references…</a:t>
+            </a:r>
+          </a:p>
+          <a:p>
+            <a:r>
+              <a:rPr lang="en-US" dirty="0" smtClean="0"/>
+              <a:t>Fix that one </a:t>
+            </a:r>
+            <a:r>
+              <a:rPr lang="en-US" dirty="0" smtClean="0"/>
+              <a:t>graph</a:t>
+            </a:r>
+          </a:p>
+          <a:p>
+            <a:r>
+              <a:rPr lang="en-US" dirty="0" smtClean="0"/>
+              <a:t>Stuff in here</a:t>
             </a:r>
             <a:endParaRPr lang="en-US" dirty="0"/>
           </a:p>
@@ -7061,8 +7072,8 @@
               <a:t>MS </a:t>
             </a:r>
             <a:r>
-              <a:rPr lang="en-US" smtClean="0"/>
-              <a:t>Thesis Defense</a:t>
+              <a:rPr lang="en-US" dirty="0" smtClean="0"/>
+              <a:t>Thesis</a:t>
             </a:r>
             <a:endParaRPr lang="en-US" dirty="0"/>
           </a:p>
@@ -7345,26 +7356,46 @@
           <a:p>
             <a:r>
               <a:rPr lang="en-US" dirty="0" smtClean="0"/>
-              <a:t>Work for any file on any server without configuration.</a:t>
-            </a:r>
-          </a:p>
-          <a:p>
-            <a:r>
-              <a:rPr lang="en-US" dirty="0" smtClean="0"/>
-              <a:t>Easy for client use.</a:t>
-            </a:r>
-          </a:p>
-          <a:p>
-            <a:r>
-              <a:rPr lang="en-US" dirty="0" smtClean="0"/>
-              <a:t>No extra hardware.</a:t>
-            </a:r>
-          </a:p>
-          <a:p>
-            <a:r>
-              <a:rPr lang="en-US" dirty="0" smtClean="0"/>
-              <a:t>Work for small files.</a:t>
-            </a:r>
+              <a:t>Work for any file on any server without </a:t>
+            </a:r>
+            <a:r>
+              <a:rPr lang="en-US" dirty="0" smtClean="0"/>
+              <a:t>configuration</a:t>
+            </a:r>
+            <a:endParaRPr lang="en-US" dirty="0" smtClean="0"/>
+          </a:p>
+          <a:p>
+            <a:r>
+              <a:rPr lang="en-US" dirty="0" smtClean="0"/>
+              <a:t>Easy for client </a:t>
+            </a:r>
+            <a:r>
+              <a:rPr lang="en-US" dirty="0" smtClean="0"/>
+              <a:t>use</a:t>
+            </a:r>
+            <a:endParaRPr lang="en-US" dirty="0" smtClean="0"/>
+          </a:p>
+          <a:p>
+            <a:r>
+              <a:rPr lang="en-US" dirty="0" smtClean="0"/>
+              <a:t>No extra </a:t>
+            </a:r>
+            <a:r>
+              <a:rPr lang="en-US" dirty="0" smtClean="0"/>
+              <a:t>hardware</a:t>
+            </a:r>
+            <a:endParaRPr lang="en-US" dirty="0" smtClean="0"/>
+          </a:p>
+          <a:p>
+            <a:r>
+              <a:rPr lang="en-US" dirty="0" smtClean="0"/>
+              <a:t>Work for small </a:t>
+            </a:r>
+            <a:r>
+              <a:rPr lang="en-US" dirty="0" smtClean="0"/>
+              <a:t>files</a:t>
+            </a:r>
+            <a:endParaRPr lang="en-US" dirty="0" smtClean="0"/>
           </a:p>
           <a:p>
             <a:r>
@@ -7376,15 +7407,21 @@
             <a:pPr lvl="1"/>
             <a:r>
               <a:rPr lang="en-US" dirty="0" smtClean="0"/>
-              <a:t>Don’t cache other people’s files.</a:t>
-            </a:r>
+              <a:t>Don’t cache other people’s </a:t>
+            </a:r>
+            <a:r>
+              <a:rPr lang="en-US" dirty="0" smtClean="0"/>
+              <a:t>files</a:t>
+            </a:r>
+            <a:endParaRPr lang="en-US" dirty="0" smtClean="0"/>
           </a:p>
           <a:p>
             <a:pPr lvl="1"/>
             <a:r>
               <a:rPr lang="en-US" dirty="0" smtClean="0"/>
-              <a:t>Legal.</a:t>
-            </a:r>
+              <a:t>Legal</a:t>
+            </a:r>
+            <a:endParaRPr lang="en-US" dirty="0" smtClean="0"/>
           </a:p>
         </p:txBody>
       </p:sp>
@@ -8010,14 +8047,24 @@
           <a:p>
             <a:r>
               <a:rPr lang="en-US" dirty="0" smtClean="0"/>
-              <a:t>Run until finish.</a:t>
-            </a:r>
-          </a:p>
-          <a:p>
-            <a:r>
-              <a:rPr lang="en-US" dirty="0" smtClean="0"/>
-              <a:t>Repeat 3x.</a:t>
-            </a:r>
+              <a:t>Run until </a:t>
+            </a:r>
+            <a:r>
+              <a:rPr lang="en-US" dirty="0" smtClean="0"/>
+              <a:t>finish</a:t>
+            </a:r>
+            <a:endParaRPr lang="en-US" dirty="0" smtClean="0"/>
+          </a:p>
+          <a:p>
+            <a:r>
+              <a:rPr lang="en-US" dirty="0" smtClean="0"/>
+              <a:t>Repeat </a:t>
+            </a:r>
+            <a:r>
+              <a:rPr lang="en-US" dirty="0" smtClean="0"/>
+              <a:t>3x</a:t>
+            </a:r>
+            <a:endParaRPr lang="en-US" dirty="0" smtClean="0"/>
           </a:p>
           <a:p>
             <a:r>
@@ -8205,8 +8252,13 @@
           <a:p>
             <a:r>
               <a:rPr lang="en-US" dirty="0" smtClean="0"/>
-              <a:t>File size: 100 KB, R 128 KB/s, W 2s, T 1s, Linger 60s.  Increasing number of startup peers.</a:t>
-            </a:r>
+              <a:t>File size: 100 KB, R 128 KB/s, W 2s, T 1s, Linger 60s.  Increasing number of startup </a:t>
+            </a:r>
+            <a:r>
+              <a:rPr lang="en-US" dirty="0" smtClean="0"/>
+              <a:t>peers</a:t>
+            </a:r>
+            <a:endParaRPr lang="en-US" dirty="0" smtClean="0"/>
           </a:p>
         </p:txBody>
       </p:sp>
@@ -8289,14 +8341,24 @@
           <a:p>
             <a:r>
               <a:rPr lang="en-US" dirty="0" smtClean="0"/>
-              <a:t>99.5% transition because of T.</a:t>
-            </a:r>
-          </a:p>
-          <a:p>
-            <a:r>
-              <a:rPr lang="en-US" dirty="0" smtClean="0"/>
-              <a:t>DHT latency of 5.2 seconds.</a:t>
-            </a:r>
+              <a:t>99.5% transition because of </a:t>
+            </a:r>
+            <a:r>
+              <a:rPr lang="en-US" dirty="0" smtClean="0"/>
+              <a:t>T</a:t>
+            </a:r>
+            <a:endParaRPr lang="en-US" dirty="0" smtClean="0"/>
+          </a:p>
+          <a:p>
+            <a:r>
+              <a:rPr lang="en-US" dirty="0" smtClean="0"/>
+              <a:t>DHT latency of 5.2 </a:t>
+            </a:r>
+            <a:r>
+              <a:rPr lang="en-US" dirty="0" smtClean="0"/>
+              <a:t>seconds</a:t>
+            </a:r>
+            <a:endParaRPr lang="en-US" dirty="0" smtClean="0"/>
           </a:p>
         </p:txBody>
       </p:sp>
@@ -8577,13 +8639,15 @@
           <a:p>
             <a:r>
               <a:rPr lang="en-US" dirty="0" smtClean="0"/>
-              <a:t>R is server speed too slow.</a:t>
-            </a:r>
-          </a:p>
-          <a:p>
-            <a:r>
-              <a:rPr lang="en-US" dirty="0" smtClean="0"/>
-              <a:t>T is </a:t>
+              <a:t>R </a:t>
+            </a:r>
+            <a:r>
+              <a:rPr lang="en-US" dirty="0" smtClean="0"/>
+              <a:t>is …T </a:t>
+            </a:r>
+            <a:r>
+              <a:rPr lang="en-US" dirty="0" smtClean="0"/>
+              <a:t>is </a:t>
             </a:r>
             <a:endParaRPr lang="en-US" dirty="0"/>
           </a:p>
@@ -8819,8 +8883,13 @@
           <a:p>
             <a:r>
               <a:rPr lang="en-US" dirty="0" smtClean="0"/>
-              <a:t>1000 peers at 15/second (66 seconds).</a:t>
-            </a:r>
+              <a:t>1000 peers at 15/second (66 seconds</a:t>
+            </a:r>
+            <a:r>
+              <a:rPr lang="en-US" dirty="0" smtClean="0"/>
+              <a:t>)</a:t>
+            </a:r>
+            <a:endParaRPr lang="en-US" dirty="0" smtClean="0"/>
           </a:p>
           <a:p>
             <a:r>
@@ -8833,8 +8902,13 @@
             </a:r>
             <a:r>
               <a:rPr lang="en-US" dirty="0" smtClean="0"/>
-              <a:t>. Limit 5, R 128 KB/s, T 1s, W 2s, Linger 20 s.</a:t>
-            </a:r>
+              <a:t>. Limit 5, R 128 KB/s, T 1s, W 2s, Linger 20 </a:t>
+            </a:r>
+            <a:r>
+              <a:rPr lang="en-US" dirty="0" smtClean="0"/>
+              <a:t>s</a:t>
+            </a:r>
+            <a:endParaRPr lang="en-US" dirty="0" smtClean="0"/>
           </a:p>
           <a:p>
             <a:endParaRPr lang="en-US" dirty="0"/>
@@ -9211,20 +9285,35 @@
           <a:p>
             <a:r>
               <a:rPr lang="en-US" dirty="0" smtClean="0"/>
-              <a:t>Best time was 17 seconds with W at 0.25 seconds.</a:t>
-            </a:r>
-          </a:p>
-          <a:p>
-            <a:r>
-              <a:rPr lang="en-US" dirty="0" smtClean="0"/>
-              <a:t>Rest about 25 seconds.</a:t>
-            </a:r>
-          </a:p>
-          <a:p>
-            <a:r>
-              <a:rPr lang="en-US" dirty="0" smtClean="0"/>
-              <a:t>Lower is better, causes quicker transition, but not much difference.</a:t>
-            </a:r>
+              <a:t>Best time was 17 seconds with W at 0.25 </a:t>
+            </a:r>
+            <a:r>
+              <a:rPr lang="en-US" dirty="0" smtClean="0"/>
+              <a:t>seconds</a:t>
+            </a:r>
+            <a:endParaRPr lang="en-US" dirty="0" smtClean="0"/>
+          </a:p>
+          <a:p>
+            <a:r>
+              <a:rPr lang="en-US" dirty="0" smtClean="0"/>
+              <a:t>Rest about 25 </a:t>
+            </a:r>
+            <a:r>
+              <a:rPr lang="en-US" dirty="0" smtClean="0"/>
+              <a:t>seconds</a:t>
+            </a:r>
+            <a:endParaRPr lang="en-US" dirty="0" smtClean="0"/>
+          </a:p>
+          <a:p>
+            <a:r>
+              <a:rPr lang="en-US" dirty="0" smtClean="0"/>
+              <a:t>Lower is better, causes quicker transition, but not much </a:t>
+            </a:r>
+            <a:r>
+              <a:rPr lang="en-US" dirty="0" smtClean="0"/>
+              <a:t>difference</a:t>
+            </a:r>
+            <a:endParaRPr lang="en-US" dirty="0" smtClean="0"/>
           </a:p>
         </p:txBody>
       </p:sp>
@@ -9307,7 +9396,11 @@
           <a:p>
             <a:r>
               <a:rPr lang="en-US" dirty="0" smtClean="0"/>
-              <a:t>100 KB file, 10 15K files.</a:t>
+              <a:t>100 KB file, 10 15K </a:t>
+            </a:r>
+            <a:r>
+              <a:rPr lang="en-US" dirty="0" smtClean="0"/>
+              <a:t>files</a:t>
             </a:r>
             <a:endParaRPr lang="en-US" dirty="0"/>
           </a:p>
@@ -9355,8 +9448,13 @@
             </a:pPr>
             <a:r>
               <a:rPr lang="en-US" sz="3200" dirty="0" smtClean="0"/>
-              <a:t>10 x as much load on the DHT.</a:t>
-            </a:r>
+              <a:t>10 x as much load on the </a:t>
+            </a:r>
+            <a:r>
+              <a:rPr lang="en-US" sz="3200" dirty="0" smtClean="0"/>
+              <a:t>DHT</a:t>
+            </a:r>
+            <a:endParaRPr lang="en-US" sz="3200" dirty="0" smtClean="0"/>
           </a:p>
           <a:p>
             <a:pPr marL="342900" marR="0" lvl="0" indent="-342900" algn="l" defTabSz="914400" rtl="0" eaLnBrk="1" fontAlgn="auto" latinLnBrk="0" hangingPunct="1">
@@ -9378,7 +9476,11 @@
             </a:pPr>
             <a:r>
               <a:rPr lang="en-US" sz="3200" dirty="0" smtClean="0"/>
-              <a:t>Linger time was set to 20 seconds.</a:t>
+              <a:t>Linger time was set to 20 </a:t>
+            </a:r>
+            <a:r>
+              <a:rPr lang="en-US" sz="3200" dirty="0" smtClean="0"/>
+              <a:t>seconds</a:t>
             </a:r>
             <a:endParaRPr kumimoji="0" lang="en-US" sz="3200" b="0" i="0" u="none" strike="noStrike" kern="1200" cap="none" spc="0" normalizeH="0" baseline="0" noProof="0" dirty="0" smtClean="0">
               <a:ln>
@@ -9609,7 +9711,7 @@
         </p:spPr>
         <p:txBody>
           <a:bodyPr vert="horz" lIns="91440" tIns="45720" rIns="91440" bIns="45720" rtlCol="0">
-            <a:normAutofit fontScale="92500"/>
+            <a:normAutofit/>
           </a:bodyPr>
           <a:lstStyle/>
           <a:p>
@@ -9632,8 +9734,13 @@
             </a:pPr>
             <a:r>
               <a:rPr lang="en-US" sz="3200" dirty="0" smtClean="0"/>
-              <a:t>10.6 seconds for 32 KB blocks.</a:t>
-            </a:r>
+              <a:t>10.6 seconds for 32 KB </a:t>
+            </a:r>
+            <a:r>
+              <a:rPr lang="en-US" sz="3200" dirty="0" smtClean="0"/>
+              <a:t>blocks</a:t>
+            </a:r>
+            <a:endParaRPr lang="en-US" sz="3200" dirty="0" smtClean="0"/>
           </a:p>
           <a:p>
             <a:pPr marL="342900" marR="0" lvl="0" indent="-342900" algn="l" defTabSz="914400" rtl="0" eaLnBrk="1" fontAlgn="auto" latinLnBrk="0" hangingPunct="1">
@@ -9685,7 +9792,24 @@
                 <a:ea typeface="+mn-ea"/>
                 <a:cs typeface="+mn-cs"/>
               </a:rPr>
-              <a:t> so all blocks in parallel.</a:t>
+              <a:t> so all blocks in </a:t>
+            </a:r>
+            <a:r>
+              <a:rPr kumimoji="0" lang="en-US" sz="3200" b="0" i="0" u="none" strike="noStrike" kern="1200" cap="none" spc="0" normalizeH="0" noProof="0" dirty="0" smtClean="0">
+                <a:ln>
+                  <a:noFill/>
+                </a:ln>
+                <a:solidFill>
+                  <a:schemeClr val="tx1"/>
+                </a:solidFill>
+                <a:effectLst/>
+                <a:uLnTx/>
+                <a:uFillTx/>
+                <a:latin typeface="+mn-lt"/>
+                <a:ea typeface="+mn-ea"/>
+                <a:cs typeface="+mn-cs"/>
+              </a:rPr>
+              <a:t>parallel</a:t>
             </a:r>
             <a:endParaRPr kumimoji="0" lang="en-US" sz="3200" b="0" i="0" u="none" strike="noStrike" kern="1200" cap="none" spc="0" normalizeH="0" baseline="0" noProof="0" dirty="0" smtClean="0">
               <a:ln>
@@ -9857,6 +9981,38 @@
           <a:chExt cx="0" cy="0"/>
         </a:xfrm>
       </p:grpSpPr>
+      <p:pic>
+        <p:nvPicPr>
+          <p:cNvPr id="1027" name="Picture 3"/>
+          <p:cNvPicPr>
+            <a:picLocks noChangeAspect="1" noChangeArrowheads="1"/>
+          </p:cNvPicPr>
+          <p:nvPr/>
+        </p:nvPicPr>
+        <p:blipFill>
+          <a:blip r:embed="rId3" cstate="print"/>
+          <a:srcRect/>
+          <a:stretch>
+            <a:fillRect/>
+          </a:stretch>
+        </p:blipFill>
+        <p:spPr bwMode="auto">
+          <a:xfrm>
+            <a:off x="3657600" y="3276600"/>
+            <a:ext cx="5172075" cy="3352800"/>
+          </a:xfrm>
+          <a:prstGeom prst="rect">
+            <a:avLst/>
+          </a:prstGeom>
+          <a:noFill/>
+          <a:ln w="9525">
+            <a:noFill/>
+            <a:miter lim="800000"/>
+            <a:headEnd/>
+            <a:tailEnd/>
+          </a:ln>
+        </p:spPr>
+      </p:pic>
       <p:sp>
         <p:nvSpPr>
           <p:cNvPr id="2" name="Title 1"/>
@@ -9891,7 +10047,7 @@
           <p:nvPr/>
         </p:nvPicPr>
         <p:blipFill>
-          <a:blip r:embed="rId3" cstate="print"/>
+          <a:blip r:embed="rId4" cstate="print"/>
           <a:srcRect/>
           <a:stretch>
             <a:fillRect/>
@@ -9924,7 +10080,7 @@
           <p:nvPr/>
         </p:nvPicPr>
         <p:blipFill>
-          <a:blip r:embed="rId4" cstate="print"/>
+          <a:blip r:embed="rId5" cstate="print"/>
           <a:srcRect/>
           <a:stretch>
             <a:fillRect/>
@@ -9939,38 +10095,6 @@
             <a:avLst/>
           </a:prstGeom>
           <a:noFill/>
-        </p:spPr>
-      </p:pic>
-      <p:pic>
-        <p:nvPicPr>
-          <p:cNvPr id="1027" name="Picture 3"/>
-          <p:cNvPicPr>
-            <a:picLocks noChangeAspect="1" noChangeArrowheads="1"/>
-          </p:cNvPicPr>
-          <p:nvPr/>
-        </p:nvPicPr>
-        <p:blipFill>
-          <a:blip r:embed="rId5" cstate="print"/>
-          <a:srcRect/>
-          <a:stretch>
-            <a:fillRect/>
-          </a:stretch>
-        </p:blipFill>
-        <p:spPr bwMode="auto">
-          <a:xfrm>
-            <a:off x="3971925" y="3505200"/>
-            <a:ext cx="5172075" cy="3352800"/>
-          </a:xfrm>
-          <a:prstGeom prst="rect">
-            <a:avLst/>
-          </a:prstGeom>
-          <a:noFill/>
-          <a:ln w="9525">
-            <a:noFill/>
-            <a:miter lim="800000"/>
-            <a:headEnd/>
-            <a:tailEnd/>
-          </a:ln>
         </p:spPr>
       </p:pic>
       <p:sp>
@@ -10124,8 +10248,13 @@
           <a:p>
             <a:r>
               <a:rPr lang="en-US" dirty="0" smtClean="0"/>
-              <a:t>30 MB file.</a:t>
-            </a:r>
+              <a:t>30 MB </a:t>
+            </a:r>
+            <a:r>
+              <a:rPr lang="en-US" dirty="0" smtClean="0"/>
+              <a:t>file</a:t>
+            </a:r>
+            <a:endParaRPr lang="en-US" dirty="0" smtClean="0"/>
           </a:p>
         </p:txBody>
       </p:sp>
@@ -10322,7 +10451,24 @@
                 <a:ea typeface="+mn-ea"/>
                 <a:cs typeface="+mn-cs"/>
               </a:rPr>
-              <a:t> for both.</a:t>
+              <a:t> for </a:t>
+            </a:r>
+            <a:r>
+              <a:rPr kumimoji="0" lang="en-US" sz="3200" b="0" i="0" u="none" strike="noStrike" kern="1200" cap="none" spc="0" normalizeH="0" noProof="0" dirty="0" smtClean="0">
+                <a:ln>
+                  <a:noFill/>
+                </a:ln>
+                <a:solidFill>
+                  <a:schemeClr val="tx1"/>
+                </a:solidFill>
+                <a:effectLst/>
+                <a:uLnTx/>
+                <a:uFillTx/>
+                <a:latin typeface="+mn-lt"/>
+                <a:ea typeface="+mn-ea"/>
+                <a:cs typeface="+mn-cs"/>
+              </a:rPr>
+              <a:t>both</a:t>
             </a:r>
             <a:endParaRPr kumimoji="0" lang="en-US" sz="3200" b="0" i="0" u="none" strike="noStrike" kern="1200" cap="none" spc="0" normalizeH="0" baseline="0" noProof="0" dirty="0" smtClean="0">
               <a:ln>
@@ -10451,25 +10597,44 @@
           <a:p>
             <a:r>
               <a:rPr lang="en-US" dirty="0" smtClean="0"/>
-              <a:t>Seeds limit outgoing connections.</a:t>
-            </a:r>
-          </a:p>
-          <a:p>
-            <a:r>
-              <a:rPr lang="en-US" dirty="0" smtClean="0"/>
-              <a:t>Favors stronger connections.</a:t>
-            </a:r>
-          </a:p>
-          <a:p>
-            <a:r>
-              <a:rPr lang="en-US" dirty="0" smtClean="0"/>
-              <a:t>Dedicated tracker.</a:t>
-            </a:r>
-          </a:p>
-          <a:p>
-            <a:r>
-              <a:rPr lang="en-US" dirty="0" smtClean="0"/>
-              <a:t>Rarest Block First.</a:t>
+              <a:t>Seeds limit outgoing </a:t>
+            </a:r>
+            <a:r>
+              <a:rPr lang="en-US" dirty="0" smtClean="0"/>
+              <a:t>connections</a:t>
+            </a:r>
+            <a:endParaRPr lang="en-US" dirty="0" smtClean="0"/>
+          </a:p>
+          <a:p>
+            <a:r>
+              <a:rPr lang="en-US" dirty="0" smtClean="0"/>
+              <a:t>Favors stronger </a:t>
+            </a:r>
+            <a:r>
+              <a:rPr lang="en-US" dirty="0" smtClean="0"/>
+              <a:t>connections</a:t>
+            </a:r>
+            <a:endParaRPr lang="en-US" dirty="0" smtClean="0"/>
+          </a:p>
+          <a:p>
+            <a:r>
+              <a:rPr lang="en-US" dirty="0" smtClean="0"/>
+              <a:t>Dedicated </a:t>
+            </a:r>
+            <a:r>
+              <a:rPr lang="en-US" dirty="0" smtClean="0"/>
+              <a:t>tracker</a:t>
+            </a:r>
+            <a:endParaRPr lang="en-US" dirty="0" smtClean="0"/>
+          </a:p>
+          <a:p>
+            <a:r>
+              <a:rPr lang="en-US" dirty="0" smtClean="0"/>
+              <a:t>Rarest Block </a:t>
+            </a:r>
+            <a:r>
+              <a:rPr lang="en-US" dirty="0" smtClean="0"/>
+              <a:t>First</a:t>
             </a:r>
             <a:endParaRPr lang="en-US" dirty="0"/>
           </a:p>
@@ -10656,32 +10821,57 @@
           <a:p>
             <a:r>
               <a:rPr lang="en-US" dirty="0" smtClean="0"/>
-              <a:t>Work for any file on any server without configuration.</a:t>
-            </a:r>
-          </a:p>
-          <a:p>
-            <a:r>
-              <a:rPr lang="en-US" dirty="0" smtClean="0"/>
-              <a:t>Easy for client use.</a:t>
-            </a:r>
-          </a:p>
-          <a:p>
-            <a:r>
-              <a:rPr lang="en-US" dirty="0" smtClean="0"/>
-              <a:t>No extra dedicated hardware.</a:t>
-            </a:r>
-          </a:p>
-          <a:p>
-            <a:r>
-              <a:rPr lang="en-US" dirty="0" smtClean="0"/>
-              <a:t>Work for small files.</a:t>
-            </a:r>
-          </a:p>
-          <a:p>
-            <a:r>
-              <a:rPr lang="en-US" dirty="0" smtClean="0"/>
-              <a:t>Non intrusive.</a:t>
-            </a:r>
+              <a:t>Work for any file on any server without </a:t>
+            </a:r>
+            <a:r>
+              <a:rPr lang="en-US" dirty="0" smtClean="0"/>
+              <a:t>configuration</a:t>
+            </a:r>
+            <a:endParaRPr lang="en-US" dirty="0" smtClean="0"/>
+          </a:p>
+          <a:p>
+            <a:r>
+              <a:rPr lang="en-US" dirty="0" smtClean="0"/>
+              <a:t>Easy for client </a:t>
+            </a:r>
+            <a:r>
+              <a:rPr lang="en-US" dirty="0" smtClean="0"/>
+              <a:t>use</a:t>
+            </a:r>
+            <a:endParaRPr lang="en-US" dirty="0" smtClean="0"/>
+          </a:p>
+          <a:p>
+            <a:r>
+              <a:rPr lang="en-US" dirty="0" smtClean="0"/>
+              <a:t>No extra dedicated </a:t>
+            </a:r>
+            <a:r>
+              <a:rPr lang="en-US" dirty="0" smtClean="0"/>
+              <a:t>hardware</a:t>
+            </a:r>
+            <a:endParaRPr lang="en-US" dirty="0" smtClean="0"/>
+          </a:p>
+          <a:p>
+            <a:r>
+              <a:rPr lang="en-US" dirty="0" smtClean="0"/>
+              <a:t>Work for small </a:t>
+            </a:r>
+            <a:r>
+              <a:rPr lang="en-US" dirty="0" smtClean="0"/>
+              <a:t>files</a:t>
+            </a:r>
+            <a:endParaRPr lang="en-US" dirty="0" smtClean="0"/>
+          </a:p>
+          <a:p>
+            <a:r>
+              <a:rPr lang="en-US" dirty="0" smtClean="0"/>
+              <a:t>Non </a:t>
+            </a:r>
+            <a:r>
+              <a:rPr lang="en-US" dirty="0" smtClean="0"/>
+              <a:t>intrusive</a:t>
+            </a:r>
+            <a:endParaRPr lang="en-US" dirty="0" smtClean="0"/>
           </a:p>
         </p:txBody>
       </p:sp>
@@ -10859,7 +11049,7 @@
           <a:p>
             <a:r>
               <a:rPr lang="en-US" dirty="0" smtClean="0"/>
-              <a:t>Questions</a:t>
+              <a:t>Questions?</a:t>
             </a:r>
             <a:endParaRPr lang="en-US" dirty="0"/>
           </a:p>
@@ -10958,20 +11148,35 @@
           <a:p>
             <a:r>
               <a:rPr lang="en-US" dirty="0" smtClean="0"/>
-              <a:t>Wait around.</a:t>
-            </a:r>
-          </a:p>
-          <a:p>
-            <a:r>
-              <a:rPr lang="en-US" dirty="0" smtClean="0"/>
-              <a:t>Parallel download manager.</a:t>
-            </a:r>
-          </a:p>
-          <a:p>
-            <a:r>
-              <a:rPr lang="en-US" dirty="0" smtClean="0"/>
-              <a:t>Add a local caching proxy.</a:t>
-            </a:r>
+              <a:t>Wait </a:t>
+            </a:r>
+            <a:r>
+              <a:rPr lang="en-US" dirty="0" smtClean="0"/>
+              <a:t>around</a:t>
+            </a:r>
+            <a:endParaRPr lang="en-US" dirty="0" smtClean="0"/>
+          </a:p>
+          <a:p>
+            <a:r>
+              <a:rPr lang="en-US" dirty="0" smtClean="0"/>
+              <a:t>Parallel download </a:t>
+            </a:r>
+            <a:r>
+              <a:rPr lang="en-US" dirty="0" smtClean="0"/>
+              <a:t>manager</a:t>
+            </a:r>
+            <a:endParaRPr lang="en-US" dirty="0" smtClean="0"/>
+          </a:p>
+          <a:p>
+            <a:r>
+              <a:rPr lang="en-US" dirty="0" smtClean="0"/>
+              <a:t>Add a local caching </a:t>
+            </a:r>
+            <a:r>
+              <a:rPr lang="en-US" dirty="0" smtClean="0"/>
+              <a:t>proxy</a:t>
+            </a:r>
+            <a:endParaRPr lang="en-US" dirty="0" smtClean="0"/>
           </a:p>
         </p:txBody>
       </p:sp>
@@ -11105,8 +11310,13 @@
           <a:p>
             <a:r>
               <a:rPr lang="en-US" dirty="0" smtClean="0"/>
-              <a:t>Buy more bandwidth.</a:t>
-            </a:r>
+              <a:t>Buy more </a:t>
+            </a:r>
+            <a:r>
+              <a:rPr lang="en-US" dirty="0" smtClean="0"/>
+              <a:t>bandwidth</a:t>
+            </a:r>
+            <a:endParaRPr lang="en-US" dirty="0" smtClean="0"/>
           </a:p>
           <a:p>
             <a:r>
@@ -11266,7 +11476,7 @@
                 <a:ea typeface="+mn-ea"/>
                 <a:cs typeface="+mn-cs"/>
               </a:rPr>
-              <a:t>Overloaded.</a:t>
+              <a:t>Overloaded</a:t>
             </a:r>
             <a:endParaRPr lang="en-US" sz="3200" dirty="0" smtClean="0"/>
           </a:p>
@@ -11303,8 +11513,22 @@
                 <a:ea typeface="+mn-ea"/>
                 <a:cs typeface="+mn-cs"/>
               </a:rPr>
-              <a:t>Expensive.</a:t>
-            </a:r>
+              <a:t>Expensive</a:t>
+            </a:r>
+            <a:endParaRPr kumimoji="0" lang="en-US" sz="3200" b="0" i="0" u="none" strike="noStrike" kern="1200" cap="none" spc="0" normalizeH="0" baseline="0" noProof="0" dirty="0" smtClean="0">
+              <a:ln>
+                <a:noFill/>
+              </a:ln>
+              <a:solidFill>
+                <a:schemeClr val="tx1"/>
+              </a:solidFill>
+              <a:effectLst/>
+              <a:uLnTx/>
+              <a:uFillTx/>
+              <a:latin typeface="+mn-lt"/>
+              <a:ea typeface="+mn-ea"/>
+              <a:cs typeface="+mn-cs"/>
+            </a:endParaRPr>
           </a:p>
         </p:txBody>
       </p:sp>
@@ -11387,29 +11611,57 @@
             <a:pPr lvl="1"/>
             <a:r>
               <a:rPr lang="en-US" dirty="0" smtClean="0"/>
-              <a:t>Create + host BitTorrent File.</a:t>
-            </a:r>
+              <a:t>Create + host </a:t>
+            </a:r>
+            <a:r>
+              <a:rPr lang="en-US" dirty="0" err="1" smtClean="0"/>
+              <a:t>BitTorrent</a:t>
+            </a:r>
+            <a:r>
+              <a:rPr lang="en-US" dirty="0" smtClean="0"/>
+              <a:t> </a:t>
+            </a:r>
+            <a:r>
+              <a:rPr lang="en-US" dirty="0" smtClean="0"/>
+              <a:t>File</a:t>
+            </a:r>
+            <a:endParaRPr lang="en-US" dirty="0" smtClean="0"/>
           </a:p>
           <a:p>
             <a:pPr lvl="1"/>
             <a:r>
               <a:rPr lang="en-US" dirty="0" smtClean="0"/>
-              <a:t>Run a tracker.</a:t>
-            </a:r>
+              <a:t>Run a </a:t>
+            </a:r>
+            <a:r>
+              <a:rPr lang="en-US" dirty="0" smtClean="0"/>
+              <a:t>tracker</a:t>
+            </a:r>
+            <a:endParaRPr lang="en-US" dirty="0" smtClean="0"/>
           </a:p>
           <a:p>
             <a:pPr lvl="1"/>
             <a:r>
               <a:rPr lang="en-US" dirty="0" smtClean="0"/>
-              <a:t>Peers download and share blocks (efficiently).</a:t>
-            </a:r>
+              <a:t>Peers download and share blocks (efficiently</a:t>
+            </a:r>
+            <a:r>
+              <a:rPr lang="en-US" dirty="0" smtClean="0"/>
+              <a:t>)</a:t>
+            </a:r>
+            <a:endParaRPr lang="en-US" dirty="0" smtClean="0"/>
           </a:p>
           <a:p>
             <a:pPr lvl="1"/>
             <a:r>
               <a:rPr lang="en-US" dirty="0" smtClean="0"/>
-              <a:t>Works well for large popular files.</a:t>
-            </a:r>
+              <a:t>Works well for large popular </a:t>
+            </a:r>
+            <a:r>
+              <a:rPr lang="en-US" dirty="0" smtClean="0"/>
+              <a:t>files</a:t>
+            </a:r>
+            <a:endParaRPr lang="en-US" dirty="0" smtClean="0"/>
           </a:p>
         </p:txBody>
       </p:sp>
@@ -11546,8 +11798,13 @@
           <a:p>
             <a:r>
               <a:rPr lang="en-US" dirty="0" smtClean="0"/>
-              <a:t>Server side.</a:t>
-            </a:r>
+              <a:t>Server </a:t>
+            </a:r>
+            <a:r>
+              <a:rPr lang="en-US" dirty="0" smtClean="0"/>
+              <a:t>side</a:t>
+            </a:r>
+            <a:endParaRPr lang="en-US" dirty="0" smtClean="0"/>
           </a:p>
           <a:p>
             <a:pPr lvl="1"/>
@@ -11560,8 +11817,13 @@
             <a:pPr lvl="1"/>
             <a:r>
               <a:rPr lang="en-US" dirty="0" smtClean="0"/>
-              <a:t>Have to provide traditional anyway.</a:t>
-            </a:r>
+              <a:t>Have to provide traditional </a:t>
+            </a:r>
+            <a:r>
+              <a:rPr lang="en-US" dirty="0" smtClean="0"/>
+              <a:t>anyway</a:t>
+            </a:r>
+            <a:endParaRPr lang="en-US" dirty="0" smtClean="0"/>
           </a:p>
           <a:p>
             <a:pPr lvl="2"/>
@@ -11574,29 +11836,45 @@
             <a:pPr lvl="1"/>
             <a:r>
               <a:rPr lang="en-US" dirty="0" smtClean="0"/>
-              <a:t>Stigma.</a:t>
-            </a:r>
+              <a:t>Stigma</a:t>
+            </a:r>
+            <a:endParaRPr lang="en-US" dirty="0" smtClean="0"/>
           </a:p>
           <a:p>
             <a:pPr lvl="1"/>
             <a:r>
               <a:rPr lang="en-US" dirty="0" smtClean="0"/>
-              <a:t>Extra maintenance.</a:t>
-            </a:r>
+              <a:t>Extra </a:t>
+            </a:r>
+            <a:r>
+              <a:rPr lang="en-US" dirty="0" smtClean="0"/>
+              <a:t>maintenance</a:t>
+            </a:r>
+            <a:endParaRPr lang="en-US" dirty="0" smtClean="0"/>
           </a:p>
           <a:p>
             <a:pPr lvl="1"/>
             <a:r>
               <a:rPr lang="en-US" dirty="0" smtClean="0"/>
-              <a:t>Large Files.</a:t>
-            </a:r>
+              <a:t>Large </a:t>
+            </a:r>
+            <a:r>
+              <a:rPr lang="en-US" dirty="0" smtClean="0"/>
+              <a:t>Files</a:t>
+            </a:r>
+            <a:endParaRPr lang="en-US" dirty="0" smtClean="0"/>
           </a:p>
           <a:p>
             <a:pPr lvl="1"/>
             <a:r>
               <a:rPr lang="en-US" dirty="0" smtClean="0"/>
-              <a:t>Unknown demand.</a:t>
-            </a:r>
+              <a:t>Unknown </a:t>
+            </a:r>
+            <a:r>
+              <a:rPr lang="en-US" dirty="0" smtClean="0"/>
+              <a:t>demand</a:t>
+            </a:r>
+            <a:endParaRPr lang="en-US" dirty="0" smtClean="0"/>
           </a:p>
         </p:txBody>
       </p:sp>
@@ -11681,8 +11959,13 @@
             <a:pPr lvl="1"/>
             <a:r>
               <a:rPr lang="en-US" dirty="0" smtClean="0"/>
-              <a:t>Extra setup/time per file.</a:t>
-            </a:r>
+              <a:t>Extra setup/time per </a:t>
+            </a:r>
+            <a:r>
+              <a:rPr lang="en-US" dirty="0" smtClean="0"/>
+              <a:t>file</a:t>
+            </a:r>
+            <a:endParaRPr lang="en-US" dirty="0" smtClean="0"/>
           </a:p>
           <a:p>
             <a:pPr lvl="2"/>
@@ -11702,22 +11985,33 @@
             <a:pPr lvl="1"/>
             <a:r>
               <a:rPr lang="en-US" dirty="0" smtClean="0"/>
-              <a:t>Not integrated.</a:t>
-            </a:r>
+              <a:t>Not </a:t>
+            </a:r>
+            <a:r>
+              <a:rPr lang="en-US" dirty="0" smtClean="0"/>
+              <a:t>integrated</a:t>
+            </a:r>
+            <a:endParaRPr lang="en-US" dirty="0" smtClean="0"/>
           </a:p>
           <a:p>
             <a:pPr lvl="2"/>
             <a:r>
               <a:rPr lang="en-US" dirty="0" smtClean="0"/>
-              <a:t>Manual.</a:t>
-            </a:r>
+              <a:t>Manual</a:t>
+            </a:r>
+            <a:endParaRPr lang="en-US" dirty="0" smtClean="0"/>
           </a:p>
           <a:p>
             <a:pPr lvl="2"/>
             <a:r>
               <a:rPr lang="en-US" dirty="0" smtClean="0"/>
-              <a:t>Not HTTP optimized.</a:t>
-            </a:r>
+              <a:t>Not HTTP </a:t>
+            </a:r>
+            <a:r>
+              <a:rPr lang="en-US" dirty="0" smtClean="0"/>
+              <a:t>optimized</a:t>
+            </a:r>
+            <a:endParaRPr lang="en-US" dirty="0" smtClean="0"/>
           </a:p>
           <a:p>
             <a:pPr lvl="1"/>
@@ -11748,15 +12042,21 @@
             <a:pPr lvl="3"/>
             <a:r>
               <a:rPr lang="en-US" dirty="0" smtClean="0"/>
-              <a:t>Transition ?</a:t>
-            </a:r>
+              <a:t>Not enough seeds</a:t>
+            </a:r>
+            <a:endParaRPr lang="en-US" dirty="0" smtClean="0"/>
           </a:p>
           <a:p>
             <a:pPr lvl="1"/>
             <a:r>
               <a:rPr lang="en-US" dirty="0" smtClean="0"/>
-              <a:t>Not available.</a:t>
-            </a:r>
+              <a:t>Not </a:t>
+            </a:r>
+            <a:r>
+              <a:rPr lang="en-US" dirty="0" smtClean="0"/>
+              <a:t>available</a:t>
+            </a:r>
+            <a:endParaRPr lang="en-US" dirty="0" smtClean="0"/>
           </a:p>
         </p:txBody>
       </p:sp>

--- a/thesis_presentation/How to Make the Internet Faster.pptx
+++ b/thesis_presentation/How to Make the Internet Faster.pptx
@@ -558,18 +558,12 @@
           </a:p>
           <a:p>
             <a:r>
-              <a:rPr lang="en-US" dirty="0" smtClean="0"/>
+              <a:rPr lang="en-US" smtClean="0"/>
               <a:t>Fix </a:t>
             </a:r>
             <a:r>
               <a:rPr lang="en-US" dirty="0" smtClean="0"/>
-              <a:t>references…</a:t>
-            </a:r>
-          </a:p>
-          <a:p>
-            <a:r>
-              <a:rPr lang="en-US" dirty="0" smtClean="0"/>
-              <a:t>Fix that one </a:t>
+              <a:t>that one </a:t>
             </a:r>
             <a:r>
               <a:rPr lang="en-US" dirty="0" smtClean="0"/>

--- a/thesis_presentation/How to Make the Internet Faster.pptx
+++ b/thesis_presentation/How to Make the Internet Faster.pptx
@@ -5,7 +5,7 @@
     <p:sldMasterId id="2147483648" r:id="rId1"/>
   </p:sldMasterIdLst>
   <p:notesMasterIdLst>
-    <p:notesMasterId r:id="rId38"/>
+    <p:notesMasterId r:id="rId35"/>
   </p:notesMasterIdLst>
   <p:sldIdLst>
     <p:sldId id="256" r:id="rId2"/>
@@ -21,29 +21,26 @@
     <p:sldId id="293" r:id="rId12"/>
     <p:sldId id="288" r:id="rId13"/>
     <p:sldId id="266" r:id="rId14"/>
-    <p:sldId id="267" r:id="rId15"/>
-    <p:sldId id="286" r:id="rId16"/>
-    <p:sldId id="285" r:id="rId17"/>
-    <p:sldId id="302" r:id="rId18"/>
-    <p:sldId id="268" r:id="rId19"/>
-    <p:sldId id="269" r:id="rId20"/>
-    <p:sldId id="303" r:id="rId21"/>
-    <p:sldId id="281" r:id="rId22"/>
-    <p:sldId id="270" r:id="rId23"/>
-    <p:sldId id="271" r:id="rId24"/>
-    <p:sldId id="272" r:id="rId25"/>
-    <p:sldId id="273" r:id="rId26"/>
-    <p:sldId id="274" r:id="rId27"/>
-    <p:sldId id="275" r:id="rId28"/>
-    <p:sldId id="276" r:id="rId29"/>
-    <p:sldId id="277" r:id="rId30"/>
-    <p:sldId id="290" r:id="rId31"/>
-    <p:sldId id="278" r:id="rId32"/>
-    <p:sldId id="294" r:id="rId33"/>
-    <p:sldId id="279" r:id="rId34"/>
-    <p:sldId id="298" r:id="rId35"/>
-    <p:sldId id="280" r:id="rId36"/>
-    <p:sldId id="292" r:id="rId37"/>
+    <p:sldId id="305" r:id="rId15"/>
+    <p:sldId id="306" r:id="rId16"/>
+    <p:sldId id="267" r:id="rId17"/>
+    <p:sldId id="285" r:id="rId18"/>
+    <p:sldId id="302" r:id="rId19"/>
+    <p:sldId id="268" r:id="rId20"/>
+    <p:sldId id="307" r:id="rId21"/>
+    <p:sldId id="269" r:id="rId22"/>
+    <p:sldId id="303" r:id="rId23"/>
+    <p:sldId id="281" r:id="rId24"/>
+    <p:sldId id="270" r:id="rId25"/>
+    <p:sldId id="274" r:id="rId26"/>
+    <p:sldId id="275" r:id="rId27"/>
+    <p:sldId id="277" r:id="rId28"/>
+    <p:sldId id="278" r:id="rId29"/>
+    <p:sldId id="294" r:id="rId30"/>
+    <p:sldId id="279" r:id="rId31"/>
+    <p:sldId id="298" r:id="rId32"/>
+    <p:sldId id="280" r:id="rId33"/>
+    <p:sldId id="292" r:id="rId34"/>
   </p:sldIdLst>
   <p:sldSz cx="9144000" cy="6858000" type="screen4x3"/>
   <p:notesSz cx="6858000" cy="9144000"/>
@@ -542,40 +539,27 @@
           <a:p>
             <a:r>
               <a:rPr lang="en-US" dirty="0" smtClean="0"/>
-              <a:t>Formal, use </a:t>
-            </a:r>
-            <a:r>
-              <a:rPr lang="en-US" dirty="0" smtClean="0"/>
-              <a:t>“automatic swarming” or I</a:t>
-            </a:r>
-          </a:p>
-          <a:p>
-            <a:r>
-              <a:rPr lang="en-US" dirty="0" smtClean="0"/>
-              <a:t>25 minutes</a:t>
+              <a:t>Formal</a:t>
+            </a:r>
+          </a:p>
+          <a:p>
+            <a:r>
+              <a:rPr lang="en-US" dirty="0" smtClean="0"/>
+              <a:t>use “automatic swarming” or I</a:t>
+            </a:r>
+          </a:p>
+          <a:p>
+            <a:r>
+              <a:rPr lang="en-US" dirty="0" smtClean="0"/>
+              <a:t>25 minutes or so</a:t>
+            </a:r>
+          </a:p>
+          <a:p>
+            <a:r>
+              <a:rPr lang="en-US" dirty="0" smtClean="0"/>
+              <a:t>Nothing in hands</a:t>
             </a:r>
             <a:endParaRPr lang="en-US" dirty="0" smtClean="0"/>
-          </a:p>
-          <a:p>
-            <a:r>
-              <a:rPr lang="en-US" smtClean="0"/>
-              <a:t>Fix </a:t>
-            </a:r>
-            <a:r>
-              <a:rPr lang="en-US" dirty="0" smtClean="0"/>
-              <a:t>that one </a:t>
-            </a:r>
-            <a:r>
-              <a:rPr lang="en-US" dirty="0" smtClean="0"/>
-              <a:t>graph</a:t>
-            </a:r>
-          </a:p>
-          <a:p>
-            <a:r>
-              <a:rPr lang="en-US" dirty="0" smtClean="0"/>
-              <a:t>Stuff in here</a:t>
-            </a:r>
-            <a:endParaRPr lang="en-US" dirty="0"/>
           </a:p>
         </p:txBody>
       </p:sp>
@@ -657,22 +641,6 @@
           </a:bodyPr>
           <a:lstStyle/>
           <a:p>
-            <a:r>
-              <a:rPr lang="en-US" dirty="0" smtClean="0"/>
-              <a:t>The more general problem is that when downloading typical files from the</a:t>
-            </a:r>
-            <a:r>
-              <a:rPr lang="en-US" baseline="0" dirty="0" smtClean="0"/>
-              <a:t> Internet, </a:t>
-            </a:r>
-            <a:r>
-              <a:rPr lang="en-US" baseline="0" dirty="0" err="1" smtClean="0"/>
-              <a:t>Bittorrent</a:t>
-            </a:r>
-            <a:r>
-              <a:rPr lang="en-US" baseline="0" dirty="0" smtClean="0"/>
-              <a:t> cannot come to your aid.</a:t>
-            </a:r>
             <a:endParaRPr lang="en-US" dirty="0"/>
           </a:p>
         </p:txBody>
@@ -838,22 +806,10 @@
           <a:lstStyle/>
           <a:p>
             <a:r>
-              <a:rPr lang="en-US" dirty="0" smtClean="0"/>
-              <a:t>Also: only go to P2P when necessary</a:t>
-            </a:r>
-            <a:r>
               <a:rPr lang="en-US" baseline="0" dirty="0" smtClean="0"/>
-              <a:t> (try to always be as fast as normal download).</a:t>
-            </a:r>
-          </a:p>
-          <a:p>
+              <a:t>Something like this, should it exist, would be quite useful if it were built into IE.</a:t>
+            </a:r>
             <a:endParaRPr lang="en-US" baseline="0" dirty="0" smtClean="0"/>
-          </a:p>
-          <a:p>
-            <a:r>
-              <a:rPr lang="en-US" baseline="0" dirty="0" smtClean="0"/>
-              <a:t>These goals overcome those deficiencies.</a:t>
-            </a:r>
           </a:p>
         </p:txBody>
       </p:sp>
@@ -1018,26 +974,16 @@
           <a:lstStyle/>
           <a:p>
             <a:r>
-              <a:rPr lang="en-US" dirty="0" smtClean="0"/>
-              <a:t>Convert</a:t>
+              <a:rPr lang="en-US" dirty="0" err="1" smtClean="0"/>
+              <a:t>Lodo</a:t>
+            </a:r>
+            <a:r>
+              <a:rPr lang="en-US" dirty="0" smtClean="0"/>
+              <a:t>: Add picture</a:t>
             </a:r>
             <a:r>
               <a:rPr lang="en-US" baseline="0" dirty="0" smtClean="0"/>
-              <a:t> this and the next one to mimic the description in the Thesis.</a:t>
-            </a:r>
-          </a:p>
-          <a:p>
-            <a:r>
-              <a:rPr lang="en-US" baseline="0" dirty="0" smtClean="0"/>
-              <a:t>Make sure I define </a:t>
-            </a:r>
-            <a:r>
-              <a:rPr lang="en-US" baseline="0" dirty="0" err="1" smtClean="0"/>
-              <a:t>OpenDHT</a:t>
-            </a:r>
-            <a:r>
-              <a:rPr lang="en-US" baseline="0" dirty="0" smtClean="0"/>
-              <a:t> before using it.</a:t>
+              <a:t> for remove, too.</a:t>
             </a:r>
             <a:endParaRPr lang="en-US" dirty="0"/>
           </a:p>
@@ -1061,7 +1007,7 @@
             <a:fld id="{CFD85767-B34F-4122-8642-982296400DCD}" type="slidenum">
               <a:rPr lang="en-US" smtClean="0"/>
               <a:pPr/>
-              <a:t>14</a:t>
+              <a:t>16</a:t>
             </a:fld>
             <a:endParaRPr lang="en-US"/>
           </a:p>
@@ -1121,7 +1067,7 @@
           </a:bodyPr>
           <a:lstStyle/>
           <a:p>
-            <a:endParaRPr lang="en-US" dirty="0"/>
+            <a:endParaRPr lang="en-US"/>
           </a:p>
         </p:txBody>
       </p:sp>
@@ -1143,7 +1089,7 @@
             <a:fld id="{CFD85767-B34F-4122-8642-982296400DCD}" type="slidenum">
               <a:rPr lang="en-US" smtClean="0"/>
               <a:pPr/>
-              <a:t>15</a:t>
+              <a:t>17</a:t>
             </a:fld>
             <a:endParaRPr lang="en-US"/>
           </a:p>
@@ -1203,7 +1149,7 @@
           </a:bodyPr>
           <a:lstStyle/>
           <a:p>
-            <a:endParaRPr lang="en-US"/>
+            <a:endParaRPr lang="en-US" dirty="0"/>
           </a:p>
         </p:txBody>
       </p:sp>
@@ -1225,7 +1171,7 @@
             <a:fld id="{CFD85767-B34F-4122-8642-982296400DCD}" type="slidenum">
               <a:rPr lang="en-US" smtClean="0"/>
               <a:pPr/>
-              <a:t>16</a:t>
+              <a:t>18</a:t>
             </a:fld>
             <a:endParaRPr lang="en-US"/>
           </a:p>
@@ -1286,10 +1232,63 @@
           <a:lstStyle/>
           <a:p>
             <a:r>
-              <a:rPr lang="en-US" dirty="0" smtClean="0"/>
-              <a:t>How many peers. (load)</a:t>
-            </a:r>
-            <a:endParaRPr lang="en-US" dirty="0"/>
+              <a:rPr lang="en-US" sz="1200" kern="1200" baseline="0" dirty="0" smtClean="0">
+                <a:solidFill>
+                  <a:schemeClr val="tx1"/>
+                </a:solidFill>
+                <a:latin typeface="+mn-lt"/>
+                <a:ea typeface="+mn-ea"/>
+                <a:cs typeface="+mn-cs"/>
+              </a:rPr>
+              <a:t>Note </a:t>
+            </a:r>
+            <a:r>
+              <a:rPr lang="en-US" sz="1200" kern="1200" baseline="0" dirty="0" smtClean="0">
+                <a:solidFill>
+                  <a:schemeClr val="tx1"/>
+                </a:solidFill>
+                <a:latin typeface="+mn-lt"/>
+                <a:ea typeface="+mn-ea"/>
+                <a:cs typeface="+mn-cs"/>
+              </a:rPr>
+              <a:t>that a semi-popular website might serve half a</a:t>
+            </a:r>
+          </a:p>
+          <a:p>
+            <a:r>
+              <a:rPr lang="en-US" sz="1200" kern="1200" baseline="0" dirty="0" smtClean="0">
+                <a:solidFill>
+                  <a:schemeClr val="tx1"/>
+                </a:solidFill>
+                <a:latin typeface="+mn-lt"/>
+                <a:ea typeface="+mn-ea"/>
+                <a:cs typeface="+mn-cs"/>
+              </a:rPr>
+              <a:t>million hits a day, which averages to 6 per second, so our limit of 20 per second is similar, if</a:t>
+            </a:r>
+          </a:p>
+          <a:p>
+            <a:r>
+              <a:rPr lang="en-US" sz="1200" kern="1200" baseline="0" dirty="0" smtClean="0">
+                <a:solidFill>
+                  <a:schemeClr val="tx1"/>
+                </a:solidFill>
+                <a:latin typeface="+mn-lt"/>
+                <a:ea typeface="+mn-ea"/>
+                <a:cs typeface="+mn-cs"/>
+              </a:rPr>
+              <a:t>you take into consideration spikes in load.</a:t>
+            </a:r>
+          </a:p>
+          <a:p>
+            <a:endParaRPr lang="en-US" sz="1200" kern="1200" baseline="0" dirty="0" smtClean="0">
+              <a:solidFill>
+                <a:schemeClr val="tx1"/>
+              </a:solidFill>
+              <a:latin typeface="+mn-lt"/>
+              <a:ea typeface="+mn-ea"/>
+              <a:cs typeface="+mn-cs"/>
+            </a:endParaRPr>
           </a:p>
         </p:txBody>
       </p:sp>
@@ -1311,7 +1310,7 @@
             <a:fld id="{CFD85767-B34F-4122-8642-982296400DCD}" type="slidenum">
               <a:rPr lang="en-US" smtClean="0"/>
               <a:pPr/>
-              <a:t>17</a:t>
+              <a:t>19</a:t>
             </a:fld>
             <a:endParaRPr lang="en-US"/>
           </a:p>
@@ -1371,76 +1370,7 @@
           </a:bodyPr>
           <a:lstStyle/>
           <a:p>
-            <a:r>
-              <a:rPr lang="en-US" sz="1200" kern="1200" baseline="0" dirty="0" smtClean="0">
-                <a:solidFill>
-                  <a:schemeClr val="tx1"/>
-                </a:solidFill>
-                <a:latin typeface="+mn-lt"/>
-                <a:ea typeface="+mn-ea"/>
-                <a:cs typeface="+mn-cs"/>
-              </a:rPr>
-              <a:t>Describe what did, then the results.</a:t>
-            </a:r>
-          </a:p>
-          <a:p>
-            <a:endParaRPr lang="en-US" sz="1200" kern="1200" baseline="0" dirty="0" smtClean="0">
-              <a:solidFill>
-                <a:schemeClr val="tx1"/>
-              </a:solidFill>
-              <a:latin typeface="+mn-lt"/>
-              <a:ea typeface="+mn-ea"/>
-              <a:cs typeface="+mn-cs"/>
-            </a:endParaRPr>
-          </a:p>
-          <a:p>
-            <a:r>
-              <a:rPr lang="en-US" sz="1200" kern="1200" baseline="0" dirty="0" smtClean="0">
-                <a:solidFill>
-                  <a:schemeClr val="tx1"/>
-                </a:solidFill>
-                <a:latin typeface="+mn-lt"/>
-                <a:ea typeface="+mn-ea"/>
-                <a:cs typeface="+mn-cs"/>
-              </a:rPr>
-              <a:t>Note that a semi-popular website might serve half a</a:t>
-            </a:r>
-          </a:p>
-          <a:p>
-            <a:r>
-              <a:rPr lang="en-US" sz="1200" kern="1200" baseline="0" dirty="0" smtClean="0">
-                <a:solidFill>
-                  <a:schemeClr val="tx1"/>
-                </a:solidFill>
-                <a:latin typeface="+mn-lt"/>
-                <a:ea typeface="+mn-ea"/>
-                <a:cs typeface="+mn-cs"/>
-              </a:rPr>
-              <a:t>million hits a day, which averages to 6 per second, so our limit of 20 per second is similar, if</a:t>
-            </a:r>
-          </a:p>
-          <a:p>
-            <a:r>
-              <a:rPr lang="en-US" sz="1200" kern="1200" baseline="0" dirty="0" smtClean="0">
-                <a:solidFill>
-                  <a:schemeClr val="tx1"/>
-                </a:solidFill>
-                <a:latin typeface="+mn-lt"/>
-                <a:ea typeface="+mn-ea"/>
-                <a:cs typeface="+mn-cs"/>
-              </a:rPr>
-              <a:t>you take into consideration spikes in load.</a:t>
-            </a:r>
-          </a:p>
-          <a:p>
-            <a:endParaRPr lang="en-US" sz="1200" kern="1200" baseline="0" dirty="0" smtClean="0">
-              <a:solidFill>
-                <a:schemeClr val="tx1"/>
-              </a:solidFill>
-              <a:latin typeface="+mn-lt"/>
-              <a:ea typeface="+mn-ea"/>
-              <a:cs typeface="+mn-cs"/>
-            </a:endParaRPr>
+            <a:endParaRPr lang="en-US" dirty="0"/>
           </a:p>
         </p:txBody>
       </p:sp>
@@ -1462,7 +1392,7 @@
             <a:fld id="{CFD85767-B34F-4122-8642-982296400DCD}" type="slidenum">
               <a:rPr lang="en-US" smtClean="0"/>
               <a:pPr/>
-              <a:t>18</a:t>
+              <a:t>21</a:t>
             </a:fld>
             <a:endParaRPr lang="en-US"/>
           </a:p>
@@ -1522,7 +1452,7 @@
           </a:bodyPr>
           <a:lstStyle/>
           <a:p>
-            <a:endParaRPr lang="en-US" dirty="0"/>
+            <a:endParaRPr lang="en-US" baseline="0" dirty="0" smtClean="0"/>
           </a:p>
         </p:txBody>
       </p:sp>
@@ -1544,7 +1474,7 @@
             <a:fld id="{CFD85767-B34F-4122-8642-982296400DCD}" type="slidenum">
               <a:rPr lang="en-US" smtClean="0"/>
               <a:pPr/>
-              <a:t>19</a:t>
+              <a:t>22</a:t>
             </a:fld>
             <a:endParaRPr lang="en-US"/>
           </a:p>
@@ -1686,26 +1616,7 @@
           </a:bodyPr>
           <a:lstStyle/>
           <a:p>
-            <a:r>
-              <a:rPr lang="en-US" dirty="0" smtClean="0"/>
-              <a:t>TODO finish.</a:t>
-            </a:r>
-          </a:p>
-          <a:p>
-            <a:r>
-              <a:rPr lang="en-US" dirty="0" smtClean="0"/>
-              <a:t>R – x</a:t>
-            </a:r>
-          </a:p>
-          <a:p>
-            <a:r>
-              <a:rPr lang="en-US" dirty="0" smtClean="0"/>
-              <a:t>T –</a:t>
-            </a:r>
-            <a:r>
-              <a:rPr lang="en-US" baseline="0" dirty="0" smtClean="0"/>
-              <a:t> y (one line)</a:t>
-            </a:r>
+            <a:endParaRPr lang="en-US" dirty="0"/>
           </a:p>
         </p:txBody>
       </p:sp>
@@ -1727,7 +1638,7 @@
             <a:fld id="{CFD85767-B34F-4122-8642-982296400DCD}" type="slidenum">
               <a:rPr lang="en-US" smtClean="0"/>
               <a:pPr/>
-              <a:t>20</a:t>
+              <a:t>23</a:t>
             </a:fld>
             <a:endParaRPr lang="en-US"/>
           </a:p>
@@ -1787,10 +1698,6 @@
           </a:bodyPr>
           <a:lstStyle/>
           <a:p>
-            <a:r>
-              <a:rPr lang="en-US" dirty="0" smtClean="0"/>
-              <a:t>Add 30x faster</a:t>
-            </a:r>
             <a:endParaRPr lang="en-US" dirty="0"/>
           </a:p>
         </p:txBody>
@@ -1813,7 +1720,7 @@
             <a:fld id="{CFD85767-B34F-4122-8642-982296400DCD}" type="slidenum">
               <a:rPr lang="en-US" smtClean="0"/>
               <a:pPr/>
-              <a:t>21</a:t>
+              <a:t>24</a:t>
             </a:fld>
             <a:endParaRPr lang="en-US"/>
           </a:p>
@@ -1873,22 +1780,6 @@
           </a:bodyPr>
           <a:lstStyle/>
           <a:p>
-            <a:r>
-              <a:rPr lang="en-US" dirty="0" smtClean="0"/>
-              <a:t>Summarize in text (one slide), the optimal</a:t>
-            </a:r>
-            <a:r>
-              <a:rPr lang="en-US" baseline="0" dirty="0" smtClean="0"/>
-              <a:t> settings for </a:t>
-            </a:r>
-            <a:r>
-              <a:rPr lang="en-US" baseline="0" dirty="0" err="1" smtClean="0"/>
-              <a:t>t,r,w</a:t>
-            </a:r>
-            <a:r>
-              <a:rPr lang="en-US" baseline="0" dirty="0" smtClean="0"/>
-              <a:t>, block size. (for this server, this work load).</a:t>
-            </a:r>
             <a:endParaRPr lang="en-US" dirty="0"/>
           </a:p>
         </p:txBody>
@@ -1911,7 +1802,7 @@
             <a:fld id="{CFD85767-B34F-4122-8642-982296400DCD}" type="slidenum">
               <a:rPr lang="en-US" smtClean="0"/>
               <a:pPr/>
-              <a:t>22</a:t>
+              <a:t>25</a:t>
             </a:fld>
             <a:endParaRPr lang="en-US"/>
           </a:p>
@@ -1993,7 +1884,7 @@
             <a:fld id="{CFD85767-B34F-4122-8642-982296400DCD}" type="slidenum">
               <a:rPr lang="en-US" smtClean="0"/>
               <a:pPr/>
-              <a:t>23</a:t>
+              <a:t>26</a:t>
             </a:fld>
             <a:endParaRPr lang="en-US"/>
           </a:p>
@@ -2053,7 +1944,7 @@
           </a:bodyPr>
           <a:lstStyle/>
           <a:p>
-            <a:endParaRPr lang="en-US" dirty="0" smtClean="0"/>
+            <a:endParaRPr lang="en-US"/>
           </a:p>
         </p:txBody>
       </p:sp>
@@ -2075,7 +1966,7 @@
             <a:fld id="{CFD85767-B34F-4122-8642-982296400DCD}" type="slidenum">
               <a:rPr lang="en-US" smtClean="0"/>
               <a:pPr/>
-              <a:t>24</a:t>
+              <a:t>27</a:t>
             </a:fld>
             <a:endParaRPr lang="en-US"/>
           </a:p>
@@ -2137,19 +2028,19 @@
           <a:p>
             <a:r>
               <a:rPr lang="en-US" dirty="0" smtClean="0"/>
-              <a:t>Similar</a:t>
+              <a:t>“Ours doesn’t perform</a:t>
             </a:r>
             <a:r>
               <a:rPr lang="en-US" baseline="0" dirty="0" smtClean="0"/>
-              <a:t> change to R</a:t>
-            </a:r>
-            <a:r>
-              <a:rPr lang="en-US" dirty="0" smtClean="0"/>
-              <a:t>.  Because it</a:t>
+              <a:t> as </a:t>
+            </a:r>
+            <a:r>
+              <a:rPr lang="en-US" dirty="0" smtClean="0"/>
+              <a:t>well as BT for</a:t>
             </a:r>
             <a:r>
               <a:rPr lang="en-US" baseline="0" dirty="0" smtClean="0"/>
-              <a:t> only affected at most the first few,  because after that the server became saturated and T would always fire first.</a:t>
+              <a:t> large files.”</a:t>
             </a:r>
           </a:p>
           <a:p>
@@ -2158,9 +2049,8 @@
           <a:p>
             <a:r>
               <a:rPr lang="en-US" baseline="0" dirty="0" smtClean="0"/>
-              <a:t>Probably want that “other” graph in here, too, then, to show “oh it’s all T”?</a:t>
-            </a:r>
-            <a:endParaRPr lang="en-US" dirty="0"/>
+              <a:t>You can see that at about 730 to 882 seconds most of our peers finish the file, and most of the peers download it from peers, so once we get the file out there we work all right, but we could do some work still to increase our speed of propagating the blocks.”</a:t>
+            </a:r>
           </a:p>
         </p:txBody>
       </p:sp>
@@ -2182,7 +2072,7 @@
             <a:fld id="{CFD85767-B34F-4122-8642-982296400DCD}" type="slidenum">
               <a:rPr lang="en-US" smtClean="0"/>
               <a:pPr/>
-              <a:t>25</a:t>
+              <a:t>28</a:t>
             </a:fld>
             <a:endParaRPr lang="en-US"/>
           </a:p>
@@ -2242,20 +2132,6 @@
           </a:bodyPr>
           <a:lstStyle/>
           <a:p>
-            <a:r>
-              <a:rPr lang="en-US" dirty="0" smtClean="0"/>
-              <a:t>Note that our linger time was 20</a:t>
-            </a:r>
-            <a:r>
-              <a:rPr lang="en-US" baseline="0" dirty="0" smtClean="0"/>
-              <a:t> seconds, so the DHT was becoming less effective under higher load.</a:t>
-            </a:r>
-          </a:p>
-          <a:p>
-            <a:r>
-              <a:rPr lang="en-US" baseline="0" dirty="0" smtClean="0"/>
-              <a:t>This is essentially like 10 times as much load as we were putting on the system before.</a:t>
-            </a:r>
             <a:endParaRPr lang="en-US" dirty="0"/>
           </a:p>
         </p:txBody>
@@ -2278,7 +2154,7 @@
             <a:fld id="{CFD85767-B34F-4122-8642-982296400DCD}" type="slidenum">
               <a:rPr lang="en-US" smtClean="0"/>
               <a:pPr/>
-              <a:t>26</a:t>
+              <a:t>29</a:t>
             </a:fld>
             <a:endParaRPr lang="en-US"/>
           </a:p>
@@ -2338,7 +2214,7 @@
           </a:bodyPr>
           <a:lstStyle/>
           <a:p>
-            <a:endParaRPr lang="en-US"/>
+            <a:endParaRPr lang="en-US" dirty="0"/>
           </a:p>
         </p:txBody>
       </p:sp>
@@ -2360,7 +2236,7 @@
             <a:fld id="{CFD85767-B34F-4122-8642-982296400DCD}" type="slidenum">
               <a:rPr lang="en-US" smtClean="0"/>
               <a:pPr/>
-              <a:t>27</a:t>
+              <a:t>30</a:t>
             </a:fld>
             <a:endParaRPr lang="en-US"/>
           </a:p>
@@ -2420,14 +2296,6 @@
           </a:bodyPr>
           <a:lstStyle/>
           <a:p>
-            <a:r>
-              <a:rPr lang="en-US" dirty="0" smtClean="0"/>
-              <a:t>Fastest</a:t>
-            </a:r>
-            <a:r>
-              <a:rPr lang="en-US" baseline="0" dirty="0" smtClean="0"/>
-              <a:t> was 32 KB, presumably because I download from the last few peers in parallel, so this fits best.</a:t>
-            </a:r>
             <a:endParaRPr lang="en-US" dirty="0"/>
           </a:p>
         </p:txBody>
@@ -2450,7 +2318,7 @@
             <a:fld id="{CFD85767-B34F-4122-8642-982296400DCD}" type="slidenum">
               <a:rPr lang="en-US" smtClean="0"/>
               <a:pPr/>
-              <a:t>28</a:t>
+              <a:t>31</a:t>
             </a:fld>
             <a:endParaRPr lang="en-US"/>
           </a:p>
@@ -2510,7 +2378,7 @@
           </a:bodyPr>
           <a:lstStyle/>
           <a:p>
-            <a:endParaRPr lang="en-US"/>
+            <a:endParaRPr lang="en-US" dirty="0"/>
           </a:p>
         </p:txBody>
       </p:sp>
@@ -2532,7 +2400,7 @@
             <a:fld id="{CFD85767-B34F-4122-8642-982296400DCD}" type="slidenum">
               <a:rPr lang="en-US" smtClean="0"/>
               <a:pPr/>
-              <a:t>29</a:t>
+              <a:t>32</a:t>
             </a:fld>
             <a:endParaRPr lang="en-US"/>
           </a:p>
@@ -2592,31 +2460,7 @@
           </a:bodyPr>
           <a:lstStyle/>
           <a:p>
-            <a:r>
-              <a:rPr lang="en-US" dirty="0" err="1" smtClean="0"/>
-              <a:t>Serv</a:t>
-            </a:r>
-            <a:endParaRPr lang="en-US" dirty="0" smtClean="0"/>
-          </a:p>
-          <a:p>
-            <a:r>
-              <a:rPr lang="en-US" dirty="0" err="1" smtClean="0"/>
-              <a:t>Lodo</a:t>
-            </a:r>
-            <a:r>
-              <a:rPr lang="en-US" dirty="0" smtClean="0"/>
-              <a:t>:</a:t>
-            </a:r>
-          </a:p>
-          <a:p>
-            <a:r>
-              <a:rPr lang="en-US" dirty="0" smtClean="0"/>
-              <a:t>Add</a:t>
-            </a:r>
-            <a:r>
-              <a:rPr lang="en-US" baseline="0" dirty="0" smtClean="0"/>
-              <a:t> a graph of network speed increasing so slowly compared to processors and disks (?) (?)</a:t>
-            </a:r>
+            <a:endParaRPr lang="en-US" baseline="0" dirty="0" smtClean="0"/>
           </a:p>
         </p:txBody>
       </p:sp>
@@ -2698,535 +2542,7 @@
           </a:bodyPr>
           <a:lstStyle/>
           <a:p>
-            <a:r>
-              <a:rPr lang="en-US" dirty="0" smtClean="0"/>
-              <a:t>Take this one out!</a:t>
-            </a:r>
-            <a:endParaRPr lang="en-US" dirty="0"/>
-          </a:p>
-        </p:txBody>
-      </p:sp>
-      <p:sp>
-        <p:nvSpPr>
-          <p:cNvPr id="4" name="Slide Number Placeholder 3"/>
-          <p:cNvSpPr>
-            <a:spLocks noGrp="1"/>
-          </p:cNvSpPr>
-          <p:nvPr>
-            <p:ph type="sldNum" sz="quarter" idx="10"/>
-          </p:nvPr>
-        </p:nvSpPr>
-        <p:spPr/>
-        <p:txBody>
-          <a:bodyPr/>
-          <a:lstStyle/>
-          <a:p>
-            <a:fld id="{CFD85767-B34F-4122-8642-982296400DCD}" type="slidenum">
-              <a:rPr lang="en-US" smtClean="0"/>
-              <a:pPr/>
-              <a:t>30</a:t>
-            </a:fld>
             <a:endParaRPr lang="en-US"/>
-          </a:p>
-        </p:txBody>
-      </p:sp>
-    </p:spTree>
-  </p:cSld>
-  <p:clrMapOvr>
-    <a:masterClrMapping/>
-  </p:clrMapOvr>
-</p:notes>
-</file>
-
-<file path=ppt/notesSlides/notesSlide31.xml><?xml version="1.0" encoding="utf-8"?>
-<p:notes xmlns:a="http://schemas.openxmlformats.org/drawingml/2006/main" xmlns:r="http://schemas.openxmlformats.org/officeDocument/2006/relationships" xmlns:p="http://schemas.openxmlformats.org/presentationml/2006/main">
-  <p:cSld>
-    <p:spTree>
-      <p:nvGrpSpPr>
-        <p:cNvPr id="1" name=""/>
-        <p:cNvGrpSpPr/>
-        <p:nvPr/>
-      </p:nvGrpSpPr>
-      <p:grpSpPr>
-        <a:xfrm>
-          <a:off x="0" y="0"/>
-          <a:ext cx="0" cy="0"/>
-          <a:chOff x="0" y="0"/>
-          <a:chExt cx="0" cy="0"/>
-        </a:xfrm>
-      </p:grpSpPr>
-      <p:sp>
-        <p:nvSpPr>
-          <p:cNvPr id="2" name="Slide Image Placeholder 1"/>
-          <p:cNvSpPr>
-            <a:spLocks noGrp="1" noRot="1" noChangeAspect="1"/>
-          </p:cNvSpPr>
-          <p:nvPr>
-            <p:ph type="sldImg"/>
-          </p:nvPr>
-        </p:nvSpPr>
-        <p:spPr/>
-      </p:sp>
-      <p:sp>
-        <p:nvSpPr>
-          <p:cNvPr id="3" name="Notes Placeholder 2"/>
-          <p:cNvSpPr>
-            <a:spLocks noGrp="1"/>
-          </p:cNvSpPr>
-          <p:nvPr>
-            <p:ph type="body" idx="1"/>
-          </p:nvPr>
-        </p:nvSpPr>
-        <p:spPr/>
-        <p:txBody>
-          <a:bodyPr>
-            <a:normAutofit/>
-          </a:bodyPr>
-          <a:lstStyle/>
-          <a:p>
-            <a:r>
-              <a:rPr lang="en-US" dirty="0" smtClean="0"/>
-              <a:t>“Ours doesn’t perform</a:t>
-            </a:r>
-            <a:r>
-              <a:rPr lang="en-US" baseline="0" dirty="0" smtClean="0"/>
-              <a:t> as </a:t>
-            </a:r>
-            <a:r>
-              <a:rPr lang="en-US" dirty="0" smtClean="0"/>
-              <a:t>well as BT for</a:t>
-            </a:r>
-            <a:r>
-              <a:rPr lang="en-US" baseline="0" dirty="0" smtClean="0"/>
-              <a:t> large files.”</a:t>
-            </a:r>
-          </a:p>
-          <a:p>
-            <a:endParaRPr lang="en-US" baseline="0" dirty="0" smtClean="0"/>
-          </a:p>
-          <a:p>
-            <a:r>
-              <a:rPr lang="en-US" baseline="0" dirty="0" smtClean="0"/>
-              <a:t>You can see that at about 730 to 882 seconds most of our peers finish the file, and most of the peers download it from peers, so once we get the file out there we work all right, but we could do some work still to increase our speed of propagating the blocks.”</a:t>
-            </a:r>
-          </a:p>
-        </p:txBody>
-      </p:sp>
-      <p:sp>
-        <p:nvSpPr>
-          <p:cNvPr id="4" name="Slide Number Placeholder 3"/>
-          <p:cNvSpPr>
-            <a:spLocks noGrp="1"/>
-          </p:cNvSpPr>
-          <p:nvPr>
-            <p:ph type="sldNum" sz="quarter" idx="10"/>
-          </p:nvPr>
-        </p:nvSpPr>
-        <p:spPr/>
-        <p:txBody>
-          <a:bodyPr/>
-          <a:lstStyle/>
-          <a:p>
-            <a:fld id="{CFD85767-B34F-4122-8642-982296400DCD}" type="slidenum">
-              <a:rPr lang="en-US" smtClean="0"/>
-              <a:pPr/>
-              <a:t>31</a:t>
-            </a:fld>
-            <a:endParaRPr lang="en-US"/>
-          </a:p>
-        </p:txBody>
-      </p:sp>
-    </p:spTree>
-  </p:cSld>
-  <p:clrMapOvr>
-    <a:masterClrMapping/>
-  </p:clrMapOvr>
-</p:notes>
-</file>
-
-<file path=ppt/notesSlides/notesSlide32.xml><?xml version="1.0" encoding="utf-8"?>
-<p:notes xmlns:a="http://schemas.openxmlformats.org/drawingml/2006/main" xmlns:r="http://schemas.openxmlformats.org/officeDocument/2006/relationships" xmlns:p="http://schemas.openxmlformats.org/presentationml/2006/main">
-  <p:cSld>
-    <p:spTree>
-      <p:nvGrpSpPr>
-        <p:cNvPr id="1" name=""/>
-        <p:cNvGrpSpPr/>
-        <p:nvPr/>
-      </p:nvGrpSpPr>
-      <p:grpSpPr>
-        <a:xfrm>
-          <a:off x="0" y="0"/>
-          <a:ext cx="0" cy="0"/>
-          <a:chOff x="0" y="0"/>
-          <a:chExt cx="0" cy="0"/>
-        </a:xfrm>
-      </p:grpSpPr>
-      <p:sp>
-        <p:nvSpPr>
-          <p:cNvPr id="2" name="Slide Image Placeholder 1"/>
-          <p:cNvSpPr>
-            <a:spLocks noGrp="1" noRot="1" noChangeAspect="1"/>
-          </p:cNvSpPr>
-          <p:nvPr>
-            <p:ph type="sldImg"/>
-          </p:nvPr>
-        </p:nvSpPr>
-        <p:spPr/>
-      </p:sp>
-      <p:sp>
-        <p:nvSpPr>
-          <p:cNvPr id="3" name="Notes Placeholder 2"/>
-          <p:cNvSpPr>
-            <a:spLocks noGrp="1"/>
-          </p:cNvSpPr>
-          <p:nvPr>
-            <p:ph type="body" idx="1"/>
-          </p:nvPr>
-        </p:nvSpPr>
-        <p:spPr/>
-        <p:txBody>
-          <a:bodyPr>
-            <a:normAutofit/>
-          </a:bodyPr>
-          <a:lstStyle/>
-          <a:p>
-            <a:r>
-              <a:rPr lang="en-US" sz="1200" kern="1200" baseline="0" dirty="0" smtClean="0">
-                <a:solidFill>
-                  <a:schemeClr val="tx1"/>
-                </a:solidFill>
-                <a:latin typeface="+mn-lt"/>
-                <a:ea typeface="+mn-ea"/>
-                <a:cs typeface="+mn-cs"/>
-              </a:rPr>
-              <a:t>We're not entirely sure why BitTorrent is faster.</a:t>
-            </a:r>
-          </a:p>
-          <a:p>
-            <a:r>
-              <a:rPr lang="en-US" sz="1200" kern="1200" baseline="0" dirty="0" smtClean="0">
-                <a:solidFill>
-                  <a:schemeClr val="tx1"/>
-                </a:solidFill>
-                <a:latin typeface="+mn-lt"/>
-                <a:ea typeface="+mn-ea"/>
-                <a:cs typeface="+mn-cs"/>
-              </a:rPr>
-              <a:t>One factor </a:t>
-            </a:r>
-            <a:r>
-              <a:rPr lang="en-US" sz="1200" kern="1200" baseline="0" dirty="0" err="1" smtClean="0">
-                <a:solidFill>
-                  <a:schemeClr val="tx1"/>
-                </a:solidFill>
-                <a:latin typeface="+mn-lt"/>
-                <a:ea typeface="+mn-ea"/>
-                <a:cs typeface="+mn-cs"/>
-              </a:rPr>
-              <a:t>aecting</a:t>
-            </a:r>
-            <a:r>
-              <a:rPr lang="en-US" sz="1200" kern="1200" baseline="0" dirty="0" smtClean="0">
-                <a:solidFill>
-                  <a:schemeClr val="tx1"/>
-                </a:solidFill>
-                <a:latin typeface="+mn-lt"/>
-                <a:ea typeface="+mn-ea"/>
-                <a:cs typeface="+mn-cs"/>
-              </a:rPr>
-              <a:t> performance is that </a:t>
-            </a:r>
-            <a:r>
-              <a:rPr lang="en-US" sz="1200" kern="1200" baseline="0" dirty="0" err="1" smtClean="0">
-                <a:solidFill>
-                  <a:schemeClr val="tx1"/>
-                </a:solidFill>
-                <a:latin typeface="+mn-lt"/>
-                <a:ea typeface="+mn-ea"/>
-                <a:cs typeface="+mn-cs"/>
-              </a:rPr>
-              <a:t>BitTorrent's</a:t>
-            </a:r>
-            <a:r>
-              <a:rPr lang="en-US" sz="1200" kern="1200" baseline="0" dirty="0" smtClean="0">
-                <a:solidFill>
-                  <a:schemeClr val="tx1"/>
-                </a:solidFill>
-                <a:latin typeface="+mn-lt"/>
-                <a:ea typeface="+mn-ea"/>
-                <a:cs typeface="+mn-cs"/>
-              </a:rPr>
-              <a:t> seed limits outgoing connections to</a:t>
-            </a:r>
-          </a:p>
-          <a:p>
-            <a:r>
-              <a:rPr lang="en-US" sz="1200" kern="1200" baseline="0" dirty="0" smtClean="0">
-                <a:solidFill>
-                  <a:schemeClr val="tx1"/>
-                </a:solidFill>
-                <a:latin typeface="+mn-lt"/>
-                <a:ea typeface="+mn-ea"/>
-                <a:cs typeface="+mn-cs"/>
-              </a:rPr>
-              <a:t>7, whereas Apache's connection limit is 256. This may allow BitTorrent to propagate full</a:t>
-            </a:r>
-          </a:p>
-          <a:p>
-            <a:r>
-              <a:rPr lang="en-US" sz="1200" kern="1200" baseline="0" dirty="0" smtClean="0">
-                <a:solidFill>
-                  <a:schemeClr val="tx1"/>
-                </a:solidFill>
-                <a:latin typeface="+mn-lt"/>
-                <a:ea typeface="+mn-ea"/>
-                <a:cs typeface="+mn-cs"/>
-              </a:rPr>
-              <a:t>blocks more quickly to peers. </a:t>
-            </a:r>
-            <a:r>
-              <a:rPr lang="en-US" sz="1200" kern="1200" baseline="0" dirty="0" err="1" smtClean="0">
-                <a:solidFill>
-                  <a:schemeClr val="tx1"/>
-                </a:solidFill>
-                <a:latin typeface="+mn-lt"/>
-                <a:ea typeface="+mn-ea"/>
-                <a:cs typeface="+mn-cs"/>
-              </a:rPr>
-              <a:t>BitTorrent's</a:t>
-            </a:r>
-            <a:r>
-              <a:rPr lang="en-US" sz="1200" kern="1200" baseline="0" dirty="0" smtClean="0">
-                <a:solidFill>
-                  <a:schemeClr val="tx1"/>
-                </a:solidFill>
-                <a:latin typeface="+mn-lt"/>
-                <a:ea typeface="+mn-ea"/>
-                <a:cs typeface="+mn-cs"/>
-              </a:rPr>
-              <a:t> seed also favors peers with higher download</a:t>
-            </a:r>
-          </a:p>
-          <a:p>
-            <a:r>
-              <a:rPr lang="en-US" sz="1200" kern="1200" baseline="0" dirty="0" smtClean="0">
-                <a:solidFill>
-                  <a:schemeClr val="tx1"/>
-                </a:solidFill>
-                <a:latin typeface="+mn-lt"/>
-                <a:ea typeface="+mn-ea"/>
-                <a:cs typeface="+mn-cs"/>
-              </a:rPr>
-              <a:t>speeds, which may help propagate blocks. In this test, it uses a dedicated tracker, which</a:t>
-            </a:r>
-          </a:p>
-          <a:p>
-            <a:r>
-              <a:rPr lang="en-US" sz="1200" kern="1200" baseline="0" dirty="0" smtClean="0">
-                <a:solidFill>
-                  <a:schemeClr val="tx1"/>
-                </a:solidFill>
-                <a:latin typeface="+mn-lt"/>
-                <a:ea typeface="+mn-ea"/>
-                <a:cs typeface="+mn-cs"/>
-              </a:rPr>
-              <a:t>makes peer rendezvous quicker than using a DHT. BitTorrent uses a \rarest block </a:t>
-            </a:r>
-            <a:r>
-              <a:rPr lang="en-US" sz="1200" kern="1200" baseline="0" dirty="0" err="1" smtClean="0">
-                <a:solidFill>
-                  <a:schemeClr val="tx1"/>
-                </a:solidFill>
-                <a:latin typeface="+mn-lt"/>
-                <a:ea typeface="+mn-ea"/>
-                <a:cs typeface="+mn-cs"/>
-              </a:rPr>
-              <a:t>rst</a:t>
-            </a:r>
-            <a:r>
-              <a:rPr lang="en-US" sz="1200" kern="1200" baseline="0" dirty="0" smtClean="0">
-                <a:solidFill>
-                  <a:schemeClr val="tx1"/>
-                </a:solidFill>
-                <a:latin typeface="+mn-lt"/>
-                <a:ea typeface="+mn-ea"/>
-                <a:cs typeface="+mn-cs"/>
-              </a:rPr>
-              <a:t>"</a:t>
-            </a:r>
-          </a:p>
-          <a:p>
-            <a:r>
-              <a:rPr lang="en-US" sz="1200" kern="1200" baseline="0" dirty="0" smtClean="0">
-                <a:solidFill>
-                  <a:schemeClr val="tx1"/>
-                </a:solidFill>
-                <a:latin typeface="+mn-lt"/>
-                <a:ea typeface="+mn-ea"/>
-                <a:cs typeface="+mn-cs"/>
-              </a:rPr>
-              <a:t>selection policy, enabling it to choose blocks more </a:t>
-            </a:r>
-            <a:r>
-              <a:rPr lang="en-US" sz="1200" kern="1200" baseline="0" dirty="0" err="1" smtClean="0">
-                <a:solidFill>
-                  <a:schemeClr val="tx1"/>
-                </a:solidFill>
-                <a:latin typeface="+mn-lt"/>
-                <a:ea typeface="+mn-ea"/>
-                <a:cs typeface="+mn-cs"/>
-              </a:rPr>
-              <a:t>eciently</a:t>
-            </a:r>
-            <a:r>
-              <a:rPr lang="en-US" sz="1200" kern="1200" baseline="0" dirty="0" smtClean="0">
-                <a:solidFill>
-                  <a:schemeClr val="tx1"/>
-                </a:solidFill>
-                <a:latin typeface="+mn-lt"/>
-                <a:ea typeface="+mn-ea"/>
-                <a:cs typeface="+mn-cs"/>
-              </a:rPr>
-              <a:t>.</a:t>
-            </a:r>
-            <a:endParaRPr lang="en-US" dirty="0"/>
-          </a:p>
-        </p:txBody>
-      </p:sp>
-      <p:sp>
-        <p:nvSpPr>
-          <p:cNvPr id="4" name="Slide Number Placeholder 3"/>
-          <p:cNvSpPr>
-            <a:spLocks noGrp="1"/>
-          </p:cNvSpPr>
-          <p:nvPr>
-            <p:ph type="sldNum" sz="quarter" idx="10"/>
-          </p:nvPr>
-        </p:nvSpPr>
-        <p:spPr/>
-        <p:txBody>
-          <a:bodyPr/>
-          <a:lstStyle/>
-          <a:p>
-            <a:fld id="{CFD85767-B34F-4122-8642-982296400DCD}" type="slidenum">
-              <a:rPr lang="en-US" smtClean="0"/>
-              <a:pPr/>
-              <a:t>32</a:t>
-            </a:fld>
-            <a:endParaRPr lang="en-US"/>
-          </a:p>
-        </p:txBody>
-      </p:sp>
-    </p:spTree>
-  </p:cSld>
-  <p:clrMapOvr>
-    <a:masterClrMapping/>
-  </p:clrMapOvr>
-</p:notes>
-</file>
-
-<file path=ppt/notesSlides/notesSlide33.xml><?xml version="1.0" encoding="utf-8"?>
-<p:notes xmlns:a="http://schemas.openxmlformats.org/drawingml/2006/main" xmlns:r="http://schemas.openxmlformats.org/officeDocument/2006/relationships" xmlns:p="http://schemas.openxmlformats.org/presentationml/2006/main">
-  <p:cSld>
-    <p:spTree>
-      <p:nvGrpSpPr>
-        <p:cNvPr id="1" name=""/>
-        <p:cNvGrpSpPr/>
-        <p:nvPr/>
-      </p:nvGrpSpPr>
-      <p:grpSpPr>
-        <a:xfrm>
-          <a:off x="0" y="0"/>
-          <a:ext cx="0" cy="0"/>
-          <a:chOff x="0" y="0"/>
-          <a:chExt cx="0" cy="0"/>
-        </a:xfrm>
-      </p:grpSpPr>
-      <p:sp>
-        <p:nvSpPr>
-          <p:cNvPr id="2" name="Slide Image Placeholder 1"/>
-          <p:cNvSpPr>
-            <a:spLocks noGrp="1" noRot="1" noChangeAspect="1"/>
-          </p:cNvSpPr>
-          <p:nvPr>
-            <p:ph type="sldImg"/>
-          </p:nvPr>
-        </p:nvSpPr>
-        <p:spPr/>
-      </p:sp>
-      <p:sp>
-        <p:nvSpPr>
-          <p:cNvPr id="3" name="Notes Placeholder 2"/>
-          <p:cNvSpPr>
-            <a:spLocks noGrp="1"/>
-          </p:cNvSpPr>
-          <p:nvPr>
-            <p:ph type="body" idx="1"/>
-          </p:nvPr>
-        </p:nvSpPr>
-        <p:spPr/>
-        <p:txBody>
-          <a:bodyPr>
-            <a:normAutofit/>
-          </a:bodyPr>
-          <a:lstStyle/>
-          <a:p>
-            <a:r>
-              <a:rPr lang="en-US" dirty="0" smtClean="0"/>
-              <a:t>I *wish* I could c</a:t>
-            </a:r>
-          </a:p>
-          <a:p>
-            <a:r>
-              <a:rPr lang="en-US" dirty="0" smtClean="0"/>
-              <a:t>Best settings</a:t>
-            </a:r>
-          </a:p>
-          <a:p>
-            <a:pPr lvl="1"/>
-            <a:r>
-              <a:rPr lang="en-US" dirty="0" smtClean="0"/>
-              <a:t>T: 0.75 s</a:t>
-            </a:r>
-          </a:p>
-          <a:p>
-            <a:pPr lvl="1"/>
-            <a:r>
-              <a:rPr lang="en-US" dirty="0" smtClean="0"/>
-              <a:t>R: 160 KB/s</a:t>
-            </a:r>
-          </a:p>
-          <a:p>
-            <a:pPr lvl="1"/>
-            <a:r>
-              <a:rPr lang="en-US" dirty="0" smtClean="0"/>
-              <a:t>32 KB blocks</a:t>
-            </a:r>
-          </a:p>
-          <a:p>
-            <a:pPr lvl="1"/>
-            <a:r>
-              <a:rPr lang="en-US" dirty="0" smtClean="0"/>
-              <a:t>Peer limit: 16</a:t>
-            </a:r>
-          </a:p>
-          <a:p>
-            <a:pPr lvl="1"/>
-            <a:r>
-              <a:rPr lang="en-US" dirty="0" smtClean="0"/>
-              <a:t>Linger: 16 s</a:t>
-            </a:r>
-          </a:p>
-          <a:p>
-            <a:r>
-              <a:rPr lang="en-US" dirty="0" err="1" smtClean="0"/>
-              <a:t>onclude</a:t>
-            </a:r>
-            <a:r>
-              <a:rPr lang="en-US" dirty="0" smtClean="0"/>
-              <a:t> it worked well for larger files, too, but I guess I can’t say that.</a:t>
-            </a:r>
-            <a:endParaRPr lang="en-US" dirty="0"/>
           </a:p>
         </p:txBody>
       </p:sp>
@@ -3249,265 +2565,6 @@
               <a:rPr lang="en-US" smtClean="0"/>
               <a:pPr/>
               <a:t>33</a:t>
-            </a:fld>
-            <a:endParaRPr lang="en-US"/>
-          </a:p>
-        </p:txBody>
-      </p:sp>
-    </p:spTree>
-  </p:cSld>
-  <p:clrMapOvr>
-    <a:masterClrMapping/>
-  </p:clrMapOvr>
-</p:notes>
-</file>
-
-<file path=ppt/notesSlides/notesSlide34.xml><?xml version="1.0" encoding="utf-8"?>
-<p:notes xmlns:a="http://schemas.openxmlformats.org/drawingml/2006/main" xmlns:r="http://schemas.openxmlformats.org/officeDocument/2006/relationships" xmlns:p="http://schemas.openxmlformats.org/presentationml/2006/main">
-  <p:cSld>
-    <p:spTree>
-      <p:nvGrpSpPr>
-        <p:cNvPr id="1" name=""/>
-        <p:cNvGrpSpPr/>
-        <p:nvPr/>
-      </p:nvGrpSpPr>
-      <p:grpSpPr>
-        <a:xfrm>
-          <a:off x="0" y="0"/>
-          <a:ext cx="0" cy="0"/>
-          <a:chOff x="0" y="0"/>
-          <a:chExt cx="0" cy="0"/>
-        </a:xfrm>
-      </p:grpSpPr>
-      <p:sp>
-        <p:nvSpPr>
-          <p:cNvPr id="2" name="Slide Image Placeholder 1"/>
-          <p:cNvSpPr>
-            <a:spLocks noGrp="1" noRot="1" noChangeAspect="1"/>
-          </p:cNvSpPr>
-          <p:nvPr>
-            <p:ph type="sldImg"/>
-          </p:nvPr>
-        </p:nvSpPr>
-        <p:spPr/>
-      </p:sp>
-      <p:sp>
-        <p:nvSpPr>
-          <p:cNvPr id="3" name="Notes Placeholder 2"/>
-          <p:cNvSpPr>
-            <a:spLocks noGrp="1"/>
-          </p:cNvSpPr>
-          <p:nvPr>
-            <p:ph type="body" idx="1"/>
-          </p:nvPr>
-        </p:nvSpPr>
-        <p:spPr/>
-        <p:txBody>
-          <a:bodyPr>
-            <a:normAutofit/>
-          </a:bodyPr>
-          <a:lstStyle/>
-          <a:p>
-            <a:endParaRPr lang="en-US" dirty="0"/>
-          </a:p>
-        </p:txBody>
-      </p:sp>
-      <p:sp>
-        <p:nvSpPr>
-          <p:cNvPr id="4" name="Slide Number Placeholder 3"/>
-          <p:cNvSpPr>
-            <a:spLocks noGrp="1"/>
-          </p:cNvSpPr>
-          <p:nvPr>
-            <p:ph type="sldNum" sz="quarter" idx="10"/>
-          </p:nvPr>
-        </p:nvSpPr>
-        <p:spPr/>
-        <p:txBody>
-          <a:bodyPr/>
-          <a:lstStyle/>
-          <a:p>
-            <a:fld id="{CFD85767-B34F-4122-8642-982296400DCD}" type="slidenum">
-              <a:rPr lang="en-US" smtClean="0"/>
-              <a:pPr/>
-              <a:t>34</a:t>
-            </a:fld>
-            <a:endParaRPr lang="en-US"/>
-          </a:p>
-        </p:txBody>
-      </p:sp>
-    </p:spTree>
-  </p:cSld>
-  <p:clrMapOvr>
-    <a:masterClrMapping/>
-  </p:clrMapOvr>
-</p:notes>
-</file>
-
-<file path=ppt/notesSlides/notesSlide35.xml><?xml version="1.0" encoding="utf-8"?>
-<p:notes xmlns:a="http://schemas.openxmlformats.org/drawingml/2006/main" xmlns:r="http://schemas.openxmlformats.org/officeDocument/2006/relationships" xmlns:p="http://schemas.openxmlformats.org/presentationml/2006/main">
-  <p:cSld>
-    <p:spTree>
-      <p:nvGrpSpPr>
-        <p:cNvPr id="1" name=""/>
-        <p:cNvGrpSpPr/>
-        <p:nvPr/>
-      </p:nvGrpSpPr>
-      <p:grpSpPr>
-        <a:xfrm>
-          <a:off x="0" y="0"/>
-          <a:ext cx="0" cy="0"/>
-          <a:chOff x="0" y="0"/>
-          <a:chExt cx="0" cy="0"/>
-        </a:xfrm>
-      </p:grpSpPr>
-      <p:sp>
-        <p:nvSpPr>
-          <p:cNvPr id="2" name="Slide Image Placeholder 1"/>
-          <p:cNvSpPr>
-            <a:spLocks noGrp="1" noRot="1" noChangeAspect="1"/>
-          </p:cNvSpPr>
-          <p:nvPr>
-            <p:ph type="sldImg"/>
-          </p:nvPr>
-        </p:nvSpPr>
-        <p:spPr/>
-      </p:sp>
-      <p:sp>
-        <p:nvSpPr>
-          <p:cNvPr id="3" name="Notes Placeholder 2"/>
-          <p:cNvSpPr>
-            <a:spLocks noGrp="1"/>
-          </p:cNvSpPr>
-          <p:nvPr>
-            <p:ph type="body" idx="1"/>
-          </p:nvPr>
-        </p:nvSpPr>
-        <p:spPr/>
-        <p:txBody>
-          <a:bodyPr>
-            <a:normAutofit/>
-          </a:bodyPr>
-          <a:lstStyle/>
-          <a:p>
-            <a:r>
-              <a:rPr lang="en-US" dirty="0" smtClean="0"/>
-              <a:t>Where immediately effective:</a:t>
-            </a:r>
-          </a:p>
-          <a:p>
-            <a:pPr lvl="1"/>
-            <a:r>
-              <a:rPr lang="en-US" dirty="0" smtClean="0"/>
-              <a:t>Low bandwidth server.</a:t>
-            </a:r>
-          </a:p>
-          <a:p>
-            <a:endParaRPr lang="en-US" dirty="0"/>
-          </a:p>
-        </p:txBody>
-      </p:sp>
-      <p:sp>
-        <p:nvSpPr>
-          <p:cNvPr id="4" name="Slide Number Placeholder 3"/>
-          <p:cNvSpPr>
-            <a:spLocks noGrp="1"/>
-          </p:cNvSpPr>
-          <p:nvPr>
-            <p:ph type="sldNum" sz="quarter" idx="10"/>
-          </p:nvPr>
-        </p:nvSpPr>
-        <p:spPr/>
-        <p:txBody>
-          <a:bodyPr/>
-          <a:lstStyle/>
-          <a:p>
-            <a:fld id="{CFD85767-B34F-4122-8642-982296400DCD}" type="slidenum">
-              <a:rPr lang="en-US" smtClean="0"/>
-              <a:pPr/>
-              <a:t>35</a:t>
-            </a:fld>
-            <a:endParaRPr lang="en-US"/>
-          </a:p>
-        </p:txBody>
-      </p:sp>
-    </p:spTree>
-  </p:cSld>
-  <p:clrMapOvr>
-    <a:masterClrMapping/>
-  </p:clrMapOvr>
-</p:notes>
-</file>
-
-<file path=ppt/notesSlides/notesSlide36.xml><?xml version="1.0" encoding="utf-8"?>
-<p:notes xmlns:a="http://schemas.openxmlformats.org/drawingml/2006/main" xmlns:r="http://schemas.openxmlformats.org/officeDocument/2006/relationships" xmlns:p="http://schemas.openxmlformats.org/presentationml/2006/main">
-  <p:cSld>
-    <p:spTree>
-      <p:nvGrpSpPr>
-        <p:cNvPr id="1" name=""/>
-        <p:cNvGrpSpPr/>
-        <p:nvPr/>
-      </p:nvGrpSpPr>
-      <p:grpSpPr>
-        <a:xfrm>
-          <a:off x="0" y="0"/>
-          <a:ext cx="0" cy="0"/>
-          <a:chOff x="0" y="0"/>
-          <a:chExt cx="0" cy="0"/>
-        </a:xfrm>
-      </p:grpSpPr>
-      <p:sp>
-        <p:nvSpPr>
-          <p:cNvPr id="2" name="Slide Image Placeholder 1"/>
-          <p:cNvSpPr>
-            <a:spLocks noGrp="1" noRot="1" noChangeAspect="1"/>
-          </p:cNvSpPr>
-          <p:nvPr>
-            <p:ph type="sldImg"/>
-          </p:nvPr>
-        </p:nvSpPr>
-        <p:spPr/>
-      </p:sp>
-      <p:sp>
-        <p:nvSpPr>
-          <p:cNvPr id="3" name="Notes Placeholder 2"/>
-          <p:cNvSpPr>
-            <a:spLocks noGrp="1"/>
-          </p:cNvSpPr>
-          <p:nvPr>
-            <p:ph type="body" idx="1"/>
-          </p:nvPr>
-        </p:nvSpPr>
-        <p:spPr/>
-        <p:txBody>
-          <a:bodyPr>
-            <a:normAutofit/>
-          </a:bodyPr>
-          <a:lstStyle/>
-          <a:p>
-            <a:endParaRPr lang="en-US"/>
-          </a:p>
-        </p:txBody>
-      </p:sp>
-      <p:sp>
-        <p:nvSpPr>
-          <p:cNvPr id="4" name="Slide Number Placeholder 3"/>
-          <p:cNvSpPr>
-            <a:spLocks noGrp="1"/>
-          </p:cNvSpPr>
-          <p:nvPr>
-            <p:ph type="sldNum" sz="quarter" idx="10"/>
-          </p:nvPr>
-        </p:nvSpPr>
-        <p:spPr/>
-        <p:txBody>
-          <a:bodyPr/>
-          <a:lstStyle/>
-          <a:p>
-            <a:fld id="{CFD85767-B34F-4122-8642-982296400DCD}" type="slidenum">
-              <a:rPr lang="en-US" smtClean="0"/>
-              <a:pPr/>
-              <a:t>36</a:t>
             </a:fld>
             <a:endParaRPr lang="en-US"/>
           </a:p>
@@ -3997,15 +3054,36 @@
           </a:bodyPr>
           <a:lstStyle/>
           <a:p>
-            <a:r>
-              <a:rPr lang="en-US" dirty="0" smtClean="0"/>
-              <a:t>Normal people do not use BitTorrent.  Not useful</a:t>
+            <a:pPr marL="0" marR="0" indent="0" algn="l" defTabSz="914400" rtl="0" eaLnBrk="1" fontAlgn="auto" latinLnBrk="0" hangingPunct="1">
+              <a:lnSpc>
+                <a:spcPct val="100000"/>
+              </a:lnSpc>
+              <a:spcBef>
+                <a:spcPts val="0"/>
+              </a:spcBef>
+              <a:spcAft>
+                <a:spcPts val="0"/>
+              </a:spcAft>
+              <a:buClrTx/>
+              <a:buSzTx/>
+              <a:buFontTx/>
+              <a:buNone/>
+              <a:tabLst/>
+              <a:defRPr/>
+            </a:pPr>
+            <a:r>
+              <a:rPr lang="en-US" dirty="0" err="1" smtClean="0"/>
+              <a:t>Viz</a:t>
+            </a:r>
+            <a:r>
+              <a:rPr lang="en-US" dirty="0" smtClean="0"/>
+              <a:t>: The more general problem is that when downloading typical files from the</a:t>
             </a:r>
             <a:r>
               <a:rPr lang="en-US" baseline="0" dirty="0" smtClean="0"/>
-              <a:t> to them.</a:t>
-            </a:r>
-            <a:endParaRPr lang="en-US" dirty="0"/>
+              <a:t> Internet, BitTorrent cannot come to your aid.</a:t>
+            </a:r>
+            <a:endParaRPr lang="en-US" dirty="0" smtClean="0"/>
           </a:p>
         </p:txBody>
       </p:sp>
@@ -7147,13 +6225,49 @@
         </p:nvSpPr>
         <p:spPr/>
         <p:txBody>
-          <a:bodyPr/>
-          <a:lstStyle/>
-          <a:p>
-            <a:r>
-              <a:rPr lang="en-US" dirty="0" smtClean="0"/>
-              <a:t>Cs, etc. etc. one example of  each</a:t>
-            </a:r>
+          <a:bodyPr>
+            <a:normAutofit/>
+          </a:bodyPr>
+          <a:lstStyle/>
+          <a:p>
+            <a:r>
+              <a:rPr lang="en-US" dirty="0" smtClean="0"/>
+              <a:t>Client-side protocols</a:t>
+            </a:r>
+          </a:p>
+          <a:p>
+            <a:pPr lvl="1"/>
+            <a:r>
+              <a:rPr lang="en-US" dirty="0" smtClean="0"/>
+              <a:t>Squirrel</a:t>
+            </a:r>
+          </a:p>
+          <a:p>
+            <a:r>
+              <a:rPr lang="en-US" dirty="0" smtClean="0"/>
+              <a:t>Server-side protocols</a:t>
+            </a:r>
+          </a:p>
+          <a:p>
+            <a:pPr lvl="1"/>
+            <a:r>
+              <a:rPr lang="en-US" dirty="0" smtClean="0"/>
+              <a:t>Backslash</a:t>
+            </a:r>
+          </a:p>
+          <a:p>
+            <a:r>
+              <a:rPr lang="en-US" dirty="0" smtClean="0"/>
+              <a:t>Cooperative protocols</a:t>
+            </a:r>
+          </a:p>
+          <a:p>
+            <a:pPr lvl="1"/>
+            <a:r>
+              <a:rPr lang="en-US" dirty="0" smtClean="0"/>
+              <a:t>BitTorrent</a:t>
+            </a:r>
+            <a:endParaRPr lang="en-US" dirty="0" smtClean="0"/>
           </a:p>
         </p:txBody>
       </p:sp>
@@ -7227,7 +6341,7 @@
         <p:spPr/>
         <p:txBody>
           <a:bodyPr>
-            <a:normAutofit lnSpcReduction="10000"/>
+            <a:normAutofit/>
           </a:bodyPr>
           <a:lstStyle/>
           <a:p>
@@ -7247,34 +6361,13 @@
             <a:pPr lvl="1"/>
             <a:r>
               <a:rPr lang="en-US" dirty="0" smtClean="0"/>
-              <a:t>Automatically switch if it becomes slow</a:t>
-            </a:r>
-          </a:p>
-          <a:p>
-            <a:r>
-              <a:rPr lang="en-US" dirty="0" smtClean="0"/>
-              <a:t>Overcome deficiencies of BitTorrent</a:t>
-            </a:r>
-          </a:p>
-          <a:p>
-            <a:r>
-              <a:rPr lang="en-US" dirty="0" smtClean="0"/>
-              <a:t>Wouldn’t it be great if this was built into Internet Explorer and Firefox?</a:t>
-            </a:r>
-          </a:p>
-          <a:p>
-            <a:pPr lvl="1"/>
-            <a:r>
-              <a:rPr lang="en-US" dirty="0" smtClean="0"/>
-              <a:t>Make swarming more adoptable</a:t>
-            </a:r>
-          </a:p>
-          <a:p>
-            <a:pPr lvl="1"/>
-            <a:r>
-              <a:rPr lang="en-US" dirty="0" smtClean="0"/>
-              <a:t>All downloads</a:t>
-            </a:r>
+              <a:t>Automatically switch if it becomes </a:t>
+            </a:r>
+            <a:r>
+              <a:rPr lang="en-US" dirty="0" smtClean="0"/>
+              <a:t>slow</a:t>
+            </a:r>
+            <a:endParaRPr lang="en-US" dirty="0" smtClean="0"/>
           </a:p>
         </p:txBody>
       </p:sp>
@@ -7345,12 +6438,24 @@
         </p:nvSpPr>
         <p:spPr/>
         <p:txBody>
-          <a:bodyPr/>
-          <a:lstStyle/>
-          <a:p>
-            <a:r>
-              <a:rPr lang="en-US" dirty="0" smtClean="0"/>
-              <a:t>Work for any file on any server without </a:t>
+          <a:bodyPr>
+            <a:normAutofit fontScale="77500" lnSpcReduction="20000"/>
+          </a:bodyPr>
+          <a:lstStyle/>
+          <a:p>
+            <a:r>
+              <a:rPr lang="en-US" dirty="0" smtClean="0"/>
+              <a:t>Overcome deficiencies of BitTorrent</a:t>
+            </a:r>
+          </a:p>
+          <a:p>
+            <a:r>
+              <a:rPr lang="en-US" dirty="0" smtClean="0"/>
+              <a:t>Work </a:t>
+            </a:r>
+            <a:r>
+              <a:rPr lang="en-US" dirty="0" smtClean="0"/>
+              <a:t>for any file on any server without </a:t>
             </a:r>
             <a:r>
               <a:rPr lang="en-US" dirty="0" smtClean="0"/>
@@ -7414,6 +6519,30 @@
             <a:r>
               <a:rPr lang="en-US" dirty="0" smtClean="0"/>
               <a:t>Legal</a:t>
+            </a:r>
+          </a:p>
+          <a:p>
+            <a:r>
+              <a:rPr lang="en-US" dirty="0" smtClean="0"/>
+              <a:t>Wouldn’t it be great if this was built into Internet Explorer and Firefox?</a:t>
+            </a:r>
+          </a:p>
+          <a:p>
+            <a:pPr lvl="1"/>
+            <a:r>
+              <a:rPr lang="en-US" dirty="0" smtClean="0"/>
+              <a:t>Make swarming more adoptable</a:t>
+            </a:r>
+          </a:p>
+          <a:p>
+            <a:pPr lvl="1"/>
+            <a:r>
+              <a:rPr lang="en-US" dirty="0" smtClean="0"/>
+              <a:t>All </a:t>
+            </a:r>
+            <a:r>
+              <a:rPr lang="en-US" dirty="0" smtClean="0"/>
+              <a:t>downloads</a:t>
             </a:r>
             <a:endParaRPr lang="en-US" dirty="0" smtClean="0"/>
           </a:p>
@@ -7470,7 +6599,7 @@
           <a:p>
             <a:r>
               <a:rPr lang="en-US" dirty="0" smtClean="0"/>
-              <a:t>Monitor Download</a:t>
+              <a:t>Monitoring Downloads</a:t>
             </a:r>
             <a:endParaRPr lang="en-US" dirty="0"/>
           </a:p>
@@ -7534,39 +6663,16 @@
           <a:chExt cx="0" cy="0"/>
         </a:xfrm>
       </p:grpSpPr>
-      <p:sp>
-        <p:nvSpPr>
-          <p:cNvPr id="2" name="Title 1"/>
-          <p:cNvSpPr>
-            <a:spLocks noGrp="1"/>
-          </p:cNvSpPr>
-          <p:nvPr>
-            <p:ph type="title"/>
-          </p:nvPr>
-        </p:nvSpPr>
-        <p:spPr/>
-        <p:txBody>
-          <a:bodyPr/>
-          <a:lstStyle/>
-          <a:p>
-            <a:r>
-              <a:rPr lang="en-US" dirty="0" smtClean="0"/>
-              <a:t>P2P: Transition</a:t>
-            </a:r>
-            <a:endParaRPr lang="en-US" dirty="0"/>
-          </a:p>
-        </p:txBody>
-      </p:sp>
       <p:pic>
         <p:nvPicPr>
-          <p:cNvPr id="5122" name="Picture 2"/>
+          <p:cNvPr id="1026" name="Picture 2"/>
           <p:cNvPicPr>
             <a:picLocks noChangeAspect="1" noChangeArrowheads="1"/>
           </p:cNvPicPr>
           <p:nvPr/>
         </p:nvPicPr>
         <p:blipFill>
-          <a:blip r:embed="rId3" cstate="print"/>
+          <a:blip r:embed="rId2" cstate="print"/>
           <a:srcRect/>
           <a:stretch>
             <a:fillRect/>
@@ -7574,8 +6680,8 @@
         </p:blipFill>
         <p:spPr bwMode="auto">
           <a:xfrm>
-            <a:off x="381000" y="1600200"/>
-            <a:ext cx="3709988" cy="2215615"/>
+            <a:off x="3352800" y="2209800"/>
+            <a:ext cx="5562600" cy="4382165"/>
           </a:xfrm>
           <a:prstGeom prst="rect">
             <a:avLst/>
@@ -7589,82 +6695,71 @@
           </a:ln>
         </p:spPr>
       </p:pic>
-      <p:pic>
-        <p:nvPicPr>
-          <p:cNvPr id="5123" name="Picture 3"/>
-          <p:cNvPicPr>
-            <a:picLocks noChangeAspect="1" noChangeArrowheads="1"/>
-          </p:cNvPicPr>
-          <p:nvPr/>
-        </p:nvPicPr>
-        <p:blipFill>
-          <a:blip r:embed="rId4" cstate="print"/>
-          <a:srcRect/>
-          <a:stretch>
-            <a:fillRect/>
-          </a:stretch>
-        </p:blipFill>
-        <p:spPr bwMode="auto">
-          <a:xfrm>
-            <a:off x="4495800" y="1828800"/>
-            <a:ext cx="3944678" cy="1871663"/>
-          </a:xfrm>
-          <a:prstGeom prst="rect">
-            <a:avLst/>
-          </a:prstGeom>
-          <a:noFill/>
-          <a:ln w="9525">
-            <a:noFill/>
-            <a:miter lim="800000"/>
-            <a:headEnd/>
-            <a:tailEnd/>
-          </a:ln>
-        </p:spPr>
-      </p:pic>
-      <p:pic>
-        <p:nvPicPr>
-          <p:cNvPr id="5124" name="Picture 4"/>
-          <p:cNvPicPr>
-            <a:picLocks noChangeAspect="1" noChangeArrowheads="1"/>
-          </p:cNvPicPr>
-          <p:nvPr/>
-        </p:nvPicPr>
-        <p:blipFill>
-          <a:blip r:embed="rId5" cstate="print"/>
-          <a:srcRect/>
-          <a:stretch>
-            <a:fillRect/>
-          </a:stretch>
-        </p:blipFill>
-        <p:spPr bwMode="auto">
-          <a:xfrm>
-            <a:off x="2590800" y="4191000"/>
-            <a:ext cx="3701710" cy="1933575"/>
-          </a:xfrm>
-          <a:prstGeom prst="rect">
-            <a:avLst/>
-          </a:prstGeom>
-          <a:noFill/>
-          <a:ln w="9525">
-            <a:noFill/>
-            <a:miter lim="800000"/>
-            <a:headEnd/>
-            <a:tailEnd/>
-          </a:ln>
-        </p:spPr>
-      </p:pic>
+      <p:sp>
+        <p:nvSpPr>
+          <p:cNvPr id="2" name="Title 1"/>
+          <p:cNvSpPr>
+            <a:spLocks noGrp="1"/>
+          </p:cNvSpPr>
+          <p:nvPr>
+            <p:ph type="title"/>
+          </p:nvPr>
+        </p:nvSpPr>
+        <p:spPr/>
+        <p:txBody>
+          <a:bodyPr/>
+          <a:lstStyle/>
+          <a:p>
+            <a:r>
+              <a:rPr lang="en-US" dirty="0" smtClean="0"/>
+              <a:t>Finding Peers</a:t>
+            </a:r>
+            <a:endParaRPr lang="en-US" dirty="0"/>
+          </a:p>
+        </p:txBody>
+      </p:sp>
+      <p:sp>
+        <p:nvSpPr>
+          <p:cNvPr id="3" name="Content Placeholder 2"/>
+          <p:cNvSpPr>
+            <a:spLocks noGrp="1"/>
+          </p:cNvSpPr>
+          <p:nvPr>
+            <p:ph idx="1"/>
+          </p:nvPr>
+        </p:nvSpPr>
+        <p:spPr/>
+        <p:txBody>
+          <a:bodyPr/>
+          <a:lstStyle/>
+          <a:p>
+            <a:r>
+              <a:rPr lang="en-US" dirty="0" smtClean="0"/>
+              <a:t>OpenDHT</a:t>
+            </a:r>
+          </a:p>
+          <a:p>
+            <a:pPr lvl="1"/>
+            <a:r>
+              <a:rPr lang="en-US" dirty="0" smtClean="0"/>
+              <a:t>Scalable, distributed lookup</a:t>
+            </a:r>
+          </a:p>
+          <a:p>
+            <a:pPr lvl="1"/>
+            <a:r>
+              <a:rPr lang="en-US" dirty="0" smtClean="0"/>
+              <a:t>Runs as service</a:t>
+            </a:r>
+            <a:endParaRPr lang="en-US" dirty="0"/>
+          </a:p>
+        </p:txBody>
+      </p:sp>
     </p:spTree>
   </p:cSld>
   <p:clrMapOvr>
     <a:masterClrMapping/>
   </p:clrMapOvr>
-  <p:timing>
-    <p:tnLst>
-      <p:par>
-        <p:cTn id="1" dur="indefinite" restart="never" nodeType="tmRoot"/>
-      </p:par>
-    </p:tnLst>
-  </p:timing>
 </p:sld>
 </file>
 
@@ -7702,7 +6797,7 @@
           <a:p>
             <a:r>
               <a:rPr lang="en-US" dirty="0" smtClean="0"/>
-              <a:t>Details</a:t>
+              <a:t>P2P Delivery</a:t>
             </a:r>
             <a:endParaRPr lang="en-US" dirty="0"/>
           </a:p>
@@ -7720,82 +6815,71 @@
         </p:nvSpPr>
         <p:spPr/>
         <p:txBody>
-          <a:bodyPr>
-            <a:normAutofit lnSpcReduction="10000"/>
-          </a:bodyPr>
-          <a:lstStyle/>
-          <a:p>
-            <a:r>
-              <a:rPr lang="en-US" dirty="0" smtClean="0"/>
-              <a:t>T starts immediately.</a:t>
-            </a:r>
-          </a:p>
-          <a:p>
-            <a:r>
-              <a:rPr lang="en-US" dirty="0" smtClean="0"/>
-              <a:t>R is calculated W seconds after T</a:t>
-            </a:r>
-          </a:p>
-          <a:p>
-            <a:r>
-              <a:rPr lang="en-US" dirty="0" smtClean="0"/>
-              <a:t>Private </a:t>
-            </a:r>
-            <a:r>
-              <a:rPr lang="en-US" dirty="0" err="1" smtClean="0"/>
-              <a:t>OpenDHT</a:t>
-            </a:r>
-            <a:r>
-              <a:rPr lang="en-US" dirty="0" smtClean="0"/>
-              <a:t> instance.</a:t>
-            </a:r>
-          </a:p>
-          <a:p>
-            <a:r>
-              <a:rPr lang="en-US" dirty="0" smtClean="0"/>
-              <a:t>Redundant DHT keys/gateways.</a:t>
-            </a:r>
-          </a:p>
-          <a:p>
-            <a:r>
-              <a:rPr lang="en-US" dirty="0" smtClean="0"/>
-              <a:t>Polls on lack of peers (1s)</a:t>
+          <a:bodyPr/>
+          <a:lstStyle/>
+          <a:p>
+            <a:r>
+              <a:rPr lang="en-US" dirty="0" smtClean="0"/>
+              <a:t>Query for peers</a:t>
             </a:r>
           </a:p>
           <a:p>
             <a:pPr lvl="1"/>
             <a:r>
               <a:rPr lang="en-US" dirty="0" smtClean="0"/>
-              <a:t>Downloads block from origin</a:t>
-            </a:r>
-          </a:p>
-          <a:p>
-            <a:r>
-              <a:rPr lang="en-US" dirty="0" smtClean="0"/>
-              <a:t>Per block lists.</a:t>
-            </a:r>
-          </a:p>
-          <a:p>
-            <a:r>
-              <a:rPr lang="en-US" dirty="0" smtClean="0"/>
-              <a:t>Last block problem</a:t>
-            </a:r>
-          </a:p>
-          <a:p>
+              <a:t>Per block</a:t>
+            </a:r>
+          </a:p>
+          <a:p>
+            <a:pPr lvl="1"/>
+            <a:r>
+              <a:rPr lang="en-US" dirty="0" smtClean="0"/>
+              <a:t>Redundant queries</a:t>
+            </a:r>
+          </a:p>
+          <a:p>
+            <a:pPr lvl="1"/>
+            <a:r>
+              <a:rPr lang="en-US" dirty="0" smtClean="0"/>
+              <a:t>Poll on none found.</a:t>
+            </a:r>
+          </a:p>
+          <a:p>
+            <a:pPr lvl="1"/>
+            <a:r>
+              <a:rPr lang="en-US" dirty="0" smtClean="0"/>
+              <a:t>Download from the origin while polling.</a:t>
+            </a:r>
+          </a:p>
+          <a:p>
+            <a:r>
+              <a:rPr lang="en-US" dirty="0" smtClean="0"/>
+              <a:t>When find live peer, drop connection to origin.</a:t>
+            </a:r>
+          </a:p>
+          <a:p>
+            <a:r>
+              <a:rPr lang="en-US" dirty="0" smtClean="0"/>
+              <a:t>Last block </a:t>
+            </a:r>
+            <a:r>
+              <a:rPr lang="en-US" dirty="0" smtClean="0"/>
+              <a:t>problem</a:t>
+            </a:r>
             <a:endParaRPr lang="en-US" dirty="0" smtClean="0"/>
           </a:p>
         </p:txBody>
       </p:sp>
       <p:pic>
         <p:nvPicPr>
-          <p:cNvPr id="5" name="Picture 4" descr="C:\rdp\dev\p2pwebclient\thesis_presentation\algorithm explanation.png"/>
+          <p:cNvPr id="4" name="Picture 3"/>
           <p:cNvPicPr>
             <a:picLocks noChangeAspect="1" noChangeArrowheads="1"/>
           </p:cNvPicPr>
           <p:nvPr/>
         </p:nvPicPr>
         <p:blipFill>
-          <a:blip r:embed="rId3" cstate="print"/>
+          <a:blip r:embed="rId2" cstate="print"/>
           <a:srcRect/>
           <a:stretch>
             <a:fillRect/>
@@ -7803,13 +6887,19 @@
         </p:blipFill>
         <p:spPr bwMode="auto">
           <a:xfrm>
-            <a:off x="4419600" y="4191000"/>
-            <a:ext cx="5127700" cy="2667000"/>
+            <a:off x="4572000" y="1219200"/>
+            <a:ext cx="3944678" cy="1871663"/>
           </a:xfrm>
           <a:prstGeom prst="rect">
             <a:avLst/>
           </a:prstGeom>
           <a:noFill/>
+          <a:ln w="9525">
+            <a:noFill/>
+            <a:miter lim="800000"/>
+            <a:headEnd/>
+            <a:tailEnd/>
+          </a:ln>
         </p:spPr>
       </p:pic>
     </p:spTree>
@@ -7817,13 +6907,6 @@
   <p:clrMapOvr>
     <a:masterClrMapping/>
   </p:clrMapOvr>
-  <p:timing>
-    <p:tnLst>
-      <p:par>
-        <p:cTn id="1" dur="indefinite" restart="never" nodeType="tmRoot"/>
-      </p:par>
-    </p:tnLst>
-  </p:timing>
 </p:sld>
 </file>
 
@@ -7861,59 +6944,23 @@
           <a:p>
             <a:r>
               <a:rPr lang="en-US" dirty="0" smtClean="0"/>
-              <a:t>Methodology</a:t>
+              <a:t>P2P</a:t>
+            </a:r>
+            <a:r>
+              <a:rPr lang="en-US" dirty="0" smtClean="0"/>
+              <a:t> </a:t>
+            </a:r>
+            <a:r>
+              <a:rPr lang="en-US" dirty="0" smtClean="0"/>
+              <a:t>Sharing</a:t>
             </a:r>
             <a:endParaRPr lang="en-US" dirty="0"/>
-          </a:p>
-        </p:txBody>
-      </p:sp>
-      <p:sp>
-        <p:nvSpPr>
-          <p:cNvPr id="3" name="Content Placeholder 2"/>
-          <p:cNvSpPr>
-            <a:spLocks noGrp="1"/>
-          </p:cNvSpPr>
-          <p:nvPr>
-            <p:ph idx="1"/>
-          </p:nvPr>
-        </p:nvSpPr>
-        <p:spPr/>
-        <p:txBody>
-          <a:bodyPr>
-            <a:normAutofit/>
-          </a:bodyPr>
-          <a:lstStyle/>
-          <a:p>
-            <a:r>
-              <a:rPr lang="en-US" dirty="0" err="1" smtClean="0"/>
-              <a:t>PlanetLab</a:t>
-            </a:r>
-            <a:endParaRPr lang="en-US" dirty="0" smtClean="0"/>
-          </a:p>
-          <a:p>
-            <a:r>
-              <a:rPr lang="en-US" dirty="0" smtClean="0"/>
-              <a:t>Private </a:t>
-            </a:r>
-            <a:r>
-              <a:rPr lang="en-US" dirty="0" err="1" smtClean="0"/>
-              <a:t>OpenDHT</a:t>
-            </a:r>
-            <a:endParaRPr lang="en-US" dirty="0" smtClean="0"/>
-          </a:p>
-          <a:p>
-            <a:pPr lvl="1"/>
-            <a:endParaRPr lang="en-US" dirty="0" smtClean="0"/>
-          </a:p>
-          <a:p>
-            <a:pPr lvl="1"/>
-            <a:endParaRPr lang="en-US" dirty="0" smtClean="0"/>
           </a:p>
         </p:txBody>
       </p:sp>
       <p:pic>
         <p:nvPicPr>
-          <p:cNvPr id="4098" name="Picture 2" descr="C:\Documents and Settings\rdp\Desktop\World50.png"/>
+          <p:cNvPr id="5124" name="Picture 4"/>
           <p:cNvPicPr>
             <a:picLocks noChangeAspect="1" noChangeArrowheads="1"/>
           </p:cNvPicPr>
@@ -7928,34 +6975,8 @@
         </p:blipFill>
         <p:spPr bwMode="auto">
           <a:xfrm>
-            <a:off x="4114800" y="1447800"/>
-            <a:ext cx="4762500" cy="2381250"/>
-          </a:xfrm>
-          <a:prstGeom prst="rect">
-            <a:avLst/>
-          </a:prstGeom>
-          <a:noFill/>
-        </p:spPr>
-      </p:pic>
-      <p:pic>
-        <p:nvPicPr>
-          <p:cNvPr id="2050" name="Picture 2"/>
-          <p:cNvPicPr>
-            <a:picLocks noChangeAspect="1" noChangeArrowheads="1"/>
-          </p:cNvPicPr>
-          <p:nvPr/>
-        </p:nvPicPr>
-        <p:blipFill>
-          <a:blip r:embed="rId4" cstate="print"/>
-          <a:srcRect/>
-          <a:stretch>
-            <a:fillRect/>
-          </a:stretch>
-        </p:blipFill>
-        <p:spPr bwMode="auto">
-          <a:xfrm>
-            <a:off x="3733800" y="3886200"/>
-            <a:ext cx="3962399" cy="2412391"/>
+            <a:off x="838200" y="1295400"/>
+            <a:ext cx="4230526" cy="2209800"/>
           </a:xfrm>
           <a:prstGeom prst="rect">
             <a:avLst/>
@@ -7969,6 +6990,33 @@
           </a:ln>
         </p:spPr>
       </p:pic>
+      <p:sp>
+        <p:nvSpPr>
+          <p:cNvPr id="6" name="Content Placeholder 2"/>
+          <p:cNvSpPr>
+            <a:spLocks noGrp="1"/>
+          </p:cNvSpPr>
+          <p:nvPr>
+            <p:ph idx="1"/>
+          </p:nvPr>
+        </p:nvSpPr>
+        <p:spPr>
+          <a:xfrm>
+            <a:off x="457200" y="4191000"/>
+            <a:ext cx="8229600" cy="1935163"/>
+          </a:xfrm>
+        </p:spPr>
+        <p:txBody>
+          <a:bodyPr/>
+          <a:lstStyle/>
+          <a:p>
+            <a:r>
+              <a:rPr lang="en-US" dirty="0" smtClean="0"/>
+              <a:t>Linger</a:t>
+            </a:r>
+          </a:p>
+        </p:txBody>
+      </p:sp>
     </p:spTree>
   </p:cSld>
   <p:clrMapOvr>
@@ -8036,78 +7084,36 @@
         </p:nvSpPr>
         <p:spPr/>
         <p:txBody>
-          <a:bodyPr/>
-          <a:lstStyle/>
-          <a:p>
-            <a:r>
-              <a:rPr lang="en-US" dirty="0" smtClean="0"/>
-              <a:t>Run until </a:t>
-            </a:r>
-            <a:r>
-              <a:rPr lang="en-US" dirty="0" smtClean="0"/>
-              <a:t>finish</a:t>
+          <a:bodyPr>
+            <a:normAutofit/>
+          </a:bodyPr>
+          <a:lstStyle/>
+          <a:p>
+            <a:r>
+              <a:rPr lang="en-US" dirty="0" smtClean="0"/>
+              <a:t>PlanetLab</a:t>
+            </a:r>
+          </a:p>
+          <a:p>
+            <a:r>
+              <a:rPr lang="en-US" dirty="0" smtClean="0"/>
+              <a:t>Private </a:t>
+            </a:r>
+            <a:r>
+              <a:rPr lang="en-US" dirty="0" smtClean="0"/>
+              <a:t>OpenDHT</a:t>
             </a:r>
             <a:endParaRPr lang="en-US" dirty="0" smtClean="0"/>
           </a:p>
           <a:p>
-            <a:r>
-              <a:rPr lang="en-US" dirty="0" smtClean="0"/>
-              <a:t>Repeat </a:t>
-            </a:r>
-            <a:r>
-              <a:rPr lang="en-US" dirty="0" smtClean="0"/>
-              <a:t>3x</a:t>
-            </a:r>
+            <a:pPr lvl="1"/>
             <a:endParaRPr lang="en-US" dirty="0" smtClean="0"/>
-          </a:p>
-          <a:p>
-            <a:r>
-              <a:rPr lang="en-US" dirty="0" smtClean="0"/>
-              <a:t>Graph percentiles of: </a:t>
-            </a:r>
-          </a:p>
-          <a:p>
-            <a:pPr lvl="1"/>
-            <a:r>
-              <a:rPr lang="en-US" dirty="0" smtClean="0"/>
-              <a:t>download times</a:t>
-            </a:r>
-          </a:p>
-          <a:p>
-            <a:pPr lvl="1"/>
-            <a:r>
-              <a:rPr lang="en-US" dirty="0" smtClean="0"/>
-              <a:t>DHT response times</a:t>
-            </a:r>
-          </a:p>
-          <a:p>
-            <a:pPr lvl="1"/>
-            <a:r>
-              <a:rPr lang="en-US" dirty="0" smtClean="0"/>
-              <a:t>causes for transitioning to P2P</a:t>
-            </a:r>
-          </a:p>
-          <a:p>
-            <a:r>
-              <a:rPr lang="en-US" dirty="0" smtClean="0"/>
-              <a:t>BYU server </a:t>
-            </a:r>
-          </a:p>
-          <a:p>
-            <a:pPr lvl="1"/>
-            <a:r>
-              <a:rPr lang="en-US" dirty="0" smtClean="0"/>
-              <a:t>256 KB/s</a:t>
-            </a:r>
-          </a:p>
-          <a:p>
-            <a:endParaRPr lang="en-US" dirty="0"/>
           </a:p>
         </p:txBody>
       </p:sp>
       <p:pic>
         <p:nvPicPr>
-          <p:cNvPr id="4" name="Picture 3"/>
+          <p:cNvPr id="4098" name="Picture 2" descr="C:\Documents and Settings\rdp\Desktop\World50.png"/>
           <p:cNvPicPr>
             <a:picLocks noChangeAspect="1" noChangeArrowheads="1"/>
           </p:cNvPicPr>
@@ -8122,19 +7128,13 @@
         </p:blipFill>
         <p:spPr bwMode="auto">
           <a:xfrm>
-            <a:off x="7924800" y="3505200"/>
-            <a:ext cx="828675" cy="2679970"/>
+            <a:off x="4114800" y="1447800"/>
+            <a:ext cx="4762500" cy="2381250"/>
           </a:xfrm>
           <a:prstGeom prst="rect">
             <a:avLst/>
           </a:prstGeom>
           <a:noFill/>
-          <a:ln w="9525">
-            <a:noFill/>
-            <a:miter lim="800000"/>
-            <a:headEnd/>
-            <a:tailEnd/>
-          </a:ln>
         </p:spPr>
       </p:pic>
     </p:spTree>
@@ -8186,15 +7186,113 @@
           <a:p>
             <a:r>
               <a:rPr lang="en-US" dirty="0" smtClean="0"/>
-              <a:t>Performance Client-Server</a:t>
+              <a:t>Methodology</a:t>
             </a:r>
             <a:endParaRPr lang="en-US" dirty="0"/>
+          </a:p>
+        </p:txBody>
+      </p:sp>
+      <p:sp>
+        <p:nvSpPr>
+          <p:cNvPr id="3" name="Content Placeholder 2"/>
+          <p:cNvSpPr>
+            <a:spLocks noGrp="1"/>
+          </p:cNvSpPr>
+          <p:nvPr>
+            <p:ph idx="1"/>
+          </p:nvPr>
+        </p:nvSpPr>
+        <p:spPr/>
+        <p:txBody>
+          <a:bodyPr>
+            <a:normAutofit fontScale="92500" lnSpcReduction="10000"/>
+          </a:bodyPr>
+          <a:lstStyle/>
+          <a:p>
+            <a:r>
+              <a:rPr lang="en-US" dirty="0" smtClean="0"/>
+              <a:t>BYU server</a:t>
+            </a:r>
+          </a:p>
+          <a:p>
+            <a:pPr lvl="1"/>
+            <a:r>
+              <a:rPr lang="en-US" dirty="0" smtClean="0"/>
+              <a:t>256 KB/s</a:t>
+            </a:r>
+          </a:p>
+          <a:p>
+            <a:r>
+              <a:rPr lang="en-US" dirty="0" smtClean="0"/>
+              <a:t>Download from multiple </a:t>
+            </a:r>
+            <a:r>
+              <a:rPr lang="en-US" dirty="0" smtClean="0"/>
+              <a:t>clients</a:t>
+            </a:r>
+          </a:p>
+          <a:p>
+            <a:r>
+              <a:rPr lang="en-US" dirty="0" smtClean="0"/>
+              <a:t>Run </a:t>
+            </a:r>
+            <a:r>
+              <a:rPr lang="en-US" dirty="0" smtClean="0"/>
+              <a:t>until </a:t>
+            </a:r>
+            <a:r>
+              <a:rPr lang="en-US" dirty="0" smtClean="0"/>
+              <a:t>finish</a:t>
+            </a:r>
+            <a:endParaRPr lang="en-US" dirty="0" smtClean="0"/>
+          </a:p>
+          <a:p>
+            <a:r>
+              <a:rPr lang="en-US" dirty="0" smtClean="0"/>
+              <a:t>Repeat </a:t>
+            </a:r>
+            <a:r>
+              <a:rPr lang="en-US" dirty="0" smtClean="0"/>
+              <a:t>3x</a:t>
+            </a:r>
+            <a:endParaRPr lang="en-US" dirty="0" smtClean="0"/>
+          </a:p>
+          <a:p>
+            <a:r>
+              <a:rPr lang="en-US" dirty="0" smtClean="0"/>
+              <a:t>Graph percentiles of: </a:t>
+            </a:r>
+          </a:p>
+          <a:p>
+            <a:pPr lvl="1"/>
+            <a:r>
+              <a:rPr lang="en-US" dirty="0" smtClean="0"/>
+              <a:t>download times</a:t>
+            </a:r>
+          </a:p>
+          <a:p>
+            <a:pPr lvl="1"/>
+            <a:r>
+              <a:rPr lang="en-US" dirty="0" smtClean="0"/>
+              <a:t>DHT response times</a:t>
+            </a:r>
+          </a:p>
+          <a:p>
+            <a:pPr lvl="1"/>
+            <a:r>
+              <a:rPr lang="en-US" dirty="0" smtClean="0"/>
+              <a:t>causes for transitioning to </a:t>
+            </a:r>
+            <a:r>
+              <a:rPr lang="en-US" dirty="0" smtClean="0"/>
+              <a:t>P2P</a:t>
+            </a:r>
           </a:p>
         </p:txBody>
       </p:sp>
       <p:pic>
         <p:nvPicPr>
-          <p:cNvPr id="6146" name="Picture 2"/>
+          <p:cNvPr id="4" name="Picture 3"/>
           <p:cNvPicPr>
             <a:picLocks noChangeAspect="1" noChangeArrowheads="1"/>
           </p:cNvPicPr>
@@ -8209,8 +7307,8 @@
         </p:blipFill>
         <p:spPr bwMode="auto">
           <a:xfrm>
-            <a:off x="123525" y="2438400"/>
-            <a:ext cx="9172875" cy="3500438"/>
+            <a:off x="7696200" y="3200400"/>
+            <a:ext cx="828675" cy="2679970"/>
           </a:xfrm>
           <a:prstGeom prst="rect">
             <a:avLst/>
@@ -8224,38 +7322,6 @@
           </a:ln>
         </p:spPr>
       </p:pic>
-      <p:sp>
-        <p:nvSpPr>
-          <p:cNvPr id="4" name="Content Placeholder 2"/>
-          <p:cNvSpPr>
-            <a:spLocks noGrp="1"/>
-          </p:cNvSpPr>
-          <p:nvPr>
-            <p:ph idx="1"/>
-          </p:nvPr>
-        </p:nvSpPr>
-        <p:spPr>
-          <a:xfrm>
-            <a:off x="457200" y="1600200"/>
-            <a:ext cx="8229600" cy="4525963"/>
-          </a:xfrm>
-        </p:spPr>
-        <p:txBody>
-          <a:bodyPr/>
-          <a:lstStyle/>
-          <a:p>
-            <a:r>
-              <a:rPr lang="en-US" dirty="0" smtClean="0"/>
-              <a:t>File size: 100 KB, R 128 KB/s, W 2s, T 1s, Linger 60s.  Increasing number of startup </a:t>
-            </a:r>
-            <a:r>
-              <a:rPr lang="en-US" dirty="0" smtClean="0"/>
-              <a:t>peers</a:t>
-            </a:r>
-            <a:endParaRPr lang="en-US" dirty="0" smtClean="0"/>
-          </a:p>
-        </p:txBody>
-      </p:sp>
     </p:spTree>
   </p:cSld>
   <p:clrMapOvr>
@@ -8300,6 +7366,362 @@
         </p:nvSpPr>
         <p:spPr/>
         <p:txBody>
+          <a:bodyPr/>
+          <a:lstStyle/>
+          <a:p>
+            <a:r>
+              <a:rPr lang="en-US" dirty="0" smtClean="0"/>
+              <a:t>Scalability Test</a:t>
+            </a:r>
+            <a:endParaRPr lang="en-US" dirty="0"/>
+          </a:p>
+        </p:txBody>
+      </p:sp>
+      <p:sp>
+        <p:nvSpPr>
+          <p:cNvPr id="4" name="Content Placeholder 2"/>
+          <p:cNvSpPr>
+            <a:spLocks noGrp="1"/>
+          </p:cNvSpPr>
+          <p:nvPr>
+            <p:ph idx="1"/>
+          </p:nvPr>
+        </p:nvSpPr>
+        <p:spPr>
+          <a:xfrm>
+            <a:off x="457200" y="1600200"/>
+            <a:ext cx="8229600" cy="4525963"/>
+          </a:xfrm>
+        </p:spPr>
+        <p:txBody>
+          <a:bodyPr>
+            <a:normAutofit fontScale="92500" lnSpcReduction="10000"/>
+          </a:bodyPr>
+          <a:lstStyle/>
+          <a:p>
+            <a:r>
+              <a:rPr lang="en-US" dirty="0" smtClean="0"/>
+              <a:t>Load Test</a:t>
+            </a:r>
+          </a:p>
+          <a:p>
+            <a:pPr lvl="1"/>
+            <a:r>
+              <a:rPr lang="en-US" dirty="0" smtClean="0"/>
+              <a:t>File </a:t>
+            </a:r>
+            <a:r>
+              <a:rPr lang="en-US" dirty="0" smtClean="0"/>
+              <a:t>size: 100 </a:t>
+            </a:r>
+            <a:r>
+              <a:rPr lang="en-US" dirty="0" smtClean="0"/>
+              <a:t>KB</a:t>
+            </a:r>
+          </a:p>
+          <a:p>
+            <a:pPr lvl="1"/>
+            <a:r>
+              <a:rPr lang="en-US" dirty="0" smtClean="0"/>
+              <a:t>R </a:t>
+            </a:r>
+            <a:r>
+              <a:rPr lang="en-US" dirty="0" smtClean="0"/>
+              <a:t>128 </a:t>
+            </a:r>
+            <a:r>
+              <a:rPr lang="en-US" dirty="0" smtClean="0"/>
+              <a:t>KB/s</a:t>
+            </a:r>
+          </a:p>
+          <a:p>
+            <a:pPr lvl="1"/>
+            <a:r>
+              <a:rPr lang="en-US" dirty="0" smtClean="0"/>
+              <a:t>W 2s</a:t>
+            </a:r>
+          </a:p>
+          <a:p>
+            <a:pPr lvl="1"/>
+            <a:r>
+              <a:rPr lang="en-US" dirty="0" smtClean="0"/>
+              <a:t>T 1s</a:t>
+            </a:r>
+          </a:p>
+          <a:p>
+            <a:pPr lvl="1"/>
+            <a:r>
+              <a:rPr lang="en-US" dirty="0" smtClean="0"/>
+              <a:t>Linger 60s</a:t>
+            </a:r>
+            <a:endParaRPr lang="en-US" dirty="0" smtClean="0"/>
+          </a:p>
+          <a:p>
+            <a:r>
+              <a:rPr lang="en-US" dirty="0" smtClean="0"/>
+              <a:t>100 s</a:t>
+            </a:r>
+          </a:p>
+          <a:p>
+            <a:r>
+              <a:rPr lang="en-US" dirty="0" smtClean="0"/>
+              <a:t>Client count increases from 1 to 20 peers/second</a:t>
+            </a:r>
+          </a:p>
+          <a:p>
+            <a:r>
+              <a:rPr lang="en-US" dirty="0" smtClean="0"/>
+              <a:t>Client-server and Automatic Swarming.</a:t>
+            </a:r>
+            <a:endParaRPr lang="en-US" dirty="0" smtClean="0"/>
+          </a:p>
+        </p:txBody>
+      </p:sp>
+    </p:spTree>
+  </p:cSld>
+  <p:clrMapOvr>
+    <a:masterClrMapping/>
+  </p:clrMapOvr>
+  <p:timing>
+    <p:tnLst>
+      <p:par>
+        <p:cTn id="1" dur="indefinite" restart="never" nodeType="tmRoot"/>
+      </p:par>
+    </p:tnLst>
+  </p:timing>
+</p:sld>
+</file>
+
+<file path=ppt/slides/slide2.xml><?xml version="1.0" encoding="utf-8"?>
+<p:sld xmlns:a="http://schemas.openxmlformats.org/drawingml/2006/main" xmlns:r="http://schemas.openxmlformats.org/officeDocument/2006/relationships" xmlns:p="http://schemas.openxmlformats.org/presentationml/2006/main">
+  <p:cSld>
+    <p:spTree>
+      <p:nvGrpSpPr>
+        <p:cNvPr id="1" name=""/>
+        <p:cNvGrpSpPr/>
+        <p:nvPr/>
+      </p:nvGrpSpPr>
+      <p:grpSpPr>
+        <a:xfrm>
+          <a:off x="0" y="0"/>
+          <a:ext cx="0" cy="0"/>
+          <a:chOff x="0" y="0"/>
+          <a:chExt cx="0" cy="0"/>
+        </a:xfrm>
+      </p:grpSpPr>
+      <p:sp>
+        <p:nvSpPr>
+          <p:cNvPr id="2" name="Title 1"/>
+          <p:cNvSpPr>
+            <a:spLocks noGrp="1"/>
+          </p:cNvSpPr>
+          <p:nvPr>
+            <p:ph type="title"/>
+          </p:nvPr>
+        </p:nvSpPr>
+        <p:spPr/>
+        <p:txBody>
+          <a:bodyPr/>
+          <a:lstStyle/>
+          <a:p>
+            <a:r>
+              <a:rPr lang="en-US" dirty="0" smtClean="0"/>
+              <a:t>Fast download</a:t>
+            </a:r>
+            <a:endParaRPr lang="en-US" dirty="0"/>
+          </a:p>
+        </p:txBody>
+      </p:sp>
+      <p:pic>
+        <p:nvPicPr>
+          <p:cNvPr id="1028" name="Picture 4" descr="C:\Users\packrd\AppData\Local\Microsoft\Windows\Temporary Internet Files\Content.IE5\I9QEYR76\MCj04406450000[1].wmf"/>
+          <p:cNvPicPr>
+            <a:picLocks noChangeAspect="1" noChangeArrowheads="1"/>
+          </p:cNvPicPr>
+          <p:nvPr/>
+        </p:nvPicPr>
+        <p:blipFill>
+          <a:blip r:embed="rId3" cstate="print"/>
+          <a:srcRect/>
+          <a:stretch>
+            <a:fillRect/>
+          </a:stretch>
+        </p:blipFill>
+        <p:spPr bwMode="auto">
+          <a:xfrm>
+            <a:off x="6934200" y="228600"/>
+            <a:ext cx="1295400" cy="1295400"/>
+          </a:xfrm>
+          <a:prstGeom prst="rect">
+            <a:avLst/>
+          </a:prstGeom>
+          <a:noFill/>
+        </p:spPr>
+      </p:pic>
+      <p:pic>
+        <p:nvPicPr>
+          <p:cNvPr id="2051" name="Picture 3"/>
+          <p:cNvPicPr>
+            <a:picLocks noChangeAspect="1" noChangeArrowheads="1"/>
+          </p:cNvPicPr>
+          <p:nvPr/>
+        </p:nvPicPr>
+        <p:blipFill>
+          <a:blip r:embed="rId4" cstate="print"/>
+          <a:srcRect/>
+          <a:stretch>
+            <a:fillRect/>
+          </a:stretch>
+        </p:blipFill>
+        <p:spPr bwMode="auto">
+          <a:xfrm>
+            <a:off x="304800" y="1981200"/>
+            <a:ext cx="8496300" cy="1971675"/>
+          </a:xfrm>
+          <a:prstGeom prst="rect">
+            <a:avLst/>
+          </a:prstGeom>
+          <a:noFill/>
+          <a:ln w="9525">
+            <a:noFill/>
+            <a:miter lim="800000"/>
+            <a:headEnd/>
+            <a:tailEnd/>
+          </a:ln>
+        </p:spPr>
+      </p:pic>
+    </p:spTree>
+  </p:cSld>
+  <p:clrMapOvr>
+    <a:masterClrMapping/>
+  </p:clrMapOvr>
+  <p:timing>
+    <p:tnLst>
+      <p:par>
+        <p:cTn id="1" dur="indefinite" restart="never" nodeType="tmRoot"/>
+      </p:par>
+    </p:tnLst>
+  </p:timing>
+</p:sld>
+</file>
+
+<file path=ppt/slides/slide20.xml><?xml version="1.0" encoding="utf-8"?>
+<p:sld xmlns:a="http://schemas.openxmlformats.org/drawingml/2006/main" xmlns:r="http://schemas.openxmlformats.org/officeDocument/2006/relationships" xmlns:p="http://schemas.openxmlformats.org/presentationml/2006/main">
+  <p:cSld>
+    <p:spTree>
+      <p:nvGrpSpPr>
+        <p:cNvPr id="1" name=""/>
+        <p:cNvGrpSpPr/>
+        <p:nvPr/>
+      </p:nvGrpSpPr>
+      <p:grpSpPr>
+        <a:xfrm>
+          <a:off x="0" y="0"/>
+          <a:ext cx="0" cy="0"/>
+          <a:chOff x="0" y="0"/>
+          <a:chExt cx="0" cy="0"/>
+        </a:xfrm>
+      </p:grpSpPr>
+      <p:sp>
+        <p:nvSpPr>
+          <p:cNvPr id="2" name="Title 1"/>
+          <p:cNvSpPr>
+            <a:spLocks noGrp="1"/>
+          </p:cNvSpPr>
+          <p:nvPr>
+            <p:ph type="title"/>
+          </p:nvPr>
+        </p:nvSpPr>
+        <p:spPr/>
+        <p:txBody>
+          <a:bodyPr/>
+          <a:lstStyle/>
+          <a:p>
+            <a:r>
+              <a:rPr lang="en-US" dirty="0" smtClean="0"/>
+              <a:t>Performance </a:t>
+            </a:r>
+            <a:r>
+              <a:rPr lang="en-US" dirty="0" smtClean="0"/>
+              <a:t>–</a:t>
+            </a:r>
+            <a:r>
+              <a:rPr lang="en-US" dirty="0" smtClean="0"/>
+              <a:t> Client-Server</a:t>
+            </a:r>
+            <a:endParaRPr lang="en-US" dirty="0"/>
+          </a:p>
+        </p:txBody>
+      </p:sp>
+      <p:pic>
+        <p:nvPicPr>
+          <p:cNvPr id="5" name="Picture 2"/>
+          <p:cNvPicPr>
+            <a:picLocks noChangeAspect="1" noChangeArrowheads="1"/>
+          </p:cNvPicPr>
+          <p:nvPr/>
+        </p:nvPicPr>
+        <p:blipFill>
+          <a:blip r:embed="rId2" cstate="print"/>
+          <a:srcRect/>
+          <a:stretch>
+            <a:fillRect/>
+          </a:stretch>
+        </p:blipFill>
+        <p:spPr bwMode="auto">
+          <a:xfrm>
+            <a:off x="0" y="2362200"/>
+            <a:ext cx="9172875" cy="3500438"/>
+          </a:xfrm>
+          <a:prstGeom prst="rect">
+            <a:avLst/>
+          </a:prstGeom>
+          <a:noFill/>
+          <a:ln w="9525">
+            <a:noFill/>
+            <a:miter lim="800000"/>
+            <a:headEnd/>
+            <a:tailEnd/>
+          </a:ln>
+        </p:spPr>
+      </p:pic>
+    </p:spTree>
+  </p:cSld>
+  <p:clrMapOvr>
+    <a:masterClrMapping/>
+  </p:clrMapOvr>
+</p:sld>
+</file>
+
+<file path=ppt/slides/slide21.xml><?xml version="1.0" encoding="utf-8"?>
+<p:sld xmlns:a="http://schemas.openxmlformats.org/drawingml/2006/main" xmlns:r="http://schemas.openxmlformats.org/officeDocument/2006/relationships" xmlns:p="http://schemas.openxmlformats.org/presentationml/2006/main">
+  <p:cSld>
+    <p:spTree>
+      <p:nvGrpSpPr>
+        <p:cNvPr id="1" name=""/>
+        <p:cNvGrpSpPr/>
+        <p:nvPr/>
+      </p:nvGrpSpPr>
+      <p:grpSpPr>
+        <a:xfrm>
+          <a:off x="0" y="0"/>
+          <a:ext cx="0" cy="0"/>
+          <a:chOff x="0" y="0"/>
+          <a:chExt cx="0" cy="0"/>
+        </a:xfrm>
+      </p:grpSpPr>
+      <p:sp>
+        <p:nvSpPr>
+          <p:cNvPr id="2" name="Title 1"/>
+          <p:cNvSpPr>
+            <a:spLocks noGrp="1"/>
+          </p:cNvSpPr>
+          <p:nvPr>
+            <p:ph type="title"/>
+          </p:nvPr>
+        </p:nvSpPr>
+        <p:spPr/>
+        <p:txBody>
           <a:bodyPr>
             <a:normAutofit fontScale="90000"/>
           </a:bodyPr>
@@ -8346,7 +7768,15 @@
           <a:p>
             <a:r>
               <a:rPr lang="en-US" dirty="0" smtClean="0"/>
-              <a:t>DHT latency of 5.2 </a:t>
+              <a:t>DHT </a:t>
+            </a:r>
+            <a:r>
+              <a:rPr lang="en-US" dirty="0" smtClean="0"/>
+              <a:t>median latency </a:t>
+            </a:r>
+            <a:r>
+              <a:rPr lang="en-US" dirty="0" smtClean="0"/>
+              <a:t>of 5.2 </a:t>
             </a:r>
             <a:r>
               <a:rPr lang="en-US" dirty="0" smtClean="0"/>
@@ -8435,7 +7865,7 @@
 </p:sld>
 </file>
 
-<file path=ppt/slides/slide2.xml><?xml version="1.0" encoding="utf-8"?>
+<file path=ppt/slides/slide22.xml><?xml version="1.0" encoding="utf-8"?>
 <p:sld xmlns:a="http://schemas.openxmlformats.org/drawingml/2006/main" xmlns:r="http://schemas.openxmlformats.org/officeDocument/2006/relationships" xmlns:p="http://schemas.openxmlformats.org/presentationml/2006/main">
   <p:cSld>
     <p:spTree>
@@ -8452,201 +7882,6 @@
           <a:chExt cx="0" cy="0"/>
         </a:xfrm>
       </p:grpSpPr>
-      <p:sp>
-        <p:nvSpPr>
-          <p:cNvPr id="2" name="Title 1"/>
-          <p:cNvSpPr>
-            <a:spLocks noGrp="1"/>
-          </p:cNvSpPr>
-          <p:nvPr>
-            <p:ph type="title"/>
-          </p:nvPr>
-        </p:nvSpPr>
-        <p:spPr/>
-        <p:txBody>
-          <a:bodyPr/>
-          <a:lstStyle/>
-          <a:p>
-            <a:r>
-              <a:rPr lang="en-US" dirty="0" smtClean="0"/>
-              <a:t>Fast download</a:t>
-            </a:r>
-            <a:endParaRPr lang="en-US" dirty="0"/>
-          </a:p>
-        </p:txBody>
-      </p:sp>
-      <p:sp>
-        <p:nvSpPr>
-          <p:cNvPr id="3" name="Content Placeholder 2"/>
-          <p:cNvSpPr>
-            <a:spLocks noGrp="1"/>
-          </p:cNvSpPr>
-          <p:nvPr>
-            <p:ph idx="1"/>
-          </p:nvPr>
-        </p:nvSpPr>
-        <p:spPr/>
-        <p:txBody>
-          <a:bodyPr/>
-          <a:lstStyle/>
-          <a:p>
-            <a:endParaRPr lang="en-US"/>
-          </a:p>
-        </p:txBody>
-      </p:sp>
-      <p:pic>
-        <p:nvPicPr>
-          <p:cNvPr id="1028" name="Picture 4" descr="C:\Users\packrd\AppData\Local\Microsoft\Windows\Temporary Internet Files\Content.IE5\I9QEYR76\MCj04406450000[1].wmf"/>
-          <p:cNvPicPr>
-            <a:picLocks noChangeAspect="1" noChangeArrowheads="1"/>
-          </p:cNvPicPr>
-          <p:nvPr/>
-        </p:nvPicPr>
-        <p:blipFill>
-          <a:blip r:embed="rId3" cstate="print"/>
-          <a:srcRect/>
-          <a:stretch>
-            <a:fillRect/>
-          </a:stretch>
-        </p:blipFill>
-        <p:spPr bwMode="auto">
-          <a:xfrm>
-            <a:off x="6934200" y="228600"/>
-            <a:ext cx="1295400" cy="1295400"/>
-          </a:xfrm>
-          <a:prstGeom prst="rect">
-            <a:avLst/>
-          </a:prstGeom>
-          <a:noFill/>
-        </p:spPr>
-      </p:pic>
-      <p:pic>
-        <p:nvPicPr>
-          <p:cNvPr id="4" name="Picture 3"/>
-          <p:cNvPicPr>
-            <a:picLocks noChangeAspect="1" noChangeArrowheads="1"/>
-          </p:cNvPicPr>
-          <p:nvPr/>
-        </p:nvPicPr>
-        <p:blipFill>
-          <a:blip r:embed="rId4" cstate="print"/>
-          <a:srcRect/>
-          <a:stretch>
-            <a:fillRect/>
-          </a:stretch>
-        </p:blipFill>
-        <p:spPr bwMode="auto">
-          <a:xfrm>
-            <a:off x="381000" y="1524000"/>
-            <a:ext cx="8572500" cy="5715000"/>
-          </a:xfrm>
-          <a:prstGeom prst="rect">
-            <a:avLst/>
-          </a:prstGeom>
-          <a:noFill/>
-          <a:ln w="9525">
-            <a:noFill/>
-            <a:miter lim="800000"/>
-            <a:headEnd/>
-            <a:tailEnd/>
-          </a:ln>
-        </p:spPr>
-      </p:pic>
-    </p:spTree>
-  </p:cSld>
-  <p:clrMapOvr>
-    <a:masterClrMapping/>
-  </p:clrMapOvr>
-  <p:timing>
-    <p:tnLst>
-      <p:par>
-        <p:cTn id="1" dur="indefinite" restart="never" nodeType="tmRoot"/>
-      </p:par>
-    </p:tnLst>
-  </p:timing>
-</p:sld>
-</file>
-
-<file path=ppt/slides/slide20.xml><?xml version="1.0" encoding="utf-8"?>
-<p:sld xmlns:a="http://schemas.openxmlformats.org/drawingml/2006/main" xmlns:r="http://schemas.openxmlformats.org/officeDocument/2006/relationships" xmlns:p="http://schemas.openxmlformats.org/presentationml/2006/main">
-  <p:cSld>
-    <p:spTree>
-      <p:nvGrpSpPr>
-        <p:cNvPr id="1" name=""/>
-        <p:cNvGrpSpPr/>
-        <p:nvPr/>
-      </p:nvGrpSpPr>
-      <p:grpSpPr>
-        <a:xfrm>
-          <a:off x="0" y="0"/>
-          <a:ext cx="0" cy="0"/>
-          <a:chOff x="0" y="0"/>
-          <a:chExt cx="0" cy="0"/>
-        </a:xfrm>
-      </p:grpSpPr>
-      <p:sp>
-        <p:nvSpPr>
-          <p:cNvPr id="2" name="Title 1"/>
-          <p:cNvSpPr>
-            <a:spLocks noGrp="1"/>
-          </p:cNvSpPr>
-          <p:nvPr>
-            <p:ph type="title"/>
-          </p:nvPr>
-        </p:nvSpPr>
-        <p:spPr/>
-        <p:txBody>
-          <a:bodyPr>
-            <a:normAutofit fontScale="90000"/>
-          </a:bodyPr>
-          <a:lstStyle/>
-          <a:p>
-            <a:r>
-              <a:rPr lang="en-US" dirty="0" smtClean="0"/>
-              <a:t>Automatic Swarming </a:t>
-            </a:r>
-            <a:br>
-              <a:rPr lang="en-US" dirty="0" smtClean="0"/>
-            </a:br>
-            <a:r>
-              <a:rPr lang="en-US" dirty="0" smtClean="0"/>
-              <a:t>Transition Cause</a:t>
-            </a:r>
-            <a:endParaRPr lang="en-US" dirty="0"/>
-          </a:p>
-        </p:txBody>
-      </p:sp>
-      <p:sp>
-        <p:nvSpPr>
-          <p:cNvPr id="3" name="Content Placeholder 2"/>
-          <p:cNvSpPr>
-            <a:spLocks noGrp="1"/>
-          </p:cNvSpPr>
-          <p:nvPr>
-            <p:ph idx="1"/>
-          </p:nvPr>
-        </p:nvSpPr>
-        <p:spPr/>
-        <p:txBody>
-          <a:bodyPr/>
-          <a:lstStyle/>
-          <a:p>
-            <a:r>
-              <a:rPr lang="en-US" dirty="0" smtClean="0"/>
-              <a:t>R </a:t>
-            </a:r>
-            <a:r>
-              <a:rPr lang="en-US" dirty="0" smtClean="0"/>
-              <a:t>is …T </a:t>
-            </a:r>
-            <a:r>
-              <a:rPr lang="en-US" dirty="0" smtClean="0"/>
-              <a:t>is </a:t>
-            </a:r>
-            <a:endParaRPr lang="en-US" dirty="0"/>
-          </a:p>
-        </p:txBody>
-      </p:sp>
       <p:pic>
         <p:nvPicPr>
           <p:cNvPr id="8194" name="Picture 2"/>
@@ -8664,7 +7899,7 @@
         </p:blipFill>
         <p:spPr bwMode="auto">
           <a:xfrm>
-            <a:off x="1295400" y="2057400"/>
+            <a:off x="1143000" y="2705100"/>
             <a:ext cx="6600825" cy="3924300"/>
           </a:xfrm>
           <a:prstGeom prst="rect">
@@ -8679,38 +7914,6 @@
           </a:ln>
         </p:spPr>
       </p:pic>
-    </p:spTree>
-  </p:cSld>
-  <p:clrMapOvr>
-    <a:masterClrMapping/>
-  </p:clrMapOvr>
-  <p:timing>
-    <p:tnLst>
-      <p:par>
-        <p:cTn id="1" dur="indefinite" restart="never" nodeType="tmRoot"/>
-      </p:par>
-    </p:tnLst>
-  </p:timing>
-</p:sld>
-</file>
-
-<file path=ppt/slides/slide21.xml><?xml version="1.0" encoding="utf-8"?>
-<p:sld xmlns:a="http://schemas.openxmlformats.org/drawingml/2006/main" xmlns:r="http://schemas.openxmlformats.org/officeDocument/2006/relationships" xmlns:p="http://schemas.openxmlformats.org/presentationml/2006/main">
-  <p:cSld>
-    <p:spTree>
-      <p:nvGrpSpPr>
-        <p:cNvPr id="1" name=""/>
-        <p:cNvGrpSpPr/>
-        <p:nvPr/>
-      </p:nvGrpSpPr>
-      <p:grpSpPr>
-        <a:xfrm>
-          <a:off x="0" y="0"/>
-          <a:ext cx="0" cy="0"/>
-          <a:chOff x="0" y="0"/>
-          <a:chExt cx="0" cy="0"/>
-        </a:xfrm>
-      </p:grpSpPr>
       <p:sp>
         <p:nvSpPr>
           <p:cNvPr id="2" name="Title 1"/>
@@ -8723,105 +7926,34 @@
         </p:nvSpPr>
         <p:spPr/>
         <p:txBody>
-          <a:bodyPr/>
-          <a:lstStyle/>
-          <a:p>
-            <a:r>
-              <a:rPr lang="en-US" dirty="0" smtClean="0"/>
-              <a:t>Compared</a:t>
+          <a:bodyPr>
+            <a:normAutofit fontScale="90000"/>
+          </a:bodyPr>
+          <a:lstStyle/>
+          <a:p>
+            <a:r>
+              <a:rPr lang="en-US" dirty="0" smtClean="0"/>
+              <a:t>Automatic </a:t>
+            </a:r>
+            <a:r>
+              <a:rPr lang="en-US" dirty="0" smtClean="0"/>
+              <a:t>Swarming – </a:t>
+            </a:r>
+            <a:r>
+              <a:rPr lang="en-US" dirty="0" smtClean="0"/>
+              <a:t/>
+            </a:r>
+            <a:br>
+              <a:rPr lang="en-US" dirty="0" smtClean="0"/>
+            </a:br>
+            <a:r>
+              <a:rPr lang="en-US" dirty="0" smtClean="0"/>
+              <a:t>Transition Cause</a:t>
             </a:r>
             <a:endParaRPr lang="en-US" dirty="0"/>
           </a:p>
         </p:txBody>
       </p:sp>
-      <p:pic>
-        <p:nvPicPr>
-          <p:cNvPr id="3074" name="Picture 2"/>
-          <p:cNvPicPr>
-            <a:picLocks noChangeAspect="1" noChangeArrowheads="1"/>
-          </p:cNvPicPr>
-          <p:nvPr/>
-        </p:nvPicPr>
-        <p:blipFill>
-          <a:blip r:embed="rId3" cstate="print"/>
-          <a:srcRect/>
-          <a:stretch>
-            <a:fillRect/>
-          </a:stretch>
-        </p:blipFill>
-        <p:spPr bwMode="auto">
-          <a:xfrm>
-            <a:off x="762000" y="1447800"/>
-            <a:ext cx="7620000" cy="4564063"/>
-          </a:xfrm>
-          <a:prstGeom prst="rect">
-            <a:avLst/>
-          </a:prstGeom>
-          <a:noFill/>
-          <a:ln w="9525">
-            <a:noFill/>
-            <a:miter lim="800000"/>
-            <a:headEnd/>
-            <a:tailEnd/>
-          </a:ln>
-        </p:spPr>
-      </p:pic>
-    </p:spTree>
-  </p:cSld>
-  <p:clrMapOvr>
-    <a:masterClrMapping/>
-  </p:clrMapOvr>
-  <p:transition/>
-  <p:timing>
-    <p:tnLst>
-      <p:par>
-        <p:cTn id="1" dur="indefinite" restart="never" nodeType="tmRoot"/>
-      </p:par>
-    </p:tnLst>
-  </p:timing>
-</p:sld>
-</file>
-
-<file path=ppt/slides/slide22.xml><?xml version="1.0" encoding="utf-8"?>
-<p:sld xmlns:a="http://schemas.openxmlformats.org/drawingml/2006/main" xmlns:r="http://schemas.openxmlformats.org/officeDocument/2006/relationships" xmlns:p="http://schemas.openxmlformats.org/presentationml/2006/main">
-  <p:cSld>
-    <p:spTree>
-      <p:nvGrpSpPr>
-        <p:cNvPr id="1" name=""/>
-        <p:cNvGrpSpPr/>
-        <p:nvPr/>
-      </p:nvGrpSpPr>
-      <p:grpSpPr>
-        <a:xfrm>
-          <a:off x="0" y="0"/>
-          <a:ext cx="0" cy="0"/>
-          <a:chOff x="0" y="0"/>
-          <a:chExt cx="0" cy="0"/>
-        </a:xfrm>
-      </p:grpSpPr>
-      <p:sp>
-        <p:nvSpPr>
-          <p:cNvPr id="2" name="Title 1"/>
-          <p:cNvSpPr>
-            <a:spLocks noGrp="1"/>
-          </p:cNvSpPr>
-          <p:nvPr>
-            <p:ph type="title"/>
-          </p:nvPr>
-        </p:nvSpPr>
-        <p:spPr/>
-        <p:txBody>
-          <a:bodyPr/>
-          <a:lstStyle/>
-          <a:p>
-            <a:r>
-              <a:rPr lang="en-US" dirty="0" smtClean="0"/>
-              <a:t>Effect of Varying Parameters</a:t>
-            </a:r>
-            <a:endParaRPr lang="en-US" dirty="0"/>
-          </a:p>
-        </p:txBody>
-      </p:sp>
       <p:sp>
         <p:nvSpPr>
           <p:cNvPr id="3" name="Content Placeholder 2"/>
@@ -8835,106 +7967,34 @@
         <p:spPr/>
         <p:txBody>
           <a:bodyPr>
-            <a:normAutofit fontScale="92500" lnSpcReduction="10000"/>
+            <a:normAutofit/>
           </a:bodyPr>
           <a:lstStyle/>
           <a:p>
             <a:r>
-              <a:rPr lang="en-US" dirty="0" smtClean="0"/>
-              <a:t>T, R, W</a:t>
-            </a:r>
-          </a:p>
-          <a:p>
-            <a:r>
-              <a:rPr lang="en-US" dirty="0" smtClean="0"/>
-              <a:t>Multiple Files</a:t>
-            </a:r>
-          </a:p>
-          <a:p>
-            <a:r>
-              <a:rPr lang="en-US" dirty="0" smtClean="0"/>
-              <a:t>Large Files</a:t>
-            </a:r>
-          </a:p>
-          <a:p>
-            <a:r>
-              <a:rPr lang="en-US" dirty="0" smtClean="0"/>
-              <a:t>Block Size</a:t>
-            </a:r>
-          </a:p>
-          <a:p>
-            <a:r>
-              <a:rPr lang="en-US" dirty="0" smtClean="0"/>
-              <a:t>Linger Time</a:t>
-            </a:r>
-          </a:p>
-          <a:p>
-            <a:r>
-              <a:rPr lang="en-US" dirty="0" smtClean="0"/>
-              <a:t>Peer count</a:t>
-            </a:r>
-          </a:p>
-          <a:p>
-            <a:r>
-              <a:rPr lang="en-US" dirty="0" smtClean="0"/>
-              <a:t>1000 peers at 15/second (66 seconds</a:t>
-            </a:r>
-            <a:r>
-              <a:rPr lang="en-US" dirty="0" smtClean="0"/>
-              <a:t>)</a:t>
-            </a:r>
-            <a:endParaRPr lang="en-US" dirty="0" smtClean="0"/>
-          </a:p>
-          <a:p>
-            <a:r>
-              <a:rPr lang="en-US" dirty="0" smtClean="0"/>
-              <a:t>100 KB file, 100 KB block size, </a:t>
-            </a:r>
-            <a:r>
-              <a:rPr lang="en-US" dirty="0" err="1" smtClean="0"/>
-              <a:t>conn</a:t>
-            </a:r>
-            <a:r>
-              <a:rPr lang="en-US" dirty="0" smtClean="0"/>
-              <a:t>. Limit 5, R 128 KB/s, T 1s, W 2s, Linger 20 </a:t>
-            </a:r>
-            <a:r>
-              <a:rPr lang="en-US" dirty="0" smtClean="0"/>
-              <a:t>s</a:t>
-            </a:r>
-            <a:endParaRPr lang="en-US" dirty="0" smtClean="0"/>
-          </a:p>
-          <a:p>
-            <a:endParaRPr lang="en-US" dirty="0"/>
-          </a:p>
-        </p:txBody>
-      </p:sp>
-      <p:pic>
-        <p:nvPicPr>
-          <p:cNvPr id="5" name="Picture 4" descr="C:\rdp\dev\p2pwebclient\thesis_presentation\algorithm explanation.png"/>
-          <p:cNvPicPr>
-            <a:picLocks noChangeAspect="1" noChangeArrowheads="1"/>
-          </p:cNvPicPr>
-          <p:nvPr/>
-        </p:nvPicPr>
-        <p:blipFill>
-          <a:blip r:embed="rId3" cstate="print"/>
-          <a:srcRect/>
-          <a:stretch>
-            <a:fillRect/>
-          </a:stretch>
-        </p:blipFill>
-        <p:spPr bwMode="auto">
-          <a:xfrm>
-            <a:off x="3860442" y="1600200"/>
-            <a:ext cx="4292958" cy="2743200"/>
-          </a:xfrm>
-          <a:prstGeom prst="rect">
-            <a:avLst/>
-          </a:prstGeom>
-          <a:noFill/>
-        </p:spPr>
-      </p:pic>
+              <a:rPr lang="en-US" sz="1800" dirty="0" smtClean="0"/>
+              <a:t>T – first byte timeout</a:t>
+            </a:r>
+          </a:p>
+          <a:p>
+            <a:r>
+              <a:rPr lang="en-US" sz="1800" dirty="0" smtClean="0"/>
+              <a:t>R – server spee</a:t>
+            </a:r>
+            <a:r>
+              <a:rPr lang="en-US" sz="1800" dirty="0" smtClean="0"/>
+              <a:t>d too low</a:t>
+            </a:r>
+          </a:p>
+          <a:p>
+            <a:r>
+              <a:rPr lang="en-US" sz="1800" dirty="0" smtClean="0"/>
+              <a:t>Origin – did not transition to P2P</a:t>
+            </a:r>
+            <a:endParaRPr lang="en-US" sz="1800" dirty="0"/>
+          </a:p>
+        </p:txBody>
+      </p:sp>
     </p:spTree>
   </p:cSld>
   <p:clrMapOvr>
@@ -8984,7 +8044,7 @@
           <a:p>
             <a:r>
               <a:rPr lang="en-US" dirty="0" smtClean="0"/>
-              <a:t>Varying T</a:t>
+              <a:t>Comparison</a:t>
             </a:r>
             <a:endParaRPr lang="en-US" dirty="0"/>
           </a:p>
@@ -8992,7 +8052,7 @@
       </p:sp>
       <p:pic>
         <p:nvPicPr>
-          <p:cNvPr id="9218" name="Picture 2"/>
+          <p:cNvPr id="3074" name="Picture 2"/>
           <p:cNvPicPr>
             <a:picLocks noChangeAspect="1" noChangeArrowheads="1"/>
           </p:cNvPicPr>
@@ -9007,8 +8067,8 @@
         </p:blipFill>
         <p:spPr bwMode="auto">
           <a:xfrm>
-            <a:off x="0" y="1905000"/>
-            <a:ext cx="9068851" cy="3605213"/>
+            <a:off x="381000" y="1447800"/>
+            <a:ext cx="7620000" cy="4038600"/>
           </a:xfrm>
           <a:prstGeom prst="rect">
             <a:avLst/>
@@ -9022,11 +8082,42 @@
           </a:ln>
         </p:spPr>
       </p:pic>
+      <p:sp>
+        <p:nvSpPr>
+          <p:cNvPr id="4" name="Content Placeholder 2"/>
+          <p:cNvSpPr>
+            <a:spLocks noGrp="1"/>
+          </p:cNvSpPr>
+          <p:nvPr>
+            <p:ph idx="1"/>
+          </p:nvPr>
+        </p:nvSpPr>
+        <p:spPr>
+          <a:xfrm>
+            <a:off x="457200" y="5715000"/>
+            <a:ext cx="8229600" cy="1020763"/>
+          </a:xfrm>
+        </p:spPr>
+        <p:txBody>
+          <a:bodyPr>
+            <a:normAutofit/>
+          </a:bodyPr>
+          <a:lstStyle/>
+          <a:p>
+            <a:r>
+              <a:rPr lang="en-US" sz="1800" dirty="0" smtClean="0"/>
+              <a:t>30x faster</a:t>
+            </a:r>
+            <a:endParaRPr lang="en-US" sz="1800" dirty="0"/>
+          </a:p>
+        </p:txBody>
+      </p:sp>
     </p:spTree>
   </p:cSld>
   <p:clrMapOvr>
     <a:masterClrMapping/>
   </p:clrMapOvr>
+  <p:transition/>
   <p:timing>
     <p:tnLst>
       <p:par>
@@ -9071,7 +8162,7 @@
           <a:p>
             <a:r>
               <a:rPr lang="en-US" dirty="0" smtClean="0"/>
-              <a:t>Varying R</a:t>
+              <a:t>Optimal Parameter Values</a:t>
             </a:r>
             <a:endParaRPr lang="en-US" dirty="0"/>
           </a:p>
@@ -9079,7 +8170,7 @@
       </p:sp>
       <p:sp>
         <p:nvSpPr>
-          <p:cNvPr id="5" name="Content Placeholder 2"/>
+          <p:cNvPr id="3" name="Content Placeholder 2"/>
           <p:cNvSpPr>
             <a:spLocks noGrp="1"/>
           </p:cNvSpPr>
@@ -9089,24 +8180,57 @@
         </p:nvSpPr>
         <p:spPr>
           <a:xfrm>
-            <a:off x="457200" y="5334000"/>
-            <a:ext cx="8229600" cy="1249363"/>
+            <a:off x="457200" y="2713037"/>
+            <a:ext cx="8229600" cy="4525963"/>
           </a:xfrm>
         </p:spPr>
         <p:txBody>
-          <a:bodyPr/>
-          <a:lstStyle/>
-          <a:p>
-            <a:r>
-              <a:rPr lang="en-US" dirty="0" smtClean="0"/>
-              <a:t>Lower is better</a:t>
-            </a:r>
+          <a:bodyPr>
+            <a:normAutofit/>
+          </a:bodyPr>
+          <a:lstStyle/>
+          <a:p>
+            <a:r>
+              <a:rPr lang="en-US" dirty="0" smtClean="0"/>
+              <a:t>T: 0.75 s</a:t>
+            </a:r>
+          </a:p>
+          <a:p>
+            <a:r>
+              <a:rPr lang="en-US" dirty="0" smtClean="0"/>
+              <a:t>R: 160 KB/s</a:t>
+            </a:r>
+          </a:p>
+          <a:p>
+            <a:r>
+              <a:rPr lang="en-US" dirty="0" smtClean="0"/>
+              <a:t>W: 0.25 s</a:t>
+            </a:r>
+          </a:p>
+          <a:p>
+            <a:r>
+              <a:rPr lang="en-US" dirty="0" smtClean="0"/>
+              <a:t>Block size: 32 KB</a:t>
+            </a:r>
+          </a:p>
+          <a:p>
+            <a:r>
+              <a:rPr lang="en-US" dirty="0" smtClean="0"/>
+              <a:t>Peer concurrency count: 16 +</a:t>
+            </a:r>
+          </a:p>
+          <a:p>
+            <a:r>
+              <a:rPr lang="en-US" dirty="0" smtClean="0"/>
+              <a:t>Linger: 4 s +</a:t>
+            </a:r>
+            <a:endParaRPr lang="en-US" dirty="0" smtClean="0"/>
           </a:p>
         </p:txBody>
       </p:sp>
       <p:pic>
         <p:nvPicPr>
-          <p:cNvPr id="4098" name="Picture 2"/>
+          <p:cNvPr id="5" name="Picture 4" descr="C:\rdp\dev\p2pwebclient\thesis_presentation\algorithm explanation.png"/>
           <p:cNvPicPr>
             <a:picLocks noChangeAspect="1" noChangeArrowheads="1"/>
           </p:cNvPicPr>
@@ -9121,51 +8245,13 @@
         </p:blipFill>
         <p:spPr bwMode="auto">
           <a:xfrm>
-            <a:off x="304800" y="2362200"/>
-            <a:ext cx="4200939" cy="2415540"/>
+            <a:off x="3352800" y="1142999"/>
+            <a:ext cx="5283558" cy="3376193"/>
           </a:xfrm>
           <a:prstGeom prst="rect">
             <a:avLst/>
           </a:prstGeom>
           <a:noFill/>
-          <a:ln w="9525">
-            <a:noFill/>
-            <a:miter lim="800000"/>
-            <a:headEnd/>
-            <a:tailEnd/>
-          </a:ln>
-        </p:spPr>
-      </p:pic>
-      <p:pic>
-        <p:nvPicPr>
-          <p:cNvPr id="4099" name="Picture 3"/>
-          <p:cNvPicPr>
-            <a:picLocks noChangeAspect="1" noChangeArrowheads="1"/>
-          </p:cNvPicPr>
-          <p:nvPr/>
-        </p:nvPicPr>
-        <p:blipFill>
-          <a:blip r:embed="rId4" cstate="print"/>
-          <a:srcRect/>
-          <a:stretch>
-            <a:fillRect/>
-          </a:stretch>
-        </p:blipFill>
-        <p:spPr bwMode="auto">
-          <a:xfrm>
-            <a:off x="4648200" y="2286000"/>
-            <a:ext cx="4316475" cy="2438400"/>
-          </a:xfrm>
-          <a:prstGeom prst="rect">
-            <a:avLst/>
-          </a:prstGeom>
-          <a:noFill/>
-          <a:ln w="9525">
-            <a:noFill/>
-            <a:miter lim="800000"/>
-            <a:headEnd/>
-            <a:tailEnd/>
-          </a:ln>
         </p:spPr>
       </p:pic>
     </p:spTree>
@@ -9200,149 +8286,6 @@
           <a:chExt cx="0" cy="0"/>
         </a:xfrm>
       </p:grpSpPr>
-      <p:pic>
-        <p:nvPicPr>
-          <p:cNvPr id="10242" name="Picture 2"/>
-          <p:cNvPicPr>
-            <a:picLocks noChangeAspect="1" noChangeArrowheads="1"/>
-          </p:cNvPicPr>
-          <p:nvPr/>
-        </p:nvPicPr>
-        <p:blipFill>
-          <a:blip r:embed="rId3" cstate="print"/>
-          <a:srcRect/>
-          <a:stretch>
-            <a:fillRect/>
-          </a:stretch>
-        </p:blipFill>
-        <p:spPr bwMode="auto">
-          <a:xfrm>
-            <a:off x="990600" y="1143000"/>
-            <a:ext cx="6496050" cy="4327973"/>
-          </a:xfrm>
-          <a:prstGeom prst="rect">
-            <a:avLst/>
-          </a:prstGeom>
-          <a:noFill/>
-          <a:ln w="9525">
-            <a:noFill/>
-            <a:miter lim="800000"/>
-            <a:headEnd/>
-            <a:tailEnd/>
-          </a:ln>
-        </p:spPr>
-      </p:pic>
-      <p:sp>
-        <p:nvSpPr>
-          <p:cNvPr id="2" name="Title 1"/>
-          <p:cNvSpPr>
-            <a:spLocks noGrp="1"/>
-          </p:cNvSpPr>
-          <p:nvPr>
-            <p:ph type="title"/>
-          </p:nvPr>
-        </p:nvSpPr>
-        <p:spPr/>
-        <p:txBody>
-          <a:bodyPr/>
-          <a:lstStyle/>
-          <a:p>
-            <a:r>
-              <a:rPr lang="en-US" dirty="0" smtClean="0"/>
-              <a:t>Varying W</a:t>
-            </a:r>
-            <a:endParaRPr lang="en-US" dirty="0"/>
-          </a:p>
-        </p:txBody>
-      </p:sp>
-      <p:sp>
-        <p:nvSpPr>
-          <p:cNvPr id="4" name="Content Placeholder 2"/>
-          <p:cNvSpPr>
-            <a:spLocks noGrp="1"/>
-          </p:cNvSpPr>
-          <p:nvPr>
-            <p:ph idx="1"/>
-          </p:nvPr>
-        </p:nvSpPr>
-        <p:spPr>
-          <a:xfrm>
-            <a:off x="457200" y="5334000"/>
-            <a:ext cx="8229600" cy="1249363"/>
-          </a:xfrm>
-        </p:spPr>
-        <p:txBody>
-          <a:bodyPr>
-            <a:normAutofit fontScale="70000" lnSpcReduction="20000"/>
-          </a:bodyPr>
-          <a:lstStyle/>
-          <a:p>
-            <a:r>
-              <a:rPr lang="en-US" dirty="0" smtClean="0"/>
-              <a:t>Best time was 17 seconds with W at 0.25 </a:t>
-            </a:r>
-            <a:r>
-              <a:rPr lang="en-US" dirty="0" smtClean="0"/>
-              <a:t>seconds</a:t>
-            </a:r>
-            <a:endParaRPr lang="en-US" dirty="0" smtClean="0"/>
-          </a:p>
-          <a:p>
-            <a:r>
-              <a:rPr lang="en-US" dirty="0" smtClean="0"/>
-              <a:t>Rest about 25 </a:t>
-            </a:r>
-            <a:r>
-              <a:rPr lang="en-US" dirty="0" smtClean="0"/>
-              <a:t>seconds</a:t>
-            </a:r>
-            <a:endParaRPr lang="en-US" dirty="0" smtClean="0"/>
-          </a:p>
-          <a:p>
-            <a:r>
-              <a:rPr lang="en-US" dirty="0" smtClean="0"/>
-              <a:t>Lower is better, causes quicker transition, but not much </a:t>
-            </a:r>
-            <a:r>
-              <a:rPr lang="en-US" dirty="0" smtClean="0"/>
-              <a:t>difference</a:t>
-            </a:r>
-            <a:endParaRPr lang="en-US" dirty="0" smtClean="0"/>
-          </a:p>
-        </p:txBody>
-      </p:sp>
-    </p:spTree>
-  </p:cSld>
-  <p:clrMapOvr>
-    <a:masterClrMapping/>
-  </p:clrMapOvr>
-  <p:timing>
-    <p:tnLst>
-      <p:par>
-        <p:cTn id="1" dur="indefinite" restart="never" nodeType="tmRoot"/>
-      </p:par>
-    </p:tnLst>
-  </p:timing>
-</p:sld>
-</file>
-
-<file path=ppt/slides/slide26.xml><?xml version="1.0" encoding="utf-8"?>
-<p:sld xmlns:a="http://schemas.openxmlformats.org/drawingml/2006/main" xmlns:r="http://schemas.openxmlformats.org/officeDocument/2006/relationships" xmlns:p="http://schemas.openxmlformats.org/presentationml/2006/main">
-  <p:cSld>
-    <p:spTree>
-      <p:nvGrpSpPr>
-        <p:cNvPr id="1" name=""/>
-        <p:cNvGrpSpPr/>
-        <p:nvPr/>
-      </p:nvGrpSpPr>
-      <p:grpSpPr>
-        <a:xfrm>
-          <a:off x="0" y="0"/>
-          <a:ext cx="0" cy="0"/>
-          <a:chOff x="0" y="0"/>
-          <a:chExt cx="0" cy="0"/>
-        </a:xfrm>
-      </p:grpSpPr>
       <p:sp>
         <p:nvSpPr>
           <p:cNvPr id="2" name="Title 1"/>
@@ -9390,7 +8333,15 @@
           <a:p>
             <a:r>
               <a:rPr lang="en-US" dirty="0" smtClean="0"/>
-              <a:t>100 KB file, 10 15K </a:t>
+              <a:t>100 KB </a:t>
+            </a:r>
+            <a:r>
+              <a:rPr lang="en-US" dirty="0" smtClean="0"/>
+              <a:t>file, </a:t>
+            </a:r>
+            <a:r>
+              <a:rPr lang="en-US" smtClean="0"/>
+              <a:t>10 10K </a:t>
             </a:r>
             <a:r>
               <a:rPr lang="en-US" dirty="0" smtClean="0"/>
@@ -9540,7 +8491,7 @@
 </p:sld>
 </file>
 
-<file path=ppt/slides/slide27.xml><?xml version="1.0" encoding="utf-8"?>
+<file path=ppt/slides/slide26.xml><?xml version="1.0" encoding="utf-8"?>
 <p:sld xmlns:a="http://schemas.openxmlformats.org/drawingml/2006/main" xmlns:r="http://schemas.openxmlformats.org/officeDocument/2006/relationships" xmlns:p="http://schemas.openxmlformats.org/presentationml/2006/main">
   <p:cSld>
     <p:spTree>
@@ -9646,6 +8597,95 @@
 </p:sld>
 </file>
 
+<file path=ppt/slides/slide27.xml><?xml version="1.0" encoding="utf-8"?>
+<p:sld xmlns:a="http://schemas.openxmlformats.org/drawingml/2006/main" xmlns:r="http://schemas.openxmlformats.org/officeDocument/2006/relationships" xmlns:p="http://schemas.openxmlformats.org/presentationml/2006/main">
+  <p:cSld>
+    <p:spTree>
+      <p:nvGrpSpPr>
+        <p:cNvPr id="1" name=""/>
+        <p:cNvGrpSpPr/>
+        <p:nvPr/>
+      </p:nvGrpSpPr>
+      <p:grpSpPr>
+        <a:xfrm>
+          <a:off x="0" y="0"/>
+          <a:ext cx="0" cy="0"/>
+          <a:chOff x="0" y="0"/>
+          <a:chExt cx="0" cy="0"/>
+        </a:xfrm>
+      </p:grpSpPr>
+      <p:sp>
+        <p:nvSpPr>
+          <p:cNvPr id="2" name="Title 1"/>
+          <p:cNvSpPr>
+            <a:spLocks noGrp="1"/>
+          </p:cNvSpPr>
+          <p:nvPr>
+            <p:ph type="title"/>
+          </p:nvPr>
+        </p:nvSpPr>
+        <p:spPr/>
+        <p:txBody>
+          <a:bodyPr>
+            <a:normAutofit/>
+          </a:bodyPr>
+          <a:lstStyle/>
+          <a:p>
+            <a:r>
+              <a:rPr lang="en-US" dirty="0" smtClean="0"/>
+              <a:t>Linger Time</a:t>
+            </a:r>
+            <a:endParaRPr lang="en-US" dirty="0"/>
+          </a:p>
+        </p:txBody>
+      </p:sp>
+      <p:pic>
+        <p:nvPicPr>
+          <p:cNvPr id="14338" name="Picture 2"/>
+          <p:cNvPicPr>
+            <a:picLocks noChangeAspect="1" noChangeArrowheads="1"/>
+          </p:cNvPicPr>
+          <p:nvPr/>
+        </p:nvPicPr>
+        <p:blipFill>
+          <a:blip r:embed="rId3" cstate="print"/>
+          <a:srcRect/>
+          <a:stretch>
+            <a:fillRect/>
+          </a:stretch>
+        </p:blipFill>
+        <p:spPr bwMode="auto">
+          <a:xfrm>
+            <a:off x="1219200" y="1676400"/>
+            <a:ext cx="6096000" cy="3877808"/>
+          </a:xfrm>
+          <a:prstGeom prst="rect">
+            <a:avLst/>
+          </a:prstGeom>
+          <a:noFill/>
+          <a:ln w="9525">
+            <a:noFill/>
+            <a:miter lim="800000"/>
+            <a:headEnd/>
+            <a:tailEnd/>
+          </a:ln>
+        </p:spPr>
+      </p:pic>
+    </p:spTree>
+  </p:cSld>
+  <p:clrMapOvr>
+    <a:masterClrMapping/>
+  </p:clrMapOvr>
+  <p:timing>
+    <p:tnLst>
+      <p:par>
+        <p:cTn id="1" dur="indefinite" restart="never" nodeType="tmRoot"/>
+      </p:par>
+    </p:tnLst>
+  </p:timing>
+</p:sld>
+</file>
+
 <file path=ppt/slides/slide28.xml><?xml version="1.0" encoding="utf-8"?>
 <p:sld xmlns:a="http://schemas.openxmlformats.org/drawingml/2006/main" xmlns:r="http://schemas.openxmlformats.org/officeDocument/2006/relationships" xmlns:p="http://schemas.openxmlformats.org/presentationml/2006/main">
   <p:cSld>
@@ -9680,15 +8720,49 @@
           <a:p>
             <a:r>
               <a:rPr lang="en-US" dirty="0" smtClean="0"/>
-              <a:t>Block Size</a:t>
+              <a:t>With Large Files</a:t>
             </a:r>
             <a:endParaRPr lang="en-US" dirty="0"/>
           </a:p>
         </p:txBody>
       </p:sp>
-      <p:sp>
-        <p:nvSpPr>
-          <p:cNvPr id="4" name="Content Placeholder 2"/>
+      <p:pic>
+        <p:nvPicPr>
+          <p:cNvPr id="14338" name="Picture 2"/>
+          <p:cNvPicPr>
+            <a:picLocks noGrp="1" noChangeAspect="1" noChangeArrowheads="1"/>
+          </p:cNvPicPr>
+          <p:nvPr>
+            <p:ph idx="1"/>
+          </p:nvPr>
+        </p:nvPicPr>
+        <p:blipFill>
+          <a:blip r:embed="rId3" cstate="print"/>
+          <a:srcRect/>
+          <a:stretch>
+            <a:fillRect/>
+          </a:stretch>
+        </p:blipFill>
+        <p:spPr bwMode="auto">
+          <a:xfrm>
+            <a:off x="1676400" y="1066800"/>
+            <a:ext cx="5734050" cy="2495550"/>
+          </a:xfrm>
+          <a:prstGeom prst="rect">
+            <a:avLst/>
+          </a:prstGeom>
+          <a:noFill/>
+          <a:ln w="9525">
+            <a:noFill/>
+            <a:miter lim="800000"/>
+            <a:headEnd/>
+            <a:tailEnd/>
+          </a:ln>
+        </p:spPr>
+      </p:pic>
+      <p:sp>
+        <p:nvSpPr>
+          <p:cNvPr id="5" name="Content Placeholder 2"/>
           <p:cNvSpPr txBox="1">
             <a:spLocks/>
           </p:cNvSpPr>
@@ -9696,8 +8770,8 @@
         </p:nvSpPr>
         <p:spPr>
           <a:xfrm>
-            <a:off x="533400" y="5608637"/>
-            <a:ext cx="8229600" cy="1249363"/>
+            <a:off x="457200" y="6157118"/>
+            <a:ext cx="8229600" cy="1401763"/>
           </a:xfrm>
           <a:prstGeom prst="rect">
             <a:avLst/>
@@ -9727,34 +8801,6 @@
               <a:defRPr/>
             </a:pPr>
             <a:r>
-              <a:rPr lang="en-US" sz="3200" dirty="0" smtClean="0"/>
-              <a:t>10.6 seconds for 32 KB </a:t>
-            </a:r>
-            <a:r>
-              <a:rPr lang="en-US" sz="3200" dirty="0" smtClean="0"/>
-              <a:t>blocks</a:t>
-            </a:r>
-            <a:endParaRPr lang="en-US" sz="3200" dirty="0" smtClean="0"/>
-          </a:p>
-          <a:p>
-            <a:pPr marL="342900" marR="0" lvl="0" indent="-342900" algn="l" defTabSz="914400" rtl="0" eaLnBrk="1" fontAlgn="auto" latinLnBrk="0" hangingPunct="1">
-              <a:lnSpc>
-                <a:spcPct val="100000"/>
-              </a:lnSpc>
-              <a:spcBef>
-                <a:spcPct val="20000"/>
-              </a:spcBef>
-              <a:spcAft>
-                <a:spcPts val="0"/>
-              </a:spcAft>
-              <a:buClrTx/>
-              <a:buSzTx/>
-              <a:buFont typeface="Arial" pitchFamily="34" charset="0"/>
-              <a:buChar char="•"/>
-              <a:tabLst/>
-              <a:defRPr/>
-            </a:pPr>
-            <a:r>
               <a:rPr kumimoji="0" lang="en-US" sz="3200" b="0" i="0" u="none" strike="noStrike" kern="1200" cap="none" spc="0" normalizeH="0" baseline="0" noProof="0" dirty="0" smtClean="0">
                 <a:ln>
                   <a:noFill/>
@@ -9769,7 +8815,7 @@
                 <a:ea typeface="+mn-ea"/>
                 <a:cs typeface="+mn-cs"/>
               </a:rPr>
-              <a:t>Connection limit was 5,</a:t>
+              <a:t>Fast once it gets started</a:t>
             </a:r>
             <a:r>
               <a:rPr kumimoji="0" lang="en-US" sz="3200" b="0" i="0" u="none" strike="noStrike" kern="1200" cap="none" spc="0" normalizeH="0" noProof="0" dirty="0" smtClean="0">
@@ -9786,7 +8832,7 @@
                 <a:ea typeface="+mn-ea"/>
                 <a:cs typeface="+mn-cs"/>
               </a:rPr>
-              <a:t> so all blocks in </a:t>
+              <a:t> for </a:t>
             </a:r>
             <a:r>
               <a:rPr kumimoji="0" lang="en-US" sz="3200" b="0" i="0" u="none" strike="noStrike" kern="1200" cap="none" spc="0" normalizeH="0" noProof="0" dirty="0" smtClean="0">
@@ -9803,7 +8849,7 @@
                 <a:ea typeface="+mn-ea"/>
                 <a:cs typeface="+mn-cs"/>
               </a:rPr>
-              <a:t>parallel</a:t>
+              <a:t>both</a:t>
             </a:r>
             <a:endParaRPr kumimoji="0" lang="en-US" sz="3200" b="0" i="0" u="none" strike="noStrike" kern="1200" cap="none" spc="0" normalizeH="0" baseline="0" noProof="0" dirty="0" smtClean="0">
               <a:ln>
@@ -9824,14 +8870,14 @@
       </p:sp>
       <p:pic>
         <p:nvPicPr>
-          <p:cNvPr id="13314" name="Picture 2"/>
+          <p:cNvPr id="16386" name="Picture 2"/>
           <p:cNvPicPr>
             <a:picLocks noChangeAspect="1" noChangeArrowheads="1"/>
           </p:cNvPicPr>
           <p:nvPr/>
         </p:nvPicPr>
         <p:blipFill>
-          <a:blip r:embed="rId3" cstate="print"/>
+          <a:blip r:embed="rId4" cstate="print"/>
           <a:srcRect/>
           <a:stretch>
             <a:fillRect/>
@@ -9839,8 +8885,8 @@
         </p:blipFill>
         <p:spPr bwMode="auto">
           <a:xfrm>
-            <a:off x="1295400" y="1371600"/>
-            <a:ext cx="6214460" cy="3848100"/>
+            <a:off x="2286000" y="3505200"/>
+            <a:ext cx="4572000" cy="2744064"/>
           </a:xfrm>
           <a:prstGeom prst="rect">
             <a:avLst/>
@@ -9899,50 +8945,78 @@
         <p:spPr/>
         <p:txBody>
           <a:bodyPr>
-            <a:normAutofit/>
+            <a:normAutofit fontScale="90000"/>
           </a:bodyPr>
           <a:lstStyle/>
           <a:p>
             <a:r>
               <a:rPr lang="en-US" dirty="0" smtClean="0"/>
-              <a:t>Linger Time</a:t>
+              <a:t>BitTorrent’s Large File Optimizations</a:t>
             </a:r>
             <a:endParaRPr lang="en-US" dirty="0"/>
           </a:p>
         </p:txBody>
       </p:sp>
-      <p:pic>
-        <p:nvPicPr>
-          <p:cNvPr id="14338" name="Picture 2"/>
-          <p:cNvPicPr>
-            <a:picLocks noChangeAspect="1" noChangeArrowheads="1"/>
-          </p:cNvPicPr>
-          <p:nvPr/>
-        </p:nvPicPr>
-        <p:blipFill>
-          <a:blip r:embed="rId3" cstate="print"/>
-          <a:srcRect/>
-          <a:stretch>
-            <a:fillRect/>
-          </a:stretch>
-        </p:blipFill>
-        <p:spPr bwMode="auto">
-          <a:xfrm>
-            <a:off x="1219200" y="1676400"/>
-            <a:ext cx="6096000" cy="3877808"/>
-          </a:xfrm>
-          <a:prstGeom prst="rect">
-            <a:avLst/>
-          </a:prstGeom>
-          <a:noFill/>
-          <a:ln w="9525">
-            <a:noFill/>
-            <a:miter lim="800000"/>
-            <a:headEnd/>
-            <a:tailEnd/>
-          </a:ln>
-        </p:spPr>
-      </p:pic>
+      <p:sp>
+        <p:nvSpPr>
+          <p:cNvPr id="3" name="Content Placeholder 2"/>
+          <p:cNvSpPr>
+            <a:spLocks noGrp="1"/>
+          </p:cNvSpPr>
+          <p:nvPr>
+            <p:ph idx="1"/>
+          </p:nvPr>
+        </p:nvSpPr>
+        <p:spPr/>
+        <p:txBody>
+          <a:bodyPr/>
+          <a:lstStyle/>
+          <a:p>
+            <a:r>
+              <a:rPr lang="en-US" dirty="0" smtClean="0"/>
+              <a:t>Seeds limit outgoing </a:t>
+            </a:r>
+            <a:r>
+              <a:rPr lang="en-US" dirty="0" smtClean="0"/>
+              <a:t>connections</a:t>
+            </a:r>
+            <a:endParaRPr lang="en-US" dirty="0" smtClean="0"/>
+          </a:p>
+          <a:p>
+            <a:r>
+              <a:rPr lang="en-US" dirty="0" smtClean="0"/>
+              <a:t>Favors stronger </a:t>
+            </a:r>
+            <a:r>
+              <a:rPr lang="en-US" dirty="0" smtClean="0"/>
+              <a:t>connections</a:t>
+            </a:r>
+            <a:endParaRPr lang="en-US" dirty="0" smtClean="0"/>
+          </a:p>
+          <a:p>
+            <a:r>
+              <a:rPr lang="en-US" dirty="0" smtClean="0"/>
+              <a:t>Dedicated </a:t>
+            </a:r>
+            <a:r>
+              <a:rPr lang="en-US" dirty="0" smtClean="0"/>
+              <a:t>tracker</a:t>
+            </a:r>
+            <a:endParaRPr lang="en-US" dirty="0" smtClean="0"/>
+          </a:p>
+          <a:p>
+            <a:r>
+              <a:rPr lang="en-US" dirty="0" smtClean="0"/>
+              <a:t>Rarest Block </a:t>
+            </a:r>
+            <a:r>
+              <a:rPr lang="en-US" dirty="0" smtClean="0"/>
+              <a:t>First</a:t>
+            </a:r>
+            <a:endParaRPr lang="en-US" dirty="0"/>
+          </a:p>
+        </p:txBody>
+      </p:sp>
     </p:spTree>
   </p:cSld>
   <p:clrMapOvr>
@@ -10214,7 +9288,7 @@
           <a:p>
             <a:r>
               <a:rPr lang="en-US" dirty="0" smtClean="0"/>
-              <a:t>Peer connection</a:t>
+              <a:t>Conclusion</a:t>
             </a:r>
             <a:endParaRPr lang="en-US" dirty="0"/>
           </a:p>
@@ -10230,60 +9304,50 @@
             <p:ph idx="1"/>
           </p:nvPr>
         </p:nvSpPr>
-        <p:spPr>
-          <a:xfrm>
-            <a:off x="457200" y="5456237"/>
-            <a:ext cx="8229600" cy="1401763"/>
-          </a:xfrm>
-        </p:spPr>
-        <p:txBody>
-          <a:bodyPr/>
-          <a:lstStyle/>
-          <a:p>
-            <a:r>
-              <a:rPr lang="en-US" dirty="0" smtClean="0"/>
-              <a:t>30 MB </a:t>
-            </a:r>
-            <a:r>
-              <a:rPr lang="en-US" dirty="0" smtClean="0"/>
-              <a:t>file</a:t>
-            </a:r>
+        <p:spPr/>
+        <p:txBody>
+          <a:bodyPr>
+            <a:normAutofit/>
+          </a:bodyPr>
+          <a:lstStyle/>
+          <a:p>
+            <a:r>
+              <a:rPr lang="en-US" dirty="0" smtClean="0"/>
+              <a:t>Feasible transition to Peer-to-Peer download</a:t>
+            </a:r>
+          </a:p>
+          <a:p>
+            <a:r>
+              <a:rPr lang="en-US" dirty="0" smtClean="0"/>
+              <a:t>30 x as fast for small files (flash crowd)</a:t>
+            </a:r>
+          </a:p>
+          <a:p>
+            <a:r>
+              <a:rPr lang="en-US" dirty="0" smtClean="0"/>
+              <a:t>20x as fast for web pages</a:t>
+            </a:r>
+          </a:p>
+          <a:p>
+            <a:r>
+              <a:rPr lang="en-US" dirty="0" smtClean="0"/>
+              <a:t>Reduces load on the server</a:t>
+            </a:r>
+          </a:p>
+          <a:p>
+            <a:r>
+              <a:rPr lang="en-US" dirty="0" smtClean="0"/>
+              <a:t>Make swarming more usable/adoptable</a:t>
+            </a:r>
+          </a:p>
+          <a:p>
+            <a:pPr lvl="1">
+              <a:buNone/>
+            </a:pPr>
             <a:endParaRPr lang="en-US" dirty="0" smtClean="0"/>
           </a:p>
         </p:txBody>
       </p:sp>
-      <p:pic>
-        <p:nvPicPr>
-          <p:cNvPr id="15362" name="Picture 2"/>
-          <p:cNvPicPr>
-            <a:picLocks noChangeAspect="1" noChangeArrowheads="1"/>
-          </p:cNvPicPr>
-          <p:nvPr/>
-        </p:nvPicPr>
-        <p:blipFill>
-          <a:blip r:embed="rId3" cstate="print"/>
-          <a:srcRect/>
-          <a:stretch>
-            <a:fillRect/>
-          </a:stretch>
-        </p:blipFill>
-        <p:spPr bwMode="auto">
-          <a:xfrm>
-            <a:off x="990600" y="1143000"/>
-            <a:ext cx="6629400" cy="4447012"/>
-          </a:xfrm>
-          <a:prstGeom prst="rect">
-            <a:avLst/>
-          </a:prstGeom>
-          <a:noFill/>
-          <a:ln w="9525">
-            <a:noFill/>
-            <a:miter lim="800000"/>
-            <a:headEnd/>
-            <a:tailEnd/>
-          </a:ln>
-        </p:spPr>
-      </p:pic>
     </p:spTree>
   </p:cSld>
   <p:clrMapOvr>
@@ -10333,186 +9397,83 @@
           <a:p>
             <a:r>
               <a:rPr lang="en-US" dirty="0" smtClean="0"/>
-              <a:t>With Large Files</a:t>
+              <a:t>Automatic Swarming -- Goals</a:t>
             </a:r>
             <a:endParaRPr lang="en-US" dirty="0"/>
           </a:p>
         </p:txBody>
       </p:sp>
-      <p:pic>
-        <p:nvPicPr>
-          <p:cNvPr id="14338" name="Picture 2"/>
-          <p:cNvPicPr>
-            <a:picLocks noGrp="1" noChangeAspect="1" noChangeArrowheads="1"/>
-          </p:cNvPicPr>
+      <p:sp>
+        <p:nvSpPr>
+          <p:cNvPr id="3" name="Content Placeholder 2"/>
+          <p:cNvSpPr>
+            <a:spLocks noGrp="1"/>
+          </p:cNvSpPr>
           <p:nvPr>
             <p:ph idx="1"/>
           </p:nvPr>
-        </p:nvPicPr>
-        <p:blipFill>
-          <a:blip r:embed="rId3" cstate="print"/>
-          <a:srcRect/>
-          <a:stretch>
-            <a:fillRect/>
-          </a:stretch>
-        </p:blipFill>
-        <p:spPr bwMode="auto">
-          <a:xfrm>
-            <a:off x="1676400" y="1066800"/>
-            <a:ext cx="5734050" cy="2495550"/>
-          </a:xfrm>
-          <a:prstGeom prst="rect">
-            <a:avLst/>
-          </a:prstGeom>
-          <a:noFill/>
-          <a:ln w="9525">
-            <a:noFill/>
-            <a:miter lim="800000"/>
-            <a:headEnd/>
-            <a:tailEnd/>
-          </a:ln>
-        </p:spPr>
-      </p:pic>
-      <p:sp>
-        <p:nvSpPr>
-          <p:cNvPr id="5" name="Content Placeholder 2"/>
-          <p:cNvSpPr txBox="1">
-            <a:spLocks/>
-          </p:cNvSpPr>
-          <p:nvPr/>
-        </p:nvSpPr>
-        <p:spPr>
-          <a:xfrm>
-            <a:off x="457200" y="6157118"/>
-            <a:ext cx="8229600" cy="1401763"/>
-          </a:xfrm>
-          <a:prstGeom prst="rect">
-            <a:avLst/>
-          </a:prstGeom>
-        </p:spPr>
-        <p:txBody>
-          <a:bodyPr vert="horz" lIns="91440" tIns="45720" rIns="91440" bIns="45720" rtlCol="0">
-            <a:normAutofit/>
-          </a:bodyPr>
-          <a:lstStyle/>
-          <a:p>
-            <a:pPr marL="342900" marR="0" lvl="0" indent="-342900" algn="l" defTabSz="914400" rtl="0" eaLnBrk="1" fontAlgn="auto" latinLnBrk="0" hangingPunct="1">
-              <a:lnSpc>
-                <a:spcPct val="100000"/>
-              </a:lnSpc>
-              <a:spcBef>
-                <a:spcPct val="20000"/>
-              </a:spcBef>
-              <a:spcAft>
-                <a:spcPts val="0"/>
-              </a:spcAft>
-              <a:buClrTx/>
-              <a:buSzTx/>
-              <a:buFont typeface="Arial" pitchFamily="34" charset="0"/>
-              <a:buChar char="•"/>
-              <a:tabLst/>
-              <a:defRPr/>
-            </a:pPr>
-            <a:r>
-              <a:rPr kumimoji="0" lang="en-US" sz="3200" b="0" i="0" u="none" strike="noStrike" kern="1200" cap="none" spc="0" normalizeH="0" baseline="0" noProof="0" dirty="0" smtClean="0">
-                <a:ln>
-                  <a:noFill/>
-                </a:ln>
-                <a:solidFill>
-                  <a:schemeClr val="tx1"/>
-                </a:solidFill>
-                <a:effectLst/>
-                <a:uLnTx/>
-                <a:uFillTx/>
-                <a:latin typeface="+mn-lt"/>
-                <a:ea typeface="+mn-ea"/>
-                <a:cs typeface="+mn-cs"/>
-              </a:rPr>
-              <a:t>Fast once it gets started</a:t>
-            </a:r>
-            <a:r>
-              <a:rPr kumimoji="0" lang="en-US" sz="3200" b="0" i="0" u="none" strike="noStrike" kern="1200" cap="none" spc="0" normalizeH="0" noProof="0" dirty="0" smtClean="0">
-                <a:ln>
-                  <a:noFill/>
-                </a:ln>
-                <a:solidFill>
-                  <a:schemeClr val="tx1"/>
-                </a:solidFill>
-                <a:effectLst/>
-                <a:uLnTx/>
-                <a:uFillTx/>
-                <a:latin typeface="+mn-lt"/>
-                <a:ea typeface="+mn-ea"/>
-                <a:cs typeface="+mn-cs"/>
-              </a:rPr>
-              <a:t> for </a:t>
-            </a:r>
-            <a:r>
-              <a:rPr kumimoji="0" lang="en-US" sz="3200" b="0" i="0" u="none" strike="noStrike" kern="1200" cap="none" spc="0" normalizeH="0" noProof="0" dirty="0" smtClean="0">
-                <a:ln>
-                  <a:noFill/>
-                </a:ln>
-                <a:solidFill>
-                  <a:schemeClr val="tx1"/>
-                </a:solidFill>
-                <a:effectLst/>
-                <a:uLnTx/>
-                <a:uFillTx/>
-                <a:latin typeface="+mn-lt"/>
-                <a:ea typeface="+mn-ea"/>
-                <a:cs typeface="+mn-cs"/>
-              </a:rPr>
-              <a:t>both</a:t>
-            </a:r>
-            <a:endParaRPr kumimoji="0" lang="en-US" sz="3200" b="0" i="0" u="none" strike="noStrike" kern="1200" cap="none" spc="0" normalizeH="0" baseline="0" noProof="0" dirty="0" smtClean="0">
-              <a:ln>
-                <a:noFill/>
-              </a:ln>
-              <a:solidFill>
-                <a:schemeClr val="tx1"/>
-              </a:solidFill>
-              <a:effectLst/>
-              <a:uLnTx/>
-              <a:uFillTx/>
-              <a:latin typeface="+mn-lt"/>
-              <a:ea typeface="+mn-ea"/>
-              <a:cs typeface="+mn-cs"/>
-            </a:endParaRPr>
-          </a:p>
-        </p:txBody>
-      </p:sp>
-      <p:pic>
-        <p:nvPicPr>
-          <p:cNvPr id="16386" name="Picture 2"/>
-          <p:cNvPicPr>
-            <a:picLocks noChangeAspect="1" noChangeArrowheads="1"/>
-          </p:cNvPicPr>
-          <p:nvPr/>
-        </p:nvPicPr>
-        <p:blipFill>
-          <a:blip r:embed="rId4" cstate="print"/>
-          <a:srcRect/>
-          <a:stretch>
-            <a:fillRect/>
-          </a:stretch>
-        </p:blipFill>
-        <p:spPr bwMode="auto">
-          <a:xfrm>
-            <a:off x="2286000" y="3505200"/>
-            <a:ext cx="4572000" cy="2744064"/>
-          </a:xfrm>
-          <a:prstGeom prst="rect">
-            <a:avLst/>
-          </a:prstGeom>
-          <a:noFill/>
-          <a:ln w="9525">
-            <a:noFill/>
-            <a:miter lim="800000"/>
-            <a:headEnd/>
-            <a:tailEnd/>
-          </a:ln>
-        </p:spPr>
-      </p:pic>
+        </p:nvSpPr>
+        <p:spPr/>
+        <p:txBody>
+          <a:bodyPr/>
+          <a:lstStyle/>
+          <a:p>
+            <a:r>
+              <a:rPr lang="en-US" dirty="0" smtClean="0"/>
+              <a:t>Work for any file on any server without </a:t>
+            </a:r>
+            <a:r>
+              <a:rPr lang="en-US" dirty="0" smtClean="0"/>
+              <a:t>configuration</a:t>
+            </a:r>
+            <a:endParaRPr lang="en-US" dirty="0" smtClean="0"/>
+          </a:p>
+          <a:p>
+            <a:r>
+              <a:rPr lang="en-US" dirty="0" smtClean="0"/>
+              <a:t>Easy for client </a:t>
+            </a:r>
+            <a:r>
+              <a:rPr lang="en-US" dirty="0" smtClean="0"/>
+              <a:t>use</a:t>
+            </a:r>
+            <a:endParaRPr lang="en-US" dirty="0" smtClean="0"/>
+          </a:p>
+          <a:p>
+            <a:r>
+              <a:rPr lang="en-US" dirty="0" smtClean="0"/>
+              <a:t>No extra dedicated </a:t>
+            </a:r>
+            <a:r>
+              <a:rPr lang="en-US" dirty="0" smtClean="0"/>
+              <a:t>hardware</a:t>
+            </a:r>
+            <a:endParaRPr lang="en-US" dirty="0" smtClean="0"/>
+          </a:p>
+          <a:p>
+            <a:r>
+              <a:rPr lang="en-US" dirty="0" smtClean="0"/>
+              <a:t>Work for small </a:t>
+            </a:r>
+            <a:r>
+              <a:rPr lang="en-US" dirty="0" smtClean="0"/>
+              <a:t>files</a:t>
+            </a:r>
+            <a:endParaRPr lang="en-US" dirty="0" smtClean="0"/>
+          </a:p>
+          <a:p>
+            <a:r>
+              <a:rPr lang="en-US" dirty="0" smtClean="0"/>
+              <a:t>Non </a:t>
+            </a:r>
+            <a:r>
+              <a:rPr lang="en-US" dirty="0" smtClean="0"/>
+              <a:t>intrusive</a:t>
+            </a:r>
+            <a:endParaRPr lang="en-US" dirty="0" smtClean="0"/>
+          </a:p>
+        </p:txBody>
+      </p:sp>
     </p:spTree>
   </p:cSld>
   <p:clrMapOvr>
@@ -10557,80 +9518,84 @@
         </p:nvSpPr>
         <p:spPr/>
         <p:txBody>
+          <a:bodyPr/>
+          <a:lstStyle/>
+          <a:p>
+            <a:r>
+              <a:rPr lang="en-US" dirty="0" smtClean="0"/>
+              <a:t>Future Work</a:t>
+            </a:r>
+            <a:endParaRPr lang="en-US" dirty="0"/>
+          </a:p>
+        </p:txBody>
+      </p:sp>
+      <p:sp>
+        <p:nvSpPr>
+          <p:cNvPr id="3" name="Content Placeholder 2"/>
+          <p:cNvSpPr>
+            <a:spLocks noGrp="1"/>
+          </p:cNvSpPr>
+          <p:nvPr>
+            <p:ph idx="1"/>
+          </p:nvPr>
+        </p:nvSpPr>
+        <p:spPr/>
+        <p:txBody>
           <a:bodyPr>
-            <a:normAutofit fontScale="90000"/>
+            <a:normAutofit fontScale="92500" lnSpcReduction="10000"/>
           </a:bodyPr>
           <a:lstStyle/>
           <a:p>
             <a:r>
-              <a:rPr lang="en-US" dirty="0" err="1" smtClean="0"/>
-              <a:t>BitTorrent’s</a:t>
-            </a:r>
-            <a:r>
-              <a:rPr lang="en-US" dirty="0" smtClean="0"/>
-              <a:t> Large File Optimizations</a:t>
-            </a:r>
-            <a:endParaRPr lang="en-US" dirty="0"/>
-          </a:p>
-        </p:txBody>
-      </p:sp>
-      <p:sp>
-        <p:nvSpPr>
-          <p:cNvPr id="3" name="Content Placeholder 2"/>
-          <p:cNvSpPr>
-            <a:spLocks noGrp="1"/>
-          </p:cNvSpPr>
-          <p:nvPr>
-            <p:ph idx="1"/>
-          </p:nvPr>
-        </p:nvSpPr>
-        <p:spPr/>
-        <p:txBody>
-          <a:bodyPr/>
-          <a:lstStyle/>
-          <a:p>
-            <a:r>
-              <a:rPr lang="en-US" dirty="0" smtClean="0"/>
-              <a:t>Seeds limit outgoing </a:t>
-            </a:r>
-            <a:r>
-              <a:rPr lang="en-US" dirty="0" smtClean="0"/>
-              <a:t>connections</a:t>
-            </a:r>
-            <a:endParaRPr lang="en-US" dirty="0" smtClean="0"/>
-          </a:p>
-          <a:p>
-            <a:r>
-              <a:rPr lang="en-US" dirty="0" smtClean="0"/>
-              <a:t>Favors stronger </a:t>
-            </a:r>
-            <a:r>
-              <a:rPr lang="en-US" dirty="0" smtClean="0"/>
-              <a:t>connections</a:t>
-            </a:r>
-            <a:endParaRPr lang="en-US" dirty="0" smtClean="0"/>
-          </a:p>
-          <a:p>
-            <a:r>
-              <a:rPr lang="en-US" dirty="0" smtClean="0"/>
-              <a:t>Dedicated </a:t>
-            </a:r>
-            <a:r>
-              <a:rPr lang="en-US" dirty="0" smtClean="0"/>
-              <a:t>tracker</a:t>
-            </a:r>
-            <a:endParaRPr lang="en-US" dirty="0" smtClean="0"/>
-          </a:p>
-          <a:p>
-            <a:r>
-              <a:rPr lang="en-US" dirty="0" smtClean="0"/>
-              <a:t>Rarest Block </a:t>
-            </a:r>
-            <a:r>
-              <a:rPr lang="en-US" dirty="0" smtClean="0"/>
-              <a:t>First</a:t>
-            </a:r>
-            <a:endParaRPr lang="en-US" dirty="0"/>
+              <a:rPr lang="en-US" dirty="0" smtClean="0"/>
+              <a:t>Improve DHT performance</a:t>
+            </a:r>
+          </a:p>
+          <a:p>
+            <a:r>
+              <a:rPr lang="en-US" dirty="0" smtClean="0"/>
+              <a:t>Improve automatic swarming for large files</a:t>
+            </a:r>
+          </a:p>
+          <a:p>
+            <a:r>
+              <a:rPr lang="en-US" dirty="0" smtClean="0"/>
+              <a:t>General performance tuning and dynamic selection of parameters</a:t>
+            </a:r>
+          </a:p>
+          <a:p>
+            <a:pPr lvl="1"/>
+            <a:r>
+              <a:rPr lang="en-US" dirty="0" smtClean="0"/>
+              <a:t>Better use of the DHT</a:t>
+            </a:r>
+          </a:p>
+          <a:p>
+            <a:pPr lvl="1"/>
+            <a:r>
+              <a:rPr lang="en-US" dirty="0" smtClean="0"/>
+              <a:t>Staleness</a:t>
+            </a:r>
+          </a:p>
+          <a:p>
+            <a:r>
+              <a:rPr lang="en-US" dirty="0" smtClean="0"/>
+              <a:t>BitTorrent features</a:t>
+            </a:r>
+          </a:p>
+          <a:p>
+            <a:pPr lvl="1"/>
+            <a:r>
+              <a:rPr lang="en-US" dirty="0" smtClean="0"/>
+              <a:t>Validate Integrity</a:t>
+            </a:r>
+          </a:p>
+          <a:p>
+            <a:pPr lvl="1"/>
+            <a:r>
+              <a:rPr lang="en-US" dirty="0" smtClean="0"/>
+              <a:t>Incentives</a:t>
+            </a:r>
           </a:p>
         </p:txBody>
       </p:sp>
@@ -10683,366 +9648,6 @@
           <a:p>
             <a:r>
               <a:rPr lang="en-US" dirty="0" smtClean="0"/>
-              <a:t>Conclusion</a:t>
-            </a:r>
-            <a:endParaRPr lang="en-US" dirty="0"/>
-          </a:p>
-        </p:txBody>
-      </p:sp>
-      <p:sp>
-        <p:nvSpPr>
-          <p:cNvPr id="3" name="Content Placeholder 2"/>
-          <p:cNvSpPr>
-            <a:spLocks noGrp="1"/>
-          </p:cNvSpPr>
-          <p:nvPr>
-            <p:ph idx="1"/>
-          </p:nvPr>
-        </p:nvSpPr>
-        <p:spPr/>
-        <p:txBody>
-          <a:bodyPr>
-            <a:normAutofit/>
-          </a:bodyPr>
-          <a:lstStyle/>
-          <a:p>
-            <a:r>
-              <a:rPr lang="en-US" dirty="0" smtClean="0"/>
-              <a:t>Feasible transition to Peer-to-Peer download</a:t>
-            </a:r>
-          </a:p>
-          <a:p>
-            <a:r>
-              <a:rPr lang="en-US" dirty="0" smtClean="0"/>
-              <a:t>30 x as fast for small files (flash crowd)</a:t>
-            </a:r>
-          </a:p>
-          <a:p>
-            <a:r>
-              <a:rPr lang="en-US" dirty="0" smtClean="0"/>
-              <a:t>20x as fast for web pages</a:t>
-            </a:r>
-          </a:p>
-          <a:p>
-            <a:r>
-              <a:rPr lang="en-US" dirty="0" smtClean="0"/>
-              <a:t>Reduces load on the server</a:t>
-            </a:r>
-          </a:p>
-          <a:p>
-            <a:r>
-              <a:rPr lang="en-US" dirty="0" smtClean="0"/>
-              <a:t>Make swarming more usable/adoptable</a:t>
-            </a:r>
-          </a:p>
-          <a:p>
-            <a:pPr lvl="1">
-              <a:buNone/>
-            </a:pPr>
-            <a:endParaRPr lang="en-US" dirty="0" smtClean="0"/>
-          </a:p>
-        </p:txBody>
-      </p:sp>
-    </p:spTree>
-  </p:cSld>
-  <p:clrMapOvr>
-    <a:masterClrMapping/>
-  </p:clrMapOvr>
-  <p:timing>
-    <p:tnLst>
-      <p:par>
-        <p:cTn id="1" dur="indefinite" restart="never" nodeType="tmRoot"/>
-      </p:par>
-    </p:tnLst>
-  </p:timing>
-</p:sld>
-</file>
-
-<file path=ppt/slides/slide34.xml><?xml version="1.0" encoding="utf-8"?>
-<p:sld xmlns:a="http://schemas.openxmlformats.org/drawingml/2006/main" xmlns:r="http://schemas.openxmlformats.org/officeDocument/2006/relationships" xmlns:p="http://schemas.openxmlformats.org/presentationml/2006/main">
-  <p:cSld>
-    <p:spTree>
-      <p:nvGrpSpPr>
-        <p:cNvPr id="1" name=""/>
-        <p:cNvGrpSpPr/>
-        <p:nvPr/>
-      </p:nvGrpSpPr>
-      <p:grpSpPr>
-        <a:xfrm>
-          <a:off x="0" y="0"/>
-          <a:ext cx="0" cy="0"/>
-          <a:chOff x="0" y="0"/>
-          <a:chExt cx="0" cy="0"/>
-        </a:xfrm>
-      </p:grpSpPr>
-      <p:sp>
-        <p:nvSpPr>
-          <p:cNvPr id="2" name="Title 1"/>
-          <p:cNvSpPr>
-            <a:spLocks noGrp="1"/>
-          </p:cNvSpPr>
-          <p:nvPr>
-            <p:ph type="title"/>
-          </p:nvPr>
-        </p:nvSpPr>
-        <p:spPr/>
-        <p:txBody>
-          <a:bodyPr/>
-          <a:lstStyle/>
-          <a:p>
-            <a:r>
-              <a:rPr lang="en-US" dirty="0" smtClean="0"/>
-              <a:t>Automatic Swarming -- Goals</a:t>
-            </a:r>
-            <a:endParaRPr lang="en-US" dirty="0"/>
-          </a:p>
-        </p:txBody>
-      </p:sp>
-      <p:sp>
-        <p:nvSpPr>
-          <p:cNvPr id="3" name="Content Placeholder 2"/>
-          <p:cNvSpPr>
-            <a:spLocks noGrp="1"/>
-          </p:cNvSpPr>
-          <p:nvPr>
-            <p:ph idx="1"/>
-          </p:nvPr>
-        </p:nvSpPr>
-        <p:spPr/>
-        <p:txBody>
-          <a:bodyPr/>
-          <a:lstStyle/>
-          <a:p>
-            <a:r>
-              <a:rPr lang="en-US" dirty="0" smtClean="0"/>
-              <a:t>Work for any file on any server without </a:t>
-            </a:r>
-            <a:r>
-              <a:rPr lang="en-US" dirty="0" smtClean="0"/>
-              <a:t>configuration</a:t>
-            </a:r>
-            <a:endParaRPr lang="en-US" dirty="0" smtClean="0"/>
-          </a:p>
-          <a:p>
-            <a:r>
-              <a:rPr lang="en-US" dirty="0" smtClean="0"/>
-              <a:t>Easy for client </a:t>
-            </a:r>
-            <a:r>
-              <a:rPr lang="en-US" dirty="0" smtClean="0"/>
-              <a:t>use</a:t>
-            </a:r>
-            <a:endParaRPr lang="en-US" dirty="0" smtClean="0"/>
-          </a:p>
-          <a:p>
-            <a:r>
-              <a:rPr lang="en-US" dirty="0" smtClean="0"/>
-              <a:t>No extra dedicated </a:t>
-            </a:r>
-            <a:r>
-              <a:rPr lang="en-US" dirty="0" smtClean="0"/>
-              <a:t>hardware</a:t>
-            </a:r>
-            <a:endParaRPr lang="en-US" dirty="0" smtClean="0"/>
-          </a:p>
-          <a:p>
-            <a:r>
-              <a:rPr lang="en-US" dirty="0" smtClean="0"/>
-              <a:t>Work for small </a:t>
-            </a:r>
-            <a:r>
-              <a:rPr lang="en-US" dirty="0" smtClean="0"/>
-              <a:t>files</a:t>
-            </a:r>
-            <a:endParaRPr lang="en-US" dirty="0" smtClean="0"/>
-          </a:p>
-          <a:p>
-            <a:r>
-              <a:rPr lang="en-US" dirty="0" smtClean="0"/>
-              <a:t>Non </a:t>
-            </a:r>
-            <a:r>
-              <a:rPr lang="en-US" dirty="0" smtClean="0"/>
-              <a:t>intrusive</a:t>
-            </a:r>
-            <a:endParaRPr lang="en-US" dirty="0" smtClean="0"/>
-          </a:p>
-        </p:txBody>
-      </p:sp>
-    </p:spTree>
-  </p:cSld>
-  <p:clrMapOvr>
-    <a:masterClrMapping/>
-  </p:clrMapOvr>
-  <p:timing>
-    <p:tnLst>
-      <p:par>
-        <p:cTn id="1" dur="indefinite" restart="never" nodeType="tmRoot"/>
-      </p:par>
-    </p:tnLst>
-  </p:timing>
-</p:sld>
-</file>
-
-<file path=ppt/slides/slide35.xml><?xml version="1.0" encoding="utf-8"?>
-<p:sld xmlns:a="http://schemas.openxmlformats.org/drawingml/2006/main" xmlns:r="http://schemas.openxmlformats.org/officeDocument/2006/relationships" xmlns:p="http://schemas.openxmlformats.org/presentationml/2006/main">
-  <p:cSld>
-    <p:spTree>
-      <p:nvGrpSpPr>
-        <p:cNvPr id="1" name=""/>
-        <p:cNvGrpSpPr/>
-        <p:nvPr/>
-      </p:nvGrpSpPr>
-      <p:grpSpPr>
-        <a:xfrm>
-          <a:off x="0" y="0"/>
-          <a:ext cx="0" cy="0"/>
-          <a:chOff x="0" y="0"/>
-          <a:chExt cx="0" cy="0"/>
-        </a:xfrm>
-      </p:grpSpPr>
-      <p:sp>
-        <p:nvSpPr>
-          <p:cNvPr id="2" name="Title 1"/>
-          <p:cNvSpPr>
-            <a:spLocks noGrp="1"/>
-          </p:cNvSpPr>
-          <p:nvPr>
-            <p:ph type="title"/>
-          </p:nvPr>
-        </p:nvSpPr>
-        <p:spPr/>
-        <p:txBody>
-          <a:bodyPr/>
-          <a:lstStyle/>
-          <a:p>
-            <a:r>
-              <a:rPr lang="en-US" dirty="0" smtClean="0"/>
-              <a:t>Future Work</a:t>
-            </a:r>
-            <a:endParaRPr lang="en-US" dirty="0"/>
-          </a:p>
-        </p:txBody>
-      </p:sp>
-      <p:sp>
-        <p:nvSpPr>
-          <p:cNvPr id="3" name="Content Placeholder 2"/>
-          <p:cNvSpPr>
-            <a:spLocks noGrp="1"/>
-          </p:cNvSpPr>
-          <p:nvPr>
-            <p:ph idx="1"/>
-          </p:nvPr>
-        </p:nvSpPr>
-        <p:spPr/>
-        <p:txBody>
-          <a:bodyPr>
-            <a:normAutofit fontScale="92500" lnSpcReduction="10000"/>
-          </a:bodyPr>
-          <a:lstStyle/>
-          <a:p>
-            <a:r>
-              <a:rPr lang="en-US" dirty="0" smtClean="0"/>
-              <a:t>Improve DHT performance</a:t>
-            </a:r>
-          </a:p>
-          <a:p>
-            <a:r>
-              <a:rPr lang="en-US" dirty="0" smtClean="0"/>
-              <a:t>Improve automatic swarming for large files</a:t>
-            </a:r>
-          </a:p>
-          <a:p>
-            <a:r>
-              <a:rPr lang="en-US" dirty="0" smtClean="0"/>
-              <a:t>General performance tuning and dynamic selection of parameters</a:t>
-            </a:r>
-          </a:p>
-          <a:p>
-            <a:pPr lvl="1"/>
-            <a:r>
-              <a:rPr lang="en-US" dirty="0" smtClean="0"/>
-              <a:t>Better use of the DHT</a:t>
-            </a:r>
-          </a:p>
-          <a:p>
-            <a:pPr lvl="1"/>
-            <a:r>
-              <a:rPr lang="en-US" dirty="0" smtClean="0"/>
-              <a:t>Staleness</a:t>
-            </a:r>
-          </a:p>
-          <a:p>
-            <a:r>
-              <a:rPr lang="en-US" dirty="0" smtClean="0"/>
-              <a:t>BitTorrent features</a:t>
-            </a:r>
-          </a:p>
-          <a:p>
-            <a:pPr lvl="1"/>
-            <a:r>
-              <a:rPr lang="en-US" dirty="0" smtClean="0"/>
-              <a:t>Validate Integrity</a:t>
-            </a:r>
-          </a:p>
-          <a:p>
-            <a:pPr lvl="1"/>
-            <a:r>
-              <a:rPr lang="en-US" dirty="0" smtClean="0"/>
-              <a:t>Incentives</a:t>
-            </a:r>
-          </a:p>
-        </p:txBody>
-      </p:sp>
-    </p:spTree>
-  </p:cSld>
-  <p:clrMapOvr>
-    <a:masterClrMapping/>
-  </p:clrMapOvr>
-  <p:timing>
-    <p:tnLst>
-      <p:par>
-        <p:cTn id="1" dur="indefinite" restart="never" nodeType="tmRoot"/>
-      </p:par>
-    </p:tnLst>
-  </p:timing>
-</p:sld>
-</file>
-
-<file path=ppt/slides/slide36.xml><?xml version="1.0" encoding="utf-8"?>
-<p:sld xmlns:a="http://schemas.openxmlformats.org/drawingml/2006/main" xmlns:r="http://schemas.openxmlformats.org/officeDocument/2006/relationships" xmlns:p="http://schemas.openxmlformats.org/presentationml/2006/main">
-  <p:cSld>
-    <p:spTree>
-      <p:nvGrpSpPr>
-        <p:cNvPr id="1" name=""/>
-        <p:cNvGrpSpPr/>
-        <p:nvPr/>
-      </p:nvGrpSpPr>
-      <p:grpSpPr>
-        <a:xfrm>
-          <a:off x="0" y="0"/>
-          <a:ext cx="0" cy="0"/>
-          <a:chOff x="0" y="0"/>
-          <a:chExt cx="0" cy="0"/>
-        </a:xfrm>
-      </p:grpSpPr>
-      <p:sp>
-        <p:nvSpPr>
-          <p:cNvPr id="2" name="Title 1"/>
-          <p:cNvSpPr>
-            <a:spLocks noGrp="1"/>
-          </p:cNvSpPr>
-          <p:nvPr>
-            <p:ph type="title"/>
-          </p:nvPr>
-        </p:nvSpPr>
-        <p:spPr/>
-        <p:txBody>
-          <a:bodyPr/>
-          <a:lstStyle/>
-          <a:p>
-            <a:r>
-              <a:rPr lang="en-US" dirty="0" smtClean="0"/>
               <a:t>Questions?</a:t>
             </a:r>
             <a:endParaRPr lang="en-US" dirty="0"/>
@@ -11142,11 +9747,7 @@
           <a:p>
             <a:r>
               <a:rPr lang="en-US" dirty="0" smtClean="0"/>
-              <a:t>Wait </a:t>
-            </a:r>
-            <a:r>
-              <a:rPr lang="en-US" dirty="0" smtClean="0"/>
-              <a:t>around</a:t>
+              <a:t>Wait</a:t>
             </a:r>
             <a:endParaRPr lang="en-US" dirty="0" smtClean="0"/>
           </a:p>
@@ -11605,15 +10206,7 @@
             <a:pPr lvl="1"/>
             <a:r>
               <a:rPr lang="en-US" dirty="0" smtClean="0"/>
-              <a:t>Create + host </a:t>
-            </a:r>
-            <a:r>
-              <a:rPr lang="en-US" dirty="0" err="1" smtClean="0"/>
-              <a:t>BitTorrent</a:t>
-            </a:r>
-            <a:r>
-              <a:rPr lang="en-US" dirty="0" smtClean="0"/>
-              <a:t> </a:t>
+              <a:t>Create + host BitTorrent </a:t>
             </a:r>
             <a:r>
               <a:rPr lang="en-US" dirty="0" smtClean="0"/>

--- a/thesis_presentation/How to Make the Internet Faster.pptx
+++ b/thesis_presentation/How to Make the Internet Faster.pptx
@@ -559,7 +559,6 @@
               <a:rPr lang="en-US" dirty="0" smtClean="0"/>
               <a:t>Nothing in hands</a:t>
             </a:r>
-            <a:endParaRPr lang="en-US" dirty="0" smtClean="0"/>
           </a:p>
         </p:txBody>
       </p:sp>
@@ -807,7 +806,11 @@
           <a:p>
             <a:r>
               <a:rPr lang="en-US" baseline="0" dirty="0" smtClean="0"/>
-              <a:t>Something like this, should it exist, would be quite useful if it were built into IE.</a:t>
+              <a:t>Something like this, should it exist, would be quite useful if it were built into </a:t>
+            </a:r>
+            <a:r>
+              <a:rPr lang="en-US" baseline="0" dirty="0" smtClean="0"/>
+              <a:t>IE</a:t>
             </a:r>
             <a:endParaRPr lang="en-US" baseline="0" dirty="0" smtClean="0"/>
           </a:p>
@@ -973,19 +976,7 @@
           </a:bodyPr>
           <a:lstStyle/>
           <a:p>
-            <a:r>
-              <a:rPr lang="en-US" dirty="0" err="1" smtClean="0"/>
-              <a:t>Lodo</a:t>
-            </a:r>
-            <a:r>
-              <a:rPr lang="en-US" dirty="0" smtClean="0"/>
-              <a:t>: Add picture</a:t>
-            </a:r>
-            <a:r>
-              <a:rPr lang="en-US" baseline="0" dirty="0" smtClean="0"/>
-              <a:t> for remove, too.</a:t>
-            </a:r>
-            <a:endParaRPr lang="en-US" dirty="0"/>
+            <a:endParaRPr lang="en-US"/>
           </a:p>
         </p:txBody>
       </p:sp>
@@ -1007,7 +998,7 @@
             <a:fld id="{CFD85767-B34F-4122-8642-982296400DCD}" type="slidenum">
               <a:rPr lang="en-US" smtClean="0"/>
               <a:pPr/>
-              <a:t>16</a:t>
+              <a:t>14</a:t>
             </a:fld>
             <a:endParaRPr lang="en-US"/>
           </a:p>
@@ -1067,7 +1058,7 @@
           </a:bodyPr>
           <a:lstStyle/>
           <a:p>
-            <a:endParaRPr lang="en-US"/>
+            <a:endParaRPr lang="en-US" dirty="0"/>
           </a:p>
         </p:txBody>
       </p:sp>
@@ -1089,7 +1080,7 @@
             <a:fld id="{CFD85767-B34F-4122-8642-982296400DCD}" type="slidenum">
               <a:rPr lang="en-US" smtClean="0"/>
               <a:pPr/>
-              <a:t>17</a:t>
+              <a:t>15</a:t>
             </a:fld>
             <a:endParaRPr lang="en-US"/>
           </a:p>
@@ -1171,7 +1162,7 @@
             <a:fld id="{CFD85767-B34F-4122-8642-982296400DCD}" type="slidenum">
               <a:rPr lang="en-US" smtClean="0"/>
               <a:pPr/>
-              <a:t>18</a:t>
+              <a:t>16</a:t>
             </a:fld>
             <a:endParaRPr lang="en-US"/>
           </a:p>
@@ -1231,64 +1222,7 @@
           </a:bodyPr>
           <a:lstStyle/>
           <a:p>
-            <a:r>
-              <a:rPr lang="en-US" sz="1200" kern="1200" baseline="0" dirty="0" smtClean="0">
-                <a:solidFill>
-                  <a:schemeClr val="tx1"/>
-                </a:solidFill>
-                <a:latin typeface="+mn-lt"/>
-                <a:ea typeface="+mn-ea"/>
-                <a:cs typeface="+mn-cs"/>
-              </a:rPr>
-              <a:t>Note </a:t>
-            </a:r>
-            <a:r>
-              <a:rPr lang="en-US" sz="1200" kern="1200" baseline="0" dirty="0" smtClean="0">
-                <a:solidFill>
-                  <a:schemeClr val="tx1"/>
-                </a:solidFill>
-                <a:latin typeface="+mn-lt"/>
-                <a:ea typeface="+mn-ea"/>
-                <a:cs typeface="+mn-cs"/>
-              </a:rPr>
-              <a:t>that a semi-popular website might serve half a</a:t>
-            </a:r>
-          </a:p>
-          <a:p>
-            <a:r>
-              <a:rPr lang="en-US" sz="1200" kern="1200" baseline="0" dirty="0" smtClean="0">
-                <a:solidFill>
-                  <a:schemeClr val="tx1"/>
-                </a:solidFill>
-                <a:latin typeface="+mn-lt"/>
-                <a:ea typeface="+mn-ea"/>
-                <a:cs typeface="+mn-cs"/>
-              </a:rPr>
-              <a:t>million hits a day, which averages to 6 per second, so our limit of 20 per second is similar, if</a:t>
-            </a:r>
-          </a:p>
-          <a:p>
-            <a:r>
-              <a:rPr lang="en-US" sz="1200" kern="1200" baseline="0" dirty="0" smtClean="0">
-                <a:solidFill>
-                  <a:schemeClr val="tx1"/>
-                </a:solidFill>
-                <a:latin typeface="+mn-lt"/>
-                <a:ea typeface="+mn-ea"/>
-                <a:cs typeface="+mn-cs"/>
-              </a:rPr>
-              <a:t>you take into consideration spikes in load.</a:t>
-            </a:r>
-          </a:p>
-          <a:p>
-            <a:endParaRPr lang="en-US" sz="1200" kern="1200" baseline="0" dirty="0" smtClean="0">
-              <a:solidFill>
-                <a:schemeClr val="tx1"/>
-              </a:solidFill>
-              <a:latin typeface="+mn-lt"/>
-              <a:ea typeface="+mn-ea"/>
-              <a:cs typeface="+mn-cs"/>
-            </a:endParaRPr>
+            <a:endParaRPr lang="en-US"/>
           </a:p>
         </p:txBody>
       </p:sp>
@@ -1310,7 +1244,7 @@
             <a:fld id="{CFD85767-B34F-4122-8642-982296400DCD}" type="slidenum">
               <a:rPr lang="en-US" smtClean="0"/>
               <a:pPr/>
-              <a:t>19</a:t>
+              <a:t>17</a:t>
             </a:fld>
             <a:endParaRPr lang="en-US"/>
           </a:p>
@@ -1392,7 +1326,7 @@
             <a:fld id="{CFD85767-B34F-4122-8642-982296400DCD}" type="slidenum">
               <a:rPr lang="en-US" smtClean="0"/>
               <a:pPr/>
-              <a:t>21</a:t>
+              <a:t>18</a:t>
             </a:fld>
             <a:endParaRPr lang="en-US"/>
           </a:p>
@@ -1452,7 +1386,62 @@
           </a:bodyPr>
           <a:lstStyle/>
           <a:p>
-            <a:endParaRPr lang="en-US" baseline="0" dirty="0" smtClean="0"/>
+            <a:r>
+              <a:rPr lang="en-US" sz="1200" kern="1200" baseline="0" dirty="0" smtClean="0">
+                <a:solidFill>
+                  <a:schemeClr val="tx1"/>
+                </a:solidFill>
+                <a:latin typeface="+mn-lt"/>
+                <a:ea typeface="+mn-ea"/>
+                <a:cs typeface="+mn-cs"/>
+              </a:rPr>
+              <a:t>Note that a semi-popular website might serve half a</a:t>
+            </a:r>
+          </a:p>
+          <a:p>
+            <a:r>
+              <a:rPr lang="en-US" sz="1200" kern="1200" baseline="0" dirty="0" smtClean="0">
+                <a:solidFill>
+                  <a:schemeClr val="tx1"/>
+                </a:solidFill>
+                <a:latin typeface="+mn-lt"/>
+                <a:ea typeface="+mn-ea"/>
+                <a:cs typeface="+mn-cs"/>
+              </a:rPr>
+              <a:t>million hits a day, which averages to 6 per second, so our limit of 20 per second is similar, if</a:t>
+            </a:r>
+          </a:p>
+          <a:p>
+            <a:r>
+              <a:rPr lang="en-US" sz="1200" kern="1200" baseline="0" dirty="0" smtClean="0">
+                <a:solidFill>
+                  <a:schemeClr val="tx1"/>
+                </a:solidFill>
+                <a:latin typeface="+mn-lt"/>
+                <a:ea typeface="+mn-ea"/>
+                <a:cs typeface="+mn-cs"/>
+              </a:rPr>
+              <a:t>you take into consideration spikes in </a:t>
+            </a:r>
+            <a:r>
+              <a:rPr lang="en-US" sz="1200" kern="1200" baseline="0" dirty="0" smtClean="0">
+                <a:solidFill>
+                  <a:schemeClr val="tx1"/>
+                </a:solidFill>
+                <a:latin typeface="+mn-lt"/>
+                <a:ea typeface="+mn-ea"/>
+                <a:cs typeface="+mn-cs"/>
+              </a:rPr>
+              <a:t>load</a:t>
+            </a:r>
+            <a:endParaRPr lang="en-US" sz="1200" kern="1200" baseline="0" dirty="0" smtClean="0">
+              <a:solidFill>
+                <a:schemeClr val="tx1"/>
+              </a:solidFill>
+              <a:latin typeface="+mn-lt"/>
+              <a:ea typeface="+mn-ea"/>
+              <a:cs typeface="+mn-cs"/>
+            </a:endParaRPr>
           </a:p>
         </p:txBody>
       </p:sp>
@@ -1474,7 +1463,7 @@
             <a:fld id="{CFD85767-B34F-4122-8642-982296400DCD}" type="slidenum">
               <a:rPr lang="en-US" smtClean="0"/>
               <a:pPr/>
-              <a:t>22</a:t>
+              <a:t>19</a:t>
             </a:fld>
             <a:endParaRPr lang="en-US"/>
           </a:p>
@@ -1616,7 +1605,7 @@
           </a:bodyPr>
           <a:lstStyle/>
           <a:p>
-            <a:endParaRPr lang="en-US" dirty="0"/>
+            <a:endParaRPr lang="en-US"/>
           </a:p>
         </p:txBody>
       </p:sp>
@@ -1638,7 +1627,7 @@
             <a:fld id="{CFD85767-B34F-4122-8642-982296400DCD}" type="slidenum">
               <a:rPr lang="en-US" smtClean="0"/>
               <a:pPr/>
-              <a:t>23</a:t>
+              <a:t>20</a:t>
             </a:fld>
             <a:endParaRPr lang="en-US"/>
           </a:p>
@@ -1720,7 +1709,7 @@
             <a:fld id="{CFD85767-B34F-4122-8642-982296400DCD}" type="slidenum">
               <a:rPr lang="en-US" smtClean="0"/>
               <a:pPr/>
-              <a:t>24</a:t>
+              <a:t>21</a:t>
             </a:fld>
             <a:endParaRPr lang="en-US"/>
           </a:p>
@@ -1780,7 +1769,7 @@
           </a:bodyPr>
           <a:lstStyle/>
           <a:p>
-            <a:endParaRPr lang="en-US" dirty="0"/>
+            <a:endParaRPr lang="en-US" baseline="0" dirty="0" smtClean="0"/>
           </a:p>
         </p:txBody>
       </p:sp>
@@ -1802,7 +1791,7 @@
             <a:fld id="{CFD85767-B34F-4122-8642-982296400DCD}" type="slidenum">
               <a:rPr lang="en-US" smtClean="0"/>
               <a:pPr/>
-              <a:t>25</a:t>
+              <a:t>22</a:t>
             </a:fld>
             <a:endParaRPr lang="en-US"/>
           </a:p>
@@ -1862,7 +1851,7 @@
           </a:bodyPr>
           <a:lstStyle/>
           <a:p>
-            <a:endParaRPr lang="en-US"/>
+            <a:endParaRPr lang="en-US" dirty="0"/>
           </a:p>
         </p:txBody>
       </p:sp>
@@ -1884,7 +1873,7 @@
             <a:fld id="{CFD85767-B34F-4122-8642-982296400DCD}" type="slidenum">
               <a:rPr lang="en-US" smtClean="0"/>
               <a:pPr/>
-              <a:t>26</a:t>
+              <a:t>23</a:t>
             </a:fld>
             <a:endParaRPr lang="en-US"/>
           </a:p>
@@ -1944,7 +1933,7 @@
           </a:bodyPr>
           <a:lstStyle/>
           <a:p>
-            <a:endParaRPr lang="en-US"/>
+            <a:endParaRPr lang="en-US" dirty="0"/>
           </a:p>
         </p:txBody>
       </p:sp>
@@ -1966,7 +1955,7 @@
             <a:fld id="{CFD85767-B34F-4122-8642-982296400DCD}" type="slidenum">
               <a:rPr lang="en-US" smtClean="0"/>
               <a:pPr/>
-              <a:t>27</a:t>
+              <a:t>24</a:t>
             </a:fld>
             <a:endParaRPr lang="en-US"/>
           </a:p>
@@ -2026,31 +2015,7 @@
           </a:bodyPr>
           <a:lstStyle/>
           <a:p>
-            <a:r>
-              <a:rPr lang="en-US" dirty="0" smtClean="0"/>
-              <a:t>“Ours doesn’t perform</a:t>
-            </a:r>
-            <a:r>
-              <a:rPr lang="en-US" baseline="0" dirty="0" smtClean="0"/>
-              <a:t> as </a:t>
-            </a:r>
-            <a:r>
-              <a:rPr lang="en-US" dirty="0" smtClean="0"/>
-              <a:t>well as BT for</a:t>
-            </a:r>
-            <a:r>
-              <a:rPr lang="en-US" baseline="0" dirty="0" smtClean="0"/>
-              <a:t> large files.”</a:t>
-            </a:r>
-          </a:p>
-          <a:p>
-            <a:endParaRPr lang="en-US" baseline="0" dirty="0" smtClean="0"/>
-          </a:p>
-          <a:p>
-            <a:r>
-              <a:rPr lang="en-US" baseline="0" dirty="0" smtClean="0"/>
-              <a:t>You can see that at about 730 to 882 seconds most of our peers finish the file, and most of the peers download it from peers, so once we get the file out there we work all right, but we could do some work still to increase our speed of propagating the blocks.”</a:t>
-            </a:r>
+            <a:endParaRPr lang="en-US" dirty="0"/>
           </a:p>
         </p:txBody>
       </p:sp>
@@ -2072,7 +2037,7 @@
             <a:fld id="{CFD85767-B34F-4122-8642-982296400DCD}" type="slidenum">
               <a:rPr lang="en-US" smtClean="0"/>
               <a:pPr/>
-              <a:t>28</a:t>
+              <a:t>25</a:t>
             </a:fld>
             <a:endParaRPr lang="en-US"/>
           </a:p>
@@ -2132,7 +2097,7 @@
           </a:bodyPr>
           <a:lstStyle/>
           <a:p>
-            <a:endParaRPr lang="en-US" dirty="0"/>
+            <a:endParaRPr lang="en-US"/>
           </a:p>
         </p:txBody>
       </p:sp>
@@ -2154,7 +2119,7 @@
             <a:fld id="{CFD85767-B34F-4122-8642-982296400DCD}" type="slidenum">
               <a:rPr lang="en-US" smtClean="0"/>
               <a:pPr/>
-              <a:t>29</a:t>
+              <a:t>26</a:t>
             </a:fld>
             <a:endParaRPr lang="en-US"/>
           </a:p>
@@ -2214,7 +2179,7 @@
           </a:bodyPr>
           <a:lstStyle/>
           <a:p>
-            <a:endParaRPr lang="en-US" dirty="0"/>
+            <a:endParaRPr lang="en-US"/>
           </a:p>
         </p:txBody>
       </p:sp>
@@ -2236,7 +2201,7 @@
             <a:fld id="{CFD85767-B34F-4122-8642-982296400DCD}" type="slidenum">
               <a:rPr lang="en-US" smtClean="0"/>
               <a:pPr/>
-              <a:t>30</a:t>
+              <a:t>27</a:t>
             </a:fld>
             <a:endParaRPr lang="en-US"/>
           </a:p>
@@ -2296,7 +2261,41 @@
           </a:bodyPr>
           <a:lstStyle/>
           <a:p>
-            <a:endParaRPr lang="en-US" dirty="0"/>
+            <a:r>
+              <a:rPr lang="en-US" dirty="0" smtClean="0"/>
+              <a:t>“Ours doesn’t perform</a:t>
+            </a:r>
+            <a:r>
+              <a:rPr lang="en-US" baseline="0" dirty="0" smtClean="0"/>
+              <a:t> as </a:t>
+            </a:r>
+            <a:r>
+              <a:rPr lang="en-US" dirty="0" smtClean="0"/>
+              <a:t>well as BT for</a:t>
+            </a:r>
+            <a:r>
+              <a:rPr lang="en-US" baseline="0" dirty="0" smtClean="0"/>
+              <a:t> large </a:t>
+            </a:r>
+            <a:r>
+              <a:rPr lang="en-US" baseline="0" dirty="0" smtClean="0"/>
+              <a:t>files”</a:t>
+            </a:r>
+            <a:endParaRPr lang="en-US" baseline="0" dirty="0" smtClean="0"/>
+          </a:p>
+          <a:p>
+            <a:endParaRPr lang="en-US" baseline="0" dirty="0" smtClean="0"/>
+          </a:p>
+          <a:p>
+            <a:r>
+              <a:rPr lang="en-US" baseline="0" dirty="0" smtClean="0"/>
+              <a:t>You can see that at about 730 to 882 seconds most of our peers finish the file, and most of the peers download it from peers, so once we get the file out there we work all right, but we could do some work still to increase our speed of propagating the </a:t>
+            </a:r>
+            <a:r>
+              <a:rPr lang="en-US" baseline="0" dirty="0" smtClean="0"/>
+              <a:t>blocks”</a:t>
+            </a:r>
+            <a:endParaRPr lang="en-US" baseline="0" dirty="0" smtClean="0"/>
           </a:p>
         </p:txBody>
       </p:sp>
@@ -2318,7 +2317,7 @@
             <a:fld id="{CFD85767-B34F-4122-8642-982296400DCD}" type="slidenum">
               <a:rPr lang="en-US" smtClean="0"/>
               <a:pPr/>
-              <a:t>31</a:t>
+              <a:t>28</a:t>
             </a:fld>
             <a:endParaRPr lang="en-US"/>
           </a:p>
@@ -2400,7 +2399,7 @@
             <a:fld id="{CFD85767-B34F-4122-8642-982296400DCD}" type="slidenum">
               <a:rPr lang="en-US" smtClean="0"/>
               <a:pPr/>
-              <a:t>32</a:t>
+              <a:t>29</a:t>
             </a:fld>
             <a:endParaRPr lang="en-US"/>
           </a:p>
@@ -2542,6 +2541,252 @@
           </a:bodyPr>
           <a:lstStyle/>
           <a:p>
+            <a:endParaRPr lang="en-US" dirty="0"/>
+          </a:p>
+        </p:txBody>
+      </p:sp>
+      <p:sp>
+        <p:nvSpPr>
+          <p:cNvPr id="4" name="Slide Number Placeholder 3"/>
+          <p:cNvSpPr>
+            <a:spLocks noGrp="1"/>
+          </p:cNvSpPr>
+          <p:nvPr>
+            <p:ph type="sldNum" sz="quarter" idx="10"/>
+          </p:nvPr>
+        </p:nvSpPr>
+        <p:spPr/>
+        <p:txBody>
+          <a:bodyPr/>
+          <a:lstStyle/>
+          <a:p>
+            <a:fld id="{CFD85767-B34F-4122-8642-982296400DCD}" type="slidenum">
+              <a:rPr lang="en-US" smtClean="0"/>
+              <a:pPr/>
+              <a:t>30</a:t>
+            </a:fld>
+            <a:endParaRPr lang="en-US"/>
+          </a:p>
+        </p:txBody>
+      </p:sp>
+    </p:spTree>
+  </p:cSld>
+  <p:clrMapOvr>
+    <a:masterClrMapping/>
+  </p:clrMapOvr>
+</p:notes>
+</file>
+
+<file path=ppt/notesSlides/notesSlide31.xml><?xml version="1.0" encoding="utf-8"?>
+<p:notes xmlns:a="http://schemas.openxmlformats.org/drawingml/2006/main" xmlns:r="http://schemas.openxmlformats.org/officeDocument/2006/relationships" xmlns:p="http://schemas.openxmlformats.org/presentationml/2006/main">
+  <p:cSld>
+    <p:spTree>
+      <p:nvGrpSpPr>
+        <p:cNvPr id="1" name=""/>
+        <p:cNvGrpSpPr/>
+        <p:nvPr/>
+      </p:nvGrpSpPr>
+      <p:grpSpPr>
+        <a:xfrm>
+          <a:off x="0" y="0"/>
+          <a:ext cx="0" cy="0"/>
+          <a:chOff x="0" y="0"/>
+          <a:chExt cx="0" cy="0"/>
+        </a:xfrm>
+      </p:grpSpPr>
+      <p:sp>
+        <p:nvSpPr>
+          <p:cNvPr id="2" name="Slide Image Placeholder 1"/>
+          <p:cNvSpPr>
+            <a:spLocks noGrp="1" noRot="1" noChangeAspect="1"/>
+          </p:cNvSpPr>
+          <p:nvPr>
+            <p:ph type="sldImg"/>
+          </p:nvPr>
+        </p:nvSpPr>
+        <p:spPr/>
+      </p:sp>
+      <p:sp>
+        <p:nvSpPr>
+          <p:cNvPr id="3" name="Notes Placeholder 2"/>
+          <p:cNvSpPr>
+            <a:spLocks noGrp="1"/>
+          </p:cNvSpPr>
+          <p:nvPr>
+            <p:ph type="body" idx="1"/>
+          </p:nvPr>
+        </p:nvSpPr>
+        <p:spPr/>
+        <p:txBody>
+          <a:bodyPr>
+            <a:normAutofit/>
+          </a:bodyPr>
+          <a:lstStyle/>
+          <a:p>
+            <a:endParaRPr lang="en-US" dirty="0"/>
+          </a:p>
+        </p:txBody>
+      </p:sp>
+      <p:sp>
+        <p:nvSpPr>
+          <p:cNvPr id="4" name="Slide Number Placeholder 3"/>
+          <p:cNvSpPr>
+            <a:spLocks noGrp="1"/>
+          </p:cNvSpPr>
+          <p:nvPr>
+            <p:ph type="sldNum" sz="quarter" idx="10"/>
+          </p:nvPr>
+        </p:nvSpPr>
+        <p:spPr/>
+        <p:txBody>
+          <a:bodyPr/>
+          <a:lstStyle/>
+          <a:p>
+            <a:fld id="{CFD85767-B34F-4122-8642-982296400DCD}" type="slidenum">
+              <a:rPr lang="en-US" smtClean="0"/>
+              <a:pPr/>
+              <a:t>31</a:t>
+            </a:fld>
+            <a:endParaRPr lang="en-US"/>
+          </a:p>
+        </p:txBody>
+      </p:sp>
+    </p:spTree>
+  </p:cSld>
+  <p:clrMapOvr>
+    <a:masterClrMapping/>
+  </p:clrMapOvr>
+</p:notes>
+</file>
+
+<file path=ppt/notesSlides/notesSlide32.xml><?xml version="1.0" encoding="utf-8"?>
+<p:notes xmlns:a="http://schemas.openxmlformats.org/drawingml/2006/main" xmlns:r="http://schemas.openxmlformats.org/officeDocument/2006/relationships" xmlns:p="http://schemas.openxmlformats.org/presentationml/2006/main">
+  <p:cSld>
+    <p:spTree>
+      <p:nvGrpSpPr>
+        <p:cNvPr id="1" name=""/>
+        <p:cNvGrpSpPr/>
+        <p:nvPr/>
+      </p:nvGrpSpPr>
+      <p:grpSpPr>
+        <a:xfrm>
+          <a:off x="0" y="0"/>
+          <a:ext cx="0" cy="0"/>
+          <a:chOff x="0" y="0"/>
+          <a:chExt cx="0" cy="0"/>
+        </a:xfrm>
+      </p:grpSpPr>
+      <p:sp>
+        <p:nvSpPr>
+          <p:cNvPr id="2" name="Slide Image Placeholder 1"/>
+          <p:cNvSpPr>
+            <a:spLocks noGrp="1" noRot="1" noChangeAspect="1"/>
+          </p:cNvSpPr>
+          <p:nvPr>
+            <p:ph type="sldImg"/>
+          </p:nvPr>
+        </p:nvSpPr>
+        <p:spPr/>
+      </p:sp>
+      <p:sp>
+        <p:nvSpPr>
+          <p:cNvPr id="3" name="Notes Placeholder 2"/>
+          <p:cNvSpPr>
+            <a:spLocks noGrp="1"/>
+          </p:cNvSpPr>
+          <p:nvPr>
+            <p:ph type="body" idx="1"/>
+          </p:nvPr>
+        </p:nvSpPr>
+        <p:spPr/>
+        <p:txBody>
+          <a:bodyPr>
+            <a:normAutofit/>
+          </a:bodyPr>
+          <a:lstStyle/>
+          <a:p>
+            <a:endParaRPr lang="en-US" dirty="0"/>
+          </a:p>
+        </p:txBody>
+      </p:sp>
+      <p:sp>
+        <p:nvSpPr>
+          <p:cNvPr id="4" name="Slide Number Placeholder 3"/>
+          <p:cNvSpPr>
+            <a:spLocks noGrp="1"/>
+          </p:cNvSpPr>
+          <p:nvPr>
+            <p:ph type="sldNum" sz="quarter" idx="10"/>
+          </p:nvPr>
+        </p:nvSpPr>
+        <p:spPr/>
+        <p:txBody>
+          <a:bodyPr/>
+          <a:lstStyle/>
+          <a:p>
+            <a:fld id="{CFD85767-B34F-4122-8642-982296400DCD}" type="slidenum">
+              <a:rPr lang="en-US" smtClean="0"/>
+              <a:pPr/>
+              <a:t>32</a:t>
+            </a:fld>
+            <a:endParaRPr lang="en-US"/>
+          </a:p>
+        </p:txBody>
+      </p:sp>
+    </p:spTree>
+  </p:cSld>
+  <p:clrMapOvr>
+    <a:masterClrMapping/>
+  </p:clrMapOvr>
+</p:notes>
+</file>
+
+<file path=ppt/notesSlides/notesSlide33.xml><?xml version="1.0" encoding="utf-8"?>
+<p:notes xmlns:a="http://schemas.openxmlformats.org/drawingml/2006/main" xmlns:r="http://schemas.openxmlformats.org/officeDocument/2006/relationships" xmlns:p="http://schemas.openxmlformats.org/presentationml/2006/main">
+  <p:cSld>
+    <p:spTree>
+      <p:nvGrpSpPr>
+        <p:cNvPr id="1" name=""/>
+        <p:cNvGrpSpPr/>
+        <p:nvPr/>
+      </p:nvGrpSpPr>
+      <p:grpSpPr>
+        <a:xfrm>
+          <a:off x="0" y="0"/>
+          <a:ext cx="0" cy="0"/>
+          <a:chOff x="0" y="0"/>
+          <a:chExt cx="0" cy="0"/>
+        </a:xfrm>
+      </p:grpSpPr>
+      <p:sp>
+        <p:nvSpPr>
+          <p:cNvPr id="2" name="Slide Image Placeholder 1"/>
+          <p:cNvSpPr>
+            <a:spLocks noGrp="1" noRot="1" noChangeAspect="1"/>
+          </p:cNvSpPr>
+          <p:nvPr>
+            <p:ph type="sldImg"/>
+          </p:nvPr>
+        </p:nvSpPr>
+        <p:spPr/>
+      </p:sp>
+      <p:sp>
+        <p:nvSpPr>
+          <p:cNvPr id="3" name="Notes Placeholder 2"/>
+          <p:cNvSpPr>
+            <a:spLocks noGrp="1"/>
+          </p:cNvSpPr>
+          <p:nvPr>
+            <p:ph type="body" idx="1"/>
+          </p:nvPr>
+        </p:nvSpPr>
+        <p:spPr/>
+        <p:txBody>
+          <a:bodyPr>
+            <a:normAutofit/>
+          </a:bodyPr>
+          <a:lstStyle/>
+          <a:p>
             <a:endParaRPr lang="en-US"/>
           </a:p>
         </p:txBody>
@@ -3081,7 +3326,11 @@
             </a:r>
             <a:r>
               <a:rPr lang="en-US" baseline="0" dirty="0" smtClean="0"/>
-              <a:t> Internet, BitTorrent cannot come to your aid.</a:t>
+              <a:t> Internet, BitTorrent cannot come to your </a:t>
+            </a:r>
+            <a:r>
+              <a:rPr lang="en-US" baseline="0" dirty="0" smtClean="0"/>
+              <a:t>aid</a:t>
             </a:r>
             <a:endParaRPr lang="en-US" dirty="0" smtClean="0"/>
           </a:p>
@@ -6141,11 +6390,7 @@
           <a:p>
             <a:r>
               <a:rPr lang="en-US" dirty="0" smtClean="0"/>
-              <a:t>MS </a:t>
-            </a:r>
-            <a:r>
-              <a:rPr lang="en-US" dirty="0" smtClean="0"/>
-              <a:t>Thesis</a:t>
+              <a:t>MS Thesis</a:t>
             </a:r>
             <a:endParaRPr lang="en-US" dirty="0"/>
           </a:p>
@@ -6267,7 +6512,6 @@
               <a:rPr lang="en-US" dirty="0" smtClean="0"/>
               <a:t>BitTorrent</a:t>
             </a:r>
-            <a:endParaRPr lang="en-US" dirty="0" smtClean="0"/>
           </a:p>
         </p:txBody>
       </p:sp>
@@ -6361,13 +6605,8 @@
             <a:pPr lvl="1"/>
             <a:r>
               <a:rPr lang="en-US" dirty="0" smtClean="0"/>
-              <a:t>Automatically switch if it becomes </a:t>
-            </a:r>
-            <a:r>
-              <a:rPr lang="en-US" dirty="0" smtClean="0"/>
-              <a:t>slow</a:t>
-            </a:r>
-            <a:endParaRPr lang="en-US" dirty="0" smtClean="0"/>
+              <a:t>Automatically switch if it becomes slow</a:t>
+            </a:r>
           </a:p>
         </p:txBody>
       </p:sp>
@@ -6451,50 +6690,26 @@
           <a:p>
             <a:r>
               <a:rPr lang="en-US" dirty="0" smtClean="0"/>
-              <a:t>Work </a:t>
-            </a:r>
-            <a:r>
-              <a:rPr lang="en-US" dirty="0" smtClean="0"/>
-              <a:t>for any file on any server without </a:t>
-            </a:r>
-            <a:r>
-              <a:rPr lang="en-US" dirty="0" smtClean="0"/>
-              <a:t>configuration</a:t>
-            </a:r>
-            <a:endParaRPr lang="en-US" dirty="0" smtClean="0"/>
-          </a:p>
-          <a:p>
-            <a:r>
-              <a:rPr lang="en-US" dirty="0" smtClean="0"/>
-              <a:t>Easy for client </a:t>
-            </a:r>
-            <a:r>
-              <a:rPr lang="en-US" dirty="0" smtClean="0"/>
-              <a:t>use</a:t>
-            </a:r>
-            <a:endParaRPr lang="en-US" dirty="0" smtClean="0"/>
-          </a:p>
-          <a:p>
-            <a:r>
-              <a:rPr lang="en-US" dirty="0" smtClean="0"/>
-              <a:t>No extra </a:t>
-            </a:r>
-            <a:r>
-              <a:rPr lang="en-US" dirty="0" smtClean="0"/>
-              <a:t>hardware</a:t>
-            </a:r>
-            <a:endParaRPr lang="en-US" dirty="0" smtClean="0"/>
-          </a:p>
-          <a:p>
-            <a:r>
-              <a:rPr lang="en-US" dirty="0" smtClean="0"/>
-              <a:t>Work for small </a:t>
-            </a:r>
-            <a:r>
-              <a:rPr lang="en-US" dirty="0" smtClean="0"/>
-              <a:t>files</a:t>
-            </a:r>
-            <a:endParaRPr lang="en-US" dirty="0" smtClean="0"/>
+              <a:t>Work for any file on any server without configuration</a:t>
+            </a:r>
+          </a:p>
+          <a:p>
+            <a:r>
+              <a:rPr lang="en-US" dirty="0" smtClean="0"/>
+              <a:t>Easy for client use</a:t>
+            </a:r>
+          </a:p>
+          <a:p>
+            <a:r>
+              <a:rPr lang="en-US" dirty="0" smtClean="0"/>
+              <a:t>No extra hardware</a:t>
+            </a:r>
+          </a:p>
+          <a:p>
+            <a:r>
+              <a:rPr lang="en-US" dirty="0" smtClean="0"/>
+              <a:t>Work for small files</a:t>
+            </a:r>
           </a:p>
           <a:p>
             <a:r>
@@ -6506,13 +6721,8 @@
             <a:pPr lvl="1"/>
             <a:r>
               <a:rPr lang="en-US" dirty="0" smtClean="0"/>
-              <a:t>Don’t cache other people’s </a:t>
-            </a:r>
-            <a:r>
-              <a:rPr lang="en-US" dirty="0" smtClean="0"/>
-              <a:t>files</a:t>
-            </a:r>
-            <a:endParaRPr lang="en-US" dirty="0" smtClean="0"/>
+              <a:t>Don’t cache other people’s files</a:t>
+            </a:r>
           </a:p>
           <a:p>
             <a:pPr lvl="1"/>
@@ -6538,13 +6748,8 @@
             <a:pPr lvl="1"/>
             <a:r>
               <a:rPr lang="en-US" dirty="0" smtClean="0"/>
-              <a:t>All </a:t>
-            </a:r>
-            <a:r>
-              <a:rPr lang="en-US" dirty="0" smtClean="0"/>
-              <a:t>downloads</a:t>
-            </a:r>
-            <a:endParaRPr lang="en-US" dirty="0" smtClean="0"/>
+              <a:t>All downloads</a:t>
+            </a:r>
           </a:p>
         </p:txBody>
       </p:sp>
@@ -6672,7 +6877,7 @@
           <p:nvPr/>
         </p:nvPicPr>
         <p:blipFill>
-          <a:blip r:embed="rId2" cstate="print"/>
+          <a:blip r:embed="rId3" cstate="print"/>
           <a:srcRect/>
           <a:stretch>
             <a:fillRect/>
@@ -6841,32 +7046,42 @@
             <a:pPr lvl="1"/>
             <a:r>
               <a:rPr lang="en-US" dirty="0" smtClean="0"/>
-              <a:t>Poll on none found.</a:t>
-            </a:r>
+              <a:t>Poll on none </a:t>
+            </a:r>
+            <a:r>
+              <a:rPr lang="en-US" dirty="0" smtClean="0"/>
+              <a:t>found</a:t>
+            </a:r>
+            <a:endParaRPr lang="en-US" dirty="0" smtClean="0"/>
           </a:p>
           <a:p>
             <a:pPr lvl="1"/>
             <a:r>
               <a:rPr lang="en-US" dirty="0" smtClean="0"/>
-              <a:t>Download from the origin while polling.</a:t>
-            </a:r>
-          </a:p>
-          <a:p>
-            <a:r>
-              <a:rPr lang="en-US" dirty="0" smtClean="0"/>
-              <a:t>When find live peer, drop connection to origin.</a:t>
-            </a:r>
-          </a:p>
-          <a:p>
-            <a:r>
-              <a:rPr lang="en-US" dirty="0" smtClean="0"/>
-              <a:t>Last block </a:t>
-            </a:r>
-            <a:r>
-              <a:rPr lang="en-US" dirty="0" smtClean="0"/>
-              <a:t>problem</a:t>
+              <a:t>Download from the origin while </a:t>
+            </a:r>
+            <a:r>
+              <a:rPr lang="en-US" dirty="0" smtClean="0"/>
+              <a:t>polling</a:t>
             </a:r>
             <a:endParaRPr lang="en-US" dirty="0" smtClean="0"/>
+          </a:p>
+          <a:p>
+            <a:r>
+              <a:rPr lang="en-US" dirty="0" smtClean="0"/>
+              <a:t>When find live peer, </a:t>
+            </a:r>
+            <a:r>
+              <a:rPr lang="en-US" dirty="0" smtClean="0"/>
+              <a:t>download</a:t>
+            </a:r>
+            <a:endParaRPr lang="en-US" dirty="0" smtClean="0"/>
+          </a:p>
+          <a:p>
+            <a:r>
+              <a:rPr lang="en-US" dirty="0" smtClean="0"/>
+              <a:t>Last block problem</a:t>
+            </a:r>
           </a:p>
         </p:txBody>
       </p:sp>
@@ -6879,7 +7094,7 @@
           <p:nvPr/>
         </p:nvPicPr>
         <p:blipFill>
-          <a:blip r:embed="rId2" cstate="print"/>
+          <a:blip r:embed="rId3" cstate="print"/>
           <a:srcRect/>
           <a:stretch>
             <a:fillRect/>
@@ -6944,15 +7159,7 @@
           <a:p>
             <a:r>
               <a:rPr lang="en-US" dirty="0" smtClean="0"/>
-              <a:t>P2P</a:t>
-            </a:r>
-            <a:r>
-              <a:rPr lang="en-US" dirty="0" smtClean="0"/>
-              <a:t> </a:t>
-            </a:r>
-            <a:r>
-              <a:rPr lang="en-US" dirty="0" smtClean="0"/>
-              <a:t>Sharing</a:t>
+              <a:t>P2P Sharing</a:t>
             </a:r>
             <a:endParaRPr lang="en-US" dirty="0"/>
           </a:p>
@@ -7097,13 +7304,8 @@
           <a:p>
             <a:r>
               <a:rPr lang="en-US" dirty="0" smtClean="0"/>
-              <a:t>Private </a:t>
-            </a:r>
-            <a:r>
-              <a:rPr lang="en-US" dirty="0" smtClean="0"/>
-              <a:t>OpenDHT</a:t>
-            </a:r>
-            <a:endParaRPr lang="en-US" dirty="0" smtClean="0"/>
+              <a:t>Private OpenDHT</a:t>
+            </a:r>
           </a:p>
           <a:p>
             <a:pPr lvl="1"/>
@@ -7224,38 +7426,20 @@
           <a:p>
             <a:r>
               <a:rPr lang="en-US" dirty="0" smtClean="0"/>
-              <a:t>Download from multiple </a:t>
-            </a:r>
-            <a:r>
-              <a:rPr lang="en-US" dirty="0" smtClean="0"/>
-              <a:t>clients</a:t>
-            </a:r>
-          </a:p>
-          <a:p>
-            <a:r>
-              <a:rPr lang="en-US" dirty="0" smtClean="0"/>
-              <a:t>Run </a:t>
-            </a:r>
-            <a:r>
-              <a:rPr lang="en-US" dirty="0" smtClean="0"/>
-              <a:t>until </a:t>
-            </a:r>
-            <a:r>
-              <a:rPr lang="en-US" dirty="0" smtClean="0"/>
-              <a:t>finish</a:t>
-            </a:r>
-            <a:endParaRPr lang="en-US" dirty="0" smtClean="0"/>
-          </a:p>
-          <a:p>
-            <a:r>
-              <a:rPr lang="en-US" dirty="0" smtClean="0"/>
-              <a:t>Repeat </a:t>
-            </a:r>
-            <a:r>
-              <a:rPr lang="en-US" dirty="0" smtClean="0"/>
-              <a:t>3x</a:t>
-            </a:r>
-            <a:endParaRPr lang="en-US" dirty="0" smtClean="0"/>
+              <a:t>Download from multiple clients</a:t>
+            </a:r>
+          </a:p>
+          <a:p>
+            <a:r>
+              <a:rPr lang="en-US" dirty="0" smtClean="0"/>
+              <a:t>Run until finish</a:t>
+            </a:r>
+          </a:p>
+          <a:p>
+            <a:r>
+              <a:rPr lang="en-US" dirty="0" smtClean="0"/>
+              <a:t>Repeat 3x</a:t>
+            </a:r>
           </a:p>
           <a:p>
             <a:r>
@@ -7281,11 +7465,7 @@
             <a:pPr lvl="1"/>
             <a:r>
               <a:rPr lang="en-US" dirty="0" smtClean="0"/>
-              <a:t>causes for transitioning to </a:t>
-            </a:r>
-            <a:r>
-              <a:rPr lang="en-US" dirty="0" smtClean="0"/>
-              <a:t>P2P</a:t>
+              <a:t>causes for transitioning to P2P</a:t>
             </a:r>
           </a:p>
         </p:txBody>
@@ -7408,30 +7588,14 @@
             <a:pPr lvl="1"/>
             <a:r>
               <a:rPr lang="en-US" dirty="0" smtClean="0"/>
-              <a:t>File </a:t>
-            </a:r>
-            <a:r>
-              <a:rPr lang="en-US" dirty="0" smtClean="0"/>
-              <a:t>size: 100 </a:t>
-            </a:r>
-            <a:r>
-              <a:rPr lang="en-US" dirty="0" smtClean="0"/>
-              <a:t>KB</a:t>
+              <a:t>File size: 100 KB</a:t>
             </a:r>
           </a:p>
           <a:p>
             <a:pPr lvl="1"/>
             <a:r>
               <a:rPr lang="en-US" dirty="0" smtClean="0"/>
-              <a:t>R </a:t>
-            </a:r>
-            <a:r>
-              <a:rPr lang="en-US" dirty="0" smtClean="0"/>
-              <a:t>128 </a:t>
-            </a:r>
-            <a:r>
-              <a:rPr lang="en-US" dirty="0" smtClean="0"/>
-              <a:t>KB/s</a:t>
+              <a:t>R 128 KB/s</a:t>
             </a:r>
           </a:p>
           <a:p>
@@ -7454,7 +7618,6 @@
               <a:rPr lang="en-US" dirty="0" smtClean="0"/>
               <a:t>Linger 60s</a:t>
             </a:r>
-            <a:endParaRPr lang="en-US" dirty="0" smtClean="0"/>
           </a:p>
           <a:p>
             <a:r>
@@ -7471,7 +7634,11 @@
           <a:p>
             <a:r>
               <a:rPr lang="en-US" dirty="0" smtClean="0"/>
-              <a:t>Client-server and Automatic Swarming.</a:t>
+              <a:t>Client-server and Automatic </a:t>
+            </a:r>
+            <a:r>
+              <a:rPr lang="en-US" dirty="0" smtClean="0"/>
+              <a:t>Swarming</a:t>
             </a:r>
             <a:endParaRPr lang="en-US" dirty="0" smtClean="0"/>
           </a:p>
@@ -7639,15 +7806,7 @@
           <a:p>
             <a:r>
               <a:rPr lang="en-US" dirty="0" smtClean="0"/>
-              <a:t>Performance </a:t>
-            </a:r>
-            <a:r>
-              <a:rPr lang="en-US" dirty="0" smtClean="0"/>
-              <a:t>–</a:t>
-            </a:r>
-            <a:r>
-              <a:rPr lang="en-US" dirty="0" smtClean="0"/>
-              <a:t> Client-Server</a:t>
+              <a:t>Performance – Client-Server</a:t>
             </a:r>
             <a:endParaRPr lang="en-US" dirty="0"/>
           </a:p>
@@ -7662,7 +7821,7 @@
           <p:nvPr/>
         </p:nvPicPr>
         <p:blipFill>
-          <a:blip r:embed="rId2" cstate="print"/>
+          <a:blip r:embed="rId3" cstate="print"/>
           <a:srcRect/>
           <a:stretch>
             <a:fillRect/>
@@ -7757,32 +7916,14 @@
           <a:p>
             <a:r>
               <a:rPr lang="en-US" dirty="0" smtClean="0"/>
-              <a:t>99.5% transition because of </a:t>
-            </a:r>
-            <a:r>
-              <a:rPr lang="en-US" dirty="0" smtClean="0"/>
-              <a:t>T</a:t>
-            </a:r>
-            <a:endParaRPr lang="en-US" dirty="0" smtClean="0"/>
-          </a:p>
-          <a:p>
-            <a:r>
-              <a:rPr lang="en-US" dirty="0" smtClean="0"/>
-              <a:t>DHT </a:t>
-            </a:r>
-            <a:r>
-              <a:rPr lang="en-US" dirty="0" smtClean="0"/>
-              <a:t>median latency </a:t>
-            </a:r>
-            <a:r>
-              <a:rPr lang="en-US" dirty="0" smtClean="0"/>
-              <a:t>of 5.2 </a:t>
-            </a:r>
-            <a:r>
-              <a:rPr lang="en-US" dirty="0" smtClean="0"/>
-              <a:t>seconds</a:t>
-            </a:r>
-            <a:endParaRPr lang="en-US" dirty="0" smtClean="0"/>
+              <a:t>99.5% transition because of T</a:t>
+            </a:r>
+          </a:p>
+          <a:p>
+            <a:r>
+              <a:rPr lang="en-US" dirty="0" smtClean="0"/>
+              <a:t>DHT median latency of 5.2 seconds</a:t>
+            </a:r>
           </a:p>
         </p:txBody>
       </p:sp>
@@ -7933,15 +8074,7 @@
           <a:p>
             <a:r>
               <a:rPr lang="en-US" dirty="0" smtClean="0"/>
-              <a:t>Automatic </a:t>
-            </a:r>
-            <a:r>
-              <a:rPr lang="en-US" dirty="0" smtClean="0"/>
-              <a:t>Swarming – </a:t>
-            </a:r>
-            <a:r>
-              <a:rPr lang="en-US" dirty="0" smtClean="0"/>
-              <a:t/>
+              <a:t>Automatic Swarming – </a:t>
             </a:r>
             <a:br>
               <a:rPr lang="en-US" dirty="0" smtClean="0"/>
@@ -7979,11 +8112,7 @@
           <a:p>
             <a:r>
               <a:rPr lang="en-US" sz="1800" dirty="0" smtClean="0"/>
-              <a:t>R – server spee</a:t>
-            </a:r>
-            <a:r>
-              <a:rPr lang="en-US" sz="1800" dirty="0" smtClean="0"/>
-              <a:t>d too low</a:t>
+              <a:t>R – server speed too low</a:t>
             </a:r>
           </a:p>
           <a:p>
@@ -8162,7 +8291,11 @@
           <a:p>
             <a:r>
               <a:rPr lang="en-US" dirty="0" smtClean="0"/>
-              <a:t>Optimal Parameter Values</a:t>
+              <a:t>Best Parameter </a:t>
+            </a:r>
+            <a:r>
+              <a:rPr lang="en-US" dirty="0" smtClean="0"/>
+              <a:t>Values</a:t>
             </a:r>
             <a:endParaRPr lang="en-US" dirty="0"/>
           </a:p>
@@ -8216,13 +8349,11 @@
           <a:p>
             <a:r>
               <a:rPr lang="en-US" dirty="0" smtClean="0"/>
-              <a:t>Peer concurrency count: 16 +</a:t>
-            </a:r>
-          </a:p>
-          <a:p>
-            <a:r>
-              <a:rPr lang="en-US" dirty="0" smtClean="0"/>
-              <a:t>Linger: 4 s +</a:t>
+              <a:t>Peer concurrency count: 16 </a:t>
+            </a:r>
+            <a:r>
+              <a:rPr lang="en-US" dirty="0" smtClean="0"/>
+              <a:t>+</a:t>
             </a:r>
             <a:endParaRPr lang="en-US" dirty="0" smtClean="0"/>
           </a:p>
@@ -8303,7 +8434,15 @@
           <a:p>
             <a:r>
               <a:rPr lang="en-US" dirty="0" smtClean="0"/>
-              <a:t>Full web Page</a:t>
+              <a:t>Full </a:t>
+            </a:r>
+            <a:r>
+              <a:rPr lang="en-US" dirty="0" smtClean="0"/>
+              <a:t>Web </a:t>
+            </a:r>
+            <a:r>
+              <a:rPr lang="en-US" dirty="0" smtClean="0"/>
+              <a:t>Page</a:t>
             </a:r>
             <a:endParaRPr lang="en-US" dirty="0"/>
           </a:p>
@@ -8333,11 +8472,7 @@
           <a:p>
             <a:r>
               <a:rPr lang="en-US" dirty="0" smtClean="0"/>
-              <a:t>100 KB </a:t>
-            </a:r>
-            <a:r>
-              <a:rPr lang="en-US" dirty="0" smtClean="0"/>
-              <a:t>file, </a:t>
+              <a:t>100 KB file, </a:t>
             </a:r>
             <a:r>
               <a:rPr lang="en-US" smtClean="0"/>
@@ -8393,13 +8528,8 @@
             </a:pPr>
             <a:r>
               <a:rPr lang="en-US" sz="3200" dirty="0" smtClean="0"/>
-              <a:t>10 x as much load on the </a:t>
-            </a:r>
-            <a:r>
-              <a:rPr lang="en-US" sz="3200" dirty="0" smtClean="0"/>
-              <a:t>DHT</a:t>
-            </a:r>
-            <a:endParaRPr lang="en-US" sz="3200" dirty="0" smtClean="0"/>
+              <a:t>10 x as much load on the DHT</a:t>
+            </a:r>
           </a:p>
           <a:p>
             <a:pPr marL="342900" marR="0" lvl="0" indent="-342900" algn="l" defTabSz="914400" rtl="0" eaLnBrk="1" fontAlgn="auto" latinLnBrk="0" hangingPunct="1">
@@ -8421,11 +8551,7 @@
             </a:pPr>
             <a:r>
               <a:rPr lang="en-US" sz="3200" dirty="0" smtClean="0"/>
-              <a:t>Linger time was set to 20 </a:t>
-            </a:r>
-            <a:r>
-              <a:rPr lang="en-US" sz="3200" dirty="0" smtClean="0"/>
-              <a:t>seconds</a:t>
+              <a:t>Linger time was set to 20 seconds</a:t>
             </a:r>
             <a:endParaRPr kumimoji="0" lang="en-US" sz="3200" b="0" i="0" u="none" strike="noStrike" kern="1200" cap="none" spc="0" normalizeH="0" baseline="0" noProof="0" dirty="0" smtClean="0">
               <a:ln>
@@ -8832,24 +8958,7 @@
                 <a:ea typeface="+mn-ea"/>
                 <a:cs typeface="+mn-cs"/>
               </a:rPr>
-              <a:t> for </a:t>
-            </a:r>
-            <a:r>
-              <a:rPr kumimoji="0" lang="en-US" sz="3200" b="0" i="0" u="none" strike="noStrike" kern="1200" cap="none" spc="0" normalizeH="0" noProof="0" dirty="0" smtClean="0">
-                <a:ln>
-                  <a:noFill/>
-                </a:ln>
-                <a:solidFill>
-                  <a:schemeClr val="tx1"/>
-                </a:solidFill>
-                <a:effectLst/>
-                <a:uLnTx/>
-                <a:uFillTx/>
-                <a:latin typeface="+mn-lt"/>
-                <a:ea typeface="+mn-ea"/>
-                <a:cs typeface="+mn-cs"/>
-              </a:rPr>
-              <a:t>both</a:t>
+              <a:t> for both</a:t>
             </a:r>
             <a:endParaRPr kumimoji="0" lang="en-US" sz="3200" b="0" i="0" u="none" strike="noStrike" kern="1200" cap="none" spc="0" normalizeH="0" baseline="0" noProof="0" dirty="0" smtClean="0">
               <a:ln>
@@ -8974,44 +9083,25 @@
           <a:p>
             <a:r>
               <a:rPr lang="en-US" dirty="0" smtClean="0"/>
-              <a:t>Seeds limit outgoing </a:t>
-            </a:r>
-            <a:r>
-              <a:rPr lang="en-US" dirty="0" smtClean="0"/>
-              <a:t>connections</a:t>
-            </a:r>
-            <a:endParaRPr lang="en-US" dirty="0" smtClean="0"/>
-          </a:p>
-          <a:p>
-            <a:r>
-              <a:rPr lang="en-US" dirty="0" smtClean="0"/>
-              <a:t>Favors stronger </a:t>
-            </a:r>
-            <a:r>
-              <a:rPr lang="en-US" dirty="0" smtClean="0"/>
-              <a:t>connections</a:t>
-            </a:r>
-            <a:endParaRPr lang="en-US" dirty="0" smtClean="0"/>
-          </a:p>
-          <a:p>
-            <a:r>
-              <a:rPr lang="en-US" dirty="0" smtClean="0"/>
-              <a:t>Dedicated </a:t>
-            </a:r>
-            <a:r>
-              <a:rPr lang="en-US" dirty="0" smtClean="0"/>
-              <a:t>tracker</a:t>
-            </a:r>
-            <a:endParaRPr lang="en-US" dirty="0" smtClean="0"/>
-          </a:p>
-          <a:p>
-            <a:r>
-              <a:rPr lang="en-US" dirty="0" smtClean="0"/>
-              <a:t>Rarest Block </a:t>
-            </a:r>
-            <a:r>
-              <a:rPr lang="en-US" dirty="0" smtClean="0"/>
-              <a:t>First</a:t>
+              <a:t>Seeds limit outgoing connections</a:t>
+            </a:r>
+          </a:p>
+          <a:p>
+            <a:r>
+              <a:rPr lang="en-US" dirty="0" smtClean="0"/>
+              <a:t>Favors stronger connections</a:t>
+            </a:r>
+          </a:p>
+          <a:p>
+            <a:r>
+              <a:rPr lang="en-US" dirty="0" smtClean="0"/>
+              <a:t>Dedicated tracker</a:t>
+            </a:r>
+          </a:p>
+          <a:p>
+            <a:r>
+              <a:rPr lang="en-US" dirty="0" smtClean="0"/>
+              <a:t>Rarest Block First</a:t>
             </a:r>
             <a:endParaRPr lang="en-US" dirty="0"/>
           </a:p>
@@ -9420,57 +9510,32 @@
           <a:p>
             <a:r>
               <a:rPr lang="en-US" dirty="0" smtClean="0"/>
-              <a:t>Work for any file on any server without </a:t>
-            </a:r>
-            <a:r>
-              <a:rPr lang="en-US" dirty="0" smtClean="0"/>
-              <a:t>configuration</a:t>
-            </a:r>
-            <a:endParaRPr lang="en-US" dirty="0" smtClean="0"/>
-          </a:p>
-          <a:p>
-            <a:r>
-              <a:rPr lang="en-US" dirty="0" smtClean="0"/>
-              <a:t>Easy for client </a:t>
-            </a:r>
-            <a:r>
-              <a:rPr lang="en-US" dirty="0" smtClean="0"/>
-              <a:t>use</a:t>
-            </a:r>
-            <a:endParaRPr lang="en-US" dirty="0" smtClean="0"/>
-          </a:p>
-          <a:p>
-            <a:r>
-              <a:rPr lang="en-US" dirty="0" smtClean="0"/>
-              <a:t>No extra dedicated </a:t>
-            </a:r>
-            <a:r>
-              <a:rPr lang="en-US" dirty="0" smtClean="0"/>
-              <a:t>hardware</a:t>
-            </a:r>
-            <a:endParaRPr lang="en-US" dirty="0" smtClean="0"/>
-          </a:p>
-          <a:p>
-            <a:r>
-              <a:rPr lang="en-US" dirty="0" smtClean="0"/>
-              <a:t>Work for small </a:t>
-            </a:r>
-            <a:r>
-              <a:rPr lang="en-US" dirty="0" smtClean="0"/>
-              <a:t>files</a:t>
-            </a:r>
-            <a:endParaRPr lang="en-US" dirty="0" smtClean="0"/>
-          </a:p>
-          <a:p>
-            <a:r>
-              <a:rPr lang="en-US" dirty="0" smtClean="0"/>
-              <a:t>Non </a:t>
-            </a:r>
-            <a:r>
-              <a:rPr lang="en-US" dirty="0" smtClean="0"/>
-              <a:t>intrusive</a:t>
-            </a:r>
-            <a:endParaRPr lang="en-US" dirty="0" smtClean="0"/>
+              <a:t>Work for any file on any server without configuration</a:t>
+            </a:r>
+          </a:p>
+          <a:p>
+            <a:r>
+              <a:rPr lang="en-US" dirty="0" smtClean="0"/>
+              <a:t>Easy for client use</a:t>
+            </a:r>
+          </a:p>
+          <a:p>
+            <a:r>
+              <a:rPr lang="en-US" dirty="0" smtClean="0"/>
+              <a:t>No extra dedicated hardware</a:t>
+            </a:r>
+          </a:p>
+          <a:p>
+            <a:r>
+              <a:rPr lang="en-US" dirty="0" smtClean="0"/>
+              <a:t>Work for small files</a:t>
+            </a:r>
+          </a:p>
+          <a:p>
+            <a:r>
+              <a:rPr lang="en-US" dirty="0" smtClean="0"/>
+              <a:t>Non intrusive</a:t>
+            </a:r>
           </a:p>
         </p:txBody>
       </p:sp>
@@ -9749,29 +9814,18 @@
               <a:rPr lang="en-US" dirty="0" smtClean="0"/>
               <a:t>Wait</a:t>
             </a:r>
-            <a:endParaRPr lang="en-US" dirty="0" smtClean="0"/>
-          </a:p>
-          <a:p>
-            <a:r>
-              <a:rPr lang="en-US" dirty="0" smtClean="0"/>
-              <a:t>Parallel download </a:t>
-            </a:r>
-            <a:r>
-              <a:rPr lang="en-US" dirty="0" smtClean="0"/>
-              <a:t>manager</a:t>
-            </a:r>
-            <a:endParaRPr lang="en-US" dirty="0" smtClean="0"/>
-          </a:p>
-          <a:p>
-            <a:r>
-              <a:rPr lang="en-US" dirty="0" smtClean="0"/>
-              <a:t>Add a local caching </a:t>
-            </a:r>
-            <a:r>
-              <a:rPr lang="en-US" dirty="0" smtClean="0"/>
-              <a:t>proxy</a:t>
-            </a:r>
-            <a:endParaRPr lang="en-US" dirty="0" smtClean="0"/>
+          </a:p>
+          <a:p>
+            <a:r>
+              <a:rPr lang="en-US" dirty="0" smtClean="0"/>
+              <a:t>Parallel download manager</a:t>
+            </a:r>
+          </a:p>
+          <a:p>
+            <a:r>
+              <a:rPr lang="en-US" dirty="0" smtClean="0"/>
+              <a:t>Add a local caching proxy</a:t>
+            </a:r>
           </a:p>
         </p:txBody>
       </p:sp>
@@ -9905,13 +9959,8 @@
           <a:p>
             <a:r>
               <a:rPr lang="en-US" dirty="0" smtClean="0"/>
-              <a:t>Buy more </a:t>
-            </a:r>
-            <a:r>
-              <a:rPr lang="en-US" dirty="0" smtClean="0"/>
-              <a:t>bandwidth</a:t>
-            </a:r>
-            <a:endParaRPr lang="en-US" dirty="0" smtClean="0"/>
+              <a:t>Buy more bandwidth</a:t>
+            </a:r>
           </a:p>
           <a:p>
             <a:r>
@@ -10110,20 +10159,6 @@
               </a:rPr>
               <a:t>Expensive</a:t>
             </a:r>
-            <a:endParaRPr kumimoji="0" lang="en-US" sz="3200" b="0" i="0" u="none" strike="noStrike" kern="1200" cap="none" spc="0" normalizeH="0" baseline="0" noProof="0" dirty="0" smtClean="0">
-              <a:ln>
-                <a:noFill/>
-              </a:ln>
-              <a:solidFill>
-                <a:schemeClr val="tx1"/>
-              </a:solidFill>
-              <a:effectLst/>
-              <a:uLnTx/>
-              <a:uFillTx/>
-              <a:latin typeface="+mn-lt"/>
-              <a:ea typeface="+mn-ea"/>
-              <a:cs typeface="+mn-cs"/>
-            </a:endParaRPr>
           </a:p>
         </p:txBody>
       </p:sp>
@@ -10206,49 +10241,29 @@
             <a:pPr lvl="1"/>
             <a:r>
               <a:rPr lang="en-US" dirty="0" smtClean="0"/>
-              <a:t>Create + host BitTorrent </a:t>
-            </a:r>
-            <a:r>
-              <a:rPr lang="en-US" dirty="0" smtClean="0"/>
-              <a:t>File</a:t>
-            </a:r>
-            <a:endParaRPr lang="en-US" dirty="0" smtClean="0"/>
+              <a:t>Create + host BitTorrent File</a:t>
+            </a:r>
           </a:p>
           <a:p>
             <a:pPr lvl="1"/>
             <a:r>
               <a:rPr lang="en-US" dirty="0" smtClean="0"/>
-              <a:t>Run a </a:t>
-            </a:r>
-            <a:r>
-              <a:rPr lang="en-US" dirty="0" smtClean="0"/>
-              <a:t>tracker</a:t>
-            </a:r>
-            <a:endParaRPr lang="en-US" dirty="0" smtClean="0"/>
+              <a:t>Run a tracker</a:t>
+            </a:r>
           </a:p>
           <a:p>
             <a:pPr lvl="1"/>
             <a:r>
               <a:rPr lang="en-US" dirty="0" smtClean="0"/>
-              <a:t>Peers download and share blocks (efficiently</a:t>
-            </a:r>
-            <a:r>
-              <a:rPr lang="en-US" dirty="0" smtClean="0"/>
-              <a:t>)</a:t>
-            </a:r>
-            <a:endParaRPr lang="en-US" dirty="0" smtClean="0"/>
+              <a:t>Peers download and share blocks (efficiently)</a:t>
+            </a:r>
           </a:p>
           <a:p>
             <a:pPr lvl="1"/>
             <a:r>
               <a:rPr lang="en-US" dirty="0" smtClean="0"/>
-              <a:t>Works well for large popular </a:t>
-            </a:r>
-            <a:r>
-              <a:rPr lang="en-US" dirty="0" smtClean="0"/>
-              <a:t>files</a:t>
-            </a:r>
-            <a:endParaRPr lang="en-US" dirty="0" smtClean="0"/>
+              <a:t>Works well for large popular files</a:t>
+            </a:r>
           </a:p>
         </p:txBody>
       </p:sp>
@@ -10385,11 +10400,32 @@
           <a:p>
             <a:r>
               <a:rPr lang="en-US" dirty="0" smtClean="0"/>
-              <a:t>Server </a:t>
-            </a:r>
-            <a:r>
-              <a:rPr lang="en-US" dirty="0" smtClean="0"/>
-              <a:t>side</a:t>
+              <a:t>Server side</a:t>
+            </a:r>
+          </a:p>
+          <a:p>
+            <a:pPr lvl="1"/>
+            <a:r>
+              <a:rPr lang="en-US" dirty="0" smtClean="0"/>
+              <a:t>Per File</a:t>
+            </a:r>
+          </a:p>
+          <a:p>
+            <a:pPr lvl="1"/>
+            <a:r>
+              <a:rPr lang="en-US" dirty="0" smtClean="0"/>
+              <a:t>Have to provide traditional anyway</a:t>
+            </a:r>
+          </a:p>
+          <a:p>
+            <a:pPr lvl="2"/>
+            <a:r>
+              <a:rPr lang="en-US" dirty="0" smtClean="0"/>
+              <a:t>Lack of </a:t>
+            </a:r>
+            <a:r>
+              <a:rPr lang="en-US" dirty="0" smtClean="0"/>
+              <a:t>clients</a:t>
             </a:r>
             <a:endParaRPr lang="en-US" dirty="0" smtClean="0"/>
           </a:p>
@@ -10397,71 +10433,29 @@
             <a:pPr lvl="1"/>
             <a:r>
               <a:rPr lang="en-US" dirty="0" smtClean="0"/>
-              <a:t>Per File</a:t>
+              <a:t>Stigma</a:t>
             </a:r>
           </a:p>
           <a:p>
             <a:pPr lvl="1"/>
             <a:r>
               <a:rPr lang="en-US" dirty="0" smtClean="0"/>
-              <a:t>Have to provide traditional </a:t>
-            </a:r>
-            <a:r>
-              <a:rPr lang="en-US" dirty="0" smtClean="0"/>
-              <a:t>anyway</a:t>
-            </a:r>
-            <a:endParaRPr lang="en-US" dirty="0" smtClean="0"/>
-          </a:p>
-          <a:p>
-            <a:pPr lvl="2"/>
-            <a:r>
-              <a:rPr lang="en-US" dirty="0" smtClean="0"/>
-              <a:t>Lack of clients.</a:t>
+              <a:t>Extra maintenance</a:t>
             </a:r>
           </a:p>
           <a:p>
             <a:pPr lvl="1"/>
             <a:r>
               <a:rPr lang="en-US" dirty="0" smtClean="0"/>
-              <a:t>Stigma</a:t>
-            </a:r>
-            <a:endParaRPr lang="en-US" dirty="0" smtClean="0"/>
+              <a:t>Large Files</a:t>
+            </a:r>
           </a:p>
           <a:p>
             <a:pPr lvl="1"/>
             <a:r>
               <a:rPr lang="en-US" dirty="0" smtClean="0"/>
-              <a:t>Extra </a:t>
-            </a:r>
-            <a:r>
-              <a:rPr lang="en-US" dirty="0" smtClean="0"/>
-              <a:t>maintenance</a:t>
-            </a:r>
-            <a:endParaRPr lang="en-US" dirty="0" smtClean="0"/>
-          </a:p>
-          <a:p>
-            <a:pPr lvl="1"/>
-            <a:r>
-              <a:rPr lang="en-US" dirty="0" smtClean="0"/>
-              <a:t>Large </a:t>
-            </a:r>
-            <a:r>
-              <a:rPr lang="en-US" dirty="0" smtClean="0"/>
-              <a:t>Files</a:t>
-            </a:r>
-            <a:endParaRPr lang="en-US" dirty="0" smtClean="0"/>
-          </a:p>
-          <a:p>
-            <a:pPr lvl="1"/>
-            <a:r>
-              <a:rPr lang="en-US" dirty="0" smtClean="0"/>
-              <a:t>Unknown </a:t>
-            </a:r>
-            <a:r>
-              <a:rPr lang="en-US" dirty="0" smtClean="0"/>
-              <a:t>demand</a:t>
-            </a:r>
-            <a:endParaRPr lang="en-US" dirty="0" smtClean="0"/>
+              <a:t>Unknown demand</a:t>
+            </a:r>
           </a:p>
         </p:txBody>
       </p:sp>
@@ -10546,13 +10540,8 @@
             <a:pPr lvl="1"/>
             <a:r>
               <a:rPr lang="en-US" dirty="0" smtClean="0"/>
-              <a:t>Extra setup/time per </a:t>
-            </a:r>
-            <a:r>
-              <a:rPr lang="en-US" dirty="0" smtClean="0"/>
-              <a:t>file</a:t>
-            </a:r>
-            <a:endParaRPr lang="en-US" dirty="0" smtClean="0"/>
+              <a:t>Extra setup/time per file</a:t>
+            </a:r>
           </a:p>
           <a:p>
             <a:pPr lvl="2"/>
@@ -10572,13 +10561,8 @@
             <a:pPr lvl="1"/>
             <a:r>
               <a:rPr lang="en-US" dirty="0" smtClean="0"/>
-              <a:t>Not </a:t>
-            </a:r>
-            <a:r>
-              <a:rPr lang="en-US" dirty="0" smtClean="0"/>
-              <a:t>integrated</a:t>
-            </a:r>
-            <a:endParaRPr lang="en-US" dirty="0" smtClean="0"/>
+              <a:t>Not integrated</a:t>
+            </a:r>
           </a:p>
           <a:p>
             <a:pPr lvl="2"/>
@@ -10586,19 +10570,13 @@
               <a:rPr lang="en-US" dirty="0" smtClean="0"/>
               <a:t>Manual</a:t>
             </a:r>
-            <a:endParaRPr lang="en-US" dirty="0" smtClean="0"/>
           </a:p>
           <a:p>
             <a:pPr lvl="2"/>
             <a:r>
               <a:rPr lang="en-US" dirty="0" smtClean="0"/>
-              <a:t>Not HTTP </a:t>
-            </a:r>
-            <a:r>
-              <a:rPr lang="en-US" dirty="0" smtClean="0"/>
-              <a:t>optimized</a:t>
-            </a:r>
-            <a:endParaRPr lang="en-US" dirty="0" smtClean="0"/>
+              <a:t>Not HTTP optimized</a:t>
+            </a:r>
           </a:p>
           <a:p>
             <a:pPr lvl="1"/>
@@ -10631,19 +10609,13 @@
               <a:rPr lang="en-US" dirty="0" smtClean="0"/>
               <a:t>Not enough seeds</a:t>
             </a:r>
-            <a:endParaRPr lang="en-US" dirty="0" smtClean="0"/>
           </a:p>
           <a:p>
             <a:pPr lvl="1"/>
             <a:r>
               <a:rPr lang="en-US" dirty="0" smtClean="0"/>
-              <a:t>Not </a:t>
-            </a:r>
-            <a:r>
-              <a:rPr lang="en-US" dirty="0" smtClean="0"/>
-              <a:t>available</a:t>
-            </a:r>
-            <a:endParaRPr lang="en-US" dirty="0" smtClean="0"/>
+              <a:t>Not available</a:t>
+            </a:r>
           </a:p>
         </p:txBody>
       </p:sp>

--- a/thesis_presentation/How to Make the Internet Faster.pptx
+++ b/thesis_presentation/How to Make the Internet Faster.pptx
@@ -806,13 +806,8 @@
           <a:p>
             <a:r>
               <a:rPr lang="en-US" baseline="0" dirty="0" smtClean="0"/>
-              <a:t>Something like this, should it exist, would be quite useful if it were built into </a:t>
-            </a:r>
-            <a:r>
-              <a:rPr lang="en-US" baseline="0" dirty="0" smtClean="0"/>
-              <a:t>IE</a:t>
-            </a:r>
-            <a:endParaRPr lang="en-US" baseline="0" dirty="0" smtClean="0"/>
+              <a:t>Something like this, should it exist, would be quite useful if it were built into IE</a:t>
+            </a:r>
           </a:p>
         </p:txBody>
       </p:sp>
@@ -1421,27 +1416,8 @@
                 <a:ea typeface="+mn-ea"/>
                 <a:cs typeface="+mn-cs"/>
               </a:rPr>
-              <a:t>you take into consideration spikes in </a:t>
-            </a:r>
-            <a:r>
-              <a:rPr lang="en-US" sz="1200" kern="1200" baseline="0" dirty="0" smtClean="0">
-                <a:solidFill>
-                  <a:schemeClr val="tx1"/>
-                </a:solidFill>
-                <a:latin typeface="+mn-lt"/>
-                <a:ea typeface="+mn-ea"/>
-                <a:cs typeface="+mn-cs"/>
-              </a:rPr>
-              <a:t>load</a:t>
-            </a:r>
-            <a:endParaRPr lang="en-US" sz="1200" kern="1200" baseline="0" dirty="0" smtClean="0">
-              <a:solidFill>
-                <a:schemeClr val="tx1"/>
-              </a:solidFill>
-              <a:latin typeface="+mn-lt"/>
-              <a:ea typeface="+mn-ea"/>
-              <a:cs typeface="+mn-cs"/>
-            </a:endParaRPr>
+              <a:t>you take into consideration spikes in load</a:t>
+            </a:r>
           </a:p>
         </p:txBody>
       </p:sp>
@@ -2275,27 +2251,17 @@
             </a:r>
             <a:r>
               <a:rPr lang="en-US" baseline="0" dirty="0" smtClean="0"/>
-              <a:t> large </a:t>
-            </a:r>
+              <a:t> large files”</a:t>
+            </a:r>
+          </a:p>
+          <a:p>
+            <a:endParaRPr lang="en-US" baseline="0" dirty="0" smtClean="0"/>
+          </a:p>
+          <a:p>
             <a:r>
               <a:rPr lang="en-US" baseline="0" dirty="0" smtClean="0"/>
-              <a:t>files”</a:t>
-            </a:r>
-            <a:endParaRPr lang="en-US" baseline="0" dirty="0" smtClean="0"/>
-          </a:p>
-          <a:p>
-            <a:endParaRPr lang="en-US" baseline="0" dirty="0" smtClean="0"/>
-          </a:p>
-          <a:p>
-            <a:r>
-              <a:rPr lang="en-US" baseline="0" dirty="0" smtClean="0"/>
-              <a:t>You can see that at about 730 to 882 seconds most of our peers finish the file, and most of the peers download it from peers, so once we get the file out there we work all right, but we could do some work still to increase our speed of propagating the </a:t>
-            </a:r>
-            <a:r>
-              <a:rPr lang="en-US" baseline="0" dirty="0" smtClean="0"/>
-              <a:t>blocks”</a:t>
-            </a:r>
-            <a:endParaRPr lang="en-US" baseline="0" dirty="0" smtClean="0"/>
+              <a:t>You can see that at about 730 to 882 seconds most of our peers finish the file, and most of the peers download it from peers, so once we get the file out there we work all right, but we could do some work still to increase our speed of propagating the blocks”</a:t>
+            </a:r>
           </a:p>
         </p:txBody>
       </p:sp>
@@ -3326,11 +3292,7 @@
             </a:r>
             <a:r>
               <a:rPr lang="en-US" baseline="0" dirty="0" smtClean="0"/>
-              <a:t> Internet, BitTorrent cannot come to your </a:t>
-            </a:r>
-            <a:r>
-              <a:rPr lang="en-US" baseline="0" dirty="0" smtClean="0"/>
-              <a:t>aid</a:t>
+              <a:t> Internet, BitTorrent cannot come to your aid</a:t>
             </a:r>
             <a:endParaRPr lang="en-US" dirty="0" smtClean="0"/>
           </a:p>
@@ -7046,36 +7008,21 @@
             <a:pPr lvl="1"/>
             <a:r>
               <a:rPr lang="en-US" dirty="0" smtClean="0"/>
-              <a:t>Poll on none </a:t>
-            </a:r>
-            <a:r>
-              <a:rPr lang="en-US" dirty="0" smtClean="0"/>
-              <a:t>found</a:t>
-            </a:r>
-            <a:endParaRPr lang="en-US" dirty="0" smtClean="0"/>
+              <a:t>Poll on none found</a:t>
+            </a:r>
           </a:p>
           <a:p>
             <a:pPr lvl="1"/>
             <a:r>
               <a:rPr lang="en-US" dirty="0" smtClean="0"/>
-              <a:t>Download from the origin while </a:t>
-            </a:r>
-            <a:r>
-              <a:rPr lang="en-US" dirty="0" smtClean="0"/>
-              <a:t>polling</a:t>
-            </a:r>
-            <a:endParaRPr lang="en-US" dirty="0" smtClean="0"/>
-          </a:p>
-          <a:p>
-            <a:r>
-              <a:rPr lang="en-US" dirty="0" smtClean="0"/>
-              <a:t>When find live peer, </a:t>
-            </a:r>
-            <a:r>
-              <a:rPr lang="en-US" dirty="0" smtClean="0"/>
-              <a:t>download</a:t>
-            </a:r>
-            <a:endParaRPr lang="en-US" dirty="0" smtClean="0"/>
+              <a:t>Download from the origin while polling</a:t>
+            </a:r>
+          </a:p>
+          <a:p>
+            <a:r>
+              <a:rPr lang="en-US" dirty="0" smtClean="0"/>
+              <a:t>When find live peer, download</a:t>
+            </a:r>
           </a:p>
           <a:p>
             <a:r>
@@ -7634,13 +7581,8 @@
           <a:p>
             <a:r>
               <a:rPr lang="en-US" dirty="0" smtClean="0"/>
-              <a:t>Client-server and Automatic </a:t>
-            </a:r>
-            <a:r>
-              <a:rPr lang="en-US" dirty="0" smtClean="0"/>
-              <a:t>Swarming</a:t>
-            </a:r>
-            <a:endParaRPr lang="en-US" dirty="0" smtClean="0"/>
+              <a:t>Client-server and Automatic Swarming</a:t>
+            </a:r>
           </a:p>
         </p:txBody>
       </p:sp>
@@ -8291,11 +8233,7 @@
           <a:p>
             <a:r>
               <a:rPr lang="en-US" dirty="0" smtClean="0"/>
-              <a:t>Best Parameter </a:t>
-            </a:r>
-            <a:r>
-              <a:rPr lang="en-US" dirty="0" smtClean="0"/>
-              <a:t>Values</a:t>
+              <a:t>Best Parameter Values</a:t>
             </a:r>
             <a:endParaRPr lang="en-US" dirty="0"/>
           </a:p>
@@ -8349,13 +8287,8 @@
           <a:p>
             <a:r>
               <a:rPr lang="en-US" dirty="0" smtClean="0"/>
-              <a:t>Peer concurrency count: 16 </a:t>
-            </a:r>
-            <a:r>
-              <a:rPr lang="en-US" dirty="0" smtClean="0"/>
-              <a:t>+</a:t>
-            </a:r>
-            <a:endParaRPr lang="en-US" dirty="0" smtClean="0"/>
+              <a:t>Peer concurrency count: 16 +</a:t>
+            </a:r>
           </a:p>
         </p:txBody>
       </p:sp>
@@ -8434,15 +8367,7 @@
           <a:p>
             <a:r>
               <a:rPr lang="en-US" dirty="0" smtClean="0"/>
-              <a:t>Full </a:t>
-            </a:r>
-            <a:r>
-              <a:rPr lang="en-US" dirty="0" smtClean="0"/>
-              <a:t>Web </a:t>
-            </a:r>
-            <a:r>
-              <a:rPr lang="en-US" dirty="0" smtClean="0"/>
-              <a:t>Page</a:t>
+              <a:t>Full Web Page</a:t>
             </a:r>
             <a:endParaRPr lang="en-US" dirty="0"/>
           </a:p>
@@ -8657,25 +8582,6 @@
           </a:p>
         </p:txBody>
       </p:sp>
-      <p:sp>
-        <p:nvSpPr>
-          <p:cNvPr id="4" name="Content Placeholder 3"/>
-          <p:cNvSpPr>
-            <a:spLocks noGrp="1"/>
-          </p:cNvSpPr>
-          <p:nvPr>
-            <p:ph idx="1"/>
-          </p:nvPr>
-        </p:nvSpPr>
-        <p:spPr/>
-        <p:txBody>
-          <a:bodyPr/>
-          <a:lstStyle/>
-          <a:p>
-            <a:endParaRPr lang="en-US"/>
-          </a:p>
-        </p:txBody>
-      </p:sp>
       <p:pic>
         <p:nvPicPr>
           <p:cNvPr id="12290" name="Picture 2"/>
@@ -8693,8 +8599,8 @@
         </p:blipFill>
         <p:spPr bwMode="auto">
           <a:xfrm>
-            <a:off x="457200" y="1676400"/>
-            <a:ext cx="8001000" cy="4750823"/>
+            <a:off x="685800" y="1143000"/>
+            <a:ext cx="7620000" cy="4524593"/>
           </a:xfrm>
           <a:prstGeom prst="rect">
             <a:avLst/>
@@ -8708,6 +8614,44 @@
           </a:ln>
         </p:spPr>
       </p:pic>
+      <p:sp>
+        <p:nvSpPr>
+          <p:cNvPr id="5" name="Content Placeholder 2"/>
+          <p:cNvSpPr>
+            <a:spLocks noGrp="1"/>
+          </p:cNvSpPr>
+          <p:nvPr>
+            <p:ph idx="1"/>
+          </p:nvPr>
+        </p:nvSpPr>
+        <p:spPr>
+          <a:xfrm>
+            <a:off x="457200" y="5715000"/>
+            <a:ext cx="8229600" cy="1020763"/>
+          </a:xfrm>
+        </p:spPr>
+        <p:txBody>
+          <a:bodyPr>
+            <a:normAutofit/>
+          </a:bodyPr>
+          <a:lstStyle/>
+          <a:p>
+            <a:r>
+              <a:rPr lang="en-US" sz="1800" dirty="0" smtClean="0"/>
+              <a:t>2</a:t>
+            </a:r>
+            <a:r>
+              <a:rPr lang="en-US" sz="1800" dirty="0" smtClean="0"/>
+              <a:t>0x </a:t>
+            </a:r>
+            <a:r>
+              <a:rPr lang="en-US" sz="1800" dirty="0" smtClean="0"/>
+              <a:t>faster</a:t>
+            </a:r>
+            <a:endParaRPr lang="en-US" sz="1800" dirty="0"/>
+          </a:p>
+        </p:txBody>
+      </p:sp>
     </p:spTree>
   </p:cSld>
   <p:clrMapOvr>
@@ -9408,8 +9352,12 @@
           </a:p>
           <a:p>
             <a:r>
-              <a:rPr lang="en-US" dirty="0" smtClean="0"/>
-              <a:t>30 x as fast for small files (flash crowd)</a:t>
+              <a:rPr lang="en-US" smtClean="0"/>
+              <a:t>30x </a:t>
+            </a:r>
+            <a:r>
+              <a:rPr lang="en-US" dirty="0" smtClean="0"/>
+              <a:t>as fast for small files (flash crowd)</a:t>
             </a:r>
           </a:p>
           <a:p>
@@ -10421,13 +10369,8 @@
             <a:pPr lvl="2"/>
             <a:r>
               <a:rPr lang="en-US" dirty="0" smtClean="0"/>
-              <a:t>Lack of </a:t>
-            </a:r>
-            <a:r>
-              <a:rPr lang="en-US" dirty="0" smtClean="0"/>
-              <a:t>clients</a:t>
-            </a:r>
-            <a:endParaRPr lang="en-US" dirty="0" smtClean="0"/>
+              <a:t>Lack of clients</a:t>
+            </a:r>
           </a:p>
           <a:p>
             <a:pPr lvl="1"/>

--- a/thesis_presentation/How to Make the Internet Faster.pptx
+++ b/thesis_presentation/How to Make the Internet Faster.pptx
@@ -225,7 +225,7 @@
             <a:fld id="{9826D637-6924-4A4F-8550-0E64EF887888}" type="datetimeFigureOut">
               <a:rPr lang="en-US" smtClean="0"/>
               <a:pPr/>
-              <a:t>4/13/2010</a:t>
+              <a:t>4/14/2010</a:t>
             </a:fld>
             <a:endParaRPr lang="en-US"/>
           </a:p>
@@ -3512,7 +3512,7 @@
             <a:fld id="{B41A135E-287C-4591-8C88-153CD277EA84}" type="datetimeFigureOut">
               <a:rPr lang="en-US" smtClean="0"/>
               <a:pPr/>
-              <a:t>4/13/2010</a:t>
+              <a:t>4/14/2010</a:t>
             </a:fld>
             <a:endParaRPr lang="en-US"/>
           </a:p>
@@ -3679,7 +3679,7 @@
             <a:fld id="{B41A135E-287C-4591-8C88-153CD277EA84}" type="datetimeFigureOut">
               <a:rPr lang="en-US" smtClean="0"/>
               <a:pPr/>
-              <a:t>4/13/2010</a:t>
+              <a:t>4/14/2010</a:t>
             </a:fld>
             <a:endParaRPr lang="en-US"/>
           </a:p>
@@ -3856,7 +3856,7 @@
             <a:fld id="{B41A135E-287C-4591-8C88-153CD277EA84}" type="datetimeFigureOut">
               <a:rPr lang="en-US" smtClean="0"/>
               <a:pPr/>
-              <a:t>4/13/2010</a:t>
+              <a:t>4/14/2010</a:t>
             </a:fld>
             <a:endParaRPr lang="en-US"/>
           </a:p>
@@ -4023,7 +4023,7 @@
             <a:fld id="{B41A135E-287C-4591-8C88-153CD277EA84}" type="datetimeFigureOut">
               <a:rPr lang="en-US" smtClean="0"/>
               <a:pPr/>
-              <a:t>4/13/2010</a:t>
+              <a:t>4/14/2010</a:t>
             </a:fld>
             <a:endParaRPr lang="en-US"/>
           </a:p>
@@ -4266,7 +4266,7 @@
             <a:fld id="{B41A135E-287C-4591-8C88-153CD277EA84}" type="datetimeFigureOut">
               <a:rPr lang="en-US" smtClean="0"/>
               <a:pPr/>
-              <a:t>4/13/2010</a:t>
+              <a:t>4/14/2010</a:t>
             </a:fld>
             <a:endParaRPr lang="en-US"/>
           </a:p>
@@ -4551,7 +4551,7 @@
             <a:fld id="{B41A135E-287C-4591-8C88-153CD277EA84}" type="datetimeFigureOut">
               <a:rPr lang="en-US" smtClean="0"/>
               <a:pPr/>
-              <a:t>4/13/2010</a:t>
+              <a:t>4/14/2010</a:t>
             </a:fld>
             <a:endParaRPr lang="en-US"/>
           </a:p>
@@ -4970,7 +4970,7 @@
             <a:fld id="{B41A135E-287C-4591-8C88-153CD277EA84}" type="datetimeFigureOut">
               <a:rPr lang="en-US" smtClean="0"/>
               <a:pPr/>
-              <a:t>4/13/2010</a:t>
+              <a:t>4/14/2010</a:t>
             </a:fld>
             <a:endParaRPr lang="en-US"/>
           </a:p>
@@ -5085,7 +5085,7 @@
             <a:fld id="{B41A135E-287C-4591-8C88-153CD277EA84}" type="datetimeFigureOut">
               <a:rPr lang="en-US" smtClean="0"/>
               <a:pPr/>
-              <a:t>4/13/2010</a:t>
+              <a:t>4/14/2010</a:t>
             </a:fld>
             <a:endParaRPr lang="en-US"/>
           </a:p>
@@ -5177,7 +5177,7 @@
             <a:fld id="{B41A135E-287C-4591-8C88-153CD277EA84}" type="datetimeFigureOut">
               <a:rPr lang="en-US" smtClean="0"/>
               <a:pPr/>
-              <a:t>4/13/2010</a:t>
+              <a:t>4/14/2010</a:t>
             </a:fld>
             <a:endParaRPr lang="en-US"/>
           </a:p>
@@ -5451,7 +5451,7 @@
             <a:fld id="{B41A135E-287C-4591-8C88-153CD277EA84}" type="datetimeFigureOut">
               <a:rPr lang="en-US" smtClean="0"/>
               <a:pPr/>
-              <a:t>4/13/2010</a:t>
+              <a:t>4/14/2010</a:t>
             </a:fld>
             <a:endParaRPr lang="en-US"/>
           </a:p>
@@ -5701,7 +5701,7 @@
             <a:fld id="{B41A135E-287C-4591-8C88-153CD277EA84}" type="datetimeFigureOut">
               <a:rPr lang="en-US" smtClean="0"/>
               <a:pPr/>
-              <a:t>4/13/2010</a:t>
+              <a:t>4/14/2010</a:t>
             </a:fld>
             <a:endParaRPr lang="en-US"/>
           </a:p>
@@ -5911,7 +5911,7 @@
             <a:fld id="{B41A135E-287C-4591-8C88-153CD277EA84}" type="datetimeFigureOut">
               <a:rPr lang="en-US" smtClean="0"/>
               <a:pPr/>
-              <a:t>4/13/2010</a:t>
+              <a:t>4/14/2010</a:t>
             </a:fld>
             <a:endParaRPr lang="en-US"/>
           </a:p>
@@ -7528,8 +7528,9 @@
           <a:p>
             <a:r>
               <a:rPr lang="en-US" dirty="0" smtClean="0"/>
-              <a:t>Load Test</a:t>
-            </a:r>
+              <a:t>Load</a:t>
+            </a:r>
+            <a:endParaRPr lang="en-US" dirty="0" smtClean="0"/>
           </a:p>
           <a:p>
             <a:pPr lvl="1"/>
@@ -8269,20 +8270,52 @@
           <a:p>
             <a:r>
               <a:rPr lang="en-US" dirty="0" smtClean="0"/>
+              <a:t>W</a:t>
+            </a:r>
+            <a:r>
+              <a:rPr lang="en-US" dirty="0" smtClean="0"/>
+              <a:t>: 0.25 </a:t>
+            </a:r>
+            <a:r>
+              <a:rPr lang="en-US" dirty="0" smtClean="0"/>
+              <a:t>s</a:t>
+            </a:r>
+          </a:p>
+          <a:p>
+            <a:pPr lvl="1"/>
+            <a:r>
+              <a:rPr lang="en-US" dirty="0" smtClean="0"/>
+              <a:t>Prefer low</a:t>
+            </a:r>
+            <a:endParaRPr lang="en-US" dirty="0" smtClean="0"/>
+          </a:p>
+          <a:p>
+            <a:r>
+              <a:rPr lang="en-US" dirty="0" smtClean="0"/>
               <a:t>R: 160 KB/s</a:t>
             </a:r>
           </a:p>
           <a:p>
             <a:r>
               <a:rPr lang="en-US" dirty="0" smtClean="0"/>
-              <a:t>W: 0.25 s</a:t>
-            </a:r>
-          </a:p>
-          <a:p>
-            <a:r>
-              <a:rPr lang="en-US" dirty="0" smtClean="0"/>
-              <a:t>Block size: 32 KB</a:t>
-            </a:r>
+              <a:t>Block </a:t>
+            </a:r>
+            <a:r>
+              <a:rPr lang="en-US" dirty="0" smtClean="0"/>
+              <a:t>size: 32 </a:t>
+            </a:r>
+            <a:r>
+              <a:rPr lang="en-US" dirty="0" smtClean="0"/>
+              <a:t>KB</a:t>
+            </a:r>
+          </a:p>
+          <a:p>
+            <a:pPr lvl="1"/>
+            <a:r>
+              <a:rPr lang="en-US" dirty="0" smtClean="0"/>
+              <a:t>Parallelize</a:t>
+            </a:r>
+            <a:endParaRPr lang="en-US" dirty="0" smtClean="0"/>
           </a:p>
           <a:p>
             <a:r>
@@ -8309,8 +8342,8 @@
         </p:blipFill>
         <p:spPr bwMode="auto">
           <a:xfrm>
-            <a:off x="3352800" y="1142999"/>
-            <a:ext cx="5283558" cy="3376193"/>
+            <a:off x="3031661" y="1142999"/>
+            <a:ext cx="5604697" cy="3581401"/>
           </a:xfrm>
           <a:prstGeom prst="rect">
             <a:avLst/>
@@ -8638,15 +8671,7 @@
           <a:p>
             <a:r>
               <a:rPr lang="en-US" sz="1800" dirty="0" smtClean="0"/>
-              <a:t>2</a:t>
-            </a:r>
-            <a:r>
-              <a:rPr lang="en-US" sz="1800" dirty="0" smtClean="0"/>
-              <a:t>0x </a:t>
-            </a:r>
-            <a:r>
-              <a:rPr lang="en-US" sz="1800" dirty="0" smtClean="0"/>
-              <a:t>faster</a:t>
+              <a:t>20x faster</a:t>
             </a:r>
             <a:endParaRPr lang="en-US" sz="1800" dirty="0"/>
           </a:p>

--- a/thesis_presentation/How to Make the Internet Faster.pptx
+++ b/thesis_presentation/How to Make the Internet Faster.pptx
@@ -5,7 +5,7 @@
     <p:sldMasterId id="2147483648" r:id="rId1"/>
   </p:sldMasterIdLst>
   <p:notesMasterIdLst>
-    <p:notesMasterId r:id="rId35"/>
+    <p:notesMasterId r:id="rId36"/>
   </p:notesMasterIdLst>
   <p:sldIdLst>
     <p:sldId id="256" r:id="rId2"/>
@@ -32,15 +32,16 @@
     <p:sldId id="303" r:id="rId23"/>
     <p:sldId id="281" r:id="rId24"/>
     <p:sldId id="270" r:id="rId25"/>
-    <p:sldId id="274" r:id="rId26"/>
-    <p:sldId id="275" r:id="rId27"/>
-    <p:sldId id="277" r:id="rId28"/>
-    <p:sldId id="278" r:id="rId29"/>
-    <p:sldId id="294" r:id="rId30"/>
-    <p:sldId id="279" r:id="rId31"/>
-    <p:sldId id="298" r:id="rId32"/>
-    <p:sldId id="280" r:id="rId33"/>
-    <p:sldId id="292" r:id="rId34"/>
+    <p:sldId id="308" r:id="rId26"/>
+    <p:sldId id="274" r:id="rId27"/>
+    <p:sldId id="275" r:id="rId28"/>
+    <p:sldId id="277" r:id="rId29"/>
+    <p:sldId id="278" r:id="rId30"/>
+    <p:sldId id="294" r:id="rId31"/>
+    <p:sldId id="279" r:id="rId32"/>
+    <p:sldId id="298" r:id="rId33"/>
+    <p:sldId id="280" r:id="rId34"/>
+    <p:sldId id="292" r:id="rId35"/>
   </p:sldIdLst>
   <p:sldSz cx="9144000" cy="6858000" type="screen4x3"/>
   <p:notesSz cx="6858000" cy="9144000"/>
@@ -1909,6 +1910,18 @@
           </a:bodyPr>
           <a:lstStyle/>
           <a:p>
+            <a:r>
+              <a:rPr lang="en-US" dirty="0" smtClean="0"/>
+              <a:t>Could avoid this</a:t>
+            </a:r>
+            <a:r>
+              <a:rPr lang="en-US" baseline="0" dirty="0" smtClean="0"/>
+              <a:t> slide altogether, I </a:t>
+            </a:r>
+            <a:r>
+              <a:rPr lang="en-US" baseline="0" smtClean="0"/>
+              <a:t>suppose.</a:t>
+            </a:r>
             <a:endParaRPr lang="en-US" dirty="0"/>
           </a:p>
         </p:txBody>
@@ -2013,7 +2026,7 @@
             <a:fld id="{CFD85767-B34F-4122-8642-982296400DCD}" type="slidenum">
               <a:rPr lang="en-US" smtClean="0"/>
               <a:pPr/>
-              <a:t>25</a:t>
+              <a:t>26</a:t>
             </a:fld>
             <a:endParaRPr lang="en-US"/>
           </a:p>
@@ -2095,7 +2108,7 @@
             <a:fld id="{CFD85767-B34F-4122-8642-982296400DCD}" type="slidenum">
               <a:rPr lang="en-US" smtClean="0"/>
               <a:pPr/>
-              <a:t>26</a:t>
+              <a:t>27</a:t>
             </a:fld>
             <a:endParaRPr lang="en-US"/>
           </a:p>
@@ -2177,7 +2190,7 @@
             <a:fld id="{CFD85767-B34F-4122-8642-982296400DCD}" type="slidenum">
               <a:rPr lang="en-US" smtClean="0"/>
               <a:pPr/>
-              <a:t>27</a:t>
+              <a:t>28</a:t>
             </a:fld>
             <a:endParaRPr lang="en-US"/>
           </a:p>
@@ -2283,7 +2296,7 @@
             <a:fld id="{CFD85767-B34F-4122-8642-982296400DCD}" type="slidenum">
               <a:rPr lang="en-US" smtClean="0"/>
               <a:pPr/>
-              <a:t>28</a:t>
+              <a:t>29</a:t>
             </a:fld>
             <a:endParaRPr lang="en-US"/>
           </a:p>
@@ -2365,7 +2378,7 @@
             <a:fld id="{CFD85767-B34F-4122-8642-982296400DCD}" type="slidenum">
               <a:rPr lang="en-US" smtClean="0"/>
               <a:pPr/>
-              <a:t>29</a:t>
+              <a:t>30</a:t>
             </a:fld>
             <a:endParaRPr lang="en-US"/>
           </a:p>
@@ -2529,7 +2542,7 @@
             <a:fld id="{CFD85767-B34F-4122-8642-982296400DCD}" type="slidenum">
               <a:rPr lang="en-US" smtClean="0"/>
               <a:pPr/>
-              <a:t>30</a:t>
+              <a:t>31</a:t>
             </a:fld>
             <a:endParaRPr lang="en-US"/>
           </a:p>
@@ -2611,7 +2624,7 @@
             <a:fld id="{CFD85767-B34F-4122-8642-982296400DCD}" type="slidenum">
               <a:rPr lang="en-US" smtClean="0"/>
               <a:pPr/>
-              <a:t>31</a:t>
+              <a:t>32</a:t>
             </a:fld>
             <a:endParaRPr lang="en-US"/>
           </a:p>
@@ -2693,7 +2706,7 @@
             <a:fld id="{CFD85767-B34F-4122-8642-982296400DCD}" type="slidenum">
               <a:rPr lang="en-US" smtClean="0"/>
               <a:pPr/>
-              <a:t>32</a:t>
+              <a:t>33</a:t>
             </a:fld>
             <a:endParaRPr lang="en-US"/>
           </a:p>
@@ -2775,7 +2788,7 @@
             <a:fld id="{CFD85767-B34F-4122-8642-982296400DCD}" type="slidenum">
               <a:rPr lang="en-US" smtClean="0"/>
               <a:pPr/>
-              <a:t>33</a:t>
+              <a:t>34</a:t>
             </a:fld>
             <a:endParaRPr lang="en-US"/>
           </a:p>
@@ -6433,7 +6446,7 @@
         <p:spPr/>
         <p:txBody>
           <a:bodyPr>
-            <a:normAutofit/>
+            <a:normAutofit fontScale="92500" lnSpcReduction="10000"/>
           </a:bodyPr>
           <a:lstStyle/>
           <a:p>
@@ -6450,6 +6463,32 @@
             </a:r>
           </a:p>
           <a:p>
+            <a:pPr lvl="2"/>
+            <a:r>
+              <a:rPr lang="en-US" dirty="0" smtClean="0"/>
+              <a:t>No transition</a:t>
+            </a:r>
+          </a:p>
+          <a:p>
+            <a:pPr lvl="2"/>
+            <a:r>
+              <a:rPr lang="en-US" dirty="0" smtClean="0"/>
+              <a:t>Extra hop</a:t>
+            </a:r>
+          </a:p>
+          <a:p>
+            <a:pPr lvl="2"/>
+            <a:r>
+              <a:rPr lang="en-US" dirty="0" smtClean="0"/>
+              <a:t>No </a:t>
+            </a:r>
+            <a:r>
+              <a:rPr lang="en-US" dirty="0" smtClean="0"/>
+              <a:t>swarming</a:t>
+            </a:r>
+            <a:endParaRPr lang="en-US" dirty="0" smtClean="0"/>
+          </a:p>
+          <a:p>
             <a:r>
               <a:rPr lang="en-US" dirty="0" smtClean="0"/>
               <a:t>Server-side protocols</a:t>
@@ -6461,6 +6500,14 @@
               <a:rPr lang="en-US" dirty="0" smtClean="0"/>
               <a:t>Backslash</a:t>
             </a:r>
+          </a:p>
+          <a:p>
+            <a:pPr lvl="2"/>
+            <a:r>
+              <a:rPr lang="en-US" dirty="0" smtClean="0"/>
+              <a:t>Limited by servers’ bandwidth</a:t>
+            </a:r>
+            <a:endParaRPr lang="en-US" dirty="0" smtClean="0"/>
           </a:p>
           <a:p>
             <a:r>
@@ -7027,8 +7074,13 @@
           <a:p>
             <a:r>
               <a:rPr lang="en-US" dirty="0" smtClean="0"/>
-              <a:t>Last block problem</a:t>
-            </a:r>
+              <a:t>Last </a:t>
+            </a:r>
+            <a:r>
+              <a:rPr lang="en-US" dirty="0" smtClean="0"/>
+              <a:t>block</a:t>
+            </a:r>
+            <a:endParaRPr lang="en-US" dirty="0" smtClean="0"/>
           </a:p>
         </p:txBody>
       </p:sp>
@@ -7373,13 +7425,17 @@
           <a:p>
             <a:r>
               <a:rPr lang="en-US" dirty="0" smtClean="0"/>
-              <a:t>Download from multiple clients</a:t>
-            </a:r>
-          </a:p>
-          <a:p>
-            <a:r>
-              <a:rPr lang="en-US" dirty="0" smtClean="0"/>
-              <a:t>Run until finish</a:t>
+              <a:t>Start multiple clients over some time</a:t>
+            </a:r>
+          </a:p>
+          <a:p>
+            <a:r>
+              <a:rPr lang="en-US" dirty="0" smtClean="0"/>
+              <a:t>Run </a:t>
+            </a:r>
+            <a:r>
+              <a:rPr lang="en-US" dirty="0" smtClean="0"/>
+              <a:t>until finish</a:t>
             </a:r>
           </a:p>
           <a:p>
@@ -7391,8 +7447,13 @@
           <a:p>
             <a:r>
               <a:rPr lang="en-US" dirty="0" smtClean="0"/>
-              <a:t>Graph percentiles of: </a:t>
-            </a:r>
+              <a:t>Graph </a:t>
+            </a:r>
+            <a:r>
+              <a:rPr lang="en-US" dirty="0" smtClean="0"/>
+              <a:t>percentiles</a:t>
+            </a:r>
+            <a:endParaRPr lang="en-US" dirty="0" smtClean="0"/>
           </a:p>
           <a:p>
             <a:pPr lvl="1"/>
@@ -7434,7 +7495,7 @@
         </p:blipFill>
         <p:spPr bwMode="auto">
           <a:xfrm>
-            <a:off x="7696200" y="3200400"/>
+            <a:off x="7239000" y="1752600"/>
             <a:ext cx="828675" cy="2679970"/>
           </a:xfrm>
           <a:prstGeom prst="rect">
@@ -7530,7 +7591,6 @@
               <a:rPr lang="en-US" dirty="0" smtClean="0"/>
               <a:t>Load</a:t>
             </a:r>
-            <a:endParaRPr lang="en-US" dirty="0" smtClean="0"/>
           </a:p>
           <a:p>
             <a:pPr lvl="1"/>
@@ -7570,7 +7630,11 @@
           <a:p>
             <a:r>
               <a:rPr lang="en-US" dirty="0" smtClean="0"/>
-              <a:t>100 s</a:t>
+              <a:t>100 </a:t>
+            </a:r>
+            <a:r>
+              <a:rPr lang="en-US" dirty="0" smtClean="0"/>
+              <a:t>s</a:t>
             </a:r>
           </a:p>
           <a:p>
@@ -7582,7 +7646,11 @@
           <a:p>
             <a:r>
               <a:rPr lang="en-US" dirty="0" smtClean="0"/>
-              <a:t>Client-server and Automatic Swarming</a:t>
+              <a:t>Both Client-Server </a:t>
+            </a:r>
+            <a:r>
+              <a:rPr lang="en-US" dirty="0" smtClean="0"/>
+              <a:t>and Automatic Swarming</a:t>
             </a:r>
           </a:p>
         </p:txBody>
@@ -8019,12 +8087,16 @@
               <a:rPr lang="en-US" dirty="0" smtClean="0"/>
               <a:t>Automatic Swarming – </a:t>
             </a:r>
+            <a:r>
+              <a:rPr lang="en-US" dirty="0" smtClean="0"/>
+              <a:t/>
+            </a:r>
             <a:br>
               <a:rPr lang="en-US" dirty="0" smtClean="0"/>
             </a:br>
             <a:r>
               <a:rPr lang="en-US" dirty="0" smtClean="0"/>
-              <a:t>Transition Cause</a:t>
+              <a:t>Transition Causes</a:t>
             </a:r>
             <a:endParaRPr lang="en-US" dirty="0"/>
           </a:p>
@@ -8234,7 +8306,7 @@
           <a:p>
             <a:r>
               <a:rPr lang="en-US" dirty="0" smtClean="0"/>
-              <a:t>Best Parameter Values</a:t>
+              <a:t>Individual Parameter Tests</a:t>
             </a:r>
             <a:endParaRPr lang="en-US" dirty="0"/>
           </a:p>
@@ -8252,76 +8324,89 @@
         </p:nvSpPr>
         <p:spPr>
           <a:xfrm>
-            <a:off x="457200" y="2713037"/>
+            <a:off x="381000" y="1600200"/>
             <a:ext cx="8229600" cy="4525963"/>
           </a:xfrm>
         </p:spPr>
         <p:txBody>
           <a:bodyPr>
-            <a:normAutofit/>
+            <a:normAutofit lnSpcReduction="10000"/>
           </a:bodyPr>
           <a:lstStyle/>
           <a:p>
             <a:r>
               <a:rPr lang="en-US" dirty="0" smtClean="0"/>
-              <a:t>T: 0.75 s</a:t>
-            </a:r>
-          </a:p>
-          <a:p>
-            <a:r>
-              <a:rPr lang="en-US" dirty="0" smtClean="0"/>
-              <a:t>W</a:t>
-            </a:r>
-            <a:r>
-              <a:rPr lang="en-US" dirty="0" smtClean="0"/>
-              <a:t>: 0.25 </a:t>
-            </a:r>
-            <a:r>
-              <a:rPr lang="en-US" dirty="0" smtClean="0"/>
-              <a:t>s</a:t>
+              <a:t>Load</a:t>
             </a:r>
           </a:p>
           <a:p>
             <a:pPr lvl="1"/>
             <a:r>
               <a:rPr lang="en-US" dirty="0" smtClean="0"/>
-              <a:t>Prefer low</a:t>
+              <a:t>1000 </a:t>
+            </a:r>
+            <a:r>
+              <a:rPr lang="en-US" dirty="0" smtClean="0"/>
+              <a:t>peers</a:t>
+            </a:r>
+          </a:p>
+          <a:p>
+            <a:pPr lvl="1"/>
+            <a:r>
+              <a:rPr lang="en-US" dirty="0" smtClean="0"/>
+              <a:t>15 peers/s</a:t>
+            </a:r>
+          </a:p>
+          <a:p>
+            <a:pPr lvl="1"/>
+            <a:r>
+              <a:rPr lang="en-US" dirty="0" smtClean="0"/>
+              <a:t>File size: 100 KB</a:t>
+            </a:r>
+          </a:p>
+          <a:p>
+            <a:pPr lvl="1"/>
+            <a:r>
+              <a:rPr lang="en-US" dirty="0" smtClean="0"/>
+              <a:t>R 128 KB/s</a:t>
+            </a:r>
+          </a:p>
+          <a:p>
+            <a:pPr lvl="1"/>
+            <a:r>
+              <a:rPr lang="en-US" dirty="0" smtClean="0"/>
+              <a:t>W 2s</a:t>
+            </a:r>
+          </a:p>
+          <a:p>
+            <a:pPr lvl="1"/>
+            <a:r>
+              <a:rPr lang="en-US" dirty="0" smtClean="0"/>
+              <a:t>T 1s</a:t>
+            </a:r>
+          </a:p>
+          <a:p>
+            <a:pPr lvl="1"/>
+            <a:r>
+              <a:rPr lang="en-US" dirty="0" smtClean="0"/>
+              <a:t>Linger </a:t>
+            </a:r>
+            <a:r>
+              <a:rPr lang="en-US" dirty="0" smtClean="0"/>
+              <a:t>20s</a:t>
             </a:r>
             <a:endParaRPr lang="en-US" dirty="0" smtClean="0"/>
           </a:p>
           <a:p>
             <a:r>
               <a:rPr lang="en-US" dirty="0" smtClean="0"/>
-              <a:t>R: 160 KB/s</a:t>
-            </a:r>
-          </a:p>
-          <a:p>
-            <a:r>
-              <a:rPr lang="en-US" dirty="0" smtClean="0"/>
-              <a:t>Block </a:t>
-            </a:r>
-            <a:r>
-              <a:rPr lang="en-US" dirty="0" smtClean="0"/>
-              <a:t>size: 32 </a:t>
-            </a:r>
-            <a:r>
-              <a:rPr lang="en-US" dirty="0" smtClean="0"/>
-              <a:t>KB</a:t>
-            </a:r>
-          </a:p>
-          <a:p>
-            <a:pPr lvl="1"/>
-            <a:r>
-              <a:rPr lang="en-US" dirty="0" smtClean="0"/>
-              <a:t>Parallelize</a:t>
+              <a:t>Vary one parameter</a:t>
+            </a:r>
+            <a:r>
+              <a:rPr lang="en-US" smtClean="0"/>
+              <a:t>, hold rest constant</a:t>
             </a:r>
             <a:endParaRPr lang="en-US" dirty="0" smtClean="0"/>
-          </a:p>
-          <a:p>
-            <a:r>
-              <a:rPr lang="en-US" dirty="0" smtClean="0"/>
-              <a:t>Peer concurrency count: 16 +</a:t>
-            </a:r>
           </a:p>
         </p:txBody>
       </p:sp>
@@ -8342,7 +8427,7 @@
         </p:blipFill>
         <p:spPr bwMode="auto">
           <a:xfrm>
-            <a:off x="3031661" y="1142999"/>
+            <a:off x="3539303" y="1219200"/>
             <a:ext cx="5604697" cy="3581401"/>
           </a:xfrm>
           <a:prstGeom prst="rect">
@@ -8395,34 +8480,6 @@
         </p:nvSpPr>
         <p:spPr/>
         <p:txBody>
-          <a:bodyPr/>
-          <a:lstStyle/>
-          <a:p>
-            <a:r>
-              <a:rPr lang="en-US" dirty="0" smtClean="0"/>
-              <a:t>Full Web Page</a:t>
-            </a:r>
-            <a:endParaRPr lang="en-US" dirty="0"/>
-          </a:p>
-        </p:txBody>
-      </p:sp>
-      <p:sp>
-        <p:nvSpPr>
-          <p:cNvPr id="5" name="Content Placeholder 2"/>
-          <p:cNvSpPr>
-            <a:spLocks noGrp="1"/>
-          </p:cNvSpPr>
-          <p:nvPr>
-            <p:ph idx="1"/>
-          </p:nvPr>
-        </p:nvSpPr>
-        <p:spPr>
-          <a:xfrm>
-            <a:off x="457200" y="1600200"/>
-            <a:ext cx="8229600" cy="4525963"/>
-          </a:xfrm>
-        </p:spPr>
-        <p:txBody>
           <a:bodyPr>
             <a:normAutofit/>
           </a:bodyPr>
@@ -8430,15 +8487,7 @@
           <a:p>
             <a:r>
               <a:rPr lang="en-US" dirty="0" smtClean="0"/>
-              <a:t>100 KB file, </a:t>
-            </a:r>
-            <a:r>
-              <a:rPr lang="en-US" smtClean="0"/>
-              <a:t>10 10K </a:t>
-            </a:r>
-            <a:r>
-              <a:rPr lang="en-US" dirty="0" smtClean="0"/>
-              <a:t>files</a:t>
+              <a:t>Optimal Values</a:t>
             </a:r>
             <a:endParaRPr lang="en-US" dirty="0"/>
           </a:p>
@@ -8446,7 +8495,7 @@
       </p:sp>
       <p:sp>
         <p:nvSpPr>
-          <p:cNvPr id="6" name="Content Placeholder 2"/>
+          <p:cNvPr id="4" name="Content Placeholder 2"/>
           <p:cNvSpPr txBox="1">
             <a:spLocks/>
           </p:cNvSpPr>
@@ -8454,8 +8503,8 @@
         </p:nvSpPr>
         <p:spPr>
           <a:xfrm>
-            <a:off x="533400" y="5608637"/>
-            <a:ext cx="8229600" cy="1249363"/>
+            <a:off x="457200" y="2057400"/>
+            <a:ext cx="8229600" cy="4525963"/>
           </a:xfrm>
           <a:prstGeom prst="rect">
             <a:avLst/>
@@ -8466,6 +8515,38 @@
             <a:normAutofit/>
           </a:bodyPr>
           <a:lstStyle/>
+          <a:p>
+            <a:pPr marL="342900" lvl="0" indent="-342900">
+              <a:spcBef>
+                <a:spcPct val="20000"/>
+              </a:spcBef>
+              <a:buFont typeface="Arial" pitchFamily="34" charset="0"/>
+              <a:buChar char="•"/>
+              <a:defRPr/>
+            </a:pPr>
+            <a:r>
+              <a:rPr lang="en-US" sz="3200" dirty="0" smtClean="0"/>
+              <a:t>T: 0.75 </a:t>
+            </a:r>
+            <a:r>
+              <a:rPr lang="en-US" sz="3200" dirty="0" smtClean="0"/>
+              <a:t>s</a:t>
+            </a:r>
+          </a:p>
+          <a:p>
+            <a:pPr marL="742950" lvl="1" indent="-285750">
+              <a:spcBef>
+                <a:spcPct val="20000"/>
+              </a:spcBef>
+              <a:buFont typeface="Arial" pitchFamily="34" charset="0"/>
+              <a:buChar char="–"/>
+              <a:defRPr/>
+            </a:pPr>
+            <a:r>
+              <a:rPr lang="en-US" sz="2800" dirty="0" smtClean="0"/>
+              <a:t>Prefer low</a:t>
+            </a:r>
+          </a:p>
           <a:p>
             <a:pPr marL="342900" marR="0" lvl="0" indent="-342900" algn="l" defTabSz="914400" rtl="0" eaLnBrk="1" fontAlgn="auto" latinLnBrk="0" hangingPunct="1">
               <a:lnSpc>
@@ -8485,8 +8566,21 @@
               <a:defRPr/>
             </a:pPr>
             <a:r>
-              <a:rPr lang="en-US" sz="3200" dirty="0" smtClean="0"/>
-              <a:t>10 x as much load on the DHT</a:t>
+              <a:rPr kumimoji="0" lang="en-US" sz="3200" b="0" i="0" u="none" strike="noStrike" kern="1200" cap="none" spc="0" normalizeH="0" baseline="0" noProof="0" dirty="0" smtClean="0">
+                <a:ln>
+                  <a:noFill/>
+                </a:ln>
+                <a:solidFill>
+                  <a:schemeClr val="tx1"/>
+                </a:solidFill>
+                <a:effectLst/>
+                <a:uLnTx/>
+                <a:uFillTx/>
+                <a:latin typeface="+mn-lt"/>
+                <a:ea typeface="+mn-ea"/>
+                <a:cs typeface="+mn-cs"/>
+              </a:rPr>
+              <a:t>R: 160 KB/s</a:t>
             </a:r>
           </a:p>
           <a:p>
@@ -8508,8 +8602,347 @@
               <a:defRPr/>
             </a:pPr>
             <a:r>
+              <a:rPr kumimoji="0" lang="en-US" sz="3200" b="0" i="0" u="none" strike="noStrike" kern="1200" cap="none" spc="0" normalizeH="0" baseline="0" noProof="0" dirty="0" smtClean="0">
+                <a:ln>
+                  <a:noFill/>
+                </a:ln>
+                <a:solidFill>
+                  <a:schemeClr val="tx1"/>
+                </a:solidFill>
+                <a:effectLst/>
+                <a:uLnTx/>
+                <a:uFillTx/>
+                <a:latin typeface="+mn-lt"/>
+                <a:ea typeface="+mn-ea"/>
+                <a:cs typeface="+mn-cs"/>
+              </a:rPr>
+              <a:t>W: 0.25 s</a:t>
+            </a:r>
+          </a:p>
+          <a:p>
+            <a:pPr marL="742950" marR="0" lvl="1" indent="-285750" algn="l" defTabSz="914400" rtl="0" eaLnBrk="1" fontAlgn="auto" latinLnBrk="0" hangingPunct="1">
+              <a:lnSpc>
+                <a:spcPct val="100000"/>
+              </a:lnSpc>
+              <a:spcBef>
+                <a:spcPct val="20000"/>
+              </a:spcBef>
+              <a:spcAft>
+                <a:spcPts val="0"/>
+              </a:spcAft>
+              <a:buClrTx/>
+              <a:buSzTx/>
+              <a:buFont typeface="Arial" pitchFamily="34" charset="0"/>
+              <a:buChar char="–"/>
+              <a:tabLst/>
+              <a:defRPr/>
+            </a:pPr>
+            <a:r>
+              <a:rPr kumimoji="0" lang="en-US" sz="2800" b="0" i="0" u="none" strike="noStrike" kern="1200" cap="none" spc="0" normalizeH="0" baseline="0" noProof="0" dirty="0" smtClean="0">
+                <a:ln>
+                  <a:noFill/>
+                </a:ln>
+                <a:solidFill>
+                  <a:schemeClr val="tx1"/>
+                </a:solidFill>
+                <a:effectLst/>
+                <a:uLnTx/>
+                <a:uFillTx/>
+                <a:latin typeface="+mn-lt"/>
+                <a:ea typeface="+mn-ea"/>
+                <a:cs typeface="+mn-cs"/>
+              </a:rPr>
+              <a:t>Prefer low</a:t>
+            </a:r>
+          </a:p>
+          <a:p>
+            <a:pPr marL="342900" marR="0" lvl="0" indent="-342900" algn="l" defTabSz="914400" rtl="0" eaLnBrk="1" fontAlgn="auto" latinLnBrk="0" hangingPunct="1">
+              <a:lnSpc>
+                <a:spcPct val="100000"/>
+              </a:lnSpc>
+              <a:spcBef>
+                <a:spcPct val="20000"/>
+              </a:spcBef>
+              <a:spcAft>
+                <a:spcPts val="0"/>
+              </a:spcAft>
+              <a:buClrTx/>
+              <a:buSzTx/>
+              <a:buFont typeface="Arial" pitchFamily="34" charset="0"/>
+              <a:buChar char="•"/>
+              <a:tabLst/>
+              <a:defRPr/>
+            </a:pPr>
+            <a:r>
+              <a:rPr kumimoji="0" lang="en-US" sz="3200" b="0" i="0" u="none" strike="noStrike" kern="1200" cap="none" spc="0" normalizeH="0" baseline="0" noProof="0" dirty="0" smtClean="0">
+                <a:ln>
+                  <a:noFill/>
+                </a:ln>
+                <a:solidFill>
+                  <a:schemeClr val="tx1"/>
+                </a:solidFill>
+                <a:effectLst/>
+                <a:uLnTx/>
+                <a:uFillTx/>
+                <a:latin typeface="+mn-lt"/>
+                <a:ea typeface="+mn-ea"/>
+                <a:cs typeface="+mn-cs"/>
+              </a:rPr>
+              <a:t>Block size: 32 KB</a:t>
+            </a:r>
+          </a:p>
+          <a:p>
+            <a:pPr marL="742950" marR="0" lvl="1" indent="-285750" algn="l" defTabSz="914400" rtl="0" eaLnBrk="1" fontAlgn="auto" latinLnBrk="0" hangingPunct="1">
+              <a:lnSpc>
+                <a:spcPct val="100000"/>
+              </a:lnSpc>
+              <a:spcBef>
+                <a:spcPct val="20000"/>
+              </a:spcBef>
+              <a:spcAft>
+                <a:spcPts val="0"/>
+              </a:spcAft>
+              <a:buClrTx/>
+              <a:buSzTx/>
+              <a:buFont typeface="Arial" pitchFamily="34" charset="0"/>
+              <a:buChar char="–"/>
+              <a:tabLst/>
+              <a:defRPr/>
+            </a:pPr>
+            <a:r>
+              <a:rPr kumimoji="0" lang="en-US" sz="2800" b="0" i="0" u="none" strike="noStrike" kern="1200" cap="none" spc="0" normalizeH="0" baseline="0" noProof="0" dirty="0" smtClean="0">
+                <a:ln>
+                  <a:noFill/>
+                </a:ln>
+                <a:solidFill>
+                  <a:schemeClr val="tx1"/>
+                </a:solidFill>
+                <a:effectLst/>
+                <a:uLnTx/>
+                <a:uFillTx/>
+                <a:latin typeface="+mn-lt"/>
+                <a:ea typeface="+mn-ea"/>
+                <a:cs typeface="+mn-cs"/>
+              </a:rPr>
+              <a:t>Parallelize</a:t>
+            </a:r>
+          </a:p>
+          <a:p>
+            <a:pPr marL="342900" marR="0" lvl="0" indent="-342900" algn="l" defTabSz="914400" rtl="0" eaLnBrk="1" fontAlgn="auto" latinLnBrk="0" hangingPunct="1">
+              <a:lnSpc>
+                <a:spcPct val="100000"/>
+              </a:lnSpc>
+              <a:spcBef>
+                <a:spcPct val="20000"/>
+              </a:spcBef>
+              <a:spcAft>
+                <a:spcPts val="0"/>
+              </a:spcAft>
+              <a:buClrTx/>
+              <a:buSzTx/>
+              <a:buFont typeface="Arial" pitchFamily="34" charset="0"/>
+              <a:buChar char="•"/>
+              <a:tabLst/>
+              <a:defRPr/>
+            </a:pPr>
+            <a:r>
+              <a:rPr kumimoji="0" lang="en-US" sz="3200" b="0" i="0" u="none" strike="noStrike" kern="1200" cap="none" spc="0" normalizeH="0" baseline="0" noProof="0" dirty="0" smtClean="0">
+                <a:ln>
+                  <a:noFill/>
+                </a:ln>
+                <a:solidFill>
+                  <a:schemeClr val="tx1"/>
+                </a:solidFill>
+                <a:effectLst/>
+                <a:uLnTx/>
+                <a:uFillTx/>
+                <a:latin typeface="+mn-lt"/>
+                <a:ea typeface="+mn-ea"/>
+                <a:cs typeface="+mn-cs"/>
+              </a:rPr>
+              <a:t>Peer concurrency count: 16 +</a:t>
+            </a:r>
+          </a:p>
+        </p:txBody>
+      </p:sp>
+      <p:pic>
+        <p:nvPicPr>
+          <p:cNvPr id="5" name="Picture 4" descr="C:\rdp\dev\p2pwebclient\thesis_presentation\algorithm explanation.png"/>
+          <p:cNvPicPr>
+            <a:picLocks noChangeAspect="1" noChangeArrowheads="1"/>
+          </p:cNvPicPr>
+          <p:nvPr/>
+        </p:nvPicPr>
+        <p:blipFill>
+          <a:blip r:embed="rId2" cstate="print"/>
+          <a:srcRect/>
+          <a:stretch>
+            <a:fillRect/>
+          </a:stretch>
+        </p:blipFill>
+        <p:spPr bwMode="auto">
+          <a:xfrm>
+            <a:off x="3790204" y="1219200"/>
+            <a:ext cx="5246949" cy="3352800"/>
+          </a:xfrm>
+          <a:prstGeom prst="rect">
+            <a:avLst/>
+          </a:prstGeom>
+          <a:noFill/>
+        </p:spPr>
+      </p:pic>
+    </p:spTree>
+  </p:cSld>
+  <p:clrMapOvr>
+    <a:masterClrMapping/>
+  </p:clrMapOvr>
+</p:sld>
+</file>
+
+<file path=ppt/slides/slide26.xml><?xml version="1.0" encoding="utf-8"?>
+<p:sld xmlns:a="http://schemas.openxmlformats.org/drawingml/2006/main" xmlns:r="http://schemas.openxmlformats.org/officeDocument/2006/relationships" xmlns:p="http://schemas.openxmlformats.org/presentationml/2006/main">
+  <p:cSld>
+    <p:spTree>
+      <p:nvGrpSpPr>
+        <p:cNvPr id="1" name=""/>
+        <p:cNvGrpSpPr/>
+        <p:nvPr/>
+      </p:nvGrpSpPr>
+      <p:grpSpPr>
+        <a:xfrm>
+          <a:off x="0" y="0"/>
+          <a:ext cx="0" cy="0"/>
+          <a:chOff x="0" y="0"/>
+          <a:chExt cx="0" cy="0"/>
+        </a:xfrm>
+      </p:grpSpPr>
+      <p:sp>
+        <p:nvSpPr>
+          <p:cNvPr id="2" name="Title 1"/>
+          <p:cNvSpPr>
+            <a:spLocks noGrp="1"/>
+          </p:cNvSpPr>
+          <p:nvPr>
+            <p:ph type="title"/>
+          </p:nvPr>
+        </p:nvSpPr>
+        <p:spPr/>
+        <p:txBody>
+          <a:bodyPr/>
+          <a:lstStyle/>
+          <a:p>
+            <a:r>
+              <a:rPr lang="en-US" dirty="0" smtClean="0"/>
+              <a:t>Full Web Page</a:t>
+            </a:r>
+            <a:endParaRPr lang="en-US" dirty="0"/>
+          </a:p>
+        </p:txBody>
+      </p:sp>
+      <p:sp>
+        <p:nvSpPr>
+          <p:cNvPr id="5" name="Content Placeholder 2"/>
+          <p:cNvSpPr>
+            <a:spLocks noGrp="1"/>
+          </p:cNvSpPr>
+          <p:nvPr>
+            <p:ph idx="1"/>
+          </p:nvPr>
+        </p:nvSpPr>
+        <p:spPr>
+          <a:xfrm>
+            <a:off x="457200" y="1600200"/>
+            <a:ext cx="8229600" cy="4525963"/>
+          </a:xfrm>
+        </p:spPr>
+        <p:txBody>
+          <a:bodyPr>
+            <a:normAutofit/>
+          </a:bodyPr>
+          <a:lstStyle/>
+          <a:p>
+            <a:r>
+              <a:rPr lang="en-US" dirty="0" smtClean="0"/>
+              <a:t>100 KB file, 10 10K files</a:t>
+            </a:r>
+            <a:endParaRPr lang="en-US" dirty="0"/>
+          </a:p>
+        </p:txBody>
+      </p:sp>
+      <p:sp>
+        <p:nvSpPr>
+          <p:cNvPr id="6" name="Content Placeholder 2"/>
+          <p:cNvSpPr txBox="1">
+            <a:spLocks/>
+          </p:cNvSpPr>
+          <p:nvPr/>
+        </p:nvSpPr>
+        <p:spPr>
+          <a:xfrm>
+            <a:off x="533400" y="5608637"/>
+            <a:ext cx="8229600" cy="1249363"/>
+          </a:xfrm>
+          <a:prstGeom prst="rect">
+            <a:avLst/>
+          </a:prstGeom>
+        </p:spPr>
+        <p:txBody>
+          <a:bodyPr vert="horz" lIns="91440" tIns="45720" rIns="91440" bIns="45720" rtlCol="0">
+            <a:normAutofit/>
+          </a:bodyPr>
+          <a:lstStyle/>
+          <a:p>
+            <a:pPr marL="342900" marR="0" lvl="0" indent="-342900" algn="l" defTabSz="914400" rtl="0" eaLnBrk="1" fontAlgn="auto" latinLnBrk="0" hangingPunct="1">
+              <a:lnSpc>
+                <a:spcPct val="100000"/>
+              </a:lnSpc>
+              <a:spcBef>
+                <a:spcPct val="20000"/>
+              </a:spcBef>
+              <a:spcAft>
+                <a:spcPts val="0"/>
+              </a:spcAft>
+              <a:buClrTx/>
+              <a:buSzTx/>
+              <a:buFont typeface="Arial" pitchFamily="34" charset="0"/>
+              <a:buChar char="•"/>
+              <a:tabLst/>
+              <a:defRPr/>
+            </a:pPr>
+            <a:r>
               <a:rPr lang="en-US" sz="3200" dirty="0" smtClean="0"/>
-              <a:t>Linger time was set to 20 seconds</a:t>
+              <a:t>10 x as much load on the DHT</a:t>
+            </a:r>
+          </a:p>
+          <a:p>
+            <a:pPr marL="342900" marR="0" lvl="0" indent="-342900" algn="l" defTabSz="914400" rtl="0" eaLnBrk="1" fontAlgn="auto" latinLnBrk="0" hangingPunct="1">
+              <a:lnSpc>
+                <a:spcPct val="100000"/>
+              </a:lnSpc>
+              <a:spcBef>
+                <a:spcPct val="20000"/>
+              </a:spcBef>
+              <a:spcAft>
+                <a:spcPts val="0"/>
+              </a:spcAft>
+              <a:buClrTx/>
+              <a:buSzTx/>
+              <a:buFont typeface="Arial" pitchFamily="34" charset="0"/>
+              <a:buChar char="•"/>
+              <a:tabLst/>
+              <a:defRPr/>
+            </a:pPr>
+            <a:r>
+              <a:rPr lang="en-US" sz="3200" dirty="0" smtClean="0"/>
+              <a:t>Linger time </a:t>
+            </a:r>
+            <a:r>
+              <a:rPr lang="en-US" sz="3200" dirty="0" smtClean="0"/>
+              <a:t>20 </a:t>
+            </a:r>
+            <a:r>
+              <a:rPr lang="en-US" sz="3200" dirty="0" smtClean="0"/>
+              <a:t>seconds</a:t>
             </a:r>
             <a:endParaRPr kumimoji="0" lang="en-US" sz="3200" b="0" i="0" u="none" strike="noStrike" kern="1200" cap="none" spc="0" normalizeH="0" baseline="0" noProof="0" dirty="0" smtClean="0">
               <a:ln>
@@ -8575,7 +9008,7 @@
 </p:sld>
 </file>
 
-<file path=ppt/slides/slide26.xml><?xml version="1.0" encoding="utf-8"?>
+<file path=ppt/slides/slide27.xml><?xml version="1.0" encoding="utf-8"?>
 <p:sld xmlns:a="http://schemas.openxmlformats.org/drawingml/2006/main" xmlns:r="http://schemas.openxmlformats.org/officeDocument/2006/relationships" xmlns:p="http://schemas.openxmlformats.org/presentationml/2006/main">
   <p:cSld>
     <p:spTree>
@@ -8692,7 +9125,7 @@
 </p:sld>
 </file>
 
-<file path=ppt/slides/slide27.xml><?xml version="1.0" encoding="utf-8"?>
+<file path=ppt/slides/slide28.xml><?xml version="1.0" encoding="utf-8"?>
 <p:sld xmlns:a="http://schemas.openxmlformats.org/drawingml/2006/main" xmlns:r="http://schemas.openxmlformats.org/officeDocument/2006/relationships" xmlns:p="http://schemas.openxmlformats.org/presentationml/2006/main">
   <p:cSld>
     <p:spTree>
@@ -8781,7 +9214,7 @@
 </p:sld>
 </file>
 
-<file path=ppt/slides/slide28.xml><?xml version="1.0" encoding="utf-8"?>
+<file path=ppt/slides/slide29.xml><?xml version="1.0" encoding="utf-8"?>
 <p:sld xmlns:a="http://schemas.openxmlformats.org/drawingml/2006/main" xmlns:r="http://schemas.openxmlformats.org/officeDocument/2006/relationships" xmlns:p="http://schemas.openxmlformats.org/presentationml/2006/main">
   <p:cSld>
     <p:spTree>
@@ -8978,104 +9411,6 @@
           </a:ln>
         </p:spPr>
       </p:pic>
-    </p:spTree>
-  </p:cSld>
-  <p:clrMapOvr>
-    <a:masterClrMapping/>
-  </p:clrMapOvr>
-  <p:timing>
-    <p:tnLst>
-      <p:par>
-        <p:cTn id="1" dur="indefinite" restart="never" nodeType="tmRoot"/>
-      </p:par>
-    </p:tnLst>
-  </p:timing>
-</p:sld>
-</file>
-
-<file path=ppt/slides/slide29.xml><?xml version="1.0" encoding="utf-8"?>
-<p:sld xmlns:a="http://schemas.openxmlformats.org/drawingml/2006/main" xmlns:r="http://schemas.openxmlformats.org/officeDocument/2006/relationships" xmlns:p="http://schemas.openxmlformats.org/presentationml/2006/main">
-  <p:cSld>
-    <p:spTree>
-      <p:nvGrpSpPr>
-        <p:cNvPr id="1" name=""/>
-        <p:cNvGrpSpPr/>
-        <p:nvPr/>
-      </p:nvGrpSpPr>
-      <p:grpSpPr>
-        <a:xfrm>
-          <a:off x="0" y="0"/>
-          <a:ext cx="0" cy="0"/>
-          <a:chOff x="0" y="0"/>
-          <a:chExt cx="0" cy="0"/>
-        </a:xfrm>
-      </p:grpSpPr>
-      <p:sp>
-        <p:nvSpPr>
-          <p:cNvPr id="2" name="Title 1"/>
-          <p:cNvSpPr>
-            <a:spLocks noGrp="1"/>
-          </p:cNvSpPr>
-          <p:nvPr>
-            <p:ph type="title"/>
-          </p:nvPr>
-        </p:nvSpPr>
-        <p:spPr/>
-        <p:txBody>
-          <a:bodyPr>
-            <a:normAutofit fontScale="90000"/>
-          </a:bodyPr>
-          <a:lstStyle/>
-          <a:p>
-            <a:r>
-              <a:rPr lang="en-US" dirty="0" smtClean="0"/>
-              <a:t>BitTorrent’s Large File Optimizations</a:t>
-            </a:r>
-            <a:endParaRPr lang="en-US" dirty="0"/>
-          </a:p>
-        </p:txBody>
-      </p:sp>
-      <p:sp>
-        <p:nvSpPr>
-          <p:cNvPr id="3" name="Content Placeholder 2"/>
-          <p:cNvSpPr>
-            <a:spLocks noGrp="1"/>
-          </p:cNvSpPr>
-          <p:nvPr>
-            <p:ph idx="1"/>
-          </p:nvPr>
-        </p:nvSpPr>
-        <p:spPr/>
-        <p:txBody>
-          <a:bodyPr/>
-          <a:lstStyle/>
-          <a:p>
-            <a:r>
-              <a:rPr lang="en-US" dirty="0" smtClean="0"/>
-              <a:t>Seeds limit outgoing connections</a:t>
-            </a:r>
-          </a:p>
-          <a:p>
-            <a:r>
-              <a:rPr lang="en-US" dirty="0" smtClean="0"/>
-              <a:t>Favors stronger connections</a:t>
-            </a:r>
-          </a:p>
-          <a:p>
-            <a:r>
-              <a:rPr lang="en-US" dirty="0" smtClean="0"/>
-              <a:t>Dedicated tracker</a:t>
-            </a:r>
-          </a:p>
-          <a:p>
-            <a:r>
-              <a:rPr lang="en-US" dirty="0" smtClean="0"/>
-              <a:t>Rarest Block First</a:t>
-            </a:r>
-            <a:endParaRPr lang="en-US" dirty="0"/>
-          </a:p>
-        </p:txBody>
-      </p:sp>
     </p:spTree>
   </p:cSld>
   <p:clrMapOvr>
@@ -9342,72 +9677,57 @@
         </p:nvSpPr>
         <p:spPr/>
         <p:txBody>
+          <a:bodyPr>
+            <a:normAutofit fontScale="90000"/>
+          </a:bodyPr>
+          <a:lstStyle/>
+          <a:p>
+            <a:r>
+              <a:rPr lang="en-US" dirty="0" smtClean="0"/>
+              <a:t>BitTorrent’s Large File Optimizations</a:t>
+            </a:r>
+            <a:endParaRPr lang="en-US" dirty="0"/>
+          </a:p>
+        </p:txBody>
+      </p:sp>
+      <p:sp>
+        <p:nvSpPr>
+          <p:cNvPr id="3" name="Content Placeholder 2"/>
+          <p:cNvSpPr>
+            <a:spLocks noGrp="1"/>
+          </p:cNvSpPr>
+          <p:nvPr>
+            <p:ph idx="1"/>
+          </p:nvPr>
+        </p:nvSpPr>
+        <p:spPr/>
+        <p:txBody>
           <a:bodyPr/>
           <a:lstStyle/>
           <a:p>
             <a:r>
               <a:rPr lang="en-US" dirty="0" smtClean="0"/>
-              <a:t>Conclusion</a:t>
+              <a:t>Seeds limit outgoing connections</a:t>
+            </a:r>
+          </a:p>
+          <a:p>
+            <a:r>
+              <a:rPr lang="en-US" dirty="0" smtClean="0"/>
+              <a:t>Favors stronger connections</a:t>
+            </a:r>
+          </a:p>
+          <a:p>
+            <a:r>
+              <a:rPr lang="en-US" dirty="0" smtClean="0"/>
+              <a:t>Dedicated tracker</a:t>
+            </a:r>
+          </a:p>
+          <a:p>
+            <a:r>
+              <a:rPr lang="en-US" dirty="0" smtClean="0"/>
+              <a:t>Rarest Block First</a:t>
             </a:r>
             <a:endParaRPr lang="en-US" dirty="0"/>
-          </a:p>
-        </p:txBody>
-      </p:sp>
-      <p:sp>
-        <p:nvSpPr>
-          <p:cNvPr id="3" name="Content Placeholder 2"/>
-          <p:cNvSpPr>
-            <a:spLocks noGrp="1"/>
-          </p:cNvSpPr>
-          <p:nvPr>
-            <p:ph idx="1"/>
-          </p:nvPr>
-        </p:nvSpPr>
-        <p:spPr/>
-        <p:txBody>
-          <a:bodyPr>
-            <a:normAutofit/>
-          </a:bodyPr>
-          <a:lstStyle/>
-          <a:p>
-            <a:r>
-              <a:rPr lang="en-US" dirty="0" smtClean="0"/>
-              <a:t>Feasible transition to Peer-to-Peer download</a:t>
-            </a:r>
-          </a:p>
-          <a:p>
-            <a:r>
-              <a:rPr lang="en-US" smtClean="0"/>
-              <a:t>30x </a:t>
-            </a:r>
-            <a:r>
-              <a:rPr lang="en-US" dirty="0" smtClean="0"/>
-              <a:t>as fast for small files (flash crowd)</a:t>
-            </a:r>
-          </a:p>
-          <a:p>
-            <a:r>
-              <a:rPr lang="en-US" dirty="0" smtClean="0"/>
-              <a:t>20x as fast for web pages</a:t>
-            </a:r>
-          </a:p>
-          <a:p>
-            <a:r>
-              <a:rPr lang="en-US" dirty="0" smtClean="0"/>
-              <a:t>Reduces load on the server</a:t>
-            </a:r>
-          </a:p>
-          <a:p>
-            <a:r>
-              <a:rPr lang="en-US" dirty="0" smtClean="0"/>
-              <a:t>Make swarming more usable/adoptable</a:t>
-            </a:r>
-          </a:p>
-          <a:p>
-            <a:pPr lvl="1">
-              <a:buNone/>
-            </a:pPr>
-            <a:endParaRPr lang="en-US" dirty="0" smtClean="0"/>
           </a:p>
         </p:txBody>
       </p:sp>
@@ -9460,7 +9780,7 @@
           <a:p>
             <a:r>
               <a:rPr lang="en-US" dirty="0" smtClean="0"/>
-              <a:t>Automatic Swarming -- Goals</a:t>
+              <a:t>Conclusion</a:t>
             </a:r>
             <a:endParaRPr lang="en-US" dirty="0"/>
           </a:p>
@@ -9478,37 +9798,49 @@
         </p:nvSpPr>
         <p:spPr/>
         <p:txBody>
-          <a:bodyPr/>
-          <a:lstStyle/>
-          <a:p>
-            <a:r>
-              <a:rPr lang="en-US" dirty="0" smtClean="0"/>
-              <a:t>Work for any file on any server without configuration</a:t>
-            </a:r>
-          </a:p>
-          <a:p>
-            <a:r>
-              <a:rPr lang="en-US" dirty="0" smtClean="0"/>
-              <a:t>Easy for client use</a:t>
-            </a:r>
-          </a:p>
-          <a:p>
-            <a:r>
-              <a:rPr lang="en-US" dirty="0" smtClean="0"/>
-              <a:t>No extra dedicated hardware</a:t>
-            </a:r>
-          </a:p>
-          <a:p>
-            <a:r>
-              <a:rPr lang="en-US" dirty="0" smtClean="0"/>
-              <a:t>Work for small files</a:t>
-            </a:r>
-          </a:p>
-          <a:p>
-            <a:r>
-              <a:rPr lang="en-US" dirty="0" smtClean="0"/>
-              <a:t>Non intrusive</a:t>
-            </a:r>
+          <a:bodyPr>
+            <a:normAutofit/>
+          </a:bodyPr>
+          <a:lstStyle/>
+          <a:p>
+            <a:r>
+              <a:rPr lang="en-US" dirty="0" smtClean="0"/>
+              <a:t>Feasible transition to Peer-to-Peer download</a:t>
+            </a:r>
+          </a:p>
+          <a:p>
+            <a:r>
+              <a:rPr lang="en-US" smtClean="0"/>
+              <a:t>30x </a:t>
+            </a:r>
+            <a:r>
+              <a:rPr lang="en-US" dirty="0" smtClean="0"/>
+              <a:t>as fast for small files (flash crowd)</a:t>
+            </a:r>
+          </a:p>
+          <a:p>
+            <a:r>
+              <a:rPr lang="en-US" dirty="0" smtClean="0"/>
+              <a:t>20x as fast for web pages</a:t>
+            </a:r>
+          </a:p>
+          <a:p>
+            <a:r>
+              <a:rPr lang="en-US" dirty="0" smtClean="0"/>
+              <a:t>Reduces load on the server</a:t>
+            </a:r>
+          </a:p>
+          <a:p>
+            <a:r>
+              <a:rPr lang="en-US" dirty="0" smtClean="0"/>
+              <a:t>Make swarming more usable/adoptable</a:t>
+            </a:r>
+          </a:p>
+          <a:p>
+            <a:pPr lvl="1">
+              <a:buNone/>
+            </a:pPr>
+            <a:endParaRPr lang="en-US" dirty="0" smtClean="0"/>
           </a:p>
         </p:txBody>
       </p:sp>
@@ -9561,7 +9893,7 @@
           <a:p>
             <a:r>
               <a:rPr lang="en-US" dirty="0" smtClean="0"/>
-              <a:t>Future Work</a:t>
+              <a:t>Automatic Swarming -- Goals</a:t>
             </a:r>
             <a:endParaRPr lang="en-US" dirty="0"/>
           </a:p>
@@ -9579,60 +9911,36 @@
         </p:nvSpPr>
         <p:spPr/>
         <p:txBody>
-          <a:bodyPr>
-            <a:normAutofit fontScale="92500" lnSpcReduction="10000"/>
-          </a:bodyPr>
-          <a:lstStyle/>
-          <a:p>
-            <a:r>
-              <a:rPr lang="en-US" dirty="0" smtClean="0"/>
-              <a:t>Improve DHT performance</a:t>
-            </a:r>
-          </a:p>
-          <a:p>
-            <a:r>
-              <a:rPr lang="en-US" dirty="0" smtClean="0"/>
-              <a:t>Improve automatic swarming for large files</a:t>
-            </a:r>
-          </a:p>
-          <a:p>
-            <a:r>
-              <a:rPr lang="en-US" dirty="0" smtClean="0"/>
-              <a:t>General performance tuning and dynamic selection of parameters</a:t>
-            </a:r>
-          </a:p>
-          <a:p>
-            <a:pPr lvl="1"/>
-            <a:r>
-              <a:rPr lang="en-US" dirty="0" smtClean="0"/>
-              <a:t>Better use of the DHT</a:t>
-            </a:r>
-          </a:p>
-          <a:p>
-            <a:pPr lvl="1"/>
-            <a:r>
-              <a:rPr lang="en-US" dirty="0" smtClean="0"/>
-              <a:t>Staleness</a:t>
-            </a:r>
-          </a:p>
-          <a:p>
-            <a:r>
-              <a:rPr lang="en-US" dirty="0" smtClean="0"/>
-              <a:t>BitTorrent features</a:t>
-            </a:r>
-          </a:p>
-          <a:p>
-            <a:pPr lvl="1"/>
-            <a:r>
-              <a:rPr lang="en-US" dirty="0" smtClean="0"/>
-              <a:t>Validate Integrity</a:t>
-            </a:r>
-          </a:p>
-          <a:p>
-            <a:pPr lvl="1"/>
-            <a:r>
-              <a:rPr lang="en-US" dirty="0" smtClean="0"/>
-              <a:t>Incentives</a:t>
+          <a:bodyPr/>
+          <a:lstStyle/>
+          <a:p>
+            <a:r>
+              <a:rPr lang="en-US" dirty="0" smtClean="0"/>
+              <a:t>Work for any file on any server without configuration</a:t>
+            </a:r>
+          </a:p>
+          <a:p>
+            <a:r>
+              <a:rPr lang="en-US" dirty="0" smtClean="0"/>
+              <a:t>Easy for client use</a:t>
+            </a:r>
+          </a:p>
+          <a:p>
+            <a:r>
+              <a:rPr lang="en-US" dirty="0" smtClean="0"/>
+              <a:t>No extra dedicated hardware</a:t>
+            </a:r>
+          </a:p>
+          <a:p>
+            <a:r>
+              <a:rPr lang="en-US" dirty="0" smtClean="0"/>
+              <a:t>Work for small files</a:t>
+            </a:r>
+          </a:p>
+          <a:p>
+            <a:r>
+              <a:rPr lang="en-US" dirty="0" smtClean="0"/>
+              <a:t>Non intrusive</a:t>
             </a:r>
           </a:p>
         </p:txBody>
@@ -9653,6 +9961,131 @@
 </file>
 
 <file path=ppt/slides/slide33.xml><?xml version="1.0" encoding="utf-8"?>
+<p:sld xmlns:a="http://schemas.openxmlformats.org/drawingml/2006/main" xmlns:r="http://schemas.openxmlformats.org/officeDocument/2006/relationships" xmlns:p="http://schemas.openxmlformats.org/presentationml/2006/main">
+  <p:cSld>
+    <p:spTree>
+      <p:nvGrpSpPr>
+        <p:cNvPr id="1" name=""/>
+        <p:cNvGrpSpPr/>
+        <p:nvPr/>
+      </p:nvGrpSpPr>
+      <p:grpSpPr>
+        <a:xfrm>
+          <a:off x="0" y="0"/>
+          <a:ext cx="0" cy="0"/>
+          <a:chOff x="0" y="0"/>
+          <a:chExt cx="0" cy="0"/>
+        </a:xfrm>
+      </p:grpSpPr>
+      <p:sp>
+        <p:nvSpPr>
+          <p:cNvPr id="2" name="Title 1"/>
+          <p:cNvSpPr>
+            <a:spLocks noGrp="1"/>
+          </p:cNvSpPr>
+          <p:nvPr>
+            <p:ph type="title"/>
+          </p:nvPr>
+        </p:nvSpPr>
+        <p:spPr/>
+        <p:txBody>
+          <a:bodyPr/>
+          <a:lstStyle/>
+          <a:p>
+            <a:r>
+              <a:rPr lang="en-US" dirty="0" smtClean="0"/>
+              <a:t>Future Work</a:t>
+            </a:r>
+            <a:endParaRPr lang="en-US" dirty="0"/>
+          </a:p>
+        </p:txBody>
+      </p:sp>
+      <p:sp>
+        <p:nvSpPr>
+          <p:cNvPr id="3" name="Content Placeholder 2"/>
+          <p:cNvSpPr>
+            <a:spLocks noGrp="1"/>
+          </p:cNvSpPr>
+          <p:nvPr>
+            <p:ph idx="1"/>
+          </p:nvPr>
+        </p:nvSpPr>
+        <p:spPr/>
+        <p:txBody>
+          <a:bodyPr>
+            <a:normAutofit fontScale="92500" lnSpcReduction="10000"/>
+          </a:bodyPr>
+          <a:lstStyle/>
+          <a:p>
+            <a:r>
+              <a:rPr lang="en-US" dirty="0" smtClean="0"/>
+              <a:t>Improve DHT performance</a:t>
+            </a:r>
+          </a:p>
+          <a:p>
+            <a:r>
+              <a:rPr lang="en-US" dirty="0" smtClean="0"/>
+              <a:t>Improve automatic swarming for large files</a:t>
+            </a:r>
+          </a:p>
+          <a:p>
+            <a:r>
+              <a:rPr lang="en-US" dirty="0" smtClean="0"/>
+              <a:t>General performance tuning and dynamic selection of parameters</a:t>
+            </a:r>
+          </a:p>
+          <a:p>
+            <a:pPr lvl="1"/>
+            <a:r>
+              <a:rPr lang="en-US" dirty="0" smtClean="0"/>
+              <a:t>Better use of the DHT</a:t>
+            </a:r>
+          </a:p>
+          <a:p>
+            <a:pPr lvl="1"/>
+            <a:r>
+              <a:rPr lang="en-US" dirty="0" smtClean="0"/>
+              <a:t>Staleness</a:t>
+            </a:r>
+          </a:p>
+          <a:p>
+            <a:r>
+              <a:rPr lang="en-US" dirty="0" smtClean="0"/>
+              <a:t>BitTorrent features</a:t>
+            </a:r>
+          </a:p>
+          <a:p>
+            <a:pPr lvl="1"/>
+            <a:r>
+              <a:rPr lang="en-US" dirty="0" smtClean="0"/>
+              <a:t>Validate Integrity</a:t>
+            </a:r>
+          </a:p>
+          <a:p>
+            <a:pPr lvl="1"/>
+            <a:r>
+              <a:rPr lang="en-US" dirty="0" smtClean="0"/>
+              <a:t>Incentives</a:t>
+            </a:r>
+          </a:p>
+        </p:txBody>
+      </p:sp>
+    </p:spTree>
+  </p:cSld>
+  <p:clrMapOvr>
+    <a:masterClrMapping/>
+  </p:clrMapOvr>
+  <p:timing>
+    <p:tnLst>
+      <p:par>
+        <p:cTn id="1" dur="indefinite" restart="never" nodeType="tmRoot"/>
+      </p:par>
+    </p:tnLst>
+  </p:timing>
+</p:sld>
+</file>
+
+<file path=ppt/slides/slide34.xml><?xml version="1.0" encoding="utf-8"?>
 <p:sld xmlns:a="http://schemas.openxmlformats.org/drawingml/2006/main" xmlns:r="http://schemas.openxmlformats.org/officeDocument/2006/relationships" xmlns:p="http://schemas.openxmlformats.org/presentationml/2006/main">
   <p:cSld>
     <p:spTree>

--- a/thesis_presentation/How to Make the Internet Faster.pptx
+++ b/thesis_presentation/How to Make the Internet Faster.pptx
@@ -226,7 +226,7 @@
             <a:fld id="{9826D637-6924-4A4F-8550-0E64EF887888}" type="datetimeFigureOut">
               <a:rPr lang="en-US" smtClean="0"/>
               <a:pPr/>
-              <a:t>4/14/2010</a:t>
+              <a:t>4/17/2010</a:t>
             </a:fld>
             <a:endParaRPr lang="en-US"/>
           </a:p>
@@ -1916,13 +1916,32 @@
             </a:r>
             <a:r>
               <a:rPr lang="en-US" baseline="0" dirty="0" smtClean="0"/>
-              <a:t> slide altogether, I </a:t>
-            </a:r>
-            <a:r>
-              <a:rPr lang="en-US" baseline="0" smtClean="0"/>
-              <a:t>suppose.</a:t>
-            </a:r>
-            <a:endParaRPr lang="en-US" dirty="0"/>
+              <a:t> slide altogether, theoretically, but we’ll do it for here.</a:t>
+            </a:r>
+          </a:p>
+          <a:p>
+            <a:r>
+              <a:rPr lang="en-US" baseline="0" dirty="0" smtClean="0"/>
+              <a:t>Defaults were: b 5</a:t>
+            </a:r>
+          </a:p>
+          <a:p>
+            <a:r>
+              <a:rPr lang="en-US" baseline="0" dirty="0" smtClean="0"/>
+              <a:t>R 128 KB/s</a:t>
+            </a:r>
+          </a:p>
+          <a:p>
+            <a:r>
+              <a:rPr lang="en-US" baseline="0" dirty="0" smtClean="0"/>
+              <a:t>T 1 (?)</a:t>
+            </a:r>
+          </a:p>
+          <a:p>
+            <a:r>
+              <a:rPr lang="en-US" baseline="0" dirty="0" smtClean="0"/>
+              <a:t>W 2 (?)</a:t>
+            </a:r>
           </a:p>
         </p:txBody>
       </p:sp>
@@ -3525,7 +3544,7 @@
             <a:fld id="{B41A135E-287C-4591-8C88-153CD277EA84}" type="datetimeFigureOut">
               <a:rPr lang="en-US" smtClean="0"/>
               <a:pPr/>
-              <a:t>4/14/2010</a:t>
+              <a:t>4/17/2010</a:t>
             </a:fld>
             <a:endParaRPr lang="en-US"/>
           </a:p>
@@ -3692,7 +3711,7 @@
             <a:fld id="{B41A135E-287C-4591-8C88-153CD277EA84}" type="datetimeFigureOut">
               <a:rPr lang="en-US" smtClean="0"/>
               <a:pPr/>
-              <a:t>4/14/2010</a:t>
+              <a:t>4/17/2010</a:t>
             </a:fld>
             <a:endParaRPr lang="en-US"/>
           </a:p>
@@ -3869,7 +3888,7 @@
             <a:fld id="{B41A135E-287C-4591-8C88-153CD277EA84}" type="datetimeFigureOut">
               <a:rPr lang="en-US" smtClean="0"/>
               <a:pPr/>
-              <a:t>4/14/2010</a:t>
+              <a:t>4/17/2010</a:t>
             </a:fld>
             <a:endParaRPr lang="en-US"/>
           </a:p>
@@ -4036,7 +4055,7 @@
             <a:fld id="{B41A135E-287C-4591-8C88-153CD277EA84}" type="datetimeFigureOut">
               <a:rPr lang="en-US" smtClean="0"/>
               <a:pPr/>
-              <a:t>4/14/2010</a:t>
+              <a:t>4/17/2010</a:t>
             </a:fld>
             <a:endParaRPr lang="en-US"/>
           </a:p>
@@ -4279,7 +4298,7 @@
             <a:fld id="{B41A135E-287C-4591-8C88-153CD277EA84}" type="datetimeFigureOut">
               <a:rPr lang="en-US" smtClean="0"/>
               <a:pPr/>
-              <a:t>4/14/2010</a:t>
+              <a:t>4/17/2010</a:t>
             </a:fld>
             <a:endParaRPr lang="en-US"/>
           </a:p>
@@ -4564,7 +4583,7 @@
             <a:fld id="{B41A135E-287C-4591-8C88-153CD277EA84}" type="datetimeFigureOut">
               <a:rPr lang="en-US" smtClean="0"/>
               <a:pPr/>
-              <a:t>4/14/2010</a:t>
+              <a:t>4/17/2010</a:t>
             </a:fld>
             <a:endParaRPr lang="en-US"/>
           </a:p>
@@ -4983,7 +5002,7 @@
             <a:fld id="{B41A135E-287C-4591-8C88-153CD277EA84}" type="datetimeFigureOut">
               <a:rPr lang="en-US" smtClean="0"/>
               <a:pPr/>
-              <a:t>4/14/2010</a:t>
+              <a:t>4/17/2010</a:t>
             </a:fld>
             <a:endParaRPr lang="en-US"/>
           </a:p>
@@ -5098,7 +5117,7 @@
             <a:fld id="{B41A135E-287C-4591-8C88-153CD277EA84}" type="datetimeFigureOut">
               <a:rPr lang="en-US" smtClean="0"/>
               <a:pPr/>
-              <a:t>4/14/2010</a:t>
+              <a:t>4/17/2010</a:t>
             </a:fld>
             <a:endParaRPr lang="en-US"/>
           </a:p>
@@ -5190,7 +5209,7 @@
             <a:fld id="{B41A135E-287C-4591-8C88-153CD277EA84}" type="datetimeFigureOut">
               <a:rPr lang="en-US" smtClean="0"/>
               <a:pPr/>
-              <a:t>4/14/2010</a:t>
+              <a:t>4/17/2010</a:t>
             </a:fld>
             <a:endParaRPr lang="en-US"/>
           </a:p>
@@ -5464,7 +5483,7 @@
             <a:fld id="{B41A135E-287C-4591-8C88-153CD277EA84}" type="datetimeFigureOut">
               <a:rPr lang="en-US" smtClean="0"/>
               <a:pPr/>
-              <a:t>4/14/2010</a:t>
+              <a:t>4/17/2010</a:t>
             </a:fld>
             <a:endParaRPr lang="en-US"/>
           </a:p>
@@ -5714,7 +5733,7 @@
             <a:fld id="{B41A135E-287C-4591-8C88-153CD277EA84}" type="datetimeFigureOut">
               <a:rPr lang="en-US" smtClean="0"/>
               <a:pPr/>
-              <a:t>4/14/2010</a:t>
+              <a:t>4/17/2010</a:t>
             </a:fld>
             <a:endParaRPr lang="en-US"/>
           </a:p>
@@ -5924,7 +5943,7 @@
             <a:fld id="{B41A135E-287C-4591-8C88-153CD277EA84}" type="datetimeFigureOut">
               <a:rPr lang="en-US" smtClean="0"/>
               <a:pPr/>
-              <a:t>4/14/2010</a:t>
+              <a:t>4/17/2010</a:t>
             </a:fld>
             <a:endParaRPr lang="en-US"/>
           </a:p>
@@ -6331,12 +6350,12 @@
         <p:spPr>
           <a:xfrm>
             <a:off x="457200" y="3886200"/>
-            <a:ext cx="8382000" cy="1752600"/>
+            <a:ext cx="8382000" cy="2590800"/>
           </a:xfrm>
         </p:spPr>
         <p:txBody>
           <a:bodyPr>
-            <a:normAutofit fontScale="85000" lnSpcReduction="20000"/>
+            <a:normAutofit/>
           </a:bodyPr>
           <a:lstStyle/>
           <a:p>
@@ -6364,10 +6383,10 @@
           </a:p>
           <a:p>
             <a:r>
-              <a:rPr lang="en-US" dirty="0" smtClean="0"/>
-              <a:t>MS Thesis</a:t>
-            </a:r>
-            <a:endParaRPr lang="en-US" dirty="0"/>
+              <a:rPr lang="en-US" smtClean="0"/>
+              <a:t>Master’s Thesis</a:t>
+            </a:r>
+            <a:endParaRPr lang="en-US" dirty="0" smtClean="0"/>
           </a:p>
         </p:txBody>
       </p:sp>
@@ -6480,13 +6499,8 @@
             <a:pPr lvl="2"/>
             <a:r>
               <a:rPr lang="en-US" dirty="0" smtClean="0"/>
-              <a:t>No </a:t>
-            </a:r>
-            <a:r>
-              <a:rPr lang="en-US" dirty="0" smtClean="0"/>
-              <a:t>swarming</a:t>
-            </a:r>
-            <a:endParaRPr lang="en-US" dirty="0" smtClean="0"/>
+              <a:t>No swarming</a:t>
+            </a:r>
           </a:p>
           <a:p>
             <a:r>
@@ -6507,7 +6521,6 @@
               <a:rPr lang="en-US" dirty="0" smtClean="0"/>
               <a:t>Limited by servers’ bandwidth</a:t>
             </a:r>
-            <a:endParaRPr lang="en-US" dirty="0" smtClean="0"/>
           </a:p>
           <a:p>
             <a:r>
@@ -7074,13 +7087,8 @@
           <a:p>
             <a:r>
               <a:rPr lang="en-US" dirty="0" smtClean="0"/>
-              <a:t>Last </a:t>
-            </a:r>
-            <a:r>
-              <a:rPr lang="en-US" dirty="0" smtClean="0"/>
-              <a:t>block</a:t>
-            </a:r>
-            <a:endParaRPr lang="en-US" dirty="0" smtClean="0"/>
+              <a:t>Last block</a:t>
+            </a:r>
           </a:p>
         </p:txBody>
       </p:sp>
@@ -7412,6 +7420,18 @@
           <a:p>
             <a:r>
               <a:rPr lang="en-US" dirty="0" smtClean="0"/>
+              <a:t>Start multiple clients over some time</a:t>
+            </a:r>
+          </a:p>
+          <a:p>
+            <a:r>
+              <a:rPr lang="en-US" dirty="0" smtClean="0"/>
+              <a:t>Run until finish</a:t>
+            </a:r>
+          </a:p>
+          <a:p>
+            <a:r>
+              <a:rPr lang="en-US" dirty="0" smtClean="0"/>
               <a:t>BYU server</a:t>
             </a:r>
           </a:p>
@@ -7425,35 +7445,14 @@
           <a:p>
             <a:r>
               <a:rPr lang="en-US" dirty="0" smtClean="0"/>
-              <a:t>Start multiple clients over some time</a:t>
-            </a:r>
-          </a:p>
-          <a:p>
-            <a:r>
-              <a:rPr lang="en-US" dirty="0" smtClean="0"/>
-              <a:t>Run </a:t>
-            </a:r>
-            <a:r>
-              <a:rPr lang="en-US" dirty="0" smtClean="0"/>
-              <a:t>until finish</a:t>
-            </a:r>
-          </a:p>
-          <a:p>
-            <a:r>
-              <a:rPr lang="en-US" dirty="0" smtClean="0"/>
               <a:t>Repeat 3x</a:t>
             </a:r>
           </a:p>
           <a:p>
             <a:r>
               <a:rPr lang="en-US" dirty="0" smtClean="0"/>
-              <a:t>Graph </a:t>
-            </a:r>
-            <a:r>
-              <a:rPr lang="en-US" dirty="0" smtClean="0"/>
-              <a:t>percentiles</a:t>
-            </a:r>
-            <a:endParaRPr lang="en-US" dirty="0" smtClean="0"/>
+              <a:t>Graph percentiles</a:t>
+            </a:r>
           </a:p>
           <a:p>
             <a:pPr lvl="1"/>
@@ -7495,7 +7494,7 @@
         </p:blipFill>
         <p:spPr bwMode="auto">
           <a:xfrm>
-            <a:off x="7239000" y="1752600"/>
+            <a:off x="7239000" y="2273030"/>
             <a:ext cx="828675" cy="2679970"/>
           </a:xfrm>
           <a:prstGeom prst="rect">
@@ -7630,11 +7629,7 @@
           <a:p>
             <a:r>
               <a:rPr lang="en-US" dirty="0" smtClean="0"/>
-              <a:t>100 </a:t>
-            </a:r>
-            <a:r>
-              <a:rPr lang="en-US" dirty="0" smtClean="0"/>
-              <a:t>s</a:t>
+              <a:t>100 s</a:t>
             </a:r>
           </a:p>
           <a:p>
@@ -7646,11 +7641,7 @@
           <a:p>
             <a:r>
               <a:rPr lang="en-US" dirty="0" smtClean="0"/>
-              <a:t>Both Client-Server </a:t>
-            </a:r>
-            <a:r>
-              <a:rPr lang="en-US" dirty="0" smtClean="0"/>
-              <a:t>and Automatic Swarming</a:t>
+              <a:t>Both Client-Server and Automatic Swarming</a:t>
             </a:r>
           </a:p>
         </p:txBody>
@@ -8087,10 +8078,6 @@
               <a:rPr lang="en-US" dirty="0" smtClean="0"/>
               <a:t>Automatic Swarming – </a:t>
             </a:r>
-            <a:r>
-              <a:rPr lang="en-US" dirty="0" smtClean="0"/>
-              <a:t/>
-            </a:r>
             <a:br>
               <a:rPr lang="en-US" dirty="0" smtClean="0"/>
             </a:br>
@@ -8330,7 +8317,7 @@
         </p:spPr>
         <p:txBody>
           <a:bodyPr>
-            <a:normAutofit lnSpcReduction="10000"/>
+            <a:normAutofit fontScale="92500" lnSpcReduction="10000"/>
           </a:bodyPr>
           <a:lstStyle/>
           <a:p>
@@ -8340,73 +8327,72 @@
             </a:r>
           </a:p>
           <a:p>
-            <a:pPr lvl="1"/>
-            <a:r>
-              <a:rPr lang="en-US" dirty="0" smtClean="0"/>
-              <a:t>1000 </a:t>
-            </a:r>
-            <a:r>
-              <a:rPr lang="en-US" dirty="0" smtClean="0"/>
-              <a:t>peers</a:t>
-            </a:r>
-          </a:p>
-          <a:p>
-            <a:pPr lvl="1"/>
+            <a:pPr lvl="2"/>
+            <a:r>
+              <a:rPr lang="en-US" dirty="0" smtClean="0"/>
+              <a:t>File size: 100 KB</a:t>
+            </a:r>
+          </a:p>
+          <a:p>
+            <a:pPr lvl="2"/>
+            <a:r>
+              <a:rPr lang="en-US" dirty="0" smtClean="0"/>
+              <a:t>1000 peers</a:t>
+            </a:r>
+          </a:p>
+          <a:p>
+            <a:pPr lvl="2"/>
             <a:r>
               <a:rPr lang="en-US" dirty="0" smtClean="0"/>
               <a:t>15 peers/s</a:t>
             </a:r>
           </a:p>
           <a:p>
-            <a:pPr lvl="1"/>
-            <a:r>
-              <a:rPr lang="en-US" dirty="0" smtClean="0"/>
-              <a:t>File size: 100 KB</a:t>
-            </a:r>
-          </a:p>
-          <a:p>
-            <a:pPr lvl="1"/>
-            <a:r>
-              <a:rPr lang="en-US" dirty="0" smtClean="0"/>
-              <a:t>R 128 KB/s</a:t>
-            </a:r>
-          </a:p>
-          <a:p>
-            <a:pPr lvl="1"/>
-            <a:r>
-              <a:rPr lang="en-US" dirty="0" smtClean="0"/>
-              <a:t>W 2s</a:t>
-            </a:r>
-          </a:p>
-          <a:p>
-            <a:pPr lvl="1"/>
-            <a:r>
-              <a:rPr lang="en-US" dirty="0" smtClean="0"/>
-              <a:t>T 1s</a:t>
-            </a:r>
-          </a:p>
-          <a:p>
-            <a:pPr lvl="1"/>
-            <a:r>
-              <a:rPr lang="en-US" dirty="0" smtClean="0"/>
-              <a:t>Linger </a:t>
-            </a:r>
-            <a:r>
-              <a:rPr lang="en-US" dirty="0" smtClean="0"/>
-              <a:t>20s</a:t>
-            </a:r>
-            <a:endParaRPr lang="en-US" dirty="0" smtClean="0"/>
+            <a:pPr lvl="2"/>
+            <a:r>
+              <a:rPr lang="en-US" dirty="0" smtClean="0"/>
+              <a:t>Linger 20 s</a:t>
+            </a:r>
           </a:p>
           <a:p>
             <a:r>
               <a:rPr lang="en-US" dirty="0" smtClean="0"/>
               <a:t>Vary one parameter</a:t>
             </a:r>
-            <a:r>
-              <a:rPr lang="en-US" smtClean="0"/>
-              <a:t>, hold rest constant</a:t>
-            </a:r>
-            <a:endParaRPr lang="en-US" dirty="0" smtClean="0"/>
+          </a:p>
+          <a:p>
+            <a:pPr lvl="2"/>
+            <a:r>
+              <a:rPr lang="en-US" dirty="0" smtClean="0"/>
+              <a:t>T:    0 - 10 s</a:t>
+            </a:r>
+          </a:p>
+          <a:p>
+            <a:pPr lvl="2"/>
+            <a:r>
+              <a:rPr lang="en-US" dirty="0" smtClean="0"/>
+              <a:t>R:   32 KB/s - 1 MB/s</a:t>
+            </a:r>
+          </a:p>
+          <a:p>
+            <a:pPr lvl="2"/>
+            <a:r>
+              <a:rPr lang="en-US" dirty="0" smtClean="0"/>
+              <a:t>W: 0.1 - 10 s</a:t>
+            </a:r>
+          </a:p>
+          <a:p>
+            <a:pPr lvl="2"/>
+            <a:r>
+              <a:rPr lang="en-US" dirty="0" smtClean="0"/>
+              <a:t>Peer Connection Limit</a:t>
+            </a:r>
+          </a:p>
+          <a:p>
+            <a:r>
+              <a:rPr lang="en-US" dirty="0" smtClean="0"/>
+              <a:t>Reasonable defaults</a:t>
+            </a:r>
           </a:p>
         </p:txBody>
       </p:sp>
@@ -8427,8 +8413,8 @@
         </p:blipFill>
         <p:spPr bwMode="auto">
           <a:xfrm>
-            <a:off x="3539303" y="1219200"/>
-            <a:ext cx="5604697" cy="3581401"/>
+            <a:off x="4254798" y="1219200"/>
+            <a:ext cx="4889202" cy="3124200"/>
           </a:xfrm>
           <a:prstGeom prst="rect">
             <a:avLst/>
@@ -8526,25 +8512,7 @@
             </a:pPr>
             <a:r>
               <a:rPr lang="en-US" sz="3200" dirty="0" smtClean="0"/>
-              <a:t>T: 0.75 </a:t>
-            </a:r>
-            <a:r>
-              <a:rPr lang="en-US" sz="3200" dirty="0" smtClean="0"/>
-              <a:t>s</a:t>
-            </a:r>
-          </a:p>
-          <a:p>
-            <a:pPr marL="742950" lvl="1" indent="-285750">
-              <a:spcBef>
-                <a:spcPct val="20000"/>
-              </a:spcBef>
-              <a:buFont typeface="Arial" pitchFamily="34" charset="0"/>
-              <a:buChar char="–"/>
-              <a:defRPr/>
-            </a:pPr>
-            <a:r>
-              <a:rPr lang="en-US" sz="2800" dirty="0" smtClean="0"/>
-              <a:t>Prefer low</a:t>
+              <a:t>T: 0.75 s</a:t>
             </a:r>
           </a:p>
           <a:p>
@@ -8580,42 +8548,6 @@
                 <a:ea typeface="+mn-ea"/>
                 <a:cs typeface="+mn-cs"/>
               </a:rPr>
-              <a:t>R: 160 KB/s</a:t>
-            </a:r>
-          </a:p>
-          <a:p>
-            <a:pPr marL="342900" marR="0" lvl="0" indent="-342900" algn="l" defTabSz="914400" rtl="0" eaLnBrk="1" fontAlgn="auto" latinLnBrk="0" hangingPunct="1">
-              <a:lnSpc>
-                <a:spcPct val="100000"/>
-              </a:lnSpc>
-              <a:spcBef>
-                <a:spcPct val="20000"/>
-              </a:spcBef>
-              <a:spcAft>
-                <a:spcPts val="0"/>
-              </a:spcAft>
-              <a:buClrTx/>
-              <a:buSzTx/>
-              <a:buFont typeface="Arial" pitchFamily="34" charset="0"/>
-              <a:buChar char="•"/>
-              <a:tabLst/>
-              <a:defRPr/>
-            </a:pPr>
-            <a:r>
-              <a:rPr kumimoji="0" lang="en-US" sz="3200" b="0" i="0" u="none" strike="noStrike" kern="1200" cap="none" spc="0" normalizeH="0" baseline="0" noProof="0" dirty="0" smtClean="0">
-                <a:ln>
-                  <a:noFill/>
-                </a:ln>
-                <a:solidFill>
-                  <a:schemeClr val="tx1"/>
-                </a:solidFill>
-                <a:effectLst/>
-                <a:uLnTx/>
-                <a:uFillTx/>
-                <a:latin typeface="+mn-lt"/>
-                <a:ea typeface="+mn-ea"/>
-                <a:cs typeface="+mn-cs"/>
-              </a:rPr>
               <a:t>W: 0.25 s</a:t>
             </a:r>
           </a:p>
@@ -8652,7 +8584,21 @@
                 <a:ea typeface="+mn-ea"/>
                 <a:cs typeface="+mn-cs"/>
               </a:rPr>
-              <a:t>Prefer low</a:t>
+              <a:t>Smaller</a:t>
+            </a:r>
+          </a:p>
+          <a:p>
+            <a:pPr marL="342900" indent="-342900">
+              <a:spcBef>
+                <a:spcPct val="20000"/>
+              </a:spcBef>
+              <a:buFont typeface="Arial" pitchFamily="34" charset="0"/>
+              <a:buChar char="•"/>
+              <a:defRPr/>
+            </a:pPr>
+            <a:r>
+              <a:rPr lang="en-US" sz="3200" dirty="0" smtClean="0"/>
+              <a:t>R: 160 KB/s</a:t>
             </a:r>
           </a:p>
           <a:p>
@@ -8911,7 +8857,7 @@
             </a:pPr>
             <a:r>
               <a:rPr lang="en-US" sz="3200" dirty="0" smtClean="0"/>
-              <a:t>10 x as much load on the DHT</a:t>
+              <a:t>11 x as much load on the DHT</a:t>
             </a:r>
           </a:p>
           <a:p>
@@ -8934,15 +8880,7 @@
             </a:pPr>
             <a:r>
               <a:rPr lang="en-US" sz="3200" dirty="0" smtClean="0"/>
-              <a:t>Linger time </a:t>
-            </a:r>
-            <a:r>
-              <a:rPr lang="en-US" sz="3200" dirty="0" smtClean="0"/>
-              <a:t>20 </a:t>
-            </a:r>
-            <a:r>
-              <a:rPr lang="en-US" sz="3200" dirty="0" smtClean="0"/>
-              <a:t>seconds</a:t>
+              <a:t>Linger time 20 seconds</a:t>
             </a:r>
             <a:endParaRPr kumimoji="0" lang="en-US" sz="3200" b="0" i="0" u="none" strike="noStrike" kern="1200" cap="none" spc="0" normalizeH="0" baseline="0" noProof="0" dirty="0" smtClean="0">
               <a:ln>

--- a/thesis_presentation/How to Make the Internet Faster.pptx
+++ b/thesis_presentation/How to Make the Internet Faster.pptx
@@ -13,31 +13,31 @@
     <p:sldId id="258" r:id="rId4"/>
     <p:sldId id="259" r:id="rId5"/>
     <p:sldId id="260" r:id="rId6"/>
-    <p:sldId id="282" r:id="rId7"/>
-    <p:sldId id="261" r:id="rId8"/>
-    <p:sldId id="283" r:id="rId9"/>
-    <p:sldId id="287" r:id="rId10"/>
-    <p:sldId id="262" r:id="rId11"/>
-    <p:sldId id="293" r:id="rId12"/>
-    <p:sldId id="288" r:id="rId13"/>
-    <p:sldId id="266" r:id="rId14"/>
-    <p:sldId id="305" r:id="rId15"/>
-    <p:sldId id="306" r:id="rId16"/>
-    <p:sldId id="267" r:id="rId17"/>
-    <p:sldId id="285" r:id="rId18"/>
-    <p:sldId id="302" r:id="rId19"/>
-    <p:sldId id="268" r:id="rId20"/>
-    <p:sldId id="307" r:id="rId21"/>
-    <p:sldId id="269" r:id="rId22"/>
-    <p:sldId id="303" r:id="rId23"/>
-    <p:sldId id="281" r:id="rId24"/>
-    <p:sldId id="270" r:id="rId25"/>
-    <p:sldId id="308" r:id="rId26"/>
+    <p:sldId id="261" r:id="rId7"/>
+    <p:sldId id="283" r:id="rId8"/>
+    <p:sldId id="287" r:id="rId9"/>
+    <p:sldId id="262" r:id="rId10"/>
+    <p:sldId id="293" r:id="rId11"/>
+    <p:sldId id="288" r:id="rId12"/>
+    <p:sldId id="266" r:id="rId13"/>
+    <p:sldId id="305" r:id="rId14"/>
+    <p:sldId id="306" r:id="rId15"/>
+    <p:sldId id="267" r:id="rId16"/>
+    <p:sldId id="285" r:id="rId17"/>
+    <p:sldId id="302" r:id="rId18"/>
+    <p:sldId id="268" r:id="rId19"/>
+    <p:sldId id="307" r:id="rId20"/>
+    <p:sldId id="269" r:id="rId21"/>
+    <p:sldId id="303" r:id="rId22"/>
+    <p:sldId id="281" r:id="rId23"/>
+    <p:sldId id="270" r:id="rId24"/>
+    <p:sldId id="308" r:id="rId25"/>
+    <p:sldId id="310" r:id="rId26"/>
     <p:sldId id="274" r:id="rId27"/>
     <p:sldId id="275" r:id="rId28"/>
-    <p:sldId id="277" r:id="rId29"/>
-    <p:sldId id="278" r:id="rId30"/>
-    <p:sldId id="294" r:id="rId31"/>
+    <p:sldId id="278" r:id="rId29"/>
+    <p:sldId id="294" r:id="rId30"/>
+    <p:sldId id="309" r:id="rId31"/>
     <p:sldId id="279" r:id="rId32"/>
     <p:sldId id="298" r:id="rId33"/>
     <p:sldId id="280" r:id="rId34"/>
@@ -226,7 +226,7 @@
             <a:fld id="{9826D637-6924-4A4F-8550-0E64EF887888}" type="datetimeFigureOut">
               <a:rPr lang="en-US" smtClean="0"/>
               <a:pPr/>
-              <a:t>4/17/2010</a:t>
+              <a:t>4/19/2010</a:t>
             </a:fld>
             <a:endParaRPr lang="en-US"/>
           </a:p>
@@ -641,7 +641,7 @@
           </a:bodyPr>
           <a:lstStyle/>
           <a:p>
-            <a:endParaRPr lang="en-US" dirty="0"/>
+            <a:endParaRPr lang="en-US" dirty="0" smtClean="0"/>
           </a:p>
         </p:txBody>
       </p:sp>
@@ -723,7 +723,10 @@
           </a:bodyPr>
           <a:lstStyle/>
           <a:p>
-            <a:endParaRPr lang="en-US" dirty="0" smtClean="0"/>
+            <a:r>
+              <a:rPr lang="en-US" baseline="0" dirty="0" smtClean="0"/>
+              <a:t>Something like this, should it exist, would be quite useful if it were built into IE</a:t>
+            </a:r>
           </a:p>
         </p:txBody>
       </p:sp>
@@ -805,10 +808,7 @@
           </a:bodyPr>
           <a:lstStyle/>
           <a:p>
-            <a:r>
-              <a:rPr lang="en-US" baseline="0" dirty="0" smtClean="0"/>
-              <a:t>Something like this, should it exist, would be quite useful if it were built into IE</a:t>
-            </a:r>
+            <a:endParaRPr lang="en-US" dirty="0"/>
           </a:p>
         </p:txBody>
       </p:sp>
@@ -890,7 +890,7 @@
           </a:bodyPr>
           <a:lstStyle/>
           <a:p>
-            <a:endParaRPr lang="en-US" dirty="0"/>
+            <a:endParaRPr lang="en-US"/>
           </a:p>
         </p:txBody>
       </p:sp>
@@ -972,7 +972,7 @@
           </a:bodyPr>
           <a:lstStyle/>
           <a:p>
-            <a:endParaRPr lang="en-US"/>
+            <a:endParaRPr lang="en-US" dirty="0"/>
           </a:p>
         </p:txBody>
       </p:sp>
@@ -1136,7 +1136,7 @@
           </a:bodyPr>
           <a:lstStyle/>
           <a:p>
-            <a:endParaRPr lang="en-US" dirty="0"/>
+            <a:endParaRPr lang="en-US"/>
           </a:p>
         </p:txBody>
       </p:sp>
@@ -1218,7 +1218,7 @@
           </a:bodyPr>
           <a:lstStyle/>
           <a:p>
-            <a:endParaRPr lang="en-US"/>
+            <a:endParaRPr lang="en-US" dirty="0"/>
           </a:p>
         </p:txBody>
       </p:sp>
@@ -1300,7 +1300,43 @@
           </a:bodyPr>
           <a:lstStyle/>
           <a:p>
-            <a:endParaRPr lang="en-US" dirty="0"/>
+            <a:r>
+              <a:rPr lang="en-US" sz="1200" kern="1200" baseline="0" dirty="0" smtClean="0">
+                <a:solidFill>
+                  <a:schemeClr val="tx1"/>
+                </a:solidFill>
+                <a:latin typeface="+mn-lt"/>
+                <a:ea typeface="+mn-ea"/>
+                <a:cs typeface="+mn-cs"/>
+              </a:rPr>
+              <a:t>Note that a semi-popular website might serve half a</a:t>
+            </a:r>
+          </a:p>
+          <a:p>
+            <a:r>
+              <a:rPr lang="en-US" sz="1200" kern="1200" baseline="0" dirty="0" smtClean="0">
+                <a:solidFill>
+                  <a:schemeClr val="tx1"/>
+                </a:solidFill>
+                <a:latin typeface="+mn-lt"/>
+                <a:ea typeface="+mn-ea"/>
+                <a:cs typeface="+mn-cs"/>
+              </a:rPr>
+              <a:t>million hits a day, which averages to 6 per second, so our limit of 20 per second is similar, if</a:t>
+            </a:r>
+          </a:p>
+          <a:p>
+            <a:r>
+              <a:rPr lang="en-US" sz="1200" kern="1200" baseline="0" dirty="0" smtClean="0">
+                <a:solidFill>
+                  <a:schemeClr val="tx1"/>
+                </a:solidFill>
+                <a:latin typeface="+mn-lt"/>
+                <a:ea typeface="+mn-ea"/>
+                <a:cs typeface="+mn-cs"/>
+              </a:rPr>
+              <a:t>you take into consideration spikes in load</a:t>
+            </a:r>
           </a:p>
         </p:txBody>
       </p:sp>
@@ -1382,43 +1418,7 @@
           </a:bodyPr>
           <a:lstStyle/>
           <a:p>
-            <a:r>
-              <a:rPr lang="en-US" sz="1200" kern="1200" baseline="0" dirty="0" smtClean="0">
-                <a:solidFill>
-                  <a:schemeClr val="tx1"/>
-                </a:solidFill>
-                <a:latin typeface="+mn-lt"/>
-                <a:ea typeface="+mn-ea"/>
-                <a:cs typeface="+mn-cs"/>
-              </a:rPr>
-              <a:t>Note that a semi-popular website might serve half a</a:t>
-            </a:r>
-          </a:p>
-          <a:p>
-            <a:r>
-              <a:rPr lang="en-US" sz="1200" kern="1200" baseline="0" dirty="0" smtClean="0">
-                <a:solidFill>
-                  <a:schemeClr val="tx1"/>
-                </a:solidFill>
-                <a:latin typeface="+mn-lt"/>
-                <a:ea typeface="+mn-ea"/>
-                <a:cs typeface="+mn-cs"/>
-              </a:rPr>
-              <a:t>million hits a day, which averages to 6 per second, so our limit of 20 per second is similar, if</a:t>
-            </a:r>
-          </a:p>
-          <a:p>
-            <a:r>
-              <a:rPr lang="en-US" sz="1200" kern="1200" baseline="0" dirty="0" smtClean="0">
-                <a:solidFill>
-                  <a:schemeClr val="tx1"/>
-                </a:solidFill>
-                <a:latin typeface="+mn-lt"/>
-                <a:ea typeface="+mn-ea"/>
-                <a:cs typeface="+mn-cs"/>
-              </a:rPr>
-              <a:t>you take into consideration spikes in load</a:t>
-            </a:r>
+            <a:endParaRPr lang="en-US"/>
           </a:p>
         </p:txBody>
       </p:sp>
@@ -1582,7 +1582,7 @@
           </a:bodyPr>
           <a:lstStyle/>
           <a:p>
-            <a:endParaRPr lang="en-US"/>
+            <a:endParaRPr lang="en-US" dirty="0"/>
           </a:p>
         </p:txBody>
       </p:sp>
@@ -1664,7 +1664,7 @@
           </a:bodyPr>
           <a:lstStyle/>
           <a:p>
-            <a:endParaRPr lang="en-US" dirty="0"/>
+            <a:endParaRPr lang="en-US" baseline="0" dirty="0" smtClean="0"/>
           </a:p>
         </p:txBody>
       </p:sp>
@@ -1746,7 +1746,7 @@
           </a:bodyPr>
           <a:lstStyle/>
           <a:p>
-            <a:endParaRPr lang="en-US" baseline="0" dirty="0" smtClean="0"/>
+            <a:endParaRPr lang="en-US" dirty="0"/>
           </a:p>
         </p:txBody>
       </p:sp>
@@ -1828,7 +1828,38 @@
           </a:bodyPr>
           <a:lstStyle/>
           <a:p>
-            <a:endParaRPr lang="en-US" dirty="0"/>
+            <a:r>
+              <a:rPr lang="en-US" dirty="0" smtClean="0"/>
+              <a:t>Could avoid this</a:t>
+            </a:r>
+            <a:r>
+              <a:rPr lang="en-US" baseline="0" dirty="0" smtClean="0"/>
+              <a:t> slide altogether, theoretically, but we’ll do it for here.</a:t>
+            </a:r>
+          </a:p>
+          <a:p>
+            <a:r>
+              <a:rPr lang="en-US" baseline="0" dirty="0" smtClean="0"/>
+              <a:t>Defaults were: b 5</a:t>
+            </a:r>
+          </a:p>
+          <a:p>
+            <a:r>
+              <a:rPr lang="en-US" baseline="0" dirty="0" smtClean="0"/>
+              <a:t>R 128 KB/s</a:t>
+            </a:r>
+          </a:p>
+          <a:p>
+            <a:r>
+              <a:rPr lang="en-US" baseline="0" dirty="0" smtClean="0"/>
+              <a:t>T 1 (?)</a:t>
+            </a:r>
+          </a:p>
+          <a:p>
+            <a:r>
+              <a:rPr lang="en-US" baseline="0" dirty="0" smtClean="0"/>
+              <a:t>W 2 (?)</a:t>
+            </a:r>
           </a:p>
         </p:txBody>
       </p:sp>
@@ -1910,38 +1941,7 @@
           </a:bodyPr>
           <a:lstStyle/>
           <a:p>
-            <a:r>
-              <a:rPr lang="en-US" dirty="0" smtClean="0"/>
-              <a:t>Could avoid this</a:t>
-            </a:r>
-            <a:r>
-              <a:rPr lang="en-US" baseline="0" dirty="0" smtClean="0"/>
-              <a:t> slide altogether, theoretically, but we’ll do it for here.</a:t>
-            </a:r>
-          </a:p>
-          <a:p>
-            <a:r>
-              <a:rPr lang="en-US" baseline="0" dirty="0" smtClean="0"/>
-              <a:t>Defaults were: b 5</a:t>
-            </a:r>
-          </a:p>
-          <a:p>
-            <a:r>
-              <a:rPr lang="en-US" baseline="0" dirty="0" smtClean="0"/>
-              <a:t>R 128 KB/s</a:t>
-            </a:r>
-          </a:p>
-          <a:p>
-            <a:r>
-              <a:rPr lang="en-US" baseline="0" dirty="0" smtClean="0"/>
-              <a:t>T 1 (?)</a:t>
-            </a:r>
-          </a:p>
-          <a:p>
-            <a:r>
-              <a:rPr lang="en-US" baseline="0" dirty="0" smtClean="0"/>
-              <a:t>W 2 (?)</a:t>
-            </a:r>
+            <a:endParaRPr lang="en-US"/>
           </a:p>
         </p:txBody>
       </p:sp>
@@ -2023,6 +2023,32 @@
           </a:bodyPr>
           <a:lstStyle/>
           <a:p>
+            <a:r>
+              <a:rPr lang="en-US" dirty="0" smtClean="0"/>
+              <a:t>All I did was “</a:t>
+            </a:r>
+            <a:r>
+              <a:rPr lang="en-US" dirty="0" err="1" smtClean="0"/>
+              <a:t>add_median_line</a:t>
+            </a:r>
+            <a:r>
+              <a:rPr lang="en-US" dirty="0" smtClean="0"/>
+              <a:t>” =</a:t>
+            </a:r>
+            <a:r>
+              <a:rPr lang="en-US" baseline="0" dirty="0" smtClean="0"/>
+              <a:t> </a:t>
+            </a:r>
+            <a:r>
+              <a:rPr lang="en-US" dirty="0" smtClean="0"/>
+              <a:t>true</a:t>
+            </a:r>
+          </a:p>
+          <a:p>
+            <a:r>
+              <a:rPr lang="en-US" smtClean="0"/>
+              <a:t>skippable</a:t>
+            </a:r>
             <a:endParaRPr lang="en-US" dirty="0"/>
           </a:p>
         </p:txBody>
@@ -2045,7 +2071,7 @@
             <a:fld id="{CFD85767-B34F-4122-8642-982296400DCD}" type="slidenum">
               <a:rPr lang="en-US" smtClean="0"/>
               <a:pPr/>
-              <a:t>26</a:t>
+              <a:t>25</a:t>
             </a:fld>
             <a:endParaRPr lang="en-US"/>
           </a:p>
@@ -2105,7 +2131,7 @@
           </a:bodyPr>
           <a:lstStyle/>
           <a:p>
-            <a:endParaRPr lang="en-US"/>
+            <a:endParaRPr lang="en-US" dirty="0"/>
           </a:p>
         </p:txBody>
       </p:sp>
@@ -2127,7 +2153,7 @@
             <a:fld id="{CFD85767-B34F-4122-8642-982296400DCD}" type="slidenum">
               <a:rPr lang="en-US" smtClean="0"/>
               <a:pPr/>
-              <a:t>27</a:t>
+              <a:t>26</a:t>
             </a:fld>
             <a:endParaRPr lang="en-US"/>
           </a:p>
@@ -2209,7 +2235,7 @@
             <a:fld id="{CFD85767-B34F-4122-8642-982296400DCD}" type="slidenum">
               <a:rPr lang="en-US" smtClean="0"/>
               <a:pPr/>
-              <a:t>28</a:t>
+              <a:t>27</a:t>
             </a:fld>
             <a:endParaRPr lang="en-US"/>
           </a:p>
@@ -2269,32 +2295,8 @@
           </a:bodyPr>
           <a:lstStyle/>
           <a:p>
-            <a:r>
-              <a:rPr lang="en-US" dirty="0" smtClean="0"/>
-              <a:t>“Ours doesn’t perform</a:t>
-            </a:r>
-            <a:r>
-              <a:rPr lang="en-US" baseline="0" dirty="0" smtClean="0"/>
-              <a:t> as </a:t>
-            </a:r>
-            <a:r>
-              <a:rPr lang="en-US" dirty="0" smtClean="0"/>
-              <a:t>well as BT for</a:t>
-            </a:r>
-            <a:r>
-              <a:rPr lang="en-US" baseline="0" dirty="0" smtClean="0"/>
-              <a:t> large files”</a:t>
-            </a:r>
-          </a:p>
-          <a:p>
             <a:endParaRPr lang="en-US" baseline="0" dirty="0" smtClean="0"/>
           </a:p>
-          <a:p>
-            <a:r>
-              <a:rPr lang="en-US" baseline="0" dirty="0" smtClean="0"/>
-              <a:t>You can see that at about 730 to 882 seconds most of our peers finish the file, and most of the peers download it from peers, so once we get the file out there we work all right, but we could do some work still to increase our speed of propagating the blocks”</a:t>
-            </a:r>
-          </a:p>
         </p:txBody>
       </p:sp>
       <p:sp>
@@ -2315,7 +2317,7 @@
             <a:fld id="{CFD85767-B34F-4122-8642-982296400DCD}" type="slidenum">
               <a:rPr lang="en-US" smtClean="0"/>
               <a:pPr/>
-              <a:t>29</a:t>
+              <a:t>28</a:t>
             </a:fld>
             <a:endParaRPr lang="en-US"/>
           </a:p>
@@ -2375,7 +2377,22 @@
           </a:bodyPr>
           <a:lstStyle/>
           <a:p>
-            <a:endParaRPr lang="en-US" dirty="0"/>
+            <a:r>
+              <a:rPr lang="en-US" dirty="0" smtClean="0"/>
+              <a:t>“Ours doesn’t perform</a:t>
+            </a:r>
+            <a:r>
+              <a:rPr lang="en-US" baseline="0" dirty="0" smtClean="0"/>
+              <a:t> as </a:t>
+            </a:r>
+            <a:r>
+              <a:rPr lang="en-US" dirty="0" smtClean="0"/>
+              <a:t>well as BT for</a:t>
+            </a:r>
+            <a:r>
+              <a:rPr lang="en-US" baseline="0" dirty="0" smtClean="0"/>
+              <a:t> large files”</a:t>
+            </a:r>
           </a:p>
         </p:txBody>
       </p:sp>
@@ -2397,7 +2414,7 @@
             <a:fld id="{CFD85767-B34F-4122-8642-982296400DCD}" type="slidenum">
               <a:rPr lang="en-US" smtClean="0"/>
               <a:pPr/>
-              <a:t>30</a:t>
+              <a:t>29</a:t>
             </a:fld>
             <a:endParaRPr lang="en-US"/>
           </a:p>
@@ -2539,7 +2556,11 @@
           </a:bodyPr>
           <a:lstStyle/>
           <a:p>
-            <a:endParaRPr lang="en-US" dirty="0"/>
+            <a:r>
+              <a:rPr lang="en-US" baseline="0" dirty="0" err="1" smtClean="0"/>
+              <a:t>Skippable</a:t>
+            </a:r>
+            <a:endParaRPr lang="en-US" baseline="0" dirty="0" smtClean="0"/>
           </a:p>
         </p:txBody>
       </p:sp>
@@ -2561,7 +2582,7 @@
             <a:fld id="{CFD85767-B34F-4122-8642-982296400DCD}" type="slidenum">
               <a:rPr lang="en-US" smtClean="0"/>
               <a:pPr/>
-              <a:t>31</a:t>
+              <a:t>30</a:t>
             </a:fld>
             <a:endParaRPr lang="en-US"/>
           </a:p>
@@ -2643,7 +2664,7 @@
             <a:fld id="{CFD85767-B34F-4122-8642-982296400DCD}" type="slidenum">
               <a:rPr lang="en-US" smtClean="0"/>
               <a:pPr/>
-              <a:t>32</a:t>
+              <a:t>31</a:t>
             </a:fld>
             <a:endParaRPr lang="en-US"/>
           </a:p>
@@ -2725,7 +2746,7 @@
             <a:fld id="{CFD85767-B34F-4122-8642-982296400DCD}" type="slidenum">
               <a:rPr lang="en-US" smtClean="0"/>
               <a:pPr/>
-              <a:t>33</a:t>
+              <a:t>32</a:t>
             </a:fld>
             <a:endParaRPr lang="en-US"/>
           </a:p>
@@ -2785,6 +2806,88 @@
           </a:bodyPr>
           <a:lstStyle/>
           <a:p>
+            <a:endParaRPr lang="en-US" dirty="0"/>
+          </a:p>
+        </p:txBody>
+      </p:sp>
+      <p:sp>
+        <p:nvSpPr>
+          <p:cNvPr id="4" name="Slide Number Placeholder 3"/>
+          <p:cNvSpPr>
+            <a:spLocks noGrp="1"/>
+          </p:cNvSpPr>
+          <p:nvPr>
+            <p:ph type="sldNum" sz="quarter" idx="10"/>
+          </p:nvPr>
+        </p:nvSpPr>
+        <p:spPr/>
+        <p:txBody>
+          <a:bodyPr/>
+          <a:lstStyle/>
+          <a:p>
+            <a:fld id="{CFD85767-B34F-4122-8642-982296400DCD}" type="slidenum">
+              <a:rPr lang="en-US" smtClean="0"/>
+              <a:pPr/>
+              <a:t>33</a:t>
+            </a:fld>
+            <a:endParaRPr lang="en-US"/>
+          </a:p>
+        </p:txBody>
+      </p:sp>
+    </p:spTree>
+  </p:cSld>
+  <p:clrMapOvr>
+    <a:masterClrMapping/>
+  </p:clrMapOvr>
+</p:notes>
+</file>
+
+<file path=ppt/notesSlides/notesSlide34.xml><?xml version="1.0" encoding="utf-8"?>
+<p:notes xmlns:a="http://schemas.openxmlformats.org/drawingml/2006/main" xmlns:r="http://schemas.openxmlformats.org/officeDocument/2006/relationships" xmlns:p="http://schemas.openxmlformats.org/presentationml/2006/main">
+  <p:cSld>
+    <p:spTree>
+      <p:nvGrpSpPr>
+        <p:cNvPr id="1" name=""/>
+        <p:cNvGrpSpPr/>
+        <p:nvPr/>
+      </p:nvGrpSpPr>
+      <p:grpSpPr>
+        <a:xfrm>
+          <a:off x="0" y="0"/>
+          <a:ext cx="0" cy="0"/>
+          <a:chOff x="0" y="0"/>
+          <a:chExt cx="0" cy="0"/>
+        </a:xfrm>
+      </p:grpSpPr>
+      <p:sp>
+        <p:nvSpPr>
+          <p:cNvPr id="2" name="Slide Image Placeholder 1"/>
+          <p:cNvSpPr>
+            <a:spLocks noGrp="1" noRot="1" noChangeAspect="1"/>
+          </p:cNvSpPr>
+          <p:nvPr>
+            <p:ph type="sldImg"/>
+          </p:nvPr>
+        </p:nvSpPr>
+        <p:spPr/>
+      </p:sp>
+      <p:sp>
+        <p:nvSpPr>
+          <p:cNvPr id="3" name="Notes Placeholder 2"/>
+          <p:cNvSpPr>
+            <a:spLocks noGrp="1"/>
+          </p:cNvSpPr>
+          <p:nvPr>
+            <p:ph type="body" idx="1"/>
+          </p:nvPr>
+        </p:nvSpPr>
+        <p:spPr/>
+        <p:txBody>
+          <a:bodyPr>
+            <a:normAutofit/>
+          </a:bodyPr>
+          <a:lstStyle/>
+          <a:p>
             <a:endParaRPr lang="en-US"/>
           </a:p>
         </p:txBody>
@@ -3031,7 +3134,10 @@
           </a:bodyPr>
           <a:lstStyle/>
           <a:p>
-            <a:endParaRPr lang="en-US" dirty="0"/>
+            <a:endParaRPr lang="en-US" baseline="0" dirty="0" smtClean="0"/>
+          </a:p>
+          <a:p>
+            <a:endParaRPr lang="en-US" baseline="0" dirty="0" smtClean="0"/>
           </a:p>
         </p:txBody>
       </p:sp>
@@ -3109,14 +3215,28 @@
         <p:spPr/>
         <p:txBody>
           <a:bodyPr>
-            <a:normAutofit/>
+            <a:normAutofit lnSpcReduction="10000"/>
           </a:bodyPr>
           <a:lstStyle/>
           <a:p>
-            <a:endParaRPr lang="en-US" baseline="0" dirty="0" smtClean="0"/>
-          </a:p>
-          <a:p>
-            <a:endParaRPr lang="en-US" baseline="0" dirty="0" smtClean="0"/>
+            <a:pPr marL="0" marR="0" indent="0" algn="l" defTabSz="914400" rtl="0" eaLnBrk="1" fontAlgn="auto" latinLnBrk="0" hangingPunct="1">
+              <a:lnSpc>
+                <a:spcPct val="100000"/>
+              </a:lnSpc>
+              <a:spcBef>
+                <a:spcPts val="0"/>
+              </a:spcBef>
+              <a:spcAft>
+                <a:spcPts val="0"/>
+              </a:spcAft>
+              <a:buClrTx/>
+              <a:buSzTx/>
+              <a:buFontTx/>
+              <a:buNone/>
+              <a:tabLst/>
+              <a:defRPr/>
+            </a:pPr>
+            <a:endParaRPr lang="en-US" dirty="0" smtClean="0"/>
           </a:p>
         </p:txBody>
       </p:sp>
@@ -3194,7 +3314,7 @@
         <p:spPr/>
         <p:txBody>
           <a:bodyPr>
-            <a:normAutofit lnSpcReduction="10000"/>
+            <a:normAutofit/>
           </a:bodyPr>
           <a:lstStyle/>
           <a:p>
@@ -3215,6 +3335,112 @@
               <a:tabLst/>
               <a:defRPr/>
             </a:pPr>
+            <a:r>
+              <a:rPr lang="en-US" dirty="0" err="1" smtClean="0"/>
+              <a:t>Viz</a:t>
+            </a:r>
+            <a:r>
+              <a:rPr lang="en-US" dirty="0" smtClean="0"/>
+              <a:t>: The general problem is that when downloading typical files from the</a:t>
+            </a:r>
+            <a:r>
+              <a:rPr lang="en-US" baseline="0" dirty="0" smtClean="0"/>
+              <a:t> Internet, BitTorrent cannot come to your aid.</a:t>
+            </a:r>
+          </a:p>
+          <a:p>
+            <a:pPr marL="0" marR="0" indent="0" algn="l" defTabSz="914400" rtl="0" eaLnBrk="1" fontAlgn="auto" latinLnBrk="0" hangingPunct="1">
+              <a:lnSpc>
+                <a:spcPct val="100000"/>
+              </a:lnSpc>
+              <a:spcBef>
+                <a:spcPts val="0"/>
+              </a:spcBef>
+              <a:spcAft>
+                <a:spcPts val="0"/>
+              </a:spcAft>
+              <a:buClrTx/>
+              <a:buSzTx/>
+              <a:buFontTx/>
+              <a:buNone/>
+              <a:tabLst/>
+              <a:defRPr/>
+            </a:pPr>
+            <a:endParaRPr lang="en-US" baseline="0" dirty="0" smtClean="0"/>
+          </a:p>
+          <a:p>
+            <a:pPr marL="0" marR="0" indent="0" algn="l" defTabSz="914400" rtl="0" eaLnBrk="1" fontAlgn="auto" latinLnBrk="0" hangingPunct="1">
+              <a:lnSpc>
+                <a:spcPct val="100000"/>
+              </a:lnSpc>
+              <a:spcBef>
+                <a:spcPts val="0"/>
+              </a:spcBef>
+              <a:spcAft>
+                <a:spcPts val="0"/>
+              </a:spcAft>
+              <a:buClrTx/>
+              <a:buSzTx/>
+              <a:buFontTx/>
+              <a:buNone/>
+              <a:tabLst/>
+              <a:defRPr/>
+            </a:pPr>
+            <a:r>
+              <a:rPr lang="en-US" baseline="0" dirty="0" smtClean="0"/>
+              <a:t>Not HTTP optimized (web seeds) typically</a:t>
+            </a:r>
+          </a:p>
+          <a:p>
+            <a:pPr marL="0" marR="0" indent="0" algn="l" defTabSz="914400" rtl="0" eaLnBrk="1" fontAlgn="auto" latinLnBrk="0" hangingPunct="1">
+              <a:lnSpc>
+                <a:spcPct val="100000"/>
+              </a:lnSpc>
+              <a:spcBef>
+                <a:spcPts val="0"/>
+              </a:spcBef>
+              <a:spcAft>
+                <a:spcPts val="0"/>
+              </a:spcAft>
+              <a:buClrTx/>
+              <a:buSzTx/>
+              <a:buFontTx/>
+              <a:buNone/>
+              <a:tabLst/>
+              <a:defRPr/>
+            </a:pPr>
+            <a:endParaRPr lang="en-US" baseline="0" dirty="0" smtClean="0"/>
+          </a:p>
+          <a:p>
+            <a:pPr marL="0" marR="0" indent="0" algn="l" defTabSz="914400" rtl="0" eaLnBrk="1" fontAlgn="auto" latinLnBrk="0" hangingPunct="1">
+              <a:lnSpc>
+                <a:spcPct val="100000"/>
+              </a:lnSpc>
+              <a:spcBef>
+                <a:spcPts val="0"/>
+              </a:spcBef>
+              <a:spcAft>
+                <a:spcPts val="0"/>
+              </a:spcAft>
+              <a:buClrTx/>
+              <a:buSzTx/>
+              <a:buFontTx/>
+              <a:buNone/>
+              <a:tabLst/>
+              <a:defRPr/>
+            </a:pPr>
+            <a:r>
+              <a:rPr lang="en-US" baseline="0" dirty="0" smtClean="0"/>
+              <a:t>Also </a:t>
+            </a:r>
+            <a:r>
+              <a:rPr lang="en-US" baseline="0" dirty="0" err="1" smtClean="0"/>
+              <a:t>warmup</a:t>
+            </a:r>
+            <a:r>
+              <a:rPr lang="en-US" baseline="0" dirty="0" smtClean="0"/>
+              <a:t> phase</a:t>
+            </a:r>
             <a:endParaRPr lang="en-US" dirty="0" smtClean="0"/>
           </a:p>
         </p:txBody>
@@ -3297,36 +3523,7 @@
           </a:bodyPr>
           <a:lstStyle/>
           <a:p>
-            <a:pPr marL="0" marR="0" indent="0" algn="l" defTabSz="914400" rtl="0" eaLnBrk="1" fontAlgn="auto" latinLnBrk="0" hangingPunct="1">
-              <a:lnSpc>
-                <a:spcPct val="100000"/>
-              </a:lnSpc>
-              <a:spcBef>
-                <a:spcPts val="0"/>
-              </a:spcBef>
-              <a:spcAft>
-                <a:spcPts val="0"/>
-              </a:spcAft>
-              <a:buClrTx/>
-              <a:buSzTx/>
-              <a:buFontTx/>
-              <a:buNone/>
-              <a:tabLst/>
-              <a:defRPr/>
-            </a:pPr>
-            <a:r>
-              <a:rPr lang="en-US" dirty="0" err="1" smtClean="0"/>
-              <a:t>Viz</a:t>
-            </a:r>
-            <a:r>
-              <a:rPr lang="en-US" dirty="0" smtClean="0"/>
-              <a:t>: The more general problem is that when downloading typical files from the</a:t>
-            </a:r>
-            <a:r>
-              <a:rPr lang="en-US" baseline="0" dirty="0" smtClean="0"/>
-              <a:t> Internet, BitTorrent cannot come to your aid</a:t>
-            </a:r>
-            <a:endParaRPr lang="en-US" dirty="0" smtClean="0"/>
+            <a:endParaRPr lang="en-US" dirty="0"/>
           </a:p>
         </p:txBody>
       </p:sp>
@@ -3544,7 +3741,7 @@
             <a:fld id="{B41A135E-287C-4591-8C88-153CD277EA84}" type="datetimeFigureOut">
               <a:rPr lang="en-US" smtClean="0"/>
               <a:pPr/>
-              <a:t>4/17/2010</a:t>
+              <a:t>4/19/2010</a:t>
             </a:fld>
             <a:endParaRPr lang="en-US"/>
           </a:p>
@@ -3711,7 +3908,7 @@
             <a:fld id="{B41A135E-287C-4591-8C88-153CD277EA84}" type="datetimeFigureOut">
               <a:rPr lang="en-US" smtClean="0"/>
               <a:pPr/>
-              <a:t>4/17/2010</a:t>
+              <a:t>4/19/2010</a:t>
             </a:fld>
             <a:endParaRPr lang="en-US"/>
           </a:p>
@@ -3888,7 +4085,7 @@
             <a:fld id="{B41A135E-287C-4591-8C88-153CD277EA84}" type="datetimeFigureOut">
               <a:rPr lang="en-US" smtClean="0"/>
               <a:pPr/>
-              <a:t>4/17/2010</a:t>
+              <a:t>4/19/2010</a:t>
             </a:fld>
             <a:endParaRPr lang="en-US"/>
           </a:p>
@@ -4055,7 +4252,7 @@
             <a:fld id="{B41A135E-287C-4591-8C88-153CD277EA84}" type="datetimeFigureOut">
               <a:rPr lang="en-US" smtClean="0"/>
               <a:pPr/>
-              <a:t>4/17/2010</a:t>
+              <a:t>4/19/2010</a:t>
             </a:fld>
             <a:endParaRPr lang="en-US"/>
           </a:p>
@@ -4298,7 +4495,7 @@
             <a:fld id="{B41A135E-287C-4591-8C88-153CD277EA84}" type="datetimeFigureOut">
               <a:rPr lang="en-US" smtClean="0"/>
               <a:pPr/>
-              <a:t>4/17/2010</a:t>
+              <a:t>4/19/2010</a:t>
             </a:fld>
             <a:endParaRPr lang="en-US"/>
           </a:p>
@@ -4583,7 +4780,7 @@
             <a:fld id="{B41A135E-287C-4591-8C88-153CD277EA84}" type="datetimeFigureOut">
               <a:rPr lang="en-US" smtClean="0"/>
               <a:pPr/>
-              <a:t>4/17/2010</a:t>
+              <a:t>4/19/2010</a:t>
             </a:fld>
             <a:endParaRPr lang="en-US"/>
           </a:p>
@@ -5002,7 +5199,7 @@
             <a:fld id="{B41A135E-287C-4591-8C88-153CD277EA84}" type="datetimeFigureOut">
               <a:rPr lang="en-US" smtClean="0"/>
               <a:pPr/>
-              <a:t>4/17/2010</a:t>
+              <a:t>4/19/2010</a:t>
             </a:fld>
             <a:endParaRPr lang="en-US"/>
           </a:p>
@@ -5117,7 +5314,7 @@
             <a:fld id="{B41A135E-287C-4591-8C88-153CD277EA84}" type="datetimeFigureOut">
               <a:rPr lang="en-US" smtClean="0"/>
               <a:pPr/>
-              <a:t>4/17/2010</a:t>
+              <a:t>4/19/2010</a:t>
             </a:fld>
             <a:endParaRPr lang="en-US"/>
           </a:p>
@@ -5209,7 +5406,7 @@
             <a:fld id="{B41A135E-287C-4591-8C88-153CD277EA84}" type="datetimeFigureOut">
               <a:rPr lang="en-US" smtClean="0"/>
               <a:pPr/>
-              <a:t>4/17/2010</a:t>
+              <a:t>4/19/2010</a:t>
             </a:fld>
             <a:endParaRPr lang="en-US"/>
           </a:p>
@@ -5483,7 +5680,7 @@
             <a:fld id="{B41A135E-287C-4591-8C88-153CD277EA84}" type="datetimeFigureOut">
               <a:rPr lang="en-US" smtClean="0"/>
               <a:pPr/>
-              <a:t>4/17/2010</a:t>
+              <a:t>4/19/2010</a:t>
             </a:fld>
             <a:endParaRPr lang="en-US"/>
           </a:p>
@@ -5733,7 +5930,7 @@
             <a:fld id="{B41A135E-287C-4591-8C88-153CD277EA84}" type="datetimeFigureOut">
               <a:rPr lang="en-US" smtClean="0"/>
               <a:pPr/>
-              <a:t>4/17/2010</a:t>
+              <a:t>4/19/2010</a:t>
             </a:fld>
             <a:endParaRPr lang="en-US"/>
           </a:p>
@@ -5943,7 +6140,7 @@
             <a:fld id="{B41A135E-287C-4591-8C88-153CD277EA84}" type="datetimeFigureOut">
               <a:rPr lang="en-US" smtClean="0"/>
               <a:pPr/>
-              <a:t>4/17/2010</a:t>
+              <a:t>4/19/2010</a:t>
             </a:fld>
             <a:endParaRPr lang="en-US"/>
           </a:p>
@@ -6383,10 +6580,9 @@
           </a:p>
           <a:p>
             <a:r>
-              <a:rPr lang="en-US" smtClean="0"/>
-              <a:t>Master’s Thesis</a:t>
-            </a:r>
-            <a:endParaRPr lang="en-US" dirty="0" smtClean="0"/>
+              <a:rPr lang="en-US" dirty="0" smtClean="0"/>
+              <a:t>MS Thesis</a:t>
+            </a:r>
           </a:p>
         </p:txBody>
       </p:sp>
@@ -6432,12 +6628,7 @@
             <p:ph type="title"/>
           </p:nvPr>
         </p:nvSpPr>
-        <p:spPr>
-          <a:xfrm>
-            <a:off x="457200" y="304800"/>
-            <a:ext cx="8229600" cy="1143000"/>
-          </a:xfrm>
-        </p:spPr>
+        <p:spPr/>
         <p:txBody>
           <a:bodyPr>
             <a:normAutofit/>
@@ -6446,7 +6637,7 @@
           <a:p>
             <a:r>
               <a:rPr lang="en-US" dirty="0" smtClean="0"/>
-              <a:t>Related Work</a:t>
+              <a:t>Automatic Swarming</a:t>
             </a:r>
             <a:endParaRPr lang="en-US" dirty="0"/>
           </a:p>
@@ -6454,7 +6645,7 @@
       </p:sp>
       <p:sp>
         <p:nvSpPr>
-          <p:cNvPr id="3" name="Content Placeholder 2"/>
+          <p:cNvPr id="5" name="Content Placeholder 4"/>
           <p:cNvSpPr>
             <a:spLocks noGrp="1"/>
           </p:cNvSpPr>
@@ -6462,77 +6653,35 @@
             <p:ph idx="1"/>
           </p:nvPr>
         </p:nvSpPr>
-        <p:spPr/>
+        <p:spPr>
+          <a:xfrm>
+            <a:off x="381000" y="1600200"/>
+            <a:ext cx="8534400" cy="4525963"/>
+          </a:xfrm>
+        </p:spPr>
         <p:txBody>
           <a:bodyPr>
-            <a:normAutofit fontScale="92500" lnSpcReduction="10000"/>
+            <a:normAutofit/>
           </a:bodyPr>
           <a:lstStyle/>
           <a:p>
             <a:r>
               <a:rPr lang="en-US" dirty="0" smtClean="0"/>
-              <a:t>Client-side protocols</a:t>
+              <a:t>Automatic Transition to Peer-to-Peer download</a:t>
             </a:r>
           </a:p>
           <a:p>
             <a:pPr lvl="1"/>
             <a:r>
               <a:rPr lang="en-US" dirty="0" smtClean="0"/>
-              <a:t>Squirrel</a:t>
-            </a:r>
-          </a:p>
-          <a:p>
-            <a:pPr lvl="2"/>
-            <a:r>
-              <a:rPr lang="en-US" dirty="0" smtClean="0"/>
-              <a:t>No transition</a:t>
-            </a:r>
-          </a:p>
-          <a:p>
-            <a:pPr lvl="2"/>
-            <a:r>
-              <a:rPr lang="en-US" dirty="0" smtClean="0"/>
-              <a:t>Extra hop</a:t>
-            </a:r>
-          </a:p>
-          <a:p>
-            <a:pPr lvl="2"/>
-            <a:r>
-              <a:rPr lang="en-US" dirty="0" smtClean="0"/>
-              <a:t>No swarming</a:t>
-            </a:r>
-          </a:p>
-          <a:p>
-            <a:r>
-              <a:rPr lang="en-US" dirty="0" smtClean="0"/>
-              <a:t>Server-side protocols</a:t>
+              <a:t>Monitor download</a:t>
             </a:r>
           </a:p>
           <a:p>
             <a:pPr lvl="1"/>
             <a:r>
               <a:rPr lang="en-US" dirty="0" smtClean="0"/>
-              <a:t>Backslash</a:t>
-            </a:r>
-          </a:p>
-          <a:p>
-            <a:pPr lvl="2"/>
-            <a:r>
-              <a:rPr lang="en-US" dirty="0" smtClean="0"/>
-              <a:t>Limited by servers’ bandwidth</a:t>
-            </a:r>
-          </a:p>
-          <a:p>
-            <a:r>
-              <a:rPr lang="en-US" dirty="0" smtClean="0"/>
-              <a:t>Cooperative protocols</a:t>
-            </a:r>
-          </a:p>
-          <a:p>
-            <a:pPr lvl="1"/>
-            <a:r>
-              <a:rPr lang="en-US" dirty="0" smtClean="0"/>
-              <a:t>BitTorrent</a:t>
+              <a:t>Automatically switch if it becomes slow</a:t>
             </a:r>
           </a:p>
         </p:txBody>
@@ -6581,53 +6730,94 @@
         </p:nvSpPr>
         <p:spPr/>
         <p:txBody>
+          <a:bodyPr/>
+          <a:lstStyle/>
+          <a:p>
+            <a:r>
+              <a:rPr lang="en-US" dirty="0" smtClean="0"/>
+              <a:t>Automatic Swarming -- Goals</a:t>
+            </a:r>
+            <a:endParaRPr lang="en-US" dirty="0"/>
+          </a:p>
+        </p:txBody>
+      </p:sp>
+      <p:sp>
+        <p:nvSpPr>
+          <p:cNvPr id="3" name="Content Placeholder 2"/>
+          <p:cNvSpPr>
+            <a:spLocks noGrp="1"/>
+          </p:cNvSpPr>
+          <p:nvPr>
+            <p:ph idx="1"/>
+          </p:nvPr>
+        </p:nvSpPr>
+        <p:spPr/>
+        <p:txBody>
           <a:bodyPr>
-            <a:normAutofit/>
+            <a:normAutofit fontScale="85000" lnSpcReduction="20000"/>
           </a:bodyPr>
           <a:lstStyle/>
           <a:p>
             <a:r>
               <a:rPr lang="en-US" dirty="0" smtClean="0"/>
-              <a:t>Automatic Swarming</a:t>
-            </a:r>
-            <a:endParaRPr lang="en-US" dirty="0"/>
-          </a:p>
-        </p:txBody>
-      </p:sp>
-      <p:sp>
-        <p:nvSpPr>
-          <p:cNvPr id="5" name="Content Placeholder 4"/>
-          <p:cNvSpPr>
-            <a:spLocks noGrp="1"/>
-          </p:cNvSpPr>
-          <p:nvPr>
-            <p:ph idx="1"/>
-          </p:nvPr>
-        </p:nvSpPr>
-        <p:spPr/>
-        <p:txBody>
-          <a:bodyPr>
-            <a:normAutofit/>
-          </a:bodyPr>
-          <a:lstStyle/>
-          <a:p>
-            <a:r>
-              <a:rPr lang="en-US" dirty="0" smtClean="0"/>
-              <a:t>Automatic Transition to Peer-to-peer download</a:t>
+              <a:t>Overcome deficiencies of BitTorrent</a:t>
+            </a:r>
+          </a:p>
+          <a:p>
+            <a:r>
+              <a:rPr lang="en-US" dirty="0" smtClean="0"/>
+              <a:t>Work for any file on any server without configuration</a:t>
+            </a:r>
+          </a:p>
+          <a:p>
+            <a:r>
+              <a:rPr lang="en-US" dirty="0" smtClean="0"/>
+              <a:t>Easy for client use</a:t>
+            </a:r>
+          </a:p>
+          <a:p>
+            <a:r>
+              <a:rPr lang="en-US" dirty="0" smtClean="0"/>
+              <a:t>No extra hardware</a:t>
+            </a:r>
+          </a:p>
+          <a:p>
+            <a:r>
+              <a:rPr lang="en-US" dirty="0" smtClean="0"/>
+              <a:t>Work for small files</a:t>
+            </a:r>
+          </a:p>
+          <a:p>
+            <a:r>
+              <a:rPr lang="en-US" dirty="0" smtClean="0"/>
+              <a:t>Non intrusive</a:t>
             </a:r>
           </a:p>
           <a:p>
             <a:pPr lvl="1"/>
             <a:r>
               <a:rPr lang="en-US" dirty="0" smtClean="0"/>
-              <a:t>Monitor download</a:t>
+              <a:t>Legal </a:t>
+            </a:r>
+          </a:p>
+          <a:p>
+            <a:r>
+              <a:rPr lang="en-US" dirty="0" smtClean="0"/>
+              <a:t>Wouldn’t it be great if this was built into Internet Explorer and Firefox?</a:t>
             </a:r>
           </a:p>
           <a:p>
             <a:pPr lvl="1"/>
             <a:r>
               <a:rPr lang="en-US" dirty="0" smtClean="0"/>
-              <a:t>Automatically switch if it becomes slow</a:t>
+              <a:t>Make swarming more adoptable</a:t>
+            </a:r>
+          </a:p>
+          <a:p>
+            <a:pPr lvl="1"/>
+            <a:r>
+              <a:rPr lang="en-US" dirty="0" smtClean="0"/>
+              <a:t>All downloads</a:t>
             </a:r>
           </a:p>
         </p:txBody>
@@ -6676,154 +6866,18 @@
         </p:nvSpPr>
         <p:spPr/>
         <p:txBody>
-          <a:bodyPr/>
-          <a:lstStyle/>
-          <a:p>
-            <a:r>
-              <a:rPr lang="en-US" dirty="0" smtClean="0"/>
-              <a:t>Automatic Swarming -- Goals</a:t>
-            </a:r>
-            <a:endParaRPr lang="en-US" dirty="0"/>
-          </a:p>
-        </p:txBody>
-      </p:sp>
-      <p:sp>
-        <p:nvSpPr>
-          <p:cNvPr id="3" name="Content Placeholder 2"/>
-          <p:cNvSpPr>
-            <a:spLocks noGrp="1"/>
-          </p:cNvSpPr>
-          <p:nvPr>
-            <p:ph idx="1"/>
-          </p:nvPr>
-        </p:nvSpPr>
-        <p:spPr/>
-        <p:txBody>
           <a:bodyPr>
-            <a:normAutofit fontScale="77500" lnSpcReduction="20000"/>
+            <a:normAutofit fontScale="90000"/>
           </a:bodyPr>
           <a:lstStyle/>
           <a:p>
             <a:r>
               <a:rPr lang="en-US" dirty="0" smtClean="0"/>
-              <a:t>Overcome deficiencies of BitTorrent</a:t>
-            </a:r>
-          </a:p>
-          <a:p>
-            <a:r>
-              <a:rPr lang="en-US" dirty="0" smtClean="0"/>
-              <a:t>Work for any file on any server without configuration</a:t>
-            </a:r>
-          </a:p>
-          <a:p>
-            <a:r>
-              <a:rPr lang="en-US" dirty="0" smtClean="0"/>
-              <a:t>Easy for client use</a:t>
-            </a:r>
-          </a:p>
-          <a:p>
-            <a:r>
-              <a:rPr lang="en-US" dirty="0" smtClean="0"/>
-              <a:t>No extra hardware</a:t>
-            </a:r>
-          </a:p>
-          <a:p>
-            <a:r>
-              <a:rPr lang="en-US" dirty="0" smtClean="0"/>
-              <a:t>Work for small files</a:t>
-            </a:r>
-          </a:p>
-          <a:p>
-            <a:r>
-              <a:rPr lang="en-US" dirty="0" smtClean="0"/>
-              <a:t>Non intrusive</a:t>
-            </a:r>
-          </a:p>
-          <a:p>
-            <a:pPr lvl="1"/>
-            <a:r>
-              <a:rPr lang="en-US" dirty="0" smtClean="0"/>
-              <a:t>Don’t cache other people’s files</a:t>
-            </a:r>
-          </a:p>
-          <a:p>
-            <a:pPr lvl="1"/>
-            <a:r>
-              <a:rPr lang="en-US" dirty="0" smtClean="0"/>
-              <a:t>Legal</a:t>
-            </a:r>
-          </a:p>
-          <a:p>
-            <a:r>
-              <a:rPr lang="en-US" dirty="0" smtClean="0"/>
-              <a:t>Wouldn’t it be great if this was built into Internet Explorer and Firefox?</a:t>
-            </a:r>
-          </a:p>
-          <a:p>
-            <a:pPr lvl="1"/>
-            <a:r>
-              <a:rPr lang="en-US" dirty="0" smtClean="0"/>
-              <a:t>Make swarming more adoptable</a:t>
-            </a:r>
-          </a:p>
-          <a:p>
-            <a:pPr lvl="1"/>
-            <a:r>
-              <a:rPr lang="en-US" dirty="0" smtClean="0"/>
-              <a:t>All downloads</a:t>
-            </a:r>
-          </a:p>
-        </p:txBody>
-      </p:sp>
-    </p:spTree>
-  </p:cSld>
-  <p:clrMapOvr>
-    <a:masterClrMapping/>
-  </p:clrMapOvr>
-  <p:timing>
-    <p:tnLst>
-      <p:par>
-        <p:cTn id="1" dur="indefinite" restart="never" nodeType="tmRoot"/>
-      </p:par>
-    </p:tnLst>
-  </p:timing>
-</p:sld>
-</file>
-
-<file path=ppt/slides/slide13.xml><?xml version="1.0" encoding="utf-8"?>
-<p:sld xmlns:a="http://schemas.openxmlformats.org/drawingml/2006/main" xmlns:r="http://schemas.openxmlformats.org/officeDocument/2006/relationships" xmlns:p="http://schemas.openxmlformats.org/presentationml/2006/main">
-  <p:cSld>
-    <p:spTree>
-      <p:nvGrpSpPr>
-        <p:cNvPr id="1" name=""/>
-        <p:cNvGrpSpPr/>
-        <p:nvPr/>
-      </p:nvGrpSpPr>
-      <p:grpSpPr>
-        <a:xfrm>
-          <a:off x="0" y="0"/>
-          <a:ext cx="0" cy="0"/>
-          <a:chOff x="0" y="0"/>
-          <a:chExt cx="0" cy="0"/>
-        </a:xfrm>
-      </p:grpSpPr>
-      <p:sp>
-        <p:nvSpPr>
-          <p:cNvPr id="2" name="Title 1"/>
-          <p:cNvSpPr>
-            <a:spLocks noGrp="1"/>
-          </p:cNvSpPr>
-          <p:nvPr>
-            <p:ph type="title"/>
-          </p:nvPr>
-        </p:nvSpPr>
-        <p:spPr/>
-        <p:txBody>
-          <a:bodyPr>
-            <a:normAutofit/>
-          </a:bodyPr>
-          <a:lstStyle/>
-          <a:p>
+              <a:t>Automatic Swarming –</a:t>
+            </a:r>
+            <a:br>
+              <a:rPr lang="en-US" dirty="0" smtClean="0"/>
+            </a:br>
             <a:r>
               <a:rPr lang="en-US" dirty="0" smtClean="0"/>
               <a:t>Monitoring Downloads</a:t>
@@ -6873,7 +6927,7 @@
 </p:sld>
 </file>
 
-<file path=ppt/slides/slide14.xml><?xml version="1.0" encoding="utf-8"?>
+<file path=ppt/slides/slide13.xml><?xml version="1.0" encoding="utf-8"?>
 <p:sld xmlns:a="http://schemas.openxmlformats.org/drawingml/2006/main" xmlns:r="http://schemas.openxmlformats.org/officeDocument/2006/relationships" xmlns:p="http://schemas.openxmlformats.org/presentationml/2006/main">
   <p:cSld>
     <p:spTree>
@@ -6934,9 +6988,18 @@
         </p:nvSpPr>
         <p:spPr/>
         <p:txBody>
-          <a:bodyPr/>
-          <a:lstStyle/>
-          <a:p>
+          <a:bodyPr>
+            <a:normAutofit fontScale="90000"/>
+          </a:bodyPr>
+          <a:lstStyle/>
+          <a:p>
+            <a:r>
+              <a:rPr lang="en-US" dirty="0" smtClean="0"/>
+              <a:t>P2P Delivery –</a:t>
+            </a:r>
+            <a:br>
+              <a:rPr lang="en-US" dirty="0" smtClean="0"/>
+            </a:br>
             <a:r>
               <a:rPr lang="en-US" dirty="0" smtClean="0"/>
               <a:t>Finding Peers</a:t>
@@ -6987,10 +7050,17 @@
   <p:clrMapOvr>
     <a:masterClrMapping/>
   </p:clrMapOvr>
+  <p:timing>
+    <p:tnLst>
+      <p:par>
+        <p:cTn id="1" dur="indefinite" restart="never" nodeType="tmRoot"/>
+      </p:par>
+    </p:tnLst>
+  </p:timing>
 </p:sld>
 </file>
 
-<file path=ppt/slides/slide15.xml><?xml version="1.0" encoding="utf-8"?>
+<file path=ppt/slides/slide14.xml><?xml version="1.0" encoding="utf-8"?>
 <p:sld xmlns:a="http://schemas.openxmlformats.org/drawingml/2006/main" xmlns:r="http://schemas.openxmlformats.org/officeDocument/2006/relationships" xmlns:p="http://schemas.openxmlformats.org/presentationml/2006/main">
   <p:cSld>
     <p:spTree>
@@ -7055,13 +7125,6 @@
             <a:r>
               <a:rPr lang="en-US" dirty="0" smtClean="0"/>
               <a:t>Per block</a:t>
-            </a:r>
-          </a:p>
-          <a:p>
-            <a:pPr lvl="1"/>
-            <a:r>
-              <a:rPr lang="en-US" dirty="0" smtClean="0"/>
-              <a:t>Redundant queries</a:t>
             </a:r>
           </a:p>
           <a:p>
@@ -7129,10 +7192,17 @@
   <p:clrMapOvr>
     <a:masterClrMapping/>
   </p:clrMapOvr>
+  <p:timing>
+    <p:tnLst>
+      <p:par>
+        <p:cTn id="1" dur="indefinite" restart="never" nodeType="tmRoot"/>
+      </p:par>
+    </p:tnLst>
+  </p:timing>
 </p:sld>
 </file>
 
-<file path=ppt/slides/slide16.xml><?xml version="1.0" encoding="utf-8"?>
+<file path=ppt/slides/slide15.xml><?xml version="1.0" encoding="utf-8"?>
 <p:sld xmlns:a="http://schemas.openxmlformats.org/drawingml/2006/main" xmlns:r="http://schemas.openxmlformats.org/officeDocument/2006/relationships" xmlns:p="http://schemas.openxmlformats.org/presentationml/2006/main">
   <p:cSld>
     <p:spTree>
@@ -7229,8 +7299,129 @@
               <a:t>Linger</a:t>
             </a:r>
           </a:p>
-        </p:txBody>
-      </p:sp>
+          <a:p>
+            <a:r>
+              <a:rPr lang="en-US" dirty="0" smtClean="0"/>
+              <a:t>Remove</a:t>
+            </a:r>
+          </a:p>
+        </p:txBody>
+      </p:sp>
+    </p:spTree>
+  </p:cSld>
+  <p:clrMapOvr>
+    <a:masterClrMapping/>
+  </p:clrMapOvr>
+  <p:timing>
+    <p:tnLst>
+      <p:par>
+        <p:cTn id="1" dur="indefinite" restart="never" nodeType="tmRoot"/>
+      </p:par>
+    </p:tnLst>
+  </p:timing>
+</p:sld>
+</file>
+
+<file path=ppt/slides/slide16.xml><?xml version="1.0" encoding="utf-8"?>
+<p:sld xmlns:a="http://schemas.openxmlformats.org/drawingml/2006/main" xmlns:r="http://schemas.openxmlformats.org/officeDocument/2006/relationships" xmlns:p="http://schemas.openxmlformats.org/presentationml/2006/main">
+  <p:cSld>
+    <p:spTree>
+      <p:nvGrpSpPr>
+        <p:cNvPr id="1" name=""/>
+        <p:cNvGrpSpPr/>
+        <p:nvPr/>
+      </p:nvGrpSpPr>
+      <p:grpSpPr>
+        <a:xfrm>
+          <a:off x="0" y="0"/>
+          <a:ext cx="0" cy="0"/>
+          <a:chOff x="0" y="0"/>
+          <a:chExt cx="0" cy="0"/>
+        </a:xfrm>
+      </p:grpSpPr>
+      <p:sp>
+        <p:nvSpPr>
+          <p:cNvPr id="2" name="Title 1"/>
+          <p:cNvSpPr>
+            <a:spLocks noGrp="1"/>
+          </p:cNvSpPr>
+          <p:nvPr>
+            <p:ph type="title"/>
+          </p:nvPr>
+        </p:nvSpPr>
+        <p:spPr/>
+        <p:txBody>
+          <a:bodyPr/>
+          <a:lstStyle/>
+          <a:p>
+            <a:r>
+              <a:rPr lang="en-US" dirty="0" smtClean="0"/>
+              <a:t>Methodology</a:t>
+            </a:r>
+            <a:endParaRPr lang="en-US" dirty="0"/>
+          </a:p>
+        </p:txBody>
+      </p:sp>
+      <p:sp>
+        <p:nvSpPr>
+          <p:cNvPr id="3" name="Content Placeholder 2"/>
+          <p:cNvSpPr>
+            <a:spLocks noGrp="1"/>
+          </p:cNvSpPr>
+          <p:nvPr>
+            <p:ph idx="1"/>
+          </p:nvPr>
+        </p:nvSpPr>
+        <p:spPr/>
+        <p:txBody>
+          <a:bodyPr>
+            <a:normAutofit/>
+          </a:bodyPr>
+          <a:lstStyle/>
+          <a:p>
+            <a:r>
+              <a:rPr lang="en-US" dirty="0" smtClean="0"/>
+              <a:t>PlanetLab</a:t>
+            </a:r>
+          </a:p>
+          <a:p>
+            <a:r>
+              <a:rPr lang="en-US" dirty="0" smtClean="0"/>
+              <a:t>Private OpenDHT</a:t>
+            </a:r>
+          </a:p>
+          <a:p>
+            <a:pPr lvl="1"/>
+            <a:endParaRPr lang="en-US" dirty="0" smtClean="0"/>
+          </a:p>
+        </p:txBody>
+      </p:sp>
+      <p:pic>
+        <p:nvPicPr>
+          <p:cNvPr id="4098" name="Picture 2" descr="C:\Documents and Settings\rdp\Desktop\World50.png"/>
+          <p:cNvPicPr>
+            <a:picLocks noChangeAspect="1" noChangeArrowheads="1"/>
+          </p:cNvPicPr>
+          <p:nvPr/>
+        </p:nvPicPr>
+        <p:blipFill>
+          <a:blip r:embed="rId3" cstate="print"/>
+          <a:srcRect/>
+          <a:stretch>
+            <a:fillRect/>
+          </a:stretch>
+        </p:blipFill>
+        <p:spPr bwMode="auto">
+          <a:xfrm>
+            <a:off x="1828800" y="3276600"/>
+            <a:ext cx="5638800" cy="2819400"/>
+          </a:xfrm>
+          <a:prstGeom prst="rect">
+            <a:avLst/>
+          </a:prstGeom>
+          <a:noFill/>
+        </p:spPr>
+      </p:pic>
     </p:spTree>
   </p:cSld>
   <p:clrMapOvr>
@@ -7299,30 +7490,72 @@
         <p:spPr/>
         <p:txBody>
           <a:bodyPr>
-            <a:normAutofit/>
+            <a:normAutofit fontScale="92500" lnSpcReduction="10000"/>
           </a:bodyPr>
           <a:lstStyle/>
           <a:p>
             <a:r>
               <a:rPr lang="en-US" dirty="0" smtClean="0"/>
-              <a:t>PlanetLab</a:t>
-            </a:r>
-          </a:p>
-          <a:p>
-            <a:r>
-              <a:rPr lang="en-US" dirty="0" smtClean="0"/>
-              <a:t>Private OpenDHT</a:t>
+              <a:t>Start multiple clients over time</a:t>
+            </a:r>
+          </a:p>
+          <a:p>
+            <a:r>
+              <a:rPr lang="en-US" dirty="0" smtClean="0"/>
+              <a:t>BYU server</a:t>
             </a:r>
           </a:p>
           <a:p>
             <a:pPr lvl="1"/>
-            <a:endParaRPr lang="en-US" dirty="0" smtClean="0"/>
+            <a:r>
+              <a:rPr lang="en-US" dirty="0" smtClean="0"/>
+              <a:t>256 KB/s</a:t>
+            </a:r>
+          </a:p>
+          <a:p>
+            <a:r>
+              <a:rPr lang="en-US" dirty="0" smtClean="0"/>
+              <a:t>Run until finish</a:t>
+            </a:r>
+          </a:p>
+          <a:p>
+            <a:r>
+              <a:rPr lang="en-US" dirty="0" smtClean="0"/>
+              <a:t>Repeat each run 3x</a:t>
+            </a:r>
+          </a:p>
+          <a:p>
+            <a:r>
+              <a:rPr lang="en-US" dirty="0" smtClean="0"/>
+              <a:t>Calculate percentiles</a:t>
+            </a:r>
+          </a:p>
+          <a:p>
+            <a:pPr lvl="1"/>
+            <a:r>
+              <a:rPr lang="en-US" dirty="0" smtClean="0"/>
+              <a:t>download times</a:t>
+            </a:r>
+          </a:p>
+          <a:p>
+            <a:pPr lvl="1"/>
+            <a:r>
+              <a:rPr lang="en-US" dirty="0" smtClean="0"/>
+              <a:t>DHT response times</a:t>
+            </a:r>
+          </a:p>
+          <a:p>
+            <a:pPr lvl="1"/>
+            <a:r>
+              <a:rPr lang="en-US" dirty="0" smtClean="0"/>
+              <a:t>causes for transitioning to P2P</a:t>
+            </a:r>
           </a:p>
         </p:txBody>
       </p:sp>
       <p:pic>
         <p:nvPicPr>
-          <p:cNvPr id="4098" name="Picture 2" descr="C:\Documents and Settings\rdp\Desktop\World50.png"/>
+          <p:cNvPr id="4" name="Picture 3"/>
           <p:cNvPicPr>
             <a:picLocks noChangeAspect="1" noChangeArrowheads="1"/>
           </p:cNvPicPr>
@@ -7337,13 +7570,19 @@
         </p:blipFill>
         <p:spPr bwMode="auto">
           <a:xfrm>
-            <a:off x="4114800" y="1447800"/>
-            <a:ext cx="4762500" cy="2381250"/>
+            <a:off x="6553200" y="3581400"/>
+            <a:ext cx="828675" cy="2679970"/>
           </a:xfrm>
           <a:prstGeom prst="rect">
             <a:avLst/>
           </a:prstGeom>
           <a:noFill/>
+          <a:ln w="9525">
+            <a:noFill/>
+            <a:miter lim="800000"/>
+            <a:headEnd/>
+            <a:tailEnd/>
+          </a:ln>
         </p:spPr>
       </p:pic>
     </p:spTree>
@@ -7395,7 +7634,7 @@
           <a:p>
             <a:r>
               <a:rPr lang="en-US" dirty="0" smtClean="0"/>
-              <a:t>Methodology</a:t>
+              <a:t>Scalability Test</a:t>
             </a:r>
             <a:endParaRPr lang="en-US" dirty="0"/>
           </a:p>
@@ -7403,7 +7642,7 @@
       </p:sp>
       <p:sp>
         <p:nvSpPr>
-          <p:cNvPr id="3" name="Content Placeholder 2"/>
+          <p:cNvPr id="4" name="Content Placeholder 2"/>
           <p:cNvSpPr>
             <a:spLocks noGrp="1"/>
           </p:cNvSpPr>
@@ -7411,7 +7650,12 @@
             <p:ph idx="1"/>
           </p:nvPr>
         </p:nvSpPr>
-        <p:spPr/>
+        <p:spPr>
+          <a:xfrm>
+            <a:off x="457200" y="1600200"/>
+            <a:ext cx="8229600" cy="4525963"/>
+          </a:xfrm>
+        </p:spPr>
         <p:txBody>
           <a:bodyPr>
             <a:normAutofit fontScale="92500" lnSpcReduction="10000"/>
@@ -7420,66 +7664,76 @@
           <a:p>
             <a:r>
               <a:rPr lang="en-US" dirty="0" smtClean="0"/>
-              <a:t>Start multiple clients over some time</a:t>
-            </a:r>
-          </a:p>
-          <a:p>
-            <a:r>
-              <a:rPr lang="en-US" dirty="0" smtClean="0"/>
-              <a:t>Run until finish</a:t>
-            </a:r>
-          </a:p>
-          <a:p>
-            <a:r>
-              <a:rPr lang="en-US" dirty="0" smtClean="0"/>
-              <a:t>BYU server</a:t>
+              <a:t>Load</a:t>
             </a:r>
           </a:p>
           <a:p>
             <a:pPr lvl="1"/>
             <a:r>
               <a:rPr lang="en-US" dirty="0" smtClean="0"/>
-              <a:t>256 KB/s</a:t>
-            </a:r>
-          </a:p>
-          <a:p>
-            <a:r>
-              <a:rPr lang="en-US" dirty="0" smtClean="0"/>
-              <a:t>Repeat 3x</a:t>
-            </a:r>
-          </a:p>
-          <a:p>
-            <a:r>
-              <a:rPr lang="en-US" dirty="0" smtClean="0"/>
-              <a:t>Graph percentiles</a:t>
+              <a:t>File size: 100 KB</a:t>
             </a:r>
           </a:p>
           <a:p>
             <a:pPr lvl="1"/>
             <a:r>
               <a:rPr lang="en-US" dirty="0" smtClean="0"/>
-              <a:t>download times</a:t>
+              <a:t>Vary client load from 1 to 20 clients/second</a:t>
             </a:r>
           </a:p>
           <a:p>
             <a:pPr lvl="1"/>
             <a:r>
               <a:rPr lang="en-US" dirty="0" smtClean="0"/>
-              <a:t>DHT response times</a:t>
+              <a:t>100 seconds per test</a:t>
             </a:r>
           </a:p>
           <a:p>
             <a:pPr lvl="1"/>
             <a:r>
               <a:rPr lang="en-US" dirty="0" smtClean="0"/>
-              <a:t>causes for transitioning to P2P</a:t>
+              <a:t>Both Client-Server and Automatic Swarming</a:t>
+            </a:r>
+          </a:p>
+          <a:p>
+            <a:r>
+              <a:rPr lang="en-US" dirty="0" smtClean="0"/>
+              <a:t>Automatic Swarming Parameters</a:t>
+            </a:r>
+          </a:p>
+          <a:p>
+            <a:pPr lvl="1"/>
+            <a:r>
+              <a:rPr lang="en-US" dirty="0" smtClean="0"/>
+              <a:t>R 128 KB/second</a:t>
+            </a:r>
+          </a:p>
+          <a:p>
+            <a:pPr lvl="1"/>
+            <a:r>
+              <a:rPr lang="en-US" dirty="0" smtClean="0"/>
+              <a:t>W 2 seconds</a:t>
+            </a:r>
+          </a:p>
+          <a:p>
+            <a:pPr lvl="1"/>
+            <a:r>
+              <a:rPr lang="en-US" dirty="0" smtClean="0"/>
+              <a:t>T 1 second</a:t>
+            </a:r>
+          </a:p>
+          <a:p>
+            <a:pPr lvl="1"/>
+            <a:r>
+              <a:rPr lang="en-US" dirty="0" smtClean="0"/>
+              <a:t>Linger 60 seconds</a:t>
             </a:r>
           </a:p>
         </p:txBody>
       </p:sp>
       <p:pic>
         <p:nvPicPr>
-          <p:cNvPr id="4" name="Picture 3"/>
+          <p:cNvPr id="6" name="Picture 4" descr="C:\rdp\dev\p2pwebclient\thesis_presentation\algorithm explanation.png"/>
           <p:cNvPicPr>
             <a:picLocks noChangeAspect="1" noChangeArrowheads="1"/>
           </p:cNvPicPr>
@@ -7494,19 +7748,13 @@
         </p:blipFill>
         <p:spPr bwMode="auto">
           <a:xfrm>
-            <a:off x="7239000" y="2273030"/>
-            <a:ext cx="828675" cy="2679970"/>
+            <a:off x="4648200" y="4114800"/>
+            <a:ext cx="4054460" cy="2590800"/>
           </a:xfrm>
           <a:prstGeom prst="rect">
             <a:avLst/>
           </a:prstGeom>
           <a:noFill/>
-          <a:ln w="9525">
-            <a:noFill/>
-            <a:miter lim="800000"/>
-            <a:headEnd/>
-            <a:tailEnd/>
-          </a:ln>
         </p:spPr>
       </p:pic>
     </p:spTree>
@@ -7558,94 +7806,44 @@
           <a:p>
             <a:r>
               <a:rPr lang="en-US" dirty="0" smtClean="0"/>
-              <a:t>Scalability Test</a:t>
+              <a:t>Performance – Client-Server</a:t>
             </a:r>
             <a:endParaRPr lang="en-US" dirty="0"/>
           </a:p>
         </p:txBody>
       </p:sp>
-      <p:sp>
-        <p:nvSpPr>
-          <p:cNvPr id="4" name="Content Placeholder 2"/>
-          <p:cNvSpPr>
-            <a:spLocks noGrp="1"/>
-          </p:cNvSpPr>
-          <p:nvPr>
-            <p:ph idx="1"/>
-          </p:nvPr>
-        </p:nvSpPr>
-        <p:spPr>
+      <p:pic>
+        <p:nvPicPr>
+          <p:cNvPr id="5" name="Picture 2"/>
+          <p:cNvPicPr>
+            <a:picLocks noChangeAspect="1" noChangeArrowheads="1"/>
+          </p:cNvPicPr>
+          <p:nvPr/>
+        </p:nvPicPr>
+        <p:blipFill>
+          <a:blip r:embed="rId3" cstate="print"/>
+          <a:srcRect/>
+          <a:stretch>
+            <a:fillRect/>
+          </a:stretch>
+        </p:blipFill>
+        <p:spPr bwMode="auto">
           <a:xfrm>
-            <a:off x="457200" y="1600200"/>
-            <a:ext cx="8229600" cy="4525963"/>
+            <a:off x="0" y="2209800"/>
+            <a:ext cx="9172875" cy="3500438"/>
           </a:xfrm>
+          <a:prstGeom prst="rect">
+            <a:avLst/>
+          </a:prstGeom>
+          <a:noFill/>
+          <a:ln w="9525">
+            <a:noFill/>
+            <a:miter lim="800000"/>
+            <a:headEnd/>
+            <a:tailEnd/>
+          </a:ln>
         </p:spPr>
-        <p:txBody>
-          <a:bodyPr>
-            <a:normAutofit fontScale="92500" lnSpcReduction="10000"/>
-          </a:bodyPr>
-          <a:lstStyle/>
-          <a:p>
-            <a:r>
-              <a:rPr lang="en-US" dirty="0" smtClean="0"/>
-              <a:t>Load</a:t>
-            </a:r>
-          </a:p>
-          <a:p>
-            <a:pPr lvl="1"/>
-            <a:r>
-              <a:rPr lang="en-US" dirty="0" smtClean="0"/>
-              <a:t>File size: 100 KB</a:t>
-            </a:r>
-          </a:p>
-          <a:p>
-            <a:pPr lvl="1"/>
-            <a:r>
-              <a:rPr lang="en-US" dirty="0" smtClean="0"/>
-              <a:t>R 128 KB/s</a:t>
-            </a:r>
-          </a:p>
-          <a:p>
-            <a:pPr lvl="1"/>
-            <a:r>
-              <a:rPr lang="en-US" dirty="0" smtClean="0"/>
-              <a:t>W 2s</a:t>
-            </a:r>
-          </a:p>
-          <a:p>
-            <a:pPr lvl="1"/>
-            <a:r>
-              <a:rPr lang="en-US" dirty="0" smtClean="0"/>
-              <a:t>T 1s</a:t>
-            </a:r>
-          </a:p>
-          <a:p>
-            <a:pPr lvl="1"/>
-            <a:r>
-              <a:rPr lang="en-US" dirty="0" smtClean="0"/>
-              <a:t>Linger 60s</a:t>
-            </a:r>
-          </a:p>
-          <a:p>
-            <a:r>
-              <a:rPr lang="en-US" dirty="0" smtClean="0"/>
-              <a:t>100 s</a:t>
-            </a:r>
-          </a:p>
-          <a:p>
-            <a:r>
-              <a:rPr lang="en-US" dirty="0" smtClean="0"/>
-              <a:t>Client count increases from 1 to 20 peers/second</a:t>
-            </a:r>
-          </a:p>
-          <a:p>
-            <a:r>
-              <a:rPr lang="en-US" dirty="0" smtClean="0"/>
-              <a:t>Both Client-Server and Automatic Swarming</a:t>
-            </a:r>
-          </a:p>
-        </p:txBody>
-      </p:sp>
+      </p:pic>
     </p:spTree>
   </p:cSld>
   <p:clrMapOvr>
@@ -7729,7 +7927,7 @@
       </p:pic>
       <p:pic>
         <p:nvPicPr>
-          <p:cNvPr id="2051" name="Picture 3"/>
+          <p:cNvPr id="1026" name="Picture 2"/>
           <p:cNvPicPr>
             <a:picLocks noChangeAspect="1" noChangeArrowheads="1"/>
           </p:cNvPicPr>
@@ -7744,8 +7942,8 @@
         </p:blipFill>
         <p:spPr bwMode="auto">
           <a:xfrm>
-            <a:off x="304800" y="1981200"/>
-            <a:ext cx="8496300" cy="1971675"/>
+            <a:off x="304800" y="2133600"/>
+            <a:ext cx="8515350" cy="1990725"/>
           </a:xfrm>
           <a:prstGeom prst="rect">
             <a:avLst/>
@@ -7803,86 +8001,6 @@
         </p:nvSpPr>
         <p:spPr/>
         <p:txBody>
-          <a:bodyPr/>
-          <a:lstStyle/>
-          <a:p>
-            <a:r>
-              <a:rPr lang="en-US" dirty="0" smtClean="0"/>
-              <a:t>Performance – Client-Server</a:t>
-            </a:r>
-            <a:endParaRPr lang="en-US" dirty="0"/>
-          </a:p>
-        </p:txBody>
-      </p:sp>
-      <p:pic>
-        <p:nvPicPr>
-          <p:cNvPr id="5" name="Picture 2"/>
-          <p:cNvPicPr>
-            <a:picLocks noChangeAspect="1" noChangeArrowheads="1"/>
-          </p:cNvPicPr>
-          <p:nvPr/>
-        </p:nvPicPr>
-        <p:blipFill>
-          <a:blip r:embed="rId3" cstate="print"/>
-          <a:srcRect/>
-          <a:stretch>
-            <a:fillRect/>
-          </a:stretch>
-        </p:blipFill>
-        <p:spPr bwMode="auto">
-          <a:xfrm>
-            <a:off x="0" y="2362200"/>
-            <a:ext cx="9172875" cy="3500438"/>
-          </a:xfrm>
-          <a:prstGeom prst="rect">
-            <a:avLst/>
-          </a:prstGeom>
-          <a:noFill/>
-          <a:ln w="9525">
-            <a:noFill/>
-            <a:miter lim="800000"/>
-            <a:headEnd/>
-            <a:tailEnd/>
-          </a:ln>
-        </p:spPr>
-      </p:pic>
-    </p:spTree>
-  </p:cSld>
-  <p:clrMapOvr>
-    <a:masterClrMapping/>
-  </p:clrMapOvr>
-</p:sld>
-</file>
-
-<file path=ppt/slides/slide21.xml><?xml version="1.0" encoding="utf-8"?>
-<p:sld xmlns:a="http://schemas.openxmlformats.org/drawingml/2006/main" xmlns:r="http://schemas.openxmlformats.org/officeDocument/2006/relationships" xmlns:p="http://schemas.openxmlformats.org/presentationml/2006/main">
-  <p:cSld>
-    <p:spTree>
-      <p:nvGrpSpPr>
-        <p:cNvPr id="1" name=""/>
-        <p:cNvGrpSpPr/>
-        <p:nvPr/>
-      </p:nvGrpSpPr>
-      <p:grpSpPr>
-        <a:xfrm>
-          <a:off x="0" y="0"/>
-          <a:ext cx="0" cy="0"/>
-          <a:chOff x="0" y="0"/>
-          <a:chExt cx="0" cy="0"/>
-        </a:xfrm>
-      </p:grpSpPr>
-      <p:sp>
-        <p:nvSpPr>
-          <p:cNvPr id="2" name="Title 1"/>
-          <p:cNvSpPr>
-            <a:spLocks noGrp="1"/>
-          </p:cNvSpPr>
-          <p:nvPr>
-            <p:ph type="title"/>
-          </p:nvPr>
-        </p:nvSpPr>
-        <p:spPr/>
-        <p:txBody>
           <a:bodyPr>
             <a:normAutofit fontScale="90000"/>
           </a:bodyPr>
@@ -7918,10 +8036,11 @@
           <a:p>
             <a:r>
               <a:rPr lang="en-US" dirty="0" smtClean="0"/>
-              <a:t>99.5% transition because of T</a:t>
-            </a:r>
-          </a:p>
-          <a:p>
+              <a:t>At 20 Peers/second</a:t>
+            </a:r>
+          </a:p>
+          <a:p>
+            <a:pPr lvl="1"/>
             <a:r>
               <a:rPr lang="en-US" dirty="0" smtClean="0"/>
               <a:t>DHT median latency of 5.2 seconds</a:t>
@@ -8008,7 +8127,7 @@
 </p:sld>
 </file>
 
-<file path=ppt/slides/slide22.xml><?xml version="1.0" encoding="utf-8"?>
+<file path=ppt/slides/slide21.xml><?xml version="1.0" encoding="utf-8"?>
 <p:sld xmlns:a="http://schemas.openxmlformats.org/drawingml/2006/main" xmlns:r="http://schemas.openxmlformats.org/officeDocument/2006/relationships" xmlns:p="http://schemas.openxmlformats.org/presentationml/2006/main">
   <p:cSld>
     <p:spTree>
@@ -8042,8 +8161,8 @@
         </p:blipFill>
         <p:spPr bwMode="auto">
           <a:xfrm>
-            <a:off x="1143000" y="2705100"/>
-            <a:ext cx="6600825" cy="3924300"/>
+            <a:off x="1655685" y="2286000"/>
+            <a:ext cx="6088140" cy="3619500"/>
           </a:xfrm>
           <a:prstGeom prst="rect">
             <a:avLst/>
@@ -8099,10 +8218,15 @@
             <p:ph idx="1"/>
           </p:nvPr>
         </p:nvSpPr>
-        <p:spPr/>
+        <p:spPr>
+          <a:xfrm>
+            <a:off x="457200" y="1447800"/>
+            <a:ext cx="8229600" cy="5181600"/>
+          </a:xfrm>
+        </p:spPr>
         <p:txBody>
           <a:bodyPr>
-            <a:normAutofit/>
+            <a:normAutofit lnSpcReduction="10000"/>
           </a:bodyPr>
           <a:lstStyle/>
           <a:p>
@@ -8122,7 +8246,52 @@
               <a:rPr lang="en-US" sz="1800" dirty="0" smtClean="0"/>
               <a:t>Origin – did not transition to P2P</a:t>
             </a:r>
-            <a:endParaRPr lang="en-US" sz="1800" dirty="0"/>
+          </a:p>
+          <a:p>
+            <a:endParaRPr lang="en-US" sz="1800" dirty="0" smtClean="0"/>
+          </a:p>
+          <a:p>
+            <a:endParaRPr lang="en-US" sz="1800" dirty="0" smtClean="0"/>
+          </a:p>
+          <a:p>
+            <a:endParaRPr lang="en-US" sz="1800" dirty="0" smtClean="0"/>
+          </a:p>
+          <a:p>
+            <a:endParaRPr lang="en-US" sz="1800" dirty="0" smtClean="0"/>
+          </a:p>
+          <a:p>
+            <a:endParaRPr lang="en-US" sz="1800" dirty="0" smtClean="0"/>
+          </a:p>
+          <a:p>
+            <a:endParaRPr lang="en-US" sz="1800" dirty="0" smtClean="0"/>
+          </a:p>
+          <a:p>
+            <a:endParaRPr lang="en-US" sz="1800" dirty="0" smtClean="0"/>
+          </a:p>
+          <a:p>
+            <a:endParaRPr lang="en-US" sz="1800" dirty="0" smtClean="0"/>
+          </a:p>
+          <a:p>
+            <a:endParaRPr lang="en-US" sz="1800" dirty="0" smtClean="0"/>
+          </a:p>
+          <a:p>
+            <a:endParaRPr lang="en-US" sz="1800" dirty="0" smtClean="0"/>
+          </a:p>
+          <a:p>
+            <a:endParaRPr lang="en-US" sz="1800" dirty="0" smtClean="0"/>
+          </a:p>
+          <a:p>
+            <a:r>
+              <a:rPr lang="en-US" sz="1800" dirty="0" smtClean="0"/>
+              <a:t>20 Peers/Second</a:t>
+            </a:r>
+          </a:p>
+          <a:p>
+            <a:pPr lvl="1"/>
+            <a:r>
+              <a:rPr lang="en-US" sz="1400" dirty="0" smtClean="0"/>
+              <a:t>99.5% transition because of T</a:t>
+            </a:r>
           </a:p>
         </p:txBody>
       </p:sp>
@@ -8141,7 +8310,7 @@
 </p:sld>
 </file>
 
-<file path=ppt/slides/slide23.xml><?xml version="1.0" encoding="utf-8"?>
+<file path=ppt/slides/slide22.xml><?xml version="1.0" encoding="utf-8"?>
 <p:sld xmlns:a="http://schemas.openxmlformats.org/drawingml/2006/main" xmlns:r="http://schemas.openxmlformats.org/officeDocument/2006/relationships" xmlns:p="http://schemas.openxmlformats.org/presentationml/2006/main">
   <p:cSld>
     <p:spTree>
@@ -8236,10 +8405,10 @@
           <a:lstStyle/>
           <a:p>
             <a:r>
-              <a:rPr lang="en-US" sz="1800" dirty="0" smtClean="0"/>
+              <a:rPr lang="en-US" sz="2400" dirty="0" smtClean="0"/>
               <a:t>30x faster</a:t>
             </a:r>
-            <a:endParaRPr lang="en-US" sz="1800" dirty="0"/>
+            <a:endParaRPr lang="en-US" sz="2400" dirty="0"/>
           </a:p>
         </p:txBody>
       </p:sp>
@@ -8259,7 +8428,7 @@
 </p:sld>
 </file>
 
-<file path=ppt/slides/slide24.xml><?xml version="1.0" encoding="utf-8"?>
+<file path=ppt/slides/slide23.xml><?xml version="1.0" encoding="utf-8"?>
 <p:sld xmlns:a="http://schemas.openxmlformats.org/drawingml/2006/main" xmlns:r="http://schemas.openxmlformats.org/officeDocument/2006/relationships" xmlns:p="http://schemas.openxmlformats.org/presentationml/2006/main">
   <p:cSld>
     <p:spTree>
@@ -8323,7 +8492,7 @@
           <a:p>
             <a:r>
               <a:rPr lang="en-US" dirty="0" smtClean="0"/>
-              <a:t>Load</a:t>
+              <a:t>Static Load</a:t>
             </a:r>
           </a:p>
           <a:p>
@@ -8385,10 +8554,11 @@
             <a:pPr lvl="2"/>
             <a:r>
               <a:rPr lang="en-US" dirty="0" smtClean="0"/>
-              <a:t>Peer Connection Limit</a:t>
-            </a:r>
-          </a:p>
-          <a:p>
+              <a:t>Peer concurrency count 1-50</a:t>
+            </a:r>
+          </a:p>
+          <a:p>
+            <a:pPr lvl="2"/>
             <a:r>
               <a:rPr lang="en-US" dirty="0" smtClean="0"/>
               <a:t>Reasonable defaults</a:t>
@@ -8437,7 +8607,7 @@
 </p:sld>
 </file>
 
-<file path=ppt/slides/slide25.xml><?xml version="1.0" encoding="utf-8"?>
+<file path=ppt/slides/slide24.xml><?xml version="1.0" encoding="utf-8"?>
 <p:sld xmlns:a="http://schemas.openxmlformats.org/drawingml/2006/main" xmlns:r="http://schemas.openxmlformats.org/officeDocument/2006/relationships" xmlns:p="http://schemas.openxmlformats.org/presentationml/2006/main">
   <p:cSld>
     <p:spTree>
@@ -8473,7 +8643,7 @@
           <a:p>
             <a:r>
               <a:rPr lang="en-US" dirty="0" smtClean="0"/>
-              <a:t>Optimal Values</a:t>
+              <a:t>Optimal Discovered Values</a:t>
             </a:r>
             <a:endParaRPr lang="en-US" dirty="0"/>
           </a:p>
@@ -8584,7 +8754,7 @@
                 <a:ea typeface="+mn-ea"/>
                 <a:cs typeface="+mn-cs"/>
               </a:rPr>
-              <a:t>Smaller</a:t>
+              <a:t>Small</a:t>
             </a:r>
           </a:p>
           <a:p>
@@ -8720,7 +8890,7 @@
           <p:nvPr/>
         </p:nvPicPr>
         <p:blipFill>
-          <a:blip r:embed="rId2" cstate="print"/>
+          <a:blip r:embed="rId3" cstate="print"/>
           <a:srcRect/>
           <a:stretch>
             <a:fillRect/>
@@ -8742,6 +8912,132 @@
   <p:clrMapOvr>
     <a:masterClrMapping/>
   </p:clrMapOvr>
+  <p:timing>
+    <p:tnLst>
+      <p:par>
+        <p:cTn id="1" dur="indefinite" restart="never" nodeType="tmRoot"/>
+      </p:par>
+    </p:tnLst>
+  </p:timing>
+</p:sld>
+</file>
+
+<file path=ppt/slides/slide25.xml><?xml version="1.0" encoding="utf-8"?>
+<p:sld xmlns:a="http://schemas.openxmlformats.org/drawingml/2006/main" xmlns:r="http://schemas.openxmlformats.org/officeDocument/2006/relationships" xmlns:p="http://schemas.openxmlformats.org/presentationml/2006/main">
+  <p:cSld>
+    <p:spTree>
+      <p:nvGrpSpPr>
+        <p:cNvPr id="1" name=""/>
+        <p:cNvGrpSpPr/>
+        <p:nvPr/>
+      </p:nvGrpSpPr>
+      <p:grpSpPr>
+        <a:xfrm>
+          <a:off x="0" y="0"/>
+          <a:ext cx="0" cy="0"/>
+          <a:chOff x="0" y="0"/>
+          <a:chExt cx="0" cy="0"/>
+        </a:xfrm>
+      </p:grpSpPr>
+      <p:sp>
+        <p:nvSpPr>
+          <p:cNvPr id="2" name="Title 1"/>
+          <p:cNvSpPr>
+            <a:spLocks noGrp="1"/>
+          </p:cNvSpPr>
+          <p:nvPr>
+            <p:ph type="title"/>
+          </p:nvPr>
+        </p:nvSpPr>
+        <p:spPr/>
+        <p:txBody>
+          <a:bodyPr>
+            <a:normAutofit/>
+          </a:bodyPr>
+          <a:lstStyle/>
+          <a:p>
+            <a:r>
+              <a:rPr lang="en-US" dirty="0" smtClean="0"/>
+              <a:t>Linger Time</a:t>
+            </a:r>
+            <a:endParaRPr lang="en-US" dirty="0"/>
+          </a:p>
+        </p:txBody>
+      </p:sp>
+      <p:pic>
+        <p:nvPicPr>
+          <p:cNvPr id="2051" name="Picture 3"/>
+          <p:cNvPicPr>
+            <a:picLocks noChangeAspect="1" noChangeArrowheads="1"/>
+          </p:cNvPicPr>
+          <p:nvPr/>
+        </p:nvPicPr>
+        <p:blipFill>
+          <a:blip r:embed="rId3" cstate="print"/>
+          <a:srcRect/>
+          <a:stretch>
+            <a:fillRect/>
+          </a:stretch>
+        </p:blipFill>
+        <p:spPr bwMode="auto">
+          <a:xfrm>
+            <a:off x="1066800" y="1524000"/>
+            <a:ext cx="6196799" cy="3733800"/>
+          </a:xfrm>
+          <a:prstGeom prst="rect">
+            <a:avLst/>
+          </a:prstGeom>
+          <a:noFill/>
+          <a:ln w="9525">
+            <a:noFill/>
+            <a:miter lim="800000"/>
+            <a:headEnd/>
+            <a:tailEnd/>
+          </a:ln>
+        </p:spPr>
+      </p:pic>
+      <p:sp>
+        <p:nvSpPr>
+          <p:cNvPr id="6" name="Content Placeholder 2"/>
+          <p:cNvSpPr>
+            <a:spLocks noGrp="1"/>
+          </p:cNvSpPr>
+          <p:nvPr>
+            <p:ph idx="1"/>
+          </p:nvPr>
+        </p:nvSpPr>
+        <p:spPr>
+          <a:xfrm>
+            <a:off x="457200" y="5715000"/>
+            <a:ext cx="8229600" cy="1020763"/>
+          </a:xfrm>
+        </p:spPr>
+        <p:txBody>
+          <a:bodyPr>
+            <a:normAutofit/>
+          </a:bodyPr>
+          <a:lstStyle/>
+          <a:p>
+            <a:r>
+              <a:rPr lang="en-US" sz="1800" dirty="0" smtClean="0"/>
+              <a:t>4 seconds best</a:t>
+            </a:r>
+            <a:endParaRPr lang="en-US" sz="1800" dirty="0"/>
+          </a:p>
+        </p:txBody>
+      </p:sp>
+    </p:spTree>
+  </p:cSld>
+  <p:clrMapOvr>
+    <a:masterClrMapping/>
+  </p:clrMapOvr>
+  <p:timing>
+    <p:tnLst>
+      <p:par>
+        <p:cTn id="1" dur="indefinite" restart="never" nodeType="tmRoot"/>
+      </p:par>
+    </p:tnLst>
+  </p:timing>
 </p:sld>
 </file>
 
@@ -8797,7 +9093,7 @@
         </p:nvSpPr>
         <p:spPr>
           <a:xfrm>
-            <a:off x="457200" y="1600200"/>
+            <a:off x="457200" y="1295400"/>
             <a:ext cx="8229600" cy="4525963"/>
           </a:xfrm>
         </p:spPr>
@@ -8809,7 +9105,14 @@
           <a:p>
             <a:r>
               <a:rPr lang="en-US" dirty="0" smtClean="0"/>
-              <a:t>100 KB file, 10 10K files</a:t>
+              <a:t>Simulate full web page</a:t>
+            </a:r>
+          </a:p>
+          <a:p>
+            <a:pPr lvl="1"/>
+            <a:r>
+              <a:rPr lang="en-US" dirty="0" smtClean="0"/>
+              <a:t>1 100 KB file, 10 10K files</a:t>
             </a:r>
             <a:endParaRPr lang="en-US" dirty="0"/>
           </a:p>
@@ -8916,8 +9219,8 @@
         </p:blipFill>
         <p:spPr bwMode="auto">
           <a:xfrm>
-            <a:off x="0" y="2362200"/>
-            <a:ext cx="8839199" cy="3255868"/>
+            <a:off x="0" y="2286000"/>
+            <a:ext cx="9046071" cy="3332068"/>
           </a:xfrm>
           <a:prstGeom prst="rect">
             <a:avLst/>
@@ -9092,51 +9395,188 @@
         </p:nvSpPr>
         <p:spPr/>
         <p:txBody>
-          <a:bodyPr>
-            <a:normAutofit/>
-          </a:bodyPr>
-          <a:lstStyle/>
-          <a:p>
-            <a:r>
-              <a:rPr lang="en-US" dirty="0" smtClean="0"/>
-              <a:t>Linger Time</a:t>
+          <a:bodyPr/>
+          <a:lstStyle/>
+          <a:p>
+            <a:r>
+              <a:rPr lang="en-US" dirty="0" smtClean="0"/>
+              <a:t>With Large Files</a:t>
             </a:r>
             <a:endParaRPr lang="en-US" dirty="0"/>
           </a:p>
         </p:txBody>
       </p:sp>
-      <p:pic>
-        <p:nvPicPr>
-          <p:cNvPr id="14338" name="Picture 2"/>
-          <p:cNvPicPr>
-            <a:picLocks noChangeAspect="1" noChangeArrowheads="1"/>
-          </p:cNvPicPr>
+      <p:sp>
+        <p:nvSpPr>
+          <p:cNvPr id="6" name="Content Placeholder 2"/>
+          <p:cNvSpPr txBox="1">
+            <a:spLocks/>
+          </p:cNvSpPr>
           <p:nvPr/>
-        </p:nvPicPr>
-        <p:blipFill>
-          <a:blip r:embed="rId3" cstate="print"/>
-          <a:srcRect/>
-          <a:stretch>
-            <a:fillRect/>
-          </a:stretch>
-        </p:blipFill>
-        <p:spPr bwMode="auto">
+        </p:nvSpPr>
+        <p:spPr>
           <a:xfrm>
-            <a:off x="1219200" y="1676400"/>
-            <a:ext cx="6096000" cy="3877808"/>
+            <a:off x="457200" y="1600200"/>
+            <a:ext cx="8229600" cy="4525963"/>
           </a:xfrm>
           <a:prstGeom prst="rect">
             <a:avLst/>
           </a:prstGeom>
-          <a:noFill/>
-          <a:ln w="9525">
-            <a:noFill/>
-            <a:miter lim="800000"/>
-            <a:headEnd/>
-            <a:tailEnd/>
-          </a:ln>
         </p:spPr>
-      </p:pic>
+        <p:txBody>
+          <a:bodyPr vert="horz" lIns="91440" tIns="45720" rIns="91440" bIns="45720" rtlCol="0">
+            <a:normAutofit/>
+          </a:bodyPr>
+          <a:lstStyle/>
+          <a:p>
+            <a:pPr marL="342900" marR="0" lvl="0" indent="-342900" algn="l" defTabSz="914400" rtl="0" eaLnBrk="1" fontAlgn="auto" latinLnBrk="0" hangingPunct="1">
+              <a:lnSpc>
+                <a:spcPct val="100000"/>
+              </a:lnSpc>
+              <a:spcBef>
+                <a:spcPct val="20000"/>
+              </a:spcBef>
+              <a:spcAft>
+                <a:spcPts val="0"/>
+              </a:spcAft>
+              <a:buClrTx/>
+              <a:buSzTx/>
+              <a:buFont typeface="Arial" pitchFamily="34" charset="0"/>
+              <a:buChar char="•"/>
+              <a:tabLst/>
+              <a:defRPr/>
+            </a:pPr>
+            <a:r>
+              <a:rPr kumimoji="0" lang="en-US" sz="3200" b="0" i="0" u="none" strike="noStrike" kern="1200" cap="none" spc="0" normalizeH="0" baseline="0" noProof="0" dirty="0" smtClean="0">
+                <a:ln>
+                  <a:noFill/>
+                </a:ln>
+                <a:solidFill>
+                  <a:schemeClr val="tx1"/>
+                </a:solidFill>
+                <a:effectLst/>
+                <a:uLnTx/>
+                <a:uFillTx/>
+                <a:latin typeface="+mn-lt"/>
+                <a:ea typeface="+mn-ea"/>
+                <a:cs typeface="+mn-cs"/>
+              </a:rPr>
+              <a:t>30MB</a:t>
+            </a:r>
+            <a:r>
+              <a:rPr kumimoji="0" lang="en-US" sz="3200" b="0" i="0" u="none" strike="noStrike" kern="1200" cap="none" spc="0" normalizeH="0" noProof="0" dirty="0" smtClean="0">
+                <a:ln>
+                  <a:noFill/>
+                </a:ln>
+                <a:solidFill>
+                  <a:schemeClr val="tx1"/>
+                </a:solidFill>
+                <a:effectLst/>
+                <a:uLnTx/>
+                <a:uFillTx/>
+                <a:latin typeface="+mn-lt"/>
+                <a:ea typeface="+mn-ea"/>
+                <a:cs typeface="+mn-cs"/>
+              </a:rPr>
+              <a:t> File</a:t>
+            </a:r>
+          </a:p>
+          <a:p>
+            <a:pPr marL="342900" marR="0" lvl="0" indent="-342900" algn="l" defTabSz="914400" rtl="0" eaLnBrk="1" fontAlgn="auto" latinLnBrk="0" hangingPunct="1">
+              <a:lnSpc>
+                <a:spcPct val="100000"/>
+              </a:lnSpc>
+              <a:spcBef>
+                <a:spcPct val="20000"/>
+              </a:spcBef>
+              <a:spcAft>
+                <a:spcPts val="0"/>
+              </a:spcAft>
+              <a:buClrTx/>
+              <a:buSzTx/>
+              <a:buFont typeface="Arial" pitchFamily="34" charset="0"/>
+              <a:buChar char="•"/>
+              <a:tabLst/>
+              <a:defRPr/>
+            </a:pPr>
+            <a:r>
+              <a:rPr lang="en-US" sz="3200" baseline="0" dirty="0" smtClean="0"/>
+              <a:t>100</a:t>
+            </a:r>
+            <a:r>
+              <a:rPr lang="en-US" sz="3200" dirty="0" smtClean="0"/>
+              <a:t> Peers</a:t>
+            </a:r>
+          </a:p>
+          <a:p>
+            <a:pPr marL="342900" marR="0" lvl="0" indent="-342900" algn="l" defTabSz="914400" rtl="0" eaLnBrk="1" fontAlgn="auto" latinLnBrk="0" hangingPunct="1">
+              <a:lnSpc>
+                <a:spcPct val="100000"/>
+              </a:lnSpc>
+              <a:spcBef>
+                <a:spcPct val="20000"/>
+              </a:spcBef>
+              <a:spcAft>
+                <a:spcPts val="0"/>
+              </a:spcAft>
+              <a:buClrTx/>
+              <a:buSzTx/>
+              <a:buFont typeface="Arial" pitchFamily="34" charset="0"/>
+              <a:buChar char="•"/>
+              <a:tabLst/>
+              <a:defRPr/>
+            </a:pPr>
+            <a:r>
+              <a:rPr kumimoji="0" lang="en-US" sz="3200" b="0" i="0" u="none" strike="noStrike" kern="1200" cap="none" spc="0" normalizeH="0" baseline="0" noProof="0" dirty="0" smtClean="0">
+                <a:ln>
+                  <a:noFill/>
+                </a:ln>
+                <a:solidFill>
+                  <a:schemeClr val="tx1"/>
+                </a:solidFill>
+                <a:effectLst/>
+                <a:uLnTx/>
+                <a:uFillTx/>
+                <a:latin typeface="+mn-lt"/>
+                <a:ea typeface="+mn-ea"/>
+                <a:cs typeface="+mn-cs"/>
+              </a:rPr>
+              <a:t>100</a:t>
+            </a:r>
+            <a:r>
+              <a:rPr kumimoji="0" lang="en-US" sz="3200" b="0" i="0" u="none" strike="noStrike" kern="1200" cap="none" spc="0" normalizeH="0" noProof="0" dirty="0" smtClean="0">
+                <a:ln>
+                  <a:noFill/>
+                </a:ln>
+                <a:solidFill>
+                  <a:schemeClr val="tx1"/>
+                </a:solidFill>
+                <a:effectLst/>
+                <a:uLnTx/>
+                <a:uFillTx/>
+                <a:latin typeface="+mn-lt"/>
+                <a:ea typeface="+mn-ea"/>
+                <a:cs typeface="+mn-cs"/>
+              </a:rPr>
+              <a:t> Seconds</a:t>
+            </a:r>
+            <a:endParaRPr kumimoji="0" lang="en-US" sz="3200" b="0" i="0" u="none" strike="noStrike" kern="1200" cap="none" spc="0" normalizeH="0" baseline="0" noProof="0" dirty="0">
+              <a:ln>
+                <a:noFill/>
+              </a:ln>
+              <a:solidFill>
+                <a:schemeClr val="tx1"/>
+              </a:solidFill>
+              <a:effectLst/>
+              <a:uLnTx/>
+              <a:uFillTx/>
+              <a:latin typeface="+mn-lt"/>
+              <a:ea typeface="+mn-ea"/>
+              <a:cs typeface="+mn-cs"/>
+            </a:endParaRPr>
+          </a:p>
+        </p:txBody>
+      </p:sp>
     </p:spTree>
   </p:cSld>
   <p:clrMapOvr>
@@ -9181,12 +9621,70 @@
         </p:nvSpPr>
         <p:spPr/>
         <p:txBody>
+          <a:bodyPr>
+            <a:normAutofit/>
+          </a:bodyPr>
+          <a:lstStyle/>
+          <a:p>
+            <a:r>
+              <a:rPr lang="en-US" dirty="0" smtClean="0"/>
+              <a:t>With Large Files</a:t>
+            </a:r>
+            <a:endParaRPr lang="en-US" dirty="0"/>
+          </a:p>
+        </p:txBody>
+      </p:sp>
+      <p:sp>
+        <p:nvSpPr>
+          <p:cNvPr id="3" name="Content Placeholder 2"/>
+          <p:cNvSpPr>
+            <a:spLocks noGrp="1"/>
+          </p:cNvSpPr>
+          <p:nvPr>
+            <p:ph idx="1"/>
+          </p:nvPr>
+        </p:nvSpPr>
+        <p:spPr>
+          <a:xfrm>
+            <a:off x="457200" y="3810000"/>
+            <a:ext cx="8229600" cy="4525963"/>
+          </a:xfrm>
+        </p:spPr>
+        <p:txBody>
           <a:bodyPr/>
           <a:lstStyle/>
           <a:p>
             <a:r>
               <a:rPr lang="en-US" dirty="0" smtClean="0"/>
-              <a:t>With Large Files</a:t>
+              <a:t>BitTorrent Large File Optimizations</a:t>
+            </a:r>
+          </a:p>
+          <a:p>
+            <a:pPr lvl="1"/>
+            <a:r>
+              <a:rPr lang="en-US" dirty="0" smtClean="0"/>
+              <a:t>Seeds limit outgoing connections</a:t>
+            </a:r>
+          </a:p>
+          <a:p>
+            <a:pPr lvl="2"/>
+            <a:r>
+              <a:rPr lang="en-US" dirty="0" smtClean="0"/>
+              <a:t>Favors stronger connections</a:t>
+            </a:r>
+          </a:p>
+          <a:p>
+            <a:pPr lvl="1"/>
+            <a:r>
+              <a:rPr lang="en-US" dirty="0" smtClean="0"/>
+              <a:t>Dedicated tracker</a:t>
+            </a:r>
+          </a:p>
+          <a:p>
+            <a:pPr lvl="1"/>
+            <a:r>
+              <a:rPr lang="en-US" dirty="0" smtClean="0"/>
+              <a:t>Rarest Block First</a:t>
             </a:r>
             <a:endParaRPr lang="en-US" dirty="0"/>
           </a:p>
@@ -9194,13 +9692,11 @@
       </p:sp>
       <p:pic>
         <p:nvPicPr>
-          <p:cNvPr id="14338" name="Picture 2"/>
+          <p:cNvPr id="4" name="Picture 2"/>
           <p:cNvPicPr>
-            <a:picLocks noGrp="1" noChangeAspect="1" noChangeArrowheads="1"/>
+            <a:picLocks noChangeAspect="1" noChangeArrowheads="1"/>
           </p:cNvPicPr>
-          <p:nvPr>
-            <p:ph idx="1"/>
-          </p:nvPr>
+          <p:nvPr/>
         </p:nvPicPr>
         <p:blipFill>
           <a:blip r:embed="rId3" cstate="print"/>
@@ -9211,131 +9707,8 @@
         </p:blipFill>
         <p:spPr bwMode="auto">
           <a:xfrm>
-            <a:off x="1676400" y="1066800"/>
+            <a:off x="1809750" y="1219200"/>
             <a:ext cx="5734050" cy="2495550"/>
-          </a:xfrm>
-          <a:prstGeom prst="rect">
-            <a:avLst/>
-          </a:prstGeom>
-          <a:noFill/>
-          <a:ln w="9525">
-            <a:noFill/>
-            <a:miter lim="800000"/>
-            <a:headEnd/>
-            <a:tailEnd/>
-          </a:ln>
-        </p:spPr>
-      </p:pic>
-      <p:sp>
-        <p:nvSpPr>
-          <p:cNvPr id="5" name="Content Placeholder 2"/>
-          <p:cNvSpPr txBox="1">
-            <a:spLocks/>
-          </p:cNvSpPr>
-          <p:nvPr/>
-        </p:nvSpPr>
-        <p:spPr>
-          <a:xfrm>
-            <a:off x="457200" y="6157118"/>
-            <a:ext cx="8229600" cy="1401763"/>
-          </a:xfrm>
-          <a:prstGeom prst="rect">
-            <a:avLst/>
-          </a:prstGeom>
-        </p:spPr>
-        <p:txBody>
-          <a:bodyPr vert="horz" lIns="91440" tIns="45720" rIns="91440" bIns="45720" rtlCol="0">
-            <a:normAutofit/>
-          </a:bodyPr>
-          <a:lstStyle/>
-          <a:p>
-            <a:pPr marL="342900" marR="0" lvl="0" indent="-342900" algn="l" defTabSz="914400" rtl="0" eaLnBrk="1" fontAlgn="auto" latinLnBrk="0" hangingPunct="1">
-              <a:lnSpc>
-                <a:spcPct val="100000"/>
-              </a:lnSpc>
-              <a:spcBef>
-                <a:spcPct val="20000"/>
-              </a:spcBef>
-              <a:spcAft>
-                <a:spcPts val="0"/>
-              </a:spcAft>
-              <a:buClrTx/>
-              <a:buSzTx/>
-              <a:buFont typeface="Arial" pitchFamily="34" charset="0"/>
-              <a:buChar char="•"/>
-              <a:tabLst/>
-              <a:defRPr/>
-            </a:pPr>
-            <a:r>
-              <a:rPr kumimoji="0" lang="en-US" sz="3200" b="0" i="0" u="none" strike="noStrike" kern="1200" cap="none" spc="0" normalizeH="0" baseline="0" noProof="0" dirty="0" smtClean="0">
-                <a:ln>
-                  <a:noFill/>
-                </a:ln>
-                <a:solidFill>
-                  <a:schemeClr val="tx1"/>
-                </a:solidFill>
-                <a:effectLst/>
-                <a:uLnTx/>
-                <a:uFillTx/>
-                <a:latin typeface="+mn-lt"/>
-                <a:ea typeface="+mn-ea"/>
-                <a:cs typeface="+mn-cs"/>
-              </a:rPr>
-              <a:t>Fast once it gets started</a:t>
-            </a:r>
-            <a:r>
-              <a:rPr kumimoji="0" lang="en-US" sz="3200" b="0" i="0" u="none" strike="noStrike" kern="1200" cap="none" spc="0" normalizeH="0" noProof="0" dirty="0" smtClean="0">
-                <a:ln>
-                  <a:noFill/>
-                </a:ln>
-                <a:solidFill>
-                  <a:schemeClr val="tx1"/>
-                </a:solidFill>
-                <a:effectLst/>
-                <a:uLnTx/>
-                <a:uFillTx/>
-                <a:latin typeface="+mn-lt"/>
-                <a:ea typeface="+mn-ea"/>
-                <a:cs typeface="+mn-cs"/>
-              </a:rPr>
-              <a:t> for both</a:t>
-            </a:r>
-            <a:endParaRPr kumimoji="0" lang="en-US" sz="3200" b="0" i="0" u="none" strike="noStrike" kern="1200" cap="none" spc="0" normalizeH="0" baseline="0" noProof="0" dirty="0" smtClean="0">
-              <a:ln>
-                <a:noFill/>
-              </a:ln>
-              <a:solidFill>
-                <a:schemeClr val="tx1"/>
-              </a:solidFill>
-              <a:effectLst/>
-              <a:uLnTx/>
-              <a:uFillTx/>
-              <a:latin typeface="+mn-lt"/>
-              <a:ea typeface="+mn-ea"/>
-              <a:cs typeface="+mn-cs"/>
-            </a:endParaRPr>
-          </a:p>
-        </p:txBody>
-      </p:sp>
-      <p:pic>
-        <p:nvPicPr>
-          <p:cNvPr id="16386" name="Picture 2"/>
-          <p:cNvPicPr>
-            <a:picLocks noChangeAspect="1" noChangeArrowheads="1"/>
-          </p:cNvPicPr>
-          <p:nvPr/>
-        </p:nvPicPr>
-        <p:blipFill>
-          <a:blip r:embed="rId4" cstate="print"/>
-          <a:srcRect/>
-          <a:stretch>
-            <a:fillRect/>
-          </a:stretch>
-        </p:blipFill>
-        <p:spPr bwMode="auto">
-          <a:xfrm>
-            <a:off x="2286000" y="3505200"/>
-            <a:ext cx="4572000" cy="2744064"/>
           </a:xfrm>
           <a:prstGeom prst="rect">
             <a:avLst/>
@@ -9398,7 +9771,7 @@
         </p:blipFill>
         <p:spPr bwMode="auto">
           <a:xfrm>
-            <a:off x="3657600" y="3276600"/>
+            <a:off x="3657600" y="3505200"/>
             <a:ext cx="5172075" cy="3352800"/>
           </a:xfrm>
           <a:prstGeom prst="rect">
@@ -9440,7 +9813,7 @@
       </p:sp>
       <p:pic>
         <p:nvPicPr>
-          <p:cNvPr id="2050" name="Picture 2"/>
+          <p:cNvPr id="2051" name="Picture 3" descr="C:\Program Files\Microsoft Office\MEDIA\CAGCAT10\j0286034.wmf"/>
           <p:cNvPicPr>
             <a:picLocks noChangeAspect="1" noChangeArrowheads="1"/>
           </p:cNvPicPr>
@@ -9448,39 +9821,6 @@
         </p:nvPicPr>
         <p:blipFill>
           <a:blip r:embed="rId4" cstate="print"/>
-          <a:srcRect/>
-          <a:stretch>
-            <a:fillRect/>
-          </a:stretch>
-        </p:blipFill>
-        <p:spPr bwMode="auto">
-          <a:xfrm>
-            <a:off x="381000" y="1600200"/>
-            <a:ext cx="8442145" cy="2233613"/>
-          </a:xfrm>
-          <a:prstGeom prst="rect">
-            <a:avLst/>
-          </a:prstGeom>
-          <a:noFill/>
-          <a:ln w="9525">
-            <a:noFill/>
-            <a:miter lim="800000"/>
-            <a:headEnd/>
-            <a:tailEnd/>
-          </a:ln>
-          <a:effectLst/>
-        </p:spPr>
-      </p:pic>
-      <p:pic>
-        <p:nvPicPr>
-          <p:cNvPr id="2051" name="Picture 3" descr="C:\Program Files\Microsoft Office\MEDIA\CAGCAT10\j0286034.wmf"/>
-          <p:cNvPicPr>
-            <a:picLocks noChangeAspect="1" noChangeArrowheads="1"/>
-          </p:cNvPicPr>
-          <p:nvPr/>
-        </p:nvPicPr>
-        <p:blipFill>
-          <a:blip r:embed="rId5" cstate="print"/>
           <a:srcRect/>
           <a:stretch>
             <a:fillRect/>
@@ -9571,6 +9911,38 @@
           </a:p>
         </p:txBody>
       </p:sp>
+      <p:pic>
+        <p:nvPicPr>
+          <p:cNvPr id="4" name="Picture 2"/>
+          <p:cNvPicPr>
+            <a:picLocks noChangeAspect="1" noChangeArrowheads="1"/>
+          </p:cNvPicPr>
+          <p:nvPr/>
+        </p:nvPicPr>
+        <p:blipFill>
+          <a:blip r:embed="rId5" cstate="print"/>
+          <a:srcRect/>
+          <a:stretch>
+            <a:fillRect/>
+          </a:stretch>
+        </p:blipFill>
+        <p:spPr bwMode="auto">
+          <a:xfrm>
+            <a:off x="304800" y="1447800"/>
+            <a:ext cx="8515350" cy="2257425"/>
+          </a:xfrm>
+          <a:prstGeom prst="rect">
+            <a:avLst/>
+          </a:prstGeom>
+          <a:noFill/>
+          <a:ln w="9525">
+            <a:noFill/>
+            <a:miter lim="800000"/>
+            <a:headEnd/>
+            <a:tailEnd/>
+          </a:ln>
+        </p:spPr>
+      </p:pic>
     </p:spTree>
   </p:cSld>
   <p:clrMapOvr>
@@ -9615,60 +9987,164 @@
         </p:nvSpPr>
         <p:spPr/>
         <p:txBody>
-          <a:bodyPr>
-            <a:normAutofit fontScale="90000"/>
+          <a:bodyPr/>
+          <a:lstStyle/>
+          <a:p>
+            <a:r>
+              <a:rPr lang="en-US" dirty="0" smtClean="0"/>
+              <a:t>With Large Files</a:t>
+            </a:r>
+            <a:endParaRPr lang="en-US" dirty="0"/>
+          </a:p>
+        </p:txBody>
+      </p:sp>
+      <p:pic>
+        <p:nvPicPr>
+          <p:cNvPr id="14338" name="Picture 2"/>
+          <p:cNvPicPr>
+            <a:picLocks noGrp="1" noChangeAspect="1" noChangeArrowheads="1"/>
+          </p:cNvPicPr>
+          <p:nvPr>
+            <p:ph idx="1"/>
+          </p:nvPr>
+        </p:nvPicPr>
+        <p:blipFill>
+          <a:blip r:embed="rId3" cstate="print"/>
+          <a:srcRect/>
+          <a:stretch>
+            <a:fillRect/>
+          </a:stretch>
+        </p:blipFill>
+        <p:spPr bwMode="auto">
+          <a:xfrm>
+            <a:off x="1809750" y="1238250"/>
+            <a:ext cx="5734050" cy="2495550"/>
+          </a:xfrm>
+          <a:prstGeom prst="rect">
+            <a:avLst/>
+          </a:prstGeom>
+          <a:noFill/>
+          <a:ln w="9525">
+            <a:noFill/>
+            <a:miter lim="800000"/>
+            <a:headEnd/>
+            <a:tailEnd/>
+          </a:ln>
+        </p:spPr>
+      </p:pic>
+      <p:sp>
+        <p:nvSpPr>
+          <p:cNvPr id="5" name="Content Placeholder 2"/>
+          <p:cNvSpPr txBox="1">
+            <a:spLocks/>
+          </p:cNvSpPr>
+          <p:nvPr/>
+        </p:nvSpPr>
+        <p:spPr>
+          <a:xfrm>
+            <a:off x="457200" y="6157118"/>
+            <a:ext cx="8229600" cy="1401763"/>
+          </a:xfrm>
+          <a:prstGeom prst="rect">
+            <a:avLst/>
+          </a:prstGeom>
+        </p:spPr>
+        <p:txBody>
+          <a:bodyPr vert="horz" lIns="91440" tIns="45720" rIns="91440" bIns="45720" rtlCol="0">
+            <a:normAutofit/>
           </a:bodyPr>
           <a:lstStyle/>
           <a:p>
-            <a:r>
-              <a:rPr lang="en-US" dirty="0" smtClean="0"/>
-              <a:t>BitTorrent’s Large File Optimizations</a:t>
-            </a:r>
-            <a:endParaRPr lang="en-US" dirty="0"/>
-          </a:p>
-        </p:txBody>
-      </p:sp>
-      <p:sp>
-        <p:nvSpPr>
-          <p:cNvPr id="3" name="Content Placeholder 2"/>
-          <p:cNvSpPr>
-            <a:spLocks noGrp="1"/>
-          </p:cNvSpPr>
-          <p:nvPr>
-            <p:ph idx="1"/>
-          </p:nvPr>
-        </p:nvSpPr>
-        <p:spPr/>
-        <p:txBody>
-          <a:bodyPr/>
-          <a:lstStyle/>
-          <a:p>
-            <a:r>
-              <a:rPr lang="en-US" dirty="0" smtClean="0"/>
-              <a:t>Seeds limit outgoing connections</a:t>
-            </a:r>
-          </a:p>
-          <a:p>
-            <a:r>
-              <a:rPr lang="en-US" dirty="0" smtClean="0"/>
-              <a:t>Favors stronger connections</a:t>
-            </a:r>
-          </a:p>
-          <a:p>
-            <a:r>
-              <a:rPr lang="en-US" dirty="0" smtClean="0"/>
-              <a:t>Dedicated tracker</a:t>
-            </a:r>
-          </a:p>
-          <a:p>
-            <a:r>
-              <a:rPr lang="en-US" dirty="0" smtClean="0"/>
-              <a:t>Rarest Block First</a:t>
-            </a:r>
-            <a:endParaRPr lang="en-US" dirty="0"/>
-          </a:p>
-        </p:txBody>
-      </p:sp>
+            <a:pPr marL="342900" marR="0" lvl="0" indent="-342900" algn="l" defTabSz="914400" rtl="0" eaLnBrk="1" fontAlgn="auto" latinLnBrk="0" hangingPunct="1">
+              <a:lnSpc>
+                <a:spcPct val="100000"/>
+              </a:lnSpc>
+              <a:spcBef>
+                <a:spcPct val="20000"/>
+              </a:spcBef>
+              <a:spcAft>
+                <a:spcPts val="0"/>
+              </a:spcAft>
+              <a:buClrTx/>
+              <a:buSzTx/>
+              <a:buFont typeface="Arial" pitchFamily="34" charset="0"/>
+              <a:buChar char="•"/>
+              <a:tabLst/>
+              <a:defRPr/>
+            </a:pPr>
+            <a:r>
+              <a:rPr lang="en-US" sz="3200" dirty="0" smtClean="0"/>
+              <a:t>F</a:t>
+            </a:r>
+            <a:r>
+              <a:rPr kumimoji="0" lang="en-US" sz="3200" b="0" i="0" u="none" strike="noStrike" kern="1200" cap="none" spc="0" normalizeH="0" baseline="0" noProof="0" dirty="0" err="1" smtClean="0">
+                <a:ln>
+                  <a:noFill/>
+                </a:ln>
+                <a:solidFill>
+                  <a:schemeClr val="tx1"/>
+                </a:solidFill>
+                <a:effectLst/>
+                <a:uLnTx/>
+                <a:uFillTx/>
+                <a:latin typeface="+mn-lt"/>
+                <a:ea typeface="+mn-ea"/>
+                <a:cs typeface="+mn-cs"/>
+              </a:rPr>
+              <a:t>ast</a:t>
+            </a:r>
+            <a:r>
+              <a:rPr kumimoji="0" lang="en-US" sz="3200" b="0" i="0" u="none" strike="noStrike" kern="1200" cap="none" spc="0" normalizeH="0" baseline="0" noProof="0" dirty="0" smtClean="0">
+                <a:ln>
+                  <a:noFill/>
+                </a:ln>
+                <a:solidFill>
+                  <a:schemeClr val="tx1"/>
+                </a:solidFill>
+                <a:effectLst/>
+                <a:uLnTx/>
+                <a:uFillTx/>
+                <a:latin typeface="+mn-lt"/>
+                <a:ea typeface="+mn-ea"/>
+                <a:cs typeface="+mn-cs"/>
+              </a:rPr>
+              <a:t>, once gets started</a:t>
+            </a:r>
+          </a:p>
+        </p:txBody>
+      </p:sp>
+      <p:pic>
+        <p:nvPicPr>
+          <p:cNvPr id="16386" name="Picture 2"/>
+          <p:cNvPicPr>
+            <a:picLocks noChangeAspect="1" noChangeArrowheads="1"/>
+          </p:cNvPicPr>
+          <p:nvPr/>
+        </p:nvPicPr>
+        <p:blipFill>
+          <a:blip r:embed="rId4" cstate="print"/>
+          <a:srcRect/>
+          <a:stretch>
+            <a:fillRect/>
+          </a:stretch>
+        </p:blipFill>
+        <p:spPr bwMode="auto">
+          <a:xfrm>
+            <a:off x="2286000" y="3505200"/>
+            <a:ext cx="4572000" cy="2744064"/>
+          </a:xfrm>
+          <a:prstGeom prst="rect">
+            <a:avLst/>
+          </a:prstGeom>
+          <a:noFill/>
+          <a:ln w="9525">
+            <a:noFill/>
+            <a:miter lim="800000"/>
+            <a:headEnd/>
+            <a:tailEnd/>
+          </a:ln>
+        </p:spPr>
+      </p:pic>
     </p:spTree>
   </p:cSld>
   <p:clrMapOvr>
@@ -9748,12 +10224,8 @@
           </a:p>
           <a:p>
             <a:r>
-              <a:rPr lang="en-US" smtClean="0"/>
-              <a:t>30x </a:t>
-            </a:r>
-            <a:r>
-              <a:rPr lang="en-US" dirty="0" smtClean="0"/>
-              <a:t>as fast for small files (flash crowd)</a:t>
+              <a:rPr lang="en-US" dirty="0" smtClean="0"/>
+              <a:t>30x as fast for small files</a:t>
             </a:r>
           </a:p>
           <a:p>
@@ -9860,7 +10332,7 @@
           <a:p>
             <a:r>
               <a:rPr lang="en-US" dirty="0" smtClean="0"/>
-              <a:t>Easy for client use</a:t>
+              <a:t>Easy for user</a:t>
             </a:r>
           </a:p>
           <a:p>
@@ -9880,6 +10352,17 @@
               <a:rPr lang="en-US" dirty="0" smtClean="0"/>
               <a:t>Non intrusive</a:t>
             </a:r>
+          </a:p>
+          <a:p>
+            <a:r>
+              <a:rPr lang="en-US" dirty="0" smtClean="0"/>
+              <a:t>Today’s Internet</a:t>
+            </a:r>
+            <a:r>
+              <a:rPr lang="en-US" smtClean="0"/>
+              <a:t>: Faster.</a:t>
+            </a:r>
+            <a:endParaRPr lang="en-US" dirty="0" smtClean="0"/>
           </a:p>
         </p:txBody>
       </p:sp>
@@ -9951,7 +10434,7 @@
         <p:spPr/>
         <p:txBody>
           <a:bodyPr>
-            <a:normAutofit fontScale="92500" lnSpcReduction="10000"/>
+            <a:normAutofit lnSpcReduction="10000"/>
           </a:bodyPr>
           <a:lstStyle/>
           <a:p>
@@ -9963,7 +10446,7 @@
           <a:p>
             <a:r>
               <a:rPr lang="en-US" dirty="0" smtClean="0"/>
-              <a:t>Improve automatic swarming for large files</a:t>
+              <a:t>Improve Automatic Swarming for large files</a:t>
             </a:r>
           </a:p>
           <a:p>
@@ -9980,7 +10463,7 @@
             </a:r>
           </a:p>
           <a:p>
-            <a:pPr lvl="1"/>
+            <a:pPr lvl="2"/>
             <a:r>
               <a:rPr lang="en-US" dirty="0" smtClean="0"/>
               <a:t>Staleness</a:t>
@@ -10162,7 +10645,14 @@
           <a:p>
             <a:r>
               <a:rPr lang="en-US" dirty="0" smtClean="0"/>
-              <a:t>Parallel download manager</a:t>
+              <a:t>Download manager</a:t>
+            </a:r>
+          </a:p>
+          <a:p>
+            <a:pPr lvl="1"/>
+            <a:r>
+              <a:rPr lang="en-US" dirty="0" smtClean="0"/>
+              <a:t>Parallel</a:t>
             </a:r>
           </a:p>
           <a:p>
@@ -10313,6 +10803,20 @@
             </a:r>
           </a:p>
           <a:p>
+            <a:pPr lvl="1"/>
+            <a:r>
+              <a:rPr lang="en-US" dirty="0" smtClean="0"/>
+              <a:t>Expensive</a:t>
+            </a:r>
+          </a:p>
+          <a:p>
+            <a:pPr lvl="1"/>
+            <a:r>
+              <a:rPr lang="en-US" dirty="0" smtClean="0"/>
+              <a:t>Overloaded</a:t>
+            </a:r>
+          </a:p>
+          <a:p>
             <a:r>
               <a:rPr lang="en-US" dirty="0" smtClean="0"/>
               <a:t>Turn to P2P</a:t>
@@ -10369,21 +10873,62 @@
           <a:p>
             <a:r>
               <a:rPr lang="en-US" dirty="0" smtClean="0"/>
-              <a:t>CDN can fail</a:t>
+              <a:t>P2P</a:t>
             </a:r>
             <a:endParaRPr lang="en-US" dirty="0"/>
+          </a:p>
+        </p:txBody>
+      </p:sp>
+      <p:sp>
+        <p:nvSpPr>
+          <p:cNvPr id="3" name="Content Placeholder 2"/>
+          <p:cNvSpPr>
+            <a:spLocks noGrp="1"/>
+          </p:cNvSpPr>
+          <p:nvPr>
+            <p:ph idx="1"/>
+          </p:nvPr>
+        </p:nvSpPr>
+        <p:spPr/>
+        <p:txBody>
+          <a:bodyPr/>
+          <a:lstStyle/>
+          <a:p>
+            <a:r>
+              <a:rPr lang="en-US" dirty="0" smtClean="0"/>
+              <a:t>BitTorrent</a:t>
+            </a:r>
+          </a:p>
+          <a:p>
+            <a:pPr lvl="1"/>
+            <a:r>
+              <a:rPr lang="en-US" dirty="0" smtClean="0"/>
+              <a:t>Create + host .Torrent File</a:t>
+            </a:r>
+          </a:p>
+          <a:p>
+            <a:pPr lvl="1"/>
+            <a:r>
+              <a:rPr lang="en-US" dirty="0" smtClean="0"/>
+              <a:t>Run a tracker</a:t>
+            </a:r>
+          </a:p>
+          <a:p>
+            <a:pPr lvl="1"/>
+            <a:r>
+              <a:rPr lang="en-US" dirty="0" smtClean="0"/>
+              <a:t>Peers download and share blocks (efficiently)</a:t>
+            </a:r>
           </a:p>
         </p:txBody>
       </p:sp>
       <p:pic>
         <p:nvPicPr>
-          <p:cNvPr id="2050" name="Picture 2"/>
+          <p:cNvPr id="2050" name="Picture 2" descr="C:\Documents and Settings\Default\Desktop\bannerlogo.png"/>
           <p:cNvPicPr>
-            <a:picLocks noGrp="1" noChangeAspect="1" noChangeArrowheads="1"/>
+            <a:picLocks noChangeAspect="1" noChangeArrowheads="1"/>
           </p:cNvPicPr>
-          <p:nvPr>
-            <p:ph idx="1"/>
-          </p:nvPr>
+          <p:nvPr/>
         </p:nvPicPr>
         <p:blipFill>
           <a:blip r:embed="rId3" cstate="print"/>
@@ -10394,24 +10939,18 @@
         </p:blipFill>
         <p:spPr bwMode="auto">
           <a:xfrm>
-            <a:off x="457200" y="1600200"/>
-            <a:ext cx="8229600" cy="2188167"/>
+            <a:off x="6553200" y="609600"/>
+            <a:ext cx="1524000" cy="619125"/>
           </a:xfrm>
           <a:prstGeom prst="rect">
             <a:avLst/>
           </a:prstGeom>
           <a:noFill/>
-          <a:ln w="9525">
-            <a:noFill/>
-            <a:miter lim="800000"/>
-            <a:headEnd/>
-            <a:tailEnd/>
-          </a:ln>
         </p:spPr>
       </p:pic>
       <p:sp>
         <p:nvSpPr>
-          <p:cNvPr id="6" name="Content Placeholder 2"/>
+          <p:cNvPr id="5" name="Content Placeholder 2"/>
           <p:cNvSpPr txBox="1">
             <a:spLocks/>
           </p:cNvSpPr>
@@ -10419,8 +10958,8 @@
         </p:nvSpPr>
         <p:spPr>
           <a:xfrm>
-            <a:off x="457200" y="4495800"/>
-            <a:ext cx="8229600" cy="1630363"/>
+            <a:off x="304800" y="5638800"/>
+            <a:ext cx="8229600" cy="1524000"/>
           </a:xfrm>
           <a:prstGeom prst="rect">
             <a:avLst/>
@@ -10432,76 +10971,12 @@
           </a:bodyPr>
           <a:lstStyle/>
           <a:p>
-            <a:pPr marL="342900" marR="0" lvl="0" indent="-342900" algn="l" defTabSz="914400" rtl="0" eaLnBrk="1" fontAlgn="auto" latinLnBrk="0" hangingPunct="1">
-              <a:lnSpc>
-                <a:spcPct val="100000"/>
-              </a:lnSpc>
-              <a:spcBef>
-                <a:spcPct val="20000"/>
-              </a:spcBef>
-              <a:spcAft>
-                <a:spcPts val="0"/>
-              </a:spcAft>
-              <a:buClrTx/>
-              <a:buSzTx/>
-              <a:buFont typeface="Arial" pitchFamily="34" charset="0"/>
-              <a:buChar char="•"/>
-              <a:tabLst/>
+            <a:pPr>
               <a:defRPr/>
             </a:pPr>
             <a:r>
-              <a:rPr kumimoji="0" lang="en-US" sz="3200" b="0" i="0" u="none" strike="noStrike" kern="1200" cap="none" spc="0" normalizeH="0" baseline="0" noProof="0" dirty="0" smtClean="0">
-                <a:ln>
-                  <a:noFill/>
-                </a:ln>
-                <a:solidFill>
-                  <a:schemeClr val="tx1"/>
-                </a:solidFill>
-                <a:effectLst/>
-                <a:uLnTx/>
-                <a:uFillTx/>
-                <a:latin typeface="+mn-lt"/>
-                <a:ea typeface="+mn-ea"/>
-                <a:cs typeface="+mn-cs"/>
-              </a:rPr>
-              <a:t>Overloaded</a:t>
-            </a:r>
-            <a:endParaRPr lang="en-US" sz="3200" dirty="0" smtClean="0"/>
-          </a:p>
-          <a:p>
-            <a:pPr marL="342900" marR="0" lvl="0" indent="-342900" algn="l" defTabSz="914400" rtl="0" eaLnBrk="1" fontAlgn="auto" latinLnBrk="0" hangingPunct="1">
-              <a:lnSpc>
-                <a:spcPct val="100000"/>
-              </a:lnSpc>
-              <a:spcBef>
-                <a:spcPct val="20000"/>
-              </a:spcBef>
-              <a:spcAft>
-                <a:spcPts val="0"/>
-              </a:spcAft>
-              <a:buClrTx/>
-              <a:buSzTx/>
-              <a:buFont typeface="Arial" pitchFamily="34" charset="0"/>
-              <a:buChar char="•"/>
-              <a:tabLst/>
-              <a:defRPr/>
-            </a:pPr>
-            <a:r>
-              <a:rPr kumimoji="0" lang="en-US" sz="3200" b="0" i="0" u="none" strike="noStrike" kern="1200" cap="none" spc="0" normalizeH="0" baseline="0" noProof="0" dirty="0" smtClean="0">
-                <a:ln>
-                  <a:noFill/>
-                </a:ln>
-                <a:solidFill>
-                  <a:schemeClr val="tx1"/>
-                </a:solidFill>
-                <a:effectLst/>
-                <a:uLnTx/>
-                <a:uFillTx/>
-                <a:latin typeface="+mn-lt"/>
-                <a:ea typeface="+mn-ea"/>
-                <a:cs typeface="+mn-cs"/>
-              </a:rPr>
-              <a:t>Expensive</a:t>
+              <a:rPr lang="en-US" sz="2000" b="1" dirty="0" smtClean="0"/>
+              <a:t>“When I created BitTorrent in 2001, my mission was to solve the problem every website has when distributing large, popular files” – Bram Cohen</a:t>
             </a:r>
           </a:p>
         </p:txBody>
@@ -10555,7 +11030,7 @@
           <a:p>
             <a:r>
               <a:rPr lang="en-US" dirty="0" smtClean="0"/>
-              <a:t>Turn to P2P</a:t>
+              <a:t>BitTorrent Downsides</a:t>
             </a:r>
             <a:endParaRPr lang="en-US" dirty="0"/>
           </a:p>
@@ -10573,99 +11048,63 @@
         </p:nvSpPr>
         <p:spPr/>
         <p:txBody>
-          <a:bodyPr/>
-          <a:lstStyle/>
-          <a:p>
-            <a:r>
-              <a:rPr lang="en-US" dirty="0" smtClean="0"/>
-              <a:t>BitTorrent</a:t>
-            </a:r>
-          </a:p>
-          <a:p>
-            <a:pPr lvl="1"/>
-            <a:r>
-              <a:rPr lang="en-US" dirty="0" smtClean="0"/>
-              <a:t>Create + host BitTorrent File</a:t>
-            </a:r>
-          </a:p>
-          <a:p>
-            <a:pPr lvl="1"/>
-            <a:r>
-              <a:rPr lang="en-US" dirty="0" smtClean="0"/>
-              <a:t>Run a tracker</a:t>
-            </a:r>
-          </a:p>
-          <a:p>
-            <a:pPr lvl="1"/>
-            <a:r>
-              <a:rPr lang="en-US" dirty="0" smtClean="0"/>
-              <a:t>Peers download and share blocks (efficiently)</a:t>
-            </a:r>
-          </a:p>
-          <a:p>
-            <a:pPr lvl="1"/>
-            <a:r>
-              <a:rPr lang="en-US" dirty="0" smtClean="0"/>
-              <a:t>Works well for large popular files</a:t>
-            </a:r>
-          </a:p>
-        </p:txBody>
-      </p:sp>
-      <p:pic>
-        <p:nvPicPr>
-          <p:cNvPr id="2050" name="Picture 2" descr="C:\Documents and Settings\Default\Desktop\bannerlogo.png"/>
-          <p:cNvPicPr>
-            <a:picLocks noChangeAspect="1" noChangeArrowheads="1"/>
-          </p:cNvPicPr>
-          <p:nvPr/>
-        </p:nvPicPr>
-        <p:blipFill>
-          <a:blip r:embed="rId3" cstate="print"/>
-          <a:srcRect/>
-          <a:stretch>
-            <a:fillRect/>
-          </a:stretch>
-        </p:blipFill>
-        <p:spPr bwMode="auto">
-          <a:xfrm>
-            <a:off x="6553200" y="609600"/>
-            <a:ext cx="1524000" cy="619125"/>
-          </a:xfrm>
-          <a:prstGeom prst="rect">
-            <a:avLst/>
-          </a:prstGeom>
-          <a:noFill/>
-        </p:spPr>
-      </p:pic>
-      <p:sp>
-        <p:nvSpPr>
-          <p:cNvPr id="5" name="Content Placeholder 2"/>
-          <p:cNvSpPr txBox="1">
-            <a:spLocks/>
-          </p:cNvSpPr>
-          <p:nvPr/>
-        </p:nvSpPr>
-        <p:spPr>
-          <a:xfrm>
-            <a:off x="304800" y="5638800"/>
-            <a:ext cx="8229600" cy="1524000"/>
-          </a:xfrm>
-          <a:prstGeom prst="rect">
-            <a:avLst/>
-          </a:prstGeom>
-        </p:spPr>
-        <p:txBody>
-          <a:bodyPr vert="horz" lIns="91440" tIns="45720" rIns="91440" bIns="45720" rtlCol="0">
+          <a:bodyPr>
             <a:normAutofit/>
           </a:bodyPr>
           <a:lstStyle/>
           <a:p>
-            <a:pPr>
-              <a:defRPr/>
-            </a:pPr>
-            <a:r>
-              <a:rPr lang="en-US" sz="2000" b="1" dirty="0" smtClean="0"/>
-              <a:t>“When I created BitTorrent in 2001, my mission was to solve the problem every website has when distributing large, popular files” – Bram Cohen</a:t>
+            <a:r>
+              <a:rPr lang="en-US" dirty="0" smtClean="0"/>
+              <a:t>Server side</a:t>
+            </a:r>
+          </a:p>
+          <a:p>
+            <a:pPr lvl="1"/>
+            <a:r>
+              <a:rPr lang="en-US" dirty="0" smtClean="0"/>
+              <a:t>Per file</a:t>
+            </a:r>
+          </a:p>
+          <a:p>
+            <a:pPr lvl="2"/>
+            <a:r>
+              <a:rPr lang="en-US" dirty="0" smtClean="0"/>
+              <a:t>Extra maintenance</a:t>
+            </a:r>
+          </a:p>
+          <a:p>
+            <a:pPr lvl="1"/>
+            <a:r>
+              <a:rPr lang="en-US" dirty="0" smtClean="0"/>
+              <a:t>Have to provide traditional anyway</a:t>
+            </a:r>
+          </a:p>
+          <a:p>
+            <a:pPr lvl="2"/>
+            <a:r>
+              <a:rPr lang="en-US" dirty="0" smtClean="0"/>
+              <a:t>Lack of clients</a:t>
+            </a:r>
+          </a:p>
+          <a:p>
+            <a:pPr lvl="1"/>
+            <a:r>
+              <a:rPr lang="en-US" dirty="0" smtClean="0"/>
+              <a:t>Stigma</a:t>
+            </a:r>
+          </a:p>
+          <a:p>
+            <a:pPr lvl="1"/>
+            <a:r>
+              <a:rPr lang="en-US" dirty="0" smtClean="0"/>
+              <a:t>Optimized for large files, long downloads </a:t>
+            </a:r>
+          </a:p>
+          <a:p>
+            <a:pPr lvl="1"/>
+            <a:r>
+              <a:rPr lang="en-US" dirty="0" smtClean="0"/>
+              <a:t>Unknown demand</a:t>
             </a:r>
           </a:p>
         </p:txBody>
@@ -10719,7 +11158,7 @@
           <a:p>
             <a:r>
               <a:rPr lang="en-US" dirty="0" smtClean="0"/>
-              <a:t>BitTorrent downsides</a:t>
+              <a:t>BitTorrent Downsides</a:t>
             </a:r>
             <a:endParaRPr lang="en-US" dirty="0"/>
           </a:p>
@@ -10744,60 +11183,99 @@
           <a:p>
             <a:r>
               <a:rPr lang="en-US" dirty="0" smtClean="0"/>
-              <a:t>Server side</a:t>
+              <a:t>Client side</a:t>
             </a:r>
           </a:p>
           <a:p>
             <a:pPr lvl="1"/>
             <a:r>
               <a:rPr lang="en-US" dirty="0" smtClean="0"/>
-              <a:t>Per File</a:t>
+              <a:t>Extra setup/time per file</a:t>
+            </a:r>
+          </a:p>
+          <a:p>
+            <a:pPr lvl="2"/>
+            <a:r>
+              <a:rPr lang="en-US" dirty="0" smtClean="0"/>
+              <a:t>Manual</a:t>
+            </a:r>
+          </a:p>
+          <a:p>
+            <a:pPr lvl="3"/>
+            <a:r>
+              <a:rPr lang="en-US" dirty="0" smtClean="0"/>
+              <a:t>Small files</a:t>
+            </a:r>
+          </a:p>
+          <a:p>
+            <a:pPr lvl="3"/>
+            <a:r>
+              <a:rPr lang="en-US" dirty="0" smtClean="0"/>
+              <a:t>Non integrated (browsing)</a:t>
             </a:r>
           </a:p>
           <a:p>
             <a:pPr lvl="1"/>
             <a:r>
               <a:rPr lang="en-US" dirty="0" smtClean="0"/>
-              <a:t>Have to provide traditional anyway</a:t>
+              <a:t>Technical expertise</a:t>
+            </a:r>
+          </a:p>
+          <a:p>
+            <a:pPr lvl="1"/>
+            <a:r>
+              <a:rPr lang="en-US" dirty="0" smtClean="0"/>
+              <a:t>Often slower than client-server</a:t>
             </a:r>
           </a:p>
           <a:p>
             <a:pPr lvl="2"/>
             <a:r>
               <a:rPr lang="en-US" dirty="0" smtClean="0"/>
-              <a:t>Lack of clients</a:t>
+              <a:t>Not enough seeds </a:t>
             </a:r>
           </a:p>
           <a:p>
             <a:pPr lvl="1"/>
             <a:r>
               <a:rPr lang="en-US" dirty="0" smtClean="0"/>
-              <a:t>Stigma</a:t>
-            </a:r>
-          </a:p>
-          <a:p>
-            <a:pPr lvl="1"/>
-            <a:r>
-              <a:rPr lang="en-US" dirty="0" smtClean="0"/>
-              <a:t>Extra maintenance</a:t>
-            </a:r>
-          </a:p>
-          <a:p>
-            <a:pPr lvl="1"/>
-            <a:r>
-              <a:rPr lang="en-US" dirty="0" smtClean="0"/>
-              <a:t>Large Files</a:t>
-            </a:r>
-          </a:p>
-          <a:p>
-            <a:pPr lvl="1"/>
-            <a:r>
-              <a:rPr lang="en-US" dirty="0" smtClean="0"/>
-              <a:t>Unknown demand</a:t>
-            </a:r>
-          </a:p>
-        </p:txBody>
-      </p:sp>
+              <a:t>Not available</a:t>
+            </a:r>
+          </a:p>
+        </p:txBody>
+      </p:sp>
+      <p:pic>
+        <p:nvPicPr>
+          <p:cNvPr id="4" name="Picture 2"/>
+          <p:cNvPicPr>
+            <a:picLocks noChangeAspect="1" noChangeArrowheads="1"/>
+          </p:cNvPicPr>
+          <p:nvPr/>
+        </p:nvPicPr>
+        <p:blipFill>
+          <a:blip r:embed="rId3" cstate="print"/>
+          <a:srcRect/>
+          <a:stretch>
+            <a:fillRect/>
+          </a:stretch>
+        </p:blipFill>
+        <p:spPr bwMode="auto">
+          <a:xfrm>
+            <a:off x="4886864" y="1219200"/>
+            <a:ext cx="4257136" cy="2743200"/>
+          </a:xfrm>
+          <a:prstGeom prst="rect">
+            <a:avLst/>
+          </a:prstGeom>
+          <a:noFill/>
+          <a:ln w="9525">
+            <a:noFill/>
+            <a:miter lim="800000"/>
+            <a:headEnd/>
+            <a:tailEnd/>
+          </a:ln>
+        </p:spPr>
+      </p:pic>
     </p:spTree>
   </p:cSld>
   <p:clrMapOvr>
@@ -10840,14 +11318,21 @@
             <p:ph type="title"/>
           </p:nvPr>
         </p:nvSpPr>
-        <p:spPr/>
-        <p:txBody>
-          <a:bodyPr/>
-          <a:lstStyle/>
-          <a:p>
-            <a:r>
-              <a:rPr lang="en-US" dirty="0" smtClean="0"/>
-              <a:t>BitTorrent downsides</a:t>
+        <p:spPr>
+          <a:xfrm>
+            <a:off x="457200" y="304800"/>
+            <a:ext cx="8229600" cy="1143000"/>
+          </a:xfrm>
+        </p:spPr>
+        <p:txBody>
+          <a:bodyPr>
+            <a:normAutofit/>
+          </a:bodyPr>
+          <a:lstStyle/>
+          <a:p>
+            <a:r>
+              <a:rPr lang="en-US" dirty="0" smtClean="0"/>
+              <a:t>Other Related Work</a:t>
             </a:r>
             <a:endParaRPr lang="en-US" dirty="0"/>
           </a:p>
@@ -10872,124 +11357,86 @@
           <a:p>
             <a:r>
               <a:rPr lang="en-US" dirty="0" smtClean="0"/>
-              <a:t>Clients</a:t>
+              <a:t>Client-side protocols</a:t>
             </a:r>
           </a:p>
           <a:p>
             <a:pPr lvl="1"/>
             <a:r>
               <a:rPr lang="en-US" dirty="0" smtClean="0"/>
-              <a:t>Extra setup/time per file</a:t>
+              <a:t>Squirrel</a:t>
             </a:r>
           </a:p>
           <a:p>
             <a:pPr lvl="2"/>
             <a:r>
               <a:rPr lang="en-US" dirty="0" smtClean="0"/>
-              <a:t>Small files</a:t>
+              <a:t>Share local browser caches</a:t>
+            </a:r>
+          </a:p>
+          <a:p>
+            <a:pPr lvl="2"/>
+            <a:r>
+              <a:rPr lang="en-US" dirty="0" smtClean="0"/>
+              <a:t>No transition</a:t>
+            </a:r>
+          </a:p>
+          <a:p>
+            <a:pPr lvl="3"/>
+            <a:r>
+              <a:rPr lang="en-US" dirty="0" smtClean="0"/>
+              <a:t>Extra hop</a:t>
+            </a:r>
+          </a:p>
+          <a:p>
+            <a:pPr lvl="2"/>
+            <a:r>
+              <a:rPr lang="en-US" dirty="0" smtClean="0"/>
+              <a:t>No swarming</a:t>
+            </a:r>
+          </a:p>
+          <a:p>
+            <a:pPr lvl="3"/>
+            <a:r>
+              <a:rPr lang="en-US" dirty="0" smtClean="0"/>
+              <a:t>Not built for Internet at large</a:t>
+            </a:r>
+          </a:p>
+          <a:p>
+            <a:r>
+              <a:rPr lang="en-US" dirty="0" smtClean="0"/>
+              <a:t>Server-side protocols</a:t>
             </a:r>
           </a:p>
           <a:p>
             <a:pPr lvl="1"/>
             <a:r>
               <a:rPr lang="en-US" dirty="0" smtClean="0"/>
-              <a:t>Technical expertise</a:t>
+              <a:t>Backslash</a:t>
+            </a:r>
+          </a:p>
+          <a:p>
+            <a:pPr lvl="2"/>
+            <a:r>
+              <a:rPr lang="en-US" dirty="0" smtClean="0"/>
+              <a:t>Limited by servers’ bandwidth</a:t>
+            </a:r>
+          </a:p>
+          <a:p>
+            <a:r>
+              <a:rPr lang="en-US" dirty="0" smtClean="0"/>
+              <a:t>Cooperative protocols</a:t>
             </a:r>
           </a:p>
           <a:p>
             <a:pPr lvl="1"/>
             <a:r>
               <a:rPr lang="en-US" dirty="0" smtClean="0"/>
-              <a:t>Not integrated</a:t>
-            </a:r>
-          </a:p>
-          <a:p>
-            <a:pPr lvl="2"/>
-            <a:r>
-              <a:rPr lang="en-US" dirty="0" smtClean="0"/>
-              <a:t>Manual</a:t>
-            </a:r>
-          </a:p>
-          <a:p>
-            <a:pPr lvl="2"/>
-            <a:r>
-              <a:rPr lang="en-US" dirty="0" smtClean="0"/>
-              <a:t>Not HTTP optimized</a:t>
-            </a:r>
-          </a:p>
-          <a:p>
-            <a:pPr lvl="1"/>
-            <a:r>
-              <a:rPr lang="en-US" dirty="0" smtClean="0"/>
-              <a:t>Often slower than client-server</a:t>
-            </a:r>
-          </a:p>
-          <a:p>
-            <a:pPr lvl="2"/>
-            <a:r>
-              <a:rPr lang="en-US" dirty="0" smtClean="0"/>
-              <a:t>Costs time</a:t>
-            </a:r>
-          </a:p>
-          <a:p>
-            <a:pPr lvl="3"/>
-            <a:r>
-              <a:rPr lang="en-US" dirty="0" err="1" smtClean="0"/>
-              <a:t>Warmup</a:t>
-            </a:r>
-            <a:r>
-              <a:rPr lang="en-US" dirty="0" smtClean="0"/>
-              <a:t> phase</a:t>
-            </a:r>
-          </a:p>
-          <a:p>
-            <a:pPr lvl="3"/>
-            <a:r>
-              <a:rPr lang="en-US" dirty="0" smtClean="0"/>
-              <a:t>Not enough seeds</a:t>
-            </a:r>
-          </a:p>
-          <a:p>
-            <a:pPr lvl="1"/>
-            <a:r>
-              <a:rPr lang="en-US" dirty="0" smtClean="0"/>
-              <a:t>Not available</a:t>
-            </a:r>
-          </a:p>
-        </p:txBody>
-      </p:sp>
-      <p:pic>
-        <p:nvPicPr>
-          <p:cNvPr id="4" name="Picture 2"/>
-          <p:cNvPicPr>
-            <a:picLocks noChangeAspect="1" noChangeArrowheads="1"/>
-          </p:cNvPicPr>
-          <p:nvPr/>
-        </p:nvPicPr>
-        <p:blipFill>
-          <a:blip r:embed="rId3" cstate="print"/>
-          <a:srcRect/>
-          <a:stretch>
-            <a:fillRect/>
-          </a:stretch>
-        </p:blipFill>
-        <p:spPr bwMode="auto">
-          <a:xfrm>
-            <a:off x="4886864" y="1219200"/>
-            <a:ext cx="4257136" cy="2743200"/>
-          </a:xfrm>
-          <a:prstGeom prst="rect">
-            <a:avLst/>
-          </a:prstGeom>
-          <a:noFill/>
-          <a:ln w="9525">
-            <a:noFill/>
-            <a:miter lim="800000"/>
-            <a:headEnd/>
-            <a:tailEnd/>
-          </a:ln>
-        </p:spPr>
-      </p:pic>
+              <a:t>BitTorrent</a:t>
+            </a:r>
+          </a:p>
+        </p:txBody>
+      </p:sp>
     </p:spTree>
   </p:cSld>
   <p:clrMapOvr>
